--- a/Requirements-Engineering/RE-L00-Organization.pptx
+++ b/Requirements-Engineering/RE-L00-Organization.pptx
@@ -84,12 +84,12 @@
           <a:p>
             <a:pPr algn="ctr"/>
             <a:r>
-              <a:rPr b="0" lang="en-GB" sz="4400" spc="-1" strike="noStrike">
+              <a:rPr b="0" lang="en-US" sz="4400" spc="-1" strike="noStrike">
                 <a:latin typeface="Arial"/>
               </a:rPr>
               <a:t>Click to move the slide</a:t>
             </a:r>
-            <a:endParaRPr b="0" lang="en-GB" sz="4400" spc="-1" strike="noStrike">
+            <a:endParaRPr b="0" lang="en-US" sz="4400" spc="-1" strike="noStrike">
               <a:latin typeface="Arial"/>
             </a:endParaRPr>
           </a:p>
@@ -127,12 +127,186 @@
               <a:buNone/>
             </a:pPr>
             <a:r>
-              <a:rPr b="0" lang="en-GB" sz="2000" spc="-1" strike="noStrike">
+              <a:rPr b="0" lang="en-US" sz="2000" spc="-1" strike="noStrike">
                 <a:latin typeface="Arial"/>
               </a:rPr>
-              <a:t>Click to edit the notes' format</a:t>
-            </a:r>
-            <a:endParaRPr b="0" lang="en-GB" sz="2000" spc="-1" strike="noStrike">
+              <a:t>C</a:t>
+            </a:r>
+            <a:r>
+              <a:rPr b="0" lang="en-US" sz="2000" spc="-1" strike="noStrike">
+                <a:latin typeface="Arial"/>
+              </a:rPr>
+              <a:t>l</a:t>
+            </a:r>
+            <a:r>
+              <a:rPr b="0" lang="en-US" sz="2000" spc="-1" strike="noStrike">
+                <a:latin typeface="Arial"/>
+              </a:rPr>
+              <a:t>i</a:t>
+            </a:r>
+            <a:r>
+              <a:rPr b="0" lang="en-US" sz="2000" spc="-1" strike="noStrike">
+                <a:latin typeface="Arial"/>
+              </a:rPr>
+              <a:t>c</a:t>
+            </a:r>
+            <a:r>
+              <a:rPr b="0" lang="en-US" sz="2000" spc="-1" strike="noStrike">
+                <a:latin typeface="Arial"/>
+              </a:rPr>
+              <a:t>k</a:t>
+            </a:r>
+            <a:r>
+              <a:rPr b="0" lang="en-US" sz="2000" spc="-1" strike="noStrike">
+                <a:latin typeface="Arial"/>
+              </a:rPr>
+              <a:t> </a:t>
+            </a:r>
+            <a:r>
+              <a:rPr b="0" lang="en-US" sz="2000" spc="-1" strike="noStrike">
+                <a:latin typeface="Arial"/>
+              </a:rPr>
+              <a:t>t</a:t>
+            </a:r>
+            <a:r>
+              <a:rPr b="0" lang="en-US" sz="2000" spc="-1" strike="noStrike">
+                <a:latin typeface="Arial"/>
+              </a:rPr>
+              <a:t>o</a:t>
+            </a:r>
+            <a:r>
+              <a:rPr b="0" lang="en-US" sz="2000" spc="-1" strike="noStrike">
+                <a:latin typeface="Arial"/>
+              </a:rPr>
+              <a:t> </a:t>
+            </a:r>
+            <a:r>
+              <a:rPr b="0" lang="en-US" sz="2000" spc="-1" strike="noStrike">
+                <a:latin typeface="Arial"/>
+              </a:rPr>
+              <a:t>e</a:t>
+            </a:r>
+            <a:r>
+              <a:rPr b="0" lang="en-US" sz="2000" spc="-1" strike="noStrike">
+                <a:latin typeface="Arial"/>
+              </a:rPr>
+              <a:t>d</a:t>
+            </a:r>
+            <a:r>
+              <a:rPr b="0" lang="en-US" sz="2000" spc="-1" strike="noStrike">
+                <a:latin typeface="Arial"/>
+              </a:rPr>
+              <a:t>i</a:t>
+            </a:r>
+            <a:r>
+              <a:rPr b="0" lang="en-US" sz="2000" spc="-1" strike="noStrike">
+                <a:latin typeface="Arial"/>
+              </a:rPr>
+              <a:t>t</a:t>
+            </a:r>
+            <a:r>
+              <a:rPr b="0" lang="en-US" sz="2000" spc="-1" strike="noStrike">
+                <a:latin typeface="Arial"/>
+              </a:rPr>
+              <a:t> </a:t>
+            </a:r>
+            <a:r>
+              <a:rPr b="0" lang="en-US" sz="2000" spc="-1" strike="noStrike">
+                <a:latin typeface="Arial"/>
+              </a:rPr>
+              <a:t>t</a:t>
+            </a:r>
+            <a:r>
+              <a:rPr b="0" lang="en-US" sz="2000" spc="-1" strike="noStrike">
+                <a:latin typeface="Arial"/>
+              </a:rPr>
+              <a:t>h</a:t>
+            </a:r>
+            <a:r>
+              <a:rPr b="0" lang="en-US" sz="2000" spc="-1" strike="noStrike">
+                <a:latin typeface="Arial"/>
+              </a:rPr>
+              <a:t>e</a:t>
+            </a:r>
+            <a:r>
+              <a:rPr b="0" lang="en-US" sz="2000" spc="-1" strike="noStrike">
+                <a:latin typeface="Arial"/>
+              </a:rPr>
+              <a:t> </a:t>
+            </a:r>
+            <a:r>
+              <a:rPr b="0" lang="en-US" sz="2000" spc="-1" strike="noStrike">
+                <a:latin typeface="Arial"/>
+              </a:rPr>
+              <a:t>n</a:t>
+            </a:r>
+            <a:r>
+              <a:rPr b="0" lang="en-US" sz="2000" spc="-1" strike="noStrike">
+                <a:latin typeface="Arial"/>
+              </a:rPr>
+              <a:t>o</a:t>
+            </a:r>
+            <a:r>
+              <a:rPr b="0" lang="en-US" sz="2000" spc="-1" strike="noStrike">
+                <a:latin typeface="Arial"/>
+              </a:rPr>
+              <a:t>t</a:t>
+            </a:r>
+            <a:r>
+              <a:rPr b="0" lang="en-US" sz="2000" spc="-1" strike="noStrike">
+                <a:latin typeface="Arial"/>
+              </a:rPr>
+              <a:t>e</a:t>
+            </a:r>
+            <a:r>
+              <a:rPr b="0" lang="en-US" sz="2000" spc="-1" strike="noStrike">
+                <a:latin typeface="Arial"/>
+              </a:rPr>
+              <a:t>s</a:t>
+            </a:r>
+            <a:r>
+              <a:rPr b="0" lang="en-US" sz="2000" spc="-1" strike="noStrike">
+                <a:latin typeface="Arial"/>
+              </a:rPr>
+              <a:t> </a:t>
+            </a:r>
+            <a:r>
+              <a:rPr b="0" lang="en-US" sz="2000" spc="-1" strike="noStrike">
+                <a:latin typeface="Arial"/>
+              </a:rPr>
+              <a:t>f</a:t>
+            </a:r>
+            <a:r>
+              <a:rPr b="0" lang="en-US" sz="2000" spc="-1" strike="noStrike">
+                <a:latin typeface="Arial"/>
+              </a:rPr>
+              <a:t>o</a:t>
+            </a:r>
+            <a:r>
+              <a:rPr b="0" lang="en-US" sz="2000" spc="-1" strike="noStrike">
+                <a:latin typeface="Arial"/>
+              </a:rPr>
+              <a:t>r</a:t>
+            </a:r>
+            <a:r>
+              <a:rPr b="0" lang="en-US" sz="2000" spc="-1" strike="noStrike">
+                <a:latin typeface="Arial"/>
+              </a:rPr>
+              <a:t>m</a:t>
+            </a:r>
+            <a:r>
+              <a:rPr b="0" lang="en-US" sz="2000" spc="-1" strike="noStrike">
+                <a:latin typeface="Arial"/>
+              </a:rPr>
+              <a:t>a</a:t>
+            </a:r>
+            <a:r>
+              <a:rPr b="0" lang="en-US" sz="2000" spc="-1" strike="noStrike">
+                <a:latin typeface="Arial"/>
+              </a:rPr>
+              <a:t>t</a:t>
+            </a:r>
+            <a:endParaRPr b="0" lang="en-US" sz="2000" spc="-1" strike="noStrike">
               <a:latin typeface="Arial"/>
             </a:endParaRPr>
           </a:p>
@@ -170,12 +344,12 @@
               <a:buNone/>
             </a:pPr>
             <a:r>
-              <a:rPr b="0" lang="en-GB" sz="1400" spc="-1" strike="noStrike">
+              <a:rPr b="0" lang="en-US" sz="1400" spc="-1" strike="noStrike">
                 <a:latin typeface="Times New Roman"/>
               </a:rPr>
               <a:t>&lt;header&gt;</a:t>
             </a:r>
-            <a:endParaRPr b="0" lang="en-GB" sz="1400" spc="-1" strike="noStrike">
+            <a:endParaRPr b="0" lang="en-US" sz="1400" spc="-1" strike="noStrike">
               <a:latin typeface="Times New Roman"/>
             </a:endParaRPr>
           </a:p>
@@ -211,7 +385,7 @@
           <a:lstStyle>
             <a:lvl1pPr indent="0" algn="r">
               <a:buNone/>
-              <a:defRPr b="0" lang="en-GB" sz="1400" spc="-1" strike="noStrike">
+              <a:defRPr b="0" lang="en-US" sz="1400" spc="-1" strike="noStrike">
                 <a:latin typeface="Times New Roman"/>
               </a:defRPr>
             </a:lvl1pPr>
@@ -221,12 +395,12 @@
               <a:buNone/>
             </a:pPr>
             <a:r>
-              <a:rPr b="0" lang="en-GB" sz="1400" spc="-1" strike="noStrike">
+              <a:rPr b="0" lang="en-US" sz="1400" spc="-1" strike="noStrike">
                 <a:latin typeface="Times New Roman"/>
               </a:rPr>
               <a:t>&lt;date/time&gt;</a:t>
             </a:r>
-            <a:endParaRPr b="0" lang="en-GB" sz="1400" spc="-1" strike="noStrike">
+            <a:endParaRPr b="0" lang="en-US" sz="1400" spc="-1" strike="noStrike">
               <a:latin typeface="Times New Roman"/>
             </a:endParaRPr>
           </a:p>
@@ -262,7 +436,7 @@
           <a:lstStyle>
             <a:lvl1pPr indent="0">
               <a:buNone/>
-              <a:defRPr b="0" lang="en-GB" sz="1400" spc="-1" strike="noStrike">
+              <a:defRPr b="0" lang="en-US" sz="1400" spc="-1" strike="noStrike">
                 <a:latin typeface="Times New Roman"/>
               </a:defRPr>
             </a:lvl1pPr>
@@ -272,12 +446,12 @@
               <a:buNone/>
             </a:pPr>
             <a:r>
-              <a:rPr b="0" lang="en-GB" sz="1400" spc="-1" strike="noStrike">
+              <a:rPr b="0" lang="en-US" sz="1400" spc="-1" strike="noStrike">
                 <a:latin typeface="Times New Roman"/>
               </a:rPr>
               <a:t>&lt;footer&gt;</a:t>
             </a:r>
-            <a:endParaRPr b="0" lang="en-GB" sz="1400" spc="-1" strike="noStrike">
+            <a:endParaRPr b="0" lang="en-US" sz="1400" spc="-1" strike="noStrike">
               <a:latin typeface="Times New Roman"/>
             </a:endParaRPr>
           </a:p>
@@ -313,7 +487,7 @@
           <a:lstStyle>
             <a:lvl1pPr indent="0" algn="r">
               <a:buNone/>
-              <a:defRPr b="0" lang="en-GB" sz="1400" spc="-1" strike="noStrike">
+              <a:defRPr b="0" lang="en-US" sz="1400" spc="-1" strike="noStrike">
                 <a:latin typeface="Times New Roman"/>
               </a:defRPr>
             </a:lvl1pPr>
@@ -322,13 +496,13 @@
             <a:pPr indent="0" algn="r">
               <a:buNone/>
             </a:pPr>
-            <a:fld id="{798E6D73-BEFB-4D2E-810F-64B02AF38408}" type="slidenum">
-              <a:rPr b="0" lang="en-GB" sz="1400" spc="-1" strike="noStrike">
+            <a:fld id="{1FD91AA4-F842-47C8-9404-F82CD68D06FD}" type="slidenum">
+              <a:rPr b="0" lang="en-US" sz="1400" spc="-1" strike="noStrike">
                 <a:latin typeface="Times New Roman"/>
               </a:rPr>
               <a:t>&lt;number&gt;</a:t>
             </a:fld>
-            <a:endParaRPr b="0" lang="en-GB" sz="1400" spc="-1" strike="noStrike">
+            <a:endParaRPr b="0" lang="en-US" sz="1400" spc="-1" strike="noStrike">
               <a:latin typeface="Times New Roman"/>
             </a:endParaRPr>
           </a:p>
@@ -359,7 +533,7 @@
       </p:grpSpPr>
       <p:sp>
         <p:nvSpPr>
-          <p:cNvPr id="174" name="PlaceHolder 1"/>
+          <p:cNvPr id="171" name="PlaceHolder 1"/>
           <p:cNvSpPr>
             <a:spLocks noGrp="1"/>
           </p:cNvSpPr>
@@ -370,19 +544,19 @@
         <p:spPr>
           <a:xfrm>
             <a:off x="533520" y="763560"/>
-            <a:ext cx="6698880" cy="3767040"/>
-          </a:xfrm>
-          <a:prstGeom prst="rect">
-            <a:avLst/>
-          </a:prstGeom>
-          <a:ln w="0">
-            <a:noFill/>
-          </a:ln>
-        </p:spPr>
-      </p:sp>
-      <p:sp>
-        <p:nvSpPr>
-          <p:cNvPr id="175" name="PlaceHolder 2"/>
+            <a:ext cx="6698520" cy="3766680"/>
+          </a:xfrm>
+          <a:prstGeom prst="rect">
+            <a:avLst/>
+          </a:prstGeom>
+          <a:ln w="0">
+            <a:noFill/>
+          </a:ln>
+        </p:spPr>
+      </p:sp>
+      <p:sp>
+        <p:nvSpPr>
+          <p:cNvPr id="172" name="PlaceHolder 2"/>
           <p:cNvSpPr>
             <a:spLocks noGrp="1"/>
           </p:cNvSpPr>
@@ -393,7 +567,7 @@
         <p:spPr>
           <a:xfrm>
             <a:off x="777240" y="4777560"/>
-            <a:ext cx="6212520" cy="4520880"/>
+            <a:ext cx="6212160" cy="4520520"/>
           </a:xfrm>
           <a:prstGeom prst="rect">
             <a:avLst/>
@@ -411,22 +585,22 @@
             <a:pPr marL="216000" indent="0">
               <a:buNone/>
             </a:pPr>
-            <a:endParaRPr b="0" lang="en-GB" sz="2000" spc="-1" strike="noStrike">
-              <a:latin typeface="Arial"/>
-            </a:endParaRPr>
-          </a:p>
-        </p:txBody>
-      </p:sp>
-      <p:sp>
-        <p:nvSpPr>
-          <p:cNvPr id="176" name="TextShape 3"/>
+            <a:endParaRPr b="0" lang="en-US" sz="2000" spc="-1" strike="noStrike">
+              <a:latin typeface="Arial"/>
+            </a:endParaRPr>
+          </a:p>
+        </p:txBody>
+      </p:sp>
+      <p:sp>
+        <p:nvSpPr>
+          <p:cNvPr id="173" name="TextShape 3"/>
           <p:cNvSpPr/>
           <p:nvPr/>
         </p:nvSpPr>
         <p:spPr>
           <a:xfrm>
             <a:off x="4399200" y="9555480"/>
-            <a:ext cx="3367800" cy="497520"/>
+            <a:ext cx="3367440" cy="497160"/>
           </a:xfrm>
           <a:prstGeom prst="rect">
             <a:avLst/>
@@ -452,7 +626,7 @@
                 <a:spcPct val="100000"/>
               </a:lnSpc>
             </a:pPr>
-            <a:fld id="{2DF154FB-06CF-42E1-A4DF-1CB9EE9387C1}" type="slidenum">
+            <a:fld id="{A7EBCD11-CEB4-49B5-8636-BA1E50FE7316}" type="slidenum">
               <a:rPr b="0" lang="en-GB" sz="1800" spc="-1" strike="noStrike">
                 <a:solidFill>
                   <a:srgbClr val="000000"/>
@@ -460,9 +634,9 @@
                 <a:latin typeface="+mn-lt"/>
                 <a:ea typeface="+mn-ea"/>
               </a:rPr>
-              <a:t>&lt;number&gt;</a:t>
+              <a:t>6</a:t>
             </a:fld>
-            <a:endParaRPr b="0" lang="en-GB" sz="1800" spc="-1" strike="noStrike">
+            <a:endParaRPr b="0" lang="en-US" sz="1800" spc="-1" strike="noStrike">
               <a:latin typeface="Arial"/>
             </a:endParaRPr>
           </a:p>
@@ -492,7 +666,7 @@
       </p:grpSpPr>
       <p:sp>
         <p:nvSpPr>
-          <p:cNvPr id="177" name="PlaceHolder 1"/>
+          <p:cNvPr id="174" name="PlaceHolder 1"/>
           <p:cNvSpPr>
             <a:spLocks noGrp="1"/>
           </p:cNvSpPr>
@@ -503,19 +677,19 @@
         <p:spPr>
           <a:xfrm>
             <a:off x="533520" y="763560"/>
-            <a:ext cx="6698880" cy="3767040"/>
-          </a:xfrm>
-          <a:prstGeom prst="rect">
-            <a:avLst/>
-          </a:prstGeom>
-          <a:ln w="0">
-            <a:noFill/>
-          </a:ln>
-        </p:spPr>
-      </p:sp>
-      <p:sp>
-        <p:nvSpPr>
-          <p:cNvPr id="178" name="PlaceHolder 2"/>
+            <a:ext cx="6698520" cy="3766680"/>
+          </a:xfrm>
+          <a:prstGeom prst="rect">
+            <a:avLst/>
+          </a:prstGeom>
+          <a:ln w="0">
+            <a:noFill/>
+          </a:ln>
+        </p:spPr>
+      </p:sp>
+      <p:sp>
+        <p:nvSpPr>
+          <p:cNvPr id="175" name="PlaceHolder 2"/>
           <p:cNvSpPr>
             <a:spLocks noGrp="1"/>
           </p:cNvSpPr>
@@ -526,7 +700,7 @@
         <p:spPr>
           <a:xfrm>
             <a:off x="777240" y="4777560"/>
-            <a:ext cx="6212520" cy="4520880"/>
+            <a:ext cx="6212160" cy="4520520"/>
           </a:xfrm>
           <a:prstGeom prst="rect">
             <a:avLst/>
@@ -544,22 +718,22 @@
             <a:pPr marL="216000" indent="0">
               <a:buNone/>
             </a:pPr>
-            <a:endParaRPr b="0" lang="en-GB" sz="2000" spc="-1" strike="noStrike">
-              <a:latin typeface="Arial"/>
-            </a:endParaRPr>
-          </a:p>
-        </p:txBody>
-      </p:sp>
-      <p:sp>
-        <p:nvSpPr>
-          <p:cNvPr id="179" name="TextShape 3"/>
+            <a:endParaRPr b="0" lang="en-US" sz="2000" spc="-1" strike="noStrike">
+              <a:latin typeface="Arial"/>
+            </a:endParaRPr>
+          </a:p>
+        </p:txBody>
+      </p:sp>
+      <p:sp>
+        <p:nvSpPr>
+          <p:cNvPr id="176" name="TextShape 3"/>
           <p:cNvSpPr/>
           <p:nvPr/>
         </p:nvSpPr>
         <p:spPr>
           <a:xfrm>
             <a:off x="4399200" y="9555480"/>
-            <a:ext cx="3367800" cy="497520"/>
+            <a:ext cx="3367440" cy="497160"/>
           </a:xfrm>
           <a:prstGeom prst="rect">
             <a:avLst/>
@@ -585,7 +759,7 @@
                 <a:spcPct val="100000"/>
               </a:lnSpc>
             </a:pPr>
-            <a:fld id="{48DAC7BC-CE1E-4FF0-986D-C3305962AA59}" type="slidenum">
+            <a:fld id="{9917C4FB-03A5-4FD7-B9D4-72BB9DCA1EDD}" type="slidenum">
               <a:rPr b="0" lang="en-GB" sz="1800" spc="-1" strike="noStrike">
                 <a:solidFill>
                   <a:srgbClr val="000000"/>
@@ -593,9 +767,9 @@
                 <a:latin typeface="+mn-lt"/>
                 <a:ea typeface="+mn-ea"/>
               </a:rPr>
-              <a:t>&lt;number&gt;</a:t>
+              <a:t>6</a:t>
             </a:fld>
-            <a:endParaRPr b="0" lang="en-GB" sz="1800" spc="-1" strike="noStrike">
+            <a:endParaRPr b="0" lang="en-US" sz="1800" spc="-1" strike="noStrike">
               <a:latin typeface="Arial"/>
             </a:endParaRPr>
           </a:p>
@@ -625,7 +799,7 @@
       </p:grpSpPr>
       <p:sp>
         <p:nvSpPr>
-          <p:cNvPr id="180" name="PlaceHolder 1"/>
+          <p:cNvPr id="177" name="PlaceHolder 1"/>
           <p:cNvSpPr>
             <a:spLocks noGrp="1"/>
           </p:cNvSpPr>
@@ -636,19 +810,19 @@
         <p:spPr>
           <a:xfrm>
             <a:off x="533520" y="763560"/>
-            <a:ext cx="6698880" cy="3767040"/>
-          </a:xfrm>
-          <a:prstGeom prst="rect">
-            <a:avLst/>
-          </a:prstGeom>
-          <a:ln w="0">
-            <a:noFill/>
-          </a:ln>
-        </p:spPr>
-      </p:sp>
-      <p:sp>
-        <p:nvSpPr>
-          <p:cNvPr id="181" name="PlaceHolder 2"/>
+            <a:ext cx="6698520" cy="3766680"/>
+          </a:xfrm>
+          <a:prstGeom prst="rect">
+            <a:avLst/>
+          </a:prstGeom>
+          <a:ln w="0">
+            <a:noFill/>
+          </a:ln>
+        </p:spPr>
+      </p:sp>
+      <p:sp>
+        <p:nvSpPr>
+          <p:cNvPr id="178" name="PlaceHolder 2"/>
           <p:cNvSpPr>
             <a:spLocks noGrp="1"/>
           </p:cNvSpPr>
@@ -659,7 +833,7 @@
         <p:spPr>
           <a:xfrm>
             <a:off x="777240" y="4777560"/>
-            <a:ext cx="6212520" cy="4520880"/>
+            <a:ext cx="6212160" cy="4520520"/>
           </a:xfrm>
           <a:prstGeom prst="rect">
             <a:avLst/>
@@ -677,22 +851,22 @@
             <a:pPr marL="216000" indent="0">
               <a:buNone/>
             </a:pPr>
-            <a:endParaRPr b="0" lang="en-GB" sz="2000" spc="-1" strike="noStrike">
-              <a:latin typeface="Arial"/>
-            </a:endParaRPr>
-          </a:p>
-        </p:txBody>
-      </p:sp>
-      <p:sp>
-        <p:nvSpPr>
-          <p:cNvPr id="182" name="TextShape 3"/>
+            <a:endParaRPr b="0" lang="en-US" sz="2000" spc="-1" strike="noStrike">
+              <a:latin typeface="Arial"/>
+            </a:endParaRPr>
+          </a:p>
+        </p:txBody>
+      </p:sp>
+      <p:sp>
+        <p:nvSpPr>
+          <p:cNvPr id="179" name="TextShape 3"/>
           <p:cNvSpPr/>
           <p:nvPr/>
         </p:nvSpPr>
         <p:spPr>
           <a:xfrm>
             <a:off x="4399200" y="9555480"/>
-            <a:ext cx="3367800" cy="497520"/>
+            <a:ext cx="3367440" cy="497160"/>
           </a:xfrm>
           <a:prstGeom prst="rect">
             <a:avLst/>
@@ -718,7 +892,7 @@
                 <a:spcPct val="100000"/>
               </a:lnSpc>
             </a:pPr>
-            <a:fld id="{319BCDA7-A3B8-403D-A671-B44B1913E6B7}" type="slidenum">
+            <a:fld id="{E0D9DE5C-185E-4B9E-AEAC-B4159A5BC2B0}" type="slidenum">
               <a:rPr b="0" lang="en-GB" sz="1800" spc="-1" strike="noStrike">
                 <a:solidFill>
                   <a:srgbClr val="000000"/>
@@ -726,9 +900,9 @@
                 <a:latin typeface="+mn-lt"/>
                 <a:ea typeface="+mn-ea"/>
               </a:rPr>
-              <a:t>&lt;number&gt;</a:t>
+              <a:t>6</a:t>
             </a:fld>
-            <a:endParaRPr b="0" lang="en-GB" sz="1800" spc="-1" strike="noStrike">
+            <a:endParaRPr b="0" lang="en-US" sz="1800" spc="-1" strike="noStrike">
               <a:latin typeface="Arial"/>
             </a:endParaRPr>
           </a:p>
@@ -758,7 +932,7 @@
       </p:grpSpPr>
       <p:sp>
         <p:nvSpPr>
-          <p:cNvPr id="183" name="PlaceHolder 1"/>
+          <p:cNvPr id="180" name="PlaceHolder 1"/>
           <p:cNvSpPr>
             <a:spLocks noGrp="1"/>
           </p:cNvSpPr>
@@ -769,19 +943,19 @@
         <p:spPr>
           <a:xfrm>
             <a:off x="533520" y="763560"/>
-            <a:ext cx="6698880" cy="3767040"/>
-          </a:xfrm>
-          <a:prstGeom prst="rect">
-            <a:avLst/>
-          </a:prstGeom>
-          <a:ln w="0">
-            <a:noFill/>
-          </a:ln>
-        </p:spPr>
-      </p:sp>
-      <p:sp>
-        <p:nvSpPr>
-          <p:cNvPr id="184" name="PlaceHolder 2"/>
+            <a:ext cx="6698520" cy="3766680"/>
+          </a:xfrm>
+          <a:prstGeom prst="rect">
+            <a:avLst/>
+          </a:prstGeom>
+          <a:ln w="0">
+            <a:noFill/>
+          </a:ln>
+        </p:spPr>
+      </p:sp>
+      <p:sp>
+        <p:nvSpPr>
+          <p:cNvPr id="181" name="PlaceHolder 2"/>
           <p:cNvSpPr>
             <a:spLocks noGrp="1"/>
           </p:cNvSpPr>
@@ -792,7 +966,7 @@
         <p:spPr>
           <a:xfrm>
             <a:off x="777240" y="4777560"/>
-            <a:ext cx="6212520" cy="4520880"/>
+            <a:ext cx="6212160" cy="4520520"/>
           </a:xfrm>
           <a:prstGeom prst="rect">
             <a:avLst/>
@@ -810,22 +984,22 @@
             <a:pPr marL="216000" indent="0">
               <a:buNone/>
             </a:pPr>
-            <a:endParaRPr b="0" lang="en-GB" sz="2000" spc="-1" strike="noStrike">
-              <a:latin typeface="Arial"/>
-            </a:endParaRPr>
-          </a:p>
-        </p:txBody>
-      </p:sp>
-      <p:sp>
-        <p:nvSpPr>
-          <p:cNvPr id="185" name="TextShape 3"/>
+            <a:endParaRPr b="0" lang="en-US" sz="2000" spc="-1" strike="noStrike">
+              <a:latin typeface="Arial"/>
+            </a:endParaRPr>
+          </a:p>
+        </p:txBody>
+      </p:sp>
+      <p:sp>
+        <p:nvSpPr>
+          <p:cNvPr id="182" name="TextShape 3"/>
           <p:cNvSpPr/>
           <p:nvPr/>
         </p:nvSpPr>
         <p:spPr>
           <a:xfrm>
             <a:off x="4399200" y="9555480"/>
-            <a:ext cx="3367800" cy="497520"/>
+            <a:ext cx="3367440" cy="497160"/>
           </a:xfrm>
           <a:prstGeom prst="rect">
             <a:avLst/>
@@ -851,7 +1025,7 @@
                 <a:spcPct val="100000"/>
               </a:lnSpc>
             </a:pPr>
-            <a:fld id="{6B0F2726-3C5A-4F05-89D3-69430EDCF590}" type="slidenum">
+            <a:fld id="{49D71D27-EB94-47F4-B25A-9DEF43F3A95B}" type="slidenum">
               <a:rPr b="0" lang="en-GB" sz="1800" spc="-1" strike="noStrike">
                 <a:solidFill>
                   <a:srgbClr val="000000"/>
@@ -861,7 +1035,7 @@
               </a:rPr>
               <a:t>&lt;number&gt;</a:t>
             </a:fld>
-            <a:endParaRPr b="0" lang="en-GB" sz="1800" spc="-1" strike="noStrike">
+            <a:endParaRPr b="0" lang="en-US" sz="1800" spc="-1" strike="noStrike">
               <a:latin typeface="Arial"/>
             </a:endParaRPr>
           </a:p>
@@ -942,7 +1116,7 @@
             <a:pPr indent="0" algn="ctr">
               <a:buNone/>
             </a:pPr>
-            <a:endParaRPr b="0" lang="en-GB" sz="4400" spc="-1" strike="noStrike">
+            <a:endParaRPr b="0" lang="en-US" sz="4400" spc="-1" strike="noStrike">
               <a:latin typeface="Arial"/>
             </a:endParaRPr>
           </a:p>
@@ -982,7 +1156,7 @@
               </a:spcBef>
               <a:buNone/>
             </a:pPr>
-            <a:endParaRPr b="0" lang="en-GB" sz="3200" spc="-1" strike="noStrike">
+            <a:endParaRPr b="0" lang="en-US" sz="3200" spc="-1" strike="noStrike">
               <a:latin typeface="Arial"/>
             </a:endParaRPr>
           </a:p>
@@ -1022,7 +1196,7 @@
               </a:spcBef>
               <a:buNone/>
             </a:pPr>
-            <a:endParaRPr b="0" lang="en-GB" sz="3200" spc="-1" strike="noStrike">
+            <a:endParaRPr b="0" lang="en-US" sz="3200" spc="-1" strike="noStrike">
               <a:latin typeface="Arial"/>
             </a:endParaRPr>
           </a:p>
@@ -1081,7 +1255,7 @@
             <a:pPr indent="0" algn="ctr">
               <a:buNone/>
             </a:pPr>
-            <a:endParaRPr b="0" lang="en-GB" sz="4400" spc="-1" strike="noStrike">
+            <a:endParaRPr b="0" lang="en-US" sz="4400" spc="-1" strike="noStrike">
               <a:latin typeface="Arial"/>
             </a:endParaRPr>
           </a:p>
@@ -1121,7 +1295,7 @@
               </a:spcBef>
               <a:buNone/>
             </a:pPr>
-            <a:endParaRPr b="0" lang="en-GB" sz="3200" spc="-1" strike="noStrike">
+            <a:endParaRPr b="0" lang="en-US" sz="3200" spc="-1" strike="noStrike">
               <a:latin typeface="Arial"/>
             </a:endParaRPr>
           </a:p>
@@ -1161,7 +1335,7 @@
               </a:spcBef>
               <a:buNone/>
             </a:pPr>
-            <a:endParaRPr b="0" lang="en-GB" sz="3200" spc="-1" strike="noStrike">
+            <a:endParaRPr b="0" lang="en-US" sz="3200" spc="-1" strike="noStrike">
               <a:latin typeface="Arial"/>
             </a:endParaRPr>
           </a:p>
@@ -1201,7 +1375,7 @@
               </a:spcBef>
               <a:buNone/>
             </a:pPr>
-            <a:endParaRPr b="0" lang="en-GB" sz="3200" spc="-1" strike="noStrike">
+            <a:endParaRPr b="0" lang="en-US" sz="3200" spc="-1" strike="noStrike">
               <a:latin typeface="Arial"/>
             </a:endParaRPr>
           </a:p>
@@ -1241,7 +1415,7 @@
               </a:spcBef>
               <a:buNone/>
             </a:pPr>
-            <a:endParaRPr b="0" lang="en-GB" sz="3200" spc="-1" strike="noStrike">
+            <a:endParaRPr b="0" lang="en-US" sz="3200" spc="-1" strike="noStrike">
               <a:latin typeface="Arial"/>
             </a:endParaRPr>
           </a:p>
@@ -1300,7 +1474,7 @@
             <a:pPr indent="0" algn="ctr">
               <a:buNone/>
             </a:pPr>
-            <a:endParaRPr b="0" lang="en-GB" sz="4400" spc="-1" strike="noStrike">
+            <a:endParaRPr b="0" lang="en-US" sz="4400" spc="-1" strike="noStrike">
               <a:latin typeface="Arial"/>
             </a:endParaRPr>
           </a:p>
@@ -1340,7 +1514,7 @@
               </a:spcBef>
               <a:buNone/>
             </a:pPr>
-            <a:endParaRPr b="0" lang="en-GB" sz="3200" spc="-1" strike="noStrike">
+            <a:endParaRPr b="0" lang="en-US" sz="3200" spc="-1" strike="noStrike">
               <a:latin typeface="Arial"/>
             </a:endParaRPr>
           </a:p>
@@ -1380,7 +1554,7 @@
               </a:spcBef>
               <a:buNone/>
             </a:pPr>
-            <a:endParaRPr b="0" lang="en-GB" sz="3200" spc="-1" strike="noStrike">
+            <a:endParaRPr b="0" lang="en-US" sz="3200" spc="-1" strike="noStrike">
               <a:latin typeface="Arial"/>
             </a:endParaRPr>
           </a:p>
@@ -1420,7 +1594,7 @@
               </a:spcBef>
               <a:buNone/>
             </a:pPr>
-            <a:endParaRPr b="0" lang="en-GB" sz="3200" spc="-1" strike="noStrike">
+            <a:endParaRPr b="0" lang="en-US" sz="3200" spc="-1" strike="noStrike">
               <a:latin typeface="Arial"/>
             </a:endParaRPr>
           </a:p>
@@ -1460,7 +1634,7 @@
               </a:spcBef>
               <a:buNone/>
             </a:pPr>
-            <a:endParaRPr b="0" lang="en-GB" sz="3200" spc="-1" strike="noStrike">
+            <a:endParaRPr b="0" lang="en-US" sz="3200" spc="-1" strike="noStrike">
               <a:latin typeface="Arial"/>
             </a:endParaRPr>
           </a:p>
@@ -1500,7 +1674,7 @@
               </a:spcBef>
               <a:buNone/>
             </a:pPr>
-            <a:endParaRPr b="0" lang="en-GB" sz="3200" spc="-1" strike="noStrike">
+            <a:endParaRPr b="0" lang="en-US" sz="3200" spc="-1" strike="noStrike">
               <a:latin typeface="Arial"/>
             </a:endParaRPr>
           </a:p>
@@ -1540,7 +1714,7 @@
               </a:spcBef>
               <a:buNone/>
             </a:pPr>
-            <a:endParaRPr b="0" lang="en-GB" sz="3200" spc="-1" strike="noStrike">
+            <a:endParaRPr b="0" lang="en-US" sz="3200" spc="-1" strike="noStrike">
               <a:latin typeface="Arial"/>
             </a:endParaRPr>
           </a:p>
@@ -1621,7 +1795,7 @@
             <a:pPr indent="0" algn="ctr">
               <a:buNone/>
             </a:pPr>
-            <a:endParaRPr b="0" lang="en-GB" sz="4400" spc="-1" strike="noStrike">
+            <a:endParaRPr b="0" lang="en-US" sz="4400" spc="-1" strike="noStrike">
               <a:latin typeface="Arial"/>
             </a:endParaRPr>
           </a:p>
@@ -1658,7 +1832,7 @@
             <a:pPr indent="0" algn="ctr">
               <a:buNone/>
             </a:pPr>
-            <a:endParaRPr b="0" lang="en-GB" sz="3200" spc="-1" strike="noStrike">
+            <a:endParaRPr b="0" lang="en-US" sz="3200" spc="-1" strike="noStrike">
               <a:latin typeface="Arial"/>
             </a:endParaRPr>
           </a:p>
@@ -1717,7 +1891,7 @@
             <a:pPr indent="0" algn="ctr">
               <a:buNone/>
             </a:pPr>
-            <a:endParaRPr b="0" lang="en-GB" sz="4400" spc="-1" strike="noStrike">
+            <a:endParaRPr b="0" lang="en-US" sz="4400" spc="-1" strike="noStrike">
               <a:latin typeface="Arial"/>
             </a:endParaRPr>
           </a:p>
@@ -1757,7 +1931,7 @@
               </a:spcBef>
               <a:buNone/>
             </a:pPr>
-            <a:endParaRPr b="0" lang="en-GB" sz="3200" spc="-1" strike="noStrike">
+            <a:endParaRPr b="0" lang="en-US" sz="3200" spc="-1" strike="noStrike">
               <a:latin typeface="Arial"/>
             </a:endParaRPr>
           </a:p>
@@ -1816,7 +1990,7 @@
             <a:pPr indent="0" algn="ctr">
               <a:buNone/>
             </a:pPr>
-            <a:endParaRPr b="0" lang="en-GB" sz="4400" spc="-1" strike="noStrike">
+            <a:endParaRPr b="0" lang="en-US" sz="4400" spc="-1" strike="noStrike">
               <a:latin typeface="Arial"/>
             </a:endParaRPr>
           </a:p>
@@ -1856,7 +2030,7 @@
               </a:spcBef>
               <a:buNone/>
             </a:pPr>
-            <a:endParaRPr b="0" lang="en-GB" sz="3200" spc="-1" strike="noStrike">
+            <a:endParaRPr b="0" lang="en-US" sz="3200" spc="-1" strike="noStrike">
               <a:latin typeface="Arial"/>
             </a:endParaRPr>
           </a:p>
@@ -1896,7 +2070,7 @@
               </a:spcBef>
               <a:buNone/>
             </a:pPr>
-            <a:endParaRPr b="0" lang="en-GB" sz="3200" spc="-1" strike="noStrike">
+            <a:endParaRPr b="0" lang="en-US" sz="3200" spc="-1" strike="noStrike">
               <a:latin typeface="Arial"/>
             </a:endParaRPr>
           </a:p>
@@ -1955,7 +2129,7 @@
             <a:pPr indent="0" algn="ctr">
               <a:buNone/>
             </a:pPr>
-            <a:endParaRPr b="0" lang="en-GB" sz="4400" spc="-1" strike="noStrike">
+            <a:endParaRPr b="0" lang="en-US" sz="4400" spc="-1" strike="noStrike">
               <a:latin typeface="Arial"/>
             </a:endParaRPr>
           </a:p>
@@ -2012,7 +2186,7 @@
           </a:bodyPr>
           <a:p>
             <a:pPr algn="ctr"/>
-            <a:endParaRPr b="0" lang="en-GB" sz="3200" spc="-1" strike="noStrike">
+            <a:endParaRPr b="0" lang="en-US" sz="3200" spc="-1" strike="noStrike">
               <a:latin typeface="Arial"/>
             </a:endParaRPr>
           </a:p>
@@ -2071,7 +2245,7 @@
             <a:pPr indent="0" algn="ctr">
               <a:buNone/>
             </a:pPr>
-            <a:endParaRPr b="0" lang="en-GB" sz="4400" spc="-1" strike="noStrike">
+            <a:endParaRPr b="0" lang="en-US" sz="4400" spc="-1" strike="noStrike">
               <a:latin typeface="Arial"/>
             </a:endParaRPr>
           </a:p>
@@ -2111,7 +2285,7 @@
               </a:spcBef>
               <a:buNone/>
             </a:pPr>
-            <a:endParaRPr b="0" lang="en-GB" sz="3200" spc="-1" strike="noStrike">
+            <a:endParaRPr b="0" lang="en-US" sz="3200" spc="-1" strike="noStrike">
               <a:latin typeface="Arial"/>
             </a:endParaRPr>
           </a:p>
@@ -2151,7 +2325,7 @@
               </a:spcBef>
               <a:buNone/>
             </a:pPr>
-            <a:endParaRPr b="0" lang="en-GB" sz="3200" spc="-1" strike="noStrike">
+            <a:endParaRPr b="0" lang="en-US" sz="3200" spc="-1" strike="noStrike">
               <a:latin typeface="Arial"/>
             </a:endParaRPr>
           </a:p>
@@ -2191,7 +2365,7 @@
               </a:spcBef>
               <a:buNone/>
             </a:pPr>
-            <a:endParaRPr b="0" lang="en-GB" sz="3200" spc="-1" strike="noStrike">
+            <a:endParaRPr b="0" lang="en-US" sz="3200" spc="-1" strike="noStrike">
               <a:latin typeface="Arial"/>
             </a:endParaRPr>
           </a:p>
@@ -2250,7 +2424,7 @@
             <a:pPr indent="0" algn="ctr">
               <a:buNone/>
             </a:pPr>
-            <a:endParaRPr b="0" lang="en-GB" sz="4400" spc="-1" strike="noStrike">
+            <a:endParaRPr b="0" lang="en-US" sz="4400" spc="-1" strike="noStrike">
               <a:latin typeface="Arial"/>
             </a:endParaRPr>
           </a:p>
@@ -2287,7 +2461,7 @@
             <a:pPr indent="0" algn="ctr">
               <a:buNone/>
             </a:pPr>
-            <a:endParaRPr b="0" lang="en-GB" sz="3200" spc="-1" strike="noStrike">
+            <a:endParaRPr b="0" lang="en-US" sz="3200" spc="-1" strike="noStrike">
               <a:latin typeface="Arial"/>
             </a:endParaRPr>
           </a:p>
@@ -2346,7 +2520,7 @@
             <a:pPr indent="0" algn="ctr">
               <a:buNone/>
             </a:pPr>
-            <a:endParaRPr b="0" lang="en-GB" sz="4400" spc="-1" strike="noStrike">
+            <a:endParaRPr b="0" lang="en-US" sz="4400" spc="-1" strike="noStrike">
               <a:latin typeface="Arial"/>
             </a:endParaRPr>
           </a:p>
@@ -2386,7 +2560,7 @@
               </a:spcBef>
               <a:buNone/>
             </a:pPr>
-            <a:endParaRPr b="0" lang="en-GB" sz="3200" spc="-1" strike="noStrike">
+            <a:endParaRPr b="0" lang="en-US" sz="3200" spc="-1" strike="noStrike">
               <a:latin typeface="Arial"/>
             </a:endParaRPr>
           </a:p>
@@ -2426,7 +2600,7 @@
               </a:spcBef>
               <a:buNone/>
             </a:pPr>
-            <a:endParaRPr b="0" lang="en-GB" sz="3200" spc="-1" strike="noStrike">
+            <a:endParaRPr b="0" lang="en-US" sz="3200" spc="-1" strike="noStrike">
               <a:latin typeface="Arial"/>
             </a:endParaRPr>
           </a:p>
@@ -2466,7 +2640,7 @@
               </a:spcBef>
               <a:buNone/>
             </a:pPr>
-            <a:endParaRPr b="0" lang="en-GB" sz="3200" spc="-1" strike="noStrike">
+            <a:endParaRPr b="0" lang="en-US" sz="3200" spc="-1" strike="noStrike">
               <a:latin typeface="Arial"/>
             </a:endParaRPr>
           </a:p>
@@ -2525,7 +2699,7 @@
             <a:pPr indent="0" algn="ctr">
               <a:buNone/>
             </a:pPr>
-            <a:endParaRPr b="0" lang="en-GB" sz="4400" spc="-1" strike="noStrike">
+            <a:endParaRPr b="0" lang="en-US" sz="4400" spc="-1" strike="noStrike">
               <a:latin typeface="Arial"/>
             </a:endParaRPr>
           </a:p>
@@ -2565,7 +2739,7 @@
               </a:spcBef>
               <a:buNone/>
             </a:pPr>
-            <a:endParaRPr b="0" lang="en-GB" sz="3200" spc="-1" strike="noStrike">
+            <a:endParaRPr b="0" lang="en-US" sz="3200" spc="-1" strike="noStrike">
               <a:latin typeface="Arial"/>
             </a:endParaRPr>
           </a:p>
@@ -2605,7 +2779,7 @@
               </a:spcBef>
               <a:buNone/>
             </a:pPr>
-            <a:endParaRPr b="0" lang="en-GB" sz="3200" spc="-1" strike="noStrike">
+            <a:endParaRPr b="0" lang="en-US" sz="3200" spc="-1" strike="noStrike">
               <a:latin typeface="Arial"/>
             </a:endParaRPr>
           </a:p>
@@ -2645,7 +2819,7 @@
               </a:spcBef>
               <a:buNone/>
             </a:pPr>
-            <a:endParaRPr b="0" lang="en-GB" sz="3200" spc="-1" strike="noStrike">
+            <a:endParaRPr b="0" lang="en-US" sz="3200" spc="-1" strike="noStrike">
               <a:latin typeface="Arial"/>
             </a:endParaRPr>
           </a:p>
@@ -2704,7 +2878,7 @@
             <a:pPr indent="0" algn="ctr">
               <a:buNone/>
             </a:pPr>
-            <a:endParaRPr b="0" lang="en-GB" sz="4400" spc="-1" strike="noStrike">
+            <a:endParaRPr b="0" lang="en-US" sz="4400" spc="-1" strike="noStrike">
               <a:latin typeface="Arial"/>
             </a:endParaRPr>
           </a:p>
@@ -2744,7 +2918,7 @@
               </a:spcBef>
               <a:buNone/>
             </a:pPr>
-            <a:endParaRPr b="0" lang="en-GB" sz="3200" spc="-1" strike="noStrike">
+            <a:endParaRPr b="0" lang="en-US" sz="3200" spc="-1" strike="noStrike">
               <a:latin typeface="Arial"/>
             </a:endParaRPr>
           </a:p>
@@ -2784,7 +2958,7 @@
               </a:spcBef>
               <a:buNone/>
             </a:pPr>
-            <a:endParaRPr b="0" lang="en-GB" sz="3200" spc="-1" strike="noStrike">
+            <a:endParaRPr b="0" lang="en-US" sz="3200" spc="-1" strike="noStrike">
               <a:latin typeface="Arial"/>
             </a:endParaRPr>
           </a:p>
@@ -2843,7 +3017,7 @@
             <a:pPr indent="0" algn="ctr">
               <a:buNone/>
             </a:pPr>
-            <a:endParaRPr b="0" lang="en-GB" sz="4400" spc="-1" strike="noStrike">
+            <a:endParaRPr b="0" lang="en-US" sz="4400" spc="-1" strike="noStrike">
               <a:latin typeface="Arial"/>
             </a:endParaRPr>
           </a:p>
@@ -2883,7 +3057,7 @@
               </a:spcBef>
               <a:buNone/>
             </a:pPr>
-            <a:endParaRPr b="0" lang="en-GB" sz="3200" spc="-1" strike="noStrike">
+            <a:endParaRPr b="0" lang="en-US" sz="3200" spc="-1" strike="noStrike">
               <a:latin typeface="Arial"/>
             </a:endParaRPr>
           </a:p>
@@ -2923,7 +3097,7 @@
               </a:spcBef>
               <a:buNone/>
             </a:pPr>
-            <a:endParaRPr b="0" lang="en-GB" sz="3200" spc="-1" strike="noStrike">
+            <a:endParaRPr b="0" lang="en-US" sz="3200" spc="-1" strike="noStrike">
               <a:latin typeface="Arial"/>
             </a:endParaRPr>
           </a:p>
@@ -2963,7 +3137,7 @@
               </a:spcBef>
               <a:buNone/>
             </a:pPr>
-            <a:endParaRPr b="0" lang="en-GB" sz="3200" spc="-1" strike="noStrike">
+            <a:endParaRPr b="0" lang="en-US" sz="3200" spc="-1" strike="noStrike">
               <a:latin typeface="Arial"/>
             </a:endParaRPr>
           </a:p>
@@ -3003,7 +3177,7 @@
               </a:spcBef>
               <a:buNone/>
             </a:pPr>
-            <a:endParaRPr b="0" lang="en-GB" sz="3200" spc="-1" strike="noStrike">
+            <a:endParaRPr b="0" lang="en-US" sz="3200" spc="-1" strike="noStrike">
               <a:latin typeface="Arial"/>
             </a:endParaRPr>
           </a:p>
@@ -3062,7 +3236,7 @@
             <a:pPr indent="0" algn="ctr">
               <a:buNone/>
             </a:pPr>
-            <a:endParaRPr b="0" lang="en-GB" sz="4400" spc="-1" strike="noStrike">
+            <a:endParaRPr b="0" lang="en-US" sz="4400" spc="-1" strike="noStrike">
               <a:latin typeface="Arial"/>
             </a:endParaRPr>
           </a:p>
@@ -3102,7 +3276,7 @@
               </a:spcBef>
               <a:buNone/>
             </a:pPr>
-            <a:endParaRPr b="0" lang="en-GB" sz="3200" spc="-1" strike="noStrike">
+            <a:endParaRPr b="0" lang="en-US" sz="3200" spc="-1" strike="noStrike">
               <a:latin typeface="Arial"/>
             </a:endParaRPr>
           </a:p>
@@ -3142,7 +3316,7 @@
               </a:spcBef>
               <a:buNone/>
             </a:pPr>
-            <a:endParaRPr b="0" lang="en-GB" sz="3200" spc="-1" strike="noStrike">
+            <a:endParaRPr b="0" lang="en-US" sz="3200" spc="-1" strike="noStrike">
               <a:latin typeface="Arial"/>
             </a:endParaRPr>
           </a:p>
@@ -3182,7 +3356,7 @@
               </a:spcBef>
               <a:buNone/>
             </a:pPr>
-            <a:endParaRPr b="0" lang="en-GB" sz="3200" spc="-1" strike="noStrike">
+            <a:endParaRPr b="0" lang="en-US" sz="3200" spc="-1" strike="noStrike">
               <a:latin typeface="Arial"/>
             </a:endParaRPr>
           </a:p>
@@ -3222,7 +3396,7 @@
               </a:spcBef>
               <a:buNone/>
             </a:pPr>
-            <a:endParaRPr b="0" lang="en-GB" sz="3200" spc="-1" strike="noStrike">
+            <a:endParaRPr b="0" lang="en-US" sz="3200" spc="-1" strike="noStrike">
               <a:latin typeface="Arial"/>
             </a:endParaRPr>
           </a:p>
@@ -3262,7 +3436,7 @@
               </a:spcBef>
               <a:buNone/>
             </a:pPr>
-            <a:endParaRPr b="0" lang="en-GB" sz="3200" spc="-1" strike="noStrike">
+            <a:endParaRPr b="0" lang="en-US" sz="3200" spc="-1" strike="noStrike">
               <a:latin typeface="Arial"/>
             </a:endParaRPr>
           </a:p>
@@ -3302,7 +3476,7 @@
               </a:spcBef>
               <a:buNone/>
             </a:pPr>
-            <a:endParaRPr b="0" lang="en-GB" sz="3200" spc="-1" strike="noStrike">
+            <a:endParaRPr b="0" lang="en-US" sz="3200" spc="-1" strike="noStrike">
               <a:latin typeface="Arial"/>
             </a:endParaRPr>
           </a:p>
@@ -3361,7 +3535,7 @@
             <a:pPr indent="0" algn="ctr">
               <a:buNone/>
             </a:pPr>
-            <a:endParaRPr b="0" lang="en-GB" sz="4400" spc="-1" strike="noStrike">
+            <a:endParaRPr b="0" lang="en-US" sz="4400" spc="-1" strike="noStrike">
               <a:latin typeface="Arial"/>
             </a:endParaRPr>
           </a:p>
@@ -3401,7 +3575,7 @@
               </a:spcBef>
               <a:buNone/>
             </a:pPr>
-            <a:endParaRPr b="0" lang="en-GB" sz="3200" spc="-1" strike="noStrike">
+            <a:endParaRPr b="0" lang="en-US" sz="3200" spc="-1" strike="noStrike">
               <a:latin typeface="Arial"/>
             </a:endParaRPr>
           </a:p>
@@ -3460,7 +3634,7 @@
             <a:pPr indent="0" algn="ctr">
               <a:buNone/>
             </a:pPr>
-            <a:endParaRPr b="0" lang="en-GB" sz="4400" spc="-1" strike="noStrike">
+            <a:endParaRPr b="0" lang="en-US" sz="4400" spc="-1" strike="noStrike">
               <a:latin typeface="Arial"/>
             </a:endParaRPr>
           </a:p>
@@ -3500,7 +3674,7 @@
               </a:spcBef>
               <a:buNone/>
             </a:pPr>
-            <a:endParaRPr b="0" lang="en-GB" sz="3200" spc="-1" strike="noStrike">
+            <a:endParaRPr b="0" lang="en-US" sz="3200" spc="-1" strike="noStrike">
               <a:latin typeface="Arial"/>
             </a:endParaRPr>
           </a:p>
@@ -3540,7 +3714,7 @@
               </a:spcBef>
               <a:buNone/>
             </a:pPr>
-            <a:endParaRPr b="0" lang="en-GB" sz="3200" spc="-1" strike="noStrike">
+            <a:endParaRPr b="0" lang="en-US" sz="3200" spc="-1" strike="noStrike">
               <a:latin typeface="Arial"/>
             </a:endParaRPr>
           </a:p>
@@ -3599,7 +3773,7 @@
             <a:pPr indent="0" algn="ctr">
               <a:buNone/>
             </a:pPr>
-            <a:endParaRPr b="0" lang="en-GB" sz="4400" spc="-1" strike="noStrike">
+            <a:endParaRPr b="0" lang="en-US" sz="4400" spc="-1" strike="noStrike">
               <a:latin typeface="Arial"/>
             </a:endParaRPr>
           </a:p>
@@ -3656,7 +3830,7 @@
           </a:bodyPr>
           <a:p>
             <a:pPr algn="ctr"/>
-            <a:endParaRPr b="0" lang="en-GB" sz="3200" spc="-1" strike="noStrike">
+            <a:endParaRPr b="0" lang="en-US" sz="3200" spc="-1" strike="noStrike">
               <a:latin typeface="Arial"/>
             </a:endParaRPr>
           </a:p>
@@ -3715,7 +3889,7 @@
             <a:pPr indent="0" algn="ctr">
               <a:buNone/>
             </a:pPr>
-            <a:endParaRPr b="0" lang="en-GB" sz="4400" spc="-1" strike="noStrike">
+            <a:endParaRPr b="0" lang="en-US" sz="4400" spc="-1" strike="noStrike">
               <a:latin typeface="Arial"/>
             </a:endParaRPr>
           </a:p>
@@ -3755,7 +3929,7 @@
               </a:spcBef>
               <a:buNone/>
             </a:pPr>
-            <a:endParaRPr b="0" lang="en-GB" sz="3200" spc="-1" strike="noStrike">
+            <a:endParaRPr b="0" lang="en-US" sz="3200" spc="-1" strike="noStrike">
               <a:latin typeface="Arial"/>
             </a:endParaRPr>
           </a:p>
@@ -3795,7 +3969,7 @@
               </a:spcBef>
               <a:buNone/>
             </a:pPr>
-            <a:endParaRPr b="0" lang="en-GB" sz="3200" spc="-1" strike="noStrike">
+            <a:endParaRPr b="0" lang="en-US" sz="3200" spc="-1" strike="noStrike">
               <a:latin typeface="Arial"/>
             </a:endParaRPr>
           </a:p>
@@ -3835,7 +4009,7 @@
               </a:spcBef>
               <a:buNone/>
             </a:pPr>
-            <a:endParaRPr b="0" lang="en-GB" sz="3200" spc="-1" strike="noStrike">
+            <a:endParaRPr b="0" lang="en-US" sz="3200" spc="-1" strike="noStrike">
               <a:latin typeface="Arial"/>
             </a:endParaRPr>
           </a:p>
@@ -3894,7 +4068,7 @@
             <a:pPr indent="0" algn="ctr">
               <a:buNone/>
             </a:pPr>
-            <a:endParaRPr b="0" lang="en-GB" sz="4400" spc="-1" strike="noStrike">
+            <a:endParaRPr b="0" lang="en-US" sz="4400" spc="-1" strike="noStrike">
               <a:latin typeface="Arial"/>
             </a:endParaRPr>
           </a:p>
@@ -3934,7 +4108,7 @@
               </a:spcBef>
               <a:buNone/>
             </a:pPr>
-            <a:endParaRPr b="0" lang="en-GB" sz="3200" spc="-1" strike="noStrike">
+            <a:endParaRPr b="0" lang="en-US" sz="3200" spc="-1" strike="noStrike">
               <a:latin typeface="Arial"/>
             </a:endParaRPr>
           </a:p>
@@ -3974,7 +4148,7 @@
               </a:spcBef>
               <a:buNone/>
             </a:pPr>
-            <a:endParaRPr b="0" lang="en-GB" sz="3200" spc="-1" strike="noStrike">
+            <a:endParaRPr b="0" lang="en-US" sz="3200" spc="-1" strike="noStrike">
               <a:latin typeface="Arial"/>
             </a:endParaRPr>
           </a:p>
@@ -4014,7 +4188,7 @@
               </a:spcBef>
               <a:buNone/>
             </a:pPr>
-            <a:endParaRPr b="0" lang="en-GB" sz="3200" spc="-1" strike="noStrike">
+            <a:endParaRPr b="0" lang="en-US" sz="3200" spc="-1" strike="noStrike">
               <a:latin typeface="Arial"/>
             </a:endParaRPr>
           </a:p>
@@ -4073,7 +4247,7 @@
             <a:pPr indent="0" algn="ctr">
               <a:buNone/>
             </a:pPr>
-            <a:endParaRPr b="0" lang="en-GB" sz="4400" spc="-1" strike="noStrike">
+            <a:endParaRPr b="0" lang="en-US" sz="4400" spc="-1" strike="noStrike">
               <a:latin typeface="Arial"/>
             </a:endParaRPr>
           </a:p>
@@ -4113,7 +4287,7 @@
               </a:spcBef>
               <a:buNone/>
             </a:pPr>
-            <a:endParaRPr b="0" lang="en-GB" sz="3200" spc="-1" strike="noStrike">
+            <a:endParaRPr b="0" lang="en-US" sz="3200" spc="-1" strike="noStrike">
               <a:latin typeface="Arial"/>
             </a:endParaRPr>
           </a:p>
@@ -4153,7 +4327,7 @@
               </a:spcBef>
               <a:buNone/>
             </a:pPr>
-            <a:endParaRPr b="0" lang="en-GB" sz="3200" spc="-1" strike="noStrike">
+            <a:endParaRPr b="0" lang="en-US" sz="3200" spc="-1" strike="noStrike">
               <a:latin typeface="Arial"/>
             </a:endParaRPr>
           </a:p>
@@ -4193,7 +4367,7 @@
               </a:spcBef>
               <a:buNone/>
             </a:pPr>
-            <a:endParaRPr b="0" lang="en-GB" sz="3200" spc="-1" strike="noStrike">
+            <a:endParaRPr b="0" lang="en-US" sz="3200" spc="-1" strike="noStrike">
               <a:latin typeface="Arial"/>
             </a:endParaRPr>
           </a:p>
@@ -4237,7 +4411,7 @@
         <p:spPr>
           <a:xfrm>
             <a:off x="11444760" y="0"/>
-            <a:ext cx="745920" cy="6854760"/>
+            <a:ext cx="745560" cy="6854400"/>
           </a:xfrm>
           <a:prstGeom prst="rect">
             <a:avLst/>
@@ -4267,7 +4441,7 @@
         <p:spPr>
           <a:xfrm>
             <a:off x="11438640" y="6453360"/>
-            <a:ext cx="762840" cy="363960"/>
+            <a:ext cx="762480" cy="363960"/>
           </a:xfrm>
           <a:prstGeom prst="rect">
             <a:avLst/>
@@ -4293,7 +4467,7 @@
                 <a:spcPct val="100000"/>
               </a:lnSpc>
             </a:pPr>
-            <a:fld id="{0BB9A3E5-63D1-4E8F-8AEC-BE9E6220971A}" type="slidenum">
+            <a:fld id="{0C245922-EF68-4149-B483-885973D13C6F}" type="slidenum">
               <a:rPr b="0" lang="en-US" sz="1800" spc="-1" strike="noStrike">
                 <a:solidFill>
                   <a:srgbClr val="808080"/>
@@ -4303,7 +4477,7 @@
               </a:rPr>
               <a:t>&lt;number&gt;</a:t>
             </a:fld>
-            <a:endParaRPr b="0" lang="en-GB" sz="1800" spc="-1" strike="noStrike">
+            <a:endParaRPr b="0" lang="en-US" sz="1800" spc="-1" strike="noStrike">
               <a:latin typeface="Arial"/>
             </a:endParaRPr>
           </a:p>
@@ -4318,7 +4492,7 @@
         <p:spPr>
           <a:xfrm>
             <a:off x="912240" y="1268280"/>
-            <a:ext cx="9212760" cy="366120"/>
+            <a:ext cx="9212400" cy="365760"/>
           </a:xfrm>
           <a:prstGeom prst="rect">
             <a:avLst/>
@@ -4348,7 +4522,7 @@
         <p:spPr>
           <a:xfrm>
             <a:off x="0" y="0"/>
-            <a:ext cx="3056760" cy="566640"/>
+            <a:ext cx="3056400" cy="566280"/>
           </a:xfrm>
           <a:prstGeom prst="rect">
             <a:avLst/>
@@ -4371,7 +4545,7 @@
         <p:spPr>
           <a:xfrm>
             <a:off x="7430400" y="134640"/>
-            <a:ext cx="3702600" cy="518760"/>
+            <a:ext cx="3702240" cy="518400"/>
           </a:xfrm>
           <a:prstGeom prst="rect">
             <a:avLst/>
@@ -4390,7 +4564,7 @@
         <p:spPr>
           <a:xfrm>
             <a:off x="912240" y="1268280"/>
-            <a:ext cx="9212760" cy="366120"/>
+            <a:ext cx="9212400" cy="365760"/>
           </a:xfrm>
           <a:prstGeom prst="rect">
             <a:avLst/>
@@ -4416,7 +4590,7 @@
         <p:spPr>
           <a:xfrm>
             <a:off x="11444760" y="0"/>
-            <a:ext cx="745920" cy="6854760"/>
+            <a:ext cx="745560" cy="6854400"/>
           </a:xfrm>
           <a:prstGeom prst="rect">
             <a:avLst/>
@@ -4446,7 +4620,7 @@
         <p:spPr>
           <a:xfrm>
             <a:off x="0" y="6642720"/>
-            <a:ext cx="12188880" cy="211320"/>
+            <a:ext cx="12188520" cy="211320"/>
           </a:xfrm>
           <a:prstGeom prst="rect">
             <a:avLst/>
@@ -4482,7 +4656,7 @@
               </a:rPr>
               <a:t>Requirements Engineering – TU Clausthal</a:t>
             </a:r>
-            <a:endParaRPr b="0" lang="en-GB" sz="800" spc="-1" strike="noStrike">
+            <a:endParaRPr b="0" lang="en-US" sz="800" spc="-1" strike="noStrike">
               <a:latin typeface="Arial"/>
             </a:endParaRPr>
           </a:p>
@@ -4520,12 +4694,216 @@
               <a:buNone/>
             </a:pPr>
             <a:r>
-              <a:rPr b="0" lang="en-GB" sz="4400" spc="-1" strike="noStrike">
+              <a:rPr b="0" lang="en-US" sz="4400" spc="-1" strike="noStrike">
                 <a:latin typeface="Arial"/>
               </a:rPr>
-              <a:t>Click to edit the title text format</a:t>
-            </a:r>
-            <a:endParaRPr b="0" lang="en-GB" sz="4400" spc="-1" strike="noStrike">
+              <a:t>C</a:t>
+            </a:r>
+            <a:r>
+              <a:rPr b="0" lang="en-US" sz="4400" spc="-1" strike="noStrike">
+                <a:latin typeface="Arial"/>
+              </a:rPr>
+              <a:t>l</a:t>
+            </a:r>
+            <a:r>
+              <a:rPr b="0" lang="en-US" sz="4400" spc="-1" strike="noStrike">
+                <a:latin typeface="Arial"/>
+              </a:rPr>
+              <a:t>i</a:t>
+            </a:r>
+            <a:r>
+              <a:rPr b="0" lang="en-US" sz="4400" spc="-1" strike="noStrike">
+                <a:latin typeface="Arial"/>
+              </a:rPr>
+              <a:t>c</a:t>
+            </a:r>
+            <a:r>
+              <a:rPr b="0" lang="en-US" sz="4400" spc="-1" strike="noStrike">
+                <a:latin typeface="Arial"/>
+              </a:rPr>
+              <a:t>k</a:t>
+            </a:r>
+            <a:r>
+              <a:rPr b="0" lang="en-US" sz="4400" spc="-1" strike="noStrike">
+                <a:latin typeface="Arial"/>
+              </a:rPr>
+              <a:t> </a:t>
+            </a:r>
+            <a:r>
+              <a:rPr b="0" lang="en-US" sz="4400" spc="-1" strike="noStrike">
+                <a:latin typeface="Arial"/>
+              </a:rPr>
+              <a:t>t</a:t>
+            </a:r>
+            <a:r>
+              <a:rPr b="0" lang="en-US" sz="4400" spc="-1" strike="noStrike">
+                <a:latin typeface="Arial"/>
+              </a:rPr>
+              <a:t>o</a:t>
+            </a:r>
+            <a:r>
+              <a:rPr b="0" lang="en-US" sz="4400" spc="-1" strike="noStrike">
+                <a:latin typeface="Arial"/>
+              </a:rPr>
+              <a:t> </a:t>
+            </a:r>
+            <a:r>
+              <a:rPr b="0" lang="en-US" sz="4400" spc="-1" strike="noStrike">
+                <a:latin typeface="Arial"/>
+              </a:rPr>
+              <a:t>e</a:t>
+            </a:r>
+            <a:r>
+              <a:rPr b="0" lang="en-US" sz="4400" spc="-1" strike="noStrike">
+                <a:latin typeface="Arial"/>
+              </a:rPr>
+              <a:t>d</a:t>
+            </a:r>
+            <a:r>
+              <a:rPr b="0" lang="en-US" sz="4400" spc="-1" strike="noStrike">
+                <a:latin typeface="Arial"/>
+              </a:rPr>
+              <a:t>i</a:t>
+            </a:r>
+            <a:r>
+              <a:rPr b="0" lang="en-US" sz="4400" spc="-1" strike="noStrike">
+                <a:latin typeface="Arial"/>
+              </a:rPr>
+              <a:t>t</a:t>
+            </a:r>
+            <a:r>
+              <a:rPr b="0" lang="en-US" sz="4400" spc="-1" strike="noStrike">
+                <a:latin typeface="Arial"/>
+              </a:rPr>
+              <a:t> </a:t>
+            </a:r>
+            <a:r>
+              <a:rPr b="0" lang="en-US" sz="4400" spc="-1" strike="noStrike">
+                <a:latin typeface="Arial"/>
+              </a:rPr>
+              <a:t>t</a:t>
+            </a:r>
+            <a:r>
+              <a:rPr b="0" lang="en-US" sz="4400" spc="-1" strike="noStrike">
+                <a:latin typeface="Arial"/>
+              </a:rPr>
+              <a:t>h</a:t>
+            </a:r>
+            <a:r>
+              <a:rPr b="0" lang="en-US" sz="4400" spc="-1" strike="noStrike">
+                <a:latin typeface="Arial"/>
+              </a:rPr>
+              <a:t>e</a:t>
+            </a:r>
+            <a:r>
+              <a:rPr b="0" lang="en-US" sz="4400" spc="-1" strike="noStrike">
+                <a:latin typeface="Arial"/>
+              </a:rPr>
+              <a:t> </a:t>
+            </a:r>
+            <a:r>
+              <a:rPr b="0" lang="en-US" sz="4400" spc="-1" strike="noStrike">
+                <a:latin typeface="Arial"/>
+              </a:rPr>
+              <a:t>t</a:t>
+            </a:r>
+            <a:r>
+              <a:rPr b="0" lang="en-US" sz="4400" spc="-1" strike="noStrike">
+                <a:latin typeface="Arial"/>
+              </a:rPr>
+              <a:t>i</a:t>
+            </a:r>
+            <a:r>
+              <a:rPr b="0" lang="en-US" sz="4400" spc="-1" strike="noStrike">
+                <a:latin typeface="Arial"/>
+              </a:rPr>
+              <a:t>t</a:t>
+            </a:r>
+            <a:r>
+              <a:rPr b="0" lang="en-US" sz="4400" spc="-1" strike="noStrike">
+                <a:latin typeface="Arial"/>
+              </a:rPr>
+              <a:t>l</a:t>
+            </a:r>
+            <a:r>
+              <a:rPr b="0" lang="en-US" sz="4400" spc="-1" strike="noStrike">
+                <a:latin typeface="Arial"/>
+              </a:rPr>
+              <a:t>e</a:t>
+            </a:r>
+            <a:r>
+              <a:rPr b="0" lang="en-US" sz="4400" spc="-1" strike="noStrike">
+                <a:latin typeface="Arial"/>
+              </a:rPr>
+              <a:t> </a:t>
+            </a:r>
+            <a:r>
+              <a:rPr b="0" lang="en-US" sz="4400" spc="-1" strike="noStrike">
+                <a:latin typeface="Arial"/>
+              </a:rPr>
+              <a:t>t</a:t>
+            </a:r>
+            <a:r>
+              <a:rPr b="0" lang="en-US" sz="4400" spc="-1" strike="noStrike">
+                <a:latin typeface="Arial"/>
+              </a:rPr>
+              <a:t>e</a:t>
+            </a:r>
+            <a:r>
+              <a:rPr b="0" lang="en-US" sz="4400" spc="-1" strike="noStrike">
+                <a:latin typeface="Arial"/>
+              </a:rPr>
+              <a:t>x</a:t>
+            </a:r>
+            <a:r>
+              <a:rPr b="0" lang="en-US" sz="4400" spc="-1" strike="noStrike">
+                <a:latin typeface="Arial"/>
+              </a:rPr>
+              <a:t>t</a:t>
+            </a:r>
+            <a:r>
+              <a:rPr b="0" lang="en-US" sz="4400" spc="-1" strike="noStrike">
+                <a:latin typeface="Arial"/>
+              </a:rPr>
+              <a:t> </a:t>
+            </a:r>
+            <a:r>
+              <a:rPr b="0" lang="en-US" sz="4400" spc="-1" strike="noStrike">
+                <a:latin typeface="Arial"/>
+              </a:rPr>
+              <a:t>f</a:t>
+            </a:r>
+            <a:r>
+              <a:rPr b="0" lang="en-US" sz="4400" spc="-1" strike="noStrike">
+                <a:latin typeface="Arial"/>
+              </a:rPr>
+              <a:t>o</a:t>
+            </a:r>
+            <a:r>
+              <a:rPr b="0" lang="en-US" sz="4400" spc="-1" strike="noStrike">
+                <a:latin typeface="Arial"/>
+              </a:rPr>
+              <a:t>r</a:t>
+            </a:r>
+            <a:r>
+              <a:rPr b="0" lang="en-US" sz="4400" spc="-1" strike="noStrike">
+                <a:latin typeface="Arial"/>
+              </a:rPr>
+              <a:t>m</a:t>
+            </a:r>
+            <a:r>
+              <a:rPr b="0" lang="en-US" sz="4400" spc="-1" strike="noStrike">
+                <a:latin typeface="Arial"/>
+              </a:rPr>
+              <a:t>a</a:t>
+            </a:r>
+            <a:r>
+              <a:rPr b="0" lang="en-US" sz="4400" spc="-1" strike="noStrike">
+                <a:latin typeface="Arial"/>
+              </a:rPr>
+              <a:t>t</a:t>
+            </a:r>
+            <a:endParaRPr b="0" lang="en-US" sz="4400" spc="-1" strike="noStrike">
               <a:latin typeface="Arial"/>
             </a:endParaRPr>
           </a:p>
@@ -4571,12 +4949,12 @@
               <a:buChar char=""/>
             </a:pPr>
             <a:r>
-              <a:rPr b="0" lang="en-GB" sz="3200" spc="-1" strike="noStrike">
+              <a:rPr b="0" lang="en-US" sz="3200" spc="-1" strike="noStrike">
                 <a:latin typeface="Arial"/>
               </a:rPr>
               <a:t>Click to edit the outline text format</a:t>
             </a:r>
-            <a:endParaRPr b="0" lang="en-GB" sz="3200" spc="-1" strike="noStrike">
+            <a:endParaRPr b="0" lang="en-US" sz="3200" spc="-1" strike="noStrike">
               <a:latin typeface="Arial"/>
             </a:endParaRPr>
           </a:p>
@@ -4593,12 +4971,12 @@
               <a:buChar char=""/>
             </a:pPr>
             <a:r>
-              <a:rPr b="0" lang="en-GB" sz="2800" spc="-1" strike="noStrike">
+              <a:rPr b="0" lang="en-US" sz="2800" spc="-1" strike="noStrike">
                 <a:latin typeface="Arial"/>
               </a:rPr>
               <a:t>Second Outline Level</a:t>
             </a:r>
-            <a:endParaRPr b="0" lang="en-GB" sz="2800" spc="-1" strike="noStrike">
+            <a:endParaRPr b="0" lang="en-US" sz="2800" spc="-1" strike="noStrike">
               <a:latin typeface="Arial"/>
             </a:endParaRPr>
           </a:p>
@@ -4615,12 +4993,12 @@
               <a:buChar char=""/>
             </a:pPr>
             <a:r>
-              <a:rPr b="0" lang="en-GB" sz="2400" spc="-1" strike="noStrike">
+              <a:rPr b="0" lang="en-US" sz="2400" spc="-1" strike="noStrike">
                 <a:latin typeface="Arial"/>
               </a:rPr>
               <a:t>Third Outline Level</a:t>
             </a:r>
-            <a:endParaRPr b="0" lang="en-GB" sz="2400" spc="-1" strike="noStrike">
+            <a:endParaRPr b="0" lang="en-US" sz="2400" spc="-1" strike="noStrike">
               <a:latin typeface="Arial"/>
             </a:endParaRPr>
           </a:p>
@@ -4637,12 +5015,12 @@
               <a:buChar char=""/>
             </a:pPr>
             <a:r>
-              <a:rPr b="0" lang="en-GB" sz="2000" spc="-1" strike="noStrike">
+              <a:rPr b="0" lang="en-US" sz="2000" spc="-1" strike="noStrike">
                 <a:latin typeface="Arial"/>
               </a:rPr>
               <a:t>Fourth Outline Level</a:t>
             </a:r>
-            <a:endParaRPr b="0" lang="en-GB" sz="2000" spc="-1" strike="noStrike">
+            <a:endParaRPr b="0" lang="en-US" sz="2000" spc="-1" strike="noStrike">
               <a:latin typeface="Arial"/>
             </a:endParaRPr>
           </a:p>
@@ -4659,12 +5037,12 @@
               <a:buChar char=""/>
             </a:pPr>
             <a:r>
-              <a:rPr b="0" lang="en-GB" sz="2000" spc="-1" strike="noStrike">
+              <a:rPr b="0" lang="en-US" sz="2000" spc="-1" strike="noStrike">
                 <a:latin typeface="Arial"/>
               </a:rPr>
               <a:t>Fifth Outline Level</a:t>
             </a:r>
-            <a:endParaRPr b="0" lang="en-GB" sz="2000" spc="-1" strike="noStrike">
+            <a:endParaRPr b="0" lang="en-US" sz="2000" spc="-1" strike="noStrike">
               <a:latin typeface="Arial"/>
             </a:endParaRPr>
           </a:p>
@@ -4681,12 +5059,12 @@
               <a:buChar char=""/>
             </a:pPr>
             <a:r>
-              <a:rPr b="0" lang="en-GB" sz="2000" spc="-1" strike="noStrike">
+              <a:rPr b="0" lang="en-US" sz="2000" spc="-1" strike="noStrike">
                 <a:latin typeface="Arial"/>
               </a:rPr>
               <a:t>Sixth Outline Level</a:t>
             </a:r>
-            <a:endParaRPr b="0" lang="en-GB" sz="2000" spc="-1" strike="noStrike">
+            <a:endParaRPr b="0" lang="en-US" sz="2000" spc="-1" strike="noStrike">
               <a:latin typeface="Arial"/>
             </a:endParaRPr>
           </a:p>
@@ -4703,12 +5081,12 @@
               <a:buChar char=""/>
             </a:pPr>
             <a:r>
-              <a:rPr b="0" lang="en-GB" sz="2000" spc="-1" strike="noStrike">
+              <a:rPr b="0" lang="en-US" sz="2000" spc="-1" strike="noStrike">
                 <a:latin typeface="Arial"/>
               </a:rPr>
               <a:t>Seventh Outline Level</a:t>
             </a:r>
-            <a:endParaRPr b="0" lang="en-GB" sz="2000" spc="-1" strike="noStrike">
+            <a:endParaRPr b="0" lang="en-US" sz="2000" spc="-1" strike="noStrike">
               <a:latin typeface="Arial"/>
             </a:endParaRPr>
           </a:p>
@@ -4767,7 +5145,7 @@
         <p:spPr>
           <a:xfrm>
             <a:off x="11444760" y="0"/>
-            <a:ext cx="745920" cy="6854760"/>
+            <a:ext cx="745560" cy="6854400"/>
           </a:xfrm>
           <a:prstGeom prst="rect">
             <a:avLst/>
@@ -4797,7 +5175,7 @@
         <p:spPr>
           <a:xfrm>
             <a:off x="11438640" y="6453360"/>
-            <a:ext cx="762840" cy="363960"/>
+            <a:ext cx="762480" cy="363960"/>
           </a:xfrm>
           <a:prstGeom prst="rect">
             <a:avLst/>
@@ -4823,7 +5201,7 @@
                 <a:spcPct val="100000"/>
               </a:lnSpc>
             </a:pPr>
-            <a:fld id="{4D44F608-D658-43CD-BE62-935C8FE5F39B}" type="slidenum">
+            <a:fld id="{CEF7F597-CF83-402D-9255-575AC9B7F005}" type="slidenum">
               <a:rPr b="0" lang="en-US" sz="1800" spc="-1" strike="noStrike">
                 <a:solidFill>
                   <a:srgbClr val="808080"/>
@@ -4833,7 +5211,7 @@
               </a:rPr>
               <a:t>&lt;number&gt;</a:t>
             </a:fld>
-            <a:endParaRPr b="0" lang="en-GB" sz="1800" spc="-1" strike="noStrike">
+            <a:endParaRPr b="0" lang="en-US" sz="1800" spc="-1" strike="noStrike">
               <a:latin typeface="Arial"/>
             </a:endParaRPr>
           </a:p>
@@ -4848,7 +5226,7 @@
         <p:spPr>
           <a:xfrm>
             <a:off x="912240" y="1268280"/>
-            <a:ext cx="9212760" cy="366120"/>
+            <a:ext cx="9212400" cy="365760"/>
           </a:xfrm>
           <a:prstGeom prst="rect">
             <a:avLst/>
@@ -4878,7 +5256,7 @@
         <p:spPr>
           <a:xfrm>
             <a:off x="0" y="0"/>
-            <a:ext cx="3056760" cy="566640"/>
+            <a:ext cx="3056400" cy="566280"/>
           </a:xfrm>
           <a:prstGeom prst="rect">
             <a:avLst/>
@@ -4901,7 +5279,7 @@
         <p:spPr>
           <a:xfrm>
             <a:off x="7430400" y="134640"/>
-            <a:ext cx="3702600" cy="518760"/>
+            <a:ext cx="3702240" cy="518400"/>
           </a:xfrm>
           <a:prstGeom prst="rect">
             <a:avLst/>
@@ -4920,7 +5298,7 @@
         <p:spPr>
           <a:xfrm>
             <a:off x="11444760" y="0"/>
-            <a:ext cx="745920" cy="6854760"/>
+            <a:ext cx="745560" cy="6854400"/>
           </a:xfrm>
           <a:prstGeom prst="rect">
             <a:avLst/>
@@ -4950,7 +5328,7 @@
         <p:spPr>
           <a:xfrm>
             <a:off x="11438640" y="6453360"/>
-            <a:ext cx="762840" cy="363960"/>
+            <a:ext cx="762480" cy="363960"/>
           </a:xfrm>
           <a:prstGeom prst="rect">
             <a:avLst/>
@@ -4976,7 +5354,7 @@
                 <a:spcPct val="100000"/>
               </a:lnSpc>
             </a:pPr>
-            <a:fld id="{19598039-B195-4960-AFC0-2BBA7C31F866}" type="slidenum">
+            <a:fld id="{638B4BF8-6FB6-4B97-975A-32FDB4EE4E61}" type="slidenum">
               <a:rPr b="0" lang="en-US" sz="1800" spc="-1" strike="noStrike">
                 <a:solidFill>
                   <a:srgbClr val="808080"/>
@@ -4986,7 +5364,7 @@
               </a:rPr>
               <a:t>&lt;number&gt;</a:t>
             </a:fld>
-            <a:endParaRPr b="0" lang="en-GB" sz="1800" spc="-1" strike="noStrike">
+            <a:endParaRPr b="0" lang="en-US" sz="1800" spc="-1" strike="noStrike">
               <a:latin typeface="Arial"/>
             </a:endParaRPr>
           </a:p>
@@ -5001,7 +5379,7 @@
         <p:spPr>
           <a:xfrm>
             <a:off x="0" y="6642720"/>
-            <a:ext cx="12188880" cy="211320"/>
+            <a:ext cx="12188520" cy="211320"/>
           </a:xfrm>
           <a:prstGeom prst="rect">
             <a:avLst/>
@@ -5037,7 +5415,7 @@
               </a:rPr>
               <a:t>Requirements Engineering – TU Clausthal</a:t>
             </a:r>
-            <a:endParaRPr b="0" lang="en-GB" sz="800" spc="-1" strike="noStrike">
+            <a:endParaRPr b="0" lang="en-US" sz="800" spc="-1" strike="noStrike">
               <a:latin typeface="Arial"/>
             </a:endParaRPr>
           </a:p>
@@ -5075,12 +5453,48 @@
               <a:buNone/>
             </a:pPr>
             <a:r>
-              <a:rPr b="0" lang="en-GB" sz="4400" spc="-1" strike="noStrike">
+              <a:rPr b="0" lang="en-US" sz="4400" spc="-1" strike="noStrike">
                 <a:latin typeface="Arial"/>
               </a:rPr>
-              <a:t>Click to edit the title text format</a:t>
-            </a:r>
-            <a:endParaRPr b="0" lang="en-GB" sz="4400" spc="-1" strike="noStrike">
+              <a:t>Click </a:t>
+            </a:r>
+            <a:r>
+              <a:rPr b="0" lang="en-US" sz="4400" spc="-1" strike="noStrike">
+                <a:latin typeface="Arial"/>
+              </a:rPr>
+              <a:t>to edit </a:t>
+            </a:r>
+            <a:r>
+              <a:rPr b="0" lang="en-US" sz="4400" spc="-1" strike="noStrike">
+                <a:latin typeface="Arial"/>
+              </a:rPr>
+              <a:t>the </a:t>
+            </a:r>
+            <a:r>
+              <a:rPr b="0" lang="en-US" sz="4400" spc="-1" strike="noStrike">
+                <a:latin typeface="Arial"/>
+              </a:rPr>
+              <a:t>title </a:t>
+            </a:r>
+            <a:r>
+              <a:rPr b="0" lang="en-US" sz="4400" spc="-1" strike="noStrike">
+                <a:latin typeface="Arial"/>
+              </a:rPr>
+              <a:t>text </a:t>
+            </a:r>
+            <a:r>
+              <a:rPr b="0" lang="en-US" sz="4400" spc="-1" strike="noStrike">
+                <a:latin typeface="Arial"/>
+              </a:rPr>
+              <a:t>forma</a:t>
+            </a:r>
+            <a:r>
+              <a:rPr b="0" lang="en-US" sz="4400" spc="-1" strike="noStrike">
+                <a:latin typeface="Arial"/>
+              </a:rPr>
+              <a:t>t</a:t>
+            </a:r>
+            <a:endParaRPr b="0" lang="en-US" sz="4400" spc="-1" strike="noStrike">
               <a:latin typeface="Arial"/>
             </a:endParaRPr>
           </a:p>
@@ -5126,12 +5540,12 @@
               <a:buChar char=""/>
             </a:pPr>
             <a:r>
-              <a:rPr b="0" lang="en-GB" sz="3200" spc="-1" strike="noStrike">
+              <a:rPr b="0" lang="en-US" sz="3200" spc="-1" strike="noStrike">
                 <a:latin typeface="Arial"/>
               </a:rPr>
               <a:t>Click to edit the outline text format</a:t>
             </a:r>
-            <a:endParaRPr b="0" lang="en-GB" sz="3200" spc="-1" strike="noStrike">
+            <a:endParaRPr b="0" lang="en-US" sz="3200" spc="-1" strike="noStrike">
               <a:latin typeface="Arial"/>
             </a:endParaRPr>
           </a:p>
@@ -5148,12 +5562,12 @@
               <a:buChar char=""/>
             </a:pPr>
             <a:r>
-              <a:rPr b="0" lang="en-GB" sz="2800" spc="-1" strike="noStrike">
+              <a:rPr b="0" lang="en-US" sz="2800" spc="-1" strike="noStrike">
                 <a:latin typeface="Arial"/>
               </a:rPr>
               <a:t>Second Outline Level</a:t>
             </a:r>
-            <a:endParaRPr b="0" lang="en-GB" sz="2800" spc="-1" strike="noStrike">
+            <a:endParaRPr b="0" lang="en-US" sz="2800" spc="-1" strike="noStrike">
               <a:latin typeface="Arial"/>
             </a:endParaRPr>
           </a:p>
@@ -5170,12 +5584,12 @@
               <a:buChar char=""/>
             </a:pPr>
             <a:r>
-              <a:rPr b="0" lang="en-GB" sz="2400" spc="-1" strike="noStrike">
+              <a:rPr b="0" lang="en-US" sz="2400" spc="-1" strike="noStrike">
                 <a:latin typeface="Arial"/>
               </a:rPr>
               <a:t>Third Outline Level</a:t>
             </a:r>
-            <a:endParaRPr b="0" lang="en-GB" sz="2400" spc="-1" strike="noStrike">
+            <a:endParaRPr b="0" lang="en-US" sz="2400" spc="-1" strike="noStrike">
               <a:latin typeface="Arial"/>
             </a:endParaRPr>
           </a:p>
@@ -5192,12 +5606,12 @@
               <a:buChar char=""/>
             </a:pPr>
             <a:r>
-              <a:rPr b="0" lang="en-GB" sz="2000" spc="-1" strike="noStrike">
+              <a:rPr b="0" lang="en-US" sz="2000" spc="-1" strike="noStrike">
                 <a:latin typeface="Arial"/>
               </a:rPr>
               <a:t>Fourth Outline Level</a:t>
             </a:r>
-            <a:endParaRPr b="0" lang="en-GB" sz="2000" spc="-1" strike="noStrike">
+            <a:endParaRPr b="0" lang="en-US" sz="2000" spc="-1" strike="noStrike">
               <a:latin typeface="Arial"/>
             </a:endParaRPr>
           </a:p>
@@ -5214,12 +5628,12 @@
               <a:buChar char=""/>
             </a:pPr>
             <a:r>
-              <a:rPr b="0" lang="en-GB" sz="2000" spc="-1" strike="noStrike">
+              <a:rPr b="0" lang="en-US" sz="2000" spc="-1" strike="noStrike">
                 <a:latin typeface="Arial"/>
               </a:rPr>
               <a:t>Fifth Outline Level</a:t>
             </a:r>
-            <a:endParaRPr b="0" lang="en-GB" sz="2000" spc="-1" strike="noStrike">
+            <a:endParaRPr b="0" lang="en-US" sz="2000" spc="-1" strike="noStrike">
               <a:latin typeface="Arial"/>
             </a:endParaRPr>
           </a:p>
@@ -5236,12 +5650,12 @@
               <a:buChar char=""/>
             </a:pPr>
             <a:r>
-              <a:rPr b="0" lang="en-GB" sz="2000" spc="-1" strike="noStrike">
+              <a:rPr b="0" lang="en-US" sz="2000" spc="-1" strike="noStrike">
                 <a:latin typeface="Arial"/>
               </a:rPr>
               <a:t>Sixth Outline Level</a:t>
             </a:r>
-            <a:endParaRPr b="0" lang="en-GB" sz="2000" spc="-1" strike="noStrike">
+            <a:endParaRPr b="0" lang="en-US" sz="2000" spc="-1" strike="noStrike">
               <a:latin typeface="Arial"/>
             </a:endParaRPr>
           </a:p>
@@ -5258,12 +5672,12 @@
               <a:buChar char=""/>
             </a:pPr>
             <a:r>
-              <a:rPr b="0" lang="en-GB" sz="2000" spc="-1" strike="noStrike">
+              <a:rPr b="0" lang="en-US" sz="2000" spc="-1" strike="noStrike">
                 <a:latin typeface="Arial"/>
               </a:rPr>
               <a:t>Seventh Outline Level</a:t>
             </a:r>
-            <a:endParaRPr b="0" lang="en-GB" sz="2000" spc="-1" strike="noStrike">
+            <a:endParaRPr b="0" lang="en-US" sz="2000" spc="-1" strike="noStrike">
               <a:latin typeface="Arial"/>
             </a:endParaRPr>
           </a:p>
@@ -5315,7 +5729,7 @@
         <p:spPr>
           <a:xfrm>
             <a:off x="527400" y="1412640"/>
-            <a:ext cx="10365840" cy="1152360"/>
+            <a:ext cx="10365480" cy="1152000"/>
           </a:xfrm>
           <a:prstGeom prst="rect">
             <a:avLst/>
@@ -5351,7 +5765,7 @@
               </a:rPr>
               <a:t>Requirement Engineering</a:t>
             </a:r>
-            <a:endParaRPr b="0" lang="en-GB" sz="3200" spc="-1" strike="noStrike">
+            <a:endParaRPr b="0" lang="en-US" sz="3200" spc="-1" strike="noStrike">
               <a:latin typeface="Arial"/>
             </a:endParaRPr>
           </a:p>
@@ -5366,7 +5780,7 @@
         <p:spPr>
           <a:xfrm>
             <a:off x="527400" y="2852640"/>
-            <a:ext cx="10365840" cy="2373120"/>
+            <a:ext cx="10365480" cy="2372760"/>
           </a:xfrm>
           <a:prstGeom prst="rect">
             <a:avLst/>
@@ -5408,7 +5822,7 @@
               </a:rPr>
               <a:t>Lecture 0: Organization</a:t>
             </a:r>
-            <a:endParaRPr b="0" lang="en-GB" sz="2400" spc="-1" strike="noStrike">
+            <a:endParaRPr b="0" lang="en-US" sz="2400" spc="-1" strike="noStrike">
               <a:latin typeface="Arial"/>
             </a:endParaRPr>
           </a:p>
@@ -5424,7 +5838,7 @@
                 <a:tab algn="l" pos="0"/>
               </a:tabLst>
             </a:pPr>
-            <a:endParaRPr b="0" lang="en-GB" sz="2400" spc="-1" strike="noStrike">
+            <a:endParaRPr b="0" lang="en-US" sz="2400" spc="-1" strike="noStrike">
               <a:latin typeface="Arial"/>
             </a:endParaRPr>
           </a:p>
@@ -5440,7 +5854,7 @@
                 <a:tab algn="l" pos="0"/>
               </a:tabLst>
             </a:pPr>
-            <a:endParaRPr b="0" lang="en-GB" sz="2400" spc="-1" strike="noStrike">
+            <a:endParaRPr b="0" lang="en-US" sz="2400" spc="-1" strike="noStrike">
               <a:latin typeface="Arial"/>
             </a:endParaRPr>
           </a:p>
@@ -5456,7 +5870,7 @@
                 <a:tab algn="l" pos="0"/>
               </a:tabLst>
             </a:pPr>
-            <a:endParaRPr b="0" lang="en-GB" sz="2400" spc="-1" strike="noStrike">
+            <a:endParaRPr b="0" lang="en-US" sz="2400" spc="-1" strike="noStrike">
               <a:latin typeface="Arial"/>
             </a:endParaRPr>
           </a:p>
@@ -5482,7 +5896,7 @@
               </a:rPr>
               <a:t>Prof. Dr. Benjamin Leiding</a:t>
             </a:r>
-            <a:endParaRPr b="0" lang="en-GB" sz="1600" spc="-1" strike="noStrike">
+            <a:endParaRPr b="0" lang="en-US" sz="1600" spc="-1" strike="noStrike">
               <a:latin typeface="Arial"/>
             </a:endParaRPr>
           </a:p>
@@ -5508,7 +5922,7 @@
               </a:rPr>
               <a:t>M.Sc. Anant Sujatanagarjuna</a:t>
             </a:r>
-            <a:endParaRPr b="0" lang="en-GB" sz="1600" spc="-1" strike="noStrike">
+            <a:endParaRPr b="0" lang="en-US" sz="1600" spc="-1" strike="noStrike">
               <a:latin typeface="Arial"/>
             </a:endParaRPr>
           </a:p>
@@ -5553,7 +5967,7 @@
         <p:spPr>
           <a:xfrm>
             <a:off x="335520" y="764640"/>
-            <a:ext cx="10749960" cy="500760"/>
+            <a:ext cx="10749600" cy="500400"/>
           </a:xfrm>
           <a:prstGeom prst="rect">
             <a:avLst/>
@@ -5589,7 +6003,7 @@
               </a:rPr>
               <a:t>Exercises</a:t>
             </a:r>
-            <a:endParaRPr b="0" lang="en-GB" sz="2400" spc="-1" strike="noStrike">
+            <a:endParaRPr b="0" lang="en-US" sz="2400" spc="-1" strike="noStrike">
               <a:latin typeface="Arial"/>
             </a:endParaRPr>
           </a:p>
@@ -5604,7 +6018,7 @@
         <p:spPr>
           <a:xfrm>
             <a:off x="335520" y="1268640"/>
-            <a:ext cx="10749960" cy="5037480"/>
+            <a:ext cx="10749600" cy="5037120"/>
           </a:xfrm>
           <a:prstGeom prst="rect">
             <a:avLst/>
@@ -5649,7 +6063,7 @@
               </a:rPr>
               <a:t>09.11.2022 → Exercise 01 – Knowledge Test (MC)</a:t>
             </a:r>
-            <a:endParaRPr b="0" lang="en-GB" sz="1800" spc="-1" strike="noStrike">
+            <a:endParaRPr b="0" lang="en-US" sz="1800" spc="-1" strike="noStrike">
               <a:latin typeface="Arial"/>
             </a:endParaRPr>
           </a:p>
@@ -5678,7 +6092,7 @@
               </a:rPr>
               <a:t>23.11.2022 → Exercise 02 – Elicitation I</a:t>
             </a:r>
-            <a:endParaRPr b="0" lang="en-GB" sz="1800" spc="-1" strike="noStrike">
+            <a:endParaRPr b="0" lang="en-US" sz="1800" spc="-1" strike="noStrike">
               <a:latin typeface="Arial"/>
             </a:endParaRPr>
           </a:p>
@@ -5707,7 +6121,7 @@
               </a:rPr>
               <a:t>30.11.2022 → Exercise 03 – Elicitation II</a:t>
             </a:r>
-            <a:endParaRPr b="0" lang="en-GB" sz="1800" spc="-1" strike="noStrike">
+            <a:endParaRPr b="0" lang="en-US" sz="1800" spc="-1" strike="noStrike">
               <a:latin typeface="Arial"/>
             </a:endParaRPr>
           </a:p>
@@ -5736,7 +6150,7 @@
               </a:rPr>
               <a:t>14.12.2022 → Exercise 04 – Agent-oriented Modelling</a:t>
             </a:r>
-            <a:endParaRPr b="0" lang="en-GB" sz="1800" spc="-1" strike="noStrike">
+            <a:endParaRPr b="0" lang="en-US" sz="1800" spc="-1" strike="noStrike">
               <a:latin typeface="Arial"/>
             </a:endParaRPr>
           </a:p>
@@ -5765,7 +6179,7 @@
               </a:rPr>
               <a:t>21.12.2022 → Exercise 05 – Coloured Petri Nets I</a:t>
             </a:r>
-            <a:endParaRPr b="0" lang="en-GB" sz="1800" spc="-1" strike="noStrike">
+            <a:endParaRPr b="0" lang="en-US" sz="1800" spc="-1" strike="noStrike">
               <a:latin typeface="Arial"/>
             </a:endParaRPr>
           </a:p>
@@ -5794,7 +6208,7 @@
               </a:rPr>
               <a:t>11.01.2023 → Exercise 06 – Coloured Petri Nets II</a:t>
             </a:r>
-            <a:endParaRPr b="0" lang="en-GB" sz="1800" spc="-1" strike="noStrike">
+            <a:endParaRPr b="0" lang="en-US" sz="1800" spc="-1" strike="noStrike">
               <a:latin typeface="Arial"/>
             </a:endParaRPr>
           </a:p>
@@ -5823,7 +6237,7 @@
               </a:rPr>
               <a:t>18.01.2023 → Bonus Task</a:t>
             </a:r>
-            <a:endParaRPr b="0" lang="en-GB" sz="1800" spc="-1" strike="noStrike">
+            <a:endParaRPr b="0" lang="en-US" sz="1800" spc="-1" strike="noStrike">
               <a:latin typeface="Arial"/>
             </a:endParaRPr>
           </a:p>
@@ -5852,7 +6266,7 @@
               </a:rPr>
               <a:t>25.01.2023 → Exercise 07 – Management and Traceability (MC)</a:t>
             </a:r>
-            <a:endParaRPr b="0" lang="en-GB" sz="1800" spc="-1" strike="noStrike">
+            <a:endParaRPr b="0" lang="en-US" sz="1800" spc="-1" strike="noStrike">
               <a:latin typeface="Arial"/>
             </a:endParaRPr>
           </a:p>
@@ -5897,7 +6311,7 @@
         <p:spPr>
           <a:xfrm>
             <a:off x="335520" y="764640"/>
-            <a:ext cx="10743120" cy="493920"/>
+            <a:ext cx="10742760" cy="493560"/>
           </a:xfrm>
           <a:prstGeom prst="rect">
             <a:avLst/>
@@ -5933,7 +6347,7 @@
               </a:rPr>
               <a:t>Course Organization</a:t>
             </a:r>
-            <a:endParaRPr b="0" lang="en-GB" sz="2400" spc="-1" strike="noStrike">
+            <a:endParaRPr b="0" lang="en-US" sz="2400" spc="-1" strike="noStrike">
               <a:latin typeface="Arial"/>
             </a:endParaRPr>
           </a:p>
@@ -5948,7 +6362,7 @@
         <p:spPr>
           <a:xfrm>
             <a:off x="335520" y="1268280"/>
-            <a:ext cx="10743120" cy="5030640"/>
+            <a:ext cx="10742760" cy="5030280"/>
           </a:xfrm>
           <a:prstGeom prst="rect">
             <a:avLst/>
@@ -5977,7 +6391,7 @@
                 <a:spcPts val="360"/>
               </a:spcBef>
             </a:pPr>
-            <a:endParaRPr b="0" lang="en-GB" sz="1800" spc="-1" strike="noStrike">
+            <a:endParaRPr b="0" lang="en-US" sz="1800" spc="-1" strike="noStrike">
               <a:latin typeface="Arial"/>
             </a:endParaRPr>
           </a:p>
@@ -6006,7 +6420,7 @@
               </a:rPr>
               <a:t>Organization of the lecture:</a:t>
             </a:r>
-            <a:endParaRPr b="0" lang="en-GB" sz="1800" spc="-1" strike="noStrike">
+            <a:endParaRPr b="0" lang="en-US" sz="1800" spc="-1" strike="noStrike">
               <a:latin typeface="Arial"/>
             </a:endParaRPr>
           </a:p>
@@ -6057,7 +6471,7 @@
               </a:rPr>
               <a:t>)</a:t>
             </a:r>
-            <a:endParaRPr b="0" lang="en-GB" sz="1800" spc="-1" strike="noStrike">
+            <a:endParaRPr b="0" lang="en-US" sz="1800" spc="-1" strike="noStrike">
               <a:latin typeface="Arial"/>
             </a:endParaRPr>
           </a:p>
@@ -6086,7 +6500,7 @@
               </a:rPr>
               <a:t>Please report bugs!</a:t>
             </a:r>
-            <a:endParaRPr b="0" lang="en-GB" sz="1800" spc="-1" strike="noStrike">
+            <a:endParaRPr b="0" lang="en-US" sz="1800" spc="-1" strike="noStrike">
               <a:latin typeface="Arial"/>
             </a:endParaRPr>
           </a:p>
@@ -6115,7 +6529,7 @@
               </a:rPr>
               <a:t>Lectures and exercises live stream (BBB – next slide) and Goslar</a:t>
             </a:r>
-            <a:endParaRPr b="0" lang="en-GB" sz="1800" spc="-1" strike="noStrike">
+            <a:endParaRPr b="0" lang="en-US" sz="1800" spc="-1" strike="noStrike">
               <a:latin typeface="Arial"/>
             </a:endParaRPr>
           </a:p>
@@ -6144,7 +6558,7 @@
               </a:rPr>
               <a:t>No lecture recordings</a:t>
             </a:r>
-            <a:endParaRPr b="0" lang="en-GB" sz="1800" spc="-1" strike="noStrike">
+            <a:endParaRPr b="0" lang="en-US" sz="1800" spc="-1" strike="noStrike">
               <a:latin typeface="Arial"/>
             </a:endParaRPr>
           </a:p>
@@ -6193,7 +6607,7 @@
               </a:rPr>
               <a:t>Time for questions and eventual tutorials related to the exercises</a:t>
             </a:r>
-            <a:endParaRPr b="0" lang="en-GB" sz="1800" spc="-1" strike="noStrike">
+            <a:endParaRPr b="0" lang="en-US" sz="1800" spc="-1" strike="noStrike">
               <a:latin typeface="Arial"/>
             </a:endParaRPr>
           </a:p>
@@ -6206,7 +6620,7 @@
                 <a:spcPts val="360"/>
               </a:spcBef>
             </a:pPr>
-            <a:endParaRPr b="0" lang="en-GB" sz="1800" spc="-1" strike="noStrike">
+            <a:endParaRPr b="0" lang="en-US" sz="1800" spc="-1" strike="noStrike">
               <a:latin typeface="Arial"/>
             </a:endParaRPr>
           </a:p>
@@ -6281,7 +6695,7 @@
               </a:rPr>
               <a:t> respond to</a:t>
             </a:r>
-            <a:endParaRPr b="0" lang="en-GB" sz="1800" spc="-1" strike="noStrike">
+            <a:endParaRPr b="0" lang="en-US" sz="1800" spc="-1" strike="noStrike">
               <a:latin typeface="Arial"/>
             </a:endParaRPr>
           </a:p>
@@ -6304,7 +6718,7 @@
               </a:rPr>
               <a:t>emails written to this specific email address!</a:t>
             </a:r>
-            <a:endParaRPr b="0" lang="en-GB" sz="1800" spc="-1" strike="noStrike">
+            <a:endParaRPr b="0" lang="en-US" sz="1800" spc="-1" strike="noStrike">
               <a:latin typeface="Arial"/>
             </a:endParaRPr>
           </a:p>
@@ -6349,7 +6763,7 @@
         <p:spPr>
           <a:xfrm>
             <a:off x="335520" y="764640"/>
-            <a:ext cx="10741680" cy="492480"/>
+            <a:ext cx="10741320" cy="492120"/>
           </a:xfrm>
           <a:prstGeom prst="rect">
             <a:avLst/>
@@ -6385,7 +6799,7 @@
               </a:rPr>
               <a:t>Dates/Times/Locations</a:t>
             </a:r>
-            <a:endParaRPr b="0" lang="en-GB" sz="2400" spc="-1" strike="noStrike">
+            <a:endParaRPr b="0" lang="en-US" sz="2400" spc="-1" strike="noStrike">
               <a:latin typeface="Arial"/>
             </a:endParaRPr>
           </a:p>
@@ -6395,7 +6809,7 @@
                 <a:spcPct val="100000"/>
               </a:lnSpc>
             </a:pPr>
-            <a:endParaRPr b="0" lang="en-GB" sz="2400" spc="-1" strike="noStrike">
+            <a:endParaRPr b="0" lang="en-US" sz="2400" spc="-1" strike="noStrike">
               <a:latin typeface="Arial"/>
             </a:endParaRPr>
           </a:p>
@@ -6405,7 +6819,7 @@
                 <a:spcPct val="100000"/>
               </a:lnSpc>
             </a:pPr>
-            <a:endParaRPr b="0" lang="en-GB" sz="2400" spc="-1" strike="noStrike">
+            <a:endParaRPr b="0" lang="en-US" sz="2400" spc="-1" strike="noStrike">
               <a:latin typeface="Arial"/>
             </a:endParaRPr>
           </a:p>
@@ -6420,7 +6834,7 @@
         <p:spPr>
           <a:xfrm>
             <a:off x="335520" y="1268640"/>
-            <a:ext cx="10741680" cy="5029200"/>
+            <a:ext cx="10741320" cy="5028840"/>
           </a:xfrm>
           <a:prstGeom prst="rect">
             <a:avLst/>
@@ -6449,7 +6863,7 @@
                 <a:spcPts val="360"/>
               </a:spcBef>
             </a:pPr>
-            <a:endParaRPr b="0" lang="en-GB" sz="1800" spc="-1" strike="noStrike">
+            <a:endParaRPr b="0" lang="en-US" sz="1800" spc="-1" strike="noStrike">
               <a:latin typeface="Arial"/>
             </a:endParaRPr>
           </a:p>
@@ -6479,7 +6893,7 @@
               </a:rPr>
               <a:t>Lecture:</a:t>
             </a:r>
-            <a:endParaRPr b="0" lang="en-GB" sz="1800" spc="-1" strike="noStrike">
+            <a:endParaRPr b="0" lang="en-US" sz="1800" spc="-1" strike="noStrike">
               <a:latin typeface="Arial"/>
             </a:endParaRPr>
           </a:p>
@@ -6598,7 +7012,7 @@
               </a:rPr>
               <a:t>2023</a:t>
             </a:r>
-            <a:endParaRPr b="0" lang="en-GB" sz="1800" spc="-1" strike="noStrike">
+            <a:endParaRPr b="0" lang="en-US" sz="1800" spc="-1" strike="noStrike">
               <a:latin typeface="Arial"/>
             </a:endParaRPr>
           </a:p>
@@ -6649,7 +7063,7 @@
               </a:rPr>
               <a:t>)</a:t>
             </a:r>
-            <a:endParaRPr b="0" lang="en-GB" sz="1800" spc="-1" strike="noStrike">
+            <a:endParaRPr b="0" lang="en-US" sz="1800" spc="-1" strike="noStrike">
               <a:latin typeface="Arial"/>
             </a:endParaRPr>
           </a:p>
@@ -6662,7 +7076,7 @@
                 <a:spcPts val="360"/>
               </a:spcBef>
             </a:pPr>
-            <a:endParaRPr b="0" lang="en-GB" sz="1800" spc="-1" strike="noStrike">
+            <a:endParaRPr b="0" lang="en-US" sz="1800" spc="-1" strike="noStrike">
               <a:latin typeface="Arial"/>
             </a:endParaRPr>
           </a:p>
@@ -6692,7 +7106,7 @@
               </a:rPr>
               <a:t>Exercise / Q&amp;A:</a:t>
             </a:r>
-            <a:endParaRPr b="0" lang="en-GB" sz="1800" spc="-1" strike="noStrike">
+            <a:endParaRPr b="0" lang="en-US" sz="1800" spc="-1" strike="noStrike">
               <a:latin typeface="Arial"/>
             </a:endParaRPr>
           </a:p>
@@ -6811,7 +7225,7 @@
               </a:rPr>
               <a:t>2023</a:t>
             </a:r>
-            <a:endParaRPr b="0" lang="en-GB" sz="1800" spc="-1" strike="noStrike">
+            <a:endParaRPr b="0" lang="en-US" sz="1800" spc="-1" strike="noStrike">
               <a:latin typeface="Arial"/>
             </a:endParaRPr>
           </a:p>
@@ -6862,7 +7276,7 @@
               </a:rPr>
               <a:t>)</a:t>
             </a:r>
-            <a:endParaRPr b="0" lang="en-GB" sz="1800" spc="-1" strike="noStrike">
+            <a:endParaRPr b="0" lang="en-US" sz="1800" spc="-1" strike="noStrike">
               <a:latin typeface="Arial"/>
             </a:endParaRPr>
           </a:p>
@@ -6907,7 +7321,7 @@
         <p:spPr>
           <a:xfrm>
             <a:off x="335520" y="764640"/>
-            <a:ext cx="10749960" cy="500760"/>
+            <a:ext cx="10749600" cy="500400"/>
           </a:xfrm>
           <a:prstGeom prst="rect">
             <a:avLst/>
@@ -6943,7 +7357,7 @@
               </a:rPr>
               <a:t>Exercises </a:t>
             </a:r>
-            <a:endParaRPr b="0" lang="en-GB" sz="2400" spc="-1" strike="noStrike">
+            <a:endParaRPr b="0" lang="en-US" sz="2400" spc="-1" strike="noStrike">
               <a:latin typeface="Arial"/>
             </a:endParaRPr>
           </a:p>
@@ -6958,7 +7372,7 @@
         <p:spPr>
           <a:xfrm>
             <a:off x="335520" y="1268280"/>
-            <a:ext cx="10749960" cy="5037480"/>
+            <a:ext cx="10749600" cy="5037120"/>
           </a:xfrm>
           <a:prstGeom prst="rect">
             <a:avLst/>
@@ -6984,7 +7398,7 @@
                 <a:spcPct val="100000"/>
               </a:lnSpc>
             </a:pPr>
-            <a:endParaRPr b="0" lang="en-GB" sz="1800" spc="-1" strike="noStrike">
+            <a:endParaRPr b="0" lang="en-US" sz="1800" spc="-1" strike="noStrike">
               <a:latin typeface="Arial"/>
             </a:endParaRPr>
           </a:p>
@@ -7013,7 +7427,7 @@
               </a:rPr>
               <a:t>Organization of the exercise:</a:t>
             </a:r>
-            <a:endParaRPr b="0" lang="en-GB" sz="1800" spc="-1" strike="noStrike">
+            <a:endParaRPr b="0" lang="en-US" sz="1800" spc="-1" strike="noStrike">
               <a:latin typeface="Arial"/>
             </a:endParaRPr>
           </a:p>
@@ -7062,7 +7476,7 @@
               </a:rPr>
               <a:t> group submissions</a:t>
             </a:r>
-            <a:endParaRPr b="0" lang="en-GB" sz="1800" spc="-1" strike="noStrike">
+            <a:endParaRPr b="0" lang="en-US" sz="1800" spc="-1" strike="noStrike">
               <a:latin typeface="Arial"/>
             </a:endParaRPr>
           </a:p>
@@ -7091,7 +7505,7 @@
               </a:rPr>
               <a:t>Multiple-Choice or practical tasks</a:t>
             </a:r>
-            <a:endParaRPr b="0" lang="en-GB" sz="1800" spc="-1" strike="noStrike">
+            <a:endParaRPr b="0" lang="en-US" sz="1800" spc="-1" strike="noStrike">
               <a:latin typeface="Arial"/>
             </a:endParaRPr>
           </a:p>
@@ -7120,7 +7534,7 @@
               </a:rPr>
               <a:t>7-14 days to submit (depending on the task)</a:t>
             </a:r>
-            <a:endParaRPr b="0" lang="en-GB" sz="1800" spc="-1" strike="noStrike">
+            <a:endParaRPr b="0" lang="en-US" sz="1800" spc="-1" strike="noStrike">
               <a:latin typeface="Arial"/>
             </a:endParaRPr>
           </a:p>
@@ -7149,7 +7563,7 @@
               </a:rPr>
               <a:t>Submission deadline is always Wednesday at 1:59pm (right before the next lecture)</a:t>
             </a:r>
-            <a:endParaRPr b="0" lang="en-GB" sz="1800" spc="-1" strike="noStrike">
+            <a:endParaRPr b="0" lang="en-US" sz="1800" spc="-1" strike="noStrike">
               <a:latin typeface="Arial"/>
             </a:endParaRPr>
           </a:p>
@@ -7178,7 +7592,7 @@
               </a:rPr>
               <a:t>Submission of each exercise is mandatory</a:t>
             </a:r>
-            <a:endParaRPr b="0" lang="en-GB" sz="1800" spc="-1" strike="noStrike">
+            <a:endParaRPr b="0" lang="en-US" sz="1800" spc="-1" strike="noStrike">
               <a:latin typeface="Arial"/>
             </a:endParaRPr>
           </a:p>
@@ -7191,7 +7605,7 @@
                 <a:spcPts val="360"/>
               </a:spcBef>
             </a:pPr>
-            <a:endParaRPr b="0" lang="en-GB" sz="1800" spc="-1" strike="noStrike">
+            <a:endParaRPr b="0" lang="en-US" sz="1800" spc="-1" strike="noStrike">
               <a:latin typeface="Arial"/>
             </a:endParaRPr>
           </a:p>
@@ -7204,7 +7618,7 @@
                 <a:spcPts val="360"/>
               </a:spcBef>
             </a:pPr>
-            <a:endParaRPr b="0" lang="en-GB" sz="1800" spc="-1" strike="noStrike">
+            <a:endParaRPr b="0" lang="en-US" sz="1800" spc="-1" strike="noStrike">
               <a:latin typeface="Arial"/>
             </a:endParaRPr>
           </a:p>
@@ -7227,7 +7641,7 @@
               </a:rPr>
               <a:t>More info on points, percentages, etc. follow on the next slides (Examination)</a:t>
             </a:r>
-            <a:endParaRPr b="0" lang="en-GB" sz="1800" spc="-1" strike="noStrike">
+            <a:endParaRPr b="0" lang="en-US" sz="1800" spc="-1" strike="noStrike">
               <a:latin typeface="Arial"/>
             </a:endParaRPr>
           </a:p>
@@ -7272,7 +7686,7 @@
         <p:spPr>
           <a:xfrm>
             <a:off x="335520" y="764640"/>
-            <a:ext cx="10743120" cy="493920"/>
+            <a:ext cx="10742760" cy="493560"/>
           </a:xfrm>
           <a:prstGeom prst="rect">
             <a:avLst/>
@@ -7308,7 +7722,7 @@
               </a:rPr>
               <a:t>Exercises </a:t>
             </a:r>
-            <a:endParaRPr b="0" lang="en-GB" sz="2400" spc="-1" strike="noStrike">
+            <a:endParaRPr b="0" lang="en-US" sz="2400" spc="-1" strike="noStrike">
               <a:latin typeface="Arial"/>
             </a:endParaRPr>
           </a:p>
@@ -7323,7 +7737,7 @@
         <p:spPr>
           <a:xfrm>
             <a:off x="335520" y="1268280"/>
-            <a:ext cx="10743120" cy="5030640"/>
+            <a:ext cx="10742760" cy="5030280"/>
           </a:xfrm>
           <a:prstGeom prst="rect">
             <a:avLst/>
@@ -7365,7 +7779,7 @@
               </a:rPr>
               <a:t>Bonus task:</a:t>
             </a:r>
-            <a:endParaRPr b="0" lang="en-GB" sz="1800" spc="-1" strike="noStrike">
+            <a:endParaRPr b="0" lang="en-US" sz="1800" spc="-1" strike="noStrike">
               <a:latin typeface="Arial"/>
             </a:endParaRPr>
           </a:p>
@@ -7394,7 +7808,7 @@
               </a:rPr>
               <a:t>You may miss/fail one of the regular exercises</a:t>
             </a:r>
-            <a:endParaRPr b="0" lang="en-GB" sz="1800" spc="-1" strike="noStrike">
+            <a:endParaRPr b="0" lang="en-US" sz="1800" spc="-1" strike="noStrike">
               <a:latin typeface="Arial"/>
             </a:endParaRPr>
           </a:p>
@@ -7443,7 +7857,7 @@
               </a:rPr>
               <a:t> passing the bonus task substitutes the missed/failed exercise</a:t>
             </a:r>
-            <a:endParaRPr b="0" lang="en-GB" sz="1800" spc="-1" strike="noStrike">
+            <a:endParaRPr b="0" lang="en-US" sz="1800" spc="-1" strike="noStrike">
               <a:latin typeface="Arial"/>
             </a:endParaRPr>
           </a:p>
@@ -7482,7 +7896,7 @@
               </a:rPr>
               <a:t> → don’t “plan” with the bonus task. Rather submit and pass the regular exercises.</a:t>
             </a:r>
-            <a:endParaRPr b="0" lang="en-GB" sz="1800" spc="-1" strike="noStrike">
+            <a:endParaRPr b="0" lang="en-US" sz="1800" spc="-1" strike="noStrike">
               <a:latin typeface="Arial"/>
             </a:endParaRPr>
           </a:p>
@@ -7527,7 +7941,7 @@
         <p:spPr>
           <a:xfrm>
             <a:off x="335520" y="764640"/>
-            <a:ext cx="10743120" cy="493920"/>
+            <a:ext cx="10742760" cy="493560"/>
           </a:xfrm>
           <a:prstGeom prst="rect">
             <a:avLst/>
@@ -7563,7 +7977,7 @@
               </a:rPr>
               <a:t>Multiple-Choice Exercises </a:t>
             </a:r>
-            <a:endParaRPr b="0" lang="en-GB" sz="2400" spc="-1" strike="noStrike">
+            <a:endParaRPr b="0" lang="en-US" sz="2400" spc="-1" strike="noStrike">
               <a:latin typeface="Arial"/>
             </a:endParaRPr>
           </a:p>
@@ -7578,7 +7992,7 @@
         <p:spPr>
           <a:xfrm>
             <a:off x="494640" y="1523880"/>
-            <a:ext cx="10361880" cy="477000"/>
+            <a:ext cx="10361520" cy="476640"/>
           </a:xfrm>
           <a:prstGeom prst="rect">
             <a:avLst/>
@@ -7614,7 +8028,7 @@
               </a:rPr>
               <a:t>Step-1: Navigate to Moodle on your studip, select "Zum Kurs in Moodle"</a:t>
             </a:r>
-            <a:endParaRPr b="0" lang="en-GB" sz="1800" spc="-1" strike="noStrike">
+            <a:endParaRPr b="0" lang="en-US" sz="1800" spc="-1" strike="noStrike">
               <a:latin typeface="Arial"/>
             </a:endParaRPr>
           </a:p>
@@ -7663,12 +8077,13 @@
         </p:nvPicPr>
         <p:blipFill>
           <a:blip r:embed="rId1"/>
+          <a:srcRect l="0" t="0" r="0" b="7378"/>
           <a:stretch/>
         </p:blipFill>
         <p:spPr>
           <a:xfrm>
-            <a:off x="1895760" y="2238840"/>
-            <a:ext cx="6784200" cy="4155120"/>
+            <a:off x="2057400" y="2111400"/>
+            <a:ext cx="7315200" cy="4060440"/>
           </a:xfrm>
           <a:prstGeom prst="rect">
             <a:avLst/>
@@ -7678,57 +8093,6 @@
           </a:ln>
         </p:spPr>
       </p:pic>
-      <p:sp>
-        <p:nvSpPr>
-          <p:cNvPr id="140" name=""/>
-          <p:cNvSpPr/>
-          <p:nvPr/>
-        </p:nvSpPr>
-        <p:spPr>
-          <a:xfrm>
-            <a:off x="5580000" y="360000"/>
-            <a:ext cx="1079280" cy="857520"/>
-          </a:xfrm>
-          <a:prstGeom prst="rect">
-            <a:avLst/>
-          </a:prstGeom>
-          <a:noFill/>
-          <a:ln w="0">
-            <a:noFill/>
-          </a:ln>
-        </p:spPr>
-        <p:style>
-          <a:lnRef idx="0"/>
-          <a:fillRef idx="0"/>
-          <a:effectRef idx="0"/>
-          <a:fontRef idx="minor"/>
-        </p:style>
-        <p:txBody>
-          <a:bodyPr lIns="90000" rIns="90000" tIns="45000" bIns="45000" anchor="t">
-            <a:noAutofit/>
-          </a:bodyPr>
-          <a:p>
-            <a:pPr>
-              <a:lnSpc>
-                <a:spcPct val="100000"/>
-              </a:lnSpc>
-            </a:pPr>
-            <a:r>
-              <a:rPr b="1" lang="en-GB" sz="1800" spc="-1" strike="noStrike">
-                <a:solidFill>
-                  <a:srgbClr val="c9211e"/>
-                </a:solidFill>
-                <a:latin typeface="Arial"/>
-                <a:ea typeface="DejaVu Sans"/>
-              </a:rPr>
-              <a:t>TODO – Update images</a:t>
-            </a:r>
-            <a:endParaRPr b="0" lang="en-GB" sz="1800" spc="-1" strike="noStrike">
-              <a:latin typeface="Arial"/>
-            </a:endParaRPr>
-          </a:p>
-        </p:txBody>
-      </p:sp>
     </p:spTree>
   </p:cSld>
   <mc:AlternateContent>
@@ -7761,14 +8125,14 @@
       </p:grpSpPr>
       <p:sp>
         <p:nvSpPr>
-          <p:cNvPr id="141" name="CustomShape 15"/>
+          <p:cNvPr id="140" name="CustomShape 15"/>
           <p:cNvSpPr/>
           <p:nvPr/>
         </p:nvSpPr>
         <p:spPr>
           <a:xfrm>
             <a:off x="335520" y="764640"/>
-            <a:ext cx="10743120" cy="493920"/>
+            <a:ext cx="10742760" cy="493560"/>
           </a:xfrm>
           <a:prstGeom prst="rect">
             <a:avLst/>
@@ -7804,22 +8168,22 @@
               </a:rPr>
               <a:t>Multiple-Choice Exercises </a:t>
             </a:r>
-            <a:endParaRPr b="0" lang="en-GB" sz="2400" spc="-1" strike="noStrike">
-              <a:latin typeface="Arial"/>
-            </a:endParaRPr>
-          </a:p>
-        </p:txBody>
-      </p:sp>
-      <p:sp>
-        <p:nvSpPr>
-          <p:cNvPr id="142" name="CustomShape 16"/>
+            <a:endParaRPr b="0" lang="en-US" sz="2400" spc="-1" strike="noStrike">
+              <a:latin typeface="Arial"/>
+            </a:endParaRPr>
+          </a:p>
+        </p:txBody>
+      </p:sp>
+      <p:sp>
+        <p:nvSpPr>
+          <p:cNvPr id="141" name="CustomShape 16"/>
           <p:cNvSpPr/>
           <p:nvPr/>
         </p:nvSpPr>
         <p:spPr>
           <a:xfrm>
             <a:off x="494640" y="1488600"/>
-            <a:ext cx="5444640" cy="441720"/>
+            <a:ext cx="5444280" cy="441360"/>
           </a:xfrm>
           <a:prstGeom prst="rect">
             <a:avLst/>
@@ -7864,9 +8228,9 @@
                 <a:latin typeface="DejaVu Sans"/>
                 <a:ea typeface="DejaVu Sans"/>
               </a:rPr>
-              <a:t>"Knowledge Quiz - Week 1"</a:t>
-            </a:r>
-            <a:endParaRPr b="0" lang="en-GB" sz="1800" spc="-1" strike="noStrike">
+              <a:t>"Exercise 1"</a:t>
+            </a:r>
+            <a:endParaRPr b="0" lang="en-US" sz="1800" spc="-1" strike="noStrike">
               <a:latin typeface="Arial"/>
             </a:endParaRPr>
           </a:p>
@@ -7874,7 +8238,7 @@
       </p:sp>
       <p:pic>
         <p:nvPicPr>
-          <p:cNvPr id="143" name="" descr=""/>
+          <p:cNvPr id="142" name="" descr=""/>
           <p:cNvPicPr/>
           <p:nvPr/>
         </p:nvPicPr>
@@ -7884,8 +8248,8 @@
         </p:blipFill>
         <p:spPr>
           <a:xfrm>
-            <a:off x="1828800" y="1937160"/>
-            <a:ext cx="7951680" cy="4086000"/>
+            <a:off x="2513520" y="1828800"/>
+            <a:ext cx="6859080" cy="4737960"/>
           </a:xfrm>
           <a:prstGeom prst="rect">
             <a:avLst/>
@@ -7895,57 +8259,6 @@
           </a:ln>
         </p:spPr>
       </p:pic>
-      <p:sp>
-        <p:nvSpPr>
-          <p:cNvPr id="144" name=""/>
-          <p:cNvSpPr/>
-          <p:nvPr/>
-        </p:nvSpPr>
-        <p:spPr>
-          <a:xfrm>
-            <a:off x="5580000" y="360000"/>
-            <a:ext cx="1079280" cy="857520"/>
-          </a:xfrm>
-          <a:prstGeom prst="rect">
-            <a:avLst/>
-          </a:prstGeom>
-          <a:noFill/>
-          <a:ln w="0">
-            <a:noFill/>
-          </a:ln>
-        </p:spPr>
-        <p:style>
-          <a:lnRef idx="0"/>
-          <a:fillRef idx="0"/>
-          <a:effectRef idx="0"/>
-          <a:fontRef idx="minor"/>
-        </p:style>
-        <p:txBody>
-          <a:bodyPr lIns="90000" rIns="90000" tIns="45000" bIns="45000" anchor="t">
-            <a:noAutofit/>
-          </a:bodyPr>
-          <a:p>
-            <a:pPr>
-              <a:lnSpc>
-                <a:spcPct val="100000"/>
-              </a:lnSpc>
-            </a:pPr>
-            <a:r>
-              <a:rPr b="1" lang="en-GB" sz="1800" spc="-1" strike="noStrike">
-                <a:solidFill>
-                  <a:srgbClr val="c9211e"/>
-                </a:solidFill>
-                <a:latin typeface="Arial"/>
-                <a:ea typeface="DejaVu Sans"/>
-              </a:rPr>
-              <a:t>TODO – Update images</a:t>
-            </a:r>
-            <a:endParaRPr b="0" lang="en-GB" sz="1800" spc="-1" strike="noStrike">
-              <a:latin typeface="Arial"/>
-            </a:endParaRPr>
-          </a:p>
-        </p:txBody>
-      </p:sp>
     </p:spTree>
   </p:cSld>
   <mc:AlternateContent>
@@ -7978,14 +8291,14 @@
       </p:grpSpPr>
       <p:sp>
         <p:nvSpPr>
-          <p:cNvPr id="145" name="CustomShape 17"/>
+          <p:cNvPr id="143" name="CustomShape 17"/>
           <p:cNvSpPr/>
           <p:nvPr/>
         </p:nvSpPr>
         <p:spPr>
           <a:xfrm>
             <a:off x="335520" y="764640"/>
-            <a:ext cx="10743120" cy="493920"/>
+            <a:ext cx="10742760" cy="493560"/>
           </a:xfrm>
           <a:prstGeom prst="rect">
             <a:avLst/>
@@ -8021,7 +8334,58 @@
               </a:rPr>
               <a:t>Multiple-Choice Exercises </a:t>
             </a:r>
-            <a:endParaRPr b="0" lang="en-GB" sz="2400" spc="-1" strike="noStrike">
+            <a:endParaRPr b="0" lang="en-US" sz="2400" spc="-1" strike="noStrike">
+              <a:latin typeface="Arial"/>
+            </a:endParaRPr>
+          </a:p>
+        </p:txBody>
+      </p:sp>
+      <p:sp>
+        <p:nvSpPr>
+          <p:cNvPr id="144" name="CustomShape 18"/>
+          <p:cNvSpPr/>
+          <p:nvPr/>
+        </p:nvSpPr>
+        <p:spPr>
+          <a:xfrm>
+            <a:off x="494640" y="1418040"/>
+            <a:ext cx="5215680" cy="441360"/>
+          </a:xfrm>
+          <a:prstGeom prst="rect">
+            <a:avLst/>
+          </a:prstGeom>
+          <a:noFill/>
+          <a:ln w="0">
+            <a:noFill/>
+          </a:ln>
+        </p:spPr>
+        <p:style>
+          <a:lnRef idx="0"/>
+          <a:fillRef idx="0"/>
+          <a:effectRef idx="0"/>
+          <a:fontRef idx="minor"/>
+        </p:style>
+        <p:txBody>
+          <a:bodyPr lIns="90000" rIns="90000" tIns="45000" bIns="45000" anchor="t">
+            <a:noAutofit/>
+          </a:bodyPr>
+          <a:p>
+            <a:pPr>
+              <a:lnSpc>
+                <a:spcPct val="100000"/>
+              </a:lnSpc>
+            </a:pPr>
+            <a:r>
+              <a:rPr b="0" lang="de-DE" sz="1800" spc="-1" strike="noStrike">
+                <a:solidFill>
+                  <a:srgbClr val="000000"/>
+                </a:solidFill>
+                <a:latin typeface="DejaVu Sans"/>
+                <a:ea typeface="DejaVu Sans"/>
+              </a:rPr>
+              <a:t>Step-3 : Start your test if you are ready</a:t>
+            </a:r>
+            <a:endParaRPr b="0" lang="en-US" sz="1800" spc="-1" strike="noStrike">
               <a:latin typeface="Arial"/>
             </a:endParaRPr>
           </a:p>
@@ -8029,7 +8393,7 @@
       </p:sp>
       <p:pic>
         <p:nvPicPr>
-          <p:cNvPr id="146" name="Grafik 3" descr=""/>
+          <p:cNvPr id="145" name="" descr=""/>
           <p:cNvPicPr/>
           <p:nvPr/>
         </p:nvPicPr>
@@ -8039,8 +8403,8 @@
         </p:blipFill>
         <p:spPr>
           <a:xfrm>
-            <a:off x="2679480" y="2130480"/>
-            <a:ext cx="7372080" cy="3483000"/>
+            <a:off x="1600200" y="2073600"/>
+            <a:ext cx="7700400" cy="3756240"/>
           </a:xfrm>
           <a:prstGeom prst="rect">
             <a:avLst/>
@@ -8050,108 +8414,6 @@
           </a:ln>
         </p:spPr>
       </p:pic>
-      <p:sp>
-        <p:nvSpPr>
-          <p:cNvPr id="147" name="CustomShape 18"/>
-          <p:cNvSpPr/>
-          <p:nvPr/>
-        </p:nvSpPr>
-        <p:spPr>
-          <a:xfrm>
-            <a:off x="494640" y="1418040"/>
-            <a:ext cx="5216040" cy="441720"/>
-          </a:xfrm>
-          <a:prstGeom prst="rect">
-            <a:avLst/>
-          </a:prstGeom>
-          <a:noFill/>
-          <a:ln w="0">
-            <a:noFill/>
-          </a:ln>
-        </p:spPr>
-        <p:style>
-          <a:lnRef idx="0"/>
-          <a:fillRef idx="0"/>
-          <a:effectRef idx="0"/>
-          <a:fontRef idx="minor"/>
-        </p:style>
-        <p:txBody>
-          <a:bodyPr lIns="90000" rIns="90000" tIns="45000" bIns="45000" anchor="t">
-            <a:noAutofit/>
-          </a:bodyPr>
-          <a:p>
-            <a:pPr>
-              <a:lnSpc>
-                <a:spcPct val="100000"/>
-              </a:lnSpc>
-            </a:pPr>
-            <a:r>
-              <a:rPr b="0" lang="de-DE" sz="1800" spc="-1" strike="noStrike">
-                <a:solidFill>
-                  <a:srgbClr val="000000"/>
-                </a:solidFill>
-                <a:latin typeface="DejaVu Sans"/>
-                <a:ea typeface="DejaVu Sans"/>
-              </a:rPr>
-              <a:t>Step-3 : Start your test if you are ready</a:t>
-            </a:r>
-            <a:endParaRPr b="0" lang="en-GB" sz="1800" spc="-1" strike="noStrike">
-              <a:latin typeface="Arial"/>
-            </a:endParaRPr>
-          </a:p>
-        </p:txBody>
-      </p:sp>
-      <p:sp>
-        <p:nvSpPr>
-          <p:cNvPr id="148" name=""/>
-          <p:cNvSpPr/>
-          <p:nvPr/>
-        </p:nvSpPr>
-        <p:spPr>
-          <a:xfrm>
-            <a:off x="5580000" y="360000"/>
-            <a:ext cx="1079280" cy="857520"/>
-          </a:xfrm>
-          <a:prstGeom prst="rect">
-            <a:avLst/>
-          </a:prstGeom>
-          <a:noFill/>
-          <a:ln w="0">
-            <a:noFill/>
-          </a:ln>
-        </p:spPr>
-        <p:style>
-          <a:lnRef idx="0"/>
-          <a:fillRef idx="0"/>
-          <a:effectRef idx="0"/>
-          <a:fontRef idx="minor"/>
-        </p:style>
-        <p:txBody>
-          <a:bodyPr lIns="90000" rIns="90000" tIns="45000" bIns="45000" anchor="t">
-            <a:noAutofit/>
-          </a:bodyPr>
-          <a:p>
-            <a:pPr>
-              <a:lnSpc>
-                <a:spcPct val="100000"/>
-              </a:lnSpc>
-            </a:pPr>
-            <a:r>
-              <a:rPr b="1" lang="en-GB" sz="1800" spc="-1" strike="noStrike">
-                <a:solidFill>
-                  <a:srgbClr val="c9211e"/>
-                </a:solidFill>
-                <a:latin typeface="Arial"/>
-                <a:ea typeface="DejaVu Sans"/>
-              </a:rPr>
-              <a:t>TODO – Update images</a:t>
-            </a:r>
-            <a:endParaRPr b="0" lang="en-GB" sz="1800" spc="-1" strike="noStrike">
-              <a:latin typeface="Arial"/>
-            </a:endParaRPr>
-          </a:p>
-        </p:txBody>
-      </p:sp>
     </p:spTree>
   </p:cSld>
   <mc:AlternateContent>
@@ -8184,7 +8446,7 @@
       </p:grpSpPr>
       <p:pic>
         <p:nvPicPr>
-          <p:cNvPr id="149" name="" descr=""/>
+          <p:cNvPr id="146" name="" descr=""/>
           <p:cNvPicPr/>
           <p:nvPr/>
         </p:nvPicPr>
@@ -8195,7 +8457,7 @@
         <p:spPr>
           <a:xfrm>
             <a:off x="685800" y="2514600"/>
-            <a:ext cx="8870040" cy="3836520"/>
+            <a:ext cx="8869680" cy="3836160"/>
           </a:xfrm>
           <a:prstGeom prst="rect">
             <a:avLst/>
@@ -8207,14 +8469,14 @@
       </p:pic>
       <p:sp>
         <p:nvSpPr>
-          <p:cNvPr id="150" name="CustomShape 22"/>
+          <p:cNvPr id="147" name="CustomShape 22"/>
           <p:cNvSpPr/>
           <p:nvPr/>
         </p:nvSpPr>
         <p:spPr>
           <a:xfrm>
             <a:off x="335520" y="764640"/>
-            <a:ext cx="10743120" cy="493920"/>
+            <a:ext cx="10742760" cy="493560"/>
           </a:xfrm>
           <a:prstGeom prst="rect">
             <a:avLst/>
@@ -8250,22 +8512,22 @@
               </a:rPr>
               <a:t>Multiple-Choice Exercises </a:t>
             </a:r>
-            <a:endParaRPr b="0" lang="en-GB" sz="2400" spc="-1" strike="noStrike">
-              <a:latin typeface="Arial"/>
-            </a:endParaRPr>
-          </a:p>
-        </p:txBody>
-      </p:sp>
-      <p:sp>
-        <p:nvSpPr>
-          <p:cNvPr id="151" name="CustomShape 23"/>
+            <a:endParaRPr b="0" lang="en-US" sz="2400" spc="-1" strike="noStrike">
+              <a:latin typeface="Arial"/>
+            </a:endParaRPr>
+          </a:p>
+        </p:txBody>
+      </p:sp>
+      <p:sp>
+        <p:nvSpPr>
+          <p:cNvPr id="148" name="CustomShape 23"/>
           <p:cNvSpPr/>
           <p:nvPr/>
         </p:nvSpPr>
         <p:spPr>
           <a:xfrm>
             <a:off x="494640" y="1312200"/>
-            <a:ext cx="1733040" cy="364320"/>
+            <a:ext cx="1732680" cy="363960"/>
           </a:xfrm>
           <a:prstGeom prst="rect">
             <a:avLst/>
@@ -8301,7 +8563,7 @@
               </a:rPr>
               <a:t>Step-4 : </a:t>
             </a:r>
-            <a:endParaRPr b="0" lang="en-GB" sz="1800" spc="-1" strike="noStrike">
+            <a:endParaRPr b="0" lang="en-US" sz="1800" spc="-1" strike="noStrike">
               <a:latin typeface="Arial"/>
             </a:endParaRPr>
           </a:p>
@@ -8311,7 +8573,7 @@
                 <a:spcPct val="100000"/>
               </a:lnSpc>
             </a:pPr>
-            <a:endParaRPr b="0" lang="en-GB" sz="1800" spc="-1" strike="noStrike">
+            <a:endParaRPr b="0" lang="en-US" sz="1800" spc="-1" strike="noStrike">
               <a:latin typeface="Arial"/>
             </a:endParaRPr>
           </a:p>
@@ -8321,15 +8583,15 @@
                 <a:spcPct val="100000"/>
               </a:lnSpc>
             </a:pPr>
-            <a:endParaRPr b="0" lang="en-GB" sz="1800" spc="-1" strike="noStrike">
-              <a:latin typeface="Arial"/>
-            </a:endParaRPr>
-          </a:p>
-        </p:txBody>
-      </p:sp>
-      <p:sp>
-        <p:nvSpPr>
-          <p:cNvPr id="152" name="Line 1"/>
+            <a:endParaRPr b="0" lang="en-US" sz="1800" spc="-1" strike="noStrike">
+              <a:latin typeface="Arial"/>
+            </a:endParaRPr>
+          </a:p>
+        </p:txBody>
+      </p:sp>
+      <p:sp>
+        <p:nvSpPr>
+          <p:cNvPr id="149" name="Line 1"/>
           <p:cNvSpPr/>
           <p:nvPr/>
         </p:nvSpPr>
@@ -8364,7 +8626,7 @@
       </p:sp>
       <p:sp>
         <p:nvSpPr>
-          <p:cNvPr id="153" name="Line 3"/>
+          <p:cNvPr id="150" name="Line 3"/>
           <p:cNvSpPr/>
           <p:nvPr/>
         </p:nvSpPr>
@@ -8399,7 +8661,7 @@
       </p:sp>
       <p:sp>
         <p:nvSpPr>
-          <p:cNvPr id="154" name="Line 4"/>
+          <p:cNvPr id="151" name="Line 4"/>
           <p:cNvSpPr/>
           <p:nvPr/>
         </p:nvSpPr>
@@ -8434,14 +8696,14 @@
       </p:sp>
       <p:sp>
         <p:nvSpPr>
-          <p:cNvPr id="155" name="CustomShape 24"/>
+          <p:cNvPr id="152" name="CustomShape 24"/>
           <p:cNvSpPr/>
           <p:nvPr/>
         </p:nvSpPr>
         <p:spPr>
           <a:xfrm>
             <a:off x="642600" y="1679400"/>
-            <a:ext cx="4399920" cy="638280"/>
+            <a:ext cx="4399560" cy="638280"/>
           </a:xfrm>
           <a:prstGeom prst="rect">
             <a:avLst/>
@@ -8477,7 +8739,7 @@
               </a:rPr>
               <a:t>A. Sequence of questions</a:t>
             </a:r>
-            <a:endParaRPr b="0" lang="en-GB" sz="1800" spc="-1" strike="noStrike">
+            <a:endParaRPr b="0" lang="en-US" sz="1800" spc="-1" strike="noStrike">
               <a:latin typeface="Arial"/>
             </a:endParaRPr>
           </a:p>
@@ -8497,22 +8759,22 @@
               </a:rPr>
               <a:t>B. Timer running for the test</a:t>
             </a:r>
-            <a:endParaRPr b="0" lang="en-GB" sz="1800" spc="-1" strike="noStrike">
-              <a:latin typeface="Arial"/>
-            </a:endParaRPr>
-          </a:p>
-        </p:txBody>
-      </p:sp>
-      <p:sp>
-        <p:nvSpPr>
-          <p:cNvPr id="156" name="CustomShape 25"/>
+            <a:endParaRPr b="0" lang="en-US" sz="1800" spc="-1" strike="noStrike">
+              <a:latin typeface="Arial"/>
+            </a:endParaRPr>
+          </a:p>
+        </p:txBody>
+      </p:sp>
+      <p:sp>
+        <p:nvSpPr>
+          <p:cNvPr id="153" name="CustomShape 25"/>
           <p:cNvSpPr/>
           <p:nvPr/>
         </p:nvSpPr>
         <p:spPr>
           <a:xfrm>
             <a:off x="6549480" y="1679400"/>
-            <a:ext cx="4873680" cy="630360"/>
+            <a:ext cx="4873320" cy="630000"/>
           </a:xfrm>
           <a:prstGeom prst="rect">
             <a:avLst/>
@@ -8548,7 +8810,7 @@
               </a:rPr>
               <a:t>C. Navigate to next question/Finish attampt</a:t>
             </a:r>
-            <a:endParaRPr b="0" lang="en-GB" sz="1800" spc="-1" strike="noStrike">
+            <a:endParaRPr b="0" lang="en-US" sz="1800" spc="-1" strike="noStrike">
               <a:latin typeface="Arial"/>
             </a:endParaRPr>
           </a:p>
@@ -8568,22 +8830,22 @@
               </a:rPr>
               <a:t>D. Navigate to previous question</a:t>
             </a:r>
-            <a:endParaRPr b="0" lang="en-GB" sz="1800" spc="-1" strike="noStrike">
-              <a:latin typeface="Arial"/>
-            </a:endParaRPr>
-          </a:p>
-        </p:txBody>
-      </p:sp>
-      <p:sp>
-        <p:nvSpPr>
-          <p:cNvPr id="157" name="CustomShape 26"/>
+            <a:endParaRPr b="0" lang="en-US" sz="1800" spc="-1" strike="noStrike">
+              <a:latin typeface="Arial"/>
+            </a:endParaRPr>
+          </a:p>
+        </p:txBody>
+      </p:sp>
+      <p:sp>
+        <p:nvSpPr>
+          <p:cNvPr id="154" name="CustomShape 26"/>
           <p:cNvSpPr/>
           <p:nvPr/>
         </p:nvSpPr>
         <p:spPr>
           <a:xfrm>
             <a:off x="7839360" y="1679400"/>
-            <a:ext cx="2615040" cy="427680"/>
+            <a:ext cx="2614680" cy="427320"/>
           </a:xfrm>
           <a:prstGeom prst="rect">
             <a:avLst/>
@@ -8602,14 +8864,14 @@
       </p:sp>
       <p:sp>
         <p:nvSpPr>
-          <p:cNvPr id="158" name="CustomShape 27"/>
+          <p:cNvPr id="155" name="CustomShape 27"/>
           <p:cNvSpPr/>
           <p:nvPr/>
         </p:nvSpPr>
         <p:spPr>
           <a:xfrm>
             <a:off x="8857440" y="3943440"/>
-            <a:ext cx="279720" cy="363960"/>
+            <a:ext cx="279360" cy="363960"/>
           </a:xfrm>
           <a:prstGeom prst="rect">
             <a:avLst/>
@@ -8645,22 +8907,22 @@
               </a:rPr>
               <a:t>A</a:t>
             </a:r>
-            <a:endParaRPr b="0" lang="en-GB" sz="1800" spc="-1" strike="noStrike">
-              <a:latin typeface="Arial"/>
-            </a:endParaRPr>
-          </a:p>
-        </p:txBody>
-      </p:sp>
-      <p:sp>
-        <p:nvSpPr>
-          <p:cNvPr id="159" name="CustomShape 28"/>
+            <a:endParaRPr b="0" lang="en-US" sz="1800" spc="-1" strike="noStrike">
+              <a:latin typeface="Arial"/>
+            </a:endParaRPr>
+          </a:p>
+        </p:txBody>
+      </p:sp>
+      <p:sp>
+        <p:nvSpPr>
+          <p:cNvPr id="156" name="CustomShape 28"/>
           <p:cNvSpPr/>
           <p:nvPr/>
         </p:nvSpPr>
         <p:spPr>
           <a:xfrm>
             <a:off x="9537840" y="4548960"/>
-            <a:ext cx="279720" cy="363960"/>
+            <a:ext cx="279360" cy="363960"/>
           </a:xfrm>
           <a:prstGeom prst="rect">
             <a:avLst/>
@@ -8696,22 +8958,22 @@
               </a:rPr>
               <a:t>B</a:t>
             </a:r>
-            <a:endParaRPr b="0" lang="en-GB" sz="1800" spc="-1" strike="noStrike">
-              <a:latin typeface="Arial"/>
-            </a:endParaRPr>
-          </a:p>
-        </p:txBody>
-      </p:sp>
-      <p:sp>
-        <p:nvSpPr>
-          <p:cNvPr id="160" name="CustomShape 29"/>
+            <a:endParaRPr b="0" lang="en-US" sz="1800" spc="-1" strike="noStrike">
+              <a:latin typeface="Arial"/>
+            </a:endParaRPr>
+          </a:p>
+        </p:txBody>
+      </p:sp>
+      <p:sp>
+        <p:nvSpPr>
+          <p:cNvPr id="157" name="CustomShape 29"/>
           <p:cNvSpPr/>
           <p:nvPr/>
         </p:nvSpPr>
         <p:spPr>
           <a:xfrm>
             <a:off x="7279920" y="6101280"/>
-            <a:ext cx="280080" cy="363960"/>
+            <a:ext cx="279720" cy="363960"/>
           </a:xfrm>
           <a:prstGeom prst="rect">
             <a:avLst/>
@@ -8747,15 +9009,15 @@
               </a:rPr>
               <a:t>C</a:t>
             </a:r>
-            <a:endParaRPr b="0" lang="en-GB" sz="1800" spc="-1" strike="noStrike">
-              <a:latin typeface="Arial"/>
-            </a:endParaRPr>
-          </a:p>
-        </p:txBody>
-      </p:sp>
-      <p:sp>
-        <p:nvSpPr>
-          <p:cNvPr id="161" name="Line 5"/>
+            <a:endParaRPr b="0" lang="en-US" sz="1800" spc="-1" strike="noStrike">
+              <a:latin typeface="Arial"/>
+            </a:endParaRPr>
+          </a:p>
+        </p:txBody>
+      </p:sp>
+      <p:sp>
+        <p:nvSpPr>
+          <p:cNvPr id="158" name="Line 5"/>
           <p:cNvSpPr/>
           <p:nvPr/>
         </p:nvSpPr>
@@ -8790,14 +9052,14 @@
       </p:sp>
       <p:sp>
         <p:nvSpPr>
-          <p:cNvPr id="162" name="CustomShape 30"/>
+          <p:cNvPr id="159" name="CustomShape 30"/>
           <p:cNvSpPr/>
           <p:nvPr/>
         </p:nvSpPr>
         <p:spPr>
           <a:xfrm>
             <a:off x="1058760" y="6130800"/>
-            <a:ext cx="280080" cy="363960"/>
+            <a:ext cx="279720" cy="363960"/>
           </a:xfrm>
           <a:prstGeom prst="rect">
             <a:avLst/>
@@ -8833,22 +9095,22 @@
               </a:rPr>
               <a:t>D</a:t>
             </a:r>
-            <a:endParaRPr b="0" lang="en-GB" sz="1800" spc="-1" strike="noStrike">
-              <a:latin typeface="Arial"/>
-            </a:endParaRPr>
-          </a:p>
-        </p:txBody>
-      </p:sp>
-      <p:sp>
-        <p:nvSpPr>
-          <p:cNvPr id="163" name=""/>
+            <a:endParaRPr b="0" lang="en-US" sz="1800" spc="-1" strike="noStrike">
+              <a:latin typeface="Arial"/>
+            </a:endParaRPr>
+          </a:p>
+        </p:txBody>
+      </p:sp>
+      <p:sp>
+        <p:nvSpPr>
+          <p:cNvPr id="160" name=""/>
           <p:cNvSpPr/>
           <p:nvPr/>
         </p:nvSpPr>
         <p:spPr>
           <a:xfrm>
             <a:off x="5580000" y="360000"/>
-            <a:ext cx="1079280" cy="857520"/>
+            <a:ext cx="1078920" cy="857160"/>
           </a:xfrm>
           <a:prstGeom prst="rect">
             <a:avLst/>
@@ -8884,7 +9146,7 @@
               </a:rPr>
               <a:t>TODO – Update images</a:t>
             </a:r>
-            <a:endParaRPr b="0" lang="en-GB" sz="1800" spc="-1" strike="noStrike">
+            <a:endParaRPr b="0" lang="en-US" sz="1800" spc="-1" strike="noStrike">
               <a:latin typeface="Arial"/>
             </a:endParaRPr>
           </a:p>
@@ -8922,14 +9184,14 @@
       </p:grpSpPr>
       <p:sp>
         <p:nvSpPr>
-          <p:cNvPr id="164" name="CustomShape 1"/>
+          <p:cNvPr id="161" name="CustomShape 1"/>
           <p:cNvSpPr/>
           <p:nvPr/>
         </p:nvSpPr>
         <p:spPr>
           <a:xfrm>
             <a:off x="335520" y="764640"/>
-            <a:ext cx="10749960" cy="500760"/>
+            <a:ext cx="10749600" cy="500400"/>
           </a:xfrm>
           <a:prstGeom prst="rect">
             <a:avLst/>
@@ -8965,22 +9227,22 @@
               </a:rPr>
               <a:t>Examination</a:t>
             </a:r>
-            <a:endParaRPr b="0" lang="en-GB" sz="2400" spc="-1" strike="noStrike">
-              <a:latin typeface="Arial"/>
-            </a:endParaRPr>
-          </a:p>
-        </p:txBody>
-      </p:sp>
-      <p:sp>
-        <p:nvSpPr>
-          <p:cNvPr id="165" name="CustomShape 2"/>
+            <a:endParaRPr b="0" lang="en-US" sz="2400" spc="-1" strike="noStrike">
+              <a:latin typeface="Arial"/>
+            </a:endParaRPr>
+          </a:p>
+        </p:txBody>
+      </p:sp>
+      <p:sp>
+        <p:nvSpPr>
+          <p:cNvPr id="162" name="CustomShape 2"/>
           <p:cNvSpPr/>
           <p:nvPr/>
         </p:nvSpPr>
         <p:spPr>
           <a:xfrm>
             <a:off x="335520" y="1268640"/>
-            <a:ext cx="10749960" cy="5037480"/>
+            <a:ext cx="10749600" cy="5037120"/>
           </a:xfrm>
           <a:prstGeom prst="rect">
             <a:avLst/>
@@ -9055,7 +9317,7 @@
               </a:rPr>
               <a:t> criteria have to be fulfilled):</a:t>
             </a:r>
-            <a:endParaRPr b="0" lang="en-GB" sz="1800" spc="-1" strike="noStrike">
+            <a:endParaRPr b="0" lang="en-US" sz="1800" spc="-1" strike="noStrike">
               <a:latin typeface="Arial"/>
             </a:endParaRPr>
           </a:p>
@@ -9084,7 +9346,7 @@
               </a:rPr>
               <a:t>Successful completion of the compulsory five exercises</a:t>
             </a:r>
-            <a:endParaRPr b="0" lang="en-GB" sz="1800" spc="-1" strike="noStrike">
+            <a:endParaRPr b="0" lang="en-US" sz="1800" spc="-1" strike="noStrike">
               <a:latin typeface="Arial"/>
             </a:endParaRPr>
           </a:p>
@@ -9113,7 +9375,7 @@
               </a:rPr>
               <a:t>You pass an exercise if you score 50% (or more)</a:t>
             </a:r>
-            <a:endParaRPr b="0" lang="en-GB" sz="1800" spc="-1" strike="noStrike">
+            <a:endParaRPr b="0" lang="en-US" sz="1800" spc="-1" strike="noStrike">
               <a:latin typeface="Arial"/>
             </a:endParaRPr>
           </a:p>
@@ -9163,7 +9425,7 @@
               </a:rPr>
               <a:t> exercise</a:t>
             </a:r>
-            <a:endParaRPr b="0" lang="en-GB" sz="1800" spc="-1" strike="noStrike">
+            <a:endParaRPr b="0" lang="en-US" sz="1800" spc="-1" strike="noStrike">
               <a:latin typeface="Arial"/>
             </a:endParaRPr>
           </a:p>
@@ -9176,7 +9438,7 @@
                 <a:spcPts val="360"/>
               </a:spcBef>
             </a:pPr>
-            <a:endParaRPr b="0" lang="en-GB" sz="1800" spc="-1" strike="noStrike">
+            <a:endParaRPr b="0" lang="en-US" sz="1800" spc="-1" strike="noStrike">
               <a:latin typeface="Arial"/>
             </a:endParaRPr>
           </a:p>
@@ -9205,7 +9467,7 @@
               </a:rPr>
               <a:t>Final exam:</a:t>
             </a:r>
-            <a:endParaRPr b="0" lang="en-GB" sz="1800" spc="-1" strike="noStrike">
+            <a:endParaRPr b="0" lang="en-US" sz="1800" spc="-1" strike="noStrike">
               <a:latin typeface="Arial"/>
             </a:endParaRPr>
           </a:p>
@@ -9234,7 +9496,7 @@
               </a:rPr>
               <a:t>22.02.2023 → 14:00 – 16:00 </a:t>
             </a:r>
-            <a:endParaRPr b="0" lang="en-GB" sz="1800" spc="-1" strike="noStrike">
+            <a:endParaRPr b="0" lang="en-US" sz="1800" spc="-1" strike="noStrike">
               <a:latin typeface="Arial"/>
             </a:endParaRPr>
           </a:p>
@@ -9263,7 +9525,7 @@
               </a:rPr>
               <a:t>Written exam (120min) </a:t>
             </a:r>
-            <a:endParaRPr b="0" lang="en-GB" sz="1800" spc="-1" strike="noStrike">
+            <a:endParaRPr b="0" lang="en-US" sz="1800" spc="-1" strike="noStrike">
               <a:latin typeface="Arial"/>
             </a:endParaRPr>
           </a:p>
@@ -9308,7 +9570,7 @@
         <p:spPr>
           <a:xfrm>
             <a:off x="335520" y="764640"/>
-            <a:ext cx="10749960" cy="500760"/>
+            <a:ext cx="10749600" cy="500400"/>
           </a:xfrm>
           <a:prstGeom prst="rect">
             <a:avLst/>
@@ -9344,7 +9606,7 @@
               </a:rPr>
               <a:t>Team</a:t>
             </a:r>
-            <a:endParaRPr b="0" lang="en-GB" sz="2400" spc="-1" strike="noStrike">
+            <a:endParaRPr b="0" lang="en-US" sz="2400" spc="-1" strike="noStrike">
               <a:latin typeface="Arial"/>
             </a:endParaRPr>
           </a:p>
@@ -9363,7 +9625,7 @@
         <p:spPr>
           <a:xfrm>
             <a:off x="2684520" y="1323360"/>
-            <a:ext cx="1472760" cy="2174040"/>
+            <a:ext cx="1472400" cy="2173680"/>
           </a:xfrm>
           <a:prstGeom prst="rect">
             <a:avLst/>
@@ -9386,7 +9648,7 @@
         <p:spPr>
           <a:xfrm>
             <a:off x="7269840" y="1716120"/>
-            <a:ext cx="1786680" cy="1778760"/>
+            <a:ext cx="1786320" cy="1778400"/>
           </a:xfrm>
           <a:prstGeom prst="rect">
             <a:avLst/>
@@ -9405,7 +9667,7 @@
         <p:spPr>
           <a:xfrm>
             <a:off x="1620000" y="3439440"/>
-            <a:ext cx="3637440" cy="678960"/>
+            <a:ext cx="3637080" cy="678600"/>
           </a:xfrm>
           <a:prstGeom prst="rect">
             <a:avLst/>
@@ -9444,7 +9706,7 @@
               </a:rPr>
               <a:t>Prof. Dr. Benjamin Leiding</a:t>
             </a:r>
-            <a:endParaRPr b="0" lang="en-GB" sz="1600" spc="-1" strike="noStrike">
+            <a:endParaRPr b="0" lang="en-US" sz="1600" spc="-1" strike="noStrike">
               <a:latin typeface="Arial"/>
             </a:endParaRPr>
           </a:p>
@@ -9467,7 +9729,7 @@
               </a:rPr>
               <a:t>benjamin.leiding@tu-clausthal.de</a:t>
             </a:r>
-            <a:endParaRPr b="0" lang="en-GB" sz="1200" spc="-1" strike="noStrike">
+            <a:endParaRPr b="0" lang="en-US" sz="1200" spc="-1" strike="noStrike">
               <a:latin typeface="Arial"/>
             </a:endParaRPr>
           </a:p>
@@ -9482,7 +9744,7 @@
         <p:spPr>
           <a:xfrm>
             <a:off x="6322680" y="3460320"/>
-            <a:ext cx="3637440" cy="678960"/>
+            <a:ext cx="3637080" cy="678600"/>
           </a:xfrm>
           <a:prstGeom prst="rect">
             <a:avLst/>
@@ -9521,7 +9783,7 @@
               </a:rPr>
               <a:t>M.Sc. Anant Sujatanagarjuna</a:t>
             </a:r>
-            <a:endParaRPr b="0" lang="en-GB" sz="1600" spc="-1" strike="noStrike">
+            <a:endParaRPr b="0" lang="en-US" sz="1600" spc="-1" strike="noStrike">
               <a:latin typeface="Arial"/>
             </a:endParaRPr>
           </a:p>
@@ -9544,7 +9806,7 @@
               </a:rPr>
               <a:t>anant.sujatanagarjuna@tu-clausthal.de</a:t>
             </a:r>
-            <a:endParaRPr b="0" lang="en-GB" sz="1200" spc="-1" strike="noStrike">
+            <a:endParaRPr b="0" lang="en-US" sz="1200" spc="-1" strike="noStrike">
               <a:latin typeface="Arial"/>
             </a:endParaRPr>
           </a:p>
@@ -9563,7 +9825,7 @@
         <p:spPr>
           <a:xfrm>
             <a:off x="4845960" y="4206240"/>
-            <a:ext cx="1779840" cy="1771920"/>
+            <a:ext cx="1779480" cy="1771560"/>
           </a:xfrm>
           <a:prstGeom prst="rect">
             <a:avLst/>
@@ -9582,7 +9844,7 @@
         <p:spPr>
           <a:xfrm>
             <a:off x="1311840" y="5920200"/>
-            <a:ext cx="3630600" cy="672120"/>
+            <a:ext cx="3630240" cy="671760"/>
           </a:xfrm>
           <a:prstGeom prst="rect">
             <a:avLst/>
@@ -9608,7 +9870,7 @@
         <p:spPr>
           <a:xfrm>
             <a:off x="3950280" y="5903280"/>
-            <a:ext cx="3630600" cy="672120"/>
+            <a:ext cx="3630240" cy="671760"/>
           </a:xfrm>
           <a:prstGeom prst="rect">
             <a:avLst/>
@@ -9647,7 +9909,7 @@
               </a:rPr>
               <a:t>B.Sc. Sepideh Sayadkouh</a:t>
             </a:r>
-            <a:endParaRPr b="0" lang="en-GB" sz="1600" spc="-1" strike="noStrike">
+            <a:endParaRPr b="0" lang="en-US" sz="1600" spc="-1" strike="noStrike">
               <a:latin typeface="Arial"/>
             </a:endParaRPr>
           </a:p>
@@ -9670,7 +9932,7 @@
               </a:rPr>
               <a:t>sepideh.sayadkouh@tu-clausthal.de</a:t>
             </a:r>
-            <a:endParaRPr b="0" lang="en-GB" sz="1200" spc="-1" strike="noStrike">
+            <a:endParaRPr b="0" lang="en-US" sz="1200" spc="-1" strike="noStrike">
               <a:latin typeface="Arial"/>
             </a:endParaRPr>
           </a:p>
@@ -9708,14 +9970,14 @@
       </p:grpSpPr>
       <p:sp>
         <p:nvSpPr>
-          <p:cNvPr id="166" name="CustomShape 1"/>
+          <p:cNvPr id="163" name="CustomShape 1"/>
           <p:cNvSpPr/>
           <p:nvPr/>
         </p:nvSpPr>
         <p:spPr>
           <a:xfrm>
             <a:off x="335520" y="764640"/>
-            <a:ext cx="10749960" cy="500760"/>
+            <a:ext cx="10749600" cy="500400"/>
           </a:xfrm>
           <a:prstGeom prst="rect">
             <a:avLst/>
@@ -9751,22 +10013,22 @@
               </a:rPr>
               <a:t>Self-Study Star</a:t>
             </a:r>
-            <a:endParaRPr b="0" lang="en-GB" sz="2400" spc="-1" strike="noStrike">
-              <a:latin typeface="Arial"/>
-            </a:endParaRPr>
-          </a:p>
-        </p:txBody>
-      </p:sp>
-      <p:sp>
-        <p:nvSpPr>
-          <p:cNvPr id="167" name="CustomShape 2"/>
+            <a:endParaRPr b="0" lang="en-US" sz="2400" spc="-1" strike="noStrike">
+              <a:latin typeface="Arial"/>
+            </a:endParaRPr>
+          </a:p>
+        </p:txBody>
+      </p:sp>
+      <p:sp>
+        <p:nvSpPr>
+          <p:cNvPr id="164" name="CustomShape 2"/>
           <p:cNvSpPr/>
           <p:nvPr/>
         </p:nvSpPr>
         <p:spPr>
           <a:xfrm>
             <a:off x="335520" y="1268280"/>
-            <a:ext cx="10749960" cy="5037480"/>
+            <a:ext cx="10749600" cy="5037120"/>
           </a:xfrm>
           <a:prstGeom prst="rect">
             <a:avLst/>
@@ -9795,7 +10057,7 @@
                 <a:spcPts val="360"/>
               </a:spcBef>
             </a:pPr>
-            <a:endParaRPr b="0" lang="en-GB" sz="1800" spc="-1" strike="noStrike">
+            <a:endParaRPr b="0" lang="en-US" sz="1800" spc="-1" strike="noStrike">
               <a:latin typeface="Arial"/>
             </a:endParaRPr>
           </a:p>
@@ -9844,7 +10106,7 @@
               </a:rPr>
               <a:t> mandatory but could be helpful for your future career</a:t>
             </a:r>
-            <a:endParaRPr b="0" lang="en-GB" sz="1800" spc="-1" strike="noStrike">
+            <a:endParaRPr b="0" lang="en-US" sz="1800" spc="-1" strike="noStrike">
               <a:latin typeface="Arial"/>
             </a:endParaRPr>
           </a:p>
@@ -9857,7 +10119,7 @@
                 <a:spcPts val="360"/>
               </a:spcBef>
             </a:pPr>
-            <a:endParaRPr b="0" lang="en-GB" sz="1800" spc="-1" strike="noStrike">
+            <a:endParaRPr b="0" lang="en-US" sz="1800" spc="-1" strike="noStrike">
               <a:latin typeface="Arial"/>
             </a:endParaRPr>
           </a:p>
@@ -9886,22 +10148,22 @@
               </a:rPr>
               <a:t>Of course it won’t hurt to have extra knowledge to impress us during the examination ;)</a:t>
             </a:r>
-            <a:endParaRPr b="0" lang="en-GB" sz="1800" spc="-1" strike="noStrike">
-              <a:latin typeface="Arial"/>
-            </a:endParaRPr>
-          </a:p>
-        </p:txBody>
-      </p:sp>
-      <p:sp>
-        <p:nvSpPr>
-          <p:cNvPr id="168" name="CustomShape 3"/>
+            <a:endParaRPr b="0" lang="en-US" sz="1800" spc="-1" strike="noStrike">
+              <a:latin typeface="Arial"/>
+            </a:endParaRPr>
+          </a:p>
+        </p:txBody>
+      </p:sp>
+      <p:sp>
+        <p:nvSpPr>
+          <p:cNvPr id="165" name="CustomShape 3"/>
           <p:cNvSpPr/>
           <p:nvPr/>
         </p:nvSpPr>
         <p:spPr>
           <a:xfrm>
             <a:off x="6285600" y="2132640"/>
-            <a:ext cx="519480" cy="499320"/>
+            <a:ext cx="519120" cy="498960"/>
           </a:xfrm>
           <a:prstGeom prst="star5">
             <a:avLst>
@@ -9936,14 +10198,14 @@
       </p:sp>
       <p:sp>
         <p:nvSpPr>
-          <p:cNvPr id="169" name="CustomShape 4"/>
+          <p:cNvPr id="166" name="CustomShape 4"/>
           <p:cNvSpPr/>
           <p:nvPr/>
         </p:nvSpPr>
         <p:spPr>
           <a:xfrm>
             <a:off x="4089960" y="2247480"/>
-            <a:ext cx="2287800" cy="363960"/>
+            <a:ext cx="2287440" cy="363960"/>
           </a:xfrm>
           <a:prstGeom prst="rect">
             <a:avLst/>
@@ -9979,7 +10241,7 @@
               </a:rPr>
               <a:t>Self-Study Star → </a:t>
             </a:r>
-            <a:endParaRPr b="0" lang="en-GB" sz="1800" spc="-1" strike="noStrike">
+            <a:endParaRPr b="0" lang="en-US" sz="1800" spc="-1" strike="noStrike">
               <a:latin typeface="Arial"/>
             </a:endParaRPr>
           </a:p>
@@ -10017,14 +10279,14 @@
       </p:grpSpPr>
       <p:sp>
         <p:nvSpPr>
-          <p:cNvPr id="170" name="CustomShape 1"/>
+          <p:cNvPr id="167" name="CustomShape 1"/>
           <p:cNvSpPr/>
           <p:nvPr/>
         </p:nvSpPr>
         <p:spPr>
           <a:xfrm>
             <a:off x="335520" y="764640"/>
-            <a:ext cx="10749960" cy="500760"/>
+            <a:ext cx="10749600" cy="500400"/>
           </a:xfrm>
           <a:prstGeom prst="rect">
             <a:avLst/>
@@ -10060,22 +10322,22 @@
               </a:rPr>
               <a:t>Literature</a:t>
             </a:r>
-            <a:endParaRPr b="0" lang="en-GB" sz="2400" spc="-1" strike="noStrike">
-              <a:latin typeface="Arial"/>
-            </a:endParaRPr>
-          </a:p>
-        </p:txBody>
-      </p:sp>
-      <p:sp>
-        <p:nvSpPr>
-          <p:cNvPr id="171" name="CustomShape 2"/>
+            <a:endParaRPr b="0" lang="en-US" sz="2400" spc="-1" strike="noStrike">
+              <a:latin typeface="Arial"/>
+            </a:endParaRPr>
+          </a:p>
+        </p:txBody>
+      </p:sp>
+      <p:sp>
+        <p:nvSpPr>
+          <p:cNvPr id="168" name="CustomShape 2"/>
           <p:cNvSpPr/>
           <p:nvPr/>
         </p:nvSpPr>
         <p:spPr>
           <a:xfrm>
             <a:off x="335520" y="1268640"/>
-            <a:ext cx="10749960" cy="5037480"/>
+            <a:ext cx="10749600" cy="5037120"/>
           </a:xfrm>
           <a:prstGeom prst="rect">
             <a:avLst/>
@@ -10140,7 +10402,7 @@
               </a:rPr>
               <a:t> need to buy a book to pass the exam.</a:t>
             </a:r>
-            <a:endParaRPr b="0" lang="en-GB" sz="1800" spc="-1" strike="noStrike">
+            <a:endParaRPr b="0" lang="en-US" sz="1800" spc="-1" strike="noStrike">
               <a:latin typeface="Arial"/>
             </a:endParaRPr>
           </a:p>
@@ -10153,7 +10415,7 @@
                 <a:spcPts val="360"/>
               </a:spcBef>
             </a:pPr>
-            <a:endParaRPr b="0" lang="en-GB" sz="1800" spc="-1" strike="noStrike">
+            <a:endParaRPr b="0" lang="en-US" sz="1800" spc="-1" strike="noStrike">
               <a:latin typeface="Arial"/>
             </a:endParaRPr>
           </a:p>
@@ -10202,7 +10464,7 @@
               </a:rPr>
               <a:t> (2010).</a:t>
             </a:r>
-            <a:endParaRPr b="0" lang="en-GB" sz="1800" spc="-1" strike="noStrike">
+            <a:endParaRPr b="0" lang="en-US" sz="1800" spc="-1" strike="noStrike">
               <a:latin typeface="Arial"/>
             </a:endParaRPr>
           </a:p>
@@ -10251,7 +10513,7 @@
               </a:rPr>
               <a:t>(2011).</a:t>
             </a:r>
-            <a:endParaRPr b="0" lang="en-GB" sz="1800" spc="-1" strike="noStrike">
+            <a:endParaRPr b="0" lang="en-US" sz="1800" spc="-1" strike="noStrike">
               <a:latin typeface="Arial"/>
             </a:endParaRPr>
           </a:p>
@@ -10320,7 +10582,7 @@
               </a:rPr>
               <a:t>(2017).</a:t>
             </a:r>
-            <a:endParaRPr b="0" lang="en-GB" sz="1800" spc="-1" strike="noStrike">
+            <a:endParaRPr b="0" lang="en-US" sz="1800" spc="-1" strike="noStrike">
               <a:latin typeface="Arial"/>
             </a:endParaRPr>
           </a:p>
@@ -10369,7 +10631,7 @@
               </a:rPr>
               <a:t>(2021).</a:t>
             </a:r>
-            <a:endParaRPr b="0" lang="en-GB" sz="1800" spc="-1" strike="noStrike">
+            <a:endParaRPr b="0" lang="en-US" sz="1800" spc="-1" strike="noStrike">
               <a:latin typeface="Arial"/>
             </a:endParaRPr>
           </a:p>
@@ -10407,14 +10669,14 @@
       </p:grpSpPr>
       <p:sp>
         <p:nvSpPr>
-          <p:cNvPr id="172" name="CustomShape 1"/>
+          <p:cNvPr id="169" name="CustomShape 1"/>
           <p:cNvSpPr/>
           <p:nvPr/>
         </p:nvSpPr>
         <p:spPr>
           <a:xfrm>
             <a:off x="335520" y="1268640"/>
-            <a:ext cx="10749960" cy="5037480"/>
+            <a:ext cx="10749600" cy="5037120"/>
           </a:xfrm>
           <a:prstGeom prst="rect">
             <a:avLst/>
@@ -10456,22 +10718,22 @@
               </a:rPr>
               <a:t>Questions?</a:t>
             </a:r>
-            <a:endParaRPr b="0" lang="en-GB" sz="4000" spc="-1" strike="noStrike">
-              <a:latin typeface="Arial"/>
-            </a:endParaRPr>
-          </a:p>
-        </p:txBody>
-      </p:sp>
-      <p:sp>
-        <p:nvSpPr>
-          <p:cNvPr id="173" name="CustomShape 2"/>
+            <a:endParaRPr b="0" lang="en-US" sz="4000" spc="-1" strike="noStrike">
+              <a:latin typeface="Arial"/>
+            </a:endParaRPr>
+          </a:p>
+        </p:txBody>
+      </p:sp>
+      <p:sp>
+        <p:nvSpPr>
+          <p:cNvPr id="170" name="CustomShape 2"/>
           <p:cNvSpPr/>
           <p:nvPr/>
         </p:nvSpPr>
         <p:spPr>
           <a:xfrm>
             <a:off x="335520" y="764640"/>
-            <a:ext cx="10749960" cy="500760"/>
+            <a:ext cx="10749600" cy="500400"/>
           </a:xfrm>
           <a:prstGeom prst="rect">
             <a:avLst/>
@@ -10527,7 +10789,7 @@
         <p:spPr>
           <a:xfrm>
             <a:off x="542880" y="721800"/>
-            <a:ext cx="10355760" cy="496440"/>
+            <a:ext cx="10355400" cy="496080"/>
           </a:xfrm>
           <a:prstGeom prst="rect">
             <a:avLst/>
@@ -10563,7 +10825,7 @@
               </a:rPr>
               <a:t>Research Group</a:t>
             </a:r>
-            <a:endParaRPr b="0" lang="en-GB" sz="2200" spc="-1" strike="noStrike">
+            <a:endParaRPr b="0" lang="en-US" sz="2200" spc="-1" strike="noStrike">
               <a:latin typeface="Arial"/>
             </a:endParaRPr>
           </a:p>
@@ -10578,7 +10840,7 @@
         <p:spPr>
           <a:xfrm>
             <a:off x="451800" y="1709280"/>
-            <a:ext cx="8223120" cy="4351320"/>
+            <a:ext cx="8222760" cy="4350960"/>
           </a:xfrm>
           <a:prstGeom prst="rect">
             <a:avLst/>
@@ -10604,7 +10866,7 @@
         <p:spPr>
           <a:xfrm>
             <a:off x="609480" y="1769400"/>
-            <a:ext cx="10586160" cy="4854240"/>
+            <a:ext cx="10585800" cy="4853880"/>
           </a:xfrm>
           <a:prstGeom prst="rect">
             <a:avLst/>
@@ -10729,7 +10991,7 @@
               </a:rPr>
               <a:t>ETCE</a:t>
             </a:r>
-            <a:endParaRPr b="0" lang="en-GB" sz="2000" spc="-1" strike="noStrike">
+            <a:endParaRPr b="0" lang="en-US" sz="2000" spc="-1" strike="noStrike">
               <a:latin typeface="Arial"/>
             </a:endParaRPr>
           </a:p>
@@ -10758,7 +11020,7 @@
               </a:rPr>
               <a:t>Research focus:</a:t>
             </a:r>
-            <a:endParaRPr b="0" lang="en-GB" sz="2000" spc="-1" strike="noStrike">
+            <a:endParaRPr b="0" lang="en-US" sz="2000" spc="-1" strike="noStrike">
               <a:latin typeface="Arial"/>
             </a:endParaRPr>
           </a:p>
@@ -10787,7 +11049,7 @@
               </a:rPr>
               <a:t>Intersection of IT and sustainability</a:t>
             </a:r>
-            <a:endParaRPr b="0" lang="en-GB" sz="1800" spc="-1" strike="noStrike">
+            <a:endParaRPr b="0" lang="en-US" sz="1800" spc="-1" strike="noStrike">
               <a:latin typeface="Arial"/>
             </a:endParaRPr>
           </a:p>
@@ -10816,7 +11078,7 @@
               </a:rPr>
               <a:t>Circular Economy and Circular Societies</a:t>
             </a:r>
-            <a:endParaRPr b="0" lang="en-GB" sz="1800" spc="-1" strike="noStrike">
+            <a:endParaRPr b="0" lang="en-US" sz="1800" spc="-1" strike="noStrike">
               <a:latin typeface="Arial"/>
             </a:endParaRPr>
           </a:p>
@@ -10845,7 +11107,7 @@
               </a:rPr>
               <a:t>Self-organized, decentralized and distributed systems</a:t>
             </a:r>
-            <a:endParaRPr b="0" lang="en-GB" sz="1800" spc="-1" strike="noStrike">
+            <a:endParaRPr b="0" lang="en-US" sz="1800" spc="-1" strike="noStrike">
               <a:latin typeface="Arial"/>
             </a:endParaRPr>
           </a:p>
@@ -10896,7 +11158,7 @@
               </a:rPr>
               <a:t>)</a:t>
             </a:r>
-            <a:endParaRPr b="0" lang="en-GB" sz="1800" spc="-1" strike="noStrike">
+            <a:endParaRPr b="0" lang="en-US" sz="1800" spc="-1" strike="noStrike">
               <a:latin typeface="Arial"/>
             </a:endParaRPr>
           </a:p>
@@ -10925,7 +11187,7 @@
               </a:rPr>
               <a:t>Other courses:</a:t>
             </a:r>
-            <a:endParaRPr b="0" lang="en-GB" sz="2000" spc="-1" strike="noStrike">
+            <a:endParaRPr b="0" lang="en-US" sz="2000" spc="-1" strike="noStrike">
               <a:latin typeface="Arial"/>
             </a:endParaRPr>
           </a:p>
@@ -10954,7 +11216,7 @@
               </a:rPr>
               <a:t>Emerging Technologies for the Circular Economy (SS – M.Sc.)</a:t>
             </a:r>
-            <a:endParaRPr b="0" lang="en-GB" sz="1800" spc="-1" strike="noStrike">
+            <a:endParaRPr b="0" lang="en-US" sz="1800" spc="-1" strike="noStrike">
               <a:latin typeface="Arial"/>
             </a:endParaRPr>
           </a:p>
@@ -10983,7 +11245,7 @@
               </a:rPr>
               <a:t>The Limits to Growth – Sustainability and the Circular Economy (SS – open for everyone)</a:t>
             </a:r>
-            <a:endParaRPr b="0" lang="en-GB" sz="1800" spc="-1" strike="noStrike">
+            <a:endParaRPr b="0" lang="en-US" sz="1800" spc="-1" strike="noStrike">
               <a:latin typeface="Arial"/>
             </a:endParaRPr>
           </a:p>
@@ -11028,7 +11290,7 @@
         <p:spPr>
           <a:xfrm>
             <a:off x="542880" y="721800"/>
-            <a:ext cx="10355760" cy="496440"/>
+            <a:ext cx="10355400" cy="496080"/>
           </a:xfrm>
           <a:prstGeom prst="rect">
             <a:avLst/>
@@ -11064,7 +11326,7 @@
               </a:rPr>
               <a:t>Research Group</a:t>
             </a:r>
-            <a:endParaRPr b="0" lang="en-GB" sz="2200" spc="-1" strike="noStrike">
+            <a:endParaRPr b="0" lang="en-US" sz="2200" spc="-1" strike="noStrike">
               <a:latin typeface="Arial"/>
             </a:endParaRPr>
           </a:p>
@@ -11079,7 +11341,7 @@
         <p:spPr>
           <a:xfrm>
             <a:off x="451800" y="1709280"/>
-            <a:ext cx="8223120" cy="4351320"/>
+            <a:ext cx="8222760" cy="4350960"/>
           </a:xfrm>
           <a:prstGeom prst="rect">
             <a:avLst/>
@@ -11105,7 +11367,7 @@
         <p:spPr>
           <a:xfrm>
             <a:off x="609480" y="1769400"/>
-            <a:ext cx="10586160" cy="4854240"/>
+            <a:ext cx="10585800" cy="4853880"/>
           </a:xfrm>
           <a:prstGeom prst="rect">
             <a:avLst/>
@@ -11156,7 +11418,7 @@
               </a:rPr>
               <a:t>Link</a:t>
             </a:r>
-            <a:endParaRPr b="0" lang="en-GB" sz="2000" spc="-1" strike="noStrike">
+            <a:endParaRPr b="0" lang="en-US" sz="2000" spc="-1" strike="noStrike">
               <a:latin typeface="Arial"/>
             </a:endParaRPr>
           </a:p>
@@ -11185,7 +11447,7 @@
               </a:rPr>
               <a:t>Course material </a:t>
             </a:r>
-            <a:endParaRPr b="0" lang="en-GB" sz="1800" spc="-1" strike="noStrike">
+            <a:endParaRPr b="0" lang="en-US" sz="1800" spc="-1" strike="noStrike">
               <a:latin typeface="Arial"/>
             </a:endParaRPr>
           </a:p>
@@ -11214,7 +11476,7 @@
               </a:rPr>
               <a:t>Thesis/project topics</a:t>
             </a:r>
-            <a:endParaRPr b="0" lang="en-GB" sz="1800" spc="-1" strike="noStrike">
+            <a:endParaRPr b="0" lang="en-US" sz="1800" spc="-1" strike="noStrike">
               <a:latin typeface="Arial"/>
             </a:endParaRPr>
           </a:p>
@@ -11243,7 +11505,7 @@
               </a:rPr>
               <a:t>Publications</a:t>
             </a:r>
-            <a:endParaRPr b="0" lang="en-GB" sz="1800" spc="-1" strike="noStrike">
+            <a:endParaRPr b="0" lang="en-US" sz="1800" spc="-1" strike="noStrike">
               <a:latin typeface="Arial"/>
             </a:endParaRPr>
           </a:p>
@@ -11272,7 +11534,7 @@
               </a:rPr>
               <a:t>Etc.</a:t>
             </a:r>
-            <a:endParaRPr b="0" lang="en-GB" sz="1800" spc="-1" strike="noStrike">
+            <a:endParaRPr b="0" lang="en-US" sz="1800" spc="-1" strike="noStrike">
               <a:latin typeface="Arial"/>
             </a:endParaRPr>
           </a:p>
@@ -11288,7 +11550,7 @@
                 <a:tab algn="l" pos="0"/>
               </a:tabLst>
             </a:pPr>
-            <a:endParaRPr b="0" lang="en-GB" sz="1800" spc="-1" strike="noStrike">
+            <a:endParaRPr b="0" lang="en-US" sz="1800" spc="-1" strike="noStrike">
               <a:latin typeface="Arial"/>
             </a:endParaRPr>
           </a:p>
@@ -11320,7 +11582,7 @@
               </a:rPr>
               <a:t>Our research in action:</a:t>
             </a:r>
-            <a:endParaRPr b="0" lang="en-GB" sz="2000" spc="-1" strike="noStrike">
+            <a:endParaRPr b="0" lang="en-US" sz="2000" spc="-1" strike="noStrike">
               <a:latin typeface="Arial"/>
             </a:endParaRPr>
           </a:p>
@@ -11374,7 +11636,7 @@
               </a:rPr>
               <a:t> </a:t>
             </a:r>
-            <a:endParaRPr b="0" lang="en-GB" sz="2000" spc="-1" strike="noStrike">
+            <a:endParaRPr b="0" lang="en-US" sz="2000" spc="-1" strike="noStrike">
               <a:latin typeface="Arial"/>
             </a:endParaRPr>
           </a:p>
@@ -11428,7 +11690,7 @@
               </a:rPr>
               <a:t> </a:t>
             </a:r>
-            <a:endParaRPr b="0" lang="en-GB" sz="2000" spc="-1" strike="noStrike">
+            <a:endParaRPr b="0" lang="en-US" sz="2000" spc="-1" strike="noStrike">
               <a:latin typeface="Arial"/>
             </a:endParaRPr>
           </a:p>
@@ -11444,7 +11706,7 @@
                 <a:tab algn="l" pos="0"/>
               </a:tabLst>
             </a:pPr>
-            <a:endParaRPr b="0" lang="en-GB" sz="2000" spc="-1" strike="noStrike">
+            <a:endParaRPr b="0" lang="en-US" sz="2000" spc="-1" strike="noStrike">
               <a:latin typeface="Arial"/>
             </a:endParaRPr>
           </a:p>
@@ -11476,7 +11738,7 @@
               </a:rPr>
               <a:t>You want join us? Write us an email! </a:t>
             </a:r>
-            <a:endParaRPr b="0" lang="en-GB" sz="2000" spc="-1" strike="noStrike">
+            <a:endParaRPr b="0" lang="en-US" sz="2000" spc="-1" strike="noStrike">
               <a:latin typeface="Arial"/>
             </a:endParaRPr>
           </a:p>
@@ -11512,7 +11774,7 @@
               </a:rPr>
               <a:t>benjamin.leiding@tu-clausthal.de</a:t>
             </a:r>
-            <a:endParaRPr b="0" lang="en-GB" sz="1600" spc="-1" strike="noStrike">
+            <a:endParaRPr b="0" lang="en-US" sz="1600" spc="-1" strike="noStrike">
               <a:latin typeface="Arial"/>
             </a:endParaRPr>
           </a:p>
@@ -11557,7 +11819,7 @@
         <p:spPr>
           <a:xfrm>
             <a:off x="542880" y="721800"/>
-            <a:ext cx="10355760" cy="496440"/>
+            <a:ext cx="10355400" cy="496080"/>
           </a:xfrm>
           <a:prstGeom prst="rect">
             <a:avLst/>
@@ -11593,7 +11855,7 @@
               </a:rPr>
               <a:t>Course Content</a:t>
             </a:r>
-            <a:endParaRPr b="0" lang="en-GB" sz="2200" spc="-1" strike="noStrike">
+            <a:endParaRPr b="0" lang="en-US" sz="2200" spc="-1" strike="noStrike">
               <a:latin typeface="Arial"/>
             </a:endParaRPr>
           </a:p>
@@ -11608,7 +11870,7 @@
         <p:spPr>
           <a:xfrm>
             <a:off x="451800" y="1709280"/>
-            <a:ext cx="8223120" cy="4351320"/>
+            <a:ext cx="8222760" cy="4350960"/>
           </a:xfrm>
           <a:prstGeom prst="rect">
             <a:avLst/>
@@ -11634,7 +11896,7 @@
         <p:spPr>
           <a:xfrm>
             <a:off x="609480" y="1769400"/>
-            <a:ext cx="10586160" cy="4854240"/>
+            <a:ext cx="10585800" cy="4853880"/>
           </a:xfrm>
           <a:prstGeom prst="rect">
             <a:avLst/>
@@ -11679,7 +11941,7 @@
               </a:rPr>
               <a:t>Core terminology and core tasks of requirements engineering </a:t>
             </a:r>
-            <a:endParaRPr b="0" lang="en-GB" sz="2000" spc="-1" strike="noStrike">
+            <a:endParaRPr b="0" lang="en-US" sz="2000" spc="-1" strike="noStrike">
               <a:latin typeface="Arial"/>
             </a:endParaRPr>
           </a:p>
@@ -11708,7 +11970,7 @@
               </a:rPr>
               <a:t>Requirements engineering process</a:t>
             </a:r>
-            <a:endParaRPr b="0" lang="en-GB" sz="2000" spc="-1" strike="noStrike">
+            <a:endParaRPr b="0" lang="en-US" sz="2000" spc="-1" strike="noStrike">
               <a:latin typeface="Arial"/>
             </a:endParaRPr>
           </a:p>
@@ -11737,7 +11999,7 @@
               </a:rPr>
               <a:t>Elicitation techniques</a:t>
             </a:r>
-            <a:endParaRPr b="0" lang="en-GB" sz="2000" spc="-1" strike="noStrike">
+            <a:endParaRPr b="0" lang="en-US" sz="2000" spc="-1" strike="noStrike">
               <a:latin typeface="Arial"/>
             </a:endParaRPr>
           </a:p>
@@ -11766,7 +12028,7 @@
               </a:rPr>
               <a:t>Documentation methods </a:t>
             </a:r>
-            <a:endParaRPr b="0" lang="en-GB" sz="2000" spc="-1" strike="noStrike">
+            <a:endParaRPr b="0" lang="en-US" sz="2000" spc="-1" strike="noStrike">
               <a:latin typeface="Arial"/>
             </a:endParaRPr>
           </a:p>
@@ -11795,7 +12057,7 @@
               </a:rPr>
               <a:t>Textual, model-based and formal requirements specification</a:t>
             </a:r>
-            <a:endParaRPr b="0" lang="en-GB" sz="2000" spc="-1" strike="noStrike">
+            <a:endParaRPr b="0" lang="en-US" sz="2000" spc="-1" strike="noStrike">
               <a:latin typeface="Arial"/>
             </a:endParaRPr>
           </a:p>
@@ -11824,7 +12086,7 @@
               </a:rPr>
               <a:t>Requirements negotiation</a:t>
             </a:r>
-            <a:endParaRPr b="0" lang="en-GB" sz="2000" spc="-1" strike="noStrike">
+            <a:endParaRPr b="0" lang="en-US" sz="2000" spc="-1" strike="noStrike">
               <a:latin typeface="Arial"/>
             </a:endParaRPr>
           </a:p>
@@ -11853,7 +12115,7 @@
               </a:rPr>
               <a:t>Requirements Management</a:t>
             </a:r>
-            <a:endParaRPr b="0" lang="en-GB" sz="2000" spc="-1" strike="noStrike">
+            <a:endParaRPr b="0" lang="en-US" sz="2000" spc="-1" strike="noStrike">
               <a:latin typeface="Arial"/>
             </a:endParaRPr>
           </a:p>
@@ -11882,7 +12144,7 @@
               </a:rPr>
               <a:t>Traceability</a:t>
             </a:r>
-            <a:endParaRPr b="0" lang="en-GB" sz="2000" spc="-1" strike="noStrike">
+            <a:endParaRPr b="0" lang="en-US" sz="2000" spc="-1" strike="noStrike">
               <a:latin typeface="Arial"/>
             </a:endParaRPr>
           </a:p>
@@ -11911,7 +12173,7 @@
               </a:rPr>
               <a:t>Requirements validation and quality assurance</a:t>
             </a:r>
-            <a:endParaRPr b="0" lang="en-GB" sz="2000" spc="-1" strike="noStrike">
+            <a:endParaRPr b="0" lang="en-US" sz="2000" spc="-1" strike="noStrike">
               <a:latin typeface="Arial"/>
             </a:endParaRPr>
           </a:p>
@@ -11956,7 +12218,7 @@
         <p:spPr>
           <a:xfrm>
             <a:off x="542880" y="721800"/>
-            <a:ext cx="10355760" cy="496440"/>
+            <a:ext cx="10355400" cy="496080"/>
           </a:xfrm>
           <a:prstGeom prst="rect">
             <a:avLst/>
@@ -11992,7 +12254,7 @@
               </a:rPr>
               <a:t>Learning Outcome</a:t>
             </a:r>
-            <a:endParaRPr b="0" lang="en-GB" sz="2200" spc="-1" strike="noStrike">
+            <a:endParaRPr b="0" lang="en-US" sz="2200" spc="-1" strike="noStrike">
               <a:latin typeface="Arial"/>
             </a:endParaRPr>
           </a:p>
@@ -12007,7 +12269,7 @@
         <p:spPr>
           <a:xfrm>
             <a:off x="451800" y="1709280"/>
-            <a:ext cx="8223120" cy="4351320"/>
+            <a:ext cx="8222760" cy="4350960"/>
           </a:xfrm>
           <a:prstGeom prst="rect">
             <a:avLst/>
@@ -12033,7 +12295,7 @@
         <p:spPr>
           <a:xfrm>
             <a:off x="609480" y="1769400"/>
-            <a:ext cx="10586160" cy="4854240"/>
+            <a:ext cx="10585800" cy="4853880"/>
           </a:xfrm>
           <a:prstGeom prst="rect">
             <a:avLst/>
@@ -12078,7 +12340,7 @@
               </a:rPr>
               <a:t>Core terminology and core tasks of requirements engineering </a:t>
             </a:r>
-            <a:endParaRPr b="0" lang="en-GB" sz="2000" spc="-1" strike="noStrike">
+            <a:endParaRPr b="0" lang="en-US" sz="2000" spc="-1" strike="noStrike">
               <a:latin typeface="Arial"/>
             </a:endParaRPr>
           </a:p>
@@ -12107,7 +12369,7 @@
               </a:rPr>
               <a:t>Understanding of the requirements engineering process</a:t>
             </a:r>
-            <a:endParaRPr b="0" lang="en-GB" sz="2000" spc="-1" strike="noStrike">
+            <a:endParaRPr b="0" lang="en-US" sz="2000" spc="-1" strike="noStrike">
               <a:latin typeface="Arial"/>
             </a:endParaRPr>
           </a:p>
@@ -12136,7 +12398,7 @@
               </a:rPr>
               <a:t>Ability to choose, justify and apply appropriate methods and techniques for each step of the requirements engineering process given project constraints and properties</a:t>
             </a:r>
-            <a:endParaRPr b="0" lang="en-GB" sz="2000" spc="-1" strike="noStrike">
+            <a:endParaRPr b="0" lang="en-US" sz="2000" spc="-1" strike="noStrike">
               <a:latin typeface="Arial"/>
             </a:endParaRPr>
           </a:p>
@@ -12152,7 +12414,7 @@
                 <a:tab algn="l" pos="0"/>
               </a:tabLst>
             </a:pPr>
-            <a:endParaRPr b="0" lang="en-GB" sz="2000" spc="-1" strike="noStrike">
+            <a:endParaRPr b="0" lang="en-US" sz="2000" spc="-1" strike="noStrike">
               <a:latin typeface="Arial"/>
             </a:endParaRPr>
           </a:p>
@@ -12178,7 +12440,7 @@
               </a:rPr>
               <a:t>What is this course about, what is it not about? </a:t>
             </a:r>
-            <a:endParaRPr b="0" lang="en-GB" sz="1600" spc="-1" strike="noStrike">
+            <a:endParaRPr b="0" lang="en-US" sz="1600" spc="-1" strike="noStrike">
               <a:latin typeface="Arial"/>
             </a:endParaRPr>
           </a:p>
@@ -12223,7 +12485,7 @@
         <p:spPr>
           <a:xfrm>
             <a:off x="335520" y="764640"/>
-            <a:ext cx="10749960" cy="500760"/>
+            <a:ext cx="10749600" cy="500400"/>
           </a:xfrm>
           <a:prstGeom prst="rect">
             <a:avLst/>
@@ -12259,7 +12521,7 @@
               </a:rPr>
               <a:t>Disclaimer</a:t>
             </a:r>
-            <a:endParaRPr b="0" lang="en-GB" sz="2400" spc="-1" strike="noStrike">
+            <a:endParaRPr b="0" lang="en-US" sz="2400" spc="-1" strike="noStrike">
               <a:latin typeface="Arial"/>
             </a:endParaRPr>
           </a:p>
@@ -12274,7 +12536,7 @@
         <p:spPr>
           <a:xfrm>
             <a:off x="335520" y="1268280"/>
-            <a:ext cx="10749960" cy="5037480"/>
+            <a:ext cx="10749600" cy="5037120"/>
           </a:xfrm>
           <a:prstGeom prst="rect">
             <a:avLst/>
@@ -12339,7 +12601,7 @@
               </a:rPr>
               <a:t> (2010)” from Klaus Pohl</a:t>
             </a:r>
-            <a:endParaRPr b="0" lang="en-GB" sz="1800" spc="-1" strike="noStrike">
+            <a:endParaRPr b="0" lang="en-US" sz="1800" spc="-1" strike="noStrike">
               <a:latin typeface="Arial"/>
             </a:endParaRPr>
           </a:p>
@@ -12352,7 +12614,7 @@
                 <a:spcPts val="360"/>
               </a:spcBef>
             </a:pPr>
-            <a:endParaRPr b="0" lang="en-GB" sz="1800" spc="-1" strike="noStrike">
+            <a:endParaRPr b="0" lang="en-US" sz="1800" spc="-1" strike="noStrike">
               <a:latin typeface="Arial"/>
             </a:endParaRPr>
           </a:p>
@@ -12381,7 +12643,7 @@
               </a:rPr>
               <a:t>Special thanks to Prof. Dr. Steffen Herbold and Dr. Christian Bartelt, who provided valuable input in the form of the teaching materials of their requirements engineering courses. </a:t>
             </a:r>
-            <a:endParaRPr b="0" lang="en-GB" sz="1800" spc="-1" strike="noStrike">
+            <a:endParaRPr b="0" lang="en-US" sz="1800" spc="-1" strike="noStrike">
               <a:latin typeface="Arial"/>
             </a:endParaRPr>
           </a:p>
@@ -12426,7 +12688,7 @@
         <p:spPr>
           <a:xfrm>
             <a:off x="542880" y="721800"/>
-            <a:ext cx="10358640" cy="499320"/>
+            <a:ext cx="10358280" cy="498960"/>
           </a:xfrm>
           <a:prstGeom prst="rect">
             <a:avLst/>
@@ -12462,7 +12724,7 @@
               </a:rPr>
               <a:t>Course Content</a:t>
             </a:r>
-            <a:endParaRPr b="0" lang="en-GB" sz="2200" spc="-1" strike="noStrike">
+            <a:endParaRPr b="0" lang="en-US" sz="2200" spc="-1" strike="noStrike">
               <a:latin typeface="Arial"/>
             </a:endParaRPr>
           </a:p>
@@ -12481,7 +12743,7 @@
         <p:spPr>
           <a:xfrm>
             <a:off x="542880" y="2387520"/>
-            <a:ext cx="10103760" cy="2081160"/>
+            <a:ext cx="10103400" cy="2080800"/>
           </a:xfrm>
           <a:prstGeom prst="rect">
             <a:avLst/>
@@ -12530,7 +12792,7 @@
         <p:spPr>
           <a:xfrm>
             <a:off x="335520" y="764640"/>
-            <a:ext cx="10743120" cy="493920"/>
+            <a:ext cx="10742760" cy="493560"/>
           </a:xfrm>
           <a:prstGeom prst="rect">
             <a:avLst/>
@@ -12566,7 +12828,7 @@
               </a:rPr>
               <a:t>Lectures</a:t>
             </a:r>
-            <a:endParaRPr b="0" lang="en-GB" sz="2400" spc="-1" strike="noStrike">
+            <a:endParaRPr b="0" lang="en-US" sz="2400" spc="-1" strike="noStrike">
               <a:latin typeface="Arial"/>
             </a:endParaRPr>
           </a:p>
@@ -12581,7 +12843,7 @@
         <p:spPr>
           <a:xfrm>
             <a:off x="335520" y="1268640"/>
-            <a:ext cx="10743120" cy="5030640"/>
+            <a:ext cx="10742760" cy="5030280"/>
           </a:xfrm>
           <a:prstGeom prst="rect">
             <a:avLst/>
@@ -12626,7 +12888,7 @@
               </a:rPr>
               <a:t>26.10.2022 → No lecture </a:t>
             </a:r>
-            <a:endParaRPr b="0" lang="en-GB" sz="1800" spc="-1" strike="noStrike">
+            <a:endParaRPr b="0" lang="en-US" sz="1800" spc="-1" strike="noStrike">
               <a:latin typeface="Arial"/>
             </a:endParaRPr>
           </a:p>
@@ -12655,7 +12917,7 @@
               </a:rPr>
               <a:t>02.11.2022 → Organization (L00) + Introduction (L01)</a:t>
             </a:r>
-            <a:endParaRPr b="0" lang="en-GB" sz="1800" spc="-1" strike="noStrike">
+            <a:endParaRPr b="0" lang="en-US" sz="1800" spc="-1" strike="noStrike">
               <a:latin typeface="Arial"/>
             </a:endParaRPr>
           </a:p>
@@ -12684,7 +12946,7 @@
               </a:rPr>
               <a:t>09.11.2022 → System Context Boundaries and Types of Requirements (L02)</a:t>
             </a:r>
-            <a:endParaRPr b="0" lang="en-GB" sz="1800" spc="-1" strike="noStrike">
+            <a:endParaRPr b="0" lang="en-US" sz="1800" spc="-1" strike="noStrike">
               <a:latin typeface="Arial"/>
             </a:endParaRPr>
           </a:p>
@@ -12713,7 +12975,7 @@
               </a:rPr>
               <a:t>16.11.2022 → Elicitation – Part 1 (L03)</a:t>
             </a:r>
-            <a:endParaRPr b="0" lang="en-GB" sz="1800" spc="-1" strike="noStrike">
+            <a:endParaRPr b="0" lang="en-US" sz="1800" spc="-1" strike="noStrike">
               <a:latin typeface="Arial"/>
             </a:endParaRPr>
           </a:p>
@@ -12742,7 +13004,7 @@
               </a:rPr>
               <a:t>23.11.2022 → Elicitation – Part 2 (L04) and Negotiations (L05)</a:t>
             </a:r>
-            <a:endParaRPr b="0" lang="en-GB" sz="1800" spc="-1" strike="noStrike">
+            <a:endParaRPr b="0" lang="en-US" sz="1800" spc="-1" strike="noStrike">
               <a:latin typeface="Arial"/>
             </a:endParaRPr>
           </a:p>
@@ -12771,7 +13033,7 @@
               </a:rPr>
               <a:t>30.11.2022 → Documentation – Introduction (L06)</a:t>
             </a:r>
-            <a:endParaRPr b="0" lang="en-GB" sz="1800" spc="-1" strike="noStrike">
+            <a:endParaRPr b="0" lang="en-US" sz="1800" spc="-1" strike="noStrike">
               <a:latin typeface="Arial"/>
             </a:endParaRPr>
           </a:p>
@@ -12800,7 +13062,7 @@
               </a:rPr>
               <a:t>07.12.2022 → Documentation – Textual Requirements Specification (L07)</a:t>
             </a:r>
-            <a:endParaRPr b="0" lang="en-GB" sz="1800" spc="-1" strike="noStrike">
+            <a:endParaRPr b="0" lang="en-US" sz="1800" spc="-1" strike="noStrike">
               <a:latin typeface="Arial"/>
             </a:endParaRPr>
           </a:p>
@@ -12829,7 +13091,7 @@
               </a:rPr>
               <a:t>14.12.2022 → Documentation – Model-based Requirements Documentation (L08)</a:t>
             </a:r>
-            <a:endParaRPr b="0" lang="en-GB" sz="1800" spc="-1" strike="noStrike">
+            <a:endParaRPr b="0" lang="en-US" sz="1800" spc="-1" strike="noStrike">
               <a:latin typeface="Arial"/>
             </a:endParaRPr>
           </a:p>
@@ -12858,7 +13120,7 @@
               </a:rPr>
               <a:t>21.12.2022 → Documentation – Formal Requirements Specification (L09)</a:t>
             </a:r>
-            <a:endParaRPr b="0" lang="en-GB" sz="1800" spc="-1" strike="noStrike">
+            <a:endParaRPr b="0" lang="en-US" sz="1800" spc="-1" strike="noStrike">
               <a:latin typeface="Arial"/>
             </a:endParaRPr>
           </a:p>
@@ -12887,7 +13149,7 @@
               </a:rPr>
               <a:t>11.01.2023 → Validation (L10)</a:t>
             </a:r>
-            <a:endParaRPr b="0" lang="en-GB" sz="1800" spc="-1" strike="noStrike">
+            <a:endParaRPr b="0" lang="en-US" sz="1800" spc="-1" strike="noStrike">
               <a:latin typeface="Arial"/>
             </a:endParaRPr>
           </a:p>
@@ -12916,7 +13178,7 @@
               </a:rPr>
               <a:t>18.01.2023 → Traceability (L11)</a:t>
             </a:r>
-            <a:endParaRPr b="0" lang="en-GB" sz="1800" spc="-1" strike="noStrike">
+            <a:endParaRPr b="0" lang="en-US" sz="1800" spc="-1" strike="noStrike">
               <a:latin typeface="Arial"/>
             </a:endParaRPr>
           </a:p>
@@ -12945,7 +13207,7 @@
               </a:rPr>
               <a:t>25.01.2023 → Requirements Management (L12) and Tool Support (L13)</a:t>
             </a:r>
-            <a:endParaRPr b="0" lang="en-GB" sz="1800" spc="-1" strike="noStrike">
+            <a:endParaRPr b="0" lang="en-US" sz="1800" spc="-1" strike="noStrike">
               <a:latin typeface="Arial"/>
             </a:endParaRPr>
           </a:p>
@@ -12974,7 +13236,7 @@
               </a:rPr>
               <a:t>01.02.2023 → No lecture</a:t>
             </a:r>
-            <a:endParaRPr b="0" lang="en-GB" sz="1800" spc="-1" strike="noStrike">
+            <a:endParaRPr b="0" lang="en-US" sz="1800" spc="-1" strike="noStrike">
               <a:latin typeface="Arial"/>
             </a:endParaRPr>
           </a:p>
@@ -13003,7 +13265,7 @@
               </a:rPr>
               <a:t>08.02.2023 → Exam Q&amp;A</a:t>
             </a:r>
-            <a:endParaRPr b="0" lang="en-GB" sz="1800" spc="-1" strike="noStrike">
+            <a:endParaRPr b="0" lang="en-US" sz="1800" spc="-1" strike="noStrike">
               <a:latin typeface="Arial"/>
             </a:endParaRPr>
           </a:p>

--- a/Requirements-Engineering/RE-L00-Organization.pptx
+++ b/Requirements-Engineering/RE-L00-Organization.pptx
@@ -85,11 +85,17 @@
             <a:pPr algn="ctr"/>
             <a:r>
               <a:rPr b="0" lang="en-US" sz="4400" spc="-1" strike="noStrike">
+                <a:solidFill>
+                  <a:srgbClr val="000000"/>
+                </a:solidFill>
                 <a:latin typeface="Arial"/>
               </a:rPr>
               <a:t>Click to move the slide</a:t>
             </a:r>
             <a:endParaRPr b="0" lang="en-US" sz="4400" spc="-1" strike="noStrike">
+              <a:solidFill>
+                <a:srgbClr val="000000"/>
+              </a:solidFill>
               <a:latin typeface="Arial"/>
             </a:endParaRPr>
           </a:p>
@@ -128,185 +134,35 @@
             </a:pPr>
             <a:r>
               <a:rPr b="0" lang="en-US" sz="2000" spc="-1" strike="noStrike">
+                <a:solidFill>
+                  <a:srgbClr val="000000"/>
+                </a:solidFill>
                 <a:latin typeface="Arial"/>
               </a:rPr>
-              <a:t>C</a:t>
+              <a:t>Click to edit </a:t>
             </a:r>
             <a:r>
               <a:rPr b="0" lang="en-US" sz="2000" spc="-1" strike="noStrike">
+                <a:solidFill>
+                  <a:srgbClr val="000000"/>
+                </a:solidFill>
                 <a:latin typeface="Arial"/>
               </a:rPr>
-              <a:t>l</a:t>
+              <a:t>the notes </a:t>
             </a:r>
             <a:r>
               <a:rPr b="0" lang="en-US" sz="2000" spc="-1" strike="noStrike">
+                <a:solidFill>
+                  <a:srgbClr val="000000"/>
+                </a:solidFill>
                 <a:latin typeface="Arial"/>
               </a:rPr>
-              <a:t>i</a:t>
-            </a:r>
-            <a:r>
-              <a:rPr b="0" lang="en-US" sz="2000" spc="-1" strike="noStrike">
-                <a:latin typeface="Arial"/>
-              </a:rPr>
-              <a:t>c</a:t>
-            </a:r>
-            <a:r>
-              <a:rPr b="0" lang="en-US" sz="2000" spc="-1" strike="noStrike">
-                <a:latin typeface="Arial"/>
-              </a:rPr>
-              <a:t>k</a:t>
-            </a:r>
-            <a:r>
-              <a:rPr b="0" lang="en-US" sz="2000" spc="-1" strike="noStrike">
-                <a:latin typeface="Arial"/>
-              </a:rPr>
-              <a:t> </a:t>
-            </a:r>
-            <a:r>
-              <a:rPr b="0" lang="en-US" sz="2000" spc="-1" strike="noStrike">
-                <a:latin typeface="Arial"/>
-              </a:rPr>
-              <a:t>t</a:t>
-            </a:r>
-            <a:r>
-              <a:rPr b="0" lang="en-US" sz="2000" spc="-1" strike="noStrike">
-                <a:latin typeface="Arial"/>
-              </a:rPr>
-              <a:t>o</a:t>
-            </a:r>
-            <a:r>
-              <a:rPr b="0" lang="en-US" sz="2000" spc="-1" strike="noStrike">
-                <a:latin typeface="Arial"/>
-              </a:rPr>
-              <a:t> </a:t>
-            </a:r>
-            <a:r>
-              <a:rPr b="0" lang="en-US" sz="2000" spc="-1" strike="noStrike">
-                <a:latin typeface="Arial"/>
-              </a:rPr>
-              <a:t>e</a:t>
-            </a:r>
-            <a:r>
-              <a:rPr b="0" lang="en-US" sz="2000" spc="-1" strike="noStrike">
-                <a:latin typeface="Arial"/>
-              </a:rPr>
-              <a:t>d</a:t>
-            </a:r>
-            <a:r>
-              <a:rPr b="0" lang="en-US" sz="2000" spc="-1" strike="noStrike">
-                <a:latin typeface="Arial"/>
-              </a:rPr>
-              <a:t>i</a:t>
-            </a:r>
-            <a:r>
-              <a:rPr b="0" lang="en-US" sz="2000" spc="-1" strike="noStrike">
-                <a:latin typeface="Arial"/>
-              </a:rPr>
-              <a:t>t</a:t>
-            </a:r>
-            <a:r>
-              <a:rPr b="0" lang="en-US" sz="2000" spc="-1" strike="noStrike">
-                <a:latin typeface="Arial"/>
-              </a:rPr>
-              <a:t> </a:t>
-            </a:r>
-            <a:r>
-              <a:rPr b="0" lang="en-US" sz="2000" spc="-1" strike="noStrike">
-                <a:latin typeface="Arial"/>
-              </a:rPr>
-              <a:t>t</a:t>
-            </a:r>
-            <a:r>
-              <a:rPr b="0" lang="en-US" sz="2000" spc="-1" strike="noStrike">
-                <a:latin typeface="Arial"/>
-              </a:rPr>
-              <a:t>h</a:t>
-            </a:r>
-            <a:r>
-              <a:rPr b="0" lang="en-US" sz="2000" spc="-1" strike="noStrike">
-                <a:latin typeface="Arial"/>
-              </a:rPr>
-              <a:t>e</a:t>
-            </a:r>
-            <a:r>
-              <a:rPr b="0" lang="en-US" sz="2000" spc="-1" strike="noStrike">
-                <a:latin typeface="Arial"/>
-              </a:rPr>
-              <a:t> </a:t>
-            </a:r>
-            <a:r>
-              <a:rPr b="0" lang="en-US" sz="2000" spc="-1" strike="noStrike">
-                <a:latin typeface="Arial"/>
-              </a:rPr>
-              <a:t>n</a:t>
-            </a:r>
-            <a:r>
-              <a:rPr b="0" lang="en-US" sz="2000" spc="-1" strike="noStrike">
-                <a:latin typeface="Arial"/>
-              </a:rPr>
-              <a:t>o</a:t>
-            </a:r>
-            <a:r>
-              <a:rPr b="0" lang="en-US" sz="2000" spc="-1" strike="noStrike">
-                <a:latin typeface="Arial"/>
-              </a:rPr>
-              <a:t>t</a:t>
-            </a:r>
-            <a:r>
-              <a:rPr b="0" lang="en-US" sz="2000" spc="-1" strike="noStrike">
-                <a:latin typeface="Arial"/>
-              </a:rPr>
-              <a:t>e</a:t>
-            </a:r>
-            <a:r>
-              <a:rPr b="0" lang="en-US" sz="2000" spc="-1" strike="noStrike">
-                <a:latin typeface="Arial"/>
-              </a:rPr>
-              <a:t>s</a:t>
-            </a:r>
-            <a:r>
-              <a:rPr b="0" lang="en-US" sz="2000" spc="-1" strike="noStrike">
-                <a:latin typeface="Arial"/>
-              </a:rPr>
-              <a:t> </a:t>
-            </a:r>
-            <a:r>
-              <a:rPr b="0" lang="en-US" sz="2000" spc="-1" strike="noStrike">
-                <a:latin typeface="Arial"/>
-              </a:rPr>
-              <a:t>f</a:t>
-            </a:r>
-            <a:r>
-              <a:rPr b="0" lang="en-US" sz="2000" spc="-1" strike="noStrike">
-                <a:latin typeface="Arial"/>
-              </a:rPr>
-              <a:t>o</a:t>
-            </a:r>
-            <a:r>
-              <a:rPr b="0" lang="en-US" sz="2000" spc="-1" strike="noStrike">
-                <a:latin typeface="Arial"/>
-              </a:rPr>
-              <a:t>r</a:t>
-            </a:r>
-            <a:r>
-              <a:rPr b="0" lang="en-US" sz="2000" spc="-1" strike="noStrike">
-                <a:latin typeface="Arial"/>
-              </a:rPr>
-              <a:t>m</a:t>
-            </a:r>
-            <a:r>
-              <a:rPr b="0" lang="en-US" sz="2000" spc="-1" strike="noStrike">
-                <a:latin typeface="Arial"/>
-              </a:rPr>
-              <a:t>a</a:t>
-            </a:r>
-            <a:r>
-              <a:rPr b="0" lang="en-US" sz="2000" spc="-1" strike="noStrike">
-                <a:latin typeface="Arial"/>
-              </a:rPr>
-              <a:t>t</a:t>
+              <a:t>format</a:t>
             </a:r>
             <a:endParaRPr b="0" lang="en-US" sz="2000" spc="-1" strike="noStrike">
+              <a:solidFill>
+                <a:srgbClr val="000000"/>
+              </a:solidFill>
               <a:latin typeface="Arial"/>
             </a:endParaRPr>
           </a:p>
@@ -345,11 +201,17 @@
             </a:pPr>
             <a:r>
               <a:rPr b="0" lang="en-US" sz="1400" spc="-1" strike="noStrike">
+                <a:solidFill>
+                  <a:srgbClr val="000000"/>
+                </a:solidFill>
                 <a:latin typeface="Times New Roman"/>
               </a:rPr>
               <a:t>&lt;header&gt;</a:t>
             </a:r>
             <a:endParaRPr b="0" lang="en-US" sz="1400" spc="-1" strike="noStrike">
+              <a:solidFill>
+                <a:srgbClr val="000000"/>
+              </a:solidFill>
               <a:latin typeface="Times New Roman"/>
             </a:endParaRPr>
           </a:p>
@@ -386,6 +248,9 @@
             <a:lvl1pPr indent="0" algn="r">
               <a:buNone/>
               <a:defRPr b="0" lang="en-US" sz="1400" spc="-1" strike="noStrike">
+                <a:solidFill>
+                  <a:srgbClr val="000000"/>
+                </a:solidFill>
                 <a:latin typeface="Times New Roman"/>
               </a:defRPr>
             </a:lvl1pPr>
@@ -396,11 +261,17 @@
             </a:pPr>
             <a:r>
               <a:rPr b="0" lang="en-US" sz="1400" spc="-1" strike="noStrike">
+                <a:solidFill>
+                  <a:srgbClr val="000000"/>
+                </a:solidFill>
                 <a:latin typeface="Times New Roman"/>
               </a:rPr>
               <a:t>&lt;date/time&gt;</a:t>
             </a:r>
             <a:endParaRPr b="0" lang="en-US" sz="1400" spc="-1" strike="noStrike">
+              <a:solidFill>
+                <a:srgbClr val="000000"/>
+              </a:solidFill>
               <a:latin typeface="Times New Roman"/>
             </a:endParaRPr>
           </a:p>
@@ -437,6 +308,9 @@
             <a:lvl1pPr indent="0">
               <a:buNone/>
               <a:defRPr b="0" lang="en-US" sz="1400" spc="-1" strike="noStrike">
+                <a:solidFill>
+                  <a:srgbClr val="000000"/>
+                </a:solidFill>
                 <a:latin typeface="Times New Roman"/>
               </a:defRPr>
             </a:lvl1pPr>
@@ -447,11 +321,17 @@
             </a:pPr>
             <a:r>
               <a:rPr b="0" lang="en-US" sz="1400" spc="-1" strike="noStrike">
+                <a:solidFill>
+                  <a:srgbClr val="000000"/>
+                </a:solidFill>
                 <a:latin typeface="Times New Roman"/>
               </a:rPr>
               <a:t>&lt;footer&gt;</a:t>
             </a:r>
             <a:endParaRPr b="0" lang="en-US" sz="1400" spc="-1" strike="noStrike">
+              <a:solidFill>
+                <a:srgbClr val="000000"/>
+              </a:solidFill>
               <a:latin typeface="Times New Roman"/>
             </a:endParaRPr>
           </a:p>
@@ -488,6 +368,9 @@
             <a:lvl1pPr indent="0" algn="r">
               <a:buNone/>
               <a:defRPr b="0" lang="en-US" sz="1400" spc="-1" strike="noStrike">
+                <a:solidFill>
+                  <a:srgbClr val="000000"/>
+                </a:solidFill>
                 <a:latin typeface="Times New Roman"/>
               </a:defRPr>
             </a:lvl1pPr>
@@ -496,13 +379,19 @@
             <a:pPr indent="0" algn="r">
               <a:buNone/>
             </a:pPr>
-            <a:fld id="{1FD91AA4-F842-47C8-9404-F82CD68D06FD}" type="slidenum">
+            <a:fld id="{C0ED0941-639A-4975-88D5-BE0FA8F03820}" type="slidenum">
               <a:rPr b="0" lang="en-US" sz="1400" spc="-1" strike="noStrike">
+                <a:solidFill>
+                  <a:srgbClr val="000000"/>
+                </a:solidFill>
                 <a:latin typeface="Times New Roman"/>
               </a:rPr>
               <a:t>&lt;number&gt;</a:t>
             </a:fld>
             <a:endParaRPr b="0" lang="en-US" sz="1400" spc="-1" strike="noStrike">
+              <a:solidFill>
+                <a:srgbClr val="000000"/>
+              </a:solidFill>
               <a:latin typeface="Times New Roman"/>
             </a:endParaRPr>
           </a:p>
@@ -533,7 +422,7 @@
       </p:grpSpPr>
       <p:sp>
         <p:nvSpPr>
-          <p:cNvPr id="171" name="PlaceHolder 1"/>
+          <p:cNvPr id="169" name="PlaceHolder 1"/>
           <p:cNvSpPr>
             <a:spLocks noGrp="1"/>
           </p:cNvSpPr>
@@ -544,19 +433,19 @@
         <p:spPr>
           <a:xfrm>
             <a:off x="533520" y="763560"/>
-            <a:ext cx="6698520" cy="3766680"/>
-          </a:xfrm>
-          <a:prstGeom prst="rect">
-            <a:avLst/>
-          </a:prstGeom>
-          <a:ln w="0">
-            <a:noFill/>
-          </a:ln>
-        </p:spPr>
-      </p:sp>
-      <p:sp>
-        <p:nvSpPr>
-          <p:cNvPr id="172" name="PlaceHolder 2"/>
+            <a:ext cx="6698160" cy="3766320"/>
+          </a:xfrm>
+          <a:prstGeom prst="rect">
+            <a:avLst/>
+          </a:prstGeom>
+          <a:ln w="0">
+            <a:noFill/>
+          </a:ln>
+        </p:spPr>
+      </p:sp>
+      <p:sp>
+        <p:nvSpPr>
+          <p:cNvPr id="170" name="PlaceHolder 2"/>
           <p:cNvSpPr>
             <a:spLocks noGrp="1"/>
           </p:cNvSpPr>
@@ -567,7 +456,7 @@
         <p:spPr>
           <a:xfrm>
             <a:off x="777240" y="4777560"/>
-            <a:ext cx="6212160" cy="4520520"/>
+            <a:ext cx="6211800" cy="4520160"/>
           </a:xfrm>
           <a:prstGeom prst="rect">
             <a:avLst/>
@@ -585,22 +474,25 @@
             <a:pPr marL="216000" indent="0">
               <a:buNone/>
             </a:pPr>
-            <a:endParaRPr b="0" lang="en-US" sz="2000" spc="-1" strike="noStrike">
-              <a:latin typeface="Arial"/>
-            </a:endParaRPr>
-          </a:p>
-        </p:txBody>
-      </p:sp>
-      <p:sp>
-        <p:nvSpPr>
-          <p:cNvPr id="173" name="TextShape 3"/>
+            <a:endParaRPr b="0" lang="en-US" sz="1800" spc="-1" strike="noStrike">
+              <a:solidFill>
+                <a:srgbClr val="000000"/>
+              </a:solidFill>
+              <a:latin typeface="Arial"/>
+            </a:endParaRPr>
+          </a:p>
+        </p:txBody>
+      </p:sp>
+      <p:sp>
+        <p:nvSpPr>
+          <p:cNvPr id="171" name="TextShape 3"/>
           <p:cNvSpPr/>
           <p:nvPr/>
         </p:nvSpPr>
         <p:spPr>
           <a:xfrm>
             <a:off x="4399200" y="9555480"/>
-            <a:ext cx="3367440" cy="497160"/>
+            <a:ext cx="3367080" cy="496800"/>
           </a:xfrm>
           <a:prstGeom prst="rect">
             <a:avLst/>
@@ -626,7 +518,7 @@
                 <a:spcPct val="100000"/>
               </a:lnSpc>
             </a:pPr>
-            <a:fld id="{A7EBCD11-CEB4-49B5-8636-BA1E50FE7316}" type="slidenum">
+            <a:fld id="{1E051E59-34F0-4608-BC83-7BF998F926A0}" type="slidenum">
               <a:rPr b="0" lang="en-GB" sz="1800" spc="-1" strike="noStrike">
                 <a:solidFill>
                   <a:srgbClr val="000000"/>
@@ -637,6 +529,9 @@
               <a:t>6</a:t>
             </a:fld>
             <a:endParaRPr b="0" lang="en-US" sz="1800" spc="-1" strike="noStrike">
+              <a:solidFill>
+                <a:srgbClr val="000000"/>
+              </a:solidFill>
               <a:latin typeface="Arial"/>
             </a:endParaRPr>
           </a:p>
@@ -666,7 +561,7 @@
       </p:grpSpPr>
       <p:sp>
         <p:nvSpPr>
-          <p:cNvPr id="174" name="PlaceHolder 1"/>
+          <p:cNvPr id="172" name="PlaceHolder 1"/>
           <p:cNvSpPr>
             <a:spLocks noGrp="1"/>
           </p:cNvSpPr>
@@ -677,19 +572,19 @@
         <p:spPr>
           <a:xfrm>
             <a:off x="533520" y="763560"/>
-            <a:ext cx="6698520" cy="3766680"/>
-          </a:xfrm>
-          <a:prstGeom prst="rect">
-            <a:avLst/>
-          </a:prstGeom>
-          <a:ln w="0">
-            <a:noFill/>
-          </a:ln>
-        </p:spPr>
-      </p:sp>
-      <p:sp>
-        <p:nvSpPr>
-          <p:cNvPr id="175" name="PlaceHolder 2"/>
+            <a:ext cx="6698160" cy="3766320"/>
+          </a:xfrm>
+          <a:prstGeom prst="rect">
+            <a:avLst/>
+          </a:prstGeom>
+          <a:ln w="0">
+            <a:noFill/>
+          </a:ln>
+        </p:spPr>
+      </p:sp>
+      <p:sp>
+        <p:nvSpPr>
+          <p:cNvPr id="173" name="PlaceHolder 2"/>
           <p:cNvSpPr>
             <a:spLocks noGrp="1"/>
           </p:cNvSpPr>
@@ -700,7 +595,7 @@
         <p:spPr>
           <a:xfrm>
             <a:off x="777240" y="4777560"/>
-            <a:ext cx="6212160" cy="4520520"/>
+            <a:ext cx="6211800" cy="4520160"/>
           </a:xfrm>
           <a:prstGeom prst="rect">
             <a:avLst/>
@@ -718,22 +613,25 @@
             <a:pPr marL="216000" indent="0">
               <a:buNone/>
             </a:pPr>
-            <a:endParaRPr b="0" lang="en-US" sz="2000" spc="-1" strike="noStrike">
-              <a:latin typeface="Arial"/>
-            </a:endParaRPr>
-          </a:p>
-        </p:txBody>
-      </p:sp>
-      <p:sp>
-        <p:nvSpPr>
-          <p:cNvPr id="176" name="TextShape 3"/>
+            <a:endParaRPr b="0" lang="en-US" sz="1800" spc="-1" strike="noStrike">
+              <a:solidFill>
+                <a:srgbClr val="000000"/>
+              </a:solidFill>
+              <a:latin typeface="Arial"/>
+            </a:endParaRPr>
+          </a:p>
+        </p:txBody>
+      </p:sp>
+      <p:sp>
+        <p:nvSpPr>
+          <p:cNvPr id="174" name="TextShape 3"/>
           <p:cNvSpPr/>
           <p:nvPr/>
         </p:nvSpPr>
         <p:spPr>
           <a:xfrm>
             <a:off x="4399200" y="9555480"/>
-            <a:ext cx="3367440" cy="497160"/>
+            <a:ext cx="3367080" cy="496800"/>
           </a:xfrm>
           <a:prstGeom prst="rect">
             <a:avLst/>
@@ -759,7 +657,7 @@
                 <a:spcPct val="100000"/>
               </a:lnSpc>
             </a:pPr>
-            <a:fld id="{9917C4FB-03A5-4FD7-B9D4-72BB9DCA1EDD}" type="slidenum">
+            <a:fld id="{E094C7B4-7D97-42D0-A67C-CF36E856FCD7}" type="slidenum">
               <a:rPr b="0" lang="en-GB" sz="1800" spc="-1" strike="noStrike">
                 <a:solidFill>
                   <a:srgbClr val="000000"/>
@@ -770,6 +668,9 @@
               <a:t>6</a:t>
             </a:fld>
             <a:endParaRPr b="0" lang="en-US" sz="1800" spc="-1" strike="noStrike">
+              <a:solidFill>
+                <a:srgbClr val="000000"/>
+              </a:solidFill>
               <a:latin typeface="Arial"/>
             </a:endParaRPr>
           </a:p>
@@ -799,7 +700,7 @@
       </p:grpSpPr>
       <p:sp>
         <p:nvSpPr>
-          <p:cNvPr id="177" name="PlaceHolder 1"/>
+          <p:cNvPr id="175" name="PlaceHolder 1"/>
           <p:cNvSpPr>
             <a:spLocks noGrp="1"/>
           </p:cNvSpPr>
@@ -810,19 +711,19 @@
         <p:spPr>
           <a:xfrm>
             <a:off x="533520" y="763560"/>
-            <a:ext cx="6698520" cy="3766680"/>
-          </a:xfrm>
-          <a:prstGeom prst="rect">
-            <a:avLst/>
-          </a:prstGeom>
-          <a:ln w="0">
-            <a:noFill/>
-          </a:ln>
-        </p:spPr>
-      </p:sp>
-      <p:sp>
-        <p:nvSpPr>
-          <p:cNvPr id="178" name="PlaceHolder 2"/>
+            <a:ext cx="6698160" cy="3766320"/>
+          </a:xfrm>
+          <a:prstGeom prst="rect">
+            <a:avLst/>
+          </a:prstGeom>
+          <a:ln w="0">
+            <a:noFill/>
+          </a:ln>
+        </p:spPr>
+      </p:sp>
+      <p:sp>
+        <p:nvSpPr>
+          <p:cNvPr id="176" name="PlaceHolder 2"/>
           <p:cNvSpPr>
             <a:spLocks noGrp="1"/>
           </p:cNvSpPr>
@@ -833,7 +734,7 @@
         <p:spPr>
           <a:xfrm>
             <a:off x="777240" y="4777560"/>
-            <a:ext cx="6212160" cy="4520520"/>
+            <a:ext cx="6211800" cy="4520160"/>
           </a:xfrm>
           <a:prstGeom prst="rect">
             <a:avLst/>
@@ -851,22 +752,25 @@
             <a:pPr marL="216000" indent="0">
               <a:buNone/>
             </a:pPr>
-            <a:endParaRPr b="0" lang="en-US" sz="2000" spc="-1" strike="noStrike">
-              <a:latin typeface="Arial"/>
-            </a:endParaRPr>
-          </a:p>
-        </p:txBody>
-      </p:sp>
-      <p:sp>
-        <p:nvSpPr>
-          <p:cNvPr id="179" name="TextShape 3"/>
+            <a:endParaRPr b="0" lang="en-US" sz="1800" spc="-1" strike="noStrike">
+              <a:solidFill>
+                <a:srgbClr val="000000"/>
+              </a:solidFill>
+              <a:latin typeface="Arial"/>
+            </a:endParaRPr>
+          </a:p>
+        </p:txBody>
+      </p:sp>
+      <p:sp>
+        <p:nvSpPr>
+          <p:cNvPr id="177" name="TextShape 3"/>
           <p:cNvSpPr/>
           <p:nvPr/>
         </p:nvSpPr>
         <p:spPr>
           <a:xfrm>
             <a:off x="4399200" y="9555480"/>
-            <a:ext cx="3367440" cy="497160"/>
+            <a:ext cx="3367080" cy="496800"/>
           </a:xfrm>
           <a:prstGeom prst="rect">
             <a:avLst/>
@@ -892,7 +796,7 @@
                 <a:spcPct val="100000"/>
               </a:lnSpc>
             </a:pPr>
-            <a:fld id="{E0D9DE5C-185E-4B9E-AEAC-B4159A5BC2B0}" type="slidenum">
+            <a:fld id="{073E0660-A48B-4BB8-95F3-01B99EAF9BAB}" type="slidenum">
               <a:rPr b="0" lang="en-GB" sz="1800" spc="-1" strike="noStrike">
                 <a:solidFill>
                   <a:srgbClr val="000000"/>
@@ -903,6 +807,9 @@
               <a:t>6</a:t>
             </a:fld>
             <a:endParaRPr b="0" lang="en-US" sz="1800" spc="-1" strike="noStrike">
+              <a:solidFill>
+                <a:srgbClr val="000000"/>
+              </a:solidFill>
               <a:latin typeface="Arial"/>
             </a:endParaRPr>
           </a:p>
@@ -932,7 +839,7 @@
       </p:grpSpPr>
       <p:sp>
         <p:nvSpPr>
-          <p:cNvPr id="180" name="PlaceHolder 1"/>
+          <p:cNvPr id="178" name="PlaceHolder 1"/>
           <p:cNvSpPr>
             <a:spLocks noGrp="1"/>
           </p:cNvSpPr>
@@ -943,19 +850,19 @@
         <p:spPr>
           <a:xfrm>
             <a:off x="533520" y="763560"/>
-            <a:ext cx="6698520" cy="3766680"/>
-          </a:xfrm>
-          <a:prstGeom prst="rect">
-            <a:avLst/>
-          </a:prstGeom>
-          <a:ln w="0">
-            <a:noFill/>
-          </a:ln>
-        </p:spPr>
-      </p:sp>
-      <p:sp>
-        <p:nvSpPr>
-          <p:cNvPr id="181" name="PlaceHolder 2"/>
+            <a:ext cx="6698160" cy="3766320"/>
+          </a:xfrm>
+          <a:prstGeom prst="rect">
+            <a:avLst/>
+          </a:prstGeom>
+          <a:ln w="0">
+            <a:noFill/>
+          </a:ln>
+        </p:spPr>
+      </p:sp>
+      <p:sp>
+        <p:nvSpPr>
+          <p:cNvPr id="179" name="PlaceHolder 2"/>
           <p:cNvSpPr>
             <a:spLocks noGrp="1"/>
           </p:cNvSpPr>
@@ -966,7 +873,7 @@
         <p:spPr>
           <a:xfrm>
             <a:off x="777240" y="4777560"/>
-            <a:ext cx="6212160" cy="4520520"/>
+            <a:ext cx="6211800" cy="4520160"/>
           </a:xfrm>
           <a:prstGeom prst="rect">
             <a:avLst/>
@@ -984,22 +891,25 @@
             <a:pPr marL="216000" indent="0">
               <a:buNone/>
             </a:pPr>
-            <a:endParaRPr b="0" lang="en-US" sz="2000" spc="-1" strike="noStrike">
-              <a:latin typeface="Arial"/>
-            </a:endParaRPr>
-          </a:p>
-        </p:txBody>
-      </p:sp>
-      <p:sp>
-        <p:nvSpPr>
-          <p:cNvPr id="182" name="TextShape 3"/>
+            <a:endParaRPr b="0" lang="en-US" sz="1800" spc="-1" strike="noStrike">
+              <a:solidFill>
+                <a:srgbClr val="000000"/>
+              </a:solidFill>
+              <a:latin typeface="Arial"/>
+            </a:endParaRPr>
+          </a:p>
+        </p:txBody>
+      </p:sp>
+      <p:sp>
+        <p:nvSpPr>
+          <p:cNvPr id="180" name="TextShape 3"/>
           <p:cNvSpPr/>
           <p:nvPr/>
         </p:nvSpPr>
         <p:spPr>
           <a:xfrm>
             <a:off x="4399200" y="9555480"/>
-            <a:ext cx="3367440" cy="497160"/>
+            <a:ext cx="3367080" cy="496800"/>
           </a:xfrm>
           <a:prstGeom prst="rect">
             <a:avLst/>
@@ -1025,7 +935,7 @@
                 <a:spcPct val="100000"/>
               </a:lnSpc>
             </a:pPr>
-            <a:fld id="{49D71D27-EB94-47F4-B25A-9DEF43F3A95B}" type="slidenum">
+            <a:fld id="{C3DD91C0-F59F-4C14-B8F6-A9680DF0619A}" type="slidenum">
               <a:rPr b="0" lang="en-GB" sz="1800" spc="-1" strike="noStrike">
                 <a:solidFill>
                   <a:srgbClr val="000000"/>
@@ -1033,9 +943,12 @@
                 <a:latin typeface="+mn-lt"/>
                 <a:ea typeface="+mn-ea"/>
               </a:rPr>
-              <a:t>&lt;number&gt;</a:t>
+              <a:t>6</a:t>
             </a:fld>
             <a:endParaRPr b="0" lang="en-US" sz="1800" spc="-1" strike="noStrike">
+              <a:solidFill>
+                <a:srgbClr val="000000"/>
+              </a:solidFill>
               <a:latin typeface="Arial"/>
             </a:endParaRPr>
           </a:p>
@@ -1117,6 +1030,9 @@
               <a:buNone/>
             </a:pPr>
             <a:endParaRPr b="0" lang="en-US" sz="4400" spc="-1" strike="noStrike">
+              <a:solidFill>
+                <a:srgbClr val="000000"/>
+              </a:solidFill>
               <a:latin typeface="Arial"/>
             </a:endParaRPr>
           </a:p>
@@ -1157,6 +1073,9 @@
               <a:buNone/>
             </a:pPr>
             <a:endParaRPr b="0" lang="en-US" sz="3200" spc="-1" strike="noStrike">
+              <a:solidFill>
+                <a:srgbClr val="000000"/>
+              </a:solidFill>
               <a:latin typeface="Arial"/>
             </a:endParaRPr>
           </a:p>
@@ -1197,6 +1116,9 @@
               <a:buNone/>
             </a:pPr>
             <a:endParaRPr b="0" lang="en-US" sz="3200" spc="-1" strike="noStrike">
+              <a:solidFill>
+                <a:srgbClr val="000000"/>
+              </a:solidFill>
               <a:latin typeface="Arial"/>
             </a:endParaRPr>
           </a:p>
@@ -1256,6 +1178,9 @@
               <a:buNone/>
             </a:pPr>
             <a:endParaRPr b="0" lang="en-US" sz="4400" spc="-1" strike="noStrike">
+              <a:solidFill>
+                <a:srgbClr val="000000"/>
+              </a:solidFill>
               <a:latin typeface="Arial"/>
             </a:endParaRPr>
           </a:p>
@@ -1296,6 +1221,9 @@
               <a:buNone/>
             </a:pPr>
             <a:endParaRPr b="0" lang="en-US" sz="3200" spc="-1" strike="noStrike">
+              <a:solidFill>
+                <a:srgbClr val="000000"/>
+              </a:solidFill>
               <a:latin typeface="Arial"/>
             </a:endParaRPr>
           </a:p>
@@ -1336,6 +1264,9 @@
               <a:buNone/>
             </a:pPr>
             <a:endParaRPr b="0" lang="en-US" sz="3200" spc="-1" strike="noStrike">
+              <a:solidFill>
+                <a:srgbClr val="000000"/>
+              </a:solidFill>
               <a:latin typeface="Arial"/>
             </a:endParaRPr>
           </a:p>
@@ -1376,6 +1307,9 @@
               <a:buNone/>
             </a:pPr>
             <a:endParaRPr b="0" lang="en-US" sz="3200" spc="-1" strike="noStrike">
+              <a:solidFill>
+                <a:srgbClr val="000000"/>
+              </a:solidFill>
               <a:latin typeface="Arial"/>
             </a:endParaRPr>
           </a:p>
@@ -1416,6 +1350,9 @@
               <a:buNone/>
             </a:pPr>
             <a:endParaRPr b="0" lang="en-US" sz="3200" spc="-1" strike="noStrike">
+              <a:solidFill>
+                <a:srgbClr val="000000"/>
+              </a:solidFill>
               <a:latin typeface="Arial"/>
             </a:endParaRPr>
           </a:p>
@@ -1475,6 +1412,9 @@
               <a:buNone/>
             </a:pPr>
             <a:endParaRPr b="0" lang="en-US" sz="4400" spc="-1" strike="noStrike">
+              <a:solidFill>
+                <a:srgbClr val="000000"/>
+              </a:solidFill>
               <a:latin typeface="Arial"/>
             </a:endParaRPr>
           </a:p>
@@ -1515,6 +1455,9 @@
               <a:buNone/>
             </a:pPr>
             <a:endParaRPr b="0" lang="en-US" sz="3200" spc="-1" strike="noStrike">
+              <a:solidFill>
+                <a:srgbClr val="000000"/>
+              </a:solidFill>
               <a:latin typeface="Arial"/>
             </a:endParaRPr>
           </a:p>
@@ -1555,6 +1498,9 @@
               <a:buNone/>
             </a:pPr>
             <a:endParaRPr b="0" lang="en-US" sz="3200" spc="-1" strike="noStrike">
+              <a:solidFill>
+                <a:srgbClr val="000000"/>
+              </a:solidFill>
               <a:latin typeface="Arial"/>
             </a:endParaRPr>
           </a:p>
@@ -1595,6 +1541,9 @@
               <a:buNone/>
             </a:pPr>
             <a:endParaRPr b="0" lang="en-US" sz="3200" spc="-1" strike="noStrike">
+              <a:solidFill>
+                <a:srgbClr val="000000"/>
+              </a:solidFill>
               <a:latin typeface="Arial"/>
             </a:endParaRPr>
           </a:p>
@@ -1635,6 +1584,9 @@
               <a:buNone/>
             </a:pPr>
             <a:endParaRPr b="0" lang="en-US" sz="3200" spc="-1" strike="noStrike">
+              <a:solidFill>
+                <a:srgbClr val="000000"/>
+              </a:solidFill>
               <a:latin typeface="Arial"/>
             </a:endParaRPr>
           </a:p>
@@ -1675,6 +1627,9 @@
               <a:buNone/>
             </a:pPr>
             <a:endParaRPr b="0" lang="en-US" sz="3200" spc="-1" strike="noStrike">
+              <a:solidFill>
+                <a:srgbClr val="000000"/>
+              </a:solidFill>
               <a:latin typeface="Arial"/>
             </a:endParaRPr>
           </a:p>
@@ -1715,6 +1670,9 @@
               <a:buNone/>
             </a:pPr>
             <a:endParaRPr b="0" lang="en-US" sz="3200" spc="-1" strike="noStrike">
+              <a:solidFill>
+                <a:srgbClr val="000000"/>
+              </a:solidFill>
               <a:latin typeface="Arial"/>
             </a:endParaRPr>
           </a:p>
@@ -1796,6 +1754,9 @@
               <a:buNone/>
             </a:pPr>
             <a:endParaRPr b="0" lang="en-US" sz="4400" spc="-1" strike="noStrike">
+              <a:solidFill>
+                <a:srgbClr val="000000"/>
+              </a:solidFill>
               <a:latin typeface="Arial"/>
             </a:endParaRPr>
           </a:p>
@@ -1833,6 +1794,9 @@
               <a:buNone/>
             </a:pPr>
             <a:endParaRPr b="0" lang="en-US" sz="3200" spc="-1" strike="noStrike">
+              <a:solidFill>
+                <a:srgbClr val="000000"/>
+              </a:solidFill>
               <a:latin typeface="Arial"/>
             </a:endParaRPr>
           </a:p>
@@ -1892,6 +1856,9 @@
               <a:buNone/>
             </a:pPr>
             <a:endParaRPr b="0" lang="en-US" sz="4400" spc="-1" strike="noStrike">
+              <a:solidFill>
+                <a:srgbClr val="000000"/>
+              </a:solidFill>
               <a:latin typeface="Arial"/>
             </a:endParaRPr>
           </a:p>
@@ -1932,6 +1899,9 @@
               <a:buNone/>
             </a:pPr>
             <a:endParaRPr b="0" lang="en-US" sz="3200" spc="-1" strike="noStrike">
+              <a:solidFill>
+                <a:srgbClr val="000000"/>
+              </a:solidFill>
               <a:latin typeface="Arial"/>
             </a:endParaRPr>
           </a:p>
@@ -1991,6 +1961,9 @@
               <a:buNone/>
             </a:pPr>
             <a:endParaRPr b="0" lang="en-US" sz="4400" spc="-1" strike="noStrike">
+              <a:solidFill>
+                <a:srgbClr val="000000"/>
+              </a:solidFill>
               <a:latin typeface="Arial"/>
             </a:endParaRPr>
           </a:p>
@@ -2031,6 +2004,9 @@
               <a:buNone/>
             </a:pPr>
             <a:endParaRPr b="0" lang="en-US" sz="3200" spc="-1" strike="noStrike">
+              <a:solidFill>
+                <a:srgbClr val="000000"/>
+              </a:solidFill>
               <a:latin typeface="Arial"/>
             </a:endParaRPr>
           </a:p>
@@ -2071,6 +2047,9 @@
               <a:buNone/>
             </a:pPr>
             <a:endParaRPr b="0" lang="en-US" sz="3200" spc="-1" strike="noStrike">
+              <a:solidFill>
+                <a:srgbClr val="000000"/>
+              </a:solidFill>
               <a:latin typeface="Arial"/>
             </a:endParaRPr>
           </a:p>
@@ -2130,6 +2109,9 @@
               <a:buNone/>
             </a:pPr>
             <a:endParaRPr b="0" lang="en-US" sz="4400" spc="-1" strike="noStrike">
+              <a:solidFill>
+                <a:srgbClr val="000000"/>
+              </a:solidFill>
               <a:latin typeface="Arial"/>
             </a:endParaRPr>
           </a:p>
@@ -2187,6 +2169,9 @@
           <a:p>
             <a:pPr algn="ctr"/>
             <a:endParaRPr b="0" lang="en-US" sz="3200" spc="-1" strike="noStrike">
+              <a:solidFill>
+                <a:srgbClr val="000000"/>
+              </a:solidFill>
               <a:latin typeface="Arial"/>
             </a:endParaRPr>
           </a:p>
@@ -2246,6 +2231,9 @@
               <a:buNone/>
             </a:pPr>
             <a:endParaRPr b="0" lang="en-US" sz="4400" spc="-1" strike="noStrike">
+              <a:solidFill>
+                <a:srgbClr val="000000"/>
+              </a:solidFill>
               <a:latin typeface="Arial"/>
             </a:endParaRPr>
           </a:p>
@@ -2286,6 +2274,9 @@
               <a:buNone/>
             </a:pPr>
             <a:endParaRPr b="0" lang="en-US" sz="3200" spc="-1" strike="noStrike">
+              <a:solidFill>
+                <a:srgbClr val="000000"/>
+              </a:solidFill>
               <a:latin typeface="Arial"/>
             </a:endParaRPr>
           </a:p>
@@ -2326,6 +2317,9 @@
               <a:buNone/>
             </a:pPr>
             <a:endParaRPr b="0" lang="en-US" sz="3200" spc="-1" strike="noStrike">
+              <a:solidFill>
+                <a:srgbClr val="000000"/>
+              </a:solidFill>
               <a:latin typeface="Arial"/>
             </a:endParaRPr>
           </a:p>
@@ -2366,6 +2360,9 @@
               <a:buNone/>
             </a:pPr>
             <a:endParaRPr b="0" lang="en-US" sz="3200" spc="-1" strike="noStrike">
+              <a:solidFill>
+                <a:srgbClr val="000000"/>
+              </a:solidFill>
               <a:latin typeface="Arial"/>
             </a:endParaRPr>
           </a:p>
@@ -2425,6 +2422,9 @@
               <a:buNone/>
             </a:pPr>
             <a:endParaRPr b="0" lang="en-US" sz="4400" spc="-1" strike="noStrike">
+              <a:solidFill>
+                <a:srgbClr val="000000"/>
+              </a:solidFill>
               <a:latin typeface="Arial"/>
             </a:endParaRPr>
           </a:p>
@@ -2462,6 +2462,9 @@
               <a:buNone/>
             </a:pPr>
             <a:endParaRPr b="0" lang="en-US" sz="3200" spc="-1" strike="noStrike">
+              <a:solidFill>
+                <a:srgbClr val="000000"/>
+              </a:solidFill>
               <a:latin typeface="Arial"/>
             </a:endParaRPr>
           </a:p>
@@ -2521,6 +2524,9 @@
               <a:buNone/>
             </a:pPr>
             <a:endParaRPr b="0" lang="en-US" sz="4400" spc="-1" strike="noStrike">
+              <a:solidFill>
+                <a:srgbClr val="000000"/>
+              </a:solidFill>
               <a:latin typeface="Arial"/>
             </a:endParaRPr>
           </a:p>
@@ -2561,6 +2567,9 @@
               <a:buNone/>
             </a:pPr>
             <a:endParaRPr b="0" lang="en-US" sz="3200" spc="-1" strike="noStrike">
+              <a:solidFill>
+                <a:srgbClr val="000000"/>
+              </a:solidFill>
               <a:latin typeface="Arial"/>
             </a:endParaRPr>
           </a:p>
@@ -2601,6 +2610,9 @@
               <a:buNone/>
             </a:pPr>
             <a:endParaRPr b="0" lang="en-US" sz="3200" spc="-1" strike="noStrike">
+              <a:solidFill>
+                <a:srgbClr val="000000"/>
+              </a:solidFill>
               <a:latin typeface="Arial"/>
             </a:endParaRPr>
           </a:p>
@@ -2641,6 +2653,9 @@
               <a:buNone/>
             </a:pPr>
             <a:endParaRPr b="0" lang="en-US" sz="3200" spc="-1" strike="noStrike">
+              <a:solidFill>
+                <a:srgbClr val="000000"/>
+              </a:solidFill>
               <a:latin typeface="Arial"/>
             </a:endParaRPr>
           </a:p>
@@ -2700,6 +2715,9 @@
               <a:buNone/>
             </a:pPr>
             <a:endParaRPr b="0" lang="en-US" sz="4400" spc="-1" strike="noStrike">
+              <a:solidFill>
+                <a:srgbClr val="000000"/>
+              </a:solidFill>
               <a:latin typeface="Arial"/>
             </a:endParaRPr>
           </a:p>
@@ -2740,6 +2758,9 @@
               <a:buNone/>
             </a:pPr>
             <a:endParaRPr b="0" lang="en-US" sz="3200" spc="-1" strike="noStrike">
+              <a:solidFill>
+                <a:srgbClr val="000000"/>
+              </a:solidFill>
               <a:latin typeface="Arial"/>
             </a:endParaRPr>
           </a:p>
@@ -2780,6 +2801,9 @@
               <a:buNone/>
             </a:pPr>
             <a:endParaRPr b="0" lang="en-US" sz="3200" spc="-1" strike="noStrike">
+              <a:solidFill>
+                <a:srgbClr val="000000"/>
+              </a:solidFill>
               <a:latin typeface="Arial"/>
             </a:endParaRPr>
           </a:p>
@@ -2820,6 +2844,9 @@
               <a:buNone/>
             </a:pPr>
             <a:endParaRPr b="0" lang="en-US" sz="3200" spc="-1" strike="noStrike">
+              <a:solidFill>
+                <a:srgbClr val="000000"/>
+              </a:solidFill>
               <a:latin typeface="Arial"/>
             </a:endParaRPr>
           </a:p>
@@ -2879,6 +2906,9 @@
               <a:buNone/>
             </a:pPr>
             <a:endParaRPr b="0" lang="en-US" sz="4400" spc="-1" strike="noStrike">
+              <a:solidFill>
+                <a:srgbClr val="000000"/>
+              </a:solidFill>
               <a:latin typeface="Arial"/>
             </a:endParaRPr>
           </a:p>
@@ -2919,6 +2949,9 @@
               <a:buNone/>
             </a:pPr>
             <a:endParaRPr b="0" lang="en-US" sz="3200" spc="-1" strike="noStrike">
+              <a:solidFill>
+                <a:srgbClr val="000000"/>
+              </a:solidFill>
               <a:latin typeface="Arial"/>
             </a:endParaRPr>
           </a:p>
@@ -2959,6 +2992,9 @@
               <a:buNone/>
             </a:pPr>
             <a:endParaRPr b="0" lang="en-US" sz="3200" spc="-1" strike="noStrike">
+              <a:solidFill>
+                <a:srgbClr val="000000"/>
+              </a:solidFill>
               <a:latin typeface="Arial"/>
             </a:endParaRPr>
           </a:p>
@@ -3018,6 +3054,9 @@
               <a:buNone/>
             </a:pPr>
             <a:endParaRPr b="0" lang="en-US" sz="4400" spc="-1" strike="noStrike">
+              <a:solidFill>
+                <a:srgbClr val="000000"/>
+              </a:solidFill>
               <a:latin typeface="Arial"/>
             </a:endParaRPr>
           </a:p>
@@ -3058,6 +3097,9 @@
               <a:buNone/>
             </a:pPr>
             <a:endParaRPr b="0" lang="en-US" sz="3200" spc="-1" strike="noStrike">
+              <a:solidFill>
+                <a:srgbClr val="000000"/>
+              </a:solidFill>
               <a:latin typeface="Arial"/>
             </a:endParaRPr>
           </a:p>
@@ -3098,6 +3140,9 @@
               <a:buNone/>
             </a:pPr>
             <a:endParaRPr b="0" lang="en-US" sz="3200" spc="-1" strike="noStrike">
+              <a:solidFill>
+                <a:srgbClr val="000000"/>
+              </a:solidFill>
               <a:latin typeface="Arial"/>
             </a:endParaRPr>
           </a:p>
@@ -3138,6 +3183,9 @@
               <a:buNone/>
             </a:pPr>
             <a:endParaRPr b="0" lang="en-US" sz="3200" spc="-1" strike="noStrike">
+              <a:solidFill>
+                <a:srgbClr val="000000"/>
+              </a:solidFill>
               <a:latin typeface="Arial"/>
             </a:endParaRPr>
           </a:p>
@@ -3178,6 +3226,9 @@
               <a:buNone/>
             </a:pPr>
             <a:endParaRPr b="0" lang="en-US" sz="3200" spc="-1" strike="noStrike">
+              <a:solidFill>
+                <a:srgbClr val="000000"/>
+              </a:solidFill>
               <a:latin typeface="Arial"/>
             </a:endParaRPr>
           </a:p>
@@ -3237,6 +3288,9 @@
               <a:buNone/>
             </a:pPr>
             <a:endParaRPr b="0" lang="en-US" sz="4400" spc="-1" strike="noStrike">
+              <a:solidFill>
+                <a:srgbClr val="000000"/>
+              </a:solidFill>
               <a:latin typeface="Arial"/>
             </a:endParaRPr>
           </a:p>
@@ -3277,6 +3331,9 @@
               <a:buNone/>
             </a:pPr>
             <a:endParaRPr b="0" lang="en-US" sz="3200" spc="-1" strike="noStrike">
+              <a:solidFill>
+                <a:srgbClr val="000000"/>
+              </a:solidFill>
               <a:latin typeface="Arial"/>
             </a:endParaRPr>
           </a:p>
@@ -3317,6 +3374,9 @@
               <a:buNone/>
             </a:pPr>
             <a:endParaRPr b="0" lang="en-US" sz="3200" spc="-1" strike="noStrike">
+              <a:solidFill>
+                <a:srgbClr val="000000"/>
+              </a:solidFill>
               <a:latin typeface="Arial"/>
             </a:endParaRPr>
           </a:p>
@@ -3357,6 +3417,9 @@
               <a:buNone/>
             </a:pPr>
             <a:endParaRPr b="0" lang="en-US" sz="3200" spc="-1" strike="noStrike">
+              <a:solidFill>
+                <a:srgbClr val="000000"/>
+              </a:solidFill>
               <a:latin typeface="Arial"/>
             </a:endParaRPr>
           </a:p>
@@ -3397,6 +3460,9 @@
               <a:buNone/>
             </a:pPr>
             <a:endParaRPr b="0" lang="en-US" sz="3200" spc="-1" strike="noStrike">
+              <a:solidFill>
+                <a:srgbClr val="000000"/>
+              </a:solidFill>
               <a:latin typeface="Arial"/>
             </a:endParaRPr>
           </a:p>
@@ -3437,6 +3503,9 @@
               <a:buNone/>
             </a:pPr>
             <a:endParaRPr b="0" lang="en-US" sz="3200" spc="-1" strike="noStrike">
+              <a:solidFill>
+                <a:srgbClr val="000000"/>
+              </a:solidFill>
               <a:latin typeface="Arial"/>
             </a:endParaRPr>
           </a:p>
@@ -3477,6 +3546,9 @@
               <a:buNone/>
             </a:pPr>
             <a:endParaRPr b="0" lang="en-US" sz="3200" spc="-1" strike="noStrike">
+              <a:solidFill>
+                <a:srgbClr val="000000"/>
+              </a:solidFill>
               <a:latin typeface="Arial"/>
             </a:endParaRPr>
           </a:p>
@@ -3536,6 +3608,9 @@
               <a:buNone/>
             </a:pPr>
             <a:endParaRPr b="0" lang="en-US" sz="4400" spc="-1" strike="noStrike">
+              <a:solidFill>
+                <a:srgbClr val="000000"/>
+              </a:solidFill>
               <a:latin typeface="Arial"/>
             </a:endParaRPr>
           </a:p>
@@ -3576,6 +3651,9 @@
               <a:buNone/>
             </a:pPr>
             <a:endParaRPr b="0" lang="en-US" sz="3200" spc="-1" strike="noStrike">
+              <a:solidFill>
+                <a:srgbClr val="000000"/>
+              </a:solidFill>
               <a:latin typeface="Arial"/>
             </a:endParaRPr>
           </a:p>
@@ -3635,6 +3713,9 @@
               <a:buNone/>
             </a:pPr>
             <a:endParaRPr b="0" lang="en-US" sz="4400" spc="-1" strike="noStrike">
+              <a:solidFill>
+                <a:srgbClr val="000000"/>
+              </a:solidFill>
               <a:latin typeface="Arial"/>
             </a:endParaRPr>
           </a:p>
@@ -3675,6 +3756,9 @@
               <a:buNone/>
             </a:pPr>
             <a:endParaRPr b="0" lang="en-US" sz="3200" spc="-1" strike="noStrike">
+              <a:solidFill>
+                <a:srgbClr val="000000"/>
+              </a:solidFill>
               <a:latin typeface="Arial"/>
             </a:endParaRPr>
           </a:p>
@@ -3715,6 +3799,9 @@
               <a:buNone/>
             </a:pPr>
             <a:endParaRPr b="0" lang="en-US" sz="3200" spc="-1" strike="noStrike">
+              <a:solidFill>
+                <a:srgbClr val="000000"/>
+              </a:solidFill>
               <a:latin typeface="Arial"/>
             </a:endParaRPr>
           </a:p>
@@ -3774,6 +3861,9 @@
               <a:buNone/>
             </a:pPr>
             <a:endParaRPr b="0" lang="en-US" sz="4400" spc="-1" strike="noStrike">
+              <a:solidFill>
+                <a:srgbClr val="000000"/>
+              </a:solidFill>
               <a:latin typeface="Arial"/>
             </a:endParaRPr>
           </a:p>
@@ -3831,6 +3921,9 @@
           <a:p>
             <a:pPr algn="ctr"/>
             <a:endParaRPr b="0" lang="en-US" sz="3200" spc="-1" strike="noStrike">
+              <a:solidFill>
+                <a:srgbClr val="000000"/>
+              </a:solidFill>
               <a:latin typeface="Arial"/>
             </a:endParaRPr>
           </a:p>
@@ -3890,6 +3983,9 @@
               <a:buNone/>
             </a:pPr>
             <a:endParaRPr b="0" lang="en-US" sz="4400" spc="-1" strike="noStrike">
+              <a:solidFill>
+                <a:srgbClr val="000000"/>
+              </a:solidFill>
               <a:latin typeface="Arial"/>
             </a:endParaRPr>
           </a:p>
@@ -3930,6 +4026,9 @@
               <a:buNone/>
             </a:pPr>
             <a:endParaRPr b="0" lang="en-US" sz="3200" spc="-1" strike="noStrike">
+              <a:solidFill>
+                <a:srgbClr val="000000"/>
+              </a:solidFill>
               <a:latin typeface="Arial"/>
             </a:endParaRPr>
           </a:p>
@@ -3970,6 +4069,9 @@
               <a:buNone/>
             </a:pPr>
             <a:endParaRPr b="0" lang="en-US" sz="3200" spc="-1" strike="noStrike">
+              <a:solidFill>
+                <a:srgbClr val="000000"/>
+              </a:solidFill>
               <a:latin typeface="Arial"/>
             </a:endParaRPr>
           </a:p>
@@ -4010,6 +4112,9 @@
               <a:buNone/>
             </a:pPr>
             <a:endParaRPr b="0" lang="en-US" sz="3200" spc="-1" strike="noStrike">
+              <a:solidFill>
+                <a:srgbClr val="000000"/>
+              </a:solidFill>
               <a:latin typeface="Arial"/>
             </a:endParaRPr>
           </a:p>
@@ -4069,6 +4174,9 @@
               <a:buNone/>
             </a:pPr>
             <a:endParaRPr b="0" lang="en-US" sz="4400" spc="-1" strike="noStrike">
+              <a:solidFill>
+                <a:srgbClr val="000000"/>
+              </a:solidFill>
               <a:latin typeface="Arial"/>
             </a:endParaRPr>
           </a:p>
@@ -4109,6 +4217,9 @@
               <a:buNone/>
             </a:pPr>
             <a:endParaRPr b="0" lang="en-US" sz="3200" spc="-1" strike="noStrike">
+              <a:solidFill>
+                <a:srgbClr val="000000"/>
+              </a:solidFill>
               <a:latin typeface="Arial"/>
             </a:endParaRPr>
           </a:p>
@@ -4149,6 +4260,9 @@
               <a:buNone/>
             </a:pPr>
             <a:endParaRPr b="0" lang="en-US" sz="3200" spc="-1" strike="noStrike">
+              <a:solidFill>
+                <a:srgbClr val="000000"/>
+              </a:solidFill>
               <a:latin typeface="Arial"/>
             </a:endParaRPr>
           </a:p>
@@ -4189,6 +4303,9 @@
               <a:buNone/>
             </a:pPr>
             <a:endParaRPr b="0" lang="en-US" sz="3200" spc="-1" strike="noStrike">
+              <a:solidFill>
+                <a:srgbClr val="000000"/>
+              </a:solidFill>
               <a:latin typeface="Arial"/>
             </a:endParaRPr>
           </a:p>
@@ -4248,6 +4365,9 @@
               <a:buNone/>
             </a:pPr>
             <a:endParaRPr b="0" lang="en-US" sz="4400" spc="-1" strike="noStrike">
+              <a:solidFill>
+                <a:srgbClr val="000000"/>
+              </a:solidFill>
               <a:latin typeface="Arial"/>
             </a:endParaRPr>
           </a:p>
@@ -4288,6 +4408,9 @@
               <a:buNone/>
             </a:pPr>
             <a:endParaRPr b="0" lang="en-US" sz="3200" spc="-1" strike="noStrike">
+              <a:solidFill>
+                <a:srgbClr val="000000"/>
+              </a:solidFill>
               <a:latin typeface="Arial"/>
             </a:endParaRPr>
           </a:p>
@@ -4328,6 +4451,9 @@
               <a:buNone/>
             </a:pPr>
             <a:endParaRPr b="0" lang="en-US" sz="3200" spc="-1" strike="noStrike">
+              <a:solidFill>
+                <a:srgbClr val="000000"/>
+              </a:solidFill>
               <a:latin typeface="Arial"/>
             </a:endParaRPr>
           </a:p>
@@ -4368,6 +4494,9 @@
               <a:buNone/>
             </a:pPr>
             <a:endParaRPr b="0" lang="en-US" sz="3200" spc="-1" strike="noStrike">
+              <a:solidFill>
+                <a:srgbClr val="000000"/>
+              </a:solidFill>
               <a:latin typeface="Arial"/>
             </a:endParaRPr>
           </a:p>
@@ -4411,7 +4540,7 @@
         <p:spPr>
           <a:xfrm>
             <a:off x="11444760" y="0"/>
-            <a:ext cx="745560" cy="6854400"/>
+            <a:ext cx="745200" cy="6854040"/>
           </a:xfrm>
           <a:prstGeom prst="rect">
             <a:avLst/>
@@ -4431,6 +4560,19 @@
           <a:effectRef idx="0"/>
           <a:fontRef idx="minor"/>
         </p:style>
+        <p:txBody>
+          <a:bodyPr lIns="90000" rIns="90000" tIns="45000" bIns="45000" anchor="t">
+            <a:noAutofit/>
+          </a:bodyPr>
+          <a:p>
+            <a:endParaRPr b="0" lang="en-US" sz="1800" spc="-1" strike="noStrike">
+              <a:solidFill>
+                <a:srgbClr val="ffffff"/>
+              </a:solidFill>
+              <a:latin typeface="Arial"/>
+            </a:endParaRPr>
+          </a:p>
+        </p:txBody>
       </p:sp>
       <p:sp>
         <p:nvSpPr>
@@ -4441,7 +4583,7 @@
         <p:spPr>
           <a:xfrm>
             <a:off x="11438640" y="6453360"/>
-            <a:ext cx="762480" cy="363960"/>
+            <a:ext cx="762120" cy="363960"/>
           </a:xfrm>
           <a:prstGeom prst="rect">
             <a:avLst/>
@@ -4467,7 +4609,7 @@
                 <a:spcPct val="100000"/>
               </a:lnSpc>
             </a:pPr>
-            <a:fld id="{0C245922-EF68-4149-B483-885973D13C6F}" type="slidenum">
+            <a:fld id="{EE77F017-FDD2-4D94-AE2F-FDA05713D91E}" type="slidenum">
               <a:rPr b="0" lang="en-US" sz="1800" spc="-1" strike="noStrike">
                 <a:solidFill>
                   <a:srgbClr val="808080"/>
@@ -4478,6 +4620,9 @@
               <a:t>&lt;number&gt;</a:t>
             </a:fld>
             <a:endParaRPr b="0" lang="en-US" sz="1800" spc="-1" strike="noStrike">
+              <a:solidFill>
+                <a:srgbClr val="000000"/>
+              </a:solidFill>
               <a:latin typeface="Arial"/>
             </a:endParaRPr>
           </a:p>
@@ -4492,7 +4637,7 @@
         <p:spPr>
           <a:xfrm>
             <a:off x="912240" y="1268280"/>
-            <a:ext cx="9212400" cy="365760"/>
+            <a:ext cx="9212040" cy="365400"/>
           </a:xfrm>
           <a:prstGeom prst="rect">
             <a:avLst/>
@@ -4508,6 +4653,19 @@
           <a:effectRef idx="0"/>
           <a:fontRef idx="minor"/>
         </p:style>
+        <p:txBody>
+          <a:bodyPr lIns="90000" rIns="90000" tIns="45000" bIns="45000" anchor="t">
+            <a:noAutofit/>
+          </a:bodyPr>
+          <a:p>
+            <a:endParaRPr b="0" lang="en-US" sz="1800" spc="-1" strike="noStrike">
+              <a:solidFill>
+                <a:srgbClr val="000000"/>
+              </a:solidFill>
+              <a:latin typeface="Arial"/>
+            </a:endParaRPr>
+          </a:p>
+        </p:txBody>
       </p:sp>
       <p:pic>
         <p:nvPicPr>
@@ -4522,7 +4680,7 @@
         <p:spPr>
           <a:xfrm>
             <a:off x="0" y="0"/>
-            <a:ext cx="3056400" cy="566280"/>
+            <a:ext cx="3056040" cy="565920"/>
           </a:xfrm>
           <a:prstGeom prst="rect">
             <a:avLst/>
@@ -4545,7 +4703,7 @@
         <p:spPr>
           <a:xfrm>
             <a:off x="7430400" y="134640"/>
-            <a:ext cx="3702240" cy="518400"/>
+            <a:ext cx="3701880" cy="518040"/>
           </a:xfrm>
           <a:prstGeom prst="rect">
             <a:avLst/>
@@ -4564,7 +4722,7 @@
         <p:spPr>
           <a:xfrm>
             <a:off x="912240" y="1268280"/>
-            <a:ext cx="9212400" cy="365760"/>
+            <a:ext cx="9212040" cy="365400"/>
           </a:xfrm>
           <a:prstGeom prst="rect">
             <a:avLst/>
@@ -4580,6 +4738,19 @@
           <a:effectRef idx="0"/>
           <a:fontRef idx="minor"/>
         </p:style>
+        <p:txBody>
+          <a:bodyPr lIns="90000" rIns="90000" tIns="45000" bIns="45000" anchor="t">
+            <a:noAutofit/>
+          </a:bodyPr>
+          <a:p>
+            <a:endParaRPr b="0" lang="en-US" sz="1800" spc="-1" strike="noStrike">
+              <a:solidFill>
+                <a:srgbClr val="000000"/>
+              </a:solidFill>
+              <a:latin typeface="Arial"/>
+            </a:endParaRPr>
+          </a:p>
+        </p:txBody>
       </p:sp>
       <p:sp>
         <p:nvSpPr>
@@ -4590,7 +4761,7 @@
         <p:spPr>
           <a:xfrm>
             <a:off x="11444760" y="0"/>
-            <a:ext cx="745560" cy="6854400"/>
+            <a:ext cx="745200" cy="6854040"/>
           </a:xfrm>
           <a:prstGeom prst="rect">
             <a:avLst/>
@@ -4610,6 +4781,19 @@
           <a:effectRef idx="0"/>
           <a:fontRef idx="minor"/>
         </p:style>
+        <p:txBody>
+          <a:bodyPr lIns="90000" rIns="90000" tIns="45000" bIns="45000" anchor="t">
+            <a:noAutofit/>
+          </a:bodyPr>
+          <a:p>
+            <a:endParaRPr b="0" lang="en-US" sz="1800" spc="-1" strike="noStrike">
+              <a:solidFill>
+                <a:srgbClr val="ffffff"/>
+              </a:solidFill>
+              <a:latin typeface="Arial"/>
+            </a:endParaRPr>
+          </a:p>
+        </p:txBody>
       </p:sp>
       <p:sp>
         <p:nvSpPr>
@@ -4620,7 +4804,7 @@
         <p:spPr>
           <a:xfrm>
             <a:off x="0" y="6642720"/>
-            <a:ext cx="12188520" cy="211320"/>
+            <a:ext cx="12188160" cy="211320"/>
           </a:xfrm>
           <a:prstGeom prst="rect">
             <a:avLst/>
@@ -4657,6 +4841,9 @@
               <a:t>Requirements Engineering – TU Clausthal</a:t>
             </a:r>
             <a:endParaRPr b="0" lang="en-US" sz="800" spc="-1" strike="noStrike">
+              <a:solidFill>
+                <a:srgbClr val="000000"/>
+              </a:solidFill>
               <a:latin typeface="Arial"/>
             </a:endParaRPr>
           </a:p>
@@ -4695,215 +4882,323 @@
             </a:pPr>
             <a:r>
               <a:rPr b="0" lang="en-US" sz="4400" spc="-1" strike="noStrike">
+                <a:solidFill>
+                  <a:srgbClr val="000000"/>
+                </a:solidFill>
                 <a:latin typeface="Arial"/>
               </a:rPr>
               <a:t>C</a:t>
             </a:r>
             <a:r>
               <a:rPr b="0" lang="en-US" sz="4400" spc="-1" strike="noStrike">
+                <a:solidFill>
+                  <a:srgbClr val="000000"/>
+                </a:solidFill>
                 <a:latin typeface="Arial"/>
               </a:rPr>
               <a:t>l</a:t>
             </a:r>
             <a:r>
               <a:rPr b="0" lang="en-US" sz="4400" spc="-1" strike="noStrike">
+                <a:solidFill>
+                  <a:srgbClr val="000000"/>
+                </a:solidFill>
                 <a:latin typeface="Arial"/>
               </a:rPr>
               <a:t>i</a:t>
             </a:r>
             <a:r>
               <a:rPr b="0" lang="en-US" sz="4400" spc="-1" strike="noStrike">
+                <a:solidFill>
+                  <a:srgbClr val="000000"/>
+                </a:solidFill>
                 <a:latin typeface="Arial"/>
               </a:rPr>
               <a:t>c</a:t>
             </a:r>
             <a:r>
               <a:rPr b="0" lang="en-US" sz="4400" spc="-1" strike="noStrike">
+                <a:solidFill>
+                  <a:srgbClr val="000000"/>
+                </a:solidFill>
                 <a:latin typeface="Arial"/>
               </a:rPr>
               <a:t>k</a:t>
             </a:r>
             <a:r>
               <a:rPr b="0" lang="en-US" sz="4400" spc="-1" strike="noStrike">
+                <a:solidFill>
+                  <a:srgbClr val="000000"/>
+                </a:solidFill>
                 <a:latin typeface="Arial"/>
               </a:rPr>
               <a:t> </a:t>
             </a:r>
             <a:r>
               <a:rPr b="0" lang="en-US" sz="4400" spc="-1" strike="noStrike">
+                <a:solidFill>
+                  <a:srgbClr val="000000"/>
+                </a:solidFill>
                 <a:latin typeface="Arial"/>
               </a:rPr>
               <a:t>t</a:t>
             </a:r>
             <a:r>
               <a:rPr b="0" lang="en-US" sz="4400" spc="-1" strike="noStrike">
+                <a:solidFill>
+                  <a:srgbClr val="000000"/>
+                </a:solidFill>
                 <a:latin typeface="Arial"/>
               </a:rPr>
               <a:t>o</a:t>
             </a:r>
             <a:r>
               <a:rPr b="0" lang="en-US" sz="4400" spc="-1" strike="noStrike">
+                <a:solidFill>
+                  <a:srgbClr val="000000"/>
+                </a:solidFill>
                 <a:latin typeface="Arial"/>
               </a:rPr>
               <a:t> </a:t>
             </a:r>
             <a:r>
               <a:rPr b="0" lang="en-US" sz="4400" spc="-1" strike="noStrike">
+                <a:solidFill>
+                  <a:srgbClr val="000000"/>
+                </a:solidFill>
                 <a:latin typeface="Arial"/>
               </a:rPr>
               <a:t>e</a:t>
             </a:r>
             <a:r>
               <a:rPr b="0" lang="en-US" sz="4400" spc="-1" strike="noStrike">
+                <a:solidFill>
+                  <a:srgbClr val="000000"/>
+                </a:solidFill>
                 <a:latin typeface="Arial"/>
               </a:rPr>
               <a:t>d</a:t>
             </a:r>
             <a:r>
               <a:rPr b="0" lang="en-US" sz="4400" spc="-1" strike="noStrike">
+                <a:solidFill>
+                  <a:srgbClr val="000000"/>
+                </a:solidFill>
                 <a:latin typeface="Arial"/>
               </a:rPr>
               <a:t>i</a:t>
             </a:r>
             <a:r>
               <a:rPr b="0" lang="en-US" sz="4400" spc="-1" strike="noStrike">
+                <a:solidFill>
+                  <a:srgbClr val="000000"/>
+                </a:solidFill>
                 <a:latin typeface="Arial"/>
               </a:rPr>
               <a:t>t</a:t>
             </a:r>
             <a:r>
               <a:rPr b="0" lang="en-US" sz="4400" spc="-1" strike="noStrike">
+                <a:solidFill>
+                  <a:srgbClr val="000000"/>
+                </a:solidFill>
                 <a:latin typeface="Arial"/>
               </a:rPr>
               <a:t> </a:t>
             </a:r>
             <a:r>
               <a:rPr b="0" lang="en-US" sz="4400" spc="-1" strike="noStrike">
+                <a:solidFill>
+                  <a:srgbClr val="000000"/>
+                </a:solidFill>
                 <a:latin typeface="Arial"/>
               </a:rPr>
               <a:t>t</a:t>
             </a:r>
             <a:r>
               <a:rPr b="0" lang="en-US" sz="4400" spc="-1" strike="noStrike">
+                <a:solidFill>
+                  <a:srgbClr val="000000"/>
+                </a:solidFill>
                 <a:latin typeface="Arial"/>
               </a:rPr>
               <a:t>h</a:t>
             </a:r>
             <a:r>
               <a:rPr b="0" lang="en-US" sz="4400" spc="-1" strike="noStrike">
+                <a:solidFill>
+                  <a:srgbClr val="000000"/>
+                </a:solidFill>
                 <a:latin typeface="Arial"/>
               </a:rPr>
               <a:t>e</a:t>
             </a:r>
             <a:r>
               <a:rPr b="0" lang="en-US" sz="4400" spc="-1" strike="noStrike">
+                <a:solidFill>
+                  <a:srgbClr val="000000"/>
+                </a:solidFill>
                 <a:latin typeface="Arial"/>
               </a:rPr>
               <a:t> </a:t>
             </a:r>
             <a:r>
               <a:rPr b="0" lang="en-US" sz="4400" spc="-1" strike="noStrike">
+                <a:solidFill>
+                  <a:srgbClr val="000000"/>
+                </a:solidFill>
                 <a:latin typeface="Arial"/>
               </a:rPr>
               <a:t>t</a:t>
             </a:r>
             <a:r>
               <a:rPr b="0" lang="en-US" sz="4400" spc="-1" strike="noStrike">
+                <a:solidFill>
+                  <a:srgbClr val="000000"/>
+                </a:solidFill>
                 <a:latin typeface="Arial"/>
               </a:rPr>
               <a:t>i</a:t>
             </a:r>
             <a:r>
               <a:rPr b="0" lang="en-US" sz="4400" spc="-1" strike="noStrike">
+                <a:solidFill>
+                  <a:srgbClr val="000000"/>
+                </a:solidFill>
                 <a:latin typeface="Arial"/>
               </a:rPr>
               <a:t>t</a:t>
             </a:r>
             <a:r>
               <a:rPr b="0" lang="en-US" sz="4400" spc="-1" strike="noStrike">
+                <a:solidFill>
+                  <a:srgbClr val="000000"/>
+                </a:solidFill>
                 <a:latin typeface="Arial"/>
               </a:rPr>
               <a:t>l</a:t>
             </a:r>
             <a:r>
               <a:rPr b="0" lang="en-US" sz="4400" spc="-1" strike="noStrike">
+                <a:solidFill>
+                  <a:srgbClr val="000000"/>
+                </a:solidFill>
                 <a:latin typeface="Arial"/>
               </a:rPr>
               <a:t>e</a:t>
             </a:r>
             <a:r>
               <a:rPr b="0" lang="en-US" sz="4400" spc="-1" strike="noStrike">
+                <a:solidFill>
+                  <a:srgbClr val="000000"/>
+                </a:solidFill>
                 <a:latin typeface="Arial"/>
               </a:rPr>
               <a:t> </a:t>
             </a:r>
             <a:r>
               <a:rPr b="0" lang="en-US" sz="4400" spc="-1" strike="noStrike">
+                <a:solidFill>
+                  <a:srgbClr val="000000"/>
+                </a:solidFill>
                 <a:latin typeface="Arial"/>
               </a:rPr>
               <a:t>t</a:t>
             </a:r>
             <a:r>
               <a:rPr b="0" lang="en-US" sz="4400" spc="-1" strike="noStrike">
+                <a:solidFill>
+                  <a:srgbClr val="000000"/>
+                </a:solidFill>
                 <a:latin typeface="Arial"/>
               </a:rPr>
               <a:t>e</a:t>
             </a:r>
             <a:r>
               <a:rPr b="0" lang="en-US" sz="4400" spc="-1" strike="noStrike">
+                <a:solidFill>
+                  <a:srgbClr val="000000"/>
+                </a:solidFill>
                 <a:latin typeface="Arial"/>
               </a:rPr>
               <a:t>x</a:t>
             </a:r>
             <a:r>
               <a:rPr b="0" lang="en-US" sz="4400" spc="-1" strike="noStrike">
+                <a:solidFill>
+                  <a:srgbClr val="000000"/>
+                </a:solidFill>
                 <a:latin typeface="Arial"/>
               </a:rPr>
               <a:t>t</a:t>
             </a:r>
             <a:r>
               <a:rPr b="0" lang="en-US" sz="4400" spc="-1" strike="noStrike">
+                <a:solidFill>
+                  <a:srgbClr val="000000"/>
+                </a:solidFill>
                 <a:latin typeface="Arial"/>
               </a:rPr>
               <a:t> </a:t>
             </a:r>
             <a:r>
               <a:rPr b="0" lang="en-US" sz="4400" spc="-1" strike="noStrike">
+                <a:solidFill>
+                  <a:srgbClr val="000000"/>
+                </a:solidFill>
                 <a:latin typeface="Arial"/>
               </a:rPr>
               <a:t>f</a:t>
             </a:r>
             <a:r>
               <a:rPr b="0" lang="en-US" sz="4400" spc="-1" strike="noStrike">
+                <a:solidFill>
+                  <a:srgbClr val="000000"/>
+                </a:solidFill>
                 <a:latin typeface="Arial"/>
               </a:rPr>
               <a:t>o</a:t>
             </a:r>
             <a:r>
               <a:rPr b="0" lang="en-US" sz="4400" spc="-1" strike="noStrike">
+                <a:solidFill>
+                  <a:srgbClr val="000000"/>
+                </a:solidFill>
                 <a:latin typeface="Arial"/>
               </a:rPr>
               <a:t>r</a:t>
             </a:r>
             <a:r>
               <a:rPr b="0" lang="en-US" sz="4400" spc="-1" strike="noStrike">
+                <a:solidFill>
+                  <a:srgbClr val="000000"/>
+                </a:solidFill>
                 <a:latin typeface="Arial"/>
               </a:rPr>
               <a:t>m</a:t>
             </a:r>
             <a:r>
               <a:rPr b="0" lang="en-US" sz="4400" spc="-1" strike="noStrike">
+                <a:solidFill>
+                  <a:srgbClr val="000000"/>
+                </a:solidFill>
                 <a:latin typeface="Arial"/>
               </a:rPr>
               <a:t>a</a:t>
             </a:r>
             <a:r>
               <a:rPr b="0" lang="en-US" sz="4400" spc="-1" strike="noStrike">
+                <a:solidFill>
+                  <a:srgbClr val="000000"/>
+                </a:solidFill>
                 <a:latin typeface="Arial"/>
               </a:rPr>
               <a:t>t</a:t>
             </a:r>
             <a:endParaRPr b="0" lang="en-US" sz="4400" spc="-1" strike="noStrike">
+              <a:solidFill>
+                <a:srgbClr val="000000"/>
+              </a:solidFill>
               <a:latin typeface="Arial"/>
             </a:endParaRPr>
           </a:p>
@@ -4950,11 +5245,17 @@
             </a:pPr>
             <a:r>
               <a:rPr b="0" lang="en-US" sz="3200" spc="-1" strike="noStrike">
+                <a:solidFill>
+                  <a:srgbClr val="000000"/>
+                </a:solidFill>
                 <a:latin typeface="Arial"/>
               </a:rPr>
               <a:t>Click to edit the outline text format</a:t>
             </a:r>
             <a:endParaRPr b="0" lang="en-US" sz="3200" spc="-1" strike="noStrike">
+              <a:solidFill>
+                <a:srgbClr val="000000"/>
+              </a:solidFill>
               <a:latin typeface="Arial"/>
             </a:endParaRPr>
           </a:p>
@@ -4972,11 +5273,17 @@
             </a:pPr>
             <a:r>
               <a:rPr b="0" lang="en-US" sz="2800" spc="-1" strike="noStrike">
+                <a:solidFill>
+                  <a:srgbClr val="000000"/>
+                </a:solidFill>
                 <a:latin typeface="Arial"/>
               </a:rPr>
               <a:t>Second Outline Level</a:t>
             </a:r>
             <a:endParaRPr b="0" lang="en-US" sz="2800" spc="-1" strike="noStrike">
+              <a:solidFill>
+                <a:srgbClr val="000000"/>
+              </a:solidFill>
               <a:latin typeface="Arial"/>
             </a:endParaRPr>
           </a:p>
@@ -4994,11 +5301,17 @@
             </a:pPr>
             <a:r>
               <a:rPr b="0" lang="en-US" sz="2400" spc="-1" strike="noStrike">
+                <a:solidFill>
+                  <a:srgbClr val="000000"/>
+                </a:solidFill>
                 <a:latin typeface="Arial"/>
               </a:rPr>
               <a:t>Third Outline Level</a:t>
             </a:r>
             <a:endParaRPr b="0" lang="en-US" sz="2400" spc="-1" strike="noStrike">
+              <a:solidFill>
+                <a:srgbClr val="000000"/>
+              </a:solidFill>
               <a:latin typeface="Arial"/>
             </a:endParaRPr>
           </a:p>
@@ -5016,11 +5329,17 @@
             </a:pPr>
             <a:r>
               <a:rPr b="0" lang="en-US" sz="2000" spc="-1" strike="noStrike">
+                <a:solidFill>
+                  <a:srgbClr val="000000"/>
+                </a:solidFill>
                 <a:latin typeface="Arial"/>
               </a:rPr>
               <a:t>Fourth Outline Level</a:t>
             </a:r>
             <a:endParaRPr b="0" lang="en-US" sz="2000" spc="-1" strike="noStrike">
+              <a:solidFill>
+                <a:srgbClr val="000000"/>
+              </a:solidFill>
               <a:latin typeface="Arial"/>
             </a:endParaRPr>
           </a:p>
@@ -5038,11 +5357,17 @@
             </a:pPr>
             <a:r>
               <a:rPr b="0" lang="en-US" sz="2000" spc="-1" strike="noStrike">
+                <a:solidFill>
+                  <a:srgbClr val="000000"/>
+                </a:solidFill>
                 <a:latin typeface="Arial"/>
               </a:rPr>
               <a:t>Fifth Outline Level</a:t>
             </a:r>
             <a:endParaRPr b="0" lang="en-US" sz="2000" spc="-1" strike="noStrike">
+              <a:solidFill>
+                <a:srgbClr val="000000"/>
+              </a:solidFill>
               <a:latin typeface="Arial"/>
             </a:endParaRPr>
           </a:p>
@@ -5060,11 +5385,17 @@
             </a:pPr>
             <a:r>
               <a:rPr b="0" lang="en-US" sz="2000" spc="-1" strike="noStrike">
+                <a:solidFill>
+                  <a:srgbClr val="000000"/>
+                </a:solidFill>
                 <a:latin typeface="Arial"/>
               </a:rPr>
               <a:t>Sixth Outline Level</a:t>
             </a:r>
             <a:endParaRPr b="0" lang="en-US" sz="2000" spc="-1" strike="noStrike">
+              <a:solidFill>
+                <a:srgbClr val="000000"/>
+              </a:solidFill>
               <a:latin typeface="Arial"/>
             </a:endParaRPr>
           </a:p>
@@ -5082,11 +5413,17 @@
             </a:pPr>
             <a:r>
               <a:rPr b="0" lang="en-US" sz="2000" spc="-1" strike="noStrike">
+                <a:solidFill>
+                  <a:srgbClr val="000000"/>
+                </a:solidFill>
                 <a:latin typeface="Arial"/>
               </a:rPr>
               <a:t>Seventh Outline Level</a:t>
             </a:r>
             <a:endParaRPr b="0" lang="en-US" sz="2000" spc="-1" strike="noStrike">
+              <a:solidFill>
+                <a:srgbClr val="000000"/>
+              </a:solidFill>
               <a:latin typeface="Arial"/>
             </a:endParaRPr>
           </a:p>
@@ -5145,7 +5482,7 @@
         <p:spPr>
           <a:xfrm>
             <a:off x="11444760" y="0"/>
-            <a:ext cx="745560" cy="6854400"/>
+            <a:ext cx="745200" cy="6854040"/>
           </a:xfrm>
           <a:prstGeom prst="rect">
             <a:avLst/>
@@ -5165,6 +5502,19 @@
           <a:effectRef idx="0"/>
           <a:fontRef idx="minor"/>
         </p:style>
+        <p:txBody>
+          <a:bodyPr lIns="90000" rIns="90000" tIns="45000" bIns="45000" anchor="t">
+            <a:noAutofit/>
+          </a:bodyPr>
+          <a:p>
+            <a:endParaRPr b="0" lang="en-US" sz="1800" spc="-1" strike="noStrike">
+              <a:solidFill>
+                <a:srgbClr val="ffffff"/>
+              </a:solidFill>
+              <a:latin typeface="Arial"/>
+            </a:endParaRPr>
+          </a:p>
+        </p:txBody>
       </p:sp>
       <p:sp>
         <p:nvSpPr>
@@ -5175,7 +5525,7 @@
         <p:spPr>
           <a:xfrm>
             <a:off x="11438640" y="6453360"/>
-            <a:ext cx="762480" cy="363960"/>
+            <a:ext cx="762120" cy="363960"/>
           </a:xfrm>
           <a:prstGeom prst="rect">
             <a:avLst/>
@@ -5201,7 +5551,7 @@
                 <a:spcPct val="100000"/>
               </a:lnSpc>
             </a:pPr>
-            <a:fld id="{CEF7F597-CF83-402D-9255-575AC9B7F005}" type="slidenum">
+            <a:fld id="{674C2BAA-10D2-4DC4-ABE4-C5EA4ACCDCFD}" type="slidenum">
               <a:rPr b="0" lang="en-US" sz="1800" spc="-1" strike="noStrike">
                 <a:solidFill>
                   <a:srgbClr val="808080"/>
@@ -5212,6 +5562,9 @@
               <a:t>&lt;number&gt;</a:t>
             </a:fld>
             <a:endParaRPr b="0" lang="en-US" sz="1800" spc="-1" strike="noStrike">
+              <a:solidFill>
+                <a:srgbClr val="000000"/>
+              </a:solidFill>
               <a:latin typeface="Arial"/>
             </a:endParaRPr>
           </a:p>
@@ -5226,7 +5579,7 @@
         <p:spPr>
           <a:xfrm>
             <a:off x="912240" y="1268280"/>
-            <a:ext cx="9212400" cy="365760"/>
+            <a:ext cx="9212040" cy="365400"/>
           </a:xfrm>
           <a:prstGeom prst="rect">
             <a:avLst/>
@@ -5242,6 +5595,19 @@
           <a:effectRef idx="0"/>
           <a:fontRef idx="minor"/>
         </p:style>
+        <p:txBody>
+          <a:bodyPr lIns="90000" rIns="90000" tIns="45000" bIns="45000" anchor="t">
+            <a:noAutofit/>
+          </a:bodyPr>
+          <a:p>
+            <a:endParaRPr b="0" lang="en-US" sz="1800" spc="-1" strike="noStrike">
+              <a:solidFill>
+                <a:srgbClr val="000000"/>
+              </a:solidFill>
+              <a:latin typeface="Arial"/>
+            </a:endParaRPr>
+          </a:p>
+        </p:txBody>
       </p:sp>
       <p:pic>
         <p:nvPicPr>
@@ -5256,7 +5622,7 @@
         <p:spPr>
           <a:xfrm>
             <a:off x="0" y="0"/>
-            <a:ext cx="3056400" cy="566280"/>
+            <a:ext cx="3056040" cy="565920"/>
           </a:xfrm>
           <a:prstGeom prst="rect">
             <a:avLst/>
@@ -5279,7 +5645,7 @@
         <p:spPr>
           <a:xfrm>
             <a:off x="7430400" y="134640"/>
-            <a:ext cx="3702240" cy="518400"/>
+            <a:ext cx="3701880" cy="518040"/>
           </a:xfrm>
           <a:prstGeom prst="rect">
             <a:avLst/>
@@ -5298,7 +5664,7 @@
         <p:spPr>
           <a:xfrm>
             <a:off x="11444760" y="0"/>
-            <a:ext cx="745560" cy="6854400"/>
+            <a:ext cx="745200" cy="6854040"/>
           </a:xfrm>
           <a:prstGeom prst="rect">
             <a:avLst/>
@@ -5318,6 +5684,19 @@
           <a:effectRef idx="0"/>
           <a:fontRef idx="minor"/>
         </p:style>
+        <p:txBody>
+          <a:bodyPr lIns="90000" rIns="90000" tIns="45000" bIns="45000" anchor="t">
+            <a:noAutofit/>
+          </a:bodyPr>
+          <a:p>
+            <a:endParaRPr b="0" lang="en-US" sz="1800" spc="-1" strike="noStrike">
+              <a:solidFill>
+                <a:srgbClr val="ffffff"/>
+              </a:solidFill>
+              <a:latin typeface="Arial"/>
+            </a:endParaRPr>
+          </a:p>
+        </p:txBody>
       </p:sp>
       <p:sp>
         <p:nvSpPr>
@@ -5328,7 +5707,7 @@
         <p:spPr>
           <a:xfrm>
             <a:off x="11438640" y="6453360"/>
-            <a:ext cx="762480" cy="363960"/>
+            <a:ext cx="762120" cy="363960"/>
           </a:xfrm>
           <a:prstGeom prst="rect">
             <a:avLst/>
@@ -5354,7 +5733,7 @@
                 <a:spcPct val="100000"/>
               </a:lnSpc>
             </a:pPr>
-            <a:fld id="{638B4BF8-6FB6-4B97-975A-32FDB4EE4E61}" type="slidenum">
+            <a:fld id="{70B3BC18-9CC5-46B3-B3D8-6DCA27B83096}" type="slidenum">
               <a:rPr b="0" lang="en-US" sz="1800" spc="-1" strike="noStrike">
                 <a:solidFill>
                   <a:srgbClr val="808080"/>
@@ -5365,6 +5744,9 @@
               <a:t>&lt;number&gt;</a:t>
             </a:fld>
             <a:endParaRPr b="0" lang="en-US" sz="1800" spc="-1" strike="noStrike">
+              <a:solidFill>
+                <a:srgbClr val="000000"/>
+              </a:solidFill>
               <a:latin typeface="Arial"/>
             </a:endParaRPr>
           </a:p>
@@ -5379,7 +5761,7 @@
         <p:spPr>
           <a:xfrm>
             <a:off x="0" y="6642720"/>
-            <a:ext cx="12188520" cy="211320"/>
+            <a:ext cx="12188160" cy="211320"/>
           </a:xfrm>
           <a:prstGeom prst="rect">
             <a:avLst/>
@@ -5416,6 +5798,9 @@
               <a:t>Requirements Engineering – TU Clausthal</a:t>
             </a:r>
             <a:endParaRPr b="0" lang="en-US" sz="800" spc="-1" strike="noStrike">
+              <a:solidFill>
+                <a:srgbClr val="000000"/>
+              </a:solidFill>
               <a:latin typeface="Arial"/>
             </a:endParaRPr>
           </a:p>
@@ -5454,47 +5839,17 @@
             </a:pPr>
             <a:r>
               <a:rPr b="0" lang="en-US" sz="4400" spc="-1" strike="noStrike">
+                <a:solidFill>
+                  <a:srgbClr val="000000"/>
+                </a:solidFill>
                 <a:latin typeface="Arial"/>
               </a:rPr>
-              <a:t>Click </a:t>
-            </a:r>
-            <a:r>
-              <a:rPr b="0" lang="en-US" sz="4400" spc="-1" strike="noStrike">
-                <a:latin typeface="Arial"/>
-              </a:rPr>
-              <a:t>to edit </a:t>
-            </a:r>
-            <a:r>
-              <a:rPr b="0" lang="en-US" sz="4400" spc="-1" strike="noStrike">
-                <a:latin typeface="Arial"/>
-              </a:rPr>
-              <a:t>the </a:t>
-            </a:r>
-            <a:r>
-              <a:rPr b="0" lang="en-US" sz="4400" spc="-1" strike="noStrike">
-                <a:latin typeface="Arial"/>
-              </a:rPr>
-              <a:t>title </a:t>
-            </a:r>
-            <a:r>
-              <a:rPr b="0" lang="en-US" sz="4400" spc="-1" strike="noStrike">
-                <a:latin typeface="Arial"/>
-              </a:rPr>
-              <a:t>text </a:t>
-            </a:r>
-            <a:r>
-              <a:rPr b="0" lang="en-US" sz="4400" spc="-1" strike="noStrike">
-                <a:latin typeface="Arial"/>
-              </a:rPr>
-              <a:t>forma</a:t>
-            </a:r>
-            <a:r>
-              <a:rPr b="0" lang="en-US" sz="4400" spc="-1" strike="noStrike">
-                <a:latin typeface="Arial"/>
-              </a:rPr>
-              <a:t>t</a:t>
+              <a:t>Click to edit the title text format</a:t>
             </a:r>
             <a:endParaRPr b="0" lang="en-US" sz="4400" spc="-1" strike="noStrike">
+              <a:solidFill>
+                <a:srgbClr val="000000"/>
+              </a:solidFill>
               <a:latin typeface="Arial"/>
             </a:endParaRPr>
           </a:p>
@@ -5541,11 +5896,17 @@
             </a:pPr>
             <a:r>
               <a:rPr b="0" lang="en-US" sz="3200" spc="-1" strike="noStrike">
+                <a:solidFill>
+                  <a:srgbClr val="000000"/>
+                </a:solidFill>
                 <a:latin typeface="Arial"/>
               </a:rPr>
               <a:t>Click to edit the outline text format</a:t>
             </a:r>
             <a:endParaRPr b="0" lang="en-US" sz="3200" spc="-1" strike="noStrike">
+              <a:solidFill>
+                <a:srgbClr val="000000"/>
+              </a:solidFill>
               <a:latin typeface="Arial"/>
             </a:endParaRPr>
           </a:p>
@@ -5563,11 +5924,17 @@
             </a:pPr>
             <a:r>
               <a:rPr b="0" lang="en-US" sz="2800" spc="-1" strike="noStrike">
+                <a:solidFill>
+                  <a:srgbClr val="000000"/>
+                </a:solidFill>
                 <a:latin typeface="Arial"/>
               </a:rPr>
               <a:t>Second Outline Level</a:t>
             </a:r>
             <a:endParaRPr b="0" lang="en-US" sz="2800" spc="-1" strike="noStrike">
+              <a:solidFill>
+                <a:srgbClr val="000000"/>
+              </a:solidFill>
               <a:latin typeface="Arial"/>
             </a:endParaRPr>
           </a:p>
@@ -5585,11 +5952,17 @@
             </a:pPr>
             <a:r>
               <a:rPr b="0" lang="en-US" sz="2400" spc="-1" strike="noStrike">
+                <a:solidFill>
+                  <a:srgbClr val="000000"/>
+                </a:solidFill>
                 <a:latin typeface="Arial"/>
               </a:rPr>
               <a:t>Third Outline Level</a:t>
             </a:r>
             <a:endParaRPr b="0" lang="en-US" sz="2400" spc="-1" strike="noStrike">
+              <a:solidFill>
+                <a:srgbClr val="000000"/>
+              </a:solidFill>
               <a:latin typeface="Arial"/>
             </a:endParaRPr>
           </a:p>
@@ -5607,11 +5980,17 @@
             </a:pPr>
             <a:r>
               <a:rPr b="0" lang="en-US" sz="2000" spc="-1" strike="noStrike">
+                <a:solidFill>
+                  <a:srgbClr val="000000"/>
+                </a:solidFill>
                 <a:latin typeface="Arial"/>
               </a:rPr>
               <a:t>Fourth Outline Level</a:t>
             </a:r>
             <a:endParaRPr b="0" lang="en-US" sz="2000" spc="-1" strike="noStrike">
+              <a:solidFill>
+                <a:srgbClr val="000000"/>
+              </a:solidFill>
               <a:latin typeface="Arial"/>
             </a:endParaRPr>
           </a:p>
@@ -5629,11 +6008,17 @@
             </a:pPr>
             <a:r>
               <a:rPr b="0" lang="en-US" sz="2000" spc="-1" strike="noStrike">
+                <a:solidFill>
+                  <a:srgbClr val="000000"/>
+                </a:solidFill>
                 <a:latin typeface="Arial"/>
               </a:rPr>
               <a:t>Fifth Outline Level</a:t>
             </a:r>
             <a:endParaRPr b="0" lang="en-US" sz="2000" spc="-1" strike="noStrike">
+              <a:solidFill>
+                <a:srgbClr val="000000"/>
+              </a:solidFill>
               <a:latin typeface="Arial"/>
             </a:endParaRPr>
           </a:p>
@@ -5651,11 +6036,17 @@
             </a:pPr>
             <a:r>
               <a:rPr b="0" lang="en-US" sz="2000" spc="-1" strike="noStrike">
+                <a:solidFill>
+                  <a:srgbClr val="000000"/>
+                </a:solidFill>
                 <a:latin typeface="Arial"/>
               </a:rPr>
               <a:t>Sixth Outline Level</a:t>
             </a:r>
             <a:endParaRPr b="0" lang="en-US" sz="2000" spc="-1" strike="noStrike">
+              <a:solidFill>
+                <a:srgbClr val="000000"/>
+              </a:solidFill>
               <a:latin typeface="Arial"/>
             </a:endParaRPr>
           </a:p>
@@ -5673,11 +6064,17 @@
             </a:pPr>
             <a:r>
               <a:rPr b="0" lang="en-US" sz="2000" spc="-1" strike="noStrike">
+                <a:solidFill>
+                  <a:srgbClr val="000000"/>
+                </a:solidFill>
                 <a:latin typeface="Arial"/>
               </a:rPr>
               <a:t>Seventh Outline Level</a:t>
             </a:r>
             <a:endParaRPr b="0" lang="en-US" sz="2000" spc="-1" strike="noStrike">
+              <a:solidFill>
+                <a:srgbClr val="000000"/>
+              </a:solidFill>
               <a:latin typeface="Arial"/>
             </a:endParaRPr>
           </a:p>
@@ -5729,7 +6126,7 @@
         <p:spPr>
           <a:xfrm>
             <a:off x="527400" y="1412640"/>
-            <a:ext cx="10365480" cy="1152000"/>
+            <a:ext cx="10365120" cy="1151640"/>
           </a:xfrm>
           <a:prstGeom prst="rect">
             <a:avLst/>
@@ -5766,6 +6163,9 @@
               <a:t>Requirement Engineering</a:t>
             </a:r>
             <a:endParaRPr b="0" lang="en-US" sz="3200" spc="-1" strike="noStrike">
+              <a:solidFill>
+                <a:srgbClr val="000000"/>
+              </a:solidFill>
               <a:latin typeface="Arial"/>
             </a:endParaRPr>
           </a:p>
@@ -5780,7 +6180,7 @@
         <p:spPr>
           <a:xfrm>
             <a:off x="527400" y="2852640"/>
-            <a:ext cx="10365480" cy="2372760"/>
+            <a:ext cx="10365120" cy="2372400"/>
           </a:xfrm>
           <a:prstGeom prst="rect">
             <a:avLst/>
@@ -5823,6 +6223,9 @@
               <a:t>Lecture 0: Organization</a:t>
             </a:r>
             <a:endParaRPr b="0" lang="en-US" sz="2400" spc="-1" strike="noStrike">
+              <a:solidFill>
+                <a:srgbClr val="000000"/>
+              </a:solidFill>
               <a:latin typeface="Arial"/>
             </a:endParaRPr>
           </a:p>
@@ -5839,6 +6242,9 @@
               </a:tabLst>
             </a:pPr>
             <a:endParaRPr b="0" lang="en-US" sz="2400" spc="-1" strike="noStrike">
+              <a:solidFill>
+                <a:srgbClr val="000000"/>
+              </a:solidFill>
               <a:latin typeface="Arial"/>
             </a:endParaRPr>
           </a:p>
@@ -5855,6 +6261,9 @@
               </a:tabLst>
             </a:pPr>
             <a:endParaRPr b="0" lang="en-US" sz="2400" spc="-1" strike="noStrike">
+              <a:solidFill>
+                <a:srgbClr val="000000"/>
+              </a:solidFill>
               <a:latin typeface="Arial"/>
             </a:endParaRPr>
           </a:p>
@@ -5871,6 +6280,9 @@
               </a:tabLst>
             </a:pPr>
             <a:endParaRPr b="0" lang="en-US" sz="2400" spc="-1" strike="noStrike">
+              <a:solidFill>
+                <a:srgbClr val="000000"/>
+              </a:solidFill>
               <a:latin typeface="Arial"/>
             </a:endParaRPr>
           </a:p>
@@ -5897,6 +6309,9 @@
               <a:t>Prof. Dr. Benjamin Leiding</a:t>
             </a:r>
             <a:endParaRPr b="0" lang="en-US" sz="1600" spc="-1" strike="noStrike">
+              <a:solidFill>
+                <a:srgbClr val="000000"/>
+              </a:solidFill>
               <a:latin typeface="Arial"/>
             </a:endParaRPr>
           </a:p>
@@ -5923,6 +6338,9 @@
               <a:t>M.Sc. Anant Sujatanagarjuna</a:t>
             </a:r>
             <a:endParaRPr b="0" lang="en-US" sz="1600" spc="-1" strike="noStrike">
+              <a:solidFill>
+                <a:srgbClr val="000000"/>
+              </a:solidFill>
               <a:latin typeface="Arial"/>
             </a:endParaRPr>
           </a:p>
@@ -5967,7 +6385,7 @@
         <p:spPr>
           <a:xfrm>
             <a:off x="335520" y="764640"/>
-            <a:ext cx="10749600" cy="500400"/>
+            <a:ext cx="10749240" cy="500040"/>
           </a:xfrm>
           <a:prstGeom prst="rect">
             <a:avLst/>
@@ -6004,6 +6422,9 @@
               <a:t>Exercises</a:t>
             </a:r>
             <a:endParaRPr b="0" lang="en-US" sz="2400" spc="-1" strike="noStrike">
+              <a:solidFill>
+                <a:srgbClr val="000000"/>
+              </a:solidFill>
               <a:latin typeface="Arial"/>
             </a:endParaRPr>
           </a:p>
@@ -6018,7 +6439,7 @@
         <p:spPr>
           <a:xfrm>
             <a:off x="335520" y="1268640"/>
-            <a:ext cx="10749600" cy="5037120"/>
+            <a:ext cx="10749240" cy="5036760"/>
           </a:xfrm>
           <a:prstGeom prst="rect">
             <a:avLst/>
@@ -6064,6 +6485,9 @@
               <a:t>09.11.2022 → Exercise 01 – Knowledge Test (MC)</a:t>
             </a:r>
             <a:endParaRPr b="0" lang="en-US" sz="1800" spc="-1" strike="noStrike">
+              <a:solidFill>
+                <a:srgbClr val="000000"/>
+              </a:solidFill>
               <a:latin typeface="Arial"/>
             </a:endParaRPr>
           </a:p>
@@ -6093,6 +6517,9 @@
               <a:t>23.11.2022 → Exercise 02 – Elicitation I</a:t>
             </a:r>
             <a:endParaRPr b="0" lang="en-US" sz="1800" spc="-1" strike="noStrike">
+              <a:solidFill>
+                <a:srgbClr val="000000"/>
+              </a:solidFill>
               <a:latin typeface="Arial"/>
             </a:endParaRPr>
           </a:p>
@@ -6122,6 +6549,9 @@
               <a:t>30.11.2022 → Exercise 03 – Elicitation II</a:t>
             </a:r>
             <a:endParaRPr b="0" lang="en-US" sz="1800" spc="-1" strike="noStrike">
+              <a:solidFill>
+                <a:srgbClr val="000000"/>
+              </a:solidFill>
               <a:latin typeface="Arial"/>
             </a:endParaRPr>
           </a:p>
@@ -6151,6 +6581,9 @@
               <a:t>14.12.2022 → Exercise 04 – Agent-oriented Modelling</a:t>
             </a:r>
             <a:endParaRPr b="0" lang="en-US" sz="1800" spc="-1" strike="noStrike">
+              <a:solidFill>
+                <a:srgbClr val="000000"/>
+              </a:solidFill>
               <a:latin typeface="Arial"/>
             </a:endParaRPr>
           </a:p>
@@ -6180,6 +6613,9 @@
               <a:t>21.12.2022 → Exercise 05 – Coloured Petri Nets I</a:t>
             </a:r>
             <a:endParaRPr b="0" lang="en-US" sz="1800" spc="-1" strike="noStrike">
+              <a:solidFill>
+                <a:srgbClr val="000000"/>
+              </a:solidFill>
               <a:latin typeface="Arial"/>
             </a:endParaRPr>
           </a:p>
@@ -6209,6 +6645,9 @@
               <a:t>11.01.2023 → Exercise 06 – Coloured Petri Nets II</a:t>
             </a:r>
             <a:endParaRPr b="0" lang="en-US" sz="1800" spc="-1" strike="noStrike">
+              <a:solidFill>
+                <a:srgbClr val="000000"/>
+              </a:solidFill>
               <a:latin typeface="Arial"/>
             </a:endParaRPr>
           </a:p>
@@ -6238,6 +6677,9 @@
               <a:t>18.01.2023 → Bonus Task</a:t>
             </a:r>
             <a:endParaRPr b="0" lang="en-US" sz="1800" spc="-1" strike="noStrike">
+              <a:solidFill>
+                <a:srgbClr val="000000"/>
+              </a:solidFill>
               <a:latin typeface="Arial"/>
             </a:endParaRPr>
           </a:p>
@@ -6267,6 +6709,9 @@
               <a:t>25.01.2023 → Exercise 07 – Management and Traceability (MC)</a:t>
             </a:r>
             <a:endParaRPr b="0" lang="en-US" sz="1800" spc="-1" strike="noStrike">
+              <a:solidFill>
+                <a:srgbClr val="000000"/>
+              </a:solidFill>
               <a:latin typeface="Arial"/>
             </a:endParaRPr>
           </a:p>
@@ -6311,7 +6756,7 @@
         <p:spPr>
           <a:xfrm>
             <a:off x="335520" y="764640"/>
-            <a:ext cx="10742760" cy="493560"/>
+            <a:ext cx="10742400" cy="493200"/>
           </a:xfrm>
           <a:prstGeom prst="rect">
             <a:avLst/>
@@ -6348,6 +6793,9 @@
               <a:t>Course Organization</a:t>
             </a:r>
             <a:endParaRPr b="0" lang="en-US" sz="2400" spc="-1" strike="noStrike">
+              <a:solidFill>
+                <a:srgbClr val="000000"/>
+              </a:solidFill>
               <a:latin typeface="Arial"/>
             </a:endParaRPr>
           </a:p>
@@ -6362,7 +6810,7 @@
         <p:spPr>
           <a:xfrm>
             <a:off x="335520" y="1268280"/>
-            <a:ext cx="10742760" cy="5030280"/>
+            <a:ext cx="10742400" cy="5029920"/>
           </a:xfrm>
           <a:prstGeom prst="rect">
             <a:avLst/>
@@ -6392,6 +6840,9 @@
               </a:spcBef>
             </a:pPr>
             <a:endParaRPr b="0" lang="en-US" sz="1800" spc="-1" strike="noStrike">
+              <a:solidFill>
+                <a:srgbClr val="000000"/>
+              </a:solidFill>
               <a:latin typeface="Arial"/>
             </a:endParaRPr>
           </a:p>
@@ -6421,6 +6872,9 @@
               <a:t>Organization of the lecture:</a:t>
             </a:r>
             <a:endParaRPr b="0" lang="en-US" sz="1800" spc="-1" strike="noStrike">
+              <a:solidFill>
+                <a:srgbClr val="000000"/>
+              </a:solidFill>
               <a:latin typeface="Arial"/>
             </a:endParaRPr>
           </a:p>
@@ -6472,6 +6926,9 @@
               <a:t>)</a:t>
             </a:r>
             <a:endParaRPr b="0" lang="en-US" sz="1800" spc="-1" strike="noStrike">
+              <a:solidFill>
+                <a:srgbClr val="000000"/>
+              </a:solidFill>
               <a:latin typeface="Arial"/>
             </a:endParaRPr>
           </a:p>
@@ -6501,6 +6958,9 @@
               <a:t>Please report bugs!</a:t>
             </a:r>
             <a:endParaRPr b="0" lang="en-US" sz="1800" spc="-1" strike="noStrike">
+              <a:solidFill>
+                <a:srgbClr val="000000"/>
+              </a:solidFill>
               <a:latin typeface="Arial"/>
             </a:endParaRPr>
           </a:p>
@@ -6530,6 +6990,9 @@
               <a:t>Lectures and exercises live stream (BBB – next slide) and Goslar</a:t>
             </a:r>
             <a:endParaRPr b="0" lang="en-US" sz="1800" spc="-1" strike="noStrike">
+              <a:solidFill>
+                <a:srgbClr val="000000"/>
+              </a:solidFill>
               <a:latin typeface="Arial"/>
             </a:endParaRPr>
           </a:p>
@@ -6559,6 +7022,9 @@
               <a:t>No lecture recordings</a:t>
             </a:r>
             <a:endParaRPr b="0" lang="en-US" sz="1800" spc="-1" strike="noStrike">
+              <a:solidFill>
+                <a:srgbClr val="000000"/>
+              </a:solidFill>
               <a:latin typeface="Arial"/>
             </a:endParaRPr>
           </a:p>
@@ -6608,6 +7074,9 @@
               <a:t>Time for questions and eventual tutorials related to the exercises</a:t>
             </a:r>
             <a:endParaRPr b="0" lang="en-US" sz="1800" spc="-1" strike="noStrike">
+              <a:solidFill>
+                <a:srgbClr val="000000"/>
+              </a:solidFill>
               <a:latin typeface="Arial"/>
             </a:endParaRPr>
           </a:p>
@@ -6621,6 +7090,9 @@
               </a:spcBef>
             </a:pPr>
             <a:endParaRPr b="0" lang="en-US" sz="1800" spc="-1" strike="noStrike">
+              <a:solidFill>
+                <a:srgbClr val="000000"/>
+              </a:solidFill>
               <a:latin typeface="Arial"/>
             </a:endParaRPr>
           </a:p>
@@ -6696,6 +7168,9 @@
               <a:t> respond to</a:t>
             </a:r>
             <a:endParaRPr b="0" lang="en-US" sz="1800" spc="-1" strike="noStrike">
+              <a:solidFill>
+                <a:srgbClr val="000000"/>
+              </a:solidFill>
               <a:latin typeface="Arial"/>
             </a:endParaRPr>
           </a:p>
@@ -6719,6 +7194,9 @@
               <a:t>emails written to this specific email address!</a:t>
             </a:r>
             <a:endParaRPr b="0" lang="en-US" sz="1800" spc="-1" strike="noStrike">
+              <a:solidFill>
+                <a:srgbClr val="000000"/>
+              </a:solidFill>
               <a:latin typeface="Arial"/>
             </a:endParaRPr>
           </a:p>
@@ -6763,7 +7241,7 @@
         <p:spPr>
           <a:xfrm>
             <a:off x="335520" y="764640"/>
-            <a:ext cx="10741320" cy="492120"/>
+            <a:ext cx="10740960" cy="491760"/>
           </a:xfrm>
           <a:prstGeom prst="rect">
             <a:avLst/>
@@ -6800,6 +7278,9 @@
               <a:t>Dates/Times/Locations</a:t>
             </a:r>
             <a:endParaRPr b="0" lang="en-US" sz="2400" spc="-1" strike="noStrike">
+              <a:solidFill>
+                <a:srgbClr val="000000"/>
+              </a:solidFill>
               <a:latin typeface="Arial"/>
             </a:endParaRPr>
           </a:p>
@@ -6810,6 +7291,9 @@
               </a:lnSpc>
             </a:pPr>
             <a:endParaRPr b="0" lang="en-US" sz="2400" spc="-1" strike="noStrike">
+              <a:solidFill>
+                <a:srgbClr val="000000"/>
+              </a:solidFill>
               <a:latin typeface="Arial"/>
             </a:endParaRPr>
           </a:p>
@@ -6820,6 +7304,9 @@
               </a:lnSpc>
             </a:pPr>
             <a:endParaRPr b="0" lang="en-US" sz="2400" spc="-1" strike="noStrike">
+              <a:solidFill>
+                <a:srgbClr val="000000"/>
+              </a:solidFill>
               <a:latin typeface="Arial"/>
             </a:endParaRPr>
           </a:p>
@@ -6834,7 +7321,7 @@
         <p:spPr>
           <a:xfrm>
             <a:off x="335520" y="1268640"/>
-            <a:ext cx="10741320" cy="5028840"/>
+            <a:ext cx="10740960" cy="5028480"/>
           </a:xfrm>
           <a:prstGeom prst="rect">
             <a:avLst/>
@@ -6864,6 +7351,9 @@
               </a:spcBef>
             </a:pPr>
             <a:endParaRPr b="0" lang="en-US" sz="1800" spc="-1" strike="noStrike">
+              <a:solidFill>
+                <a:srgbClr val="000000"/>
+              </a:solidFill>
               <a:latin typeface="Arial"/>
             </a:endParaRPr>
           </a:p>
@@ -6894,6 +7384,9 @@
               <a:t>Lecture:</a:t>
             </a:r>
             <a:endParaRPr b="0" lang="en-US" sz="1800" spc="-1" strike="noStrike">
+              <a:solidFill>
+                <a:srgbClr val="000000"/>
+              </a:solidFill>
               <a:latin typeface="Arial"/>
             </a:endParaRPr>
           </a:p>
@@ -7013,6 +7506,9 @@
               <a:t>2023</a:t>
             </a:r>
             <a:endParaRPr b="0" lang="en-US" sz="1800" spc="-1" strike="noStrike">
+              <a:solidFill>
+                <a:srgbClr val="000000"/>
+              </a:solidFill>
               <a:latin typeface="Arial"/>
             </a:endParaRPr>
           </a:p>
@@ -7064,6 +7560,9 @@
               <a:t>)</a:t>
             </a:r>
             <a:endParaRPr b="0" lang="en-US" sz="1800" spc="-1" strike="noStrike">
+              <a:solidFill>
+                <a:srgbClr val="000000"/>
+              </a:solidFill>
               <a:latin typeface="Arial"/>
             </a:endParaRPr>
           </a:p>
@@ -7077,6 +7576,9 @@
               </a:spcBef>
             </a:pPr>
             <a:endParaRPr b="0" lang="en-US" sz="1800" spc="-1" strike="noStrike">
+              <a:solidFill>
+                <a:srgbClr val="000000"/>
+              </a:solidFill>
               <a:latin typeface="Arial"/>
             </a:endParaRPr>
           </a:p>
@@ -7107,6 +7609,9 @@
               <a:t>Exercise / Q&amp;A:</a:t>
             </a:r>
             <a:endParaRPr b="0" lang="en-US" sz="1800" spc="-1" strike="noStrike">
+              <a:solidFill>
+                <a:srgbClr val="000000"/>
+              </a:solidFill>
               <a:latin typeface="Arial"/>
             </a:endParaRPr>
           </a:p>
@@ -7226,6 +7731,9 @@
               <a:t>2023</a:t>
             </a:r>
             <a:endParaRPr b="0" lang="en-US" sz="1800" spc="-1" strike="noStrike">
+              <a:solidFill>
+                <a:srgbClr val="000000"/>
+              </a:solidFill>
               <a:latin typeface="Arial"/>
             </a:endParaRPr>
           </a:p>
@@ -7277,6 +7785,9 @@
               <a:t>)</a:t>
             </a:r>
             <a:endParaRPr b="0" lang="en-US" sz="1800" spc="-1" strike="noStrike">
+              <a:solidFill>
+                <a:srgbClr val="000000"/>
+              </a:solidFill>
               <a:latin typeface="Arial"/>
             </a:endParaRPr>
           </a:p>
@@ -7321,7 +7832,7 @@
         <p:spPr>
           <a:xfrm>
             <a:off x="335520" y="764640"/>
-            <a:ext cx="10749600" cy="500400"/>
+            <a:ext cx="10749240" cy="500040"/>
           </a:xfrm>
           <a:prstGeom prst="rect">
             <a:avLst/>
@@ -7358,6 +7869,9 @@
               <a:t>Exercises </a:t>
             </a:r>
             <a:endParaRPr b="0" lang="en-US" sz="2400" spc="-1" strike="noStrike">
+              <a:solidFill>
+                <a:srgbClr val="000000"/>
+              </a:solidFill>
               <a:latin typeface="Arial"/>
             </a:endParaRPr>
           </a:p>
@@ -7372,7 +7886,7 @@
         <p:spPr>
           <a:xfrm>
             <a:off x="335520" y="1268280"/>
-            <a:ext cx="10749600" cy="5037120"/>
+            <a:ext cx="10749240" cy="5036760"/>
           </a:xfrm>
           <a:prstGeom prst="rect">
             <a:avLst/>
@@ -7399,6 +7913,9 @@
               </a:lnSpc>
             </a:pPr>
             <a:endParaRPr b="0" lang="en-US" sz="1800" spc="-1" strike="noStrike">
+              <a:solidFill>
+                <a:srgbClr val="000000"/>
+              </a:solidFill>
               <a:latin typeface="Arial"/>
             </a:endParaRPr>
           </a:p>
@@ -7428,6 +7945,9 @@
               <a:t>Organization of the exercise:</a:t>
             </a:r>
             <a:endParaRPr b="0" lang="en-US" sz="1800" spc="-1" strike="noStrike">
+              <a:solidFill>
+                <a:srgbClr val="000000"/>
+              </a:solidFill>
               <a:latin typeface="Arial"/>
             </a:endParaRPr>
           </a:p>
@@ -7477,6 +7997,9 @@
               <a:t> group submissions</a:t>
             </a:r>
             <a:endParaRPr b="0" lang="en-US" sz="1800" spc="-1" strike="noStrike">
+              <a:solidFill>
+                <a:srgbClr val="000000"/>
+              </a:solidFill>
               <a:latin typeface="Arial"/>
             </a:endParaRPr>
           </a:p>
@@ -7506,6 +8029,9 @@
               <a:t>Multiple-Choice or practical tasks</a:t>
             </a:r>
             <a:endParaRPr b="0" lang="en-US" sz="1800" spc="-1" strike="noStrike">
+              <a:solidFill>
+                <a:srgbClr val="000000"/>
+              </a:solidFill>
               <a:latin typeface="Arial"/>
             </a:endParaRPr>
           </a:p>
@@ -7535,6 +8061,9 @@
               <a:t>7-14 days to submit (depending on the task)</a:t>
             </a:r>
             <a:endParaRPr b="0" lang="en-US" sz="1800" spc="-1" strike="noStrike">
+              <a:solidFill>
+                <a:srgbClr val="000000"/>
+              </a:solidFill>
               <a:latin typeface="Arial"/>
             </a:endParaRPr>
           </a:p>
@@ -7564,6 +8093,9 @@
               <a:t>Submission deadline is always Wednesday at 1:59pm (right before the next lecture)</a:t>
             </a:r>
             <a:endParaRPr b="0" lang="en-US" sz="1800" spc="-1" strike="noStrike">
+              <a:solidFill>
+                <a:srgbClr val="000000"/>
+              </a:solidFill>
               <a:latin typeface="Arial"/>
             </a:endParaRPr>
           </a:p>
@@ -7593,6 +8125,9 @@
               <a:t>Submission of each exercise is mandatory</a:t>
             </a:r>
             <a:endParaRPr b="0" lang="en-US" sz="1800" spc="-1" strike="noStrike">
+              <a:solidFill>
+                <a:srgbClr val="000000"/>
+              </a:solidFill>
               <a:latin typeface="Arial"/>
             </a:endParaRPr>
           </a:p>
@@ -7606,6 +8141,9 @@
               </a:spcBef>
             </a:pPr>
             <a:endParaRPr b="0" lang="en-US" sz="1800" spc="-1" strike="noStrike">
+              <a:solidFill>
+                <a:srgbClr val="000000"/>
+              </a:solidFill>
               <a:latin typeface="Arial"/>
             </a:endParaRPr>
           </a:p>
@@ -7619,6 +8157,9 @@
               </a:spcBef>
             </a:pPr>
             <a:endParaRPr b="0" lang="en-US" sz="1800" spc="-1" strike="noStrike">
+              <a:solidFill>
+                <a:srgbClr val="000000"/>
+              </a:solidFill>
               <a:latin typeface="Arial"/>
             </a:endParaRPr>
           </a:p>
@@ -7642,6 +8183,9 @@
               <a:t>More info on points, percentages, etc. follow on the next slides (Examination)</a:t>
             </a:r>
             <a:endParaRPr b="0" lang="en-US" sz="1800" spc="-1" strike="noStrike">
+              <a:solidFill>
+                <a:srgbClr val="000000"/>
+              </a:solidFill>
               <a:latin typeface="Arial"/>
             </a:endParaRPr>
           </a:p>
@@ -7686,7 +8230,7 @@
         <p:spPr>
           <a:xfrm>
             <a:off x="335520" y="764640"/>
-            <a:ext cx="10742760" cy="493560"/>
+            <a:ext cx="10742400" cy="493200"/>
           </a:xfrm>
           <a:prstGeom prst="rect">
             <a:avLst/>
@@ -7723,6 +8267,9 @@
               <a:t>Exercises </a:t>
             </a:r>
             <a:endParaRPr b="0" lang="en-US" sz="2400" spc="-1" strike="noStrike">
+              <a:solidFill>
+                <a:srgbClr val="000000"/>
+              </a:solidFill>
               <a:latin typeface="Arial"/>
             </a:endParaRPr>
           </a:p>
@@ -7737,7 +8284,7 @@
         <p:spPr>
           <a:xfrm>
             <a:off x="335520" y="1268280"/>
-            <a:ext cx="10742760" cy="5030280"/>
+            <a:ext cx="10742400" cy="5029920"/>
           </a:xfrm>
           <a:prstGeom prst="rect">
             <a:avLst/>
@@ -7780,6 +8327,9 @@
               <a:t>Bonus task:</a:t>
             </a:r>
             <a:endParaRPr b="0" lang="en-US" sz="1800" spc="-1" strike="noStrike">
+              <a:solidFill>
+                <a:srgbClr val="000000"/>
+              </a:solidFill>
               <a:latin typeface="Arial"/>
             </a:endParaRPr>
           </a:p>
@@ -7809,6 +8359,9 @@
               <a:t>You may miss/fail one of the regular exercises</a:t>
             </a:r>
             <a:endParaRPr b="0" lang="en-US" sz="1800" spc="-1" strike="noStrike">
+              <a:solidFill>
+                <a:srgbClr val="000000"/>
+              </a:solidFill>
               <a:latin typeface="Arial"/>
             </a:endParaRPr>
           </a:p>
@@ -7858,6 +8411,9 @@
               <a:t> passing the bonus task substitutes the missed/failed exercise</a:t>
             </a:r>
             <a:endParaRPr b="0" lang="en-US" sz="1800" spc="-1" strike="noStrike">
+              <a:solidFill>
+                <a:srgbClr val="000000"/>
+              </a:solidFill>
               <a:latin typeface="Arial"/>
             </a:endParaRPr>
           </a:p>
@@ -7897,6 +8453,9 @@
               <a:t> → don’t “plan” with the bonus task. Rather submit and pass the regular exercises.</a:t>
             </a:r>
             <a:endParaRPr b="0" lang="en-US" sz="1800" spc="-1" strike="noStrike">
+              <a:solidFill>
+                <a:srgbClr val="000000"/>
+              </a:solidFill>
               <a:latin typeface="Arial"/>
             </a:endParaRPr>
           </a:p>
@@ -7941,7 +8500,7 @@
         <p:spPr>
           <a:xfrm>
             <a:off x="335520" y="764640"/>
-            <a:ext cx="10742760" cy="493560"/>
+            <a:ext cx="10742400" cy="493200"/>
           </a:xfrm>
           <a:prstGeom prst="rect">
             <a:avLst/>
@@ -7978,6 +8537,9 @@
               <a:t>Multiple-Choice Exercises </a:t>
             </a:r>
             <a:endParaRPr b="0" lang="en-US" sz="2400" spc="-1" strike="noStrike">
+              <a:solidFill>
+                <a:srgbClr val="000000"/>
+              </a:solidFill>
               <a:latin typeface="Arial"/>
             </a:endParaRPr>
           </a:p>
@@ -7992,7 +8554,7 @@
         <p:spPr>
           <a:xfrm>
             <a:off x="494640" y="1523880"/>
-            <a:ext cx="10361520" cy="476640"/>
+            <a:ext cx="10361160" cy="476280"/>
           </a:xfrm>
           <a:prstGeom prst="rect">
             <a:avLst/>
@@ -8029,6 +8591,9 @@
               <a:t>Step-1: Navigate to Moodle on your studip, select "Zum Kurs in Moodle"</a:t>
             </a:r>
             <a:endParaRPr b="0" lang="en-US" sz="1800" spc="-1" strike="noStrike">
+              <a:solidFill>
+                <a:srgbClr val="000000"/>
+              </a:solidFill>
               <a:latin typeface="Arial"/>
             </a:endParaRPr>
           </a:p>
@@ -8068,6 +8633,19 @@
           </a:effectRef>
           <a:fontRef idx="minor"/>
         </p:style>
+        <p:txBody>
+          <a:bodyPr lIns="90000" rIns="90000" tIns="45000" bIns="45000" anchor="t" anchorCtr="1">
+            <a:noAutofit/>
+          </a:bodyPr>
+          <a:p>
+            <a:endParaRPr b="0" lang="en-US" sz="1800" spc="-1" strike="noStrike">
+              <a:solidFill>
+                <a:srgbClr val="000000"/>
+              </a:solidFill>
+              <a:latin typeface="Arial"/>
+            </a:endParaRPr>
+          </a:p>
+        </p:txBody>
       </p:sp>
       <p:pic>
         <p:nvPicPr>
@@ -8083,7 +8661,7 @@
         <p:spPr>
           <a:xfrm>
             <a:off x="2057400" y="2111400"/>
-            <a:ext cx="7315200" cy="4060440"/>
+            <a:ext cx="7314840" cy="4060080"/>
           </a:xfrm>
           <a:prstGeom prst="rect">
             <a:avLst/>
@@ -8132,7 +8710,7 @@
         <p:spPr>
           <a:xfrm>
             <a:off x="335520" y="764640"/>
-            <a:ext cx="10742760" cy="493560"/>
+            <a:ext cx="10742400" cy="493200"/>
           </a:xfrm>
           <a:prstGeom prst="rect">
             <a:avLst/>
@@ -8169,6 +8747,9 @@
               <a:t>Multiple-Choice Exercises </a:t>
             </a:r>
             <a:endParaRPr b="0" lang="en-US" sz="2400" spc="-1" strike="noStrike">
+              <a:solidFill>
+                <a:srgbClr val="000000"/>
+              </a:solidFill>
               <a:latin typeface="Arial"/>
             </a:endParaRPr>
           </a:p>
@@ -8183,7 +8764,7 @@
         <p:spPr>
           <a:xfrm>
             <a:off x="494640" y="1488600"/>
-            <a:ext cx="5444280" cy="441360"/>
+            <a:ext cx="5443920" cy="441000"/>
           </a:xfrm>
           <a:prstGeom prst="rect">
             <a:avLst/>
@@ -8231,6 +8812,9 @@
               <a:t>"Exercise 1"</a:t>
             </a:r>
             <a:endParaRPr b="0" lang="en-US" sz="1800" spc="-1" strike="noStrike">
+              <a:solidFill>
+                <a:srgbClr val="000000"/>
+              </a:solidFill>
               <a:latin typeface="Arial"/>
             </a:endParaRPr>
           </a:p>
@@ -8249,7 +8833,7 @@
         <p:spPr>
           <a:xfrm>
             <a:off x="2513520" y="1828800"/>
-            <a:ext cx="6859080" cy="4737960"/>
+            <a:ext cx="6858720" cy="4737600"/>
           </a:xfrm>
           <a:prstGeom prst="rect">
             <a:avLst/>
@@ -8298,7 +8882,7 @@
         <p:spPr>
           <a:xfrm>
             <a:off x="335520" y="764640"/>
-            <a:ext cx="10742760" cy="493560"/>
+            <a:ext cx="10742400" cy="493200"/>
           </a:xfrm>
           <a:prstGeom prst="rect">
             <a:avLst/>
@@ -8335,6 +8919,9 @@
               <a:t>Multiple-Choice Exercises </a:t>
             </a:r>
             <a:endParaRPr b="0" lang="en-US" sz="2400" spc="-1" strike="noStrike">
+              <a:solidFill>
+                <a:srgbClr val="000000"/>
+              </a:solidFill>
               <a:latin typeface="Arial"/>
             </a:endParaRPr>
           </a:p>
@@ -8349,7 +8936,7 @@
         <p:spPr>
           <a:xfrm>
             <a:off x="494640" y="1418040"/>
-            <a:ext cx="5215680" cy="441360"/>
+            <a:ext cx="5215320" cy="441000"/>
           </a:xfrm>
           <a:prstGeom prst="rect">
             <a:avLst/>
@@ -8386,6 +8973,9 @@
               <a:t>Step-3 : Start your test if you are ready</a:t>
             </a:r>
             <a:endParaRPr b="0" lang="en-US" sz="1800" spc="-1" strike="noStrike">
+              <a:solidFill>
+                <a:srgbClr val="000000"/>
+              </a:solidFill>
               <a:latin typeface="Arial"/>
             </a:endParaRPr>
           </a:p>
@@ -8404,7 +8994,7 @@
         <p:spPr>
           <a:xfrm>
             <a:off x="1600200" y="2073600"/>
-            <a:ext cx="7700400" cy="3756240"/>
+            <a:ext cx="7700040" cy="3755880"/>
           </a:xfrm>
           <a:prstGeom prst="rect">
             <a:avLst/>
@@ -8452,12 +9042,13 @@
         </p:nvPicPr>
         <p:blipFill>
           <a:blip r:embed="rId1"/>
+          <a:srcRect l="0" t="23833" r="0" b="0"/>
           <a:stretch/>
         </p:blipFill>
         <p:spPr>
           <a:xfrm>
-            <a:off x="685800" y="2514600"/>
-            <a:ext cx="8869680" cy="3836160"/>
+            <a:off x="685800" y="3429000"/>
+            <a:ext cx="8869320" cy="2921400"/>
           </a:xfrm>
           <a:prstGeom prst="rect">
             <a:avLst/>
@@ -8476,7 +9067,7 @@
         <p:spPr>
           <a:xfrm>
             <a:off x="335520" y="764640"/>
-            <a:ext cx="10742760" cy="493560"/>
+            <a:ext cx="10742400" cy="493200"/>
           </a:xfrm>
           <a:prstGeom prst="rect">
             <a:avLst/>
@@ -8513,6 +9104,9 @@
               <a:t>Multiple-Choice Exercises </a:t>
             </a:r>
             <a:endParaRPr b="0" lang="en-US" sz="2400" spc="-1" strike="noStrike">
+              <a:solidFill>
+                <a:srgbClr val="000000"/>
+              </a:solidFill>
               <a:latin typeface="Arial"/>
             </a:endParaRPr>
           </a:p>
@@ -8527,7 +9121,7 @@
         <p:spPr>
           <a:xfrm>
             <a:off x="494640" y="1312200"/>
-            <a:ext cx="1732680" cy="363960"/>
+            <a:ext cx="1732320" cy="363600"/>
           </a:xfrm>
           <a:prstGeom prst="rect">
             <a:avLst/>
@@ -8564,6 +9158,9 @@
               <a:t>Step-4 : </a:t>
             </a:r>
             <a:endParaRPr b="0" lang="en-US" sz="1800" spc="-1" strike="noStrike">
+              <a:solidFill>
+                <a:srgbClr val="000000"/>
+              </a:solidFill>
               <a:latin typeface="Arial"/>
             </a:endParaRPr>
           </a:p>
@@ -8574,6 +9171,9 @@
               </a:lnSpc>
             </a:pPr>
             <a:endParaRPr b="0" lang="en-US" sz="1800" spc="-1" strike="noStrike">
+              <a:solidFill>
+                <a:srgbClr val="000000"/>
+              </a:solidFill>
               <a:latin typeface="Arial"/>
             </a:endParaRPr>
           </a:p>
@@ -8584,6 +9184,9 @@
               </a:lnSpc>
             </a:pPr>
             <a:endParaRPr b="0" lang="en-US" sz="1800" spc="-1" strike="noStrike">
+              <a:solidFill>
+                <a:srgbClr val="000000"/>
+              </a:solidFill>
               <a:latin typeface="Arial"/>
             </a:endParaRPr>
           </a:p>
@@ -8623,6 +9226,19 @@
           </a:effectRef>
           <a:fontRef idx="minor"/>
         </p:style>
+        <p:txBody>
+          <a:bodyPr lIns="90000" rIns="90000" tIns="90000" bIns="90000" anchor="t" anchorCtr="1">
+            <a:noAutofit/>
+          </a:bodyPr>
+          <a:p>
+            <a:endParaRPr b="0" lang="en-US" sz="1800" spc="-1" strike="noStrike">
+              <a:solidFill>
+                <a:srgbClr val="000000"/>
+              </a:solidFill>
+              <a:latin typeface="Arial"/>
+            </a:endParaRPr>
+          </a:p>
+        </p:txBody>
       </p:sp>
       <p:sp>
         <p:nvSpPr>
@@ -8658,6 +9274,19 @@
           </a:effectRef>
           <a:fontRef idx="minor"/>
         </p:style>
+        <p:txBody>
+          <a:bodyPr lIns="90000" rIns="90000" tIns="90000" bIns="90000" anchor="t" anchorCtr="1">
+            <a:noAutofit/>
+          </a:bodyPr>
+          <a:p>
+            <a:endParaRPr b="0" lang="en-US" sz="1800" spc="-1" strike="noStrike">
+              <a:solidFill>
+                <a:srgbClr val="000000"/>
+              </a:solidFill>
+              <a:latin typeface="Arial"/>
+            </a:endParaRPr>
+          </a:p>
+        </p:txBody>
       </p:sp>
       <p:sp>
         <p:nvSpPr>
@@ -8693,6 +9322,19 @@
           </a:effectRef>
           <a:fontRef idx="minor"/>
         </p:style>
+        <p:txBody>
+          <a:bodyPr lIns="90000" rIns="90000" tIns="45000" bIns="45000" anchor="t" anchorCtr="1">
+            <a:noAutofit/>
+          </a:bodyPr>
+          <a:p>
+            <a:endParaRPr b="0" lang="en-US" sz="1800" spc="-1" strike="noStrike">
+              <a:solidFill>
+                <a:srgbClr val="000000"/>
+              </a:solidFill>
+              <a:latin typeface="Arial"/>
+            </a:endParaRPr>
+          </a:p>
+        </p:txBody>
       </p:sp>
       <p:sp>
         <p:nvSpPr>
@@ -8703,7 +9345,7 @@
         <p:spPr>
           <a:xfrm>
             <a:off x="642600" y="1679400"/>
-            <a:ext cx="4399560" cy="638280"/>
+            <a:ext cx="5072400" cy="1187640"/>
           </a:xfrm>
           <a:prstGeom prst="rect">
             <a:avLst/>
@@ -8740,6 +9382,9 @@
               <a:t>A. Sequence of questions</a:t>
             </a:r>
             <a:endParaRPr b="0" lang="en-US" sz="1800" spc="-1" strike="noStrike">
+              <a:solidFill>
+                <a:srgbClr val="000000"/>
+              </a:solidFill>
               <a:latin typeface="Arial"/>
             </a:endParaRPr>
           </a:p>
@@ -8760,21 +9405,70 @@
               <a:t>B. Timer running for the test</a:t>
             </a:r>
             <a:endParaRPr b="0" lang="en-US" sz="1800" spc="-1" strike="noStrike">
-              <a:latin typeface="Arial"/>
-            </a:endParaRPr>
-          </a:p>
-        </p:txBody>
-      </p:sp>
-      <p:sp>
-        <p:nvSpPr>
-          <p:cNvPr id="153" name="CustomShape 25"/>
+              <a:solidFill>
+                <a:srgbClr val="000000"/>
+              </a:solidFill>
+              <a:latin typeface="Arial"/>
+            </a:endParaRPr>
+          </a:p>
+          <a:p>
+            <a:pPr>
+              <a:lnSpc>
+                <a:spcPct val="100000"/>
+              </a:lnSpc>
+            </a:pPr>
+            <a:r>
+              <a:rPr b="0" lang="de-DE" sz="1800" spc="-1" strike="noStrike">
+                <a:solidFill>
+                  <a:srgbClr val="000000"/>
+                </a:solidFill>
+                <a:latin typeface="Arial"/>
+                <a:ea typeface="DejaVu Sans"/>
+              </a:rPr>
+              <a:t>C. Navigate to next question/Finish attampt</a:t>
+            </a:r>
+            <a:endParaRPr b="0" lang="en-US" sz="1800" spc="-1" strike="noStrike">
+              <a:solidFill>
+                <a:srgbClr val="000000"/>
+              </a:solidFill>
+              <a:latin typeface="Arial"/>
+            </a:endParaRPr>
+          </a:p>
+          <a:p>
+            <a:pPr>
+              <a:lnSpc>
+                <a:spcPct val="100000"/>
+              </a:lnSpc>
+            </a:pPr>
+            <a:r>
+              <a:rPr b="0" lang="de-DE" sz="1800" spc="-1" strike="noStrike">
+                <a:solidFill>
+                  <a:srgbClr val="000000"/>
+                </a:solidFill>
+                <a:latin typeface="Arial"/>
+                <a:ea typeface="DejaVu Sans"/>
+              </a:rPr>
+              <a:t>D. Navigate to previous question</a:t>
+            </a:r>
+            <a:endParaRPr b="0" lang="en-US" sz="1800" spc="-1" strike="noStrike">
+              <a:solidFill>
+                <a:srgbClr val="000000"/>
+              </a:solidFill>
+              <a:latin typeface="Arial"/>
+            </a:endParaRPr>
+          </a:p>
+        </p:txBody>
+      </p:sp>
+      <p:sp>
+        <p:nvSpPr>
+          <p:cNvPr id="153" name="CustomShape 26"/>
           <p:cNvSpPr/>
           <p:nvPr/>
         </p:nvSpPr>
         <p:spPr>
           <a:xfrm>
-            <a:off x="6549480" y="1679400"/>
-            <a:ext cx="4873320" cy="630000"/>
+            <a:off x="7839360" y="1679400"/>
+            <a:ext cx="2614320" cy="426960"/>
           </a:xfrm>
           <a:prstGeom prst="rect">
             <a:avLst/>
@@ -8795,57 +9489,25 @@
             <a:noAutofit/>
           </a:bodyPr>
           <a:p>
-            <a:pPr>
-              <a:lnSpc>
-                <a:spcPct val="100000"/>
-              </a:lnSpc>
-            </a:pPr>
-            <a:r>
-              <a:rPr b="0" lang="de-DE" sz="1800" spc="-1" strike="noStrike">
-                <a:solidFill>
-                  <a:srgbClr val="000000"/>
-                </a:solidFill>
-                <a:latin typeface="Arial"/>
-                <a:ea typeface="DejaVu Sans"/>
-              </a:rPr>
-              <a:t>C. Navigate to next question/Finish attampt</a:t>
-            </a:r>
             <a:endParaRPr b="0" lang="en-US" sz="1800" spc="-1" strike="noStrike">
-              <a:latin typeface="Arial"/>
-            </a:endParaRPr>
-          </a:p>
-          <a:p>
-            <a:pPr>
-              <a:lnSpc>
-                <a:spcPct val="100000"/>
-              </a:lnSpc>
-            </a:pPr>
-            <a:r>
-              <a:rPr b="0" lang="de-DE" sz="1800" spc="-1" strike="noStrike">
-                <a:solidFill>
-                  <a:srgbClr val="000000"/>
-                </a:solidFill>
-                <a:latin typeface="Arial"/>
-                <a:ea typeface="DejaVu Sans"/>
-              </a:rPr>
-              <a:t>D. Navigate to previous question</a:t>
-            </a:r>
-            <a:endParaRPr b="0" lang="en-US" sz="1800" spc="-1" strike="noStrike">
-              <a:latin typeface="Arial"/>
-            </a:endParaRPr>
-          </a:p>
-        </p:txBody>
-      </p:sp>
-      <p:sp>
-        <p:nvSpPr>
-          <p:cNvPr id="154" name="CustomShape 26"/>
+              <a:solidFill>
+                <a:srgbClr val="000000"/>
+              </a:solidFill>
+              <a:latin typeface="Arial"/>
+            </a:endParaRPr>
+          </a:p>
+        </p:txBody>
+      </p:sp>
+      <p:sp>
+        <p:nvSpPr>
+          <p:cNvPr id="154" name="CustomShape 27"/>
           <p:cNvSpPr/>
           <p:nvPr/>
         </p:nvSpPr>
         <p:spPr>
           <a:xfrm>
-            <a:off x="7839360" y="1679400"/>
-            <a:ext cx="2614680" cy="427320"/>
+            <a:off x="8857440" y="3943440"/>
+            <a:ext cx="279000" cy="363960"/>
           </a:xfrm>
           <a:prstGeom prst="rect">
             <a:avLst/>
@@ -8861,17 +9523,45 @@
           <a:effectRef idx="0"/>
           <a:fontRef idx="minor"/>
         </p:style>
-      </p:sp>
-      <p:sp>
-        <p:nvSpPr>
-          <p:cNvPr id="155" name="CustomShape 27"/>
+        <p:txBody>
+          <a:bodyPr lIns="90000" rIns="90000" tIns="45000" bIns="45000" anchor="t">
+            <a:spAutoFit/>
+          </a:bodyPr>
+          <a:p>
+            <a:pPr>
+              <a:lnSpc>
+                <a:spcPct val="100000"/>
+              </a:lnSpc>
+            </a:pPr>
+            <a:r>
+              <a:rPr b="0" lang="de-DE" sz="1800" spc="-1" strike="noStrike">
+                <a:solidFill>
+                  <a:srgbClr val="c00000"/>
+                </a:solidFill>
+                <a:latin typeface="Arial"/>
+                <a:ea typeface="DejaVu Sans"/>
+              </a:rPr>
+              <a:t>A</a:t>
+            </a:r>
+            <a:endParaRPr b="0" lang="en-US" sz="1800" spc="-1" strike="noStrike">
+              <a:solidFill>
+                <a:srgbClr val="000000"/>
+              </a:solidFill>
+              <a:latin typeface="Arial"/>
+            </a:endParaRPr>
+          </a:p>
+        </p:txBody>
+      </p:sp>
+      <p:sp>
+        <p:nvSpPr>
+          <p:cNvPr id="155" name="CustomShape 28"/>
           <p:cNvSpPr/>
           <p:nvPr/>
         </p:nvSpPr>
         <p:spPr>
           <a:xfrm>
-            <a:off x="8857440" y="3943440"/>
-            <a:ext cx="279360" cy="363960"/>
+            <a:off x="9537840" y="4548960"/>
+            <a:ext cx="279000" cy="363960"/>
           </a:xfrm>
           <a:prstGeom prst="rect">
             <a:avLst/>
@@ -8905,23 +9595,26 @@
                 <a:latin typeface="Arial"/>
                 <a:ea typeface="DejaVu Sans"/>
               </a:rPr>
-              <a:t>A</a:t>
+              <a:t>B</a:t>
             </a:r>
             <a:endParaRPr b="0" lang="en-US" sz="1800" spc="-1" strike="noStrike">
-              <a:latin typeface="Arial"/>
-            </a:endParaRPr>
-          </a:p>
-        </p:txBody>
-      </p:sp>
-      <p:sp>
-        <p:nvSpPr>
-          <p:cNvPr id="156" name="CustomShape 28"/>
+              <a:solidFill>
+                <a:srgbClr val="000000"/>
+              </a:solidFill>
+              <a:latin typeface="Arial"/>
+            </a:endParaRPr>
+          </a:p>
+        </p:txBody>
+      </p:sp>
+      <p:sp>
+        <p:nvSpPr>
+          <p:cNvPr id="156" name="CustomShape 29"/>
           <p:cNvSpPr/>
           <p:nvPr/>
         </p:nvSpPr>
         <p:spPr>
           <a:xfrm>
-            <a:off x="9537840" y="4548960"/>
+            <a:off x="7279920" y="6101280"/>
             <a:ext cx="279360" cy="363960"/>
           </a:xfrm>
           <a:prstGeom prst="rect">
@@ -8956,68 +9649,20 @@
                 <a:latin typeface="Arial"/>
                 <a:ea typeface="DejaVu Sans"/>
               </a:rPr>
-              <a:t>B</a:t>
+              <a:t>C</a:t>
             </a:r>
             <a:endParaRPr b="0" lang="en-US" sz="1800" spc="-1" strike="noStrike">
-              <a:latin typeface="Arial"/>
-            </a:endParaRPr>
-          </a:p>
-        </p:txBody>
-      </p:sp>
-      <p:sp>
-        <p:nvSpPr>
-          <p:cNvPr id="157" name="CustomShape 29"/>
-          <p:cNvSpPr/>
-          <p:nvPr/>
-        </p:nvSpPr>
-        <p:spPr>
-          <a:xfrm>
-            <a:off x="7279920" y="6101280"/>
-            <a:ext cx="279720" cy="363960"/>
-          </a:xfrm>
-          <a:prstGeom prst="rect">
-            <a:avLst/>
-          </a:prstGeom>
-          <a:noFill/>
-          <a:ln w="0">
-            <a:noFill/>
-          </a:ln>
-        </p:spPr>
-        <p:style>
-          <a:lnRef idx="0"/>
-          <a:fillRef idx="0"/>
-          <a:effectRef idx="0"/>
-          <a:fontRef idx="minor"/>
-        </p:style>
-        <p:txBody>
-          <a:bodyPr lIns="90000" rIns="90000" tIns="45000" bIns="45000" anchor="t">
-            <a:spAutoFit/>
-          </a:bodyPr>
-          <a:p>
-            <a:pPr>
-              <a:lnSpc>
-                <a:spcPct val="100000"/>
-              </a:lnSpc>
-            </a:pPr>
-            <a:r>
-              <a:rPr b="0" lang="de-DE" sz="1800" spc="-1" strike="noStrike">
-                <a:solidFill>
-                  <a:srgbClr val="c00000"/>
-                </a:solidFill>
-                <a:latin typeface="Arial"/>
-                <a:ea typeface="DejaVu Sans"/>
-              </a:rPr>
-              <a:t>C</a:t>
-            </a:r>
-            <a:endParaRPr b="0" lang="en-US" sz="1800" spc="-1" strike="noStrike">
-              <a:latin typeface="Arial"/>
-            </a:endParaRPr>
-          </a:p>
-        </p:txBody>
-      </p:sp>
-      <p:sp>
-        <p:nvSpPr>
-          <p:cNvPr id="158" name="Line 5"/>
+              <a:solidFill>
+                <a:srgbClr val="000000"/>
+              </a:solidFill>
+              <a:latin typeface="Arial"/>
+            </a:endParaRPr>
+          </a:p>
+        </p:txBody>
+      </p:sp>
+      <p:sp>
+        <p:nvSpPr>
+          <p:cNvPr id="157" name="Line 5"/>
           <p:cNvSpPr/>
           <p:nvPr/>
         </p:nvSpPr>
@@ -9049,17 +9694,30 @@
           </a:effectRef>
           <a:fontRef idx="minor"/>
         </p:style>
-      </p:sp>
-      <p:sp>
-        <p:nvSpPr>
-          <p:cNvPr id="159" name="CustomShape 30"/>
+        <p:txBody>
+          <a:bodyPr lIns="90000" rIns="90000" tIns="45000" bIns="45000" anchor="t" anchorCtr="1">
+            <a:noAutofit/>
+          </a:bodyPr>
+          <a:p>
+            <a:endParaRPr b="0" lang="en-US" sz="1800" spc="-1" strike="noStrike">
+              <a:solidFill>
+                <a:srgbClr val="000000"/>
+              </a:solidFill>
+              <a:latin typeface="Arial"/>
+            </a:endParaRPr>
+          </a:p>
+        </p:txBody>
+      </p:sp>
+      <p:sp>
+        <p:nvSpPr>
+          <p:cNvPr id="158" name="CustomShape 30"/>
           <p:cNvSpPr/>
           <p:nvPr/>
         </p:nvSpPr>
         <p:spPr>
           <a:xfrm>
             <a:off x="1058760" y="6130800"/>
-            <a:ext cx="279720" cy="363960"/>
+            <a:ext cx="279360" cy="363960"/>
           </a:xfrm>
           <a:prstGeom prst="rect">
             <a:avLst/>
@@ -9096,57 +9754,9 @@
               <a:t>D</a:t>
             </a:r>
             <a:endParaRPr b="0" lang="en-US" sz="1800" spc="-1" strike="noStrike">
-              <a:latin typeface="Arial"/>
-            </a:endParaRPr>
-          </a:p>
-        </p:txBody>
-      </p:sp>
-      <p:sp>
-        <p:nvSpPr>
-          <p:cNvPr id="160" name=""/>
-          <p:cNvSpPr/>
-          <p:nvPr/>
-        </p:nvSpPr>
-        <p:spPr>
-          <a:xfrm>
-            <a:off x="5580000" y="360000"/>
-            <a:ext cx="1078920" cy="857160"/>
-          </a:xfrm>
-          <a:prstGeom prst="rect">
-            <a:avLst/>
-          </a:prstGeom>
-          <a:noFill/>
-          <a:ln w="0">
-            <a:noFill/>
-          </a:ln>
-        </p:spPr>
-        <p:style>
-          <a:lnRef idx="0"/>
-          <a:fillRef idx="0"/>
-          <a:effectRef idx="0"/>
-          <a:fontRef idx="minor"/>
-        </p:style>
-        <p:txBody>
-          <a:bodyPr lIns="90000" rIns="90000" tIns="45000" bIns="45000" anchor="t">
-            <a:noAutofit/>
-          </a:bodyPr>
-          <a:p>
-            <a:pPr>
-              <a:lnSpc>
-                <a:spcPct val="100000"/>
-              </a:lnSpc>
-            </a:pPr>
-            <a:r>
-              <a:rPr b="1" lang="en-GB" sz="1800" spc="-1" strike="noStrike">
-                <a:solidFill>
-                  <a:srgbClr val="c9211e"/>
-                </a:solidFill>
-                <a:latin typeface="Arial"/>
-                <a:ea typeface="DejaVu Sans"/>
-              </a:rPr>
-              <a:t>TODO – Update images</a:t>
-            </a:r>
-            <a:endParaRPr b="0" lang="en-US" sz="1800" spc="-1" strike="noStrike">
+              <a:solidFill>
+                <a:srgbClr val="000000"/>
+              </a:solidFill>
               <a:latin typeface="Arial"/>
             </a:endParaRPr>
           </a:p>
@@ -9184,14 +9794,14 @@
       </p:grpSpPr>
       <p:sp>
         <p:nvSpPr>
-          <p:cNvPr id="161" name="CustomShape 1"/>
+          <p:cNvPr id="159" name="CustomShape 1"/>
           <p:cNvSpPr/>
           <p:nvPr/>
         </p:nvSpPr>
         <p:spPr>
           <a:xfrm>
             <a:off x="335520" y="764640"/>
-            <a:ext cx="10749600" cy="500400"/>
+            <a:ext cx="10749240" cy="500040"/>
           </a:xfrm>
           <a:prstGeom prst="rect">
             <a:avLst/>
@@ -9228,21 +9838,24 @@
               <a:t>Examination</a:t>
             </a:r>
             <a:endParaRPr b="0" lang="en-US" sz="2400" spc="-1" strike="noStrike">
-              <a:latin typeface="Arial"/>
-            </a:endParaRPr>
-          </a:p>
-        </p:txBody>
-      </p:sp>
-      <p:sp>
-        <p:nvSpPr>
-          <p:cNvPr id="162" name="CustomShape 2"/>
+              <a:solidFill>
+                <a:srgbClr val="000000"/>
+              </a:solidFill>
+              <a:latin typeface="Arial"/>
+            </a:endParaRPr>
+          </a:p>
+        </p:txBody>
+      </p:sp>
+      <p:sp>
+        <p:nvSpPr>
+          <p:cNvPr id="160" name="CustomShape 2"/>
           <p:cNvSpPr/>
           <p:nvPr/>
         </p:nvSpPr>
         <p:spPr>
           <a:xfrm>
             <a:off x="335520" y="1268640"/>
-            <a:ext cx="10749600" cy="5037120"/>
+            <a:ext cx="10749240" cy="5036760"/>
           </a:xfrm>
           <a:prstGeom prst="rect">
             <a:avLst/>
@@ -9318,6 +9931,9 @@
               <a:t> criteria have to be fulfilled):</a:t>
             </a:r>
             <a:endParaRPr b="0" lang="en-US" sz="1800" spc="-1" strike="noStrike">
+              <a:solidFill>
+                <a:srgbClr val="000000"/>
+              </a:solidFill>
               <a:latin typeface="Arial"/>
             </a:endParaRPr>
           </a:p>
@@ -9347,6 +9963,9 @@
               <a:t>Successful completion of the compulsory five exercises</a:t>
             </a:r>
             <a:endParaRPr b="0" lang="en-US" sz="1800" spc="-1" strike="noStrike">
+              <a:solidFill>
+                <a:srgbClr val="000000"/>
+              </a:solidFill>
               <a:latin typeface="Arial"/>
             </a:endParaRPr>
           </a:p>
@@ -9376,6 +9995,9 @@
               <a:t>You pass an exercise if you score 50% (or more)</a:t>
             </a:r>
             <a:endParaRPr b="0" lang="en-US" sz="1800" spc="-1" strike="noStrike">
+              <a:solidFill>
+                <a:srgbClr val="000000"/>
+              </a:solidFill>
               <a:latin typeface="Arial"/>
             </a:endParaRPr>
           </a:p>
@@ -9426,6 +10048,9 @@
               <a:t> exercise</a:t>
             </a:r>
             <a:endParaRPr b="0" lang="en-US" sz="1800" spc="-1" strike="noStrike">
+              <a:solidFill>
+                <a:srgbClr val="000000"/>
+              </a:solidFill>
               <a:latin typeface="Arial"/>
             </a:endParaRPr>
           </a:p>
@@ -9439,6 +10064,9 @@
               </a:spcBef>
             </a:pPr>
             <a:endParaRPr b="0" lang="en-US" sz="1800" spc="-1" strike="noStrike">
+              <a:solidFill>
+                <a:srgbClr val="000000"/>
+              </a:solidFill>
               <a:latin typeface="Arial"/>
             </a:endParaRPr>
           </a:p>
@@ -9468,6 +10096,9 @@
               <a:t>Final exam:</a:t>
             </a:r>
             <a:endParaRPr b="0" lang="en-US" sz="1800" spc="-1" strike="noStrike">
+              <a:solidFill>
+                <a:srgbClr val="000000"/>
+              </a:solidFill>
               <a:latin typeface="Arial"/>
             </a:endParaRPr>
           </a:p>
@@ -9497,6 +10128,9 @@
               <a:t>22.02.2023 → 14:00 – 16:00 </a:t>
             </a:r>
             <a:endParaRPr b="0" lang="en-US" sz="1800" spc="-1" strike="noStrike">
+              <a:solidFill>
+                <a:srgbClr val="000000"/>
+              </a:solidFill>
               <a:latin typeface="Arial"/>
             </a:endParaRPr>
           </a:p>
@@ -9526,6 +10160,9 @@
               <a:t>Written exam (120min) </a:t>
             </a:r>
             <a:endParaRPr b="0" lang="en-US" sz="1800" spc="-1" strike="noStrike">
+              <a:solidFill>
+                <a:srgbClr val="000000"/>
+              </a:solidFill>
               <a:latin typeface="Arial"/>
             </a:endParaRPr>
           </a:p>
@@ -9570,7 +10207,7 @@
         <p:spPr>
           <a:xfrm>
             <a:off x="335520" y="764640"/>
-            <a:ext cx="10749600" cy="500400"/>
+            <a:ext cx="10749240" cy="500040"/>
           </a:xfrm>
           <a:prstGeom prst="rect">
             <a:avLst/>
@@ -9607,6 +10244,9 @@
               <a:t>Team</a:t>
             </a:r>
             <a:endParaRPr b="0" lang="en-US" sz="2400" spc="-1" strike="noStrike">
+              <a:solidFill>
+                <a:srgbClr val="000000"/>
+              </a:solidFill>
               <a:latin typeface="Arial"/>
             </a:endParaRPr>
           </a:p>
@@ -9625,7 +10265,7 @@
         <p:spPr>
           <a:xfrm>
             <a:off x="2684520" y="1323360"/>
-            <a:ext cx="1472400" cy="2173680"/>
+            <a:ext cx="1472040" cy="2173320"/>
           </a:xfrm>
           <a:prstGeom prst="rect">
             <a:avLst/>
@@ -9648,7 +10288,7 @@
         <p:spPr>
           <a:xfrm>
             <a:off x="7269840" y="1716120"/>
-            <a:ext cx="1786320" cy="1778400"/>
+            <a:ext cx="1785960" cy="1778040"/>
           </a:xfrm>
           <a:prstGeom prst="rect">
             <a:avLst/>
@@ -9667,7 +10307,7 @@
         <p:spPr>
           <a:xfrm>
             <a:off x="1620000" y="3439440"/>
-            <a:ext cx="3637080" cy="678600"/>
+            <a:ext cx="3636720" cy="678240"/>
           </a:xfrm>
           <a:prstGeom prst="rect">
             <a:avLst/>
@@ -9707,29 +10347,9 @@
               <a:t>Prof. Dr. Benjamin Leiding</a:t>
             </a:r>
             <a:endParaRPr b="0" lang="en-US" sz="1600" spc="-1" strike="noStrike">
-              <a:latin typeface="Arial"/>
-            </a:endParaRPr>
-          </a:p>
-          <a:p>
-            <a:pPr marL="360" algn="ctr">
-              <a:lnSpc>
-                <a:spcPct val="100000"/>
-              </a:lnSpc>
-              <a:spcBef>
-                <a:spcPts val="360"/>
-              </a:spcBef>
-            </a:pPr>
-            <a:r>
-              <a:rPr b="0" lang="en-GB" sz="1200" spc="-1" strike="noStrike">
-                <a:solidFill>
-                  <a:srgbClr val="595959"/>
-                </a:solidFill>
-                <a:latin typeface="DejaVu Sans"/>
-                <a:ea typeface="DejaVu Sans"/>
-              </a:rPr>
-              <a:t>benjamin.leiding@tu-clausthal.de</a:t>
-            </a:r>
-            <a:endParaRPr b="0" lang="en-US" sz="1200" spc="-1" strike="noStrike">
+              <a:solidFill>
+                <a:srgbClr val="000000"/>
+              </a:solidFill>
               <a:latin typeface="Arial"/>
             </a:endParaRPr>
           </a:p>
@@ -9744,7 +10364,7 @@
         <p:spPr>
           <a:xfrm>
             <a:off x="6322680" y="3460320"/>
-            <a:ext cx="3637080" cy="678600"/>
+            <a:ext cx="3636720" cy="678240"/>
           </a:xfrm>
           <a:prstGeom prst="rect">
             <a:avLst/>
@@ -9784,29 +10404,9 @@
               <a:t>M.Sc. Anant Sujatanagarjuna</a:t>
             </a:r>
             <a:endParaRPr b="0" lang="en-US" sz="1600" spc="-1" strike="noStrike">
-              <a:latin typeface="Arial"/>
-            </a:endParaRPr>
-          </a:p>
-          <a:p>
-            <a:pPr marL="360" algn="ctr">
-              <a:lnSpc>
-                <a:spcPct val="100000"/>
-              </a:lnSpc>
-              <a:spcBef>
-                <a:spcPts val="360"/>
-              </a:spcBef>
-            </a:pPr>
-            <a:r>
-              <a:rPr b="0" lang="en-GB" sz="1200" spc="-1" strike="noStrike">
-                <a:solidFill>
-                  <a:srgbClr val="595959"/>
-                </a:solidFill>
-                <a:latin typeface="DejaVu Sans"/>
-                <a:ea typeface="DejaVu Sans"/>
-              </a:rPr>
-              <a:t>anant.sujatanagarjuna@tu-clausthal.de</a:t>
-            </a:r>
-            <a:endParaRPr b="0" lang="en-US" sz="1200" spc="-1" strike="noStrike">
+              <a:solidFill>
+                <a:srgbClr val="000000"/>
+              </a:solidFill>
               <a:latin typeface="Arial"/>
             </a:endParaRPr>
           </a:p>
@@ -9825,7 +10425,7 @@
         <p:spPr>
           <a:xfrm>
             <a:off x="4845960" y="4206240"/>
-            <a:ext cx="1779480" cy="1771560"/>
+            <a:ext cx="1779120" cy="1771200"/>
           </a:xfrm>
           <a:prstGeom prst="rect">
             <a:avLst/>
@@ -9844,7 +10444,7 @@
         <p:spPr>
           <a:xfrm>
             <a:off x="1311840" y="5920200"/>
-            <a:ext cx="3630240" cy="671760"/>
+            <a:ext cx="3629880" cy="671400"/>
           </a:xfrm>
           <a:prstGeom prst="rect">
             <a:avLst/>
@@ -9860,6 +10460,19 @@
           <a:effectRef idx="0"/>
           <a:fontRef idx="minor"/>
         </p:style>
+        <p:txBody>
+          <a:bodyPr lIns="90000" rIns="90000" tIns="45000" bIns="45000" anchor="t">
+            <a:noAutofit/>
+          </a:bodyPr>
+          <a:p>
+            <a:endParaRPr b="0" lang="en-US" sz="1800" spc="-1" strike="noStrike">
+              <a:solidFill>
+                <a:srgbClr val="000000"/>
+              </a:solidFill>
+              <a:latin typeface="Arial"/>
+            </a:endParaRPr>
+          </a:p>
+        </p:txBody>
       </p:sp>
       <p:sp>
         <p:nvSpPr>
@@ -9870,7 +10483,7 @@
         <p:spPr>
           <a:xfrm>
             <a:off x="3950280" y="5903280"/>
-            <a:ext cx="3630240" cy="671760"/>
+            <a:ext cx="3629880" cy="671400"/>
           </a:xfrm>
           <a:prstGeom prst="rect">
             <a:avLst/>
@@ -9910,29 +10523,9 @@
               <a:t>B.Sc. Sepideh Sayadkouh</a:t>
             </a:r>
             <a:endParaRPr b="0" lang="en-US" sz="1600" spc="-1" strike="noStrike">
-              <a:latin typeface="Arial"/>
-            </a:endParaRPr>
-          </a:p>
-          <a:p>
-            <a:pPr marL="360" algn="ctr">
-              <a:lnSpc>
-                <a:spcPct val="100000"/>
-              </a:lnSpc>
-              <a:spcBef>
-                <a:spcPts val="360"/>
-              </a:spcBef>
-            </a:pPr>
-            <a:r>
-              <a:rPr b="0" lang="de-DE" sz="1200" spc="-1" strike="noStrike">
-                <a:solidFill>
-                  <a:srgbClr val="595959"/>
-                </a:solidFill>
-                <a:latin typeface="DejaVu Sans"/>
-                <a:ea typeface="DejaVu Sans"/>
-              </a:rPr>
-              <a:t>sepideh.sayadkouh@tu-clausthal.de</a:t>
-            </a:r>
-            <a:endParaRPr b="0" lang="en-US" sz="1200" spc="-1" strike="noStrike">
+              <a:solidFill>
+                <a:srgbClr val="000000"/>
+              </a:solidFill>
               <a:latin typeface="Arial"/>
             </a:endParaRPr>
           </a:p>
@@ -9970,14 +10563,14 @@
       </p:grpSpPr>
       <p:sp>
         <p:nvSpPr>
-          <p:cNvPr id="163" name="CustomShape 1"/>
+          <p:cNvPr id="161" name="CustomShape 1"/>
           <p:cNvSpPr/>
           <p:nvPr/>
         </p:nvSpPr>
         <p:spPr>
           <a:xfrm>
             <a:off x="335520" y="764640"/>
-            <a:ext cx="10749600" cy="500400"/>
+            <a:ext cx="10749240" cy="500040"/>
           </a:xfrm>
           <a:prstGeom prst="rect">
             <a:avLst/>
@@ -10014,21 +10607,24 @@
               <a:t>Self-Study Star</a:t>
             </a:r>
             <a:endParaRPr b="0" lang="en-US" sz="2400" spc="-1" strike="noStrike">
-              <a:latin typeface="Arial"/>
-            </a:endParaRPr>
-          </a:p>
-        </p:txBody>
-      </p:sp>
-      <p:sp>
-        <p:nvSpPr>
-          <p:cNvPr id="164" name="CustomShape 2"/>
+              <a:solidFill>
+                <a:srgbClr val="000000"/>
+              </a:solidFill>
+              <a:latin typeface="Arial"/>
+            </a:endParaRPr>
+          </a:p>
+        </p:txBody>
+      </p:sp>
+      <p:sp>
+        <p:nvSpPr>
+          <p:cNvPr id="162" name="CustomShape 2"/>
           <p:cNvSpPr/>
           <p:nvPr/>
         </p:nvSpPr>
         <p:spPr>
           <a:xfrm>
             <a:off x="335520" y="1268280"/>
-            <a:ext cx="10749600" cy="5037120"/>
+            <a:ext cx="10749240" cy="5036760"/>
           </a:xfrm>
           <a:prstGeom prst="rect">
             <a:avLst/>
@@ -10058,6 +10654,9 @@
               </a:spcBef>
             </a:pPr>
             <a:endParaRPr b="0" lang="en-US" sz="1800" spc="-1" strike="noStrike">
+              <a:solidFill>
+                <a:srgbClr val="000000"/>
+              </a:solidFill>
               <a:latin typeface="Arial"/>
             </a:endParaRPr>
           </a:p>
@@ -10107,6 +10706,9 @@
               <a:t> mandatory but could be helpful for your future career</a:t>
             </a:r>
             <a:endParaRPr b="0" lang="en-US" sz="1800" spc="-1" strike="noStrike">
+              <a:solidFill>
+                <a:srgbClr val="000000"/>
+              </a:solidFill>
               <a:latin typeface="Arial"/>
             </a:endParaRPr>
           </a:p>
@@ -10120,6 +10722,9 @@
               </a:spcBef>
             </a:pPr>
             <a:endParaRPr b="0" lang="en-US" sz="1800" spc="-1" strike="noStrike">
+              <a:solidFill>
+                <a:srgbClr val="000000"/>
+              </a:solidFill>
               <a:latin typeface="Arial"/>
             </a:endParaRPr>
           </a:p>
@@ -10149,21 +10754,24 @@
               <a:t>Of course it won’t hurt to have extra knowledge to impress us during the examination ;)</a:t>
             </a:r>
             <a:endParaRPr b="0" lang="en-US" sz="1800" spc="-1" strike="noStrike">
-              <a:latin typeface="Arial"/>
-            </a:endParaRPr>
-          </a:p>
-        </p:txBody>
-      </p:sp>
-      <p:sp>
-        <p:nvSpPr>
-          <p:cNvPr id="165" name="CustomShape 3"/>
+              <a:solidFill>
+                <a:srgbClr val="000000"/>
+              </a:solidFill>
+              <a:latin typeface="Arial"/>
+            </a:endParaRPr>
+          </a:p>
+        </p:txBody>
+      </p:sp>
+      <p:sp>
+        <p:nvSpPr>
+          <p:cNvPr id="163" name="CustomShape 3"/>
           <p:cNvSpPr/>
           <p:nvPr/>
         </p:nvSpPr>
         <p:spPr>
           <a:xfrm>
             <a:off x="6285600" y="2132640"/>
-            <a:ext cx="519120" cy="498960"/>
+            <a:ext cx="518760" cy="498600"/>
           </a:xfrm>
           <a:prstGeom prst="star5">
             <a:avLst>
@@ -10195,17 +10803,30 @@
           </a:effectRef>
           <a:fontRef idx="minor"/>
         </p:style>
-      </p:sp>
-      <p:sp>
-        <p:nvSpPr>
-          <p:cNvPr id="166" name="CustomShape 4"/>
+        <p:txBody>
+          <a:bodyPr lIns="90000" rIns="90000" tIns="45000" bIns="45000" anchor="t">
+            <a:noAutofit/>
+          </a:bodyPr>
+          <a:p>
+            <a:endParaRPr b="0" lang="en-US" sz="1800" spc="-1" strike="noStrike">
+              <a:solidFill>
+                <a:srgbClr val="000000"/>
+              </a:solidFill>
+              <a:latin typeface="Arial"/>
+            </a:endParaRPr>
+          </a:p>
+        </p:txBody>
+      </p:sp>
+      <p:sp>
+        <p:nvSpPr>
+          <p:cNvPr id="164" name="CustomShape 4"/>
           <p:cNvSpPr/>
           <p:nvPr/>
         </p:nvSpPr>
         <p:spPr>
           <a:xfrm>
             <a:off x="4089960" y="2247480"/>
-            <a:ext cx="2287440" cy="363960"/>
+            <a:ext cx="2287080" cy="363960"/>
           </a:xfrm>
           <a:prstGeom prst="rect">
             <a:avLst/>
@@ -10242,6 +10863,9 @@
               <a:t>Self-Study Star → </a:t>
             </a:r>
             <a:endParaRPr b="0" lang="en-US" sz="1800" spc="-1" strike="noStrike">
+              <a:solidFill>
+                <a:srgbClr val="000000"/>
+              </a:solidFill>
               <a:latin typeface="Arial"/>
             </a:endParaRPr>
           </a:p>
@@ -10279,14 +10903,14 @@
       </p:grpSpPr>
       <p:sp>
         <p:nvSpPr>
-          <p:cNvPr id="167" name="CustomShape 1"/>
+          <p:cNvPr id="165" name="CustomShape 1"/>
           <p:cNvSpPr/>
           <p:nvPr/>
         </p:nvSpPr>
         <p:spPr>
           <a:xfrm>
             <a:off x="335520" y="764640"/>
-            <a:ext cx="10749600" cy="500400"/>
+            <a:ext cx="10749240" cy="500040"/>
           </a:xfrm>
           <a:prstGeom prst="rect">
             <a:avLst/>
@@ -10323,21 +10947,24 @@
               <a:t>Literature</a:t>
             </a:r>
             <a:endParaRPr b="0" lang="en-US" sz="2400" spc="-1" strike="noStrike">
-              <a:latin typeface="Arial"/>
-            </a:endParaRPr>
-          </a:p>
-        </p:txBody>
-      </p:sp>
-      <p:sp>
-        <p:nvSpPr>
-          <p:cNvPr id="168" name="CustomShape 2"/>
+              <a:solidFill>
+                <a:srgbClr val="000000"/>
+              </a:solidFill>
+              <a:latin typeface="Arial"/>
+            </a:endParaRPr>
+          </a:p>
+        </p:txBody>
+      </p:sp>
+      <p:sp>
+        <p:nvSpPr>
+          <p:cNvPr id="166" name="CustomShape 2"/>
           <p:cNvSpPr/>
           <p:nvPr/>
         </p:nvSpPr>
         <p:spPr>
           <a:xfrm>
             <a:off x="335520" y="1268640"/>
-            <a:ext cx="10749600" cy="5037120"/>
+            <a:ext cx="10749240" cy="5036760"/>
           </a:xfrm>
           <a:prstGeom prst="rect">
             <a:avLst/>
@@ -10403,6 +11030,9 @@
               <a:t> need to buy a book to pass the exam.</a:t>
             </a:r>
             <a:endParaRPr b="0" lang="en-US" sz="1800" spc="-1" strike="noStrike">
+              <a:solidFill>
+                <a:srgbClr val="000000"/>
+              </a:solidFill>
               <a:latin typeface="Arial"/>
             </a:endParaRPr>
           </a:p>
@@ -10416,6 +11046,9 @@
               </a:spcBef>
             </a:pPr>
             <a:endParaRPr b="0" lang="en-US" sz="1800" spc="-1" strike="noStrike">
+              <a:solidFill>
+                <a:srgbClr val="000000"/>
+              </a:solidFill>
               <a:latin typeface="Arial"/>
             </a:endParaRPr>
           </a:p>
@@ -10465,6 +11098,9 @@
               <a:t> (2010).</a:t>
             </a:r>
             <a:endParaRPr b="0" lang="en-US" sz="1800" spc="-1" strike="noStrike">
+              <a:solidFill>
+                <a:srgbClr val="000000"/>
+              </a:solidFill>
               <a:latin typeface="Arial"/>
             </a:endParaRPr>
           </a:p>
@@ -10514,6 +11150,9 @@
               <a:t>(2011).</a:t>
             </a:r>
             <a:endParaRPr b="0" lang="en-US" sz="1800" spc="-1" strike="noStrike">
+              <a:solidFill>
+                <a:srgbClr val="000000"/>
+              </a:solidFill>
               <a:latin typeface="Arial"/>
             </a:endParaRPr>
           </a:p>
@@ -10583,6 +11222,9 @@
               <a:t>(2017).</a:t>
             </a:r>
             <a:endParaRPr b="0" lang="en-US" sz="1800" spc="-1" strike="noStrike">
+              <a:solidFill>
+                <a:srgbClr val="000000"/>
+              </a:solidFill>
               <a:latin typeface="Arial"/>
             </a:endParaRPr>
           </a:p>
@@ -10632,6 +11274,9 @@
               <a:t>(2021).</a:t>
             </a:r>
             <a:endParaRPr b="0" lang="en-US" sz="1800" spc="-1" strike="noStrike">
+              <a:solidFill>
+                <a:srgbClr val="000000"/>
+              </a:solidFill>
               <a:latin typeface="Arial"/>
             </a:endParaRPr>
           </a:p>
@@ -10669,14 +11314,14 @@
       </p:grpSpPr>
       <p:sp>
         <p:nvSpPr>
-          <p:cNvPr id="169" name="CustomShape 1"/>
+          <p:cNvPr id="167" name="CustomShape 1"/>
           <p:cNvSpPr/>
           <p:nvPr/>
         </p:nvSpPr>
         <p:spPr>
           <a:xfrm>
             <a:off x="335520" y="1268640"/>
-            <a:ext cx="10749600" cy="5037120"/>
+            <a:ext cx="10749240" cy="5036760"/>
           </a:xfrm>
           <a:prstGeom prst="rect">
             <a:avLst/>
@@ -10719,21 +11364,24 @@
               <a:t>Questions?</a:t>
             </a:r>
             <a:endParaRPr b="0" lang="en-US" sz="4000" spc="-1" strike="noStrike">
-              <a:latin typeface="Arial"/>
-            </a:endParaRPr>
-          </a:p>
-        </p:txBody>
-      </p:sp>
-      <p:sp>
-        <p:nvSpPr>
-          <p:cNvPr id="170" name="CustomShape 2"/>
+              <a:solidFill>
+                <a:srgbClr val="000000"/>
+              </a:solidFill>
+              <a:latin typeface="Arial"/>
+            </a:endParaRPr>
+          </a:p>
+        </p:txBody>
+      </p:sp>
+      <p:sp>
+        <p:nvSpPr>
+          <p:cNvPr id="168" name="CustomShape 2"/>
           <p:cNvSpPr/>
           <p:nvPr/>
         </p:nvSpPr>
         <p:spPr>
           <a:xfrm>
             <a:off x="335520" y="764640"/>
-            <a:ext cx="10749600" cy="500400"/>
+            <a:ext cx="10749240" cy="500040"/>
           </a:xfrm>
           <a:prstGeom prst="rect">
             <a:avLst/>
@@ -10749,6 +11397,19 @@
           <a:effectRef idx="0"/>
           <a:fontRef idx="minor"/>
         </p:style>
+        <p:txBody>
+          <a:bodyPr lIns="90000" rIns="90000" tIns="45000" bIns="45000" anchor="t">
+            <a:noAutofit/>
+          </a:bodyPr>
+          <a:p>
+            <a:endParaRPr b="0" lang="en-US" sz="1800" spc="-1" strike="noStrike">
+              <a:solidFill>
+                <a:srgbClr val="000000"/>
+              </a:solidFill>
+              <a:latin typeface="Arial"/>
+            </a:endParaRPr>
+          </a:p>
+        </p:txBody>
       </p:sp>
     </p:spTree>
   </p:cSld>
@@ -10789,7 +11450,7 @@
         <p:spPr>
           <a:xfrm>
             <a:off x="542880" y="721800"/>
-            <a:ext cx="10355400" cy="496080"/>
+            <a:ext cx="10355040" cy="495720"/>
           </a:xfrm>
           <a:prstGeom prst="rect">
             <a:avLst/>
@@ -10826,6 +11487,9 @@
               <a:t>Research Group</a:t>
             </a:r>
             <a:endParaRPr b="0" lang="en-US" sz="2200" spc="-1" strike="noStrike">
+              <a:solidFill>
+                <a:srgbClr val="000000"/>
+              </a:solidFill>
               <a:latin typeface="Arial"/>
             </a:endParaRPr>
           </a:p>
@@ -10840,7 +11504,7 @@
         <p:spPr>
           <a:xfrm>
             <a:off x="451800" y="1709280"/>
-            <a:ext cx="8222760" cy="4350960"/>
+            <a:ext cx="8222400" cy="4350600"/>
           </a:xfrm>
           <a:prstGeom prst="rect">
             <a:avLst/>
@@ -10856,6 +11520,19 @@
           <a:effectRef idx="0"/>
           <a:fontRef idx="minor"/>
         </p:style>
+        <p:txBody>
+          <a:bodyPr lIns="90000" rIns="90000" tIns="45000" bIns="45000" anchor="t">
+            <a:noAutofit/>
+          </a:bodyPr>
+          <a:p>
+            <a:endParaRPr b="0" lang="en-US" sz="1800" spc="-1" strike="noStrike">
+              <a:solidFill>
+                <a:srgbClr val="000000"/>
+              </a:solidFill>
+              <a:latin typeface="Arial"/>
+            </a:endParaRPr>
+          </a:p>
+        </p:txBody>
       </p:sp>
       <p:sp>
         <p:nvSpPr>
@@ -10866,7 +11543,7 @@
         <p:spPr>
           <a:xfrm>
             <a:off x="609480" y="1769400"/>
-            <a:ext cx="10585800" cy="4853880"/>
+            <a:ext cx="10585440" cy="4853520"/>
           </a:xfrm>
           <a:prstGeom prst="rect">
             <a:avLst/>
@@ -10992,6 +11669,9 @@
               <a:t>ETCE</a:t>
             </a:r>
             <a:endParaRPr b="0" lang="en-US" sz="2000" spc="-1" strike="noStrike">
+              <a:solidFill>
+                <a:srgbClr val="000000"/>
+              </a:solidFill>
               <a:latin typeface="Arial"/>
             </a:endParaRPr>
           </a:p>
@@ -11021,6 +11701,191 @@
               <a:t>Research focus:</a:t>
             </a:r>
             <a:endParaRPr b="0" lang="en-US" sz="2000" spc="-1" strike="noStrike">
+              <a:solidFill>
+                <a:srgbClr val="000000"/>
+              </a:solidFill>
+              <a:latin typeface="Arial"/>
+            </a:endParaRPr>
+          </a:p>
+          <a:p>
+            <a:pPr lvl="1" marL="685800" indent="-228240">
+              <a:lnSpc>
+                <a:spcPct val="100000"/>
+              </a:lnSpc>
+              <a:spcBef>
+                <a:spcPts val="1009"/>
+              </a:spcBef>
+              <a:buClr>
+                <a:srgbClr val="008c4f"/>
+              </a:buClr>
+              <a:buSzPct val="60000"/>
+              <a:buFont typeface="Arial"/>
+              <a:buChar char="—"/>
+            </a:pPr>
+            <a:r>
+              <a:rPr b="0" lang="en-GB" sz="1800" spc="-1" strike="noStrike">
+                <a:solidFill>
+                  <a:srgbClr val="000000"/>
+                </a:solidFill>
+                <a:latin typeface="DejaVu Sans"/>
+                <a:ea typeface="DejaVu Sans"/>
+              </a:rPr>
+              <a:t>Intersection of IT and sustainability</a:t>
+            </a:r>
+            <a:endParaRPr b="0" lang="en-US" sz="1800" spc="-1" strike="noStrike">
+              <a:solidFill>
+                <a:srgbClr val="000000"/>
+              </a:solidFill>
+              <a:latin typeface="Arial"/>
+            </a:endParaRPr>
+          </a:p>
+          <a:p>
+            <a:pPr lvl="1" marL="685800" indent="-228240">
+              <a:lnSpc>
+                <a:spcPct val="100000"/>
+              </a:lnSpc>
+              <a:spcBef>
+                <a:spcPts val="1009"/>
+              </a:spcBef>
+              <a:buClr>
+                <a:srgbClr val="008c4f"/>
+              </a:buClr>
+              <a:buSzPct val="60000"/>
+              <a:buFont typeface="Arial"/>
+              <a:buChar char="—"/>
+            </a:pPr>
+            <a:r>
+              <a:rPr b="0" lang="en-GB" sz="1800" spc="-1" strike="noStrike">
+                <a:solidFill>
+                  <a:srgbClr val="000000"/>
+                </a:solidFill>
+                <a:latin typeface="DejaVu Sans"/>
+                <a:ea typeface="DejaVu Sans"/>
+              </a:rPr>
+              <a:t>Circular Economy and Circular Societies</a:t>
+            </a:r>
+            <a:endParaRPr b="0" lang="en-US" sz="1800" spc="-1" strike="noStrike">
+              <a:solidFill>
+                <a:srgbClr val="000000"/>
+              </a:solidFill>
+              <a:latin typeface="Arial"/>
+            </a:endParaRPr>
+          </a:p>
+          <a:p>
+            <a:pPr lvl="1" marL="685800" indent="-228240">
+              <a:lnSpc>
+                <a:spcPct val="100000"/>
+              </a:lnSpc>
+              <a:spcBef>
+                <a:spcPts val="1009"/>
+              </a:spcBef>
+              <a:buClr>
+                <a:srgbClr val="008c4f"/>
+              </a:buClr>
+              <a:buSzPct val="60000"/>
+              <a:buFont typeface="Arial"/>
+              <a:buChar char="—"/>
+            </a:pPr>
+            <a:r>
+              <a:rPr b="0" lang="en-GB" sz="1800" spc="-1" strike="noStrike">
+                <a:solidFill>
+                  <a:srgbClr val="000000"/>
+                </a:solidFill>
+                <a:latin typeface="DejaVu Sans"/>
+                <a:ea typeface="DejaVu Sans"/>
+              </a:rPr>
+              <a:t>Self-organized, decentralized and distributed systems</a:t>
+            </a:r>
+            <a:endParaRPr b="0" lang="en-US" sz="1800" spc="-1" strike="noStrike">
+              <a:solidFill>
+                <a:srgbClr val="000000"/>
+              </a:solidFill>
+              <a:latin typeface="Arial"/>
+            </a:endParaRPr>
+          </a:p>
+          <a:p>
+            <a:pPr lvl="1" marL="685800" indent="-228240">
+              <a:lnSpc>
+                <a:spcPct val="100000"/>
+              </a:lnSpc>
+              <a:spcBef>
+                <a:spcPts val="1009"/>
+              </a:spcBef>
+              <a:buClr>
+                <a:srgbClr val="008c4f"/>
+              </a:buClr>
+              <a:buSzPct val="60000"/>
+              <a:buFont typeface="Arial"/>
+              <a:buChar char="—"/>
+            </a:pPr>
+            <a:r>
+              <a:rPr b="0" lang="en-GB" sz="1800" spc="-1" strike="noStrike">
+                <a:solidFill>
+                  <a:srgbClr val="000000"/>
+                </a:solidFill>
+                <a:latin typeface="DejaVu Sans"/>
+                <a:ea typeface="DejaVu Sans"/>
+              </a:rPr>
+              <a:t>Localized and resilient food production → watch our mushrooms! (</a:t>
+            </a:r>
+            <a:r>
+              <a:rPr b="0" lang="en-GB" sz="1800" spc="-1" strike="noStrike" u="sng">
+                <a:solidFill>
+                  <a:srgbClr val="0000ff"/>
+                </a:solidFill>
+                <a:uFillTx/>
+                <a:latin typeface="DejaVu Sans"/>
+                <a:ea typeface="DejaVu Sans"/>
+                <a:hlinkClick r:id="rId1"/>
+              </a:rPr>
+              <a:t>Link</a:t>
+            </a:r>
+            <a:r>
+              <a:rPr b="0" lang="en-GB" sz="1800" spc="-1" strike="noStrike">
+                <a:solidFill>
+                  <a:srgbClr val="000000"/>
+                </a:solidFill>
+                <a:latin typeface="DejaVu Sans"/>
+                <a:ea typeface="DejaVu Sans"/>
+              </a:rPr>
+              <a:t>)</a:t>
+            </a:r>
+            <a:endParaRPr b="0" lang="en-US" sz="1800" spc="-1" strike="noStrike">
+              <a:solidFill>
+                <a:srgbClr val="000000"/>
+              </a:solidFill>
+              <a:latin typeface="Arial"/>
+            </a:endParaRPr>
+          </a:p>
+          <a:p>
+            <a:pPr marL="216000" indent="-215640">
+              <a:lnSpc>
+                <a:spcPct val="100000"/>
+              </a:lnSpc>
+              <a:spcBef>
+                <a:spcPts val="1009"/>
+              </a:spcBef>
+              <a:buClr>
+                <a:srgbClr val="008c4f"/>
+              </a:buClr>
+              <a:buSzPct val="80000"/>
+              <a:buFont typeface="Wingdings 2" charset="2"/>
+              <a:buChar char=""/>
+            </a:pPr>
+            <a:r>
+              <a:rPr b="0" lang="en-GB" sz="2000" spc="-1" strike="noStrike">
+                <a:solidFill>
+                  <a:srgbClr val="000000"/>
+                </a:solidFill>
+                <a:latin typeface="DejaVu Sans"/>
+                <a:ea typeface="DejaVu Sans"/>
+              </a:rPr>
+              <a:t>Other courses:</a:t>
+            </a:r>
+            <a:endParaRPr b="0" lang="en-US" sz="2000" spc="-1" strike="noStrike">
+              <a:solidFill>
+                <a:srgbClr val="000000"/>
+              </a:solidFill>
               <a:latin typeface="Arial"/>
             </a:endParaRPr>
           </a:p>
@@ -11047,9 +11912,12 @@
                 <a:latin typeface="DejaVu Sans"/>
                 <a:ea typeface="DejaVu Sans"/>
               </a:rPr>
-              <a:t>Intersection of IT and sustainability</a:t>
+              <a:t>Emerging Technologies for the Circular Economy (SS – M.Sc.)</a:t>
             </a:r>
             <a:endParaRPr b="0" lang="en-US" sz="1800" spc="-1" strike="noStrike">
+              <a:solidFill>
+                <a:srgbClr val="000000"/>
+              </a:solidFill>
               <a:latin typeface="Arial"/>
             </a:endParaRPr>
           </a:p>
@@ -11064,7 +11932,7 @@
               <a:buClr>
                 <a:srgbClr val="008c4f"/>
               </a:buClr>
-              <a:buSzPct val="45000"/>
+              <a:buSzPct val="60000"/>
               <a:buFont typeface="Arial"/>
               <a:buChar char="—"/>
             </a:pPr>
@@ -11076,176 +11944,12 @@
                 <a:latin typeface="DejaVu Sans"/>
                 <a:ea typeface="DejaVu Sans"/>
               </a:rPr>
-              <a:t>Circular Economy and Circular Societies</a:t>
+              <a:t>The Limits to Growth – Sustainability and the Circular Economy (SS – open for everyone)</a:t>
             </a:r>
             <a:endParaRPr b="0" lang="en-US" sz="1800" spc="-1" strike="noStrike">
-              <a:latin typeface="Arial"/>
-            </a:endParaRPr>
-          </a:p>
-          <a:p>
-            <a:pPr lvl="1" marL="685800" indent="-228240">
-              <a:lnSpc>
-                <a:spcPct val="100000"/>
-              </a:lnSpc>
-              <a:spcBef>
-                <a:spcPts val="1009"/>
-              </a:spcBef>
-              <a:buClr>
-                <a:srgbClr val="008c4f"/>
-              </a:buClr>
-              <a:buSzPct val="45000"/>
-              <a:buFont typeface="Arial"/>
-              <a:buChar char="—"/>
-            </a:pPr>
-            <a:r>
-              <a:rPr b="0" lang="en-GB" sz="1800" spc="-1" strike="noStrike">
-                <a:solidFill>
-                  <a:srgbClr val="000000"/>
-                </a:solidFill>
-                <a:latin typeface="DejaVu Sans"/>
-                <a:ea typeface="DejaVu Sans"/>
-              </a:rPr>
-              <a:t>Self-organized, decentralized and distributed systems</a:t>
-            </a:r>
-            <a:endParaRPr b="0" lang="en-US" sz="1800" spc="-1" strike="noStrike">
-              <a:latin typeface="Arial"/>
-            </a:endParaRPr>
-          </a:p>
-          <a:p>
-            <a:pPr lvl="1" marL="685800" indent="-228240">
-              <a:lnSpc>
-                <a:spcPct val="100000"/>
-              </a:lnSpc>
-              <a:spcBef>
-                <a:spcPts val="1009"/>
-              </a:spcBef>
-              <a:buClr>
-                <a:srgbClr val="008c4f"/>
-              </a:buClr>
-              <a:buSzPct val="45000"/>
-              <a:buFont typeface="Arial"/>
-              <a:buChar char="—"/>
-            </a:pPr>
-            <a:r>
-              <a:rPr b="0" lang="en-GB" sz="1800" spc="-1" strike="noStrike">
-                <a:solidFill>
-                  <a:srgbClr val="000000"/>
-                </a:solidFill>
-                <a:latin typeface="DejaVu Sans"/>
-                <a:ea typeface="DejaVu Sans"/>
-              </a:rPr>
-              <a:t>Localized and resilient food production → watch our mushrooms! (</a:t>
-            </a:r>
-            <a:r>
-              <a:rPr b="0" lang="en-GB" sz="1800" spc="-1" strike="noStrike" u="sng">
-                <a:solidFill>
-                  <a:srgbClr val="0000ff"/>
-                </a:solidFill>
-                <a:uFillTx/>
-                <a:latin typeface="DejaVu Sans"/>
-                <a:ea typeface="DejaVu Sans"/>
-                <a:hlinkClick r:id="rId1"/>
-              </a:rPr>
-              <a:t>Link</a:t>
-            </a:r>
-            <a:r>
-              <a:rPr b="0" lang="en-GB" sz="1800" spc="-1" strike="noStrike">
-                <a:solidFill>
-                  <a:srgbClr val="000000"/>
-                </a:solidFill>
-                <a:latin typeface="DejaVu Sans"/>
-                <a:ea typeface="DejaVu Sans"/>
-              </a:rPr>
-              <a:t>)</a:t>
-            </a:r>
-            <a:endParaRPr b="0" lang="en-US" sz="1800" spc="-1" strike="noStrike">
-              <a:latin typeface="Arial"/>
-            </a:endParaRPr>
-          </a:p>
-          <a:p>
-            <a:pPr marL="216000" indent="-215640">
-              <a:lnSpc>
-                <a:spcPct val="100000"/>
-              </a:lnSpc>
-              <a:spcBef>
-                <a:spcPts val="1009"/>
-              </a:spcBef>
-              <a:buClr>
-                <a:srgbClr val="008c4f"/>
-              </a:buClr>
-              <a:buSzPct val="80000"/>
-              <a:buFont typeface="Wingdings 2" charset="2"/>
-              <a:buChar char=""/>
-            </a:pPr>
-            <a:r>
-              <a:rPr b="0" lang="en-GB" sz="2000" spc="-1" strike="noStrike">
-                <a:solidFill>
-                  <a:srgbClr val="000000"/>
-                </a:solidFill>
-                <a:latin typeface="DejaVu Sans"/>
-                <a:ea typeface="DejaVu Sans"/>
-              </a:rPr>
-              <a:t>Other courses:</a:t>
-            </a:r>
-            <a:endParaRPr b="0" lang="en-US" sz="2000" spc="-1" strike="noStrike">
-              <a:latin typeface="Arial"/>
-            </a:endParaRPr>
-          </a:p>
-          <a:p>
-            <a:pPr lvl="1" marL="685800" indent="-228240">
-              <a:lnSpc>
-                <a:spcPct val="100000"/>
-              </a:lnSpc>
-              <a:spcBef>
-                <a:spcPts val="1009"/>
-              </a:spcBef>
-              <a:buClr>
-                <a:srgbClr val="008c4f"/>
-              </a:buClr>
-              <a:buSzPct val="45000"/>
-              <a:buFont typeface="Arial"/>
-              <a:buChar char="—"/>
-            </a:pPr>
-            <a:r>
-              <a:rPr b="0" lang="en-GB" sz="1800" spc="-1" strike="noStrike">
-                <a:solidFill>
-                  <a:srgbClr val="000000"/>
-                </a:solidFill>
-                <a:latin typeface="DejaVu Sans"/>
-                <a:ea typeface="DejaVu Sans"/>
-              </a:rPr>
-              <a:t>Emerging Technologies for the Circular Economy (SS – M.Sc.)</a:t>
-            </a:r>
-            <a:endParaRPr b="0" lang="en-US" sz="1800" spc="-1" strike="noStrike">
-              <a:latin typeface="Arial"/>
-            </a:endParaRPr>
-          </a:p>
-          <a:p>
-            <a:pPr lvl="1" marL="685800" indent="-228240">
-              <a:lnSpc>
-                <a:spcPct val="100000"/>
-              </a:lnSpc>
-              <a:spcBef>
-                <a:spcPts val="1009"/>
-              </a:spcBef>
-              <a:buClr>
-                <a:srgbClr val="008c4f"/>
-              </a:buClr>
-              <a:buSzPct val="45000"/>
-              <a:buFont typeface="Arial"/>
-              <a:buChar char="—"/>
-            </a:pPr>
-            <a:r>
-              <a:rPr b="0" lang="en-GB" sz="1800" spc="-1" strike="noStrike">
-                <a:solidFill>
-                  <a:srgbClr val="000000"/>
-                </a:solidFill>
-                <a:latin typeface="DejaVu Sans"/>
-                <a:ea typeface="DejaVu Sans"/>
-              </a:rPr>
-              <a:t>The Limits to Growth – Sustainability and the Circular Economy (SS – open for everyone)</a:t>
-            </a:r>
-            <a:endParaRPr b="0" lang="en-US" sz="1800" spc="-1" strike="noStrike">
+              <a:solidFill>
+                <a:srgbClr val="000000"/>
+              </a:solidFill>
               <a:latin typeface="Arial"/>
             </a:endParaRPr>
           </a:p>
@@ -11290,7 +11994,7 @@
         <p:spPr>
           <a:xfrm>
             <a:off x="542880" y="721800"/>
-            <a:ext cx="10355400" cy="496080"/>
+            <a:ext cx="10355040" cy="495720"/>
           </a:xfrm>
           <a:prstGeom prst="rect">
             <a:avLst/>
@@ -11327,6 +12031,9 @@
               <a:t>Research Group</a:t>
             </a:r>
             <a:endParaRPr b="0" lang="en-US" sz="2200" spc="-1" strike="noStrike">
+              <a:solidFill>
+                <a:srgbClr val="000000"/>
+              </a:solidFill>
               <a:latin typeface="Arial"/>
             </a:endParaRPr>
           </a:p>
@@ -11341,7 +12048,7 @@
         <p:spPr>
           <a:xfrm>
             <a:off x="451800" y="1709280"/>
-            <a:ext cx="8222760" cy="4350960"/>
+            <a:ext cx="8222400" cy="4350600"/>
           </a:xfrm>
           <a:prstGeom prst="rect">
             <a:avLst/>
@@ -11357,6 +12064,19 @@
           <a:effectRef idx="0"/>
           <a:fontRef idx="minor"/>
         </p:style>
+        <p:txBody>
+          <a:bodyPr lIns="90000" rIns="90000" tIns="45000" bIns="45000" anchor="t">
+            <a:noAutofit/>
+          </a:bodyPr>
+          <a:p>
+            <a:endParaRPr b="0" lang="en-US" sz="1800" spc="-1" strike="noStrike">
+              <a:solidFill>
+                <a:srgbClr val="000000"/>
+              </a:solidFill>
+              <a:latin typeface="Arial"/>
+            </a:endParaRPr>
+          </a:p>
+        </p:txBody>
       </p:sp>
       <p:sp>
         <p:nvSpPr>
@@ -11367,7 +12087,7 @@
         <p:spPr>
           <a:xfrm>
             <a:off x="609480" y="1769400"/>
-            <a:ext cx="10585800" cy="4853880"/>
+            <a:ext cx="10585440" cy="4853520"/>
           </a:xfrm>
           <a:prstGeom prst="rect">
             <a:avLst/>
@@ -11419,6 +12139,9 @@
               <a:t>Link</a:t>
             </a:r>
             <a:endParaRPr b="0" lang="en-US" sz="2000" spc="-1" strike="noStrike">
+              <a:solidFill>
+                <a:srgbClr val="000000"/>
+              </a:solidFill>
               <a:latin typeface="Arial"/>
             </a:endParaRPr>
           </a:p>
@@ -11448,6 +12171,9 @@
               <a:t>Course material </a:t>
             </a:r>
             <a:endParaRPr b="0" lang="en-US" sz="1800" spc="-1" strike="noStrike">
+              <a:solidFill>
+                <a:srgbClr val="000000"/>
+              </a:solidFill>
               <a:latin typeface="Arial"/>
             </a:endParaRPr>
           </a:p>
@@ -11477,6 +12203,9 @@
               <a:t>Thesis/project topics</a:t>
             </a:r>
             <a:endParaRPr b="0" lang="en-US" sz="1800" spc="-1" strike="noStrike">
+              <a:solidFill>
+                <a:srgbClr val="000000"/>
+              </a:solidFill>
               <a:latin typeface="Arial"/>
             </a:endParaRPr>
           </a:p>
@@ -11506,6 +12235,9 @@
               <a:t>Publications</a:t>
             </a:r>
             <a:endParaRPr b="0" lang="en-US" sz="1800" spc="-1" strike="noStrike">
+              <a:solidFill>
+                <a:srgbClr val="000000"/>
+              </a:solidFill>
               <a:latin typeface="Arial"/>
             </a:endParaRPr>
           </a:p>
@@ -11535,6 +12267,9 @@
               <a:t>Etc.</a:t>
             </a:r>
             <a:endParaRPr b="0" lang="en-US" sz="1800" spc="-1" strike="noStrike">
+              <a:solidFill>
+                <a:srgbClr val="000000"/>
+              </a:solidFill>
               <a:latin typeface="Arial"/>
             </a:endParaRPr>
           </a:p>
@@ -11551,6 +12286,9 @@
               </a:tabLst>
             </a:pPr>
             <a:endParaRPr b="0" lang="en-US" sz="1800" spc="-1" strike="noStrike">
+              <a:solidFill>
+                <a:srgbClr val="000000"/>
+              </a:solidFill>
               <a:latin typeface="Arial"/>
             </a:endParaRPr>
           </a:p>
@@ -11583,6 +12321,9 @@
               <a:t>Our research in action:</a:t>
             </a:r>
             <a:endParaRPr b="0" lang="en-US" sz="2000" spc="-1" strike="noStrike">
+              <a:solidFill>
+                <a:srgbClr val="000000"/>
+              </a:solidFill>
               <a:latin typeface="Arial"/>
             </a:endParaRPr>
           </a:p>
@@ -11637,6 +12378,9 @@
               <a:t> </a:t>
             </a:r>
             <a:endParaRPr b="0" lang="en-US" sz="2000" spc="-1" strike="noStrike">
+              <a:solidFill>
+                <a:srgbClr val="000000"/>
+              </a:solidFill>
               <a:latin typeface="Arial"/>
             </a:endParaRPr>
           </a:p>
@@ -11691,6 +12435,9 @@
               <a:t> </a:t>
             </a:r>
             <a:endParaRPr b="0" lang="en-US" sz="2000" spc="-1" strike="noStrike">
+              <a:solidFill>
+                <a:srgbClr val="000000"/>
+              </a:solidFill>
               <a:latin typeface="Arial"/>
             </a:endParaRPr>
           </a:p>
@@ -11707,6 +12454,9 @@
               </a:tabLst>
             </a:pPr>
             <a:endParaRPr b="0" lang="en-US" sz="2000" spc="-1" strike="noStrike">
+              <a:solidFill>
+                <a:srgbClr val="000000"/>
+              </a:solidFill>
               <a:latin typeface="Arial"/>
             </a:endParaRPr>
           </a:p>
@@ -11739,6 +12489,9 @@
               <a:t>You want join us? Write us an email! </a:t>
             </a:r>
             <a:endParaRPr b="0" lang="en-US" sz="2000" spc="-1" strike="noStrike">
+              <a:solidFill>
+                <a:srgbClr val="000000"/>
+              </a:solidFill>
               <a:latin typeface="Arial"/>
             </a:endParaRPr>
           </a:p>
@@ -11775,6 +12528,9 @@
               <a:t>benjamin.leiding@tu-clausthal.de</a:t>
             </a:r>
             <a:endParaRPr b="0" lang="en-US" sz="1600" spc="-1" strike="noStrike">
+              <a:solidFill>
+                <a:srgbClr val="000000"/>
+              </a:solidFill>
               <a:latin typeface="Arial"/>
             </a:endParaRPr>
           </a:p>
@@ -11819,7 +12575,7 @@
         <p:spPr>
           <a:xfrm>
             <a:off x="542880" y="721800"/>
-            <a:ext cx="10355400" cy="496080"/>
+            <a:ext cx="10355040" cy="495720"/>
           </a:xfrm>
           <a:prstGeom prst="rect">
             <a:avLst/>
@@ -11856,6 +12612,9 @@
               <a:t>Course Content</a:t>
             </a:r>
             <a:endParaRPr b="0" lang="en-US" sz="2200" spc="-1" strike="noStrike">
+              <a:solidFill>
+                <a:srgbClr val="000000"/>
+              </a:solidFill>
               <a:latin typeface="Arial"/>
             </a:endParaRPr>
           </a:p>
@@ -11870,7 +12629,7 @@
         <p:spPr>
           <a:xfrm>
             <a:off x="451800" y="1709280"/>
-            <a:ext cx="8222760" cy="4350960"/>
+            <a:ext cx="8222400" cy="4350600"/>
           </a:xfrm>
           <a:prstGeom prst="rect">
             <a:avLst/>
@@ -11886,6 +12645,19 @@
           <a:effectRef idx="0"/>
           <a:fontRef idx="minor"/>
         </p:style>
+        <p:txBody>
+          <a:bodyPr lIns="90000" rIns="90000" tIns="45000" bIns="45000" anchor="t">
+            <a:noAutofit/>
+          </a:bodyPr>
+          <a:p>
+            <a:endParaRPr b="0" lang="en-US" sz="1800" spc="-1" strike="noStrike">
+              <a:solidFill>
+                <a:srgbClr val="000000"/>
+              </a:solidFill>
+              <a:latin typeface="Arial"/>
+            </a:endParaRPr>
+          </a:p>
+        </p:txBody>
       </p:sp>
       <p:sp>
         <p:nvSpPr>
@@ -11896,7 +12668,7 @@
         <p:spPr>
           <a:xfrm>
             <a:off x="609480" y="1769400"/>
-            <a:ext cx="10585800" cy="4853880"/>
+            <a:ext cx="10585440" cy="4853520"/>
           </a:xfrm>
           <a:prstGeom prst="rect">
             <a:avLst/>
@@ -11942,6 +12714,9 @@
               <a:t>Core terminology and core tasks of requirements engineering </a:t>
             </a:r>
             <a:endParaRPr b="0" lang="en-US" sz="2000" spc="-1" strike="noStrike">
+              <a:solidFill>
+                <a:srgbClr val="000000"/>
+              </a:solidFill>
               <a:latin typeface="Arial"/>
             </a:endParaRPr>
           </a:p>
@@ -11971,6 +12746,9 @@
               <a:t>Requirements engineering process</a:t>
             </a:r>
             <a:endParaRPr b="0" lang="en-US" sz="2000" spc="-1" strike="noStrike">
+              <a:solidFill>
+                <a:srgbClr val="000000"/>
+              </a:solidFill>
               <a:latin typeface="Arial"/>
             </a:endParaRPr>
           </a:p>
@@ -12000,6 +12778,9 @@
               <a:t>Elicitation techniques</a:t>
             </a:r>
             <a:endParaRPr b="0" lang="en-US" sz="2000" spc="-1" strike="noStrike">
+              <a:solidFill>
+                <a:srgbClr val="000000"/>
+              </a:solidFill>
               <a:latin typeface="Arial"/>
             </a:endParaRPr>
           </a:p>
@@ -12029,6 +12810,9 @@
               <a:t>Documentation methods </a:t>
             </a:r>
             <a:endParaRPr b="0" lang="en-US" sz="2000" spc="-1" strike="noStrike">
+              <a:solidFill>
+                <a:srgbClr val="000000"/>
+              </a:solidFill>
               <a:latin typeface="Arial"/>
             </a:endParaRPr>
           </a:p>
@@ -12058,6 +12842,9 @@
               <a:t>Textual, model-based and formal requirements specification</a:t>
             </a:r>
             <a:endParaRPr b="0" lang="en-US" sz="2000" spc="-1" strike="noStrike">
+              <a:solidFill>
+                <a:srgbClr val="000000"/>
+              </a:solidFill>
               <a:latin typeface="Arial"/>
             </a:endParaRPr>
           </a:p>
@@ -12087,6 +12874,9 @@
               <a:t>Requirements negotiation</a:t>
             </a:r>
             <a:endParaRPr b="0" lang="en-US" sz="2000" spc="-1" strike="noStrike">
+              <a:solidFill>
+                <a:srgbClr val="000000"/>
+              </a:solidFill>
               <a:latin typeface="Arial"/>
             </a:endParaRPr>
           </a:p>
@@ -12116,6 +12906,9 @@
               <a:t>Requirements Management</a:t>
             </a:r>
             <a:endParaRPr b="0" lang="en-US" sz="2000" spc="-1" strike="noStrike">
+              <a:solidFill>
+                <a:srgbClr val="000000"/>
+              </a:solidFill>
               <a:latin typeface="Arial"/>
             </a:endParaRPr>
           </a:p>
@@ -12145,6 +12938,9 @@
               <a:t>Traceability</a:t>
             </a:r>
             <a:endParaRPr b="0" lang="en-US" sz="2000" spc="-1" strike="noStrike">
+              <a:solidFill>
+                <a:srgbClr val="000000"/>
+              </a:solidFill>
               <a:latin typeface="Arial"/>
             </a:endParaRPr>
           </a:p>
@@ -12174,6 +12970,9 @@
               <a:t>Requirements validation and quality assurance</a:t>
             </a:r>
             <a:endParaRPr b="0" lang="en-US" sz="2000" spc="-1" strike="noStrike">
+              <a:solidFill>
+                <a:srgbClr val="000000"/>
+              </a:solidFill>
               <a:latin typeface="Arial"/>
             </a:endParaRPr>
           </a:p>
@@ -12218,7 +13017,7 @@
         <p:spPr>
           <a:xfrm>
             <a:off x="542880" y="721800"/>
-            <a:ext cx="10355400" cy="496080"/>
+            <a:ext cx="10355040" cy="495720"/>
           </a:xfrm>
           <a:prstGeom prst="rect">
             <a:avLst/>
@@ -12255,6 +13054,9 @@
               <a:t>Learning Outcome</a:t>
             </a:r>
             <a:endParaRPr b="0" lang="en-US" sz="2200" spc="-1" strike="noStrike">
+              <a:solidFill>
+                <a:srgbClr val="000000"/>
+              </a:solidFill>
               <a:latin typeface="Arial"/>
             </a:endParaRPr>
           </a:p>
@@ -12269,7 +13071,7 @@
         <p:spPr>
           <a:xfrm>
             <a:off x="451800" y="1709280"/>
-            <a:ext cx="8222760" cy="4350960"/>
+            <a:ext cx="8222400" cy="4350600"/>
           </a:xfrm>
           <a:prstGeom prst="rect">
             <a:avLst/>
@@ -12285,6 +13087,19 @@
           <a:effectRef idx="0"/>
           <a:fontRef idx="minor"/>
         </p:style>
+        <p:txBody>
+          <a:bodyPr lIns="90000" rIns="90000" tIns="45000" bIns="45000" anchor="t">
+            <a:noAutofit/>
+          </a:bodyPr>
+          <a:p>
+            <a:endParaRPr b="0" lang="en-US" sz="1800" spc="-1" strike="noStrike">
+              <a:solidFill>
+                <a:srgbClr val="000000"/>
+              </a:solidFill>
+              <a:latin typeface="Arial"/>
+            </a:endParaRPr>
+          </a:p>
+        </p:txBody>
       </p:sp>
       <p:sp>
         <p:nvSpPr>
@@ -12295,7 +13110,7 @@
         <p:spPr>
           <a:xfrm>
             <a:off x="609480" y="1769400"/>
-            <a:ext cx="10585800" cy="4853880"/>
+            <a:ext cx="10585440" cy="4853520"/>
           </a:xfrm>
           <a:prstGeom prst="rect">
             <a:avLst/>
@@ -12341,6 +13156,9 @@
               <a:t>Core terminology and core tasks of requirements engineering </a:t>
             </a:r>
             <a:endParaRPr b="0" lang="en-US" sz="2000" spc="-1" strike="noStrike">
+              <a:solidFill>
+                <a:srgbClr val="000000"/>
+              </a:solidFill>
               <a:latin typeface="Arial"/>
             </a:endParaRPr>
           </a:p>
@@ -12370,6 +13188,9 @@
               <a:t>Understanding of the requirements engineering process</a:t>
             </a:r>
             <a:endParaRPr b="0" lang="en-US" sz="2000" spc="-1" strike="noStrike">
+              <a:solidFill>
+                <a:srgbClr val="000000"/>
+              </a:solidFill>
               <a:latin typeface="Arial"/>
             </a:endParaRPr>
           </a:p>
@@ -12399,6 +13220,9 @@
               <a:t>Ability to choose, justify and apply appropriate methods and techniques for each step of the requirements engineering process given project constraints and properties</a:t>
             </a:r>
             <a:endParaRPr b="0" lang="en-US" sz="2000" spc="-1" strike="noStrike">
+              <a:solidFill>
+                <a:srgbClr val="000000"/>
+              </a:solidFill>
               <a:latin typeface="Arial"/>
             </a:endParaRPr>
           </a:p>
@@ -12415,6 +13239,9 @@
               </a:tabLst>
             </a:pPr>
             <a:endParaRPr b="0" lang="en-US" sz="2000" spc="-1" strike="noStrike">
+              <a:solidFill>
+                <a:srgbClr val="000000"/>
+              </a:solidFill>
               <a:latin typeface="Arial"/>
             </a:endParaRPr>
           </a:p>
@@ -12441,6 +13268,9 @@
               <a:t>What is this course about, what is it not about? </a:t>
             </a:r>
             <a:endParaRPr b="0" lang="en-US" sz="1600" spc="-1" strike="noStrike">
+              <a:solidFill>
+                <a:srgbClr val="000000"/>
+              </a:solidFill>
               <a:latin typeface="Arial"/>
             </a:endParaRPr>
           </a:p>
@@ -12485,7 +13315,7 @@
         <p:spPr>
           <a:xfrm>
             <a:off x="335520" y="764640"/>
-            <a:ext cx="10749600" cy="500400"/>
+            <a:ext cx="10749240" cy="500040"/>
           </a:xfrm>
           <a:prstGeom prst="rect">
             <a:avLst/>
@@ -12522,6 +13352,9 @@
               <a:t>Disclaimer</a:t>
             </a:r>
             <a:endParaRPr b="0" lang="en-US" sz="2400" spc="-1" strike="noStrike">
+              <a:solidFill>
+                <a:srgbClr val="000000"/>
+              </a:solidFill>
               <a:latin typeface="Arial"/>
             </a:endParaRPr>
           </a:p>
@@ -12536,7 +13369,7 @@
         <p:spPr>
           <a:xfrm>
             <a:off x="335520" y="1268280"/>
-            <a:ext cx="10749600" cy="5037120"/>
+            <a:ext cx="10749240" cy="5036760"/>
           </a:xfrm>
           <a:prstGeom prst="rect">
             <a:avLst/>
@@ -12602,6 +13435,9 @@
               <a:t> (2010)” from Klaus Pohl</a:t>
             </a:r>
             <a:endParaRPr b="0" lang="en-US" sz="1800" spc="-1" strike="noStrike">
+              <a:solidFill>
+                <a:srgbClr val="000000"/>
+              </a:solidFill>
               <a:latin typeface="Arial"/>
             </a:endParaRPr>
           </a:p>
@@ -12615,6 +13451,9 @@
               </a:spcBef>
             </a:pPr>
             <a:endParaRPr b="0" lang="en-US" sz="1800" spc="-1" strike="noStrike">
+              <a:solidFill>
+                <a:srgbClr val="000000"/>
+              </a:solidFill>
               <a:latin typeface="Arial"/>
             </a:endParaRPr>
           </a:p>
@@ -12644,6 +13483,9 @@
               <a:t>Special thanks to Prof. Dr. Steffen Herbold and Dr. Christian Bartelt, who provided valuable input in the form of the teaching materials of their requirements engineering courses. </a:t>
             </a:r>
             <a:endParaRPr b="0" lang="en-US" sz="1800" spc="-1" strike="noStrike">
+              <a:solidFill>
+                <a:srgbClr val="000000"/>
+              </a:solidFill>
               <a:latin typeface="Arial"/>
             </a:endParaRPr>
           </a:p>
@@ -12688,7 +13530,7 @@
         <p:spPr>
           <a:xfrm>
             <a:off x="542880" y="721800"/>
-            <a:ext cx="10358280" cy="498960"/>
+            <a:ext cx="10357920" cy="498600"/>
           </a:xfrm>
           <a:prstGeom prst="rect">
             <a:avLst/>
@@ -12725,6 +13567,9 @@
               <a:t>Course Content</a:t>
             </a:r>
             <a:endParaRPr b="0" lang="en-US" sz="2200" spc="-1" strike="noStrike">
+              <a:solidFill>
+                <a:srgbClr val="000000"/>
+              </a:solidFill>
               <a:latin typeface="Arial"/>
             </a:endParaRPr>
           </a:p>
@@ -12743,7 +13588,7 @@
         <p:spPr>
           <a:xfrm>
             <a:off x="542880" y="2387520"/>
-            <a:ext cx="10103400" cy="2080800"/>
+            <a:ext cx="10103040" cy="2080440"/>
           </a:xfrm>
           <a:prstGeom prst="rect">
             <a:avLst/>
@@ -12792,7 +13637,7 @@
         <p:spPr>
           <a:xfrm>
             <a:off x="335520" y="764640"/>
-            <a:ext cx="10742760" cy="493560"/>
+            <a:ext cx="10742400" cy="493200"/>
           </a:xfrm>
           <a:prstGeom prst="rect">
             <a:avLst/>
@@ -12829,6 +13674,9 @@
               <a:t>Lectures</a:t>
             </a:r>
             <a:endParaRPr b="0" lang="en-US" sz="2400" spc="-1" strike="noStrike">
+              <a:solidFill>
+                <a:srgbClr val="000000"/>
+              </a:solidFill>
               <a:latin typeface="Arial"/>
             </a:endParaRPr>
           </a:p>
@@ -12843,7 +13691,7 @@
         <p:spPr>
           <a:xfrm>
             <a:off x="335520" y="1268640"/>
-            <a:ext cx="10742760" cy="5030280"/>
+            <a:ext cx="10742400" cy="5029920"/>
           </a:xfrm>
           <a:prstGeom prst="rect">
             <a:avLst/>
@@ -12889,6 +13737,9 @@
               <a:t>26.10.2022 → No lecture </a:t>
             </a:r>
             <a:endParaRPr b="0" lang="en-US" sz="1800" spc="-1" strike="noStrike">
+              <a:solidFill>
+                <a:srgbClr val="000000"/>
+              </a:solidFill>
               <a:latin typeface="Arial"/>
             </a:endParaRPr>
           </a:p>
@@ -12918,6 +13769,9 @@
               <a:t>02.11.2022 → Organization (L00) + Introduction (L01)</a:t>
             </a:r>
             <a:endParaRPr b="0" lang="en-US" sz="1800" spc="-1" strike="noStrike">
+              <a:solidFill>
+                <a:srgbClr val="000000"/>
+              </a:solidFill>
               <a:latin typeface="Arial"/>
             </a:endParaRPr>
           </a:p>
@@ -12947,6 +13801,9 @@
               <a:t>09.11.2022 → System Context Boundaries and Types of Requirements (L02)</a:t>
             </a:r>
             <a:endParaRPr b="0" lang="en-US" sz="1800" spc="-1" strike="noStrike">
+              <a:solidFill>
+                <a:srgbClr val="000000"/>
+              </a:solidFill>
               <a:latin typeface="Arial"/>
             </a:endParaRPr>
           </a:p>
@@ -12976,6 +13833,9 @@
               <a:t>16.11.2022 → Elicitation – Part 1 (L03)</a:t>
             </a:r>
             <a:endParaRPr b="0" lang="en-US" sz="1800" spc="-1" strike="noStrike">
+              <a:solidFill>
+                <a:srgbClr val="000000"/>
+              </a:solidFill>
               <a:latin typeface="Arial"/>
             </a:endParaRPr>
           </a:p>
@@ -13005,6 +13865,9 @@
               <a:t>23.11.2022 → Elicitation – Part 2 (L04) and Negotiations (L05)</a:t>
             </a:r>
             <a:endParaRPr b="0" lang="en-US" sz="1800" spc="-1" strike="noStrike">
+              <a:solidFill>
+                <a:srgbClr val="000000"/>
+              </a:solidFill>
               <a:latin typeface="Arial"/>
             </a:endParaRPr>
           </a:p>
@@ -13034,6 +13897,9 @@
               <a:t>30.11.2022 → Documentation – Introduction (L06)</a:t>
             </a:r>
             <a:endParaRPr b="0" lang="en-US" sz="1800" spc="-1" strike="noStrike">
+              <a:solidFill>
+                <a:srgbClr val="000000"/>
+              </a:solidFill>
               <a:latin typeface="Arial"/>
             </a:endParaRPr>
           </a:p>
@@ -13063,6 +13929,9 @@
               <a:t>07.12.2022 → Documentation – Textual Requirements Specification (L07)</a:t>
             </a:r>
             <a:endParaRPr b="0" lang="en-US" sz="1800" spc="-1" strike="noStrike">
+              <a:solidFill>
+                <a:srgbClr val="000000"/>
+              </a:solidFill>
               <a:latin typeface="Arial"/>
             </a:endParaRPr>
           </a:p>
@@ -13092,6 +13961,9 @@
               <a:t>14.12.2022 → Documentation – Model-based Requirements Documentation (L08)</a:t>
             </a:r>
             <a:endParaRPr b="0" lang="en-US" sz="1800" spc="-1" strike="noStrike">
+              <a:solidFill>
+                <a:srgbClr val="000000"/>
+              </a:solidFill>
               <a:latin typeface="Arial"/>
             </a:endParaRPr>
           </a:p>
@@ -13121,6 +13993,9 @@
               <a:t>21.12.2022 → Documentation – Formal Requirements Specification (L09)</a:t>
             </a:r>
             <a:endParaRPr b="0" lang="en-US" sz="1800" spc="-1" strike="noStrike">
+              <a:solidFill>
+                <a:srgbClr val="000000"/>
+              </a:solidFill>
               <a:latin typeface="Arial"/>
             </a:endParaRPr>
           </a:p>
@@ -13150,6 +14025,9 @@
               <a:t>11.01.2023 → Validation (L10)</a:t>
             </a:r>
             <a:endParaRPr b="0" lang="en-US" sz="1800" spc="-1" strike="noStrike">
+              <a:solidFill>
+                <a:srgbClr val="000000"/>
+              </a:solidFill>
               <a:latin typeface="Arial"/>
             </a:endParaRPr>
           </a:p>
@@ -13179,6 +14057,9 @@
               <a:t>18.01.2023 → Traceability (L11)</a:t>
             </a:r>
             <a:endParaRPr b="0" lang="en-US" sz="1800" spc="-1" strike="noStrike">
+              <a:solidFill>
+                <a:srgbClr val="000000"/>
+              </a:solidFill>
               <a:latin typeface="Arial"/>
             </a:endParaRPr>
           </a:p>
@@ -13208,6 +14089,9 @@
               <a:t>25.01.2023 → Requirements Management (L12) and Tool Support (L13)</a:t>
             </a:r>
             <a:endParaRPr b="0" lang="en-US" sz="1800" spc="-1" strike="noStrike">
+              <a:solidFill>
+                <a:srgbClr val="000000"/>
+              </a:solidFill>
               <a:latin typeface="Arial"/>
             </a:endParaRPr>
           </a:p>
@@ -13237,6 +14121,9 @@
               <a:t>01.02.2023 → No lecture</a:t>
             </a:r>
             <a:endParaRPr b="0" lang="en-US" sz="1800" spc="-1" strike="noStrike">
+              <a:solidFill>
+                <a:srgbClr val="000000"/>
+              </a:solidFill>
               <a:latin typeface="Arial"/>
             </a:endParaRPr>
           </a:p>
@@ -13266,6 +14153,9 @@
               <a:t>08.02.2023 → Exam Q&amp;A</a:t>
             </a:r>
             <a:endParaRPr b="0" lang="en-US" sz="1800" spc="-1" strike="noStrike">
+              <a:solidFill>
+                <a:srgbClr val="000000"/>
+              </a:solidFill>
               <a:latin typeface="Arial"/>
             </a:endParaRPr>
           </a:p>

--- a/Requirements-Engineering/RE-L00-Organization.pptx
+++ b/Requirements-Engineering/RE-L00-Organization.pptx
@@ -90,7 +90,205 @@
                 </a:solidFill>
                 <a:latin typeface="Arial"/>
               </a:rPr>
-              <a:t>Click to move the slide</a:t>
+              <a:t>C</a:t>
+            </a:r>
+            <a:r>
+              <a:rPr b="0" lang="en-US" sz="4400" spc="-1" strike="noStrike">
+                <a:solidFill>
+                  <a:srgbClr val="000000"/>
+                </a:solidFill>
+                <a:latin typeface="Arial"/>
+              </a:rPr>
+              <a:t>l</a:t>
+            </a:r>
+            <a:r>
+              <a:rPr b="0" lang="en-US" sz="4400" spc="-1" strike="noStrike">
+                <a:solidFill>
+                  <a:srgbClr val="000000"/>
+                </a:solidFill>
+                <a:latin typeface="Arial"/>
+              </a:rPr>
+              <a:t>i</a:t>
+            </a:r>
+            <a:r>
+              <a:rPr b="0" lang="en-US" sz="4400" spc="-1" strike="noStrike">
+                <a:solidFill>
+                  <a:srgbClr val="000000"/>
+                </a:solidFill>
+                <a:latin typeface="Arial"/>
+              </a:rPr>
+              <a:t>c</a:t>
+            </a:r>
+            <a:r>
+              <a:rPr b="0" lang="en-US" sz="4400" spc="-1" strike="noStrike">
+                <a:solidFill>
+                  <a:srgbClr val="000000"/>
+                </a:solidFill>
+                <a:latin typeface="Arial"/>
+              </a:rPr>
+              <a:t>k</a:t>
+            </a:r>
+            <a:r>
+              <a:rPr b="0" lang="en-US" sz="4400" spc="-1" strike="noStrike">
+                <a:solidFill>
+                  <a:srgbClr val="000000"/>
+                </a:solidFill>
+                <a:latin typeface="Arial"/>
+              </a:rPr>
+              <a:t> </a:t>
+            </a:r>
+            <a:r>
+              <a:rPr b="0" lang="en-US" sz="4400" spc="-1" strike="noStrike">
+                <a:solidFill>
+                  <a:srgbClr val="000000"/>
+                </a:solidFill>
+                <a:latin typeface="Arial"/>
+              </a:rPr>
+              <a:t>t</a:t>
+            </a:r>
+            <a:r>
+              <a:rPr b="0" lang="en-US" sz="4400" spc="-1" strike="noStrike">
+                <a:solidFill>
+                  <a:srgbClr val="000000"/>
+                </a:solidFill>
+                <a:latin typeface="Arial"/>
+              </a:rPr>
+              <a:t>o</a:t>
+            </a:r>
+            <a:r>
+              <a:rPr b="0" lang="en-US" sz="4400" spc="-1" strike="noStrike">
+                <a:solidFill>
+                  <a:srgbClr val="000000"/>
+                </a:solidFill>
+                <a:latin typeface="Arial"/>
+              </a:rPr>
+              <a:t> </a:t>
+            </a:r>
+            <a:r>
+              <a:rPr b="0" lang="en-US" sz="4400" spc="-1" strike="noStrike">
+                <a:solidFill>
+                  <a:srgbClr val="000000"/>
+                </a:solidFill>
+                <a:latin typeface="Arial"/>
+              </a:rPr>
+              <a:t>m</a:t>
+            </a:r>
+            <a:r>
+              <a:rPr b="0" lang="en-US" sz="4400" spc="-1" strike="noStrike">
+                <a:solidFill>
+                  <a:srgbClr val="000000"/>
+                </a:solidFill>
+                <a:latin typeface="Arial"/>
+              </a:rPr>
+              <a:t>o</a:t>
+            </a:r>
+            <a:r>
+              <a:rPr b="0" lang="en-US" sz="4400" spc="-1" strike="noStrike">
+                <a:solidFill>
+                  <a:srgbClr val="000000"/>
+                </a:solidFill>
+                <a:latin typeface="Arial"/>
+              </a:rPr>
+              <a:t>v</a:t>
+            </a:r>
+            <a:r>
+              <a:rPr b="0" lang="en-US" sz="4400" spc="-1" strike="noStrike">
+                <a:solidFill>
+                  <a:srgbClr val="000000"/>
+                </a:solidFill>
+                <a:latin typeface="Arial"/>
+              </a:rPr>
+              <a:t>e</a:t>
+            </a:r>
+            <a:r>
+              <a:rPr b="0" lang="en-US" sz="4400" spc="-1" strike="noStrike">
+                <a:solidFill>
+                  <a:srgbClr val="000000"/>
+                </a:solidFill>
+                <a:latin typeface="Arial"/>
+              </a:rPr>
+              <a:t> </a:t>
+            </a:r>
+            <a:r>
+              <a:rPr b="0" lang="en-US" sz="4400" spc="-1" strike="noStrike">
+                <a:solidFill>
+                  <a:srgbClr val="000000"/>
+                </a:solidFill>
+                <a:latin typeface="Arial"/>
+              </a:rPr>
+              <a:t>t</a:t>
+            </a:r>
+            <a:r>
+              <a:rPr b="0" lang="en-US" sz="4400" spc="-1" strike="noStrike">
+                <a:solidFill>
+                  <a:srgbClr val="000000"/>
+                </a:solidFill>
+                <a:latin typeface="Arial"/>
+              </a:rPr>
+              <a:t>h</a:t>
+            </a:r>
+            <a:r>
+              <a:rPr b="0" lang="en-US" sz="4400" spc="-1" strike="noStrike">
+                <a:solidFill>
+                  <a:srgbClr val="000000"/>
+                </a:solidFill>
+                <a:latin typeface="Arial"/>
+              </a:rPr>
+              <a:t>e</a:t>
+            </a:r>
+            <a:r>
+              <a:rPr b="0" lang="en-US" sz="4400" spc="-1" strike="noStrike">
+                <a:solidFill>
+                  <a:srgbClr val="000000"/>
+                </a:solidFill>
+                <a:latin typeface="Arial"/>
+              </a:rPr>
+              <a:t> </a:t>
+            </a:r>
+            <a:r>
+              <a:rPr b="0" lang="en-US" sz="4400" spc="-1" strike="noStrike">
+                <a:solidFill>
+                  <a:srgbClr val="000000"/>
+                </a:solidFill>
+                <a:latin typeface="Arial"/>
+              </a:rPr>
+              <a:t>s</a:t>
+            </a:r>
+            <a:r>
+              <a:rPr b="0" lang="en-US" sz="4400" spc="-1" strike="noStrike">
+                <a:solidFill>
+                  <a:srgbClr val="000000"/>
+                </a:solidFill>
+                <a:latin typeface="Arial"/>
+              </a:rPr>
+              <a:t>l</a:t>
+            </a:r>
+            <a:r>
+              <a:rPr b="0" lang="en-US" sz="4400" spc="-1" strike="noStrike">
+                <a:solidFill>
+                  <a:srgbClr val="000000"/>
+                </a:solidFill>
+                <a:latin typeface="Arial"/>
+              </a:rPr>
+              <a:t>i</a:t>
+            </a:r>
+            <a:r>
+              <a:rPr b="0" lang="en-US" sz="4400" spc="-1" strike="noStrike">
+                <a:solidFill>
+                  <a:srgbClr val="000000"/>
+                </a:solidFill>
+                <a:latin typeface="Arial"/>
+              </a:rPr>
+              <a:t>d</a:t>
+            </a:r>
+            <a:r>
+              <a:rPr b="0" lang="en-US" sz="4400" spc="-1" strike="noStrike">
+                <a:solidFill>
+                  <a:srgbClr val="000000"/>
+                </a:solidFill>
+                <a:latin typeface="Arial"/>
+              </a:rPr>
+              <a:t>e</a:t>
             </a:r>
             <a:endParaRPr b="0" lang="en-US" sz="4400" spc="-1" strike="noStrike">
               <a:solidFill>
@@ -139,7 +337,7 @@
                 </a:solidFill>
                 <a:latin typeface="Arial"/>
               </a:rPr>
-              <a:t>Click to edit </a:t>
+              <a:t>C</a:t>
             </a:r>
             <a:r>
               <a:rPr b="0" lang="en-US" sz="2000" spc="-1" strike="noStrike">
@@ -148,7 +346,7 @@
                 </a:solidFill>
                 <a:latin typeface="Arial"/>
               </a:rPr>
-              <a:t>the notes </a:t>
+              <a:t>l</a:t>
             </a:r>
             <a:r>
               <a:rPr b="0" lang="en-US" sz="2000" spc="-1" strike="noStrike">
@@ -157,7 +355,250 @@
                 </a:solidFill>
                 <a:latin typeface="Arial"/>
               </a:rPr>
-              <a:t>format</a:t>
+              <a:t>i</a:t>
+            </a:r>
+            <a:r>
+              <a:rPr b="0" lang="en-US" sz="2000" spc="-1" strike="noStrike">
+                <a:solidFill>
+                  <a:srgbClr val="000000"/>
+                </a:solidFill>
+                <a:latin typeface="Arial"/>
+              </a:rPr>
+              <a:t>c</a:t>
+            </a:r>
+            <a:r>
+              <a:rPr b="0" lang="en-US" sz="2000" spc="-1" strike="noStrike">
+                <a:solidFill>
+                  <a:srgbClr val="000000"/>
+                </a:solidFill>
+                <a:latin typeface="Arial"/>
+              </a:rPr>
+              <a:t>k</a:t>
+            </a:r>
+            <a:r>
+              <a:rPr b="0" lang="en-US" sz="2000" spc="-1" strike="noStrike">
+                <a:solidFill>
+                  <a:srgbClr val="000000"/>
+                </a:solidFill>
+                <a:latin typeface="Arial"/>
+              </a:rPr>
+              <a:t> </a:t>
+            </a:r>
+            <a:r>
+              <a:rPr b="0" lang="en-US" sz="2000" spc="-1" strike="noStrike">
+                <a:solidFill>
+                  <a:srgbClr val="000000"/>
+                </a:solidFill>
+                <a:latin typeface="Arial"/>
+              </a:rPr>
+              <a:t>t</a:t>
+            </a:r>
+            <a:r>
+              <a:rPr b="0" lang="en-US" sz="2000" spc="-1" strike="noStrike">
+                <a:solidFill>
+                  <a:srgbClr val="000000"/>
+                </a:solidFill>
+                <a:latin typeface="Arial"/>
+              </a:rPr>
+              <a:t>o</a:t>
+            </a:r>
+            <a:r>
+              <a:rPr b="0" lang="en-US" sz="2000" spc="-1" strike="noStrike">
+                <a:solidFill>
+                  <a:srgbClr val="000000"/>
+                </a:solidFill>
+                <a:latin typeface="Arial"/>
+              </a:rPr>
+              <a:t> </a:t>
+            </a:r>
+            <a:r>
+              <a:rPr b="0" lang="en-US" sz="2000" spc="-1" strike="noStrike">
+                <a:solidFill>
+                  <a:srgbClr val="000000"/>
+                </a:solidFill>
+                <a:latin typeface="Arial"/>
+              </a:rPr>
+              <a:t>e</a:t>
+            </a:r>
+            <a:r>
+              <a:rPr b="0" lang="en-US" sz="2000" spc="-1" strike="noStrike">
+                <a:solidFill>
+                  <a:srgbClr val="000000"/>
+                </a:solidFill>
+                <a:latin typeface="Arial"/>
+              </a:rPr>
+              <a:t>d</a:t>
+            </a:r>
+            <a:r>
+              <a:rPr b="0" lang="en-US" sz="2000" spc="-1" strike="noStrike">
+                <a:solidFill>
+                  <a:srgbClr val="000000"/>
+                </a:solidFill>
+                <a:latin typeface="Arial"/>
+              </a:rPr>
+              <a:t>i</a:t>
+            </a:r>
+            <a:r>
+              <a:rPr b="0" lang="en-US" sz="2000" spc="-1" strike="noStrike">
+                <a:solidFill>
+                  <a:srgbClr val="000000"/>
+                </a:solidFill>
+                <a:latin typeface="Arial"/>
+              </a:rPr>
+              <a:t>t</a:t>
+            </a:r>
+            <a:r>
+              <a:rPr b="0" lang="en-US" sz="2000" spc="-1" strike="noStrike">
+                <a:solidFill>
+                  <a:srgbClr val="000000"/>
+                </a:solidFill>
+                <a:latin typeface="Arial"/>
+              </a:rPr>
+              <a:t> </a:t>
+            </a:r>
+            <a:r>
+              <a:rPr b="0" lang="en-US" sz="2000" spc="-1" strike="noStrike">
+                <a:solidFill>
+                  <a:srgbClr val="000000"/>
+                </a:solidFill>
+                <a:latin typeface="Arial"/>
+              </a:rPr>
+              <a:t>t</a:t>
+            </a:r>
+            <a:r>
+              <a:rPr b="0" lang="en-US" sz="2000" spc="-1" strike="noStrike">
+                <a:solidFill>
+                  <a:srgbClr val="000000"/>
+                </a:solidFill>
+                <a:latin typeface="Arial"/>
+              </a:rPr>
+              <a:t>h</a:t>
+            </a:r>
+            <a:r>
+              <a:rPr b="0" lang="en-US" sz="2000" spc="-1" strike="noStrike">
+                <a:solidFill>
+                  <a:srgbClr val="000000"/>
+                </a:solidFill>
+                <a:latin typeface="Arial"/>
+              </a:rPr>
+              <a:t>e</a:t>
+            </a:r>
+            <a:r>
+              <a:rPr b="0" lang="en-US" sz="2000" spc="-1" strike="noStrike">
+                <a:solidFill>
+                  <a:srgbClr val="000000"/>
+                </a:solidFill>
+                <a:latin typeface="Arial"/>
+              </a:rPr>
+              <a:t> </a:t>
+            </a:r>
+            <a:r>
+              <a:rPr b="0" lang="en-US" sz="2000" spc="-1" strike="noStrike">
+                <a:solidFill>
+                  <a:srgbClr val="000000"/>
+                </a:solidFill>
+                <a:latin typeface="Arial"/>
+              </a:rPr>
+              <a:t>n</a:t>
+            </a:r>
+            <a:r>
+              <a:rPr b="0" lang="en-US" sz="2000" spc="-1" strike="noStrike">
+                <a:solidFill>
+                  <a:srgbClr val="000000"/>
+                </a:solidFill>
+                <a:latin typeface="Arial"/>
+              </a:rPr>
+              <a:t>o</a:t>
+            </a:r>
+            <a:r>
+              <a:rPr b="0" lang="en-US" sz="2000" spc="-1" strike="noStrike">
+                <a:solidFill>
+                  <a:srgbClr val="000000"/>
+                </a:solidFill>
+                <a:latin typeface="Arial"/>
+              </a:rPr>
+              <a:t>t</a:t>
+            </a:r>
+            <a:r>
+              <a:rPr b="0" lang="en-US" sz="2000" spc="-1" strike="noStrike">
+                <a:solidFill>
+                  <a:srgbClr val="000000"/>
+                </a:solidFill>
+                <a:latin typeface="Arial"/>
+              </a:rPr>
+              <a:t>e</a:t>
+            </a:r>
+            <a:r>
+              <a:rPr b="0" lang="en-US" sz="2000" spc="-1" strike="noStrike">
+                <a:solidFill>
+                  <a:srgbClr val="000000"/>
+                </a:solidFill>
+                <a:latin typeface="Arial"/>
+              </a:rPr>
+              <a:t>s</a:t>
+            </a:r>
+            <a:r>
+              <a:rPr b="0" lang="en-US" sz="2000" spc="-1" strike="noStrike">
+                <a:solidFill>
+                  <a:srgbClr val="000000"/>
+                </a:solidFill>
+                <a:latin typeface="Arial"/>
+              </a:rPr>
+              <a:t> </a:t>
+            </a:r>
+            <a:r>
+              <a:rPr b="0" lang="en-US" sz="2000" spc="-1" strike="noStrike">
+                <a:solidFill>
+                  <a:srgbClr val="000000"/>
+                </a:solidFill>
+                <a:latin typeface="Arial"/>
+              </a:rPr>
+              <a:t>f</a:t>
+            </a:r>
+            <a:r>
+              <a:rPr b="0" lang="en-US" sz="2000" spc="-1" strike="noStrike">
+                <a:solidFill>
+                  <a:srgbClr val="000000"/>
+                </a:solidFill>
+                <a:latin typeface="Arial"/>
+              </a:rPr>
+              <a:t>o</a:t>
+            </a:r>
+            <a:r>
+              <a:rPr b="0" lang="en-US" sz="2000" spc="-1" strike="noStrike">
+                <a:solidFill>
+                  <a:srgbClr val="000000"/>
+                </a:solidFill>
+                <a:latin typeface="Arial"/>
+              </a:rPr>
+              <a:t>r</a:t>
+            </a:r>
+            <a:r>
+              <a:rPr b="0" lang="en-US" sz="2000" spc="-1" strike="noStrike">
+                <a:solidFill>
+                  <a:srgbClr val="000000"/>
+                </a:solidFill>
+                <a:latin typeface="Arial"/>
+              </a:rPr>
+              <a:t>m</a:t>
+            </a:r>
+            <a:r>
+              <a:rPr b="0" lang="en-US" sz="2000" spc="-1" strike="noStrike">
+                <a:solidFill>
+                  <a:srgbClr val="000000"/>
+                </a:solidFill>
+                <a:latin typeface="Arial"/>
+              </a:rPr>
+              <a:t>a</a:t>
+            </a:r>
+            <a:r>
+              <a:rPr b="0" lang="en-US" sz="2000" spc="-1" strike="noStrike">
+                <a:solidFill>
+                  <a:srgbClr val="000000"/>
+                </a:solidFill>
+                <a:latin typeface="Arial"/>
+              </a:rPr>
+              <a:t>t</a:t>
             </a:r>
             <a:endParaRPr b="0" lang="en-US" sz="2000" spc="-1" strike="noStrike">
               <a:solidFill>
@@ -379,7 +820,7 @@
             <a:pPr indent="0" algn="r">
               <a:buNone/>
             </a:pPr>
-            <a:fld id="{C0ED0941-639A-4975-88D5-BE0FA8F03820}" type="slidenum">
+            <a:fld id="{0281366C-7C07-4D69-8FFF-023F8B32C281}" type="slidenum">
               <a:rPr b="0" lang="en-US" sz="1400" spc="-1" strike="noStrike">
                 <a:solidFill>
                   <a:srgbClr val="000000"/>
@@ -433,7 +874,7 @@
         <p:spPr>
           <a:xfrm>
             <a:off x="533520" y="763560"/>
-            <a:ext cx="6698160" cy="3766320"/>
+            <a:ext cx="6697800" cy="3765960"/>
           </a:xfrm>
           <a:prstGeom prst="rect">
             <a:avLst/>
@@ -456,7 +897,7 @@
         <p:spPr>
           <a:xfrm>
             <a:off x="777240" y="4777560"/>
-            <a:ext cx="6211800" cy="4520160"/>
+            <a:ext cx="6211440" cy="4519800"/>
           </a:xfrm>
           <a:prstGeom prst="rect">
             <a:avLst/>
@@ -492,7 +933,7 @@
         <p:spPr>
           <a:xfrm>
             <a:off x="4399200" y="9555480"/>
-            <a:ext cx="3367080" cy="496800"/>
+            <a:ext cx="3366720" cy="496440"/>
           </a:xfrm>
           <a:prstGeom prst="rect">
             <a:avLst/>
@@ -518,7 +959,7 @@
                 <a:spcPct val="100000"/>
               </a:lnSpc>
             </a:pPr>
-            <a:fld id="{1E051E59-34F0-4608-BC83-7BF998F926A0}" type="slidenum">
+            <a:fld id="{2AB9C222-74B4-4A3E-BDFC-03145F14A567}" type="slidenum">
               <a:rPr b="0" lang="en-GB" sz="1800" spc="-1" strike="noStrike">
                 <a:solidFill>
                   <a:srgbClr val="000000"/>
@@ -572,7 +1013,7 @@
         <p:spPr>
           <a:xfrm>
             <a:off x="533520" y="763560"/>
-            <a:ext cx="6698160" cy="3766320"/>
+            <a:ext cx="6697800" cy="3765960"/>
           </a:xfrm>
           <a:prstGeom prst="rect">
             <a:avLst/>
@@ -595,7 +1036,7 @@
         <p:spPr>
           <a:xfrm>
             <a:off x="777240" y="4777560"/>
-            <a:ext cx="6211800" cy="4520160"/>
+            <a:ext cx="6211440" cy="4519800"/>
           </a:xfrm>
           <a:prstGeom prst="rect">
             <a:avLst/>
@@ -631,7 +1072,7 @@
         <p:spPr>
           <a:xfrm>
             <a:off x="4399200" y="9555480"/>
-            <a:ext cx="3367080" cy="496800"/>
+            <a:ext cx="3366720" cy="496440"/>
           </a:xfrm>
           <a:prstGeom prst="rect">
             <a:avLst/>
@@ -657,7 +1098,7 @@
                 <a:spcPct val="100000"/>
               </a:lnSpc>
             </a:pPr>
-            <a:fld id="{E094C7B4-7D97-42D0-A67C-CF36E856FCD7}" type="slidenum">
+            <a:fld id="{0224EE8B-07E6-4F75-BA7B-27C24C27B6DB}" type="slidenum">
               <a:rPr b="0" lang="en-GB" sz="1800" spc="-1" strike="noStrike">
                 <a:solidFill>
                   <a:srgbClr val="000000"/>
@@ -711,7 +1152,7 @@
         <p:spPr>
           <a:xfrm>
             <a:off x="533520" y="763560"/>
-            <a:ext cx="6698160" cy="3766320"/>
+            <a:ext cx="6697800" cy="3765960"/>
           </a:xfrm>
           <a:prstGeom prst="rect">
             <a:avLst/>
@@ -734,7 +1175,7 @@
         <p:spPr>
           <a:xfrm>
             <a:off x="777240" y="4777560"/>
-            <a:ext cx="6211800" cy="4520160"/>
+            <a:ext cx="6211440" cy="4519800"/>
           </a:xfrm>
           <a:prstGeom prst="rect">
             <a:avLst/>
@@ -770,7 +1211,7 @@
         <p:spPr>
           <a:xfrm>
             <a:off x="4399200" y="9555480"/>
-            <a:ext cx="3367080" cy="496800"/>
+            <a:ext cx="3366720" cy="496440"/>
           </a:xfrm>
           <a:prstGeom prst="rect">
             <a:avLst/>
@@ -796,7 +1237,7 @@
                 <a:spcPct val="100000"/>
               </a:lnSpc>
             </a:pPr>
-            <a:fld id="{073E0660-A48B-4BB8-95F3-01B99EAF9BAB}" type="slidenum">
+            <a:fld id="{560D1E7F-F397-49A4-90DD-2F2BF328DB09}" type="slidenum">
               <a:rPr b="0" lang="en-GB" sz="1800" spc="-1" strike="noStrike">
                 <a:solidFill>
                   <a:srgbClr val="000000"/>
@@ -850,7 +1291,7 @@
         <p:spPr>
           <a:xfrm>
             <a:off x="533520" y="763560"/>
-            <a:ext cx="6698160" cy="3766320"/>
+            <a:ext cx="6697800" cy="3765960"/>
           </a:xfrm>
           <a:prstGeom prst="rect">
             <a:avLst/>
@@ -873,7 +1314,7 @@
         <p:spPr>
           <a:xfrm>
             <a:off x="777240" y="4777560"/>
-            <a:ext cx="6211800" cy="4520160"/>
+            <a:ext cx="6211440" cy="4519800"/>
           </a:xfrm>
           <a:prstGeom prst="rect">
             <a:avLst/>
@@ -909,7 +1350,7 @@
         <p:spPr>
           <a:xfrm>
             <a:off x="4399200" y="9555480"/>
-            <a:ext cx="3367080" cy="496800"/>
+            <a:ext cx="3366720" cy="496440"/>
           </a:xfrm>
           <a:prstGeom prst="rect">
             <a:avLst/>
@@ -935,7 +1376,7 @@
                 <a:spcPct val="100000"/>
               </a:lnSpc>
             </a:pPr>
-            <a:fld id="{C3DD91C0-F59F-4C14-B8F6-A9680DF0619A}" type="slidenum">
+            <a:fld id="{098FECDE-F32F-4F5E-99D8-F2F4A8FBCA56}" type="slidenum">
               <a:rPr b="0" lang="en-GB" sz="1800" spc="-1" strike="noStrike">
                 <a:solidFill>
                   <a:srgbClr val="000000"/>
@@ -4540,7 +4981,7 @@
         <p:spPr>
           <a:xfrm>
             <a:off x="11444760" y="0"/>
-            <a:ext cx="745200" cy="6854040"/>
+            <a:ext cx="744840" cy="6853680"/>
           </a:xfrm>
           <a:prstGeom prst="rect">
             <a:avLst/>
@@ -4565,11 +5006,17 @@
             <a:noAutofit/>
           </a:bodyPr>
           <a:p>
+            <a:pPr>
+              <a:lnSpc>
+                <a:spcPct val="100000"/>
+              </a:lnSpc>
+            </a:pPr>
             <a:endParaRPr b="0" lang="en-US" sz="1800" spc="-1" strike="noStrike">
               <a:solidFill>
                 <a:srgbClr val="ffffff"/>
               </a:solidFill>
               <a:latin typeface="Arial"/>
+              <a:ea typeface="DejaVu Sans"/>
             </a:endParaRPr>
           </a:p>
         </p:txBody>
@@ -4583,7 +5030,7 @@
         <p:spPr>
           <a:xfrm>
             <a:off x="11438640" y="6453360"/>
-            <a:ext cx="762120" cy="363960"/>
+            <a:ext cx="761760" cy="363960"/>
           </a:xfrm>
           <a:prstGeom prst="rect">
             <a:avLst/>
@@ -4609,7 +5056,7 @@
                 <a:spcPct val="100000"/>
               </a:lnSpc>
             </a:pPr>
-            <a:fld id="{EE77F017-FDD2-4D94-AE2F-FDA05713D91E}" type="slidenum">
+            <a:fld id="{6015A372-4B95-49A6-90A0-4A4C2652276C}" type="slidenum">
               <a:rPr b="0" lang="en-US" sz="1800" spc="-1" strike="noStrike">
                 <a:solidFill>
                   <a:srgbClr val="808080"/>
@@ -4637,7 +5084,7 @@
         <p:spPr>
           <a:xfrm>
             <a:off x="912240" y="1268280"/>
-            <a:ext cx="9212040" cy="365400"/>
+            <a:ext cx="9211680" cy="365040"/>
           </a:xfrm>
           <a:prstGeom prst="rect">
             <a:avLst/>
@@ -4658,11 +5105,17 @@
             <a:noAutofit/>
           </a:bodyPr>
           <a:p>
+            <a:pPr>
+              <a:lnSpc>
+                <a:spcPct val="100000"/>
+              </a:lnSpc>
+            </a:pPr>
             <a:endParaRPr b="0" lang="en-US" sz="1800" spc="-1" strike="noStrike">
               <a:solidFill>
                 <a:srgbClr val="000000"/>
               </a:solidFill>
               <a:latin typeface="Arial"/>
+              <a:ea typeface="DejaVu Sans"/>
             </a:endParaRPr>
           </a:p>
         </p:txBody>
@@ -4680,7 +5133,7 @@
         <p:spPr>
           <a:xfrm>
             <a:off x="0" y="0"/>
-            <a:ext cx="3056040" cy="565920"/>
+            <a:ext cx="3055680" cy="565560"/>
           </a:xfrm>
           <a:prstGeom prst="rect">
             <a:avLst/>
@@ -4703,7 +5156,7 @@
         <p:spPr>
           <a:xfrm>
             <a:off x="7430400" y="134640"/>
-            <a:ext cx="3701880" cy="518040"/>
+            <a:ext cx="3701520" cy="517680"/>
           </a:xfrm>
           <a:prstGeom prst="rect">
             <a:avLst/>
@@ -4722,7 +5175,7 @@
         <p:spPr>
           <a:xfrm>
             <a:off x="912240" y="1268280"/>
-            <a:ext cx="9212040" cy="365400"/>
+            <a:ext cx="9211680" cy="365040"/>
           </a:xfrm>
           <a:prstGeom prst="rect">
             <a:avLst/>
@@ -4743,11 +5196,17 @@
             <a:noAutofit/>
           </a:bodyPr>
           <a:p>
+            <a:pPr>
+              <a:lnSpc>
+                <a:spcPct val="100000"/>
+              </a:lnSpc>
+            </a:pPr>
             <a:endParaRPr b="0" lang="en-US" sz="1800" spc="-1" strike="noStrike">
               <a:solidFill>
                 <a:srgbClr val="000000"/>
               </a:solidFill>
               <a:latin typeface="Arial"/>
+              <a:ea typeface="DejaVu Sans"/>
             </a:endParaRPr>
           </a:p>
         </p:txBody>
@@ -4761,7 +5220,7 @@
         <p:spPr>
           <a:xfrm>
             <a:off x="11444760" y="0"/>
-            <a:ext cx="745200" cy="6854040"/>
+            <a:ext cx="744840" cy="6853680"/>
           </a:xfrm>
           <a:prstGeom prst="rect">
             <a:avLst/>
@@ -4786,11 +5245,17 @@
             <a:noAutofit/>
           </a:bodyPr>
           <a:p>
+            <a:pPr>
+              <a:lnSpc>
+                <a:spcPct val="100000"/>
+              </a:lnSpc>
+            </a:pPr>
             <a:endParaRPr b="0" lang="en-US" sz="1800" spc="-1" strike="noStrike">
               <a:solidFill>
                 <a:srgbClr val="ffffff"/>
               </a:solidFill>
               <a:latin typeface="Arial"/>
+              <a:ea typeface="DejaVu Sans"/>
             </a:endParaRPr>
           </a:p>
         </p:txBody>
@@ -4804,7 +5269,7 @@
         <p:spPr>
           <a:xfrm>
             <a:off x="0" y="6642720"/>
-            <a:ext cx="12188160" cy="211320"/>
+            <a:ext cx="12187800" cy="211320"/>
           </a:xfrm>
           <a:prstGeom prst="rect">
             <a:avLst/>
@@ -5482,7 +5947,7 @@
         <p:spPr>
           <a:xfrm>
             <a:off x="11444760" y="0"/>
-            <a:ext cx="745200" cy="6854040"/>
+            <a:ext cx="744840" cy="6853680"/>
           </a:xfrm>
           <a:prstGeom prst="rect">
             <a:avLst/>
@@ -5507,11 +5972,17 @@
             <a:noAutofit/>
           </a:bodyPr>
           <a:p>
+            <a:pPr>
+              <a:lnSpc>
+                <a:spcPct val="100000"/>
+              </a:lnSpc>
+            </a:pPr>
             <a:endParaRPr b="0" lang="en-US" sz="1800" spc="-1" strike="noStrike">
               <a:solidFill>
                 <a:srgbClr val="ffffff"/>
               </a:solidFill>
               <a:latin typeface="Arial"/>
+              <a:ea typeface="DejaVu Sans"/>
             </a:endParaRPr>
           </a:p>
         </p:txBody>
@@ -5525,7 +5996,7 @@
         <p:spPr>
           <a:xfrm>
             <a:off x="11438640" y="6453360"/>
-            <a:ext cx="762120" cy="363960"/>
+            <a:ext cx="761760" cy="363960"/>
           </a:xfrm>
           <a:prstGeom prst="rect">
             <a:avLst/>
@@ -5551,7 +6022,7 @@
                 <a:spcPct val="100000"/>
               </a:lnSpc>
             </a:pPr>
-            <a:fld id="{674C2BAA-10D2-4DC4-ABE4-C5EA4ACCDCFD}" type="slidenum">
+            <a:fld id="{102CED4A-9B36-432C-9E21-071C90EC06E2}" type="slidenum">
               <a:rPr b="0" lang="en-US" sz="1800" spc="-1" strike="noStrike">
                 <a:solidFill>
                   <a:srgbClr val="808080"/>
@@ -5579,7 +6050,7 @@
         <p:spPr>
           <a:xfrm>
             <a:off x="912240" y="1268280"/>
-            <a:ext cx="9212040" cy="365400"/>
+            <a:ext cx="9211680" cy="365040"/>
           </a:xfrm>
           <a:prstGeom prst="rect">
             <a:avLst/>
@@ -5600,11 +6071,17 @@
             <a:noAutofit/>
           </a:bodyPr>
           <a:p>
+            <a:pPr>
+              <a:lnSpc>
+                <a:spcPct val="100000"/>
+              </a:lnSpc>
+            </a:pPr>
             <a:endParaRPr b="0" lang="en-US" sz="1800" spc="-1" strike="noStrike">
               <a:solidFill>
                 <a:srgbClr val="000000"/>
               </a:solidFill>
               <a:latin typeface="Arial"/>
+              <a:ea typeface="DejaVu Sans"/>
             </a:endParaRPr>
           </a:p>
         </p:txBody>
@@ -5622,7 +6099,7 @@
         <p:spPr>
           <a:xfrm>
             <a:off x="0" y="0"/>
-            <a:ext cx="3056040" cy="565920"/>
+            <a:ext cx="3055680" cy="565560"/>
           </a:xfrm>
           <a:prstGeom prst="rect">
             <a:avLst/>
@@ -5645,7 +6122,7 @@
         <p:spPr>
           <a:xfrm>
             <a:off x="7430400" y="134640"/>
-            <a:ext cx="3701880" cy="518040"/>
+            <a:ext cx="3701520" cy="517680"/>
           </a:xfrm>
           <a:prstGeom prst="rect">
             <a:avLst/>
@@ -5664,7 +6141,7 @@
         <p:spPr>
           <a:xfrm>
             <a:off x="11444760" y="0"/>
-            <a:ext cx="745200" cy="6854040"/>
+            <a:ext cx="744840" cy="6853680"/>
           </a:xfrm>
           <a:prstGeom prst="rect">
             <a:avLst/>
@@ -5689,11 +6166,17 @@
             <a:noAutofit/>
           </a:bodyPr>
           <a:p>
+            <a:pPr>
+              <a:lnSpc>
+                <a:spcPct val="100000"/>
+              </a:lnSpc>
+            </a:pPr>
             <a:endParaRPr b="0" lang="en-US" sz="1800" spc="-1" strike="noStrike">
               <a:solidFill>
                 <a:srgbClr val="ffffff"/>
               </a:solidFill>
               <a:latin typeface="Arial"/>
+              <a:ea typeface="DejaVu Sans"/>
             </a:endParaRPr>
           </a:p>
         </p:txBody>
@@ -5707,7 +6190,7 @@
         <p:spPr>
           <a:xfrm>
             <a:off x="11438640" y="6453360"/>
-            <a:ext cx="762120" cy="363960"/>
+            <a:ext cx="761760" cy="363960"/>
           </a:xfrm>
           <a:prstGeom prst="rect">
             <a:avLst/>
@@ -5733,7 +6216,7 @@
                 <a:spcPct val="100000"/>
               </a:lnSpc>
             </a:pPr>
-            <a:fld id="{70B3BC18-9CC5-46B3-B3D8-6DCA27B83096}" type="slidenum">
+            <a:fld id="{91062C85-66D0-415B-83B6-947607EABBBE}" type="slidenum">
               <a:rPr b="0" lang="en-US" sz="1800" spc="-1" strike="noStrike">
                 <a:solidFill>
                   <a:srgbClr val="808080"/>
@@ -5761,7 +6244,7 @@
         <p:spPr>
           <a:xfrm>
             <a:off x="0" y="6642720"/>
-            <a:ext cx="12188160" cy="211320"/>
+            <a:ext cx="12187800" cy="211320"/>
           </a:xfrm>
           <a:prstGeom prst="rect">
             <a:avLst/>
@@ -6126,7 +6609,7 @@
         <p:spPr>
           <a:xfrm>
             <a:off x="527400" y="1412640"/>
-            <a:ext cx="10365120" cy="1151640"/>
+            <a:ext cx="10364760" cy="1151280"/>
           </a:xfrm>
           <a:prstGeom prst="rect">
             <a:avLst/>
@@ -6180,7 +6663,7 @@
         <p:spPr>
           <a:xfrm>
             <a:off x="527400" y="2852640"/>
-            <a:ext cx="10365120" cy="2372400"/>
+            <a:ext cx="10364760" cy="2372040"/>
           </a:xfrm>
           <a:prstGeom prst="rect">
             <a:avLst/>
@@ -6384,8 +6867,8 @@
         </p:nvSpPr>
         <p:spPr>
           <a:xfrm>
-            <a:off x="335520" y="764640"/>
-            <a:ext cx="10749240" cy="500040"/>
+            <a:off x="539640" y="764640"/>
+            <a:ext cx="10748880" cy="499680"/>
           </a:xfrm>
           <a:prstGeom prst="rect">
             <a:avLst/>
@@ -6438,8 +6921,8 @@
         </p:nvSpPr>
         <p:spPr>
           <a:xfrm>
-            <a:off x="335520" y="1268640"/>
-            <a:ext cx="10749240" cy="5036760"/>
+            <a:off x="539640" y="1268640"/>
+            <a:ext cx="10748880" cy="5036400"/>
           </a:xfrm>
           <a:prstGeom prst="rect">
             <a:avLst/>
@@ -6755,8 +7238,8 @@
         </p:nvSpPr>
         <p:spPr>
           <a:xfrm>
-            <a:off x="335520" y="764640"/>
-            <a:ext cx="10742400" cy="493200"/>
+            <a:off x="539640" y="764640"/>
+            <a:ext cx="10742040" cy="492840"/>
           </a:xfrm>
           <a:prstGeom prst="rect">
             <a:avLst/>
@@ -6809,8 +7292,8 @@
         </p:nvSpPr>
         <p:spPr>
           <a:xfrm>
-            <a:off x="335520" y="1268280"/>
-            <a:ext cx="10742400" cy="5029920"/>
+            <a:off x="539640" y="1268280"/>
+            <a:ext cx="10742040" cy="5029560"/>
           </a:xfrm>
           <a:prstGeom prst="rect">
             <a:avLst/>
@@ -6831,23 +7314,7 @@
             <a:noAutofit/>
           </a:bodyPr>
           <a:p>
-            <a:pPr>
-              <a:lnSpc>
-                <a:spcPct val="100000"/>
-              </a:lnSpc>
-              <a:spcBef>
-                <a:spcPts val="360"/>
-              </a:spcBef>
-            </a:pPr>
-            <a:endParaRPr b="0" lang="en-US" sz="1800" spc="-1" strike="noStrike">
-              <a:solidFill>
-                <a:srgbClr val="000000"/>
-              </a:solidFill>
-              <a:latin typeface="Arial"/>
-            </a:endParaRPr>
-          </a:p>
-          <a:p>
-            <a:pPr marL="195120" indent="-189720">
+            <a:pPr marL="216000" indent="-216000">
               <a:lnSpc>
                 <a:spcPct val="100000"/>
               </a:lnSpc>
@@ -6857,20 +7324,10 @@
               <a:buClr>
                 <a:srgbClr val="008c4f"/>
               </a:buClr>
-              <a:buSzPct val="115000"/>
-              <a:buFont typeface="Wingdings" charset="2"/>
-              <a:buChar char=""/>
-            </a:pPr>
-            <a:r>
-              <a:rPr b="0" lang="en-US" sz="1800" spc="-1" strike="noStrike">
-                <a:solidFill>
-                  <a:srgbClr val="000000"/>
-                </a:solidFill>
-                <a:latin typeface="DejaVu Sans"/>
-                <a:ea typeface="DejaVu Sans"/>
-              </a:rPr>
-              <a:t>Organization of the lecture:</a:t>
-            </a:r>
+              <a:buSzPct val="45000"/>
+              <a:buFont typeface="DejaVu Sans"/>
+              <a:buChar char="◾"/>
+            </a:pPr>
             <a:endParaRPr b="0" lang="en-US" sz="1800" spc="-1" strike="noStrike">
               <a:solidFill>
                 <a:srgbClr val="000000"/>
@@ -6879,7 +7336,7 @@
             </a:endParaRPr>
           </a:p>
           <a:p>
-            <a:pPr lvl="1" marL="652320" indent="-189720">
+            <a:pPr marL="216000" indent="-216000">
               <a:lnSpc>
                 <a:spcPct val="100000"/>
               </a:lnSpc>
@@ -6889,9 +7346,9 @@
               <a:buClr>
                 <a:srgbClr val="008c4f"/>
               </a:buClr>
-              <a:buSzPct val="115000"/>
-              <a:buFont typeface="Wingdings" charset="2"/>
-              <a:buChar char=""/>
+              <a:buSzPct val="45000"/>
+              <a:buFont typeface="DejaVu Sans"/>
+              <a:buChar char="◾"/>
             </a:pPr>
             <a:r>
               <a:rPr b="0" lang="en-US" sz="1800" spc="-1" strike="noStrike">
@@ -6901,29 +7358,7 @@
                 <a:latin typeface="DejaVu Sans"/>
                 <a:ea typeface="DejaVu Sans"/>
               </a:rPr>
-              <a:t>Slides are available via Github (</a:t>
-            </a:r>
-            <a:r>
-              <a:rPr b="0" lang="en-US" sz="1800" spc="-1" strike="noStrike" u="sng">
-                <a:solidFill>
-                  <a:srgbClr val="0000ff"/>
-                </a:solidFill>
-                <a:uFillTx/>
-                <a:latin typeface="DejaVu Sans"/>
-                <a:ea typeface="DejaVu Sans"/>
-                <a:hlinkClick r:id="rId1"/>
-              </a:rPr>
-              <a:t>Link</a:t>
-            </a:r>
-            <a:r>
-              <a:rPr b="0" lang="en-US" sz="1800" spc="-1" strike="noStrike">
-                <a:solidFill>
-                  <a:srgbClr val="000000"/>
-                </a:solidFill>
-                <a:latin typeface="DejaVu Sans"/>
-                <a:ea typeface="DejaVu Sans"/>
-              </a:rPr>
-              <a:t>)</a:t>
+              <a:t>Organization of the lecture:</a:t>
             </a:r>
             <a:endParaRPr b="0" lang="en-US" sz="1800" spc="-1" strike="noStrike">
               <a:solidFill>
@@ -6933,39 +7368,7 @@
             </a:endParaRPr>
           </a:p>
           <a:p>
-            <a:pPr lvl="3" marL="864000" indent="-212040">
-              <a:lnSpc>
-                <a:spcPct val="100000"/>
-              </a:lnSpc>
-              <a:spcBef>
-                <a:spcPts val="360"/>
-              </a:spcBef>
-              <a:buClr>
-                <a:srgbClr val="000000"/>
-              </a:buClr>
-              <a:buSzPct val="45000"/>
-              <a:buFont typeface="Wingdings" charset="2"/>
-              <a:buChar char=""/>
-            </a:pPr>
-            <a:r>
-              <a:rPr b="0" lang="en-US" sz="1800" spc="-1" strike="noStrike">
-                <a:solidFill>
-                  <a:srgbClr val="000000"/>
-                </a:solidFill>
-                <a:latin typeface="DejaVu Sans"/>
-                <a:ea typeface="DejaVu Sans"/>
-              </a:rPr>
-              <a:t>Please report bugs!</a:t>
-            </a:r>
-            <a:endParaRPr b="0" lang="en-US" sz="1800" spc="-1" strike="noStrike">
-              <a:solidFill>
-                <a:srgbClr val="000000"/>
-              </a:solidFill>
-              <a:latin typeface="Arial"/>
-            </a:endParaRPr>
-          </a:p>
-          <a:p>
-            <a:pPr lvl="1" marL="652320" indent="-189720">
+            <a:pPr lvl="1" marL="432000" indent="-216000">
               <a:lnSpc>
                 <a:spcPct val="100000"/>
               </a:lnSpc>
@@ -6975,9 +7378,9 @@
               <a:buClr>
                 <a:srgbClr val="008c4f"/>
               </a:buClr>
-              <a:buSzPct val="115000"/>
-              <a:buFont typeface="Wingdings" charset="2"/>
-              <a:buChar char=""/>
+              <a:buSzPct val="60000"/>
+              <a:buFont typeface="DejaVu Sans"/>
+              <a:buChar char="—"/>
             </a:pPr>
             <a:r>
               <a:rPr b="0" lang="en-US" sz="1800" spc="-1" strike="noStrike">
@@ -6987,7 +7390,29 @@
                 <a:latin typeface="DejaVu Sans"/>
                 <a:ea typeface="DejaVu Sans"/>
               </a:rPr>
-              <a:t>Lectures and exercises live stream (BBB – next slide) and Goslar</a:t>
+              <a:t>Slides are available via Github (</a:t>
+            </a:r>
+            <a:r>
+              <a:rPr b="0" lang="en-US" sz="1800" spc="-1" strike="noStrike" u="sng">
+                <a:solidFill>
+                  <a:srgbClr val="0000ff"/>
+                </a:solidFill>
+                <a:uFillTx/>
+                <a:latin typeface="DejaVu Sans"/>
+                <a:ea typeface="DejaVu Sans"/>
+                <a:hlinkClick r:id="rId1"/>
+              </a:rPr>
+              <a:t>Link</a:t>
+            </a:r>
+            <a:r>
+              <a:rPr b="0" lang="en-US" sz="1800" spc="-1" strike="noStrike">
+                <a:solidFill>
+                  <a:srgbClr val="000000"/>
+                </a:solidFill>
+                <a:latin typeface="DejaVu Sans"/>
+                <a:ea typeface="DejaVu Sans"/>
+              </a:rPr>
+              <a:t>)</a:t>
             </a:r>
             <a:endParaRPr b="0" lang="en-US" sz="1800" spc="-1" strike="noStrike">
               <a:solidFill>
@@ -6997,7 +7422,7 @@
             </a:endParaRPr>
           </a:p>
           <a:p>
-            <a:pPr lvl="1" marL="652320" indent="-189720">
+            <a:pPr lvl="2" marL="648000" indent="-216000">
               <a:lnSpc>
                 <a:spcPct val="100000"/>
               </a:lnSpc>
@@ -7007,9 +7432,9 @@
               <a:buClr>
                 <a:srgbClr val="008c4f"/>
               </a:buClr>
-              <a:buSzPct val="115000"/>
-              <a:buFont typeface="Wingdings" charset="2"/>
-              <a:buChar char=""/>
+              <a:buSzPct val="45000"/>
+              <a:buFont typeface="DejaVu Sans"/>
+              <a:buChar char="—"/>
             </a:pPr>
             <a:r>
               <a:rPr b="0" lang="en-US" sz="1800" spc="-1" strike="noStrike">
@@ -7019,7 +7444,7 @@
                 <a:latin typeface="DejaVu Sans"/>
                 <a:ea typeface="DejaVu Sans"/>
               </a:rPr>
-              <a:t>No lecture recordings</a:t>
+              <a:t>Please report bugs!</a:t>
             </a:r>
             <a:endParaRPr b="0" lang="en-US" sz="1800" spc="-1" strike="noStrike">
               <a:solidFill>
@@ -7029,7 +7454,7 @@
             </a:endParaRPr>
           </a:p>
           <a:p>
-            <a:pPr lvl="1" marL="652320" indent="-189720">
+            <a:pPr lvl="1" marL="432000" indent="-216000">
               <a:lnSpc>
                 <a:spcPct val="100000"/>
               </a:lnSpc>
@@ -7039,9 +7464,73 @@
               <a:buClr>
                 <a:srgbClr val="008c4f"/>
               </a:buClr>
-              <a:buSzPct val="115000"/>
-              <a:buFont typeface="Wingdings" charset="2"/>
-              <a:buChar char=""/>
+              <a:buSzPct val="60000"/>
+              <a:buFont typeface="DejaVu Sans"/>
+              <a:buChar char="—"/>
+            </a:pPr>
+            <a:r>
+              <a:rPr b="0" lang="en-US" sz="1800" spc="-1" strike="noStrike">
+                <a:solidFill>
+                  <a:srgbClr val="000000"/>
+                </a:solidFill>
+                <a:latin typeface="DejaVu Sans"/>
+                <a:ea typeface="DejaVu Sans"/>
+              </a:rPr>
+              <a:t>Lectures and exercises live stream (BBB – next slide) and Goslar</a:t>
+            </a:r>
+            <a:endParaRPr b="0" lang="en-US" sz="1800" spc="-1" strike="noStrike">
+              <a:solidFill>
+                <a:srgbClr val="000000"/>
+              </a:solidFill>
+              <a:latin typeface="Arial"/>
+            </a:endParaRPr>
+          </a:p>
+          <a:p>
+            <a:pPr lvl="1" marL="432000" indent="-216000">
+              <a:lnSpc>
+                <a:spcPct val="100000"/>
+              </a:lnSpc>
+              <a:spcBef>
+                <a:spcPts val="360"/>
+              </a:spcBef>
+              <a:buClr>
+                <a:srgbClr val="008c4f"/>
+              </a:buClr>
+              <a:buSzPct val="60000"/>
+              <a:buFont typeface="DejaVu Sans"/>
+              <a:buChar char="—"/>
+            </a:pPr>
+            <a:r>
+              <a:rPr b="0" lang="en-US" sz="1800" spc="-1" strike="noStrike">
+                <a:solidFill>
+                  <a:srgbClr val="000000"/>
+                </a:solidFill>
+                <a:latin typeface="DejaVu Sans"/>
+                <a:ea typeface="DejaVu Sans"/>
+              </a:rPr>
+              <a:t>No lecture recordings</a:t>
+            </a:r>
+            <a:endParaRPr b="0" lang="en-US" sz="1800" spc="-1" strike="noStrike">
+              <a:solidFill>
+                <a:srgbClr val="000000"/>
+              </a:solidFill>
+              <a:latin typeface="Arial"/>
+            </a:endParaRPr>
+          </a:p>
+          <a:p>
+            <a:pPr lvl="1" marL="432000" indent="-216000">
+              <a:lnSpc>
+                <a:spcPct val="100000"/>
+              </a:lnSpc>
+              <a:spcBef>
+                <a:spcPts val="360"/>
+              </a:spcBef>
+              <a:buClr>
+                <a:srgbClr val="008c4f"/>
+              </a:buClr>
+              <a:buSzPct val="60000"/>
+              <a:buFont typeface="DejaVu Sans"/>
+              <a:buChar char="—"/>
             </a:pPr>
             <a:r>
               <a:rPr b="0" lang="en-GB" sz="1800" spc="-1" strike="noStrike">
@@ -7081,14 +7570,30 @@
             </a:endParaRPr>
           </a:p>
           <a:p>
-            <a:pPr algn="ctr">
+            <a:pPr marL="216000" indent="-216000" algn="ctr">
               <a:lnSpc>
                 <a:spcPct val="100000"/>
               </a:lnSpc>
               <a:spcBef>
                 <a:spcPts val="360"/>
               </a:spcBef>
-            </a:pPr>
+              <a:buClr>
+                <a:srgbClr val="008c4f"/>
+              </a:buClr>
+              <a:buSzPct val="45000"/>
+              <a:buFont typeface="DejaVu Sans"/>
+              <a:buChar char="◾"/>
+            </a:pPr>
+            <a:r>
+              <a:rPr b="0" lang="en-US" sz="1800" spc="-1" strike="noStrike">
+                <a:solidFill>
+                  <a:srgbClr val="000000"/>
+                </a:solidFill>
+                <a:latin typeface="Arial"/>
+                <a:ea typeface="DejaVu Sans"/>
+              </a:rPr>
+              <a:t> </a:t>
+            </a:r>
             <a:endParaRPr b="0" lang="en-US" sz="1800" spc="-1" strike="noStrike">
               <a:solidFill>
                 <a:srgbClr val="000000"/>
@@ -7097,13 +7602,19 @@
             </a:endParaRPr>
           </a:p>
           <a:p>
-            <a:pPr algn="ctr">
+            <a:pPr marL="216000" indent="-216000" algn="ctr">
               <a:lnSpc>
                 <a:spcPct val="100000"/>
               </a:lnSpc>
               <a:spcBef>
                 <a:spcPts val="360"/>
               </a:spcBef>
+              <a:buClr>
+                <a:srgbClr val="008c4f"/>
+              </a:buClr>
+              <a:buSzPct val="45000"/>
+              <a:buFont typeface="DejaVu Sans"/>
+              <a:buChar char="◾"/>
             </a:pPr>
             <a:r>
               <a:rPr b="0" lang="en-GB" sz="1800" spc="-1" strike="noStrike">
@@ -7175,13 +7686,19 @@
             </a:endParaRPr>
           </a:p>
           <a:p>
-            <a:pPr algn="ctr">
+            <a:pPr marL="216000" indent="-216000" algn="ctr">
               <a:lnSpc>
                 <a:spcPct val="100000"/>
               </a:lnSpc>
               <a:spcBef>
                 <a:spcPts val="360"/>
               </a:spcBef>
+              <a:buClr>
+                <a:srgbClr val="008c4f"/>
+              </a:buClr>
+              <a:buSzPct val="45000"/>
+              <a:buFont typeface="DejaVu Sans"/>
+              <a:buChar char="◾"/>
             </a:pPr>
             <a:r>
               <a:rPr b="1" lang="en-GB" sz="1800" spc="-1" strike="noStrike">
@@ -7240,8 +7757,8 @@
         </p:nvSpPr>
         <p:spPr>
           <a:xfrm>
-            <a:off x="335520" y="764640"/>
-            <a:ext cx="10740960" cy="491760"/>
+            <a:off x="539640" y="764640"/>
+            <a:ext cx="10740600" cy="491400"/>
           </a:xfrm>
           <a:prstGeom prst="rect">
             <a:avLst/>
@@ -7320,8 +7837,8 @@
         </p:nvSpPr>
         <p:spPr>
           <a:xfrm>
-            <a:off x="335520" y="1268640"/>
-            <a:ext cx="10740960" cy="5028480"/>
+            <a:off x="539640" y="1268640"/>
+            <a:ext cx="10740600" cy="5028120"/>
           </a:xfrm>
           <a:prstGeom prst="rect">
             <a:avLst/>
@@ -7342,56 +7859,7 @@
             <a:noAutofit/>
           </a:bodyPr>
           <a:p>
-            <a:pPr>
-              <a:lnSpc>
-                <a:spcPct val="100000"/>
-              </a:lnSpc>
-              <a:spcBef>
-                <a:spcPts val="360"/>
-              </a:spcBef>
-            </a:pPr>
-            <a:endParaRPr b="0" lang="en-US" sz="1800" spc="-1" strike="noStrike">
-              <a:solidFill>
-                <a:srgbClr val="000000"/>
-              </a:solidFill>
-              <a:latin typeface="Arial"/>
-            </a:endParaRPr>
-          </a:p>
-          <a:p>
-            <a:pPr marL="195120" indent="-188640">
-              <a:lnSpc>
-                <a:spcPct val="100000"/>
-              </a:lnSpc>
-              <a:spcBef>
-                <a:spcPts val="360"/>
-              </a:spcBef>
-              <a:buClr>
-                <a:srgbClr val="008c4f"/>
-              </a:buClr>
-              <a:buSzPct val="80000"/>
-              <a:buFont typeface="Wingdings" charset="2"/>
-              <a:buChar char=""/>
-            </a:pPr>
-            <a:r>
-              <a:rPr b="0" lang="en-GB" sz="1800" spc="-1" strike="noStrike" u="sng">
-                <a:solidFill>
-                  <a:srgbClr val="000000"/>
-                </a:solidFill>
-                <a:uFillTx/>
-                <a:latin typeface="DejaVu Sans"/>
-                <a:ea typeface="DejaVu Sans"/>
-              </a:rPr>
-              <a:t>Lecture:</a:t>
-            </a:r>
-            <a:endParaRPr b="0" lang="en-US" sz="1800" spc="-1" strike="noStrike">
-              <a:solidFill>
-                <a:srgbClr val="000000"/>
-              </a:solidFill>
-              <a:latin typeface="Arial"/>
-            </a:endParaRPr>
-          </a:p>
-          <a:p>
-            <a:pPr lvl="1" marL="432000" indent="-211320">
+            <a:pPr marL="216000" indent="-216000">
               <a:lnSpc>
                 <a:spcPct val="100000"/>
               </a:lnSpc>
@@ -7402,109 +7870,9 @@
                 <a:srgbClr val="008c4f"/>
               </a:buClr>
               <a:buSzPct val="45000"/>
-              <a:buFont typeface="OpenSymbol"/>
-              <a:buChar char="—"/>
-            </a:pPr>
-            <a:r>
-              <a:rPr b="0" lang="en-GB" sz="1800" spc="-1" strike="noStrike">
-                <a:solidFill>
-                  <a:srgbClr val="000000"/>
-                </a:solidFill>
-                <a:latin typeface="DejaVu Sans"/>
-                <a:ea typeface="DejaVu Sans"/>
-              </a:rPr>
-              <a:t>Wednesday </a:t>
-            </a:r>
-            <a:r>
-              <a:rPr b="1" lang="en-GB" sz="1800" spc="-1" strike="noStrike">
-                <a:solidFill>
-                  <a:srgbClr val="000000"/>
-                </a:solidFill>
-                <a:latin typeface="DejaVu Sans"/>
-                <a:ea typeface="DejaVu Sans"/>
-              </a:rPr>
-              <a:t>2:15 pm to 3:45 pm</a:t>
-            </a:r>
-            <a:r>
-              <a:rPr b="0" lang="en-GB" sz="1800" spc="-1" strike="noStrike">
-                <a:solidFill>
-                  <a:srgbClr val="000000"/>
-                </a:solidFill>
-                <a:latin typeface="DejaVu Sans"/>
-                <a:ea typeface="DejaVu Sans"/>
-              </a:rPr>
-              <a:t> (Berlin time) – </a:t>
-            </a:r>
-            <a:r>
-              <a:rPr b="1" lang="en-GB" sz="1800" spc="-1" strike="noStrike">
-                <a:solidFill>
-                  <a:srgbClr val="000000"/>
-                </a:solidFill>
-                <a:latin typeface="DejaVu Sans"/>
-                <a:ea typeface="DejaVu Sans"/>
-              </a:rPr>
-              <a:t>02.11</a:t>
-            </a:r>
-            <a:r>
-              <a:rPr b="0" lang="en-GB" sz="1800" spc="-1" strike="noStrike">
-                <a:solidFill>
-                  <a:srgbClr val="000000"/>
-                </a:solidFill>
-                <a:latin typeface="DejaVu Sans"/>
-                <a:ea typeface="DejaVu Sans"/>
-              </a:rPr>
-              <a:t>.</a:t>
-            </a:r>
-            <a:r>
-              <a:rPr b="1" lang="en-GB" sz="1800" spc="-1" strike="noStrike">
-                <a:solidFill>
-                  <a:srgbClr val="000000"/>
-                </a:solidFill>
-                <a:latin typeface="DejaVu Sans"/>
-                <a:ea typeface="DejaVu Sans"/>
-              </a:rPr>
-              <a:t>2022</a:t>
-            </a:r>
-            <a:r>
-              <a:rPr b="0" lang="en-GB" sz="1800" spc="-1" strike="noStrike">
-                <a:solidFill>
-                  <a:srgbClr val="000000"/>
-                </a:solidFill>
-                <a:latin typeface="DejaVu Sans"/>
-                <a:ea typeface="DejaVu Sans"/>
-              </a:rPr>
-              <a:t> to </a:t>
-            </a:r>
-            <a:r>
-              <a:rPr b="1" lang="en-GB" sz="1800" spc="-1" strike="noStrike">
-                <a:solidFill>
-                  <a:srgbClr val="000000"/>
-                </a:solidFill>
-                <a:latin typeface="DejaVu Sans"/>
-                <a:ea typeface="DejaVu Sans"/>
-              </a:rPr>
-              <a:t>08.02</a:t>
-            </a:r>
-            <a:r>
-              <a:rPr b="0" lang="en-GB" sz="1800" spc="-1" strike="noStrike">
-                <a:solidFill>
-                  <a:srgbClr val="000000"/>
-                </a:solidFill>
-                <a:latin typeface="DejaVu Sans"/>
-                <a:ea typeface="DejaVu Sans"/>
-              </a:rPr>
-              <a:t>.</a:t>
-            </a:r>
-            <a:r>
-              <a:rPr b="1" lang="en-GB" sz="1800" spc="-1" strike="noStrike">
-                <a:solidFill>
-                  <a:srgbClr val="000000"/>
-                </a:solidFill>
-                <a:latin typeface="DejaVu Sans"/>
-                <a:ea typeface="DejaVu Sans"/>
-              </a:rPr>
-              <a:t>2023</a:t>
-            </a:r>
+              <a:buFont typeface="DejaVu Sans"/>
+              <a:buChar char="◾"/>
+            </a:pPr>
             <a:endParaRPr b="0" lang="en-US" sz="1800" spc="-1" strike="noStrike">
               <a:solidFill>
                 <a:srgbClr val="000000"/>
@@ -7513,7 +7881,7 @@
             </a:endParaRPr>
           </a:p>
           <a:p>
-            <a:pPr lvl="1" marL="432000" indent="-211320">
+            <a:pPr marL="216000" indent="-216000">
               <a:lnSpc>
                 <a:spcPct val="100000"/>
               </a:lnSpc>
@@ -7524,40 +7892,19 @@
                 <a:srgbClr val="008c4f"/>
               </a:buClr>
               <a:buSzPct val="45000"/>
-              <a:buFont typeface="OpenSymbol"/>
-              <a:buChar char="—"/>
-            </a:pPr>
-            <a:r>
-              <a:rPr b="0" lang="en-GB" sz="1800" spc="-1" strike="noStrike">
-                <a:solidFill>
-                  <a:srgbClr val="000000"/>
-                </a:solidFill>
-                <a:latin typeface="DejaVu Sans"/>
-                <a:ea typeface="DejaVu Sans"/>
-              </a:rPr>
-              <a:t>Location: Goslar Gotec (Am Stollen 19 C, 38640 Goslar, Germany) or via BigBlueButton (</a:t>
-            </a:r>
+              <a:buFont typeface="DejaVu Sans"/>
+              <a:buChar char="◾"/>
+            </a:pPr>
             <a:r>
               <a:rPr b="0" lang="en-GB" sz="1800" spc="-1" strike="noStrike" u="sng">
                 <a:solidFill>
-                  <a:srgbClr val="0000ff"/>
+                  <a:srgbClr val="000000"/>
                 </a:solidFill>
                 <a:uFillTx/>
                 <a:latin typeface="DejaVu Sans"/>
                 <a:ea typeface="DejaVu Sans"/>
-                <a:hlinkClick r:id="rId1"/>
-              </a:rPr>
-              <a:t>Link</a:t>
-            </a:r>
-            <a:r>
-              <a:rPr b="0" lang="en-GB" sz="1800" spc="-1" strike="noStrike">
-                <a:solidFill>
-                  <a:srgbClr val="000000"/>
-                </a:solidFill>
-                <a:latin typeface="DejaVu Sans"/>
-                <a:ea typeface="DejaVu Sans"/>
-              </a:rPr>
-              <a:t>)</a:t>
+              </a:rPr>
+              <a:t>Lecture:</a:t>
             </a:r>
             <a:endParaRPr b="0" lang="en-US" sz="1800" spc="-1" strike="noStrike">
               <a:solidFill>
@@ -7567,23 +7914,7 @@
             </a:endParaRPr>
           </a:p>
           <a:p>
-            <a:pPr>
-              <a:lnSpc>
-                <a:spcPct val="100000"/>
-              </a:lnSpc>
-              <a:spcBef>
-                <a:spcPts val="360"/>
-              </a:spcBef>
-            </a:pPr>
-            <a:endParaRPr b="0" lang="en-US" sz="1800" spc="-1" strike="noStrike">
-              <a:solidFill>
-                <a:srgbClr val="000000"/>
-              </a:solidFill>
-              <a:latin typeface="Arial"/>
-            </a:endParaRPr>
-          </a:p>
-          <a:p>
-            <a:pPr marL="195120" indent="-188640">
+            <a:pPr lvl="1" marL="432000" indent="-216000">
               <a:lnSpc>
                 <a:spcPct val="100000"/>
               </a:lnSpc>
@@ -7593,20 +7924,163 @@
               <a:buClr>
                 <a:srgbClr val="008c4f"/>
               </a:buClr>
-              <a:buSzPct val="80000"/>
-              <a:buFont typeface="Wingdings" charset="2"/>
-              <a:buChar char=""/>
-            </a:pPr>
+              <a:buSzPct val="60000"/>
+              <a:buFont typeface="DejaVu Sans"/>
+              <a:buChar char="—"/>
+            </a:pPr>
+            <a:r>
+              <a:rPr b="0" lang="en-GB" sz="1800" spc="-1" strike="noStrike">
+                <a:solidFill>
+                  <a:srgbClr val="000000"/>
+                </a:solidFill>
+                <a:latin typeface="DejaVu Sans"/>
+                <a:ea typeface="DejaVu Sans"/>
+              </a:rPr>
+              <a:t>Wednesday </a:t>
+            </a:r>
+            <a:r>
+              <a:rPr b="1" lang="en-GB" sz="1800" spc="-1" strike="noStrike">
+                <a:solidFill>
+                  <a:srgbClr val="000000"/>
+                </a:solidFill>
+                <a:latin typeface="DejaVu Sans"/>
+                <a:ea typeface="DejaVu Sans"/>
+              </a:rPr>
+              <a:t>2:15 pm to 3:45 pm</a:t>
+            </a:r>
+            <a:r>
+              <a:rPr b="0" lang="en-GB" sz="1800" spc="-1" strike="noStrike">
+                <a:solidFill>
+                  <a:srgbClr val="000000"/>
+                </a:solidFill>
+                <a:latin typeface="DejaVu Sans"/>
+                <a:ea typeface="DejaVu Sans"/>
+              </a:rPr>
+              <a:t> (Berlin time) – </a:t>
+            </a:r>
+            <a:r>
+              <a:rPr b="1" lang="en-GB" sz="1800" spc="-1" strike="noStrike">
+                <a:solidFill>
+                  <a:srgbClr val="000000"/>
+                </a:solidFill>
+                <a:latin typeface="DejaVu Sans"/>
+                <a:ea typeface="DejaVu Sans"/>
+              </a:rPr>
+              <a:t>02.11</a:t>
+            </a:r>
+            <a:r>
+              <a:rPr b="0" lang="en-GB" sz="1800" spc="-1" strike="noStrike">
+                <a:solidFill>
+                  <a:srgbClr val="000000"/>
+                </a:solidFill>
+                <a:latin typeface="DejaVu Sans"/>
+                <a:ea typeface="DejaVu Sans"/>
+              </a:rPr>
+              <a:t>.</a:t>
+            </a:r>
+            <a:r>
+              <a:rPr b="1" lang="en-GB" sz="1800" spc="-1" strike="noStrike">
+                <a:solidFill>
+                  <a:srgbClr val="000000"/>
+                </a:solidFill>
+                <a:latin typeface="DejaVu Sans"/>
+                <a:ea typeface="DejaVu Sans"/>
+              </a:rPr>
+              <a:t>2022</a:t>
+            </a:r>
+            <a:r>
+              <a:rPr b="0" lang="en-GB" sz="1800" spc="-1" strike="noStrike">
+                <a:solidFill>
+                  <a:srgbClr val="000000"/>
+                </a:solidFill>
+                <a:latin typeface="DejaVu Sans"/>
+                <a:ea typeface="DejaVu Sans"/>
+              </a:rPr>
+              <a:t> to </a:t>
+            </a:r>
+            <a:r>
+              <a:rPr b="1" lang="en-GB" sz="1800" spc="-1" strike="noStrike">
+                <a:solidFill>
+                  <a:srgbClr val="000000"/>
+                </a:solidFill>
+                <a:latin typeface="DejaVu Sans"/>
+                <a:ea typeface="DejaVu Sans"/>
+              </a:rPr>
+              <a:t>08.02</a:t>
+            </a:r>
+            <a:r>
+              <a:rPr b="0" lang="en-GB" sz="1800" spc="-1" strike="noStrike">
+                <a:solidFill>
+                  <a:srgbClr val="000000"/>
+                </a:solidFill>
+                <a:latin typeface="DejaVu Sans"/>
+                <a:ea typeface="DejaVu Sans"/>
+              </a:rPr>
+              <a:t>.</a:t>
+            </a:r>
+            <a:r>
+              <a:rPr b="1" lang="en-GB" sz="1800" spc="-1" strike="noStrike">
+                <a:solidFill>
+                  <a:srgbClr val="000000"/>
+                </a:solidFill>
+                <a:latin typeface="DejaVu Sans"/>
+                <a:ea typeface="DejaVu Sans"/>
+              </a:rPr>
+              <a:t>2023</a:t>
+            </a:r>
+            <a:endParaRPr b="0" lang="en-US" sz="1800" spc="-1" strike="noStrike">
+              <a:solidFill>
+                <a:srgbClr val="000000"/>
+              </a:solidFill>
+              <a:latin typeface="Arial"/>
+            </a:endParaRPr>
+          </a:p>
+          <a:p>
+            <a:pPr lvl="1" marL="432000" indent="-216000">
+              <a:lnSpc>
+                <a:spcPct val="100000"/>
+              </a:lnSpc>
+              <a:spcBef>
+                <a:spcPts val="360"/>
+              </a:spcBef>
+              <a:buClr>
+                <a:srgbClr val="008c4f"/>
+              </a:buClr>
+              <a:buSzPct val="60000"/>
+              <a:buFont typeface="DejaVu Sans"/>
+              <a:buChar char="—"/>
+            </a:pPr>
+            <a:r>
+              <a:rPr b="0" lang="en-GB" sz="1800" spc="-1" strike="noStrike">
+                <a:solidFill>
+                  <a:srgbClr val="000000"/>
+                </a:solidFill>
+                <a:latin typeface="DejaVu Sans"/>
+                <a:ea typeface="DejaVu Sans"/>
+              </a:rPr>
+              <a:t>Location: Goslar Gotec (Am Stollen 19 C, 38640 Goslar, Germany) or via BigBlueButton (</a:t>
+            </a:r>
             <a:r>
               <a:rPr b="0" lang="en-GB" sz="1800" spc="-1" strike="noStrike" u="sng">
                 <a:solidFill>
-                  <a:srgbClr val="000000"/>
+                  <a:srgbClr val="0000ff"/>
                 </a:solidFill>
                 <a:uFillTx/>
                 <a:latin typeface="DejaVu Sans"/>
                 <a:ea typeface="DejaVu Sans"/>
-              </a:rPr>
-              <a:t>Exercise / Q&amp;A:</a:t>
+                <a:hlinkClick r:id="rId1"/>
+              </a:rPr>
+              <a:t>Link</a:t>
+            </a:r>
+            <a:r>
+              <a:rPr b="0" lang="en-GB" sz="1800" spc="-1" strike="noStrike">
+                <a:solidFill>
+                  <a:srgbClr val="000000"/>
+                </a:solidFill>
+                <a:latin typeface="DejaVu Sans"/>
+                <a:ea typeface="DejaVu Sans"/>
+              </a:rPr>
+              <a:t>)</a:t>
             </a:r>
             <a:endParaRPr b="0" lang="en-US" sz="1800" spc="-1" strike="noStrike">
               <a:solidFill>
@@ -7616,7 +8090,7 @@
             </a:endParaRPr>
           </a:p>
           <a:p>
-            <a:pPr lvl="1" marL="432000" indent="-211320">
+            <a:pPr marL="216000" indent="-216000">
               <a:lnSpc>
                 <a:spcPct val="100000"/>
               </a:lnSpc>
@@ -7627,109 +8101,9 @@
                 <a:srgbClr val="008c4f"/>
               </a:buClr>
               <a:buSzPct val="45000"/>
-              <a:buFont typeface="OpenSymbol"/>
-              <a:buChar char="—"/>
-            </a:pPr>
-            <a:r>
-              <a:rPr b="0" lang="en-GB" sz="1800" spc="-1" strike="noStrike">
-                <a:solidFill>
-                  <a:srgbClr val="000000"/>
-                </a:solidFill>
-                <a:latin typeface="DejaVu Sans"/>
-                <a:ea typeface="DejaVu Sans"/>
-              </a:rPr>
-              <a:t>Wednesday </a:t>
-            </a:r>
-            <a:r>
-              <a:rPr b="1" lang="en-GB" sz="1800" spc="-1" strike="noStrike">
-                <a:solidFill>
-                  <a:srgbClr val="000000"/>
-                </a:solidFill>
-                <a:latin typeface="DejaVu Sans"/>
-                <a:ea typeface="DejaVu Sans"/>
-              </a:rPr>
-              <a:t>4 pm to 5:30 pm</a:t>
-            </a:r>
-            <a:r>
-              <a:rPr b="0" lang="en-GB" sz="1800" spc="-1" strike="noStrike">
-                <a:solidFill>
-                  <a:srgbClr val="000000"/>
-                </a:solidFill>
-                <a:latin typeface="DejaVu Sans"/>
-                <a:ea typeface="DejaVu Sans"/>
-              </a:rPr>
-              <a:t> (Berlin time) – </a:t>
-            </a:r>
-            <a:r>
-              <a:rPr b="1" lang="en-GB" sz="1800" spc="-1" strike="noStrike">
-                <a:solidFill>
-                  <a:srgbClr val="000000"/>
-                </a:solidFill>
-                <a:latin typeface="DejaVu Sans"/>
-                <a:ea typeface="DejaVu Sans"/>
-              </a:rPr>
-              <a:t>02.11</a:t>
-            </a:r>
-            <a:r>
-              <a:rPr b="0" lang="en-GB" sz="1800" spc="-1" strike="noStrike">
-                <a:solidFill>
-                  <a:srgbClr val="000000"/>
-                </a:solidFill>
-                <a:latin typeface="DejaVu Sans"/>
-                <a:ea typeface="DejaVu Sans"/>
-              </a:rPr>
-              <a:t>.</a:t>
-            </a:r>
-            <a:r>
-              <a:rPr b="1" lang="en-GB" sz="1800" spc="-1" strike="noStrike">
-                <a:solidFill>
-                  <a:srgbClr val="000000"/>
-                </a:solidFill>
-                <a:latin typeface="DejaVu Sans"/>
-                <a:ea typeface="DejaVu Sans"/>
-              </a:rPr>
-              <a:t>2022</a:t>
-            </a:r>
-            <a:r>
-              <a:rPr b="0" lang="en-GB" sz="1800" spc="-1" strike="noStrike">
-                <a:solidFill>
-                  <a:srgbClr val="000000"/>
-                </a:solidFill>
-                <a:latin typeface="DejaVu Sans"/>
-                <a:ea typeface="DejaVu Sans"/>
-              </a:rPr>
-              <a:t> to </a:t>
-            </a:r>
-            <a:r>
-              <a:rPr b="1" lang="en-GB" sz="1800" spc="-1" strike="noStrike">
-                <a:solidFill>
-                  <a:srgbClr val="000000"/>
-                </a:solidFill>
-                <a:latin typeface="DejaVu Sans"/>
-                <a:ea typeface="DejaVu Sans"/>
-              </a:rPr>
-              <a:t>08.02</a:t>
-            </a:r>
-            <a:r>
-              <a:rPr b="0" lang="en-GB" sz="1800" spc="-1" strike="noStrike">
-                <a:solidFill>
-                  <a:srgbClr val="000000"/>
-                </a:solidFill>
-                <a:latin typeface="DejaVu Sans"/>
-                <a:ea typeface="DejaVu Sans"/>
-              </a:rPr>
-              <a:t>.</a:t>
-            </a:r>
-            <a:r>
-              <a:rPr b="1" lang="en-GB" sz="1800" spc="-1" strike="noStrike">
-                <a:solidFill>
-                  <a:srgbClr val="000000"/>
-                </a:solidFill>
-                <a:latin typeface="DejaVu Sans"/>
-                <a:ea typeface="DejaVu Sans"/>
-              </a:rPr>
-              <a:t>2023</a:t>
-            </a:r>
+              <a:buFont typeface="DejaVu Sans"/>
+              <a:buChar char="◾"/>
+            </a:pPr>
             <a:endParaRPr b="0" lang="en-US" sz="1800" spc="-1" strike="noStrike">
               <a:solidFill>
                 <a:srgbClr val="000000"/>
@@ -7738,7 +8112,7 @@
             </a:endParaRPr>
           </a:p>
           <a:p>
-            <a:pPr lvl="1" marL="432000" indent="-211320">
+            <a:pPr marL="216000" indent="-216000">
               <a:lnSpc>
                 <a:spcPct val="100000"/>
               </a:lnSpc>
@@ -7749,7 +8123,162 @@
                 <a:srgbClr val="008c4f"/>
               </a:buClr>
               <a:buSzPct val="45000"/>
-              <a:buFont typeface="OpenSymbol"/>
+              <a:buFont typeface="DejaVu Sans"/>
+              <a:buChar char="◾"/>
+            </a:pPr>
+            <a:r>
+              <a:rPr b="0" lang="en-GB" sz="1800" spc="-1" strike="noStrike" u="sng">
+                <a:solidFill>
+                  <a:srgbClr val="000000"/>
+                </a:solidFill>
+                <a:uFillTx/>
+                <a:latin typeface="DejaVu Sans"/>
+                <a:ea typeface="DejaVu Sans"/>
+              </a:rPr>
+              <a:t>Exercise / Q&amp;A:</a:t>
+            </a:r>
+            <a:endParaRPr b="0" lang="en-US" sz="1800" spc="-1" strike="noStrike">
+              <a:solidFill>
+                <a:srgbClr val="000000"/>
+              </a:solidFill>
+              <a:latin typeface="Arial"/>
+            </a:endParaRPr>
+          </a:p>
+          <a:p>
+            <a:pPr lvl="1" marL="432000" indent="-216000">
+              <a:lnSpc>
+                <a:spcPct val="100000"/>
+              </a:lnSpc>
+              <a:spcBef>
+                <a:spcPts val="360"/>
+              </a:spcBef>
+              <a:buClr>
+                <a:srgbClr val="008c4f"/>
+              </a:buClr>
+              <a:buSzPct val="60000"/>
+              <a:buFont typeface="DejaVu Sans"/>
+              <a:buChar char="—"/>
+            </a:pPr>
+            <a:r>
+              <a:rPr b="0" lang="en-GB" sz="1800" spc="-1" strike="noStrike">
+                <a:solidFill>
+                  <a:srgbClr val="000000"/>
+                </a:solidFill>
+                <a:latin typeface="DejaVu Sans"/>
+                <a:ea typeface="DejaVu Sans"/>
+              </a:rPr>
+              <a:t>Wednesday </a:t>
+            </a:r>
+            <a:r>
+              <a:rPr b="1" lang="en-GB" sz="1800" spc="-1" strike="noStrike">
+                <a:solidFill>
+                  <a:srgbClr val="000000"/>
+                </a:solidFill>
+                <a:latin typeface="DejaVu Sans"/>
+                <a:ea typeface="DejaVu Sans"/>
+              </a:rPr>
+              <a:t>4 pm to 5:30 pm</a:t>
+            </a:r>
+            <a:r>
+              <a:rPr b="0" lang="en-GB" sz="1800" spc="-1" strike="noStrike">
+                <a:solidFill>
+                  <a:srgbClr val="000000"/>
+                </a:solidFill>
+                <a:latin typeface="DejaVu Sans"/>
+                <a:ea typeface="DejaVu Sans"/>
+              </a:rPr>
+              <a:t> (Berlin time) – </a:t>
+            </a:r>
+            <a:r>
+              <a:rPr b="1" lang="en-GB" sz="1800" spc="-1" strike="noStrike">
+                <a:solidFill>
+                  <a:srgbClr val="000000"/>
+                </a:solidFill>
+                <a:latin typeface="DejaVu Sans"/>
+                <a:ea typeface="DejaVu Sans"/>
+              </a:rPr>
+              <a:t>02.11</a:t>
+            </a:r>
+            <a:r>
+              <a:rPr b="0" lang="en-GB" sz="1800" spc="-1" strike="noStrike">
+                <a:solidFill>
+                  <a:srgbClr val="000000"/>
+                </a:solidFill>
+                <a:latin typeface="DejaVu Sans"/>
+                <a:ea typeface="DejaVu Sans"/>
+              </a:rPr>
+              <a:t>.</a:t>
+            </a:r>
+            <a:r>
+              <a:rPr b="1" lang="en-GB" sz="1800" spc="-1" strike="noStrike">
+                <a:solidFill>
+                  <a:srgbClr val="000000"/>
+                </a:solidFill>
+                <a:latin typeface="DejaVu Sans"/>
+                <a:ea typeface="DejaVu Sans"/>
+              </a:rPr>
+              <a:t>2022</a:t>
+            </a:r>
+            <a:r>
+              <a:rPr b="0" lang="en-GB" sz="1800" spc="-1" strike="noStrike">
+                <a:solidFill>
+                  <a:srgbClr val="000000"/>
+                </a:solidFill>
+                <a:latin typeface="DejaVu Sans"/>
+                <a:ea typeface="DejaVu Sans"/>
+              </a:rPr>
+              <a:t> to </a:t>
+            </a:r>
+            <a:r>
+              <a:rPr b="1" lang="en-GB" sz="1800" spc="-1" strike="noStrike">
+                <a:solidFill>
+                  <a:srgbClr val="000000"/>
+                </a:solidFill>
+                <a:latin typeface="DejaVu Sans"/>
+                <a:ea typeface="DejaVu Sans"/>
+              </a:rPr>
+              <a:t>08.02</a:t>
+            </a:r>
+            <a:r>
+              <a:rPr b="0" lang="en-GB" sz="1800" spc="-1" strike="noStrike">
+                <a:solidFill>
+                  <a:srgbClr val="000000"/>
+                </a:solidFill>
+                <a:latin typeface="DejaVu Sans"/>
+                <a:ea typeface="DejaVu Sans"/>
+              </a:rPr>
+              <a:t>.</a:t>
+            </a:r>
+            <a:r>
+              <a:rPr b="1" lang="en-GB" sz="1800" spc="-1" strike="noStrike">
+                <a:solidFill>
+                  <a:srgbClr val="000000"/>
+                </a:solidFill>
+                <a:latin typeface="DejaVu Sans"/>
+                <a:ea typeface="DejaVu Sans"/>
+              </a:rPr>
+              <a:t>2023</a:t>
+            </a:r>
+            <a:endParaRPr b="0" lang="en-US" sz="1800" spc="-1" strike="noStrike">
+              <a:solidFill>
+                <a:srgbClr val="000000"/>
+              </a:solidFill>
+              <a:latin typeface="Arial"/>
+            </a:endParaRPr>
+          </a:p>
+          <a:p>
+            <a:pPr lvl="1" marL="432000" indent="-216000">
+              <a:lnSpc>
+                <a:spcPct val="100000"/>
+              </a:lnSpc>
+              <a:spcBef>
+                <a:spcPts val="360"/>
+              </a:spcBef>
+              <a:buClr>
+                <a:srgbClr val="008c4f"/>
+              </a:buClr>
+              <a:buSzPct val="60000"/>
+              <a:buFont typeface="DejaVu Sans"/>
               <a:buChar char="—"/>
             </a:pPr>
             <a:r>
@@ -7831,8 +8360,8 @@
         </p:nvSpPr>
         <p:spPr>
           <a:xfrm>
-            <a:off x="335520" y="764640"/>
-            <a:ext cx="10749240" cy="500040"/>
+            <a:off x="539640" y="764640"/>
+            <a:ext cx="10748880" cy="499680"/>
           </a:xfrm>
           <a:prstGeom prst="rect">
             <a:avLst/>
@@ -7885,8 +8414,8 @@
         </p:nvSpPr>
         <p:spPr>
           <a:xfrm>
-            <a:off x="335520" y="1268280"/>
-            <a:ext cx="10749240" cy="5036760"/>
+            <a:off x="539640" y="1268280"/>
+            <a:ext cx="10748880" cy="5036400"/>
           </a:xfrm>
           <a:prstGeom prst="rect">
             <a:avLst/>
@@ -7907,43 +8436,17 @@
             <a:noAutofit/>
           </a:bodyPr>
           <a:p>
-            <a:pPr>
-              <a:lnSpc>
-                <a:spcPct val="100000"/>
-              </a:lnSpc>
-            </a:pPr>
-            <a:endParaRPr b="0" lang="en-US" sz="1800" spc="-1" strike="noStrike">
-              <a:solidFill>
-                <a:srgbClr val="000000"/>
-              </a:solidFill>
-              <a:latin typeface="Arial"/>
-            </a:endParaRPr>
-          </a:p>
-          <a:p>
-            <a:pPr marL="195120" indent="-193680">
-              <a:lnSpc>
-                <a:spcPct val="100000"/>
-              </a:lnSpc>
-              <a:spcBef>
-                <a:spcPts val="360"/>
-              </a:spcBef>
+            <a:pPr marL="216000" indent="-216000">
+              <a:lnSpc>
+                <a:spcPct val="100000"/>
+              </a:lnSpc>
               <a:buClr>
                 <a:srgbClr val="008c4f"/>
               </a:buClr>
-              <a:buSzPct val="80000"/>
-              <a:buFont typeface="Wingdings" charset="2"/>
-              <a:buChar char=""/>
-            </a:pPr>
-            <a:r>
-              <a:rPr b="0" lang="en-GB" sz="1800" spc="-1" strike="noStrike">
-                <a:solidFill>
-                  <a:srgbClr val="000000"/>
-                </a:solidFill>
-                <a:latin typeface="DejaVu Sans"/>
-                <a:ea typeface="DejaVu Sans"/>
-              </a:rPr>
-              <a:t>Organization of the exercise:</a:t>
-            </a:r>
+              <a:buSzPct val="45000"/>
+              <a:buFont typeface="DejaVu Sans"/>
+              <a:buChar char="◾"/>
+            </a:pPr>
             <a:endParaRPr b="0" lang="en-US" sz="1800" spc="-1" strike="noStrike">
               <a:solidFill>
                 <a:srgbClr val="000000"/>
@@ -7952,7 +8455,7 @@
             </a:endParaRPr>
           </a:p>
           <a:p>
-            <a:pPr lvl="1" marL="744120" indent="-285480">
+            <a:pPr marL="216000" indent="-216000">
               <a:lnSpc>
                 <a:spcPct val="100000"/>
               </a:lnSpc>
@@ -7962,9 +8465,9 @@
               <a:buClr>
                 <a:srgbClr val="008c4f"/>
               </a:buClr>
-              <a:buSzPct val="80000"/>
-              <a:buFont typeface="Walbaum Display Light"/>
-              <a:buChar char="—"/>
+              <a:buSzPct val="45000"/>
+              <a:buFont typeface="DejaVu Sans"/>
+              <a:buChar char="◾"/>
             </a:pPr>
             <a:r>
               <a:rPr b="0" lang="en-GB" sz="1800" spc="-1" strike="noStrike">
@@ -7974,27 +8477,7 @@
                 <a:latin typeface="DejaVu Sans"/>
                 <a:ea typeface="DejaVu Sans"/>
               </a:rPr>
-              <a:t>Individual work → </a:t>
-            </a:r>
-            <a:r>
-              <a:rPr b="1" lang="en-GB" sz="1800" spc="-1" strike="noStrike">
-                <a:solidFill>
-                  <a:srgbClr val="000000"/>
-                </a:solidFill>
-                <a:latin typeface="DejaVu Sans"/>
-                <a:ea typeface="DejaVu Sans"/>
-              </a:rPr>
-              <a:t>no</a:t>
-            </a:r>
-            <a:r>
-              <a:rPr b="0" lang="en-GB" sz="1800" spc="-1" strike="noStrike">
-                <a:solidFill>
-                  <a:srgbClr val="000000"/>
-                </a:solidFill>
-                <a:latin typeface="DejaVu Sans"/>
-                <a:ea typeface="DejaVu Sans"/>
-              </a:rPr>
-              <a:t> group submissions</a:t>
+              <a:t>Organization of the exercise:</a:t>
             </a:r>
             <a:endParaRPr b="0" lang="en-US" sz="1800" spc="-1" strike="noStrike">
               <a:solidFill>
@@ -8004,7 +8487,7 @@
             </a:endParaRPr>
           </a:p>
           <a:p>
-            <a:pPr lvl="1" marL="744120" indent="-285480">
+            <a:pPr lvl="1" marL="432000" indent="-216000">
               <a:lnSpc>
                 <a:spcPct val="100000"/>
               </a:lnSpc>
@@ -8014,8 +8497,8 @@
               <a:buClr>
                 <a:srgbClr val="008c4f"/>
               </a:buClr>
-              <a:buSzPct val="80000"/>
-              <a:buFont typeface="Walbaum Display Light"/>
+              <a:buSzPct val="60000"/>
+              <a:buFont typeface="DejaVu Sans"/>
               <a:buChar char="—"/>
             </a:pPr>
             <a:r>
@@ -8026,7 +8509,27 @@
                 <a:latin typeface="DejaVu Sans"/>
                 <a:ea typeface="DejaVu Sans"/>
               </a:rPr>
-              <a:t>Multiple-Choice or practical tasks</a:t>
+              <a:t>Individual work → </a:t>
+            </a:r>
+            <a:r>
+              <a:rPr b="1" lang="en-GB" sz="1800" spc="-1" strike="noStrike">
+                <a:solidFill>
+                  <a:srgbClr val="000000"/>
+                </a:solidFill>
+                <a:latin typeface="DejaVu Sans"/>
+                <a:ea typeface="DejaVu Sans"/>
+              </a:rPr>
+              <a:t>no</a:t>
+            </a:r>
+            <a:r>
+              <a:rPr b="0" lang="en-GB" sz="1800" spc="-1" strike="noStrike">
+                <a:solidFill>
+                  <a:srgbClr val="000000"/>
+                </a:solidFill>
+                <a:latin typeface="DejaVu Sans"/>
+                <a:ea typeface="DejaVu Sans"/>
+              </a:rPr>
+              <a:t> group submissions</a:t>
             </a:r>
             <a:endParaRPr b="0" lang="en-US" sz="1800" spc="-1" strike="noStrike">
               <a:solidFill>
@@ -8036,7 +8539,7 @@
             </a:endParaRPr>
           </a:p>
           <a:p>
-            <a:pPr lvl="1" marL="744120" indent="-285480">
+            <a:pPr lvl="1" marL="432000" indent="-216000">
               <a:lnSpc>
                 <a:spcPct val="100000"/>
               </a:lnSpc>
@@ -8046,8 +8549,8 @@
               <a:buClr>
                 <a:srgbClr val="008c4f"/>
               </a:buClr>
-              <a:buSzPct val="80000"/>
-              <a:buFont typeface="Walbaum Display Light"/>
+              <a:buSzPct val="60000"/>
+              <a:buFont typeface="DejaVu Sans"/>
               <a:buChar char="—"/>
             </a:pPr>
             <a:r>
@@ -8058,7 +8561,7 @@
                 <a:latin typeface="DejaVu Sans"/>
                 <a:ea typeface="DejaVu Sans"/>
               </a:rPr>
-              <a:t>7-14 days to submit (depending on the task)</a:t>
+              <a:t>Multiple-Choice or practical tasks</a:t>
             </a:r>
             <a:endParaRPr b="0" lang="en-US" sz="1800" spc="-1" strike="noStrike">
               <a:solidFill>
@@ -8068,7 +8571,7 @@
             </a:endParaRPr>
           </a:p>
           <a:p>
-            <a:pPr lvl="1" marL="744120" indent="-285480">
+            <a:pPr lvl="1" marL="432000" indent="-216000">
               <a:lnSpc>
                 <a:spcPct val="100000"/>
               </a:lnSpc>
@@ -8078,8 +8581,8 @@
               <a:buClr>
                 <a:srgbClr val="008c4f"/>
               </a:buClr>
-              <a:buSzPct val="80000"/>
-              <a:buFont typeface="Walbaum Display Light"/>
+              <a:buSzPct val="60000"/>
+              <a:buFont typeface="DejaVu Sans"/>
               <a:buChar char="—"/>
             </a:pPr>
             <a:r>
@@ -8090,7 +8593,7 @@
                 <a:latin typeface="DejaVu Sans"/>
                 <a:ea typeface="DejaVu Sans"/>
               </a:rPr>
-              <a:t>Submission deadline is always Wednesday at 1:59pm (right before the next lecture)</a:t>
+              <a:t>7-14 days to submit (depending on the task)</a:t>
             </a:r>
             <a:endParaRPr b="0" lang="en-US" sz="1800" spc="-1" strike="noStrike">
               <a:solidFill>
@@ -8100,7 +8603,7 @@
             </a:endParaRPr>
           </a:p>
           <a:p>
-            <a:pPr lvl="1" marL="744120" indent="-285480">
+            <a:pPr lvl="1" marL="432000" indent="-216000">
               <a:lnSpc>
                 <a:spcPct val="100000"/>
               </a:lnSpc>
@@ -8110,11 +8613,43 @@
               <a:buClr>
                 <a:srgbClr val="008c4f"/>
               </a:buClr>
-              <a:buSzPct val="80000"/>
-              <a:buFont typeface="Walbaum Display Light"/>
+              <a:buSzPct val="60000"/>
+              <a:buFont typeface="DejaVu Sans"/>
               <a:buChar char="—"/>
             </a:pPr>
             <a:r>
+              <a:rPr b="0" lang="en-GB" sz="1800" spc="-1" strike="noStrike">
+                <a:solidFill>
+                  <a:srgbClr val="000000"/>
+                </a:solidFill>
+                <a:latin typeface="DejaVu Sans"/>
+                <a:ea typeface="DejaVu Sans"/>
+              </a:rPr>
+              <a:t>Submission deadline is always Wednesday at 1:59pm (right before the next lecture)</a:t>
+            </a:r>
+            <a:endParaRPr b="0" lang="en-US" sz="1800" spc="-1" strike="noStrike">
+              <a:solidFill>
+                <a:srgbClr val="000000"/>
+              </a:solidFill>
+              <a:latin typeface="Arial"/>
+            </a:endParaRPr>
+          </a:p>
+          <a:p>
+            <a:pPr lvl="1" marL="432000" indent="-216000">
+              <a:lnSpc>
+                <a:spcPct val="100000"/>
+              </a:lnSpc>
+              <a:spcBef>
+                <a:spcPts val="360"/>
+              </a:spcBef>
+              <a:buClr>
+                <a:srgbClr val="008c4f"/>
+              </a:buClr>
+              <a:buSzPct val="60000"/>
+              <a:buFont typeface="DejaVu Sans"/>
+              <a:buChar char="—"/>
+            </a:pPr>
+            <a:r>
               <a:rPr b="1" lang="en-GB" sz="1800" spc="-1" strike="noStrike">
                 <a:solidFill>
                   <a:srgbClr val="000000"/>
@@ -8139,38 +8674,12 @@
               <a:spcBef>
                 <a:spcPts val="360"/>
               </a:spcBef>
-            </a:pPr>
-            <a:endParaRPr b="0" lang="en-US" sz="1800" spc="-1" strike="noStrike">
-              <a:solidFill>
-                <a:srgbClr val="000000"/>
-              </a:solidFill>
-              <a:latin typeface="Arial"/>
-            </a:endParaRPr>
-          </a:p>
-          <a:p>
-            <a:pPr marL="360" algn="ctr">
-              <a:lnSpc>
-                <a:spcPct val="100000"/>
-              </a:lnSpc>
-              <a:spcBef>
-                <a:spcPts val="360"/>
-              </a:spcBef>
-            </a:pPr>
-            <a:endParaRPr b="0" lang="en-US" sz="1800" spc="-1" strike="noStrike">
-              <a:solidFill>
-                <a:srgbClr val="000000"/>
-              </a:solidFill>
-              <a:latin typeface="Arial"/>
-            </a:endParaRPr>
-          </a:p>
-          <a:p>
-            <a:pPr marL="360" algn="ctr">
-              <a:lnSpc>
-                <a:spcPct val="100000"/>
-              </a:lnSpc>
-              <a:spcBef>
-                <a:spcPts val="360"/>
-              </a:spcBef>
+              <a:buClr>
+                <a:srgbClr val="008c4f"/>
+              </a:buClr>
+              <a:buSzPct val="45000"/>
+              <a:buFont typeface="DejaVu Sans"/>
+              <a:buChar char="◾"/>
             </a:pPr>
             <a:r>
               <a:rPr b="1" lang="en-GB" sz="1800" spc="-1" strike="noStrike">
@@ -8180,7 +8689,17 @@
                 <a:latin typeface="DejaVu Sans"/>
                 <a:ea typeface="DejaVu Sans"/>
               </a:rPr>
-              <a:t>More info on points, percentages, etc. follow on the next slides (Examination)</a:t>
+              <a:t> </a:t>
+            </a:r>
+            <a:r>
+              <a:rPr b="1" lang="en-GB" sz="1800" spc="-1" strike="noStrike">
+                <a:solidFill>
+                  <a:srgbClr val="ffffff"/>
+                </a:solidFill>
+                <a:latin typeface="DejaVu Sans"/>
+                <a:ea typeface="DejaVu Sans"/>
+              </a:rPr>
+              <a:t>follow on the next slides (Examination)</a:t>
             </a:r>
             <a:endParaRPr b="0" lang="en-US" sz="1800" spc="-1" strike="noStrike">
               <a:solidFill>
@@ -8229,8 +8748,8 @@
         </p:nvSpPr>
         <p:spPr>
           <a:xfrm>
-            <a:off x="335520" y="764640"/>
-            <a:ext cx="10742400" cy="493200"/>
+            <a:off x="539640" y="764640"/>
+            <a:ext cx="10742040" cy="492840"/>
           </a:xfrm>
           <a:prstGeom prst="rect">
             <a:avLst/>
@@ -8283,8 +8802,8 @@
         </p:nvSpPr>
         <p:spPr>
           <a:xfrm>
-            <a:off x="335520" y="1268280"/>
-            <a:ext cx="10742400" cy="5029920"/>
+            <a:off x="539640" y="1268280"/>
+            <a:ext cx="10742040" cy="5029560"/>
           </a:xfrm>
           <a:prstGeom prst="rect">
             <a:avLst/>
@@ -8305,48 +8824,16 @@
             <a:noAutofit/>
           </a:bodyPr>
           <a:p>
-            <a:pPr marL="216000" indent="-213840">
-              <a:lnSpc>
-                <a:spcPct val="100000"/>
-              </a:lnSpc>
-              <a:buClr>
-                <a:srgbClr val="008c4f"/>
-              </a:buClr>
-              <a:buSzPct val="115000"/>
-              <a:buFont typeface="Wingdings 2" charset="2"/>
-              <a:buChar char=""/>
-            </a:pPr>
-            <a:r>
-              <a:rPr b="0" lang="en-GB" sz="1800" spc="-1" strike="noStrike">
-                <a:solidFill>
-                  <a:srgbClr val="000000"/>
-                </a:solidFill>
-                <a:latin typeface="DejaVu Sans"/>
-                <a:ea typeface="DejaVu Sans"/>
-              </a:rPr>
-              <a:t>Bonus task:</a:t>
-            </a:r>
-            <a:endParaRPr b="0" lang="en-US" sz="1800" spc="-1" strike="noStrike">
-              <a:solidFill>
-                <a:srgbClr val="000000"/>
-              </a:solidFill>
-              <a:latin typeface="Arial"/>
-            </a:endParaRPr>
-          </a:p>
-          <a:p>
-            <a:pPr lvl="1" marL="432000" indent="-213840">
-              <a:lnSpc>
-                <a:spcPct val="100000"/>
-              </a:lnSpc>
-              <a:spcBef>
-                <a:spcPts val="360"/>
-              </a:spcBef>
+            <a:pPr marL="216000" indent="-216000">
+              <a:lnSpc>
+                <a:spcPct val="100000"/>
+              </a:lnSpc>
               <a:buClr>
                 <a:srgbClr val="008c4f"/>
               </a:buClr>
               <a:buSzPct val="45000"/>
-              <a:buFont typeface="OpenSymbol"/>
-              <a:buChar char="—"/>
+              <a:buFont typeface="DejaVu Sans"/>
+              <a:buChar char="◾"/>
             </a:pPr>
             <a:r>
               <a:rPr b="0" lang="en-GB" sz="1800" spc="-1" strike="noStrike">
@@ -8356,7 +8843,7 @@
                 <a:latin typeface="DejaVu Sans"/>
                 <a:ea typeface="DejaVu Sans"/>
               </a:rPr>
-              <a:t>You may miss/fail one of the regular exercises</a:t>
+              <a:t>Bonus task:</a:t>
             </a:r>
             <a:endParaRPr b="0" lang="en-US" sz="1800" spc="-1" strike="noStrike">
               <a:solidFill>
@@ -8366,7 +8853,7 @@
             </a:endParaRPr>
           </a:p>
           <a:p>
-            <a:pPr lvl="1" marL="432000" indent="-213840">
+            <a:pPr lvl="1" marL="432000" indent="-216000">
               <a:lnSpc>
                 <a:spcPct val="100000"/>
               </a:lnSpc>
@@ -8376,8 +8863,8 @@
               <a:buClr>
                 <a:srgbClr val="008c4f"/>
               </a:buClr>
-              <a:buSzPct val="45000"/>
-              <a:buFont typeface="OpenSymbol"/>
+              <a:buSzPct val="60000"/>
+              <a:buFont typeface="DejaVu Sans"/>
               <a:buChar char="—"/>
             </a:pPr>
             <a:r>
@@ -8388,27 +8875,7 @@
                 <a:latin typeface="DejaVu Sans"/>
                 <a:ea typeface="DejaVu Sans"/>
               </a:rPr>
-              <a:t>Submitting </a:t>
-            </a:r>
-            <a:r>
-              <a:rPr b="1" lang="en-GB" sz="1800" spc="-1" strike="noStrike">
-                <a:solidFill>
-                  <a:srgbClr val="000000"/>
-                </a:solidFill>
-                <a:latin typeface="DejaVu Sans"/>
-                <a:ea typeface="DejaVu Sans"/>
-              </a:rPr>
-              <a:t>AND</a:t>
-            </a:r>
-            <a:r>
-              <a:rPr b="0" lang="en-GB" sz="1800" spc="-1" strike="noStrike">
-                <a:solidFill>
-                  <a:srgbClr val="000000"/>
-                </a:solidFill>
-                <a:latin typeface="DejaVu Sans"/>
-                <a:ea typeface="DejaVu Sans"/>
-              </a:rPr>
-              <a:t> passing the bonus task substitutes the missed/failed exercise</a:t>
+              <a:t>You may miss/fail one of the regular exercises</a:t>
             </a:r>
             <a:endParaRPr b="0" lang="en-US" sz="1800" spc="-1" strike="noStrike">
               <a:solidFill>
@@ -8418,7 +8885,7 @@
             </a:endParaRPr>
           </a:p>
           <a:p>
-            <a:pPr lvl="1" marL="432000" indent="-213840">
+            <a:pPr lvl="1" marL="432000" indent="-216000">
               <a:lnSpc>
                 <a:spcPct val="100000"/>
               </a:lnSpc>
@@ -8428,8 +8895,60 @@
               <a:buClr>
                 <a:srgbClr val="008c4f"/>
               </a:buClr>
-              <a:buSzPct val="45000"/>
-              <a:buFont typeface="OpenSymbol"/>
+              <a:buSzPct val="60000"/>
+              <a:buFont typeface="DejaVu Sans"/>
+              <a:buChar char="—"/>
+            </a:pPr>
+            <a:r>
+              <a:rPr b="0" lang="en-GB" sz="1800" spc="-1" strike="noStrike">
+                <a:solidFill>
+                  <a:srgbClr val="000000"/>
+                </a:solidFill>
+                <a:latin typeface="DejaVu Sans"/>
+                <a:ea typeface="DejaVu Sans"/>
+              </a:rPr>
+              <a:t>Submitting </a:t>
+            </a:r>
+            <a:r>
+              <a:rPr b="1" lang="en-GB" sz="1800" spc="-1" strike="noStrike">
+                <a:solidFill>
+                  <a:srgbClr val="000000"/>
+                </a:solidFill>
+                <a:latin typeface="DejaVu Sans"/>
+                <a:ea typeface="DejaVu Sans"/>
+              </a:rPr>
+              <a:t>AND</a:t>
+            </a:r>
+            <a:r>
+              <a:rPr b="0" lang="en-GB" sz="1800" spc="-1" strike="noStrike">
+                <a:solidFill>
+                  <a:srgbClr val="000000"/>
+                </a:solidFill>
+                <a:latin typeface="DejaVu Sans"/>
+                <a:ea typeface="DejaVu Sans"/>
+              </a:rPr>
+              <a:t> passing the bonus task substitutes the missed/failed exercise</a:t>
+            </a:r>
+            <a:endParaRPr b="0" lang="en-US" sz="1800" spc="-1" strike="noStrike">
+              <a:solidFill>
+                <a:srgbClr val="000000"/>
+              </a:solidFill>
+              <a:latin typeface="Arial"/>
+            </a:endParaRPr>
+          </a:p>
+          <a:p>
+            <a:pPr lvl="1" marL="432000" indent="-216000">
+              <a:lnSpc>
+                <a:spcPct val="100000"/>
+              </a:lnSpc>
+              <a:spcBef>
+                <a:spcPts val="360"/>
+              </a:spcBef>
+              <a:buClr>
+                <a:srgbClr val="008c4f"/>
+              </a:buClr>
+              <a:buSzPct val="60000"/>
+              <a:buFont typeface="DejaVu Sans"/>
               <a:buChar char="—"/>
             </a:pPr>
             <a:r>
@@ -8499,8 +9018,8 @@
         </p:nvSpPr>
         <p:spPr>
           <a:xfrm>
-            <a:off x="335520" y="764640"/>
-            <a:ext cx="10742400" cy="493200"/>
+            <a:off x="539640" y="764640"/>
+            <a:ext cx="10742040" cy="492840"/>
           </a:xfrm>
           <a:prstGeom prst="rect">
             <a:avLst/>
@@ -8553,8 +9072,8 @@
         </p:nvSpPr>
         <p:spPr>
           <a:xfrm>
-            <a:off x="494640" y="1523880"/>
-            <a:ext cx="10361160" cy="476280"/>
+            <a:off x="698760" y="1316880"/>
+            <a:ext cx="10360800" cy="475920"/>
           </a:xfrm>
           <a:prstGeom prst="rect">
             <a:avLst/>
@@ -8594,7 +9113,7 @@
               <a:solidFill>
                 <a:srgbClr val="000000"/>
               </a:solidFill>
-              <a:latin typeface="Arial"/>
+              <a:latin typeface="DejaVu Sans"/>
             </a:endParaRPr>
           </a:p>
         </p:txBody>
@@ -8634,7 +9153,7 @@
           <a:fontRef idx="minor"/>
         </p:style>
         <p:txBody>
-          <a:bodyPr lIns="90000" rIns="90000" tIns="45000" bIns="45000" anchor="t" anchorCtr="1">
+          <a:bodyPr lIns="90000" rIns="90000" tIns="0" bIns="0" anchor="t" anchorCtr="1">
             <a:noAutofit/>
           </a:bodyPr>
           <a:p>
@@ -8643,6 +9162,7 @@
                 <a:srgbClr val="000000"/>
               </a:solidFill>
               <a:latin typeface="Arial"/>
+              <a:ea typeface="DejaVu Sans"/>
             </a:endParaRPr>
           </a:p>
         </p:txBody>
@@ -8661,7 +9181,7 @@
         <p:spPr>
           <a:xfrm>
             <a:off x="2057400" y="2111400"/>
-            <a:ext cx="7314840" cy="4060080"/>
+            <a:ext cx="7314480" cy="4059720"/>
           </a:xfrm>
           <a:prstGeom prst="rect">
             <a:avLst/>
@@ -8709,8 +9229,8 @@
         </p:nvSpPr>
         <p:spPr>
           <a:xfrm>
-            <a:off x="335520" y="764640"/>
-            <a:ext cx="10742400" cy="493200"/>
+            <a:off x="539640" y="764640"/>
+            <a:ext cx="10742040" cy="492840"/>
           </a:xfrm>
           <a:prstGeom prst="rect">
             <a:avLst/>
@@ -8763,8 +9283,8 @@
         </p:nvSpPr>
         <p:spPr>
           <a:xfrm>
-            <a:off x="494640" y="1488600"/>
-            <a:ext cx="5443920" cy="441000"/>
+            <a:off x="698760" y="1316880"/>
+            <a:ext cx="5443560" cy="440640"/>
           </a:xfrm>
           <a:prstGeom prst="rect">
             <a:avLst/>
@@ -8815,7 +9335,7 @@
               <a:solidFill>
                 <a:srgbClr val="000000"/>
               </a:solidFill>
-              <a:latin typeface="Arial"/>
+              <a:latin typeface="DejaVu Sans"/>
             </a:endParaRPr>
           </a:p>
         </p:txBody>
@@ -8833,7 +9353,7 @@
         <p:spPr>
           <a:xfrm>
             <a:off x="2513520" y="1828800"/>
-            <a:ext cx="6858720" cy="4737600"/>
+            <a:ext cx="6858360" cy="4737240"/>
           </a:xfrm>
           <a:prstGeom prst="rect">
             <a:avLst/>
@@ -8881,8 +9401,8 @@
         </p:nvSpPr>
         <p:spPr>
           <a:xfrm>
-            <a:off x="335520" y="764640"/>
-            <a:ext cx="10742400" cy="493200"/>
+            <a:off x="539640" y="764640"/>
+            <a:ext cx="10742040" cy="492840"/>
           </a:xfrm>
           <a:prstGeom prst="rect">
             <a:avLst/>
@@ -8935,8 +9455,8 @@
         </p:nvSpPr>
         <p:spPr>
           <a:xfrm>
-            <a:off x="494640" y="1418040"/>
-            <a:ext cx="5215320" cy="441000"/>
+            <a:off x="698760" y="1316880"/>
+            <a:ext cx="5214960" cy="440640"/>
           </a:xfrm>
           <a:prstGeom prst="rect">
             <a:avLst/>
@@ -8994,7 +9514,7 @@
         <p:spPr>
           <a:xfrm>
             <a:off x="1600200" y="2073600"/>
-            <a:ext cx="7700040" cy="3755880"/>
+            <a:ext cx="7699680" cy="3755520"/>
           </a:xfrm>
           <a:prstGeom prst="rect">
             <a:avLst/>
@@ -9047,8 +9567,8 @@
         </p:blipFill>
         <p:spPr>
           <a:xfrm>
-            <a:off x="685800" y="3429000"/>
-            <a:ext cx="8869320" cy="2921400"/>
+            <a:off x="937800" y="3069000"/>
+            <a:ext cx="8868960" cy="2921040"/>
           </a:xfrm>
           <a:prstGeom prst="rect">
             <a:avLst/>
@@ -9066,8 +9586,8 @@
         </p:nvSpPr>
         <p:spPr>
           <a:xfrm>
-            <a:off x="335520" y="764640"/>
-            <a:ext cx="10742400" cy="493200"/>
+            <a:off x="539640" y="764640"/>
+            <a:ext cx="10742040" cy="492840"/>
           </a:xfrm>
           <a:prstGeom prst="rect">
             <a:avLst/>
@@ -9107,7 +9627,7 @@
               <a:solidFill>
                 <a:srgbClr val="000000"/>
               </a:solidFill>
-              <a:latin typeface="Arial"/>
+              <a:latin typeface="DejaVu Sans"/>
             </a:endParaRPr>
           </a:p>
         </p:txBody>
@@ -9120,8 +9640,8 @@
         </p:nvSpPr>
         <p:spPr>
           <a:xfrm>
-            <a:off x="494640" y="1312200"/>
-            <a:ext cx="1732320" cy="363600"/>
+            <a:off x="698760" y="1312200"/>
+            <a:ext cx="1731960" cy="363240"/>
           </a:xfrm>
           <a:prstGeom prst="rect">
             <a:avLst/>
@@ -9152,7 +9672,7 @@
                 <a:solidFill>
                   <a:srgbClr val="000000"/>
                 </a:solidFill>
-                <a:latin typeface="Arial"/>
+                <a:latin typeface="DejaVu Sans"/>
                 <a:ea typeface="DejaVu Sans"/>
               </a:rPr>
               <a:t>Step-4 : </a:t>
@@ -9161,7 +9681,7 @@
               <a:solidFill>
                 <a:srgbClr val="000000"/>
               </a:solidFill>
-              <a:latin typeface="Arial"/>
+              <a:latin typeface="DejaVu Sans"/>
             </a:endParaRPr>
           </a:p>
           <a:p>
@@ -9174,7 +9694,7 @@
               <a:solidFill>
                 <a:srgbClr val="000000"/>
               </a:solidFill>
-              <a:latin typeface="Arial"/>
+              <a:latin typeface="DejaVu Sans"/>
             </a:endParaRPr>
           </a:p>
           <a:p>
@@ -9187,7 +9707,7 @@
               <a:solidFill>
                 <a:srgbClr val="000000"/>
               </a:solidFill>
-              <a:latin typeface="Arial"/>
+              <a:latin typeface="DejaVu Sans"/>
             </a:endParaRPr>
           </a:p>
         </p:txBody>
@@ -9200,7 +9720,7 @@
         </p:nvSpPr>
         <p:spPr>
           <a:xfrm>
-            <a:off x="8871480" y="3992760"/>
+            <a:off x="9123480" y="3632760"/>
             <a:ext cx="360" cy="310320"/>
           </a:xfrm>
           <a:prstGeom prst="line">
@@ -9227,7 +9747,7 @@
           <a:fontRef idx="minor"/>
         </p:style>
         <p:txBody>
-          <a:bodyPr lIns="90000" rIns="90000" tIns="90000" bIns="90000" anchor="t" anchorCtr="1">
+          <a:bodyPr lIns="90000" rIns="90000" tIns="180000" bIns="180000" anchor="t" anchorCtr="1">
             <a:noAutofit/>
           </a:bodyPr>
           <a:p>
@@ -9236,6 +9756,7 @@
                 <a:srgbClr val="000000"/>
               </a:solidFill>
               <a:latin typeface="Arial"/>
+              <a:ea typeface="DejaVu Sans"/>
             </a:endParaRPr>
           </a:p>
         </p:txBody>
@@ -9248,7 +9769,7 @@
         </p:nvSpPr>
         <p:spPr>
           <a:xfrm>
-            <a:off x="9551880" y="4598280"/>
+            <a:off x="9803880" y="4238280"/>
             <a:ext cx="360" cy="310320"/>
           </a:xfrm>
           <a:prstGeom prst="line">
@@ -9275,7 +9796,7 @@
           <a:fontRef idx="minor"/>
         </p:style>
         <p:txBody>
-          <a:bodyPr lIns="90000" rIns="90000" tIns="90000" bIns="90000" anchor="t" anchorCtr="1">
+          <a:bodyPr lIns="90000" rIns="90000" tIns="180000" bIns="180000" anchor="t" anchorCtr="1">
             <a:noAutofit/>
           </a:bodyPr>
           <a:p>
@@ -9284,6 +9805,7 @@
                 <a:srgbClr val="000000"/>
               </a:solidFill>
               <a:latin typeface="Arial"/>
+              <a:ea typeface="DejaVu Sans"/>
             </a:endParaRPr>
           </a:p>
         </p:txBody>
@@ -9296,7 +9818,7 @@
         </p:nvSpPr>
         <p:spPr>
           <a:xfrm>
-            <a:off x="7171560" y="6166080"/>
+            <a:off x="7423560" y="5806080"/>
             <a:ext cx="592920" cy="360"/>
           </a:xfrm>
           <a:prstGeom prst="line">
@@ -9323,7 +9845,7 @@
           <a:fontRef idx="minor"/>
         </p:style>
         <p:txBody>
-          <a:bodyPr lIns="90000" rIns="90000" tIns="45000" bIns="45000" anchor="t" anchorCtr="1">
+          <a:bodyPr lIns="90000" rIns="90000" tIns="0" bIns="0" anchor="t" anchorCtr="1">
             <a:noAutofit/>
           </a:bodyPr>
           <a:p>
@@ -9332,6 +9854,7 @@
                 <a:srgbClr val="000000"/>
               </a:solidFill>
               <a:latin typeface="Arial"/>
+              <a:ea typeface="DejaVu Sans"/>
             </a:endParaRPr>
           </a:p>
         </p:txBody>
@@ -9344,8 +9867,8 @@
         </p:nvSpPr>
         <p:spPr>
           <a:xfrm>
-            <a:off x="642600" y="1679400"/>
-            <a:ext cx="5072400" cy="1187640"/>
+            <a:off x="846720" y="1679400"/>
+            <a:ext cx="8297280" cy="1187640"/>
           </a:xfrm>
           <a:prstGeom prst="rect">
             <a:avLst/>
@@ -9376,7 +9899,7 @@
                 <a:solidFill>
                   <a:srgbClr val="000000"/>
                 </a:solidFill>
-                <a:latin typeface="Arial"/>
+                <a:latin typeface="DejaVu Sans"/>
                 <a:ea typeface="DejaVu Sans"/>
               </a:rPr>
               <a:t>A. Sequence of questions</a:t>
@@ -9385,7 +9908,7 @@
               <a:solidFill>
                 <a:srgbClr val="000000"/>
               </a:solidFill>
-              <a:latin typeface="Arial"/>
+              <a:latin typeface="DejaVu Sans"/>
             </a:endParaRPr>
           </a:p>
           <a:p>
@@ -9399,7 +9922,7 @@
                 <a:solidFill>
                   <a:srgbClr val="000000"/>
                 </a:solidFill>
-                <a:latin typeface="Arial"/>
+                <a:latin typeface="DejaVu Sans"/>
                 <a:ea typeface="DejaVu Sans"/>
               </a:rPr>
               <a:t>B. Timer running for the test</a:t>
@@ -9408,7 +9931,7 @@
               <a:solidFill>
                 <a:srgbClr val="000000"/>
               </a:solidFill>
-              <a:latin typeface="Arial"/>
+              <a:latin typeface="DejaVu Sans"/>
             </a:endParaRPr>
           </a:p>
           <a:p>
@@ -9422,7 +9945,7 @@
                 <a:solidFill>
                   <a:srgbClr val="000000"/>
                 </a:solidFill>
-                <a:latin typeface="Arial"/>
+                <a:latin typeface="DejaVu Sans"/>
                 <a:ea typeface="DejaVu Sans"/>
               </a:rPr>
               <a:t>C. Navigate to next question/Finish attampt</a:t>
@@ -9431,7 +9954,7 @@
               <a:solidFill>
                 <a:srgbClr val="000000"/>
               </a:solidFill>
-              <a:latin typeface="Arial"/>
+              <a:latin typeface="DejaVu Sans"/>
             </a:endParaRPr>
           </a:p>
           <a:p>
@@ -9445,7 +9968,7 @@
                 <a:solidFill>
                   <a:srgbClr val="000000"/>
                 </a:solidFill>
-                <a:latin typeface="Arial"/>
+                <a:latin typeface="DejaVu Sans"/>
                 <a:ea typeface="DejaVu Sans"/>
               </a:rPr>
               <a:t>D. Navigate to previous question</a:t>
@@ -9454,7 +9977,7 @@
               <a:solidFill>
                 <a:srgbClr val="000000"/>
               </a:solidFill>
-              <a:latin typeface="Arial"/>
+              <a:latin typeface="DejaVu Sans"/>
             </a:endParaRPr>
           </a:p>
         </p:txBody>
@@ -9468,7 +9991,7 @@
         <p:spPr>
           <a:xfrm>
             <a:off x="7839360" y="1679400"/>
-            <a:ext cx="2614320" cy="426960"/>
+            <a:ext cx="2613960" cy="426600"/>
           </a:xfrm>
           <a:prstGeom prst="rect">
             <a:avLst/>
@@ -9489,11 +10012,17 @@
             <a:noAutofit/>
           </a:bodyPr>
           <a:p>
+            <a:pPr>
+              <a:lnSpc>
+                <a:spcPct val="100000"/>
+              </a:lnSpc>
+            </a:pPr>
             <a:endParaRPr b="0" lang="en-US" sz="1800" spc="-1" strike="noStrike">
               <a:solidFill>
                 <a:srgbClr val="000000"/>
               </a:solidFill>
               <a:latin typeface="Arial"/>
+              <a:ea typeface="DejaVu Sans"/>
             </a:endParaRPr>
           </a:p>
         </p:txBody>
@@ -9506,8 +10035,8 @@
         </p:nvSpPr>
         <p:spPr>
           <a:xfrm>
-            <a:off x="8857440" y="3943440"/>
-            <a:ext cx="279000" cy="363960"/>
+            <a:off x="9109440" y="3583440"/>
+            <a:ext cx="278640" cy="363960"/>
           </a:xfrm>
           <a:prstGeom prst="rect">
             <a:avLst/>
@@ -9560,8 +10089,8 @@
         </p:nvSpPr>
         <p:spPr>
           <a:xfrm>
-            <a:off x="9537840" y="4548960"/>
-            <a:ext cx="279000" cy="363960"/>
+            <a:off x="9789840" y="4188960"/>
+            <a:ext cx="278640" cy="363960"/>
           </a:xfrm>
           <a:prstGeom prst="rect">
             <a:avLst/>
@@ -9614,8 +10143,8 @@
         </p:nvSpPr>
         <p:spPr>
           <a:xfrm>
-            <a:off x="7279920" y="6101280"/>
-            <a:ext cx="279360" cy="363960"/>
+            <a:off x="7531920" y="5741280"/>
+            <a:ext cx="279000" cy="363960"/>
           </a:xfrm>
           <a:prstGeom prst="rect">
             <a:avLst/>
@@ -9668,7 +10197,7 @@
         </p:nvSpPr>
         <p:spPr>
           <a:xfrm>
-            <a:off x="954000" y="6123600"/>
+            <a:off x="1206000" y="5763600"/>
             <a:ext cx="592920" cy="360"/>
           </a:xfrm>
           <a:prstGeom prst="line">
@@ -9695,7 +10224,7 @@
           <a:fontRef idx="minor"/>
         </p:style>
         <p:txBody>
-          <a:bodyPr lIns="90000" rIns="90000" tIns="45000" bIns="45000" anchor="t" anchorCtr="1">
+          <a:bodyPr lIns="90000" rIns="90000" tIns="0" bIns="0" anchor="t" anchorCtr="1">
             <a:noAutofit/>
           </a:bodyPr>
           <a:p>
@@ -9704,6 +10233,7 @@
                 <a:srgbClr val="000000"/>
               </a:solidFill>
               <a:latin typeface="Arial"/>
+              <a:ea typeface="DejaVu Sans"/>
             </a:endParaRPr>
           </a:p>
         </p:txBody>
@@ -9716,8 +10246,8 @@
         </p:nvSpPr>
         <p:spPr>
           <a:xfrm>
-            <a:off x="1058760" y="6130800"/>
-            <a:ext cx="279360" cy="363960"/>
+            <a:off x="1310760" y="5770800"/>
+            <a:ext cx="279000" cy="363960"/>
           </a:xfrm>
           <a:prstGeom prst="rect">
             <a:avLst/>
@@ -9800,8 +10330,8 @@
         </p:nvSpPr>
         <p:spPr>
           <a:xfrm>
-            <a:off x="335520" y="764640"/>
-            <a:ext cx="10749240" cy="500040"/>
+            <a:off x="539640" y="764640"/>
+            <a:ext cx="10748880" cy="499680"/>
           </a:xfrm>
           <a:prstGeom prst="rect">
             <a:avLst/>
@@ -9854,8 +10384,8 @@
         </p:nvSpPr>
         <p:spPr>
           <a:xfrm>
-            <a:off x="335520" y="1268640"/>
-            <a:ext cx="10749240" cy="5036760"/>
+            <a:off x="539640" y="1268640"/>
+            <a:ext cx="10748880" cy="5036400"/>
           </a:xfrm>
           <a:prstGeom prst="rect">
             <a:avLst/>
@@ -9876,7 +10406,7 @@
             <a:noAutofit/>
           </a:bodyPr>
           <a:p>
-            <a:pPr marL="195120" indent="-193680">
+            <a:pPr marL="216000" indent="-216000">
               <a:lnSpc>
                 <a:spcPct val="100000"/>
               </a:lnSpc>
@@ -9886,9 +10416,9 @@
               <a:buClr>
                 <a:srgbClr val="008c4f"/>
               </a:buClr>
-              <a:buSzPct val="80000"/>
-              <a:buFont typeface="Wingdings" charset="2"/>
-              <a:buChar char=""/>
+              <a:buSzPct val="45000"/>
+              <a:buFont typeface="DejaVu Sans"/>
+              <a:buChar char="◾"/>
             </a:pPr>
             <a:r>
               <a:rPr b="1" lang="en-GB" sz="1800" spc="-1" strike="noStrike">
@@ -9938,7 +10468,7 @@
             </a:endParaRPr>
           </a:p>
           <a:p>
-            <a:pPr lvl="1" marL="744120" indent="-285480">
+            <a:pPr lvl="1" marL="432000" indent="-216000">
               <a:lnSpc>
                 <a:spcPct val="100000"/>
               </a:lnSpc>
@@ -9948,8 +10478,8 @@
               <a:buClr>
                 <a:srgbClr val="008c4f"/>
               </a:buClr>
-              <a:buSzPct val="80000"/>
-              <a:buFont typeface="Walbaum Heading"/>
+              <a:buSzPct val="60000"/>
+              <a:buFont typeface="DejaVu Sans"/>
               <a:buChar char="—"/>
             </a:pPr>
             <a:r>
@@ -9970,7 +10500,7 @@
             </a:endParaRPr>
           </a:p>
           <a:p>
-            <a:pPr lvl="2" marL="1201320" indent="-285480">
+            <a:pPr lvl="2" marL="648000" indent="-216000">
               <a:lnSpc>
                 <a:spcPct val="100000"/>
               </a:lnSpc>
@@ -9980,8 +10510,8 @@
               <a:buClr>
                 <a:srgbClr val="008c4f"/>
               </a:buClr>
-              <a:buSzPct val="80000"/>
-              <a:buFont typeface="Walbaum Heading"/>
+              <a:buSzPct val="45000"/>
+              <a:buFont typeface="DejaVu Sans"/>
               <a:buChar char="—"/>
             </a:pPr>
             <a:r>
@@ -10002,7 +10532,7 @@
             </a:endParaRPr>
           </a:p>
           <a:p>
-            <a:pPr lvl="2" marL="1201320" indent="-285480">
+            <a:pPr lvl="2" marL="648000" indent="-216000">
               <a:lnSpc>
                 <a:spcPct val="100000"/>
               </a:lnSpc>
@@ -10012,8 +10542,8 @@
               <a:buClr>
                 <a:srgbClr val="008c4f"/>
               </a:buClr>
-              <a:buSzPct val="80000"/>
-              <a:buFont typeface="Walbaum Heading"/>
+              <a:buSzPct val="45000"/>
+              <a:buFont typeface="DejaVu Sans"/>
               <a:buChar char="—"/>
             </a:pPr>
             <a:r>
@@ -10055,23 +10585,7 @@
             </a:endParaRPr>
           </a:p>
           <a:p>
-            <a:pPr>
-              <a:lnSpc>
-                <a:spcPct val="100000"/>
-              </a:lnSpc>
-              <a:spcBef>
-                <a:spcPts val="360"/>
-              </a:spcBef>
-            </a:pPr>
-            <a:endParaRPr b="0" lang="en-US" sz="1800" spc="-1" strike="noStrike">
-              <a:solidFill>
-                <a:srgbClr val="000000"/>
-              </a:solidFill>
-              <a:latin typeface="Arial"/>
-            </a:endParaRPr>
-          </a:p>
-          <a:p>
-            <a:pPr marL="195120" indent="-193680">
+            <a:pPr marL="216000" indent="-216000">
               <a:lnSpc>
                 <a:spcPct val="100000"/>
               </a:lnSpc>
@@ -10081,20 +10595,10 @@
               <a:buClr>
                 <a:srgbClr val="008c4f"/>
               </a:buClr>
-              <a:buSzPct val="80000"/>
-              <a:buFont typeface="Wingdings" charset="2"/>
-              <a:buChar char=""/>
-            </a:pPr>
-            <a:r>
-              <a:rPr b="1" lang="en-GB" sz="1800" spc="-1" strike="noStrike">
-                <a:solidFill>
-                  <a:srgbClr val="000000"/>
-                </a:solidFill>
-                <a:latin typeface="DejaVu Sans"/>
-                <a:ea typeface="DejaVu Sans"/>
-              </a:rPr>
-              <a:t>Final exam:</a:t>
-            </a:r>
+              <a:buSzPct val="45000"/>
+              <a:buFont typeface="DejaVu Sans"/>
+              <a:buChar char="◾"/>
+            </a:pPr>
             <a:endParaRPr b="0" lang="en-US" sz="1800" spc="-1" strike="noStrike">
               <a:solidFill>
                 <a:srgbClr val="000000"/>
@@ -10103,7 +10607,7 @@
             </a:endParaRPr>
           </a:p>
           <a:p>
-            <a:pPr lvl="1" marL="744120" indent="-285480">
+            <a:pPr marL="216000" indent="-216000">
               <a:lnSpc>
                 <a:spcPct val="100000"/>
               </a:lnSpc>
@@ -10113,19 +10617,19 @@
               <a:buClr>
                 <a:srgbClr val="008c4f"/>
               </a:buClr>
-              <a:buSzPct val="80000"/>
-              <a:buFont typeface="Walbaum Text"/>
-              <a:buChar char="—"/>
-            </a:pPr>
-            <a:r>
-              <a:rPr b="0" lang="en-GB" sz="1800" spc="-1" strike="noStrike">
-                <a:solidFill>
-                  <a:srgbClr val="000000"/>
-                </a:solidFill>
-                <a:latin typeface="DejaVu Sans"/>
-                <a:ea typeface="DejaVu Sans"/>
-              </a:rPr>
-              <a:t>22.02.2023 → 14:00 – 16:00 </a:t>
+              <a:buSzPct val="45000"/>
+              <a:buFont typeface="DejaVu Sans"/>
+              <a:buChar char="◾"/>
+            </a:pPr>
+            <a:r>
+              <a:rPr b="1" lang="en-GB" sz="1800" spc="-1" strike="noStrike">
+                <a:solidFill>
+                  <a:srgbClr val="000000"/>
+                </a:solidFill>
+                <a:latin typeface="DejaVu Sans"/>
+                <a:ea typeface="DejaVu Sans"/>
+              </a:rPr>
+              <a:t>Final exam:</a:t>
             </a:r>
             <a:endParaRPr b="0" lang="en-US" sz="1800" spc="-1" strike="noStrike">
               <a:solidFill>
@@ -10135,7 +10639,7 @@
             </a:endParaRPr>
           </a:p>
           <a:p>
-            <a:pPr lvl="1" marL="744120" indent="-285480">
+            <a:pPr lvl="1" marL="432000" indent="-216000">
               <a:lnSpc>
                 <a:spcPct val="100000"/>
               </a:lnSpc>
@@ -10145,8 +10649,40 @@
               <a:buClr>
                 <a:srgbClr val="008c4f"/>
               </a:buClr>
-              <a:buSzPct val="80000"/>
-              <a:buFont typeface="Walbaum Text"/>
+              <a:buSzPct val="60000"/>
+              <a:buFont typeface="DejaVu Sans"/>
+              <a:buChar char="—"/>
+            </a:pPr>
+            <a:r>
+              <a:rPr b="0" lang="en-GB" sz="1800" spc="-1" strike="noStrike">
+                <a:solidFill>
+                  <a:srgbClr val="000000"/>
+                </a:solidFill>
+                <a:latin typeface="DejaVu Sans"/>
+                <a:ea typeface="DejaVu Sans"/>
+              </a:rPr>
+              <a:t>22.02.2023 → 14:00 – 16:00 </a:t>
+            </a:r>
+            <a:endParaRPr b="0" lang="en-US" sz="1800" spc="-1" strike="noStrike">
+              <a:solidFill>
+                <a:srgbClr val="000000"/>
+              </a:solidFill>
+              <a:latin typeface="Arial"/>
+            </a:endParaRPr>
+          </a:p>
+          <a:p>
+            <a:pPr lvl="1" marL="432000" indent="-216000">
+              <a:lnSpc>
+                <a:spcPct val="100000"/>
+              </a:lnSpc>
+              <a:spcBef>
+                <a:spcPts val="360"/>
+              </a:spcBef>
+              <a:buClr>
+                <a:srgbClr val="008c4f"/>
+              </a:buClr>
+              <a:buSzPct val="60000"/>
+              <a:buFont typeface="DejaVu Sans"/>
               <a:buChar char="—"/>
             </a:pPr>
             <a:r>
@@ -10206,8 +10742,8 @@
         </p:nvSpPr>
         <p:spPr>
           <a:xfrm>
-            <a:off x="335520" y="764640"/>
-            <a:ext cx="10749240" cy="500040"/>
+            <a:off x="539640" y="764640"/>
+            <a:ext cx="10748880" cy="499680"/>
           </a:xfrm>
           <a:prstGeom prst="rect">
             <a:avLst/>
@@ -10265,7 +10801,7 @@
         <p:spPr>
           <a:xfrm>
             <a:off x="2684520" y="1323360"/>
-            <a:ext cx="1472040" cy="2173320"/>
+            <a:ext cx="1471680" cy="2172960"/>
           </a:xfrm>
           <a:prstGeom prst="rect">
             <a:avLst/>
@@ -10288,7 +10824,7 @@
         <p:spPr>
           <a:xfrm>
             <a:off x="7269840" y="1716120"/>
-            <a:ext cx="1785960" cy="1778040"/>
+            <a:ext cx="1785600" cy="1777680"/>
           </a:xfrm>
           <a:prstGeom prst="rect">
             <a:avLst/>
@@ -10307,7 +10843,7 @@
         <p:spPr>
           <a:xfrm>
             <a:off x="1620000" y="3439440"/>
-            <a:ext cx="3636720" cy="678240"/>
+            <a:ext cx="3636360" cy="677880"/>
           </a:xfrm>
           <a:prstGeom prst="rect">
             <a:avLst/>
@@ -10364,7 +10900,7 @@
         <p:spPr>
           <a:xfrm>
             <a:off x="6322680" y="3460320"/>
-            <a:ext cx="3636720" cy="678240"/>
+            <a:ext cx="3636360" cy="677880"/>
           </a:xfrm>
           <a:prstGeom prst="rect">
             <a:avLst/>
@@ -10425,7 +10961,7 @@
         <p:spPr>
           <a:xfrm>
             <a:off x="4845960" y="4206240"/>
-            <a:ext cx="1779120" cy="1771200"/>
+            <a:ext cx="1778760" cy="1770840"/>
           </a:xfrm>
           <a:prstGeom prst="rect">
             <a:avLst/>
@@ -10444,7 +10980,7 @@
         <p:spPr>
           <a:xfrm>
             <a:off x="1311840" y="5920200"/>
-            <a:ext cx="3629880" cy="671400"/>
+            <a:ext cx="3629520" cy="671040"/>
           </a:xfrm>
           <a:prstGeom prst="rect">
             <a:avLst/>
@@ -10465,11 +11001,17 @@
             <a:noAutofit/>
           </a:bodyPr>
           <a:p>
+            <a:pPr>
+              <a:lnSpc>
+                <a:spcPct val="100000"/>
+              </a:lnSpc>
+            </a:pPr>
             <a:endParaRPr b="0" lang="en-US" sz="1800" spc="-1" strike="noStrike">
               <a:solidFill>
                 <a:srgbClr val="000000"/>
               </a:solidFill>
               <a:latin typeface="Arial"/>
+              <a:ea typeface="DejaVu Sans"/>
             </a:endParaRPr>
           </a:p>
         </p:txBody>
@@ -10483,7 +11025,7 @@
         <p:spPr>
           <a:xfrm>
             <a:off x="3950280" y="5903280"/>
-            <a:ext cx="3629880" cy="671400"/>
+            <a:ext cx="3629520" cy="671040"/>
           </a:xfrm>
           <a:prstGeom prst="rect">
             <a:avLst/>
@@ -10569,8 +11111,8 @@
         </p:nvSpPr>
         <p:spPr>
           <a:xfrm>
-            <a:off x="335520" y="764640"/>
-            <a:ext cx="10749240" cy="500040"/>
+            <a:off x="539640" y="764640"/>
+            <a:ext cx="10748880" cy="499680"/>
           </a:xfrm>
           <a:prstGeom prst="rect">
             <a:avLst/>
@@ -10623,8 +11165,8 @@
         </p:nvSpPr>
         <p:spPr>
           <a:xfrm>
-            <a:off x="335520" y="1268280"/>
-            <a:ext cx="10749240" cy="5036760"/>
+            <a:off x="539640" y="1268280"/>
+            <a:ext cx="10748880" cy="5036400"/>
           </a:xfrm>
           <a:prstGeom prst="rect">
             <a:avLst/>
@@ -10770,8 +11312,8 @@
         </p:nvSpPr>
         <p:spPr>
           <a:xfrm>
-            <a:off x="6285600" y="2132640"/>
-            <a:ext cx="518760" cy="498600"/>
+            <a:off x="6489720" y="2132640"/>
+            <a:ext cx="518400" cy="498240"/>
           </a:xfrm>
           <a:prstGeom prst="star5">
             <a:avLst>
@@ -10808,11 +11350,17 @@
             <a:noAutofit/>
           </a:bodyPr>
           <a:p>
+            <a:pPr>
+              <a:lnSpc>
+                <a:spcPct val="100000"/>
+              </a:lnSpc>
+            </a:pPr>
             <a:endParaRPr b="0" lang="en-US" sz="1800" spc="-1" strike="noStrike">
               <a:solidFill>
                 <a:srgbClr val="000000"/>
               </a:solidFill>
               <a:latin typeface="Arial"/>
+              <a:ea typeface="DejaVu Sans"/>
             </a:endParaRPr>
           </a:p>
         </p:txBody>
@@ -10825,8 +11373,8 @@
         </p:nvSpPr>
         <p:spPr>
           <a:xfrm>
-            <a:off x="4089960" y="2247480"/>
-            <a:ext cx="2287080" cy="363960"/>
+            <a:off x="4294080" y="2247480"/>
+            <a:ext cx="2286720" cy="363960"/>
           </a:xfrm>
           <a:prstGeom prst="rect">
             <a:avLst/>
@@ -10909,8 +11457,8 @@
         </p:nvSpPr>
         <p:spPr>
           <a:xfrm>
-            <a:off x="335520" y="764640"/>
-            <a:ext cx="10749240" cy="500040"/>
+            <a:off x="539640" y="764640"/>
+            <a:ext cx="10748880" cy="499680"/>
           </a:xfrm>
           <a:prstGeom prst="rect">
             <a:avLst/>
@@ -10963,8 +11511,8 @@
         </p:nvSpPr>
         <p:spPr>
           <a:xfrm>
-            <a:off x="335520" y="1268640"/>
-            <a:ext cx="10749240" cy="5036760"/>
+            <a:off x="539640" y="1268640"/>
+            <a:ext cx="10748880" cy="5036400"/>
           </a:xfrm>
           <a:prstGeom prst="rect">
             <a:avLst/>
@@ -11321,7 +11869,7 @@
         <p:spPr>
           <a:xfrm>
             <a:off x="335520" y="1268640"/>
-            <a:ext cx="10749240" cy="5036760"/>
+            <a:ext cx="10748880" cy="5036400"/>
           </a:xfrm>
           <a:prstGeom prst="rect">
             <a:avLst/>
@@ -11381,7 +11929,7 @@
         <p:spPr>
           <a:xfrm>
             <a:off x="335520" y="764640"/>
-            <a:ext cx="10749240" cy="500040"/>
+            <a:ext cx="10748880" cy="499680"/>
           </a:xfrm>
           <a:prstGeom prst="rect">
             <a:avLst/>
@@ -11402,11 +11950,17 @@
             <a:noAutofit/>
           </a:bodyPr>
           <a:p>
+            <a:pPr>
+              <a:lnSpc>
+                <a:spcPct val="100000"/>
+              </a:lnSpc>
+            </a:pPr>
             <a:endParaRPr b="0" lang="en-US" sz="1800" spc="-1" strike="noStrike">
               <a:solidFill>
                 <a:srgbClr val="000000"/>
               </a:solidFill>
               <a:latin typeface="Arial"/>
+              <a:ea typeface="DejaVu Sans"/>
             </a:endParaRPr>
           </a:p>
         </p:txBody>
@@ -11450,7 +12004,7 @@
         <p:spPr>
           <a:xfrm>
             <a:off x="542880" y="721800"/>
-            <a:ext cx="10355040" cy="495720"/>
+            <a:ext cx="10354680" cy="495360"/>
           </a:xfrm>
           <a:prstGeom prst="rect">
             <a:avLst/>
@@ -11504,7 +12058,7 @@
         <p:spPr>
           <a:xfrm>
             <a:off x="451800" y="1709280"/>
-            <a:ext cx="8222400" cy="4350600"/>
+            <a:ext cx="8222040" cy="4350240"/>
           </a:xfrm>
           <a:prstGeom prst="rect">
             <a:avLst/>
@@ -11525,11 +12079,17 @@
             <a:noAutofit/>
           </a:bodyPr>
           <a:p>
+            <a:pPr>
+              <a:lnSpc>
+                <a:spcPct val="100000"/>
+              </a:lnSpc>
+            </a:pPr>
             <a:endParaRPr b="0" lang="en-US" sz="1800" spc="-1" strike="noStrike">
               <a:solidFill>
                 <a:srgbClr val="000000"/>
               </a:solidFill>
               <a:latin typeface="Arial"/>
+              <a:ea typeface="DejaVu Sans"/>
             </a:endParaRPr>
           </a:p>
         </p:txBody>
@@ -11543,7 +12103,7 @@
         <p:spPr>
           <a:xfrm>
             <a:off x="609480" y="1769400"/>
-            <a:ext cx="10585440" cy="4853520"/>
+            <a:ext cx="10585080" cy="4853160"/>
           </a:xfrm>
           <a:prstGeom prst="rect">
             <a:avLst/>
@@ -11994,7 +12554,7 @@
         <p:spPr>
           <a:xfrm>
             <a:off x="542880" y="721800"/>
-            <a:ext cx="10355040" cy="495720"/>
+            <a:ext cx="10354680" cy="495360"/>
           </a:xfrm>
           <a:prstGeom prst="rect">
             <a:avLst/>
@@ -12048,7 +12608,7 @@
         <p:spPr>
           <a:xfrm>
             <a:off x="451800" y="1709280"/>
-            <a:ext cx="8222400" cy="4350600"/>
+            <a:ext cx="8222040" cy="4350240"/>
           </a:xfrm>
           <a:prstGeom prst="rect">
             <a:avLst/>
@@ -12069,11 +12629,17 @@
             <a:noAutofit/>
           </a:bodyPr>
           <a:p>
+            <a:pPr>
+              <a:lnSpc>
+                <a:spcPct val="100000"/>
+              </a:lnSpc>
+            </a:pPr>
             <a:endParaRPr b="0" lang="en-US" sz="1800" spc="-1" strike="noStrike">
               <a:solidFill>
                 <a:srgbClr val="000000"/>
               </a:solidFill>
               <a:latin typeface="Arial"/>
+              <a:ea typeface="DejaVu Sans"/>
             </a:endParaRPr>
           </a:p>
         </p:txBody>
@@ -12087,7 +12653,7 @@
         <p:spPr>
           <a:xfrm>
             <a:off x="609480" y="1769400"/>
-            <a:ext cx="10585440" cy="4853520"/>
+            <a:ext cx="10585080" cy="4853160"/>
           </a:xfrm>
           <a:prstGeom prst="rect">
             <a:avLst/>
@@ -12108,47 +12674,9 @@
             <a:normAutofit/>
           </a:bodyPr>
           <a:p>
-            <a:pPr>
+            <a:pPr marL="216000" indent="-216000">
               <a:lnSpc>
                 <a:spcPct val="90000"/>
-              </a:lnSpc>
-              <a:spcBef>
-                <a:spcPts val="1009"/>
-              </a:spcBef>
-            </a:pPr>
-            <a:r>
-              <a:rPr b="0" lang="en-GB" sz="2000" spc="-1" strike="noStrike">
-                <a:solidFill>
-                  <a:srgbClr val="000000"/>
-                </a:solidFill>
-                <a:latin typeface="DejaVu Sans"/>
-                <a:ea typeface="DejaVu Sans"/>
-              </a:rPr>
-              <a:t>Website – </a:t>
-            </a:r>
-            <a:r>
-              <a:rPr b="0" lang="en-GB" sz="2000" spc="-1" strike="noStrike" u="sng">
-                <a:solidFill>
-                  <a:srgbClr val="0000ff"/>
-                </a:solidFill>
-                <a:uFillTx/>
-                <a:latin typeface="DejaVu Sans"/>
-                <a:ea typeface="DejaVu Sans"/>
-                <a:hlinkClick r:id="rId1"/>
-              </a:rPr>
-              <a:t>Link</a:t>
-            </a:r>
-            <a:endParaRPr b="0" lang="en-US" sz="2000" spc="-1" strike="noStrike">
-              <a:solidFill>
-                <a:srgbClr val="000000"/>
-              </a:solidFill>
-              <a:latin typeface="Arial"/>
-            </a:endParaRPr>
-          </a:p>
-          <a:p>
-            <a:pPr lvl="1" marL="685800" indent="-228240">
-              <a:lnSpc>
-                <a:spcPct val="100000"/>
               </a:lnSpc>
               <a:spcBef>
                 <a:spcPts val="1009"/>
@@ -12157,7 +12685,51 @@
                 <a:srgbClr val="008c4f"/>
               </a:buClr>
               <a:buSzPct val="45000"/>
-              <a:buFont typeface="Arial"/>
+              <a:buFont typeface="DejaVu Sans"/>
+              <a:buChar char="◾"/>
+            </a:pPr>
+            <a:r>
+              <a:rPr b="0" lang="en-GB" sz="2000" spc="-1" strike="noStrike">
+                <a:solidFill>
+                  <a:srgbClr val="000000"/>
+                </a:solidFill>
+                <a:latin typeface="DejaVu Sans"/>
+                <a:ea typeface="DejaVu Sans"/>
+              </a:rPr>
+              <a:t>Website – </a:t>
+            </a:r>
+            <a:r>
+              <a:rPr b="0" lang="en-GB" sz="2000" spc="-1" strike="noStrike" u="sng">
+                <a:solidFill>
+                  <a:srgbClr val="0000ff"/>
+                </a:solidFill>
+                <a:uFillTx/>
+                <a:latin typeface="DejaVu Sans"/>
+                <a:ea typeface="DejaVu Sans"/>
+                <a:hlinkClick r:id="rId1"/>
+              </a:rPr>
+              <a:t>Link</a:t>
+            </a:r>
+            <a:endParaRPr b="0" lang="en-US" sz="2000" spc="-1" strike="noStrike">
+              <a:solidFill>
+                <a:srgbClr val="000000"/>
+              </a:solidFill>
+              <a:latin typeface="Arial"/>
+            </a:endParaRPr>
+          </a:p>
+          <a:p>
+            <a:pPr lvl="1" marL="432000" indent="-216000">
+              <a:lnSpc>
+                <a:spcPct val="100000"/>
+              </a:lnSpc>
+              <a:spcBef>
+                <a:spcPts val="1009"/>
+              </a:spcBef>
+              <a:buClr>
+                <a:srgbClr val="008c4f"/>
+              </a:buClr>
+              <a:buSzPct val="60000"/>
+              <a:buFont typeface="DejaVu Sans"/>
               <a:buChar char="—"/>
             </a:pPr>
             <a:r>
@@ -12178,30 +12750,119 @@
             </a:endParaRPr>
           </a:p>
           <a:p>
-            <a:pPr lvl="1" marL="685800" indent="-228240">
+            <a:pPr lvl="1" marL="432000" indent="-216000">
               <a:lnSpc>
                 <a:spcPct val="100000"/>
               </a:lnSpc>
               <a:spcBef>
                 <a:spcPts val="1009"/>
+              </a:spcBef>
+              <a:buClr>
+                <a:srgbClr val="008c4f"/>
+              </a:buClr>
+              <a:buSzPct val="60000"/>
+              <a:buFont typeface="DejaVu Sans"/>
+              <a:buChar char="—"/>
+            </a:pPr>
+            <a:r>
+              <a:rPr b="0" lang="en-GB" sz="1800" spc="-1" strike="noStrike">
+                <a:solidFill>
+                  <a:srgbClr val="000000"/>
+                </a:solidFill>
+                <a:latin typeface="DejaVu Sans"/>
+                <a:ea typeface="DejaVu Sans"/>
+              </a:rPr>
+              <a:t>Thesis/project topics</a:t>
+            </a:r>
+            <a:endParaRPr b="0" lang="en-US" sz="1800" spc="-1" strike="noStrike">
+              <a:solidFill>
+                <a:srgbClr val="000000"/>
+              </a:solidFill>
+              <a:latin typeface="Arial"/>
+            </a:endParaRPr>
+          </a:p>
+          <a:p>
+            <a:pPr lvl="1" marL="432000" indent="-216000">
+              <a:lnSpc>
+                <a:spcPct val="100000"/>
+              </a:lnSpc>
+              <a:spcBef>
+                <a:spcPts val="1009"/>
+              </a:spcBef>
+              <a:buClr>
+                <a:srgbClr val="008c4f"/>
+              </a:buClr>
+              <a:buSzPct val="60000"/>
+              <a:buFont typeface="DejaVu Sans"/>
+              <a:buChar char="—"/>
+            </a:pPr>
+            <a:r>
+              <a:rPr b="0" lang="en-GB" sz="1800" spc="-1" strike="noStrike">
+                <a:solidFill>
+                  <a:srgbClr val="000000"/>
+                </a:solidFill>
+                <a:latin typeface="DejaVu Sans"/>
+                <a:ea typeface="DejaVu Sans"/>
+              </a:rPr>
+              <a:t>Publications</a:t>
+            </a:r>
+            <a:endParaRPr b="0" lang="en-US" sz="1800" spc="-1" strike="noStrike">
+              <a:solidFill>
+                <a:srgbClr val="000000"/>
+              </a:solidFill>
+              <a:latin typeface="Arial"/>
+            </a:endParaRPr>
+          </a:p>
+          <a:p>
+            <a:pPr lvl="1" marL="432000" indent="-216000">
+              <a:lnSpc>
+                <a:spcPct val="100000"/>
+              </a:lnSpc>
+              <a:spcBef>
+                <a:spcPts val="1009"/>
+              </a:spcBef>
+              <a:buClr>
+                <a:srgbClr val="008c4f"/>
+              </a:buClr>
+              <a:buSzPct val="60000"/>
+              <a:buFont typeface="DejaVu Sans"/>
+              <a:buChar char="—"/>
+            </a:pPr>
+            <a:r>
+              <a:rPr b="0" lang="en-GB" sz="1800" spc="-1" strike="noStrike">
+                <a:solidFill>
+                  <a:srgbClr val="000000"/>
+                </a:solidFill>
+                <a:latin typeface="DejaVu Sans"/>
+                <a:ea typeface="DejaVu Sans"/>
+              </a:rPr>
+              <a:t>Etc.</a:t>
+            </a:r>
+            <a:endParaRPr b="0" lang="en-US" sz="1800" spc="-1" strike="noStrike">
+              <a:solidFill>
+                <a:srgbClr val="000000"/>
+              </a:solidFill>
+              <a:latin typeface="Arial"/>
+            </a:endParaRPr>
+          </a:p>
+          <a:p>
+            <a:pPr marL="228600" indent="-228240">
+              <a:lnSpc>
+                <a:spcPct val="90000"/>
+              </a:lnSpc>
+              <a:spcBef>
+                <a:spcPts val="1417"/>
               </a:spcBef>
               <a:buClr>
                 <a:srgbClr val="008c4f"/>
               </a:buClr>
               <a:buSzPct val="45000"/>
-              <a:buFont typeface="Arial"/>
-              <a:buChar char="—"/>
-            </a:pPr>
-            <a:r>
-              <a:rPr b="0" lang="en-GB" sz="1800" spc="-1" strike="noStrike">
-                <a:solidFill>
-                  <a:srgbClr val="000000"/>
-                </a:solidFill>
-                <a:latin typeface="DejaVu Sans"/>
-                <a:ea typeface="DejaVu Sans"/>
-              </a:rPr>
-              <a:t>Thesis/project topics</a:t>
-            </a:r>
+              <a:buFont typeface="DejaVu Sans"/>
+              <a:buChar char="◾"/>
+              <a:tabLst>
+                <a:tab algn="l" pos="0"/>
+              </a:tabLst>
+            </a:pPr>
             <a:endParaRPr b="0" lang="en-US" sz="1800" spc="-1" strike="noStrike">
               <a:solidFill>
                 <a:srgbClr val="000000"/>
@@ -12210,9 +12871,9 @@
             </a:endParaRPr>
           </a:p>
           <a:p>
-            <a:pPr lvl="1" marL="685800" indent="-228240">
-              <a:lnSpc>
-                <a:spcPct val="100000"/>
+            <a:pPr marL="216000" indent="-216000">
+              <a:lnSpc>
+                <a:spcPct val="90000"/>
               </a:lnSpc>
               <a:spcBef>
                 <a:spcPts val="1009"/>
@@ -12221,116 +12882,172 @@
                 <a:srgbClr val="008c4f"/>
               </a:buClr>
               <a:buSzPct val="45000"/>
-              <a:buFont typeface="Arial"/>
+              <a:buFont typeface="DejaVu Sans"/>
+              <a:buChar char="◾"/>
+              <a:tabLst>
+                <a:tab algn="l" pos="0"/>
+              </a:tabLst>
+            </a:pPr>
+            <a:r>
+              <a:rPr b="0" lang="en-GB" sz="2000" spc="-1" strike="noStrike">
+                <a:solidFill>
+                  <a:srgbClr val="000000"/>
+                </a:solidFill>
+                <a:latin typeface="DejaVu Sans"/>
+                <a:ea typeface="DejaVu Sans"/>
+              </a:rPr>
+              <a:t>Our research in action:</a:t>
+            </a:r>
+            <a:endParaRPr b="0" lang="en-US" sz="2000" spc="-1" strike="noStrike">
+              <a:solidFill>
+                <a:srgbClr val="000000"/>
+              </a:solidFill>
+              <a:latin typeface="Arial"/>
+            </a:endParaRPr>
+          </a:p>
+          <a:p>
+            <a:pPr lvl="1" marL="432000" indent="-216000">
+              <a:lnSpc>
+                <a:spcPct val="100000"/>
+              </a:lnSpc>
+              <a:spcBef>
+                <a:spcPts val="1009"/>
+              </a:spcBef>
+              <a:buClr>
+                <a:srgbClr val="008c4f"/>
+              </a:buClr>
+              <a:buSzPct val="60000"/>
+              <a:buFont typeface="DejaVu Sans"/>
               <a:buChar char="—"/>
-            </a:pPr>
-            <a:r>
-              <a:rPr b="0" lang="en-GB" sz="1800" spc="-1" strike="noStrike">
-                <a:solidFill>
-                  <a:srgbClr val="000000"/>
-                </a:solidFill>
-                <a:latin typeface="DejaVu Sans"/>
-                <a:ea typeface="DejaVu Sans"/>
-              </a:rPr>
-              <a:t>Publications</a:t>
-            </a:r>
-            <a:endParaRPr b="0" lang="en-US" sz="1800" spc="-1" strike="noStrike">
-              <a:solidFill>
-                <a:srgbClr val="000000"/>
-              </a:solidFill>
-              <a:latin typeface="Arial"/>
-            </a:endParaRPr>
-          </a:p>
-          <a:p>
-            <a:pPr lvl="1" marL="685800" indent="-228240">
+              <a:tabLst>
+                <a:tab algn="l" pos="0"/>
+              </a:tabLst>
+            </a:pPr>
+            <a:r>
+              <a:rPr b="0" lang="en-GB" sz="2000" spc="-1" strike="noStrike">
+                <a:solidFill>
+                  <a:srgbClr val="000000"/>
+                </a:solidFill>
+                <a:latin typeface="DejaVu Sans"/>
+                <a:ea typeface="DejaVu Sans"/>
+              </a:rPr>
+              <a:t>ZDF documentary (German) – </a:t>
+            </a:r>
+            <a:r>
+              <a:rPr b="0" lang="en-GB" sz="2000" spc="-1" strike="noStrike" u="sng">
+                <a:solidFill>
+                  <a:srgbClr val="0000ff"/>
+                </a:solidFill>
+                <a:uFillTx/>
+                <a:latin typeface="DejaVu Sans"/>
+                <a:ea typeface="DejaVu Sans"/>
+                <a:hlinkClick r:id="rId2"/>
+              </a:rPr>
+              <a:t>Link</a:t>
+            </a:r>
+            <a:r>
+              <a:rPr b="0" lang="en-GB" sz="2000" spc="-1" strike="noStrike">
+                <a:solidFill>
+                  <a:srgbClr val="000000"/>
+                </a:solidFill>
+                <a:latin typeface="DejaVu Sans"/>
+                <a:ea typeface="DejaVu Sans"/>
+              </a:rPr>
+              <a:t> </a:t>
+            </a:r>
+            <a:endParaRPr b="0" lang="en-US" sz="2000" spc="-1" strike="noStrike">
+              <a:solidFill>
+                <a:srgbClr val="000000"/>
+              </a:solidFill>
+              <a:latin typeface="Arial"/>
+            </a:endParaRPr>
+          </a:p>
+          <a:p>
+            <a:pPr lvl="1" marL="432000" indent="-216000">
               <a:lnSpc>
                 <a:spcPct val="100000"/>
               </a:lnSpc>
               <a:spcBef>
                 <a:spcPts val="1009"/>
+              </a:spcBef>
+              <a:buClr>
+                <a:srgbClr val="008c4f"/>
+              </a:buClr>
+              <a:buSzPct val="60000"/>
+              <a:buFont typeface="DejaVu Sans"/>
+              <a:buChar char="—"/>
+              <a:tabLst>
+                <a:tab algn="l" pos="0"/>
+              </a:tabLst>
+            </a:pPr>
+            <a:r>
+              <a:rPr b="0" lang="en-GB" sz="2000" spc="-1" strike="noStrike">
+                <a:solidFill>
+                  <a:srgbClr val="000000"/>
+                </a:solidFill>
+                <a:latin typeface="DejaVu Sans"/>
+                <a:ea typeface="DejaVu Sans"/>
+              </a:rPr>
+              <a:t>Klartext Preis 2020 (German) – </a:t>
+            </a:r>
+            <a:r>
+              <a:rPr b="0" lang="en-GB" sz="2000" spc="-1" strike="noStrike" u="sng">
+                <a:solidFill>
+                  <a:srgbClr val="0000ff"/>
+                </a:solidFill>
+                <a:uFillTx/>
+                <a:latin typeface="DejaVu Sans"/>
+                <a:ea typeface="DejaVu Sans"/>
+                <a:hlinkClick r:id="rId3"/>
+              </a:rPr>
+              <a:t>Link</a:t>
+            </a:r>
+            <a:r>
+              <a:rPr b="0" lang="en-GB" sz="2000" spc="-1" strike="noStrike">
+                <a:solidFill>
+                  <a:srgbClr val="000000"/>
+                </a:solidFill>
+                <a:latin typeface="DejaVu Sans"/>
+                <a:ea typeface="DejaVu Sans"/>
+              </a:rPr>
+              <a:t> </a:t>
+            </a:r>
+            <a:endParaRPr b="0" lang="en-US" sz="2000" spc="-1" strike="noStrike">
+              <a:solidFill>
+                <a:srgbClr val="000000"/>
+              </a:solidFill>
+              <a:latin typeface="Arial"/>
+            </a:endParaRPr>
+          </a:p>
+          <a:p>
+            <a:pPr marL="228600" indent="-228240">
+              <a:lnSpc>
+                <a:spcPct val="90000"/>
+              </a:lnSpc>
+              <a:spcBef>
+                <a:spcPts val="1417"/>
               </a:spcBef>
               <a:buClr>
                 <a:srgbClr val="008c4f"/>
               </a:buClr>
               <a:buSzPct val="45000"/>
-              <a:buFont typeface="Arial"/>
-              <a:buChar char="—"/>
-            </a:pPr>
-            <a:r>
-              <a:rPr b="0" lang="en-GB" sz="1800" spc="-1" strike="noStrike">
-                <a:solidFill>
-                  <a:srgbClr val="000000"/>
-                </a:solidFill>
-                <a:latin typeface="DejaVu Sans"/>
-                <a:ea typeface="DejaVu Sans"/>
-              </a:rPr>
-              <a:t>Etc.</a:t>
-            </a:r>
-            <a:endParaRPr b="0" lang="en-US" sz="1800" spc="-1" strike="noStrike">
-              <a:solidFill>
-                <a:srgbClr val="000000"/>
-              </a:solidFill>
-              <a:latin typeface="Arial"/>
-            </a:endParaRPr>
-          </a:p>
-          <a:p>
-            <a:pPr marL="228600" indent="-228240">
-              <a:lnSpc>
-                <a:spcPct val="90000"/>
-              </a:lnSpc>
-              <a:spcBef>
-                <a:spcPts val="1417"/>
-              </a:spcBef>
+              <a:buFont typeface="DejaVu Sans"/>
+              <a:buChar char="◾"/>
               <a:tabLst>
                 <a:tab algn="l" pos="0"/>
               </a:tabLst>
             </a:pPr>
-            <a:endParaRPr b="0" lang="en-US" sz="1800" spc="-1" strike="noStrike">
-              <a:solidFill>
-                <a:srgbClr val="000000"/>
-              </a:solidFill>
-              <a:latin typeface="Arial"/>
-            </a:endParaRPr>
-          </a:p>
-          <a:p>
-            <a:pPr marL="216000" indent="-215640">
+            <a:endParaRPr b="0" lang="en-US" sz="2000" spc="-1" strike="noStrike">
+              <a:solidFill>
+                <a:srgbClr val="000000"/>
+              </a:solidFill>
+              <a:latin typeface="Arial"/>
+            </a:endParaRPr>
+          </a:p>
+          <a:p>
+            <a:pPr marL="216000" indent="-216000">
               <a:lnSpc>
                 <a:spcPct val="90000"/>
-              </a:lnSpc>
-              <a:spcBef>
-                <a:spcPts val="1009"/>
-              </a:spcBef>
-              <a:buClr>
-                <a:srgbClr val="008c4f"/>
-              </a:buClr>
-              <a:buSzPct val="80000"/>
-              <a:buFont typeface="Wingdings 2" charset="2"/>
-              <a:buChar char=""/>
-              <a:tabLst>
-                <a:tab algn="l" pos="0"/>
-              </a:tabLst>
-            </a:pPr>
-            <a:r>
-              <a:rPr b="0" lang="en-GB" sz="2000" spc="-1" strike="noStrike">
-                <a:solidFill>
-                  <a:srgbClr val="000000"/>
-                </a:solidFill>
-                <a:latin typeface="DejaVu Sans"/>
-                <a:ea typeface="DejaVu Sans"/>
-              </a:rPr>
-              <a:t>Our research in action:</a:t>
-            </a:r>
-            <a:endParaRPr b="0" lang="en-US" sz="2000" spc="-1" strike="noStrike">
-              <a:solidFill>
-                <a:srgbClr val="000000"/>
-              </a:solidFill>
-              <a:latin typeface="Arial"/>
-            </a:endParaRPr>
-          </a:p>
-          <a:p>
-            <a:pPr lvl="1" marL="685800" indent="-228240">
-              <a:lnSpc>
-                <a:spcPct val="100000"/>
               </a:lnSpc>
               <a:spcBef>
                 <a:spcPts val="1009"/>
@@ -12339,8 +13056,8 @@
                 <a:srgbClr val="008c4f"/>
               </a:buClr>
               <a:buSzPct val="45000"/>
-              <a:buFont typeface="Arial"/>
-              <a:buChar char="—"/>
+              <a:buFont typeface="DejaVu Sans"/>
+              <a:buChar char="◾"/>
               <a:tabLst>
                 <a:tab algn="l" pos="0"/>
               </a:tabLst>
@@ -12353,29 +13070,7 @@
                 <a:latin typeface="DejaVu Sans"/>
                 <a:ea typeface="DejaVu Sans"/>
               </a:rPr>
-              <a:t>ZDF documentary (German) – </a:t>
-            </a:r>
-            <a:r>
-              <a:rPr b="0" lang="en-GB" sz="2000" spc="-1" strike="noStrike" u="sng">
-                <a:solidFill>
-                  <a:srgbClr val="0000ff"/>
-                </a:solidFill>
-                <a:uFillTx/>
-                <a:latin typeface="DejaVu Sans"/>
-                <a:ea typeface="DejaVu Sans"/>
-                <a:hlinkClick r:id="rId2"/>
-              </a:rPr>
-              <a:t>Link</a:t>
-            </a:r>
-            <a:r>
-              <a:rPr b="0" lang="en-GB" sz="2000" spc="-1" strike="noStrike">
-                <a:solidFill>
-                  <a:srgbClr val="000000"/>
-                </a:solidFill>
-                <a:latin typeface="DejaVu Sans"/>
-                <a:ea typeface="DejaVu Sans"/>
-              </a:rPr>
-              <a:t> </a:t>
+              <a:t>You want join us? Write us an email! </a:t>
             </a:r>
             <a:endParaRPr b="0" lang="en-US" sz="2000" spc="-1" strike="noStrike">
               <a:solidFill>
@@ -12385,9 +13080,9 @@
             </a:endParaRPr>
           </a:p>
           <a:p>
-            <a:pPr lvl="1" marL="685800" indent="-228240">
-              <a:lnSpc>
-                <a:spcPct val="100000"/>
+            <a:pPr marL="216000" indent="-216000">
+              <a:lnSpc>
+                <a:spcPct val="90000"/>
               </a:lnSpc>
               <a:spcBef>
                 <a:spcPts val="1009"/>
@@ -12396,113 +13091,8 @@
                 <a:srgbClr val="008c4f"/>
               </a:buClr>
               <a:buSzPct val="45000"/>
-              <a:buFont typeface="Arial"/>
-              <a:buChar char="—"/>
-              <a:tabLst>
-                <a:tab algn="l" pos="0"/>
-              </a:tabLst>
-            </a:pPr>
-            <a:r>
-              <a:rPr b="0" lang="en-GB" sz="2000" spc="-1" strike="noStrike">
-                <a:solidFill>
-                  <a:srgbClr val="000000"/>
-                </a:solidFill>
-                <a:latin typeface="DejaVu Sans"/>
-                <a:ea typeface="DejaVu Sans"/>
-              </a:rPr>
-              <a:t>Klartext Preis 2020 (German) – </a:t>
-            </a:r>
-            <a:r>
-              <a:rPr b="0" lang="en-GB" sz="2000" spc="-1" strike="noStrike" u="sng">
-                <a:solidFill>
-                  <a:srgbClr val="0000ff"/>
-                </a:solidFill>
-                <a:uFillTx/>
-                <a:latin typeface="DejaVu Sans"/>
-                <a:ea typeface="DejaVu Sans"/>
-                <a:hlinkClick r:id="rId3"/>
-              </a:rPr>
-              <a:t>Link</a:t>
-            </a:r>
-            <a:r>
-              <a:rPr b="0" lang="en-GB" sz="2000" spc="-1" strike="noStrike">
-                <a:solidFill>
-                  <a:srgbClr val="000000"/>
-                </a:solidFill>
-                <a:latin typeface="DejaVu Sans"/>
-                <a:ea typeface="DejaVu Sans"/>
-              </a:rPr>
-              <a:t> </a:t>
-            </a:r>
-            <a:endParaRPr b="0" lang="en-US" sz="2000" spc="-1" strike="noStrike">
-              <a:solidFill>
-                <a:srgbClr val="000000"/>
-              </a:solidFill>
-              <a:latin typeface="Arial"/>
-            </a:endParaRPr>
-          </a:p>
-          <a:p>
-            <a:pPr marL="228600" indent="-228240">
-              <a:lnSpc>
-                <a:spcPct val="90000"/>
-              </a:lnSpc>
-              <a:spcBef>
-                <a:spcPts val="1417"/>
-              </a:spcBef>
-              <a:tabLst>
-                <a:tab algn="l" pos="0"/>
-              </a:tabLst>
-            </a:pPr>
-            <a:endParaRPr b="0" lang="en-US" sz="2000" spc="-1" strike="noStrike">
-              <a:solidFill>
-                <a:srgbClr val="000000"/>
-              </a:solidFill>
-              <a:latin typeface="Arial"/>
-            </a:endParaRPr>
-          </a:p>
-          <a:p>
-            <a:pPr marL="216000" indent="-215640">
-              <a:lnSpc>
-                <a:spcPct val="90000"/>
-              </a:lnSpc>
-              <a:spcBef>
-                <a:spcPts val="1009"/>
-              </a:spcBef>
-              <a:buClr>
-                <a:srgbClr val="008c4f"/>
-              </a:buClr>
-              <a:buSzPct val="80000"/>
-              <a:buFont typeface="Wingdings 2" charset="2"/>
-              <a:buChar char=""/>
-              <a:tabLst>
-                <a:tab algn="l" pos="0"/>
-              </a:tabLst>
-            </a:pPr>
-            <a:r>
-              <a:rPr b="0" lang="en-GB" sz="2000" spc="-1" strike="noStrike">
-                <a:solidFill>
-                  <a:srgbClr val="000000"/>
-                </a:solidFill>
-                <a:latin typeface="DejaVu Sans"/>
-                <a:ea typeface="DejaVu Sans"/>
-              </a:rPr>
-              <a:t>You want join us? Write us an email! </a:t>
-            </a:r>
-            <a:endParaRPr b="0" lang="en-US" sz="2000" spc="-1" strike="noStrike">
-              <a:solidFill>
-                <a:srgbClr val="000000"/>
-              </a:solidFill>
-              <a:latin typeface="Arial"/>
-            </a:endParaRPr>
-          </a:p>
-          <a:p>
-            <a:pPr marL="457200" indent="-228240">
-              <a:lnSpc>
-                <a:spcPct val="90000"/>
-              </a:lnSpc>
-              <a:spcBef>
-                <a:spcPts val="1009"/>
-              </a:spcBef>
+              <a:buFont typeface="DejaVu Sans"/>
+              <a:buChar char="◾"/>
               <a:tabLst>
                 <a:tab algn="l" pos="0"/>
               </a:tabLst>
@@ -12575,7 +13165,7 @@
         <p:spPr>
           <a:xfrm>
             <a:off x="542880" y="721800"/>
-            <a:ext cx="10355040" cy="495720"/>
+            <a:ext cx="10354680" cy="495360"/>
           </a:xfrm>
           <a:prstGeom prst="rect">
             <a:avLst/>
@@ -12629,7 +13219,7 @@
         <p:spPr>
           <a:xfrm>
             <a:off x="451800" y="1709280"/>
-            <a:ext cx="8222400" cy="4350600"/>
+            <a:ext cx="8222040" cy="4350240"/>
           </a:xfrm>
           <a:prstGeom prst="rect">
             <a:avLst/>
@@ -12650,11 +13240,17 @@
             <a:noAutofit/>
           </a:bodyPr>
           <a:p>
+            <a:pPr>
+              <a:lnSpc>
+                <a:spcPct val="100000"/>
+              </a:lnSpc>
+            </a:pPr>
             <a:endParaRPr b="0" lang="en-US" sz="1800" spc="-1" strike="noStrike">
               <a:solidFill>
                 <a:srgbClr val="000000"/>
               </a:solidFill>
               <a:latin typeface="Arial"/>
+              <a:ea typeface="DejaVu Sans"/>
             </a:endParaRPr>
           </a:p>
         </p:txBody>
@@ -12668,7 +13264,7 @@
         <p:spPr>
           <a:xfrm>
             <a:off x="609480" y="1769400"/>
-            <a:ext cx="10585440" cy="4853520"/>
+            <a:ext cx="10585080" cy="4853160"/>
           </a:xfrm>
           <a:prstGeom prst="rect">
             <a:avLst/>
@@ -13017,7 +13613,7 @@
         <p:spPr>
           <a:xfrm>
             <a:off x="542880" y="721800"/>
-            <a:ext cx="10355040" cy="495720"/>
+            <a:ext cx="10354680" cy="495360"/>
           </a:xfrm>
           <a:prstGeom prst="rect">
             <a:avLst/>
@@ -13071,7 +13667,7 @@
         <p:spPr>
           <a:xfrm>
             <a:off x="451800" y="1709280"/>
-            <a:ext cx="8222400" cy="4350600"/>
+            <a:ext cx="8222040" cy="4350240"/>
           </a:xfrm>
           <a:prstGeom prst="rect">
             <a:avLst/>
@@ -13092,11 +13688,17 @@
             <a:noAutofit/>
           </a:bodyPr>
           <a:p>
+            <a:pPr>
+              <a:lnSpc>
+                <a:spcPct val="100000"/>
+              </a:lnSpc>
+            </a:pPr>
             <a:endParaRPr b="0" lang="en-US" sz="1800" spc="-1" strike="noStrike">
               <a:solidFill>
                 <a:srgbClr val="000000"/>
               </a:solidFill>
               <a:latin typeface="Arial"/>
+              <a:ea typeface="DejaVu Sans"/>
             </a:endParaRPr>
           </a:p>
         </p:txBody>
@@ -13110,7 +13712,7 @@
         <p:spPr>
           <a:xfrm>
             <a:off x="609480" y="1769400"/>
-            <a:ext cx="10585440" cy="4853520"/>
+            <a:ext cx="10585080" cy="4853160"/>
           </a:xfrm>
           <a:prstGeom prst="rect">
             <a:avLst/>
@@ -13314,8 +13916,8 @@
         </p:nvSpPr>
         <p:spPr>
           <a:xfrm>
-            <a:off x="335520" y="764640"/>
-            <a:ext cx="10749240" cy="500040"/>
+            <a:off x="539640" y="764640"/>
+            <a:ext cx="10748880" cy="499680"/>
           </a:xfrm>
           <a:prstGeom prst="rect">
             <a:avLst/>
@@ -13342,7 +13944,7 @@
               </a:lnSpc>
             </a:pPr>
             <a:r>
-              <a:rPr b="1" lang="en-GB" sz="2400" spc="-1" strike="noStrike">
+              <a:rPr b="1" lang="en-GB" sz="2200" spc="-1" strike="noStrike">
                 <a:solidFill>
                   <a:srgbClr val="000000"/>
                 </a:solidFill>
@@ -13351,7 +13953,7 @@
               </a:rPr>
               <a:t>Disclaimer</a:t>
             </a:r>
-            <a:endParaRPr b="0" lang="en-US" sz="2400" spc="-1" strike="noStrike">
+            <a:endParaRPr b="0" lang="en-US" sz="2200" spc="-1" strike="noStrike">
               <a:solidFill>
                 <a:srgbClr val="000000"/>
               </a:solidFill>
@@ -13368,8 +13970,8 @@
         </p:nvSpPr>
         <p:spPr>
           <a:xfrm>
-            <a:off x="335520" y="1268280"/>
-            <a:ext cx="10749240" cy="5036760"/>
+            <a:off x="539640" y="1268280"/>
+            <a:ext cx="10748880" cy="5036400"/>
           </a:xfrm>
           <a:prstGeom prst="rect">
             <a:avLst/>
@@ -13390,7 +13992,7 @@
             <a:noAutofit/>
           </a:bodyPr>
           <a:p>
-            <a:pPr marL="195120" indent="-193680">
+            <a:pPr marL="216000" indent="-216000">
               <a:lnSpc>
                 <a:spcPct val="100000"/>
               </a:lnSpc>
@@ -13400,9 +14002,9 @@
               <a:buClr>
                 <a:srgbClr val="008c4f"/>
               </a:buClr>
-              <a:buSzPct val="80000"/>
-              <a:buFont typeface="Wingdings" charset="2"/>
-              <a:buChar char=""/>
+              <a:buSzPct val="45000"/>
+              <a:buFont typeface="DejaVu Sans"/>
+              <a:buChar char="◾"/>
             </a:pPr>
             <a:r>
               <a:rPr b="0" lang="en-GB" sz="1800" spc="-1" strike="noStrike">
@@ -13442,23 +14044,7 @@
             </a:endParaRPr>
           </a:p>
           <a:p>
-            <a:pPr>
-              <a:lnSpc>
-                <a:spcPct val="100000"/>
-              </a:lnSpc>
-              <a:spcBef>
-                <a:spcPts val="360"/>
-              </a:spcBef>
-            </a:pPr>
-            <a:endParaRPr b="0" lang="en-US" sz="1800" spc="-1" strike="noStrike">
-              <a:solidFill>
-                <a:srgbClr val="000000"/>
-              </a:solidFill>
-              <a:latin typeface="Arial"/>
-            </a:endParaRPr>
-          </a:p>
-          <a:p>
-            <a:pPr marL="195120" indent="-193680">
+            <a:pPr marL="216000" indent="-216000">
               <a:lnSpc>
                 <a:spcPct val="100000"/>
               </a:lnSpc>
@@ -13468,9 +14054,31 @@
               <a:buClr>
                 <a:srgbClr val="008c4f"/>
               </a:buClr>
-              <a:buSzPct val="80000"/>
-              <a:buFont typeface="Wingdings" charset="2"/>
-              <a:buChar char=""/>
+              <a:buSzPct val="45000"/>
+              <a:buFont typeface="DejaVu Sans"/>
+              <a:buChar char="◾"/>
+            </a:pPr>
+            <a:endParaRPr b="0" lang="en-US" sz="1800" spc="-1" strike="noStrike">
+              <a:solidFill>
+                <a:srgbClr val="000000"/>
+              </a:solidFill>
+              <a:latin typeface="Arial"/>
+            </a:endParaRPr>
+          </a:p>
+          <a:p>
+            <a:pPr marL="216000" indent="-216000">
+              <a:lnSpc>
+                <a:spcPct val="100000"/>
+              </a:lnSpc>
+              <a:spcBef>
+                <a:spcPts val="360"/>
+              </a:spcBef>
+              <a:buClr>
+                <a:srgbClr val="008c4f"/>
+              </a:buClr>
+              <a:buSzPct val="45000"/>
+              <a:buFont typeface="DejaVu Sans"/>
+              <a:buChar char="◾"/>
             </a:pPr>
             <a:r>
               <a:rPr b="0" lang="en-GB" sz="1800" spc="-1" strike="noStrike">
@@ -13530,7 +14138,7 @@
         <p:spPr>
           <a:xfrm>
             <a:off x="542880" y="721800"/>
-            <a:ext cx="10357920" cy="498600"/>
+            <a:ext cx="10357560" cy="498240"/>
           </a:xfrm>
           <a:prstGeom prst="rect">
             <a:avLst/>
@@ -13588,7 +14196,7 @@
         <p:spPr>
           <a:xfrm>
             <a:off x="542880" y="2387520"/>
-            <a:ext cx="10103040" cy="2080440"/>
+            <a:ext cx="10102680" cy="2080080"/>
           </a:xfrm>
           <a:prstGeom prst="rect">
             <a:avLst/>
@@ -13636,8 +14244,8 @@
         </p:nvSpPr>
         <p:spPr>
           <a:xfrm>
-            <a:off x="335520" y="764640"/>
-            <a:ext cx="10742400" cy="493200"/>
+            <a:off x="539640" y="764640"/>
+            <a:ext cx="10742040" cy="492840"/>
           </a:xfrm>
           <a:prstGeom prst="rect">
             <a:avLst/>
@@ -13690,8 +14298,8 @@
         </p:nvSpPr>
         <p:spPr>
           <a:xfrm>
-            <a:off x="335520" y="1268640"/>
-            <a:ext cx="10742400" cy="5029920"/>
+            <a:off x="539640" y="1268640"/>
+            <a:ext cx="10742040" cy="5029560"/>
           </a:xfrm>
           <a:prstGeom prst="rect">
             <a:avLst/>
@@ -13722,9 +14330,9 @@
               <a:buClr>
                 <a:srgbClr val="008c4f"/>
               </a:buClr>
-              <a:buSzPct val="115000"/>
-              <a:buFont typeface="Wingdings" charset="2"/>
-              <a:buChar char=""/>
+              <a:buSzPct val="45000"/>
+              <a:buFont typeface="DejaVu Sans"/>
+              <a:buChar char="◾"/>
             </a:pPr>
             <a:r>
               <a:rPr b="0" lang="en-GB" sz="1800" spc="-1" strike="noStrike">
@@ -13754,9 +14362,9 @@
               <a:buClr>
                 <a:srgbClr val="008c4f"/>
               </a:buClr>
-              <a:buSzPct val="115000"/>
-              <a:buFont typeface="Wingdings" charset="2"/>
-              <a:buChar char=""/>
+              <a:buSzPct val="45000"/>
+              <a:buFont typeface="DejaVu Sans"/>
+              <a:buChar char="◾"/>
             </a:pPr>
             <a:r>
               <a:rPr b="0" lang="en-GB" sz="1800" spc="-1" strike="noStrike">
@@ -13786,9 +14394,9 @@
               <a:buClr>
                 <a:srgbClr val="008c4f"/>
               </a:buClr>
-              <a:buSzPct val="115000"/>
-              <a:buFont typeface="Wingdings" charset="2"/>
-              <a:buChar char=""/>
+              <a:buSzPct val="45000"/>
+              <a:buFont typeface="DejaVu Sans"/>
+              <a:buChar char="◾"/>
             </a:pPr>
             <a:r>
               <a:rPr b="0" lang="en-GB" sz="1800" spc="-1" strike="noStrike">
@@ -13818,9 +14426,9 @@
               <a:buClr>
                 <a:srgbClr val="008c4f"/>
               </a:buClr>
-              <a:buSzPct val="115000"/>
-              <a:buFont typeface="Wingdings" charset="2"/>
-              <a:buChar char=""/>
+              <a:buSzPct val="45000"/>
+              <a:buFont typeface="DejaVu Sans"/>
+              <a:buChar char="◾"/>
             </a:pPr>
             <a:r>
               <a:rPr b="0" lang="en-GB" sz="1800" spc="-1" strike="noStrike">
@@ -13850,9 +14458,9 @@
               <a:buClr>
                 <a:srgbClr val="008c4f"/>
               </a:buClr>
-              <a:buSzPct val="115000"/>
-              <a:buFont typeface="Wingdings" charset="2"/>
-              <a:buChar char=""/>
+              <a:buSzPct val="45000"/>
+              <a:buFont typeface="DejaVu Sans"/>
+              <a:buChar char="◾"/>
             </a:pPr>
             <a:r>
               <a:rPr b="0" lang="en-GB" sz="1800" spc="-1" strike="noStrike">
@@ -13882,9 +14490,9 @@
               <a:buClr>
                 <a:srgbClr val="008c4f"/>
               </a:buClr>
-              <a:buSzPct val="115000"/>
-              <a:buFont typeface="Wingdings" charset="2"/>
-              <a:buChar char=""/>
+              <a:buSzPct val="45000"/>
+              <a:buFont typeface="DejaVu Sans"/>
+              <a:buChar char="◾"/>
             </a:pPr>
             <a:r>
               <a:rPr b="0" lang="en-GB" sz="1800" spc="-1" strike="noStrike">
@@ -13914,9 +14522,9 @@
               <a:buClr>
                 <a:srgbClr val="008c4f"/>
               </a:buClr>
-              <a:buSzPct val="115000"/>
-              <a:buFont typeface="Wingdings" charset="2"/>
-              <a:buChar char=""/>
+              <a:buSzPct val="45000"/>
+              <a:buFont typeface="DejaVu Sans"/>
+              <a:buChar char="◾"/>
             </a:pPr>
             <a:r>
               <a:rPr b="0" lang="en-GB" sz="1800" spc="-1" strike="noStrike">
@@ -13946,9 +14554,9 @@
               <a:buClr>
                 <a:srgbClr val="008c4f"/>
               </a:buClr>
-              <a:buSzPct val="115000"/>
-              <a:buFont typeface="Wingdings" charset="2"/>
-              <a:buChar char=""/>
+              <a:buSzPct val="45000"/>
+              <a:buFont typeface="DejaVu Sans"/>
+              <a:buChar char="◾"/>
             </a:pPr>
             <a:r>
               <a:rPr b="0" lang="en-GB" sz="1800" spc="-1" strike="noStrike">
@@ -13978,9 +14586,9 @@
               <a:buClr>
                 <a:srgbClr val="008c4f"/>
               </a:buClr>
-              <a:buSzPct val="115000"/>
-              <a:buFont typeface="Wingdings" charset="2"/>
-              <a:buChar char=""/>
+              <a:buSzPct val="45000"/>
+              <a:buFont typeface="DejaVu Sans"/>
+              <a:buChar char="◾"/>
             </a:pPr>
             <a:r>
               <a:rPr b="0" lang="en-GB" sz="1800" spc="-1" strike="noStrike">
@@ -14010,9 +14618,9 @@
               <a:buClr>
                 <a:srgbClr val="008c4f"/>
               </a:buClr>
-              <a:buSzPct val="115000"/>
-              <a:buFont typeface="Wingdings" charset="2"/>
-              <a:buChar char=""/>
+              <a:buSzPct val="45000"/>
+              <a:buFont typeface="DejaVu Sans"/>
+              <a:buChar char="◾"/>
             </a:pPr>
             <a:r>
               <a:rPr b="0" lang="en-GB" sz="1800" spc="-1" strike="noStrike">
@@ -14042,9 +14650,9 @@
               <a:buClr>
                 <a:srgbClr val="008c4f"/>
               </a:buClr>
-              <a:buSzPct val="115000"/>
-              <a:buFont typeface="Wingdings" charset="2"/>
-              <a:buChar char=""/>
+              <a:buSzPct val="45000"/>
+              <a:buFont typeface="DejaVu Sans"/>
+              <a:buChar char="◾"/>
             </a:pPr>
             <a:r>
               <a:rPr b="0" lang="en-GB" sz="1800" spc="-1" strike="noStrike">
@@ -14074,9 +14682,9 @@
               <a:buClr>
                 <a:srgbClr val="008c4f"/>
               </a:buClr>
-              <a:buSzPct val="115000"/>
-              <a:buFont typeface="Wingdings" charset="2"/>
-              <a:buChar char=""/>
+              <a:buSzPct val="45000"/>
+              <a:buFont typeface="DejaVu Sans"/>
+              <a:buChar char="◾"/>
             </a:pPr>
             <a:r>
               <a:rPr b="0" lang="en-GB" sz="1800" spc="-1" strike="noStrike">
@@ -14106,9 +14714,9 @@
               <a:buClr>
                 <a:srgbClr val="008c4f"/>
               </a:buClr>
-              <a:buSzPct val="115000"/>
-              <a:buFont typeface="Wingdings" charset="2"/>
-              <a:buChar char=""/>
+              <a:buSzPct val="45000"/>
+              <a:buFont typeface="DejaVu Sans"/>
+              <a:buChar char="◾"/>
             </a:pPr>
             <a:r>
               <a:rPr b="0" lang="en-GB" sz="1800" spc="-1" strike="noStrike">
@@ -14138,9 +14746,9 @@
               <a:buClr>
                 <a:srgbClr val="008c4f"/>
               </a:buClr>
-              <a:buSzPct val="115000"/>
-              <a:buFont typeface="Wingdings" charset="2"/>
-              <a:buChar char=""/>
+              <a:buSzPct val="45000"/>
+              <a:buFont typeface="DejaVu Sans"/>
+              <a:buChar char="◾"/>
             </a:pPr>
             <a:r>
               <a:rPr b="0" lang="en-GB" sz="1800" spc="-1" strike="noStrike">

--- a/Requirements-Engineering/RE-L00-Organization.pptx
+++ b/Requirements-Engineering/RE-L00-Organization.pptx
@@ -90,205 +90,7 @@
                 </a:solidFill>
                 <a:latin typeface="Arial"/>
               </a:rPr>
-              <a:t>C</a:t>
-            </a:r>
-            <a:r>
-              <a:rPr b="0" lang="en-US" sz="4400" spc="-1" strike="noStrike">
-                <a:solidFill>
-                  <a:srgbClr val="000000"/>
-                </a:solidFill>
-                <a:latin typeface="Arial"/>
-              </a:rPr>
-              <a:t>l</a:t>
-            </a:r>
-            <a:r>
-              <a:rPr b="0" lang="en-US" sz="4400" spc="-1" strike="noStrike">
-                <a:solidFill>
-                  <a:srgbClr val="000000"/>
-                </a:solidFill>
-                <a:latin typeface="Arial"/>
-              </a:rPr>
-              <a:t>i</a:t>
-            </a:r>
-            <a:r>
-              <a:rPr b="0" lang="en-US" sz="4400" spc="-1" strike="noStrike">
-                <a:solidFill>
-                  <a:srgbClr val="000000"/>
-                </a:solidFill>
-                <a:latin typeface="Arial"/>
-              </a:rPr>
-              <a:t>c</a:t>
-            </a:r>
-            <a:r>
-              <a:rPr b="0" lang="en-US" sz="4400" spc="-1" strike="noStrike">
-                <a:solidFill>
-                  <a:srgbClr val="000000"/>
-                </a:solidFill>
-                <a:latin typeface="Arial"/>
-              </a:rPr>
-              <a:t>k</a:t>
-            </a:r>
-            <a:r>
-              <a:rPr b="0" lang="en-US" sz="4400" spc="-1" strike="noStrike">
-                <a:solidFill>
-                  <a:srgbClr val="000000"/>
-                </a:solidFill>
-                <a:latin typeface="Arial"/>
-              </a:rPr>
-              <a:t> </a:t>
-            </a:r>
-            <a:r>
-              <a:rPr b="0" lang="en-US" sz="4400" spc="-1" strike="noStrike">
-                <a:solidFill>
-                  <a:srgbClr val="000000"/>
-                </a:solidFill>
-                <a:latin typeface="Arial"/>
-              </a:rPr>
-              <a:t>t</a:t>
-            </a:r>
-            <a:r>
-              <a:rPr b="0" lang="en-US" sz="4400" spc="-1" strike="noStrike">
-                <a:solidFill>
-                  <a:srgbClr val="000000"/>
-                </a:solidFill>
-                <a:latin typeface="Arial"/>
-              </a:rPr>
-              <a:t>o</a:t>
-            </a:r>
-            <a:r>
-              <a:rPr b="0" lang="en-US" sz="4400" spc="-1" strike="noStrike">
-                <a:solidFill>
-                  <a:srgbClr val="000000"/>
-                </a:solidFill>
-                <a:latin typeface="Arial"/>
-              </a:rPr>
-              <a:t> </a:t>
-            </a:r>
-            <a:r>
-              <a:rPr b="0" lang="en-US" sz="4400" spc="-1" strike="noStrike">
-                <a:solidFill>
-                  <a:srgbClr val="000000"/>
-                </a:solidFill>
-                <a:latin typeface="Arial"/>
-              </a:rPr>
-              <a:t>m</a:t>
-            </a:r>
-            <a:r>
-              <a:rPr b="0" lang="en-US" sz="4400" spc="-1" strike="noStrike">
-                <a:solidFill>
-                  <a:srgbClr val="000000"/>
-                </a:solidFill>
-                <a:latin typeface="Arial"/>
-              </a:rPr>
-              <a:t>o</a:t>
-            </a:r>
-            <a:r>
-              <a:rPr b="0" lang="en-US" sz="4400" spc="-1" strike="noStrike">
-                <a:solidFill>
-                  <a:srgbClr val="000000"/>
-                </a:solidFill>
-                <a:latin typeface="Arial"/>
-              </a:rPr>
-              <a:t>v</a:t>
-            </a:r>
-            <a:r>
-              <a:rPr b="0" lang="en-US" sz="4400" spc="-1" strike="noStrike">
-                <a:solidFill>
-                  <a:srgbClr val="000000"/>
-                </a:solidFill>
-                <a:latin typeface="Arial"/>
-              </a:rPr>
-              <a:t>e</a:t>
-            </a:r>
-            <a:r>
-              <a:rPr b="0" lang="en-US" sz="4400" spc="-1" strike="noStrike">
-                <a:solidFill>
-                  <a:srgbClr val="000000"/>
-                </a:solidFill>
-                <a:latin typeface="Arial"/>
-              </a:rPr>
-              <a:t> </a:t>
-            </a:r>
-            <a:r>
-              <a:rPr b="0" lang="en-US" sz="4400" spc="-1" strike="noStrike">
-                <a:solidFill>
-                  <a:srgbClr val="000000"/>
-                </a:solidFill>
-                <a:latin typeface="Arial"/>
-              </a:rPr>
-              <a:t>t</a:t>
-            </a:r>
-            <a:r>
-              <a:rPr b="0" lang="en-US" sz="4400" spc="-1" strike="noStrike">
-                <a:solidFill>
-                  <a:srgbClr val="000000"/>
-                </a:solidFill>
-                <a:latin typeface="Arial"/>
-              </a:rPr>
-              <a:t>h</a:t>
-            </a:r>
-            <a:r>
-              <a:rPr b="0" lang="en-US" sz="4400" spc="-1" strike="noStrike">
-                <a:solidFill>
-                  <a:srgbClr val="000000"/>
-                </a:solidFill>
-                <a:latin typeface="Arial"/>
-              </a:rPr>
-              <a:t>e</a:t>
-            </a:r>
-            <a:r>
-              <a:rPr b="0" lang="en-US" sz="4400" spc="-1" strike="noStrike">
-                <a:solidFill>
-                  <a:srgbClr val="000000"/>
-                </a:solidFill>
-                <a:latin typeface="Arial"/>
-              </a:rPr>
-              <a:t> </a:t>
-            </a:r>
-            <a:r>
-              <a:rPr b="0" lang="en-US" sz="4400" spc="-1" strike="noStrike">
-                <a:solidFill>
-                  <a:srgbClr val="000000"/>
-                </a:solidFill>
-                <a:latin typeface="Arial"/>
-              </a:rPr>
-              <a:t>s</a:t>
-            </a:r>
-            <a:r>
-              <a:rPr b="0" lang="en-US" sz="4400" spc="-1" strike="noStrike">
-                <a:solidFill>
-                  <a:srgbClr val="000000"/>
-                </a:solidFill>
-                <a:latin typeface="Arial"/>
-              </a:rPr>
-              <a:t>l</a:t>
-            </a:r>
-            <a:r>
-              <a:rPr b="0" lang="en-US" sz="4400" spc="-1" strike="noStrike">
-                <a:solidFill>
-                  <a:srgbClr val="000000"/>
-                </a:solidFill>
-                <a:latin typeface="Arial"/>
-              </a:rPr>
-              <a:t>i</a:t>
-            </a:r>
-            <a:r>
-              <a:rPr b="0" lang="en-US" sz="4400" spc="-1" strike="noStrike">
-                <a:solidFill>
-                  <a:srgbClr val="000000"/>
-                </a:solidFill>
-                <a:latin typeface="Arial"/>
-              </a:rPr>
-              <a:t>d</a:t>
-            </a:r>
-            <a:r>
-              <a:rPr b="0" lang="en-US" sz="4400" spc="-1" strike="noStrike">
-                <a:solidFill>
-                  <a:srgbClr val="000000"/>
-                </a:solidFill>
-                <a:latin typeface="Arial"/>
-              </a:rPr>
-              <a:t>e</a:t>
+              <a:t>Click to move the slide</a:t>
             </a:r>
             <a:endParaRPr b="0" lang="en-US" sz="4400" spc="-1" strike="noStrike">
               <a:solidFill>
@@ -337,268 +139,7 @@
                 </a:solidFill>
                 <a:latin typeface="Arial"/>
               </a:rPr>
-              <a:t>C</a:t>
-            </a:r>
-            <a:r>
-              <a:rPr b="0" lang="en-US" sz="2000" spc="-1" strike="noStrike">
-                <a:solidFill>
-                  <a:srgbClr val="000000"/>
-                </a:solidFill>
-                <a:latin typeface="Arial"/>
-              </a:rPr>
-              <a:t>l</a:t>
-            </a:r>
-            <a:r>
-              <a:rPr b="0" lang="en-US" sz="2000" spc="-1" strike="noStrike">
-                <a:solidFill>
-                  <a:srgbClr val="000000"/>
-                </a:solidFill>
-                <a:latin typeface="Arial"/>
-              </a:rPr>
-              <a:t>i</a:t>
-            </a:r>
-            <a:r>
-              <a:rPr b="0" lang="en-US" sz="2000" spc="-1" strike="noStrike">
-                <a:solidFill>
-                  <a:srgbClr val="000000"/>
-                </a:solidFill>
-                <a:latin typeface="Arial"/>
-              </a:rPr>
-              <a:t>c</a:t>
-            </a:r>
-            <a:r>
-              <a:rPr b="0" lang="en-US" sz="2000" spc="-1" strike="noStrike">
-                <a:solidFill>
-                  <a:srgbClr val="000000"/>
-                </a:solidFill>
-                <a:latin typeface="Arial"/>
-              </a:rPr>
-              <a:t>k</a:t>
-            </a:r>
-            <a:r>
-              <a:rPr b="0" lang="en-US" sz="2000" spc="-1" strike="noStrike">
-                <a:solidFill>
-                  <a:srgbClr val="000000"/>
-                </a:solidFill>
-                <a:latin typeface="Arial"/>
-              </a:rPr>
-              <a:t> </a:t>
-            </a:r>
-            <a:r>
-              <a:rPr b="0" lang="en-US" sz="2000" spc="-1" strike="noStrike">
-                <a:solidFill>
-                  <a:srgbClr val="000000"/>
-                </a:solidFill>
-                <a:latin typeface="Arial"/>
-              </a:rPr>
-              <a:t>t</a:t>
-            </a:r>
-            <a:r>
-              <a:rPr b="0" lang="en-US" sz="2000" spc="-1" strike="noStrike">
-                <a:solidFill>
-                  <a:srgbClr val="000000"/>
-                </a:solidFill>
-                <a:latin typeface="Arial"/>
-              </a:rPr>
-              <a:t>o</a:t>
-            </a:r>
-            <a:r>
-              <a:rPr b="0" lang="en-US" sz="2000" spc="-1" strike="noStrike">
-                <a:solidFill>
-                  <a:srgbClr val="000000"/>
-                </a:solidFill>
-                <a:latin typeface="Arial"/>
-              </a:rPr>
-              <a:t> </a:t>
-            </a:r>
-            <a:r>
-              <a:rPr b="0" lang="en-US" sz="2000" spc="-1" strike="noStrike">
-                <a:solidFill>
-                  <a:srgbClr val="000000"/>
-                </a:solidFill>
-                <a:latin typeface="Arial"/>
-              </a:rPr>
-              <a:t>e</a:t>
-            </a:r>
-            <a:r>
-              <a:rPr b="0" lang="en-US" sz="2000" spc="-1" strike="noStrike">
-                <a:solidFill>
-                  <a:srgbClr val="000000"/>
-                </a:solidFill>
-                <a:latin typeface="Arial"/>
-              </a:rPr>
-              <a:t>d</a:t>
-            </a:r>
-            <a:r>
-              <a:rPr b="0" lang="en-US" sz="2000" spc="-1" strike="noStrike">
-                <a:solidFill>
-                  <a:srgbClr val="000000"/>
-                </a:solidFill>
-                <a:latin typeface="Arial"/>
-              </a:rPr>
-              <a:t>i</a:t>
-            </a:r>
-            <a:r>
-              <a:rPr b="0" lang="en-US" sz="2000" spc="-1" strike="noStrike">
-                <a:solidFill>
-                  <a:srgbClr val="000000"/>
-                </a:solidFill>
-                <a:latin typeface="Arial"/>
-              </a:rPr>
-              <a:t>t</a:t>
-            </a:r>
-            <a:r>
-              <a:rPr b="0" lang="en-US" sz="2000" spc="-1" strike="noStrike">
-                <a:solidFill>
-                  <a:srgbClr val="000000"/>
-                </a:solidFill>
-                <a:latin typeface="Arial"/>
-              </a:rPr>
-              <a:t> </a:t>
-            </a:r>
-            <a:r>
-              <a:rPr b="0" lang="en-US" sz="2000" spc="-1" strike="noStrike">
-                <a:solidFill>
-                  <a:srgbClr val="000000"/>
-                </a:solidFill>
-                <a:latin typeface="Arial"/>
-              </a:rPr>
-              <a:t>t</a:t>
-            </a:r>
-            <a:r>
-              <a:rPr b="0" lang="en-US" sz="2000" spc="-1" strike="noStrike">
-                <a:solidFill>
-                  <a:srgbClr val="000000"/>
-                </a:solidFill>
-                <a:latin typeface="Arial"/>
-              </a:rPr>
-              <a:t>h</a:t>
-            </a:r>
-            <a:r>
-              <a:rPr b="0" lang="en-US" sz="2000" spc="-1" strike="noStrike">
-                <a:solidFill>
-                  <a:srgbClr val="000000"/>
-                </a:solidFill>
-                <a:latin typeface="Arial"/>
-              </a:rPr>
-              <a:t>e</a:t>
-            </a:r>
-            <a:r>
-              <a:rPr b="0" lang="en-US" sz="2000" spc="-1" strike="noStrike">
-                <a:solidFill>
-                  <a:srgbClr val="000000"/>
-                </a:solidFill>
-                <a:latin typeface="Arial"/>
-              </a:rPr>
-              <a:t> </a:t>
-            </a:r>
-            <a:r>
-              <a:rPr b="0" lang="en-US" sz="2000" spc="-1" strike="noStrike">
-                <a:solidFill>
-                  <a:srgbClr val="000000"/>
-                </a:solidFill>
-                <a:latin typeface="Arial"/>
-              </a:rPr>
-              <a:t>n</a:t>
-            </a:r>
-            <a:r>
-              <a:rPr b="0" lang="en-US" sz="2000" spc="-1" strike="noStrike">
-                <a:solidFill>
-                  <a:srgbClr val="000000"/>
-                </a:solidFill>
-                <a:latin typeface="Arial"/>
-              </a:rPr>
-              <a:t>o</a:t>
-            </a:r>
-            <a:r>
-              <a:rPr b="0" lang="en-US" sz="2000" spc="-1" strike="noStrike">
-                <a:solidFill>
-                  <a:srgbClr val="000000"/>
-                </a:solidFill>
-                <a:latin typeface="Arial"/>
-              </a:rPr>
-              <a:t>t</a:t>
-            </a:r>
-            <a:r>
-              <a:rPr b="0" lang="en-US" sz="2000" spc="-1" strike="noStrike">
-                <a:solidFill>
-                  <a:srgbClr val="000000"/>
-                </a:solidFill>
-                <a:latin typeface="Arial"/>
-              </a:rPr>
-              <a:t>e</a:t>
-            </a:r>
-            <a:r>
-              <a:rPr b="0" lang="en-US" sz="2000" spc="-1" strike="noStrike">
-                <a:solidFill>
-                  <a:srgbClr val="000000"/>
-                </a:solidFill>
-                <a:latin typeface="Arial"/>
-              </a:rPr>
-              <a:t>s</a:t>
-            </a:r>
-            <a:r>
-              <a:rPr b="0" lang="en-US" sz="2000" spc="-1" strike="noStrike">
-                <a:solidFill>
-                  <a:srgbClr val="000000"/>
-                </a:solidFill>
-                <a:latin typeface="Arial"/>
-              </a:rPr>
-              <a:t> </a:t>
-            </a:r>
-            <a:r>
-              <a:rPr b="0" lang="en-US" sz="2000" spc="-1" strike="noStrike">
-                <a:solidFill>
-                  <a:srgbClr val="000000"/>
-                </a:solidFill>
-                <a:latin typeface="Arial"/>
-              </a:rPr>
-              <a:t>f</a:t>
-            </a:r>
-            <a:r>
-              <a:rPr b="0" lang="en-US" sz="2000" spc="-1" strike="noStrike">
-                <a:solidFill>
-                  <a:srgbClr val="000000"/>
-                </a:solidFill>
-                <a:latin typeface="Arial"/>
-              </a:rPr>
-              <a:t>o</a:t>
-            </a:r>
-            <a:r>
-              <a:rPr b="0" lang="en-US" sz="2000" spc="-1" strike="noStrike">
-                <a:solidFill>
-                  <a:srgbClr val="000000"/>
-                </a:solidFill>
-                <a:latin typeface="Arial"/>
-              </a:rPr>
-              <a:t>r</a:t>
-            </a:r>
-            <a:r>
-              <a:rPr b="0" lang="en-US" sz="2000" spc="-1" strike="noStrike">
-                <a:solidFill>
-                  <a:srgbClr val="000000"/>
-                </a:solidFill>
-                <a:latin typeface="Arial"/>
-              </a:rPr>
-              <a:t>m</a:t>
-            </a:r>
-            <a:r>
-              <a:rPr b="0" lang="en-US" sz="2000" spc="-1" strike="noStrike">
-                <a:solidFill>
-                  <a:srgbClr val="000000"/>
-                </a:solidFill>
-                <a:latin typeface="Arial"/>
-              </a:rPr>
-              <a:t>a</a:t>
-            </a:r>
-            <a:r>
-              <a:rPr b="0" lang="en-US" sz="2000" spc="-1" strike="noStrike">
-                <a:solidFill>
-                  <a:srgbClr val="000000"/>
-                </a:solidFill>
-                <a:latin typeface="Arial"/>
-              </a:rPr>
-              <a:t>t</a:t>
+              <a:t>Click to edit the notes format</a:t>
             </a:r>
             <a:endParaRPr b="0" lang="en-US" sz="2000" spc="-1" strike="noStrike">
               <a:solidFill>
@@ -820,7 +361,7 @@
             <a:pPr indent="0" algn="r">
               <a:buNone/>
             </a:pPr>
-            <a:fld id="{0281366C-7C07-4D69-8FFF-023F8B32C281}" type="slidenum">
+            <a:fld id="{452BB564-69B1-497D-9407-52905F72E664}" type="slidenum">
               <a:rPr b="0" lang="en-US" sz="1400" spc="-1" strike="noStrike">
                 <a:solidFill>
                   <a:srgbClr val="000000"/>
@@ -874,7 +415,7 @@
         <p:spPr>
           <a:xfrm>
             <a:off x="533520" y="763560"/>
-            <a:ext cx="6697800" cy="3765960"/>
+            <a:ext cx="6697440" cy="3765600"/>
           </a:xfrm>
           <a:prstGeom prst="rect">
             <a:avLst/>
@@ -897,7 +438,7 @@
         <p:spPr>
           <a:xfrm>
             <a:off x="777240" y="4777560"/>
-            <a:ext cx="6211440" cy="4519800"/>
+            <a:ext cx="6211080" cy="4519440"/>
           </a:xfrm>
           <a:prstGeom prst="rect">
             <a:avLst/>
@@ -933,7 +474,7 @@
         <p:spPr>
           <a:xfrm>
             <a:off x="4399200" y="9555480"/>
-            <a:ext cx="3366720" cy="496440"/>
+            <a:ext cx="3366360" cy="496080"/>
           </a:xfrm>
           <a:prstGeom prst="rect">
             <a:avLst/>
@@ -959,7 +500,7 @@
                 <a:spcPct val="100000"/>
               </a:lnSpc>
             </a:pPr>
-            <a:fld id="{2AB9C222-74B4-4A3E-BDFC-03145F14A567}" type="slidenum">
+            <a:fld id="{4FD15DD2-E033-4D19-96B2-2289E2C56DFC}" type="slidenum">
               <a:rPr b="0" lang="en-GB" sz="1800" spc="-1" strike="noStrike">
                 <a:solidFill>
                   <a:srgbClr val="000000"/>
@@ -967,7 +508,7 @@
                 <a:latin typeface="+mn-lt"/>
                 <a:ea typeface="+mn-ea"/>
               </a:rPr>
-              <a:t>6</a:t>
+              <a:t>&lt;number&gt;</a:t>
             </a:fld>
             <a:endParaRPr b="0" lang="en-US" sz="1800" spc="-1" strike="noStrike">
               <a:solidFill>
@@ -1013,7 +554,7 @@
         <p:spPr>
           <a:xfrm>
             <a:off x="533520" y="763560"/>
-            <a:ext cx="6697800" cy="3765960"/>
+            <a:ext cx="6697440" cy="3765600"/>
           </a:xfrm>
           <a:prstGeom prst="rect">
             <a:avLst/>
@@ -1036,7 +577,7 @@
         <p:spPr>
           <a:xfrm>
             <a:off x="777240" y="4777560"/>
-            <a:ext cx="6211440" cy="4519800"/>
+            <a:ext cx="6211080" cy="4519440"/>
           </a:xfrm>
           <a:prstGeom prst="rect">
             <a:avLst/>
@@ -1072,7 +613,7 @@
         <p:spPr>
           <a:xfrm>
             <a:off x="4399200" y="9555480"/>
-            <a:ext cx="3366720" cy="496440"/>
+            <a:ext cx="3366360" cy="496080"/>
           </a:xfrm>
           <a:prstGeom prst="rect">
             <a:avLst/>
@@ -1098,7 +639,7 @@
                 <a:spcPct val="100000"/>
               </a:lnSpc>
             </a:pPr>
-            <a:fld id="{0224EE8B-07E6-4F75-BA7B-27C24C27B6DB}" type="slidenum">
+            <a:fld id="{F80090E1-6F21-46D2-8303-0D6301D4F875}" type="slidenum">
               <a:rPr b="0" lang="en-GB" sz="1800" spc="-1" strike="noStrike">
                 <a:solidFill>
                   <a:srgbClr val="000000"/>
@@ -1106,7 +647,7 @@
                 <a:latin typeface="+mn-lt"/>
                 <a:ea typeface="+mn-ea"/>
               </a:rPr>
-              <a:t>6</a:t>
+              <a:t>&lt;number&gt;</a:t>
             </a:fld>
             <a:endParaRPr b="0" lang="en-US" sz="1800" spc="-1" strike="noStrike">
               <a:solidFill>
@@ -1152,7 +693,7 @@
         <p:spPr>
           <a:xfrm>
             <a:off x="533520" y="763560"/>
-            <a:ext cx="6697800" cy="3765960"/>
+            <a:ext cx="6697440" cy="3765600"/>
           </a:xfrm>
           <a:prstGeom prst="rect">
             <a:avLst/>
@@ -1175,7 +716,7 @@
         <p:spPr>
           <a:xfrm>
             <a:off x="777240" y="4777560"/>
-            <a:ext cx="6211440" cy="4519800"/>
+            <a:ext cx="6211080" cy="4519440"/>
           </a:xfrm>
           <a:prstGeom prst="rect">
             <a:avLst/>
@@ -1211,7 +752,7 @@
         <p:spPr>
           <a:xfrm>
             <a:off x="4399200" y="9555480"/>
-            <a:ext cx="3366720" cy="496440"/>
+            <a:ext cx="3366360" cy="496080"/>
           </a:xfrm>
           <a:prstGeom prst="rect">
             <a:avLst/>
@@ -1237,7 +778,7 @@
                 <a:spcPct val="100000"/>
               </a:lnSpc>
             </a:pPr>
-            <a:fld id="{560D1E7F-F397-49A4-90DD-2F2BF328DB09}" type="slidenum">
+            <a:fld id="{E3621469-01A3-4422-851B-F2B4C8ADF5CB}" type="slidenum">
               <a:rPr b="0" lang="en-GB" sz="1800" spc="-1" strike="noStrike">
                 <a:solidFill>
                   <a:srgbClr val="000000"/>
@@ -1245,7 +786,7 @@
                 <a:latin typeface="+mn-lt"/>
                 <a:ea typeface="+mn-ea"/>
               </a:rPr>
-              <a:t>6</a:t>
+              <a:t>&lt;number&gt;</a:t>
             </a:fld>
             <a:endParaRPr b="0" lang="en-US" sz="1800" spc="-1" strike="noStrike">
               <a:solidFill>
@@ -1291,7 +832,7 @@
         <p:spPr>
           <a:xfrm>
             <a:off x="533520" y="763560"/>
-            <a:ext cx="6697800" cy="3765960"/>
+            <a:ext cx="6697440" cy="3765600"/>
           </a:xfrm>
           <a:prstGeom prst="rect">
             <a:avLst/>
@@ -1314,7 +855,7 @@
         <p:spPr>
           <a:xfrm>
             <a:off x="777240" y="4777560"/>
-            <a:ext cx="6211440" cy="4519800"/>
+            <a:ext cx="6211080" cy="4519440"/>
           </a:xfrm>
           <a:prstGeom prst="rect">
             <a:avLst/>
@@ -1350,7 +891,7 @@
         <p:spPr>
           <a:xfrm>
             <a:off x="4399200" y="9555480"/>
-            <a:ext cx="3366720" cy="496440"/>
+            <a:ext cx="3366360" cy="496080"/>
           </a:xfrm>
           <a:prstGeom prst="rect">
             <a:avLst/>
@@ -1376,7 +917,7 @@
                 <a:spcPct val="100000"/>
               </a:lnSpc>
             </a:pPr>
-            <a:fld id="{098FECDE-F32F-4F5E-99D8-F2F4A8FBCA56}" type="slidenum">
+            <a:fld id="{5CE52C95-3F83-4C71-ACEC-6A4D2D450492}" type="slidenum">
               <a:rPr b="0" lang="en-GB" sz="1800" spc="-1" strike="noStrike">
                 <a:solidFill>
                   <a:srgbClr val="000000"/>
@@ -1384,7 +925,7 @@
                 <a:latin typeface="+mn-lt"/>
                 <a:ea typeface="+mn-ea"/>
               </a:rPr>
-              <a:t>6</a:t>
+              <a:t>&lt;number&gt;</a:t>
             </a:fld>
             <a:endParaRPr b="0" lang="en-US" sz="1800" spc="-1" strike="noStrike">
               <a:solidFill>
@@ -4981,7 +4522,7 @@
         <p:spPr>
           <a:xfrm>
             <a:off x="11444760" y="0"/>
-            <a:ext cx="744840" cy="6853680"/>
+            <a:ext cx="744480" cy="6853320"/>
           </a:xfrm>
           <a:prstGeom prst="rect">
             <a:avLst/>
@@ -5030,7 +4571,7 @@
         <p:spPr>
           <a:xfrm>
             <a:off x="11438640" y="6453360"/>
-            <a:ext cx="761760" cy="363960"/>
+            <a:ext cx="761400" cy="363960"/>
           </a:xfrm>
           <a:prstGeom prst="rect">
             <a:avLst/>
@@ -5056,7 +4597,7 @@
                 <a:spcPct val="100000"/>
               </a:lnSpc>
             </a:pPr>
-            <a:fld id="{6015A372-4B95-49A6-90A0-4A4C2652276C}" type="slidenum">
+            <a:fld id="{8E4545E5-0263-4960-97AA-5AC6D21CD6A8}" type="slidenum">
               <a:rPr b="0" lang="en-US" sz="1800" spc="-1" strike="noStrike">
                 <a:solidFill>
                   <a:srgbClr val="808080"/>
@@ -5084,7 +4625,7 @@
         <p:spPr>
           <a:xfrm>
             <a:off x="912240" y="1268280"/>
-            <a:ext cx="9211680" cy="365040"/>
+            <a:ext cx="9211320" cy="364680"/>
           </a:xfrm>
           <a:prstGeom prst="rect">
             <a:avLst/>
@@ -5133,7 +4674,7 @@
         <p:spPr>
           <a:xfrm>
             <a:off x="0" y="0"/>
-            <a:ext cx="3055680" cy="565560"/>
+            <a:ext cx="3055320" cy="565200"/>
           </a:xfrm>
           <a:prstGeom prst="rect">
             <a:avLst/>
@@ -5156,7 +4697,7 @@
         <p:spPr>
           <a:xfrm>
             <a:off x="7430400" y="134640"/>
-            <a:ext cx="3701520" cy="517680"/>
+            <a:ext cx="3701160" cy="517320"/>
           </a:xfrm>
           <a:prstGeom prst="rect">
             <a:avLst/>
@@ -5175,7 +4716,7 @@
         <p:spPr>
           <a:xfrm>
             <a:off x="912240" y="1268280"/>
-            <a:ext cx="9211680" cy="365040"/>
+            <a:ext cx="9211320" cy="364680"/>
           </a:xfrm>
           <a:prstGeom prst="rect">
             <a:avLst/>
@@ -5220,7 +4761,7 @@
         <p:spPr>
           <a:xfrm>
             <a:off x="11444760" y="0"/>
-            <a:ext cx="744840" cy="6853680"/>
+            <a:ext cx="744480" cy="6853320"/>
           </a:xfrm>
           <a:prstGeom prst="rect">
             <a:avLst/>
@@ -5269,7 +4810,7 @@
         <p:spPr>
           <a:xfrm>
             <a:off x="0" y="6642720"/>
-            <a:ext cx="12187800" cy="211320"/>
+            <a:ext cx="12187440" cy="211320"/>
           </a:xfrm>
           <a:prstGeom prst="rect">
             <a:avLst/>
@@ -5352,313 +4893,7 @@
                 </a:solidFill>
                 <a:latin typeface="Arial"/>
               </a:rPr>
-              <a:t>C</a:t>
-            </a:r>
-            <a:r>
-              <a:rPr b="0" lang="en-US" sz="4400" spc="-1" strike="noStrike">
-                <a:solidFill>
-                  <a:srgbClr val="000000"/>
-                </a:solidFill>
-                <a:latin typeface="Arial"/>
-              </a:rPr>
-              <a:t>l</a:t>
-            </a:r>
-            <a:r>
-              <a:rPr b="0" lang="en-US" sz="4400" spc="-1" strike="noStrike">
-                <a:solidFill>
-                  <a:srgbClr val="000000"/>
-                </a:solidFill>
-                <a:latin typeface="Arial"/>
-              </a:rPr>
-              <a:t>i</a:t>
-            </a:r>
-            <a:r>
-              <a:rPr b="0" lang="en-US" sz="4400" spc="-1" strike="noStrike">
-                <a:solidFill>
-                  <a:srgbClr val="000000"/>
-                </a:solidFill>
-                <a:latin typeface="Arial"/>
-              </a:rPr>
-              <a:t>c</a:t>
-            </a:r>
-            <a:r>
-              <a:rPr b="0" lang="en-US" sz="4400" spc="-1" strike="noStrike">
-                <a:solidFill>
-                  <a:srgbClr val="000000"/>
-                </a:solidFill>
-                <a:latin typeface="Arial"/>
-              </a:rPr>
-              <a:t>k</a:t>
-            </a:r>
-            <a:r>
-              <a:rPr b="0" lang="en-US" sz="4400" spc="-1" strike="noStrike">
-                <a:solidFill>
-                  <a:srgbClr val="000000"/>
-                </a:solidFill>
-                <a:latin typeface="Arial"/>
-              </a:rPr>
-              <a:t> </a:t>
-            </a:r>
-            <a:r>
-              <a:rPr b="0" lang="en-US" sz="4400" spc="-1" strike="noStrike">
-                <a:solidFill>
-                  <a:srgbClr val="000000"/>
-                </a:solidFill>
-                <a:latin typeface="Arial"/>
-              </a:rPr>
-              <a:t>t</a:t>
-            </a:r>
-            <a:r>
-              <a:rPr b="0" lang="en-US" sz="4400" spc="-1" strike="noStrike">
-                <a:solidFill>
-                  <a:srgbClr val="000000"/>
-                </a:solidFill>
-                <a:latin typeface="Arial"/>
-              </a:rPr>
-              <a:t>o</a:t>
-            </a:r>
-            <a:r>
-              <a:rPr b="0" lang="en-US" sz="4400" spc="-1" strike="noStrike">
-                <a:solidFill>
-                  <a:srgbClr val="000000"/>
-                </a:solidFill>
-                <a:latin typeface="Arial"/>
-              </a:rPr>
-              <a:t> </a:t>
-            </a:r>
-            <a:r>
-              <a:rPr b="0" lang="en-US" sz="4400" spc="-1" strike="noStrike">
-                <a:solidFill>
-                  <a:srgbClr val="000000"/>
-                </a:solidFill>
-                <a:latin typeface="Arial"/>
-              </a:rPr>
-              <a:t>e</a:t>
-            </a:r>
-            <a:r>
-              <a:rPr b="0" lang="en-US" sz="4400" spc="-1" strike="noStrike">
-                <a:solidFill>
-                  <a:srgbClr val="000000"/>
-                </a:solidFill>
-                <a:latin typeface="Arial"/>
-              </a:rPr>
-              <a:t>d</a:t>
-            </a:r>
-            <a:r>
-              <a:rPr b="0" lang="en-US" sz="4400" spc="-1" strike="noStrike">
-                <a:solidFill>
-                  <a:srgbClr val="000000"/>
-                </a:solidFill>
-                <a:latin typeface="Arial"/>
-              </a:rPr>
-              <a:t>i</a:t>
-            </a:r>
-            <a:r>
-              <a:rPr b="0" lang="en-US" sz="4400" spc="-1" strike="noStrike">
-                <a:solidFill>
-                  <a:srgbClr val="000000"/>
-                </a:solidFill>
-                <a:latin typeface="Arial"/>
-              </a:rPr>
-              <a:t>t</a:t>
-            </a:r>
-            <a:r>
-              <a:rPr b="0" lang="en-US" sz="4400" spc="-1" strike="noStrike">
-                <a:solidFill>
-                  <a:srgbClr val="000000"/>
-                </a:solidFill>
-                <a:latin typeface="Arial"/>
-              </a:rPr>
-              <a:t> </a:t>
-            </a:r>
-            <a:r>
-              <a:rPr b="0" lang="en-US" sz="4400" spc="-1" strike="noStrike">
-                <a:solidFill>
-                  <a:srgbClr val="000000"/>
-                </a:solidFill>
-                <a:latin typeface="Arial"/>
-              </a:rPr>
-              <a:t>t</a:t>
-            </a:r>
-            <a:r>
-              <a:rPr b="0" lang="en-US" sz="4400" spc="-1" strike="noStrike">
-                <a:solidFill>
-                  <a:srgbClr val="000000"/>
-                </a:solidFill>
-                <a:latin typeface="Arial"/>
-              </a:rPr>
-              <a:t>h</a:t>
-            </a:r>
-            <a:r>
-              <a:rPr b="0" lang="en-US" sz="4400" spc="-1" strike="noStrike">
-                <a:solidFill>
-                  <a:srgbClr val="000000"/>
-                </a:solidFill>
-                <a:latin typeface="Arial"/>
-              </a:rPr>
-              <a:t>e</a:t>
-            </a:r>
-            <a:r>
-              <a:rPr b="0" lang="en-US" sz="4400" spc="-1" strike="noStrike">
-                <a:solidFill>
-                  <a:srgbClr val="000000"/>
-                </a:solidFill>
-                <a:latin typeface="Arial"/>
-              </a:rPr>
-              <a:t> </a:t>
-            </a:r>
-            <a:r>
-              <a:rPr b="0" lang="en-US" sz="4400" spc="-1" strike="noStrike">
-                <a:solidFill>
-                  <a:srgbClr val="000000"/>
-                </a:solidFill>
-                <a:latin typeface="Arial"/>
-              </a:rPr>
-              <a:t>t</a:t>
-            </a:r>
-            <a:r>
-              <a:rPr b="0" lang="en-US" sz="4400" spc="-1" strike="noStrike">
-                <a:solidFill>
-                  <a:srgbClr val="000000"/>
-                </a:solidFill>
-                <a:latin typeface="Arial"/>
-              </a:rPr>
-              <a:t>i</a:t>
-            </a:r>
-            <a:r>
-              <a:rPr b="0" lang="en-US" sz="4400" spc="-1" strike="noStrike">
-                <a:solidFill>
-                  <a:srgbClr val="000000"/>
-                </a:solidFill>
-                <a:latin typeface="Arial"/>
-              </a:rPr>
-              <a:t>t</a:t>
-            </a:r>
-            <a:r>
-              <a:rPr b="0" lang="en-US" sz="4400" spc="-1" strike="noStrike">
-                <a:solidFill>
-                  <a:srgbClr val="000000"/>
-                </a:solidFill>
-                <a:latin typeface="Arial"/>
-              </a:rPr>
-              <a:t>l</a:t>
-            </a:r>
-            <a:r>
-              <a:rPr b="0" lang="en-US" sz="4400" spc="-1" strike="noStrike">
-                <a:solidFill>
-                  <a:srgbClr val="000000"/>
-                </a:solidFill>
-                <a:latin typeface="Arial"/>
-              </a:rPr>
-              <a:t>e</a:t>
-            </a:r>
-            <a:r>
-              <a:rPr b="0" lang="en-US" sz="4400" spc="-1" strike="noStrike">
-                <a:solidFill>
-                  <a:srgbClr val="000000"/>
-                </a:solidFill>
-                <a:latin typeface="Arial"/>
-              </a:rPr>
-              <a:t> </a:t>
-            </a:r>
-            <a:r>
-              <a:rPr b="0" lang="en-US" sz="4400" spc="-1" strike="noStrike">
-                <a:solidFill>
-                  <a:srgbClr val="000000"/>
-                </a:solidFill>
-                <a:latin typeface="Arial"/>
-              </a:rPr>
-              <a:t>t</a:t>
-            </a:r>
-            <a:r>
-              <a:rPr b="0" lang="en-US" sz="4400" spc="-1" strike="noStrike">
-                <a:solidFill>
-                  <a:srgbClr val="000000"/>
-                </a:solidFill>
-                <a:latin typeface="Arial"/>
-              </a:rPr>
-              <a:t>e</a:t>
-            </a:r>
-            <a:r>
-              <a:rPr b="0" lang="en-US" sz="4400" spc="-1" strike="noStrike">
-                <a:solidFill>
-                  <a:srgbClr val="000000"/>
-                </a:solidFill>
-                <a:latin typeface="Arial"/>
-              </a:rPr>
-              <a:t>x</a:t>
-            </a:r>
-            <a:r>
-              <a:rPr b="0" lang="en-US" sz="4400" spc="-1" strike="noStrike">
-                <a:solidFill>
-                  <a:srgbClr val="000000"/>
-                </a:solidFill>
-                <a:latin typeface="Arial"/>
-              </a:rPr>
-              <a:t>t</a:t>
-            </a:r>
-            <a:r>
-              <a:rPr b="0" lang="en-US" sz="4400" spc="-1" strike="noStrike">
-                <a:solidFill>
-                  <a:srgbClr val="000000"/>
-                </a:solidFill>
-                <a:latin typeface="Arial"/>
-              </a:rPr>
-              <a:t> </a:t>
-            </a:r>
-            <a:r>
-              <a:rPr b="0" lang="en-US" sz="4400" spc="-1" strike="noStrike">
-                <a:solidFill>
-                  <a:srgbClr val="000000"/>
-                </a:solidFill>
-                <a:latin typeface="Arial"/>
-              </a:rPr>
-              <a:t>f</a:t>
-            </a:r>
-            <a:r>
-              <a:rPr b="0" lang="en-US" sz="4400" spc="-1" strike="noStrike">
-                <a:solidFill>
-                  <a:srgbClr val="000000"/>
-                </a:solidFill>
-                <a:latin typeface="Arial"/>
-              </a:rPr>
-              <a:t>o</a:t>
-            </a:r>
-            <a:r>
-              <a:rPr b="0" lang="en-US" sz="4400" spc="-1" strike="noStrike">
-                <a:solidFill>
-                  <a:srgbClr val="000000"/>
-                </a:solidFill>
-                <a:latin typeface="Arial"/>
-              </a:rPr>
-              <a:t>r</a:t>
-            </a:r>
-            <a:r>
-              <a:rPr b="0" lang="en-US" sz="4400" spc="-1" strike="noStrike">
-                <a:solidFill>
-                  <a:srgbClr val="000000"/>
-                </a:solidFill>
-                <a:latin typeface="Arial"/>
-              </a:rPr>
-              <a:t>m</a:t>
-            </a:r>
-            <a:r>
-              <a:rPr b="0" lang="en-US" sz="4400" spc="-1" strike="noStrike">
-                <a:solidFill>
-                  <a:srgbClr val="000000"/>
-                </a:solidFill>
-                <a:latin typeface="Arial"/>
-              </a:rPr>
-              <a:t>a</a:t>
-            </a:r>
-            <a:r>
-              <a:rPr b="0" lang="en-US" sz="4400" spc="-1" strike="noStrike">
-                <a:solidFill>
-                  <a:srgbClr val="000000"/>
-                </a:solidFill>
-                <a:latin typeface="Arial"/>
-              </a:rPr>
-              <a:t>t</a:t>
+              <a:t>Click to edit the title text format</a:t>
             </a:r>
             <a:endParaRPr b="0" lang="en-US" sz="4400" spc="-1" strike="noStrike">
               <a:solidFill>
@@ -5947,7 +5182,7 @@
         <p:spPr>
           <a:xfrm>
             <a:off x="11444760" y="0"/>
-            <a:ext cx="744840" cy="6853680"/>
+            <a:ext cx="744480" cy="6853320"/>
           </a:xfrm>
           <a:prstGeom prst="rect">
             <a:avLst/>
@@ -5996,7 +5231,7 @@
         <p:spPr>
           <a:xfrm>
             <a:off x="11438640" y="6453360"/>
-            <a:ext cx="761760" cy="363960"/>
+            <a:ext cx="761400" cy="363960"/>
           </a:xfrm>
           <a:prstGeom prst="rect">
             <a:avLst/>
@@ -6022,7 +5257,7 @@
                 <a:spcPct val="100000"/>
               </a:lnSpc>
             </a:pPr>
-            <a:fld id="{102CED4A-9B36-432C-9E21-071C90EC06E2}" type="slidenum">
+            <a:fld id="{2E37165B-D40A-41D4-804C-294510F4118C}" type="slidenum">
               <a:rPr b="0" lang="en-US" sz="1800" spc="-1" strike="noStrike">
                 <a:solidFill>
                   <a:srgbClr val="808080"/>
@@ -6050,7 +5285,7 @@
         <p:spPr>
           <a:xfrm>
             <a:off x="912240" y="1268280"/>
-            <a:ext cx="9211680" cy="365040"/>
+            <a:ext cx="9211320" cy="364680"/>
           </a:xfrm>
           <a:prstGeom prst="rect">
             <a:avLst/>
@@ -6099,7 +5334,7 @@
         <p:spPr>
           <a:xfrm>
             <a:off x="0" y="0"/>
-            <a:ext cx="3055680" cy="565560"/>
+            <a:ext cx="3055320" cy="565200"/>
           </a:xfrm>
           <a:prstGeom prst="rect">
             <a:avLst/>
@@ -6122,7 +5357,7 @@
         <p:spPr>
           <a:xfrm>
             <a:off x="7430400" y="134640"/>
-            <a:ext cx="3701520" cy="517680"/>
+            <a:ext cx="3701160" cy="517320"/>
           </a:xfrm>
           <a:prstGeom prst="rect">
             <a:avLst/>
@@ -6141,7 +5376,7 @@
         <p:spPr>
           <a:xfrm>
             <a:off x="11444760" y="0"/>
-            <a:ext cx="744840" cy="6853680"/>
+            <a:ext cx="744480" cy="6853320"/>
           </a:xfrm>
           <a:prstGeom prst="rect">
             <a:avLst/>
@@ -6190,7 +5425,7 @@
         <p:spPr>
           <a:xfrm>
             <a:off x="11438640" y="6453360"/>
-            <a:ext cx="761760" cy="363960"/>
+            <a:ext cx="761400" cy="363960"/>
           </a:xfrm>
           <a:prstGeom prst="rect">
             <a:avLst/>
@@ -6216,7 +5451,7 @@
                 <a:spcPct val="100000"/>
               </a:lnSpc>
             </a:pPr>
-            <a:fld id="{91062C85-66D0-415B-83B6-947607EABBBE}" type="slidenum">
+            <a:fld id="{27FBBD12-2C67-4BD0-9090-30FC675DAE85}" type="slidenum">
               <a:rPr b="0" lang="en-US" sz="1800" spc="-1" strike="noStrike">
                 <a:solidFill>
                   <a:srgbClr val="808080"/>
@@ -6244,7 +5479,7 @@
         <p:spPr>
           <a:xfrm>
             <a:off x="0" y="6642720"/>
-            <a:ext cx="12187800" cy="211320"/>
+            <a:ext cx="12187440" cy="211320"/>
           </a:xfrm>
           <a:prstGeom prst="rect">
             <a:avLst/>
@@ -6609,7 +5844,7 @@
         <p:spPr>
           <a:xfrm>
             <a:off x="527400" y="1412640"/>
-            <a:ext cx="10364760" cy="1151280"/>
+            <a:ext cx="10364400" cy="1150920"/>
           </a:xfrm>
           <a:prstGeom prst="rect">
             <a:avLst/>
@@ -6663,7 +5898,7 @@
         <p:spPr>
           <a:xfrm>
             <a:off x="527400" y="2852640"/>
-            <a:ext cx="10364760" cy="2372040"/>
+            <a:ext cx="10364400" cy="2371680"/>
           </a:xfrm>
           <a:prstGeom prst="rect">
             <a:avLst/>
@@ -6868,7 +6103,7 @@
         <p:spPr>
           <a:xfrm>
             <a:off x="539640" y="764640"/>
-            <a:ext cx="10748880" cy="499680"/>
+            <a:ext cx="10748520" cy="499320"/>
           </a:xfrm>
           <a:prstGeom prst="rect">
             <a:avLst/>
@@ -6922,7 +6157,7 @@
         <p:spPr>
           <a:xfrm>
             <a:off x="539640" y="1268640"/>
-            <a:ext cx="10748880" cy="5036400"/>
+            <a:ext cx="10748520" cy="5036040"/>
           </a:xfrm>
           <a:prstGeom prst="rect">
             <a:avLst/>
@@ -7239,7 +6474,7 @@
         <p:spPr>
           <a:xfrm>
             <a:off x="539640" y="764640"/>
-            <a:ext cx="10742040" cy="492840"/>
+            <a:ext cx="10741680" cy="492480"/>
           </a:xfrm>
           <a:prstGeom prst="rect">
             <a:avLst/>
@@ -7293,7 +6528,7 @@
         <p:spPr>
           <a:xfrm>
             <a:off x="539640" y="1268280"/>
-            <a:ext cx="10742040" cy="5029560"/>
+            <a:ext cx="10741680" cy="5029200"/>
           </a:xfrm>
           <a:prstGeom prst="rect">
             <a:avLst/>
@@ -7314,19 +6549,13 @@
             <a:noAutofit/>
           </a:bodyPr>
           <a:p>
-            <a:pPr marL="216000" indent="-216000">
+            <a:pPr>
               <a:lnSpc>
                 <a:spcPct val="100000"/>
               </a:lnSpc>
               <a:spcBef>
                 <a:spcPts val="360"/>
               </a:spcBef>
-              <a:buClr>
-                <a:srgbClr val="008c4f"/>
-              </a:buClr>
-              <a:buSzPct val="45000"/>
-              <a:buFont typeface="DejaVu Sans"/>
-              <a:buChar char="◾"/>
             </a:pPr>
             <a:endParaRPr b="0" lang="en-US" sz="1800" spc="-1" strike="noStrike">
               <a:solidFill>
@@ -7758,7 +6987,7 @@
         <p:spPr>
           <a:xfrm>
             <a:off x="539640" y="764640"/>
-            <a:ext cx="10740600" cy="491400"/>
+            <a:ext cx="10740240" cy="491040"/>
           </a:xfrm>
           <a:prstGeom prst="rect">
             <a:avLst/>
@@ -7838,7 +7067,7 @@
         <p:spPr>
           <a:xfrm>
             <a:off x="539640" y="1268640"/>
-            <a:ext cx="10740600" cy="5028120"/>
+            <a:ext cx="10740240" cy="5027760"/>
           </a:xfrm>
           <a:prstGeom prst="rect">
             <a:avLst/>
@@ -7859,6 +7088,22 @@
             <a:noAutofit/>
           </a:bodyPr>
           <a:p>
+            <a:pPr>
+              <a:lnSpc>
+                <a:spcPct val="100000"/>
+              </a:lnSpc>
+              <a:spcBef>
+                <a:spcPts val="360"/>
+              </a:spcBef>
+            </a:pPr>
+            <a:endParaRPr b="0" lang="en-US" sz="1800" spc="-1" strike="noStrike">
+              <a:solidFill>
+                <a:srgbClr val="000000"/>
+              </a:solidFill>
+              <a:latin typeface="Arial"/>
+            </a:endParaRPr>
+          </a:p>
+          <a:p>
             <a:pPr marL="216000" indent="-216000">
               <a:lnSpc>
                 <a:spcPct val="100000"/>
@@ -7873,6 +7118,209 @@
               <a:buFont typeface="DejaVu Sans"/>
               <a:buChar char="◾"/>
             </a:pPr>
+            <a:r>
+              <a:rPr b="0" lang="en-GB" sz="1800" spc="-1" strike="noStrike" u="sng">
+                <a:solidFill>
+                  <a:srgbClr val="000000"/>
+                </a:solidFill>
+                <a:uFillTx/>
+                <a:latin typeface="DejaVu Sans"/>
+                <a:ea typeface="DejaVu Sans"/>
+              </a:rPr>
+              <a:t>Lecture:</a:t>
+            </a:r>
+            <a:endParaRPr b="0" lang="en-US" sz="1800" spc="-1" strike="noStrike">
+              <a:solidFill>
+                <a:srgbClr val="000000"/>
+              </a:solidFill>
+              <a:latin typeface="Arial"/>
+            </a:endParaRPr>
+          </a:p>
+          <a:p>
+            <a:pPr lvl="1" marL="432000" indent="-216000">
+              <a:lnSpc>
+                <a:spcPct val="100000"/>
+              </a:lnSpc>
+              <a:spcBef>
+                <a:spcPts val="360"/>
+              </a:spcBef>
+              <a:buClr>
+                <a:srgbClr val="008c4f"/>
+              </a:buClr>
+              <a:buSzPct val="60000"/>
+              <a:buFont typeface="DejaVu Sans"/>
+              <a:buChar char="—"/>
+            </a:pPr>
+            <a:r>
+              <a:rPr b="0" lang="en-GB" sz="1800" spc="-1" strike="noStrike">
+                <a:solidFill>
+                  <a:srgbClr val="000000"/>
+                </a:solidFill>
+                <a:latin typeface="DejaVu Sans"/>
+                <a:ea typeface="DejaVu Sans"/>
+              </a:rPr>
+              <a:t>Wednesday </a:t>
+            </a:r>
+            <a:r>
+              <a:rPr b="1" lang="en-GB" sz="1800" spc="-1" strike="noStrike">
+                <a:solidFill>
+                  <a:srgbClr val="000000"/>
+                </a:solidFill>
+                <a:latin typeface="DejaVu Sans"/>
+                <a:ea typeface="DejaVu Sans"/>
+              </a:rPr>
+              <a:t>2:15 pm to 3:45 pm</a:t>
+            </a:r>
+            <a:r>
+              <a:rPr b="0" lang="en-GB" sz="1800" spc="-1" strike="noStrike">
+                <a:solidFill>
+                  <a:srgbClr val="000000"/>
+                </a:solidFill>
+                <a:latin typeface="DejaVu Sans"/>
+                <a:ea typeface="DejaVu Sans"/>
+              </a:rPr>
+              <a:t> (Berlin time) – </a:t>
+            </a:r>
+            <a:r>
+              <a:rPr b="1" lang="en-GB" sz="1800" spc="-1" strike="noStrike">
+                <a:solidFill>
+                  <a:srgbClr val="000000"/>
+                </a:solidFill>
+                <a:latin typeface="DejaVu Sans"/>
+                <a:ea typeface="DejaVu Sans"/>
+              </a:rPr>
+              <a:t>02.11</a:t>
+            </a:r>
+            <a:r>
+              <a:rPr b="0" lang="en-GB" sz="1800" spc="-1" strike="noStrike">
+                <a:solidFill>
+                  <a:srgbClr val="000000"/>
+                </a:solidFill>
+                <a:latin typeface="DejaVu Sans"/>
+                <a:ea typeface="DejaVu Sans"/>
+              </a:rPr>
+              <a:t>.</a:t>
+            </a:r>
+            <a:r>
+              <a:rPr b="1" lang="en-GB" sz="1800" spc="-1" strike="noStrike">
+                <a:solidFill>
+                  <a:srgbClr val="000000"/>
+                </a:solidFill>
+                <a:latin typeface="DejaVu Sans"/>
+                <a:ea typeface="DejaVu Sans"/>
+              </a:rPr>
+              <a:t>2022</a:t>
+            </a:r>
+            <a:r>
+              <a:rPr b="0" lang="en-GB" sz="1800" spc="-1" strike="noStrike">
+                <a:solidFill>
+                  <a:srgbClr val="000000"/>
+                </a:solidFill>
+                <a:latin typeface="DejaVu Sans"/>
+                <a:ea typeface="DejaVu Sans"/>
+              </a:rPr>
+              <a:t> to </a:t>
+            </a:r>
+            <a:r>
+              <a:rPr b="1" lang="en-GB" sz="1800" spc="-1" strike="noStrike">
+                <a:solidFill>
+                  <a:srgbClr val="000000"/>
+                </a:solidFill>
+                <a:latin typeface="DejaVu Sans"/>
+                <a:ea typeface="DejaVu Sans"/>
+              </a:rPr>
+              <a:t>08.02</a:t>
+            </a:r>
+            <a:r>
+              <a:rPr b="0" lang="en-GB" sz="1800" spc="-1" strike="noStrike">
+                <a:solidFill>
+                  <a:srgbClr val="000000"/>
+                </a:solidFill>
+                <a:latin typeface="DejaVu Sans"/>
+                <a:ea typeface="DejaVu Sans"/>
+              </a:rPr>
+              <a:t>.</a:t>
+            </a:r>
+            <a:r>
+              <a:rPr b="1" lang="en-GB" sz="1800" spc="-1" strike="noStrike">
+                <a:solidFill>
+                  <a:srgbClr val="000000"/>
+                </a:solidFill>
+                <a:latin typeface="DejaVu Sans"/>
+                <a:ea typeface="DejaVu Sans"/>
+              </a:rPr>
+              <a:t>2023</a:t>
+            </a:r>
+            <a:endParaRPr b="0" lang="en-US" sz="1800" spc="-1" strike="noStrike">
+              <a:solidFill>
+                <a:srgbClr val="000000"/>
+              </a:solidFill>
+              <a:latin typeface="Arial"/>
+            </a:endParaRPr>
+          </a:p>
+          <a:p>
+            <a:pPr lvl="1" marL="432000" indent="-216000">
+              <a:lnSpc>
+                <a:spcPct val="100000"/>
+              </a:lnSpc>
+              <a:spcBef>
+                <a:spcPts val="360"/>
+              </a:spcBef>
+              <a:buClr>
+                <a:srgbClr val="008c4f"/>
+              </a:buClr>
+              <a:buSzPct val="60000"/>
+              <a:buFont typeface="DejaVu Sans"/>
+              <a:buChar char="—"/>
+            </a:pPr>
+            <a:r>
+              <a:rPr b="0" lang="en-GB" sz="1800" spc="-1" strike="noStrike">
+                <a:solidFill>
+                  <a:srgbClr val="000000"/>
+                </a:solidFill>
+                <a:latin typeface="DejaVu Sans"/>
+                <a:ea typeface="DejaVu Sans"/>
+              </a:rPr>
+              <a:t>Location: Goslar Gotec (Am Stollen 19 C, 38640 Goslar, Germany) or via BigBlueButton (</a:t>
+            </a:r>
+            <a:r>
+              <a:rPr b="0" lang="en-GB" sz="1800" spc="-1" strike="noStrike" u="sng">
+                <a:solidFill>
+                  <a:srgbClr val="0000ff"/>
+                </a:solidFill>
+                <a:uFillTx/>
+                <a:latin typeface="DejaVu Sans"/>
+                <a:ea typeface="DejaVu Sans"/>
+                <a:hlinkClick r:id="rId1"/>
+              </a:rPr>
+              <a:t>Link</a:t>
+            </a:r>
+            <a:r>
+              <a:rPr b="0" lang="en-GB" sz="1800" spc="-1" strike="noStrike">
+                <a:solidFill>
+                  <a:srgbClr val="000000"/>
+                </a:solidFill>
+                <a:latin typeface="DejaVu Sans"/>
+                <a:ea typeface="DejaVu Sans"/>
+              </a:rPr>
+              <a:t>)</a:t>
+            </a:r>
+            <a:endParaRPr b="0" lang="en-US" sz="1800" spc="-1" strike="noStrike">
+              <a:solidFill>
+                <a:srgbClr val="000000"/>
+              </a:solidFill>
+              <a:latin typeface="Arial"/>
+            </a:endParaRPr>
+          </a:p>
+          <a:p>
+            <a:pPr>
+              <a:lnSpc>
+                <a:spcPct val="100000"/>
+              </a:lnSpc>
+              <a:spcBef>
+                <a:spcPts val="360"/>
+              </a:spcBef>
+            </a:pPr>
             <a:endParaRPr b="0" lang="en-US" sz="1800" spc="-1" strike="noStrike">
               <a:solidFill>
                 <a:srgbClr val="000000"/>
@@ -7904,7 +7352,7 @@
                 <a:latin typeface="DejaVu Sans"/>
                 <a:ea typeface="DejaVu Sans"/>
               </a:rPr>
-              <a:t>Lecture:</a:t>
+              <a:t>Exercise / Q&amp;A:</a:t>
             </a:r>
             <a:endParaRPr b="0" lang="en-US" sz="1800" spc="-1" strike="noStrike">
               <a:solidFill>
@@ -7946,7 +7394,7 @@
                 <a:latin typeface="DejaVu Sans"/>
                 <a:ea typeface="DejaVu Sans"/>
               </a:rPr>
-              <a:t>2:15 pm to 3:45 pm</a:t>
+              <a:t>4 pm to 5:30 pm</a:t>
             </a:r>
             <a:r>
               <a:rPr b="0" lang="en-GB" sz="1800" spc="-1" strike="noStrike">
@@ -8058,238 +7506,7 @@
                 <a:latin typeface="DejaVu Sans"/>
                 <a:ea typeface="DejaVu Sans"/>
               </a:rPr>
-              <a:t>Location: Goslar Gotec (Am Stollen 19 C, 38640 Goslar, Germany) or via BigBlueButton (</a:t>
-            </a:r>
-            <a:r>
-              <a:rPr b="0" lang="en-GB" sz="1800" spc="-1" strike="noStrike" u="sng">
-                <a:solidFill>
-                  <a:srgbClr val="0000ff"/>
-                </a:solidFill>
-                <a:uFillTx/>
-                <a:latin typeface="DejaVu Sans"/>
-                <a:ea typeface="DejaVu Sans"/>
-                <a:hlinkClick r:id="rId1"/>
-              </a:rPr>
-              <a:t>Link</a:t>
-            </a:r>
-            <a:r>
-              <a:rPr b="0" lang="en-GB" sz="1800" spc="-1" strike="noStrike">
-                <a:solidFill>
-                  <a:srgbClr val="000000"/>
-                </a:solidFill>
-                <a:latin typeface="DejaVu Sans"/>
-                <a:ea typeface="DejaVu Sans"/>
-              </a:rPr>
-              <a:t>)</a:t>
-            </a:r>
-            <a:endParaRPr b="0" lang="en-US" sz="1800" spc="-1" strike="noStrike">
-              <a:solidFill>
-                <a:srgbClr val="000000"/>
-              </a:solidFill>
-              <a:latin typeface="Arial"/>
-            </a:endParaRPr>
-          </a:p>
-          <a:p>
-            <a:pPr marL="216000" indent="-216000">
-              <a:lnSpc>
-                <a:spcPct val="100000"/>
-              </a:lnSpc>
-              <a:spcBef>
-                <a:spcPts val="360"/>
-              </a:spcBef>
-              <a:buClr>
-                <a:srgbClr val="008c4f"/>
-              </a:buClr>
-              <a:buSzPct val="45000"/>
-              <a:buFont typeface="DejaVu Sans"/>
-              <a:buChar char="◾"/>
-            </a:pPr>
-            <a:endParaRPr b="0" lang="en-US" sz="1800" spc="-1" strike="noStrike">
-              <a:solidFill>
-                <a:srgbClr val="000000"/>
-              </a:solidFill>
-              <a:latin typeface="Arial"/>
-            </a:endParaRPr>
-          </a:p>
-          <a:p>
-            <a:pPr marL="216000" indent="-216000">
-              <a:lnSpc>
-                <a:spcPct val="100000"/>
-              </a:lnSpc>
-              <a:spcBef>
-                <a:spcPts val="360"/>
-              </a:spcBef>
-              <a:buClr>
-                <a:srgbClr val="008c4f"/>
-              </a:buClr>
-              <a:buSzPct val="45000"/>
-              <a:buFont typeface="DejaVu Sans"/>
-              <a:buChar char="◾"/>
-            </a:pPr>
-            <a:r>
-              <a:rPr b="0" lang="en-GB" sz="1800" spc="-1" strike="noStrike" u="sng">
-                <a:solidFill>
-                  <a:srgbClr val="000000"/>
-                </a:solidFill>
-                <a:uFillTx/>
-                <a:latin typeface="DejaVu Sans"/>
-                <a:ea typeface="DejaVu Sans"/>
-              </a:rPr>
-              <a:t>Exercise / Q&amp;A:</a:t>
-            </a:r>
-            <a:endParaRPr b="0" lang="en-US" sz="1800" spc="-1" strike="noStrike">
-              <a:solidFill>
-                <a:srgbClr val="000000"/>
-              </a:solidFill>
-              <a:latin typeface="Arial"/>
-            </a:endParaRPr>
-          </a:p>
-          <a:p>
-            <a:pPr lvl="1" marL="432000" indent="-216000">
-              <a:lnSpc>
-                <a:spcPct val="100000"/>
-              </a:lnSpc>
-              <a:spcBef>
-                <a:spcPts val="360"/>
-              </a:spcBef>
-              <a:buClr>
-                <a:srgbClr val="008c4f"/>
-              </a:buClr>
-              <a:buSzPct val="60000"/>
-              <a:buFont typeface="DejaVu Sans"/>
-              <a:buChar char="—"/>
-            </a:pPr>
-            <a:r>
-              <a:rPr b="0" lang="en-GB" sz="1800" spc="-1" strike="noStrike">
-                <a:solidFill>
-                  <a:srgbClr val="000000"/>
-                </a:solidFill>
-                <a:latin typeface="DejaVu Sans"/>
-                <a:ea typeface="DejaVu Sans"/>
-              </a:rPr>
-              <a:t>Wednesday </a:t>
-            </a:r>
-            <a:r>
-              <a:rPr b="1" lang="en-GB" sz="1800" spc="-1" strike="noStrike">
-                <a:solidFill>
-                  <a:srgbClr val="000000"/>
-                </a:solidFill>
-                <a:latin typeface="DejaVu Sans"/>
-                <a:ea typeface="DejaVu Sans"/>
-              </a:rPr>
-              <a:t>4 pm to 5:30 pm</a:t>
-            </a:r>
-            <a:r>
-              <a:rPr b="0" lang="en-GB" sz="1800" spc="-1" strike="noStrike">
-                <a:solidFill>
-                  <a:srgbClr val="000000"/>
-                </a:solidFill>
-                <a:latin typeface="DejaVu Sans"/>
-                <a:ea typeface="DejaVu Sans"/>
-              </a:rPr>
-              <a:t> (Berlin time) – </a:t>
-            </a:r>
-            <a:r>
-              <a:rPr b="1" lang="en-GB" sz="1800" spc="-1" strike="noStrike">
-                <a:solidFill>
-                  <a:srgbClr val="000000"/>
-                </a:solidFill>
-                <a:latin typeface="DejaVu Sans"/>
-                <a:ea typeface="DejaVu Sans"/>
-              </a:rPr>
-              <a:t>02.11</a:t>
-            </a:r>
-            <a:r>
-              <a:rPr b="0" lang="en-GB" sz="1800" spc="-1" strike="noStrike">
-                <a:solidFill>
-                  <a:srgbClr val="000000"/>
-                </a:solidFill>
-                <a:latin typeface="DejaVu Sans"/>
-                <a:ea typeface="DejaVu Sans"/>
-              </a:rPr>
-              <a:t>.</a:t>
-            </a:r>
-            <a:r>
-              <a:rPr b="1" lang="en-GB" sz="1800" spc="-1" strike="noStrike">
-                <a:solidFill>
-                  <a:srgbClr val="000000"/>
-                </a:solidFill>
-                <a:latin typeface="DejaVu Sans"/>
-                <a:ea typeface="DejaVu Sans"/>
-              </a:rPr>
-              <a:t>2022</a:t>
-            </a:r>
-            <a:r>
-              <a:rPr b="0" lang="en-GB" sz="1800" spc="-1" strike="noStrike">
-                <a:solidFill>
-                  <a:srgbClr val="000000"/>
-                </a:solidFill>
-                <a:latin typeface="DejaVu Sans"/>
-                <a:ea typeface="DejaVu Sans"/>
-              </a:rPr>
-              <a:t> to </a:t>
-            </a:r>
-            <a:r>
-              <a:rPr b="1" lang="en-GB" sz="1800" spc="-1" strike="noStrike">
-                <a:solidFill>
-                  <a:srgbClr val="000000"/>
-                </a:solidFill>
-                <a:latin typeface="DejaVu Sans"/>
-                <a:ea typeface="DejaVu Sans"/>
-              </a:rPr>
-              <a:t>08.02</a:t>
-            </a:r>
-            <a:r>
-              <a:rPr b="0" lang="en-GB" sz="1800" spc="-1" strike="noStrike">
-                <a:solidFill>
-                  <a:srgbClr val="000000"/>
-                </a:solidFill>
-                <a:latin typeface="DejaVu Sans"/>
-                <a:ea typeface="DejaVu Sans"/>
-              </a:rPr>
-              <a:t>.</a:t>
-            </a:r>
-            <a:r>
-              <a:rPr b="1" lang="en-GB" sz="1800" spc="-1" strike="noStrike">
-                <a:solidFill>
-                  <a:srgbClr val="000000"/>
-                </a:solidFill>
-                <a:latin typeface="DejaVu Sans"/>
-                <a:ea typeface="DejaVu Sans"/>
-              </a:rPr>
-              <a:t>2023</a:t>
-            </a:r>
-            <a:endParaRPr b="0" lang="en-US" sz="1800" spc="-1" strike="noStrike">
-              <a:solidFill>
-                <a:srgbClr val="000000"/>
-              </a:solidFill>
-              <a:latin typeface="Arial"/>
-            </a:endParaRPr>
-          </a:p>
-          <a:p>
-            <a:pPr lvl="1" marL="432000" indent="-216000">
-              <a:lnSpc>
-                <a:spcPct val="100000"/>
-              </a:lnSpc>
-              <a:spcBef>
-                <a:spcPts val="360"/>
-              </a:spcBef>
-              <a:buClr>
-                <a:srgbClr val="008c4f"/>
-              </a:buClr>
-              <a:buSzPct val="60000"/>
-              <a:buFont typeface="DejaVu Sans"/>
-              <a:buChar char="—"/>
-            </a:pPr>
-            <a:r>
-              <a:rPr b="0" lang="en-GB" sz="1800" spc="-1" strike="noStrike">
-                <a:solidFill>
-                  <a:srgbClr val="000000"/>
-                </a:solidFill>
-                <a:latin typeface="DejaVu Sans"/>
-                <a:ea typeface="DejaVu Sans"/>
-              </a:rPr>
-              <a:t>Location: Goslar Gotec (Am Stollen 19 C, 38640 Goslar, Germany) or via BigBlueButton (</a:t>
+              <a:t>Only via BigBlueButton (</a:t>
             </a:r>
             <a:r>
               <a:rPr b="0" lang="en-GB" sz="1800" spc="-1" strike="noStrike" u="sng">
@@ -8361,7 +7578,7 @@
         <p:spPr>
           <a:xfrm>
             <a:off x="539640" y="764640"/>
-            <a:ext cx="10748880" cy="499680"/>
+            <a:ext cx="10748520" cy="499320"/>
           </a:xfrm>
           <a:prstGeom prst="rect">
             <a:avLst/>
@@ -8415,7 +7632,7 @@
         <p:spPr>
           <a:xfrm>
             <a:off x="539640" y="1268280"/>
-            <a:ext cx="10748880" cy="5036400"/>
+            <a:ext cx="10748520" cy="5036040"/>
           </a:xfrm>
           <a:prstGeom prst="rect">
             <a:avLst/>
@@ -8436,10 +7653,26 @@
             <a:noAutofit/>
           </a:bodyPr>
           <a:p>
+            <a:pPr>
+              <a:lnSpc>
+                <a:spcPct val="100000"/>
+              </a:lnSpc>
+            </a:pPr>
+            <a:endParaRPr b="0" lang="en-US" sz="1800" spc="-1" strike="noStrike">
+              <a:solidFill>
+                <a:srgbClr val="000000"/>
+              </a:solidFill>
+              <a:latin typeface="Arial"/>
+            </a:endParaRPr>
+          </a:p>
+          <a:p>
             <a:pPr marL="216000" indent="-216000">
               <a:lnSpc>
                 <a:spcPct val="100000"/>
               </a:lnSpc>
+              <a:spcBef>
+                <a:spcPts val="360"/>
+              </a:spcBef>
               <a:buClr>
                 <a:srgbClr val="008c4f"/>
               </a:buClr>
@@ -8447,28 +7680,6 @@
               <a:buFont typeface="DejaVu Sans"/>
               <a:buChar char="◾"/>
             </a:pPr>
-            <a:endParaRPr b="0" lang="en-US" sz="1800" spc="-1" strike="noStrike">
-              <a:solidFill>
-                <a:srgbClr val="000000"/>
-              </a:solidFill>
-              <a:latin typeface="Arial"/>
-            </a:endParaRPr>
-          </a:p>
-          <a:p>
-            <a:pPr marL="216000" indent="-216000">
-              <a:lnSpc>
-                <a:spcPct val="100000"/>
-              </a:lnSpc>
-              <a:spcBef>
-                <a:spcPts val="360"/>
-              </a:spcBef>
-              <a:buClr>
-                <a:srgbClr val="008c4f"/>
-              </a:buClr>
-              <a:buSzPct val="45000"/>
-              <a:buFont typeface="DejaVu Sans"/>
-              <a:buChar char="◾"/>
-            </a:pPr>
             <a:r>
               <a:rPr b="0" lang="en-GB" sz="1800" spc="-1" strike="noStrike">
                 <a:solidFill>
@@ -8667,7 +7878,7 @@
             </a:endParaRPr>
           </a:p>
           <a:p>
-            <a:pPr marL="360" algn="ctr">
+            <a:pPr marL="360" indent="-216000" algn="ctr">
               <a:lnSpc>
                 <a:spcPct val="100000"/>
               </a:lnSpc>
@@ -8749,7 +7960,7 @@
         <p:spPr>
           <a:xfrm>
             <a:off x="539640" y="764640"/>
-            <a:ext cx="10742040" cy="492840"/>
+            <a:ext cx="10741680" cy="492480"/>
           </a:xfrm>
           <a:prstGeom prst="rect">
             <a:avLst/>
@@ -8803,7 +8014,7 @@
         <p:spPr>
           <a:xfrm>
             <a:off x="539640" y="1268280"/>
-            <a:ext cx="10742040" cy="5029560"/>
+            <a:ext cx="10741680" cy="5029200"/>
           </a:xfrm>
           <a:prstGeom prst="rect">
             <a:avLst/>
@@ -9019,7 +8230,7 @@
         <p:spPr>
           <a:xfrm>
             <a:off x="539640" y="764640"/>
-            <a:ext cx="10742040" cy="492840"/>
+            <a:ext cx="10741680" cy="492480"/>
           </a:xfrm>
           <a:prstGeom prst="rect">
             <a:avLst/>
@@ -9073,7 +8284,7 @@
         <p:spPr>
           <a:xfrm>
             <a:off x="698760" y="1316880"/>
-            <a:ext cx="10360800" cy="475920"/>
+            <a:ext cx="10360440" cy="475560"/>
           </a:xfrm>
           <a:prstGeom prst="rect">
             <a:avLst/>
@@ -9113,7 +8324,7 @@
               <a:solidFill>
                 <a:srgbClr val="000000"/>
               </a:solidFill>
-              <a:latin typeface="DejaVu Sans"/>
+              <a:latin typeface="Arial"/>
             </a:endParaRPr>
           </a:p>
         </p:txBody>
@@ -9181,7 +8392,7 @@
         <p:spPr>
           <a:xfrm>
             <a:off x="2057400" y="2111400"/>
-            <a:ext cx="7314480" cy="4059720"/>
+            <a:ext cx="7314120" cy="4059360"/>
           </a:xfrm>
           <a:prstGeom prst="rect">
             <a:avLst/>
@@ -9230,7 +8441,7 @@
         <p:spPr>
           <a:xfrm>
             <a:off x="539640" y="764640"/>
-            <a:ext cx="10742040" cy="492840"/>
+            <a:ext cx="10741680" cy="492480"/>
           </a:xfrm>
           <a:prstGeom prst="rect">
             <a:avLst/>
@@ -9284,7 +8495,7 @@
         <p:spPr>
           <a:xfrm>
             <a:off x="698760" y="1316880"/>
-            <a:ext cx="5443560" cy="440640"/>
+            <a:ext cx="5443200" cy="440280"/>
           </a:xfrm>
           <a:prstGeom prst="rect">
             <a:avLst/>
@@ -9335,7 +8546,7 @@
               <a:solidFill>
                 <a:srgbClr val="000000"/>
               </a:solidFill>
-              <a:latin typeface="DejaVu Sans"/>
+              <a:latin typeface="Arial"/>
             </a:endParaRPr>
           </a:p>
         </p:txBody>
@@ -9353,7 +8564,7 @@
         <p:spPr>
           <a:xfrm>
             <a:off x="2513520" y="1828800"/>
-            <a:ext cx="6858360" cy="4737240"/>
+            <a:ext cx="6858000" cy="4736880"/>
           </a:xfrm>
           <a:prstGeom prst="rect">
             <a:avLst/>
@@ -9402,7 +8613,7 @@
         <p:spPr>
           <a:xfrm>
             <a:off x="539640" y="764640"/>
-            <a:ext cx="10742040" cy="492840"/>
+            <a:ext cx="10741680" cy="492480"/>
           </a:xfrm>
           <a:prstGeom prst="rect">
             <a:avLst/>
@@ -9456,7 +8667,7 @@
         <p:spPr>
           <a:xfrm>
             <a:off x="698760" y="1316880"/>
-            <a:ext cx="5214960" cy="440640"/>
+            <a:ext cx="5214600" cy="440280"/>
           </a:xfrm>
           <a:prstGeom prst="rect">
             <a:avLst/>
@@ -9514,7 +8725,7 @@
         <p:spPr>
           <a:xfrm>
             <a:off x="1600200" y="2073600"/>
-            <a:ext cx="7699680" cy="3755520"/>
+            <a:ext cx="7699320" cy="3755160"/>
           </a:xfrm>
           <a:prstGeom prst="rect">
             <a:avLst/>
@@ -9568,7 +8779,7 @@
         <p:spPr>
           <a:xfrm>
             <a:off x="937800" y="3069000"/>
-            <a:ext cx="8868960" cy="2921040"/>
+            <a:ext cx="8868600" cy="2920680"/>
           </a:xfrm>
           <a:prstGeom prst="rect">
             <a:avLst/>
@@ -9587,7 +8798,7 @@
         <p:spPr>
           <a:xfrm>
             <a:off x="539640" y="764640"/>
-            <a:ext cx="10742040" cy="492840"/>
+            <a:ext cx="10741680" cy="492480"/>
           </a:xfrm>
           <a:prstGeom prst="rect">
             <a:avLst/>
@@ -9627,7 +8838,7 @@
               <a:solidFill>
                 <a:srgbClr val="000000"/>
               </a:solidFill>
-              <a:latin typeface="DejaVu Sans"/>
+              <a:latin typeface="Arial"/>
             </a:endParaRPr>
           </a:p>
         </p:txBody>
@@ -9641,7 +8852,7 @@
         <p:spPr>
           <a:xfrm>
             <a:off x="698760" y="1312200"/>
-            <a:ext cx="1731960" cy="363240"/>
+            <a:ext cx="1731600" cy="362880"/>
           </a:xfrm>
           <a:prstGeom prst="rect">
             <a:avLst/>
@@ -9681,7 +8892,7 @@
               <a:solidFill>
                 <a:srgbClr val="000000"/>
               </a:solidFill>
-              <a:latin typeface="DejaVu Sans"/>
+              <a:latin typeface="Arial"/>
             </a:endParaRPr>
           </a:p>
           <a:p>
@@ -9694,7 +8905,7 @@
               <a:solidFill>
                 <a:srgbClr val="000000"/>
               </a:solidFill>
-              <a:latin typeface="DejaVu Sans"/>
+              <a:latin typeface="Arial"/>
             </a:endParaRPr>
           </a:p>
           <a:p>
@@ -9707,7 +8918,7 @@
               <a:solidFill>
                 <a:srgbClr val="000000"/>
               </a:solidFill>
-              <a:latin typeface="DejaVu Sans"/>
+              <a:latin typeface="Arial"/>
             </a:endParaRPr>
           </a:p>
         </p:txBody>
@@ -9747,7 +8958,7 @@
           <a:fontRef idx="minor"/>
         </p:style>
         <p:txBody>
-          <a:bodyPr lIns="90000" rIns="90000" tIns="180000" bIns="180000" anchor="t" anchorCtr="1">
+          <a:bodyPr lIns="90000" rIns="90000" tIns="310320" bIns="310320" anchor="t" anchorCtr="1">
             <a:noAutofit/>
           </a:bodyPr>
           <a:p>
@@ -9796,7 +9007,7 @@
           <a:fontRef idx="minor"/>
         </p:style>
         <p:txBody>
-          <a:bodyPr lIns="90000" rIns="90000" tIns="180000" bIns="180000" anchor="t" anchorCtr="1">
+          <a:bodyPr lIns="90000" rIns="90000" tIns="310320" bIns="310320" anchor="t" anchorCtr="1">
             <a:noAutofit/>
           </a:bodyPr>
           <a:p>
@@ -9868,7 +9079,7 @@
         <p:spPr>
           <a:xfrm>
             <a:off x="846720" y="1679400"/>
-            <a:ext cx="8297280" cy="1187640"/>
+            <a:ext cx="8296920" cy="1186920"/>
           </a:xfrm>
           <a:prstGeom prst="rect">
             <a:avLst/>
@@ -9908,7 +9119,7 @@
               <a:solidFill>
                 <a:srgbClr val="000000"/>
               </a:solidFill>
-              <a:latin typeface="DejaVu Sans"/>
+              <a:latin typeface="Arial"/>
             </a:endParaRPr>
           </a:p>
           <a:p>
@@ -9931,7 +9142,7 @@
               <a:solidFill>
                 <a:srgbClr val="000000"/>
               </a:solidFill>
-              <a:latin typeface="DejaVu Sans"/>
+              <a:latin typeface="Arial"/>
             </a:endParaRPr>
           </a:p>
           <a:p>
@@ -9954,7 +9165,7 @@
               <a:solidFill>
                 <a:srgbClr val="000000"/>
               </a:solidFill>
-              <a:latin typeface="DejaVu Sans"/>
+              <a:latin typeface="Arial"/>
             </a:endParaRPr>
           </a:p>
           <a:p>
@@ -9977,7 +9188,7 @@
               <a:solidFill>
                 <a:srgbClr val="000000"/>
               </a:solidFill>
-              <a:latin typeface="DejaVu Sans"/>
+              <a:latin typeface="Arial"/>
             </a:endParaRPr>
           </a:p>
         </p:txBody>
@@ -9991,7 +9202,7 @@
         <p:spPr>
           <a:xfrm>
             <a:off x="7839360" y="1679400"/>
-            <a:ext cx="2613960" cy="426600"/>
+            <a:ext cx="2613600" cy="426240"/>
           </a:xfrm>
           <a:prstGeom prst="rect">
             <a:avLst/>
@@ -10036,7 +9247,7 @@
         <p:spPr>
           <a:xfrm>
             <a:off x="9109440" y="3583440"/>
-            <a:ext cx="278640" cy="363960"/>
+            <a:ext cx="278280" cy="363960"/>
           </a:xfrm>
           <a:prstGeom prst="rect">
             <a:avLst/>
@@ -10090,7 +9301,7 @@
         <p:spPr>
           <a:xfrm>
             <a:off x="9789840" y="4188960"/>
-            <a:ext cx="278640" cy="363960"/>
+            <a:ext cx="278280" cy="363960"/>
           </a:xfrm>
           <a:prstGeom prst="rect">
             <a:avLst/>
@@ -10144,7 +9355,7 @@
         <p:spPr>
           <a:xfrm>
             <a:off x="7531920" y="5741280"/>
-            <a:ext cx="279000" cy="363960"/>
+            <a:ext cx="278640" cy="363960"/>
           </a:xfrm>
           <a:prstGeom prst="rect">
             <a:avLst/>
@@ -10247,7 +9458,7 @@
         <p:spPr>
           <a:xfrm>
             <a:off x="1310760" y="5770800"/>
-            <a:ext cx="279000" cy="363960"/>
+            <a:ext cx="278640" cy="363960"/>
           </a:xfrm>
           <a:prstGeom prst="rect">
             <a:avLst/>
@@ -10331,7 +9542,7 @@
         <p:spPr>
           <a:xfrm>
             <a:off x="539640" y="764640"/>
-            <a:ext cx="10748880" cy="499680"/>
+            <a:ext cx="10748520" cy="499320"/>
           </a:xfrm>
           <a:prstGeom prst="rect">
             <a:avLst/>
@@ -10385,7 +9596,7 @@
         <p:spPr>
           <a:xfrm>
             <a:off x="539640" y="1268640"/>
-            <a:ext cx="10748880" cy="5036400"/>
+            <a:ext cx="10748520" cy="5036040"/>
           </a:xfrm>
           <a:prstGeom prst="rect">
             <a:avLst/>
@@ -10585,19 +9796,13 @@
             </a:endParaRPr>
           </a:p>
           <a:p>
-            <a:pPr marL="216000" indent="-216000">
+            <a:pPr>
               <a:lnSpc>
                 <a:spcPct val="100000"/>
               </a:lnSpc>
               <a:spcBef>
                 <a:spcPts val="360"/>
               </a:spcBef>
-              <a:buClr>
-                <a:srgbClr val="008c4f"/>
-              </a:buClr>
-              <a:buSzPct val="45000"/>
-              <a:buFont typeface="DejaVu Sans"/>
-              <a:buChar char="◾"/>
             </a:pPr>
             <a:endParaRPr b="0" lang="en-US" sz="1800" spc="-1" strike="noStrike">
               <a:solidFill>
@@ -10743,7 +9948,7 @@
         <p:spPr>
           <a:xfrm>
             <a:off x="539640" y="764640"/>
-            <a:ext cx="10748880" cy="499680"/>
+            <a:ext cx="10748520" cy="499320"/>
           </a:xfrm>
           <a:prstGeom prst="rect">
             <a:avLst/>
@@ -10801,7 +10006,7 @@
         <p:spPr>
           <a:xfrm>
             <a:off x="2684520" y="1323360"/>
-            <a:ext cx="1471680" cy="2172960"/>
+            <a:ext cx="1471320" cy="2172600"/>
           </a:xfrm>
           <a:prstGeom prst="rect">
             <a:avLst/>
@@ -10824,7 +10029,7 @@
         <p:spPr>
           <a:xfrm>
             <a:off x="7269840" y="1716120"/>
-            <a:ext cx="1785600" cy="1777680"/>
+            <a:ext cx="1785240" cy="1777320"/>
           </a:xfrm>
           <a:prstGeom prst="rect">
             <a:avLst/>
@@ -10843,7 +10048,7 @@
         <p:spPr>
           <a:xfrm>
             <a:off x="1620000" y="3439440"/>
-            <a:ext cx="3636360" cy="677880"/>
+            <a:ext cx="3636000" cy="677520"/>
           </a:xfrm>
           <a:prstGeom prst="rect">
             <a:avLst/>
@@ -10900,7 +10105,7 @@
         <p:spPr>
           <a:xfrm>
             <a:off x="6322680" y="3460320"/>
-            <a:ext cx="3636360" cy="677880"/>
+            <a:ext cx="3636000" cy="677520"/>
           </a:xfrm>
           <a:prstGeom prst="rect">
             <a:avLst/>
@@ -10961,7 +10166,7 @@
         <p:spPr>
           <a:xfrm>
             <a:off x="4845960" y="4206240"/>
-            <a:ext cx="1778760" cy="1770840"/>
+            <a:ext cx="1778400" cy="1770480"/>
           </a:xfrm>
           <a:prstGeom prst="rect">
             <a:avLst/>
@@ -10980,7 +10185,7 @@
         <p:spPr>
           <a:xfrm>
             <a:off x="1311840" y="5920200"/>
-            <a:ext cx="3629520" cy="671040"/>
+            <a:ext cx="3629160" cy="670680"/>
           </a:xfrm>
           <a:prstGeom prst="rect">
             <a:avLst/>
@@ -11025,7 +10230,7 @@
         <p:spPr>
           <a:xfrm>
             <a:off x="3950280" y="5903280"/>
-            <a:ext cx="3629520" cy="671040"/>
+            <a:ext cx="3629160" cy="670680"/>
           </a:xfrm>
           <a:prstGeom prst="rect">
             <a:avLst/>
@@ -11112,7 +10317,7 @@
         <p:spPr>
           <a:xfrm>
             <a:off x="539640" y="764640"/>
-            <a:ext cx="10748880" cy="499680"/>
+            <a:ext cx="10748520" cy="499320"/>
           </a:xfrm>
           <a:prstGeom prst="rect">
             <a:avLst/>
@@ -11166,7 +10371,7 @@
         <p:spPr>
           <a:xfrm>
             <a:off x="539640" y="1268280"/>
-            <a:ext cx="10748880" cy="5036400"/>
+            <a:ext cx="10748520" cy="5036040"/>
           </a:xfrm>
           <a:prstGeom prst="rect">
             <a:avLst/>
@@ -11313,7 +10518,7 @@
         <p:spPr>
           <a:xfrm>
             <a:off x="6489720" y="2132640"/>
-            <a:ext cx="518400" cy="498240"/>
+            <a:ext cx="518040" cy="497880"/>
           </a:xfrm>
           <a:prstGeom prst="star5">
             <a:avLst>
@@ -11374,7 +10579,7 @@
         <p:spPr>
           <a:xfrm>
             <a:off x="4294080" y="2247480"/>
-            <a:ext cx="2286720" cy="363960"/>
+            <a:ext cx="2286360" cy="363960"/>
           </a:xfrm>
           <a:prstGeom prst="rect">
             <a:avLst/>
@@ -11458,7 +10663,7 @@
         <p:spPr>
           <a:xfrm>
             <a:off x="539640" y="764640"/>
-            <a:ext cx="10748880" cy="499680"/>
+            <a:ext cx="10748520" cy="499320"/>
           </a:xfrm>
           <a:prstGeom prst="rect">
             <a:avLst/>
@@ -11512,7 +10717,7 @@
         <p:spPr>
           <a:xfrm>
             <a:off x="539640" y="1268640"/>
-            <a:ext cx="10748880" cy="5036400"/>
+            <a:ext cx="10748520" cy="5036040"/>
           </a:xfrm>
           <a:prstGeom prst="rect">
             <a:avLst/>
@@ -11869,7 +11074,7 @@
         <p:spPr>
           <a:xfrm>
             <a:off x="335520" y="1268640"/>
-            <a:ext cx="10748880" cy="5036400"/>
+            <a:ext cx="10748520" cy="5036040"/>
           </a:xfrm>
           <a:prstGeom prst="rect">
             <a:avLst/>
@@ -11929,7 +11134,7 @@
         <p:spPr>
           <a:xfrm>
             <a:off x="335520" y="764640"/>
-            <a:ext cx="10748880" cy="499680"/>
+            <a:ext cx="10748520" cy="499320"/>
           </a:xfrm>
           <a:prstGeom prst="rect">
             <a:avLst/>
@@ -12004,7 +11209,7 @@
         <p:spPr>
           <a:xfrm>
             <a:off x="542880" y="721800"/>
-            <a:ext cx="10354680" cy="495360"/>
+            <a:ext cx="10354320" cy="495000"/>
           </a:xfrm>
           <a:prstGeom prst="rect">
             <a:avLst/>
@@ -12058,7 +11263,7 @@
         <p:spPr>
           <a:xfrm>
             <a:off x="451800" y="1709280"/>
-            <a:ext cx="8222040" cy="4350240"/>
+            <a:ext cx="8221680" cy="4349880"/>
           </a:xfrm>
           <a:prstGeom prst="rect">
             <a:avLst/>
@@ -12103,7 +11308,7 @@
         <p:spPr>
           <a:xfrm>
             <a:off x="609480" y="1769400"/>
-            <a:ext cx="10585080" cy="4853160"/>
+            <a:ext cx="10584720" cy="4852800"/>
           </a:xfrm>
           <a:prstGeom prst="rect">
             <a:avLst/>
@@ -12554,7 +11759,7 @@
         <p:spPr>
           <a:xfrm>
             <a:off x="542880" y="721800"/>
-            <a:ext cx="10354680" cy="495360"/>
+            <a:ext cx="10354320" cy="495000"/>
           </a:xfrm>
           <a:prstGeom prst="rect">
             <a:avLst/>
@@ -12608,7 +11813,7 @@
         <p:spPr>
           <a:xfrm>
             <a:off x="451800" y="1709280"/>
-            <a:ext cx="8222040" cy="4350240"/>
+            <a:ext cx="8221680" cy="4349880"/>
           </a:xfrm>
           <a:prstGeom prst="rect">
             <a:avLst/>
@@ -12653,7 +11858,7 @@
         <p:spPr>
           <a:xfrm>
             <a:off x="609480" y="1769400"/>
-            <a:ext cx="10585080" cy="4853160"/>
+            <a:ext cx="10584720" cy="4852800"/>
           </a:xfrm>
           <a:prstGeom prst="rect">
             <a:avLst/>
@@ -12846,12 +12051,31 @@
             </a:endParaRPr>
           </a:p>
           <a:p>
-            <a:pPr marL="228600" indent="-228240">
+            <a:pPr>
               <a:lnSpc>
                 <a:spcPct val="90000"/>
               </a:lnSpc>
               <a:spcBef>
                 <a:spcPts val="1417"/>
+              </a:spcBef>
+              <a:tabLst>
+                <a:tab algn="l" pos="0"/>
+              </a:tabLst>
+            </a:pPr>
+            <a:endParaRPr b="0" lang="en-US" sz="1800" spc="-1" strike="noStrike">
+              <a:solidFill>
+                <a:srgbClr val="000000"/>
+              </a:solidFill>
+              <a:latin typeface="Arial"/>
+            </a:endParaRPr>
+          </a:p>
+          <a:p>
+            <a:pPr marL="216000" indent="-216000">
+              <a:lnSpc>
+                <a:spcPct val="90000"/>
+              </a:lnSpc>
+              <a:spcBef>
+                <a:spcPts val="1009"/>
               </a:spcBef>
               <a:buClr>
                 <a:srgbClr val="008c4f"/>
@@ -12863,31 +12087,6 @@
                 <a:tab algn="l" pos="0"/>
               </a:tabLst>
             </a:pPr>
-            <a:endParaRPr b="0" lang="en-US" sz="1800" spc="-1" strike="noStrike">
-              <a:solidFill>
-                <a:srgbClr val="000000"/>
-              </a:solidFill>
-              <a:latin typeface="Arial"/>
-            </a:endParaRPr>
-          </a:p>
-          <a:p>
-            <a:pPr marL="216000" indent="-216000">
-              <a:lnSpc>
-                <a:spcPct val="90000"/>
-              </a:lnSpc>
-              <a:spcBef>
-                <a:spcPts val="1009"/>
-              </a:spcBef>
-              <a:buClr>
-                <a:srgbClr val="008c4f"/>
-              </a:buClr>
-              <a:buSzPct val="45000"/>
-              <a:buFont typeface="DejaVu Sans"/>
-              <a:buChar char="◾"/>
-              <a:tabLst>
-                <a:tab algn="l" pos="0"/>
-              </a:tabLst>
-            </a:pPr>
             <a:r>
               <a:rPr b="0" lang="en-GB" sz="2000" spc="-1" strike="noStrike">
                 <a:solidFill>
@@ -13020,19 +12219,13 @@
             </a:endParaRPr>
           </a:p>
           <a:p>
-            <a:pPr marL="228600" indent="-228240">
+            <a:pPr>
               <a:lnSpc>
                 <a:spcPct val="90000"/>
               </a:lnSpc>
               <a:spcBef>
                 <a:spcPts val="1417"/>
               </a:spcBef>
-              <a:buClr>
-                <a:srgbClr val="008c4f"/>
-              </a:buClr>
-              <a:buSzPct val="45000"/>
-              <a:buFont typeface="DejaVu Sans"/>
-              <a:buChar char="◾"/>
               <a:tabLst>
                 <a:tab algn="l" pos="0"/>
               </a:tabLst>
@@ -13165,7 +12358,7 @@
         <p:spPr>
           <a:xfrm>
             <a:off x="542880" y="721800"/>
-            <a:ext cx="10354680" cy="495360"/>
+            <a:ext cx="10354320" cy="495000"/>
           </a:xfrm>
           <a:prstGeom prst="rect">
             <a:avLst/>
@@ -13219,7 +12412,7 @@
         <p:spPr>
           <a:xfrm>
             <a:off x="451800" y="1709280"/>
-            <a:ext cx="8222040" cy="4350240"/>
+            <a:ext cx="8221680" cy="4349880"/>
           </a:xfrm>
           <a:prstGeom prst="rect">
             <a:avLst/>
@@ -13264,7 +12457,7 @@
         <p:spPr>
           <a:xfrm>
             <a:off x="609480" y="1769400"/>
-            <a:ext cx="10585080" cy="4853160"/>
+            <a:ext cx="10584720" cy="4852800"/>
           </a:xfrm>
           <a:prstGeom prst="rect">
             <a:avLst/>
@@ -13613,7 +12806,7 @@
         <p:spPr>
           <a:xfrm>
             <a:off x="542880" y="721800"/>
-            <a:ext cx="10354680" cy="495360"/>
+            <a:ext cx="10354320" cy="495000"/>
           </a:xfrm>
           <a:prstGeom prst="rect">
             <a:avLst/>
@@ -13667,7 +12860,7 @@
         <p:spPr>
           <a:xfrm>
             <a:off x="451800" y="1709280"/>
-            <a:ext cx="8222040" cy="4350240"/>
+            <a:ext cx="8221680" cy="4349880"/>
           </a:xfrm>
           <a:prstGeom prst="rect">
             <a:avLst/>
@@ -13712,7 +12905,7 @@
         <p:spPr>
           <a:xfrm>
             <a:off x="609480" y="1769400"/>
-            <a:ext cx="10585080" cy="4853160"/>
+            <a:ext cx="10584720" cy="4852800"/>
           </a:xfrm>
           <a:prstGeom prst="rect">
             <a:avLst/>
@@ -13917,7 +13110,7 @@
         <p:spPr>
           <a:xfrm>
             <a:off x="539640" y="764640"/>
-            <a:ext cx="10748880" cy="499680"/>
+            <a:ext cx="10748520" cy="499320"/>
           </a:xfrm>
           <a:prstGeom prst="rect">
             <a:avLst/>
@@ -13971,7 +13164,7 @@
         <p:spPr>
           <a:xfrm>
             <a:off x="539640" y="1268280"/>
-            <a:ext cx="10748880" cy="5036400"/>
+            <a:ext cx="10748520" cy="5036040"/>
           </a:xfrm>
           <a:prstGeom prst="rect">
             <a:avLst/>
@@ -14044,19 +13237,13 @@
             </a:endParaRPr>
           </a:p>
           <a:p>
-            <a:pPr marL="216000" indent="-216000">
+            <a:pPr>
               <a:lnSpc>
                 <a:spcPct val="100000"/>
               </a:lnSpc>
               <a:spcBef>
                 <a:spcPts val="360"/>
               </a:spcBef>
-              <a:buClr>
-                <a:srgbClr val="008c4f"/>
-              </a:buClr>
-              <a:buSzPct val="45000"/>
-              <a:buFont typeface="DejaVu Sans"/>
-              <a:buChar char="◾"/>
             </a:pPr>
             <a:endParaRPr b="0" lang="en-US" sz="1800" spc="-1" strike="noStrike">
               <a:solidFill>
@@ -14138,7 +13325,7 @@
         <p:spPr>
           <a:xfrm>
             <a:off x="542880" y="721800"/>
-            <a:ext cx="10357560" cy="498240"/>
+            <a:ext cx="10357200" cy="497880"/>
           </a:xfrm>
           <a:prstGeom prst="rect">
             <a:avLst/>
@@ -14196,7 +13383,7 @@
         <p:spPr>
           <a:xfrm>
             <a:off x="542880" y="2387520"/>
-            <a:ext cx="10102680" cy="2080080"/>
+            <a:ext cx="10102320" cy="2079720"/>
           </a:xfrm>
           <a:prstGeom prst="rect">
             <a:avLst/>
@@ -14245,7 +13432,7 @@
         <p:spPr>
           <a:xfrm>
             <a:off x="539640" y="764640"/>
-            <a:ext cx="10742040" cy="492840"/>
+            <a:ext cx="10741680" cy="492480"/>
           </a:xfrm>
           <a:prstGeom prst="rect">
             <a:avLst/>
@@ -14299,7 +13486,7 @@
         <p:spPr>
           <a:xfrm>
             <a:off x="539640" y="1268640"/>
-            <a:ext cx="10742040" cy="5029560"/>
+            <a:ext cx="10741680" cy="5029200"/>
           </a:xfrm>
           <a:prstGeom prst="rect">
             <a:avLst/>

--- a/Requirements-Engineering/RE-L00-Organization.pptx
+++ b/Requirements-Engineering/RE-L00-Organization.pptx
@@ -361,7 +361,7 @@
             <a:pPr indent="0" algn="r">
               <a:buNone/>
             </a:pPr>
-            <a:fld id="{452BB564-69B1-497D-9407-52905F72E664}" type="slidenum">
+            <a:fld id="{8CDF1CCD-7444-464F-B5F5-3C1ADABB8A90}" type="slidenum">
               <a:rPr b="0" lang="en-US" sz="1400" spc="-1" strike="noStrike">
                 <a:solidFill>
                   <a:srgbClr val="000000"/>
@@ -500,7 +500,7 @@
                 <a:spcPct val="100000"/>
               </a:lnSpc>
             </a:pPr>
-            <a:fld id="{4FD15DD2-E033-4D19-96B2-2289E2C56DFC}" type="slidenum">
+            <a:fld id="{336D1B9D-D691-4415-BD26-AA437D5FDB49}" type="slidenum">
               <a:rPr b="0" lang="en-GB" sz="1800" spc="-1" strike="noStrike">
                 <a:solidFill>
                   <a:srgbClr val="000000"/>
@@ -508,7 +508,7 @@
                 <a:latin typeface="+mn-lt"/>
                 <a:ea typeface="+mn-ea"/>
               </a:rPr>
-              <a:t>&lt;number&gt;</a:t>
+              <a:t>6</a:t>
             </a:fld>
             <a:endParaRPr b="0" lang="en-US" sz="1800" spc="-1" strike="noStrike">
               <a:solidFill>
@@ -639,7 +639,7 @@
                 <a:spcPct val="100000"/>
               </a:lnSpc>
             </a:pPr>
-            <a:fld id="{F80090E1-6F21-46D2-8303-0D6301D4F875}" type="slidenum">
+            <a:fld id="{92350BD9-EE2C-4292-945E-FA0489128349}" type="slidenum">
               <a:rPr b="0" lang="en-GB" sz="1800" spc="-1" strike="noStrike">
                 <a:solidFill>
                   <a:srgbClr val="000000"/>
@@ -647,7 +647,7 @@
                 <a:latin typeface="+mn-lt"/>
                 <a:ea typeface="+mn-ea"/>
               </a:rPr>
-              <a:t>&lt;number&gt;</a:t>
+              <a:t>6</a:t>
             </a:fld>
             <a:endParaRPr b="0" lang="en-US" sz="1800" spc="-1" strike="noStrike">
               <a:solidFill>
@@ -778,7 +778,7 @@
                 <a:spcPct val="100000"/>
               </a:lnSpc>
             </a:pPr>
-            <a:fld id="{E3621469-01A3-4422-851B-F2B4C8ADF5CB}" type="slidenum">
+            <a:fld id="{03208CA3-0788-4F74-B3D0-56528ED5AF1C}" type="slidenum">
               <a:rPr b="0" lang="en-GB" sz="1800" spc="-1" strike="noStrike">
                 <a:solidFill>
                   <a:srgbClr val="000000"/>
@@ -917,7 +917,7 @@
                 <a:spcPct val="100000"/>
               </a:lnSpc>
             </a:pPr>
-            <a:fld id="{5CE52C95-3F83-4C71-ACEC-6A4D2D450492}" type="slidenum">
+            <a:fld id="{E9AB138B-4DF3-4FE2-AD59-A95687009ADC}" type="slidenum">
               <a:rPr b="0" lang="en-GB" sz="1800" spc="-1" strike="noStrike">
                 <a:solidFill>
                   <a:srgbClr val="000000"/>
@@ -4597,7 +4597,7 @@
                 <a:spcPct val="100000"/>
               </a:lnSpc>
             </a:pPr>
-            <a:fld id="{8E4545E5-0263-4960-97AA-5AC6D21CD6A8}" type="slidenum">
+            <a:fld id="{593DB9DE-0721-4C9E-AE01-91862C771F44}" type="slidenum">
               <a:rPr b="0" lang="en-US" sz="1800" spc="-1" strike="noStrike">
                 <a:solidFill>
                   <a:srgbClr val="808080"/>
@@ -4893,7 +4893,61 @@
                 </a:solidFill>
                 <a:latin typeface="Arial"/>
               </a:rPr>
-              <a:t>Click to edit the title text format</a:t>
+              <a:t>Click </a:t>
+            </a:r>
+            <a:r>
+              <a:rPr b="0" lang="en-US" sz="4400" spc="-1" strike="noStrike">
+                <a:solidFill>
+                  <a:srgbClr val="000000"/>
+                </a:solidFill>
+                <a:latin typeface="Arial"/>
+              </a:rPr>
+              <a:t>to edit </a:t>
+            </a:r>
+            <a:r>
+              <a:rPr b="0" lang="en-US" sz="4400" spc="-1" strike="noStrike">
+                <a:solidFill>
+                  <a:srgbClr val="000000"/>
+                </a:solidFill>
+                <a:latin typeface="Arial"/>
+              </a:rPr>
+              <a:t>the </a:t>
+            </a:r>
+            <a:r>
+              <a:rPr b="0" lang="en-US" sz="4400" spc="-1" strike="noStrike">
+                <a:solidFill>
+                  <a:srgbClr val="000000"/>
+                </a:solidFill>
+                <a:latin typeface="Arial"/>
+              </a:rPr>
+              <a:t>title </a:t>
+            </a:r>
+            <a:r>
+              <a:rPr b="0" lang="en-US" sz="4400" spc="-1" strike="noStrike">
+                <a:solidFill>
+                  <a:srgbClr val="000000"/>
+                </a:solidFill>
+                <a:latin typeface="Arial"/>
+              </a:rPr>
+              <a:t>text </a:t>
+            </a:r>
+            <a:r>
+              <a:rPr b="0" lang="en-US" sz="4400" spc="-1" strike="noStrike">
+                <a:solidFill>
+                  <a:srgbClr val="000000"/>
+                </a:solidFill>
+                <a:latin typeface="Arial"/>
+              </a:rPr>
+              <a:t>forma</a:t>
+            </a:r>
+            <a:r>
+              <a:rPr b="0" lang="en-US" sz="4400" spc="-1" strike="noStrike">
+                <a:solidFill>
+                  <a:srgbClr val="000000"/>
+                </a:solidFill>
+                <a:latin typeface="Arial"/>
+              </a:rPr>
+              <a:t>t</a:t>
             </a:r>
             <a:endParaRPr b="0" lang="en-US" sz="4400" spc="-1" strike="noStrike">
               <a:solidFill>
@@ -5257,7 +5311,7 @@
                 <a:spcPct val="100000"/>
               </a:lnSpc>
             </a:pPr>
-            <a:fld id="{2E37165B-D40A-41D4-804C-294510F4118C}" type="slidenum">
+            <a:fld id="{452A815D-04F0-47A8-89CF-D773549CE23F}" type="slidenum">
               <a:rPr b="0" lang="en-US" sz="1800" spc="-1" strike="noStrike">
                 <a:solidFill>
                   <a:srgbClr val="808080"/>
@@ -5451,7 +5505,7 @@
                 <a:spcPct val="100000"/>
               </a:lnSpc>
             </a:pPr>
-            <a:fld id="{27FBBD12-2C67-4BD0-9090-30FC675DAE85}" type="slidenum">
+            <a:fld id="{6EF44C3B-FE7B-42E5-9B3F-844CC41EF172}" type="slidenum">
               <a:rPr b="0" lang="en-US" sz="1800" spc="-1" strike="noStrike">
                 <a:solidFill>
                   <a:srgbClr val="808080"/>
@@ -7870,28 +7924,6 @@
               </a:rPr>
               <a:t>Submission of each exercise is mandatory</a:t>
             </a:r>
-            <a:endParaRPr b="0" lang="en-US" sz="1800" spc="-1" strike="noStrike">
-              <a:solidFill>
-                <a:srgbClr val="000000"/>
-              </a:solidFill>
-              <a:latin typeface="Arial"/>
-            </a:endParaRPr>
-          </a:p>
-          <a:p>
-            <a:pPr marL="360" indent="-216000" algn="ctr">
-              <a:lnSpc>
-                <a:spcPct val="100000"/>
-              </a:lnSpc>
-              <a:spcBef>
-                <a:spcPts val="360"/>
-              </a:spcBef>
-              <a:buClr>
-                <a:srgbClr val="008c4f"/>
-              </a:buClr>
-              <a:buSzPct val="45000"/>
-              <a:buFont typeface="DejaVu Sans"/>
-              <a:buChar char="◾"/>
-            </a:pPr>
             <a:r>
               <a:rPr b="1" lang="en-GB" sz="1800" spc="-1" strike="noStrike">
                 <a:solidFill>
@@ -7900,17 +7932,7 @@
                 <a:latin typeface="DejaVu Sans"/>
                 <a:ea typeface="DejaVu Sans"/>
               </a:rPr>
-              <a:t> </a:t>
-            </a:r>
-            <a:r>
-              <a:rPr b="1" lang="en-GB" sz="1800" spc="-1" strike="noStrike">
-                <a:solidFill>
-                  <a:srgbClr val="ffffff"/>
-                </a:solidFill>
-                <a:latin typeface="DejaVu Sans"/>
-                <a:ea typeface="DejaVu Sans"/>
-              </a:rPr>
-              <a:t>follow on the next slides (Examination)</a:t>
+              <a:t>ow on the next slides (Examination)</a:t>
             </a:r>
             <a:endParaRPr b="0" lang="en-US" sz="1800" spc="-1" strike="noStrike">
               <a:solidFill>
@@ -9701,7 +9723,7 @@
                 <a:latin typeface="DejaVu Sans"/>
                 <a:ea typeface="DejaVu Sans"/>
               </a:rPr>
-              <a:t>Successful completion of the compulsory five exercises</a:t>
+              <a:t>Successful completion of the compulsory seven exercises</a:t>
             </a:r>
             <a:endParaRPr b="0" lang="en-US" sz="1800" spc="-1" strike="noStrike">
               <a:solidFill>

--- a/Requirements-Engineering/RE-L00-Organization.pptx
+++ b/Requirements-Engineering/RE-L00-Organization.pptx
@@ -84,213 +84,15 @@
           <a:p>
             <a:pPr algn="ctr"/>
             <a:r>
-              <a:rPr b="0" lang="en-US" sz="4400" spc="-1" strike="noStrike">
+              <a:rPr b="0" lang="en-GB" sz="4400" spc="-1" strike="noStrike">
                 <a:solidFill>
                   <a:srgbClr val="000000"/>
                 </a:solidFill>
                 <a:latin typeface="Arial"/>
               </a:rPr>
-              <a:t>C</a:t>
-            </a:r>
-            <a:r>
-              <a:rPr b="0" lang="en-US" sz="4400" spc="-1" strike="noStrike">
-                <a:solidFill>
-                  <a:srgbClr val="000000"/>
-                </a:solidFill>
-                <a:latin typeface="Arial"/>
-              </a:rPr>
-              <a:t>l</a:t>
-            </a:r>
-            <a:r>
-              <a:rPr b="0" lang="en-US" sz="4400" spc="-1" strike="noStrike">
-                <a:solidFill>
-                  <a:srgbClr val="000000"/>
-                </a:solidFill>
-                <a:latin typeface="Arial"/>
-              </a:rPr>
-              <a:t>i</a:t>
-            </a:r>
-            <a:r>
-              <a:rPr b="0" lang="en-US" sz="4400" spc="-1" strike="noStrike">
-                <a:solidFill>
-                  <a:srgbClr val="000000"/>
-                </a:solidFill>
-                <a:latin typeface="Arial"/>
-              </a:rPr>
-              <a:t>c</a:t>
-            </a:r>
-            <a:r>
-              <a:rPr b="0" lang="en-US" sz="4400" spc="-1" strike="noStrike">
-                <a:solidFill>
-                  <a:srgbClr val="000000"/>
-                </a:solidFill>
-                <a:latin typeface="Arial"/>
-              </a:rPr>
-              <a:t>k</a:t>
-            </a:r>
-            <a:r>
-              <a:rPr b="0" lang="en-US" sz="4400" spc="-1" strike="noStrike">
-                <a:solidFill>
-                  <a:srgbClr val="000000"/>
-                </a:solidFill>
-                <a:latin typeface="Arial"/>
-              </a:rPr>
-              <a:t> </a:t>
-            </a:r>
-            <a:r>
-              <a:rPr b="0" lang="en-US" sz="4400" spc="-1" strike="noStrike">
-                <a:solidFill>
-                  <a:srgbClr val="000000"/>
-                </a:solidFill>
-                <a:latin typeface="Arial"/>
-              </a:rPr>
-              <a:t>t</a:t>
-            </a:r>
-            <a:r>
-              <a:rPr b="0" lang="en-US" sz="4400" spc="-1" strike="noStrike">
-                <a:solidFill>
-                  <a:srgbClr val="000000"/>
-                </a:solidFill>
-                <a:latin typeface="Arial"/>
-              </a:rPr>
-              <a:t>o</a:t>
-            </a:r>
-            <a:r>
-              <a:rPr b="0" lang="en-US" sz="4400" spc="-1" strike="noStrike">
-                <a:solidFill>
-                  <a:srgbClr val="000000"/>
-                </a:solidFill>
-                <a:latin typeface="Arial"/>
-              </a:rPr>
-              <a:t> </a:t>
-            </a:r>
-            <a:r>
-              <a:rPr b="0" lang="en-US" sz="4400" spc="-1" strike="noStrike">
-                <a:solidFill>
-                  <a:srgbClr val="000000"/>
-                </a:solidFill>
-                <a:latin typeface="Arial"/>
-              </a:rPr>
-              <a:t>m</a:t>
-            </a:r>
-            <a:r>
-              <a:rPr b="0" lang="en-US" sz="4400" spc="-1" strike="noStrike">
-                <a:solidFill>
-                  <a:srgbClr val="000000"/>
-                </a:solidFill>
-                <a:latin typeface="Arial"/>
-              </a:rPr>
-              <a:t>o</a:t>
-            </a:r>
-            <a:r>
-              <a:rPr b="0" lang="en-US" sz="4400" spc="-1" strike="noStrike">
-                <a:solidFill>
-                  <a:srgbClr val="000000"/>
-                </a:solidFill>
-                <a:latin typeface="Arial"/>
-              </a:rPr>
-              <a:t>v</a:t>
-            </a:r>
-            <a:r>
-              <a:rPr b="0" lang="en-US" sz="4400" spc="-1" strike="noStrike">
-                <a:solidFill>
-                  <a:srgbClr val="000000"/>
-                </a:solidFill>
-                <a:latin typeface="Arial"/>
-              </a:rPr>
-              <a:t>e</a:t>
-            </a:r>
-            <a:r>
-              <a:rPr b="0" lang="en-US" sz="4400" spc="-1" strike="noStrike">
-                <a:solidFill>
-                  <a:srgbClr val="000000"/>
-                </a:solidFill>
-                <a:latin typeface="Arial"/>
-              </a:rPr>
-              <a:t> </a:t>
-            </a:r>
-            <a:r>
-              <a:rPr b="0" lang="en-US" sz="4400" spc="-1" strike="noStrike">
-                <a:solidFill>
-                  <a:srgbClr val="000000"/>
-                </a:solidFill>
-                <a:latin typeface="Arial"/>
-              </a:rPr>
-              <a:t>t</a:t>
-            </a:r>
-            <a:r>
-              <a:rPr b="0" lang="en-US" sz="4400" spc="-1" strike="noStrike">
-                <a:solidFill>
-                  <a:srgbClr val="000000"/>
-                </a:solidFill>
-                <a:latin typeface="Arial"/>
-              </a:rPr>
-              <a:t>h</a:t>
-            </a:r>
-            <a:r>
-              <a:rPr b="0" lang="en-US" sz="4400" spc="-1" strike="noStrike">
-                <a:solidFill>
-                  <a:srgbClr val="000000"/>
-                </a:solidFill>
-                <a:latin typeface="Arial"/>
-              </a:rPr>
-              <a:t>e</a:t>
-            </a:r>
-            <a:r>
-              <a:rPr b="0" lang="en-US" sz="4400" spc="-1" strike="noStrike">
-                <a:solidFill>
-                  <a:srgbClr val="000000"/>
-                </a:solidFill>
-                <a:latin typeface="Arial"/>
-              </a:rPr>
-              <a:t> </a:t>
-            </a:r>
-            <a:r>
-              <a:rPr b="0" lang="en-US" sz="4400" spc="-1" strike="noStrike">
-                <a:solidFill>
-                  <a:srgbClr val="000000"/>
-                </a:solidFill>
-                <a:latin typeface="Arial"/>
-              </a:rPr>
-              <a:t>s</a:t>
-            </a:r>
-            <a:r>
-              <a:rPr b="0" lang="en-US" sz="4400" spc="-1" strike="noStrike">
-                <a:solidFill>
-                  <a:srgbClr val="000000"/>
-                </a:solidFill>
-                <a:latin typeface="Arial"/>
-              </a:rPr>
-              <a:t>l</a:t>
-            </a:r>
-            <a:r>
-              <a:rPr b="0" lang="en-US" sz="4400" spc="-1" strike="noStrike">
-                <a:solidFill>
-                  <a:srgbClr val="000000"/>
-                </a:solidFill>
-                <a:latin typeface="Arial"/>
-              </a:rPr>
-              <a:t>i</a:t>
-            </a:r>
-            <a:r>
-              <a:rPr b="0" lang="en-US" sz="4400" spc="-1" strike="noStrike">
-                <a:solidFill>
-                  <a:srgbClr val="000000"/>
-                </a:solidFill>
-                <a:latin typeface="Arial"/>
-              </a:rPr>
-              <a:t>d</a:t>
-            </a:r>
-            <a:r>
-              <a:rPr b="0" lang="en-US" sz="4400" spc="-1" strike="noStrike">
-                <a:solidFill>
-                  <a:srgbClr val="000000"/>
-                </a:solidFill>
-                <a:latin typeface="Arial"/>
-              </a:rPr>
-              <a:t>e</a:t>
-            </a:r>
-            <a:endParaRPr b="0" lang="en-US" sz="4400" spc="-1" strike="noStrike">
+              <a:t>Click to move the slide</a:t>
+            </a:r>
+            <a:endParaRPr b="0" lang="en-GB" sz="4400" spc="-1" strike="noStrike">
               <a:solidFill>
                 <a:srgbClr val="000000"/>
               </a:solidFill>
@@ -331,276 +133,15 @@
               <a:buNone/>
             </a:pPr>
             <a:r>
-              <a:rPr b="0" lang="en-US" sz="2000" spc="-1" strike="noStrike">
+              <a:rPr b="0" lang="en-GB" sz="2000" spc="-1" strike="noStrike">
                 <a:solidFill>
                   <a:srgbClr val="000000"/>
                 </a:solidFill>
                 <a:latin typeface="Arial"/>
               </a:rPr>
-              <a:t>C</a:t>
-            </a:r>
-            <a:r>
-              <a:rPr b="0" lang="en-US" sz="2000" spc="-1" strike="noStrike">
-                <a:solidFill>
-                  <a:srgbClr val="000000"/>
-                </a:solidFill>
-                <a:latin typeface="Arial"/>
-              </a:rPr>
-              <a:t>l</a:t>
-            </a:r>
-            <a:r>
-              <a:rPr b="0" lang="en-US" sz="2000" spc="-1" strike="noStrike">
-                <a:solidFill>
-                  <a:srgbClr val="000000"/>
-                </a:solidFill>
-                <a:latin typeface="Arial"/>
-              </a:rPr>
-              <a:t>i</a:t>
-            </a:r>
-            <a:r>
-              <a:rPr b="0" lang="en-US" sz="2000" spc="-1" strike="noStrike">
-                <a:solidFill>
-                  <a:srgbClr val="000000"/>
-                </a:solidFill>
-                <a:latin typeface="Arial"/>
-              </a:rPr>
-              <a:t>c</a:t>
-            </a:r>
-            <a:r>
-              <a:rPr b="0" lang="en-US" sz="2000" spc="-1" strike="noStrike">
-                <a:solidFill>
-                  <a:srgbClr val="000000"/>
-                </a:solidFill>
-                <a:latin typeface="Arial"/>
-              </a:rPr>
-              <a:t>k</a:t>
-            </a:r>
-            <a:r>
-              <a:rPr b="0" lang="en-US" sz="2000" spc="-1" strike="noStrike">
-                <a:solidFill>
-                  <a:srgbClr val="000000"/>
-                </a:solidFill>
-                <a:latin typeface="Arial"/>
-              </a:rPr>
-              <a:t> </a:t>
-            </a:r>
-            <a:r>
-              <a:rPr b="0" lang="en-US" sz="2000" spc="-1" strike="noStrike">
-                <a:solidFill>
-                  <a:srgbClr val="000000"/>
-                </a:solidFill>
-                <a:latin typeface="Arial"/>
-              </a:rPr>
-              <a:t>t</a:t>
-            </a:r>
-            <a:r>
-              <a:rPr b="0" lang="en-US" sz="2000" spc="-1" strike="noStrike">
-                <a:solidFill>
-                  <a:srgbClr val="000000"/>
-                </a:solidFill>
-                <a:latin typeface="Arial"/>
-              </a:rPr>
-              <a:t>o</a:t>
-            </a:r>
-            <a:r>
-              <a:rPr b="0" lang="en-US" sz="2000" spc="-1" strike="noStrike">
-                <a:solidFill>
-                  <a:srgbClr val="000000"/>
-                </a:solidFill>
-                <a:latin typeface="Arial"/>
-              </a:rPr>
-              <a:t> </a:t>
-            </a:r>
-            <a:r>
-              <a:rPr b="0" lang="en-US" sz="2000" spc="-1" strike="noStrike">
-                <a:solidFill>
-                  <a:srgbClr val="000000"/>
-                </a:solidFill>
-                <a:latin typeface="Arial"/>
-              </a:rPr>
-              <a:t>e</a:t>
-            </a:r>
-            <a:r>
-              <a:rPr b="0" lang="en-US" sz="2000" spc="-1" strike="noStrike">
-                <a:solidFill>
-                  <a:srgbClr val="000000"/>
-                </a:solidFill>
-                <a:latin typeface="Arial"/>
-              </a:rPr>
-              <a:t>d</a:t>
-            </a:r>
-            <a:r>
-              <a:rPr b="0" lang="en-US" sz="2000" spc="-1" strike="noStrike">
-                <a:solidFill>
-                  <a:srgbClr val="000000"/>
-                </a:solidFill>
-                <a:latin typeface="Arial"/>
-              </a:rPr>
-              <a:t>i</a:t>
-            </a:r>
-            <a:r>
-              <a:rPr b="0" lang="en-US" sz="2000" spc="-1" strike="noStrike">
-                <a:solidFill>
-                  <a:srgbClr val="000000"/>
-                </a:solidFill>
-                <a:latin typeface="Arial"/>
-              </a:rPr>
-              <a:t>t</a:t>
-            </a:r>
-            <a:r>
-              <a:rPr b="0" lang="en-US" sz="2000" spc="-1" strike="noStrike">
-                <a:solidFill>
-                  <a:srgbClr val="000000"/>
-                </a:solidFill>
-                <a:latin typeface="Arial"/>
-              </a:rPr>
-              <a:t> </a:t>
-            </a:r>
-            <a:r>
-              <a:rPr b="0" lang="en-US" sz="2000" spc="-1" strike="noStrike">
-                <a:solidFill>
-                  <a:srgbClr val="000000"/>
-                </a:solidFill>
-                <a:latin typeface="Arial"/>
-              </a:rPr>
-              <a:t>t</a:t>
-            </a:r>
-            <a:r>
-              <a:rPr b="0" lang="en-US" sz="2000" spc="-1" strike="noStrike">
-                <a:solidFill>
-                  <a:srgbClr val="000000"/>
-                </a:solidFill>
-                <a:latin typeface="Arial"/>
-              </a:rPr>
-              <a:t>h</a:t>
-            </a:r>
-            <a:r>
-              <a:rPr b="0" lang="en-US" sz="2000" spc="-1" strike="noStrike">
-                <a:solidFill>
-                  <a:srgbClr val="000000"/>
-                </a:solidFill>
-                <a:latin typeface="Arial"/>
-              </a:rPr>
-              <a:t>e</a:t>
-            </a:r>
-            <a:r>
-              <a:rPr b="0" lang="en-US" sz="2000" spc="-1" strike="noStrike">
-                <a:solidFill>
-                  <a:srgbClr val="000000"/>
-                </a:solidFill>
-                <a:latin typeface="Arial"/>
-              </a:rPr>
-              <a:t> </a:t>
-            </a:r>
-            <a:r>
-              <a:rPr b="0" lang="en-US" sz="2000" spc="-1" strike="noStrike">
-                <a:solidFill>
-                  <a:srgbClr val="000000"/>
-                </a:solidFill>
-                <a:latin typeface="Arial"/>
-              </a:rPr>
-              <a:t>n</a:t>
-            </a:r>
-            <a:r>
-              <a:rPr b="0" lang="en-US" sz="2000" spc="-1" strike="noStrike">
-                <a:solidFill>
-                  <a:srgbClr val="000000"/>
-                </a:solidFill>
-                <a:latin typeface="Arial"/>
-              </a:rPr>
-              <a:t>o</a:t>
-            </a:r>
-            <a:r>
-              <a:rPr b="0" lang="en-US" sz="2000" spc="-1" strike="noStrike">
-                <a:solidFill>
-                  <a:srgbClr val="000000"/>
-                </a:solidFill>
-                <a:latin typeface="Arial"/>
-              </a:rPr>
-              <a:t>t</a:t>
-            </a:r>
-            <a:r>
-              <a:rPr b="0" lang="en-US" sz="2000" spc="-1" strike="noStrike">
-                <a:solidFill>
-                  <a:srgbClr val="000000"/>
-                </a:solidFill>
-                <a:latin typeface="Arial"/>
-              </a:rPr>
-              <a:t>e</a:t>
-            </a:r>
-            <a:r>
-              <a:rPr b="0" lang="en-US" sz="2000" spc="-1" strike="noStrike">
-                <a:solidFill>
-                  <a:srgbClr val="000000"/>
-                </a:solidFill>
-                <a:latin typeface="Arial"/>
-              </a:rPr>
-              <a:t>s</a:t>
-            </a:r>
-            <a:r>
-              <a:rPr b="0" lang="en-US" sz="2000" spc="-1" strike="noStrike">
-                <a:solidFill>
-                  <a:srgbClr val="000000"/>
-                </a:solidFill>
-                <a:latin typeface="Arial"/>
-              </a:rPr>
-              <a:t> </a:t>
-            </a:r>
-            <a:r>
-              <a:rPr b="0" lang="en-US" sz="2000" spc="-1" strike="noStrike">
-                <a:solidFill>
-                  <a:srgbClr val="000000"/>
-                </a:solidFill>
-                <a:latin typeface="Arial"/>
-              </a:rPr>
-              <a:t>f</a:t>
-            </a:r>
-            <a:r>
-              <a:rPr b="0" lang="en-US" sz="2000" spc="-1" strike="noStrike">
-                <a:solidFill>
-                  <a:srgbClr val="000000"/>
-                </a:solidFill>
-                <a:latin typeface="Arial"/>
-              </a:rPr>
-              <a:t>o</a:t>
-            </a:r>
-            <a:r>
-              <a:rPr b="0" lang="en-US" sz="2000" spc="-1" strike="noStrike">
-                <a:solidFill>
-                  <a:srgbClr val="000000"/>
-                </a:solidFill>
-                <a:latin typeface="Arial"/>
-              </a:rPr>
-              <a:t>r</a:t>
-            </a:r>
-            <a:r>
-              <a:rPr b="0" lang="en-US" sz="2000" spc="-1" strike="noStrike">
-                <a:solidFill>
-                  <a:srgbClr val="000000"/>
-                </a:solidFill>
-                <a:latin typeface="Arial"/>
-              </a:rPr>
-              <a:t>m</a:t>
-            </a:r>
-            <a:r>
-              <a:rPr b="0" lang="en-US" sz="2000" spc="-1" strike="noStrike">
-                <a:solidFill>
-                  <a:srgbClr val="000000"/>
-                </a:solidFill>
-                <a:latin typeface="Arial"/>
-              </a:rPr>
-              <a:t>a</a:t>
-            </a:r>
-            <a:r>
-              <a:rPr b="0" lang="en-US" sz="2000" spc="-1" strike="noStrike">
-                <a:solidFill>
-                  <a:srgbClr val="000000"/>
-                </a:solidFill>
-                <a:latin typeface="Arial"/>
-              </a:rPr>
-              <a:t>t</a:t>
-            </a:r>
-            <a:endParaRPr b="0" lang="en-US" sz="2000" spc="-1" strike="noStrike">
+              <a:t>Click to edit the notes' format</a:t>
+            </a:r>
+            <a:endParaRPr b="0" lang="en-GB" sz="2000" spc="-1" strike="noStrike">
               <a:solidFill>
                 <a:srgbClr val="000000"/>
               </a:solidFill>
@@ -641,7 +182,7 @@
               <a:buNone/>
             </a:pPr>
             <a:r>
-              <a:rPr b="0" lang="en-US" sz="1400" spc="-1" strike="noStrike">
+              <a:rPr b="0" lang="en-GB" sz="1400" spc="-1" strike="noStrike">
                 <a:solidFill>
                   <a:srgbClr val="000000"/>
                 </a:solidFill>
@@ -649,7 +190,7 @@
               </a:rPr>
               <a:t>&lt;header&gt;</a:t>
             </a:r>
-            <a:endParaRPr b="0" lang="en-US" sz="1400" spc="-1" strike="noStrike">
+            <a:endParaRPr b="0" lang="en-GB" sz="1400" spc="-1" strike="noStrike">
               <a:solidFill>
                 <a:srgbClr val="000000"/>
               </a:solidFill>
@@ -688,7 +229,7 @@
           <a:lstStyle>
             <a:lvl1pPr indent="0" algn="r">
               <a:buNone/>
-              <a:defRPr b="0" lang="en-US" sz="1400" spc="-1" strike="noStrike">
+              <a:defRPr b="0" lang="en-GB" sz="1400" spc="-1" strike="noStrike">
                 <a:solidFill>
                   <a:srgbClr val="000000"/>
                 </a:solidFill>
@@ -701,7 +242,7 @@
               <a:buNone/>
             </a:pPr>
             <a:r>
-              <a:rPr b="0" lang="en-US" sz="1400" spc="-1" strike="noStrike">
+              <a:rPr b="0" lang="en-GB" sz="1400" spc="-1" strike="noStrike">
                 <a:solidFill>
                   <a:srgbClr val="000000"/>
                 </a:solidFill>
@@ -709,7 +250,7 @@
               </a:rPr>
               <a:t>&lt;date/time&gt;</a:t>
             </a:r>
-            <a:endParaRPr b="0" lang="en-US" sz="1400" spc="-1" strike="noStrike">
+            <a:endParaRPr b="0" lang="en-GB" sz="1400" spc="-1" strike="noStrike">
               <a:solidFill>
                 <a:srgbClr val="000000"/>
               </a:solidFill>
@@ -748,7 +289,7 @@
           <a:lstStyle>
             <a:lvl1pPr indent="0">
               <a:buNone/>
-              <a:defRPr b="0" lang="en-US" sz="1400" spc="-1" strike="noStrike">
+              <a:defRPr b="0" lang="en-GB" sz="1400" spc="-1" strike="noStrike">
                 <a:solidFill>
                   <a:srgbClr val="000000"/>
                 </a:solidFill>
@@ -761,7 +302,7 @@
               <a:buNone/>
             </a:pPr>
             <a:r>
-              <a:rPr b="0" lang="en-US" sz="1400" spc="-1" strike="noStrike">
+              <a:rPr b="0" lang="en-GB" sz="1400" spc="-1" strike="noStrike">
                 <a:solidFill>
                   <a:srgbClr val="000000"/>
                 </a:solidFill>
@@ -769,7 +310,7 @@
               </a:rPr>
               <a:t>&lt;footer&gt;</a:t>
             </a:r>
-            <a:endParaRPr b="0" lang="en-US" sz="1400" spc="-1" strike="noStrike">
+            <a:endParaRPr b="0" lang="en-GB" sz="1400" spc="-1" strike="noStrike">
               <a:solidFill>
                 <a:srgbClr val="000000"/>
               </a:solidFill>
@@ -808,7 +349,7 @@
           <a:lstStyle>
             <a:lvl1pPr indent="0" algn="r">
               <a:buNone/>
-              <a:defRPr b="0" lang="en-US" sz="1400" spc="-1" strike="noStrike">
+              <a:defRPr b="0" lang="en-GB" sz="1400" spc="-1" strike="noStrike">
                 <a:solidFill>
                   <a:srgbClr val="000000"/>
                 </a:solidFill>
@@ -820,8 +361,8 @@
             <a:pPr indent="0" algn="r">
               <a:buNone/>
             </a:pPr>
-            <a:fld id="{0281366C-7C07-4D69-8FFF-023F8B32C281}" type="slidenum">
-              <a:rPr b="0" lang="en-US" sz="1400" spc="-1" strike="noStrike">
+            <a:fld id="{E8E300E1-9F09-46B3-A101-30686BE693A7}" type="slidenum">
+              <a:rPr b="0" lang="en-GB" sz="1400" spc="-1" strike="noStrike">
                 <a:solidFill>
                   <a:srgbClr val="000000"/>
                 </a:solidFill>
@@ -829,7 +370,7 @@
               </a:rPr>
               <a:t>&lt;number&gt;</a:t>
             </a:fld>
-            <a:endParaRPr b="0" lang="en-US" sz="1400" spc="-1" strike="noStrike">
+            <a:endParaRPr b="0" lang="en-GB" sz="1400" spc="-1" strike="noStrike">
               <a:solidFill>
                 <a:srgbClr val="000000"/>
               </a:solidFill>
@@ -874,7 +415,7 @@
         <p:spPr>
           <a:xfrm>
             <a:off x="533520" y="763560"/>
-            <a:ext cx="6697800" cy="3765960"/>
+            <a:ext cx="6697440" cy="3765600"/>
           </a:xfrm>
           <a:prstGeom prst="rect">
             <a:avLst/>
@@ -897,7 +438,7 @@
         <p:spPr>
           <a:xfrm>
             <a:off x="777240" y="4777560"/>
-            <a:ext cx="6211440" cy="4519800"/>
+            <a:ext cx="6211080" cy="4519440"/>
           </a:xfrm>
           <a:prstGeom prst="rect">
             <a:avLst/>
@@ -915,7 +456,7 @@
             <a:pPr marL="216000" indent="0">
               <a:buNone/>
             </a:pPr>
-            <a:endParaRPr b="0" lang="en-US" sz="1800" spc="-1" strike="noStrike">
+            <a:endParaRPr b="0" lang="en-GB" sz="1800" spc="-1" strike="noStrike">
               <a:solidFill>
                 <a:srgbClr val="000000"/>
               </a:solidFill>
@@ -933,7 +474,7 @@
         <p:spPr>
           <a:xfrm>
             <a:off x="4399200" y="9555480"/>
-            <a:ext cx="3366720" cy="496440"/>
+            <a:ext cx="3366360" cy="496080"/>
           </a:xfrm>
           <a:prstGeom prst="rect">
             <a:avLst/>
@@ -959,7 +500,7 @@
                 <a:spcPct val="100000"/>
               </a:lnSpc>
             </a:pPr>
-            <a:fld id="{2AB9C222-74B4-4A3E-BDFC-03145F14A567}" type="slidenum">
+            <a:fld id="{6B909D21-0C69-4792-AAA1-9B4B70BEF2E3}" type="slidenum">
               <a:rPr b="0" lang="en-GB" sz="1800" spc="-1" strike="noStrike">
                 <a:solidFill>
                   <a:srgbClr val="000000"/>
@@ -967,9 +508,9 @@
                 <a:latin typeface="+mn-lt"/>
                 <a:ea typeface="+mn-ea"/>
               </a:rPr>
-              <a:t>6</a:t>
+              <a:t>&lt;number&gt;</a:t>
             </a:fld>
-            <a:endParaRPr b="0" lang="en-US" sz="1800" spc="-1" strike="noStrike">
+            <a:endParaRPr b="0" lang="en-GB" sz="1800" spc="-1" strike="noStrike">
               <a:solidFill>
                 <a:srgbClr val="000000"/>
               </a:solidFill>
@@ -1013,7 +554,7 @@
         <p:spPr>
           <a:xfrm>
             <a:off x="533520" y="763560"/>
-            <a:ext cx="6697800" cy="3765960"/>
+            <a:ext cx="6697440" cy="3765600"/>
           </a:xfrm>
           <a:prstGeom prst="rect">
             <a:avLst/>
@@ -1036,7 +577,7 @@
         <p:spPr>
           <a:xfrm>
             <a:off x="777240" y="4777560"/>
-            <a:ext cx="6211440" cy="4519800"/>
+            <a:ext cx="6211080" cy="4519440"/>
           </a:xfrm>
           <a:prstGeom prst="rect">
             <a:avLst/>
@@ -1054,7 +595,7 @@
             <a:pPr marL="216000" indent="0">
               <a:buNone/>
             </a:pPr>
-            <a:endParaRPr b="0" lang="en-US" sz="1800" spc="-1" strike="noStrike">
+            <a:endParaRPr b="0" lang="en-GB" sz="1800" spc="-1" strike="noStrike">
               <a:solidFill>
                 <a:srgbClr val="000000"/>
               </a:solidFill>
@@ -1072,7 +613,7 @@
         <p:spPr>
           <a:xfrm>
             <a:off x="4399200" y="9555480"/>
-            <a:ext cx="3366720" cy="496440"/>
+            <a:ext cx="3366360" cy="496080"/>
           </a:xfrm>
           <a:prstGeom prst="rect">
             <a:avLst/>
@@ -1098,7 +639,7 @@
                 <a:spcPct val="100000"/>
               </a:lnSpc>
             </a:pPr>
-            <a:fld id="{0224EE8B-07E6-4F75-BA7B-27C24C27B6DB}" type="slidenum">
+            <a:fld id="{796F1EEB-CBF6-4A58-ACA9-103C6BFBDF57}" type="slidenum">
               <a:rPr b="0" lang="en-GB" sz="1800" spc="-1" strike="noStrike">
                 <a:solidFill>
                   <a:srgbClr val="000000"/>
@@ -1106,9 +647,9 @@
                 <a:latin typeface="+mn-lt"/>
                 <a:ea typeface="+mn-ea"/>
               </a:rPr>
-              <a:t>6</a:t>
+              <a:t>&lt;number&gt;</a:t>
             </a:fld>
-            <a:endParaRPr b="0" lang="en-US" sz="1800" spc="-1" strike="noStrike">
+            <a:endParaRPr b="0" lang="en-GB" sz="1800" spc="-1" strike="noStrike">
               <a:solidFill>
                 <a:srgbClr val="000000"/>
               </a:solidFill>
@@ -1152,7 +693,7 @@
         <p:spPr>
           <a:xfrm>
             <a:off x="533520" y="763560"/>
-            <a:ext cx="6697800" cy="3765960"/>
+            <a:ext cx="6697440" cy="3765600"/>
           </a:xfrm>
           <a:prstGeom prst="rect">
             <a:avLst/>
@@ -1175,7 +716,7 @@
         <p:spPr>
           <a:xfrm>
             <a:off x="777240" y="4777560"/>
-            <a:ext cx="6211440" cy="4519800"/>
+            <a:ext cx="6211080" cy="4519440"/>
           </a:xfrm>
           <a:prstGeom prst="rect">
             <a:avLst/>
@@ -1193,7 +734,7 @@
             <a:pPr marL="216000" indent="0">
               <a:buNone/>
             </a:pPr>
-            <a:endParaRPr b="0" lang="en-US" sz="1800" spc="-1" strike="noStrike">
+            <a:endParaRPr b="0" lang="en-GB" sz="1800" spc="-1" strike="noStrike">
               <a:solidFill>
                 <a:srgbClr val="000000"/>
               </a:solidFill>
@@ -1211,7 +752,7 @@
         <p:spPr>
           <a:xfrm>
             <a:off x="4399200" y="9555480"/>
-            <a:ext cx="3366720" cy="496440"/>
+            <a:ext cx="3366360" cy="496080"/>
           </a:xfrm>
           <a:prstGeom prst="rect">
             <a:avLst/>
@@ -1237,7 +778,7 @@
                 <a:spcPct val="100000"/>
               </a:lnSpc>
             </a:pPr>
-            <a:fld id="{560D1E7F-F397-49A4-90DD-2F2BF328DB09}" type="slidenum">
+            <a:fld id="{E4FD0E31-E105-40A1-89F9-C754F17C42FE}" type="slidenum">
               <a:rPr b="0" lang="en-GB" sz="1800" spc="-1" strike="noStrike">
                 <a:solidFill>
                   <a:srgbClr val="000000"/>
@@ -1245,9 +786,9 @@
                 <a:latin typeface="+mn-lt"/>
                 <a:ea typeface="+mn-ea"/>
               </a:rPr>
-              <a:t>6</a:t>
+              <a:t>&lt;number&gt;</a:t>
             </a:fld>
-            <a:endParaRPr b="0" lang="en-US" sz="1800" spc="-1" strike="noStrike">
+            <a:endParaRPr b="0" lang="en-GB" sz="1800" spc="-1" strike="noStrike">
               <a:solidFill>
                 <a:srgbClr val="000000"/>
               </a:solidFill>
@@ -1291,7 +832,7 @@
         <p:spPr>
           <a:xfrm>
             <a:off x="533520" y="763560"/>
-            <a:ext cx="6697800" cy="3765960"/>
+            <a:ext cx="6697440" cy="3765600"/>
           </a:xfrm>
           <a:prstGeom prst="rect">
             <a:avLst/>
@@ -1314,7 +855,7 @@
         <p:spPr>
           <a:xfrm>
             <a:off x="777240" y="4777560"/>
-            <a:ext cx="6211440" cy="4519800"/>
+            <a:ext cx="6211080" cy="4519440"/>
           </a:xfrm>
           <a:prstGeom prst="rect">
             <a:avLst/>
@@ -1332,7 +873,7 @@
             <a:pPr marL="216000" indent="0">
               <a:buNone/>
             </a:pPr>
-            <a:endParaRPr b="0" lang="en-US" sz="1800" spc="-1" strike="noStrike">
+            <a:endParaRPr b="0" lang="en-GB" sz="1800" spc="-1" strike="noStrike">
               <a:solidFill>
                 <a:srgbClr val="000000"/>
               </a:solidFill>
@@ -1350,7 +891,7 @@
         <p:spPr>
           <a:xfrm>
             <a:off x="4399200" y="9555480"/>
-            <a:ext cx="3366720" cy="496440"/>
+            <a:ext cx="3366360" cy="496080"/>
           </a:xfrm>
           <a:prstGeom prst="rect">
             <a:avLst/>
@@ -1376,7 +917,7 @@
                 <a:spcPct val="100000"/>
               </a:lnSpc>
             </a:pPr>
-            <a:fld id="{098FECDE-F32F-4F5E-99D8-F2F4A8FBCA56}" type="slidenum">
+            <a:fld id="{24468FA9-CF25-479E-8BBF-40E522DE528D}" type="slidenum">
               <a:rPr b="0" lang="en-GB" sz="1800" spc="-1" strike="noStrike">
                 <a:solidFill>
                   <a:srgbClr val="000000"/>
@@ -1384,9 +925,9 @@
                 <a:latin typeface="+mn-lt"/>
                 <a:ea typeface="+mn-ea"/>
               </a:rPr>
-              <a:t>6</a:t>
+              <a:t>&lt;number&gt;</a:t>
             </a:fld>
-            <a:endParaRPr b="0" lang="en-US" sz="1800" spc="-1" strike="noStrike">
+            <a:endParaRPr b="0" lang="en-GB" sz="1800" spc="-1" strike="noStrike">
               <a:solidFill>
                 <a:srgbClr val="000000"/>
               </a:solidFill>
@@ -1470,7 +1011,7 @@
             <a:pPr indent="0" algn="ctr">
               <a:buNone/>
             </a:pPr>
-            <a:endParaRPr b="0" lang="en-US" sz="4400" spc="-1" strike="noStrike">
+            <a:endParaRPr b="0" lang="en-GB" sz="4400" spc="-1" strike="noStrike">
               <a:solidFill>
                 <a:srgbClr val="000000"/>
               </a:solidFill>
@@ -1513,7 +1054,7 @@
               </a:spcBef>
               <a:buNone/>
             </a:pPr>
-            <a:endParaRPr b="0" lang="en-US" sz="3200" spc="-1" strike="noStrike">
+            <a:endParaRPr b="0" lang="en-GB" sz="3200" spc="-1" strike="noStrike">
               <a:solidFill>
                 <a:srgbClr val="000000"/>
               </a:solidFill>
@@ -1556,7 +1097,7 @@
               </a:spcBef>
               <a:buNone/>
             </a:pPr>
-            <a:endParaRPr b="0" lang="en-US" sz="3200" spc="-1" strike="noStrike">
+            <a:endParaRPr b="0" lang="en-GB" sz="3200" spc="-1" strike="noStrike">
               <a:solidFill>
                 <a:srgbClr val="000000"/>
               </a:solidFill>
@@ -1618,7 +1159,7 @@
             <a:pPr indent="0" algn="ctr">
               <a:buNone/>
             </a:pPr>
-            <a:endParaRPr b="0" lang="en-US" sz="4400" spc="-1" strike="noStrike">
+            <a:endParaRPr b="0" lang="en-GB" sz="4400" spc="-1" strike="noStrike">
               <a:solidFill>
                 <a:srgbClr val="000000"/>
               </a:solidFill>
@@ -1661,7 +1202,7 @@
               </a:spcBef>
               <a:buNone/>
             </a:pPr>
-            <a:endParaRPr b="0" lang="en-US" sz="3200" spc="-1" strike="noStrike">
+            <a:endParaRPr b="0" lang="en-GB" sz="3200" spc="-1" strike="noStrike">
               <a:solidFill>
                 <a:srgbClr val="000000"/>
               </a:solidFill>
@@ -1704,7 +1245,7 @@
               </a:spcBef>
               <a:buNone/>
             </a:pPr>
-            <a:endParaRPr b="0" lang="en-US" sz="3200" spc="-1" strike="noStrike">
+            <a:endParaRPr b="0" lang="en-GB" sz="3200" spc="-1" strike="noStrike">
               <a:solidFill>
                 <a:srgbClr val="000000"/>
               </a:solidFill>
@@ -1747,7 +1288,7 @@
               </a:spcBef>
               <a:buNone/>
             </a:pPr>
-            <a:endParaRPr b="0" lang="en-US" sz="3200" spc="-1" strike="noStrike">
+            <a:endParaRPr b="0" lang="en-GB" sz="3200" spc="-1" strike="noStrike">
               <a:solidFill>
                 <a:srgbClr val="000000"/>
               </a:solidFill>
@@ -1790,7 +1331,7 @@
               </a:spcBef>
               <a:buNone/>
             </a:pPr>
-            <a:endParaRPr b="0" lang="en-US" sz="3200" spc="-1" strike="noStrike">
+            <a:endParaRPr b="0" lang="en-GB" sz="3200" spc="-1" strike="noStrike">
               <a:solidFill>
                 <a:srgbClr val="000000"/>
               </a:solidFill>
@@ -1852,7 +1393,7 @@
             <a:pPr indent="0" algn="ctr">
               <a:buNone/>
             </a:pPr>
-            <a:endParaRPr b="0" lang="en-US" sz="4400" spc="-1" strike="noStrike">
+            <a:endParaRPr b="0" lang="en-GB" sz="4400" spc="-1" strike="noStrike">
               <a:solidFill>
                 <a:srgbClr val="000000"/>
               </a:solidFill>
@@ -1895,7 +1436,7 @@
               </a:spcBef>
               <a:buNone/>
             </a:pPr>
-            <a:endParaRPr b="0" lang="en-US" sz="3200" spc="-1" strike="noStrike">
+            <a:endParaRPr b="0" lang="en-GB" sz="3200" spc="-1" strike="noStrike">
               <a:solidFill>
                 <a:srgbClr val="000000"/>
               </a:solidFill>
@@ -1938,7 +1479,7 @@
               </a:spcBef>
               <a:buNone/>
             </a:pPr>
-            <a:endParaRPr b="0" lang="en-US" sz="3200" spc="-1" strike="noStrike">
+            <a:endParaRPr b="0" lang="en-GB" sz="3200" spc="-1" strike="noStrike">
               <a:solidFill>
                 <a:srgbClr val="000000"/>
               </a:solidFill>
@@ -1981,7 +1522,7 @@
               </a:spcBef>
               <a:buNone/>
             </a:pPr>
-            <a:endParaRPr b="0" lang="en-US" sz="3200" spc="-1" strike="noStrike">
+            <a:endParaRPr b="0" lang="en-GB" sz="3200" spc="-1" strike="noStrike">
               <a:solidFill>
                 <a:srgbClr val="000000"/>
               </a:solidFill>
@@ -2024,7 +1565,7 @@
               </a:spcBef>
               <a:buNone/>
             </a:pPr>
-            <a:endParaRPr b="0" lang="en-US" sz="3200" spc="-1" strike="noStrike">
+            <a:endParaRPr b="0" lang="en-GB" sz="3200" spc="-1" strike="noStrike">
               <a:solidFill>
                 <a:srgbClr val="000000"/>
               </a:solidFill>
@@ -2067,7 +1608,7 @@
               </a:spcBef>
               <a:buNone/>
             </a:pPr>
-            <a:endParaRPr b="0" lang="en-US" sz="3200" spc="-1" strike="noStrike">
+            <a:endParaRPr b="0" lang="en-GB" sz="3200" spc="-1" strike="noStrike">
               <a:solidFill>
                 <a:srgbClr val="000000"/>
               </a:solidFill>
@@ -2110,7 +1651,7 @@
               </a:spcBef>
               <a:buNone/>
             </a:pPr>
-            <a:endParaRPr b="0" lang="en-US" sz="3200" spc="-1" strike="noStrike">
+            <a:endParaRPr b="0" lang="en-GB" sz="3200" spc="-1" strike="noStrike">
               <a:solidFill>
                 <a:srgbClr val="000000"/>
               </a:solidFill>
@@ -2194,7 +1735,7 @@
             <a:pPr indent="0" algn="ctr">
               <a:buNone/>
             </a:pPr>
-            <a:endParaRPr b="0" lang="en-US" sz="4400" spc="-1" strike="noStrike">
+            <a:endParaRPr b="0" lang="en-GB" sz="4400" spc="-1" strike="noStrike">
               <a:solidFill>
                 <a:srgbClr val="000000"/>
               </a:solidFill>
@@ -2234,7 +1775,7 @@
             <a:pPr indent="0" algn="ctr">
               <a:buNone/>
             </a:pPr>
-            <a:endParaRPr b="0" lang="en-US" sz="3200" spc="-1" strike="noStrike">
+            <a:endParaRPr b="0" lang="en-GB" sz="3200" spc="-1" strike="noStrike">
               <a:solidFill>
                 <a:srgbClr val="000000"/>
               </a:solidFill>
@@ -2296,7 +1837,7 @@
             <a:pPr indent="0" algn="ctr">
               <a:buNone/>
             </a:pPr>
-            <a:endParaRPr b="0" lang="en-US" sz="4400" spc="-1" strike="noStrike">
+            <a:endParaRPr b="0" lang="en-GB" sz="4400" spc="-1" strike="noStrike">
               <a:solidFill>
                 <a:srgbClr val="000000"/>
               </a:solidFill>
@@ -2339,7 +1880,7 @@
               </a:spcBef>
               <a:buNone/>
             </a:pPr>
-            <a:endParaRPr b="0" lang="en-US" sz="3200" spc="-1" strike="noStrike">
+            <a:endParaRPr b="0" lang="en-GB" sz="3200" spc="-1" strike="noStrike">
               <a:solidFill>
                 <a:srgbClr val="000000"/>
               </a:solidFill>
@@ -2401,7 +1942,7 @@
             <a:pPr indent="0" algn="ctr">
               <a:buNone/>
             </a:pPr>
-            <a:endParaRPr b="0" lang="en-US" sz="4400" spc="-1" strike="noStrike">
+            <a:endParaRPr b="0" lang="en-GB" sz="4400" spc="-1" strike="noStrike">
               <a:solidFill>
                 <a:srgbClr val="000000"/>
               </a:solidFill>
@@ -2444,7 +1985,7 @@
               </a:spcBef>
               <a:buNone/>
             </a:pPr>
-            <a:endParaRPr b="0" lang="en-US" sz="3200" spc="-1" strike="noStrike">
+            <a:endParaRPr b="0" lang="en-GB" sz="3200" spc="-1" strike="noStrike">
               <a:solidFill>
                 <a:srgbClr val="000000"/>
               </a:solidFill>
@@ -2487,7 +2028,7 @@
               </a:spcBef>
               <a:buNone/>
             </a:pPr>
-            <a:endParaRPr b="0" lang="en-US" sz="3200" spc="-1" strike="noStrike">
+            <a:endParaRPr b="0" lang="en-GB" sz="3200" spc="-1" strike="noStrike">
               <a:solidFill>
                 <a:srgbClr val="000000"/>
               </a:solidFill>
@@ -2549,7 +2090,7 @@
             <a:pPr indent="0" algn="ctr">
               <a:buNone/>
             </a:pPr>
-            <a:endParaRPr b="0" lang="en-US" sz="4400" spc="-1" strike="noStrike">
+            <a:endParaRPr b="0" lang="en-GB" sz="4400" spc="-1" strike="noStrike">
               <a:solidFill>
                 <a:srgbClr val="000000"/>
               </a:solidFill>
@@ -2609,7 +2150,7 @@
           </a:bodyPr>
           <a:p>
             <a:pPr algn="ctr"/>
-            <a:endParaRPr b="0" lang="en-US" sz="3200" spc="-1" strike="noStrike">
+            <a:endParaRPr b="0" lang="en-GB" sz="3200" spc="-1" strike="noStrike">
               <a:solidFill>
                 <a:srgbClr val="000000"/>
               </a:solidFill>
@@ -2671,7 +2212,7 @@
             <a:pPr indent="0" algn="ctr">
               <a:buNone/>
             </a:pPr>
-            <a:endParaRPr b="0" lang="en-US" sz="4400" spc="-1" strike="noStrike">
+            <a:endParaRPr b="0" lang="en-GB" sz="4400" spc="-1" strike="noStrike">
               <a:solidFill>
                 <a:srgbClr val="000000"/>
               </a:solidFill>
@@ -2714,7 +2255,7 @@
               </a:spcBef>
               <a:buNone/>
             </a:pPr>
-            <a:endParaRPr b="0" lang="en-US" sz="3200" spc="-1" strike="noStrike">
+            <a:endParaRPr b="0" lang="en-GB" sz="3200" spc="-1" strike="noStrike">
               <a:solidFill>
                 <a:srgbClr val="000000"/>
               </a:solidFill>
@@ -2757,7 +2298,7 @@
               </a:spcBef>
               <a:buNone/>
             </a:pPr>
-            <a:endParaRPr b="0" lang="en-US" sz="3200" spc="-1" strike="noStrike">
+            <a:endParaRPr b="0" lang="en-GB" sz="3200" spc="-1" strike="noStrike">
               <a:solidFill>
                 <a:srgbClr val="000000"/>
               </a:solidFill>
@@ -2800,7 +2341,7 @@
               </a:spcBef>
               <a:buNone/>
             </a:pPr>
-            <a:endParaRPr b="0" lang="en-US" sz="3200" spc="-1" strike="noStrike">
+            <a:endParaRPr b="0" lang="en-GB" sz="3200" spc="-1" strike="noStrike">
               <a:solidFill>
                 <a:srgbClr val="000000"/>
               </a:solidFill>
@@ -2862,7 +2403,7 @@
             <a:pPr indent="0" algn="ctr">
               <a:buNone/>
             </a:pPr>
-            <a:endParaRPr b="0" lang="en-US" sz="4400" spc="-1" strike="noStrike">
+            <a:endParaRPr b="0" lang="en-GB" sz="4400" spc="-1" strike="noStrike">
               <a:solidFill>
                 <a:srgbClr val="000000"/>
               </a:solidFill>
@@ -2902,7 +2443,7 @@
             <a:pPr indent="0" algn="ctr">
               <a:buNone/>
             </a:pPr>
-            <a:endParaRPr b="0" lang="en-US" sz="3200" spc="-1" strike="noStrike">
+            <a:endParaRPr b="0" lang="en-GB" sz="3200" spc="-1" strike="noStrike">
               <a:solidFill>
                 <a:srgbClr val="000000"/>
               </a:solidFill>
@@ -2964,7 +2505,7 @@
             <a:pPr indent="0" algn="ctr">
               <a:buNone/>
             </a:pPr>
-            <a:endParaRPr b="0" lang="en-US" sz="4400" spc="-1" strike="noStrike">
+            <a:endParaRPr b="0" lang="en-GB" sz="4400" spc="-1" strike="noStrike">
               <a:solidFill>
                 <a:srgbClr val="000000"/>
               </a:solidFill>
@@ -3007,7 +2548,7 @@
               </a:spcBef>
               <a:buNone/>
             </a:pPr>
-            <a:endParaRPr b="0" lang="en-US" sz="3200" spc="-1" strike="noStrike">
+            <a:endParaRPr b="0" lang="en-GB" sz="3200" spc="-1" strike="noStrike">
               <a:solidFill>
                 <a:srgbClr val="000000"/>
               </a:solidFill>
@@ -3050,7 +2591,7 @@
               </a:spcBef>
               <a:buNone/>
             </a:pPr>
-            <a:endParaRPr b="0" lang="en-US" sz="3200" spc="-1" strike="noStrike">
+            <a:endParaRPr b="0" lang="en-GB" sz="3200" spc="-1" strike="noStrike">
               <a:solidFill>
                 <a:srgbClr val="000000"/>
               </a:solidFill>
@@ -3093,7 +2634,7 @@
               </a:spcBef>
               <a:buNone/>
             </a:pPr>
-            <a:endParaRPr b="0" lang="en-US" sz="3200" spc="-1" strike="noStrike">
+            <a:endParaRPr b="0" lang="en-GB" sz="3200" spc="-1" strike="noStrike">
               <a:solidFill>
                 <a:srgbClr val="000000"/>
               </a:solidFill>
@@ -3155,7 +2696,7 @@
             <a:pPr indent="0" algn="ctr">
               <a:buNone/>
             </a:pPr>
-            <a:endParaRPr b="0" lang="en-US" sz="4400" spc="-1" strike="noStrike">
+            <a:endParaRPr b="0" lang="en-GB" sz="4400" spc="-1" strike="noStrike">
               <a:solidFill>
                 <a:srgbClr val="000000"/>
               </a:solidFill>
@@ -3198,7 +2739,7 @@
               </a:spcBef>
               <a:buNone/>
             </a:pPr>
-            <a:endParaRPr b="0" lang="en-US" sz="3200" spc="-1" strike="noStrike">
+            <a:endParaRPr b="0" lang="en-GB" sz="3200" spc="-1" strike="noStrike">
               <a:solidFill>
                 <a:srgbClr val="000000"/>
               </a:solidFill>
@@ -3241,7 +2782,7 @@
               </a:spcBef>
               <a:buNone/>
             </a:pPr>
-            <a:endParaRPr b="0" lang="en-US" sz="3200" spc="-1" strike="noStrike">
+            <a:endParaRPr b="0" lang="en-GB" sz="3200" spc="-1" strike="noStrike">
               <a:solidFill>
                 <a:srgbClr val="000000"/>
               </a:solidFill>
@@ -3284,7 +2825,7 @@
               </a:spcBef>
               <a:buNone/>
             </a:pPr>
-            <a:endParaRPr b="0" lang="en-US" sz="3200" spc="-1" strike="noStrike">
+            <a:endParaRPr b="0" lang="en-GB" sz="3200" spc="-1" strike="noStrike">
               <a:solidFill>
                 <a:srgbClr val="000000"/>
               </a:solidFill>
@@ -3346,7 +2887,7 @@
             <a:pPr indent="0" algn="ctr">
               <a:buNone/>
             </a:pPr>
-            <a:endParaRPr b="0" lang="en-US" sz="4400" spc="-1" strike="noStrike">
+            <a:endParaRPr b="0" lang="en-GB" sz="4400" spc="-1" strike="noStrike">
               <a:solidFill>
                 <a:srgbClr val="000000"/>
               </a:solidFill>
@@ -3389,7 +2930,7 @@
               </a:spcBef>
               <a:buNone/>
             </a:pPr>
-            <a:endParaRPr b="0" lang="en-US" sz="3200" spc="-1" strike="noStrike">
+            <a:endParaRPr b="0" lang="en-GB" sz="3200" spc="-1" strike="noStrike">
               <a:solidFill>
                 <a:srgbClr val="000000"/>
               </a:solidFill>
@@ -3432,7 +2973,7 @@
               </a:spcBef>
               <a:buNone/>
             </a:pPr>
-            <a:endParaRPr b="0" lang="en-US" sz="3200" spc="-1" strike="noStrike">
+            <a:endParaRPr b="0" lang="en-GB" sz="3200" spc="-1" strike="noStrike">
               <a:solidFill>
                 <a:srgbClr val="000000"/>
               </a:solidFill>
@@ -3494,7 +3035,7 @@
             <a:pPr indent="0" algn="ctr">
               <a:buNone/>
             </a:pPr>
-            <a:endParaRPr b="0" lang="en-US" sz="4400" spc="-1" strike="noStrike">
+            <a:endParaRPr b="0" lang="en-GB" sz="4400" spc="-1" strike="noStrike">
               <a:solidFill>
                 <a:srgbClr val="000000"/>
               </a:solidFill>
@@ -3537,7 +3078,7 @@
               </a:spcBef>
               <a:buNone/>
             </a:pPr>
-            <a:endParaRPr b="0" lang="en-US" sz="3200" spc="-1" strike="noStrike">
+            <a:endParaRPr b="0" lang="en-GB" sz="3200" spc="-1" strike="noStrike">
               <a:solidFill>
                 <a:srgbClr val="000000"/>
               </a:solidFill>
@@ -3580,7 +3121,7 @@
               </a:spcBef>
               <a:buNone/>
             </a:pPr>
-            <a:endParaRPr b="0" lang="en-US" sz="3200" spc="-1" strike="noStrike">
+            <a:endParaRPr b="0" lang="en-GB" sz="3200" spc="-1" strike="noStrike">
               <a:solidFill>
                 <a:srgbClr val="000000"/>
               </a:solidFill>
@@ -3623,7 +3164,7 @@
               </a:spcBef>
               <a:buNone/>
             </a:pPr>
-            <a:endParaRPr b="0" lang="en-US" sz="3200" spc="-1" strike="noStrike">
+            <a:endParaRPr b="0" lang="en-GB" sz="3200" spc="-1" strike="noStrike">
               <a:solidFill>
                 <a:srgbClr val="000000"/>
               </a:solidFill>
@@ -3666,7 +3207,7 @@
               </a:spcBef>
               <a:buNone/>
             </a:pPr>
-            <a:endParaRPr b="0" lang="en-US" sz="3200" spc="-1" strike="noStrike">
+            <a:endParaRPr b="0" lang="en-GB" sz="3200" spc="-1" strike="noStrike">
               <a:solidFill>
                 <a:srgbClr val="000000"/>
               </a:solidFill>
@@ -3728,7 +3269,7 @@
             <a:pPr indent="0" algn="ctr">
               <a:buNone/>
             </a:pPr>
-            <a:endParaRPr b="0" lang="en-US" sz="4400" spc="-1" strike="noStrike">
+            <a:endParaRPr b="0" lang="en-GB" sz="4400" spc="-1" strike="noStrike">
               <a:solidFill>
                 <a:srgbClr val="000000"/>
               </a:solidFill>
@@ -3771,7 +3312,7 @@
               </a:spcBef>
               <a:buNone/>
             </a:pPr>
-            <a:endParaRPr b="0" lang="en-US" sz="3200" spc="-1" strike="noStrike">
+            <a:endParaRPr b="0" lang="en-GB" sz="3200" spc="-1" strike="noStrike">
               <a:solidFill>
                 <a:srgbClr val="000000"/>
               </a:solidFill>
@@ -3814,7 +3355,7 @@
               </a:spcBef>
               <a:buNone/>
             </a:pPr>
-            <a:endParaRPr b="0" lang="en-US" sz="3200" spc="-1" strike="noStrike">
+            <a:endParaRPr b="0" lang="en-GB" sz="3200" spc="-1" strike="noStrike">
               <a:solidFill>
                 <a:srgbClr val="000000"/>
               </a:solidFill>
@@ -3857,7 +3398,7 @@
               </a:spcBef>
               <a:buNone/>
             </a:pPr>
-            <a:endParaRPr b="0" lang="en-US" sz="3200" spc="-1" strike="noStrike">
+            <a:endParaRPr b="0" lang="en-GB" sz="3200" spc="-1" strike="noStrike">
               <a:solidFill>
                 <a:srgbClr val="000000"/>
               </a:solidFill>
@@ -3900,7 +3441,7 @@
               </a:spcBef>
               <a:buNone/>
             </a:pPr>
-            <a:endParaRPr b="0" lang="en-US" sz="3200" spc="-1" strike="noStrike">
+            <a:endParaRPr b="0" lang="en-GB" sz="3200" spc="-1" strike="noStrike">
               <a:solidFill>
                 <a:srgbClr val="000000"/>
               </a:solidFill>
@@ -3943,7 +3484,7 @@
               </a:spcBef>
               <a:buNone/>
             </a:pPr>
-            <a:endParaRPr b="0" lang="en-US" sz="3200" spc="-1" strike="noStrike">
+            <a:endParaRPr b="0" lang="en-GB" sz="3200" spc="-1" strike="noStrike">
               <a:solidFill>
                 <a:srgbClr val="000000"/>
               </a:solidFill>
@@ -3986,7 +3527,7 @@
               </a:spcBef>
               <a:buNone/>
             </a:pPr>
-            <a:endParaRPr b="0" lang="en-US" sz="3200" spc="-1" strike="noStrike">
+            <a:endParaRPr b="0" lang="en-GB" sz="3200" spc="-1" strike="noStrike">
               <a:solidFill>
                 <a:srgbClr val="000000"/>
               </a:solidFill>
@@ -4048,7 +3589,7 @@
             <a:pPr indent="0" algn="ctr">
               <a:buNone/>
             </a:pPr>
-            <a:endParaRPr b="0" lang="en-US" sz="4400" spc="-1" strike="noStrike">
+            <a:endParaRPr b="0" lang="en-GB" sz="4400" spc="-1" strike="noStrike">
               <a:solidFill>
                 <a:srgbClr val="000000"/>
               </a:solidFill>
@@ -4091,7 +3632,7 @@
               </a:spcBef>
               <a:buNone/>
             </a:pPr>
-            <a:endParaRPr b="0" lang="en-US" sz="3200" spc="-1" strike="noStrike">
+            <a:endParaRPr b="0" lang="en-GB" sz="3200" spc="-1" strike="noStrike">
               <a:solidFill>
                 <a:srgbClr val="000000"/>
               </a:solidFill>
@@ -4153,7 +3694,7 @@
             <a:pPr indent="0" algn="ctr">
               <a:buNone/>
             </a:pPr>
-            <a:endParaRPr b="0" lang="en-US" sz="4400" spc="-1" strike="noStrike">
+            <a:endParaRPr b="0" lang="en-GB" sz="4400" spc="-1" strike="noStrike">
               <a:solidFill>
                 <a:srgbClr val="000000"/>
               </a:solidFill>
@@ -4196,7 +3737,7 @@
               </a:spcBef>
               <a:buNone/>
             </a:pPr>
-            <a:endParaRPr b="0" lang="en-US" sz="3200" spc="-1" strike="noStrike">
+            <a:endParaRPr b="0" lang="en-GB" sz="3200" spc="-1" strike="noStrike">
               <a:solidFill>
                 <a:srgbClr val="000000"/>
               </a:solidFill>
@@ -4239,7 +3780,7 @@
               </a:spcBef>
               <a:buNone/>
             </a:pPr>
-            <a:endParaRPr b="0" lang="en-US" sz="3200" spc="-1" strike="noStrike">
+            <a:endParaRPr b="0" lang="en-GB" sz="3200" spc="-1" strike="noStrike">
               <a:solidFill>
                 <a:srgbClr val="000000"/>
               </a:solidFill>
@@ -4301,7 +3842,7 @@
             <a:pPr indent="0" algn="ctr">
               <a:buNone/>
             </a:pPr>
-            <a:endParaRPr b="0" lang="en-US" sz="4400" spc="-1" strike="noStrike">
+            <a:endParaRPr b="0" lang="en-GB" sz="4400" spc="-1" strike="noStrike">
               <a:solidFill>
                 <a:srgbClr val="000000"/>
               </a:solidFill>
@@ -4361,7 +3902,7 @@
           </a:bodyPr>
           <a:p>
             <a:pPr algn="ctr"/>
-            <a:endParaRPr b="0" lang="en-US" sz="3200" spc="-1" strike="noStrike">
+            <a:endParaRPr b="0" lang="en-GB" sz="3200" spc="-1" strike="noStrike">
               <a:solidFill>
                 <a:srgbClr val="000000"/>
               </a:solidFill>
@@ -4423,7 +3964,7 @@
             <a:pPr indent="0" algn="ctr">
               <a:buNone/>
             </a:pPr>
-            <a:endParaRPr b="0" lang="en-US" sz="4400" spc="-1" strike="noStrike">
+            <a:endParaRPr b="0" lang="en-GB" sz="4400" spc="-1" strike="noStrike">
               <a:solidFill>
                 <a:srgbClr val="000000"/>
               </a:solidFill>
@@ -4466,7 +4007,7 @@
               </a:spcBef>
               <a:buNone/>
             </a:pPr>
-            <a:endParaRPr b="0" lang="en-US" sz="3200" spc="-1" strike="noStrike">
+            <a:endParaRPr b="0" lang="en-GB" sz="3200" spc="-1" strike="noStrike">
               <a:solidFill>
                 <a:srgbClr val="000000"/>
               </a:solidFill>
@@ -4509,7 +4050,7 @@
               </a:spcBef>
               <a:buNone/>
             </a:pPr>
-            <a:endParaRPr b="0" lang="en-US" sz="3200" spc="-1" strike="noStrike">
+            <a:endParaRPr b="0" lang="en-GB" sz="3200" spc="-1" strike="noStrike">
               <a:solidFill>
                 <a:srgbClr val="000000"/>
               </a:solidFill>
@@ -4552,7 +4093,7 @@
               </a:spcBef>
               <a:buNone/>
             </a:pPr>
-            <a:endParaRPr b="0" lang="en-US" sz="3200" spc="-1" strike="noStrike">
+            <a:endParaRPr b="0" lang="en-GB" sz="3200" spc="-1" strike="noStrike">
               <a:solidFill>
                 <a:srgbClr val="000000"/>
               </a:solidFill>
@@ -4614,7 +4155,7 @@
             <a:pPr indent="0" algn="ctr">
               <a:buNone/>
             </a:pPr>
-            <a:endParaRPr b="0" lang="en-US" sz="4400" spc="-1" strike="noStrike">
+            <a:endParaRPr b="0" lang="en-GB" sz="4400" spc="-1" strike="noStrike">
               <a:solidFill>
                 <a:srgbClr val="000000"/>
               </a:solidFill>
@@ -4657,7 +4198,7 @@
               </a:spcBef>
               <a:buNone/>
             </a:pPr>
-            <a:endParaRPr b="0" lang="en-US" sz="3200" spc="-1" strike="noStrike">
+            <a:endParaRPr b="0" lang="en-GB" sz="3200" spc="-1" strike="noStrike">
               <a:solidFill>
                 <a:srgbClr val="000000"/>
               </a:solidFill>
@@ -4700,7 +4241,7 @@
               </a:spcBef>
               <a:buNone/>
             </a:pPr>
-            <a:endParaRPr b="0" lang="en-US" sz="3200" spc="-1" strike="noStrike">
+            <a:endParaRPr b="0" lang="en-GB" sz="3200" spc="-1" strike="noStrike">
               <a:solidFill>
                 <a:srgbClr val="000000"/>
               </a:solidFill>
@@ -4743,7 +4284,7 @@
               </a:spcBef>
               <a:buNone/>
             </a:pPr>
-            <a:endParaRPr b="0" lang="en-US" sz="3200" spc="-1" strike="noStrike">
+            <a:endParaRPr b="0" lang="en-GB" sz="3200" spc="-1" strike="noStrike">
               <a:solidFill>
                 <a:srgbClr val="000000"/>
               </a:solidFill>
@@ -4805,7 +4346,7 @@
             <a:pPr indent="0" algn="ctr">
               <a:buNone/>
             </a:pPr>
-            <a:endParaRPr b="0" lang="en-US" sz="4400" spc="-1" strike="noStrike">
+            <a:endParaRPr b="0" lang="en-GB" sz="4400" spc="-1" strike="noStrike">
               <a:solidFill>
                 <a:srgbClr val="000000"/>
               </a:solidFill>
@@ -4848,7 +4389,7 @@
               </a:spcBef>
               <a:buNone/>
             </a:pPr>
-            <a:endParaRPr b="0" lang="en-US" sz="3200" spc="-1" strike="noStrike">
+            <a:endParaRPr b="0" lang="en-GB" sz="3200" spc="-1" strike="noStrike">
               <a:solidFill>
                 <a:srgbClr val="000000"/>
               </a:solidFill>
@@ -4891,7 +4432,7 @@
               </a:spcBef>
               <a:buNone/>
             </a:pPr>
-            <a:endParaRPr b="0" lang="en-US" sz="3200" spc="-1" strike="noStrike">
+            <a:endParaRPr b="0" lang="en-GB" sz="3200" spc="-1" strike="noStrike">
               <a:solidFill>
                 <a:srgbClr val="000000"/>
               </a:solidFill>
@@ -4934,7 +4475,7 @@
               </a:spcBef>
               <a:buNone/>
             </a:pPr>
-            <a:endParaRPr b="0" lang="en-US" sz="3200" spc="-1" strike="noStrike">
+            <a:endParaRPr b="0" lang="en-GB" sz="3200" spc="-1" strike="noStrike">
               <a:solidFill>
                 <a:srgbClr val="000000"/>
               </a:solidFill>
@@ -4981,7 +4522,7 @@
         <p:spPr>
           <a:xfrm>
             <a:off x="11444760" y="0"/>
-            <a:ext cx="744840" cy="6853680"/>
+            <a:ext cx="744480" cy="6853320"/>
           </a:xfrm>
           <a:prstGeom prst="rect">
             <a:avLst/>
@@ -5030,7 +4571,7 @@
         <p:spPr>
           <a:xfrm>
             <a:off x="11438640" y="6453360"/>
-            <a:ext cx="761760" cy="363960"/>
+            <a:ext cx="761400" cy="363960"/>
           </a:xfrm>
           <a:prstGeom prst="rect">
             <a:avLst/>
@@ -5056,7 +4597,7 @@
                 <a:spcPct val="100000"/>
               </a:lnSpc>
             </a:pPr>
-            <a:fld id="{6015A372-4B95-49A6-90A0-4A4C2652276C}" type="slidenum">
+            <a:fld id="{EA0E5E44-3AA2-4B1E-8D99-368961323FC2}" type="slidenum">
               <a:rPr b="0" lang="en-US" sz="1800" spc="-1" strike="noStrike">
                 <a:solidFill>
                   <a:srgbClr val="808080"/>
@@ -5066,7 +4607,7 @@
               </a:rPr>
               <a:t>&lt;number&gt;</a:t>
             </a:fld>
-            <a:endParaRPr b="0" lang="en-US" sz="1800" spc="-1" strike="noStrike">
+            <a:endParaRPr b="0" lang="en-GB" sz="1800" spc="-1" strike="noStrike">
               <a:solidFill>
                 <a:srgbClr val="000000"/>
               </a:solidFill>
@@ -5084,7 +4625,7 @@
         <p:spPr>
           <a:xfrm>
             <a:off x="912240" y="1268280"/>
-            <a:ext cx="9211680" cy="365040"/>
+            <a:ext cx="9211320" cy="364680"/>
           </a:xfrm>
           <a:prstGeom prst="rect">
             <a:avLst/>
@@ -5133,7 +4674,7 @@
         <p:spPr>
           <a:xfrm>
             <a:off x="0" y="0"/>
-            <a:ext cx="3055680" cy="565560"/>
+            <a:ext cx="3055320" cy="565200"/>
           </a:xfrm>
           <a:prstGeom prst="rect">
             <a:avLst/>
@@ -5156,7 +4697,7 @@
         <p:spPr>
           <a:xfrm>
             <a:off x="7430400" y="134640"/>
-            <a:ext cx="3701520" cy="517680"/>
+            <a:ext cx="3701160" cy="517320"/>
           </a:xfrm>
           <a:prstGeom prst="rect">
             <a:avLst/>
@@ -5175,7 +4716,7 @@
         <p:spPr>
           <a:xfrm>
             <a:off x="912240" y="1268280"/>
-            <a:ext cx="9211680" cy="365040"/>
+            <a:ext cx="9211320" cy="364680"/>
           </a:xfrm>
           <a:prstGeom prst="rect">
             <a:avLst/>
@@ -5220,7 +4761,7 @@
         <p:spPr>
           <a:xfrm>
             <a:off x="11444760" y="0"/>
-            <a:ext cx="744840" cy="6853680"/>
+            <a:ext cx="744480" cy="6853320"/>
           </a:xfrm>
           <a:prstGeom prst="rect">
             <a:avLst/>
@@ -5269,7 +4810,7 @@
         <p:spPr>
           <a:xfrm>
             <a:off x="0" y="6642720"/>
-            <a:ext cx="12187800" cy="211320"/>
+            <a:ext cx="12187440" cy="211320"/>
           </a:xfrm>
           <a:prstGeom prst="rect">
             <a:avLst/>
@@ -5305,7 +4846,7 @@
               </a:rPr>
               <a:t>Requirements Engineering – TU Clausthal</a:t>
             </a:r>
-            <a:endParaRPr b="0" lang="en-US" sz="800" spc="-1" strike="noStrike">
+            <a:endParaRPr b="0" lang="en-GB" sz="800" spc="-1" strike="noStrike">
               <a:solidFill>
                 <a:srgbClr val="000000"/>
               </a:solidFill>
@@ -5346,321 +4887,15 @@
               <a:buNone/>
             </a:pPr>
             <a:r>
-              <a:rPr b="0" lang="en-US" sz="4400" spc="-1" strike="noStrike">
+              <a:rPr b="0" lang="en-GB" sz="4400" spc="-1" strike="noStrike">
                 <a:solidFill>
                   <a:srgbClr val="000000"/>
                 </a:solidFill>
                 <a:latin typeface="Arial"/>
               </a:rPr>
-              <a:t>C</a:t>
-            </a:r>
-            <a:r>
-              <a:rPr b="0" lang="en-US" sz="4400" spc="-1" strike="noStrike">
-                <a:solidFill>
-                  <a:srgbClr val="000000"/>
-                </a:solidFill>
-                <a:latin typeface="Arial"/>
-              </a:rPr>
-              <a:t>l</a:t>
-            </a:r>
-            <a:r>
-              <a:rPr b="0" lang="en-US" sz="4400" spc="-1" strike="noStrike">
-                <a:solidFill>
-                  <a:srgbClr val="000000"/>
-                </a:solidFill>
-                <a:latin typeface="Arial"/>
-              </a:rPr>
-              <a:t>i</a:t>
-            </a:r>
-            <a:r>
-              <a:rPr b="0" lang="en-US" sz="4400" spc="-1" strike="noStrike">
-                <a:solidFill>
-                  <a:srgbClr val="000000"/>
-                </a:solidFill>
-                <a:latin typeface="Arial"/>
-              </a:rPr>
-              <a:t>c</a:t>
-            </a:r>
-            <a:r>
-              <a:rPr b="0" lang="en-US" sz="4400" spc="-1" strike="noStrike">
-                <a:solidFill>
-                  <a:srgbClr val="000000"/>
-                </a:solidFill>
-                <a:latin typeface="Arial"/>
-              </a:rPr>
-              <a:t>k</a:t>
-            </a:r>
-            <a:r>
-              <a:rPr b="0" lang="en-US" sz="4400" spc="-1" strike="noStrike">
-                <a:solidFill>
-                  <a:srgbClr val="000000"/>
-                </a:solidFill>
-                <a:latin typeface="Arial"/>
-              </a:rPr>
-              <a:t> </a:t>
-            </a:r>
-            <a:r>
-              <a:rPr b="0" lang="en-US" sz="4400" spc="-1" strike="noStrike">
-                <a:solidFill>
-                  <a:srgbClr val="000000"/>
-                </a:solidFill>
-                <a:latin typeface="Arial"/>
-              </a:rPr>
-              <a:t>t</a:t>
-            </a:r>
-            <a:r>
-              <a:rPr b="0" lang="en-US" sz="4400" spc="-1" strike="noStrike">
-                <a:solidFill>
-                  <a:srgbClr val="000000"/>
-                </a:solidFill>
-                <a:latin typeface="Arial"/>
-              </a:rPr>
-              <a:t>o</a:t>
-            </a:r>
-            <a:r>
-              <a:rPr b="0" lang="en-US" sz="4400" spc="-1" strike="noStrike">
-                <a:solidFill>
-                  <a:srgbClr val="000000"/>
-                </a:solidFill>
-                <a:latin typeface="Arial"/>
-              </a:rPr>
-              <a:t> </a:t>
-            </a:r>
-            <a:r>
-              <a:rPr b="0" lang="en-US" sz="4400" spc="-1" strike="noStrike">
-                <a:solidFill>
-                  <a:srgbClr val="000000"/>
-                </a:solidFill>
-                <a:latin typeface="Arial"/>
-              </a:rPr>
-              <a:t>e</a:t>
-            </a:r>
-            <a:r>
-              <a:rPr b="0" lang="en-US" sz="4400" spc="-1" strike="noStrike">
-                <a:solidFill>
-                  <a:srgbClr val="000000"/>
-                </a:solidFill>
-                <a:latin typeface="Arial"/>
-              </a:rPr>
-              <a:t>d</a:t>
-            </a:r>
-            <a:r>
-              <a:rPr b="0" lang="en-US" sz="4400" spc="-1" strike="noStrike">
-                <a:solidFill>
-                  <a:srgbClr val="000000"/>
-                </a:solidFill>
-                <a:latin typeface="Arial"/>
-              </a:rPr>
-              <a:t>i</a:t>
-            </a:r>
-            <a:r>
-              <a:rPr b="0" lang="en-US" sz="4400" spc="-1" strike="noStrike">
-                <a:solidFill>
-                  <a:srgbClr val="000000"/>
-                </a:solidFill>
-                <a:latin typeface="Arial"/>
-              </a:rPr>
-              <a:t>t</a:t>
-            </a:r>
-            <a:r>
-              <a:rPr b="0" lang="en-US" sz="4400" spc="-1" strike="noStrike">
-                <a:solidFill>
-                  <a:srgbClr val="000000"/>
-                </a:solidFill>
-                <a:latin typeface="Arial"/>
-              </a:rPr>
-              <a:t> </a:t>
-            </a:r>
-            <a:r>
-              <a:rPr b="0" lang="en-US" sz="4400" spc="-1" strike="noStrike">
-                <a:solidFill>
-                  <a:srgbClr val="000000"/>
-                </a:solidFill>
-                <a:latin typeface="Arial"/>
-              </a:rPr>
-              <a:t>t</a:t>
-            </a:r>
-            <a:r>
-              <a:rPr b="0" lang="en-US" sz="4400" spc="-1" strike="noStrike">
-                <a:solidFill>
-                  <a:srgbClr val="000000"/>
-                </a:solidFill>
-                <a:latin typeface="Arial"/>
-              </a:rPr>
-              <a:t>h</a:t>
-            </a:r>
-            <a:r>
-              <a:rPr b="0" lang="en-US" sz="4400" spc="-1" strike="noStrike">
-                <a:solidFill>
-                  <a:srgbClr val="000000"/>
-                </a:solidFill>
-                <a:latin typeface="Arial"/>
-              </a:rPr>
-              <a:t>e</a:t>
-            </a:r>
-            <a:r>
-              <a:rPr b="0" lang="en-US" sz="4400" spc="-1" strike="noStrike">
-                <a:solidFill>
-                  <a:srgbClr val="000000"/>
-                </a:solidFill>
-                <a:latin typeface="Arial"/>
-              </a:rPr>
-              <a:t> </a:t>
-            </a:r>
-            <a:r>
-              <a:rPr b="0" lang="en-US" sz="4400" spc="-1" strike="noStrike">
-                <a:solidFill>
-                  <a:srgbClr val="000000"/>
-                </a:solidFill>
-                <a:latin typeface="Arial"/>
-              </a:rPr>
-              <a:t>t</a:t>
-            </a:r>
-            <a:r>
-              <a:rPr b="0" lang="en-US" sz="4400" spc="-1" strike="noStrike">
-                <a:solidFill>
-                  <a:srgbClr val="000000"/>
-                </a:solidFill>
-                <a:latin typeface="Arial"/>
-              </a:rPr>
-              <a:t>i</a:t>
-            </a:r>
-            <a:r>
-              <a:rPr b="0" lang="en-US" sz="4400" spc="-1" strike="noStrike">
-                <a:solidFill>
-                  <a:srgbClr val="000000"/>
-                </a:solidFill>
-                <a:latin typeface="Arial"/>
-              </a:rPr>
-              <a:t>t</a:t>
-            </a:r>
-            <a:r>
-              <a:rPr b="0" lang="en-US" sz="4400" spc="-1" strike="noStrike">
-                <a:solidFill>
-                  <a:srgbClr val="000000"/>
-                </a:solidFill>
-                <a:latin typeface="Arial"/>
-              </a:rPr>
-              <a:t>l</a:t>
-            </a:r>
-            <a:r>
-              <a:rPr b="0" lang="en-US" sz="4400" spc="-1" strike="noStrike">
-                <a:solidFill>
-                  <a:srgbClr val="000000"/>
-                </a:solidFill>
-                <a:latin typeface="Arial"/>
-              </a:rPr>
-              <a:t>e</a:t>
-            </a:r>
-            <a:r>
-              <a:rPr b="0" lang="en-US" sz="4400" spc="-1" strike="noStrike">
-                <a:solidFill>
-                  <a:srgbClr val="000000"/>
-                </a:solidFill>
-                <a:latin typeface="Arial"/>
-              </a:rPr>
-              <a:t> </a:t>
-            </a:r>
-            <a:r>
-              <a:rPr b="0" lang="en-US" sz="4400" spc="-1" strike="noStrike">
-                <a:solidFill>
-                  <a:srgbClr val="000000"/>
-                </a:solidFill>
-                <a:latin typeface="Arial"/>
-              </a:rPr>
-              <a:t>t</a:t>
-            </a:r>
-            <a:r>
-              <a:rPr b="0" lang="en-US" sz="4400" spc="-1" strike="noStrike">
-                <a:solidFill>
-                  <a:srgbClr val="000000"/>
-                </a:solidFill>
-                <a:latin typeface="Arial"/>
-              </a:rPr>
-              <a:t>e</a:t>
-            </a:r>
-            <a:r>
-              <a:rPr b="0" lang="en-US" sz="4400" spc="-1" strike="noStrike">
-                <a:solidFill>
-                  <a:srgbClr val="000000"/>
-                </a:solidFill>
-                <a:latin typeface="Arial"/>
-              </a:rPr>
-              <a:t>x</a:t>
-            </a:r>
-            <a:r>
-              <a:rPr b="0" lang="en-US" sz="4400" spc="-1" strike="noStrike">
-                <a:solidFill>
-                  <a:srgbClr val="000000"/>
-                </a:solidFill>
-                <a:latin typeface="Arial"/>
-              </a:rPr>
-              <a:t>t</a:t>
-            </a:r>
-            <a:r>
-              <a:rPr b="0" lang="en-US" sz="4400" spc="-1" strike="noStrike">
-                <a:solidFill>
-                  <a:srgbClr val="000000"/>
-                </a:solidFill>
-                <a:latin typeface="Arial"/>
-              </a:rPr>
-              <a:t> </a:t>
-            </a:r>
-            <a:r>
-              <a:rPr b="0" lang="en-US" sz="4400" spc="-1" strike="noStrike">
-                <a:solidFill>
-                  <a:srgbClr val="000000"/>
-                </a:solidFill>
-                <a:latin typeface="Arial"/>
-              </a:rPr>
-              <a:t>f</a:t>
-            </a:r>
-            <a:r>
-              <a:rPr b="0" lang="en-US" sz="4400" spc="-1" strike="noStrike">
-                <a:solidFill>
-                  <a:srgbClr val="000000"/>
-                </a:solidFill>
-                <a:latin typeface="Arial"/>
-              </a:rPr>
-              <a:t>o</a:t>
-            </a:r>
-            <a:r>
-              <a:rPr b="0" lang="en-US" sz="4400" spc="-1" strike="noStrike">
-                <a:solidFill>
-                  <a:srgbClr val="000000"/>
-                </a:solidFill>
-                <a:latin typeface="Arial"/>
-              </a:rPr>
-              <a:t>r</a:t>
-            </a:r>
-            <a:r>
-              <a:rPr b="0" lang="en-US" sz="4400" spc="-1" strike="noStrike">
-                <a:solidFill>
-                  <a:srgbClr val="000000"/>
-                </a:solidFill>
-                <a:latin typeface="Arial"/>
-              </a:rPr>
-              <a:t>m</a:t>
-            </a:r>
-            <a:r>
-              <a:rPr b="0" lang="en-US" sz="4400" spc="-1" strike="noStrike">
-                <a:solidFill>
-                  <a:srgbClr val="000000"/>
-                </a:solidFill>
-                <a:latin typeface="Arial"/>
-              </a:rPr>
-              <a:t>a</a:t>
-            </a:r>
-            <a:r>
-              <a:rPr b="0" lang="en-US" sz="4400" spc="-1" strike="noStrike">
-                <a:solidFill>
-                  <a:srgbClr val="000000"/>
-                </a:solidFill>
-                <a:latin typeface="Arial"/>
-              </a:rPr>
-              <a:t>t</a:t>
-            </a:r>
-            <a:endParaRPr b="0" lang="en-US" sz="4400" spc="-1" strike="noStrike">
+              <a:t>Click to edit the title text format</a:t>
+            </a:r>
+            <a:endParaRPr b="0" lang="en-GB" sz="4400" spc="-1" strike="noStrike">
               <a:solidFill>
                 <a:srgbClr val="000000"/>
               </a:solidFill>
@@ -5709,7 +4944,7 @@
               <a:buChar char=""/>
             </a:pPr>
             <a:r>
-              <a:rPr b="0" lang="en-US" sz="3200" spc="-1" strike="noStrike">
+              <a:rPr b="0" lang="en-GB" sz="3200" spc="-1" strike="noStrike">
                 <a:solidFill>
                   <a:srgbClr val="000000"/>
                 </a:solidFill>
@@ -5717,7 +4952,7 @@
               </a:rPr>
               <a:t>Click to edit the outline text format</a:t>
             </a:r>
-            <a:endParaRPr b="0" lang="en-US" sz="3200" spc="-1" strike="noStrike">
+            <a:endParaRPr b="0" lang="en-GB" sz="3200" spc="-1" strike="noStrike">
               <a:solidFill>
                 <a:srgbClr val="000000"/>
               </a:solidFill>
@@ -5737,7 +4972,7 @@
               <a:buChar char=""/>
             </a:pPr>
             <a:r>
-              <a:rPr b="0" lang="en-US" sz="2800" spc="-1" strike="noStrike">
+              <a:rPr b="0" lang="en-GB" sz="2800" spc="-1" strike="noStrike">
                 <a:solidFill>
                   <a:srgbClr val="000000"/>
                 </a:solidFill>
@@ -5745,7 +4980,7 @@
               </a:rPr>
               <a:t>Second Outline Level</a:t>
             </a:r>
-            <a:endParaRPr b="0" lang="en-US" sz="2800" spc="-1" strike="noStrike">
+            <a:endParaRPr b="0" lang="en-GB" sz="2800" spc="-1" strike="noStrike">
               <a:solidFill>
                 <a:srgbClr val="000000"/>
               </a:solidFill>
@@ -5765,7 +5000,7 @@
               <a:buChar char=""/>
             </a:pPr>
             <a:r>
-              <a:rPr b="0" lang="en-US" sz="2400" spc="-1" strike="noStrike">
+              <a:rPr b="0" lang="en-GB" sz="2400" spc="-1" strike="noStrike">
                 <a:solidFill>
                   <a:srgbClr val="000000"/>
                 </a:solidFill>
@@ -5773,7 +5008,7 @@
               </a:rPr>
               <a:t>Third Outline Level</a:t>
             </a:r>
-            <a:endParaRPr b="0" lang="en-US" sz="2400" spc="-1" strike="noStrike">
+            <a:endParaRPr b="0" lang="en-GB" sz="2400" spc="-1" strike="noStrike">
               <a:solidFill>
                 <a:srgbClr val="000000"/>
               </a:solidFill>
@@ -5793,7 +5028,7 @@
               <a:buChar char=""/>
             </a:pPr>
             <a:r>
-              <a:rPr b="0" lang="en-US" sz="2000" spc="-1" strike="noStrike">
+              <a:rPr b="0" lang="en-GB" sz="2000" spc="-1" strike="noStrike">
                 <a:solidFill>
                   <a:srgbClr val="000000"/>
                 </a:solidFill>
@@ -5801,7 +5036,7 @@
               </a:rPr>
               <a:t>Fourth Outline Level</a:t>
             </a:r>
-            <a:endParaRPr b="0" lang="en-US" sz="2000" spc="-1" strike="noStrike">
+            <a:endParaRPr b="0" lang="en-GB" sz="2000" spc="-1" strike="noStrike">
               <a:solidFill>
                 <a:srgbClr val="000000"/>
               </a:solidFill>
@@ -5821,7 +5056,7 @@
               <a:buChar char=""/>
             </a:pPr>
             <a:r>
-              <a:rPr b="0" lang="en-US" sz="2000" spc="-1" strike="noStrike">
+              <a:rPr b="0" lang="en-GB" sz="2000" spc="-1" strike="noStrike">
                 <a:solidFill>
                   <a:srgbClr val="000000"/>
                 </a:solidFill>
@@ -5829,7 +5064,7 @@
               </a:rPr>
               <a:t>Fifth Outline Level</a:t>
             </a:r>
-            <a:endParaRPr b="0" lang="en-US" sz="2000" spc="-1" strike="noStrike">
+            <a:endParaRPr b="0" lang="en-GB" sz="2000" spc="-1" strike="noStrike">
               <a:solidFill>
                 <a:srgbClr val="000000"/>
               </a:solidFill>
@@ -5849,7 +5084,7 @@
               <a:buChar char=""/>
             </a:pPr>
             <a:r>
-              <a:rPr b="0" lang="en-US" sz="2000" spc="-1" strike="noStrike">
+              <a:rPr b="0" lang="en-GB" sz="2000" spc="-1" strike="noStrike">
                 <a:solidFill>
                   <a:srgbClr val="000000"/>
                 </a:solidFill>
@@ -5857,7 +5092,7 @@
               </a:rPr>
               <a:t>Sixth Outline Level</a:t>
             </a:r>
-            <a:endParaRPr b="0" lang="en-US" sz="2000" spc="-1" strike="noStrike">
+            <a:endParaRPr b="0" lang="en-GB" sz="2000" spc="-1" strike="noStrike">
               <a:solidFill>
                 <a:srgbClr val="000000"/>
               </a:solidFill>
@@ -5877,7 +5112,7 @@
               <a:buChar char=""/>
             </a:pPr>
             <a:r>
-              <a:rPr b="0" lang="en-US" sz="2000" spc="-1" strike="noStrike">
+              <a:rPr b="0" lang="en-GB" sz="2000" spc="-1" strike="noStrike">
                 <a:solidFill>
                   <a:srgbClr val="000000"/>
                 </a:solidFill>
@@ -5885,7 +5120,7 @@
               </a:rPr>
               <a:t>Seventh Outline Level</a:t>
             </a:r>
-            <a:endParaRPr b="0" lang="en-US" sz="2000" spc="-1" strike="noStrike">
+            <a:endParaRPr b="0" lang="en-GB" sz="2000" spc="-1" strike="noStrike">
               <a:solidFill>
                 <a:srgbClr val="000000"/>
               </a:solidFill>
@@ -5947,7 +5182,7 @@
         <p:spPr>
           <a:xfrm>
             <a:off x="11444760" y="0"/>
-            <a:ext cx="744840" cy="6853680"/>
+            <a:ext cx="744480" cy="6853320"/>
           </a:xfrm>
           <a:prstGeom prst="rect">
             <a:avLst/>
@@ -5996,7 +5231,7 @@
         <p:spPr>
           <a:xfrm>
             <a:off x="11438640" y="6453360"/>
-            <a:ext cx="761760" cy="363960"/>
+            <a:ext cx="761400" cy="363960"/>
           </a:xfrm>
           <a:prstGeom prst="rect">
             <a:avLst/>
@@ -6022,7 +5257,7 @@
                 <a:spcPct val="100000"/>
               </a:lnSpc>
             </a:pPr>
-            <a:fld id="{102CED4A-9B36-432C-9E21-071C90EC06E2}" type="slidenum">
+            <a:fld id="{87614C30-F5E1-4154-B782-8CED1860CB11}" type="slidenum">
               <a:rPr b="0" lang="en-US" sz="1800" spc="-1" strike="noStrike">
                 <a:solidFill>
                   <a:srgbClr val="808080"/>
@@ -6032,7 +5267,7 @@
               </a:rPr>
               <a:t>&lt;number&gt;</a:t>
             </a:fld>
-            <a:endParaRPr b="0" lang="en-US" sz="1800" spc="-1" strike="noStrike">
+            <a:endParaRPr b="0" lang="en-GB" sz="1800" spc="-1" strike="noStrike">
               <a:solidFill>
                 <a:srgbClr val="000000"/>
               </a:solidFill>
@@ -6050,7 +5285,7 @@
         <p:spPr>
           <a:xfrm>
             <a:off x="912240" y="1268280"/>
-            <a:ext cx="9211680" cy="365040"/>
+            <a:ext cx="9211320" cy="364680"/>
           </a:xfrm>
           <a:prstGeom prst="rect">
             <a:avLst/>
@@ -6099,7 +5334,7 @@
         <p:spPr>
           <a:xfrm>
             <a:off x="0" y="0"/>
-            <a:ext cx="3055680" cy="565560"/>
+            <a:ext cx="3055320" cy="565200"/>
           </a:xfrm>
           <a:prstGeom prst="rect">
             <a:avLst/>
@@ -6122,7 +5357,7 @@
         <p:spPr>
           <a:xfrm>
             <a:off x="7430400" y="134640"/>
-            <a:ext cx="3701520" cy="517680"/>
+            <a:ext cx="3701160" cy="517320"/>
           </a:xfrm>
           <a:prstGeom prst="rect">
             <a:avLst/>
@@ -6141,7 +5376,7 @@
         <p:spPr>
           <a:xfrm>
             <a:off x="11444760" y="0"/>
-            <a:ext cx="744840" cy="6853680"/>
+            <a:ext cx="744480" cy="6853320"/>
           </a:xfrm>
           <a:prstGeom prst="rect">
             <a:avLst/>
@@ -6190,7 +5425,7 @@
         <p:spPr>
           <a:xfrm>
             <a:off x="11438640" y="6453360"/>
-            <a:ext cx="761760" cy="363960"/>
+            <a:ext cx="761400" cy="363960"/>
           </a:xfrm>
           <a:prstGeom prst="rect">
             <a:avLst/>
@@ -6216,7 +5451,7 @@
                 <a:spcPct val="100000"/>
               </a:lnSpc>
             </a:pPr>
-            <a:fld id="{91062C85-66D0-415B-83B6-947607EABBBE}" type="slidenum">
+            <a:fld id="{71C5D535-EE4A-4051-84CB-F89A30CDD40E}" type="slidenum">
               <a:rPr b="0" lang="en-US" sz="1800" spc="-1" strike="noStrike">
                 <a:solidFill>
                   <a:srgbClr val="808080"/>
@@ -6226,7 +5461,7 @@
               </a:rPr>
               <a:t>&lt;number&gt;</a:t>
             </a:fld>
-            <a:endParaRPr b="0" lang="en-US" sz="1800" spc="-1" strike="noStrike">
+            <a:endParaRPr b="0" lang="en-GB" sz="1800" spc="-1" strike="noStrike">
               <a:solidFill>
                 <a:srgbClr val="000000"/>
               </a:solidFill>
@@ -6244,7 +5479,7 @@
         <p:spPr>
           <a:xfrm>
             <a:off x="0" y="6642720"/>
-            <a:ext cx="12187800" cy="211320"/>
+            <a:ext cx="12187440" cy="211320"/>
           </a:xfrm>
           <a:prstGeom prst="rect">
             <a:avLst/>
@@ -6280,7 +5515,7 @@
               </a:rPr>
               <a:t>Requirements Engineering – TU Clausthal</a:t>
             </a:r>
-            <a:endParaRPr b="0" lang="en-US" sz="800" spc="-1" strike="noStrike">
+            <a:endParaRPr b="0" lang="en-GB" sz="800" spc="-1" strike="noStrike">
               <a:solidFill>
                 <a:srgbClr val="000000"/>
               </a:solidFill>
@@ -6321,7 +5556,7 @@
               <a:buNone/>
             </a:pPr>
             <a:r>
-              <a:rPr b="0" lang="en-US" sz="4400" spc="-1" strike="noStrike">
+              <a:rPr b="0" lang="en-GB" sz="4400" spc="-1" strike="noStrike">
                 <a:solidFill>
                   <a:srgbClr val="000000"/>
                 </a:solidFill>
@@ -6329,7 +5564,7 @@
               </a:rPr>
               <a:t>Click to edit the title text format</a:t>
             </a:r>
-            <a:endParaRPr b="0" lang="en-US" sz="4400" spc="-1" strike="noStrike">
+            <a:endParaRPr b="0" lang="en-GB" sz="4400" spc="-1" strike="noStrike">
               <a:solidFill>
                 <a:srgbClr val="000000"/>
               </a:solidFill>
@@ -6378,7 +5613,7 @@
               <a:buChar char=""/>
             </a:pPr>
             <a:r>
-              <a:rPr b="0" lang="en-US" sz="3200" spc="-1" strike="noStrike">
+              <a:rPr b="0" lang="en-GB" sz="3200" spc="-1" strike="noStrike">
                 <a:solidFill>
                   <a:srgbClr val="000000"/>
                 </a:solidFill>
@@ -6386,7 +5621,7 @@
               </a:rPr>
               <a:t>Click to edit the outline text format</a:t>
             </a:r>
-            <a:endParaRPr b="0" lang="en-US" sz="3200" spc="-1" strike="noStrike">
+            <a:endParaRPr b="0" lang="en-GB" sz="3200" spc="-1" strike="noStrike">
               <a:solidFill>
                 <a:srgbClr val="000000"/>
               </a:solidFill>
@@ -6406,7 +5641,7 @@
               <a:buChar char=""/>
             </a:pPr>
             <a:r>
-              <a:rPr b="0" lang="en-US" sz="2800" spc="-1" strike="noStrike">
+              <a:rPr b="0" lang="en-GB" sz="2800" spc="-1" strike="noStrike">
                 <a:solidFill>
                   <a:srgbClr val="000000"/>
                 </a:solidFill>
@@ -6414,7 +5649,7 @@
               </a:rPr>
               <a:t>Second Outline Level</a:t>
             </a:r>
-            <a:endParaRPr b="0" lang="en-US" sz="2800" spc="-1" strike="noStrike">
+            <a:endParaRPr b="0" lang="en-GB" sz="2800" spc="-1" strike="noStrike">
               <a:solidFill>
                 <a:srgbClr val="000000"/>
               </a:solidFill>
@@ -6434,7 +5669,7 @@
               <a:buChar char=""/>
             </a:pPr>
             <a:r>
-              <a:rPr b="0" lang="en-US" sz="2400" spc="-1" strike="noStrike">
+              <a:rPr b="0" lang="en-GB" sz="2400" spc="-1" strike="noStrike">
                 <a:solidFill>
                   <a:srgbClr val="000000"/>
                 </a:solidFill>
@@ -6442,7 +5677,7 @@
               </a:rPr>
               <a:t>Third Outline Level</a:t>
             </a:r>
-            <a:endParaRPr b="0" lang="en-US" sz="2400" spc="-1" strike="noStrike">
+            <a:endParaRPr b="0" lang="en-GB" sz="2400" spc="-1" strike="noStrike">
               <a:solidFill>
                 <a:srgbClr val="000000"/>
               </a:solidFill>
@@ -6462,7 +5697,7 @@
               <a:buChar char=""/>
             </a:pPr>
             <a:r>
-              <a:rPr b="0" lang="en-US" sz="2000" spc="-1" strike="noStrike">
+              <a:rPr b="0" lang="en-GB" sz="2000" spc="-1" strike="noStrike">
                 <a:solidFill>
                   <a:srgbClr val="000000"/>
                 </a:solidFill>
@@ -6470,7 +5705,7 @@
               </a:rPr>
               <a:t>Fourth Outline Level</a:t>
             </a:r>
-            <a:endParaRPr b="0" lang="en-US" sz="2000" spc="-1" strike="noStrike">
+            <a:endParaRPr b="0" lang="en-GB" sz="2000" spc="-1" strike="noStrike">
               <a:solidFill>
                 <a:srgbClr val="000000"/>
               </a:solidFill>
@@ -6490,7 +5725,7 @@
               <a:buChar char=""/>
             </a:pPr>
             <a:r>
-              <a:rPr b="0" lang="en-US" sz="2000" spc="-1" strike="noStrike">
+              <a:rPr b="0" lang="en-GB" sz="2000" spc="-1" strike="noStrike">
                 <a:solidFill>
                   <a:srgbClr val="000000"/>
                 </a:solidFill>
@@ -6498,7 +5733,7 @@
               </a:rPr>
               <a:t>Fifth Outline Level</a:t>
             </a:r>
-            <a:endParaRPr b="0" lang="en-US" sz="2000" spc="-1" strike="noStrike">
+            <a:endParaRPr b="0" lang="en-GB" sz="2000" spc="-1" strike="noStrike">
               <a:solidFill>
                 <a:srgbClr val="000000"/>
               </a:solidFill>
@@ -6518,7 +5753,7 @@
               <a:buChar char=""/>
             </a:pPr>
             <a:r>
-              <a:rPr b="0" lang="en-US" sz="2000" spc="-1" strike="noStrike">
+              <a:rPr b="0" lang="en-GB" sz="2000" spc="-1" strike="noStrike">
                 <a:solidFill>
                   <a:srgbClr val="000000"/>
                 </a:solidFill>
@@ -6526,7 +5761,7 @@
               </a:rPr>
               <a:t>Sixth Outline Level</a:t>
             </a:r>
-            <a:endParaRPr b="0" lang="en-US" sz="2000" spc="-1" strike="noStrike">
+            <a:endParaRPr b="0" lang="en-GB" sz="2000" spc="-1" strike="noStrike">
               <a:solidFill>
                 <a:srgbClr val="000000"/>
               </a:solidFill>
@@ -6546,7 +5781,7 @@
               <a:buChar char=""/>
             </a:pPr>
             <a:r>
-              <a:rPr b="0" lang="en-US" sz="2000" spc="-1" strike="noStrike">
+              <a:rPr b="0" lang="en-GB" sz="2000" spc="-1" strike="noStrike">
                 <a:solidFill>
                   <a:srgbClr val="000000"/>
                 </a:solidFill>
@@ -6554,7 +5789,7 @@
               </a:rPr>
               <a:t>Seventh Outline Level</a:t>
             </a:r>
-            <a:endParaRPr b="0" lang="en-US" sz="2000" spc="-1" strike="noStrike">
+            <a:endParaRPr b="0" lang="en-GB" sz="2000" spc="-1" strike="noStrike">
               <a:solidFill>
                 <a:srgbClr val="000000"/>
               </a:solidFill>
@@ -6609,7 +5844,7 @@
         <p:spPr>
           <a:xfrm>
             <a:off x="527400" y="1412640"/>
-            <a:ext cx="10364760" cy="1151280"/>
+            <a:ext cx="10364400" cy="1150920"/>
           </a:xfrm>
           <a:prstGeom prst="rect">
             <a:avLst/>
@@ -6645,7 +5880,7 @@
               </a:rPr>
               <a:t>Requirement Engineering</a:t>
             </a:r>
-            <a:endParaRPr b="0" lang="en-US" sz="3200" spc="-1" strike="noStrike">
+            <a:endParaRPr b="0" lang="en-GB" sz="3200" spc="-1" strike="noStrike">
               <a:solidFill>
                 <a:srgbClr val="000000"/>
               </a:solidFill>
@@ -6663,7 +5898,7 @@
         <p:spPr>
           <a:xfrm>
             <a:off x="527400" y="2852640"/>
-            <a:ext cx="10364760" cy="2372040"/>
+            <a:ext cx="10364400" cy="2371680"/>
           </a:xfrm>
           <a:prstGeom prst="rect">
             <a:avLst/>
@@ -6705,7 +5940,7 @@
               </a:rPr>
               <a:t>Lecture 0: Organization</a:t>
             </a:r>
-            <a:endParaRPr b="0" lang="en-US" sz="2400" spc="-1" strike="noStrike">
+            <a:endParaRPr b="0" lang="en-GB" sz="2400" spc="-1" strike="noStrike">
               <a:solidFill>
                 <a:srgbClr val="000000"/>
               </a:solidFill>
@@ -6724,7 +5959,7 @@
                 <a:tab algn="l" pos="0"/>
               </a:tabLst>
             </a:pPr>
-            <a:endParaRPr b="0" lang="en-US" sz="2400" spc="-1" strike="noStrike">
+            <a:endParaRPr b="0" lang="en-GB" sz="2400" spc="-1" strike="noStrike">
               <a:solidFill>
                 <a:srgbClr val="000000"/>
               </a:solidFill>
@@ -6743,7 +5978,7 @@
                 <a:tab algn="l" pos="0"/>
               </a:tabLst>
             </a:pPr>
-            <a:endParaRPr b="0" lang="en-US" sz="2400" spc="-1" strike="noStrike">
+            <a:endParaRPr b="0" lang="en-GB" sz="2400" spc="-1" strike="noStrike">
               <a:solidFill>
                 <a:srgbClr val="000000"/>
               </a:solidFill>
@@ -6762,7 +5997,7 @@
                 <a:tab algn="l" pos="0"/>
               </a:tabLst>
             </a:pPr>
-            <a:endParaRPr b="0" lang="en-US" sz="2400" spc="-1" strike="noStrike">
+            <a:endParaRPr b="0" lang="en-GB" sz="2400" spc="-1" strike="noStrike">
               <a:solidFill>
                 <a:srgbClr val="000000"/>
               </a:solidFill>
@@ -6791,7 +6026,7 @@
               </a:rPr>
               <a:t>Prof. Dr. Benjamin Leiding</a:t>
             </a:r>
-            <a:endParaRPr b="0" lang="en-US" sz="1600" spc="-1" strike="noStrike">
+            <a:endParaRPr b="0" lang="en-GB" sz="1600" spc="-1" strike="noStrike">
               <a:solidFill>
                 <a:srgbClr val="000000"/>
               </a:solidFill>
@@ -6820,7 +6055,7 @@
               </a:rPr>
               <a:t>M.Sc. Anant Sujatanagarjuna</a:t>
             </a:r>
-            <a:endParaRPr b="0" lang="en-US" sz="1600" spc="-1" strike="noStrike">
+            <a:endParaRPr b="0" lang="en-GB" sz="1600" spc="-1" strike="noStrike">
               <a:solidFill>
                 <a:srgbClr val="000000"/>
               </a:solidFill>
@@ -6868,7 +6103,7 @@
         <p:spPr>
           <a:xfrm>
             <a:off x="539640" y="764640"/>
-            <a:ext cx="10748880" cy="499680"/>
+            <a:ext cx="10748520" cy="499320"/>
           </a:xfrm>
           <a:prstGeom prst="rect">
             <a:avLst/>
@@ -6904,7 +6139,7 @@
               </a:rPr>
               <a:t>Exercises</a:t>
             </a:r>
-            <a:endParaRPr b="0" lang="en-US" sz="2400" spc="-1" strike="noStrike">
+            <a:endParaRPr b="0" lang="en-GB" sz="2400" spc="-1" strike="noStrike">
               <a:solidFill>
                 <a:srgbClr val="000000"/>
               </a:solidFill>
@@ -6922,7 +6157,7 @@
         <p:spPr>
           <a:xfrm>
             <a:off x="539640" y="1268640"/>
-            <a:ext cx="10748880" cy="5036400"/>
+            <a:ext cx="10748520" cy="5036040"/>
           </a:xfrm>
           <a:prstGeom prst="rect">
             <a:avLst/>
@@ -6967,7 +6202,7 @@
               </a:rPr>
               <a:t>09.11.2022 → Exercise 01 – Knowledge Test (MC)</a:t>
             </a:r>
-            <a:endParaRPr b="0" lang="en-US" sz="1800" spc="-1" strike="noStrike">
+            <a:endParaRPr b="0" lang="en-GB" sz="1800" spc="-1" strike="noStrike">
               <a:solidFill>
                 <a:srgbClr val="000000"/>
               </a:solidFill>
@@ -6999,7 +6234,7 @@
               </a:rPr>
               <a:t>23.11.2022 → Exercise 02 – Elicitation I</a:t>
             </a:r>
-            <a:endParaRPr b="0" lang="en-US" sz="1800" spc="-1" strike="noStrike">
+            <a:endParaRPr b="0" lang="en-GB" sz="1800" spc="-1" strike="noStrike">
               <a:solidFill>
                 <a:srgbClr val="000000"/>
               </a:solidFill>
@@ -7031,7 +6266,7 @@
               </a:rPr>
               <a:t>30.11.2022 → Exercise 03 – Elicitation II</a:t>
             </a:r>
-            <a:endParaRPr b="0" lang="en-US" sz="1800" spc="-1" strike="noStrike">
+            <a:endParaRPr b="0" lang="en-GB" sz="1800" spc="-1" strike="noStrike">
               <a:solidFill>
                 <a:srgbClr val="000000"/>
               </a:solidFill>
@@ -7063,7 +6298,7 @@
               </a:rPr>
               <a:t>14.12.2022 → Exercise 04 – Agent-oriented Modelling</a:t>
             </a:r>
-            <a:endParaRPr b="0" lang="en-US" sz="1800" spc="-1" strike="noStrike">
+            <a:endParaRPr b="0" lang="en-GB" sz="1800" spc="-1" strike="noStrike">
               <a:solidFill>
                 <a:srgbClr val="000000"/>
               </a:solidFill>
@@ -7095,7 +6330,7 @@
               </a:rPr>
               <a:t>21.12.2022 → Exercise 05 – Coloured Petri Nets I</a:t>
             </a:r>
-            <a:endParaRPr b="0" lang="en-US" sz="1800" spc="-1" strike="noStrike">
+            <a:endParaRPr b="0" lang="en-GB" sz="1800" spc="-1" strike="noStrike">
               <a:solidFill>
                 <a:srgbClr val="000000"/>
               </a:solidFill>
@@ -7127,7 +6362,7 @@
               </a:rPr>
               <a:t>11.01.2023 → Exercise 06 – Coloured Petri Nets II</a:t>
             </a:r>
-            <a:endParaRPr b="0" lang="en-US" sz="1800" spc="-1" strike="noStrike">
+            <a:endParaRPr b="0" lang="en-GB" sz="1800" spc="-1" strike="noStrike">
               <a:solidFill>
                 <a:srgbClr val="000000"/>
               </a:solidFill>
@@ -7159,7 +6394,7 @@
               </a:rPr>
               <a:t>18.01.2023 → Bonus Task</a:t>
             </a:r>
-            <a:endParaRPr b="0" lang="en-US" sz="1800" spc="-1" strike="noStrike">
+            <a:endParaRPr b="0" lang="en-GB" sz="1800" spc="-1" strike="noStrike">
               <a:solidFill>
                 <a:srgbClr val="000000"/>
               </a:solidFill>
@@ -7191,7 +6426,7 @@
               </a:rPr>
               <a:t>25.01.2023 → Exercise 07 – Management and Traceability (MC)</a:t>
             </a:r>
-            <a:endParaRPr b="0" lang="en-US" sz="1800" spc="-1" strike="noStrike">
+            <a:endParaRPr b="0" lang="en-GB" sz="1800" spc="-1" strike="noStrike">
               <a:solidFill>
                 <a:srgbClr val="000000"/>
               </a:solidFill>
@@ -7239,7 +6474,7 @@
         <p:spPr>
           <a:xfrm>
             <a:off x="539640" y="764640"/>
-            <a:ext cx="10742040" cy="492840"/>
+            <a:ext cx="10741680" cy="492480"/>
           </a:xfrm>
           <a:prstGeom prst="rect">
             <a:avLst/>
@@ -7275,7 +6510,7 @@
               </a:rPr>
               <a:t>Course Organization</a:t>
             </a:r>
-            <a:endParaRPr b="0" lang="en-US" sz="2400" spc="-1" strike="noStrike">
+            <a:endParaRPr b="0" lang="en-GB" sz="2400" spc="-1" strike="noStrike">
               <a:solidFill>
                 <a:srgbClr val="000000"/>
               </a:solidFill>
@@ -7293,7 +6528,7 @@
         <p:spPr>
           <a:xfrm>
             <a:off x="539640" y="1268280"/>
-            <a:ext cx="10742040" cy="5029560"/>
+            <a:ext cx="10741680" cy="5029200"/>
           </a:xfrm>
           <a:prstGeom prst="rect">
             <a:avLst/>
@@ -7314,6 +6549,22 @@
             <a:noAutofit/>
           </a:bodyPr>
           <a:p>
+            <a:pPr>
+              <a:lnSpc>
+                <a:spcPct val="100000"/>
+              </a:lnSpc>
+              <a:spcBef>
+                <a:spcPts val="360"/>
+              </a:spcBef>
+            </a:pPr>
+            <a:endParaRPr b="0" lang="en-GB" sz="1800" spc="-1" strike="noStrike">
+              <a:solidFill>
+                <a:srgbClr val="000000"/>
+              </a:solidFill>
+              <a:latin typeface="Arial"/>
+            </a:endParaRPr>
+          </a:p>
+          <a:p>
             <a:pPr marL="216000" indent="-216000">
               <a:lnSpc>
                 <a:spcPct val="100000"/>
@@ -7328,15 +6579,227 @@
               <a:buFont typeface="DejaVu Sans"/>
               <a:buChar char="◾"/>
             </a:pPr>
-            <a:endParaRPr b="0" lang="en-US" sz="1800" spc="-1" strike="noStrike">
-              <a:solidFill>
-                <a:srgbClr val="000000"/>
-              </a:solidFill>
-              <a:latin typeface="Arial"/>
-            </a:endParaRPr>
-          </a:p>
-          <a:p>
-            <a:pPr marL="216000" indent="-216000">
+            <a:r>
+              <a:rPr b="0" lang="en-US" sz="1800" spc="-1" strike="noStrike">
+                <a:solidFill>
+                  <a:srgbClr val="000000"/>
+                </a:solidFill>
+                <a:latin typeface="DejaVu Sans"/>
+                <a:ea typeface="DejaVu Sans"/>
+              </a:rPr>
+              <a:t>Organization of the lecture:</a:t>
+            </a:r>
+            <a:endParaRPr b="0" lang="en-GB" sz="1800" spc="-1" strike="noStrike">
+              <a:solidFill>
+                <a:srgbClr val="000000"/>
+              </a:solidFill>
+              <a:latin typeface="Arial"/>
+            </a:endParaRPr>
+          </a:p>
+          <a:p>
+            <a:pPr lvl="1" marL="432000" indent="-216000">
+              <a:lnSpc>
+                <a:spcPct val="100000"/>
+              </a:lnSpc>
+              <a:spcBef>
+                <a:spcPts val="360"/>
+              </a:spcBef>
+              <a:buClr>
+                <a:srgbClr val="008c4f"/>
+              </a:buClr>
+              <a:buSzPct val="60000"/>
+              <a:buFont typeface="DejaVu Sans"/>
+              <a:buChar char="—"/>
+            </a:pPr>
+            <a:r>
+              <a:rPr b="0" lang="en-US" sz="1800" spc="-1" strike="noStrike">
+                <a:solidFill>
+                  <a:srgbClr val="000000"/>
+                </a:solidFill>
+                <a:latin typeface="DejaVu Sans"/>
+                <a:ea typeface="DejaVu Sans"/>
+              </a:rPr>
+              <a:t>Slides are available via Github (</a:t>
+            </a:r>
+            <a:r>
+              <a:rPr b="0" lang="en-US" sz="1800" spc="-1" strike="noStrike" u="sng">
+                <a:solidFill>
+                  <a:srgbClr val="0000ff"/>
+                </a:solidFill>
+                <a:uFillTx/>
+                <a:latin typeface="DejaVu Sans"/>
+                <a:ea typeface="DejaVu Sans"/>
+                <a:hlinkClick r:id="rId1"/>
+              </a:rPr>
+              <a:t>Link</a:t>
+            </a:r>
+            <a:r>
+              <a:rPr b="0" lang="en-US" sz="1800" spc="-1" strike="noStrike">
+                <a:solidFill>
+                  <a:srgbClr val="000000"/>
+                </a:solidFill>
+                <a:latin typeface="DejaVu Sans"/>
+                <a:ea typeface="DejaVu Sans"/>
+              </a:rPr>
+              <a:t>)</a:t>
+            </a:r>
+            <a:endParaRPr b="0" lang="en-GB" sz="1800" spc="-1" strike="noStrike">
+              <a:solidFill>
+                <a:srgbClr val="000000"/>
+              </a:solidFill>
+              <a:latin typeface="Arial"/>
+            </a:endParaRPr>
+          </a:p>
+          <a:p>
+            <a:pPr lvl="2" marL="648000" indent="-216000">
+              <a:lnSpc>
+                <a:spcPct val="100000"/>
+              </a:lnSpc>
+              <a:spcBef>
+                <a:spcPts val="360"/>
+              </a:spcBef>
+              <a:buClr>
+                <a:srgbClr val="008c4f"/>
+              </a:buClr>
+              <a:buSzPct val="45000"/>
+              <a:buFont typeface="DejaVu Sans"/>
+              <a:buChar char="—"/>
+            </a:pPr>
+            <a:r>
+              <a:rPr b="0" lang="en-US" sz="1800" spc="-1" strike="noStrike">
+                <a:solidFill>
+                  <a:srgbClr val="000000"/>
+                </a:solidFill>
+                <a:latin typeface="DejaVu Sans"/>
+                <a:ea typeface="DejaVu Sans"/>
+              </a:rPr>
+              <a:t>Please report bugs!</a:t>
+            </a:r>
+            <a:endParaRPr b="0" lang="en-GB" sz="1800" spc="-1" strike="noStrike">
+              <a:solidFill>
+                <a:srgbClr val="000000"/>
+              </a:solidFill>
+              <a:latin typeface="Arial"/>
+            </a:endParaRPr>
+          </a:p>
+          <a:p>
+            <a:pPr lvl="1" marL="432000" indent="-216000">
+              <a:lnSpc>
+                <a:spcPct val="100000"/>
+              </a:lnSpc>
+              <a:spcBef>
+                <a:spcPts val="360"/>
+              </a:spcBef>
+              <a:buClr>
+                <a:srgbClr val="008c4f"/>
+              </a:buClr>
+              <a:buSzPct val="60000"/>
+              <a:buFont typeface="DejaVu Sans"/>
+              <a:buChar char="—"/>
+            </a:pPr>
+            <a:r>
+              <a:rPr b="0" lang="en-US" sz="1800" spc="-1" strike="noStrike">
+                <a:solidFill>
+                  <a:srgbClr val="000000"/>
+                </a:solidFill>
+                <a:latin typeface="DejaVu Sans"/>
+                <a:ea typeface="DejaVu Sans"/>
+              </a:rPr>
+              <a:t>Lectures and exercises live stream (BBB – next slide) and Goslar</a:t>
+            </a:r>
+            <a:endParaRPr b="0" lang="en-GB" sz="1800" spc="-1" strike="noStrike">
+              <a:solidFill>
+                <a:srgbClr val="000000"/>
+              </a:solidFill>
+              <a:latin typeface="Arial"/>
+            </a:endParaRPr>
+          </a:p>
+          <a:p>
+            <a:pPr lvl="1" marL="432000" indent="-216000">
+              <a:lnSpc>
+                <a:spcPct val="100000"/>
+              </a:lnSpc>
+              <a:spcBef>
+                <a:spcPts val="360"/>
+              </a:spcBef>
+              <a:buClr>
+                <a:srgbClr val="008c4f"/>
+              </a:buClr>
+              <a:buSzPct val="60000"/>
+              <a:buFont typeface="DejaVu Sans"/>
+              <a:buChar char="—"/>
+            </a:pPr>
+            <a:r>
+              <a:rPr b="0" lang="en-US" sz="1800" spc="-1" strike="noStrike">
+                <a:solidFill>
+                  <a:srgbClr val="000000"/>
+                </a:solidFill>
+                <a:latin typeface="DejaVu Sans"/>
+                <a:ea typeface="DejaVu Sans"/>
+              </a:rPr>
+              <a:t>No lecture recordings</a:t>
+            </a:r>
+            <a:endParaRPr b="0" lang="en-GB" sz="1800" spc="-1" strike="noStrike">
+              <a:solidFill>
+                <a:srgbClr val="000000"/>
+              </a:solidFill>
+              <a:latin typeface="Arial"/>
+            </a:endParaRPr>
+          </a:p>
+          <a:p>
+            <a:pPr lvl="1" marL="432000" indent="-216000">
+              <a:lnSpc>
+                <a:spcPct val="100000"/>
+              </a:lnSpc>
+              <a:spcBef>
+                <a:spcPts val="360"/>
+              </a:spcBef>
+              <a:buClr>
+                <a:srgbClr val="008c4f"/>
+              </a:buClr>
+              <a:buSzPct val="60000"/>
+              <a:buFont typeface="DejaVu Sans"/>
+              <a:buChar char="—"/>
+            </a:pPr>
+            <a:r>
+              <a:rPr b="0" lang="en-GB" sz="1800" spc="-1" strike="noStrike">
+                <a:solidFill>
+                  <a:srgbClr val="000000"/>
+                </a:solidFill>
+                <a:latin typeface="DejaVu Sans"/>
+                <a:ea typeface="DejaVu Sans"/>
+              </a:rPr>
+              <a:t>Exercise time slots </a:t>
+            </a:r>
+            <a:r>
+              <a:rPr b="0" lang="de-DE" sz="1800" spc="-1" strike="noStrike">
+                <a:solidFill>
+                  <a:srgbClr val="000000"/>
+                </a:solidFill>
+                <a:latin typeface="DejaVu Sans"/>
+                <a:ea typeface="DejaVu Sans"/>
+              </a:rPr>
+              <a:t>= </a:t>
+            </a:r>
+            <a:r>
+              <a:rPr b="0" lang="en-GB" sz="1800" spc="-1" strike="noStrike">
+                <a:solidFill>
+                  <a:srgbClr val="000000"/>
+                </a:solidFill>
+                <a:latin typeface="DejaVu Sans"/>
+                <a:ea typeface="DejaVu Sans"/>
+              </a:rPr>
+              <a:t>Time for questions and eventual tutorials related to the exercises</a:t>
+            </a:r>
+            <a:endParaRPr b="0" lang="en-GB" sz="1800" spc="-1" strike="noStrike">
+              <a:solidFill>
+                <a:srgbClr val="000000"/>
+              </a:solidFill>
+              <a:latin typeface="Arial"/>
+            </a:endParaRPr>
+          </a:p>
+          <a:p>
+            <a:pPr marL="216000" indent="-216000" algn="ctr">
               <a:lnSpc>
                 <a:spcPct val="100000"/>
               </a:lnSpc>
@@ -7355,214 +6818,12 @@
                 <a:solidFill>
                   <a:srgbClr val="000000"/>
                 </a:solidFill>
-                <a:latin typeface="DejaVu Sans"/>
-                <a:ea typeface="DejaVu Sans"/>
-              </a:rPr>
-              <a:t>Organization of the lecture:</a:t>
-            </a:r>
-            <a:endParaRPr b="0" lang="en-US" sz="1800" spc="-1" strike="noStrike">
-              <a:solidFill>
-                <a:srgbClr val="000000"/>
-              </a:solidFill>
-              <a:latin typeface="Arial"/>
-            </a:endParaRPr>
-          </a:p>
-          <a:p>
-            <a:pPr lvl="1" marL="432000" indent="-216000">
-              <a:lnSpc>
-                <a:spcPct val="100000"/>
-              </a:lnSpc>
-              <a:spcBef>
-                <a:spcPts val="360"/>
-              </a:spcBef>
-              <a:buClr>
-                <a:srgbClr val="008c4f"/>
-              </a:buClr>
-              <a:buSzPct val="60000"/>
-              <a:buFont typeface="DejaVu Sans"/>
-              <a:buChar char="—"/>
-            </a:pPr>
-            <a:r>
-              <a:rPr b="0" lang="en-US" sz="1800" spc="-1" strike="noStrike">
-                <a:solidFill>
-                  <a:srgbClr val="000000"/>
-                </a:solidFill>
-                <a:latin typeface="DejaVu Sans"/>
-                <a:ea typeface="DejaVu Sans"/>
-              </a:rPr>
-              <a:t>Slides are available via Github (</a:t>
-            </a:r>
-            <a:r>
-              <a:rPr b="0" lang="en-US" sz="1800" spc="-1" strike="noStrike" u="sng">
-                <a:solidFill>
-                  <a:srgbClr val="0000ff"/>
-                </a:solidFill>
-                <a:uFillTx/>
-                <a:latin typeface="DejaVu Sans"/>
-                <a:ea typeface="DejaVu Sans"/>
-                <a:hlinkClick r:id="rId1"/>
-              </a:rPr>
-              <a:t>Link</a:t>
-            </a:r>
-            <a:r>
-              <a:rPr b="0" lang="en-US" sz="1800" spc="-1" strike="noStrike">
-                <a:solidFill>
-                  <a:srgbClr val="000000"/>
-                </a:solidFill>
-                <a:latin typeface="DejaVu Sans"/>
-                <a:ea typeface="DejaVu Sans"/>
-              </a:rPr>
-              <a:t>)</a:t>
-            </a:r>
-            <a:endParaRPr b="0" lang="en-US" sz="1800" spc="-1" strike="noStrike">
-              <a:solidFill>
-                <a:srgbClr val="000000"/>
-              </a:solidFill>
-              <a:latin typeface="Arial"/>
-            </a:endParaRPr>
-          </a:p>
-          <a:p>
-            <a:pPr lvl="2" marL="648000" indent="-216000">
-              <a:lnSpc>
-                <a:spcPct val="100000"/>
-              </a:lnSpc>
-              <a:spcBef>
-                <a:spcPts val="360"/>
-              </a:spcBef>
-              <a:buClr>
-                <a:srgbClr val="008c4f"/>
-              </a:buClr>
-              <a:buSzPct val="45000"/>
-              <a:buFont typeface="DejaVu Sans"/>
-              <a:buChar char="—"/>
-            </a:pPr>
-            <a:r>
-              <a:rPr b="0" lang="en-US" sz="1800" spc="-1" strike="noStrike">
-                <a:solidFill>
-                  <a:srgbClr val="000000"/>
-                </a:solidFill>
-                <a:latin typeface="DejaVu Sans"/>
-                <a:ea typeface="DejaVu Sans"/>
-              </a:rPr>
-              <a:t>Please report bugs!</a:t>
-            </a:r>
-            <a:endParaRPr b="0" lang="en-US" sz="1800" spc="-1" strike="noStrike">
-              <a:solidFill>
-                <a:srgbClr val="000000"/>
-              </a:solidFill>
-              <a:latin typeface="Arial"/>
-            </a:endParaRPr>
-          </a:p>
-          <a:p>
-            <a:pPr lvl="1" marL="432000" indent="-216000">
-              <a:lnSpc>
-                <a:spcPct val="100000"/>
-              </a:lnSpc>
-              <a:spcBef>
-                <a:spcPts val="360"/>
-              </a:spcBef>
-              <a:buClr>
-                <a:srgbClr val="008c4f"/>
-              </a:buClr>
-              <a:buSzPct val="60000"/>
-              <a:buFont typeface="DejaVu Sans"/>
-              <a:buChar char="—"/>
-            </a:pPr>
-            <a:r>
-              <a:rPr b="0" lang="en-US" sz="1800" spc="-1" strike="noStrike">
-                <a:solidFill>
-                  <a:srgbClr val="000000"/>
-                </a:solidFill>
-                <a:latin typeface="DejaVu Sans"/>
-                <a:ea typeface="DejaVu Sans"/>
-              </a:rPr>
-              <a:t>Lectures and exercises live stream (BBB – next slide) and Goslar</a:t>
-            </a:r>
-            <a:endParaRPr b="0" lang="en-US" sz="1800" spc="-1" strike="noStrike">
-              <a:solidFill>
-                <a:srgbClr val="000000"/>
-              </a:solidFill>
-              <a:latin typeface="Arial"/>
-            </a:endParaRPr>
-          </a:p>
-          <a:p>
-            <a:pPr lvl="1" marL="432000" indent="-216000">
-              <a:lnSpc>
-                <a:spcPct val="100000"/>
-              </a:lnSpc>
-              <a:spcBef>
-                <a:spcPts val="360"/>
-              </a:spcBef>
-              <a:buClr>
-                <a:srgbClr val="008c4f"/>
-              </a:buClr>
-              <a:buSzPct val="60000"/>
-              <a:buFont typeface="DejaVu Sans"/>
-              <a:buChar char="—"/>
-            </a:pPr>
-            <a:r>
-              <a:rPr b="0" lang="en-US" sz="1800" spc="-1" strike="noStrike">
-                <a:solidFill>
-                  <a:srgbClr val="000000"/>
-                </a:solidFill>
-                <a:latin typeface="DejaVu Sans"/>
-                <a:ea typeface="DejaVu Sans"/>
-              </a:rPr>
-              <a:t>No lecture recordings</a:t>
-            </a:r>
-            <a:endParaRPr b="0" lang="en-US" sz="1800" spc="-1" strike="noStrike">
-              <a:solidFill>
-                <a:srgbClr val="000000"/>
-              </a:solidFill>
-              <a:latin typeface="Arial"/>
-            </a:endParaRPr>
-          </a:p>
-          <a:p>
-            <a:pPr lvl="1" marL="432000" indent="-216000">
-              <a:lnSpc>
-                <a:spcPct val="100000"/>
-              </a:lnSpc>
-              <a:spcBef>
-                <a:spcPts val="360"/>
-              </a:spcBef>
-              <a:buClr>
-                <a:srgbClr val="008c4f"/>
-              </a:buClr>
-              <a:buSzPct val="60000"/>
-              <a:buFont typeface="DejaVu Sans"/>
-              <a:buChar char="—"/>
-            </a:pPr>
-            <a:r>
-              <a:rPr b="0" lang="en-GB" sz="1800" spc="-1" strike="noStrike">
-                <a:solidFill>
-                  <a:srgbClr val="000000"/>
-                </a:solidFill>
-                <a:latin typeface="DejaVu Sans"/>
-                <a:ea typeface="DejaVu Sans"/>
-              </a:rPr>
-              <a:t>Exercise time slots </a:t>
-            </a:r>
-            <a:r>
-              <a:rPr b="0" lang="de-DE" sz="1800" spc="-1" strike="noStrike">
-                <a:solidFill>
-                  <a:srgbClr val="000000"/>
-                </a:solidFill>
-                <a:latin typeface="DejaVu Sans"/>
-                <a:ea typeface="DejaVu Sans"/>
-              </a:rPr>
-              <a:t>= </a:t>
-            </a:r>
-            <a:r>
-              <a:rPr b="0" lang="en-GB" sz="1800" spc="-1" strike="noStrike">
-                <a:solidFill>
-                  <a:srgbClr val="000000"/>
-                </a:solidFill>
-                <a:latin typeface="DejaVu Sans"/>
-                <a:ea typeface="DejaVu Sans"/>
-              </a:rPr>
-              <a:t>Time for questions and eventual tutorials related to the exercises</a:t>
-            </a:r>
-            <a:endParaRPr b="0" lang="en-US" sz="1800" spc="-1" strike="noStrike">
+                <a:latin typeface="Arial"/>
+                <a:ea typeface="DejaVu Sans"/>
+              </a:rPr>
+              <a:t> </a:t>
+            </a:r>
+            <a:endParaRPr b="0" lang="en-GB" sz="1800" spc="-1" strike="noStrike">
               <a:solidFill>
                 <a:srgbClr val="000000"/>
               </a:solidFill>
@@ -7585,16 +6846,68 @@
               <a:buChar char="◾"/>
             </a:pPr>
             <a:r>
-              <a:rPr b="0" lang="en-US" sz="1800" spc="-1" strike="noStrike">
-                <a:solidFill>
-                  <a:srgbClr val="000000"/>
-                </a:solidFill>
-                <a:latin typeface="Arial"/>
-                <a:ea typeface="DejaVu Sans"/>
-              </a:rPr>
-              <a:t> </a:t>
-            </a:r>
-            <a:endParaRPr b="0" lang="en-US" sz="1800" spc="-1" strike="noStrike">
+              <a:rPr b="0" lang="en-GB" sz="1800" spc="-1" strike="noStrike">
+                <a:solidFill>
+                  <a:srgbClr val="000000"/>
+                </a:solidFill>
+                <a:latin typeface="DejaVu Sans"/>
+                <a:ea typeface="DejaVu Sans"/>
+              </a:rPr>
+              <a:t>Questions? Write us an email: </a:t>
+            </a:r>
+            <a:r>
+              <a:rPr b="0" lang="en-GB" sz="1800" spc="-1" strike="noStrike" u="sng">
+                <a:solidFill>
+                  <a:srgbClr val="000000"/>
+                </a:solidFill>
+                <a:uFillTx/>
+                <a:latin typeface="DejaVu Sans"/>
+                <a:ea typeface="DejaVu Sans"/>
+              </a:rPr>
+              <a:t>etce-re@tu-clausthal.de</a:t>
+            </a:r>
+            <a:r>
+              <a:rPr b="0" lang="en-GB" sz="1800" spc="-1" strike="noStrike">
+                <a:solidFill>
+                  <a:srgbClr val="000000"/>
+                </a:solidFill>
+                <a:latin typeface="DejaVu Sans"/>
+                <a:ea typeface="DejaVu Sans"/>
+              </a:rPr>
+              <a:t> ← </a:t>
+            </a:r>
+            <a:r>
+              <a:rPr b="1" lang="en-GB" sz="1800" spc="-1" strike="noStrike">
+                <a:solidFill>
+                  <a:srgbClr val="000000"/>
+                </a:solidFill>
+                <a:latin typeface="DejaVu Sans"/>
+                <a:ea typeface="DejaVu Sans"/>
+              </a:rPr>
+              <a:t>We will </a:t>
+            </a:r>
+            <a:r>
+              <a:rPr b="1" lang="en-GB" sz="1800" spc="-1" strike="noStrike" u="sng">
+                <a:solidFill>
+                  <a:srgbClr val="c9211e"/>
+                </a:solidFill>
+                <a:uFillTx/>
+                <a:latin typeface="DejaVu Sans"/>
+                <a:ea typeface="DejaVu Sans"/>
+              </a:rPr>
+              <a:t>only</a:t>
+            </a:r>
+            <a:r>
+              <a:rPr b="1" lang="en-GB" sz="1800" spc="-1" strike="noStrike">
+                <a:solidFill>
+                  <a:srgbClr val="000000"/>
+                </a:solidFill>
+                <a:latin typeface="DejaVu Sans"/>
+                <a:ea typeface="DejaVu Sans"/>
+              </a:rPr>
+              <a:t> respond to</a:t>
+            </a:r>
+            <a:endParaRPr b="0" lang="en-GB" sz="1800" spc="-1" strike="noStrike">
               <a:solidFill>
                 <a:srgbClr val="000000"/>
               </a:solidFill>
@@ -7617,37 +6930,6 @@
               <a:buChar char="◾"/>
             </a:pPr>
             <a:r>
-              <a:rPr b="0" lang="en-GB" sz="1800" spc="-1" strike="noStrike">
-                <a:solidFill>
-                  <a:srgbClr val="000000"/>
-                </a:solidFill>
-                <a:latin typeface="DejaVu Sans"/>
-                <a:ea typeface="DejaVu Sans"/>
-              </a:rPr>
-              <a:t>Questions? Write us an email: </a:t>
-            </a:r>
-            <a:r>
-              <a:rPr b="0" lang="en-GB" sz="1800" spc="-1" strike="noStrike" u="sng">
-                <a:solidFill>
-                  <a:srgbClr val="000000"/>
-                </a:solidFill>
-                <a:uFillTx/>
-                <a:latin typeface="DejaVu Sans"/>
-                <a:ea typeface="DejaVu Sans"/>
-              </a:rPr>
-              <a:t>etce-re@tu-clausthal.de</a:t>
-            </a:r>
-            <a:r>
-              <a:rPr b="0" lang="en-GB" sz="1800" spc="-1" strike="noStrike">
-                <a:solidFill>
-                  <a:srgbClr val="000000"/>
-                </a:solidFill>
-                <a:latin typeface="DejaVu Sans"/>
-                <a:ea typeface="DejaVu Sans"/>
-              </a:rPr>
-              <a:t> ← </a:t>
-            </a:r>
-            <a:r>
               <a:rPr b="1" lang="en-GB" sz="1800" spc="-1" strike="noStrike">
                 <a:solidFill>
                   <a:srgbClr val="000000"/>
@@ -7655,62 +6937,9 @@
                 <a:latin typeface="DejaVu Sans"/>
                 <a:ea typeface="DejaVu Sans"/>
               </a:rPr>
-              <a:t>We will </a:t>
-            </a:r>
-            <a:r>
-              <a:rPr b="1" lang="en-GB" sz="1800" spc="-1" strike="noStrike" u="sng">
-                <a:solidFill>
-                  <a:srgbClr val="c9211e"/>
-                </a:solidFill>
-                <a:uFillTx/>
-                <a:latin typeface="DejaVu Sans"/>
-                <a:ea typeface="DejaVu Sans"/>
-              </a:rPr>
-              <a:t>only</a:t>
-            </a:r>
-            <a:r>
-              <a:rPr b="1" lang="en-GB" sz="1800" spc="-1" strike="noStrike">
-                <a:solidFill>
-                  <a:srgbClr val="000000"/>
-                </a:solidFill>
-                <a:latin typeface="DejaVu Sans"/>
-                <a:ea typeface="DejaVu Sans"/>
-              </a:rPr>
-              <a:t> respond to</a:t>
-            </a:r>
-            <a:endParaRPr b="0" lang="en-US" sz="1800" spc="-1" strike="noStrike">
-              <a:solidFill>
-                <a:srgbClr val="000000"/>
-              </a:solidFill>
-              <a:latin typeface="Arial"/>
-            </a:endParaRPr>
-          </a:p>
-          <a:p>
-            <a:pPr marL="216000" indent="-216000" algn="ctr">
-              <a:lnSpc>
-                <a:spcPct val="100000"/>
-              </a:lnSpc>
-              <a:spcBef>
-                <a:spcPts val="360"/>
-              </a:spcBef>
-              <a:buClr>
-                <a:srgbClr val="008c4f"/>
-              </a:buClr>
-              <a:buSzPct val="45000"/>
-              <a:buFont typeface="DejaVu Sans"/>
-              <a:buChar char="◾"/>
-            </a:pPr>
-            <a:r>
-              <a:rPr b="1" lang="en-GB" sz="1800" spc="-1" strike="noStrike">
-                <a:solidFill>
-                  <a:srgbClr val="000000"/>
-                </a:solidFill>
-                <a:latin typeface="DejaVu Sans"/>
-                <a:ea typeface="DejaVu Sans"/>
-              </a:rPr>
               <a:t>emails written to this specific email address!</a:t>
             </a:r>
-            <a:endParaRPr b="0" lang="en-US" sz="1800" spc="-1" strike="noStrike">
+            <a:endParaRPr b="0" lang="en-GB" sz="1800" spc="-1" strike="noStrike">
               <a:solidFill>
                 <a:srgbClr val="000000"/>
               </a:solidFill>
@@ -7758,7 +6987,7 @@
         <p:spPr>
           <a:xfrm>
             <a:off x="539640" y="764640"/>
-            <a:ext cx="10740600" cy="491400"/>
+            <a:ext cx="10740240" cy="491040"/>
           </a:xfrm>
           <a:prstGeom prst="rect">
             <a:avLst/>
@@ -7794,7 +7023,7 @@
               </a:rPr>
               <a:t>Dates/Times/Locations</a:t>
             </a:r>
-            <a:endParaRPr b="0" lang="en-US" sz="2400" spc="-1" strike="noStrike">
+            <a:endParaRPr b="0" lang="en-GB" sz="2400" spc="-1" strike="noStrike">
               <a:solidFill>
                 <a:srgbClr val="000000"/>
               </a:solidFill>
@@ -7807,7 +7036,7 @@
                 <a:spcPct val="100000"/>
               </a:lnSpc>
             </a:pPr>
-            <a:endParaRPr b="0" lang="en-US" sz="2400" spc="-1" strike="noStrike">
+            <a:endParaRPr b="0" lang="en-GB" sz="2400" spc="-1" strike="noStrike">
               <a:solidFill>
                 <a:srgbClr val="000000"/>
               </a:solidFill>
@@ -7820,7 +7049,7 @@
                 <a:spcPct val="100000"/>
               </a:lnSpc>
             </a:pPr>
-            <a:endParaRPr b="0" lang="en-US" sz="2400" spc="-1" strike="noStrike">
+            <a:endParaRPr b="0" lang="en-GB" sz="2400" spc="-1" strike="noStrike">
               <a:solidFill>
                 <a:srgbClr val="000000"/>
               </a:solidFill>
@@ -7838,7 +7067,7 @@
         <p:spPr>
           <a:xfrm>
             <a:off x="539640" y="1268640"/>
-            <a:ext cx="10740600" cy="5028120"/>
+            <a:ext cx="10740240" cy="5027760"/>
           </a:xfrm>
           <a:prstGeom prst="rect">
             <a:avLst/>
@@ -7859,6 +7088,22 @@
             <a:noAutofit/>
           </a:bodyPr>
           <a:p>
+            <a:pPr>
+              <a:lnSpc>
+                <a:spcPct val="100000"/>
+              </a:lnSpc>
+              <a:spcBef>
+                <a:spcPts val="360"/>
+              </a:spcBef>
+            </a:pPr>
+            <a:endParaRPr b="0" lang="en-GB" sz="1800" spc="-1" strike="noStrike">
+              <a:solidFill>
+                <a:srgbClr val="000000"/>
+              </a:solidFill>
+              <a:latin typeface="Arial"/>
+            </a:endParaRPr>
+          </a:p>
+          <a:p>
             <a:pPr marL="216000" indent="-216000">
               <a:lnSpc>
                 <a:spcPct val="100000"/>
@@ -7873,7 +7118,210 @@
               <a:buFont typeface="DejaVu Sans"/>
               <a:buChar char="◾"/>
             </a:pPr>
-            <a:endParaRPr b="0" lang="en-US" sz="1800" spc="-1" strike="noStrike">
+            <a:r>
+              <a:rPr b="0" lang="en-GB" sz="1800" spc="-1" strike="noStrike" u="sng">
+                <a:solidFill>
+                  <a:srgbClr val="000000"/>
+                </a:solidFill>
+                <a:uFillTx/>
+                <a:latin typeface="DejaVu Sans"/>
+                <a:ea typeface="DejaVu Sans"/>
+              </a:rPr>
+              <a:t>Lecture:</a:t>
+            </a:r>
+            <a:endParaRPr b="0" lang="en-GB" sz="1800" spc="-1" strike="noStrike">
+              <a:solidFill>
+                <a:srgbClr val="000000"/>
+              </a:solidFill>
+              <a:latin typeface="Arial"/>
+            </a:endParaRPr>
+          </a:p>
+          <a:p>
+            <a:pPr lvl="1" marL="432000" indent="-216000">
+              <a:lnSpc>
+                <a:spcPct val="100000"/>
+              </a:lnSpc>
+              <a:spcBef>
+                <a:spcPts val="360"/>
+              </a:spcBef>
+              <a:buClr>
+                <a:srgbClr val="008c4f"/>
+              </a:buClr>
+              <a:buSzPct val="60000"/>
+              <a:buFont typeface="DejaVu Sans"/>
+              <a:buChar char="—"/>
+            </a:pPr>
+            <a:r>
+              <a:rPr b="0" lang="en-GB" sz="1800" spc="-1" strike="noStrike">
+                <a:solidFill>
+                  <a:srgbClr val="000000"/>
+                </a:solidFill>
+                <a:latin typeface="DejaVu Sans"/>
+                <a:ea typeface="DejaVu Sans"/>
+              </a:rPr>
+              <a:t>Wednesday </a:t>
+            </a:r>
+            <a:r>
+              <a:rPr b="1" lang="en-GB" sz="1800" spc="-1" strike="noStrike">
+                <a:solidFill>
+                  <a:srgbClr val="000000"/>
+                </a:solidFill>
+                <a:latin typeface="DejaVu Sans"/>
+                <a:ea typeface="DejaVu Sans"/>
+              </a:rPr>
+              <a:t>2:15 pm to 3:45 pm</a:t>
+            </a:r>
+            <a:r>
+              <a:rPr b="0" lang="en-GB" sz="1800" spc="-1" strike="noStrike">
+                <a:solidFill>
+                  <a:srgbClr val="000000"/>
+                </a:solidFill>
+                <a:latin typeface="DejaVu Sans"/>
+                <a:ea typeface="DejaVu Sans"/>
+              </a:rPr>
+              <a:t> (Berlin time) – </a:t>
+            </a:r>
+            <a:r>
+              <a:rPr b="1" lang="en-GB" sz="1800" spc="-1" strike="noStrike">
+                <a:solidFill>
+                  <a:srgbClr val="000000"/>
+                </a:solidFill>
+                <a:latin typeface="DejaVu Sans"/>
+                <a:ea typeface="DejaVu Sans"/>
+              </a:rPr>
+              <a:t>02.11</a:t>
+            </a:r>
+            <a:r>
+              <a:rPr b="0" lang="en-GB" sz="1800" spc="-1" strike="noStrike">
+                <a:solidFill>
+                  <a:srgbClr val="000000"/>
+                </a:solidFill>
+                <a:latin typeface="DejaVu Sans"/>
+                <a:ea typeface="DejaVu Sans"/>
+              </a:rPr>
+              <a:t>.</a:t>
+            </a:r>
+            <a:r>
+              <a:rPr b="1" lang="en-GB" sz="1800" spc="-1" strike="noStrike">
+                <a:solidFill>
+                  <a:srgbClr val="000000"/>
+                </a:solidFill>
+                <a:latin typeface="DejaVu Sans"/>
+                <a:ea typeface="DejaVu Sans"/>
+              </a:rPr>
+              <a:t>2022</a:t>
+            </a:r>
+            <a:r>
+              <a:rPr b="0" lang="en-GB" sz="1800" spc="-1" strike="noStrike">
+                <a:solidFill>
+                  <a:srgbClr val="000000"/>
+                </a:solidFill>
+                <a:latin typeface="DejaVu Sans"/>
+                <a:ea typeface="DejaVu Sans"/>
+              </a:rPr>
+              <a:t> to </a:t>
+            </a:r>
+            <a:r>
+              <a:rPr b="1" lang="en-GB" sz="1800" spc="-1" strike="noStrike">
+                <a:solidFill>
+                  <a:srgbClr val="000000"/>
+                </a:solidFill>
+                <a:latin typeface="DejaVu Sans"/>
+                <a:ea typeface="DejaVu Sans"/>
+              </a:rPr>
+              <a:t>08.02</a:t>
+            </a:r>
+            <a:r>
+              <a:rPr b="0" lang="en-GB" sz="1800" spc="-1" strike="noStrike">
+                <a:solidFill>
+                  <a:srgbClr val="000000"/>
+                </a:solidFill>
+                <a:latin typeface="DejaVu Sans"/>
+                <a:ea typeface="DejaVu Sans"/>
+              </a:rPr>
+              <a:t>.</a:t>
+            </a:r>
+            <a:r>
+              <a:rPr b="1" lang="en-GB" sz="1800" spc="-1" strike="noStrike">
+                <a:solidFill>
+                  <a:srgbClr val="000000"/>
+                </a:solidFill>
+                <a:latin typeface="DejaVu Sans"/>
+                <a:ea typeface="DejaVu Sans"/>
+              </a:rPr>
+              <a:t>2023</a:t>
+            </a:r>
+            <a:endParaRPr b="0" lang="en-GB" sz="1800" spc="-1" strike="noStrike">
+              <a:solidFill>
+                <a:srgbClr val="000000"/>
+              </a:solidFill>
+              <a:latin typeface="Arial"/>
+            </a:endParaRPr>
+          </a:p>
+          <a:p>
+            <a:pPr lvl="1" marL="432000" indent="-216000">
+              <a:lnSpc>
+                <a:spcPct val="100000"/>
+              </a:lnSpc>
+              <a:spcBef>
+                <a:spcPts val="360"/>
+              </a:spcBef>
+              <a:buClr>
+                <a:srgbClr val="008c4f"/>
+              </a:buClr>
+              <a:buSzPct val="60000"/>
+              <a:buFont typeface="DejaVu Sans"/>
+              <a:buChar char="—"/>
+            </a:pPr>
+            <a:r>
+              <a:rPr b="0" lang="en-GB" sz="1800" spc="-1" strike="noStrike">
+                <a:solidFill>
+                  <a:srgbClr val="000000"/>
+                </a:solidFill>
+                <a:latin typeface="DejaVu Sans"/>
+                <a:ea typeface="DejaVu Sans"/>
+              </a:rPr>
+              <a:t>Location: Goslar Gotec (Am Stollen 19 C, 38640 Goslar, Germany) or via BigBlueButton (</a:t>
+            </a:r>
+            <a:r>
+              <a:rPr b="0" lang="en-GB" sz="1800" spc="-1" strike="noStrike" u="sng">
+                <a:solidFill>
+                  <a:srgbClr val="0000ff"/>
+                </a:solidFill>
+                <a:uFillTx/>
+                <a:latin typeface="DejaVu Sans"/>
+                <a:ea typeface="DejaVu Sans"/>
+                <a:hlinkClick r:id="rId1"/>
+              </a:rPr>
+              <a:t>Link</a:t>
+            </a:r>
+            <a:r>
+              <a:rPr b="0" lang="en-GB" sz="1800" spc="-1" strike="noStrike">
+                <a:solidFill>
+                  <a:srgbClr val="000000"/>
+                </a:solidFill>
+                <a:latin typeface="DejaVu Sans"/>
+                <a:ea typeface="DejaVu Sans"/>
+              </a:rPr>
+              <a:t>)</a:t>
+            </a:r>
+            <a:endParaRPr b="0" lang="en-GB" sz="1800" spc="-1" strike="noStrike">
+              <a:solidFill>
+                <a:srgbClr val="000000"/>
+              </a:solidFill>
+              <a:latin typeface="Arial"/>
+            </a:endParaRPr>
+          </a:p>
+          <a:p>
+            <a:pPr>
+              <a:lnSpc>
+                <a:spcPct val="100000"/>
+              </a:lnSpc>
+              <a:spcBef>
+                <a:spcPts val="360"/>
+              </a:spcBef>
+            </a:pPr>
+            <a:endParaRPr b="0" lang="en-GB" sz="1800" spc="-1" strike="noStrike">
               <a:solidFill>
                 <a:srgbClr val="000000"/>
               </a:solidFill>
@@ -7904,9 +7352,9 @@
                 <a:latin typeface="DejaVu Sans"/>
                 <a:ea typeface="DejaVu Sans"/>
               </a:rPr>
-              <a:t>Lecture:</a:t>
-            </a:r>
-            <a:endParaRPr b="0" lang="en-US" sz="1800" spc="-1" strike="noStrike">
+              <a:t>Exercise / Q&amp;A:</a:t>
+            </a:r>
+            <a:endParaRPr b="0" lang="en-GB" sz="1800" spc="-1" strike="noStrike">
               <a:solidFill>
                 <a:srgbClr val="000000"/>
               </a:solidFill>
@@ -7946,7 +7394,7 @@
                 <a:latin typeface="DejaVu Sans"/>
                 <a:ea typeface="DejaVu Sans"/>
               </a:rPr>
-              <a:t>2:15 pm to 3:45 pm</a:t>
+              <a:t>4 pm to 5:30 pm</a:t>
             </a:r>
             <a:r>
               <a:rPr b="0" lang="en-GB" sz="1800" spc="-1" strike="noStrike">
@@ -8028,7 +7476,7 @@
               </a:rPr>
               <a:t>2023</a:t>
             </a:r>
-            <a:endParaRPr b="0" lang="en-US" sz="1800" spc="-1" strike="noStrike">
+            <a:endParaRPr b="0" lang="en-GB" sz="1800" spc="-1" strike="noStrike">
               <a:solidFill>
                 <a:srgbClr val="000000"/>
               </a:solidFill>
@@ -8068,7 +7516,7 @@
                 <a:uFillTx/>
                 <a:latin typeface="DejaVu Sans"/>
                 <a:ea typeface="DejaVu Sans"/>
-                <a:hlinkClick r:id="rId1"/>
+                <a:hlinkClick r:id="rId2"/>
               </a:rPr>
               <a:t>Link</a:t>
             </a:r>
@@ -8082,238 +7530,7 @@
               </a:rPr>
               <a:t>)</a:t>
             </a:r>
-            <a:endParaRPr b="0" lang="en-US" sz="1800" spc="-1" strike="noStrike">
-              <a:solidFill>
-                <a:srgbClr val="000000"/>
-              </a:solidFill>
-              <a:latin typeface="Arial"/>
-            </a:endParaRPr>
-          </a:p>
-          <a:p>
-            <a:pPr marL="216000" indent="-216000">
-              <a:lnSpc>
-                <a:spcPct val="100000"/>
-              </a:lnSpc>
-              <a:spcBef>
-                <a:spcPts val="360"/>
-              </a:spcBef>
-              <a:buClr>
-                <a:srgbClr val="008c4f"/>
-              </a:buClr>
-              <a:buSzPct val="45000"/>
-              <a:buFont typeface="DejaVu Sans"/>
-              <a:buChar char="◾"/>
-            </a:pPr>
-            <a:endParaRPr b="0" lang="en-US" sz="1800" spc="-1" strike="noStrike">
-              <a:solidFill>
-                <a:srgbClr val="000000"/>
-              </a:solidFill>
-              <a:latin typeface="Arial"/>
-            </a:endParaRPr>
-          </a:p>
-          <a:p>
-            <a:pPr marL="216000" indent="-216000">
-              <a:lnSpc>
-                <a:spcPct val="100000"/>
-              </a:lnSpc>
-              <a:spcBef>
-                <a:spcPts val="360"/>
-              </a:spcBef>
-              <a:buClr>
-                <a:srgbClr val="008c4f"/>
-              </a:buClr>
-              <a:buSzPct val="45000"/>
-              <a:buFont typeface="DejaVu Sans"/>
-              <a:buChar char="◾"/>
-            </a:pPr>
-            <a:r>
-              <a:rPr b="0" lang="en-GB" sz="1800" spc="-1" strike="noStrike" u="sng">
-                <a:solidFill>
-                  <a:srgbClr val="000000"/>
-                </a:solidFill>
-                <a:uFillTx/>
-                <a:latin typeface="DejaVu Sans"/>
-                <a:ea typeface="DejaVu Sans"/>
-              </a:rPr>
-              <a:t>Exercise / Q&amp;A:</a:t>
-            </a:r>
-            <a:endParaRPr b="0" lang="en-US" sz="1800" spc="-1" strike="noStrike">
-              <a:solidFill>
-                <a:srgbClr val="000000"/>
-              </a:solidFill>
-              <a:latin typeface="Arial"/>
-            </a:endParaRPr>
-          </a:p>
-          <a:p>
-            <a:pPr lvl="1" marL="432000" indent="-216000">
-              <a:lnSpc>
-                <a:spcPct val="100000"/>
-              </a:lnSpc>
-              <a:spcBef>
-                <a:spcPts val="360"/>
-              </a:spcBef>
-              <a:buClr>
-                <a:srgbClr val="008c4f"/>
-              </a:buClr>
-              <a:buSzPct val="60000"/>
-              <a:buFont typeface="DejaVu Sans"/>
-              <a:buChar char="—"/>
-            </a:pPr>
-            <a:r>
-              <a:rPr b="0" lang="en-GB" sz="1800" spc="-1" strike="noStrike">
-                <a:solidFill>
-                  <a:srgbClr val="000000"/>
-                </a:solidFill>
-                <a:latin typeface="DejaVu Sans"/>
-                <a:ea typeface="DejaVu Sans"/>
-              </a:rPr>
-              <a:t>Wednesday </a:t>
-            </a:r>
-            <a:r>
-              <a:rPr b="1" lang="en-GB" sz="1800" spc="-1" strike="noStrike">
-                <a:solidFill>
-                  <a:srgbClr val="000000"/>
-                </a:solidFill>
-                <a:latin typeface="DejaVu Sans"/>
-                <a:ea typeface="DejaVu Sans"/>
-              </a:rPr>
-              <a:t>4 pm to 5:30 pm</a:t>
-            </a:r>
-            <a:r>
-              <a:rPr b="0" lang="en-GB" sz="1800" spc="-1" strike="noStrike">
-                <a:solidFill>
-                  <a:srgbClr val="000000"/>
-                </a:solidFill>
-                <a:latin typeface="DejaVu Sans"/>
-                <a:ea typeface="DejaVu Sans"/>
-              </a:rPr>
-              <a:t> (Berlin time) – </a:t>
-            </a:r>
-            <a:r>
-              <a:rPr b="1" lang="en-GB" sz="1800" spc="-1" strike="noStrike">
-                <a:solidFill>
-                  <a:srgbClr val="000000"/>
-                </a:solidFill>
-                <a:latin typeface="DejaVu Sans"/>
-                <a:ea typeface="DejaVu Sans"/>
-              </a:rPr>
-              <a:t>02.11</a:t>
-            </a:r>
-            <a:r>
-              <a:rPr b="0" lang="en-GB" sz="1800" spc="-1" strike="noStrike">
-                <a:solidFill>
-                  <a:srgbClr val="000000"/>
-                </a:solidFill>
-                <a:latin typeface="DejaVu Sans"/>
-                <a:ea typeface="DejaVu Sans"/>
-              </a:rPr>
-              <a:t>.</a:t>
-            </a:r>
-            <a:r>
-              <a:rPr b="1" lang="en-GB" sz="1800" spc="-1" strike="noStrike">
-                <a:solidFill>
-                  <a:srgbClr val="000000"/>
-                </a:solidFill>
-                <a:latin typeface="DejaVu Sans"/>
-                <a:ea typeface="DejaVu Sans"/>
-              </a:rPr>
-              <a:t>2022</a:t>
-            </a:r>
-            <a:r>
-              <a:rPr b="0" lang="en-GB" sz="1800" spc="-1" strike="noStrike">
-                <a:solidFill>
-                  <a:srgbClr val="000000"/>
-                </a:solidFill>
-                <a:latin typeface="DejaVu Sans"/>
-                <a:ea typeface="DejaVu Sans"/>
-              </a:rPr>
-              <a:t> to </a:t>
-            </a:r>
-            <a:r>
-              <a:rPr b="1" lang="en-GB" sz="1800" spc="-1" strike="noStrike">
-                <a:solidFill>
-                  <a:srgbClr val="000000"/>
-                </a:solidFill>
-                <a:latin typeface="DejaVu Sans"/>
-                <a:ea typeface="DejaVu Sans"/>
-              </a:rPr>
-              <a:t>08.02</a:t>
-            </a:r>
-            <a:r>
-              <a:rPr b="0" lang="en-GB" sz="1800" spc="-1" strike="noStrike">
-                <a:solidFill>
-                  <a:srgbClr val="000000"/>
-                </a:solidFill>
-                <a:latin typeface="DejaVu Sans"/>
-                <a:ea typeface="DejaVu Sans"/>
-              </a:rPr>
-              <a:t>.</a:t>
-            </a:r>
-            <a:r>
-              <a:rPr b="1" lang="en-GB" sz="1800" spc="-1" strike="noStrike">
-                <a:solidFill>
-                  <a:srgbClr val="000000"/>
-                </a:solidFill>
-                <a:latin typeface="DejaVu Sans"/>
-                <a:ea typeface="DejaVu Sans"/>
-              </a:rPr>
-              <a:t>2023</a:t>
-            </a:r>
-            <a:endParaRPr b="0" lang="en-US" sz="1800" spc="-1" strike="noStrike">
-              <a:solidFill>
-                <a:srgbClr val="000000"/>
-              </a:solidFill>
-              <a:latin typeface="Arial"/>
-            </a:endParaRPr>
-          </a:p>
-          <a:p>
-            <a:pPr lvl="1" marL="432000" indent="-216000">
-              <a:lnSpc>
-                <a:spcPct val="100000"/>
-              </a:lnSpc>
-              <a:spcBef>
-                <a:spcPts val="360"/>
-              </a:spcBef>
-              <a:buClr>
-                <a:srgbClr val="008c4f"/>
-              </a:buClr>
-              <a:buSzPct val="60000"/>
-              <a:buFont typeface="DejaVu Sans"/>
-              <a:buChar char="—"/>
-            </a:pPr>
-            <a:r>
-              <a:rPr b="0" lang="en-GB" sz="1800" spc="-1" strike="noStrike">
-                <a:solidFill>
-                  <a:srgbClr val="000000"/>
-                </a:solidFill>
-                <a:latin typeface="DejaVu Sans"/>
-                <a:ea typeface="DejaVu Sans"/>
-              </a:rPr>
-              <a:t>Location: Goslar Gotec (Am Stollen 19 C, 38640 Goslar, Germany) or via BigBlueButton (</a:t>
-            </a:r>
-            <a:r>
-              <a:rPr b="0" lang="en-GB" sz="1800" spc="-1" strike="noStrike" u="sng">
-                <a:solidFill>
-                  <a:srgbClr val="0000ff"/>
-                </a:solidFill>
-                <a:uFillTx/>
-                <a:latin typeface="DejaVu Sans"/>
-                <a:ea typeface="DejaVu Sans"/>
-                <a:hlinkClick r:id="rId2"/>
-              </a:rPr>
-              <a:t>Link</a:t>
-            </a:r>
-            <a:r>
-              <a:rPr b="0" lang="en-GB" sz="1800" spc="-1" strike="noStrike">
-                <a:solidFill>
-                  <a:srgbClr val="000000"/>
-                </a:solidFill>
-                <a:latin typeface="DejaVu Sans"/>
-                <a:ea typeface="DejaVu Sans"/>
-              </a:rPr>
-              <a:t>)</a:t>
-            </a:r>
-            <a:endParaRPr b="0" lang="en-US" sz="1800" spc="-1" strike="noStrike">
+            <a:endParaRPr b="0" lang="en-GB" sz="1800" spc="-1" strike="noStrike">
               <a:solidFill>
                 <a:srgbClr val="000000"/>
               </a:solidFill>
@@ -8361,7 +7578,7 @@
         <p:spPr>
           <a:xfrm>
             <a:off x="539640" y="764640"/>
-            <a:ext cx="10748880" cy="499680"/>
+            <a:ext cx="10748520" cy="499320"/>
           </a:xfrm>
           <a:prstGeom prst="rect">
             <a:avLst/>
@@ -8397,7 +7614,7 @@
               </a:rPr>
               <a:t>Exercises </a:t>
             </a:r>
-            <a:endParaRPr b="0" lang="en-US" sz="2400" spc="-1" strike="noStrike">
+            <a:endParaRPr b="0" lang="en-GB" sz="2400" spc="-1" strike="noStrike">
               <a:solidFill>
                 <a:srgbClr val="000000"/>
               </a:solidFill>
@@ -8415,7 +7632,7 @@
         <p:spPr>
           <a:xfrm>
             <a:off x="539640" y="1268280"/>
-            <a:ext cx="10748880" cy="5036400"/>
+            <a:ext cx="10748520" cy="5036040"/>
           </a:xfrm>
           <a:prstGeom prst="rect">
             <a:avLst/>
@@ -8436,10 +7653,26 @@
             <a:noAutofit/>
           </a:bodyPr>
           <a:p>
+            <a:pPr>
+              <a:lnSpc>
+                <a:spcPct val="100000"/>
+              </a:lnSpc>
+            </a:pPr>
+            <a:endParaRPr b="0" lang="en-GB" sz="1800" spc="-1" strike="noStrike">
+              <a:solidFill>
+                <a:srgbClr val="000000"/>
+              </a:solidFill>
+              <a:latin typeface="Arial"/>
+            </a:endParaRPr>
+          </a:p>
+          <a:p>
             <a:pPr marL="216000" indent="-216000">
               <a:lnSpc>
                 <a:spcPct val="100000"/>
               </a:lnSpc>
+              <a:spcBef>
+                <a:spcPts val="360"/>
+              </a:spcBef>
               <a:buClr>
                 <a:srgbClr val="008c4f"/>
               </a:buClr>
@@ -8447,15 +7680,205 @@
               <a:buFont typeface="DejaVu Sans"/>
               <a:buChar char="◾"/>
             </a:pPr>
-            <a:endParaRPr b="0" lang="en-US" sz="1800" spc="-1" strike="noStrike">
-              <a:solidFill>
-                <a:srgbClr val="000000"/>
-              </a:solidFill>
-              <a:latin typeface="Arial"/>
-            </a:endParaRPr>
-          </a:p>
-          <a:p>
-            <a:pPr marL="216000" indent="-216000">
+            <a:r>
+              <a:rPr b="0" lang="en-GB" sz="1800" spc="-1" strike="noStrike">
+                <a:solidFill>
+                  <a:srgbClr val="000000"/>
+                </a:solidFill>
+                <a:latin typeface="DejaVu Sans"/>
+                <a:ea typeface="DejaVu Sans"/>
+              </a:rPr>
+              <a:t>Organization of the exercise:</a:t>
+            </a:r>
+            <a:endParaRPr b="0" lang="en-GB" sz="1800" spc="-1" strike="noStrike">
+              <a:solidFill>
+                <a:srgbClr val="000000"/>
+              </a:solidFill>
+              <a:latin typeface="Arial"/>
+            </a:endParaRPr>
+          </a:p>
+          <a:p>
+            <a:pPr lvl="1" marL="432000" indent="-216000">
+              <a:lnSpc>
+                <a:spcPct val="100000"/>
+              </a:lnSpc>
+              <a:spcBef>
+                <a:spcPts val="360"/>
+              </a:spcBef>
+              <a:buClr>
+                <a:srgbClr val="008c4f"/>
+              </a:buClr>
+              <a:buSzPct val="60000"/>
+              <a:buFont typeface="DejaVu Sans"/>
+              <a:buChar char="—"/>
+            </a:pPr>
+            <a:r>
+              <a:rPr b="0" lang="en-GB" sz="1800" spc="-1" strike="noStrike">
+                <a:solidFill>
+                  <a:srgbClr val="000000"/>
+                </a:solidFill>
+                <a:latin typeface="DejaVu Sans"/>
+                <a:ea typeface="DejaVu Sans"/>
+              </a:rPr>
+              <a:t>Individual work → </a:t>
+            </a:r>
+            <a:r>
+              <a:rPr b="1" lang="en-GB" sz="1800" spc="-1" strike="noStrike">
+                <a:solidFill>
+                  <a:srgbClr val="000000"/>
+                </a:solidFill>
+                <a:latin typeface="DejaVu Sans"/>
+                <a:ea typeface="DejaVu Sans"/>
+              </a:rPr>
+              <a:t>no</a:t>
+            </a:r>
+            <a:r>
+              <a:rPr b="0" lang="en-GB" sz="1800" spc="-1" strike="noStrike">
+                <a:solidFill>
+                  <a:srgbClr val="000000"/>
+                </a:solidFill>
+                <a:latin typeface="DejaVu Sans"/>
+                <a:ea typeface="DejaVu Sans"/>
+              </a:rPr>
+              <a:t> group submissions</a:t>
+            </a:r>
+            <a:endParaRPr b="0" lang="en-GB" sz="1800" spc="-1" strike="noStrike">
+              <a:solidFill>
+                <a:srgbClr val="000000"/>
+              </a:solidFill>
+              <a:latin typeface="Arial"/>
+            </a:endParaRPr>
+          </a:p>
+          <a:p>
+            <a:pPr lvl="1" marL="432000" indent="-216000">
+              <a:lnSpc>
+                <a:spcPct val="100000"/>
+              </a:lnSpc>
+              <a:spcBef>
+                <a:spcPts val="360"/>
+              </a:spcBef>
+              <a:buClr>
+                <a:srgbClr val="008c4f"/>
+              </a:buClr>
+              <a:buSzPct val="60000"/>
+              <a:buFont typeface="DejaVu Sans"/>
+              <a:buChar char="—"/>
+            </a:pPr>
+            <a:r>
+              <a:rPr b="0" lang="en-GB" sz="1800" spc="-1" strike="noStrike">
+                <a:solidFill>
+                  <a:srgbClr val="000000"/>
+                </a:solidFill>
+                <a:latin typeface="DejaVu Sans"/>
+                <a:ea typeface="DejaVu Sans"/>
+              </a:rPr>
+              <a:t>Multiple-Choice or practical tasks</a:t>
+            </a:r>
+            <a:endParaRPr b="0" lang="en-GB" sz="1800" spc="-1" strike="noStrike">
+              <a:solidFill>
+                <a:srgbClr val="000000"/>
+              </a:solidFill>
+              <a:latin typeface="Arial"/>
+            </a:endParaRPr>
+          </a:p>
+          <a:p>
+            <a:pPr lvl="1" marL="432000" indent="-216000">
+              <a:lnSpc>
+                <a:spcPct val="100000"/>
+              </a:lnSpc>
+              <a:spcBef>
+                <a:spcPts val="360"/>
+              </a:spcBef>
+              <a:buClr>
+                <a:srgbClr val="008c4f"/>
+              </a:buClr>
+              <a:buSzPct val="60000"/>
+              <a:buFont typeface="DejaVu Sans"/>
+              <a:buChar char="—"/>
+            </a:pPr>
+            <a:r>
+              <a:rPr b="0" lang="en-GB" sz="1800" spc="-1" strike="noStrike">
+                <a:solidFill>
+                  <a:srgbClr val="000000"/>
+                </a:solidFill>
+                <a:latin typeface="DejaVu Sans"/>
+                <a:ea typeface="DejaVu Sans"/>
+              </a:rPr>
+              <a:t>7-14 days to submit (depending on the task)</a:t>
+            </a:r>
+            <a:endParaRPr b="0" lang="en-GB" sz="1800" spc="-1" strike="noStrike">
+              <a:solidFill>
+                <a:srgbClr val="000000"/>
+              </a:solidFill>
+              <a:latin typeface="Arial"/>
+            </a:endParaRPr>
+          </a:p>
+          <a:p>
+            <a:pPr lvl="1" marL="432000" indent="-216000">
+              <a:lnSpc>
+                <a:spcPct val="100000"/>
+              </a:lnSpc>
+              <a:spcBef>
+                <a:spcPts val="360"/>
+              </a:spcBef>
+              <a:buClr>
+                <a:srgbClr val="008c4f"/>
+              </a:buClr>
+              <a:buSzPct val="60000"/>
+              <a:buFont typeface="DejaVu Sans"/>
+              <a:buChar char="—"/>
+            </a:pPr>
+            <a:r>
+              <a:rPr b="0" lang="en-GB" sz="1800" spc="-1" strike="noStrike">
+                <a:solidFill>
+                  <a:srgbClr val="000000"/>
+                </a:solidFill>
+                <a:latin typeface="DejaVu Sans"/>
+                <a:ea typeface="DejaVu Sans"/>
+              </a:rPr>
+              <a:t>Submission deadline is always Wednesday at 1:59pm (right before the next lecture)</a:t>
+            </a:r>
+            <a:endParaRPr b="0" lang="en-GB" sz="1800" spc="-1" strike="noStrike">
+              <a:solidFill>
+                <a:srgbClr val="000000"/>
+              </a:solidFill>
+              <a:latin typeface="Arial"/>
+            </a:endParaRPr>
+          </a:p>
+          <a:p>
+            <a:pPr lvl="1" marL="432000" indent="-216000">
+              <a:lnSpc>
+                <a:spcPct val="100000"/>
+              </a:lnSpc>
+              <a:spcBef>
+                <a:spcPts val="360"/>
+              </a:spcBef>
+              <a:buClr>
+                <a:srgbClr val="008c4f"/>
+              </a:buClr>
+              <a:buSzPct val="60000"/>
+              <a:buFont typeface="DejaVu Sans"/>
+              <a:buChar char="—"/>
+            </a:pPr>
+            <a:r>
+              <a:rPr b="1" lang="en-GB" sz="1800" spc="-1" strike="noStrike">
+                <a:solidFill>
+                  <a:srgbClr val="000000"/>
+                </a:solidFill>
+                <a:latin typeface="DejaVu Sans"/>
+                <a:ea typeface="DejaVu Sans"/>
+              </a:rPr>
+              <a:t>Submission of each exercise is mandatory</a:t>
+            </a:r>
+            <a:endParaRPr b="0" lang="en-GB" sz="1800" spc="-1" strike="noStrike">
+              <a:solidFill>
+                <a:srgbClr val="000000"/>
+              </a:solidFill>
+              <a:latin typeface="Arial"/>
+            </a:endParaRPr>
+          </a:p>
+          <a:p>
+            <a:pPr marL="360" indent="-216000" algn="ctr">
               <a:lnSpc>
                 <a:spcPct val="100000"/>
               </a:lnSpc>
@@ -8470,238 +7893,26 @@
               <a:buChar char="◾"/>
             </a:pPr>
             <a:r>
-              <a:rPr b="0" lang="en-GB" sz="1800" spc="-1" strike="noStrike">
-                <a:solidFill>
-                  <a:srgbClr val="000000"/>
-                </a:solidFill>
-                <a:latin typeface="DejaVu Sans"/>
-                <a:ea typeface="DejaVu Sans"/>
-              </a:rPr>
-              <a:t>Organization of the exercise:</a:t>
-            </a:r>
-            <a:endParaRPr b="0" lang="en-US" sz="1800" spc="-1" strike="noStrike">
-              <a:solidFill>
-                <a:srgbClr val="000000"/>
-              </a:solidFill>
-              <a:latin typeface="Arial"/>
-            </a:endParaRPr>
-          </a:p>
-          <a:p>
-            <a:pPr lvl="1" marL="432000" indent="-216000">
-              <a:lnSpc>
-                <a:spcPct val="100000"/>
-              </a:lnSpc>
-              <a:spcBef>
-                <a:spcPts val="360"/>
-              </a:spcBef>
-              <a:buClr>
-                <a:srgbClr val="008c4f"/>
-              </a:buClr>
-              <a:buSzPct val="60000"/>
-              <a:buFont typeface="DejaVu Sans"/>
-              <a:buChar char="—"/>
-            </a:pPr>
-            <a:r>
-              <a:rPr b="0" lang="en-GB" sz="1800" spc="-1" strike="noStrike">
-                <a:solidFill>
-                  <a:srgbClr val="000000"/>
-                </a:solidFill>
-                <a:latin typeface="DejaVu Sans"/>
-                <a:ea typeface="DejaVu Sans"/>
-              </a:rPr>
-              <a:t>Individual work → </a:t>
-            </a:r>
-            <a:r>
               <a:rPr b="1" lang="en-GB" sz="1800" spc="-1" strike="noStrike">
                 <a:solidFill>
-                  <a:srgbClr val="000000"/>
-                </a:solidFill>
-                <a:latin typeface="DejaVu Sans"/>
-                <a:ea typeface="DejaVu Sans"/>
-              </a:rPr>
-              <a:t>no</a:t>
-            </a:r>
-            <a:r>
-              <a:rPr b="0" lang="en-GB" sz="1800" spc="-1" strike="noStrike">
-                <a:solidFill>
-                  <a:srgbClr val="000000"/>
-                </a:solidFill>
-                <a:latin typeface="DejaVu Sans"/>
-                <a:ea typeface="DejaVu Sans"/>
-              </a:rPr>
-              <a:t> group submissions</a:t>
-            </a:r>
-            <a:endParaRPr b="0" lang="en-US" sz="1800" spc="-1" strike="noStrike">
-              <a:solidFill>
-                <a:srgbClr val="000000"/>
-              </a:solidFill>
-              <a:latin typeface="Arial"/>
-            </a:endParaRPr>
-          </a:p>
-          <a:p>
-            <a:pPr lvl="1" marL="432000" indent="-216000">
-              <a:lnSpc>
-                <a:spcPct val="100000"/>
-              </a:lnSpc>
-              <a:spcBef>
-                <a:spcPts val="360"/>
-              </a:spcBef>
-              <a:buClr>
-                <a:srgbClr val="008c4f"/>
-              </a:buClr>
-              <a:buSzPct val="60000"/>
-              <a:buFont typeface="DejaVu Sans"/>
-              <a:buChar char="—"/>
-            </a:pPr>
-            <a:r>
-              <a:rPr b="0" lang="en-GB" sz="1800" spc="-1" strike="noStrike">
-                <a:solidFill>
-                  <a:srgbClr val="000000"/>
-                </a:solidFill>
-                <a:latin typeface="DejaVu Sans"/>
-                <a:ea typeface="DejaVu Sans"/>
-              </a:rPr>
-              <a:t>Multiple-Choice or practical tasks</a:t>
-            </a:r>
-            <a:endParaRPr b="0" lang="en-US" sz="1800" spc="-1" strike="noStrike">
-              <a:solidFill>
-                <a:srgbClr val="000000"/>
-              </a:solidFill>
-              <a:latin typeface="Arial"/>
-            </a:endParaRPr>
-          </a:p>
-          <a:p>
-            <a:pPr lvl="1" marL="432000" indent="-216000">
-              <a:lnSpc>
-                <a:spcPct val="100000"/>
-              </a:lnSpc>
-              <a:spcBef>
-                <a:spcPts val="360"/>
-              </a:spcBef>
-              <a:buClr>
-                <a:srgbClr val="008c4f"/>
-              </a:buClr>
-              <a:buSzPct val="60000"/>
-              <a:buFont typeface="DejaVu Sans"/>
-              <a:buChar char="—"/>
-            </a:pPr>
-            <a:r>
-              <a:rPr b="0" lang="en-GB" sz="1800" spc="-1" strike="noStrike">
-                <a:solidFill>
-                  <a:srgbClr val="000000"/>
-                </a:solidFill>
-                <a:latin typeface="DejaVu Sans"/>
-                <a:ea typeface="DejaVu Sans"/>
-              </a:rPr>
-              <a:t>7-14 days to submit (depending on the task)</a:t>
-            </a:r>
-            <a:endParaRPr b="0" lang="en-US" sz="1800" spc="-1" strike="noStrike">
-              <a:solidFill>
-                <a:srgbClr val="000000"/>
-              </a:solidFill>
-              <a:latin typeface="Arial"/>
-            </a:endParaRPr>
-          </a:p>
-          <a:p>
-            <a:pPr lvl="1" marL="432000" indent="-216000">
-              <a:lnSpc>
-                <a:spcPct val="100000"/>
-              </a:lnSpc>
-              <a:spcBef>
-                <a:spcPts val="360"/>
-              </a:spcBef>
-              <a:buClr>
-                <a:srgbClr val="008c4f"/>
-              </a:buClr>
-              <a:buSzPct val="60000"/>
-              <a:buFont typeface="DejaVu Sans"/>
-              <a:buChar char="—"/>
-            </a:pPr>
-            <a:r>
-              <a:rPr b="0" lang="en-GB" sz="1800" spc="-1" strike="noStrike">
-                <a:solidFill>
-                  <a:srgbClr val="000000"/>
-                </a:solidFill>
-                <a:latin typeface="DejaVu Sans"/>
-                <a:ea typeface="DejaVu Sans"/>
-              </a:rPr>
-              <a:t>Submission deadline is always Wednesday at 1:59pm (right before the next lecture)</a:t>
-            </a:r>
-            <a:endParaRPr b="0" lang="en-US" sz="1800" spc="-1" strike="noStrike">
-              <a:solidFill>
-                <a:srgbClr val="000000"/>
-              </a:solidFill>
-              <a:latin typeface="Arial"/>
-            </a:endParaRPr>
-          </a:p>
-          <a:p>
-            <a:pPr lvl="1" marL="432000" indent="-216000">
-              <a:lnSpc>
-                <a:spcPct val="100000"/>
-              </a:lnSpc>
-              <a:spcBef>
-                <a:spcPts val="360"/>
-              </a:spcBef>
-              <a:buClr>
-                <a:srgbClr val="008c4f"/>
-              </a:buClr>
-              <a:buSzPct val="60000"/>
-              <a:buFont typeface="DejaVu Sans"/>
-              <a:buChar char="—"/>
-            </a:pPr>
+                  <a:srgbClr val="ffffff"/>
+                </a:solidFill>
+                <a:latin typeface="DejaVu Sans"/>
+                <a:ea typeface="DejaVu Sans"/>
+              </a:rPr>
+              <a:t> </a:t>
+            </a:r>
             <a:r>
               <a:rPr b="1" lang="en-GB" sz="1800" spc="-1" strike="noStrike">
                 <a:solidFill>
-                  <a:srgbClr val="000000"/>
-                </a:solidFill>
-                <a:latin typeface="DejaVu Sans"/>
-                <a:ea typeface="DejaVu Sans"/>
-              </a:rPr>
-              <a:t>Submission of each exercise is mandatory</a:t>
-            </a:r>
-            <a:endParaRPr b="0" lang="en-US" sz="1800" spc="-1" strike="noStrike">
-              <a:solidFill>
-                <a:srgbClr val="000000"/>
-              </a:solidFill>
-              <a:latin typeface="Arial"/>
-            </a:endParaRPr>
-          </a:p>
-          <a:p>
-            <a:pPr marL="360" algn="ctr">
-              <a:lnSpc>
-                <a:spcPct val="100000"/>
-              </a:lnSpc>
-              <a:spcBef>
-                <a:spcPts val="360"/>
-              </a:spcBef>
-              <a:buClr>
-                <a:srgbClr val="008c4f"/>
-              </a:buClr>
-              <a:buSzPct val="45000"/>
-              <a:buFont typeface="DejaVu Sans"/>
-              <a:buChar char="◾"/>
-            </a:pPr>
-            <a:r>
-              <a:rPr b="1" lang="en-GB" sz="1800" spc="-1" strike="noStrike">
-                <a:solidFill>
                   <a:srgbClr val="ffffff"/>
                 </a:solidFill>
                 <a:latin typeface="DejaVu Sans"/>
                 <a:ea typeface="DejaVu Sans"/>
               </a:rPr>
-              <a:t> </a:t>
-            </a:r>
-            <a:r>
-              <a:rPr b="1" lang="en-GB" sz="1800" spc="-1" strike="noStrike">
-                <a:solidFill>
-                  <a:srgbClr val="ffffff"/>
-                </a:solidFill>
-                <a:latin typeface="DejaVu Sans"/>
-                <a:ea typeface="DejaVu Sans"/>
-              </a:rPr>
               <a:t>follow on the next slides (Examination)</a:t>
             </a:r>
-            <a:endParaRPr b="0" lang="en-US" sz="1800" spc="-1" strike="noStrike">
+            <a:endParaRPr b="0" lang="en-GB" sz="1800" spc="-1" strike="noStrike">
               <a:solidFill>
                 <a:srgbClr val="000000"/>
               </a:solidFill>
@@ -8749,7 +7960,7 @@
         <p:spPr>
           <a:xfrm>
             <a:off x="539640" y="764640"/>
-            <a:ext cx="10742040" cy="492840"/>
+            <a:ext cx="10741680" cy="492480"/>
           </a:xfrm>
           <a:prstGeom prst="rect">
             <a:avLst/>
@@ -8785,7 +7996,7 @@
               </a:rPr>
               <a:t>Exercises </a:t>
             </a:r>
-            <a:endParaRPr b="0" lang="en-US" sz="2400" spc="-1" strike="noStrike">
+            <a:endParaRPr b="0" lang="en-GB" sz="2400" spc="-1" strike="noStrike">
               <a:solidFill>
                 <a:srgbClr val="000000"/>
               </a:solidFill>
@@ -8803,7 +8014,7 @@
         <p:spPr>
           <a:xfrm>
             <a:off x="539640" y="1268280"/>
-            <a:ext cx="10742040" cy="5029560"/>
+            <a:ext cx="10741680" cy="5029200"/>
           </a:xfrm>
           <a:prstGeom prst="rect">
             <a:avLst/>
@@ -8845,7 +8056,7 @@
               </a:rPr>
               <a:t>Bonus task:</a:t>
             </a:r>
-            <a:endParaRPr b="0" lang="en-US" sz="1800" spc="-1" strike="noStrike">
+            <a:endParaRPr b="0" lang="en-GB" sz="1800" spc="-1" strike="noStrike">
               <a:solidFill>
                 <a:srgbClr val="000000"/>
               </a:solidFill>
@@ -8877,7 +8088,7 @@
               </a:rPr>
               <a:t>You may miss/fail one of the regular exercises</a:t>
             </a:r>
-            <a:endParaRPr b="0" lang="en-US" sz="1800" spc="-1" strike="noStrike">
+            <a:endParaRPr b="0" lang="en-GB" sz="1800" spc="-1" strike="noStrike">
               <a:solidFill>
                 <a:srgbClr val="000000"/>
               </a:solidFill>
@@ -8929,7 +8140,7 @@
               </a:rPr>
               <a:t> passing the bonus task substitutes the missed/failed exercise</a:t>
             </a:r>
-            <a:endParaRPr b="0" lang="en-US" sz="1800" spc="-1" strike="noStrike">
+            <a:endParaRPr b="0" lang="en-GB" sz="1800" spc="-1" strike="noStrike">
               <a:solidFill>
                 <a:srgbClr val="000000"/>
               </a:solidFill>
@@ -8971,7 +8182,7 @@
               </a:rPr>
               <a:t> → don’t “plan” with the bonus task. Rather submit and pass the regular exercises.</a:t>
             </a:r>
-            <a:endParaRPr b="0" lang="en-US" sz="1800" spc="-1" strike="noStrike">
+            <a:endParaRPr b="0" lang="en-GB" sz="1800" spc="-1" strike="noStrike">
               <a:solidFill>
                 <a:srgbClr val="000000"/>
               </a:solidFill>
@@ -9019,7 +8230,7 @@
         <p:spPr>
           <a:xfrm>
             <a:off x="539640" y="764640"/>
-            <a:ext cx="10742040" cy="492840"/>
+            <a:ext cx="10741680" cy="492480"/>
           </a:xfrm>
           <a:prstGeom prst="rect">
             <a:avLst/>
@@ -9055,7 +8266,7 @@
               </a:rPr>
               <a:t>Multiple-Choice Exercises </a:t>
             </a:r>
-            <a:endParaRPr b="0" lang="en-US" sz="2400" spc="-1" strike="noStrike">
+            <a:endParaRPr b="0" lang="en-GB" sz="2400" spc="-1" strike="noStrike">
               <a:solidFill>
                 <a:srgbClr val="000000"/>
               </a:solidFill>
@@ -9073,7 +8284,7 @@
         <p:spPr>
           <a:xfrm>
             <a:off x="698760" y="1316880"/>
-            <a:ext cx="10360800" cy="475920"/>
+            <a:ext cx="10360440" cy="475560"/>
           </a:xfrm>
           <a:prstGeom prst="rect">
             <a:avLst/>
@@ -9109,11 +8320,11 @@
               </a:rPr>
               <a:t>Step-1: Navigate to Moodle on your studip, select "Zum Kurs in Moodle"</a:t>
             </a:r>
-            <a:endParaRPr b="0" lang="en-US" sz="1800" spc="-1" strike="noStrike">
-              <a:solidFill>
-                <a:srgbClr val="000000"/>
-              </a:solidFill>
-              <a:latin typeface="DejaVu Sans"/>
+            <a:endParaRPr b="0" lang="en-GB" sz="1800" spc="-1" strike="noStrike">
+              <a:solidFill>
+                <a:srgbClr val="000000"/>
+              </a:solidFill>
+              <a:latin typeface="Arial"/>
             </a:endParaRPr>
           </a:p>
         </p:txBody>
@@ -9175,13 +8386,13 @@
         </p:nvPicPr>
         <p:blipFill>
           <a:blip r:embed="rId1"/>
-          <a:srcRect l="0" t="0" r="0" b="7378"/>
+          <a:srcRect l="0" t="0" r="0" b="7376"/>
           <a:stretch/>
         </p:blipFill>
         <p:spPr>
           <a:xfrm>
             <a:off x="2057400" y="2111400"/>
-            <a:ext cx="7314480" cy="4059720"/>
+            <a:ext cx="7314120" cy="4059360"/>
           </a:xfrm>
           <a:prstGeom prst="rect">
             <a:avLst/>
@@ -9230,7 +8441,7 @@
         <p:spPr>
           <a:xfrm>
             <a:off x="539640" y="764640"/>
-            <a:ext cx="10742040" cy="492840"/>
+            <a:ext cx="10741680" cy="492480"/>
           </a:xfrm>
           <a:prstGeom prst="rect">
             <a:avLst/>
@@ -9266,7 +8477,7 @@
               </a:rPr>
               <a:t>Multiple-Choice Exercises </a:t>
             </a:r>
-            <a:endParaRPr b="0" lang="en-US" sz="2400" spc="-1" strike="noStrike">
+            <a:endParaRPr b="0" lang="en-GB" sz="2400" spc="-1" strike="noStrike">
               <a:solidFill>
                 <a:srgbClr val="000000"/>
               </a:solidFill>
@@ -9284,7 +8495,7 @@
         <p:spPr>
           <a:xfrm>
             <a:off x="698760" y="1316880"/>
-            <a:ext cx="5443560" cy="440640"/>
+            <a:ext cx="5443200" cy="440280"/>
           </a:xfrm>
           <a:prstGeom prst="rect">
             <a:avLst/>
@@ -9331,11 +8542,11 @@
               </a:rPr>
               <a:t>"Exercise 1"</a:t>
             </a:r>
-            <a:endParaRPr b="0" lang="en-US" sz="1800" spc="-1" strike="noStrike">
-              <a:solidFill>
-                <a:srgbClr val="000000"/>
-              </a:solidFill>
-              <a:latin typeface="DejaVu Sans"/>
+            <a:endParaRPr b="0" lang="en-GB" sz="1800" spc="-1" strike="noStrike">
+              <a:solidFill>
+                <a:srgbClr val="000000"/>
+              </a:solidFill>
+              <a:latin typeface="Arial"/>
             </a:endParaRPr>
           </a:p>
         </p:txBody>
@@ -9353,7 +8564,7 @@
         <p:spPr>
           <a:xfrm>
             <a:off x="2513520" y="1828800"/>
-            <a:ext cx="6858360" cy="4737240"/>
+            <a:ext cx="6858000" cy="4736880"/>
           </a:xfrm>
           <a:prstGeom prst="rect">
             <a:avLst/>
@@ -9402,7 +8613,7 @@
         <p:spPr>
           <a:xfrm>
             <a:off x="539640" y="764640"/>
-            <a:ext cx="10742040" cy="492840"/>
+            <a:ext cx="10741680" cy="492480"/>
           </a:xfrm>
           <a:prstGeom prst="rect">
             <a:avLst/>
@@ -9438,7 +8649,7 @@
               </a:rPr>
               <a:t>Multiple-Choice Exercises </a:t>
             </a:r>
-            <a:endParaRPr b="0" lang="en-US" sz="2400" spc="-1" strike="noStrike">
+            <a:endParaRPr b="0" lang="en-GB" sz="2400" spc="-1" strike="noStrike">
               <a:solidFill>
                 <a:srgbClr val="000000"/>
               </a:solidFill>
@@ -9456,7 +8667,7 @@
         <p:spPr>
           <a:xfrm>
             <a:off x="698760" y="1316880"/>
-            <a:ext cx="5214960" cy="440640"/>
+            <a:ext cx="5214600" cy="440280"/>
           </a:xfrm>
           <a:prstGeom prst="rect">
             <a:avLst/>
@@ -9492,7 +8703,7 @@
               </a:rPr>
               <a:t>Step-3 : Start your test if you are ready</a:t>
             </a:r>
-            <a:endParaRPr b="0" lang="en-US" sz="1800" spc="-1" strike="noStrike">
+            <a:endParaRPr b="0" lang="en-GB" sz="1800" spc="-1" strike="noStrike">
               <a:solidFill>
                 <a:srgbClr val="000000"/>
               </a:solidFill>
@@ -9514,7 +8725,7 @@
         <p:spPr>
           <a:xfrm>
             <a:off x="1600200" y="2073600"/>
-            <a:ext cx="7699680" cy="3755520"/>
+            <a:ext cx="7699320" cy="3755160"/>
           </a:xfrm>
           <a:prstGeom prst="rect">
             <a:avLst/>
@@ -9562,13 +8773,13 @@
         </p:nvPicPr>
         <p:blipFill>
           <a:blip r:embed="rId1"/>
-          <a:srcRect l="0" t="23833" r="0" b="0"/>
+          <a:srcRect l="0" t="23837" r="0" b="0"/>
           <a:stretch/>
         </p:blipFill>
         <p:spPr>
           <a:xfrm>
             <a:off x="937800" y="3069000"/>
-            <a:ext cx="8868960" cy="2921040"/>
+            <a:ext cx="8868600" cy="2920680"/>
           </a:xfrm>
           <a:prstGeom prst="rect">
             <a:avLst/>
@@ -9587,7 +8798,7 @@
         <p:spPr>
           <a:xfrm>
             <a:off x="539640" y="764640"/>
-            <a:ext cx="10742040" cy="492840"/>
+            <a:ext cx="10741680" cy="492480"/>
           </a:xfrm>
           <a:prstGeom prst="rect">
             <a:avLst/>
@@ -9623,11 +8834,11 @@
               </a:rPr>
               <a:t>Multiple-Choice Exercises </a:t>
             </a:r>
-            <a:endParaRPr b="0" lang="en-US" sz="2400" spc="-1" strike="noStrike">
-              <a:solidFill>
-                <a:srgbClr val="000000"/>
-              </a:solidFill>
-              <a:latin typeface="DejaVu Sans"/>
+            <a:endParaRPr b="0" lang="en-GB" sz="2400" spc="-1" strike="noStrike">
+              <a:solidFill>
+                <a:srgbClr val="000000"/>
+              </a:solidFill>
+              <a:latin typeface="Arial"/>
             </a:endParaRPr>
           </a:p>
         </p:txBody>
@@ -9641,7 +8852,7 @@
         <p:spPr>
           <a:xfrm>
             <a:off x="698760" y="1312200"/>
-            <a:ext cx="1731960" cy="363240"/>
+            <a:ext cx="1731600" cy="362880"/>
           </a:xfrm>
           <a:prstGeom prst="rect">
             <a:avLst/>
@@ -9677,11 +8888,11 @@
               </a:rPr>
               <a:t>Step-4 : </a:t>
             </a:r>
-            <a:endParaRPr b="0" lang="en-US" sz="1800" spc="-1" strike="noStrike">
-              <a:solidFill>
-                <a:srgbClr val="000000"/>
-              </a:solidFill>
-              <a:latin typeface="DejaVu Sans"/>
+            <a:endParaRPr b="0" lang="en-GB" sz="1800" spc="-1" strike="noStrike">
+              <a:solidFill>
+                <a:srgbClr val="000000"/>
+              </a:solidFill>
+              <a:latin typeface="Arial"/>
             </a:endParaRPr>
           </a:p>
           <a:p>
@@ -9690,11 +8901,11 @@
                 <a:spcPct val="100000"/>
               </a:lnSpc>
             </a:pPr>
-            <a:endParaRPr b="0" lang="en-US" sz="1800" spc="-1" strike="noStrike">
-              <a:solidFill>
-                <a:srgbClr val="000000"/>
-              </a:solidFill>
-              <a:latin typeface="DejaVu Sans"/>
+            <a:endParaRPr b="0" lang="en-GB" sz="1800" spc="-1" strike="noStrike">
+              <a:solidFill>
+                <a:srgbClr val="000000"/>
+              </a:solidFill>
+              <a:latin typeface="Arial"/>
             </a:endParaRPr>
           </a:p>
           <a:p>
@@ -9703,11 +8914,11 @@
                 <a:spcPct val="100000"/>
               </a:lnSpc>
             </a:pPr>
-            <a:endParaRPr b="0" lang="en-US" sz="1800" spc="-1" strike="noStrike">
-              <a:solidFill>
-                <a:srgbClr val="000000"/>
-              </a:solidFill>
-              <a:latin typeface="DejaVu Sans"/>
+            <a:endParaRPr b="0" lang="en-GB" sz="1800" spc="-1" strike="noStrike">
+              <a:solidFill>
+                <a:srgbClr val="000000"/>
+              </a:solidFill>
+              <a:latin typeface="Arial"/>
             </a:endParaRPr>
           </a:p>
         </p:txBody>
@@ -9747,7 +8958,7 @@
           <a:fontRef idx="minor"/>
         </p:style>
         <p:txBody>
-          <a:bodyPr lIns="90000" rIns="90000" tIns="180000" bIns="180000" anchor="t" anchorCtr="1">
+          <a:bodyPr lIns="90000" rIns="90000" tIns="310320" bIns="310320" anchor="t" anchorCtr="1">
             <a:noAutofit/>
           </a:bodyPr>
           <a:p>
@@ -9796,7 +9007,7 @@
           <a:fontRef idx="minor"/>
         </p:style>
         <p:txBody>
-          <a:bodyPr lIns="90000" rIns="90000" tIns="180000" bIns="180000" anchor="t" anchorCtr="1">
+          <a:bodyPr lIns="90000" rIns="90000" tIns="310320" bIns="310320" anchor="t" anchorCtr="1">
             <a:noAutofit/>
           </a:bodyPr>
           <a:p>
@@ -9868,7 +9079,7 @@
         <p:spPr>
           <a:xfrm>
             <a:off x="846720" y="1679400"/>
-            <a:ext cx="8297280" cy="1187640"/>
+            <a:ext cx="8296920" cy="1186920"/>
           </a:xfrm>
           <a:prstGeom prst="rect">
             <a:avLst/>
@@ -9904,11 +9115,11 @@
               </a:rPr>
               <a:t>A. Sequence of questions</a:t>
             </a:r>
-            <a:endParaRPr b="0" lang="en-US" sz="1800" spc="-1" strike="noStrike">
-              <a:solidFill>
-                <a:srgbClr val="000000"/>
-              </a:solidFill>
-              <a:latin typeface="DejaVu Sans"/>
+            <a:endParaRPr b="0" lang="en-GB" sz="1800" spc="-1" strike="noStrike">
+              <a:solidFill>
+                <a:srgbClr val="000000"/>
+              </a:solidFill>
+              <a:latin typeface="Arial"/>
             </a:endParaRPr>
           </a:p>
           <a:p>
@@ -9927,11 +9138,11 @@
               </a:rPr>
               <a:t>B. Timer running for the test</a:t>
             </a:r>
-            <a:endParaRPr b="0" lang="en-US" sz="1800" spc="-1" strike="noStrike">
-              <a:solidFill>
-                <a:srgbClr val="000000"/>
-              </a:solidFill>
-              <a:latin typeface="DejaVu Sans"/>
+            <a:endParaRPr b="0" lang="en-GB" sz="1800" spc="-1" strike="noStrike">
+              <a:solidFill>
+                <a:srgbClr val="000000"/>
+              </a:solidFill>
+              <a:latin typeface="Arial"/>
             </a:endParaRPr>
           </a:p>
           <a:p>
@@ -9950,11 +9161,11 @@
               </a:rPr>
               <a:t>C. Navigate to next question/Finish attampt</a:t>
             </a:r>
-            <a:endParaRPr b="0" lang="en-US" sz="1800" spc="-1" strike="noStrike">
-              <a:solidFill>
-                <a:srgbClr val="000000"/>
-              </a:solidFill>
-              <a:latin typeface="DejaVu Sans"/>
+            <a:endParaRPr b="0" lang="en-GB" sz="1800" spc="-1" strike="noStrike">
+              <a:solidFill>
+                <a:srgbClr val="000000"/>
+              </a:solidFill>
+              <a:latin typeface="Arial"/>
             </a:endParaRPr>
           </a:p>
           <a:p>
@@ -9973,11 +9184,11 @@
               </a:rPr>
               <a:t>D. Navigate to previous question</a:t>
             </a:r>
-            <a:endParaRPr b="0" lang="en-US" sz="1800" spc="-1" strike="noStrike">
-              <a:solidFill>
-                <a:srgbClr val="000000"/>
-              </a:solidFill>
-              <a:latin typeface="DejaVu Sans"/>
+            <a:endParaRPr b="0" lang="en-GB" sz="1800" spc="-1" strike="noStrike">
+              <a:solidFill>
+                <a:srgbClr val="000000"/>
+              </a:solidFill>
+              <a:latin typeface="Arial"/>
             </a:endParaRPr>
           </a:p>
         </p:txBody>
@@ -9991,7 +9202,7 @@
         <p:spPr>
           <a:xfrm>
             <a:off x="7839360" y="1679400"/>
-            <a:ext cx="2613960" cy="426600"/>
+            <a:ext cx="2613600" cy="426240"/>
           </a:xfrm>
           <a:prstGeom prst="rect">
             <a:avLst/>
@@ -10036,7 +9247,7 @@
         <p:spPr>
           <a:xfrm>
             <a:off x="9109440" y="3583440"/>
-            <a:ext cx="278640" cy="363960"/>
+            <a:ext cx="278280" cy="363960"/>
           </a:xfrm>
           <a:prstGeom prst="rect">
             <a:avLst/>
@@ -10072,7 +9283,7 @@
               </a:rPr>
               <a:t>A</a:t>
             </a:r>
-            <a:endParaRPr b="0" lang="en-US" sz="1800" spc="-1" strike="noStrike">
+            <a:endParaRPr b="0" lang="en-GB" sz="1800" spc="-1" strike="noStrike">
               <a:solidFill>
                 <a:srgbClr val="000000"/>
               </a:solidFill>
@@ -10090,7 +9301,7 @@
         <p:spPr>
           <a:xfrm>
             <a:off x="9789840" y="4188960"/>
-            <a:ext cx="278640" cy="363960"/>
+            <a:ext cx="278280" cy="363960"/>
           </a:xfrm>
           <a:prstGeom prst="rect">
             <a:avLst/>
@@ -10126,7 +9337,7 @@
               </a:rPr>
               <a:t>B</a:t>
             </a:r>
-            <a:endParaRPr b="0" lang="en-US" sz="1800" spc="-1" strike="noStrike">
+            <a:endParaRPr b="0" lang="en-GB" sz="1800" spc="-1" strike="noStrike">
               <a:solidFill>
                 <a:srgbClr val="000000"/>
               </a:solidFill>
@@ -10144,7 +9355,7 @@
         <p:spPr>
           <a:xfrm>
             <a:off x="7531920" y="5741280"/>
-            <a:ext cx="279000" cy="363960"/>
+            <a:ext cx="278640" cy="363960"/>
           </a:xfrm>
           <a:prstGeom prst="rect">
             <a:avLst/>
@@ -10180,7 +9391,7 @@
               </a:rPr>
               <a:t>C</a:t>
             </a:r>
-            <a:endParaRPr b="0" lang="en-US" sz="1800" spc="-1" strike="noStrike">
+            <a:endParaRPr b="0" lang="en-GB" sz="1800" spc="-1" strike="noStrike">
               <a:solidFill>
                 <a:srgbClr val="000000"/>
               </a:solidFill>
@@ -10247,7 +9458,7 @@
         <p:spPr>
           <a:xfrm>
             <a:off x="1310760" y="5770800"/>
-            <a:ext cx="279000" cy="363960"/>
+            <a:ext cx="278640" cy="363960"/>
           </a:xfrm>
           <a:prstGeom prst="rect">
             <a:avLst/>
@@ -10283,7 +9494,7 @@
               </a:rPr>
               <a:t>D</a:t>
             </a:r>
-            <a:endParaRPr b="0" lang="en-US" sz="1800" spc="-1" strike="noStrike">
+            <a:endParaRPr b="0" lang="en-GB" sz="1800" spc="-1" strike="noStrike">
               <a:solidFill>
                 <a:srgbClr val="000000"/>
               </a:solidFill>
@@ -10331,7 +9542,7 @@
         <p:spPr>
           <a:xfrm>
             <a:off x="539640" y="764640"/>
-            <a:ext cx="10748880" cy="499680"/>
+            <a:ext cx="10748520" cy="499320"/>
           </a:xfrm>
           <a:prstGeom prst="rect">
             <a:avLst/>
@@ -10367,7 +9578,7 @@
               </a:rPr>
               <a:t>Examination</a:t>
             </a:r>
-            <a:endParaRPr b="0" lang="en-US" sz="2400" spc="-1" strike="noStrike">
+            <a:endParaRPr b="0" lang="en-GB" sz="2400" spc="-1" strike="noStrike">
               <a:solidFill>
                 <a:srgbClr val="000000"/>
               </a:solidFill>
@@ -10385,7 +9596,7 @@
         <p:spPr>
           <a:xfrm>
             <a:off x="539640" y="1268640"/>
-            <a:ext cx="10748880" cy="5036400"/>
+            <a:ext cx="10748520" cy="5036040"/>
           </a:xfrm>
           <a:prstGeom prst="rect">
             <a:avLst/>
@@ -10460,7 +9671,7 @@
               </a:rPr>
               <a:t> criteria have to be fulfilled):</a:t>
             </a:r>
-            <a:endParaRPr b="0" lang="en-US" sz="1800" spc="-1" strike="noStrike">
+            <a:endParaRPr b="0" lang="en-GB" sz="1800" spc="-1" strike="noStrike">
               <a:solidFill>
                 <a:srgbClr val="000000"/>
               </a:solidFill>
@@ -10492,7 +9703,7 @@
               </a:rPr>
               <a:t>Successful completion of the compulsory five exercises</a:t>
             </a:r>
-            <a:endParaRPr b="0" lang="en-US" sz="1800" spc="-1" strike="noStrike">
+            <a:endParaRPr b="0" lang="en-GB" sz="1800" spc="-1" strike="noStrike">
               <a:solidFill>
                 <a:srgbClr val="000000"/>
               </a:solidFill>
@@ -10524,7 +9735,7 @@
               </a:rPr>
               <a:t>You pass an exercise if you score 50% (or more)</a:t>
             </a:r>
-            <a:endParaRPr b="0" lang="en-US" sz="1800" spc="-1" strike="noStrike">
+            <a:endParaRPr b="0" lang="en-GB" sz="1800" spc="-1" strike="noStrike">
               <a:solidFill>
                 <a:srgbClr val="000000"/>
               </a:solidFill>
@@ -10577,7 +9788,23 @@
               </a:rPr>
               <a:t> exercise</a:t>
             </a:r>
-            <a:endParaRPr b="0" lang="en-US" sz="1800" spc="-1" strike="noStrike">
+            <a:endParaRPr b="0" lang="en-GB" sz="1800" spc="-1" strike="noStrike">
+              <a:solidFill>
+                <a:srgbClr val="000000"/>
+              </a:solidFill>
+              <a:latin typeface="Arial"/>
+            </a:endParaRPr>
+          </a:p>
+          <a:p>
+            <a:pPr>
+              <a:lnSpc>
+                <a:spcPct val="100000"/>
+              </a:lnSpc>
+              <a:spcBef>
+                <a:spcPts val="360"/>
+              </a:spcBef>
+            </a:pPr>
+            <a:endParaRPr b="0" lang="en-GB" sz="1800" spc="-1" strike="noStrike">
               <a:solidFill>
                 <a:srgbClr val="000000"/>
               </a:solidFill>
@@ -10599,28 +9826,6 @@
               <a:buFont typeface="DejaVu Sans"/>
               <a:buChar char="◾"/>
             </a:pPr>
-            <a:endParaRPr b="0" lang="en-US" sz="1800" spc="-1" strike="noStrike">
-              <a:solidFill>
-                <a:srgbClr val="000000"/>
-              </a:solidFill>
-              <a:latin typeface="Arial"/>
-            </a:endParaRPr>
-          </a:p>
-          <a:p>
-            <a:pPr marL="216000" indent="-216000">
-              <a:lnSpc>
-                <a:spcPct val="100000"/>
-              </a:lnSpc>
-              <a:spcBef>
-                <a:spcPts val="360"/>
-              </a:spcBef>
-              <a:buClr>
-                <a:srgbClr val="008c4f"/>
-              </a:buClr>
-              <a:buSzPct val="45000"/>
-              <a:buFont typeface="DejaVu Sans"/>
-              <a:buChar char="◾"/>
-            </a:pPr>
             <a:r>
               <a:rPr b="1" lang="en-GB" sz="1800" spc="-1" strike="noStrike">
                 <a:solidFill>
@@ -10631,7 +9836,7 @@
               </a:rPr>
               <a:t>Final exam:</a:t>
             </a:r>
-            <a:endParaRPr b="0" lang="en-US" sz="1800" spc="-1" strike="noStrike">
+            <a:endParaRPr b="0" lang="en-GB" sz="1800" spc="-1" strike="noStrike">
               <a:solidFill>
                 <a:srgbClr val="000000"/>
               </a:solidFill>
@@ -10663,7 +9868,7 @@
               </a:rPr>
               <a:t>22.02.2023 → 14:00 – 16:00 </a:t>
             </a:r>
-            <a:endParaRPr b="0" lang="en-US" sz="1800" spc="-1" strike="noStrike">
+            <a:endParaRPr b="0" lang="en-GB" sz="1800" spc="-1" strike="noStrike">
               <a:solidFill>
                 <a:srgbClr val="000000"/>
               </a:solidFill>
@@ -10695,7 +9900,7 @@
               </a:rPr>
               <a:t>Written exam (120min) </a:t>
             </a:r>
-            <a:endParaRPr b="0" lang="en-US" sz="1800" spc="-1" strike="noStrike">
+            <a:endParaRPr b="0" lang="en-GB" sz="1800" spc="-1" strike="noStrike">
               <a:solidFill>
                 <a:srgbClr val="000000"/>
               </a:solidFill>
@@ -10743,7 +9948,7 @@
         <p:spPr>
           <a:xfrm>
             <a:off x="539640" y="764640"/>
-            <a:ext cx="10748880" cy="499680"/>
+            <a:ext cx="10748520" cy="499320"/>
           </a:xfrm>
           <a:prstGeom prst="rect">
             <a:avLst/>
@@ -10779,7 +9984,7 @@
               </a:rPr>
               <a:t>Team</a:t>
             </a:r>
-            <a:endParaRPr b="0" lang="en-US" sz="2400" spc="-1" strike="noStrike">
+            <a:endParaRPr b="0" lang="en-GB" sz="2400" spc="-1" strike="noStrike">
               <a:solidFill>
                 <a:srgbClr val="000000"/>
               </a:solidFill>
@@ -10801,7 +10006,7 @@
         <p:spPr>
           <a:xfrm>
             <a:off x="2684520" y="1323360"/>
-            <a:ext cx="1471680" cy="2172960"/>
+            <a:ext cx="1471320" cy="2172600"/>
           </a:xfrm>
           <a:prstGeom prst="rect">
             <a:avLst/>
@@ -10824,7 +10029,7 @@
         <p:spPr>
           <a:xfrm>
             <a:off x="7269840" y="1716120"/>
-            <a:ext cx="1785600" cy="1777680"/>
+            <a:ext cx="1785240" cy="1777320"/>
           </a:xfrm>
           <a:prstGeom prst="rect">
             <a:avLst/>
@@ -10843,7 +10048,7 @@
         <p:spPr>
           <a:xfrm>
             <a:off x="1620000" y="3439440"/>
-            <a:ext cx="3636360" cy="677880"/>
+            <a:ext cx="3636000" cy="677520"/>
           </a:xfrm>
           <a:prstGeom prst="rect">
             <a:avLst/>
@@ -10882,7 +10087,7 @@
               </a:rPr>
               <a:t>Prof. Dr. Benjamin Leiding</a:t>
             </a:r>
-            <a:endParaRPr b="0" lang="en-US" sz="1600" spc="-1" strike="noStrike">
+            <a:endParaRPr b="0" lang="en-GB" sz="1600" spc="-1" strike="noStrike">
               <a:solidFill>
                 <a:srgbClr val="000000"/>
               </a:solidFill>
@@ -10900,7 +10105,7 @@
         <p:spPr>
           <a:xfrm>
             <a:off x="6322680" y="3460320"/>
-            <a:ext cx="3636360" cy="677880"/>
+            <a:ext cx="3636000" cy="677520"/>
           </a:xfrm>
           <a:prstGeom prst="rect">
             <a:avLst/>
@@ -10939,7 +10144,7 @@
               </a:rPr>
               <a:t>M.Sc. Anant Sujatanagarjuna</a:t>
             </a:r>
-            <a:endParaRPr b="0" lang="en-US" sz="1600" spc="-1" strike="noStrike">
+            <a:endParaRPr b="0" lang="en-GB" sz="1600" spc="-1" strike="noStrike">
               <a:solidFill>
                 <a:srgbClr val="000000"/>
               </a:solidFill>
@@ -10961,7 +10166,7 @@
         <p:spPr>
           <a:xfrm>
             <a:off x="4845960" y="4206240"/>
-            <a:ext cx="1778760" cy="1770840"/>
+            <a:ext cx="1778400" cy="1770480"/>
           </a:xfrm>
           <a:prstGeom prst="rect">
             <a:avLst/>
@@ -10980,7 +10185,7 @@
         <p:spPr>
           <a:xfrm>
             <a:off x="1311840" y="5920200"/>
-            <a:ext cx="3629520" cy="671040"/>
+            <a:ext cx="3629160" cy="670680"/>
           </a:xfrm>
           <a:prstGeom prst="rect">
             <a:avLst/>
@@ -11025,7 +10230,7 @@
         <p:spPr>
           <a:xfrm>
             <a:off x="3950280" y="5903280"/>
-            <a:ext cx="3629520" cy="671040"/>
+            <a:ext cx="3629160" cy="670680"/>
           </a:xfrm>
           <a:prstGeom prst="rect">
             <a:avLst/>
@@ -11064,7 +10269,7 @@
               </a:rPr>
               <a:t>B.Sc. Sepideh Sayadkouh</a:t>
             </a:r>
-            <a:endParaRPr b="0" lang="en-US" sz="1600" spc="-1" strike="noStrike">
+            <a:endParaRPr b="0" lang="en-GB" sz="1600" spc="-1" strike="noStrike">
               <a:solidFill>
                 <a:srgbClr val="000000"/>
               </a:solidFill>
@@ -11112,7 +10317,7 @@
         <p:spPr>
           <a:xfrm>
             <a:off x="539640" y="764640"/>
-            <a:ext cx="10748880" cy="499680"/>
+            <a:ext cx="10748520" cy="499320"/>
           </a:xfrm>
           <a:prstGeom prst="rect">
             <a:avLst/>
@@ -11148,7 +10353,7 @@
               </a:rPr>
               <a:t>Self-Study Star</a:t>
             </a:r>
-            <a:endParaRPr b="0" lang="en-US" sz="2400" spc="-1" strike="noStrike">
+            <a:endParaRPr b="0" lang="en-GB" sz="2400" spc="-1" strike="noStrike">
               <a:solidFill>
                 <a:srgbClr val="000000"/>
               </a:solidFill>
@@ -11166,7 +10371,7 @@
         <p:spPr>
           <a:xfrm>
             <a:off x="539640" y="1268280"/>
-            <a:ext cx="10748880" cy="5036400"/>
+            <a:ext cx="10748520" cy="5036040"/>
           </a:xfrm>
           <a:prstGeom prst="rect">
             <a:avLst/>
@@ -11195,7 +10400,7 @@
                 <a:spcPts val="360"/>
               </a:spcBef>
             </a:pPr>
-            <a:endParaRPr b="0" lang="en-US" sz="1800" spc="-1" strike="noStrike">
+            <a:endParaRPr b="0" lang="en-GB" sz="1800" spc="-1" strike="noStrike">
               <a:solidFill>
                 <a:srgbClr val="000000"/>
               </a:solidFill>
@@ -11247,7 +10452,7 @@
               </a:rPr>
               <a:t> mandatory but could be helpful for your future career</a:t>
             </a:r>
-            <a:endParaRPr b="0" lang="en-US" sz="1800" spc="-1" strike="noStrike">
+            <a:endParaRPr b="0" lang="en-GB" sz="1800" spc="-1" strike="noStrike">
               <a:solidFill>
                 <a:srgbClr val="000000"/>
               </a:solidFill>
@@ -11263,7 +10468,7 @@
                 <a:spcPts val="360"/>
               </a:spcBef>
             </a:pPr>
-            <a:endParaRPr b="0" lang="en-US" sz="1800" spc="-1" strike="noStrike">
+            <a:endParaRPr b="0" lang="en-GB" sz="1800" spc="-1" strike="noStrike">
               <a:solidFill>
                 <a:srgbClr val="000000"/>
               </a:solidFill>
@@ -11295,7 +10500,7 @@
               </a:rPr>
               <a:t>Of course it won’t hurt to have extra knowledge to impress us during the examination ;)</a:t>
             </a:r>
-            <a:endParaRPr b="0" lang="en-US" sz="1800" spc="-1" strike="noStrike">
+            <a:endParaRPr b="0" lang="en-GB" sz="1800" spc="-1" strike="noStrike">
               <a:solidFill>
                 <a:srgbClr val="000000"/>
               </a:solidFill>
@@ -11313,7 +10518,7 @@
         <p:spPr>
           <a:xfrm>
             <a:off x="6489720" y="2132640"/>
-            <a:ext cx="518400" cy="498240"/>
+            <a:ext cx="518040" cy="497880"/>
           </a:xfrm>
           <a:prstGeom prst="star5">
             <a:avLst>
@@ -11374,7 +10579,7 @@
         <p:spPr>
           <a:xfrm>
             <a:off x="4294080" y="2247480"/>
-            <a:ext cx="2286720" cy="363960"/>
+            <a:ext cx="2286360" cy="363960"/>
           </a:xfrm>
           <a:prstGeom prst="rect">
             <a:avLst/>
@@ -11410,7 +10615,7 @@
               </a:rPr>
               <a:t>Self-Study Star → </a:t>
             </a:r>
-            <a:endParaRPr b="0" lang="en-US" sz="1800" spc="-1" strike="noStrike">
+            <a:endParaRPr b="0" lang="en-GB" sz="1800" spc="-1" strike="noStrike">
               <a:solidFill>
                 <a:srgbClr val="000000"/>
               </a:solidFill>
@@ -11458,7 +10663,7 @@
         <p:spPr>
           <a:xfrm>
             <a:off x="539640" y="764640"/>
-            <a:ext cx="10748880" cy="499680"/>
+            <a:ext cx="10748520" cy="499320"/>
           </a:xfrm>
           <a:prstGeom prst="rect">
             <a:avLst/>
@@ -11494,7 +10699,7 @@
               </a:rPr>
               <a:t>Literature</a:t>
             </a:r>
-            <a:endParaRPr b="0" lang="en-US" sz="2400" spc="-1" strike="noStrike">
+            <a:endParaRPr b="0" lang="en-GB" sz="2400" spc="-1" strike="noStrike">
               <a:solidFill>
                 <a:srgbClr val="000000"/>
               </a:solidFill>
@@ -11512,7 +10717,7 @@
         <p:spPr>
           <a:xfrm>
             <a:off x="539640" y="1268640"/>
-            <a:ext cx="10748880" cy="5036400"/>
+            <a:ext cx="10748520" cy="5036040"/>
           </a:xfrm>
           <a:prstGeom prst="rect">
             <a:avLst/>
@@ -11577,7 +10782,7 @@
               </a:rPr>
               <a:t> need to buy a book to pass the exam.</a:t>
             </a:r>
-            <a:endParaRPr b="0" lang="en-US" sz="1800" spc="-1" strike="noStrike">
+            <a:endParaRPr b="0" lang="en-GB" sz="1800" spc="-1" strike="noStrike">
               <a:solidFill>
                 <a:srgbClr val="000000"/>
               </a:solidFill>
@@ -11593,7 +10798,7 @@
                 <a:spcPts val="360"/>
               </a:spcBef>
             </a:pPr>
-            <a:endParaRPr b="0" lang="en-US" sz="1800" spc="-1" strike="noStrike">
+            <a:endParaRPr b="0" lang="en-GB" sz="1800" spc="-1" strike="noStrike">
               <a:solidFill>
                 <a:srgbClr val="000000"/>
               </a:solidFill>
@@ -11645,7 +10850,7 @@
               </a:rPr>
               <a:t> (2010).</a:t>
             </a:r>
-            <a:endParaRPr b="0" lang="en-US" sz="1800" spc="-1" strike="noStrike">
+            <a:endParaRPr b="0" lang="en-GB" sz="1800" spc="-1" strike="noStrike">
               <a:solidFill>
                 <a:srgbClr val="000000"/>
               </a:solidFill>
@@ -11697,7 +10902,7 @@
               </a:rPr>
               <a:t>(2011).</a:t>
             </a:r>
-            <a:endParaRPr b="0" lang="en-US" sz="1800" spc="-1" strike="noStrike">
+            <a:endParaRPr b="0" lang="en-GB" sz="1800" spc="-1" strike="noStrike">
               <a:solidFill>
                 <a:srgbClr val="000000"/>
               </a:solidFill>
@@ -11769,7 +10974,7 @@
               </a:rPr>
               <a:t>(2017).</a:t>
             </a:r>
-            <a:endParaRPr b="0" lang="en-US" sz="1800" spc="-1" strike="noStrike">
+            <a:endParaRPr b="0" lang="en-GB" sz="1800" spc="-1" strike="noStrike">
               <a:solidFill>
                 <a:srgbClr val="000000"/>
               </a:solidFill>
@@ -11821,7 +11026,7 @@
               </a:rPr>
               <a:t>(2021).</a:t>
             </a:r>
-            <a:endParaRPr b="0" lang="en-US" sz="1800" spc="-1" strike="noStrike">
+            <a:endParaRPr b="0" lang="en-GB" sz="1800" spc="-1" strike="noStrike">
               <a:solidFill>
                 <a:srgbClr val="000000"/>
               </a:solidFill>
@@ -11869,7 +11074,7 @@
         <p:spPr>
           <a:xfrm>
             <a:off x="335520" y="1268640"/>
-            <a:ext cx="10748880" cy="5036400"/>
+            <a:ext cx="10748520" cy="5036040"/>
           </a:xfrm>
           <a:prstGeom prst="rect">
             <a:avLst/>
@@ -11911,7 +11116,7 @@
               </a:rPr>
               <a:t>Questions?</a:t>
             </a:r>
-            <a:endParaRPr b="0" lang="en-US" sz="4000" spc="-1" strike="noStrike">
+            <a:endParaRPr b="0" lang="en-GB" sz="4000" spc="-1" strike="noStrike">
               <a:solidFill>
                 <a:srgbClr val="000000"/>
               </a:solidFill>
@@ -11929,7 +11134,7 @@
         <p:spPr>
           <a:xfrm>
             <a:off x="335520" y="764640"/>
-            <a:ext cx="10748880" cy="499680"/>
+            <a:ext cx="10748520" cy="499320"/>
           </a:xfrm>
           <a:prstGeom prst="rect">
             <a:avLst/>
@@ -12004,7 +11209,7 @@
         <p:spPr>
           <a:xfrm>
             <a:off x="542880" y="721800"/>
-            <a:ext cx="10354680" cy="495360"/>
+            <a:ext cx="10354320" cy="495000"/>
           </a:xfrm>
           <a:prstGeom prst="rect">
             <a:avLst/>
@@ -12040,7 +11245,7 @@
               </a:rPr>
               <a:t>Research Group</a:t>
             </a:r>
-            <a:endParaRPr b="0" lang="en-US" sz="2200" spc="-1" strike="noStrike">
+            <a:endParaRPr b="0" lang="en-GB" sz="2200" spc="-1" strike="noStrike">
               <a:solidFill>
                 <a:srgbClr val="000000"/>
               </a:solidFill>
@@ -12058,7 +11263,7 @@
         <p:spPr>
           <a:xfrm>
             <a:off x="451800" y="1709280"/>
-            <a:ext cx="8222040" cy="4350240"/>
+            <a:ext cx="8221680" cy="4349880"/>
           </a:xfrm>
           <a:prstGeom prst="rect">
             <a:avLst/>
@@ -12103,7 +11308,7 @@
         <p:spPr>
           <a:xfrm>
             <a:off x="609480" y="1769400"/>
-            <a:ext cx="10585080" cy="4853160"/>
+            <a:ext cx="10584720" cy="4852800"/>
           </a:xfrm>
           <a:prstGeom prst="rect">
             <a:avLst/>
@@ -12228,7 +11433,7 @@
               </a:rPr>
               <a:t>ETCE</a:t>
             </a:r>
-            <a:endParaRPr b="0" lang="en-US" sz="2000" spc="-1" strike="noStrike">
+            <a:endParaRPr b="0" lang="en-GB" sz="2000" spc="-1" strike="noStrike">
               <a:solidFill>
                 <a:srgbClr val="000000"/>
               </a:solidFill>
@@ -12260,7 +11465,7 @@
               </a:rPr>
               <a:t>Research focus:</a:t>
             </a:r>
-            <a:endParaRPr b="0" lang="en-US" sz="2000" spc="-1" strike="noStrike">
+            <a:endParaRPr b="0" lang="en-GB" sz="2000" spc="-1" strike="noStrike">
               <a:solidFill>
                 <a:srgbClr val="000000"/>
               </a:solidFill>
@@ -12292,7 +11497,7 @@
               </a:rPr>
               <a:t>Intersection of IT and sustainability</a:t>
             </a:r>
-            <a:endParaRPr b="0" lang="en-US" sz="1800" spc="-1" strike="noStrike">
+            <a:endParaRPr b="0" lang="en-GB" sz="1800" spc="-1" strike="noStrike">
               <a:solidFill>
                 <a:srgbClr val="000000"/>
               </a:solidFill>
@@ -12324,7 +11529,7 @@
               </a:rPr>
               <a:t>Circular Economy and Circular Societies</a:t>
             </a:r>
-            <a:endParaRPr b="0" lang="en-US" sz="1800" spc="-1" strike="noStrike">
+            <a:endParaRPr b="0" lang="en-GB" sz="1800" spc="-1" strike="noStrike">
               <a:solidFill>
                 <a:srgbClr val="000000"/>
               </a:solidFill>
@@ -12356,7 +11561,7 @@
               </a:rPr>
               <a:t>Self-organized, decentralized and distributed systems</a:t>
             </a:r>
-            <a:endParaRPr b="0" lang="en-US" sz="1800" spc="-1" strike="noStrike">
+            <a:endParaRPr b="0" lang="en-GB" sz="1800" spc="-1" strike="noStrike">
               <a:solidFill>
                 <a:srgbClr val="000000"/>
               </a:solidFill>
@@ -12386,7 +11591,7 @@
                 <a:latin typeface="DejaVu Sans"/>
                 <a:ea typeface="DejaVu Sans"/>
               </a:rPr>
-              <a:t>Localized and resilient food production → watch our mushrooms! (</a:t>
+              <a:t>Localized and resilient food production → Watch our mushrooms! (</a:t>
             </a:r>
             <a:r>
               <a:rPr b="0" lang="en-GB" sz="1800" spc="-1" strike="noStrike" u="sng">
@@ -12410,7 +11615,7 @@
               </a:rPr>
               <a:t>)</a:t>
             </a:r>
-            <a:endParaRPr b="0" lang="en-US" sz="1800" spc="-1" strike="noStrike">
+            <a:endParaRPr b="0" lang="en-GB" sz="1800" spc="-1" strike="noStrike">
               <a:solidFill>
                 <a:srgbClr val="000000"/>
               </a:solidFill>
@@ -12442,7 +11647,7 @@
               </a:rPr>
               <a:t>Other courses:</a:t>
             </a:r>
-            <a:endParaRPr b="0" lang="en-US" sz="2000" spc="-1" strike="noStrike">
+            <a:endParaRPr b="0" lang="en-GB" sz="2000" spc="-1" strike="noStrike">
               <a:solidFill>
                 <a:srgbClr val="000000"/>
               </a:solidFill>
@@ -12474,7 +11679,7 @@
               </a:rPr>
               <a:t>Emerging Technologies for the Circular Economy (SS – M.Sc.)</a:t>
             </a:r>
-            <a:endParaRPr b="0" lang="en-US" sz="1800" spc="-1" strike="noStrike">
+            <a:endParaRPr b="0" lang="en-GB" sz="1800" spc="-1" strike="noStrike">
               <a:solidFill>
                 <a:srgbClr val="000000"/>
               </a:solidFill>
@@ -12506,7 +11711,7 @@
               </a:rPr>
               <a:t>The Limits to Growth – Sustainability and the Circular Economy (SS – open for everyone)</a:t>
             </a:r>
-            <a:endParaRPr b="0" lang="en-US" sz="1800" spc="-1" strike="noStrike">
+            <a:endParaRPr b="0" lang="en-GB" sz="1800" spc="-1" strike="noStrike">
               <a:solidFill>
                 <a:srgbClr val="000000"/>
               </a:solidFill>
@@ -12554,7 +11759,7 @@
         <p:spPr>
           <a:xfrm>
             <a:off x="542880" y="721800"/>
-            <a:ext cx="10354680" cy="495360"/>
+            <a:ext cx="10354320" cy="495000"/>
           </a:xfrm>
           <a:prstGeom prst="rect">
             <a:avLst/>
@@ -12590,7 +11795,7 @@
               </a:rPr>
               <a:t>Research Group</a:t>
             </a:r>
-            <a:endParaRPr b="0" lang="en-US" sz="2200" spc="-1" strike="noStrike">
+            <a:endParaRPr b="0" lang="en-GB" sz="2200" spc="-1" strike="noStrike">
               <a:solidFill>
                 <a:srgbClr val="000000"/>
               </a:solidFill>
@@ -12608,7 +11813,7 @@
         <p:spPr>
           <a:xfrm>
             <a:off x="451800" y="1709280"/>
-            <a:ext cx="8222040" cy="4350240"/>
+            <a:ext cx="8221680" cy="4349880"/>
           </a:xfrm>
           <a:prstGeom prst="rect">
             <a:avLst/>
@@ -12653,7 +11858,7 @@
         <p:spPr>
           <a:xfrm>
             <a:off x="609480" y="1769400"/>
-            <a:ext cx="10585080" cy="4853160"/>
+            <a:ext cx="10584720" cy="4852800"/>
           </a:xfrm>
           <a:prstGeom prst="rect">
             <a:avLst/>
@@ -12710,7 +11915,7 @@
               </a:rPr>
               <a:t>Link</a:t>
             </a:r>
-            <a:endParaRPr b="0" lang="en-US" sz="2000" spc="-1" strike="noStrike">
+            <a:endParaRPr b="0" lang="en-GB" sz="2000" spc="-1" strike="noStrike">
               <a:solidFill>
                 <a:srgbClr val="000000"/>
               </a:solidFill>
@@ -12742,7 +11947,7 @@
               </a:rPr>
               <a:t>Course material </a:t>
             </a:r>
-            <a:endParaRPr b="0" lang="en-US" sz="1800" spc="-1" strike="noStrike">
+            <a:endParaRPr b="0" lang="en-GB" sz="1800" spc="-1" strike="noStrike">
               <a:solidFill>
                 <a:srgbClr val="000000"/>
               </a:solidFill>
@@ -12774,7 +11979,7 @@
               </a:rPr>
               <a:t>Thesis/project topics</a:t>
             </a:r>
-            <a:endParaRPr b="0" lang="en-US" sz="1800" spc="-1" strike="noStrike">
+            <a:endParaRPr b="0" lang="en-GB" sz="1800" spc="-1" strike="noStrike">
               <a:solidFill>
                 <a:srgbClr val="000000"/>
               </a:solidFill>
@@ -12806,7 +12011,7 @@
               </a:rPr>
               <a:t>Publications</a:t>
             </a:r>
-            <a:endParaRPr b="0" lang="en-US" sz="1800" spc="-1" strike="noStrike">
+            <a:endParaRPr b="0" lang="en-GB" sz="1800" spc="-1" strike="noStrike">
               <a:solidFill>
                 <a:srgbClr val="000000"/>
               </a:solidFill>
@@ -12838,20 +12043,39 @@
               </a:rPr>
               <a:t>Etc.</a:t>
             </a:r>
-            <a:endParaRPr b="0" lang="en-US" sz="1800" spc="-1" strike="noStrike">
-              <a:solidFill>
-                <a:srgbClr val="000000"/>
-              </a:solidFill>
-              <a:latin typeface="Arial"/>
-            </a:endParaRPr>
-          </a:p>
-          <a:p>
-            <a:pPr marL="228600" indent="-228240">
+            <a:endParaRPr b="0" lang="en-GB" sz="1800" spc="-1" strike="noStrike">
+              <a:solidFill>
+                <a:srgbClr val="000000"/>
+              </a:solidFill>
+              <a:latin typeface="Arial"/>
+            </a:endParaRPr>
+          </a:p>
+          <a:p>
+            <a:pPr>
               <a:lnSpc>
                 <a:spcPct val="90000"/>
               </a:lnSpc>
               <a:spcBef>
                 <a:spcPts val="1417"/>
+              </a:spcBef>
+              <a:tabLst>
+                <a:tab algn="l" pos="0"/>
+              </a:tabLst>
+            </a:pPr>
+            <a:endParaRPr b="0" lang="en-GB" sz="1800" spc="-1" strike="noStrike">
+              <a:solidFill>
+                <a:srgbClr val="000000"/>
+              </a:solidFill>
+              <a:latin typeface="Arial"/>
+            </a:endParaRPr>
+          </a:p>
+          <a:p>
+            <a:pPr marL="216000" indent="-216000">
+              <a:lnSpc>
+                <a:spcPct val="90000"/>
+              </a:lnSpc>
+              <a:spcBef>
+                <a:spcPts val="1009"/>
               </a:spcBef>
               <a:buClr>
                 <a:srgbClr val="008c4f"/>
@@ -12863,7 +12087,150 @@
                 <a:tab algn="l" pos="0"/>
               </a:tabLst>
             </a:pPr>
-            <a:endParaRPr b="0" lang="en-US" sz="1800" spc="-1" strike="noStrike">
+            <a:r>
+              <a:rPr b="0" lang="en-GB" sz="2000" spc="-1" strike="noStrike">
+                <a:solidFill>
+                  <a:srgbClr val="000000"/>
+                </a:solidFill>
+                <a:latin typeface="DejaVu Sans"/>
+                <a:ea typeface="DejaVu Sans"/>
+              </a:rPr>
+              <a:t>Our research in action:</a:t>
+            </a:r>
+            <a:endParaRPr b="0" lang="en-GB" sz="2000" spc="-1" strike="noStrike">
+              <a:solidFill>
+                <a:srgbClr val="000000"/>
+              </a:solidFill>
+              <a:latin typeface="Arial"/>
+            </a:endParaRPr>
+          </a:p>
+          <a:p>
+            <a:pPr lvl="1" marL="432000" indent="-216000">
+              <a:lnSpc>
+                <a:spcPct val="100000"/>
+              </a:lnSpc>
+              <a:spcBef>
+                <a:spcPts val="1009"/>
+              </a:spcBef>
+              <a:buClr>
+                <a:srgbClr val="008c4f"/>
+              </a:buClr>
+              <a:buSzPct val="60000"/>
+              <a:buFont typeface="DejaVu Sans"/>
+              <a:buChar char="—"/>
+              <a:tabLst>
+                <a:tab algn="l" pos="0"/>
+              </a:tabLst>
+            </a:pPr>
+            <a:r>
+              <a:rPr b="0" lang="en-GB" sz="2000" spc="-1" strike="noStrike">
+                <a:solidFill>
+                  <a:srgbClr val="000000"/>
+                </a:solidFill>
+                <a:latin typeface="DejaVu Sans"/>
+                <a:ea typeface="DejaVu Sans"/>
+              </a:rPr>
+              <a:t>ZDF documentary (German) – </a:t>
+            </a:r>
+            <a:r>
+              <a:rPr b="0" lang="en-GB" sz="2000" spc="-1" strike="noStrike" u="sng">
+                <a:solidFill>
+                  <a:srgbClr val="0000ff"/>
+                </a:solidFill>
+                <a:uFillTx/>
+                <a:latin typeface="DejaVu Sans"/>
+                <a:ea typeface="DejaVu Sans"/>
+                <a:hlinkClick r:id="rId2"/>
+              </a:rPr>
+              <a:t>Link</a:t>
+            </a:r>
+            <a:r>
+              <a:rPr b="0" lang="en-GB" sz="2000" spc="-1" strike="noStrike">
+                <a:solidFill>
+                  <a:srgbClr val="000000"/>
+                </a:solidFill>
+                <a:latin typeface="DejaVu Sans"/>
+                <a:ea typeface="DejaVu Sans"/>
+              </a:rPr>
+              <a:t> </a:t>
+            </a:r>
+            <a:endParaRPr b="0" lang="en-GB" sz="2000" spc="-1" strike="noStrike">
+              <a:solidFill>
+                <a:srgbClr val="000000"/>
+              </a:solidFill>
+              <a:latin typeface="Arial"/>
+            </a:endParaRPr>
+          </a:p>
+          <a:p>
+            <a:pPr lvl="1" marL="432000" indent="-216000">
+              <a:lnSpc>
+                <a:spcPct val="100000"/>
+              </a:lnSpc>
+              <a:spcBef>
+                <a:spcPts val="1009"/>
+              </a:spcBef>
+              <a:buClr>
+                <a:srgbClr val="008c4f"/>
+              </a:buClr>
+              <a:buSzPct val="60000"/>
+              <a:buFont typeface="DejaVu Sans"/>
+              <a:buChar char="—"/>
+              <a:tabLst>
+                <a:tab algn="l" pos="0"/>
+              </a:tabLst>
+            </a:pPr>
+            <a:r>
+              <a:rPr b="0" lang="en-GB" sz="2000" spc="-1" strike="noStrike">
+                <a:solidFill>
+                  <a:srgbClr val="000000"/>
+                </a:solidFill>
+                <a:latin typeface="DejaVu Sans"/>
+                <a:ea typeface="DejaVu Sans"/>
+              </a:rPr>
+              <a:t>Klartext Preis 2020 (German) – </a:t>
+            </a:r>
+            <a:r>
+              <a:rPr b="0" lang="en-GB" sz="2000" spc="-1" strike="noStrike" u="sng">
+                <a:solidFill>
+                  <a:srgbClr val="0000ff"/>
+                </a:solidFill>
+                <a:uFillTx/>
+                <a:latin typeface="DejaVu Sans"/>
+                <a:ea typeface="DejaVu Sans"/>
+                <a:hlinkClick r:id="rId3"/>
+              </a:rPr>
+              <a:t>Link</a:t>
+            </a:r>
+            <a:r>
+              <a:rPr b="0" lang="en-GB" sz="2000" spc="-1" strike="noStrike">
+                <a:solidFill>
+                  <a:srgbClr val="000000"/>
+                </a:solidFill>
+                <a:latin typeface="DejaVu Sans"/>
+                <a:ea typeface="DejaVu Sans"/>
+              </a:rPr>
+              <a:t> </a:t>
+            </a:r>
+            <a:endParaRPr b="0" lang="en-GB" sz="2000" spc="-1" strike="noStrike">
+              <a:solidFill>
+                <a:srgbClr val="000000"/>
+              </a:solidFill>
+              <a:latin typeface="Arial"/>
+            </a:endParaRPr>
+          </a:p>
+          <a:p>
+            <a:pPr>
+              <a:lnSpc>
+                <a:spcPct val="90000"/>
+              </a:lnSpc>
+              <a:spcBef>
+                <a:spcPts val="1417"/>
+              </a:spcBef>
+              <a:tabLst>
+                <a:tab algn="l" pos="0"/>
+              </a:tabLst>
+            </a:pPr>
+            <a:endParaRPr b="0" lang="en-GB" sz="2000" spc="-1" strike="noStrike">
               <a:solidFill>
                 <a:srgbClr val="000000"/>
               </a:solidFill>
@@ -12896,136 +12263,22 @@
                 <a:latin typeface="DejaVu Sans"/>
                 <a:ea typeface="DejaVu Sans"/>
               </a:rPr>
-              <a:t>Our research in action:</a:t>
-            </a:r>
-            <a:endParaRPr b="0" lang="en-US" sz="2000" spc="-1" strike="noStrike">
-              <a:solidFill>
-                <a:srgbClr val="000000"/>
-              </a:solidFill>
-              <a:latin typeface="Arial"/>
-            </a:endParaRPr>
-          </a:p>
-          <a:p>
-            <a:pPr lvl="1" marL="432000" indent="-216000">
-              <a:lnSpc>
-                <a:spcPct val="100000"/>
+              <a:t>You want join us? Write us an email! </a:t>
+            </a:r>
+            <a:endParaRPr b="0" lang="en-GB" sz="2000" spc="-1" strike="noStrike">
+              <a:solidFill>
+                <a:srgbClr val="000000"/>
+              </a:solidFill>
+              <a:latin typeface="Arial"/>
+            </a:endParaRPr>
+          </a:p>
+          <a:p>
+            <a:pPr marL="216000" indent="-216000">
+              <a:lnSpc>
+                <a:spcPct val="90000"/>
               </a:lnSpc>
               <a:spcBef>
                 <a:spcPts val="1009"/>
-              </a:spcBef>
-              <a:buClr>
-                <a:srgbClr val="008c4f"/>
-              </a:buClr>
-              <a:buSzPct val="60000"/>
-              <a:buFont typeface="DejaVu Sans"/>
-              <a:buChar char="—"/>
-              <a:tabLst>
-                <a:tab algn="l" pos="0"/>
-              </a:tabLst>
-            </a:pPr>
-            <a:r>
-              <a:rPr b="0" lang="en-GB" sz="2000" spc="-1" strike="noStrike">
-                <a:solidFill>
-                  <a:srgbClr val="000000"/>
-                </a:solidFill>
-                <a:latin typeface="DejaVu Sans"/>
-                <a:ea typeface="DejaVu Sans"/>
-              </a:rPr>
-              <a:t>ZDF documentary (German) – </a:t>
-            </a:r>
-            <a:r>
-              <a:rPr b="0" lang="en-GB" sz="2000" spc="-1" strike="noStrike" u="sng">
-                <a:solidFill>
-                  <a:srgbClr val="0000ff"/>
-                </a:solidFill>
-                <a:uFillTx/>
-                <a:latin typeface="DejaVu Sans"/>
-                <a:ea typeface="DejaVu Sans"/>
-                <a:hlinkClick r:id="rId2"/>
-              </a:rPr>
-              <a:t>Link</a:t>
-            </a:r>
-            <a:r>
-              <a:rPr b="0" lang="en-GB" sz="2000" spc="-1" strike="noStrike">
-                <a:solidFill>
-                  <a:srgbClr val="000000"/>
-                </a:solidFill>
-                <a:latin typeface="DejaVu Sans"/>
-                <a:ea typeface="DejaVu Sans"/>
-              </a:rPr>
-              <a:t> </a:t>
-            </a:r>
-            <a:endParaRPr b="0" lang="en-US" sz="2000" spc="-1" strike="noStrike">
-              <a:solidFill>
-                <a:srgbClr val="000000"/>
-              </a:solidFill>
-              <a:latin typeface="Arial"/>
-            </a:endParaRPr>
-          </a:p>
-          <a:p>
-            <a:pPr lvl="1" marL="432000" indent="-216000">
-              <a:lnSpc>
-                <a:spcPct val="100000"/>
-              </a:lnSpc>
-              <a:spcBef>
-                <a:spcPts val="1009"/>
-              </a:spcBef>
-              <a:buClr>
-                <a:srgbClr val="008c4f"/>
-              </a:buClr>
-              <a:buSzPct val="60000"/>
-              <a:buFont typeface="DejaVu Sans"/>
-              <a:buChar char="—"/>
-              <a:tabLst>
-                <a:tab algn="l" pos="0"/>
-              </a:tabLst>
-            </a:pPr>
-            <a:r>
-              <a:rPr b="0" lang="en-GB" sz="2000" spc="-1" strike="noStrike">
-                <a:solidFill>
-                  <a:srgbClr val="000000"/>
-                </a:solidFill>
-                <a:latin typeface="DejaVu Sans"/>
-                <a:ea typeface="DejaVu Sans"/>
-              </a:rPr>
-              <a:t>Klartext Preis 2020 (German) – </a:t>
-            </a:r>
-            <a:r>
-              <a:rPr b="0" lang="en-GB" sz="2000" spc="-1" strike="noStrike" u="sng">
-                <a:solidFill>
-                  <a:srgbClr val="0000ff"/>
-                </a:solidFill>
-                <a:uFillTx/>
-                <a:latin typeface="DejaVu Sans"/>
-                <a:ea typeface="DejaVu Sans"/>
-                <a:hlinkClick r:id="rId3"/>
-              </a:rPr>
-              <a:t>Link</a:t>
-            </a:r>
-            <a:r>
-              <a:rPr b="0" lang="en-GB" sz="2000" spc="-1" strike="noStrike">
-                <a:solidFill>
-                  <a:srgbClr val="000000"/>
-                </a:solidFill>
-                <a:latin typeface="DejaVu Sans"/>
-                <a:ea typeface="DejaVu Sans"/>
-              </a:rPr>
-              <a:t> </a:t>
-            </a:r>
-            <a:endParaRPr b="0" lang="en-US" sz="2000" spc="-1" strike="noStrike">
-              <a:solidFill>
-                <a:srgbClr val="000000"/>
-              </a:solidFill>
-              <a:latin typeface="Arial"/>
-            </a:endParaRPr>
-          </a:p>
-          <a:p>
-            <a:pPr marL="228600" indent="-228240">
-              <a:lnSpc>
-                <a:spcPct val="90000"/>
-              </a:lnSpc>
-              <a:spcBef>
-                <a:spcPts val="1417"/>
               </a:spcBef>
               <a:buClr>
                 <a:srgbClr val="008c4f"/>
@@ -13037,66 +12290,6 @@
                 <a:tab algn="l" pos="0"/>
               </a:tabLst>
             </a:pPr>
-            <a:endParaRPr b="0" lang="en-US" sz="2000" spc="-1" strike="noStrike">
-              <a:solidFill>
-                <a:srgbClr val="000000"/>
-              </a:solidFill>
-              <a:latin typeface="Arial"/>
-            </a:endParaRPr>
-          </a:p>
-          <a:p>
-            <a:pPr marL="216000" indent="-216000">
-              <a:lnSpc>
-                <a:spcPct val="90000"/>
-              </a:lnSpc>
-              <a:spcBef>
-                <a:spcPts val="1009"/>
-              </a:spcBef>
-              <a:buClr>
-                <a:srgbClr val="008c4f"/>
-              </a:buClr>
-              <a:buSzPct val="45000"/>
-              <a:buFont typeface="DejaVu Sans"/>
-              <a:buChar char="◾"/>
-              <a:tabLst>
-                <a:tab algn="l" pos="0"/>
-              </a:tabLst>
-            </a:pPr>
-            <a:r>
-              <a:rPr b="0" lang="en-GB" sz="2000" spc="-1" strike="noStrike">
-                <a:solidFill>
-                  <a:srgbClr val="000000"/>
-                </a:solidFill>
-                <a:latin typeface="DejaVu Sans"/>
-                <a:ea typeface="DejaVu Sans"/>
-              </a:rPr>
-              <a:t>You want join us? Write us an email! </a:t>
-            </a:r>
-            <a:endParaRPr b="0" lang="en-US" sz="2000" spc="-1" strike="noStrike">
-              <a:solidFill>
-                <a:srgbClr val="000000"/>
-              </a:solidFill>
-              <a:latin typeface="Arial"/>
-            </a:endParaRPr>
-          </a:p>
-          <a:p>
-            <a:pPr marL="216000" indent="-216000">
-              <a:lnSpc>
-                <a:spcPct val="90000"/>
-              </a:lnSpc>
-              <a:spcBef>
-                <a:spcPts val="1009"/>
-              </a:spcBef>
-              <a:buClr>
-                <a:srgbClr val="008c4f"/>
-              </a:buClr>
-              <a:buSzPct val="45000"/>
-              <a:buFont typeface="DejaVu Sans"/>
-              <a:buChar char="◾"/>
-              <a:tabLst>
-                <a:tab algn="l" pos="0"/>
-              </a:tabLst>
-            </a:pPr>
             <a:r>
               <a:rPr b="0" lang="en-GB" sz="1600" spc="-1" strike="noStrike">
                 <a:solidFill>
@@ -13117,7 +12310,7 @@
               </a:rPr>
               <a:t>benjamin.leiding@tu-clausthal.de</a:t>
             </a:r>
-            <a:endParaRPr b="0" lang="en-US" sz="1600" spc="-1" strike="noStrike">
+            <a:endParaRPr b="0" lang="en-GB" sz="1600" spc="-1" strike="noStrike">
               <a:solidFill>
                 <a:srgbClr val="000000"/>
               </a:solidFill>
@@ -13165,7 +12358,7 @@
         <p:spPr>
           <a:xfrm>
             <a:off x="542880" y="721800"/>
-            <a:ext cx="10354680" cy="495360"/>
+            <a:ext cx="10354320" cy="495000"/>
           </a:xfrm>
           <a:prstGeom prst="rect">
             <a:avLst/>
@@ -13201,7 +12394,7 @@
               </a:rPr>
               <a:t>Course Content</a:t>
             </a:r>
-            <a:endParaRPr b="0" lang="en-US" sz="2200" spc="-1" strike="noStrike">
+            <a:endParaRPr b="0" lang="en-GB" sz="2200" spc="-1" strike="noStrike">
               <a:solidFill>
                 <a:srgbClr val="000000"/>
               </a:solidFill>
@@ -13219,7 +12412,7 @@
         <p:spPr>
           <a:xfrm>
             <a:off x="451800" y="1709280"/>
-            <a:ext cx="8222040" cy="4350240"/>
+            <a:ext cx="8221680" cy="4349880"/>
           </a:xfrm>
           <a:prstGeom prst="rect">
             <a:avLst/>
@@ -13264,7 +12457,7 @@
         <p:spPr>
           <a:xfrm>
             <a:off x="609480" y="1769400"/>
-            <a:ext cx="10585080" cy="4853160"/>
+            <a:ext cx="10584720" cy="4852800"/>
           </a:xfrm>
           <a:prstGeom prst="rect">
             <a:avLst/>
@@ -13309,7 +12502,7 @@
               </a:rPr>
               <a:t>Core terminology and core tasks of requirements engineering </a:t>
             </a:r>
-            <a:endParaRPr b="0" lang="en-US" sz="2000" spc="-1" strike="noStrike">
+            <a:endParaRPr b="0" lang="en-GB" sz="2000" spc="-1" strike="noStrike">
               <a:solidFill>
                 <a:srgbClr val="000000"/>
               </a:solidFill>
@@ -13341,7 +12534,7 @@
               </a:rPr>
               <a:t>Requirements engineering process</a:t>
             </a:r>
-            <a:endParaRPr b="0" lang="en-US" sz="2000" spc="-1" strike="noStrike">
+            <a:endParaRPr b="0" lang="en-GB" sz="2000" spc="-1" strike="noStrike">
               <a:solidFill>
                 <a:srgbClr val="000000"/>
               </a:solidFill>
@@ -13373,7 +12566,7 @@
               </a:rPr>
               <a:t>Elicitation techniques</a:t>
             </a:r>
-            <a:endParaRPr b="0" lang="en-US" sz="2000" spc="-1" strike="noStrike">
+            <a:endParaRPr b="0" lang="en-GB" sz="2000" spc="-1" strike="noStrike">
               <a:solidFill>
                 <a:srgbClr val="000000"/>
               </a:solidFill>
@@ -13405,7 +12598,7 @@
               </a:rPr>
               <a:t>Documentation methods </a:t>
             </a:r>
-            <a:endParaRPr b="0" lang="en-US" sz="2000" spc="-1" strike="noStrike">
+            <a:endParaRPr b="0" lang="en-GB" sz="2000" spc="-1" strike="noStrike">
               <a:solidFill>
                 <a:srgbClr val="000000"/>
               </a:solidFill>
@@ -13437,7 +12630,7 @@
               </a:rPr>
               <a:t>Textual, model-based and formal requirements specification</a:t>
             </a:r>
-            <a:endParaRPr b="0" lang="en-US" sz="2000" spc="-1" strike="noStrike">
+            <a:endParaRPr b="0" lang="en-GB" sz="2000" spc="-1" strike="noStrike">
               <a:solidFill>
                 <a:srgbClr val="000000"/>
               </a:solidFill>
@@ -13469,7 +12662,7 @@
               </a:rPr>
               <a:t>Requirements negotiation</a:t>
             </a:r>
-            <a:endParaRPr b="0" lang="en-US" sz="2000" spc="-1" strike="noStrike">
+            <a:endParaRPr b="0" lang="en-GB" sz="2000" spc="-1" strike="noStrike">
               <a:solidFill>
                 <a:srgbClr val="000000"/>
               </a:solidFill>
@@ -13501,7 +12694,7 @@
               </a:rPr>
               <a:t>Requirements Management</a:t>
             </a:r>
-            <a:endParaRPr b="0" lang="en-US" sz="2000" spc="-1" strike="noStrike">
+            <a:endParaRPr b="0" lang="en-GB" sz="2000" spc="-1" strike="noStrike">
               <a:solidFill>
                 <a:srgbClr val="000000"/>
               </a:solidFill>
@@ -13533,7 +12726,7 @@
               </a:rPr>
               <a:t>Traceability</a:t>
             </a:r>
-            <a:endParaRPr b="0" lang="en-US" sz="2000" spc="-1" strike="noStrike">
+            <a:endParaRPr b="0" lang="en-GB" sz="2000" spc="-1" strike="noStrike">
               <a:solidFill>
                 <a:srgbClr val="000000"/>
               </a:solidFill>
@@ -13565,7 +12758,7 @@
               </a:rPr>
               <a:t>Requirements validation and quality assurance</a:t>
             </a:r>
-            <a:endParaRPr b="0" lang="en-US" sz="2000" spc="-1" strike="noStrike">
+            <a:endParaRPr b="0" lang="en-GB" sz="2000" spc="-1" strike="noStrike">
               <a:solidFill>
                 <a:srgbClr val="000000"/>
               </a:solidFill>
@@ -13613,7 +12806,7 @@
         <p:spPr>
           <a:xfrm>
             <a:off x="542880" y="721800"/>
-            <a:ext cx="10354680" cy="495360"/>
+            <a:ext cx="10354320" cy="495000"/>
           </a:xfrm>
           <a:prstGeom prst="rect">
             <a:avLst/>
@@ -13649,7 +12842,7 @@
               </a:rPr>
               <a:t>Learning Outcome</a:t>
             </a:r>
-            <a:endParaRPr b="0" lang="en-US" sz="2200" spc="-1" strike="noStrike">
+            <a:endParaRPr b="0" lang="en-GB" sz="2200" spc="-1" strike="noStrike">
               <a:solidFill>
                 <a:srgbClr val="000000"/>
               </a:solidFill>
@@ -13667,7 +12860,7 @@
         <p:spPr>
           <a:xfrm>
             <a:off x="451800" y="1709280"/>
-            <a:ext cx="8222040" cy="4350240"/>
+            <a:ext cx="8221680" cy="4349880"/>
           </a:xfrm>
           <a:prstGeom prst="rect">
             <a:avLst/>
@@ -13712,7 +12905,7 @@
         <p:spPr>
           <a:xfrm>
             <a:off x="609480" y="1769400"/>
-            <a:ext cx="10585080" cy="4853160"/>
+            <a:ext cx="10584720" cy="4852800"/>
           </a:xfrm>
           <a:prstGeom prst="rect">
             <a:avLst/>
@@ -13757,7 +12950,7 @@
               </a:rPr>
               <a:t>Core terminology and core tasks of requirements engineering </a:t>
             </a:r>
-            <a:endParaRPr b="0" lang="en-US" sz="2000" spc="-1" strike="noStrike">
+            <a:endParaRPr b="0" lang="en-GB" sz="2000" spc="-1" strike="noStrike">
               <a:solidFill>
                 <a:srgbClr val="000000"/>
               </a:solidFill>
@@ -13789,7 +12982,7 @@
               </a:rPr>
               <a:t>Understanding of the requirements engineering process</a:t>
             </a:r>
-            <a:endParaRPr b="0" lang="en-US" sz="2000" spc="-1" strike="noStrike">
+            <a:endParaRPr b="0" lang="en-GB" sz="2000" spc="-1" strike="noStrike">
               <a:solidFill>
                 <a:srgbClr val="000000"/>
               </a:solidFill>
@@ -13821,7 +13014,7 @@
               </a:rPr>
               <a:t>Ability to choose, justify and apply appropriate methods and techniques for each step of the requirements engineering process given project constraints and properties</a:t>
             </a:r>
-            <a:endParaRPr b="0" lang="en-US" sz="2000" spc="-1" strike="noStrike">
+            <a:endParaRPr b="0" lang="en-GB" sz="2000" spc="-1" strike="noStrike">
               <a:solidFill>
                 <a:srgbClr val="000000"/>
               </a:solidFill>
@@ -13840,7 +13033,7 @@
                 <a:tab algn="l" pos="0"/>
               </a:tabLst>
             </a:pPr>
-            <a:endParaRPr b="0" lang="en-US" sz="2000" spc="-1" strike="noStrike">
+            <a:endParaRPr b="0" lang="en-GB" sz="2000" spc="-1" strike="noStrike">
               <a:solidFill>
                 <a:srgbClr val="000000"/>
               </a:solidFill>
@@ -13869,7 +13062,7 @@
               </a:rPr>
               <a:t>What is this course about, what is it not about? </a:t>
             </a:r>
-            <a:endParaRPr b="0" lang="en-US" sz="1600" spc="-1" strike="noStrike">
+            <a:endParaRPr b="0" lang="en-GB" sz="1600" spc="-1" strike="noStrike">
               <a:solidFill>
                 <a:srgbClr val="000000"/>
               </a:solidFill>
@@ -13917,7 +13110,7 @@
         <p:spPr>
           <a:xfrm>
             <a:off x="539640" y="764640"/>
-            <a:ext cx="10748880" cy="499680"/>
+            <a:ext cx="10748520" cy="499320"/>
           </a:xfrm>
           <a:prstGeom prst="rect">
             <a:avLst/>
@@ -13953,7 +13146,7 @@
               </a:rPr>
               <a:t>Disclaimer</a:t>
             </a:r>
-            <a:endParaRPr b="0" lang="en-US" sz="2200" spc="-1" strike="noStrike">
+            <a:endParaRPr b="0" lang="en-GB" sz="2200" spc="-1" strike="noStrike">
               <a:solidFill>
                 <a:srgbClr val="000000"/>
               </a:solidFill>
@@ -13971,7 +13164,7 @@
         <p:spPr>
           <a:xfrm>
             <a:off x="539640" y="1268280"/>
-            <a:ext cx="10748880" cy="5036400"/>
+            <a:ext cx="10748520" cy="5036040"/>
           </a:xfrm>
           <a:prstGeom prst="rect">
             <a:avLst/>
@@ -14036,7 +13229,23 @@
               </a:rPr>
               <a:t> (2010)” from Klaus Pohl</a:t>
             </a:r>
-            <a:endParaRPr b="0" lang="en-US" sz="1800" spc="-1" strike="noStrike">
+            <a:endParaRPr b="0" lang="en-GB" sz="1800" spc="-1" strike="noStrike">
+              <a:solidFill>
+                <a:srgbClr val="000000"/>
+              </a:solidFill>
+              <a:latin typeface="Arial"/>
+            </a:endParaRPr>
+          </a:p>
+          <a:p>
+            <a:pPr>
+              <a:lnSpc>
+                <a:spcPct val="100000"/>
+              </a:lnSpc>
+              <a:spcBef>
+                <a:spcPts val="360"/>
+              </a:spcBef>
+            </a:pPr>
+            <a:endParaRPr b="0" lang="en-GB" sz="1800" spc="-1" strike="noStrike">
               <a:solidFill>
                 <a:srgbClr val="000000"/>
               </a:solidFill>
@@ -14058,28 +13267,6 @@
               <a:buFont typeface="DejaVu Sans"/>
               <a:buChar char="◾"/>
             </a:pPr>
-            <a:endParaRPr b="0" lang="en-US" sz="1800" spc="-1" strike="noStrike">
-              <a:solidFill>
-                <a:srgbClr val="000000"/>
-              </a:solidFill>
-              <a:latin typeface="Arial"/>
-            </a:endParaRPr>
-          </a:p>
-          <a:p>
-            <a:pPr marL="216000" indent="-216000">
-              <a:lnSpc>
-                <a:spcPct val="100000"/>
-              </a:lnSpc>
-              <a:spcBef>
-                <a:spcPts val="360"/>
-              </a:spcBef>
-              <a:buClr>
-                <a:srgbClr val="008c4f"/>
-              </a:buClr>
-              <a:buSzPct val="45000"/>
-              <a:buFont typeface="DejaVu Sans"/>
-              <a:buChar char="◾"/>
-            </a:pPr>
             <a:r>
               <a:rPr b="0" lang="en-GB" sz="1800" spc="-1" strike="noStrike">
                 <a:solidFill>
@@ -14090,7 +13277,7 @@
               </a:rPr>
               <a:t>Special thanks to Prof. Dr. Steffen Herbold and Dr. Christian Bartelt, who provided valuable input in the form of the teaching materials of their requirements engineering courses. </a:t>
             </a:r>
-            <a:endParaRPr b="0" lang="en-US" sz="1800" spc="-1" strike="noStrike">
+            <a:endParaRPr b="0" lang="en-GB" sz="1800" spc="-1" strike="noStrike">
               <a:solidFill>
                 <a:srgbClr val="000000"/>
               </a:solidFill>
@@ -14138,7 +13325,7 @@
         <p:spPr>
           <a:xfrm>
             <a:off x="542880" y="721800"/>
-            <a:ext cx="10357560" cy="498240"/>
+            <a:ext cx="10357200" cy="497880"/>
           </a:xfrm>
           <a:prstGeom prst="rect">
             <a:avLst/>
@@ -14174,7 +13361,7 @@
               </a:rPr>
               <a:t>Course Content</a:t>
             </a:r>
-            <a:endParaRPr b="0" lang="en-US" sz="2200" spc="-1" strike="noStrike">
+            <a:endParaRPr b="0" lang="en-GB" sz="2200" spc="-1" strike="noStrike">
               <a:solidFill>
                 <a:srgbClr val="000000"/>
               </a:solidFill>
@@ -14196,7 +13383,7 @@
         <p:spPr>
           <a:xfrm>
             <a:off x="542880" y="2387520"/>
-            <a:ext cx="10102680" cy="2080080"/>
+            <a:ext cx="10102320" cy="2079720"/>
           </a:xfrm>
           <a:prstGeom prst="rect">
             <a:avLst/>
@@ -14245,7 +13432,7 @@
         <p:spPr>
           <a:xfrm>
             <a:off x="539640" y="764640"/>
-            <a:ext cx="10742040" cy="492840"/>
+            <a:ext cx="10741680" cy="492480"/>
           </a:xfrm>
           <a:prstGeom prst="rect">
             <a:avLst/>
@@ -14281,7 +13468,7 @@
               </a:rPr>
               <a:t>Lectures</a:t>
             </a:r>
-            <a:endParaRPr b="0" lang="en-US" sz="2400" spc="-1" strike="noStrike">
+            <a:endParaRPr b="0" lang="en-GB" sz="2400" spc="-1" strike="noStrike">
               <a:solidFill>
                 <a:srgbClr val="000000"/>
               </a:solidFill>
@@ -14299,7 +13486,7 @@
         <p:spPr>
           <a:xfrm>
             <a:off x="539640" y="1268640"/>
-            <a:ext cx="10742040" cy="5029560"/>
+            <a:ext cx="10741680" cy="5029200"/>
           </a:xfrm>
           <a:prstGeom prst="rect">
             <a:avLst/>
@@ -14344,7 +13531,7 @@
               </a:rPr>
               <a:t>26.10.2022 → No lecture </a:t>
             </a:r>
-            <a:endParaRPr b="0" lang="en-US" sz="1800" spc="-1" strike="noStrike">
+            <a:endParaRPr b="0" lang="en-GB" sz="1800" spc="-1" strike="noStrike">
               <a:solidFill>
                 <a:srgbClr val="000000"/>
               </a:solidFill>
@@ -14376,7 +13563,7 @@
               </a:rPr>
               <a:t>02.11.2022 → Organization (L00) + Introduction (L01)</a:t>
             </a:r>
-            <a:endParaRPr b="0" lang="en-US" sz="1800" spc="-1" strike="noStrike">
+            <a:endParaRPr b="0" lang="en-GB" sz="1800" spc="-1" strike="noStrike">
               <a:solidFill>
                 <a:srgbClr val="000000"/>
               </a:solidFill>
@@ -14408,7 +13595,7 @@
               </a:rPr>
               <a:t>09.11.2022 → System Context Boundaries and Types of Requirements (L02)</a:t>
             </a:r>
-            <a:endParaRPr b="0" lang="en-US" sz="1800" spc="-1" strike="noStrike">
+            <a:endParaRPr b="0" lang="en-GB" sz="1800" spc="-1" strike="noStrike">
               <a:solidFill>
                 <a:srgbClr val="000000"/>
               </a:solidFill>
@@ -14440,7 +13627,7 @@
               </a:rPr>
               <a:t>16.11.2022 → Elicitation – Part 1 (L03)</a:t>
             </a:r>
-            <a:endParaRPr b="0" lang="en-US" sz="1800" spc="-1" strike="noStrike">
+            <a:endParaRPr b="0" lang="en-GB" sz="1800" spc="-1" strike="noStrike">
               <a:solidFill>
                 <a:srgbClr val="000000"/>
               </a:solidFill>
@@ -14472,7 +13659,7 @@
               </a:rPr>
               <a:t>23.11.2022 → Elicitation – Part 2 (L04) and Negotiations (L05)</a:t>
             </a:r>
-            <a:endParaRPr b="0" lang="en-US" sz="1800" spc="-1" strike="noStrike">
+            <a:endParaRPr b="0" lang="en-GB" sz="1800" spc="-1" strike="noStrike">
               <a:solidFill>
                 <a:srgbClr val="000000"/>
               </a:solidFill>
@@ -14504,7 +13691,7 @@
               </a:rPr>
               <a:t>30.11.2022 → Documentation – Introduction (L06)</a:t>
             </a:r>
-            <a:endParaRPr b="0" lang="en-US" sz="1800" spc="-1" strike="noStrike">
+            <a:endParaRPr b="0" lang="en-GB" sz="1800" spc="-1" strike="noStrike">
               <a:solidFill>
                 <a:srgbClr val="000000"/>
               </a:solidFill>
@@ -14536,7 +13723,7 @@
               </a:rPr>
               <a:t>07.12.2022 → Documentation – Textual Requirements Specification (L07)</a:t>
             </a:r>
-            <a:endParaRPr b="0" lang="en-US" sz="1800" spc="-1" strike="noStrike">
+            <a:endParaRPr b="0" lang="en-GB" sz="1800" spc="-1" strike="noStrike">
               <a:solidFill>
                 <a:srgbClr val="000000"/>
               </a:solidFill>
@@ -14568,7 +13755,7 @@
               </a:rPr>
               <a:t>14.12.2022 → Documentation – Model-based Requirements Documentation (L08)</a:t>
             </a:r>
-            <a:endParaRPr b="0" lang="en-US" sz="1800" spc="-1" strike="noStrike">
+            <a:endParaRPr b="0" lang="en-GB" sz="1800" spc="-1" strike="noStrike">
               <a:solidFill>
                 <a:srgbClr val="000000"/>
               </a:solidFill>
@@ -14600,7 +13787,7 @@
               </a:rPr>
               <a:t>21.12.2022 → Documentation – Formal Requirements Specification (L09)</a:t>
             </a:r>
-            <a:endParaRPr b="0" lang="en-US" sz="1800" spc="-1" strike="noStrike">
+            <a:endParaRPr b="0" lang="en-GB" sz="1800" spc="-1" strike="noStrike">
               <a:solidFill>
                 <a:srgbClr val="000000"/>
               </a:solidFill>
@@ -14632,7 +13819,7 @@
               </a:rPr>
               <a:t>11.01.2023 → Validation (L10)</a:t>
             </a:r>
-            <a:endParaRPr b="0" lang="en-US" sz="1800" spc="-1" strike="noStrike">
+            <a:endParaRPr b="0" lang="en-GB" sz="1800" spc="-1" strike="noStrike">
               <a:solidFill>
                 <a:srgbClr val="000000"/>
               </a:solidFill>
@@ -14664,7 +13851,7 @@
               </a:rPr>
               <a:t>18.01.2023 → Traceability (L11)</a:t>
             </a:r>
-            <a:endParaRPr b="0" lang="en-US" sz="1800" spc="-1" strike="noStrike">
+            <a:endParaRPr b="0" lang="en-GB" sz="1800" spc="-1" strike="noStrike">
               <a:solidFill>
                 <a:srgbClr val="000000"/>
               </a:solidFill>
@@ -14696,7 +13883,7 @@
               </a:rPr>
               <a:t>25.01.2023 → Requirements Management (L12) and Tool Support (L13)</a:t>
             </a:r>
-            <a:endParaRPr b="0" lang="en-US" sz="1800" spc="-1" strike="noStrike">
+            <a:endParaRPr b="0" lang="en-GB" sz="1800" spc="-1" strike="noStrike">
               <a:solidFill>
                 <a:srgbClr val="000000"/>
               </a:solidFill>
@@ -14728,7 +13915,7 @@
               </a:rPr>
               <a:t>01.02.2023 → No lecture</a:t>
             </a:r>
-            <a:endParaRPr b="0" lang="en-US" sz="1800" spc="-1" strike="noStrike">
+            <a:endParaRPr b="0" lang="en-GB" sz="1800" spc="-1" strike="noStrike">
               <a:solidFill>
                 <a:srgbClr val="000000"/>
               </a:solidFill>
@@ -14760,7 +13947,7 @@
               </a:rPr>
               <a:t>08.02.2023 → Exam Q&amp;A</a:t>
             </a:r>
-            <a:endParaRPr b="0" lang="en-US" sz="1800" spc="-1" strike="noStrike">
+            <a:endParaRPr b="0" lang="en-GB" sz="1800" spc="-1" strike="noStrike">
               <a:solidFill>
                 <a:srgbClr val="000000"/>
               </a:solidFill>

--- a/Requirements-Engineering/RE-L00-Organization.pptx
+++ b/Requirements-Engineering/RE-L00-Organization.pptx
@@ -361,7 +361,7 @@
             <a:pPr indent="0" algn="r">
               <a:buNone/>
             </a:pPr>
-            <a:fld id="{8CDF1CCD-7444-464F-B5F5-3C1ADABB8A90}" type="slidenum">
+            <a:fld id="{8E34E5D2-FF39-442D-B2E3-1D89AC1204B4}" type="slidenum">
               <a:rPr b="0" lang="en-US" sz="1400" spc="-1" strike="noStrike">
                 <a:solidFill>
                   <a:srgbClr val="000000"/>
@@ -415,7 +415,7 @@
         <p:spPr>
           <a:xfrm>
             <a:off x="533520" y="763560"/>
-            <a:ext cx="6697440" cy="3765600"/>
+            <a:ext cx="6697080" cy="3765240"/>
           </a:xfrm>
           <a:prstGeom prst="rect">
             <a:avLst/>
@@ -438,7 +438,7 @@
         <p:spPr>
           <a:xfrm>
             <a:off x="777240" y="4777560"/>
-            <a:ext cx="6211080" cy="4519440"/>
+            <a:ext cx="6210720" cy="4519080"/>
           </a:xfrm>
           <a:prstGeom prst="rect">
             <a:avLst/>
@@ -474,7 +474,7 @@
         <p:spPr>
           <a:xfrm>
             <a:off x="4399200" y="9555480"/>
-            <a:ext cx="3366360" cy="496080"/>
+            <a:ext cx="3366000" cy="495720"/>
           </a:xfrm>
           <a:prstGeom prst="rect">
             <a:avLst/>
@@ -500,7 +500,7 @@
                 <a:spcPct val="100000"/>
               </a:lnSpc>
             </a:pPr>
-            <a:fld id="{336D1B9D-D691-4415-BD26-AA437D5FDB49}" type="slidenum">
+            <a:fld id="{9A0F455C-26CA-4774-BE5B-84BD9E2067B8}" type="slidenum">
               <a:rPr b="0" lang="en-GB" sz="1800" spc="-1" strike="noStrike">
                 <a:solidFill>
                   <a:srgbClr val="000000"/>
@@ -554,7 +554,7 @@
         <p:spPr>
           <a:xfrm>
             <a:off x="533520" y="763560"/>
-            <a:ext cx="6697440" cy="3765600"/>
+            <a:ext cx="6697080" cy="3765240"/>
           </a:xfrm>
           <a:prstGeom prst="rect">
             <a:avLst/>
@@ -577,7 +577,7 @@
         <p:spPr>
           <a:xfrm>
             <a:off x="777240" y="4777560"/>
-            <a:ext cx="6211080" cy="4519440"/>
+            <a:ext cx="6210720" cy="4519080"/>
           </a:xfrm>
           <a:prstGeom prst="rect">
             <a:avLst/>
@@ -613,7 +613,7 @@
         <p:spPr>
           <a:xfrm>
             <a:off x="4399200" y="9555480"/>
-            <a:ext cx="3366360" cy="496080"/>
+            <a:ext cx="3366000" cy="495720"/>
           </a:xfrm>
           <a:prstGeom prst="rect">
             <a:avLst/>
@@ -639,7 +639,7 @@
                 <a:spcPct val="100000"/>
               </a:lnSpc>
             </a:pPr>
-            <a:fld id="{92350BD9-EE2C-4292-945E-FA0489128349}" type="slidenum">
+            <a:fld id="{166C3ED1-8F9A-40F7-AFF4-85320946D5D6}" type="slidenum">
               <a:rPr b="0" lang="en-GB" sz="1800" spc="-1" strike="noStrike">
                 <a:solidFill>
                   <a:srgbClr val="000000"/>
@@ -693,7 +693,7 @@
         <p:spPr>
           <a:xfrm>
             <a:off x="533520" y="763560"/>
-            <a:ext cx="6697440" cy="3765600"/>
+            <a:ext cx="6697080" cy="3765240"/>
           </a:xfrm>
           <a:prstGeom prst="rect">
             <a:avLst/>
@@ -716,7 +716,7 @@
         <p:spPr>
           <a:xfrm>
             <a:off x="777240" y="4777560"/>
-            <a:ext cx="6211080" cy="4519440"/>
+            <a:ext cx="6210720" cy="4519080"/>
           </a:xfrm>
           <a:prstGeom prst="rect">
             <a:avLst/>
@@ -752,7 +752,7 @@
         <p:spPr>
           <a:xfrm>
             <a:off x="4399200" y="9555480"/>
-            <a:ext cx="3366360" cy="496080"/>
+            <a:ext cx="3366000" cy="495720"/>
           </a:xfrm>
           <a:prstGeom prst="rect">
             <a:avLst/>
@@ -778,7 +778,7 @@
                 <a:spcPct val="100000"/>
               </a:lnSpc>
             </a:pPr>
-            <a:fld id="{03208CA3-0788-4F74-B3D0-56528ED5AF1C}" type="slidenum">
+            <a:fld id="{8C58E9A8-2617-47D3-9BA5-464DBBD6944C}" type="slidenum">
               <a:rPr b="0" lang="en-GB" sz="1800" spc="-1" strike="noStrike">
                 <a:solidFill>
                   <a:srgbClr val="000000"/>
@@ -832,7 +832,7 @@
         <p:spPr>
           <a:xfrm>
             <a:off x="533520" y="763560"/>
-            <a:ext cx="6697440" cy="3765600"/>
+            <a:ext cx="6697080" cy="3765240"/>
           </a:xfrm>
           <a:prstGeom prst="rect">
             <a:avLst/>
@@ -855,7 +855,7 @@
         <p:spPr>
           <a:xfrm>
             <a:off x="777240" y="4777560"/>
-            <a:ext cx="6211080" cy="4519440"/>
+            <a:ext cx="6210720" cy="4519080"/>
           </a:xfrm>
           <a:prstGeom prst="rect">
             <a:avLst/>
@@ -891,7 +891,7 @@
         <p:spPr>
           <a:xfrm>
             <a:off x="4399200" y="9555480"/>
-            <a:ext cx="3366360" cy="496080"/>
+            <a:ext cx="3366000" cy="495720"/>
           </a:xfrm>
           <a:prstGeom prst="rect">
             <a:avLst/>
@@ -917,7 +917,7 @@
                 <a:spcPct val="100000"/>
               </a:lnSpc>
             </a:pPr>
-            <a:fld id="{E9AB138B-4DF3-4FE2-AD59-A95687009ADC}" type="slidenum">
+            <a:fld id="{7D58F418-82EC-4394-9950-E1AD9D6F9582}" type="slidenum">
               <a:rPr b="0" lang="en-GB" sz="1800" spc="-1" strike="noStrike">
                 <a:solidFill>
                   <a:srgbClr val="000000"/>
@@ -4522,7 +4522,7 @@
         <p:spPr>
           <a:xfrm>
             <a:off x="11444760" y="0"/>
-            <a:ext cx="744480" cy="6853320"/>
+            <a:ext cx="744120" cy="6852960"/>
           </a:xfrm>
           <a:prstGeom prst="rect">
             <a:avLst/>
@@ -4571,7 +4571,7 @@
         <p:spPr>
           <a:xfrm>
             <a:off x="11438640" y="6453360"/>
-            <a:ext cx="761400" cy="363960"/>
+            <a:ext cx="761040" cy="363960"/>
           </a:xfrm>
           <a:prstGeom prst="rect">
             <a:avLst/>
@@ -4597,7 +4597,7 @@
                 <a:spcPct val="100000"/>
               </a:lnSpc>
             </a:pPr>
-            <a:fld id="{593DB9DE-0721-4C9E-AE01-91862C771F44}" type="slidenum">
+            <a:fld id="{0A8A5EDC-FF26-44E3-8E99-E4604F0480D6}" type="slidenum">
               <a:rPr b="0" lang="en-US" sz="1800" spc="-1" strike="noStrike">
                 <a:solidFill>
                   <a:srgbClr val="808080"/>
@@ -4625,7 +4625,7 @@
         <p:spPr>
           <a:xfrm>
             <a:off x="912240" y="1268280"/>
-            <a:ext cx="9211320" cy="364680"/>
+            <a:ext cx="9210960" cy="364320"/>
           </a:xfrm>
           <a:prstGeom prst="rect">
             <a:avLst/>
@@ -4674,7 +4674,7 @@
         <p:spPr>
           <a:xfrm>
             <a:off x="0" y="0"/>
-            <a:ext cx="3055320" cy="565200"/>
+            <a:ext cx="3054960" cy="564840"/>
           </a:xfrm>
           <a:prstGeom prst="rect">
             <a:avLst/>
@@ -4697,7 +4697,7 @@
         <p:spPr>
           <a:xfrm>
             <a:off x="7430400" y="134640"/>
-            <a:ext cx="3701160" cy="517320"/>
+            <a:ext cx="3700800" cy="516960"/>
           </a:xfrm>
           <a:prstGeom prst="rect">
             <a:avLst/>
@@ -4716,7 +4716,7 @@
         <p:spPr>
           <a:xfrm>
             <a:off x="912240" y="1268280"/>
-            <a:ext cx="9211320" cy="364680"/>
+            <a:ext cx="9210960" cy="364320"/>
           </a:xfrm>
           <a:prstGeom prst="rect">
             <a:avLst/>
@@ -4761,7 +4761,7 @@
         <p:spPr>
           <a:xfrm>
             <a:off x="11444760" y="0"/>
-            <a:ext cx="744480" cy="6853320"/>
+            <a:ext cx="744120" cy="6852960"/>
           </a:xfrm>
           <a:prstGeom prst="rect">
             <a:avLst/>
@@ -4810,7 +4810,7 @@
         <p:spPr>
           <a:xfrm>
             <a:off x="0" y="6642720"/>
-            <a:ext cx="12187440" cy="211320"/>
+            <a:ext cx="12187080" cy="211320"/>
           </a:xfrm>
           <a:prstGeom prst="rect">
             <a:avLst/>
@@ -4893,61 +4893,7 @@
                 </a:solidFill>
                 <a:latin typeface="Arial"/>
               </a:rPr>
-              <a:t>Click </a:t>
-            </a:r>
-            <a:r>
-              <a:rPr b="0" lang="en-US" sz="4400" spc="-1" strike="noStrike">
-                <a:solidFill>
-                  <a:srgbClr val="000000"/>
-                </a:solidFill>
-                <a:latin typeface="Arial"/>
-              </a:rPr>
-              <a:t>to edit </a:t>
-            </a:r>
-            <a:r>
-              <a:rPr b="0" lang="en-US" sz="4400" spc="-1" strike="noStrike">
-                <a:solidFill>
-                  <a:srgbClr val="000000"/>
-                </a:solidFill>
-                <a:latin typeface="Arial"/>
-              </a:rPr>
-              <a:t>the </a:t>
-            </a:r>
-            <a:r>
-              <a:rPr b="0" lang="en-US" sz="4400" spc="-1" strike="noStrike">
-                <a:solidFill>
-                  <a:srgbClr val="000000"/>
-                </a:solidFill>
-                <a:latin typeface="Arial"/>
-              </a:rPr>
-              <a:t>title </a:t>
-            </a:r>
-            <a:r>
-              <a:rPr b="0" lang="en-US" sz="4400" spc="-1" strike="noStrike">
-                <a:solidFill>
-                  <a:srgbClr val="000000"/>
-                </a:solidFill>
-                <a:latin typeface="Arial"/>
-              </a:rPr>
-              <a:t>text </a:t>
-            </a:r>
-            <a:r>
-              <a:rPr b="0" lang="en-US" sz="4400" spc="-1" strike="noStrike">
-                <a:solidFill>
-                  <a:srgbClr val="000000"/>
-                </a:solidFill>
-                <a:latin typeface="Arial"/>
-              </a:rPr>
-              <a:t>forma</a:t>
-            </a:r>
-            <a:r>
-              <a:rPr b="0" lang="en-US" sz="4400" spc="-1" strike="noStrike">
-                <a:solidFill>
-                  <a:srgbClr val="000000"/>
-                </a:solidFill>
-                <a:latin typeface="Arial"/>
-              </a:rPr>
-              <a:t>t</a:t>
+              <a:t>Click to edit the title text format</a:t>
             </a:r>
             <a:endParaRPr b="0" lang="en-US" sz="4400" spc="-1" strike="noStrike">
               <a:solidFill>
@@ -5236,7 +5182,7 @@
         <p:spPr>
           <a:xfrm>
             <a:off x="11444760" y="0"/>
-            <a:ext cx="744480" cy="6853320"/>
+            <a:ext cx="744120" cy="6852960"/>
           </a:xfrm>
           <a:prstGeom prst="rect">
             <a:avLst/>
@@ -5285,7 +5231,7 @@
         <p:spPr>
           <a:xfrm>
             <a:off x="11438640" y="6453360"/>
-            <a:ext cx="761400" cy="363960"/>
+            <a:ext cx="761040" cy="363960"/>
           </a:xfrm>
           <a:prstGeom prst="rect">
             <a:avLst/>
@@ -5311,7 +5257,7 @@
                 <a:spcPct val="100000"/>
               </a:lnSpc>
             </a:pPr>
-            <a:fld id="{452A815D-04F0-47A8-89CF-D773549CE23F}" type="slidenum">
+            <a:fld id="{A503B81D-5FB8-4514-BDF1-F91BC2DE14E2}" type="slidenum">
               <a:rPr b="0" lang="en-US" sz="1800" spc="-1" strike="noStrike">
                 <a:solidFill>
                   <a:srgbClr val="808080"/>
@@ -5339,7 +5285,7 @@
         <p:spPr>
           <a:xfrm>
             <a:off x="912240" y="1268280"/>
-            <a:ext cx="9211320" cy="364680"/>
+            <a:ext cx="9210960" cy="364320"/>
           </a:xfrm>
           <a:prstGeom prst="rect">
             <a:avLst/>
@@ -5388,7 +5334,7 @@
         <p:spPr>
           <a:xfrm>
             <a:off x="0" y="0"/>
-            <a:ext cx="3055320" cy="565200"/>
+            <a:ext cx="3054960" cy="564840"/>
           </a:xfrm>
           <a:prstGeom prst="rect">
             <a:avLst/>
@@ -5411,7 +5357,7 @@
         <p:spPr>
           <a:xfrm>
             <a:off x="7430400" y="134640"/>
-            <a:ext cx="3701160" cy="517320"/>
+            <a:ext cx="3700800" cy="516960"/>
           </a:xfrm>
           <a:prstGeom prst="rect">
             <a:avLst/>
@@ -5430,7 +5376,7 @@
         <p:spPr>
           <a:xfrm>
             <a:off x="11444760" y="0"/>
-            <a:ext cx="744480" cy="6853320"/>
+            <a:ext cx="744120" cy="6852960"/>
           </a:xfrm>
           <a:prstGeom prst="rect">
             <a:avLst/>
@@ -5479,7 +5425,7 @@
         <p:spPr>
           <a:xfrm>
             <a:off x="11438640" y="6453360"/>
-            <a:ext cx="761400" cy="363960"/>
+            <a:ext cx="761040" cy="363960"/>
           </a:xfrm>
           <a:prstGeom prst="rect">
             <a:avLst/>
@@ -5505,7 +5451,7 @@
                 <a:spcPct val="100000"/>
               </a:lnSpc>
             </a:pPr>
-            <a:fld id="{6EF44C3B-FE7B-42E5-9B3F-844CC41EF172}" type="slidenum">
+            <a:fld id="{0CFCF3C7-3572-4E86-813A-89F51A5FD7CA}" type="slidenum">
               <a:rPr b="0" lang="en-US" sz="1800" spc="-1" strike="noStrike">
                 <a:solidFill>
                   <a:srgbClr val="808080"/>
@@ -5533,7 +5479,7 @@
         <p:spPr>
           <a:xfrm>
             <a:off x="0" y="6642720"/>
-            <a:ext cx="12187440" cy="211320"/>
+            <a:ext cx="12187080" cy="211320"/>
           </a:xfrm>
           <a:prstGeom prst="rect">
             <a:avLst/>
@@ -5898,7 +5844,7 @@
         <p:spPr>
           <a:xfrm>
             <a:off x="527400" y="1412640"/>
-            <a:ext cx="10364400" cy="1150920"/>
+            <a:ext cx="10364040" cy="1150560"/>
           </a:xfrm>
           <a:prstGeom prst="rect">
             <a:avLst/>
@@ -5952,7 +5898,7 @@
         <p:spPr>
           <a:xfrm>
             <a:off x="527400" y="2852640"/>
-            <a:ext cx="10364400" cy="2371680"/>
+            <a:ext cx="10364040" cy="2371320"/>
           </a:xfrm>
           <a:prstGeom prst="rect">
             <a:avLst/>
@@ -6157,7 +6103,7 @@
         <p:spPr>
           <a:xfrm>
             <a:off x="539640" y="764640"/>
-            <a:ext cx="10748520" cy="499320"/>
+            <a:ext cx="10748160" cy="498960"/>
           </a:xfrm>
           <a:prstGeom prst="rect">
             <a:avLst/>
@@ -6211,7 +6157,7 @@
         <p:spPr>
           <a:xfrm>
             <a:off x="539640" y="1268640"/>
-            <a:ext cx="10748520" cy="5036040"/>
+            <a:ext cx="10748160" cy="5035680"/>
           </a:xfrm>
           <a:prstGeom prst="rect">
             <a:avLst/>
@@ -6382,7 +6328,7 @@
                 <a:latin typeface="DejaVu Sans"/>
                 <a:ea typeface="DejaVu Sans"/>
               </a:rPr>
-              <a:t>21.12.2022 → Exercise 05 – Coloured Petri Nets I</a:t>
+              <a:t>21.12.2022 → No Exercise</a:t>
             </a:r>
             <a:endParaRPr b="0" lang="en-US" sz="1800" spc="-1" strike="noStrike">
               <a:solidFill>
@@ -6414,7 +6360,17 @@
                 <a:latin typeface="DejaVu Sans"/>
                 <a:ea typeface="DejaVu Sans"/>
               </a:rPr>
-              <a:t>11.01.2023 → Exercise 06 – Coloured Petri Nets II</a:t>
+              <a:t>11.01.2023 → </a:t>
+            </a:r>
+            <a:r>
+              <a:rPr b="0" lang="en-GB" sz="1800" spc="-1" strike="noStrike">
+                <a:solidFill>
+                  <a:srgbClr val="000000"/>
+                </a:solidFill>
+                <a:latin typeface="DejaVu Sans"/>
+                <a:ea typeface="DejaVu Sans"/>
+              </a:rPr>
+              <a:t>Exercise 05 – Coloured Petri Nets I</a:t>
             </a:r>
             <a:endParaRPr b="0" lang="en-US" sz="1800" spc="-1" strike="noStrike">
               <a:solidFill>
@@ -6446,7 +6402,17 @@
                 <a:latin typeface="DejaVu Sans"/>
                 <a:ea typeface="DejaVu Sans"/>
               </a:rPr>
-              <a:t>18.01.2023 → Bonus Task</a:t>
+              <a:t>18.01.2023 → </a:t>
+            </a:r>
+            <a:r>
+              <a:rPr b="0" lang="en-GB" sz="1800" spc="-1" strike="noStrike">
+                <a:solidFill>
+                  <a:srgbClr val="000000"/>
+                </a:solidFill>
+                <a:latin typeface="DejaVu Sans"/>
+                <a:ea typeface="DejaVu Sans"/>
+              </a:rPr>
+              <a:t>Exercise 06 – Coloured Petri Nets II</a:t>
             </a:r>
             <a:endParaRPr b="0" lang="en-US" sz="1800" spc="-1" strike="noStrike">
               <a:solidFill>
@@ -6478,7 +6444,49 @@
                 <a:latin typeface="DejaVu Sans"/>
                 <a:ea typeface="DejaVu Sans"/>
               </a:rPr>
-              <a:t>25.01.2023 → Exercise 07 – Management and Traceability (MC)</a:t>
+              <a:t>25.01.2023 → </a:t>
+            </a:r>
+            <a:r>
+              <a:rPr b="0" lang="en-GB" sz="1800" spc="-1" strike="noStrike">
+                <a:solidFill>
+                  <a:srgbClr val="000000"/>
+                </a:solidFill>
+                <a:latin typeface="DejaVu Sans"/>
+                <a:ea typeface="DejaVu Sans"/>
+              </a:rPr>
+              <a:t>Bonus Task</a:t>
+            </a:r>
+            <a:endParaRPr b="0" lang="en-US" sz="1800" spc="-1" strike="noStrike">
+              <a:solidFill>
+                <a:srgbClr val="000000"/>
+              </a:solidFill>
+              <a:latin typeface="Arial"/>
+            </a:endParaRPr>
+          </a:p>
+          <a:p>
+            <a:pPr marL="195120" indent="-193680">
+              <a:lnSpc>
+                <a:spcPct val="100000"/>
+              </a:lnSpc>
+              <a:spcBef>
+                <a:spcPts val="360"/>
+              </a:spcBef>
+              <a:buClr>
+                <a:srgbClr val="008c4f"/>
+              </a:buClr>
+              <a:buSzPct val="80000"/>
+              <a:buFont typeface="Wingdings" charset="2"/>
+              <a:buChar char=""/>
+            </a:pPr>
+            <a:r>
+              <a:rPr b="0" lang="en-GB" sz="1800" spc="-1" strike="noStrike">
+                <a:solidFill>
+                  <a:srgbClr val="000000"/>
+                </a:solidFill>
+                <a:latin typeface="DejaVu Sans"/>
+                <a:ea typeface="DejaVu Sans"/>
+              </a:rPr>
+              <a:t>01.02.2023 → Exercise 07 – Management and Traceability (MC) </a:t>
             </a:r>
             <a:endParaRPr b="0" lang="en-US" sz="1800" spc="-1" strike="noStrike">
               <a:solidFill>
@@ -6528,7 +6536,7 @@
         <p:spPr>
           <a:xfrm>
             <a:off x="539640" y="764640"/>
-            <a:ext cx="10741680" cy="492480"/>
+            <a:ext cx="10741320" cy="492120"/>
           </a:xfrm>
           <a:prstGeom prst="rect">
             <a:avLst/>
@@ -6582,7 +6590,7 @@
         <p:spPr>
           <a:xfrm>
             <a:off x="539640" y="1268280"/>
-            <a:ext cx="10741680" cy="5029200"/>
+            <a:ext cx="10741320" cy="5028840"/>
           </a:xfrm>
           <a:prstGeom prst="rect">
             <a:avLst/>
@@ -7041,7 +7049,7 @@
         <p:spPr>
           <a:xfrm>
             <a:off x="539640" y="764640"/>
-            <a:ext cx="10740240" cy="491040"/>
+            <a:ext cx="10739880" cy="490680"/>
           </a:xfrm>
           <a:prstGeom prst="rect">
             <a:avLst/>
@@ -7121,7 +7129,7 @@
         <p:spPr>
           <a:xfrm>
             <a:off x="539640" y="1268640"/>
-            <a:ext cx="10740240" cy="5027760"/>
+            <a:ext cx="10739880" cy="5027400"/>
           </a:xfrm>
           <a:prstGeom prst="rect">
             <a:avLst/>
@@ -7632,7 +7640,7 @@
         <p:spPr>
           <a:xfrm>
             <a:off x="539640" y="764640"/>
-            <a:ext cx="10748520" cy="499320"/>
+            <a:ext cx="10748160" cy="498960"/>
           </a:xfrm>
           <a:prstGeom prst="rect">
             <a:avLst/>
@@ -7686,7 +7694,7 @@
         <p:spPr>
           <a:xfrm>
             <a:off x="539640" y="1268280"/>
-            <a:ext cx="10748520" cy="5036040"/>
+            <a:ext cx="10748160" cy="5035680"/>
           </a:xfrm>
           <a:prstGeom prst="rect">
             <a:avLst/>
@@ -7982,7 +7990,7 @@
         <p:spPr>
           <a:xfrm>
             <a:off x="539640" y="764640"/>
-            <a:ext cx="10741680" cy="492480"/>
+            <a:ext cx="10741320" cy="492120"/>
           </a:xfrm>
           <a:prstGeom prst="rect">
             <a:avLst/>
@@ -8036,7 +8044,7 @@
         <p:spPr>
           <a:xfrm>
             <a:off x="539640" y="1268280"/>
-            <a:ext cx="10741680" cy="5029200"/>
+            <a:ext cx="10741320" cy="5028840"/>
           </a:xfrm>
           <a:prstGeom prst="rect">
             <a:avLst/>
@@ -8252,7 +8260,7 @@
         <p:spPr>
           <a:xfrm>
             <a:off x="539640" y="764640"/>
-            <a:ext cx="10741680" cy="492480"/>
+            <a:ext cx="10741320" cy="492120"/>
           </a:xfrm>
           <a:prstGeom prst="rect">
             <a:avLst/>
@@ -8306,7 +8314,7 @@
         <p:spPr>
           <a:xfrm>
             <a:off x="698760" y="1316880"/>
-            <a:ext cx="10360440" cy="475560"/>
+            <a:ext cx="10360080" cy="475200"/>
           </a:xfrm>
           <a:prstGeom prst="rect">
             <a:avLst/>
@@ -8414,7 +8422,7 @@
         <p:spPr>
           <a:xfrm>
             <a:off x="2057400" y="2111400"/>
-            <a:ext cx="7314120" cy="4059360"/>
+            <a:ext cx="7313760" cy="4059000"/>
           </a:xfrm>
           <a:prstGeom prst="rect">
             <a:avLst/>
@@ -8463,7 +8471,7 @@
         <p:spPr>
           <a:xfrm>
             <a:off x="539640" y="764640"/>
-            <a:ext cx="10741680" cy="492480"/>
+            <a:ext cx="10741320" cy="492120"/>
           </a:xfrm>
           <a:prstGeom prst="rect">
             <a:avLst/>
@@ -8517,7 +8525,7 @@
         <p:spPr>
           <a:xfrm>
             <a:off x="698760" y="1316880"/>
-            <a:ext cx="5443200" cy="440280"/>
+            <a:ext cx="5442840" cy="439920"/>
           </a:xfrm>
           <a:prstGeom prst="rect">
             <a:avLst/>
@@ -8586,7 +8594,7 @@
         <p:spPr>
           <a:xfrm>
             <a:off x="2513520" y="1828800"/>
-            <a:ext cx="6858000" cy="4736880"/>
+            <a:ext cx="6857640" cy="4736520"/>
           </a:xfrm>
           <a:prstGeom prst="rect">
             <a:avLst/>
@@ -8635,7 +8643,7 @@
         <p:spPr>
           <a:xfrm>
             <a:off x="539640" y="764640"/>
-            <a:ext cx="10741680" cy="492480"/>
+            <a:ext cx="10741320" cy="492120"/>
           </a:xfrm>
           <a:prstGeom prst="rect">
             <a:avLst/>
@@ -8689,7 +8697,7 @@
         <p:spPr>
           <a:xfrm>
             <a:off x="698760" y="1316880"/>
-            <a:ext cx="5214600" cy="440280"/>
+            <a:ext cx="5214240" cy="439920"/>
           </a:xfrm>
           <a:prstGeom prst="rect">
             <a:avLst/>
@@ -8747,7 +8755,7 @@
         <p:spPr>
           <a:xfrm>
             <a:off x="1600200" y="2073600"/>
-            <a:ext cx="7699320" cy="3755160"/>
+            <a:ext cx="7698960" cy="3754800"/>
           </a:xfrm>
           <a:prstGeom prst="rect">
             <a:avLst/>
@@ -8801,7 +8809,7 @@
         <p:spPr>
           <a:xfrm>
             <a:off x="937800" y="3069000"/>
-            <a:ext cx="8868600" cy="2920680"/>
+            <a:ext cx="8868240" cy="2920320"/>
           </a:xfrm>
           <a:prstGeom prst="rect">
             <a:avLst/>
@@ -8820,7 +8828,7 @@
         <p:spPr>
           <a:xfrm>
             <a:off x="539640" y="764640"/>
-            <a:ext cx="10741680" cy="492480"/>
+            <a:ext cx="10741320" cy="492120"/>
           </a:xfrm>
           <a:prstGeom prst="rect">
             <a:avLst/>
@@ -8874,7 +8882,7 @@
         <p:spPr>
           <a:xfrm>
             <a:off x="698760" y="1312200"/>
-            <a:ext cx="1731600" cy="362880"/>
+            <a:ext cx="1731240" cy="362520"/>
           </a:xfrm>
           <a:prstGeom prst="rect">
             <a:avLst/>
@@ -9101,7 +9109,7 @@
         <p:spPr>
           <a:xfrm>
             <a:off x="846720" y="1679400"/>
-            <a:ext cx="8296920" cy="1186920"/>
+            <a:ext cx="8296560" cy="1186920"/>
           </a:xfrm>
           <a:prstGeom prst="rect">
             <a:avLst/>
@@ -9224,7 +9232,7 @@
         <p:spPr>
           <a:xfrm>
             <a:off x="7839360" y="1679400"/>
-            <a:ext cx="2613600" cy="426240"/>
+            <a:ext cx="2613240" cy="425880"/>
           </a:xfrm>
           <a:prstGeom prst="rect">
             <a:avLst/>
@@ -9269,7 +9277,7 @@
         <p:spPr>
           <a:xfrm>
             <a:off x="9109440" y="3583440"/>
-            <a:ext cx="278280" cy="363960"/>
+            <a:ext cx="277920" cy="363960"/>
           </a:xfrm>
           <a:prstGeom prst="rect">
             <a:avLst/>
@@ -9323,7 +9331,7 @@
         <p:spPr>
           <a:xfrm>
             <a:off x="9789840" y="4188960"/>
-            <a:ext cx="278280" cy="363960"/>
+            <a:ext cx="277920" cy="363960"/>
           </a:xfrm>
           <a:prstGeom prst="rect">
             <a:avLst/>
@@ -9377,7 +9385,7 @@
         <p:spPr>
           <a:xfrm>
             <a:off x="7531920" y="5741280"/>
-            <a:ext cx="278640" cy="363960"/>
+            <a:ext cx="278280" cy="363960"/>
           </a:xfrm>
           <a:prstGeom prst="rect">
             <a:avLst/>
@@ -9480,7 +9488,7 @@
         <p:spPr>
           <a:xfrm>
             <a:off x="1310760" y="5770800"/>
-            <a:ext cx="278640" cy="363960"/>
+            <a:ext cx="278280" cy="363960"/>
           </a:xfrm>
           <a:prstGeom prst="rect">
             <a:avLst/>
@@ -9564,7 +9572,7 @@
         <p:spPr>
           <a:xfrm>
             <a:off x="539640" y="764640"/>
-            <a:ext cx="10748520" cy="499320"/>
+            <a:ext cx="10748160" cy="498960"/>
           </a:xfrm>
           <a:prstGeom prst="rect">
             <a:avLst/>
@@ -9618,7 +9626,7 @@
         <p:spPr>
           <a:xfrm>
             <a:off x="539640" y="1268640"/>
-            <a:ext cx="10748520" cy="5036040"/>
+            <a:ext cx="10748160" cy="5035680"/>
           </a:xfrm>
           <a:prstGeom prst="rect">
             <a:avLst/>
@@ -9970,7 +9978,7 @@
         <p:spPr>
           <a:xfrm>
             <a:off x="539640" y="764640"/>
-            <a:ext cx="10748520" cy="499320"/>
+            <a:ext cx="10748160" cy="498960"/>
           </a:xfrm>
           <a:prstGeom prst="rect">
             <a:avLst/>
@@ -10028,7 +10036,7 @@
         <p:spPr>
           <a:xfrm>
             <a:off x="2684520" y="1323360"/>
-            <a:ext cx="1471320" cy="2172600"/>
+            <a:ext cx="1470960" cy="2172240"/>
           </a:xfrm>
           <a:prstGeom prst="rect">
             <a:avLst/>
@@ -10051,7 +10059,7 @@
         <p:spPr>
           <a:xfrm>
             <a:off x="7269840" y="1716120"/>
-            <a:ext cx="1785240" cy="1777320"/>
+            <a:ext cx="1784880" cy="1776960"/>
           </a:xfrm>
           <a:prstGeom prst="rect">
             <a:avLst/>
@@ -10070,7 +10078,7 @@
         <p:spPr>
           <a:xfrm>
             <a:off x="1620000" y="3439440"/>
-            <a:ext cx="3636000" cy="677520"/>
+            <a:ext cx="3635640" cy="677160"/>
           </a:xfrm>
           <a:prstGeom prst="rect">
             <a:avLst/>
@@ -10127,7 +10135,7 @@
         <p:spPr>
           <a:xfrm>
             <a:off x="6322680" y="3460320"/>
-            <a:ext cx="3636000" cy="677520"/>
+            <a:ext cx="3635640" cy="677160"/>
           </a:xfrm>
           <a:prstGeom prst="rect">
             <a:avLst/>
@@ -10188,7 +10196,7 @@
         <p:spPr>
           <a:xfrm>
             <a:off x="4845960" y="4206240"/>
-            <a:ext cx="1778400" cy="1770480"/>
+            <a:ext cx="1778040" cy="1770120"/>
           </a:xfrm>
           <a:prstGeom prst="rect">
             <a:avLst/>
@@ -10207,7 +10215,7 @@
         <p:spPr>
           <a:xfrm>
             <a:off x="1311840" y="5920200"/>
-            <a:ext cx="3629160" cy="670680"/>
+            <a:ext cx="3628800" cy="670320"/>
           </a:xfrm>
           <a:prstGeom prst="rect">
             <a:avLst/>
@@ -10252,7 +10260,7 @@
         <p:spPr>
           <a:xfrm>
             <a:off x="3950280" y="5903280"/>
-            <a:ext cx="3629160" cy="670680"/>
+            <a:ext cx="3628800" cy="670320"/>
           </a:xfrm>
           <a:prstGeom prst="rect">
             <a:avLst/>
@@ -10339,7 +10347,7 @@
         <p:spPr>
           <a:xfrm>
             <a:off x="539640" y="764640"/>
-            <a:ext cx="10748520" cy="499320"/>
+            <a:ext cx="10748160" cy="498960"/>
           </a:xfrm>
           <a:prstGeom prst="rect">
             <a:avLst/>
@@ -10393,7 +10401,7 @@
         <p:spPr>
           <a:xfrm>
             <a:off x="539640" y="1268280"/>
-            <a:ext cx="10748520" cy="5036040"/>
+            <a:ext cx="10748160" cy="5035680"/>
           </a:xfrm>
           <a:prstGeom prst="rect">
             <a:avLst/>
@@ -10540,7 +10548,7 @@
         <p:spPr>
           <a:xfrm>
             <a:off x="6489720" y="2132640"/>
-            <a:ext cx="518040" cy="497880"/>
+            <a:ext cx="517680" cy="497520"/>
           </a:xfrm>
           <a:prstGeom prst="star5">
             <a:avLst>
@@ -10601,7 +10609,7 @@
         <p:spPr>
           <a:xfrm>
             <a:off x="4294080" y="2247480"/>
-            <a:ext cx="2286360" cy="363960"/>
+            <a:ext cx="2286000" cy="363960"/>
           </a:xfrm>
           <a:prstGeom prst="rect">
             <a:avLst/>
@@ -10685,7 +10693,7 @@
         <p:spPr>
           <a:xfrm>
             <a:off x="539640" y="764640"/>
-            <a:ext cx="10748520" cy="499320"/>
+            <a:ext cx="10748160" cy="498960"/>
           </a:xfrm>
           <a:prstGeom prst="rect">
             <a:avLst/>
@@ -10739,7 +10747,7 @@
         <p:spPr>
           <a:xfrm>
             <a:off x="539640" y="1268640"/>
-            <a:ext cx="10748520" cy="5036040"/>
+            <a:ext cx="10748160" cy="5035680"/>
           </a:xfrm>
           <a:prstGeom prst="rect">
             <a:avLst/>
@@ -11096,7 +11104,7 @@
         <p:spPr>
           <a:xfrm>
             <a:off x="335520" y="1268640"/>
-            <a:ext cx="10748520" cy="5036040"/>
+            <a:ext cx="10748160" cy="5035680"/>
           </a:xfrm>
           <a:prstGeom prst="rect">
             <a:avLst/>
@@ -11156,7 +11164,7 @@
         <p:spPr>
           <a:xfrm>
             <a:off x="335520" y="764640"/>
-            <a:ext cx="10748520" cy="499320"/>
+            <a:ext cx="10748160" cy="498960"/>
           </a:xfrm>
           <a:prstGeom prst="rect">
             <a:avLst/>
@@ -11231,7 +11239,7 @@
         <p:spPr>
           <a:xfrm>
             <a:off x="542880" y="721800"/>
-            <a:ext cx="10354320" cy="495000"/>
+            <a:ext cx="10353960" cy="494640"/>
           </a:xfrm>
           <a:prstGeom prst="rect">
             <a:avLst/>
@@ -11285,7 +11293,7 @@
         <p:spPr>
           <a:xfrm>
             <a:off x="451800" y="1709280"/>
-            <a:ext cx="8221680" cy="4349880"/>
+            <a:ext cx="8221320" cy="4349520"/>
           </a:xfrm>
           <a:prstGeom prst="rect">
             <a:avLst/>
@@ -11330,7 +11338,7 @@
         <p:spPr>
           <a:xfrm>
             <a:off x="609480" y="1769400"/>
-            <a:ext cx="10584720" cy="4852800"/>
+            <a:ext cx="10584360" cy="4852440"/>
           </a:xfrm>
           <a:prstGeom prst="rect">
             <a:avLst/>
@@ -11781,7 +11789,7 @@
         <p:spPr>
           <a:xfrm>
             <a:off x="542880" y="721800"/>
-            <a:ext cx="10354320" cy="495000"/>
+            <a:ext cx="10353960" cy="494640"/>
           </a:xfrm>
           <a:prstGeom prst="rect">
             <a:avLst/>
@@ -11835,7 +11843,7 @@
         <p:spPr>
           <a:xfrm>
             <a:off x="451800" y="1709280"/>
-            <a:ext cx="8221680" cy="4349880"/>
+            <a:ext cx="8221320" cy="4349520"/>
           </a:xfrm>
           <a:prstGeom prst="rect">
             <a:avLst/>
@@ -11880,7 +11888,7 @@
         <p:spPr>
           <a:xfrm>
             <a:off x="609480" y="1769400"/>
-            <a:ext cx="10584720" cy="4852800"/>
+            <a:ext cx="10584360" cy="4852440"/>
           </a:xfrm>
           <a:prstGeom prst="rect">
             <a:avLst/>
@@ -12380,7 +12388,7 @@
         <p:spPr>
           <a:xfrm>
             <a:off x="542880" y="721800"/>
-            <a:ext cx="10354320" cy="495000"/>
+            <a:ext cx="10353960" cy="494640"/>
           </a:xfrm>
           <a:prstGeom prst="rect">
             <a:avLst/>
@@ -12434,7 +12442,7 @@
         <p:spPr>
           <a:xfrm>
             <a:off x="451800" y="1709280"/>
-            <a:ext cx="8221680" cy="4349880"/>
+            <a:ext cx="8221320" cy="4349520"/>
           </a:xfrm>
           <a:prstGeom prst="rect">
             <a:avLst/>
@@ -12479,7 +12487,7 @@
         <p:spPr>
           <a:xfrm>
             <a:off x="609480" y="1769400"/>
-            <a:ext cx="10584720" cy="4852800"/>
+            <a:ext cx="10584360" cy="4852440"/>
           </a:xfrm>
           <a:prstGeom prst="rect">
             <a:avLst/>
@@ -12828,7 +12836,7 @@
         <p:spPr>
           <a:xfrm>
             <a:off x="542880" y="721800"/>
-            <a:ext cx="10354320" cy="495000"/>
+            <a:ext cx="10353960" cy="494640"/>
           </a:xfrm>
           <a:prstGeom prst="rect">
             <a:avLst/>
@@ -12882,7 +12890,7 @@
         <p:spPr>
           <a:xfrm>
             <a:off x="451800" y="1709280"/>
-            <a:ext cx="8221680" cy="4349880"/>
+            <a:ext cx="8221320" cy="4349520"/>
           </a:xfrm>
           <a:prstGeom prst="rect">
             <a:avLst/>
@@ -12927,7 +12935,7 @@
         <p:spPr>
           <a:xfrm>
             <a:off x="609480" y="1769400"/>
-            <a:ext cx="10584720" cy="4852800"/>
+            <a:ext cx="10584360" cy="4852440"/>
           </a:xfrm>
           <a:prstGeom prst="rect">
             <a:avLst/>
@@ -13132,7 +13140,7 @@
         <p:spPr>
           <a:xfrm>
             <a:off x="539640" y="764640"/>
-            <a:ext cx="10748520" cy="499320"/>
+            <a:ext cx="10748160" cy="498960"/>
           </a:xfrm>
           <a:prstGeom prst="rect">
             <a:avLst/>
@@ -13186,7 +13194,7 @@
         <p:spPr>
           <a:xfrm>
             <a:off x="539640" y="1268280"/>
-            <a:ext cx="10748520" cy="5036040"/>
+            <a:ext cx="10748160" cy="5035680"/>
           </a:xfrm>
           <a:prstGeom prst="rect">
             <a:avLst/>
@@ -13347,7 +13355,7 @@
         <p:spPr>
           <a:xfrm>
             <a:off x="542880" y="721800"/>
-            <a:ext cx="10357200" cy="497880"/>
+            <a:ext cx="10356840" cy="497520"/>
           </a:xfrm>
           <a:prstGeom prst="rect">
             <a:avLst/>
@@ -13405,7 +13413,7 @@
         <p:spPr>
           <a:xfrm>
             <a:off x="542880" y="2387520"/>
-            <a:ext cx="10102320" cy="2079720"/>
+            <a:ext cx="10101960" cy="2079360"/>
           </a:xfrm>
           <a:prstGeom prst="rect">
             <a:avLst/>
@@ -13454,7 +13462,7 @@
         <p:spPr>
           <a:xfrm>
             <a:off x="539640" y="764640"/>
-            <a:ext cx="10741680" cy="492480"/>
+            <a:ext cx="10741320" cy="492120"/>
           </a:xfrm>
           <a:prstGeom prst="rect">
             <a:avLst/>
@@ -13508,7 +13516,7 @@
         <p:spPr>
           <a:xfrm>
             <a:off x="539640" y="1268640"/>
-            <a:ext cx="10741680" cy="5029200"/>
+            <a:ext cx="10741320" cy="5028840"/>
           </a:xfrm>
           <a:prstGeom prst="rect">
             <a:avLst/>
@@ -13807,7 +13815,7 @@
                 <a:latin typeface="DejaVu Sans"/>
                 <a:ea typeface="DejaVu Sans"/>
               </a:rPr>
-              <a:t>21.12.2022 → Documentation – Formal Requirements Specification (L09)</a:t>
+              <a:t>21.12.2022 → No Lecture</a:t>
             </a:r>
             <a:endParaRPr b="0" lang="en-US" sz="1800" spc="-1" strike="noStrike">
               <a:solidFill>
@@ -13839,7 +13847,17 @@
                 <a:latin typeface="DejaVu Sans"/>
                 <a:ea typeface="DejaVu Sans"/>
               </a:rPr>
-              <a:t>11.01.2023 → Validation (L10)</a:t>
+              <a:t>11.01.2023 → </a:t>
+            </a:r>
+            <a:r>
+              <a:rPr b="0" lang="en-GB" sz="1800" spc="-1" strike="noStrike">
+                <a:solidFill>
+                  <a:srgbClr val="000000"/>
+                </a:solidFill>
+                <a:latin typeface="DejaVu Sans"/>
+                <a:ea typeface="DejaVu Sans"/>
+              </a:rPr>
+              <a:t>Documentation – Formal Requirements Specification (L09)</a:t>
             </a:r>
             <a:endParaRPr b="0" lang="en-US" sz="1800" spc="-1" strike="noStrike">
               <a:solidFill>
@@ -13871,7 +13889,17 @@
                 <a:latin typeface="DejaVu Sans"/>
                 <a:ea typeface="DejaVu Sans"/>
               </a:rPr>
-              <a:t>18.01.2023 → Traceability (L11)</a:t>
+              <a:t>18.01.2023 → </a:t>
+            </a:r>
+            <a:r>
+              <a:rPr b="0" lang="en-GB" sz="1800" spc="-1" strike="noStrike">
+                <a:solidFill>
+                  <a:srgbClr val="000000"/>
+                </a:solidFill>
+                <a:latin typeface="DejaVu Sans"/>
+                <a:ea typeface="DejaVu Sans"/>
+              </a:rPr>
+              <a:t>Validation (L10)</a:t>
             </a:r>
             <a:endParaRPr b="0" lang="en-US" sz="1800" spc="-1" strike="noStrike">
               <a:solidFill>
@@ -13903,7 +13931,17 @@
                 <a:latin typeface="DejaVu Sans"/>
                 <a:ea typeface="DejaVu Sans"/>
               </a:rPr>
-              <a:t>25.01.2023 → Requirements Management (L12) and Tool Support (L13)</a:t>
+              <a:t>25.01.2023 → </a:t>
+            </a:r>
+            <a:r>
+              <a:rPr b="0" lang="en-GB" sz="1800" spc="-1" strike="noStrike">
+                <a:solidFill>
+                  <a:srgbClr val="000000"/>
+                </a:solidFill>
+                <a:latin typeface="DejaVu Sans"/>
+                <a:ea typeface="DejaVu Sans"/>
+              </a:rPr>
+              <a:t>Traceability (L11)</a:t>
             </a:r>
             <a:endParaRPr b="0" lang="en-US" sz="1800" spc="-1" strike="noStrike">
               <a:solidFill>
@@ -13935,7 +13973,17 @@
                 <a:latin typeface="DejaVu Sans"/>
                 <a:ea typeface="DejaVu Sans"/>
               </a:rPr>
-              <a:t>01.02.2023 → No lecture</a:t>
+              <a:t>01.02.2023 → </a:t>
+            </a:r>
+            <a:r>
+              <a:rPr b="0" lang="en-GB" sz="1800" spc="-1" strike="noStrike">
+                <a:solidFill>
+                  <a:srgbClr val="000000"/>
+                </a:solidFill>
+                <a:latin typeface="DejaVu Sans"/>
+                <a:ea typeface="DejaVu Sans"/>
+              </a:rPr>
+              <a:t>Requirements Management (L12) and Tool Support (L13)</a:t>
             </a:r>
             <a:endParaRPr b="0" lang="en-US" sz="1800" spc="-1" strike="noStrike">
               <a:solidFill>

--- a/Requirements-Engineering/RE-L00-Organization.pptx
+++ b/Requirements-Engineering/RE-L00-Organization.pptx
@@ -84,7 +84,7 @@
           <a:p>
             <a:pPr algn="ctr"/>
             <a:r>
-              <a:rPr b="0" lang="en-US" sz="4400" spc="-1" strike="noStrike">
+              <a:rPr b="0" lang="en-GB" sz="4400" spc="-1" strike="noStrike">
                 <a:solidFill>
                   <a:srgbClr val="000000"/>
                 </a:solidFill>
@@ -92,7 +92,7 @@
               </a:rPr>
               <a:t>Click to move the slide</a:t>
             </a:r>
-            <a:endParaRPr b="0" lang="en-US" sz="4400" spc="-1" strike="noStrike">
+            <a:endParaRPr b="0" lang="en-GB" sz="4400" spc="-1" strike="noStrike">
               <a:solidFill>
                 <a:srgbClr val="000000"/>
               </a:solidFill>
@@ -133,15 +133,15 @@
               <a:buNone/>
             </a:pPr>
             <a:r>
-              <a:rPr b="0" lang="en-US" sz="2000" spc="-1" strike="noStrike">
+              <a:rPr b="0" lang="en-GB" sz="2000" spc="-1" strike="noStrike">
                 <a:solidFill>
                   <a:srgbClr val="000000"/>
                 </a:solidFill>
                 <a:latin typeface="Arial"/>
               </a:rPr>
-              <a:t>Click to edit the notes format</a:t>
-            </a:r>
-            <a:endParaRPr b="0" lang="en-US" sz="2000" spc="-1" strike="noStrike">
+              <a:t>Click to edit the notes' format</a:t>
+            </a:r>
+            <a:endParaRPr b="0" lang="en-GB" sz="2000" spc="-1" strike="noStrike">
               <a:solidFill>
                 <a:srgbClr val="000000"/>
               </a:solidFill>
@@ -182,7 +182,7 @@
               <a:buNone/>
             </a:pPr>
             <a:r>
-              <a:rPr b="0" lang="en-US" sz="1400" spc="-1" strike="noStrike">
+              <a:rPr b="0" lang="en-GB" sz="1400" spc="-1" strike="noStrike">
                 <a:solidFill>
                   <a:srgbClr val="000000"/>
                 </a:solidFill>
@@ -190,7 +190,7 @@
               </a:rPr>
               <a:t>&lt;header&gt;</a:t>
             </a:r>
-            <a:endParaRPr b="0" lang="en-US" sz="1400" spc="-1" strike="noStrike">
+            <a:endParaRPr b="0" lang="en-GB" sz="1400" spc="-1" strike="noStrike">
               <a:solidFill>
                 <a:srgbClr val="000000"/>
               </a:solidFill>
@@ -229,7 +229,7 @@
           <a:lstStyle>
             <a:lvl1pPr indent="0" algn="r">
               <a:buNone/>
-              <a:defRPr b="0" lang="en-US" sz="1400" spc="-1" strike="noStrike">
+              <a:defRPr b="0" lang="en-GB" sz="1400" spc="-1" strike="noStrike">
                 <a:solidFill>
                   <a:srgbClr val="000000"/>
                 </a:solidFill>
@@ -242,7 +242,7 @@
               <a:buNone/>
             </a:pPr>
             <a:r>
-              <a:rPr b="0" lang="en-US" sz="1400" spc="-1" strike="noStrike">
+              <a:rPr b="0" lang="en-GB" sz="1400" spc="-1" strike="noStrike">
                 <a:solidFill>
                   <a:srgbClr val="000000"/>
                 </a:solidFill>
@@ -250,7 +250,7 @@
               </a:rPr>
               <a:t>&lt;date/time&gt;</a:t>
             </a:r>
-            <a:endParaRPr b="0" lang="en-US" sz="1400" spc="-1" strike="noStrike">
+            <a:endParaRPr b="0" lang="en-GB" sz="1400" spc="-1" strike="noStrike">
               <a:solidFill>
                 <a:srgbClr val="000000"/>
               </a:solidFill>
@@ -289,7 +289,7 @@
           <a:lstStyle>
             <a:lvl1pPr indent="0">
               <a:buNone/>
-              <a:defRPr b="0" lang="en-US" sz="1400" spc="-1" strike="noStrike">
+              <a:defRPr b="0" lang="en-GB" sz="1400" spc="-1" strike="noStrike">
                 <a:solidFill>
                   <a:srgbClr val="000000"/>
                 </a:solidFill>
@@ -302,7 +302,7 @@
               <a:buNone/>
             </a:pPr>
             <a:r>
-              <a:rPr b="0" lang="en-US" sz="1400" spc="-1" strike="noStrike">
+              <a:rPr b="0" lang="en-GB" sz="1400" spc="-1" strike="noStrike">
                 <a:solidFill>
                   <a:srgbClr val="000000"/>
                 </a:solidFill>
@@ -310,7 +310,7 @@
               </a:rPr>
               <a:t>&lt;footer&gt;</a:t>
             </a:r>
-            <a:endParaRPr b="0" lang="en-US" sz="1400" spc="-1" strike="noStrike">
+            <a:endParaRPr b="0" lang="en-GB" sz="1400" spc="-1" strike="noStrike">
               <a:solidFill>
                 <a:srgbClr val="000000"/>
               </a:solidFill>
@@ -349,7 +349,7 @@
           <a:lstStyle>
             <a:lvl1pPr indent="0" algn="r">
               <a:buNone/>
-              <a:defRPr b="0" lang="en-US" sz="1400" spc="-1" strike="noStrike">
+              <a:defRPr b="0" lang="en-GB" sz="1400" spc="-1" strike="noStrike">
                 <a:solidFill>
                   <a:srgbClr val="000000"/>
                 </a:solidFill>
@@ -361,8 +361,8 @@
             <a:pPr indent="0" algn="r">
               <a:buNone/>
             </a:pPr>
-            <a:fld id="{8E34E5D2-FF39-442D-B2E3-1D89AC1204B4}" type="slidenum">
-              <a:rPr b="0" lang="en-US" sz="1400" spc="-1" strike="noStrike">
+            <a:fld id="{A7DEC66B-97AC-4D35-849A-A83F374B9CBD}" type="slidenum">
+              <a:rPr b="0" lang="en-GB" sz="1400" spc="-1" strike="noStrike">
                 <a:solidFill>
                   <a:srgbClr val="000000"/>
                 </a:solidFill>
@@ -370,7 +370,7 @@
               </a:rPr>
               <a:t>&lt;number&gt;</a:t>
             </a:fld>
-            <a:endParaRPr b="0" lang="en-US" sz="1400" spc="-1" strike="noStrike">
+            <a:endParaRPr b="0" lang="en-GB" sz="1400" spc="-1" strike="noStrike">
               <a:solidFill>
                 <a:srgbClr val="000000"/>
               </a:solidFill>
@@ -415,7 +415,7 @@
         <p:spPr>
           <a:xfrm>
             <a:off x="533520" y="763560"/>
-            <a:ext cx="6697080" cy="3765240"/>
+            <a:ext cx="6696720" cy="3764880"/>
           </a:xfrm>
           <a:prstGeom prst="rect">
             <a:avLst/>
@@ -438,7 +438,7 @@
         <p:spPr>
           <a:xfrm>
             <a:off x="777240" y="4777560"/>
-            <a:ext cx="6210720" cy="4519080"/>
+            <a:ext cx="6210360" cy="4518720"/>
           </a:xfrm>
           <a:prstGeom prst="rect">
             <a:avLst/>
@@ -456,7 +456,7 @@
             <a:pPr marL="216000" indent="0">
               <a:buNone/>
             </a:pPr>
-            <a:endParaRPr b="0" lang="en-US" sz="1800" spc="-1" strike="noStrike">
+            <a:endParaRPr b="0" lang="en-GB" sz="1800" spc="-1" strike="noStrike">
               <a:solidFill>
                 <a:srgbClr val="000000"/>
               </a:solidFill>
@@ -474,7 +474,7 @@
         <p:spPr>
           <a:xfrm>
             <a:off x="4399200" y="9555480"/>
-            <a:ext cx="3366000" cy="495720"/>
+            <a:ext cx="3365640" cy="495360"/>
           </a:xfrm>
           <a:prstGeom prst="rect">
             <a:avLst/>
@@ -500,7 +500,7 @@
                 <a:spcPct val="100000"/>
               </a:lnSpc>
             </a:pPr>
-            <a:fld id="{9A0F455C-26CA-4774-BE5B-84BD9E2067B8}" type="slidenum">
+            <a:fld id="{82BE1F02-3E89-4A1A-9A97-566352937200}" type="slidenum">
               <a:rPr b="0" lang="en-GB" sz="1800" spc="-1" strike="noStrike">
                 <a:solidFill>
                   <a:srgbClr val="000000"/>
@@ -510,7 +510,7 @@
               </a:rPr>
               <a:t>6</a:t>
             </a:fld>
-            <a:endParaRPr b="0" lang="en-US" sz="1800" spc="-1" strike="noStrike">
+            <a:endParaRPr b="0" lang="en-GB" sz="1800" spc="-1" strike="noStrike">
               <a:solidFill>
                 <a:srgbClr val="000000"/>
               </a:solidFill>
@@ -554,7 +554,7 @@
         <p:spPr>
           <a:xfrm>
             <a:off x="533520" y="763560"/>
-            <a:ext cx="6697080" cy="3765240"/>
+            <a:ext cx="6696720" cy="3764880"/>
           </a:xfrm>
           <a:prstGeom prst="rect">
             <a:avLst/>
@@ -577,7 +577,7 @@
         <p:spPr>
           <a:xfrm>
             <a:off x="777240" y="4777560"/>
-            <a:ext cx="6210720" cy="4519080"/>
+            <a:ext cx="6210360" cy="4518720"/>
           </a:xfrm>
           <a:prstGeom prst="rect">
             <a:avLst/>
@@ -595,7 +595,7 @@
             <a:pPr marL="216000" indent="0">
               <a:buNone/>
             </a:pPr>
-            <a:endParaRPr b="0" lang="en-US" sz="1800" spc="-1" strike="noStrike">
+            <a:endParaRPr b="0" lang="en-GB" sz="1800" spc="-1" strike="noStrike">
               <a:solidFill>
                 <a:srgbClr val="000000"/>
               </a:solidFill>
@@ -613,7 +613,7 @@
         <p:spPr>
           <a:xfrm>
             <a:off x="4399200" y="9555480"/>
-            <a:ext cx="3366000" cy="495720"/>
+            <a:ext cx="3365640" cy="495360"/>
           </a:xfrm>
           <a:prstGeom prst="rect">
             <a:avLst/>
@@ -639,7 +639,7 @@
                 <a:spcPct val="100000"/>
               </a:lnSpc>
             </a:pPr>
-            <a:fld id="{166C3ED1-8F9A-40F7-AFF4-85320946D5D6}" type="slidenum">
+            <a:fld id="{D755A0CB-2E90-4BC9-B226-A81F5A5DA3A4}" type="slidenum">
               <a:rPr b="0" lang="en-GB" sz="1800" spc="-1" strike="noStrike">
                 <a:solidFill>
                   <a:srgbClr val="000000"/>
@@ -649,7 +649,7 @@
               </a:rPr>
               <a:t>6</a:t>
             </a:fld>
-            <a:endParaRPr b="0" lang="en-US" sz="1800" spc="-1" strike="noStrike">
+            <a:endParaRPr b="0" lang="en-GB" sz="1800" spc="-1" strike="noStrike">
               <a:solidFill>
                 <a:srgbClr val="000000"/>
               </a:solidFill>
@@ -693,7 +693,7 @@
         <p:spPr>
           <a:xfrm>
             <a:off x="533520" y="763560"/>
-            <a:ext cx="6697080" cy="3765240"/>
+            <a:ext cx="6696720" cy="3764880"/>
           </a:xfrm>
           <a:prstGeom prst="rect">
             <a:avLst/>
@@ -716,7 +716,7 @@
         <p:spPr>
           <a:xfrm>
             <a:off x="777240" y="4777560"/>
-            <a:ext cx="6210720" cy="4519080"/>
+            <a:ext cx="6210360" cy="4518720"/>
           </a:xfrm>
           <a:prstGeom prst="rect">
             <a:avLst/>
@@ -734,7 +734,7 @@
             <a:pPr marL="216000" indent="0">
               <a:buNone/>
             </a:pPr>
-            <a:endParaRPr b="0" lang="en-US" sz="1800" spc="-1" strike="noStrike">
+            <a:endParaRPr b="0" lang="en-GB" sz="1800" spc="-1" strike="noStrike">
               <a:solidFill>
                 <a:srgbClr val="000000"/>
               </a:solidFill>
@@ -752,7 +752,7 @@
         <p:spPr>
           <a:xfrm>
             <a:off x="4399200" y="9555480"/>
-            <a:ext cx="3366000" cy="495720"/>
+            <a:ext cx="3365640" cy="495360"/>
           </a:xfrm>
           <a:prstGeom prst="rect">
             <a:avLst/>
@@ -778,7 +778,7 @@
                 <a:spcPct val="100000"/>
               </a:lnSpc>
             </a:pPr>
-            <a:fld id="{8C58E9A8-2617-47D3-9BA5-464DBBD6944C}" type="slidenum">
+            <a:fld id="{C83930AE-62F3-47E2-8E9D-745D4C9843B6}" type="slidenum">
               <a:rPr b="0" lang="en-GB" sz="1800" spc="-1" strike="noStrike">
                 <a:solidFill>
                   <a:srgbClr val="000000"/>
@@ -788,7 +788,7 @@
               </a:rPr>
               <a:t>&lt;number&gt;</a:t>
             </a:fld>
-            <a:endParaRPr b="0" lang="en-US" sz="1800" spc="-1" strike="noStrike">
+            <a:endParaRPr b="0" lang="en-GB" sz="1800" spc="-1" strike="noStrike">
               <a:solidFill>
                 <a:srgbClr val="000000"/>
               </a:solidFill>
@@ -832,7 +832,7 @@
         <p:spPr>
           <a:xfrm>
             <a:off x="533520" y="763560"/>
-            <a:ext cx="6697080" cy="3765240"/>
+            <a:ext cx="6696720" cy="3764880"/>
           </a:xfrm>
           <a:prstGeom prst="rect">
             <a:avLst/>
@@ -855,7 +855,7 @@
         <p:spPr>
           <a:xfrm>
             <a:off x="777240" y="4777560"/>
-            <a:ext cx="6210720" cy="4519080"/>
+            <a:ext cx="6210360" cy="4518720"/>
           </a:xfrm>
           <a:prstGeom prst="rect">
             <a:avLst/>
@@ -873,7 +873,7 @@
             <a:pPr marL="216000" indent="0">
               <a:buNone/>
             </a:pPr>
-            <a:endParaRPr b="0" lang="en-US" sz="1800" spc="-1" strike="noStrike">
+            <a:endParaRPr b="0" lang="en-GB" sz="1800" spc="-1" strike="noStrike">
               <a:solidFill>
                 <a:srgbClr val="000000"/>
               </a:solidFill>
@@ -891,7 +891,7 @@
         <p:spPr>
           <a:xfrm>
             <a:off x="4399200" y="9555480"/>
-            <a:ext cx="3366000" cy="495720"/>
+            <a:ext cx="3365640" cy="495360"/>
           </a:xfrm>
           <a:prstGeom prst="rect">
             <a:avLst/>
@@ -917,7 +917,7 @@
                 <a:spcPct val="100000"/>
               </a:lnSpc>
             </a:pPr>
-            <a:fld id="{7D58F418-82EC-4394-9950-E1AD9D6F9582}" type="slidenum">
+            <a:fld id="{323E7989-88DB-4D81-854F-2B10496F4E5E}" type="slidenum">
               <a:rPr b="0" lang="en-GB" sz="1800" spc="-1" strike="noStrike">
                 <a:solidFill>
                   <a:srgbClr val="000000"/>
@@ -927,7 +927,7 @@
               </a:rPr>
               <a:t>&lt;number&gt;</a:t>
             </a:fld>
-            <a:endParaRPr b="0" lang="en-US" sz="1800" spc="-1" strike="noStrike">
+            <a:endParaRPr b="0" lang="en-GB" sz="1800" spc="-1" strike="noStrike">
               <a:solidFill>
                 <a:srgbClr val="000000"/>
               </a:solidFill>
@@ -1011,7 +1011,7 @@
             <a:pPr indent="0" algn="ctr">
               <a:buNone/>
             </a:pPr>
-            <a:endParaRPr b="0" lang="en-US" sz="4400" spc="-1" strike="noStrike">
+            <a:endParaRPr b="0" lang="en-GB" sz="4400" spc="-1" strike="noStrike">
               <a:solidFill>
                 <a:srgbClr val="000000"/>
               </a:solidFill>
@@ -1054,7 +1054,7 @@
               </a:spcBef>
               <a:buNone/>
             </a:pPr>
-            <a:endParaRPr b="0" lang="en-US" sz="3200" spc="-1" strike="noStrike">
+            <a:endParaRPr b="0" lang="en-GB" sz="3200" spc="-1" strike="noStrike">
               <a:solidFill>
                 <a:srgbClr val="000000"/>
               </a:solidFill>
@@ -1097,7 +1097,7 @@
               </a:spcBef>
               <a:buNone/>
             </a:pPr>
-            <a:endParaRPr b="0" lang="en-US" sz="3200" spc="-1" strike="noStrike">
+            <a:endParaRPr b="0" lang="en-GB" sz="3200" spc="-1" strike="noStrike">
               <a:solidFill>
                 <a:srgbClr val="000000"/>
               </a:solidFill>
@@ -1159,7 +1159,7 @@
             <a:pPr indent="0" algn="ctr">
               <a:buNone/>
             </a:pPr>
-            <a:endParaRPr b="0" lang="en-US" sz="4400" spc="-1" strike="noStrike">
+            <a:endParaRPr b="0" lang="en-GB" sz="4400" spc="-1" strike="noStrike">
               <a:solidFill>
                 <a:srgbClr val="000000"/>
               </a:solidFill>
@@ -1202,7 +1202,7 @@
               </a:spcBef>
               <a:buNone/>
             </a:pPr>
-            <a:endParaRPr b="0" lang="en-US" sz="3200" spc="-1" strike="noStrike">
+            <a:endParaRPr b="0" lang="en-GB" sz="3200" spc="-1" strike="noStrike">
               <a:solidFill>
                 <a:srgbClr val="000000"/>
               </a:solidFill>
@@ -1245,7 +1245,7 @@
               </a:spcBef>
               <a:buNone/>
             </a:pPr>
-            <a:endParaRPr b="0" lang="en-US" sz="3200" spc="-1" strike="noStrike">
+            <a:endParaRPr b="0" lang="en-GB" sz="3200" spc="-1" strike="noStrike">
               <a:solidFill>
                 <a:srgbClr val="000000"/>
               </a:solidFill>
@@ -1288,7 +1288,7 @@
               </a:spcBef>
               <a:buNone/>
             </a:pPr>
-            <a:endParaRPr b="0" lang="en-US" sz="3200" spc="-1" strike="noStrike">
+            <a:endParaRPr b="0" lang="en-GB" sz="3200" spc="-1" strike="noStrike">
               <a:solidFill>
                 <a:srgbClr val="000000"/>
               </a:solidFill>
@@ -1331,7 +1331,7 @@
               </a:spcBef>
               <a:buNone/>
             </a:pPr>
-            <a:endParaRPr b="0" lang="en-US" sz="3200" spc="-1" strike="noStrike">
+            <a:endParaRPr b="0" lang="en-GB" sz="3200" spc="-1" strike="noStrike">
               <a:solidFill>
                 <a:srgbClr val="000000"/>
               </a:solidFill>
@@ -1393,7 +1393,7 @@
             <a:pPr indent="0" algn="ctr">
               <a:buNone/>
             </a:pPr>
-            <a:endParaRPr b="0" lang="en-US" sz="4400" spc="-1" strike="noStrike">
+            <a:endParaRPr b="0" lang="en-GB" sz="4400" spc="-1" strike="noStrike">
               <a:solidFill>
                 <a:srgbClr val="000000"/>
               </a:solidFill>
@@ -1436,7 +1436,7 @@
               </a:spcBef>
               <a:buNone/>
             </a:pPr>
-            <a:endParaRPr b="0" lang="en-US" sz="3200" spc="-1" strike="noStrike">
+            <a:endParaRPr b="0" lang="en-GB" sz="3200" spc="-1" strike="noStrike">
               <a:solidFill>
                 <a:srgbClr val="000000"/>
               </a:solidFill>
@@ -1479,7 +1479,7 @@
               </a:spcBef>
               <a:buNone/>
             </a:pPr>
-            <a:endParaRPr b="0" lang="en-US" sz="3200" spc="-1" strike="noStrike">
+            <a:endParaRPr b="0" lang="en-GB" sz="3200" spc="-1" strike="noStrike">
               <a:solidFill>
                 <a:srgbClr val="000000"/>
               </a:solidFill>
@@ -1522,7 +1522,7 @@
               </a:spcBef>
               <a:buNone/>
             </a:pPr>
-            <a:endParaRPr b="0" lang="en-US" sz="3200" spc="-1" strike="noStrike">
+            <a:endParaRPr b="0" lang="en-GB" sz="3200" spc="-1" strike="noStrike">
               <a:solidFill>
                 <a:srgbClr val="000000"/>
               </a:solidFill>
@@ -1565,7 +1565,7 @@
               </a:spcBef>
               <a:buNone/>
             </a:pPr>
-            <a:endParaRPr b="0" lang="en-US" sz="3200" spc="-1" strike="noStrike">
+            <a:endParaRPr b="0" lang="en-GB" sz="3200" spc="-1" strike="noStrike">
               <a:solidFill>
                 <a:srgbClr val="000000"/>
               </a:solidFill>
@@ -1608,7 +1608,7 @@
               </a:spcBef>
               <a:buNone/>
             </a:pPr>
-            <a:endParaRPr b="0" lang="en-US" sz="3200" spc="-1" strike="noStrike">
+            <a:endParaRPr b="0" lang="en-GB" sz="3200" spc="-1" strike="noStrike">
               <a:solidFill>
                 <a:srgbClr val="000000"/>
               </a:solidFill>
@@ -1651,7 +1651,7 @@
               </a:spcBef>
               <a:buNone/>
             </a:pPr>
-            <a:endParaRPr b="0" lang="en-US" sz="3200" spc="-1" strike="noStrike">
+            <a:endParaRPr b="0" lang="en-GB" sz="3200" spc="-1" strike="noStrike">
               <a:solidFill>
                 <a:srgbClr val="000000"/>
               </a:solidFill>
@@ -1735,7 +1735,7 @@
             <a:pPr indent="0" algn="ctr">
               <a:buNone/>
             </a:pPr>
-            <a:endParaRPr b="0" lang="en-US" sz="4400" spc="-1" strike="noStrike">
+            <a:endParaRPr b="0" lang="en-GB" sz="4400" spc="-1" strike="noStrike">
               <a:solidFill>
                 <a:srgbClr val="000000"/>
               </a:solidFill>
@@ -1775,7 +1775,7 @@
             <a:pPr indent="0" algn="ctr">
               <a:buNone/>
             </a:pPr>
-            <a:endParaRPr b="0" lang="en-US" sz="3200" spc="-1" strike="noStrike">
+            <a:endParaRPr b="0" lang="en-GB" sz="3200" spc="-1" strike="noStrike">
               <a:solidFill>
                 <a:srgbClr val="000000"/>
               </a:solidFill>
@@ -1837,7 +1837,7 @@
             <a:pPr indent="0" algn="ctr">
               <a:buNone/>
             </a:pPr>
-            <a:endParaRPr b="0" lang="en-US" sz="4400" spc="-1" strike="noStrike">
+            <a:endParaRPr b="0" lang="en-GB" sz="4400" spc="-1" strike="noStrike">
               <a:solidFill>
                 <a:srgbClr val="000000"/>
               </a:solidFill>
@@ -1880,7 +1880,7 @@
               </a:spcBef>
               <a:buNone/>
             </a:pPr>
-            <a:endParaRPr b="0" lang="en-US" sz="3200" spc="-1" strike="noStrike">
+            <a:endParaRPr b="0" lang="en-GB" sz="3200" spc="-1" strike="noStrike">
               <a:solidFill>
                 <a:srgbClr val="000000"/>
               </a:solidFill>
@@ -1942,7 +1942,7 @@
             <a:pPr indent="0" algn="ctr">
               <a:buNone/>
             </a:pPr>
-            <a:endParaRPr b="0" lang="en-US" sz="4400" spc="-1" strike="noStrike">
+            <a:endParaRPr b="0" lang="en-GB" sz="4400" spc="-1" strike="noStrike">
               <a:solidFill>
                 <a:srgbClr val="000000"/>
               </a:solidFill>
@@ -1985,7 +1985,7 @@
               </a:spcBef>
               <a:buNone/>
             </a:pPr>
-            <a:endParaRPr b="0" lang="en-US" sz="3200" spc="-1" strike="noStrike">
+            <a:endParaRPr b="0" lang="en-GB" sz="3200" spc="-1" strike="noStrike">
               <a:solidFill>
                 <a:srgbClr val="000000"/>
               </a:solidFill>
@@ -2028,7 +2028,7 @@
               </a:spcBef>
               <a:buNone/>
             </a:pPr>
-            <a:endParaRPr b="0" lang="en-US" sz="3200" spc="-1" strike="noStrike">
+            <a:endParaRPr b="0" lang="en-GB" sz="3200" spc="-1" strike="noStrike">
               <a:solidFill>
                 <a:srgbClr val="000000"/>
               </a:solidFill>
@@ -2090,7 +2090,7 @@
             <a:pPr indent="0" algn="ctr">
               <a:buNone/>
             </a:pPr>
-            <a:endParaRPr b="0" lang="en-US" sz="4400" spc="-1" strike="noStrike">
+            <a:endParaRPr b="0" lang="en-GB" sz="4400" spc="-1" strike="noStrike">
               <a:solidFill>
                 <a:srgbClr val="000000"/>
               </a:solidFill>
@@ -2150,7 +2150,7 @@
           </a:bodyPr>
           <a:p>
             <a:pPr algn="ctr"/>
-            <a:endParaRPr b="0" lang="en-US" sz="3200" spc="-1" strike="noStrike">
+            <a:endParaRPr b="0" lang="en-GB" sz="3200" spc="-1" strike="noStrike">
               <a:solidFill>
                 <a:srgbClr val="000000"/>
               </a:solidFill>
@@ -2212,7 +2212,7 @@
             <a:pPr indent="0" algn="ctr">
               <a:buNone/>
             </a:pPr>
-            <a:endParaRPr b="0" lang="en-US" sz="4400" spc="-1" strike="noStrike">
+            <a:endParaRPr b="0" lang="en-GB" sz="4400" spc="-1" strike="noStrike">
               <a:solidFill>
                 <a:srgbClr val="000000"/>
               </a:solidFill>
@@ -2255,7 +2255,7 @@
               </a:spcBef>
               <a:buNone/>
             </a:pPr>
-            <a:endParaRPr b="0" lang="en-US" sz="3200" spc="-1" strike="noStrike">
+            <a:endParaRPr b="0" lang="en-GB" sz="3200" spc="-1" strike="noStrike">
               <a:solidFill>
                 <a:srgbClr val="000000"/>
               </a:solidFill>
@@ -2298,7 +2298,7 @@
               </a:spcBef>
               <a:buNone/>
             </a:pPr>
-            <a:endParaRPr b="0" lang="en-US" sz="3200" spc="-1" strike="noStrike">
+            <a:endParaRPr b="0" lang="en-GB" sz="3200" spc="-1" strike="noStrike">
               <a:solidFill>
                 <a:srgbClr val="000000"/>
               </a:solidFill>
@@ -2341,7 +2341,7 @@
               </a:spcBef>
               <a:buNone/>
             </a:pPr>
-            <a:endParaRPr b="0" lang="en-US" sz="3200" spc="-1" strike="noStrike">
+            <a:endParaRPr b="0" lang="en-GB" sz="3200" spc="-1" strike="noStrike">
               <a:solidFill>
                 <a:srgbClr val="000000"/>
               </a:solidFill>
@@ -2403,7 +2403,7 @@
             <a:pPr indent="0" algn="ctr">
               <a:buNone/>
             </a:pPr>
-            <a:endParaRPr b="0" lang="en-US" sz="4400" spc="-1" strike="noStrike">
+            <a:endParaRPr b="0" lang="en-GB" sz="4400" spc="-1" strike="noStrike">
               <a:solidFill>
                 <a:srgbClr val="000000"/>
               </a:solidFill>
@@ -2443,7 +2443,7 @@
             <a:pPr indent="0" algn="ctr">
               <a:buNone/>
             </a:pPr>
-            <a:endParaRPr b="0" lang="en-US" sz="3200" spc="-1" strike="noStrike">
+            <a:endParaRPr b="0" lang="en-GB" sz="3200" spc="-1" strike="noStrike">
               <a:solidFill>
                 <a:srgbClr val="000000"/>
               </a:solidFill>
@@ -2505,7 +2505,7 @@
             <a:pPr indent="0" algn="ctr">
               <a:buNone/>
             </a:pPr>
-            <a:endParaRPr b="0" lang="en-US" sz="4400" spc="-1" strike="noStrike">
+            <a:endParaRPr b="0" lang="en-GB" sz="4400" spc="-1" strike="noStrike">
               <a:solidFill>
                 <a:srgbClr val="000000"/>
               </a:solidFill>
@@ -2548,7 +2548,7 @@
               </a:spcBef>
               <a:buNone/>
             </a:pPr>
-            <a:endParaRPr b="0" lang="en-US" sz="3200" spc="-1" strike="noStrike">
+            <a:endParaRPr b="0" lang="en-GB" sz="3200" spc="-1" strike="noStrike">
               <a:solidFill>
                 <a:srgbClr val="000000"/>
               </a:solidFill>
@@ -2591,7 +2591,7 @@
               </a:spcBef>
               <a:buNone/>
             </a:pPr>
-            <a:endParaRPr b="0" lang="en-US" sz="3200" spc="-1" strike="noStrike">
+            <a:endParaRPr b="0" lang="en-GB" sz="3200" spc="-1" strike="noStrike">
               <a:solidFill>
                 <a:srgbClr val="000000"/>
               </a:solidFill>
@@ -2634,7 +2634,7 @@
               </a:spcBef>
               <a:buNone/>
             </a:pPr>
-            <a:endParaRPr b="0" lang="en-US" sz="3200" spc="-1" strike="noStrike">
+            <a:endParaRPr b="0" lang="en-GB" sz="3200" spc="-1" strike="noStrike">
               <a:solidFill>
                 <a:srgbClr val="000000"/>
               </a:solidFill>
@@ -2696,7 +2696,7 @@
             <a:pPr indent="0" algn="ctr">
               <a:buNone/>
             </a:pPr>
-            <a:endParaRPr b="0" lang="en-US" sz="4400" spc="-1" strike="noStrike">
+            <a:endParaRPr b="0" lang="en-GB" sz="4400" spc="-1" strike="noStrike">
               <a:solidFill>
                 <a:srgbClr val="000000"/>
               </a:solidFill>
@@ -2739,7 +2739,7 @@
               </a:spcBef>
               <a:buNone/>
             </a:pPr>
-            <a:endParaRPr b="0" lang="en-US" sz="3200" spc="-1" strike="noStrike">
+            <a:endParaRPr b="0" lang="en-GB" sz="3200" spc="-1" strike="noStrike">
               <a:solidFill>
                 <a:srgbClr val="000000"/>
               </a:solidFill>
@@ -2782,7 +2782,7 @@
               </a:spcBef>
               <a:buNone/>
             </a:pPr>
-            <a:endParaRPr b="0" lang="en-US" sz="3200" spc="-1" strike="noStrike">
+            <a:endParaRPr b="0" lang="en-GB" sz="3200" spc="-1" strike="noStrike">
               <a:solidFill>
                 <a:srgbClr val="000000"/>
               </a:solidFill>
@@ -2825,7 +2825,7 @@
               </a:spcBef>
               <a:buNone/>
             </a:pPr>
-            <a:endParaRPr b="0" lang="en-US" sz="3200" spc="-1" strike="noStrike">
+            <a:endParaRPr b="0" lang="en-GB" sz="3200" spc="-1" strike="noStrike">
               <a:solidFill>
                 <a:srgbClr val="000000"/>
               </a:solidFill>
@@ -2887,7 +2887,7 @@
             <a:pPr indent="0" algn="ctr">
               <a:buNone/>
             </a:pPr>
-            <a:endParaRPr b="0" lang="en-US" sz="4400" spc="-1" strike="noStrike">
+            <a:endParaRPr b="0" lang="en-GB" sz="4400" spc="-1" strike="noStrike">
               <a:solidFill>
                 <a:srgbClr val="000000"/>
               </a:solidFill>
@@ -2930,7 +2930,7 @@
               </a:spcBef>
               <a:buNone/>
             </a:pPr>
-            <a:endParaRPr b="0" lang="en-US" sz="3200" spc="-1" strike="noStrike">
+            <a:endParaRPr b="0" lang="en-GB" sz="3200" spc="-1" strike="noStrike">
               <a:solidFill>
                 <a:srgbClr val="000000"/>
               </a:solidFill>
@@ -2973,7 +2973,7 @@
               </a:spcBef>
               <a:buNone/>
             </a:pPr>
-            <a:endParaRPr b="0" lang="en-US" sz="3200" spc="-1" strike="noStrike">
+            <a:endParaRPr b="0" lang="en-GB" sz="3200" spc="-1" strike="noStrike">
               <a:solidFill>
                 <a:srgbClr val="000000"/>
               </a:solidFill>
@@ -3035,7 +3035,7 @@
             <a:pPr indent="0" algn="ctr">
               <a:buNone/>
             </a:pPr>
-            <a:endParaRPr b="0" lang="en-US" sz="4400" spc="-1" strike="noStrike">
+            <a:endParaRPr b="0" lang="en-GB" sz="4400" spc="-1" strike="noStrike">
               <a:solidFill>
                 <a:srgbClr val="000000"/>
               </a:solidFill>
@@ -3078,7 +3078,7 @@
               </a:spcBef>
               <a:buNone/>
             </a:pPr>
-            <a:endParaRPr b="0" lang="en-US" sz="3200" spc="-1" strike="noStrike">
+            <a:endParaRPr b="0" lang="en-GB" sz="3200" spc="-1" strike="noStrike">
               <a:solidFill>
                 <a:srgbClr val="000000"/>
               </a:solidFill>
@@ -3121,7 +3121,7 @@
               </a:spcBef>
               <a:buNone/>
             </a:pPr>
-            <a:endParaRPr b="0" lang="en-US" sz="3200" spc="-1" strike="noStrike">
+            <a:endParaRPr b="0" lang="en-GB" sz="3200" spc="-1" strike="noStrike">
               <a:solidFill>
                 <a:srgbClr val="000000"/>
               </a:solidFill>
@@ -3164,7 +3164,7 @@
               </a:spcBef>
               <a:buNone/>
             </a:pPr>
-            <a:endParaRPr b="0" lang="en-US" sz="3200" spc="-1" strike="noStrike">
+            <a:endParaRPr b="0" lang="en-GB" sz="3200" spc="-1" strike="noStrike">
               <a:solidFill>
                 <a:srgbClr val="000000"/>
               </a:solidFill>
@@ -3207,7 +3207,7 @@
               </a:spcBef>
               <a:buNone/>
             </a:pPr>
-            <a:endParaRPr b="0" lang="en-US" sz="3200" spc="-1" strike="noStrike">
+            <a:endParaRPr b="0" lang="en-GB" sz="3200" spc="-1" strike="noStrike">
               <a:solidFill>
                 <a:srgbClr val="000000"/>
               </a:solidFill>
@@ -3269,7 +3269,7 @@
             <a:pPr indent="0" algn="ctr">
               <a:buNone/>
             </a:pPr>
-            <a:endParaRPr b="0" lang="en-US" sz="4400" spc="-1" strike="noStrike">
+            <a:endParaRPr b="0" lang="en-GB" sz="4400" spc="-1" strike="noStrike">
               <a:solidFill>
                 <a:srgbClr val="000000"/>
               </a:solidFill>
@@ -3312,7 +3312,7 @@
               </a:spcBef>
               <a:buNone/>
             </a:pPr>
-            <a:endParaRPr b="0" lang="en-US" sz="3200" spc="-1" strike="noStrike">
+            <a:endParaRPr b="0" lang="en-GB" sz="3200" spc="-1" strike="noStrike">
               <a:solidFill>
                 <a:srgbClr val="000000"/>
               </a:solidFill>
@@ -3355,7 +3355,7 @@
               </a:spcBef>
               <a:buNone/>
             </a:pPr>
-            <a:endParaRPr b="0" lang="en-US" sz="3200" spc="-1" strike="noStrike">
+            <a:endParaRPr b="0" lang="en-GB" sz="3200" spc="-1" strike="noStrike">
               <a:solidFill>
                 <a:srgbClr val="000000"/>
               </a:solidFill>
@@ -3398,7 +3398,7 @@
               </a:spcBef>
               <a:buNone/>
             </a:pPr>
-            <a:endParaRPr b="0" lang="en-US" sz="3200" spc="-1" strike="noStrike">
+            <a:endParaRPr b="0" lang="en-GB" sz="3200" spc="-1" strike="noStrike">
               <a:solidFill>
                 <a:srgbClr val="000000"/>
               </a:solidFill>
@@ -3441,7 +3441,7 @@
               </a:spcBef>
               <a:buNone/>
             </a:pPr>
-            <a:endParaRPr b="0" lang="en-US" sz="3200" spc="-1" strike="noStrike">
+            <a:endParaRPr b="0" lang="en-GB" sz="3200" spc="-1" strike="noStrike">
               <a:solidFill>
                 <a:srgbClr val="000000"/>
               </a:solidFill>
@@ -3484,7 +3484,7 @@
               </a:spcBef>
               <a:buNone/>
             </a:pPr>
-            <a:endParaRPr b="0" lang="en-US" sz="3200" spc="-1" strike="noStrike">
+            <a:endParaRPr b="0" lang="en-GB" sz="3200" spc="-1" strike="noStrike">
               <a:solidFill>
                 <a:srgbClr val="000000"/>
               </a:solidFill>
@@ -3527,7 +3527,7 @@
               </a:spcBef>
               <a:buNone/>
             </a:pPr>
-            <a:endParaRPr b="0" lang="en-US" sz="3200" spc="-1" strike="noStrike">
+            <a:endParaRPr b="0" lang="en-GB" sz="3200" spc="-1" strike="noStrike">
               <a:solidFill>
                 <a:srgbClr val="000000"/>
               </a:solidFill>
@@ -3589,7 +3589,7 @@
             <a:pPr indent="0" algn="ctr">
               <a:buNone/>
             </a:pPr>
-            <a:endParaRPr b="0" lang="en-US" sz="4400" spc="-1" strike="noStrike">
+            <a:endParaRPr b="0" lang="en-GB" sz="4400" spc="-1" strike="noStrike">
               <a:solidFill>
                 <a:srgbClr val="000000"/>
               </a:solidFill>
@@ -3632,7 +3632,7 @@
               </a:spcBef>
               <a:buNone/>
             </a:pPr>
-            <a:endParaRPr b="0" lang="en-US" sz="3200" spc="-1" strike="noStrike">
+            <a:endParaRPr b="0" lang="en-GB" sz="3200" spc="-1" strike="noStrike">
               <a:solidFill>
                 <a:srgbClr val="000000"/>
               </a:solidFill>
@@ -3694,7 +3694,7 @@
             <a:pPr indent="0" algn="ctr">
               <a:buNone/>
             </a:pPr>
-            <a:endParaRPr b="0" lang="en-US" sz="4400" spc="-1" strike="noStrike">
+            <a:endParaRPr b="0" lang="en-GB" sz="4400" spc="-1" strike="noStrike">
               <a:solidFill>
                 <a:srgbClr val="000000"/>
               </a:solidFill>
@@ -3737,7 +3737,7 @@
               </a:spcBef>
               <a:buNone/>
             </a:pPr>
-            <a:endParaRPr b="0" lang="en-US" sz="3200" spc="-1" strike="noStrike">
+            <a:endParaRPr b="0" lang="en-GB" sz="3200" spc="-1" strike="noStrike">
               <a:solidFill>
                 <a:srgbClr val="000000"/>
               </a:solidFill>
@@ -3780,7 +3780,7 @@
               </a:spcBef>
               <a:buNone/>
             </a:pPr>
-            <a:endParaRPr b="0" lang="en-US" sz="3200" spc="-1" strike="noStrike">
+            <a:endParaRPr b="0" lang="en-GB" sz="3200" spc="-1" strike="noStrike">
               <a:solidFill>
                 <a:srgbClr val="000000"/>
               </a:solidFill>
@@ -3842,7 +3842,7 @@
             <a:pPr indent="0" algn="ctr">
               <a:buNone/>
             </a:pPr>
-            <a:endParaRPr b="0" lang="en-US" sz="4400" spc="-1" strike="noStrike">
+            <a:endParaRPr b="0" lang="en-GB" sz="4400" spc="-1" strike="noStrike">
               <a:solidFill>
                 <a:srgbClr val="000000"/>
               </a:solidFill>
@@ -3902,7 +3902,7 @@
           </a:bodyPr>
           <a:p>
             <a:pPr algn="ctr"/>
-            <a:endParaRPr b="0" lang="en-US" sz="3200" spc="-1" strike="noStrike">
+            <a:endParaRPr b="0" lang="en-GB" sz="3200" spc="-1" strike="noStrike">
               <a:solidFill>
                 <a:srgbClr val="000000"/>
               </a:solidFill>
@@ -3964,7 +3964,7 @@
             <a:pPr indent="0" algn="ctr">
               <a:buNone/>
             </a:pPr>
-            <a:endParaRPr b="0" lang="en-US" sz="4400" spc="-1" strike="noStrike">
+            <a:endParaRPr b="0" lang="en-GB" sz="4400" spc="-1" strike="noStrike">
               <a:solidFill>
                 <a:srgbClr val="000000"/>
               </a:solidFill>
@@ -4007,7 +4007,7 @@
               </a:spcBef>
               <a:buNone/>
             </a:pPr>
-            <a:endParaRPr b="0" lang="en-US" sz="3200" spc="-1" strike="noStrike">
+            <a:endParaRPr b="0" lang="en-GB" sz="3200" spc="-1" strike="noStrike">
               <a:solidFill>
                 <a:srgbClr val="000000"/>
               </a:solidFill>
@@ -4050,7 +4050,7 @@
               </a:spcBef>
               <a:buNone/>
             </a:pPr>
-            <a:endParaRPr b="0" lang="en-US" sz="3200" spc="-1" strike="noStrike">
+            <a:endParaRPr b="0" lang="en-GB" sz="3200" spc="-1" strike="noStrike">
               <a:solidFill>
                 <a:srgbClr val="000000"/>
               </a:solidFill>
@@ -4093,7 +4093,7 @@
               </a:spcBef>
               <a:buNone/>
             </a:pPr>
-            <a:endParaRPr b="0" lang="en-US" sz="3200" spc="-1" strike="noStrike">
+            <a:endParaRPr b="0" lang="en-GB" sz="3200" spc="-1" strike="noStrike">
               <a:solidFill>
                 <a:srgbClr val="000000"/>
               </a:solidFill>
@@ -4155,7 +4155,7 @@
             <a:pPr indent="0" algn="ctr">
               <a:buNone/>
             </a:pPr>
-            <a:endParaRPr b="0" lang="en-US" sz="4400" spc="-1" strike="noStrike">
+            <a:endParaRPr b="0" lang="en-GB" sz="4400" spc="-1" strike="noStrike">
               <a:solidFill>
                 <a:srgbClr val="000000"/>
               </a:solidFill>
@@ -4198,7 +4198,7 @@
               </a:spcBef>
               <a:buNone/>
             </a:pPr>
-            <a:endParaRPr b="0" lang="en-US" sz="3200" spc="-1" strike="noStrike">
+            <a:endParaRPr b="0" lang="en-GB" sz="3200" spc="-1" strike="noStrike">
               <a:solidFill>
                 <a:srgbClr val="000000"/>
               </a:solidFill>
@@ -4241,7 +4241,7 @@
               </a:spcBef>
               <a:buNone/>
             </a:pPr>
-            <a:endParaRPr b="0" lang="en-US" sz="3200" spc="-1" strike="noStrike">
+            <a:endParaRPr b="0" lang="en-GB" sz="3200" spc="-1" strike="noStrike">
               <a:solidFill>
                 <a:srgbClr val="000000"/>
               </a:solidFill>
@@ -4284,7 +4284,7 @@
               </a:spcBef>
               <a:buNone/>
             </a:pPr>
-            <a:endParaRPr b="0" lang="en-US" sz="3200" spc="-1" strike="noStrike">
+            <a:endParaRPr b="0" lang="en-GB" sz="3200" spc="-1" strike="noStrike">
               <a:solidFill>
                 <a:srgbClr val="000000"/>
               </a:solidFill>
@@ -4346,7 +4346,7 @@
             <a:pPr indent="0" algn="ctr">
               <a:buNone/>
             </a:pPr>
-            <a:endParaRPr b="0" lang="en-US" sz="4400" spc="-1" strike="noStrike">
+            <a:endParaRPr b="0" lang="en-GB" sz="4400" spc="-1" strike="noStrike">
               <a:solidFill>
                 <a:srgbClr val="000000"/>
               </a:solidFill>
@@ -4389,7 +4389,7 @@
               </a:spcBef>
               <a:buNone/>
             </a:pPr>
-            <a:endParaRPr b="0" lang="en-US" sz="3200" spc="-1" strike="noStrike">
+            <a:endParaRPr b="0" lang="en-GB" sz="3200" spc="-1" strike="noStrike">
               <a:solidFill>
                 <a:srgbClr val="000000"/>
               </a:solidFill>
@@ -4432,7 +4432,7 @@
               </a:spcBef>
               <a:buNone/>
             </a:pPr>
-            <a:endParaRPr b="0" lang="en-US" sz="3200" spc="-1" strike="noStrike">
+            <a:endParaRPr b="0" lang="en-GB" sz="3200" spc="-1" strike="noStrike">
               <a:solidFill>
                 <a:srgbClr val="000000"/>
               </a:solidFill>
@@ -4475,7 +4475,7 @@
               </a:spcBef>
               <a:buNone/>
             </a:pPr>
-            <a:endParaRPr b="0" lang="en-US" sz="3200" spc="-1" strike="noStrike">
+            <a:endParaRPr b="0" lang="en-GB" sz="3200" spc="-1" strike="noStrike">
               <a:solidFill>
                 <a:srgbClr val="000000"/>
               </a:solidFill>
@@ -4522,7 +4522,7 @@
         <p:spPr>
           <a:xfrm>
             <a:off x="11444760" y="0"/>
-            <a:ext cx="744120" cy="6852960"/>
+            <a:ext cx="743760" cy="6852600"/>
           </a:xfrm>
           <a:prstGeom prst="rect">
             <a:avLst/>
@@ -4571,7 +4571,7 @@
         <p:spPr>
           <a:xfrm>
             <a:off x="11438640" y="6453360"/>
-            <a:ext cx="761040" cy="363960"/>
+            <a:ext cx="760680" cy="363960"/>
           </a:xfrm>
           <a:prstGeom prst="rect">
             <a:avLst/>
@@ -4597,7 +4597,7 @@
                 <a:spcPct val="100000"/>
               </a:lnSpc>
             </a:pPr>
-            <a:fld id="{0A8A5EDC-FF26-44E3-8E99-E4604F0480D6}" type="slidenum">
+            <a:fld id="{78A16490-4D89-44D4-9197-4F7B2E57A79D}" type="slidenum">
               <a:rPr b="0" lang="en-US" sz="1800" spc="-1" strike="noStrike">
                 <a:solidFill>
                   <a:srgbClr val="808080"/>
@@ -4607,7 +4607,7 @@
               </a:rPr>
               <a:t>&lt;number&gt;</a:t>
             </a:fld>
-            <a:endParaRPr b="0" lang="en-US" sz="1800" spc="-1" strike="noStrike">
+            <a:endParaRPr b="0" lang="en-GB" sz="1800" spc="-1" strike="noStrike">
               <a:solidFill>
                 <a:srgbClr val="000000"/>
               </a:solidFill>
@@ -4625,7 +4625,7 @@
         <p:spPr>
           <a:xfrm>
             <a:off x="912240" y="1268280"/>
-            <a:ext cx="9210960" cy="364320"/>
+            <a:ext cx="9210600" cy="363960"/>
           </a:xfrm>
           <a:prstGeom prst="rect">
             <a:avLst/>
@@ -4674,7 +4674,7 @@
         <p:spPr>
           <a:xfrm>
             <a:off x="0" y="0"/>
-            <a:ext cx="3054960" cy="564840"/>
+            <a:ext cx="3054600" cy="564480"/>
           </a:xfrm>
           <a:prstGeom prst="rect">
             <a:avLst/>
@@ -4697,7 +4697,7 @@
         <p:spPr>
           <a:xfrm>
             <a:off x="7430400" y="134640"/>
-            <a:ext cx="3700800" cy="516960"/>
+            <a:ext cx="3700440" cy="516600"/>
           </a:xfrm>
           <a:prstGeom prst="rect">
             <a:avLst/>
@@ -4716,7 +4716,7 @@
         <p:spPr>
           <a:xfrm>
             <a:off x="912240" y="1268280"/>
-            <a:ext cx="9210960" cy="364320"/>
+            <a:ext cx="9210600" cy="363960"/>
           </a:xfrm>
           <a:prstGeom prst="rect">
             <a:avLst/>
@@ -4761,7 +4761,7 @@
         <p:spPr>
           <a:xfrm>
             <a:off x="11444760" y="0"/>
-            <a:ext cx="744120" cy="6852960"/>
+            <a:ext cx="743760" cy="6852600"/>
           </a:xfrm>
           <a:prstGeom prst="rect">
             <a:avLst/>
@@ -4810,7 +4810,7 @@
         <p:spPr>
           <a:xfrm>
             <a:off x="0" y="6642720"/>
-            <a:ext cx="12187080" cy="211320"/>
+            <a:ext cx="12186720" cy="211320"/>
           </a:xfrm>
           <a:prstGeom prst="rect">
             <a:avLst/>
@@ -4846,7 +4846,7 @@
               </a:rPr>
               <a:t>Requirements Engineering – TU Clausthal</a:t>
             </a:r>
-            <a:endParaRPr b="0" lang="en-US" sz="800" spc="-1" strike="noStrike">
+            <a:endParaRPr b="0" lang="en-GB" sz="800" spc="-1" strike="noStrike">
               <a:solidFill>
                 <a:srgbClr val="000000"/>
               </a:solidFill>
@@ -4887,7 +4887,7 @@
               <a:buNone/>
             </a:pPr>
             <a:r>
-              <a:rPr b="0" lang="en-US" sz="4400" spc="-1" strike="noStrike">
+              <a:rPr b="0" lang="en-GB" sz="4400" spc="-1" strike="noStrike">
                 <a:solidFill>
                   <a:srgbClr val="000000"/>
                 </a:solidFill>
@@ -4895,7 +4895,7 @@
               </a:rPr>
               <a:t>Click to edit the title text format</a:t>
             </a:r>
-            <a:endParaRPr b="0" lang="en-US" sz="4400" spc="-1" strike="noStrike">
+            <a:endParaRPr b="0" lang="en-GB" sz="4400" spc="-1" strike="noStrike">
               <a:solidFill>
                 <a:srgbClr val="000000"/>
               </a:solidFill>
@@ -4944,7 +4944,7 @@
               <a:buChar char=""/>
             </a:pPr>
             <a:r>
-              <a:rPr b="0" lang="en-US" sz="3200" spc="-1" strike="noStrike">
+              <a:rPr b="0" lang="en-GB" sz="3200" spc="-1" strike="noStrike">
                 <a:solidFill>
                   <a:srgbClr val="000000"/>
                 </a:solidFill>
@@ -4952,7 +4952,7 @@
               </a:rPr>
               <a:t>Click to edit the outline text format</a:t>
             </a:r>
-            <a:endParaRPr b="0" lang="en-US" sz="3200" spc="-1" strike="noStrike">
+            <a:endParaRPr b="0" lang="en-GB" sz="3200" spc="-1" strike="noStrike">
               <a:solidFill>
                 <a:srgbClr val="000000"/>
               </a:solidFill>
@@ -4972,7 +4972,7 @@
               <a:buChar char=""/>
             </a:pPr>
             <a:r>
-              <a:rPr b="0" lang="en-US" sz="2800" spc="-1" strike="noStrike">
+              <a:rPr b="0" lang="en-GB" sz="2800" spc="-1" strike="noStrike">
                 <a:solidFill>
                   <a:srgbClr val="000000"/>
                 </a:solidFill>
@@ -4980,7 +4980,7 @@
               </a:rPr>
               <a:t>Second Outline Level</a:t>
             </a:r>
-            <a:endParaRPr b="0" lang="en-US" sz="2800" spc="-1" strike="noStrike">
+            <a:endParaRPr b="0" lang="en-GB" sz="2800" spc="-1" strike="noStrike">
               <a:solidFill>
                 <a:srgbClr val="000000"/>
               </a:solidFill>
@@ -5000,7 +5000,7 @@
               <a:buChar char=""/>
             </a:pPr>
             <a:r>
-              <a:rPr b="0" lang="en-US" sz="2400" spc="-1" strike="noStrike">
+              <a:rPr b="0" lang="en-GB" sz="2400" spc="-1" strike="noStrike">
                 <a:solidFill>
                   <a:srgbClr val="000000"/>
                 </a:solidFill>
@@ -5008,7 +5008,7 @@
               </a:rPr>
               <a:t>Third Outline Level</a:t>
             </a:r>
-            <a:endParaRPr b="0" lang="en-US" sz="2400" spc="-1" strike="noStrike">
+            <a:endParaRPr b="0" lang="en-GB" sz="2400" spc="-1" strike="noStrike">
               <a:solidFill>
                 <a:srgbClr val="000000"/>
               </a:solidFill>
@@ -5028,7 +5028,7 @@
               <a:buChar char=""/>
             </a:pPr>
             <a:r>
-              <a:rPr b="0" lang="en-US" sz="2000" spc="-1" strike="noStrike">
+              <a:rPr b="0" lang="en-GB" sz="2000" spc="-1" strike="noStrike">
                 <a:solidFill>
                   <a:srgbClr val="000000"/>
                 </a:solidFill>
@@ -5036,7 +5036,7 @@
               </a:rPr>
               <a:t>Fourth Outline Level</a:t>
             </a:r>
-            <a:endParaRPr b="0" lang="en-US" sz="2000" spc="-1" strike="noStrike">
+            <a:endParaRPr b="0" lang="en-GB" sz="2000" spc="-1" strike="noStrike">
               <a:solidFill>
                 <a:srgbClr val="000000"/>
               </a:solidFill>
@@ -5056,7 +5056,7 @@
               <a:buChar char=""/>
             </a:pPr>
             <a:r>
-              <a:rPr b="0" lang="en-US" sz="2000" spc="-1" strike="noStrike">
+              <a:rPr b="0" lang="en-GB" sz="2000" spc="-1" strike="noStrike">
                 <a:solidFill>
                   <a:srgbClr val="000000"/>
                 </a:solidFill>
@@ -5064,7 +5064,7 @@
               </a:rPr>
               <a:t>Fifth Outline Level</a:t>
             </a:r>
-            <a:endParaRPr b="0" lang="en-US" sz="2000" spc="-1" strike="noStrike">
+            <a:endParaRPr b="0" lang="en-GB" sz="2000" spc="-1" strike="noStrike">
               <a:solidFill>
                 <a:srgbClr val="000000"/>
               </a:solidFill>
@@ -5084,7 +5084,7 @@
               <a:buChar char=""/>
             </a:pPr>
             <a:r>
-              <a:rPr b="0" lang="en-US" sz="2000" spc="-1" strike="noStrike">
+              <a:rPr b="0" lang="en-GB" sz="2000" spc="-1" strike="noStrike">
                 <a:solidFill>
                   <a:srgbClr val="000000"/>
                 </a:solidFill>
@@ -5092,7 +5092,7 @@
               </a:rPr>
               <a:t>Sixth Outline Level</a:t>
             </a:r>
-            <a:endParaRPr b="0" lang="en-US" sz="2000" spc="-1" strike="noStrike">
+            <a:endParaRPr b="0" lang="en-GB" sz="2000" spc="-1" strike="noStrike">
               <a:solidFill>
                 <a:srgbClr val="000000"/>
               </a:solidFill>
@@ -5112,7 +5112,7 @@
               <a:buChar char=""/>
             </a:pPr>
             <a:r>
-              <a:rPr b="0" lang="en-US" sz="2000" spc="-1" strike="noStrike">
+              <a:rPr b="0" lang="en-GB" sz="2000" spc="-1" strike="noStrike">
                 <a:solidFill>
                   <a:srgbClr val="000000"/>
                 </a:solidFill>
@@ -5120,7 +5120,7 @@
               </a:rPr>
               <a:t>Seventh Outline Level</a:t>
             </a:r>
-            <a:endParaRPr b="0" lang="en-US" sz="2000" spc="-1" strike="noStrike">
+            <a:endParaRPr b="0" lang="en-GB" sz="2000" spc="-1" strike="noStrike">
               <a:solidFill>
                 <a:srgbClr val="000000"/>
               </a:solidFill>
@@ -5182,7 +5182,7 @@
         <p:spPr>
           <a:xfrm>
             <a:off x="11444760" y="0"/>
-            <a:ext cx="744120" cy="6852960"/>
+            <a:ext cx="743760" cy="6852600"/>
           </a:xfrm>
           <a:prstGeom prst="rect">
             <a:avLst/>
@@ -5231,7 +5231,7 @@
         <p:spPr>
           <a:xfrm>
             <a:off x="11438640" y="6453360"/>
-            <a:ext cx="761040" cy="363960"/>
+            <a:ext cx="760680" cy="363960"/>
           </a:xfrm>
           <a:prstGeom prst="rect">
             <a:avLst/>
@@ -5257,7 +5257,7 @@
                 <a:spcPct val="100000"/>
               </a:lnSpc>
             </a:pPr>
-            <a:fld id="{A503B81D-5FB8-4514-BDF1-F91BC2DE14E2}" type="slidenum">
+            <a:fld id="{A3A522E3-A73B-424B-92E7-DD034F2926CE}" type="slidenum">
               <a:rPr b="0" lang="en-US" sz="1800" spc="-1" strike="noStrike">
                 <a:solidFill>
                   <a:srgbClr val="808080"/>
@@ -5267,7 +5267,7 @@
               </a:rPr>
               <a:t>&lt;number&gt;</a:t>
             </a:fld>
-            <a:endParaRPr b="0" lang="en-US" sz="1800" spc="-1" strike="noStrike">
+            <a:endParaRPr b="0" lang="en-GB" sz="1800" spc="-1" strike="noStrike">
               <a:solidFill>
                 <a:srgbClr val="000000"/>
               </a:solidFill>
@@ -5285,7 +5285,7 @@
         <p:spPr>
           <a:xfrm>
             <a:off x="912240" y="1268280"/>
-            <a:ext cx="9210960" cy="364320"/>
+            <a:ext cx="9210600" cy="363960"/>
           </a:xfrm>
           <a:prstGeom prst="rect">
             <a:avLst/>
@@ -5334,7 +5334,7 @@
         <p:spPr>
           <a:xfrm>
             <a:off x="0" y="0"/>
-            <a:ext cx="3054960" cy="564840"/>
+            <a:ext cx="3054600" cy="564480"/>
           </a:xfrm>
           <a:prstGeom prst="rect">
             <a:avLst/>
@@ -5357,7 +5357,7 @@
         <p:spPr>
           <a:xfrm>
             <a:off x="7430400" y="134640"/>
-            <a:ext cx="3700800" cy="516960"/>
+            <a:ext cx="3700440" cy="516600"/>
           </a:xfrm>
           <a:prstGeom prst="rect">
             <a:avLst/>
@@ -5376,7 +5376,7 @@
         <p:spPr>
           <a:xfrm>
             <a:off x="11444760" y="0"/>
-            <a:ext cx="744120" cy="6852960"/>
+            <a:ext cx="743760" cy="6852600"/>
           </a:xfrm>
           <a:prstGeom prst="rect">
             <a:avLst/>
@@ -5425,7 +5425,7 @@
         <p:spPr>
           <a:xfrm>
             <a:off x="11438640" y="6453360"/>
-            <a:ext cx="761040" cy="363960"/>
+            <a:ext cx="760680" cy="363960"/>
           </a:xfrm>
           <a:prstGeom prst="rect">
             <a:avLst/>
@@ -5451,7 +5451,7 @@
                 <a:spcPct val="100000"/>
               </a:lnSpc>
             </a:pPr>
-            <a:fld id="{0CFCF3C7-3572-4E86-813A-89F51A5FD7CA}" type="slidenum">
+            <a:fld id="{0C636CCB-4772-4521-B718-4828924FC401}" type="slidenum">
               <a:rPr b="0" lang="en-US" sz="1800" spc="-1" strike="noStrike">
                 <a:solidFill>
                   <a:srgbClr val="808080"/>
@@ -5461,7 +5461,7 @@
               </a:rPr>
               <a:t>&lt;number&gt;</a:t>
             </a:fld>
-            <a:endParaRPr b="0" lang="en-US" sz="1800" spc="-1" strike="noStrike">
+            <a:endParaRPr b="0" lang="en-GB" sz="1800" spc="-1" strike="noStrike">
               <a:solidFill>
                 <a:srgbClr val="000000"/>
               </a:solidFill>
@@ -5479,7 +5479,7 @@
         <p:spPr>
           <a:xfrm>
             <a:off x="0" y="6642720"/>
-            <a:ext cx="12187080" cy="211320"/>
+            <a:ext cx="12186720" cy="211320"/>
           </a:xfrm>
           <a:prstGeom prst="rect">
             <a:avLst/>
@@ -5515,7 +5515,7 @@
               </a:rPr>
               <a:t>Requirements Engineering – TU Clausthal</a:t>
             </a:r>
-            <a:endParaRPr b="0" lang="en-US" sz="800" spc="-1" strike="noStrike">
+            <a:endParaRPr b="0" lang="en-GB" sz="800" spc="-1" strike="noStrike">
               <a:solidFill>
                 <a:srgbClr val="000000"/>
               </a:solidFill>
@@ -5556,7 +5556,7 @@
               <a:buNone/>
             </a:pPr>
             <a:r>
-              <a:rPr b="0" lang="en-US" sz="4400" spc="-1" strike="noStrike">
+              <a:rPr b="0" lang="en-GB" sz="4400" spc="-1" strike="noStrike">
                 <a:solidFill>
                   <a:srgbClr val="000000"/>
                 </a:solidFill>
@@ -5564,7 +5564,7 @@
               </a:rPr>
               <a:t>Click to edit the title text format</a:t>
             </a:r>
-            <a:endParaRPr b="0" lang="en-US" sz="4400" spc="-1" strike="noStrike">
+            <a:endParaRPr b="0" lang="en-GB" sz="4400" spc="-1" strike="noStrike">
               <a:solidFill>
                 <a:srgbClr val="000000"/>
               </a:solidFill>
@@ -5613,7 +5613,7 @@
               <a:buChar char=""/>
             </a:pPr>
             <a:r>
-              <a:rPr b="0" lang="en-US" sz="3200" spc="-1" strike="noStrike">
+              <a:rPr b="0" lang="en-GB" sz="3200" spc="-1" strike="noStrike">
                 <a:solidFill>
                   <a:srgbClr val="000000"/>
                 </a:solidFill>
@@ -5621,7 +5621,7 @@
               </a:rPr>
               <a:t>Click to edit the outline text format</a:t>
             </a:r>
-            <a:endParaRPr b="0" lang="en-US" sz="3200" spc="-1" strike="noStrike">
+            <a:endParaRPr b="0" lang="en-GB" sz="3200" spc="-1" strike="noStrike">
               <a:solidFill>
                 <a:srgbClr val="000000"/>
               </a:solidFill>
@@ -5641,7 +5641,7 @@
               <a:buChar char=""/>
             </a:pPr>
             <a:r>
-              <a:rPr b="0" lang="en-US" sz="2800" spc="-1" strike="noStrike">
+              <a:rPr b="0" lang="en-GB" sz="2800" spc="-1" strike="noStrike">
                 <a:solidFill>
                   <a:srgbClr val="000000"/>
                 </a:solidFill>
@@ -5649,7 +5649,7 @@
               </a:rPr>
               <a:t>Second Outline Level</a:t>
             </a:r>
-            <a:endParaRPr b="0" lang="en-US" sz="2800" spc="-1" strike="noStrike">
+            <a:endParaRPr b="0" lang="en-GB" sz="2800" spc="-1" strike="noStrike">
               <a:solidFill>
                 <a:srgbClr val="000000"/>
               </a:solidFill>
@@ -5669,7 +5669,7 @@
               <a:buChar char=""/>
             </a:pPr>
             <a:r>
-              <a:rPr b="0" lang="en-US" sz="2400" spc="-1" strike="noStrike">
+              <a:rPr b="0" lang="en-GB" sz="2400" spc="-1" strike="noStrike">
                 <a:solidFill>
                   <a:srgbClr val="000000"/>
                 </a:solidFill>
@@ -5677,7 +5677,7 @@
               </a:rPr>
               <a:t>Third Outline Level</a:t>
             </a:r>
-            <a:endParaRPr b="0" lang="en-US" sz="2400" spc="-1" strike="noStrike">
+            <a:endParaRPr b="0" lang="en-GB" sz="2400" spc="-1" strike="noStrike">
               <a:solidFill>
                 <a:srgbClr val="000000"/>
               </a:solidFill>
@@ -5697,7 +5697,7 @@
               <a:buChar char=""/>
             </a:pPr>
             <a:r>
-              <a:rPr b="0" lang="en-US" sz="2000" spc="-1" strike="noStrike">
+              <a:rPr b="0" lang="en-GB" sz="2000" spc="-1" strike="noStrike">
                 <a:solidFill>
                   <a:srgbClr val="000000"/>
                 </a:solidFill>
@@ -5705,7 +5705,7 @@
               </a:rPr>
               <a:t>Fourth Outline Level</a:t>
             </a:r>
-            <a:endParaRPr b="0" lang="en-US" sz="2000" spc="-1" strike="noStrike">
+            <a:endParaRPr b="0" lang="en-GB" sz="2000" spc="-1" strike="noStrike">
               <a:solidFill>
                 <a:srgbClr val="000000"/>
               </a:solidFill>
@@ -5725,7 +5725,7 @@
               <a:buChar char=""/>
             </a:pPr>
             <a:r>
-              <a:rPr b="0" lang="en-US" sz="2000" spc="-1" strike="noStrike">
+              <a:rPr b="0" lang="en-GB" sz="2000" spc="-1" strike="noStrike">
                 <a:solidFill>
                   <a:srgbClr val="000000"/>
                 </a:solidFill>
@@ -5733,7 +5733,7 @@
               </a:rPr>
               <a:t>Fifth Outline Level</a:t>
             </a:r>
-            <a:endParaRPr b="0" lang="en-US" sz="2000" spc="-1" strike="noStrike">
+            <a:endParaRPr b="0" lang="en-GB" sz="2000" spc="-1" strike="noStrike">
               <a:solidFill>
                 <a:srgbClr val="000000"/>
               </a:solidFill>
@@ -5753,7 +5753,7 @@
               <a:buChar char=""/>
             </a:pPr>
             <a:r>
-              <a:rPr b="0" lang="en-US" sz="2000" spc="-1" strike="noStrike">
+              <a:rPr b="0" lang="en-GB" sz="2000" spc="-1" strike="noStrike">
                 <a:solidFill>
                   <a:srgbClr val="000000"/>
                 </a:solidFill>
@@ -5761,7 +5761,7 @@
               </a:rPr>
               <a:t>Sixth Outline Level</a:t>
             </a:r>
-            <a:endParaRPr b="0" lang="en-US" sz="2000" spc="-1" strike="noStrike">
+            <a:endParaRPr b="0" lang="en-GB" sz="2000" spc="-1" strike="noStrike">
               <a:solidFill>
                 <a:srgbClr val="000000"/>
               </a:solidFill>
@@ -5781,7 +5781,7 @@
               <a:buChar char=""/>
             </a:pPr>
             <a:r>
-              <a:rPr b="0" lang="en-US" sz="2000" spc="-1" strike="noStrike">
+              <a:rPr b="0" lang="en-GB" sz="2000" spc="-1" strike="noStrike">
                 <a:solidFill>
                   <a:srgbClr val="000000"/>
                 </a:solidFill>
@@ -5789,7 +5789,7 @@
               </a:rPr>
               <a:t>Seventh Outline Level</a:t>
             </a:r>
-            <a:endParaRPr b="0" lang="en-US" sz="2000" spc="-1" strike="noStrike">
+            <a:endParaRPr b="0" lang="en-GB" sz="2000" spc="-1" strike="noStrike">
               <a:solidFill>
                 <a:srgbClr val="000000"/>
               </a:solidFill>
@@ -5844,7 +5844,7 @@
         <p:spPr>
           <a:xfrm>
             <a:off x="527400" y="1412640"/>
-            <a:ext cx="10364040" cy="1150560"/>
+            <a:ext cx="10363680" cy="1150200"/>
           </a:xfrm>
           <a:prstGeom prst="rect">
             <a:avLst/>
@@ -5880,7 +5880,7 @@
               </a:rPr>
               <a:t>Requirement Engineering</a:t>
             </a:r>
-            <a:endParaRPr b="0" lang="en-US" sz="3200" spc="-1" strike="noStrike">
+            <a:endParaRPr b="0" lang="en-GB" sz="3200" spc="-1" strike="noStrike">
               <a:solidFill>
                 <a:srgbClr val="000000"/>
               </a:solidFill>
@@ -5898,7 +5898,7 @@
         <p:spPr>
           <a:xfrm>
             <a:off x="527400" y="2852640"/>
-            <a:ext cx="10364040" cy="2371320"/>
+            <a:ext cx="10363680" cy="2370960"/>
           </a:xfrm>
           <a:prstGeom prst="rect">
             <a:avLst/>
@@ -5940,7 +5940,7 @@
               </a:rPr>
               <a:t>Lecture 0: Organization</a:t>
             </a:r>
-            <a:endParaRPr b="0" lang="en-US" sz="2400" spc="-1" strike="noStrike">
+            <a:endParaRPr b="0" lang="en-GB" sz="2400" spc="-1" strike="noStrike">
               <a:solidFill>
                 <a:srgbClr val="000000"/>
               </a:solidFill>
@@ -5959,7 +5959,7 @@
                 <a:tab algn="l" pos="0"/>
               </a:tabLst>
             </a:pPr>
-            <a:endParaRPr b="0" lang="en-US" sz="2400" spc="-1" strike="noStrike">
+            <a:endParaRPr b="0" lang="en-GB" sz="2400" spc="-1" strike="noStrike">
               <a:solidFill>
                 <a:srgbClr val="000000"/>
               </a:solidFill>
@@ -5978,7 +5978,7 @@
                 <a:tab algn="l" pos="0"/>
               </a:tabLst>
             </a:pPr>
-            <a:endParaRPr b="0" lang="en-US" sz="2400" spc="-1" strike="noStrike">
+            <a:endParaRPr b="0" lang="en-GB" sz="2400" spc="-1" strike="noStrike">
               <a:solidFill>
                 <a:srgbClr val="000000"/>
               </a:solidFill>
@@ -5997,7 +5997,7 @@
                 <a:tab algn="l" pos="0"/>
               </a:tabLst>
             </a:pPr>
-            <a:endParaRPr b="0" lang="en-US" sz="2400" spc="-1" strike="noStrike">
+            <a:endParaRPr b="0" lang="en-GB" sz="2400" spc="-1" strike="noStrike">
               <a:solidFill>
                 <a:srgbClr val="000000"/>
               </a:solidFill>
@@ -6026,7 +6026,7 @@
               </a:rPr>
               <a:t>Prof. Dr. Benjamin Leiding</a:t>
             </a:r>
-            <a:endParaRPr b="0" lang="en-US" sz="1600" spc="-1" strike="noStrike">
+            <a:endParaRPr b="0" lang="en-GB" sz="1600" spc="-1" strike="noStrike">
               <a:solidFill>
                 <a:srgbClr val="000000"/>
               </a:solidFill>
@@ -6055,7 +6055,7 @@
               </a:rPr>
               <a:t>M.Sc. Anant Sujatanagarjuna</a:t>
             </a:r>
-            <a:endParaRPr b="0" lang="en-US" sz="1600" spc="-1" strike="noStrike">
+            <a:endParaRPr b="0" lang="en-GB" sz="1600" spc="-1" strike="noStrike">
               <a:solidFill>
                 <a:srgbClr val="000000"/>
               </a:solidFill>
@@ -6103,7 +6103,7 @@
         <p:spPr>
           <a:xfrm>
             <a:off x="539640" y="764640"/>
-            <a:ext cx="10748160" cy="498960"/>
+            <a:ext cx="10747800" cy="498600"/>
           </a:xfrm>
           <a:prstGeom prst="rect">
             <a:avLst/>
@@ -6139,7 +6139,7 @@
               </a:rPr>
               <a:t>Exercises</a:t>
             </a:r>
-            <a:endParaRPr b="0" lang="en-US" sz="2400" spc="-1" strike="noStrike">
+            <a:endParaRPr b="0" lang="en-GB" sz="2400" spc="-1" strike="noStrike">
               <a:solidFill>
                 <a:srgbClr val="000000"/>
               </a:solidFill>
@@ -6157,7 +6157,7 @@
         <p:spPr>
           <a:xfrm>
             <a:off x="539640" y="1268640"/>
-            <a:ext cx="10748160" cy="5035680"/>
+            <a:ext cx="10747800" cy="5035320"/>
           </a:xfrm>
           <a:prstGeom prst="rect">
             <a:avLst/>
@@ -6202,7 +6202,7 @@
               </a:rPr>
               <a:t>09.11.2022 → Exercise 01 – Knowledge Test (MC)</a:t>
             </a:r>
-            <a:endParaRPr b="0" lang="en-US" sz="1800" spc="-1" strike="noStrike">
+            <a:endParaRPr b="0" lang="en-GB" sz="1800" spc="-1" strike="noStrike">
               <a:solidFill>
                 <a:srgbClr val="000000"/>
               </a:solidFill>
@@ -6234,7 +6234,7 @@
               </a:rPr>
               <a:t>23.11.2022 → Exercise 02 – Elicitation I</a:t>
             </a:r>
-            <a:endParaRPr b="0" lang="en-US" sz="1800" spc="-1" strike="noStrike">
+            <a:endParaRPr b="0" lang="en-GB" sz="1800" spc="-1" strike="noStrike">
               <a:solidFill>
                 <a:srgbClr val="000000"/>
               </a:solidFill>
@@ -6266,7 +6266,7 @@
               </a:rPr>
               <a:t>30.11.2022 → Exercise 03 – Elicitation II</a:t>
             </a:r>
-            <a:endParaRPr b="0" lang="en-US" sz="1800" spc="-1" strike="noStrike">
+            <a:endParaRPr b="0" lang="en-GB" sz="1800" spc="-1" strike="noStrike">
               <a:solidFill>
                 <a:srgbClr val="000000"/>
               </a:solidFill>
@@ -6298,7 +6298,7 @@
               </a:rPr>
               <a:t>14.12.2022 → Exercise 04 – Agent-oriented Modelling</a:t>
             </a:r>
-            <a:endParaRPr b="0" lang="en-US" sz="1800" spc="-1" strike="noStrike">
+            <a:endParaRPr b="0" lang="en-GB" sz="1800" spc="-1" strike="noStrike">
               <a:solidFill>
                 <a:srgbClr val="000000"/>
               </a:solidFill>
@@ -6330,7 +6330,7 @@
               </a:rPr>
               <a:t>21.12.2022 → No Exercise</a:t>
             </a:r>
-            <a:endParaRPr b="0" lang="en-US" sz="1800" spc="-1" strike="noStrike">
+            <a:endParaRPr b="0" lang="en-GB" sz="1800" spc="-1" strike="noStrike">
               <a:solidFill>
                 <a:srgbClr val="000000"/>
               </a:solidFill>
@@ -6360,19 +6360,9 @@
                 <a:latin typeface="DejaVu Sans"/>
                 <a:ea typeface="DejaVu Sans"/>
               </a:rPr>
-              <a:t>11.01.2023 → </a:t>
-            </a:r>
-            <a:r>
-              <a:rPr b="0" lang="en-GB" sz="1800" spc="-1" strike="noStrike">
-                <a:solidFill>
-                  <a:srgbClr val="000000"/>
-                </a:solidFill>
-                <a:latin typeface="DejaVu Sans"/>
-                <a:ea typeface="DejaVu Sans"/>
-              </a:rPr>
-              <a:t>Exercise 05 – Coloured Petri Nets I</a:t>
-            </a:r>
-            <a:endParaRPr b="0" lang="en-US" sz="1800" spc="-1" strike="noStrike">
+              <a:t>11.01.2023 → Exercise 05 – Coloured Petri Nets I</a:t>
+            </a:r>
+            <a:endParaRPr b="0" lang="en-GB" sz="1800" spc="-1" strike="noStrike">
               <a:solidFill>
                 <a:srgbClr val="000000"/>
               </a:solidFill>
@@ -6402,19 +6392,9 @@
                 <a:latin typeface="DejaVu Sans"/>
                 <a:ea typeface="DejaVu Sans"/>
               </a:rPr>
-              <a:t>18.01.2023 → </a:t>
-            </a:r>
-            <a:r>
-              <a:rPr b="0" lang="en-GB" sz="1800" spc="-1" strike="noStrike">
-                <a:solidFill>
-                  <a:srgbClr val="000000"/>
-                </a:solidFill>
-                <a:latin typeface="DejaVu Sans"/>
-                <a:ea typeface="DejaVu Sans"/>
-              </a:rPr>
-              <a:t>Exercise 06 – Coloured Petri Nets II</a:t>
-            </a:r>
-            <a:endParaRPr b="0" lang="en-US" sz="1800" spc="-1" strike="noStrike">
+              <a:t>18.01.2023 → Exercise 06 – Coloured Petri Nets II</a:t>
+            </a:r>
+            <a:endParaRPr b="0" lang="en-GB" sz="1800" spc="-1" strike="noStrike">
               <a:solidFill>
                 <a:srgbClr val="000000"/>
               </a:solidFill>
@@ -6444,19 +6424,9 @@
                 <a:latin typeface="DejaVu Sans"/>
                 <a:ea typeface="DejaVu Sans"/>
               </a:rPr>
-              <a:t>25.01.2023 → </a:t>
-            </a:r>
-            <a:r>
-              <a:rPr b="0" lang="en-GB" sz="1800" spc="-1" strike="noStrike">
-                <a:solidFill>
-                  <a:srgbClr val="000000"/>
-                </a:solidFill>
-                <a:latin typeface="DejaVu Sans"/>
-                <a:ea typeface="DejaVu Sans"/>
-              </a:rPr>
-              <a:t>Bonus Task</a:t>
-            </a:r>
-            <a:endParaRPr b="0" lang="en-US" sz="1800" spc="-1" strike="noStrike">
+              <a:t>25.01.2023 → Bonus Task</a:t>
+            </a:r>
+            <a:endParaRPr b="0" lang="en-GB" sz="1800" spc="-1" strike="noStrike">
               <a:solidFill>
                 <a:srgbClr val="000000"/>
               </a:solidFill>
@@ -6488,7 +6458,7 @@
               </a:rPr>
               <a:t>01.02.2023 → Exercise 07 – Management and Traceability (MC) </a:t>
             </a:r>
-            <a:endParaRPr b="0" lang="en-US" sz="1800" spc="-1" strike="noStrike">
+            <a:endParaRPr b="0" lang="en-GB" sz="1800" spc="-1" strike="noStrike">
               <a:solidFill>
                 <a:srgbClr val="000000"/>
               </a:solidFill>
@@ -6536,7 +6506,7 @@
         <p:spPr>
           <a:xfrm>
             <a:off x="539640" y="764640"/>
-            <a:ext cx="10741320" cy="492120"/>
+            <a:ext cx="10740960" cy="491760"/>
           </a:xfrm>
           <a:prstGeom prst="rect">
             <a:avLst/>
@@ -6572,7 +6542,7 @@
               </a:rPr>
               <a:t>Course Organization</a:t>
             </a:r>
-            <a:endParaRPr b="0" lang="en-US" sz="2400" spc="-1" strike="noStrike">
+            <a:endParaRPr b="0" lang="en-GB" sz="2400" spc="-1" strike="noStrike">
               <a:solidFill>
                 <a:srgbClr val="000000"/>
               </a:solidFill>
@@ -6590,7 +6560,7 @@
         <p:spPr>
           <a:xfrm>
             <a:off x="539640" y="1268280"/>
-            <a:ext cx="10741320" cy="5028840"/>
+            <a:ext cx="10740960" cy="5028480"/>
           </a:xfrm>
           <a:prstGeom prst="rect">
             <a:avLst/>
@@ -6619,7 +6589,7 @@
                 <a:spcPts val="360"/>
               </a:spcBef>
             </a:pPr>
-            <a:endParaRPr b="0" lang="en-US" sz="1800" spc="-1" strike="noStrike">
+            <a:endParaRPr b="0" lang="en-GB" sz="1800" spc="-1" strike="noStrike">
               <a:solidFill>
                 <a:srgbClr val="000000"/>
               </a:solidFill>
@@ -6651,7 +6621,7 @@
               </a:rPr>
               <a:t>Organization of the lecture:</a:t>
             </a:r>
-            <a:endParaRPr b="0" lang="en-US" sz="1800" spc="-1" strike="noStrike">
+            <a:endParaRPr b="0" lang="en-GB" sz="1800" spc="-1" strike="noStrike">
               <a:solidFill>
                 <a:srgbClr val="000000"/>
               </a:solidFill>
@@ -6705,7 +6675,7 @@
               </a:rPr>
               <a:t>)</a:t>
             </a:r>
-            <a:endParaRPr b="0" lang="en-US" sz="1800" spc="-1" strike="noStrike">
+            <a:endParaRPr b="0" lang="en-GB" sz="1800" spc="-1" strike="noStrike">
               <a:solidFill>
                 <a:srgbClr val="000000"/>
               </a:solidFill>
@@ -6737,7 +6707,7 @@
               </a:rPr>
               <a:t>Please report bugs!</a:t>
             </a:r>
-            <a:endParaRPr b="0" lang="en-US" sz="1800" spc="-1" strike="noStrike">
+            <a:endParaRPr b="0" lang="en-GB" sz="1800" spc="-1" strike="noStrike">
               <a:solidFill>
                 <a:srgbClr val="000000"/>
               </a:solidFill>
@@ -6769,7 +6739,7 @@
               </a:rPr>
               <a:t>Lectures and exercises live stream (BBB – next slide) and Goslar</a:t>
             </a:r>
-            <a:endParaRPr b="0" lang="en-US" sz="1800" spc="-1" strike="noStrike">
+            <a:endParaRPr b="0" lang="en-GB" sz="1800" spc="-1" strike="noStrike">
               <a:solidFill>
                 <a:srgbClr val="000000"/>
               </a:solidFill>
@@ -6801,7 +6771,7 @@
               </a:rPr>
               <a:t>No lecture recordings</a:t>
             </a:r>
-            <a:endParaRPr b="0" lang="en-US" sz="1800" spc="-1" strike="noStrike">
+            <a:endParaRPr b="0" lang="en-GB" sz="1800" spc="-1" strike="noStrike">
               <a:solidFill>
                 <a:srgbClr val="000000"/>
               </a:solidFill>
@@ -6853,7 +6823,7 @@
               </a:rPr>
               <a:t>Time for questions and eventual tutorials related to the exercises</a:t>
             </a:r>
-            <a:endParaRPr b="0" lang="en-US" sz="1800" spc="-1" strike="noStrike">
+            <a:endParaRPr b="0" lang="en-GB" sz="1800" spc="-1" strike="noStrike">
               <a:solidFill>
                 <a:srgbClr val="000000"/>
               </a:solidFill>
@@ -6885,7 +6855,7 @@
               </a:rPr>
               <a:t> </a:t>
             </a:r>
-            <a:endParaRPr b="0" lang="en-US" sz="1800" spc="-1" strike="noStrike">
+            <a:endParaRPr b="0" lang="en-GB" sz="1800" spc="-1" strike="noStrike">
               <a:solidFill>
                 <a:srgbClr val="000000"/>
               </a:solidFill>
@@ -6969,7 +6939,7 @@
               </a:rPr>
               <a:t> respond to</a:t>
             </a:r>
-            <a:endParaRPr b="0" lang="en-US" sz="1800" spc="-1" strike="noStrike">
+            <a:endParaRPr b="0" lang="en-GB" sz="1800" spc="-1" strike="noStrike">
               <a:solidFill>
                 <a:srgbClr val="000000"/>
               </a:solidFill>
@@ -7001,7 +6971,7 @@
               </a:rPr>
               <a:t>emails written to this specific email address!</a:t>
             </a:r>
-            <a:endParaRPr b="0" lang="en-US" sz="1800" spc="-1" strike="noStrike">
+            <a:endParaRPr b="0" lang="en-GB" sz="1800" spc="-1" strike="noStrike">
               <a:solidFill>
                 <a:srgbClr val="000000"/>
               </a:solidFill>
@@ -7049,7 +7019,7 @@
         <p:spPr>
           <a:xfrm>
             <a:off x="539640" y="764640"/>
-            <a:ext cx="10739880" cy="490680"/>
+            <a:ext cx="10739520" cy="490320"/>
           </a:xfrm>
           <a:prstGeom prst="rect">
             <a:avLst/>
@@ -7085,7 +7055,7 @@
               </a:rPr>
               <a:t>Dates/Times/Locations</a:t>
             </a:r>
-            <a:endParaRPr b="0" lang="en-US" sz="2400" spc="-1" strike="noStrike">
+            <a:endParaRPr b="0" lang="en-GB" sz="2400" spc="-1" strike="noStrike">
               <a:solidFill>
                 <a:srgbClr val="000000"/>
               </a:solidFill>
@@ -7098,7 +7068,7 @@
                 <a:spcPct val="100000"/>
               </a:lnSpc>
             </a:pPr>
-            <a:endParaRPr b="0" lang="en-US" sz="2400" spc="-1" strike="noStrike">
+            <a:endParaRPr b="0" lang="en-GB" sz="2400" spc="-1" strike="noStrike">
               <a:solidFill>
                 <a:srgbClr val="000000"/>
               </a:solidFill>
@@ -7111,7 +7081,7 @@
                 <a:spcPct val="100000"/>
               </a:lnSpc>
             </a:pPr>
-            <a:endParaRPr b="0" lang="en-US" sz="2400" spc="-1" strike="noStrike">
+            <a:endParaRPr b="0" lang="en-GB" sz="2400" spc="-1" strike="noStrike">
               <a:solidFill>
                 <a:srgbClr val="000000"/>
               </a:solidFill>
@@ -7129,7 +7099,7 @@
         <p:spPr>
           <a:xfrm>
             <a:off x="539640" y="1268640"/>
-            <a:ext cx="10739880" cy="5027400"/>
+            <a:ext cx="10739520" cy="5027040"/>
           </a:xfrm>
           <a:prstGeom prst="rect">
             <a:avLst/>
@@ -7158,7 +7128,7 @@
                 <a:spcPts val="360"/>
               </a:spcBef>
             </a:pPr>
-            <a:endParaRPr b="0" lang="en-US" sz="1800" spc="-1" strike="noStrike">
+            <a:endParaRPr b="0" lang="en-GB" sz="1800" spc="-1" strike="noStrike">
               <a:solidFill>
                 <a:srgbClr val="000000"/>
               </a:solidFill>
@@ -7191,7 +7161,7 @@
               </a:rPr>
               <a:t>Lecture:</a:t>
             </a:r>
-            <a:endParaRPr b="0" lang="en-US" sz="1800" spc="-1" strike="noStrike">
+            <a:endParaRPr b="0" lang="en-GB" sz="1800" spc="-1" strike="noStrike">
               <a:solidFill>
                 <a:srgbClr val="000000"/>
               </a:solidFill>
@@ -7313,7 +7283,7 @@
               </a:rPr>
               <a:t>2023</a:t>
             </a:r>
-            <a:endParaRPr b="0" lang="en-US" sz="1800" spc="-1" strike="noStrike">
+            <a:endParaRPr b="0" lang="en-GB" sz="1800" spc="-1" strike="noStrike">
               <a:solidFill>
                 <a:srgbClr val="000000"/>
               </a:solidFill>
@@ -7367,7 +7337,7 @@
               </a:rPr>
               <a:t>)</a:t>
             </a:r>
-            <a:endParaRPr b="0" lang="en-US" sz="1800" spc="-1" strike="noStrike">
+            <a:endParaRPr b="0" lang="en-GB" sz="1800" spc="-1" strike="noStrike">
               <a:solidFill>
                 <a:srgbClr val="000000"/>
               </a:solidFill>
@@ -7383,7 +7353,7 @@
                 <a:spcPts val="360"/>
               </a:spcBef>
             </a:pPr>
-            <a:endParaRPr b="0" lang="en-US" sz="1800" spc="-1" strike="noStrike">
+            <a:endParaRPr b="0" lang="en-GB" sz="1800" spc="-1" strike="noStrike">
               <a:solidFill>
                 <a:srgbClr val="000000"/>
               </a:solidFill>
@@ -7416,7 +7386,7 @@
               </a:rPr>
               <a:t>Exercise / Q&amp;A:</a:t>
             </a:r>
-            <a:endParaRPr b="0" lang="en-US" sz="1800" spc="-1" strike="noStrike">
+            <a:endParaRPr b="0" lang="en-GB" sz="1800" spc="-1" strike="noStrike">
               <a:solidFill>
                 <a:srgbClr val="000000"/>
               </a:solidFill>
@@ -7538,7 +7508,7 @@
               </a:rPr>
               <a:t>2023</a:t>
             </a:r>
-            <a:endParaRPr b="0" lang="en-US" sz="1800" spc="-1" strike="noStrike">
+            <a:endParaRPr b="0" lang="en-GB" sz="1800" spc="-1" strike="noStrike">
               <a:solidFill>
                 <a:srgbClr val="000000"/>
               </a:solidFill>
@@ -7592,7 +7562,7 @@
               </a:rPr>
               <a:t>)</a:t>
             </a:r>
-            <a:endParaRPr b="0" lang="en-US" sz="1800" spc="-1" strike="noStrike">
+            <a:endParaRPr b="0" lang="en-GB" sz="1800" spc="-1" strike="noStrike">
               <a:solidFill>
                 <a:srgbClr val="000000"/>
               </a:solidFill>
@@ -7640,7 +7610,7 @@
         <p:spPr>
           <a:xfrm>
             <a:off x="539640" y="764640"/>
-            <a:ext cx="10748160" cy="498960"/>
+            <a:ext cx="10747800" cy="498600"/>
           </a:xfrm>
           <a:prstGeom prst="rect">
             <a:avLst/>
@@ -7676,7 +7646,7 @@
               </a:rPr>
               <a:t>Exercises </a:t>
             </a:r>
-            <a:endParaRPr b="0" lang="en-US" sz="2400" spc="-1" strike="noStrike">
+            <a:endParaRPr b="0" lang="en-GB" sz="2400" spc="-1" strike="noStrike">
               <a:solidFill>
                 <a:srgbClr val="000000"/>
               </a:solidFill>
@@ -7694,7 +7664,7 @@
         <p:spPr>
           <a:xfrm>
             <a:off x="539640" y="1268280"/>
-            <a:ext cx="10748160" cy="5035680"/>
+            <a:ext cx="10747800" cy="5035320"/>
           </a:xfrm>
           <a:prstGeom prst="rect">
             <a:avLst/>
@@ -7720,7 +7690,7 @@
                 <a:spcPct val="100000"/>
               </a:lnSpc>
             </a:pPr>
-            <a:endParaRPr b="0" lang="en-US" sz="1800" spc="-1" strike="noStrike">
+            <a:endParaRPr b="0" lang="en-GB" sz="1800" spc="-1" strike="noStrike">
               <a:solidFill>
                 <a:srgbClr val="000000"/>
               </a:solidFill>
@@ -7752,7 +7722,7 @@
               </a:rPr>
               <a:t>Organization of the exercise:</a:t>
             </a:r>
-            <a:endParaRPr b="0" lang="en-US" sz="1800" spc="-1" strike="noStrike">
+            <a:endParaRPr b="0" lang="en-GB" sz="1800" spc="-1" strike="noStrike">
               <a:solidFill>
                 <a:srgbClr val="000000"/>
               </a:solidFill>
@@ -7804,7 +7774,7 @@
               </a:rPr>
               <a:t> group submissions</a:t>
             </a:r>
-            <a:endParaRPr b="0" lang="en-US" sz="1800" spc="-1" strike="noStrike">
+            <a:endParaRPr b="0" lang="en-GB" sz="1800" spc="-1" strike="noStrike">
               <a:solidFill>
                 <a:srgbClr val="000000"/>
               </a:solidFill>
@@ -7836,7 +7806,7 @@
               </a:rPr>
               <a:t>Multiple-Choice or practical tasks</a:t>
             </a:r>
-            <a:endParaRPr b="0" lang="en-US" sz="1800" spc="-1" strike="noStrike">
+            <a:endParaRPr b="0" lang="en-GB" sz="1800" spc="-1" strike="noStrike">
               <a:solidFill>
                 <a:srgbClr val="000000"/>
               </a:solidFill>
@@ -7868,7 +7838,7 @@
               </a:rPr>
               <a:t>7-14 days to submit (depending on the task)</a:t>
             </a:r>
-            <a:endParaRPr b="0" lang="en-US" sz="1800" spc="-1" strike="noStrike">
+            <a:endParaRPr b="0" lang="en-GB" sz="1800" spc="-1" strike="noStrike">
               <a:solidFill>
                 <a:srgbClr val="000000"/>
               </a:solidFill>
@@ -7900,7 +7870,7 @@
               </a:rPr>
               <a:t>Submission deadline is always Wednesday at 1:59pm (right before the next lecture)</a:t>
             </a:r>
-            <a:endParaRPr b="0" lang="en-US" sz="1800" spc="-1" strike="noStrike">
+            <a:endParaRPr b="0" lang="en-GB" sz="1800" spc="-1" strike="noStrike">
               <a:solidFill>
                 <a:srgbClr val="000000"/>
               </a:solidFill>
@@ -7942,7 +7912,7 @@
               </a:rPr>
               <a:t>ow on the next slides (Examination)</a:t>
             </a:r>
-            <a:endParaRPr b="0" lang="en-US" sz="1800" spc="-1" strike="noStrike">
+            <a:endParaRPr b="0" lang="en-GB" sz="1800" spc="-1" strike="noStrike">
               <a:solidFill>
                 <a:srgbClr val="000000"/>
               </a:solidFill>
@@ -7990,7 +7960,7 @@
         <p:spPr>
           <a:xfrm>
             <a:off x="539640" y="764640"/>
-            <a:ext cx="10741320" cy="492120"/>
+            <a:ext cx="10740960" cy="491760"/>
           </a:xfrm>
           <a:prstGeom prst="rect">
             <a:avLst/>
@@ -8026,7 +7996,7 @@
               </a:rPr>
               <a:t>Exercises </a:t>
             </a:r>
-            <a:endParaRPr b="0" lang="en-US" sz="2400" spc="-1" strike="noStrike">
+            <a:endParaRPr b="0" lang="en-GB" sz="2400" spc="-1" strike="noStrike">
               <a:solidFill>
                 <a:srgbClr val="000000"/>
               </a:solidFill>
@@ -8044,7 +8014,7 @@
         <p:spPr>
           <a:xfrm>
             <a:off x="539640" y="1268280"/>
-            <a:ext cx="10741320" cy="5028840"/>
+            <a:ext cx="10740960" cy="5028480"/>
           </a:xfrm>
           <a:prstGeom prst="rect">
             <a:avLst/>
@@ -8086,7 +8056,7 @@
               </a:rPr>
               <a:t>Bonus task:</a:t>
             </a:r>
-            <a:endParaRPr b="0" lang="en-US" sz="1800" spc="-1" strike="noStrike">
+            <a:endParaRPr b="0" lang="en-GB" sz="1800" spc="-1" strike="noStrike">
               <a:solidFill>
                 <a:srgbClr val="000000"/>
               </a:solidFill>
@@ -8118,7 +8088,7 @@
               </a:rPr>
               <a:t>You may miss/fail one of the regular exercises</a:t>
             </a:r>
-            <a:endParaRPr b="0" lang="en-US" sz="1800" spc="-1" strike="noStrike">
+            <a:endParaRPr b="0" lang="en-GB" sz="1800" spc="-1" strike="noStrike">
               <a:solidFill>
                 <a:srgbClr val="000000"/>
               </a:solidFill>
@@ -8170,7 +8140,7 @@
               </a:rPr>
               <a:t> passing the bonus task substitutes the missed/failed exercise</a:t>
             </a:r>
-            <a:endParaRPr b="0" lang="en-US" sz="1800" spc="-1" strike="noStrike">
+            <a:endParaRPr b="0" lang="en-GB" sz="1800" spc="-1" strike="noStrike">
               <a:solidFill>
                 <a:srgbClr val="000000"/>
               </a:solidFill>
@@ -8212,7 +8182,7 @@
               </a:rPr>
               <a:t> → don’t “plan” with the bonus task. Rather submit and pass the regular exercises.</a:t>
             </a:r>
-            <a:endParaRPr b="0" lang="en-US" sz="1800" spc="-1" strike="noStrike">
+            <a:endParaRPr b="0" lang="en-GB" sz="1800" spc="-1" strike="noStrike">
               <a:solidFill>
                 <a:srgbClr val="000000"/>
               </a:solidFill>
@@ -8260,7 +8230,7 @@
         <p:spPr>
           <a:xfrm>
             <a:off x="539640" y="764640"/>
-            <a:ext cx="10741320" cy="492120"/>
+            <a:ext cx="10740960" cy="491760"/>
           </a:xfrm>
           <a:prstGeom prst="rect">
             <a:avLst/>
@@ -8296,7 +8266,7 @@
               </a:rPr>
               <a:t>Multiple-Choice Exercises </a:t>
             </a:r>
-            <a:endParaRPr b="0" lang="en-US" sz="2400" spc="-1" strike="noStrike">
+            <a:endParaRPr b="0" lang="en-GB" sz="2400" spc="-1" strike="noStrike">
               <a:solidFill>
                 <a:srgbClr val="000000"/>
               </a:solidFill>
@@ -8314,7 +8284,7 @@
         <p:spPr>
           <a:xfrm>
             <a:off x="698760" y="1316880"/>
-            <a:ext cx="10360080" cy="475200"/>
+            <a:ext cx="10359720" cy="474840"/>
           </a:xfrm>
           <a:prstGeom prst="rect">
             <a:avLst/>
@@ -8350,7 +8320,7 @@
               </a:rPr>
               <a:t>Step-1: Navigate to Moodle on your studip, select "Zum Kurs in Moodle"</a:t>
             </a:r>
-            <a:endParaRPr b="0" lang="en-US" sz="1800" spc="-1" strike="noStrike">
+            <a:endParaRPr b="0" lang="en-GB" sz="1800" spc="-1" strike="noStrike">
               <a:solidFill>
                 <a:srgbClr val="000000"/>
               </a:solidFill>
@@ -8416,13 +8386,13 @@
         </p:nvPicPr>
         <p:blipFill>
           <a:blip r:embed="rId1"/>
-          <a:srcRect l="0" t="0" r="0" b="7378"/>
+          <a:srcRect l="0" t="0" r="0" b="7376"/>
           <a:stretch/>
         </p:blipFill>
         <p:spPr>
           <a:xfrm>
             <a:off x="2057400" y="2111400"/>
-            <a:ext cx="7313760" cy="4059000"/>
+            <a:ext cx="7313400" cy="4058640"/>
           </a:xfrm>
           <a:prstGeom prst="rect">
             <a:avLst/>
@@ -8471,7 +8441,7 @@
         <p:spPr>
           <a:xfrm>
             <a:off x="539640" y="764640"/>
-            <a:ext cx="10741320" cy="492120"/>
+            <a:ext cx="10740960" cy="491760"/>
           </a:xfrm>
           <a:prstGeom prst="rect">
             <a:avLst/>
@@ -8507,7 +8477,7 @@
               </a:rPr>
               <a:t>Multiple-Choice Exercises </a:t>
             </a:r>
-            <a:endParaRPr b="0" lang="en-US" sz="2400" spc="-1" strike="noStrike">
+            <a:endParaRPr b="0" lang="en-GB" sz="2400" spc="-1" strike="noStrike">
               <a:solidFill>
                 <a:srgbClr val="000000"/>
               </a:solidFill>
@@ -8525,7 +8495,7 @@
         <p:spPr>
           <a:xfrm>
             <a:off x="698760" y="1316880"/>
-            <a:ext cx="5442840" cy="439920"/>
+            <a:ext cx="5442480" cy="439560"/>
           </a:xfrm>
           <a:prstGeom prst="rect">
             <a:avLst/>
@@ -8572,7 +8542,7 @@
               </a:rPr>
               <a:t>"Exercise 1"</a:t>
             </a:r>
-            <a:endParaRPr b="0" lang="en-US" sz="1800" spc="-1" strike="noStrike">
+            <a:endParaRPr b="0" lang="en-GB" sz="1800" spc="-1" strike="noStrike">
               <a:solidFill>
                 <a:srgbClr val="000000"/>
               </a:solidFill>
@@ -8594,7 +8564,7 @@
         <p:spPr>
           <a:xfrm>
             <a:off x="2513520" y="1828800"/>
-            <a:ext cx="6857640" cy="4736520"/>
+            <a:ext cx="6857280" cy="4736160"/>
           </a:xfrm>
           <a:prstGeom prst="rect">
             <a:avLst/>
@@ -8643,7 +8613,7 @@
         <p:spPr>
           <a:xfrm>
             <a:off x="539640" y="764640"/>
-            <a:ext cx="10741320" cy="492120"/>
+            <a:ext cx="10740960" cy="491760"/>
           </a:xfrm>
           <a:prstGeom prst="rect">
             <a:avLst/>
@@ -8679,7 +8649,7 @@
               </a:rPr>
               <a:t>Multiple-Choice Exercises </a:t>
             </a:r>
-            <a:endParaRPr b="0" lang="en-US" sz="2400" spc="-1" strike="noStrike">
+            <a:endParaRPr b="0" lang="en-GB" sz="2400" spc="-1" strike="noStrike">
               <a:solidFill>
                 <a:srgbClr val="000000"/>
               </a:solidFill>
@@ -8697,7 +8667,7 @@
         <p:spPr>
           <a:xfrm>
             <a:off x="698760" y="1316880"/>
-            <a:ext cx="5214240" cy="439920"/>
+            <a:ext cx="5213880" cy="439560"/>
           </a:xfrm>
           <a:prstGeom prst="rect">
             <a:avLst/>
@@ -8733,7 +8703,7 @@
               </a:rPr>
               <a:t>Step-3 : Start your test if you are ready</a:t>
             </a:r>
-            <a:endParaRPr b="0" lang="en-US" sz="1800" spc="-1" strike="noStrike">
+            <a:endParaRPr b="0" lang="en-GB" sz="1800" spc="-1" strike="noStrike">
               <a:solidFill>
                 <a:srgbClr val="000000"/>
               </a:solidFill>
@@ -8755,7 +8725,7 @@
         <p:spPr>
           <a:xfrm>
             <a:off x="1600200" y="2073600"/>
-            <a:ext cx="7698960" cy="3754800"/>
+            <a:ext cx="7698600" cy="3754440"/>
           </a:xfrm>
           <a:prstGeom prst="rect">
             <a:avLst/>
@@ -8803,13 +8773,13 @@
         </p:nvPicPr>
         <p:blipFill>
           <a:blip r:embed="rId1"/>
-          <a:srcRect l="0" t="23833" r="0" b="0"/>
+          <a:srcRect l="0" t="23837" r="0" b="0"/>
           <a:stretch/>
         </p:blipFill>
         <p:spPr>
           <a:xfrm>
             <a:off x="937800" y="3069000"/>
-            <a:ext cx="8868240" cy="2920320"/>
+            <a:ext cx="8867880" cy="2919960"/>
           </a:xfrm>
           <a:prstGeom prst="rect">
             <a:avLst/>
@@ -8828,7 +8798,7 @@
         <p:spPr>
           <a:xfrm>
             <a:off x="539640" y="764640"/>
-            <a:ext cx="10741320" cy="492120"/>
+            <a:ext cx="10740960" cy="491760"/>
           </a:xfrm>
           <a:prstGeom prst="rect">
             <a:avLst/>
@@ -8864,7 +8834,7 @@
               </a:rPr>
               <a:t>Multiple-Choice Exercises </a:t>
             </a:r>
-            <a:endParaRPr b="0" lang="en-US" sz="2400" spc="-1" strike="noStrike">
+            <a:endParaRPr b="0" lang="en-GB" sz="2400" spc="-1" strike="noStrike">
               <a:solidFill>
                 <a:srgbClr val="000000"/>
               </a:solidFill>
@@ -8882,7 +8852,7 @@
         <p:spPr>
           <a:xfrm>
             <a:off x="698760" y="1312200"/>
-            <a:ext cx="1731240" cy="362520"/>
+            <a:ext cx="1730880" cy="362160"/>
           </a:xfrm>
           <a:prstGeom prst="rect">
             <a:avLst/>
@@ -8918,7 +8888,7 @@
               </a:rPr>
               <a:t>Step-4 : </a:t>
             </a:r>
-            <a:endParaRPr b="0" lang="en-US" sz="1800" spc="-1" strike="noStrike">
+            <a:endParaRPr b="0" lang="en-GB" sz="1800" spc="-1" strike="noStrike">
               <a:solidFill>
                 <a:srgbClr val="000000"/>
               </a:solidFill>
@@ -8931,7 +8901,7 @@
                 <a:spcPct val="100000"/>
               </a:lnSpc>
             </a:pPr>
-            <a:endParaRPr b="0" lang="en-US" sz="1800" spc="-1" strike="noStrike">
+            <a:endParaRPr b="0" lang="en-GB" sz="1800" spc="-1" strike="noStrike">
               <a:solidFill>
                 <a:srgbClr val="000000"/>
               </a:solidFill>
@@ -8944,7 +8914,7 @@
                 <a:spcPct val="100000"/>
               </a:lnSpc>
             </a:pPr>
-            <a:endParaRPr b="0" lang="en-US" sz="1800" spc="-1" strike="noStrike">
+            <a:endParaRPr b="0" lang="en-GB" sz="1800" spc="-1" strike="noStrike">
               <a:solidFill>
                 <a:srgbClr val="000000"/>
               </a:solidFill>
@@ -9109,7 +9079,7 @@
         <p:spPr>
           <a:xfrm>
             <a:off x="846720" y="1679400"/>
-            <a:ext cx="8296560" cy="1186920"/>
+            <a:ext cx="8296200" cy="1186920"/>
           </a:xfrm>
           <a:prstGeom prst="rect">
             <a:avLst/>
@@ -9145,7 +9115,7 @@
               </a:rPr>
               <a:t>A. Sequence of questions</a:t>
             </a:r>
-            <a:endParaRPr b="0" lang="en-US" sz="1800" spc="-1" strike="noStrike">
+            <a:endParaRPr b="0" lang="en-GB" sz="1800" spc="-1" strike="noStrike">
               <a:solidFill>
                 <a:srgbClr val="000000"/>
               </a:solidFill>
@@ -9168,7 +9138,7 @@
               </a:rPr>
               <a:t>B. Timer running for the test</a:t>
             </a:r>
-            <a:endParaRPr b="0" lang="en-US" sz="1800" spc="-1" strike="noStrike">
+            <a:endParaRPr b="0" lang="en-GB" sz="1800" spc="-1" strike="noStrike">
               <a:solidFill>
                 <a:srgbClr val="000000"/>
               </a:solidFill>
@@ -9191,7 +9161,7 @@
               </a:rPr>
               <a:t>C. Navigate to next question/Finish attampt</a:t>
             </a:r>
-            <a:endParaRPr b="0" lang="en-US" sz="1800" spc="-1" strike="noStrike">
+            <a:endParaRPr b="0" lang="en-GB" sz="1800" spc="-1" strike="noStrike">
               <a:solidFill>
                 <a:srgbClr val="000000"/>
               </a:solidFill>
@@ -9214,7 +9184,7 @@
               </a:rPr>
               <a:t>D. Navigate to previous question</a:t>
             </a:r>
-            <a:endParaRPr b="0" lang="en-US" sz="1800" spc="-1" strike="noStrike">
+            <a:endParaRPr b="0" lang="en-GB" sz="1800" spc="-1" strike="noStrike">
               <a:solidFill>
                 <a:srgbClr val="000000"/>
               </a:solidFill>
@@ -9232,7 +9202,7 @@
         <p:spPr>
           <a:xfrm>
             <a:off x="7839360" y="1679400"/>
-            <a:ext cx="2613240" cy="425880"/>
+            <a:ext cx="2612880" cy="425520"/>
           </a:xfrm>
           <a:prstGeom prst="rect">
             <a:avLst/>
@@ -9277,7 +9247,7 @@
         <p:spPr>
           <a:xfrm>
             <a:off x="9109440" y="3583440"/>
-            <a:ext cx="277920" cy="363960"/>
+            <a:ext cx="277560" cy="363960"/>
           </a:xfrm>
           <a:prstGeom prst="rect">
             <a:avLst/>
@@ -9313,7 +9283,7 @@
               </a:rPr>
               <a:t>A</a:t>
             </a:r>
-            <a:endParaRPr b="0" lang="en-US" sz="1800" spc="-1" strike="noStrike">
+            <a:endParaRPr b="0" lang="en-GB" sz="1800" spc="-1" strike="noStrike">
               <a:solidFill>
                 <a:srgbClr val="000000"/>
               </a:solidFill>
@@ -9331,7 +9301,7 @@
         <p:spPr>
           <a:xfrm>
             <a:off x="9789840" y="4188960"/>
-            <a:ext cx="277920" cy="363960"/>
+            <a:ext cx="277560" cy="363960"/>
           </a:xfrm>
           <a:prstGeom prst="rect">
             <a:avLst/>
@@ -9367,7 +9337,7 @@
               </a:rPr>
               <a:t>B</a:t>
             </a:r>
-            <a:endParaRPr b="0" lang="en-US" sz="1800" spc="-1" strike="noStrike">
+            <a:endParaRPr b="0" lang="en-GB" sz="1800" spc="-1" strike="noStrike">
               <a:solidFill>
                 <a:srgbClr val="000000"/>
               </a:solidFill>
@@ -9385,7 +9355,7 @@
         <p:spPr>
           <a:xfrm>
             <a:off x="7531920" y="5741280"/>
-            <a:ext cx="278280" cy="363960"/>
+            <a:ext cx="277920" cy="363960"/>
           </a:xfrm>
           <a:prstGeom prst="rect">
             <a:avLst/>
@@ -9421,7 +9391,7 @@
               </a:rPr>
               <a:t>C</a:t>
             </a:r>
-            <a:endParaRPr b="0" lang="en-US" sz="1800" spc="-1" strike="noStrike">
+            <a:endParaRPr b="0" lang="en-GB" sz="1800" spc="-1" strike="noStrike">
               <a:solidFill>
                 <a:srgbClr val="000000"/>
               </a:solidFill>
@@ -9488,7 +9458,7 @@
         <p:spPr>
           <a:xfrm>
             <a:off x="1310760" y="5770800"/>
-            <a:ext cx="278280" cy="363960"/>
+            <a:ext cx="277920" cy="363960"/>
           </a:xfrm>
           <a:prstGeom prst="rect">
             <a:avLst/>
@@ -9524,7 +9494,7 @@
               </a:rPr>
               <a:t>D</a:t>
             </a:r>
-            <a:endParaRPr b="0" lang="en-US" sz="1800" spc="-1" strike="noStrike">
+            <a:endParaRPr b="0" lang="en-GB" sz="1800" spc="-1" strike="noStrike">
               <a:solidFill>
                 <a:srgbClr val="000000"/>
               </a:solidFill>
@@ -9572,7 +9542,7 @@
         <p:spPr>
           <a:xfrm>
             <a:off x="539640" y="764640"/>
-            <a:ext cx="10748160" cy="498960"/>
+            <a:ext cx="10747800" cy="498600"/>
           </a:xfrm>
           <a:prstGeom prst="rect">
             <a:avLst/>
@@ -9608,7 +9578,7 @@
               </a:rPr>
               <a:t>Examination</a:t>
             </a:r>
-            <a:endParaRPr b="0" lang="en-US" sz="2400" spc="-1" strike="noStrike">
+            <a:endParaRPr b="0" lang="en-GB" sz="2400" spc="-1" strike="noStrike">
               <a:solidFill>
                 <a:srgbClr val="000000"/>
               </a:solidFill>
@@ -9626,7 +9596,7 @@
         <p:spPr>
           <a:xfrm>
             <a:off x="539640" y="1268640"/>
-            <a:ext cx="10748160" cy="5035680"/>
+            <a:ext cx="10747800" cy="5035320"/>
           </a:xfrm>
           <a:prstGeom prst="rect">
             <a:avLst/>
@@ -9701,7 +9671,7 @@
               </a:rPr>
               <a:t> criteria have to be fulfilled):</a:t>
             </a:r>
-            <a:endParaRPr b="0" lang="en-US" sz="1800" spc="-1" strike="noStrike">
+            <a:endParaRPr b="0" lang="en-GB" sz="1800" spc="-1" strike="noStrike">
               <a:solidFill>
                 <a:srgbClr val="000000"/>
               </a:solidFill>
@@ -9733,7 +9703,7 @@
               </a:rPr>
               <a:t>Successful completion of the compulsory seven exercises</a:t>
             </a:r>
-            <a:endParaRPr b="0" lang="en-US" sz="1800" spc="-1" strike="noStrike">
+            <a:endParaRPr b="0" lang="en-GB" sz="1800" spc="-1" strike="noStrike">
               <a:solidFill>
                 <a:srgbClr val="000000"/>
               </a:solidFill>
@@ -9765,7 +9735,7 @@
               </a:rPr>
               <a:t>You pass an exercise if you score 50% (or more)</a:t>
             </a:r>
-            <a:endParaRPr b="0" lang="en-US" sz="1800" spc="-1" strike="noStrike">
+            <a:endParaRPr b="0" lang="en-GB" sz="1800" spc="-1" strike="noStrike">
               <a:solidFill>
                 <a:srgbClr val="000000"/>
               </a:solidFill>
@@ -9818,7 +9788,7 @@
               </a:rPr>
               <a:t> exercise</a:t>
             </a:r>
-            <a:endParaRPr b="0" lang="en-US" sz="1800" spc="-1" strike="noStrike">
+            <a:endParaRPr b="0" lang="en-GB" sz="1800" spc="-1" strike="noStrike">
               <a:solidFill>
                 <a:srgbClr val="000000"/>
               </a:solidFill>
@@ -9834,7 +9804,7 @@
                 <a:spcPts val="360"/>
               </a:spcBef>
             </a:pPr>
-            <a:endParaRPr b="0" lang="en-US" sz="1800" spc="-1" strike="noStrike">
+            <a:endParaRPr b="0" lang="en-GB" sz="1800" spc="-1" strike="noStrike">
               <a:solidFill>
                 <a:srgbClr val="000000"/>
               </a:solidFill>
@@ -9866,7 +9836,7 @@
               </a:rPr>
               <a:t>Final exam:</a:t>
             </a:r>
-            <a:endParaRPr b="0" lang="en-US" sz="1800" spc="-1" strike="noStrike">
+            <a:endParaRPr b="0" lang="en-GB" sz="1800" spc="-1" strike="noStrike">
               <a:solidFill>
                 <a:srgbClr val="000000"/>
               </a:solidFill>
@@ -9898,7 +9868,7 @@
               </a:rPr>
               <a:t>22.02.2023 → 14:00 – 16:00 </a:t>
             </a:r>
-            <a:endParaRPr b="0" lang="en-US" sz="1800" spc="-1" strike="noStrike">
+            <a:endParaRPr b="0" lang="en-GB" sz="1800" spc="-1" strike="noStrike">
               <a:solidFill>
                 <a:srgbClr val="000000"/>
               </a:solidFill>
@@ -9930,7 +9900,7 @@
               </a:rPr>
               <a:t>Written exam (120min) </a:t>
             </a:r>
-            <a:endParaRPr b="0" lang="en-US" sz="1800" spc="-1" strike="noStrike">
+            <a:endParaRPr b="0" lang="en-GB" sz="1800" spc="-1" strike="noStrike">
               <a:solidFill>
                 <a:srgbClr val="000000"/>
               </a:solidFill>
@@ -9978,7 +9948,7 @@
         <p:spPr>
           <a:xfrm>
             <a:off x="539640" y="764640"/>
-            <a:ext cx="10748160" cy="498960"/>
+            <a:ext cx="10747800" cy="498600"/>
           </a:xfrm>
           <a:prstGeom prst="rect">
             <a:avLst/>
@@ -10014,7 +9984,7 @@
               </a:rPr>
               <a:t>Team</a:t>
             </a:r>
-            <a:endParaRPr b="0" lang="en-US" sz="2400" spc="-1" strike="noStrike">
+            <a:endParaRPr b="0" lang="en-GB" sz="2400" spc="-1" strike="noStrike">
               <a:solidFill>
                 <a:srgbClr val="000000"/>
               </a:solidFill>
@@ -10036,7 +10006,7 @@
         <p:spPr>
           <a:xfrm>
             <a:off x="2684520" y="1323360"/>
-            <a:ext cx="1470960" cy="2172240"/>
+            <a:ext cx="1470600" cy="2171880"/>
           </a:xfrm>
           <a:prstGeom prst="rect">
             <a:avLst/>
@@ -10059,7 +10029,7 @@
         <p:spPr>
           <a:xfrm>
             <a:off x="7269840" y="1716120"/>
-            <a:ext cx="1784880" cy="1776960"/>
+            <a:ext cx="1784520" cy="1776600"/>
           </a:xfrm>
           <a:prstGeom prst="rect">
             <a:avLst/>
@@ -10078,7 +10048,7 @@
         <p:spPr>
           <a:xfrm>
             <a:off x="1620000" y="3439440"/>
-            <a:ext cx="3635640" cy="677160"/>
+            <a:ext cx="3635280" cy="676800"/>
           </a:xfrm>
           <a:prstGeom prst="rect">
             <a:avLst/>
@@ -10117,7 +10087,7 @@
               </a:rPr>
               <a:t>Prof. Dr. Benjamin Leiding</a:t>
             </a:r>
-            <a:endParaRPr b="0" lang="en-US" sz="1600" spc="-1" strike="noStrike">
+            <a:endParaRPr b="0" lang="en-GB" sz="1600" spc="-1" strike="noStrike">
               <a:solidFill>
                 <a:srgbClr val="000000"/>
               </a:solidFill>
@@ -10135,7 +10105,7 @@
         <p:spPr>
           <a:xfrm>
             <a:off x="6322680" y="3460320"/>
-            <a:ext cx="3635640" cy="677160"/>
+            <a:ext cx="3635280" cy="676800"/>
           </a:xfrm>
           <a:prstGeom prst="rect">
             <a:avLst/>
@@ -10174,7 +10144,7 @@
               </a:rPr>
               <a:t>M.Sc. Anant Sujatanagarjuna</a:t>
             </a:r>
-            <a:endParaRPr b="0" lang="en-US" sz="1600" spc="-1" strike="noStrike">
+            <a:endParaRPr b="0" lang="en-GB" sz="1600" spc="-1" strike="noStrike">
               <a:solidFill>
                 <a:srgbClr val="000000"/>
               </a:solidFill>
@@ -10196,7 +10166,7 @@
         <p:spPr>
           <a:xfrm>
             <a:off x="4845960" y="4206240"/>
-            <a:ext cx="1778040" cy="1770120"/>
+            <a:ext cx="1777680" cy="1769760"/>
           </a:xfrm>
           <a:prstGeom prst="rect">
             <a:avLst/>
@@ -10215,7 +10185,7 @@
         <p:spPr>
           <a:xfrm>
             <a:off x="1311840" y="5920200"/>
-            <a:ext cx="3628800" cy="670320"/>
+            <a:ext cx="3628440" cy="669960"/>
           </a:xfrm>
           <a:prstGeom prst="rect">
             <a:avLst/>
@@ -10260,7 +10230,7 @@
         <p:spPr>
           <a:xfrm>
             <a:off x="3950280" y="5903280"/>
-            <a:ext cx="3628800" cy="670320"/>
+            <a:ext cx="3628440" cy="669960"/>
           </a:xfrm>
           <a:prstGeom prst="rect">
             <a:avLst/>
@@ -10299,7 +10269,7 @@
               </a:rPr>
               <a:t>B.Sc. Sepideh Sayadkouh</a:t>
             </a:r>
-            <a:endParaRPr b="0" lang="en-US" sz="1600" spc="-1" strike="noStrike">
+            <a:endParaRPr b="0" lang="en-GB" sz="1600" spc="-1" strike="noStrike">
               <a:solidFill>
                 <a:srgbClr val="000000"/>
               </a:solidFill>
@@ -10347,7 +10317,7 @@
         <p:spPr>
           <a:xfrm>
             <a:off x="539640" y="764640"/>
-            <a:ext cx="10748160" cy="498960"/>
+            <a:ext cx="10747800" cy="498600"/>
           </a:xfrm>
           <a:prstGeom prst="rect">
             <a:avLst/>
@@ -10383,7 +10353,7 @@
               </a:rPr>
               <a:t>Self-Study Star</a:t>
             </a:r>
-            <a:endParaRPr b="0" lang="en-US" sz="2400" spc="-1" strike="noStrike">
+            <a:endParaRPr b="0" lang="en-GB" sz="2400" spc="-1" strike="noStrike">
               <a:solidFill>
                 <a:srgbClr val="000000"/>
               </a:solidFill>
@@ -10401,7 +10371,7 @@
         <p:spPr>
           <a:xfrm>
             <a:off x="539640" y="1268280"/>
-            <a:ext cx="10748160" cy="5035680"/>
+            <a:ext cx="10747800" cy="5035320"/>
           </a:xfrm>
           <a:prstGeom prst="rect">
             <a:avLst/>
@@ -10430,7 +10400,7 @@
                 <a:spcPts val="360"/>
               </a:spcBef>
             </a:pPr>
-            <a:endParaRPr b="0" lang="en-US" sz="1800" spc="-1" strike="noStrike">
+            <a:endParaRPr b="0" lang="en-GB" sz="1800" spc="-1" strike="noStrike">
               <a:solidFill>
                 <a:srgbClr val="000000"/>
               </a:solidFill>
@@ -10482,7 +10452,7 @@
               </a:rPr>
               <a:t> mandatory but could be helpful for your future career</a:t>
             </a:r>
-            <a:endParaRPr b="0" lang="en-US" sz="1800" spc="-1" strike="noStrike">
+            <a:endParaRPr b="0" lang="en-GB" sz="1800" spc="-1" strike="noStrike">
               <a:solidFill>
                 <a:srgbClr val="000000"/>
               </a:solidFill>
@@ -10498,7 +10468,7 @@
                 <a:spcPts val="360"/>
               </a:spcBef>
             </a:pPr>
-            <a:endParaRPr b="0" lang="en-US" sz="1800" spc="-1" strike="noStrike">
+            <a:endParaRPr b="0" lang="en-GB" sz="1800" spc="-1" strike="noStrike">
               <a:solidFill>
                 <a:srgbClr val="000000"/>
               </a:solidFill>
@@ -10530,7 +10500,7 @@
               </a:rPr>
               <a:t>Of course it won’t hurt to have extra knowledge to impress us during the examination ;)</a:t>
             </a:r>
-            <a:endParaRPr b="0" lang="en-US" sz="1800" spc="-1" strike="noStrike">
+            <a:endParaRPr b="0" lang="en-GB" sz="1800" spc="-1" strike="noStrike">
               <a:solidFill>
                 <a:srgbClr val="000000"/>
               </a:solidFill>
@@ -10548,7 +10518,7 @@
         <p:spPr>
           <a:xfrm>
             <a:off x="6489720" y="2132640"/>
-            <a:ext cx="517680" cy="497520"/>
+            <a:ext cx="517320" cy="497160"/>
           </a:xfrm>
           <a:prstGeom prst="star5">
             <a:avLst>
@@ -10609,7 +10579,7 @@
         <p:spPr>
           <a:xfrm>
             <a:off x="4294080" y="2247480"/>
-            <a:ext cx="2286000" cy="363960"/>
+            <a:ext cx="2285640" cy="363960"/>
           </a:xfrm>
           <a:prstGeom prst="rect">
             <a:avLst/>
@@ -10645,7 +10615,7 @@
               </a:rPr>
               <a:t>Self-Study Star → </a:t>
             </a:r>
-            <a:endParaRPr b="0" lang="en-US" sz="1800" spc="-1" strike="noStrike">
+            <a:endParaRPr b="0" lang="en-GB" sz="1800" spc="-1" strike="noStrike">
               <a:solidFill>
                 <a:srgbClr val="000000"/>
               </a:solidFill>
@@ -10693,7 +10663,7 @@
         <p:spPr>
           <a:xfrm>
             <a:off x="539640" y="764640"/>
-            <a:ext cx="10748160" cy="498960"/>
+            <a:ext cx="10747800" cy="498600"/>
           </a:xfrm>
           <a:prstGeom prst="rect">
             <a:avLst/>
@@ -10729,7 +10699,7 @@
               </a:rPr>
               <a:t>Literature</a:t>
             </a:r>
-            <a:endParaRPr b="0" lang="en-US" sz="2400" spc="-1" strike="noStrike">
+            <a:endParaRPr b="0" lang="en-GB" sz="2400" spc="-1" strike="noStrike">
               <a:solidFill>
                 <a:srgbClr val="000000"/>
               </a:solidFill>
@@ -10747,7 +10717,7 @@
         <p:spPr>
           <a:xfrm>
             <a:off x="539640" y="1268640"/>
-            <a:ext cx="10748160" cy="5035680"/>
+            <a:ext cx="10747800" cy="5035320"/>
           </a:xfrm>
           <a:prstGeom prst="rect">
             <a:avLst/>
@@ -10812,7 +10782,7 @@
               </a:rPr>
               <a:t> need to buy a book to pass the exam.</a:t>
             </a:r>
-            <a:endParaRPr b="0" lang="en-US" sz="1800" spc="-1" strike="noStrike">
+            <a:endParaRPr b="0" lang="en-GB" sz="1800" spc="-1" strike="noStrike">
               <a:solidFill>
                 <a:srgbClr val="000000"/>
               </a:solidFill>
@@ -10828,7 +10798,7 @@
                 <a:spcPts val="360"/>
               </a:spcBef>
             </a:pPr>
-            <a:endParaRPr b="0" lang="en-US" sz="1800" spc="-1" strike="noStrike">
+            <a:endParaRPr b="0" lang="en-GB" sz="1800" spc="-1" strike="noStrike">
               <a:solidFill>
                 <a:srgbClr val="000000"/>
               </a:solidFill>
@@ -10880,7 +10850,7 @@
               </a:rPr>
               <a:t> (2010).</a:t>
             </a:r>
-            <a:endParaRPr b="0" lang="en-US" sz="1800" spc="-1" strike="noStrike">
+            <a:endParaRPr b="0" lang="en-GB" sz="1800" spc="-1" strike="noStrike">
               <a:solidFill>
                 <a:srgbClr val="000000"/>
               </a:solidFill>
@@ -10932,7 +10902,7 @@
               </a:rPr>
               <a:t>(2011).</a:t>
             </a:r>
-            <a:endParaRPr b="0" lang="en-US" sz="1800" spc="-1" strike="noStrike">
+            <a:endParaRPr b="0" lang="en-GB" sz="1800" spc="-1" strike="noStrike">
               <a:solidFill>
                 <a:srgbClr val="000000"/>
               </a:solidFill>
@@ -11004,7 +10974,7 @@
               </a:rPr>
               <a:t>(2017).</a:t>
             </a:r>
-            <a:endParaRPr b="0" lang="en-US" sz="1800" spc="-1" strike="noStrike">
+            <a:endParaRPr b="0" lang="en-GB" sz="1800" spc="-1" strike="noStrike">
               <a:solidFill>
                 <a:srgbClr val="000000"/>
               </a:solidFill>
@@ -11056,7 +11026,7 @@
               </a:rPr>
               <a:t>(2021).</a:t>
             </a:r>
-            <a:endParaRPr b="0" lang="en-US" sz="1800" spc="-1" strike="noStrike">
+            <a:endParaRPr b="0" lang="en-GB" sz="1800" spc="-1" strike="noStrike">
               <a:solidFill>
                 <a:srgbClr val="000000"/>
               </a:solidFill>
@@ -11104,7 +11074,7 @@
         <p:spPr>
           <a:xfrm>
             <a:off x="335520" y="1268640"/>
-            <a:ext cx="10748160" cy="5035680"/>
+            <a:ext cx="10747800" cy="5035320"/>
           </a:xfrm>
           <a:prstGeom prst="rect">
             <a:avLst/>
@@ -11146,7 +11116,7 @@
               </a:rPr>
               <a:t>Questions?</a:t>
             </a:r>
-            <a:endParaRPr b="0" lang="en-US" sz="4000" spc="-1" strike="noStrike">
+            <a:endParaRPr b="0" lang="en-GB" sz="4000" spc="-1" strike="noStrike">
               <a:solidFill>
                 <a:srgbClr val="000000"/>
               </a:solidFill>
@@ -11164,7 +11134,7 @@
         <p:spPr>
           <a:xfrm>
             <a:off x="335520" y="764640"/>
-            <a:ext cx="10748160" cy="498960"/>
+            <a:ext cx="10747800" cy="498600"/>
           </a:xfrm>
           <a:prstGeom prst="rect">
             <a:avLst/>
@@ -11239,7 +11209,7 @@
         <p:spPr>
           <a:xfrm>
             <a:off x="542880" y="721800"/>
-            <a:ext cx="10353960" cy="494640"/>
+            <a:ext cx="10353600" cy="494280"/>
           </a:xfrm>
           <a:prstGeom prst="rect">
             <a:avLst/>
@@ -11275,7 +11245,7 @@
               </a:rPr>
               <a:t>Research Group</a:t>
             </a:r>
-            <a:endParaRPr b="0" lang="en-US" sz="2200" spc="-1" strike="noStrike">
+            <a:endParaRPr b="0" lang="en-GB" sz="2200" spc="-1" strike="noStrike">
               <a:solidFill>
                 <a:srgbClr val="000000"/>
               </a:solidFill>
@@ -11293,7 +11263,7 @@
         <p:spPr>
           <a:xfrm>
             <a:off x="451800" y="1709280"/>
-            <a:ext cx="8221320" cy="4349520"/>
+            <a:ext cx="8220960" cy="4349160"/>
           </a:xfrm>
           <a:prstGeom prst="rect">
             <a:avLst/>
@@ -11338,7 +11308,7 @@
         <p:spPr>
           <a:xfrm>
             <a:off x="609480" y="1769400"/>
-            <a:ext cx="10584360" cy="4852440"/>
+            <a:ext cx="10584000" cy="4852080"/>
           </a:xfrm>
           <a:prstGeom prst="rect">
             <a:avLst/>
@@ -11463,7 +11433,7 @@
               </a:rPr>
               <a:t>ETCE</a:t>
             </a:r>
-            <a:endParaRPr b="0" lang="en-US" sz="2000" spc="-1" strike="noStrike">
+            <a:endParaRPr b="0" lang="en-GB" sz="2000" spc="-1" strike="noStrike">
               <a:solidFill>
                 <a:srgbClr val="000000"/>
               </a:solidFill>
@@ -11495,7 +11465,7 @@
               </a:rPr>
               <a:t>Research focus:</a:t>
             </a:r>
-            <a:endParaRPr b="0" lang="en-US" sz="2000" spc="-1" strike="noStrike">
+            <a:endParaRPr b="0" lang="en-GB" sz="2000" spc="-1" strike="noStrike">
               <a:solidFill>
                 <a:srgbClr val="000000"/>
               </a:solidFill>
@@ -11527,7 +11497,7 @@
               </a:rPr>
               <a:t>Intersection of IT and sustainability</a:t>
             </a:r>
-            <a:endParaRPr b="0" lang="en-US" sz="1800" spc="-1" strike="noStrike">
+            <a:endParaRPr b="0" lang="en-GB" sz="1800" spc="-1" strike="noStrike">
               <a:solidFill>
                 <a:srgbClr val="000000"/>
               </a:solidFill>
@@ -11559,7 +11529,7 @@
               </a:rPr>
               <a:t>Circular Economy and Circular Societies</a:t>
             </a:r>
-            <a:endParaRPr b="0" lang="en-US" sz="1800" spc="-1" strike="noStrike">
+            <a:endParaRPr b="0" lang="en-GB" sz="1800" spc="-1" strike="noStrike">
               <a:solidFill>
                 <a:srgbClr val="000000"/>
               </a:solidFill>
@@ -11591,7 +11561,7 @@
               </a:rPr>
               <a:t>Self-organized, decentralized and distributed systems</a:t>
             </a:r>
-            <a:endParaRPr b="0" lang="en-US" sz="1800" spc="-1" strike="noStrike">
+            <a:endParaRPr b="0" lang="en-GB" sz="1800" spc="-1" strike="noStrike">
               <a:solidFill>
                 <a:srgbClr val="000000"/>
               </a:solidFill>
@@ -11645,7 +11615,7 @@
               </a:rPr>
               <a:t>)</a:t>
             </a:r>
-            <a:endParaRPr b="0" lang="en-US" sz="1800" spc="-1" strike="noStrike">
+            <a:endParaRPr b="0" lang="en-GB" sz="1800" spc="-1" strike="noStrike">
               <a:solidFill>
                 <a:srgbClr val="000000"/>
               </a:solidFill>
@@ -11677,7 +11647,7 @@
               </a:rPr>
               <a:t>Other courses:</a:t>
             </a:r>
-            <a:endParaRPr b="0" lang="en-US" sz="2000" spc="-1" strike="noStrike">
+            <a:endParaRPr b="0" lang="en-GB" sz="2000" spc="-1" strike="noStrike">
               <a:solidFill>
                 <a:srgbClr val="000000"/>
               </a:solidFill>
@@ -11709,7 +11679,7 @@
               </a:rPr>
               <a:t>Emerging Technologies for the Circular Economy (SS – M.Sc.)</a:t>
             </a:r>
-            <a:endParaRPr b="0" lang="en-US" sz="1800" spc="-1" strike="noStrike">
+            <a:endParaRPr b="0" lang="en-GB" sz="1800" spc="-1" strike="noStrike">
               <a:solidFill>
                 <a:srgbClr val="000000"/>
               </a:solidFill>
@@ -11741,7 +11711,7 @@
               </a:rPr>
               <a:t>The Limits to Growth – Sustainability and the Circular Economy (SS – open for everyone)</a:t>
             </a:r>
-            <a:endParaRPr b="0" lang="en-US" sz="1800" spc="-1" strike="noStrike">
+            <a:endParaRPr b="0" lang="en-GB" sz="1800" spc="-1" strike="noStrike">
               <a:solidFill>
                 <a:srgbClr val="000000"/>
               </a:solidFill>
@@ -11789,7 +11759,7 @@
         <p:spPr>
           <a:xfrm>
             <a:off x="542880" y="721800"/>
-            <a:ext cx="10353960" cy="494640"/>
+            <a:ext cx="10353600" cy="494280"/>
           </a:xfrm>
           <a:prstGeom prst="rect">
             <a:avLst/>
@@ -11825,7 +11795,7 @@
               </a:rPr>
               <a:t>Research Group</a:t>
             </a:r>
-            <a:endParaRPr b="0" lang="en-US" sz="2200" spc="-1" strike="noStrike">
+            <a:endParaRPr b="0" lang="en-GB" sz="2200" spc="-1" strike="noStrike">
               <a:solidFill>
                 <a:srgbClr val="000000"/>
               </a:solidFill>
@@ -11843,7 +11813,7 @@
         <p:spPr>
           <a:xfrm>
             <a:off x="451800" y="1709280"/>
-            <a:ext cx="8221320" cy="4349520"/>
+            <a:ext cx="8220960" cy="4349160"/>
           </a:xfrm>
           <a:prstGeom prst="rect">
             <a:avLst/>
@@ -11888,7 +11858,7 @@
         <p:spPr>
           <a:xfrm>
             <a:off x="609480" y="1769400"/>
-            <a:ext cx="10584360" cy="4852440"/>
+            <a:ext cx="10584000" cy="4852080"/>
           </a:xfrm>
           <a:prstGeom prst="rect">
             <a:avLst/>
@@ -11945,7 +11915,7 @@
               </a:rPr>
               <a:t>Link</a:t>
             </a:r>
-            <a:endParaRPr b="0" lang="en-US" sz="2000" spc="-1" strike="noStrike">
+            <a:endParaRPr b="0" lang="en-GB" sz="2000" spc="-1" strike="noStrike">
               <a:solidFill>
                 <a:srgbClr val="000000"/>
               </a:solidFill>
@@ -11977,7 +11947,7 @@
               </a:rPr>
               <a:t>Course material </a:t>
             </a:r>
-            <a:endParaRPr b="0" lang="en-US" sz="1800" spc="-1" strike="noStrike">
+            <a:endParaRPr b="0" lang="en-GB" sz="1800" spc="-1" strike="noStrike">
               <a:solidFill>
                 <a:srgbClr val="000000"/>
               </a:solidFill>
@@ -12009,7 +11979,7 @@
               </a:rPr>
               <a:t>Thesis/project topics</a:t>
             </a:r>
-            <a:endParaRPr b="0" lang="en-US" sz="1800" spc="-1" strike="noStrike">
+            <a:endParaRPr b="0" lang="en-GB" sz="1800" spc="-1" strike="noStrike">
               <a:solidFill>
                 <a:srgbClr val="000000"/>
               </a:solidFill>
@@ -12041,7 +12011,7 @@
               </a:rPr>
               <a:t>Publications</a:t>
             </a:r>
-            <a:endParaRPr b="0" lang="en-US" sz="1800" spc="-1" strike="noStrike">
+            <a:endParaRPr b="0" lang="en-GB" sz="1800" spc="-1" strike="noStrike">
               <a:solidFill>
                 <a:srgbClr val="000000"/>
               </a:solidFill>
@@ -12073,7 +12043,7 @@
               </a:rPr>
               <a:t>Etc.</a:t>
             </a:r>
-            <a:endParaRPr b="0" lang="en-US" sz="1800" spc="-1" strike="noStrike">
+            <a:endParaRPr b="0" lang="en-GB" sz="1800" spc="-1" strike="noStrike">
               <a:solidFill>
                 <a:srgbClr val="000000"/>
               </a:solidFill>
@@ -12092,7 +12062,7 @@
                 <a:tab algn="l" pos="0"/>
               </a:tabLst>
             </a:pPr>
-            <a:endParaRPr b="0" lang="en-US" sz="1800" spc="-1" strike="noStrike">
+            <a:endParaRPr b="0" lang="en-GB" sz="1800" spc="-1" strike="noStrike">
               <a:solidFill>
                 <a:srgbClr val="000000"/>
               </a:solidFill>
@@ -12127,7 +12097,7 @@
               </a:rPr>
               <a:t>Our research in action:</a:t>
             </a:r>
-            <a:endParaRPr b="0" lang="en-US" sz="2000" spc="-1" strike="noStrike">
+            <a:endParaRPr b="0" lang="en-GB" sz="2000" spc="-1" strike="noStrike">
               <a:solidFill>
                 <a:srgbClr val="000000"/>
               </a:solidFill>
@@ -12184,7 +12154,7 @@
               </a:rPr>
               <a:t> </a:t>
             </a:r>
-            <a:endParaRPr b="0" lang="en-US" sz="2000" spc="-1" strike="noStrike">
+            <a:endParaRPr b="0" lang="en-GB" sz="2000" spc="-1" strike="noStrike">
               <a:solidFill>
                 <a:srgbClr val="000000"/>
               </a:solidFill>
@@ -12241,7 +12211,7 @@
               </a:rPr>
               <a:t> </a:t>
             </a:r>
-            <a:endParaRPr b="0" lang="en-US" sz="2000" spc="-1" strike="noStrike">
+            <a:endParaRPr b="0" lang="en-GB" sz="2000" spc="-1" strike="noStrike">
               <a:solidFill>
                 <a:srgbClr val="000000"/>
               </a:solidFill>
@@ -12260,7 +12230,7 @@
                 <a:tab algn="l" pos="0"/>
               </a:tabLst>
             </a:pPr>
-            <a:endParaRPr b="0" lang="en-US" sz="2000" spc="-1" strike="noStrike">
+            <a:endParaRPr b="0" lang="en-GB" sz="2000" spc="-1" strike="noStrike">
               <a:solidFill>
                 <a:srgbClr val="000000"/>
               </a:solidFill>
@@ -12295,7 +12265,7 @@
               </a:rPr>
               <a:t>You want join us? Write us an email! </a:t>
             </a:r>
-            <a:endParaRPr b="0" lang="en-US" sz="2000" spc="-1" strike="noStrike">
+            <a:endParaRPr b="0" lang="en-GB" sz="2000" spc="-1" strike="noStrike">
               <a:solidFill>
                 <a:srgbClr val="000000"/>
               </a:solidFill>
@@ -12340,7 +12310,7 @@
               </a:rPr>
               <a:t>benjamin.leiding@tu-clausthal.de</a:t>
             </a:r>
-            <a:endParaRPr b="0" lang="en-US" sz="1600" spc="-1" strike="noStrike">
+            <a:endParaRPr b="0" lang="en-GB" sz="1600" spc="-1" strike="noStrike">
               <a:solidFill>
                 <a:srgbClr val="000000"/>
               </a:solidFill>
@@ -12388,7 +12358,7 @@
         <p:spPr>
           <a:xfrm>
             <a:off x="542880" y="721800"/>
-            <a:ext cx="10353960" cy="494640"/>
+            <a:ext cx="10353600" cy="494280"/>
           </a:xfrm>
           <a:prstGeom prst="rect">
             <a:avLst/>
@@ -12424,7 +12394,7 @@
               </a:rPr>
               <a:t>Course Content</a:t>
             </a:r>
-            <a:endParaRPr b="0" lang="en-US" sz="2200" spc="-1" strike="noStrike">
+            <a:endParaRPr b="0" lang="en-GB" sz="2200" spc="-1" strike="noStrike">
               <a:solidFill>
                 <a:srgbClr val="000000"/>
               </a:solidFill>
@@ -12442,7 +12412,7 @@
         <p:spPr>
           <a:xfrm>
             <a:off x="451800" y="1709280"/>
-            <a:ext cx="8221320" cy="4349520"/>
+            <a:ext cx="8220960" cy="4349160"/>
           </a:xfrm>
           <a:prstGeom prst="rect">
             <a:avLst/>
@@ -12487,7 +12457,7 @@
         <p:spPr>
           <a:xfrm>
             <a:off x="609480" y="1769400"/>
-            <a:ext cx="10584360" cy="4852440"/>
+            <a:ext cx="10584000" cy="4852080"/>
           </a:xfrm>
           <a:prstGeom prst="rect">
             <a:avLst/>
@@ -12532,7 +12502,7 @@
               </a:rPr>
               <a:t>Core terminology and core tasks of requirements engineering </a:t>
             </a:r>
-            <a:endParaRPr b="0" lang="en-US" sz="2000" spc="-1" strike="noStrike">
+            <a:endParaRPr b="0" lang="en-GB" sz="2000" spc="-1" strike="noStrike">
               <a:solidFill>
                 <a:srgbClr val="000000"/>
               </a:solidFill>
@@ -12564,7 +12534,7 @@
               </a:rPr>
               <a:t>Requirements engineering process</a:t>
             </a:r>
-            <a:endParaRPr b="0" lang="en-US" sz="2000" spc="-1" strike="noStrike">
+            <a:endParaRPr b="0" lang="en-GB" sz="2000" spc="-1" strike="noStrike">
               <a:solidFill>
                 <a:srgbClr val="000000"/>
               </a:solidFill>
@@ -12596,7 +12566,7 @@
               </a:rPr>
               <a:t>Elicitation techniques</a:t>
             </a:r>
-            <a:endParaRPr b="0" lang="en-US" sz="2000" spc="-1" strike="noStrike">
+            <a:endParaRPr b="0" lang="en-GB" sz="2000" spc="-1" strike="noStrike">
               <a:solidFill>
                 <a:srgbClr val="000000"/>
               </a:solidFill>
@@ -12628,7 +12598,7 @@
               </a:rPr>
               <a:t>Documentation methods </a:t>
             </a:r>
-            <a:endParaRPr b="0" lang="en-US" sz="2000" spc="-1" strike="noStrike">
+            <a:endParaRPr b="0" lang="en-GB" sz="2000" spc="-1" strike="noStrike">
               <a:solidFill>
                 <a:srgbClr val="000000"/>
               </a:solidFill>
@@ -12660,7 +12630,7 @@
               </a:rPr>
               <a:t>Textual, model-based and formal requirements specification</a:t>
             </a:r>
-            <a:endParaRPr b="0" lang="en-US" sz="2000" spc="-1" strike="noStrike">
+            <a:endParaRPr b="0" lang="en-GB" sz="2000" spc="-1" strike="noStrike">
               <a:solidFill>
                 <a:srgbClr val="000000"/>
               </a:solidFill>
@@ -12692,7 +12662,7 @@
               </a:rPr>
               <a:t>Requirements negotiation</a:t>
             </a:r>
-            <a:endParaRPr b="0" lang="en-US" sz="2000" spc="-1" strike="noStrike">
+            <a:endParaRPr b="0" lang="en-GB" sz="2000" spc="-1" strike="noStrike">
               <a:solidFill>
                 <a:srgbClr val="000000"/>
               </a:solidFill>
@@ -12724,7 +12694,7 @@
               </a:rPr>
               <a:t>Requirements Management</a:t>
             </a:r>
-            <a:endParaRPr b="0" lang="en-US" sz="2000" spc="-1" strike="noStrike">
+            <a:endParaRPr b="0" lang="en-GB" sz="2000" spc="-1" strike="noStrike">
               <a:solidFill>
                 <a:srgbClr val="000000"/>
               </a:solidFill>
@@ -12756,7 +12726,7 @@
               </a:rPr>
               <a:t>Traceability</a:t>
             </a:r>
-            <a:endParaRPr b="0" lang="en-US" sz="2000" spc="-1" strike="noStrike">
+            <a:endParaRPr b="0" lang="en-GB" sz="2000" spc="-1" strike="noStrike">
               <a:solidFill>
                 <a:srgbClr val="000000"/>
               </a:solidFill>
@@ -12788,7 +12758,7 @@
               </a:rPr>
               <a:t>Requirements validation and quality assurance</a:t>
             </a:r>
-            <a:endParaRPr b="0" lang="en-US" sz="2000" spc="-1" strike="noStrike">
+            <a:endParaRPr b="0" lang="en-GB" sz="2000" spc="-1" strike="noStrike">
               <a:solidFill>
                 <a:srgbClr val="000000"/>
               </a:solidFill>
@@ -12836,7 +12806,7 @@
         <p:spPr>
           <a:xfrm>
             <a:off x="542880" y="721800"/>
-            <a:ext cx="10353960" cy="494640"/>
+            <a:ext cx="10353600" cy="494280"/>
           </a:xfrm>
           <a:prstGeom prst="rect">
             <a:avLst/>
@@ -12872,7 +12842,7 @@
               </a:rPr>
               <a:t>Learning Outcome</a:t>
             </a:r>
-            <a:endParaRPr b="0" lang="en-US" sz="2200" spc="-1" strike="noStrike">
+            <a:endParaRPr b="0" lang="en-GB" sz="2200" spc="-1" strike="noStrike">
               <a:solidFill>
                 <a:srgbClr val="000000"/>
               </a:solidFill>
@@ -12890,7 +12860,7 @@
         <p:spPr>
           <a:xfrm>
             <a:off x="451800" y="1709280"/>
-            <a:ext cx="8221320" cy="4349520"/>
+            <a:ext cx="8220960" cy="4349160"/>
           </a:xfrm>
           <a:prstGeom prst="rect">
             <a:avLst/>
@@ -12935,7 +12905,7 @@
         <p:spPr>
           <a:xfrm>
             <a:off x="609480" y="1769400"/>
-            <a:ext cx="10584360" cy="4852440"/>
+            <a:ext cx="10584000" cy="4852080"/>
           </a:xfrm>
           <a:prstGeom prst="rect">
             <a:avLst/>
@@ -12980,7 +12950,7 @@
               </a:rPr>
               <a:t>Core terminology and core tasks of requirements engineering </a:t>
             </a:r>
-            <a:endParaRPr b="0" lang="en-US" sz="2000" spc="-1" strike="noStrike">
+            <a:endParaRPr b="0" lang="en-GB" sz="2000" spc="-1" strike="noStrike">
               <a:solidFill>
                 <a:srgbClr val="000000"/>
               </a:solidFill>
@@ -13012,7 +12982,7 @@
               </a:rPr>
               <a:t>Understanding of the requirements engineering process</a:t>
             </a:r>
-            <a:endParaRPr b="0" lang="en-US" sz="2000" spc="-1" strike="noStrike">
+            <a:endParaRPr b="0" lang="en-GB" sz="2000" spc="-1" strike="noStrike">
               <a:solidFill>
                 <a:srgbClr val="000000"/>
               </a:solidFill>
@@ -13044,7 +13014,7 @@
               </a:rPr>
               <a:t>Ability to choose, justify and apply appropriate methods and techniques for each step of the requirements engineering process given project constraints and properties</a:t>
             </a:r>
-            <a:endParaRPr b="0" lang="en-US" sz="2000" spc="-1" strike="noStrike">
+            <a:endParaRPr b="0" lang="en-GB" sz="2000" spc="-1" strike="noStrike">
               <a:solidFill>
                 <a:srgbClr val="000000"/>
               </a:solidFill>
@@ -13063,7 +13033,7 @@
                 <a:tab algn="l" pos="0"/>
               </a:tabLst>
             </a:pPr>
-            <a:endParaRPr b="0" lang="en-US" sz="2000" spc="-1" strike="noStrike">
+            <a:endParaRPr b="0" lang="en-GB" sz="2000" spc="-1" strike="noStrike">
               <a:solidFill>
                 <a:srgbClr val="000000"/>
               </a:solidFill>
@@ -13092,7 +13062,7 @@
               </a:rPr>
               <a:t>What is this course about, what is it not about? </a:t>
             </a:r>
-            <a:endParaRPr b="0" lang="en-US" sz="1600" spc="-1" strike="noStrike">
+            <a:endParaRPr b="0" lang="en-GB" sz="1600" spc="-1" strike="noStrike">
               <a:solidFill>
                 <a:srgbClr val="000000"/>
               </a:solidFill>
@@ -13140,7 +13110,7 @@
         <p:spPr>
           <a:xfrm>
             <a:off x="539640" y="764640"/>
-            <a:ext cx="10748160" cy="498960"/>
+            <a:ext cx="10747800" cy="498600"/>
           </a:xfrm>
           <a:prstGeom prst="rect">
             <a:avLst/>
@@ -13176,7 +13146,7 @@
               </a:rPr>
               <a:t>Disclaimer</a:t>
             </a:r>
-            <a:endParaRPr b="0" lang="en-US" sz="2200" spc="-1" strike="noStrike">
+            <a:endParaRPr b="0" lang="en-GB" sz="2200" spc="-1" strike="noStrike">
               <a:solidFill>
                 <a:srgbClr val="000000"/>
               </a:solidFill>
@@ -13194,7 +13164,7 @@
         <p:spPr>
           <a:xfrm>
             <a:off x="539640" y="1268280"/>
-            <a:ext cx="10748160" cy="5035680"/>
+            <a:ext cx="10747800" cy="5035320"/>
           </a:xfrm>
           <a:prstGeom prst="rect">
             <a:avLst/>
@@ -13259,7 +13229,7 @@
               </a:rPr>
               <a:t> (2010)” from Klaus Pohl</a:t>
             </a:r>
-            <a:endParaRPr b="0" lang="en-US" sz="1800" spc="-1" strike="noStrike">
+            <a:endParaRPr b="0" lang="en-GB" sz="1800" spc="-1" strike="noStrike">
               <a:solidFill>
                 <a:srgbClr val="000000"/>
               </a:solidFill>
@@ -13275,7 +13245,7 @@
                 <a:spcPts val="360"/>
               </a:spcBef>
             </a:pPr>
-            <a:endParaRPr b="0" lang="en-US" sz="1800" spc="-1" strike="noStrike">
+            <a:endParaRPr b="0" lang="en-GB" sz="1800" spc="-1" strike="noStrike">
               <a:solidFill>
                 <a:srgbClr val="000000"/>
               </a:solidFill>
@@ -13307,7 +13277,7 @@
               </a:rPr>
               <a:t>Special thanks to Prof. Dr. Steffen Herbold and Dr. Christian Bartelt, who provided valuable input in the form of the teaching materials of their requirements engineering courses. </a:t>
             </a:r>
-            <a:endParaRPr b="0" lang="en-US" sz="1800" spc="-1" strike="noStrike">
+            <a:endParaRPr b="0" lang="en-GB" sz="1800" spc="-1" strike="noStrike">
               <a:solidFill>
                 <a:srgbClr val="000000"/>
               </a:solidFill>
@@ -13355,7 +13325,7 @@
         <p:spPr>
           <a:xfrm>
             <a:off x="542880" y="721800"/>
-            <a:ext cx="10356840" cy="497520"/>
+            <a:ext cx="10356480" cy="497160"/>
           </a:xfrm>
           <a:prstGeom prst="rect">
             <a:avLst/>
@@ -13391,7 +13361,7 @@
               </a:rPr>
               <a:t>Course Content</a:t>
             </a:r>
-            <a:endParaRPr b="0" lang="en-US" sz="2200" spc="-1" strike="noStrike">
+            <a:endParaRPr b="0" lang="en-GB" sz="2200" spc="-1" strike="noStrike">
               <a:solidFill>
                 <a:srgbClr val="000000"/>
               </a:solidFill>
@@ -13413,7 +13383,7 @@
         <p:spPr>
           <a:xfrm>
             <a:off x="542880" y="2387520"/>
-            <a:ext cx="10101960" cy="2079360"/>
+            <a:ext cx="10101600" cy="2079000"/>
           </a:xfrm>
           <a:prstGeom prst="rect">
             <a:avLst/>
@@ -13462,7 +13432,7 @@
         <p:spPr>
           <a:xfrm>
             <a:off x="539640" y="764640"/>
-            <a:ext cx="10741320" cy="492120"/>
+            <a:ext cx="10740960" cy="491760"/>
           </a:xfrm>
           <a:prstGeom prst="rect">
             <a:avLst/>
@@ -13498,7 +13468,7 @@
               </a:rPr>
               <a:t>Lectures</a:t>
             </a:r>
-            <a:endParaRPr b="0" lang="en-US" sz="2400" spc="-1" strike="noStrike">
+            <a:endParaRPr b="0" lang="en-GB" sz="2400" spc="-1" strike="noStrike">
               <a:solidFill>
                 <a:srgbClr val="000000"/>
               </a:solidFill>
@@ -13516,7 +13486,7 @@
         <p:spPr>
           <a:xfrm>
             <a:off x="539640" y="1268640"/>
-            <a:ext cx="10741320" cy="5028840"/>
+            <a:ext cx="10740960" cy="5028480"/>
           </a:xfrm>
           <a:prstGeom prst="rect">
             <a:avLst/>
@@ -13561,7 +13531,7 @@
               </a:rPr>
               <a:t>26.10.2022 → No lecture </a:t>
             </a:r>
-            <a:endParaRPr b="0" lang="en-US" sz="1800" spc="-1" strike="noStrike">
+            <a:endParaRPr b="0" lang="en-GB" sz="1800" spc="-1" strike="noStrike">
               <a:solidFill>
                 <a:srgbClr val="000000"/>
               </a:solidFill>
@@ -13593,7 +13563,7 @@
               </a:rPr>
               <a:t>02.11.2022 → Organization (L00) + Introduction (L01)</a:t>
             </a:r>
-            <a:endParaRPr b="0" lang="en-US" sz="1800" spc="-1" strike="noStrike">
+            <a:endParaRPr b="0" lang="en-GB" sz="1800" spc="-1" strike="noStrike">
               <a:solidFill>
                 <a:srgbClr val="000000"/>
               </a:solidFill>
@@ -13625,7 +13595,7 @@
               </a:rPr>
               <a:t>09.11.2022 → System Context Boundaries and Types of Requirements (L02)</a:t>
             </a:r>
-            <a:endParaRPr b="0" lang="en-US" sz="1800" spc="-1" strike="noStrike">
+            <a:endParaRPr b="0" lang="en-GB" sz="1800" spc="-1" strike="noStrike">
               <a:solidFill>
                 <a:srgbClr val="000000"/>
               </a:solidFill>
@@ -13657,7 +13627,7 @@
               </a:rPr>
               <a:t>16.11.2022 → Elicitation – Part 1 (L03)</a:t>
             </a:r>
-            <a:endParaRPr b="0" lang="en-US" sz="1800" spc="-1" strike="noStrike">
+            <a:endParaRPr b="0" lang="en-GB" sz="1800" spc="-1" strike="noStrike">
               <a:solidFill>
                 <a:srgbClr val="000000"/>
               </a:solidFill>
@@ -13689,7 +13659,7 @@
               </a:rPr>
               <a:t>23.11.2022 → Elicitation – Part 2 (L04) and Negotiations (L05)</a:t>
             </a:r>
-            <a:endParaRPr b="0" lang="en-US" sz="1800" spc="-1" strike="noStrike">
+            <a:endParaRPr b="0" lang="en-GB" sz="1800" spc="-1" strike="noStrike">
               <a:solidFill>
                 <a:srgbClr val="000000"/>
               </a:solidFill>
@@ -13721,7 +13691,7 @@
               </a:rPr>
               <a:t>30.11.2022 → Documentation – Introduction (L06)</a:t>
             </a:r>
-            <a:endParaRPr b="0" lang="en-US" sz="1800" spc="-1" strike="noStrike">
+            <a:endParaRPr b="0" lang="en-GB" sz="1800" spc="-1" strike="noStrike">
               <a:solidFill>
                 <a:srgbClr val="000000"/>
               </a:solidFill>
@@ -13753,7 +13723,7 @@
               </a:rPr>
               <a:t>07.12.2022 → Documentation – Textual Requirements Specification (L07)</a:t>
             </a:r>
-            <a:endParaRPr b="0" lang="en-US" sz="1800" spc="-1" strike="noStrike">
+            <a:endParaRPr b="0" lang="en-GB" sz="1800" spc="-1" strike="noStrike">
               <a:solidFill>
                 <a:srgbClr val="000000"/>
               </a:solidFill>
@@ -13785,7 +13755,7 @@
               </a:rPr>
               <a:t>14.12.2022 → Documentation – Model-based Requirements Documentation (L08)</a:t>
             </a:r>
-            <a:endParaRPr b="0" lang="en-US" sz="1800" spc="-1" strike="noStrike">
+            <a:endParaRPr b="0" lang="en-GB" sz="1800" spc="-1" strike="noStrike">
               <a:solidFill>
                 <a:srgbClr val="000000"/>
               </a:solidFill>
@@ -13817,7 +13787,7 @@
               </a:rPr>
               <a:t>21.12.2022 → No Lecture</a:t>
             </a:r>
-            <a:endParaRPr b="0" lang="en-US" sz="1800" spc="-1" strike="noStrike">
+            <a:endParaRPr b="0" lang="en-GB" sz="1800" spc="-1" strike="noStrike">
               <a:solidFill>
                 <a:srgbClr val="000000"/>
               </a:solidFill>
@@ -13847,19 +13817,9 @@
                 <a:latin typeface="DejaVu Sans"/>
                 <a:ea typeface="DejaVu Sans"/>
               </a:rPr>
-              <a:t>11.01.2023 → </a:t>
-            </a:r>
-            <a:r>
-              <a:rPr b="0" lang="en-GB" sz="1800" spc="-1" strike="noStrike">
-                <a:solidFill>
-                  <a:srgbClr val="000000"/>
-                </a:solidFill>
-                <a:latin typeface="DejaVu Sans"/>
-                <a:ea typeface="DejaVu Sans"/>
-              </a:rPr>
-              <a:t>Documentation – Formal Requirements Specification (L09)</a:t>
-            </a:r>
-            <a:endParaRPr b="0" lang="en-US" sz="1800" spc="-1" strike="noStrike">
+              <a:t>11.01.2023 → Documentation – Formal Requirements Specification (L09)</a:t>
+            </a:r>
+            <a:endParaRPr b="0" lang="en-GB" sz="1800" spc="-1" strike="noStrike">
               <a:solidFill>
                 <a:srgbClr val="000000"/>
               </a:solidFill>
@@ -13889,19 +13849,9 @@
                 <a:latin typeface="DejaVu Sans"/>
                 <a:ea typeface="DejaVu Sans"/>
               </a:rPr>
-              <a:t>18.01.2023 → </a:t>
-            </a:r>
-            <a:r>
-              <a:rPr b="0" lang="en-GB" sz="1800" spc="-1" strike="noStrike">
-                <a:solidFill>
-                  <a:srgbClr val="000000"/>
-                </a:solidFill>
-                <a:latin typeface="DejaVu Sans"/>
-                <a:ea typeface="DejaVu Sans"/>
-              </a:rPr>
-              <a:t>Validation (L10)</a:t>
-            </a:r>
-            <a:endParaRPr b="0" lang="en-US" sz="1800" spc="-1" strike="noStrike">
+              <a:t>18.01.2023 → Validation (L10)</a:t>
+            </a:r>
+            <a:endParaRPr b="0" lang="en-GB" sz="1800" spc="-1" strike="noStrike">
               <a:solidFill>
                 <a:srgbClr val="000000"/>
               </a:solidFill>
@@ -13931,7 +13881,7 @@
                 <a:latin typeface="DejaVu Sans"/>
                 <a:ea typeface="DejaVu Sans"/>
               </a:rPr>
-              <a:t>25.01.2023 → </a:t>
+              <a:t>25.01.2023 → Traceability (L11), </a:t>
             </a:r>
             <a:r>
               <a:rPr b="0" lang="en-GB" sz="1800" spc="-1" strike="noStrike">
@@ -13941,9 +13891,9 @@
                 <a:latin typeface="DejaVu Sans"/>
                 <a:ea typeface="DejaVu Sans"/>
               </a:rPr>
-              <a:t>Traceability (L11)</a:t>
-            </a:r>
-            <a:endParaRPr b="0" lang="en-US" sz="1800" spc="-1" strike="noStrike">
+              <a:t>Requirements Management (L12) and Tool Support (L13)</a:t>
+            </a:r>
+            <a:endParaRPr b="0" lang="en-GB" sz="1800" spc="-1" strike="noStrike">
               <a:solidFill>
                 <a:srgbClr val="000000"/>
               </a:solidFill>
@@ -13973,19 +13923,9 @@
                 <a:latin typeface="DejaVu Sans"/>
                 <a:ea typeface="DejaVu Sans"/>
               </a:rPr>
-              <a:t>01.02.2023 → </a:t>
-            </a:r>
-            <a:r>
-              <a:rPr b="0" lang="en-GB" sz="1800" spc="-1" strike="noStrike">
-                <a:solidFill>
-                  <a:srgbClr val="000000"/>
-                </a:solidFill>
-                <a:latin typeface="DejaVu Sans"/>
-                <a:ea typeface="DejaVu Sans"/>
-              </a:rPr>
-              <a:t>Requirements Management (L12) and Tool Support (L13)</a:t>
-            </a:r>
-            <a:endParaRPr b="0" lang="en-US" sz="1800" spc="-1" strike="noStrike">
+              <a:t>01.02.2023 → No Lecture</a:t>
+            </a:r>
+            <a:endParaRPr b="0" lang="en-GB" sz="1800" spc="-1" strike="noStrike">
               <a:solidFill>
                 <a:srgbClr val="000000"/>
               </a:solidFill>
@@ -14017,7 +13957,7 @@
               </a:rPr>
               <a:t>08.02.2023 → Exam Q&amp;A</a:t>
             </a:r>
-            <a:endParaRPr b="0" lang="en-US" sz="1800" spc="-1" strike="noStrike">
+            <a:endParaRPr b="0" lang="en-GB" sz="1800" spc="-1" strike="noStrike">
               <a:solidFill>
                 <a:srgbClr val="000000"/>
               </a:solidFill>

--- a/Requirements-Engineering/RE-L00-Organization.pptx
+++ b/Requirements-Engineering/RE-L00-Organization.pptx
@@ -86,7 +86,25 @@
                 </a:solidFill>
                 <a:latin typeface="Arial"/>
               </a:rPr>
-              <a:t>Click to move the slide</a:t>
+              <a:t>Click to </a:t>
+            </a:r>
+            <a:r>
+              <a:rPr b="0" lang="en-US" sz="4400" spc="-1" strike="noStrike">
+                <a:solidFill>
+                  <a:srgbClr val="000000"/>
+                </a:solidFill>
+                <a:latin typeface="Arial"/>
+              </a:rPr>
+              <a:t>move </a:t>
+            </a:r>
+            <a:r>
+              <a:rPr b="0" lang="en-US" sz="4400" spc="-1" strike="noStrike">
+                <a:solidFill>
+                  <a:srgbClr val="000000"/>
+                </a:solidFill>
+                <a:latin typeface="Arial"/>
+              </a:rPr>
+              <a:t>the slide</a:t>
             </a:r>
             <a:endParaRPr b="0" lang="en-US" sz="4400" spc="-1" strike="noStrike">
               <a:solidFill>
@@ -135,7 +153,7 @@
                 </a:solidFill>
                 <a:latin typeface="Arial"/>
               </a:rPr>
-              <a:t>Click to </a:t>
+              <a:t>Click to edit the </a:t>
             </a:r>
             <a:r>
               <a:rPr b="0" lang="en-US" sz="2000" spc="-1" strike="noStrike">
@@ -144,25 +162,7 @@
                 </a:solidFill>
                 <a:latin typeface="Arial"/>
               </a:rPr>
-              <a:t>edit the </a:t>
-            </a:r>
-            <a:r>
-              <a:rPr b="0" lang="en-US" sz="2000" spc="-1" strike="noStrike">
-                <a:solidFill>
-                  <a:srgbClr val="000000"/>
-                </a:solidFill>
-                <a:latin typeface="Arial"/>
-              </a:rPr>
-              <a:t>notes </a:t>
-            </a:r>
-            <a:r>
-              <a:rPr b="0" lang="en-US" sz="2000" spc="-1" strike="noStrike">
-                <a:solidFill>
-                  <a:srgbClr val="000000"/>
-                </a:solidFill>
-                <a:latin typeface="Arial"/>
-              </a:rPr>
-              <a:t>format</a:t>
+              <a:t>notes format</a:t>
             </a:r>
             <a:endParaRPr b="0" lang="en-US" sz="2000" spc="-1" strike="noStrike">
               <a:solidFill>
@@ -384,7 +384,7 @@
             <a:pPr indent="0" algn="r">
               <a:buNone/>
             </a:pPr>
-            <a:fld id="{950D683D-8E71-4650-9F0F-70D10802E6A8}" type="slidenum">
+            <a:fld id="{A90EE719-E259-48F3-8B19-45382F1FCA3A}" type="slidenum">
               <a:rPr b="0" lang="en-US" sz="1400" spc="-1" strike="noStrike">
                 <a:solidFill>
                   <a:srgbClr val="000000"/>
@@ -523,7 +523,7 @@
                 <a:spcPct val="100000"/>
               </a:lnSpc>
             </a:pPr>
-            <a:fld id="{C1EA1556-1C40-4752-98D5-E1DDF0E99B15}" type="slidenum">
+            <a:fld id="{09F80757-9944-4B2B-AA8E-9B3C16B79C7F}" type="slidenum">
               <a:rPr b="0" lang="en-GB" sz="1800" spc="-1" strike="noStrike">
                 <a:solidFill>
                   <a:srgbClr val="000000"/>
@@ -531,7 +531,7 @@
                 <a:latin typeface="+mn-lt"/>
                 <a:ea typeface="+mn-ea"/>
               </a:rPr>
-              <a:t>6</a:t>
+              <a:t>&lt;number&gt;</a:t>
             </a:fld>
             <a:endParaRPr b="0" lang="en-US" sz="1800" spc="-1" strike="noStrike">
               <a:solidFill>
@@ -662,7 +662,7 @@
                 <a:spcPct val="100000"/>
               </a:lnSpc>
             </a:pPr>
-            <a:fld id="{8ACD05F0-42D1-4C68-A0B4-7B96301260EF}" type="slidenum">
+            <a:fld id="{4F165A65-11B0-439A-8F94-176C00D43AB3}" type="slidenum">
               <a:rPr b="0" lang="en-GB" sz="1800" spc="-1" strike="noStrike">
                 <a:solidFill>
                   <a:srgbClr val="000000"/>
@@ -670,7 +670,7 @@
                 <a:latin typeface="+mn-lt"/>
                 <a:ea typeface="+mn-ea"/>
               </a:rPr>
-              <a:t>6</a:t>
+              <a:t>&lt;number&gt;</a:t>
             </a:fld>
             <a:endParaRPr b="0" lang="en-US" sz="1800" spc="-1" strike="noStrike">
               <a:solidFill>
@@ -801,7 +801,7 @@
                 <a:spcPct val="100000"/>
               </a:lnSpc>
             </a:pPr>
-            <a:fld id="{30382E08-B925-40C0-BE2A-3E2A7681D049}" type="slidenum">
+            <a:fld id="{61CA2DD0-A172-402C-AB5B-FA52D930E3A2}" type="slidenum">
               <a:rPr b="0" lang="en-GB" sz="1800" spc="-1" strike="noStrike">
                 <a:solidFill>
                   <a:srgbClr val="000000"/>
@@ -809,7 +809,7 @@
                 <a:latin typeface="+mn-lt"/>
                 <a:ea typeface="+mn-ea"/>
               </a:rPr>
-              <a:t>6</a:t>
+              <a:t>&lt;number&gt;</a:t>
             </a:fld>
             <a:endParaRPr b="0" lang="en-US" sz="1800" spc="-1" strike="noStrike">
               <a:solidFill>
@@ -940,7 +940,7 @@
                 <a:spcPct val="100000"/>
               </a:lnSpc>
             </a:pPr>
-            <a:fld id="{3B4E1B17-0FD3-4312-AA8F-74245F552DA2}" type="slidenum">
+            <a:fld id="{B87D4EFD-E1B5-462F-8156-E61C0170C98A}" type="slidenum">
               <a:rPr b="0" lang="en-GB" sz="1800" spc="-1" strike="noStrike">
                 <a:solidFill>
                   <a:srgbClr val="000000"/>
@@ -948,7 +948,7 @@
                 <a:latin typeface="+mn-lt"/>
                 <a:ea typeface="+mn-ea"/>
               </a:rPr>
-              <a:t>6</a:t>
+              <a:t>&lt;number&gt;</a:t>
             </a:fld>
             <a:endParaRPr b="0" lang="en-US" sz="1800" spc="-1" strike="noStrike">
               <a:solidFill>
@@ -4620,7 +4620,7 @@
                 <a:spcPct val="100000"/>
               </a:lnSpc>
             </a:pPr>
-            <a:fld id="{582C1749-CD0D-4386-AD8A-ADB661C53929}" type="slidenum">
+            <a:fld id="{60B2B569-678F-4E00-893A-57C25C73BE83}" type="slidenum">
               <a:rPr b="0" lang="en-US" sz="1800" spc="-1" strike="noStrike">
                 <a:solidFill>
                   <a:srgbClr val="808080"/>
@@ -4916,7 +4916,7 @@
                 </a:solidFill>
                 <a:latin typeface="Arial"/>
               </a:rPr>
-              <a:t>Clic</a:t>
+              <a:t>Click to </a:t>
             </a:r>
             <a:r>
               <a:rPr b="0" lang="en-US" sz="4400" spc="-1" strike="noStrike">
@@ -4925,7 +4925,7 @@
                 </a:solidFill>
                 <a:latin typeface="Arial"/>
               </a:rPr>
-              <a:t>k to </a:t>
+              <a:t>edit the </a:t>
             </a:r>
             <a:r>
               <a:rPr b="0" lang="en-US" sz="4400" spc="-1" strike="noStrike">
@@ -4934,7 +4934,7 @@
                 </a:solidFill>
                 <a:latin typeface="Arial"/>
               </a:rPr>
-              <a:t>edit </a:t>
+              <a:t>title text </a:t>
             </a:r>
             <a:r>
               <a:rPr b="0" lang="en-US" sz="4400" spc="-1" strike="noStrike">
@@ -4943,43 +4943,7 @@
                 </a:solidFill>
                 <a:latin typeface="Arial"/>
               </a:rPr>
-              <a:t>the </a:t>
-            </a:r>
-            <a:r>
-              <a:rPr b="0" lang="en-US" sz="4400" spc="-1" strike="noStrike">
-                <a:solidFill>
-                  <a:srgbClr val="000000"/>
-                </a:solidFill>
-                <a:latin typeface="Arial"/>
-              </a:rPr>
-              <a:t>title </a:t>
-            </a:r>
-            <a:r>
-              <a:rPr b="0" lang="en-US" sz="4400" spc="-1" strike="noStrike">
-                <a:solidFill>
-                  <a:srgbClr val="000000"/>
-                </a:solidFill>
-                <a:latin typeface="Arial"/>
-              </a:rPr>
-              <a:t>text </a:t>
-            </a:r>
-            <a:r>
-              <a:rPr b="0" lang="en-US" sz="4400" spc="-1" strike="noStrike">
-                <a:solidFill>
-                  <a:srgbClr val="000000"/>
-                </a:solidFill>
-                <a:latin typeface="Arial"/>
-              </a:rPr>
-              <a:t>form</a:t>
-            </a:r>
-            <a:r>
-              <a:rPr b="0" lang="en-US" sz="4400" spc="-1" strike="noStrike">
-                <a:solidFill>
-                  <a:srgbClr val="000000"/>
-                </a:solidFill>
-                <a:latin typeface="Arial"/>
-              </a:rPr>
-              <a:t>at</a:t>
+              <a:t>format</a:t>
             </a:r>
             <a:endParaRPr b="0" lang="en-US" sz="4400" spc="-1" strike="noStrike">
               <a:solidFill>
@@ -5343,7 +5307,7 @@
                 <a:spcPct val="100000"/>
               </a:lnSpc>
             </a:pPr>
-            <a:fld id="{ACA11B94-CF98-43AD-9F96-0EABE8E15395}" type="slidenum">
+            <a:fld id="{620523A7-CD93-49ED-87CE-03DA3A6F5008}" type="slidenum">
               <a:rPr b="0" lang="en-US" sz="1800" spc="-1" strike="noStrike">
                 <a:solidFill>
                   <a:srgbClr val="808080"/>
@@ -5537,7 +5501,7 @@
                 <a:spcPct val="100000"/>
               </a:lnSpc>
             </a:pPr>
-            <a:fld id="{FCD84237-D9C4-44A8-8954-CB71286789B1}" type="slidenum">
+            <a:fld id="{541358CA-2D7B-4130-A71F-66D4C8DF3EFD}" type="slidenum">
               <a:rPr b="0" lang="en-US" sz="1800" spc="-1" strike="noStrike">
                 <a:solidFill>
                   <a:srgbClr val="808080"/>
@@ -5648,7 +5612,7 @@
                 </a:solidFill>
                 <a:latin typeface="Arial"/>
               </a:rPr>
-              <a:t>Click </a:t>
+              <a:t>Click to </a:t>
             </a:r>
             <a:r>
               <a:rPr b="0" lang="en-US" sz="4400" spc="-1" strike="noStrike">
@@ -5657,7 +5621,7 @@
                 </a:solidFill>
                 <a:latin typeface="Arial"/>
               </a:rPr>
-              <a:t>to edit </a:t>
+              <a:t>edit the </a:t>
             </a:r>
             <a:r>
               <a:rPr b="0" lang="en-US" sz="4400" spc="-1" strike="noStrike">
@@ -5666,7 +5630,7 @@
                 </a:solidFill>
                 <a:latin typeface="Arial"/>
               </a:rPr>
-              <a:t>the </a:t>
+              <a:t>title text </a:t>
             </a:r>
             <a:r>
               <a:rPr b="0" lang="en-US" sz="4400" spc="-1" strike="noStrike">
@@ -5675,34 +5639,7 @@
                 </a:solidFill>
                 <a:latin typeface="Arial"/>
               </a:rPr>
-              <a:t>title </a:t>
-            </a:r>
-            <a:r>
-              <a:rPr b="0" lang="en-US" sz="4400" spc="-1" strike="noStrike">
-                <a:solidFill>
-                  <a:srgbClr val="000000"/>
-                </a:solidFill>
-                <a:latin typeface="Arial"/>
-              </a:rPr>
-              <a:t>text </a:t>
-            </a:r>
-            <a:r>
-              <a:rPr b="0" lang="en-US" sz="4400" spc="-1" strike="noStrike">
-                <a:solidFill>
-                  <a:srgbClr val="000000"/>
-                </a:solidFill>
-                <a:latin typeface="Arial"/>
-              </a:rPr>
-              <a:t>forma</a:t>
-            </a:r>
-            <a:r>
-              <a:rPr b="0" lang="en-US" sz="4400" spc="-1" strike="noStrike">
-                <a:solidFill>
-                  <a:srgbClr val="000000"/>
-                </a:solidFill>
-                <a:latin typeface="Arial"/>
-              </a:rPr>
-              <a:t>t</a:t>
+              <a:t>format</a:t>
             </a:r>
             <a:endParaRPr b="0" lang="en-US" sz="4400" spc="-1" strike="noStrike">
               <a:solidFill>
@@ -6797,7 +6734,7 @@
                           <a:latin typeface="DejaVu Sans"/>
                           <a:ea typeface="WenQuanYi Zen Hei"/>
                         </a:rPr>
-                        <a:t>E02 – Elicitation I, E02 – Elicitation II</a:t>
+                        <a:t>E02 – Elicitation I, E03 – Elicitation II</a:t>
                       </a:r>
                       <a:endParaRPr b="0" lang="en-US" sz="1500" spc="-1" strike="noStrike">
                         <a:solidFill>

--- a/Requirements-Engineering/RE-L00-Organization.pptx
+++ b/Requirements-Engineering/RE-L00-Organization.pptx
@@ -86,25 +86,7 @@
                 </a:solidFill>
                 <a:latin typeface="Arial"/>
               </a:rPr>
-              <a:t>Click to </a:t>
-            </a:r>
-            <a:r>
-              <a:rPr b="0" lang="en-US" sz="4400" spc="-1" strike="noStrike">
-                <a:solidFill>
-                  <a:srgbClr val="000000"/>
-                </a:solidFill>
-                <a:latin typeface="Arial"/>
-              </a:rPr>
-              <a:t>move </a:t>
-            </a:r>
-            <a:r>
-              <a:rPr b="0" lang="en-US" sz="4400" spc="-1" strike="noStrike">
-                <a:solidFill>
-                  <a:srgbClr val="000000"/>
-                </a:solidFill>
-                <a:latin typeface="Arial"/>
-              </a:rPr>
-              <a:t>the slide</a:t>
+              <a:t>Click to move the slide</a:t>
             </a:r>
             <a:endParaRPr b="0" lang="en-US" sz="4400" spc="-1" strike="noStrike">
               <a:solidFill>
@@ -153,7 +135,7 @@
                 </a:solidFill>
                 <a:latin typeface="Arial"/>
               </a:rPr>
-              <a:t>Click to edit the </a:t>
+              <a:t>Click </a:t>
             </a:r>
             <a:r>
               <a:rPr b="0" lang="en-US" sz="2000" spc="-1" strike="noStrike">
@@ -162,7 +144,70 @@
                 </a:solidFill>
                 <a:latin typeface="Arial"/>
               </a:rPr>
-              <a:t>notes format</a:t>
+              <a:t>to </a:t>
+            </a:r>
+            <a:r>
+              <a:rPr b="0" lang="en-US" sz="2000" spc="-1" strike="noStrike">
+                <a:solidFill>
+                  <a:srgbClr val="000000"/>
+                </a:solidFill>
+                <a:latin typeface="Arial"/>
+              </a:rPr>
+              <a:t>edit </a:t>
+            </a:r>
+            <a:r>
+              <a:rPr b="0" lang="en-US" sz="2000" spc="-1" strike="noStrike">
+                <a:solidFill>
+                  <a:srgbClr val="000000"/>
+                </a:solidFill>
+                <a:latin typeface="Arial"/>
+              </a:rPr>
+              <a:t>the </a:t>
+            </a:r>
+            <a:r>
+              <a:rPr b="0" lang="en-US" sz="2000" spc="-1" strike="noStrike">
+                <a:solidFill>
+                  <a:srgbClr val="000000"/>
+                </a:solidFill>
+                <a:latin typeface="Arial"/>
+              </a:rPr>
+              <a:t>not</a:t>
+            </a:r>
+            <a:r>
+              <a:rPr b="0" lang="en-US" sz="2000" spc="-1" strike="noStrike">
+                <a:solidFill>
+                  <a:srgbClr val="000000"/>
+                </a:solidFill>
+                <a:latin typeface="Arial"/>
+              </a:rPr>
+              <a:t>es </a:t>
+            </a:r>
+            <a:r>
+              <a:rPr b="0" lang="en-US" sz="2000" spc="-1" strike="noStrike">
+                <a:solidFill>
+                  <a:srgbClr val="000000"/>
+                </a:solidFill>
+                <a:latin typeface="Arial"/>
+              </a:rPr>
+              <a:t>for</a:t>
+            </a:r>
+            <a:r>
+              <a:rPr b="0" lang="en-US" sz="2000" spc="-1" strike="noStrike">
+                <a:solidFill>
+                  <a:srgbClr val="000000"/>
+                </a:solidFill>
+                <a:latin typeface="Arial"/>
+              </a:rPr>
+              <a:t>ma</a:t>
+            </a:r>
+            <a:r>
+              <a:rPr b="0" lang="en-US" sz="2000" spc="-1" strike="noStrike">
+                <a:solidFill>
+                  <a:srgbClr val="000000"/>
+                </a:solidFill>
+                <a:latin typeface="Arial"/>
+              </a:rPr>
+              <a:t>t</a:t>
             </a:r>
             <a:endParaRPr b="0" lang="en-US" sz="2000" spc="-1" strike="noStrike">
               <a:solidFill>
@@ -384,7 +429,7 @@
             <a:pPr indent="0" algn="r">
               <a:buNone/>
             </a:pPr>
-            <a:fld id="{A90EE719-E259-48F3-8B19-45382F1FCA3A}" type="slidenum">
+            <a:fld id="{C4D49352-98D4-4007-9496-8CCC92C9D342}" type="slidenum">
               <a:rPr b="0" lang="en-US" sz="1400" spc="-1" strike="noStrike">
                 <a:solidFill>
                   <a:srgbClr val="000000"/>
@@ -438,7 +483,7 @@
         <p:spPr>
           <a:xfrm>
             <a:off x="533520" y="763560"/>
-            <a:ext cx="6695280" cy="3763440"/>
+            <a:ext cx="6694920" cy="3763080"/>
           </a:xfrm>
           <a:prstGeom prst="rect">
             <a:avLst/>
@@ -461,7 +506,7 @@
         <p:spPr>
           <a:xfrm>
             <a:off x="777240" y="4777560"/>
-            <a:ext cx="6208920" cy="4517280"/>
+            <a:ext cx="6208560" cy="4516920"/>
           </a:xfrm>
           <a:prstGeom prst="rect">
             <a:avLst/>
@@ -497,7 +542,7 @@
         <p:spPr>
           <a:xfrm>
             <a:off x="4399200" y="9555480"/>
-            <a:ext cx="3364200" cy="493920"/>
+            <a:ext cx="3363840" cy="493560"/>
           </a:xfrm>
           <a:prstGeom prst="rect">
             <a:avLst/>
@@ -523,7 +568,7 @@
                 <a:spcPct val="100000"/>
               </a:lnSpc>
             </a:pPr>
-            <a:fld id="{09F80757-9944-4B2B-AA8E-9B3C16B79C7F}" type="slidenum">
+            <a:fld id="{C5F8911A-5C08-46A1-A365-A1A4EAC054F4}" type="slidenum">
               <a:rPr b="0" lang="en-GB" sz="1800" spc="-1" strike="noStrike">
                 <a:solidFill>
                   <a:srgbClr val="000000"/>
@@ -577,7 +622,7 @@
         <p:spPr>
           <a:xfrm>
             <a:off x="533520" y="763560"/>
-            <a:ext cx="6695280" cy="3763440"/>
+            <a:ext cx="6694920" cy="3763080"/>
           </a:xfrm>
           <a:prstGeom prst="rect">
             <a:avLst/>
@@ -600,7 +645,7 @@
         <p:spPr>
           <a:xfrm>
             <a:off x="777240" y="4777560"/>
-            <a:ext cx="6208920" cy="4517280"/>
+            <a:ext cx="6208560" cy="4516920"/>
           </a:xfrm>
           <a:prstGeom prst="rect">
             <a:avLst/>
@@ -636,7 +681,7 @@
         <p:spPr>
           <a:xfrm>
             <a:off x="4399200" y="9555480"/>
-            <a:ext cx="3364200" cy="493920"/>
+            <a:ext cx="3363840" cy="493560"/>
           </a:xfrm>
           <a:prstGeom prst="rect">
             <a:avLst/>
@@ -662,7 +707,7 @@
                 <a:spcPct val="100000"/>
               </a:lnSpc>
             </a:pPr>
-            <a:fld id="{4F165A65-11B0-439A-8F94-176C00D43AB3}" type="slidenum">
+            <a:fld id="{FDBBC06B-4D98-45A5-A738-4B11776CBC5C}" type="slidenum">
               <a:rPr b="0" lang="en-GB" sz="1800" spc="-1" strike="noStrike">
                 <a:solidFill>
                   <a:srgbClr val="000000"/>
@@ -716,7 +761,7 @@
         <p:spPr>
           <a:xfrm>
             <a:off x="533520" y="763560"/>
-            <a:ext cx="6695280" cy="3763440"/>
+            <a:ext cx="6694920" cy="3763080"/>
           </a:xfrm>
           <a:prstGeom prst="rect">
             <a:avLst/>
@@ -739,7 +784,7 @@
         <p:spPr>
           <a:xfrm>
             <a:off x="777240" y="4777560"/>
-            <a:ext cx="6208920" cy="4517280"/>
+            <a:ext cx="6208560" cy="4516920"/>
           </a:xfrm>
           <a:prstGeom prst="rect">
             <a:avLst/>
@@ -775,7 +820,7 @@
         <p:spPr>
           <a:xfrm>
             <a:off x="4399200" y="9555480"/>
-            <a:ext cx="3364200" cy="493920"/>
+            <a:ext cx="3363840" cy="493560"/>
           </a:xfrm>
           <a:prstGeom prst="rect">
             <a:avLst/>
@@ -801,7 +846,7 @@
                 <a:spcPct val="100000"/>
               </a:lnSpc>
             </a:pPr>
-            <a:fld id="{61CA2DD0-A172-402C-AB5B-FA52D930E3A2}" type="slidenum">
+            <a:fld id="{49582A8A-A0CC-4086-8142-EB415D9E90DF}" type="slidenum">
               <a:rPr b="0" lang="en-GB" sz="1800" spc="-1" strike="noStrike">
                 <a:solidFill>
                   <a:srgbClr val="000000"/>
@@ -855,7 +900,7 @@
         <p:spPr>
           <a:xfrm>
             <a:off x="533520" y="763560"/>
-            <a:ext cx="6695280" cy="3763440"/>
+            <a:ext cx="6694920" cy="3763080"/>
           </a:xfrm>
           <a:prstGeom prst="rect">
             <a:avLst/>
@@ -878,7 +923,7 @@
         <p:spPr>
           <a:xfrm>
             <a:off x="777240" y="4777560"/>
-            <a:ext cx="6208920" cy="4517280"/>
+            <a:ext cx="6208560" cy="4516920"/>
           </a:xfrm>
           <a:prstGeom prst="rect">
             <a:avLst/>
@@ -914,7 +959,7 @@
         <p:spPr>
           <a:xfrm>
             <a:off x="4399200" y="9555480"/>
-            <a:ext cx="3364200" cy="493920"/>
+            <a:ext cx="3363840" cy="493560"/>
           </a:xfrm>
           <a:prstGeom prst="rect">
             <a:avLst/>
@@ -940,7 +985,7 @@
                 <a:spcPct val="100000"/>
               </a:lnSpc>
             </a:pPr>
-            <a:fld id="{B87D4EFD-E1B5-462F-8156-E61C0170C98A}" type="slidenum">
+            <a:fld id="{AF98E903-AE26-4B04-AD93-ADAD388CACF9}" type="slidenum">
               <a:rPr b="0" lang="en-GB" sz="1800" spc="-1" strike="noStrike">
                 <a:solidFill>
                   <a:srgbClr val="000000"/>
@@ -4545,7 +4590,7 @@
         <p:spPr>
           <a:xfrm>
             <a:off x="11444760" y="0"/>
-            <a:ext cx="742320" cy="6851160"/>
+            <a:ext cx="741960" cy="6850800"/>
           </a:xfrm>
           <a:prstGeom prst="rect">
             <a:avLst/>
@@ -4594,7 +4639,7 @@
         <p:spPr>
           <a:xfrm>
             <a:off x="11438640" y="6453360"/>
-            <a:ext cx="759240" cy="363960"/>
+            <a:ext cx="758880" cy="363960"/>
           </a:xfrm>
           <a:prstGeom prst="rect">
             <a:avLst/>
@@ -4620,7 +4665,7 @@
                 <a:spcPct val="100000"/>
               </a:lnSpc>
             </a:pPr>
-            <a:fld id="{60B2B569-678F-4E00-893A-57C25C73BE83}" type="slidenum">
+            <a:fld id="{827BEE76-0EF0-4C25-8642-8BB7D1F908A8}" type="slidenum">
               <a:rPr b="0" lang="en-US" sz="1800" spc="-1" strike="noStrike">
                 <a:solidFill>
                   <a:srgbClr val="808080"/>
@@ -4648,7 +4693,7 @@
         <p:spPr>
           <a:xfrm>
             <a:off x="912240" y="1268280"/>
-            <a:ext cx="9209160" cy="362520"/>
+            <a:ext cx="9208800" cy="362160"/>
           </a:xfrm>
           <a:prstGeom prst="rect">
             <a:avLst/>
@@ -4697,7 +4742,7 @@
         <p:spPr>
           <a:xfrm>
             <a:off x="0" y="0"/>
-            <a:ext cx="3053160" cy="563040"/>
+            <a:ext cx="3052800" cy="562680"/>
           </a:xfrm>
           <a:prstGeom prst="rect">
             <a:avLst/>
@@ -4720,7 +4765,7 @@
         <p:spPr>
           <a:xfrm>
             <a:off x="7430400" y="134640"/>
-            <a:ext cx="3699000" cy="515160"/>
+            <a:ext cx="3698640" cy="514800"/>
           </a:xfrm>
           <a:prstGeom prst="rect">
             <a:avLst/>
@@ -4739,7 +4784,7 @@
         <p:spPr>
           <a:xfrm>
             <a:off x="912240" y="1268280"/>
-            <a:ext cx="9209160" cy="362520"/>
+            <a:ext cx="9208800" cy="362160"/>
           </a:xfrm>
           <a:prstGeom prst="rect">
             <a:avLst/>
@@ -4784,7 +4829,7 @@
         <p:spPr>
           <a:xfrm>
             <a:off x="11444760" y="0"/>
-            <a:ext cx="742320" cy="6851160"/>
+            <a:ext cx="741960" cy="6850800"/>
           </a:xfrm>
           <a:prstGeom prst="rect">
             <a:avLst/>
@@ -4833,7 +4878,7 @@
         <p:spPr>
           <a:xfrm>
             <a:off x="0" y="6642720"/>
-            <a:ext cx="12185280" cy="211320"/>
+            <a:ext cx="12184920" cy="211320"/>
           </a:xfrm>
           <a:prstGeom prst="rect">
             <a:avLst/>
@@ -4916,7 +4961,7 @@
                 </a:solidFill>
                 <a:latin typeface="Arial"/>
               </a:rPr>
-              <a:t>Click to </a:t>
+              <a:t>Cl</a:t>
             </a:r>
             <a:r>
               <a:rPr b="0" lang="en-US" sz="4400" spc="-1" strike="noStrike">
@@ -4925,7 +4970,7 @@
                 </a:solidFill>
                 <a:latin typeface="Arial"/>
               </a:rPr>
-              <a:t>edit the </a:t>
+              <a:t>ic</a:t>
             </a:r>
             <a:r>
               <a:rPr b="0" lang="en-US" sz="4400" spc="-1" strike="noStrike">
@@ -4934,7 +4979,7 @@
                 </a:solidFill>
                 <a:latin typeface="Arial"/>
               </a:rPr>
-              <a:t>title text </a:t>
+              <a:t>k </a:t>
             </a:r>
             <a:r>
               <a:rPr b="0" lang="en-US" sz="4400" spc="-1" strike="noStrike">
@@ -4943,7 +4988,115 @@
                 </a:solidFill>
                 <a:latin typeface="Arial"/>
               </a:rPr>
-              <a:t>format</a:t>
+              <a:t>to </a:t>
+            </a:r>
+            <a:r>
+              <a:rPr b="0" lang="en-US" sz="4400" spc="-1" strike="noStrike">
+                <a:solidFill>
+                  <a:srgbClr val="000000"/>
+                </a:solidFill>
+                <a:latin typeface="Arial"/>
+              </a:rPr>
+              <a:t>ed</a:t>
+            </a:r>
+            <a:r>
+              <a:rPr b="0" lang="en-US" sz="4400" spc="-1" strike="noStrike">
+                <a:solidFill>
+                  <a:srgbClr val="000000"/>
+                </a:solidFill>
+                <a:latin typeface="Arial"/>
+              </a:rPr>
+              <a:t>it </a:t>
+            </a:r>
+            <a:r>
+              <a:rPr b="0" lang="en-US" sz="4400" spc="-1" strike="noStrike">
+                <a:solidFill>
+                  <a:srgbClr val="000000"/>
+                </a:solidFill>
+                <a:latin typeface="Arial"/>
+              </a:rPr>
+              <a:t>th</a:t>
+            </a:r>
+            <a:r>
+              <a:rPr b="0" lang="en-US" sz="4400" spc="-1" strike="noStrike">
+                <a:solidFill>
+                  <a:srgbClr val="000000"/>
+                </a:solidFill>
+                <a:latin typeface="Arial"/>
+              </a:rPr>
+              <a:t>e </a:t>
+            </a:r>
+            <a:r>
+              <a:rPr b="0" lang="en-US" sz="4400" spc="-1" strike="noStrike">
+                <a:solidFill>
+                  <a:srgbClr val="000000"/>
+                </a:solidFill>
+                <a:latin typeface="Arial"/>
+              </a:rPr>
+              <a:t>titl</a:t>
+            </a:r>
+            <a:r>
+              <a:rPr b="0" lang="en-US" sz="4400" spc="-1" strike="noStrike">
+                <a:solidFill>
+                  <a:srgbClr val="000000"/>
+                </a:solidFill>
+                <a:latin typeface="Arial"/>
+              </a:rPr>
+              <a:t>e </a:t>
+            </a:r>
+            <a:r>
+              <a:rPr b="0" lang="en-US" sz="4400" spc="-1" strike="noStrike">
+                <a:solidFill>
+                  <a:srgbClr val="000000"/>
+                </a:solidFill>
+                <a:latin typeface="Arial"/>
+              </a:rPr>
+              <a:t>te</a:t>
+            </a:r>
+            <a:r>
+              <a:rPr b="0" lang="en-US" sz="4400" spc="-1" strike="noStrike">
+                <a:solidFill>
+                  <a:srgbClr val="000000"/>
+                </a:solidFill>
+                <a:latin typeface="Arial"/>
+              </a:rPr>
+              <a:t>xt </a:t>
+            </a:r>
+            <a:r>
+              <a:rPr b="0" lang="en-US" sz="4400" spc="-1" strike="noStrike">
+                <a:solidFill>
+                  <a:srgbClr val="000000"/>
+                </a:solidFill>
+                <a:latin typeface="Arial"/>
+              </a:rPr>
+              <a:t>fo</a:t>
+            </a:r>
+            <a:r>
+              <a:rPr b="0" lang="en-US" sz="4400" spc="-1" strike="noStrike">
+                <a:solidFill>
+                  <a:srgbClr val="000000"/>
+                </a:solidFill>
+                <a:latin typeface="Arial"/>
+              </a:rPr>
+              <a:t>r</a:t>
+            </a:r>
+            <a:r>
+              <a:rPr b="0" lang="en-US" sz="4400" spc="-1" strike="noStrike">
+                <a:solidFill>
+                  <a:srgbClr val="000000"/>
+                </a:solidFill>
+                <a:latin typeface="Arial"/>
+              </a:rPr>
+              <a:t>m</a:t>
+            </a:r>
+            <a:r>
+              <a:rPr b="0" lang="en-US" sz="4400" spc="-1" strike="noStrike">
+                <a:solidFill>
+                  <a:srgbClr val="000000"/>
+                </a:solidFill>
+                <a:latin typeface="Arial"/>
+              </a:rPr>
+              <a:t>at</a:t>
             </a:r>
             <a:endParaRPr b="0" lang="en-US" sz="4400" spc="-1" strike="noStrike">
               <a:solidFill>
@@ -5232,7 +5385,7 @@
         <p:spPr>
           <a:xfrm>
             <a:off x="11444760" y="0"/>
-            <a:ext cx="742320" cy="6851160"/>
+            <a:ext cx="741960" cy="6850800"/>
           </a:xfrm>
           <a:prstGeom prst="rect">
             <a:avLst/>
@@ -5281,7 +5434,7 @@
         <p:spPr>
           <a:xfrm>
             <a:off x="11438640" y="6453360"/>
-            <a:ext cx="759240" cy="363960"/>
+            <a:ext cx="758880" cy="363960"/>
           </a:xfrm>
           <a:prstGeom prst="rect">
             <a:avLst/>
@@ -5307,7 +5460,7 @@
                 <a:spcPct val="100000"/>
               </a:lnSpc>
             </a:pPr>
-            <a:fld id="{620523A7-CD93-49ED-87CE-03DA3A6F5008}" type="slidenum">
+            <a:fld id="{17A7646B-1AD2-4E8B-9B7F-8343B04FAA55}" type="slidenum">
               <a:rPr b="0" lang="en-US" sz="1800" spc="-1" strike="noStrike">
                 <a:solidFill>
                   <a:srgbClr val="808080"/>
@@ -5335,7 +5488,7 @@
         <p:spPr>
           <a:xfrm>
             <a:off x="912240" y="1268280"/>
-            <a:ext cx="9209160" cy="362520"/>
+            <a:ext cx="9208800" cy="362160"/>
           </a:xfrm>
           <a:prstGeom prst="rect">
             <a:avLst/>
@@ -5384,7 +5537,7 @@
         <p:spPr>
           <a:xfrm>
             <a:off x="0" y="0"/>
-            <a:ext cx="3053160" cy="563040"/>
+            <a:ext cx="3052800" cy="562680"/>
           </a:xfrm>
           <a:prstGeom prst="rect">
             <a:avLst/>
@@ -5407,7 +5560,7 @@
         <p:spPr>
           <a:xfrm>
             <a:off x="7430400" y="134640"/>
-            <a:ext cx="3699000" cy="515160"/>
+            <a:ext cx="3698640" cy="514800"/>
           </a:xfrm>
           <a:prstGeom prst="rect">
             <a:avLst/>
@@ -5426,7 +5579,7 @@
         <p:spPr>
           <a:xfrm>
             <a:off x="11444760" y="0"/>
-            <a:ext cx="742320" cy="6851160"/>
+            <a:ext cx="741960" cy="6850800"/>
           </a:xfrm>
           <a:prstGeom prst="rect">
             <a:avLst/>
@@ -5475,7 +5628,7 @@
         <p:spPr>
           <a:xfrm>
             <a:off x="11438640" y="6453360"/>
-            <a:ext cx="759240" cy="363960"/>
+            <a:ext cx="758880" cy="363960"/>
           </a:xfrm>
           <a:prstGeom prst="rect">
             <a:avLst/>
@@ -5501,7 +5654,7 @@
                 <a:spcPct val="100000"/>
               </a:lnSpc>
             </a:pPr>
-            <a:fld id="{541358CA-2D7B-4130-A71F-66D4C8DF3EFD}" type="slidenum">
+            <a:fld id="{0E53E27F-509A-43FD-9930-027BBEBA8FB3}" type="slidenum">
               <a:rPr b="0" lang="en-US" sz="1800" spc="-1" strike="noStrike">
                 <a:solidFill>
                   <a:srgbClr val="808080"/>
@@ -5529,7 +5682,7 @@
         <p:spPr>
           <a:xfrm>
             <a:off x="0" y="6642720"/>
-            <a:ext cx="12185280" cy="211320"/>
+            <a:ext cx="12184920" cy="211320"/>
           </a:xfrm>
           <a:prstGeom prst="rect">
             <a:avLst/>
@@ -5612,7 +5765,7 @@
                 </a:solidFill>
                 <a:latin typeface="Arial"/>
               </a:rPr>
-              <a:t>Click to </a:t>
+              <a:t>Cl</a:t>
             </a:r>
             <a:r>
               <a:rPr b="0" lang="en-US" sz="4400" spc="-1" strike="noStrike">
@@ -5621,7 +5774,7 @@
                 </a:solidFill>
                 <a:latin typeface="Arial"/>
               </a:rPr>
-              <a:t>edit the </a:t>
+              <a:t>ic</a:t>
             </a:r>
             <a:r>
               <a:rPr b="0" lang="en-US" sz="4400" spc="-1" strike="noStrike">
@@ -5630,7 +5783,7 @@
                 </a:solidFill>
                 <a:latin typeface="Arial"/>
               </a:rPr>
-              <a:t>title text </a:t>
+              <a:t>k </a:t>
             </a:r>
             <a:r>
               <a:rPr b="0" lang="en-US" sz="4400" spc="-1" strike="noStrike">
@@ -5639,7 +5792,115 @@
                 </a:solidFill>
                 <a:latin typeface="Arial"/>
               </a:rPr>
-              <a:t>format</a:t>
+              <a:t>to </a:t>
+            </a:r>
+            <a:r>
+              <a:rPr b="0" lang="en-US" sz="4400" spc="-1" strike="noStrike">
+                <a:solidFill>
+                  <a:srgbClr val="000000"/>
+                </a:solidFill>
+                <a:latin typeface="Arial"/>
+              </a:rPr>
+              <a:t>ed</a:t>
+            </a:r>
+            <a:r>
+              <a:rPr b="0" lang="en-US" sz="4400" spc="-1" strike="noStrike">
+                <a:solidFill>
+                  <a:srgbClr val="000000"/>
+                </a:solidFill>
+                <a:latin typeface="Arial"/>
+              </a:rPr>
+              <a:t>it </a:t>
+            </a:r>
+            <a:r>
+              <a:rPr b="0" lang="en-US" sz="4400" spc="-1" strike="noStrike">
+                <a:solidFill>
+                  <a:srgbClr val="000000"/>
+                </a:solidFill>
+                <a:latin typeface="Arial"/>
+              </a:rPr>
+              <a:t>th</a:t>
+            </a:r>
+            <a:r>
+              <a:rPr b="0" lang="en-US" sz="4400" spc="-1" strike="noStrike">
+                <a:solidFill>
+                  <a:srgbClr val="000000"/>
+                </a:solidFill>
+                <a:latin typeface="Arial"/>
+              </a:rPr>
+              <a:t>e </a:t>
+            </a:r>
+            <a:r>
+              <a:rPr b="0" lang="en-US" sz="4400" spc="-1" strike="noStrike">
+                <a:solidFill>
+                  <a:srgbClr val="000000"/>
+                </a:solidFill>
+                <a:latin typeface="Arial"/>
+              </a:rPr>
+              <a:t>titl</a:t>
+            </a:r>
+            <a:r>
+              <a:rPr b="0" lang="en-US" sz="4400" spc="-1" strike="noStrike">
+                <a:solidFill>
+                  <a:srgbClr val="000000"/>
+                </a:solidFill>
+                <a:latin typeface="Arial"/>
+              </a:rPr>
+              <a:t>e </a:t>
+            </a:r>
+            <a:r>
+              <a:rPr b="0" lang="en-US" sz="4400" spc="-1" strike="noStrike">
+                <a:solidFill>
+                  <a:srgbClr val="000000"/>
+                </a:solidFill>
+                <a:latin typeface="Arial"/>
+              </a:rPr>
+              <a:t>te</a:t>
+            </a:r>
+            <a:r>
+              <a:rPr b="0" lang="en-US" sz="4400" spc="-1" strike="noStrike">
+                <a:solidFill>
+                  <a:srgbClr val="000000"/>
+                </a:solidFill>
+                <a:latin typeface="Arial"/>
+              </a:rPr>
+              <a:t>xt </a:t>
+            </a:r>
+            <a:r>
+              <a:rPr b="0" lang="en-US" sz="4400" spc="-1" strike="noStrike">
+                <a:solidFill>
+                  <a:srgbClr val="000000"/>
+                </a:solidFill>
+                <a:latin typeface="Arial"/>
+              </a:rPr>
+              <a:t>fo</a:t>
+            </a:r>
+            <a:r>
+              <a:rPr b="0" lang="en-US" sz="4400" spc="-1" strike="noStrike">
+                <a:solidFill>
+                  <a:srgbClr val="000000"/>
+                </a:solidFill>
+                <a:latin typeface="Arial"/>
+              </a:rPr>
+              <a:t>r</a:t>
+            </a:r>
+            <a:r>
+              <a:rPr b="0" lang="en-US" sz="4400" spc="-1" strike="noStrike">
+                <a:solidFill>
+                  <a:srgbClr val="000000"/>
+                </a:solidFill>
+                <a:latin typeface="Arial"/>
+              </a:rPr>
+              <a:t>m</a:t>
+            </a:r>
+            <a:r>
+              <a:rPr b="0" lang="en-US" sz="4400" spc="-1" strike="noStrike">
+                <a:solidFill>
+                  <a:srgbClr val="000000"/>
+                </a:solidFill>
+                <a:latin typeface="Arial"/>
+              </a:rPr>
+              <a:t>at</a:t>
             </a:r>
             <a:endParaRPr b="0" lang="en-US" sz="4400" spc="-1" strike="noStrike">
               <a:solidFill>
@@ -5921,7 +6182,7 @@
         <p:spPr>
           <a:xfrm>
             <a:off x="527400" y="1412640"/>
-            <a:ext cx="10362240" cy="1148760"/>
+            <a:ext cx="10361880" cy="1148400"/>
           </a:xfrm>
           <a:prstGeom prst="rect">
             <a:avLst/>
@@ -5975,7 +6236,7 @@
         <p:spPr>
           <a:xfrm>
             <a:off x="527400" y="2852640"/>
-            <a:ext cx="10362240" cy="2369520"/>
+            <a:ext cx="10361880" cy="2369160"/>
           </a:xfrm>
           <a:prstGeom prst="rect">
             <a:avLst/>
@@ -6180,7 +6441,7 @@
         <p:spPr>
           <a:xfrm>
             <a:off x="539640" y="764640"/>
-            <a:ext cx="10746360" cy="497160"/>
+            <a:ext cx="10746000" cy="496800"/>
           </a:xfrm>
           <a:prstGeom prst="rect">
             <a:avLst/>
@@ -6675,7 +6936,7 @@
                           </a:solidFill>
                           <a:latin typeface="DejaVu Sans"/>
                         </a:rPr>
-                        <a:t>11.12.2023</a:t>
+                        <a:t>04.12.2023</a:t>
                       </a:r>
                       <a:endParaRPr b="0" lang="en-US" sz="1500" spc="-1" strike="noStrike">
                         <a:solidFill>
@@ -7697,7 +7958,7 @@
         <p:spPr>
           <a:xfrm>
             <a:off x="539640" y="764640"/>
-            <a:ext cx="10739520" cy="490320"/>
+            <a:ext cx="10739160" cy="489960"/>
           </a:xfrm>
           <a:prstGeom prst="rect">
             <a:avLst/>
@@ -7751,7 +8012,7 @@
         <p:spPr>
           <a:xfrm>
             <a:off x="539640" y="1268280"/>
-            <a:ext cx="10739520" cy="5027040"/>
+            <a:ext cx="10739160" cy="5026680"/>
           </a:xfrm>
           <a:prstGeom prst="rect">
             <a:avLst/>
@@ -8222,7 +8483,7 @@
         <p:spPr>
           <a:xfrm>
             <a:off x="539640" y="764640"/>
-            <a:ext cx="10738080" cy="488880"/>
+            <a:ext cx="10737720" cy="488520"/>
           </a:xfrm>
           <a:prstGeom prst="rect">
             <a:avLst/>
@@ -8302,7 +8563,7 @@
         <p:spPr>
           <a:xfrm>
             <a:off x="539640" y="1268640"/>
-            <a:ext cx="10738080" cy="5025600"/>
+            <a:ext cx="10737720" cy="5025240"/>
           </a:xfrm>
           <a:prstGeom prst="rect">
             <a:avLst/>
@@ -8813,7 +9074,7 @@
         <p:spPr>
           <a:xfrm>
             <a:off x="539640" y="764640"/>
-            <a:ext cx="10746360" cy="497160"/>
+            <a:ext cx="10746000" cy="496800"/>
           </a:xfrm>
           <a:prstGeom prst="rect">
             <a:avLst/>
@@ -8867,7 +9128,7 @@
         <p:spPr>
           <a:xfrm>
             <a:off x="539640" y="1268280"/>
-            <a:ext cx="10746360" cy="5033880"/>
+            <a:ext cx="10746000" cy="5033520"/>
           </a:xfrm>
           <a:prstGeom prst="rect">
             <a:avLst/>
@@ -9163,7 +9424,7 @@
         <p:spPr>
           <a:xfrm>
             <a:off x="539640" y="764640"/>
-            <a:ext cx="10739520" cy="490320"/>
+            <a:ext cx="10739160" cy="489960"/>
           </a:xfrm>
           <a:prstGeom prst="rect">
             <a:avLst/>
@@ -9217,7 +9478,7 @@
         <p:spPr>
           <a:xfrm>
             <a:off x="539640" y="1268280"/>
-            <a:ext cx="10739520" cy="5027040"/>
+            <a:ext cx="10739160" cy="5026680"/>
           </a:xfrm>
           <a:prstGeom prst="rect">
             <a:avLst/>
@@ -9491,7 +9752,7 @@
         <p:spPr>
           <a:xfrm>
             <a:off x="539640" y="764640"/>
-            <a:ext cx="10746360" cy="497160"/>
+            <a:ext cx="10746000" cy="496800"/>
           </a:xfrm>
           <a:prstGeom prst="rect">
             <a:avLst/>
@@ -9545,7 +9806,7 @@
         <p:spPr>
           <a:xfrm>
             <a:off x="539640" y="1268640"/>
-            <a:ext cx="10746360" cy="5033880"/>
+            <a:ext cx="10746000" cy="5033520"/>
           </a:xfrm>
           <a:prstGeom prst="rect">
             <a:avLst/>
@@ -9897,7 +10158,7 @@
         <p:spPr>
           <a:xfrm>
             <a:off x="539640" y="764640"/>
-            <a:ext cx="10746360" cy="497160"/>
+            <a:ext cx="10746000" cy="496800"/>
           </a:xfrm>
           <a:prstGeom prst="rect">
             <a:avLst/>
@@ -9951,7 +10212,7 @@
         <p:spPr>
           <a:xfrm>
             <a:off x="539640" y="1268280"/>
-            <a:ext cx="10746360" cy="5033880"/>
+            <a:ext cx="10746000" cy="5033520"/>
           </a:xfrm>
           <a:prstGeom prst="rect">
             <a:avLst/>
@@ -10098,7 +10359,7 @@
         <p:spPr>
           <a:xfrm>
             <a:off x="6489720" y="2132640"/>
-            <a:ext cx="515880" cy="495720"/>
+            <a:ext cx="515520" cy="495360"/>
           </a:xfrm>
           <a:prstGeom prst="star5">
             <a:avLst>
@@ -10159,7 +10420,7 @@
         <p:spPr>
           <a:xfrm>
             <a:off x="4294080" y="2247480"/>
-            <a:ext cx="2284200" cy="363960"/>
+            <a:ext cx="2283840" cy="363960"/>
           </a:xfrm>
           <a:prstGeom prst="rect">
             <a:avLst/>
@@ -10243,7 +10504,7 @@
         <p:spPr>
           <a:xfrm>
             <a:off x="539640" y="764640"/>
-            <a:ext cx="10746360" cy="497160"/>
+            <a:ext cx="10746000" cy="496800"/>
           </a:xfrm>
           <a:prstGeom prst="rect">
             <a:avLst/>
@@ -10297,7 +10558,7 @@
         <p:spPr>
           <a:xfrm>
             <a:off x="539640" y="1268640"/>
-            <a:ext cx="10746360" cy="5033880"/>
+            <a:ext cx="10746000" cy="5033520"/>
           </a:xfrm>
           <a:prstGeom prst="rect">
             <a:avLst/>
@@ -10654,7 +10915,7 @@
         <p:spPr>
           <a:xfrm>
             <a:off x="335520" y="1268640"/>
-            <a:ext cx="10746360" cy="5033880"/>
+            <a:ext cx="10746000" cy="5033520"/>
           </a:xfrm>
           <a:prstGeom prst="rect">
             <a:avLst/>
@@ -10714,7 +10975,7 @@
         <p:spPr>
           <a:xfrm>
             <a:off x="335520" y="764640"/>
-            <a:ext cx="10746360" cy="497160"/>
+            <a:ext cx="10746000" cy="496800"/>
           </a:xfrm>
           <a:prstGeom prst="rect">
             <a:avLst/>
@@ -10789,7 +11050,7 @@
         <p:spPr>
           <a:xfrm>
             <a:off x="539640" y="764640"/>
-            <a:ext cx="10746360" cy="497160"/>
+            <a:ext cx="10746000" cy="496800"/>
           </a:xfrm>
           <a:prstGeom prst="rect">
             <a:avLst/>
@@ -10847,7 +11108,7 @@
         <p:spPr>
           <a:xfrm>
             <a:off x="2684520" y="1323360"/>
-            <a:ext cx="1469160" cy="2170440"/>
+            <a:ext cx="1468800" cy="2170080"/>
           </a:xfrm>
           <a:prstGeom prst="rect">
             <a:avLst/>
@@ -10870,7 +11131,7 @@
         <p:spPr>
           <a:xfrm>
             <a:off x="7269840" y="1716120"/>
-            <a:ext cx="1783080" cy="1775160"/>
+            <a:ext cx="1782720" cy="1774800"/>
           </a:xfrm>
           <a:prstGeom prst="rect">
             <a:avLst/>
@@ -10889,7 +11150,7 @@
         <p:spPr>
           <a:xfrm>
             <a:off x="1620000" y="3439440"/>
-            <a:ext cx="3633840" cy="675360"/>
+            <a:ext cx="3633480" cy="675000"/>
           </a:xfrm>
           <a:prstGeom prst="rect">
             <a:avLst/>
@@ -10946,7 +11207,7 @@
         <p:spPr>
           <a:xfrm>
             <a:off x="6322680" y="3460320"/>
-            <a:ext cx="3633840" cy="675360"/>
+            <a:ext cx="3633480" cy="675000"/>
           </a:xfrm>
           <a:prstGeom prst="rect">
             <a:avLst/>
@@ -11003,7 +11264,7 @@
         <p:spPr>
           <a:xfrm>
             <a:off x="1311840" y="5920200"/>
-            <a:ext cx="3627000" cy="668520"/>
+            <a:ext cx="3626640" cy="668160"/>
           </a:xfrm>
           <a:prstGeom prst="rect">
             <a:avLst/>
@@ -11048,7 +11309,7 @@
         <p:spPr>
           <a:xfrm>
             <a:off x="3950280" y="5903280"/>
-            <a:ext cx="3627000" cy="668520"/>
+            <a:ext cx="3626640" cy="668160"/>
           </a:xfrm>
           <a:prstGeom prst="rect">
             <a:avLst/>
@@ -11110,7 +11371,7 @@
         <p:spPr>
           <a:xfrm>
             <a:off x="4644360" y="4042080"/>
-            <a:ext cx="2056680" cy="2003040"/>
+            <a:ext cx="2056320" cy="2002680"/>
           </a:xfrm>
           <a:prstGeom prst="rect">
             <a:avLst/>
@@ -11159,7 +11420,7 @@
         <p:spPr>
           <a:xfrm>
             <a:off x="542880" y="721800"/>
-            <a:ext cx="10352160" cy="492840"/>
+            <a:ext cx="10351800" cy="492480"/>
           </a:xfrm>
           <a:prstGeom prst="rect">
             <a:avLst/>
@@ -11213,7 +11474,7 @@
         <p:spPr>
           <a:xfrm>
             <a:off x="451800" y="1709280"/>
-            <a:ext cx="8219520" cy="4347720"/>
+            <a:ext cx="8219160" cy="4347360"/>
           </a:xfrm>
           <a:prstGeom prst="rect">
             <a:avLst/>
@@ -11258,7 +11519,7 @@
         <p:spPr>
           <a:xfrm>
             <a:off x="609480" y="1769400"/>
-            <a:ext cx="10582560" cy="4850640"/>
+            <a:ext cx="10582200" cy="4850280"/>
           </a:xfrm>
           <a:prstGeom prst="rect">
             <a:avLst/>
@@ -11687,7 +11948,7 @@
         <p:spPr>
           <a:xfrm>
             <a:off x="542880" y="721800"/>
-            <a:ext cx="10352160" cy="492840"/>
+            <a:ext cx="10351800" cy="492480"/>
           </a:xfrm>
           <a:prstGeom prst="rect">
             <a:avLst/>
@@ -11741,7 +12002,7 @@
         <p:spPr>
           <a:xfrm>
             <a:off x="451800" y="1709280"/>
-            <a:ext cx="8219520" cy="4347720"/>
+            <a:ext cx="8219160" cy="4347360"/>
           </a:xfrm>
           <a:prstGeom prst="rect">
             <a:avLst/>
@@ -11786,7 +12047,7 @@
         <p:spPr>
           <a:xfrm>
             <a:off x="609480" y="1769400"/>
-            <a:ext cx="10582560" cy="4850640"/>
+            <a:ext cx="10582200" cy="4850280"/>
           </a:xfrm>
           <a:prstGeom prst="rect">
             <a:avLst/>
@@ -12286,7 +12547,7 @@
         <p:spPr>
           <a:xfrm>
             <a:off x="542880" y="721800"/>
-            <a:ext cx="10352160" cy="492840"/>
+            <a:ext cx="10351800" cy="492480"/>
           </a:xfrm>
           <a:prstGeom prst="rect">
             <a:avLst/>
@@ -12340,7 +12601,7 @@
         <p:spPr>
           <a:xfrm>
             <a:off x="451800" y="1709280"/>
-            <a:ext cx="8219520" cy="4347720"/>
+            <a:ext cx="8219160" cy="4347360"/>
           </a:xfrm>
           <a:prstGeom prst="rect">
             <a:avLst/>
@@ -12385,7 +12646,7 @@
         <p:spPr>
           <a:xfrm>
             <a:off x="609480" y="1769400"/>
-            <a:ext cx="10582560" cy="4850640"/>
+            <a:ext cx="10582200" cy="4850280"/>
           </a:xfrm>
           <a:prstGeom prst="rect">
             <a:avLst/>
@@ -12734,7 +12995,7 @@
         <p:spPr>
           <a:xfrm>
             <a:off x="542880" y="721800"/>
-            <a:ext cx="10352160" cy="492840"/>
+            <a:ext cx="10351800" cy="492480"/>
           </a:xfrm>
           <a:prstGeom prst="rect">
             <a:avLst/>
@@ -12788,7 +13049,7 @@
         <p:spPr>
           <a:xfrm>
             <a:off x="451800" y="1709280"/>
-            <a:ext cx="8219520" cy="4347720"/>
+            <a:ext cx="8219160" cy="4347360"/>
           </a:xfrm>
           <a:prstGeom prst="rect">
             <a:avLst/>
@@ -12833,7 +13094,7 @@
         <p:spPr>
           <a:xfrm>
             <a:off x="609480" y="1769400"/>
-            <a:ext cx="10582560" cy="4850640"/>
+            <a:ext cx="10582200" cy="4850280"/>
           </a:xfrm>
           <a:prstGeom prst="rect">
             <a:avLst/>
@@ -13038,7 +13299,7 @@
         <p:spPr>
           <a:xfrm>
             <a:off x="539640" y="764640"/>
-            <a:ext cx="10746360" cy="497160"/>
+            <a:ext cx="10746000" cy="496800"/>
           </a:xfrm>
           <a:prstGeom prst="rect">
             <a:avLst/>
@@ -13092,7 +13353,7 @@
         <p:spPr>
           <a:xfrm>
             <a:off x="539640" y="1268280"/>
-            <a:ext cx="10746360" cy="5033880"/>
+            <a:ext cx="10746000" cy="5033520"/>
           </a:xfrm>
           <a:prstGeom prst="rect">
             <a:avLst/>
@@ -13253,7 +13514,7 @@
         <p:spPr>
           <a:xfrm>
             <a:off x="542880" y="721800"/>
-            <a:ext cx="10355040" cy="495720"/>
+            <a:ext cx="10354680" cy="495360"/>
           </a:xfrm>
           <a:prstGeom prst="rect">
             <a:avLst/>
@@ -13311,7 +13572,7 @@
         <p:spPr>
           <a:xfrm>
             <a:off x="542880" y="2387520"/>
-            <a:ext cx="10100160" cy="2077560"/>
+            <a:ext cx="10099800" cy="2077200"/>
           </a:xfrm>
           <a:prstGeom prst="rect">
             <a:avLst/>
@@ -13360,7 +13621,7 @@
         <p:spPr>
           <a:xfrm>
             <a:off x="539640" y="764640"/>
-            <a:ext cx="10739520" cy="490320"/>
+            <a:ext cx="10739160" cy="489960"/>
           </a:xfrm>
           <a:prstGeom prst="rect">
             <a:avLst/>
@@ -13413,7 +13674,7 @@
         </p:nvGraphicFramePr>
         <p:xfrm>
           <a:off x="851040" y="1482480"/>
-          <a:ext cx="10134720" cy="4870080"/>
+          <a:ext cx="10134720" cy="4727520"/>
         </p:xfrm>
         <a:graphic>
           <a:graphicData uri="http://schemas.openxmlformats.org/drawingml/2006/table">
@@ -14741,7 +15002,7 @@
                       <a:noAutofit/>
                     </a:bodyPr>
                     <a:p>
-                      <a:endParaRPr b="0" lang="en-US" sz="1200" spc="-1" strike="noStrike">
+                      <a:endParaRPr b="0" lang="en-US" sz="1800" spc="-1" strike="noStrike">
                         <a:solidFill>
                           <a:srgbClr val="000000"/>
                         </a:solidFill>
@@ -14773,7 +15034,7 @@
                       <a:noAutofit/>
                     </a:bodyPr>
                     <a:p>
-                      <a:endParaRPr b="0" lang="en-US" sz="1200" spc="-1" strike="noStrike">
+                      <a:endParaRPr b="0" lang="en-US" sz="1800" spc="-1" strike="noStrike">
                         <a:solidFill>
                           <a:srgbClr val="000000"/>
                         </a:solidFill>
@@ -15173,7 +15434,7 @@
                       <a:noAutofit/>
                     </a:bodyPr>
                     <a:p>
-                      <a:endParaRPr b="0" lang="en-US" sz="1200" spc="-1" strike="noStrike">
+                      <a:endParaRPr b="0" lang="en-US" sz="1800" spc="-1" strike="noStrike">
                         <a:solidFill>
                           <a:srgbClr val="000000"/>
                         </a:solidFill>
@@ -15205,7 +15466,7 @@
                       <a:noAutofit/>
                     </a:bodyPr>
                     <a:p>
-                      <a:endParaRPr b="0" lang="en-US" sz="1200" spc="-1" strike="noStrike">
+                      <a:endParaRPr b="0" lang="en-US" sz="1800" spc="-1" strike="noStrike">
                         <a:solidFill>
                           <a:srgbClr val="000000"/>
                         </a:solidFill>
@@ -15607,7 +15868,7 @@
                       <a:noAutofit/>
                     </a:bodyPr>
                     <a:p>
-                      <a:endParaRPr b="0" lang="en-US" sz="1200" spc="-1" strike="noStrike">
+                      <a:endParaRPr b="0" lang="en-US" sz="1800" spc="-1" strike="noStrike">
                         <a:solidFill>
                           <a:srgbClr val="000000"/>
                         </a:solidFill>
@@ -15639,7 +15900,7 @@
                       <a:noAutofit/>
                     </a:bodyPr>
                     <a:p>
-                      <a:endParaRPr b="0" lang="en-US" sz="1200" spc="-1" strike="noStrike">
+                      <a:endParaRPr b="0" lang="en-US" sz="1800" spc="-1" strike="noStrike">
                         <a:solidFill>
                           <a:srgbClr val="000000"/>
                         </a:solidFill>

--- a/Requirements-Engineering/RE-L00-Organization.pptx
+++ b/Requirements-Engineering/RE-L00-Organization.pptx
@@ -62,8 +62,8 @@
         </p:nvSpPr>
         <p:spPr>
           <a:xfrm>
-            <a:off x="533520" y="764280"/>
-            <a:ext cx="6704640" cy="3771360"/>
+            <a:off x="216000" y="812520"/>
+            <a:ext cx="7127280" cy="4008960"/>
           </a:xfrm>
           <a:prstGeom prst="rect">
             <a:avLst/>
@@ -80,33 +80,105 @@
           <a:p>
             <a:pPr algn="ctr"/>
             <a:r>
-              <a:rPr b="0" lang="en-US" sz="4400" spc="-1" strike="noStrike">
+              <a:rPr b="0" lang="de-DE" sz="4400" spc="-1" strike="noStrike">
                 <a:solidFill>
                   <a:srgbClr val="000000"/>
                 </a:solidFill>
                 <a:latin typeface="Arial"/>
               </a:rPr>
-              <a:t>Click to </a:t>
-            </a:r>
-            <a:r>
-              <a:rPr b="0" lang="en-US" sz="4400" spc="-1" strike="noStrike">
+              <a:t>Cl</a:t>
+            </a:r>
+            <a:r>
+              <a:rPr b="0" lang="de-DE" sz="4400" spc="-1" strike="noStrike">
                 <a:solidFill>
                   <a:srgbClr val="000000"/>
                 </a:solidFill>
                 <a:latin typeface="Arial"/>
               </a:rPr>
-              <a:t>move </a:t>
-            </a:r>
-            <a:r>
-              <a:rPr b="0" lang="en-US" sz="4400" spc="-1" strike="noStrike">
+              <a:t>ic</a:t>
+            </a:r>
+            <a:r>
+              <a:rPr b="0" lang="de-DE" sz="4400" spc="-1" strike="noStrike">
                 <a:solidFill>
                   <a:srgbClr val="000000"/>
                 </a:solidFill>
                 <a:latin typeface="Arial"/>
               </a:rPr>
-              <a:t>the slide</a:t>
-            </a:r>
-            <a:endParaRPr b="0" lang="en-US" sz="4400" spc="-1" strike="noStrike">
+              <a:t>k </a:t>
+            </a:r>
+            <a:r>
+              <a:rPr b="0" lang="de-DE" sz="4400" spc="-1" strike="noStrike">
+                <a:solidFill>
+                  <a:srgbClr val="000000"/>
+                </a:solidFill>
+                <a:latin typeface="Arial"/>
+              </a:rPr>
+              <a:t>to </a:t>
+            </a:r>
+            <a:r>
+              <a:rPr b="0" lang="de-DE" sz="4400" spc="-1" strike="noStrike">
+                <a:solidFill>
+                  <a:srgbClr val="000000"/>
+                </a:solidFill>
+                <a:latin typeface="Arial"/>
+              </a:rPr>
+              <a:t>m</a:t>
+            </a:r>
+            <a:r>
+              <a:rPr b="0" lang="de-DE" sz="4400" spc="-1" strike="noStrike">
+                <a:solidFill>
+                  <a:srgbClr val="000000"/>
+                </a:solidFill>
+                <a:latin typeface="Arial"/>
+              </a:rPr>
+              <a:t>ov</a:t>
+            </a:r>
+            <a:r>
+              <a:rPr b="0" lang="de-DE" sz="4400" spc="-1" strike="noStrike">
+                <a:solidFill>
+                  <a:srgbClr val="000000"/>
+                </a:solidFill>
+                <a:latin typeface="Arial"/>
+              </a:rPr>
+              <a:t>e </a:t>
+            </a:r>
+            <a:r>
+              <a:rPr b="0" lang="de-DE" sz="4400" spc="-1" strike="noStrike">
+                <a:solidFill>
+                  <a:srgbClr val="000000"/>
+                </a:solidFill>
+                <a:latin typeface="Arial"/>
+              </a:rPr>
+              <a:t>th</a:t>
+            </a:r>
+            <a:r>
+              <a:rPr b="0" lang="de-DE" sz="4400" spc="-1" strike="noStrike">
+                <a:solidFill>
+                  <a:srgbClr val="000000"/>
+                </a:solidFill>
+                <a:latin typeface="Arial"/>
+              </a:rPr>
+              <a:t>e </a:t>
+            </a:r>
+            <a:r>
+              <a:rPr b="0" lang="de-DE" sz="4400" spc="-1" strike="noStrike">
+                <a:solidFill>
+                  <a:srgbClr val="000000"/>
+                </a:solidFill>
+                <a:latin typeface="Arial"/>
+              </a:rPr>
+              <a:t>sli</a:t>
+            </a:r>
+            <a:r>
+              <a:rPr b="0" lang="de-DE" sz="4400" spc="-1" strike="noStrike">
+                <a:solidFill>
+                  <a:srgbClr val="000000"/>
+                </a:solidFill>
+                <a:latin typeface="Arial"/>
+              </a:rPr>
+              <a:t>de</a:t>
+            </a:r>
+            <a:endParaRPr b="0" lang="de-DE" sz="4400" spc="-1" strike="noStrike">
               <a:solidFill>
                 <a:srgbClr val="000000"/>
               </a:solidFill>
@@ -127,8 +199,8 @@
         </p:nvSpPr>
         <p:spPr>
           <a:xfrm>
-            <a:off x="777240" y="4777560"/>
-            <a:ext cx="6217560" cy="4525920"/>
+            <a:off x="756000" y="5078520"/>
+            <a:ext cx="6047640" cy="4811040"/>
           </a:xfrm>
           <a:prstGeom prst="rect">
             <a:avLst/>
@@ -147,24 +219,87 @@
               <a:buNone/>
             </a:pPr>
             <a:r>
-              <a:rPr b="0" lang="en-US" sz="2000" spc="-1" strike="noStrike">
+              <a:rPr b="0" lang="de-DE" sz="2000" spc="-1" strike="noStrike">
                 <a:solidFill>
                   <a:srgbClr val="000000"/>
                 </a:solidFill>
                 <a:latin typeface="Arial"/>
               </a:rPr>
-              <a:t>Click to edit the </a:t>
-            </a:r>
-            <a:r>
-              <a:rPr b="0" lang="en-US" sz="2000" spc="-1" strike="noStrike">
+              <a:t>Click </a:t>
+            </a:r>
+            <a:r>
+              <a:rPr b="0" lang="de-DE" sz="2000" spc="-1" strike="noStrike">
                 <a:solidFill>
                   <a:srgbClr val="000000"/>
                 </a:solidFill>
                 <a:latin typeface="Arial"/>
               </a:rPr>
-              <a:t>notes format</a:t>
-            </a:r>
-            <a:endParaRPr b="0" lang="en-US" sz="2000" spc="-1" strike="noStrike">
+              <a:t>to </a:t>
+            </a:r>
+            <a:r>
+              <a:rPr b="0" lang="de-DE" sz="2000" spc="-1" strike="noStrike">
+                <a:solidFill>
+                  <a:srgbClr val="000000"/>
+                </a:solidFill>
+                <a:latin typeface="Arial"/>
+              </a:rPr>
+              <a:t>edit </a:t>
+            </a:r>
+            <a:r>
+              <a:rPr b="0" lang="de-DE" sz="2000" spc="-1" strike="noStrike">
+                <a:solidFill>
+                  <a:srgbClr val="000000"/>
+                </a:solidFill>
+                <a:latin typeface="Arial"/>
+              </a:rPr>
+              <a:t>the </a:t>
+            </a:r>
+            <a:r>
+              <a:rPr b="0" lang="de-DE" sz="2000" spc="-1" strike="noStrike">
+                <a:solidFill>
+                  <a:srgbClr val="000000"/>
+                </a:solidFill>
+                <a:latin typeface="Arial"/>
+              </a:rPr>
+              <a:t>not</a:t>
+            </a:r>
+            <a:r>
+              <a:rPr b="0" lang="de-DE" sz="2000" spc="-1" strike="noStrike">
+                <a:solidFill>
+                  <a:srgbClr val="000000"/>
+                </a:solidFill>
+                <a:latin typeface="Arial"/>
+              </a:rPr>
+              <a:t>es' </a:t>
+            </a:r>
+            <a:r>
+              <a:rPr b="0" lang="de-DE" sz="2000" spc="-1" strike="noStrike">
+                <a:solidFill>
+                  <a:srgbClr val="000000"/>
+                </a:solidFill>
+                <a:latin typeface="Arial"/>
+              </a:rPr>
+              <a:t>for</a:t>
+            </a:r>
+            <a:r>
+              <a:rPr b="0" lang="de-DE" sz="2000" spc="-1" strike="noStrike">
+                <a:solidFill>
+                  <a:srgbClr val="000000"/>
+                </a:solidFill>
+                <a:latin typeface="Arial"/>
+              </a:rPr>
+              <a:t>ma</a:t>
+            </a:r>
+            <a:r>
+              <a:rPr b="0" lang="de-DE" sz="2000" spc="-1" strike="noStrike">
+                <a:solidFill>
+                  <a:srgbClr val="000000"/>
+                </a:solidFill>
+                <a:latin typeface="Arial"/>
+              </a:rPr>
+              <a:t>t</a:t>
+            </a:r>
+            <a:endParaRPr b="0" lang="de-DE" sz="2000" spc="-1" strike="noStrike">
               <a:solidFill>
                 <a:srgbClr val="000000"/>
               </a:solidFill>
@@ -186,7 +321,7 @@
         <p:spPr>
           <a:xfrm>
             <a:off x="0" y="0"/>
-            <a:ext cx="3372840" cy="502560"/>
+            <a:ext cx="3280680" cy="534240"/>
           </a:xfrm>
           <a:prstGeom prst="rect">
             <a:avLst/>
@@ -205,7 +340,7 @@
               <a:buNone/>
             </a:pPr>
             <a:r>
-              <a:rPr b="0" lang="en-US" sz="1400" spc="-1" strike="noStrike">
+              <a:rPr b="0" lang="de-DE" sz="1400" spc="-1" strike="noStrike">
                 <a:solidFill>
                   <a:srgbClr val="000000"/>
                 </a:solidFill>
@@ -213,7 +348,7 @@
               </a:rPr>
               <a:t>&lt;header&gt;</a:t>
             </a:r>
-            <a:endParaRPr b="0" lang="en-US" sz="1400" spc="-1" strike="noStrike">
+            <a:endParaRPr b="0" lang="de-DE" sz="1400" spc="-1" strike="noStrike">
               <a:solidFill>
                 <a:srgbClr val="000000"/>
               </a:solidFill>
@@ -234,8 +369,8 @@
         </p:nvSpPr>
         <p:spPr>
           <a:xfrm>
-            <a:off x="4399200" y="0"/>
-            <a:ext cx="3372840" cy="502560"/>
+            <a:off x="4278960" y="0"/>
+            <a:ext cx="3280680" cy="534240"/>
           </a:xfrm>
           <a:prstGeom prst="rect">
             <a:avLst/>
@@ -252,7 +387,7 @@
           <a:lstStyle>
             <a:lvl1pPr indent="0" algn="r">
               <a:buNone/>
-              <a:defRPr b="0" lang="en-US" sz="1400" spc="-1" strike="noStrike">
+              <a:defRPr b="0" lang="de-DE" sz="1400" spc="-1" strike="noStrike">
                 <a:solidFill>
                   <a:srgbClr val="000000"/>
                 </a:solidFill>
@@ -265,7 +400,7 @@
               <a:buNone/>
             </a:pPr>
             <a:r>
-              <a:rPr b="0" lang="en-US" sz="1400" spc="-1" strike="noStrike">
+              <a:rPr b="0" lang="de-DE" sz="1400" spc="-1" strike="noStrike">
                 <a:solidFill>
                   <a:srgbClr val="000000"/>
                 </a:solidFill>
@@ -273,7 +408,7 @@
               </a:rPr>
               <a:t>&lt;date/time&gt;</a:t>
             </a:r>
-            <a:endParaRPr b="0" lang="en-US" sz="1400" spc="-1" strike="noStrike">
+            <a:endParaRPr b="0" lang="de-DE" sz="1400" spc="-1" strike="noStrike">
               <a:solidFill>
                 <a:srgbClr val="000000"/>
               </a:solidFill>
@@ -294,8 +429,8 @@
         </p:nvSpPr>
         <p:spPr>
           <a:xfrm>
-            <a:off x="0" y="9555480"/>
-            <a:ext cx="3372840" cy="502560"/>
+            <a:off x="0" y="10157400"/>
+            <a:ext cx="3280680" cy="534240"/>
           </a:xfrm>
           <a:prstGeom prst="rect">
             <a:avLst/>
@@ -312,7 +447,7 @@
           <a:lstStyle>
             <a:lvl1pPr indent="0">
               <a:buNone/>
-              <a:defRPr b="0" lang="en-US" sz="1400" spc="-1" strike="noStrike">
+              <a:defRPr b="0" lang="de-DE" sz="1400" spc="-1" strike="noStrike">
                 <a:solidFill>
                   <a:srgbClr val="000000"/>
                 </a:solidFill>
@@ -325,7 +460,7 @@
               <a:buNone/>
             </a:pPr>
             <a:r>
-              <a:rPr b="0" lang="en-US" sz="1400" spc="-1" strike="noStrike">
+              <a:rPr b="0" lang="de-DE" sz="1400" spc="-1" strike="noStrike">
                 <a:solidFill>
                   <a:srgbClr val="000000"/>
                 </a:solidFill>
@@ -333,7 +468,7 @@
               </a:rPr>
               <a:t>&lt;footer&gt;</a:t>
             </a:r>
-            <a:endParaRPr b="0" lang="en-US" sz="1400" spc="-1" strike="noStrike">
+            <a:endParaRPr b="0" lang="de-DE" sz="1400" spc="-1" strike="noStrike">
               <a:solidFill>
                 <a:srgbClr val="000000"/>
               </a:solidFill>
@@ -354,8 +489,8 @@
         </p:nvSpPr>
         <p:spPr>
           <a:xfrm>
-            <a:off x="4399200" y="9555480"/>
-            <a:ext cx="3372840" cy="502560"/>
+            <a:off x="4278960" y="10157400"/>
+            <a:ext cx="3280680" cy="534240"/>
           </a:xfrm>
           <a:prstGeom prst="rect">
             <a:avLst/>
@@ -372,7 +507,7 @@
           <a:lstStyle>
             <a:lvl1pPr indent="0" algn="r">
               <a:buNone/>
-              <a:defRPr b="0" lang="en-US" sz="1400" spc="-1" strike="noStrike">
+              <a:defRPr b="0" lang="de-DE" sz="1400" spc="-1" strike="noStrike">
                 <a:solidFill>
                   <a:srgbClr val="000000"/>
                 </a:solidFill>
@@ -384,8 +519,8 @@
             <a:pPr indent="0" algn="r">
               <a:buNone/>
             </a:pPr>
-            <a:fld id="{A90EE719-E259-48F3-8B19-45382F1FCA3A}" type="slidenum">
-              <a:rPr b="0" lang="en-US" sz="1400" spc="-1" strike="noStrike">
+            <a:fld id="{A1482DCA-7BEF-49E0-8B53-0E3A389D2E14}" type="slidenum">
+              <a:rPr b="0" lang="de-DE" sz="1400" spc="-1" strike="noStrike">
                 <a:solidFill>
                   <a:srgbClr val="000000"/>
                 </a:solidFill>
@@ -393,7 +528,7 @@
               </a:rPr>
               <a:t>&lt;number&gt;</a:t>
             </a:fld>
-            <a:endParaRPr b="0" lang="en-US" sz="1400" spc="-1" strike="noStrike">
+            <a:endParaRPr b="0" lang="de-DE" sz="1400" spc="-1" strike="noStrike">
               <a:solidFill>
                 <a:srgbClr val="000000"/>
               </a:solidFill>
@@ -438,7 +573,7 @@
         <p:spPr>
           <a:xfrm>
             <a:off x="533520" y="763560"/>
-            <a:ext cx="6695280" cy="3763440"/>
+            <a:ext cx="6694920" cy="3763080"/>
           </a:xfrm>
           <a:prstGeom prst="rect">
             <a:avLst/>
@@ -461,7 +596,7 @@
         <p:spPr>
           <a:xfrm>
             <a:off x="777240" y="4777560"/>
-            <a:ext cx="6208920" cy="4517280"/>
+            <a:ext cx="6208560" cy="4516920"/>
           </a:xfrm>
           <a:prstGeom prst="rect">
             <a:avLst/>
@@ -479,7 +614,7 @@
             <a:pPr marL="216000" indent="0">
               <a:buNone/>
             </a:pPr>
-            <a:endParaRPr b="0" lang="en-US" sz="1800" spc="-1" strike="noStrike">
+            <a:endParaRPr b="0" lang="de-DE" sz="1800" spc="-1" strike="noStrike">
               <a:solidFill>
                 <a:srgbClr val="000000"/>
               </a:solidFill>
@@ -497,7 +632,7 @@
         <p:spPr>
           <a:xfrm>
             <a:off x="4399200" y="9555480"/>
-            <a:ext cx="3364200" cy="493920"/>
+            <a:ext cx="3363840" cy="493560"/>
           </a:xfrm>
           <a:prstGeom prst="rect">
             <a:avLst/>
@@ -523,7 +658,7 @@
                 <a:spcPct val="100000"/>
               </a:lnSpc>
             </a:pPr>
-            <a:fld id="{09F80757-9944-4B2B-AA8E-9B3C16B79C7F}" type="slidenum">
+            <a:fld id="{2AAA1B78-4496-45C6-A7EE-7EAA75C072FF}" type="slidenum">
               <a:rPr b="0" lang="en-GB" sz="1800" spc="-1" strike="noStrike">
                 <a:solidFill>
                   <a:srgbClr val="000000"/>
@@ -531,9 +666,9 @@
                 <a:latin typeface="+mn-lt"/>
                 <a:ea typeface="+mn-ea"/>
               </a:rPr>
-              <a:t>&lt;number&gt;</a:t>
+              <a:t>6</a:t>
             </a:fld>
-            <a:endParaRPr b="0" lang="en-US" sz="1800" spc="-1" strike="noStrike">
+            <a:endParaRPr b="0" lang="de-DE" sz="1800" spc="-1" strike="noStrike">
               <a:solidFill>
                 <a:srgbClr val="000000"/>
               </a:solidFill>
@@ -577,7 +712,7 @@
         <p:spPr>
           <a:xfrm>
             <a:off x="533520" y="763560"/>
-            <a:ext cx="6695280" cy="3763440"/>
+            <a:ext cx="6694920" cy="3763080"/>
           </a:xfrm>
           <a:prstGeom prst="rect">
             <a:avLst/>
@@ -600,7 +735,7 @@
         <p:spPr>
           <a:xfrm>
             <a:off x="777240" y="4777560"/>
-            <a:ext cx="6208920" cy="4517280"/>
+            <a:ext cx="6208560" cy="4516920"/>
           </a:xfrm>
           <a:prstGeom prst="rect">
             <a:avLst/>
@@ -618,7 +753,7 @@
             <a:pPr marL="216000" indent="0">
               <a:buNone/>
             </a:pPr>
-            <a:endParaRPr b="0" lang="en-US" sz="1800" spc="-1" strike="noStrike">
+            <a:endParaRPr b="0" lang="de-DE" sz="1800" spc="-1" strike="noStrike">
               <a:solidFill>
                 <a:srgbClr val="000000"/>
               </a:solidFill>
@@ -636,7 +771,7 @@
         <p:spPr>
           <a:xfrm>
             <a:off x="4399200" y="9555480"/>
-            <a:ext cx="3364200" cy="493920"/>
+            <a:ext cx="3363840" cy="493560"/>
           </a:xfrm>
           <a:prstGeom prst="rect">
             <a:avLst/>
@@ -662,7 +797,7 @@
                 <a:spcPct val="100000"/>
               </a:lnSpc>
             </a:pPr>
-            <a:fld id="{4F165A65-11B0-439A-8F94-176C00D43AB3}" type="slidenum">
+            <a:fld id="{0E827F3F-D905-4429-8F40-7F6D902F49DF}" type="slidenum">
               <a:rPr b="0" lang="en-GB" sz="1800" spc="-1" strike="noStrike">
                 <a:solidFill>
                   <a:srgbClr val="000000"/>
@@ -670,9 +805,9 @@
                 <a:latin typeface="+mn-lt"/>
                 <a:ea typeface="+mn-ea"/>
               </a:rPr>
-              <a:t>&lt;number&gt;</a:t>
+              <a:t>6</a:t>
             </a:fld>
-            <a:endParaRPr b="0" lang="en-US" sz="1800" spc="-1" strike="noStrike">
+            <a:endParaRPr b="0" lang="de-DE" sz="1800" spc="-1" strike="noStrike">
               <a:solidFill>
                 <a:srgbClr val="000000"/>
               </a:solidFill>
@@ -716,7 +851,7 @@
         <p:spPr>
           <a:xfrm>
             <a:off x="533520" y="763560"/>
-            <a:ext cx="6695280" cy="3763440"/>
+            <a:ext cx="6694920" cy="3763080"/>
           </a:xfrm>
           <a:prstGeom prst="rect">
             <a:avLst/>
@@ -739,7 +874,7 @@
         <p:spPr>
           <a:xfrm>
             <a:off x="777240" y="4777560"/>
-            <a:ext cx="6208920" cy="4517280"/>
+            <a:ext cx="6208560" cy="4516920"/>
           </a:xfrm>
           <a:prstGeom prst="rect">
             <a:avLst/>
@@ -757,7 +892,7 @@
             <a:pPr marL="216000" indent="0">
               <a:buNone/>
             </a:pPr>
-            <a:endParaRPr b="0" lang="en-US" sz="1800" spc="-1" strike="noStrike">
+            <a:endParaRPr b="0" lang="de-DE" sz="1800" spc="-1" strike="noStrike">
               <a:solidFill>
                 <a:srgbClr val="000000"/>
               </a:solidFill>
@@ -775,7 +910,7 @@
         <p:spPr>
           <a:xfrm>
             <a:off x="4399200" y="9555480"/>
-            <a:ext cx="3364200" cy="493920"/>
+            <a:ext cx="3363840" cy="493560"/>
           </a:xfrm>
           <a:prstGeom prst="rect">
             <a:avLst/>
@@ -801,7 +936,7 @@
                 <a:spcPct val="100000"/>
               </a:lnSpc>
             </a:pPr>
-            <a:fld id="{61CA2DD0-A172-402C-AB5B-FA52D930E3A2}" type="slidenum">
+            <a:fld id="{795531D5-CCBB-4B9B-88C4-6534E8DB2272}" type="slidenum">
               <a:rPr b="0" lang="en-GB" sz="1800" spc="-1" strike="noStrike">
                 <a:solidFill>
                   <a:srgbClr val="000000"/>
@@ -809,9 +944,9 @@
                 <a:latin typeface="+mn-lt"/>
                 <a:ea typeface="+mn-ea"/>
               </a:rPr>
-              <a:t>&lt;number&gt;</a:t>
+              <a:t>6</a:t>
             </a:fld>
-            <a:endParaRPr b="0" lang="en-US" sz="1800" spc="-1" strike="noStrike">
+            <a:endParaRPr b="0" lang="de-DE" sz="1800" spc="-1" strike="noStrike">
               <a:solidFill>
                 <a:srgbClr val="000000"/>
               </a:solidFill>
@@ -855,7 +990,7 @@
         <p:spPr>
           <a:xfrm>
             <a:off x="533520" y="763560"/>
-            <a:ext cx="6695280" cy="3763440"/>
+            <a:ext cx="6694920" cy="3763080"/>
           </a:xfrm>
           <a:prstGeom prst="rect">
             <a:avLst/>
@@ -878,7 +1013,7 @@
         <p:spPr>
           <a:xfrm>
             <a:off x="777240" y="4777560"/>
-            <a:ext cx="6208920" cy="4517280"/>
+            <a:ext cx="6208560" cy="4516920"/>
           </a:xfrm>
           <a:prstGeom prst="rect">
             <a:avLst/>
@@ -896,7 +1031,7 @@
             <a:pPr marL="216000" indent="0">
               <a:buNone/>
             </a:pPr>
-            <a:endParaRPr b="0" lang="en-US" sz="1800" spc="-1" strike="noStrike">
+            <a:endParaRPr b="0" lang="de-DE" sz="1800" spc="-1" strike="noStrike">
               <a:solidFill>
                 <a:srgbClr val="000000"/>
               </a:solidFill>
@@ -914,7 +1049,7 @@
         <p:spPr>
           <a:xfrm>
             <a:off x="4399200" y="9555480"/>
-            <a:ext cx="3364200" cy="493920"/>
+            <a:ext cx="3363840" cy="493560"/>
           </a:xfrm>
           <a:prstGeom prst="rect">
             <a:avLst/>
@@ -940,7 +1075,7 @@
                 <a:spcPct val="100000"/>
               </a:lnSpc>
             </a:pPr>
-            <a:fld id="{B87D4EFD-E1B5-462F-8156-E61C0170C98A}" type="slidenum">
+            <a:fld id="{10D85FF7-A6CF-44CC-93E2-881973908252}" type="slidenum">
               <a:rPr b="0" lang="en-GB" sz="1800" spc="-1" strike="noStrike">
                 <a:solidFill>
                   <a:srgbClr val="000000"/>
@@ -948,9 +1083,9 @@
                 <a:latin typeface="+mn-lt"/>
                 <a:ea typeface="+mn-ea"/>
               </a:rPr>
-              <a:t>&lt;number&gt;</a:t>
+              <a:t>6</a:t>
             </a:fld>
-            <a:endParaRPr b="0" lang="en-US" sz="1800" spc="-1" strike="noStrike">
+            <a:endParaRPr b="0" lang="de-DE" sz="1800" spc="-1" strike="noStrike">
               <a:solidFill>
                 <a:srgbClr val="000000"/>
               </a:solidFill>
@@ -1034,7 +1169,7 @@
             <a:pPr indent="0" algn="ctr">
               <a:buNone/>
             </a:pPr>
-            <a:endParaRPr b="0" lang="en-US" sz="4400" spc="-1" strike="noStrike">
+            <a:endParaRPr b="0" lang="de-DE" sz="4400" spc="-1" strike="noStrike">
               <a:solidFill>
                 <a:srgbClr val="000000"/>
               </a:solidFill>
@@ -1077,7 +1212,7 @@
               </a:spcBef>
               <a:buNone/>
             </a:pPr>
-            <a:endParaRPr b="0" lang="en-US" sz="3200" spc="-1" strike="noStrike">
+            <a:endParaRPr b="0" lang="de-DE" sz="3200" spc="-1" strike="noStrike">
               <a:solidFill>
                 <a:srgbClr val="000000"/>
               </a:solidFill>
@@ -1120,7 +1255,7 @@
               </a:spcBef>
               <a:buNone/>
             </a:pPr>
-            <a:endParaRPr b="0" lang="en-US" sz="3200" spc="-1" strike="noStrike">
+            <a:endParaRPr b="0" lang="de-DE" sz="3200" spc="-1" strike="noStrike">
               <a:solidFill>
                 <a:srgbClr val="000000"/>
               </a:solidFill>
@@ -1182,7 +1317,7 @@
             <a:pPr indent="0" algn="ctr">
               <a:buNone/>
             </a:pPr>
-            <a:endParaRPr b="0" lang="en-US" sz="4400" spc="-1" strike="noStrike">
+            <a:endParaRPr b="0" lang="de-DE" sz="4400" spc="-1" strike="noStrike">
               <a:solidFill>
                 <a:srgbClr val="000000"/>
               </a:solidFill>
@@ -1225,7 +1360,7 @@
               </a:spcBef>
               <a:buNone/>
             </a:pPr>
-            <a:endParaRPr b="0" lang="en-US" sz="3200" spc="-1" strike="noStrike">
+            <a:endParaRPr b="0" lang="de-DE" sz="3200" spc="-1" strike="noStrike">
               <a:solidFill>
                 <a:srgbClr val="000000"/>
               </a:solidFill>
@@ -1268,7 +1403,7 @@
               </a:spcBef>
               <a:buNone/>
             </a:pPr>
-            <a:endParaRPr b="0" lang="en-US" sz="3200" spc="-1" strike="noStrike">
+            <a:endParaRPr b="0" lang="de-DE" sz="3200" spc="-1" strike="noStrike">
               <a:solidFill>
                 <a:srgbClr val="000000"/>
               </a:solidFill>
@@ -1311,7 +1446,7 @@
               </a:spcBef>
               <a:buNone/>
             </a:pPr>
-            <a:endParaRPr b="0" lang="en-US" sz="3200" spc="-1" strike="noStrike">
+            <a:endParaRPr b="0" lang="de-DE" sz="3200" spc="-1" strike="noStrike">
               <a:solidFill>
                 <a:srgbClr val="000000"/>
               </a:solidFill>
@@ -1354,7 +1489,7 @@
               </a:spcBef>
               <a:buNone/>
             </a:pPr>
-            <a:endParaRPr b="0" lang="en-US" sz="3200" spc="-1" strike="noStrike">
+            <a:endParaRPr b="0" lang="de-DE" sz="3200" spc="-1" strike="noStrike">
               <a:solidFill>
                 <a:srgbClr val="000000"/>
               </a:solidFill>
@@ -1416,7 +1551,7 @@
             <a:pPr indent="0" algn="ctr">
               <a:buNone/>
             </a:pPr>
-            <a:endParaRPr b="0" lang="en-US" sz="4400" spc="-1" strike="noStrike">
+            <a:endParaRPr b="0" lang="de-DE" sz="4400" spc="-1" strike="noStrike">
               <a:solidFill>
                 <a:srgbClr val="000000"/>
               </a:solidFill>
@@ -1459,7 +1594,7 @@
               </a:spcBef>
               <a:buNone/>
             </a:pPr>
-            <a:endParaRPr b="0" lang="en-US" sz="3200" spc="-1" strike="noStrike">
+            <a:endParaRPr b="0" lang="de-DE" sz="3200" spc="-1" strike="noStrike">
               <a:solidFill>
                 <a:srgbClr val="000000"/>
               </a:solidFill>
@@ -1502,7 +1637,7 @@
               </a:spcBef>
               <a:buNone/>
             </a:pPr>
-            <a:endParaRPr b="0" lang="en-US" sz="3200" spc="-1" strike="noStrike">
+            <a:endParaRPr b="0" lang="de-DE" sz="3200" spc="-1" strike="noStrike">
               <a:solidFill>
                 <a:srgbClr val="000000"/>
               </a:solidFill>
@@ -1545,7 +1680,7 @@
               </a:spcBef>
               <a:buNone/>
             </a:pPr>
-            <a:endParaRPr b="0" lang="en-US" sz="3200" spc="-1" strike="noStrike">
+            <a:endParaRPr b="0" lang="de-DE" sz="3200" spc="-1" strike="noStrike">
               <a:solidFill>
                 <a:srgbClr val="000000"/>
               </a:solidFill>
@@ -1588,7 +1723,7 @@
               </a:spcBef>
               <a:buNone/>
             </a:pPr>
-            <a:endParaRPr b="0" lang="en-US" sz="3200" spc="-1" strike="noStrike">
+            <a:endParaRPr b="0" lang="de-DE" sz="3200" spc="-1" strike="noStrike">
               <a:solidFill>
                 <a:srgbClr val="000000"/>
               </a:solidFill>
@@ -1631,7 +1766,7 @@
               </a:spcBef>
               <a:buNone/>
             </a:pPr>
-            <a:endParaRPr b="0" lang="en-US" sz="3200" spc="-1" strike="noStrike">
+            <a:endParaRPr b="0" lang="de-DE" sz="3200" spc="-1" strike="noStrike">
               <a:solidFill>
                 <a:srgbClr val="000000"/>
               </a:solidFill>
@@ -1674,7 +1809,7 @@
               </a:spcBef>
               <a:buNone/>
             </a:pPr>
-            <a:endParaRPr b="0" lang="en-US" sz="3200" spc="-1" strike="noStrike">
+            <a:endParaRPr b="0" lang="de-DE" sz="3200" spc="-1" strike="noStrike">
               <a:solidFill>
                 <a:srgbClr val="000000"/>
               </a:solidFill>
@@ -1758,7 +1893,7 @@
             <a:pPr indent="0" algn="ctr">
               <a:buNone/>
             </a:pPr>
-            <a:endParaRPr b="0" lang="en-US" sz="4400" spc="-1" strike="noStrike">
+            <a:endParaRPr b="0" lang="de-DE" sz="4400" spc="-1" strike="noStrike">
               <a:solidFill>
                 <a:srgbClr val="000000"/>
               </a:solidFill>
@@ -1798,7 +1933,7 @@
             <a:pPr indent="0" algn="ctr">
               <a:buNone/>
             </a:pPr>
-            <a:endParaRPr b="0" lang="en-US" sz="3200" spc="-1" strike="noStrike">
+            <a:endParaRPr b="0" lang="de-DE" sz="3200" spc="-1" strike="noStrike">
               <a:solidFill>
                 <a:srgbClr val="000000"/>
               </a:solidFill>
@@ -1860,7 +1995,7 @@
             <a:pPr indent="0" algn="ctr">
               <a:buNone/>
             </a:pPr>
-            <a:endParaRPr b="0" lang="en-US" sz="4400" spc="-1" strike="noStrike">
+            <a:endParaRPr b="0" lang="de-DE" sz="4400" spc="-1" strike="noStrike">
               <a:solidFill>
                 <a:srgbClr val="000000"/>
               </a:solidFill>
@@ -1903,7 +2038,7 @@
               </a:spcBef>
               <a:buNone/>
             </a:pPr>
-            <a:endParaRPr b="0" lang="en-US" sz="3200" spc="-1" strike="noStrike">
+            <a:endParaRPr b="0" lang="de-DE" sz="3200" spc="-1" strike="noStrike">
               <a:solidFill>
                 <a:srgbClr val="000000"/>
               </a:solidFill>
@@ -1965,7 +2100,7 @@
             <a:pPr indent="0" algn="ctr">
               <a:buNone/>
             </a:pPr>
-            <a:endParaRPr b="0" lang="en-US" sz="4400" spc="-1" strike="noStrike">
+            <a:endParaRPr b="0" lang="de-DE" sz="4400" spc="-1" strike="noStrike">
               <a:solidFill>
                 <a:srgbClr val="000000"/>
               </a:solidFill>
@@ -2008,7 +2143,7 @@
               </a:spcBef>
               <a:buNone/>
             </a:pPr>
-            <a:endParaRPr b="0" lang="en-US" sz="3200" spc="-1" strike="noStrike">
+            <a:endParaRPr b="0" lang="de-DE" sz="3200" spc="-1" strike="noStrike">
               <a:solidFill>
                 <a:srgbClr val="000000"/>
               </a:solidFill>
@@ -2051,7 +2186,7 @@
               </a:spcBef>
               <a:buNone/>
             </a:pPr>
-            <a:endParaRPr b="0" lang="en-US" sz="3200" spc="-1" strike="noStrike">
+            <a:endParaRPr b="0" lang="de-DE" sz="3200" spc="-1" strike="noStrike">
               <a:solidFill>
                 <a:srgbClr val="000000"/>
               </a:solidFill>
@@ -2113,7 +2248,7 @@
             <a:pPr indent="0" algn="ctr">
               <a:buNone/>
             </a:pPr>
-            <a:endParaRPr b="0" lang="en-US" sz="4400" spc="-1" strike="noStrike">
+            <a:endParaRPr b="0" lang="de-DE" sz="4400" spc="-1" strike="noStrike">
               <a:solidFill>
                 <a:srgbClr val="000000"/>
               </a:solidFill>
@@ -2173,7 +2308,7 @@
           </a:bodyPr>
           <a:p>
             <a:pPr algn="ctr"/>
-            <a:endParaRPr b="0" lang="en-US" sz="3200" spc="-1" strike="noStrike">
+            <a:endParaRPr b="0" lang="de-DE" sz="3200" spc="-1" strike="noStrike">
               <a:solidFill>
                 <a:srgbClr val="000000"/>
               </a:solidFill>
@@ -2235,7 +2370,7 @@
             <a:pPr indent="0" algn="ctr">
               <a:buNone/>
             </a:pPr>
-            <a:endParaRPr b="0" lang="en-US" sz="4400" spc="-1" strike="noStrike">
+            <a:endParaRPr b="0" lang="de-DE" sz="4400" spc="-1" strike="noStrike">
               <a:solidFill>
                 <a:srgbClr val="000000"/>
               </a:solidFill>
@@ -2278,7 +2413,7 @@
               </a:spcBef>
               <a:buNone/>
             </a:pPr>
-            <a:endParaRPr b="0" lang="en-US" sz="3200" spc="-1" strike="noStrike">
+            <a:endParaRPr b="0" lang="de-DE" sz="3200" spc="-1" strike="noStrike">
               <a:solidFill>
                 <a:srgbClr val="000000"/>
               </a:solidFill>
@@ -2321,7 +2456,7 @@
               </a:spcBef>
               <a:buNone/>
             </a:pPr>
-            <a:endParaRPr b="0" lang="en-US" sz="3200" spc="-1" strike="noStrike">
+            <a:endParaRPr b="0" lang="de-DE" sz="3200" spc="-1" strike="noStrike">
               <a:solidFill>
                 <a:srgbClr val="000000"/>
               </a:solidFill>
@@ -2364,7 +2499,7 @@
               </a:spcBef>
               <a:buNone/>
             </a:pPr>
-            <a:endParaRPr b="0" lang="en-US" sz="3200" spc="-1" strike="noStrike">
+            <a:endParaRPr b="0" lang="de-DE" sz="3200" spc="-1" strike="noStrike">
               <a:solidFill>
                 <a:srgbClr val="000000"/>
               </a:solidFill>
@@ -2426,7 +2561,7 @@
             <a:pPr indent="0" algn="ctr">
               <a:buNone/>
             </a:pPr>
-            <a:endParaRPr b="0" lang="en-US" sz="4400" spc="-1" strike="noStrike">
+            <a:endParaRPr b="0" lang="de-DE" sz="4400" spc="-1" strike="noStrike">
               <a:solidFill>
                 <a:srgbClr val="000000"/>
               </a:solidFill>
@@ -2466,7 +2601,7 @@
             <a:pPr indent="0" algn="ctr">
               <a:buNone/>
             </a:pPr>
-            <a:endParaRPr b="0" lang="en-US" sz="3200" spc="-1" strike="noStrike">
+            <a:endParaRPr b="0" lang="de-DE" sz="3200" spc="-1" strike="noStrike">
               <a:solidFill>
                 <a:srgbClr val="000000"/>
               </a:solidFill>
@@ -2528,7 +2663,7 @@
             <a:pPr indent="0" algn="ctr">
               <a:buNone/>
             </a:pPr>
-            <a:endParaRPr b="0" lang="en-US" sz="4400" spc="-1" strike="noStrike">
+            <a:endParaRPr b="0" lang="de-DE" sz="4400" spc="-1" strike="noStrike">
               <a:solidFill>
                 <a:srgbClr val="000000"/>
               </a:solidFill>
@@ -2571,7 +2706,7 @@
               </a:spcBef>
               <a:buNone/>
             </a:pPr>
-            <a:endParaRPr b="0" lang="en-US" sz="3200" spc="-1" strike="noStrike">
+            <a:endParaRPr b="0" lang="de-DE" sz="3200" spc="-1" strike="noStrike">
               <a:solidFill>
                 <a:srgbClr val="000000"/>
               </a:solidFill>
@@ -2614,7 +2749,7 @@
               </a:spcBef>
               <a:buNone/>
             </a:pPr>
-            <a:endParaRPr b="0" lang="en-US" sz="3200" spc="-1" strike="noStrike">
+            <a:endParaRPr b="0" lang="de-DE" sz="3200" spc="-1" strike="noStrike">
               <a:solidFill>
                 <a:srgbClr val="000000"/>
               </a:solidFill>
@@ -2657,7 +2792,7 @@
               </a:spcBef>
               <a:buNone/>
             </a:pPr>
-            <a:endParaRPr b="0" lang="en-US" sz="3200" spc="-1" strike="noStrike">
+            <a:endParaRPr b="0" lang="de-DE" sz="3200" spc="-1" strike="noStrike">
               <a:solidFill>
                 <a:srgbClr val="000000"/>
               </a:solidFill>
@@ -2719,7 +2854,7 @@
             <a:pPr indent="0" algn="ctr">
               <a:buNone/>
             </a:pPr>
-            <a:endParaRPr b="0" lang="en-US" sz="4400" spc="-1" strike="noStrike">
+            <a:endParaRPr b="0" lang="de-DE" sz="4400" spc="-1" strike="noStrike">
               <a:solidFill>
                 <a:srgbClr val="000000"/>
               </a:solidFill>
@@ -2762,7 +2897,7 @@
               </a:spcBef>
               <a:buNone/>
             </a:pPr>
-            <a:endParaRPr b="0" lang="en-US" sz="3200" spc="-1" strike="noStrike">
+            <a:endParaRPr b="0" lang="de-DE" sz="3200" spc="-1" strike="noStrike">
               <a:solidFill>
                 <a:srgbClr val="000000"/>
               </a:solidFill>
@@ -2805,7 +2940,7 @@
               </a:spcBef>
               <a:buNone/>
             </a:pPr>
-            <a:endParaRPr b="0" lang="en-US" sz="3200" spc="-1" strike="noStrike">
+            <a:endParaRPr b="0" lang="de-DE" sz="3200" spc="-1" strike="noStrike">
               <a:solidFill>
                 <a:srgbClr val="000000"/>
               </a:solidFill>
@@ -2848,7 +2983,7 @@
               </a:spcBef>
               <a:buNone/>
             </a:pPr>
-            <a:endParaRPr b="0" lang="en-US" sz="3200" spc="-1" strike="noStrike">
+            <a:endParaRPr b="0" lang="de-DE" sz="3200" spc="-1" strike="noStrike">
               <a:solidFill>
                 <a:srgbClr val="000000"/>
               </a:solidFill>
@@ -2910,7 +3045,7 @@
             <a:pPr indent="0" algn="ctr">
               <a:buNone/>
             </a:pPr>
-            <a:endParaRPr b="0" lang="en-US" sz="4400" spc="-1" strike="noStrike">
+            <a:endParaRPr b="0" lang="de-DE" sz="4400" spc="-1" strike="noStrike">
               <a:solidFill>
                 <a:srgbClr val="000000"/>
               </a:solidFill>
@@ -2953,7 +3088,7 @@
               </a:spcBef>
               <a:buNone/>
             </a:pPr>
-            <a:endParaRPr b="0" lang="en-US" sz="3200" spc="-1" strike="noStrike">
+            <a:endParaRPr b="0" lang="de-DE" sz="3200" spc="-1" strike="noStrike">
               <a:solidFill>
                 <a:srgbClr val="000000"/>
               </a:solidFill>
@@ -2996,7 +3131,7 @@
               </a:spcBef>
               <a:buNone/>
             </a:pPr>
-            <a:endParaRPr b="0" lang="en-US" sz="3200" spc="-1" strike="noStrike">
+            <a:endParaRPr b="0" lang="de-DE" sz="3200" spc="-1" strike="noStrike">
               <a:solidFill>
                 <a:srgbClr val="000000"/>
               </a:solidFill>
@@ -3058,7 +3193,7 @@
             <a:pPr indent="0" algn="ctr">
               <a:buNone/>
             </a:pPr>
-            <a:endParaRPr b="0" lang="en-US" sz="4400" spc="-1" strike="noStrike">
+            <a:endParaRPr b="0" lang="de-DE" sz="4400" spc="-1" strike="noStrike">
               <a:solidFill>
                 <a:srgbClr val="000000"/>
               </a:solidFill>
@@ -3101,7 +3236,7 @@
               </a:spcBef>
               <a:buNone/>
             </a:pPr>
-            <a:endParaRPr b="0" lang="en-US" sz="3200" spc="-1" strike="noStrike">
+            <a:endParaRPr b="0" lang="de-DE" sz="3200" spc="-1" strike="noStrike">
               <a:solidFill>
                 <a:srgbClr val="000000"/>
               </a:solidFill>
@@ -3144,7 +3279,7 @@
               </a:spcBef>
               <a:buNone/>
             </a:pPr>
-            <a:endParaRPr b="0" lang="en-US" sz="3200" spc="-1" strike="noStrike">
+            <a:endParaRPr b="0" lang="de-DE" sz="3200" spc="-1" strike="noStrike">
               <a:solidFill>
                 <a:srgbClr val="000000"/>
               </a:solidFill>
@@ -3187,7 +3322,7 @@
               </a:spcBef>
               <a:buNone/>
             </a:pPr>
-            <a:endParaRPr b="0" lang="en-US" sz="3200" spc="-1" strike="noStrike">
+            <a:endParaRPr b="0" lang="de-DE" sz="3200" spc="-1" strike="noStrike">
               <a:solidFill>
                 <a:srgbClr val="000000"/>
               </a:solidFill>
@@ -3230,7 +3365,7 @@
               </a:spcBef>
               <a:buNone/>
             </a:pPr>
-            <a:endParaRPr b="0" lang="en-US" sz="3200" spc="-1" strike="noStrike">
+            <a:endParaRPr b="0" lang="de-DE" sz="3200" spc="-1" strike="noStrike">
               <a:solidFill>
                 <a:srgbClr val="000000"/>
               </a:solidFill>
@@ -3292,7 +3427,7 @@
             <a:pPr indent="0" algn="ctr">
               <a:buNone/>
             </a:pPr>
-            <a:endParaRPr b="0" lang="en-US" sz="4400" spc="-1" strike="noStrike">
+            <a:endParaRPr b="0" lang="de-DE" sz="4400" spc="-1" strike="noStrike">
               <a:solidFill>
                 <a:srgbClr val="000000"/>
               </a:solidFill>
@@ -3335,7 +3470,7 @@
               </a:spcBef>
               <a:buNone/>
             </a:pPr>
-            <a:endParaRPr b="0" lang="en-US" sz="3200" spc="-1" strike="noStrike">
+            <a:endParaRPr b="0" lang="de-DE" sz="3200" spc="-1" strike="noStrike">
               <a:solidFill>
                 <a:srgbClr val="000000"/>
               </a:solidFill>
@@ -3378,7 +3513,7 @@
               </a:spcBef>
               <a:buNone/>
             </a:pPr>
-            <a:endParaRPr b="0" lang="en-US" sz="3200" spc="-1" strike="noStrike">
+            <a:endParaRPr b="0" lang="de-DE" sz="3200" spc="-1" strike="noStrike">
               <a:solidFill>
                 <a:srgbClr val="000000"/>
               </a:solidFill>
@@ -3421,7 +3556,7 @@
               </a:spcBef>
               <a:buNone/>
             </a:pPr>
-            <a:endParaRPr b="0" lang="en-US" sz="3200" spc="-1" strike="noStrike">
+            <a:endParaRPr b="0" lang="de-DE" sz="3200" spc="-1" strike="noStrike">
               <a:solidFill>
                 <a:srgbClr val="000000"/>
               </a:solidFill>
@@ -3464,7 +3599,7 @@
               </a:spcBef>
               <a:buNone/>
             </a:pPr>
-            <a:endParaRPr b="0" lang="en-US" sz="3200" spc="-1" strike="noStrike">
+            <a:endParaRPr b="0" lang="de-DE" sz="3200" spc="-1" strike="noStrike">
               <a:solidFill>
                 <a:srgbClr val="000000"/>
               </a:solidFill>
@@ -3507,7 +3642,7 @@
               </a:spcBef>
               <a:buNone/>
             </a:pPr>
-            <a:endParaRPr b="0" lang="en-US" sz="3200" spc="-1" strike="noStrike">
+            <a:endParaRPr b="0" lang="de-DE" sz="3200" spc="-1" strike="noStrike">
               <a:solidFill>
                 <a:srgbClr val="000000"/>
               </a:solidFill>
@@ -3550,7 +3685,7 @@
               </a:spcBef>
               <a:buNone/>
             </a:pPr>
-            <a:endParaRPr b="0" lang="en-US" sz="3200" spc="-1" strike="noStrike">
+            <a:endParaRPr b="0" lang="de-DE" sz="3200" spc="-1" strike="noStrike">
               <a:solidFill>
                 <a:srgbClr val="000000"/>
               </a:solidFill>
@@ -3612,7 +3747,7 @@
             <a:pPr indent="0" algn="ctr">
               <a:buNone/>
             </a:pPr>
-            <a:endParaRPr b="0" lang="en-US" sz="4400" spc="-1" strike="noStrike">
+            <a:endParaRPr b="0" lang="de-DE" sz="4400" spc="-1" strike="noStrike">
               <a:solidFill>
                 <a:srgbClr val="000000"/>
               </a:solidFill>
@@ -3655,7 +3790,7 @@
               </a:spcBef>
               <a:buNone/>
             </a:pPr>
-            <a:endParaRPr b="0" lang="en-US" sz="3200" spc="-1" strike="noStrike">
+            <a:endParaRPr b="0" lang="de-DE" sz="3200" spc="-1" strike="noStrike">
               <a:solidFill>
                 <a:srgbClr val="000000"/>
               </a:solidFill>
@@ -3717,7 +3852,7 @@
             <a:pPr indent="0" algn="ctr">
               <a:buNone/>
             </a:pPr>
-            <a:endParaRPr b="0" lang="en-US" sz="4400" spc="-1" strike="noStrike">
+            <a:endParaRPr b="0" lang="de-DE" sz="4400" spc="-1" strike="noStrike">
               <a:solidFill>
                 <a:srgbClr val="000000"/>
               </a:solidFill>
@@ -3760,7 +3895,7 @@
               </a:spcBef>
               <a:buNone/>
             </a:pPr>
-            <a:endParaRPr b="0" lang="en-US" sz="3200" spc="-1" strike="noStrike">
+            <a:endParaRPr b="0" lang="de-DE" sz="3200" spc="-1" strike="noStrike">
               <a:solidFill>
                 <a:srgbClr val="000000"/>
               </a:solidFill>
@@ -3803,7 +3938,7 @@
               </a:spcBef>
               <a:buNone/>
             </a:pPr>
-            <a:endParaRPr b="0" lang="en-US" sz="3200" spc="-1" strike="noStrike">
+            <a:endParaRPr b="0" lang="de-DE" sz="3200" spc="-1" strike="noStrike">
               <a:solidFill>
                 <a:srgbClr val="000000"/>
               </a:solidFill>
@@ -3865,7 +4000,7 @@
             <a:pPr indent="0" algn="ctr">
               <a:buNone/>
             </a:pPr>
-            <a:endParaRPr b="0" lang="en-US" sz="4400" spc="-1" strike="noStrike">
+            <a:endParaRPr b="0" lang="de-DE" sz="4400" spc="-1" strike="noStrike">
               <a:solidFill>
                 <a:srgbClr val="000000"/>
               </a:solidFill>
@@ -3925,7 +4060,7 @@
           </a:bodyPr>
           <a:p>
             <a:pPr algn="ctr"/>
-            <a:endParaRPr b="0" lang="en-US" sz="3200" spc="-1" strike="noStrike">
+            <a:endParaRPr b="0" lang="de-DE" sz="3200" spc="-1" strike="noStrike">
               <a:solidFill>
                 <a:srgbClr val="000000"/>
               </a:solidFill>
@@ -3987,7 +4122,7 @@
             <a:pPr indent="0" algn="ctr">
               <a:buNone/>
             </a:pPr>
-            <a:endParaRPr b="0" lang="en-US" sz="4400" spc="-1" strike="noStrike">
+            <a:endParaRPr b="0" lang="de-DE" sz="4400" spc="-1" strike="noStrike">
               <a:solidFill>
                 <a:srgbClr val="000000"/>
               </a:solidFill>
@@ -4030,7 +4165,7 @@
               </a:spcBef>
               <a:buNone/>
             </a:pPr>
-            <a:endParaRPr b="0" lang="en-US" sz="3200" spc="-1" strike="noStrike">
+            <a:endParaRPr b="0" lang="de-DE" sz="3200" spc="-1" strike="noStrike">
               <a:solidFill>
                 <a:srgbClr val="000000"/>
               </a:solidFill>
@@ -4073,7 +4208,7 @@
               </a:spcBef>
               <a:buNone/>
             </a:pPr>
-            <a:endParaRPr b="0" lang="en-US" sz="3200" spc="-1" strike="noStrike">
+            <a:endParaRPr b="0" lang="de-DE" sz="3200" spc="-1" strike="noStrike">
               <a:solidFill>
                 <a:srgbClr val="000000"/>
               </a:solidFill>
@@ -4116,7 +4251,7 @@
               </a:spcBef>
               <a:buNone/>
             </a:pPr>
-            <a:endParaRPr b="0" lang="en-US" sz="3200" spc="-1" strike="noStrike">
+            <a:endParaRPr b="0" lang="de-DE" sz="3200" spc="-1" strike="noStrike">
               <a:solidFill>
                 <a:srgbClr val="000000"/>
               </a:solidFill>
@@ -4178,7 +4313,7 @@
             <a:pPr indent="0" algn="ctr">
               <a:buNone/>
             </a:pPr>
-            <a:endParaRPr b="0" lang="en-US" sz="4400" spc="-1" strike="noStrike">
+            <a:endParaRPr b="0" lang="de-DE" sz="4400" spc="-1" strike="noStrike">
               <a:solidFill>
                 <a:srgbClr val="000000"/>
               </a:solidFill>
@@ -4221,7 +4356,7 @@
               </a:spcBef>
               <a:buNone/>
             </a:pPr>
-            <a:endParaRPr b="0" lang="en-US" sz="3200" spc="-1" strike="noStrike">
+            <a:endParaRPr b="0" lang="de-DE" sz="3200" spc="-1" strike="noStrike">
               <a:solidFill>
                 <a:srgbClr val="000000"/>
               </a:solidFill>
@@ -4264,7 +4399,7 @@
               </a:spcBef>
               <a:buNone/>
             </a:pPr>
-            <a:endParaRPr b="0" lang="en-US" sz="3200" spc="-1" strike="noStrike">
+            <a:endParaRPr b="0" lang="de-DE" sz="3200" spc="-1" strike="noStrike">
               <a:solidFill>
                 <a:srgbClr val="000000"/>
               </a:solidFill>
@@ -4307,7 +4442,7 @@
               </a:spcBef>
               <a:buNone/>
             </a:pPr>
-            <a:endParaRPr b="0" lang="en-US" sz="3200" spc="-1" strike="noStrike">
+            <a:endParaRPr b="0" lang="de-DE" sz="3200" spc="-1" strike="noStrike">
               <a:solidFill>
                 <a:srgbClr val="000000"/>
               </a:solidFill>
@@ -4369,7 +4504,7 @@
             <a:pPr indent="0" algn="ctr">
               <a:buNone/>
             </a:pPr>
-            <a:endParaRPr b="0" lang="en-US" sz="4400" spc="-1" strike="noStrike">
+            <a:endParaRPr b="0" lang="de-DE" sz="4400" spc="-1" strike="noStrike">
               <a:solidFill>
                 <a:srgbClr val="000000"/>
               </a:solidFill>
@@ -4412,7 +4547,7 @@
               </a:spcBef>
               <a:buNone/>
             </a:pPr>
-            <a:endParaRPr b="0" lang="en-US" sz="3200" spc="-1" strike="noStrike">
+            <a:endParaRPr b="0" lang="de-DE" sz="3200" spc="-1" strike="noStrike">
               <a:solidFill>
                 <a:srgbClr val="000000"/>
               </a:solidFill>
@@ -4455,7 +4590,7 @@
               </a:spcBef>
               <a:buNone/>
             </a:pPr>
-            <a:endParaRPr b="0" lang="en-US" sz="3200" spc="-1" strike="noStrike">
+            <a:endParaRPr b="0" lang="de-DE" sz="3200" spc="-1" strike="noStrike">
               <a:solidFill>
                 <a:srgbClr val="000000"/>
               </a:solidFill>
@@ -4498,7 +4633,7 @@
               </a:spcBef>
               <a:buNone/>
             </a:pPr>
-            <a:endParaRPr b="0" lang="en-US" sz="3200" spc="-1" strike="noStrike">
+            <a:endParaRPr b="0" lang="de-DE" sz="3200" spc="-1" strike="noStrike">
               <a:solidFill>
                 <a:srgbClr val="000000"/>
               </a:solidFill>
@@ -4545,7 +4680,7 @@
         <p:spPr>
           <a:xfrm>
             <a:off x="11444760" y="0"/>
-            <a:ext cx="742320" cy="6851160"/>
+            <a:ext cx="741960" cy="6850800"/>
           </a:xfrm>
           <a:prstGeom prst="rect">
             <a:avLst/>
@@ -4594,7 +4729,7 @@
         <p:spPr>
           <a:xfrm>
             <a:off x="11438640" y="6453360"/>
-            <a:ext cx="759240" cy="363960"/>
+            <a:ext cx="758880" cy="363960"/>
           </a:xfrm>
           <a:prstGeom prst="rect">
             <a:avLst/>
@@ -4620,7 +4755,7 @@
                 <a:spcPct val="100000"/>
               </a:lnSpc>
             </a:pPr>
-            <a:fld id="{60B2B569-678F-4E00-893A-57C25C73BE83}" type="slidenum">
+            <a:fld id="{E35A50F9-FF96-4FB9-B148-85091232A3F2}" type="slidenum">
               <a:rPr b="0" lang="en-US" sz="1800" spc="-1" strike="noStrike">
                 <a:solidFill>
                   <a:srgbClr val="808080"/>
@@ -4630,7 +4765,7 @@
               </a:rPr>
               <a:t>&lt;number&gt;</a:t>
             </a:fld>
-            <a:endParaRPr b="0" lang="en-US" sz="1800" spc="-1" strike="noStrike">
+            <a:endParaRPr b="0" lang="de-DE" sz="1800" spc="-1" strike="noStrike">
               <a:solidFill>
                 <a:srgbClr val="000000"/>
               </a:solidFill>
@@ -4648,7 +4783,7 @@
         <p:spPr>
           <a:xfrm>
             <a:off x="912240" y="1268280"/>
-            <a:ext cx="9209160" cy="362520"/>
+            <a:ext cx="9208800" cy="362160"/>
           </a:xfrm>
           <a:prstGeom prst="rect">
             <a:avLst/>
@@ -4697,7 +4832,7 @@
         <p:spPr>
           <a:xfrm>
             <a:off x="0" y="0"/>
-            <a:ext cx="3053160" cy="563040"/>
+            <a:ext cx="3052800" cy="562680"/>
           </a:xfrm>
           <a:prstGeom prst="rect">
             <a:avLst/>
@@ -4720,7 +4855,7 @@
         <p:spPr>
           <a:xfrm>
             <a:off x="7430400" y="134640"/>
-            <a:ext cx="3699000" cy="515160"/>
+            <a:ext cx="3698640" cy="514800"/>
           </a:xfrm>
           <a:prstGeom prst="rect">
             <a:avLst/>
@@ -4739,7 +4874,7 @@
         <p:spPr>
           <a:xfrm>
             <a:off x="912240" y="1268280"/>
-            <a:ext cx="9209160" cy="362520"/>
+            <a:ext cx="9208800" cy="362160"/>
           </a:xfrm>
           <a:prstGeom prst="rect">
             <a:avLst/>
@@ -4784,7 +4919,7 @@
         <p:spPr>
           <a:xfrm>
             <a:off x="11444760" y="0"/>
-            <a:ext cx="742320" cy="6851160"/>
+            <a:ext cx="741960" cy="6850800"/>
           </a:xfrm>
           <a:prstGeom prst="rect">
             <a:avLst/>
@@ -4833,7 +4968,7 @@
         <p:spPr>
           <a:xfrm>
             <a:off x="0" y="6642720"/>
-            <a:ext cx="12185280" cy="211320"/>
+            <a:ext cx="12184920" cy="211320"/>
           </a:xfrm>
           <a:prstGeom prst="rect">
             <a:avLst/>
@@ -4869,7 +5004,7 @@
               </a:rPr>
               <a:t>Requirements Engineering – TU Clausthal</a:t>
             </a:r>
-            <a:endParaRPr b="0" lang="en-US" sz="800" spc="-1" strike="noStrike">
+            <a:endParaRPr b="0" lang="de-DE" sz="800" spc="-1" strike="noStrike">
               <a:solidFill>
                 <a:srgbClr val="000000"/>
               </a:solidFill>
@@ -4910,42 +5045,150 @@
               <a:buNone/>
             </a:pPr>
             <a:r>
-              <a:rPr b="0" lang="en-US" sz="4400" spc="-1" strike="noStrike">
+              <a:rPr b="0" lang="de-DE" sz="4400" spc="-1" strike="noStrike">
                 <a:solidFill>
                   <a:srgbClr val="000000"/>
                 </a:solidFill>
                 <a:latin typeface="Arial"/>
               </a:rPr>
-              <a:t>Click to </a:t>
-            </a:r>
-            <a:r>
-              <a:rPr b="0" lang="en-US" sz="4400" spc="-1" strike="noStrike">
+              <a:t>Cl</a:t>
+            </a:r>
+            <a:r>
+              <a:rPr b="0" lang="de-DE" sz="4400" spc="-1" strike="noStrike">
                 <a:solidFill>
                   <a:srgbClr val="000000"/>
                 </a:solidFill>
                 <a:latin typeface="Arial"/>
               </a:rPr>
-              <a:t>edit the </a:t>
-            </a:r>
-            <a:r>
-              <a:rPr b="0" lang="en-US" sz="4400" spc="-1" strike="noStrike">
+              <a:t>ic</a:t>
+            </a:r>
+            <a:r>
+              <a:rPr b="0" lang="de-DE" sz="4400" spc="-1" strike="noStrike">
                 <a:solidFill>
                   <a:srgbClr val="000000"/>
                 </a:solidFill>
                 <a:latin typeface="Arial"/>
               </a:rPr>
-              <a:t>title text </a:t>
-            </a:r>
-            <a:r>
-              <a:rPr b="0" lang="en-US" sz="4400" spc="-1" strike="noStrike">
+              <a:t>k </a:t>
+            </a:r>
+            <a:r>
+              <a:rPr b="0" lang="de-DE" sz="4400" spc="-1" strike="noStrike">
                 <a:solidFill>
                   <a:srgbClr val="000000"/>
                 </a:solidFill>
                 <a:latin typeface="Arial"/>
               </a:rPr>
-              <a:t>format</a:t>
-            </a:r>
-            <a:endParaRPr b="0" lang="en-US" sz="4400" spc="-1" strike="noStrike">
+              <a:t>to </a:t>
+            </a:r>
+            <a:r>
+              <a:rPr b="0" lang="de-DE" sz="4400" spc="-1" strike="noStrike">
+                <a:solidFill>
+                  <a:srgbClr val="000000"/>
+                </a:solidFill>
+                <a:latin typeface="Arial"/>
+              </a:rPr>
+              <a:t>ed</a:t>
+            </a:r>
+            <a:r>
+              <a:rPr b="0" lang="de-DE" sz="4400" spc="-1" strike="noStrike">
+                <a:solidFill>
+                  <a:srgbClr val="000000"/>
+                </a:solidFill>
+                <a:latin typeface="Arial"/>
+              </a:rPr>
+              <a:t>it </a:t>
+            </a:r>
+            <a:r>
+              <a:rPr b="0" lang="de-DE" sz="4400" spc="-1" strike="noStrike">
+                <a:solidFill>
+                  <a:srgbClr val="000000"/>
+                </a:solidFill>
+                <a:latin typeface="Arial"/>
+              </a:rPr>
+              <a:t>th</a:t>
+            </a:r>
+            <a:r>
+              <a:rPr b="0" lang="de-DE" sz="4400" spc="-1" strike="noStrike">
+                <a:solidFill>
+                  <a:srgbClr val="000000"/>
+                </a:solidFill>
+                <a:latin typeface="Arial"/>
+              </a:rPr>
+              <a:t>e </a:t>
+            </a:r>
+            <a:r>
+              <a:rPr b="0" lang="de-DE" sz="4400" spc="-1" strike="noStrike">
+                <a:solidFill>
+                  <a:srgbClr val="000000"/>
+                </a:solidFill>
+                <a:latin typeface="Arial"/>
+              </a:rPr>
+              <a:t>titl</a:t>
+            </a:r>
+            <a:r>
+              <a:rPr b="0" lang="de-DE" sz="4400" spc="-1" strike="noStrike">
+                <a:solidFill>
+                  <a:srgbClr val="000000"/>
+                </a:solidFill>
+                <a:latin typeface="Arial"/>
+              </a:rPr>
+              <a:t>e </a:t>
+            </a:r>
+            <a:r>
+              <a:rPr b="0" lang="de-DE" sz="4400" spc="-1" strike="noStrike">
+                <a:solidFill>
+                  <a:srgbClr val="000000"/>
+                </a:solidFill>
+                <a:latin typeface="Arial"/>
+              </a:rPr>
+              <a:t>te</a:t>
+            </a:r>
+            <a:r>
+              <a:rPr b="0" lang="de-DE" sz="4400" spc="-1" strike="noStrike">
+                <a:solidFill>
+                  <a:srgbClr val="000000"/>
+                </a:solidFill>
+                <a:latin typeface="Arial"/>
+              </a:rPr>
+              <a:t>xt </a:t>
+            </a:r>
+            <a:r>
+              <a:rPr b="0" lang="de-DE" sz="4400" spc="-1" strike="noStrike">
+                <a:solidFill>
+                  <a:srgbClr val="000000"/>
+                </a:solidFill>
+                <a:latin typeface="Arial"/>
+              </a:rPr>
+              <a:t>fo</a:t>
+            </a:r>
+            <a:r>
+              <a:rPr b="0" lang="de-DE" sz="4400" spc="-1" strike="noStrike">
+                <a:solidFill>
+                  <a:srgbClr val="000000"/>
+                </a:solidFill>
+                <a:latin typeface="Arial"/>
+              </a:rPr>
+              <a:t>r</a:t>
+            </a:r>
+            <a:r>
+              <a:rPr b="0" lang="de-DE" sz="4400" spc="-1" strike="noStrike">
+                <a:solidFill>
+                  <a:srgbClr val="000000"/>
+                </a:solidFill>
+                <a:latin typeface="Arial"/>
+              </a:rPr>
+              <a:t>m</a:t>
+            </a:r>
+            <a:r>
+              <a:rPr b="0" lang="de-DE" sz="4400" spc="-1" strike="noStrike">
+                <a:solidFill>
+                  <a:srgbClr val="000000"/>
+                </a:solidFill>
+                <a:latin typeface="Arial"/>
+              </a:rPr>
+              <a:t>at</a:t>
+            </a:r>
+            <a:endParaRPr b="0" lang="de-DE" sz="4400" spc="-1" strike="noStrike">
               <a:solidFill>
                 <a:srgbClr val="000000"/>
               </a:solidFill>
@@ -4994,7 +5237,7 @@
               <a:buChar char=""/>
             </a:pPr>
             <a:r>
-              <a:rPr b="0" lang="en-US" sz="3200" spc="-1" strike="noStrike">
+              <a:rPr b="0" lang="de-DE" sz="3200" spc="-1" strike="noStrike">
                 <a:solidFill>
                   <a:srgbClr val="000000"/>
                 </a:solidFill>
@@ -5002,7 +5245,7 @@
               </a:rPr>
               <a:t>Click to edit the outline text format</a:t>
             </a:r>
-            <a:endParaRPr b="0" lang="en-US" sz="3200" spc="-1" strike="noStrike">
+            <a:endParaRPr b="0" lang="de-DE" sz="3200" spc="-1" strike="noStrike">
               <a:solidFill>
                 <a:srgbClr val="000000"/>
               </a:solidFill>
@@ -5022,7 +5265,7 @@
               <a:buChar char=""/>
             </a:pPr>
             <a:r>
-              <a:rPr b="0" lang="en-US" sz="2800" spc="-1" strike="noStrike">
+              <a:rPr b="0" lang="de-DE" sz="2800" spc="-1" strike="noStrike">
                 <a:solidFill>
                   <a:srgbClr val="000000"/>
                 </a:solidFill>
@@ -5030,7 +5273,7 @@
               </a:rPr>
               <a:t>Second Outline Level</a:t>
             </a:r>
-            <a:endParaRPr b="0" lang="en-US" sz="2800" spc="-1" strike="noStrike">
+            <a:endParaRPr b="0" lang="de-DE" sz="2800" spc="-1" strike="noStrike">
               <a:solidFill>
                 <a:srgbClr val="000000"/>
               </a:solidFill>
@@ -5050,7 +5293,7 @@
               <a:buChar char=""/>
             </a:pPr>
             <a:r>
-              <a:rPr b="0" lang="en-US" sz="2400" spc="-1" strike="noStrike">
+              <a:rPr b="0" lang="de-DE" sz="2400" spc="-1" strike="noStrike">
                 <a:solidFill>
                   <a:srgbClr val="000000"/>
                 </a:solidFill>
@@ -5058,7 +5301,7 @@
               </a:rPr>
               <a:t>Third Outline Level</a:t>
             </a:r>
-            <a:endParaRPr b="0" lang="en-US" sz="2400" spc="-1" strike="noStrike">
+            <a:endParaRPr b="0" lang="de-DE" sz="2400" spc="-1" strike="noStrike">
               <a:solidFill>
                 <a:srgbClr val="000000"/>
               </a:solidFill>
@@ -5078,7 +5321,7 @@
               <a:buChar char=""/>
             </a:pPr>
             <a:r>
-              <a:rPr b="0" lang="en-US" sz="2000" spc="-1" strike="noStrike">
+              <a:rPr b="0" lang="de-DE" sz="2000" spc="-1" strike="noStrike">
                 <a:solidFill>
                   <a:srgbClr val="000000"/>
                 </a:solidFill>
@@ -5086,7 +5329,7 @@
               </a:rPr>
               <a:t>Fourth Outline Level</a:t>
             </a:r>
-            <a:endParaRPr b="0" lang="en-US" sz="2000" spc="-1" strike="noStrike">
+            <a:endParaRPr b="0" lang="de-DE" sz="2000" spc="-1" strike="noStrike">
               <a:solidFill>
                 <a:srgbClr val="000000"/>
               </a:solidFill>
@@ -5106,7 +5349,7 @@
               <a:buChar char=""/>
             </a:pPr>
             <a:r>
-              <a:rPr b="0" lang="en-US" sz="2000" spc="-1" strike="noStrike">
+              <a:rPr b="0" lang="de-DE" sz="2000" spc="-1" strike="noStrike">
                 <a:solidFill>
                   <a:srgbClr val="000000"/>
                 </a:solidFill>
@@ -5114,7 +5357,7 @@
               </a:rPr>
               <a:t>Fifth Outline Level</a:t>
             </a:r>
-            <a:endParaRPr b="0" lang="en-US" sz="2000" spc="-1" strike="noStrike">
+            <a:endParaRPr b="0" lang="de-DE" sz="2000" spc="-1" strike="noStrike">
               <a:solidFill>
                 <a:srgbClr val="000000"/>
               </a:solidFill>
@@ -5134,7 +5377,7 @@
               <a:buChar char=""/>
             </a:pPr>
             <a:r>
-              <a:rPr b="0" lang="en-US" sz="2000" spc="-1" strike="noStrike">
+              <a:rPr b="0" lang="de-DE" sz="2000" spc="-1" strike="noStrike">
                 <a:solidFill>
                   <a:srgbClr val="000000"/>
                 </a:solidFill>
@@ -5142,7 +5385,7 @@
               </a:rPr>
               <a:t>Sixth Outline Level</a:t>
             </a:r>
-            <a:endParaRPr b="0" lang="en-US" sz="2000" spc="-1" strike="noStrike">
+            <a:endParaRPr b="0" lang="de-DE" sz="2000" spc="-1" strike="noStrike">
               <a:solidFill>
                 <a:srgbClr val="000000"/>
               </a:solidFill>
@@ -5162,7 +5405,7 @@
               <a:buChar char=""/>
             </a:pPr>
             <a:r>
-              <a:rPr b="0" lang="en-US" sz="2000" spc="-1" strike="noStrike">
+              <a:rPr b="0" lang="de-DE" sz="2000" spc="-1" strike="noStrike">
                 <a:solidFill>
                   <a:srgbClr val="000000"/>
                 </a:solidFill>
@@ -5170,7 +5413,7 @@
               </a:rPr>
               <a:t>Seventh Outline Level</a:t>
             </a:r>
-            <a:endParaRPr b="0" lang="en-US" sz="2000" spc="-1" strike="noStrike">
+            <a:endParaRPr b="0" lang="de-DE" sz="2000" spc="-1" strike="noStrike">
               <a:solidFill>
                 <a:srgbClr val="000000"/>
               </a:solidFill>
@@ -5232,7 +5475,7 @@
         <p:spPr>
           <a:xfrm>
             <a:off x="11444760" y="0"/>
-            <a:ext cx="742320" cy="6851160"/>
+            <a:ext cx="741960" cy="6850800"/>
           </a:xfrm>
           <a:prstGeom prst="rect">
             <a:avLst/>
@@ -5281,7 +5524,7 @@
         <p:spPr>
           <a:xfrm>
             <a:off x="11438640" y="6453360"/>
-            <a:ext cx="759240" cy="363960"/>
+            <a:ext cx="758880" cy="363960"/>
           </a:xfrm>
           <a:prstGeom prst="rect">
             <a:avLst/>
@@ -5307,7 +5550,7 @@
                 <a:spcPct val="100000"/>
               </a:lnSpc>
             </a:pPr>
-            <a:fld id="{620523A7-CD93-49ED-87CE-03DA3A6F5008}" type="slidenum">
+            <a:fld id="{787BB4BA-198F-4641-A16D-49E2E92F5671}" type="slidenum">
               <a:rPr b="0" lang="en-US" sz="1800" spc="-1" strike="noStrike">
                 <a:solidFill>
                   <a:srgbClr val="808080"/>
@@ -5317,7 +5560,7 @@
               </a:rPr>
               <a:t>&lt;number&gt;</a:t>
             </a:fld>
-            <a:endParaRPr b="0" lang="en-US" sz="1800" spc="-1" strike="noStrike">
+            <a:endParaRPr b="0" lang="de-DE" sz="1800" spc="-1" strike="noStrike">
               <a:solidFill>
                 <a:srgbClr val="000000"/>
               </a:solidFill>
@@ -5335,7 +5578,7 @@
         <p:spPr>
           <a:xfrm>
             <a:off x="912240" y="1268280"/>
-            <a:ext cx="9209160" cy="362520"/>
+            <a:ext cx="9208800" cy="362160"/>
           </a:xfrm>
           <a:prstGeom prst="rect">
             <a:avLst/>
@@ -5384,7 +5627,7 @@
         <p:spPr>
           <a:xfrm>
             <a:off x="0" y="0"/>
-            <a:ext cx="3053160" cy="563040"/>
+            <a:ext cx="3052800" cy="562680"/>
           </a:xfrm>
           <a:prstGeom prst="rect">
             <a:avLst/>
@@ -5407,7 +5650,7 @@
         <p:spPr>
           <a:xfrm>
             <a:off x="7430400" y="134640"/>
-            <a:ext cx="3699000" cy="515160"/>
+            <a:ext cx="3698640" cy="514800"/>
           </a:xfrm>
           <a:prstGeom prst="rect">
             <a:avLst/>
@@ -5426,7 +5669,7 @@
         <p:spPr>
           <a:xfrm>
             <a:off x="11444760" y="0"/>
-            <a:ext cx="742320" cy="6851160"/>
+            <a:ext cx="741960" cy="6850800"/>
           </a:xfrm>
           <a:prstGeom prst="rect">
             <a:avLst/>
@@ -5475,7 +5718,7 @@
         <p:spPr>
           <a:xfrm>
             <a:off x="11438640" y="6453360"/>
-            <a:ext cx="759240" cy="363960"/>
+            <a:ext cx="758880" cy="363960"/>
           </a:xfrm>
           <a:prstGeom prst="rect">
             <a:avLst/>
@@ -5501,7 +5744,7 @@
                 <a:spcPct val="100000"/>
               </a:lnSpc>
             </a:pPr>
-            <a:fld id="{541358CA-2D7B-4130-A71F-66D4C8DF3EFD}" type="slidenum">
+            <a:fld id="{EBE10CEA-A882-49FA-A379-305BD8451752}" type="slidenum">
               <a:rPr b="0" lang="en-US" sz="1800" spc="-1" strike="noStrike">
                 <a:solidFill>
                   <a:srgbClr val="808080"/>
@@ -5511,7 +5754,7 @@
               </a:rPr>
               <a:t>&lt;number&gt;</a:t>
             </a:fld>
-            <a:endParaRPr b="0" lang="en-US" sz="1800" spc="-1" strike="noStrike">
+            <a:endParaRPr b="0" lang="de-DE" sz="1800" spc="-1" strike="noStrike">
               <a:solidFill>
                 <a:srgbClr val="000000"/>
               </a:solidFill>
@@ -5529,7 +5772,7 @@
         <p:spPr>
           <a:xfrm>
             <a:off x="0" y="6642720"/>
-            <a:ext cx="12185280" cy="211320"/>
+            <a:ext cx="12184920" cy="211320"/>
           </a:xfrm>
           <a:prstGeom prst="rect">
             <a:avLst/>
@@ -5565,7 +5808,7 @@
               </a:rPr>
               <a:t>Requirements Engineering – TU Clausthal</a:t>
             </a:r>
-            <a:endParaRPr b="0" lang="en-US" sz="800" spc="-1" strike="noStrike">
+            <a:endParaRPr b="0" lang="de-DE" sz="800" spc="-1" strike="noStrike">
               <a:solidFill>
                 <a:srgbClr val="000000"/>
               </a:solidFill>
@@ -5606,42 +5849,150 @@
               <a:buNone/>
             </a:pPr>
             <a:r>
-              <a:rPr b="0" lang="en-US" sz="4400" spc="-1" strike="noStrike">
+              <a:rPr b="0" lang="de-DE" sz="4400" spc="-1" strike="noStrike">
                 <a:solidFill>
                   <a:srgbClr val="000000"/>
                 </a:solidFill>
                 <a:latin typeface="Arial"/>
               </a:rPr>
-              <a:t>Click to </a:t>
-            </a:r>
-            <a:r>
-              <a:rPr b="0" lang="en-US" sz="4400" spc="-1" strike="noStrike">
+              <a:t>Cl</a:t>
+            </a:r>
+            <a:r>
+              <a:rPr b="0" lang="de-DE" sz="4400" spc="-1" strike="noStrike">
                 <a:solidFill>
                   <a:srgbClr val="000000"/>
                 </a:solidFill>
                 <a:latin typeface="Arial"/>
               </a:rPr>
-              <a:t>edit the </a:t>
-            </a:r>
-            <a:r>
-              <a:rPr b="0" lang="en-US" sz="4400" spc="-1" strike="noStrike">
+              <a:t>ic</a:t>
+            </a:r>
+            <a:r>
+              <a:rPr b="0" lang="de-DE" sz="4400" spc="-1" strike="noStrike">
                 <a:solidFill>
                   <a:srgbClr val="000000"/>
                 </a:solidFill>
                 <a:latin typeface="Arial"/>
               </a:rPr>
-              <a:t>title text </a:t>
-            </a:r>
-            <a:r>
-              <a:rPr b="0" lang="en-US" sz="4400" spc="-1" strike="noStrike">
+              <a:t>k </a:t>
+            </a:r>
+            <a:r>
+              <a:rPr b="0" lang="de-DE" sz="4400" spc="-1" strike="noStrike">
                 <a:solidFill>
                   <a:srgbClr val="000000"/>
                 </a:solidFill>
                 <a:latin typeface="Arial"/>
               </a:rPr>
-              <a:t>format</a:t>
-            </a:r>
-            <a:endParaRPr b="0" lang="en-US" sz="4400" spc="-1" strike="noStrike">
+              <a:t>to </a:t>
+            </a:r>
+            <a:r>
+              <a:rPr b="0" lang="de-DE" sz="4400" spc="-1" strike="noStrike">
+                <a:solidFill>
+                  <a:srgbClr val="000000"/>
+                </a:solidFill>
+                <a:latin typeface="Arial"/>
+              </a:rPr>
+              <a:t>ed</a:t>
+            </a:r>
+            <a:r>
+              <a:rPr b="0" lang="de-DE" sz="4400" spc="-1" strike="noStrike">
+                <a:solidFill>
+                  <a:srgbClr val="000000"/>
+                </a:solidFill>
+                <a:latin typeface="Arial"/>
+              </a:rPr>
+              <a:t>it </a:t>
+            </a:r>
+            <a:r>
+              <a:rPr b="0" lang="de-DE" sz="4400" spc="-1" strike="noStrike">
+                <a:solidFill>
+                  <a:srgbClr val="000000"/>
+                </a:solidFill>
+                <a:latin typeface="Arial"/>
+              </a:rPr>
+              <a:t>th</a:t>
+            </a:r>
+            <a:r>
+              <a:rPr b="0" lang="de-DE" sz="4400" spc="-1" strike="noStrike">
+                <a:solidFill>
+                  <a:srgbClr val="000000"/>
+                </a:solidFill>
+                <a:latin typeface="Arial"/>
+              </a:rPr>
+              <a:t>e </a:t>
+            </a:r>
+            <a:r>
+              <a:rPr b="0" lang="de-DE" sz="4400" spc="-1" strike="noStrike">
+                <a:solidFill>
+                  <a:srgbClr val="000000"/>
+                </a:solidFill>
+                <a:latin typeface="Arial"/>
+              </a:rPr>
+              <a:t>titl</a:t>
+            </a:r>
+            <a:r>
+              <a:rPr b="0" lang="de-DE" sz="4400" spc="-1" strike="noStrike">
+                <a:solidFill>
+                  <a:srgbClr val="000000"/>
+                </a:solidFill>
+                <a:latin typeface="Arial"/>
+              </a:rPr>
+              <a:t>e </a:t>
+            </a:r>
+            <a:r>
+              <a:rPr b="0" lang="de-DE" sz="4400" spc="-1" strike="noStrike">
+                <a:solidFill>
+                  <a:srgbClr val="000000"/>
+                </a:solidFill>
+                <a:latin typeface="Arial"/>
+              </a:rPr>
+              <a:t>te</a:t>
+            </a:r>
+            <a:r>
+              <a:rPr b="0" lang="de-DE" sz="4400" spc="-1" strike="noStrike">
+                <a:solidFill>
+                  <a:srgbClr val="000000"/>
+                </a:solidFill>
+                <a:latin typeface="Arial"/>
+              </a:rPr>
+              <a:t>xt </a:t>
+            </a:r>
+            <a:r>
+              <a:rPr b="0" lang="de-DE" sz="4400" spc="-1" strike="noStrike">
+                <a:solidFill>
+                  <a:srgbClr val="000000"/>
+                </a:solidFill>
+                <a:latin typeface="Arial"/>
+              </a:rPr>
+              <a:t>fo</a:t>
+            </a:r>
+            <a:r>
+              <a:rPr b="0" lang="de-DE" sz="4400" spc="-1" strike="noStrike">
+                <a:solidFill>
+                  <a:srgbClr val="000000"/>
+                </a:solidFill>
+                <a:latin typeface="Arial"/>
+              </a:rPr>
+              <a:t>r</a:t>
+            </a:r>
+            <a:r>
+              <a:rPr b="0" lang="de-DE" sz="4400" spc="-1" strike="noStrike">
+                <a:solidFill>
+                  <a:srgbClr val="000000"/>
+                </a:solidFill>
+                <a:latin typeface="Arial"/>
+              </a:rPr>
+              <a:t>m</a:t>
+            </a:r>
+            <a:r>
+              <a:rPr b="0" lang="de-DE" sz="4400" spc="-1" strike="noStrike">
+                <a:solidFill>
+                  <a:srgbClr val="000000"/>
+                </a:solidFill>
+                <a:latin typeface="Arial"/>
+              </a:rPr>
+              <a:t>at</a:t>
+            </a:r>
+            <a:endParaRPr b="0" lang="de-DE" sz="4400" spc="-1" strike="noStrike">
               <a:solidFill>
                 <a:srgbClr val="000000"/>
               </a:solidFill>
@@ -5690,7 +6041,7 @@
               <a:buChar char=""/>
             </a:pPr>
             <a:r>
-              <a:rPr b="0" lang="en-US" sz="3200" spc="-1" strike="noStrike">
+              <a:rPr b="0" lang="de-DE" sz="3200" spc="-1" strike="noStrike">
                 <a:solidFill>
                   <a:srgbClr val="000000"/>
                 </a:solidFill>
@@ -5698,7 +6049,7 @@
               </a:rPr>
               <a:t>Click to edit the outline text format</a:t>
             </a:r>
-            <a:endParaRPr b="0" lang="en-US" sz="3200" spc="-1" strike="noStrike">
+            <a:endParaRPr b="0" lang="de-DE" sz="3200" spc="-1" strike="noStrike">
               <a:solidFill>
                 <a:srgbClr val="000000"/>
               </a:solidFill>
@@ -5718,7 +6069,7 @@
               <a:buChar char=""/>
             </a:pPr>
             <a:r>
-              <a:rPr b="0" lang="en-US" sz="2800" spc="-1" strike="noStrike">
+              <a:rPr b="0" lang="de-DE" sz="2800" spc="-1" strike="noStrike">
                 <a:solidFill>
                   <a:srgbClr val="000000"/>
                 </a:solidFill>
@@ -5726,7 +6077,7 @@
               </a:rPr>
               <a:t>Second Outline Level</a:t>
             </a:r>
-            <a:endParaRPr b="0" lang="en-US" sz="2800" spc="-1" strike="noStrike">
+            <a:endParaRPr b="0" lang="de-DE" sz="2800" spc="-1" strike="noStrike">
               <a:solidFill>
                 <a:srgbClr val="000000"/>
               </a:solidFill>
@@ -5746,7 +6097,7 @@
               <a:buChar char=""/>
             </a:pPr>
             <a:r>
-              <a:rPr b="0" lang="en-US" sz="2400" spc="-1" strike="noStrike">
+              <a:rPr b="0" lang="de-DE" sz="2400" spc="-1" strike="noStrike">
                 <a:solidFill>
                   <a:srgbClr val="000000"/>
                 </a:solidFill>
@@ -5754,7 +6105,7 @@
               </a:rPr>
               <a:t>Third Outline Level</a:t>
             </a:r>
-            <a:endParaRPr b="0" lang="en-US" sz="2400" spc="-1" strike="noStrike">
+            <a:endParaRPr b="0" lang="de-DE" sz="2400" spc="-1" strike="noStrike">
               <a:solidFill>
                 <a:srgbClr val="000000"/>
               </a:solidFill>
@@ -5774,7 +6125,7 @@
               <a:buChar char=""/>
             </a:pPr>
             <a:r>
-              <a:rPr b="0" lang="en-US" sz="2000" spc="-1" strike="noStrike">
+              <a:rPr b="0" lang="de-DE" sz="2000" spc="-1" strike="noStrike">
                 <a:solidFill>
                   <a:srgbClr val="000000"/>
                 </a:solidFill>
@@ -5782,7 +6133,7 @@
               </a:rPr>
               <a:t>Fourth Outline Level</a:t>
             </a:r>
-            <a:endParaRPr b="0" lang="en-US" sz="2000" spc="-1" strike="noStrike">
+            <a:endParaRPr b="0" lang="de-DE" sz="2000" spc="-1" strike="noStrike">
               <a:solidFill>
                 <a:srgbClr val="000000"/>
               </a:solidFill>
@@ -5802,7 +6153,7 @@
               <a:buChar char=""/>
             </a:pPr>
             <a:r>
-              <a:rPr b="0" lang="en-US" sz="2000" spc="-1" strike="noStrike">
+              <a:rPr b="0" lang="de-DE" sz="2000" spc="-1" strike="noStrike">
                 <a:solidFill>
                   <a:srgbClr val="000000"/>
                 </a:solidFill>
@@ -5810,7 +6161,7 @@
               </a:rPr>
               <a:t>Fifth Outline Level</a:t>
             </a:r>
-            <a:endParaRPr b="0" lang="en-US" sz="2000" spc="-1" strike="noStrike">
+            <a:endParaRPr b="0" lang="de-DE" sz="2000" spc="-1" strike="noStrike">
               <a:solidFill>
                 <a:srgbClr val="000000"/>
               </a:solidFill>
@@ -5830,7 +6181,7 @@
               <a:buChar char=""/>
             </a:pPr>
             <a:r>
-              <a:rPr b="0" lang="en-US" sz="2000" spc="-1" strike="noStrike">
+              <a:rPr b="0" lang="de-DE" sz="2000" spc="-1" strike="noStrike">
                 <a:solidFill>
                   <a:srgbClr val="000000"/>
                 </a:solidFill>
@@ -5838,7 +6189,7 @@
               </a:rPr>
               <a:t>Sixth Outline Level</a:t>
             </a:r>
-            <a:endParaRPr b="0" lang="en-US" sz="2000" spc="-1" strike="noStrike">
+            <a:endParaRPr b="0" lang="de-DE" sz="2000" spc="-1" strike="noStrike">
               <a:solidFill>
                 <a:srgbClr val="000000"/>
               </a:solidFill>
@@ -5858,7 +6209,7 @@
               <a:buChar char=""/>
             </a:pPr>
             <a:r>
-              <a:rPr b="0" lang="en-US" sz="2000" spc="-1" strike="noStrike">
+              <a:rPr b="0" lang="de-DE" sz="2000" spc="-1" strike="noStrike">
                 <a:solidFill>
                   <a:srgbClr val="000000"/>
                 </a:solidFill>
@@ -5866,7 +6217,7 @@
               </a:rPr>
               <a:t>Seventh Outline Level</a:t>
             </a:r>
-            <a:endParaRPr b="0" lang="en-US" sz="2000" spc="-1" strike="noStrike">
+            <a:endParaRPr b="0" lang="de-DE" sz="2000" spc="-1" strike="noStrike">
               <a:solidFill>
                 <a:srgbClr val="000000"/>
               </a:solidFill>
@@ -5921,7 +6272,7 @@
         <p:spPr>
           <a:xfrm>
             <a:off x="527400" y="1412640"/>
-            <a:ext cx="10362240" cy="1148760"/>
+            <a:ext cx="10361880" cy="1148400"/>
           </a:xfrm>
           <a:prstGeom prst="rect">
             <a:avLst/>
@@ -5957,7 +6308,7 @@
               </a:rPr>
               <a:t>Requirement Engineering</a:t>
             </a:r>
-            <a:endParaRPr b="0" lang="en-US" sz="3200" spc="-1" strike="noStrike">
+            <a:endParaRPr b="0" lang="de-DE" sz="3200" spc="-1" strike="noStrike">
               <a:solidFill>
                 <a:srgbClr val="000000"/>
               </a:solidFill>
@@ -5975,7 +6326,7 @@
         <p:spPr>
           <a:xfrm>
             <a:off x="527400" y="2852640"/>
-            <a:ext cx="10362240" cy="2369520"/>
+            <a:ext cx="10361880" cy="2369160"/>
           </a:xfrm>
           <a:prstGeom prst="rect">
             <a:avLst/>
@@ -6017,7 +6368,7 @@
               </a:rPr>
               <a:t>Lecture 0: Organization</a:t>
             </a:r>
-            <a:endParaRPr b="0" lang="en-US" sz="2400" spc="-1" strike="noStrike">
+            <a:endParaRPr b="0" lang="de-DE" sz="2400" spc="-1" strike="noStrike">
               <a:solidFill>
                 <a:srgbClr val="000000"/>
               </a:solidFill>
@@ -6036,7 +6387,7 @@
                 <a:tab algn="l" pos="0"/>
               </a:tabLst>
             </a:pPr>
-            <a:endParaRPr b="0" lang="en-US" sz="2400" spc="-1" strike="noStrike">
+            <a:endParaRPr b="0" lang="de-DE" sz="2400" spc="-1" strike="noStrike">
               <a:solidFill>
                 <a:srgbClr val="000000"/>
               </a:solidFill>
@@ -6055,7 +6406,7 @@
                 <a:tab algn="l" pos="0"/>
               </a:tabLst>
             </a:pPr>
-            <a:endParaRPr b="0" lang="en-US" sz="2400" spc="-1" strike="noStrike">
+            <a:endParaRPr b="0" lang="de-DE" sz="2400" spc="-1" strike="noStrike">
               <a:solidFill>
                 <a:srgbClr val="000000"/>
               </a:solidFill>
@@ -6074,7 +6425,7 @@
                 <a:tab algn="l" pos="0"/>
               </a:tabLst>
             </a:pPr>
-            <a:endParaRPr b="0" lang="en-US" sz="2400" spc="-1" strike="noStrike">
+            <a:endParaRPr b="0" lang="de-DE" sz="2400" spc="-1" strike="noStrike">
               <a:solidFill>
                 <a:srgbClr val="000000"/>
               </a:solidFill>
@@ -6103,7 +6454,7 @@
               </a:rPr>
               <a:t>Prof. Dr. Benjamin Leiding</a:t>
             </a:r>
-            <a:endParaRPr b="0" lang="en-US" sz="1600" spc="-1" strike="noStrike">
+            <a:endParaRPr b="0" lang="de-DE" sz="1600" spc="-1" strike="noStrike">
               <a:solidFill>
                 <a:srgbClr val="000000"/>
               </a:solidFill>
@@ -6132,7 +6483,7 @@
               </a:rPr>
               <a:t>M.Sc. Anant Sujatanagarjuna</a:t>
             </a:r>
-            <a:endParaRPr b="0" lang="en-US" sz="1600" spc="-1" strike="noStrike">
+            <a:endParaRPr b="0" lang="de-DE" sz="1600" spc="-1" strike="noStrike">
               <a:solidFill>
                 <a:srgbClr val="000000"/>
               </a:solidFill>
@@ -6180,7 +6531,7 @@
         <p:spPr>
           <a:xfrm>
             <a:off x="539640" y="764640"/>
-            <a:ext cx="10746360" cy="497160"/>
+            <a:ext cx="10746000" cy="496800"/>
           </a:xfrm>
           <a:prstGeom prst="rect">
             <a:avLst/>
@@ -6216,7 +6567,7 @@
               </a:rPr>
               <a:t>Exercises</a:t>
             </a:r>
-            <a:endParaRPr b="0" lang="en-US" sz="2400" spc="-1" strike="noStrike">
+            <a:endParaRPr b="0" lang="de-DE" sz="2400" spc="-1" strike="noStrike">
               <a:solidFill>
                 <a:srgbClr val="000000"/>
               </a:solidFill>
@@ -6265,7 +6616,7 @@
                         </a:rPr>
                         <a:t>Publication Date</a:t>
                       </a:r>
-                      <a:endParaRPr b="0" lang="en-US" sz="1500" spc="-1" strike="noStrike">
+                      <a:endParaRPr b="0" lang="de-DE" sz="1500" spc="-1" strike="noStrike">
                         <a:solidFill>
                           <a:srgbClr val="000000"/>
                         </a:solidFill>
@@ -6323,7 +6674,7 @@
                         </a:rPr>
                         <a:t>Submission Deadline</a:t>
                       </a:r>
-                      <a:endParaRPr b="0" lang="en-US" sz="1500" spc="-1" strike="noStrike">
+                      <a:endParaRPr b="0" lang="de-DE" sz="1500" spc="-1" strike="noStrike">
                         <a:solidFill>
                           <a:srgbClr val="000000"/>
                         </a:solidFill>
@@ -6382,7 +6733,7 @@
                         </a:rPr>
                         <a:t>Exercise</a:t>
                       </a:r>
-                      <a:endParaRPr b="0" lang="en-US" sz="1500" spc="-1" strike="noStrike">
+                      <a:endParaRPr b="0" lang="de-DE" sz="1500" spc="-1" strike="noStrike">
                         <a:solidFill>
                           <a:srgbClr val="000000"/>
                         </a:solidFill>
@@ -6442,7 +6793,7 @@
                         </a:rPr>
                         <a:t>13.11.2023</a:t>
                       </a:r>
-                      <a:endParaRPr b="0" lang="en-US" sz="1500" spc="-1" strike="noStrike">
+                      <a:endParaRPr b="0" lang="de-DE" sz="1500" spc="-1" strike="noStrike">
                         <a:solidFill>
                           <a:srgbClr val="000000"/>
                         </a:solidFill>
@@ -6500,7 +6851,7 @@
                         </a:rPr>
                         <a:t>20.11.2023</a:t>
                       </a:r>
-                      <a:endParaRPr b="0" lang="en-US" sz="1500" spc="-1" strike="noStrike">
+                      <a:endParaRPr b="0" lang="de-DE" sz="1500" spc="-1" strike="noStrike">
                         <a:solidFill>
                           <a:srgbClr val="000000"/>
                         </a:solidFill>
@@ -6559,7 +6910,7 @@
                         </a:rPr>
                         <a:t>E01 – Knowledge Test (MC)</a:t>
                       </a:r>
-                      <a:endParaRPr b="0" lang="en-US" sz="1500" spc="-1" strike="noStrike">
+                      <a:endParaRPr b="0" lang="de-DE" sz="1500" spc="-1" strike="noStrike">
                         <a:solidFill>
                           <a:srgbClr val="000000"/>
                         </a:solidFill>
@@ -6619,7 +6970,7 @@
                         </a:rPr>
                         <a:t>27.11.2023</a:t>
                       </a:r>
-                      <a:endParaRPr b="0" lang="en-US" sz="1500" spc="-1" strike="noStrike">
+                      <a:endParaRPr b="0" lang="de-DE" sz="1500" spc="-1" strike="noStrike">
                         <a:solidFill>
                           <a:srgbClr val="000000"/>
                         </a:solidFill>
@@ -6677,7 +7028,7 @@
                         </a:rPr>
                         <a:t>11.12.2023</a:t>
                       </a:r>
-                      <a:endParaRPr b="0" lang="en-US" sz="1500" spc="-1" strike="noStrike">
+                      <a:endParaRPr b="0" lang="de-DE" sz="1500" spc="-1" strike="noStrike">
                         <a:solidFill>
                           <a:srgbClr val="000000"/>
                         </a:solidFill>
@@ -6736,7 +7087,7 @@
                         </a:rPr>
                         <a:t>E02 – Elicitation I, E03 – Elicitation II</a:t>
                       </a:r>
-                      <a:endParaRPr b="0" lang="en-US" sz="1500" spc="-1" strike="noStrike">
+                      <a:endParaRPr b="0" lang="de-DE" sz="1500" spc="-1" strike="noStrike">
                         <a:solidFill>
                           <a:srgbClr val="000000"/>
                         </a:solidFill>
@@ -6796,7 +7147,7 @@
                         </a:rPr>
                         <a:t>18.12.2023</a:t>
                       </a:r>
-                      <a:endParaRPr b="0" lang="en-US" sz="1500" spc="-1" strike="noStrike">
+                      <a:endParaRPr b="0" lang="de-DE" sz="1500" spc="-1" strike="noStrike">
                         <a:solidFill>
                           <a:srgbClr val="000000"/>
                         </a:solidFill>
@@ -6854,7 +7205,7 @@
                         </a:rPr>
                         <a:t>08.01.2024</a:t>
                       </a:r>
-                      <a:endParaRPr b="0" lang="en-US" sz="1500" spc="-1" strike="noStrike">
+                      <a:endParaRPr b="0" lang="de-DE" sz="1500" spc="-1" strike="noStrike">
                         <a:solidFill>
                           <a:srgbClr val="000000"/>
                         </a:solidFill>
@@ -6913,7 +7264,7 @@
                         </a:rPr>
                         <a:t>E04 – Agent-Oriented Modeling</a:t>
                       </a:r>
-                      <a:endParaRPr b="0" lang="en-US" sz="1500" spc="-1" strike="noStrike">
+                      <a:endParaRPr b="0" lang="de-DE" sz="1500" spc="-1" strike="noStrike">
                         <a:solidFill>
                           <a:srgbClr val="000000"/>
                         </a:solidFill>
@@ -6973,7 +7324,7 @@
                         </a:rPr>
                         <a:t>08.01.2024</a:t>
                       </a:r>
-                      <a:endParaRPr b="0" lang="en-US" sz="1500" spc="-1" strike="noStrike">
+                      <a:endParaRPr b="0" lang="de-DE" sz="1500" spc="-1" strike="noStrike">
                         <a:solidFill>
                           <a:srgbClr val="000000"/>
                         </a:solidFill>
@@ -7031,7 +7382,7 @@
                         </a:rPr>
                         <a:t>22.01.2024</a:t>
                       </a:r>
-                      <a:endParaRPr b="0" lang="en-US" sz="1500" spc="-1" strike="noStrike">
+                      <a:endParaRPr b="0" lang="de-DE" sz="1500" spc="-1" strike="noStrike">
                         <a:solidFill>
                           <a:srgbClr val="000000"/>
                         </a:solidFill>
@@ -7090,7 +7441,7 @@
                         </a:rPr>
                         <a:t>E05 – CPN I, E06 – CPN II</a:t>
                       </a:r>
-                      <a:endParaRPr b="0" lang="en-US" sz="1500" spc="-1" strike="noStrike">
+                      <a:endParaRPr b="0" lang="de-DE" sz="1500" spc="-1" strike="noStrike">
                         <a:solidFill>
                           <a:srgbClr val="000000"/>
                         </a:solidFill>
@@ -7150,7 +7501,7 @@
                         </a:rPr>
                         <a:t>22.01.2024</a:t>
                       </a:r>
-                      <a:endParaRPr b="0" lang="en-US" sz="1500" spc="-1" strike="noStrike">
+                      <a:endParaRPr b="0" lang="de-DE" sz="1500" spc="-1" strike="noStrike">
                         <a:solidFill>
                           <a:srgbClr val="000000"/>
                         </a:solidFill>
@@ -7208,7 +7559,7 @@
                         </a:rPr>
                         <a:t>29.01.2024</a:t>
                       </a:r>
-                      <a:endParaRPr b="0" lang="en-US" sz="1500" spc="-1" strike="noStrike">
+                      <a:endParaRPr b="0" lang="de-DE" sz="1500" spc="-1" strike="noStrike">
                         <a:solidFill>
                           <a:srgbClr val="000000"/>
                         </a:solidFill>
@@ -7267,7 +7618,7 @@
                         </a:rPr>
                         <a:t>E07 – Management</a:t>
                       </a:r>
-                      <a:endParaRPr b="0" lang="en-US" sz="1500" spc="-1" strike="noStrike">
+                      <a:endParaRPr b="0" lang="de-DE" sz="1500" spc="-1" strike="noStrike">
                         <a:solidFill>
                           <a:srgbClr val="000000"/>
                         </a:solidFill>
@@ -7327,7 +7678,7 @@
                         </a:rPr>
                         <a:t>29.01.2024</a:t>
                       </a:r>
-                      <a:endParaRPr b="0" lang="en-US" sz="1500" spc="-1" strike="noStrike">
+                      <a:endParaRPr b="0" lang="de-DE" sz="1500" spc="-1" strike="noStrike">
                         <a:solidFill>
                           <a:srgbClr val="000000"/>
                         </a:solidFill>
@@ -7383,7 +7734,7 @@
                         </a:rPr>
                         <a:t>05.02.2024</a:t>
                       </a:r>
-                      <a:endParaRPr b="0" lang="en-US" sz="1500" spc="-1" strike="noStrike">
+                      <a:endParaRPr b="0" lang="de-DE" sz="1500" spc="-1" strike="noStrike">
                         <a:solidFill>
                           <a:srgbClr val="000000"/>
                         </a:solidFill>
@@ -7440,7 +7791,7 @@
                         </a:rPr>
                         <a:t>E08 – Traceability</a:t>
                       </a:r>
-                      <a:endParaRPr b="0" lang="en-US" sz="1500" spc="-1" strike="noStrike">
+                      <a:endParaRPr b="0" lang="de-DE" sz="1500" spc="-1" strike="noStrike">
                         <a:solidFill>
                           <a:srgbClr val="000000"/>
                         </a:solidFill>
@@ -7498,7 +7849,7 @@
                         </a:rPr>
                         <a:t>04.12.2023</a:t>
                       </a:r>
-                      <a:endParaRPr b="0" lang="en-US" sz="1500" spc="-1" strike="noStrike">
+                      <a:endParaRPr b="0" lang="de-DE" sz="1500" spc="-1" strike="noStrike">
                         <a:solidFill>
                           <a:srgbClr val="000000"/>
                         </a:solidFill>
@@ -7556,7 +7907,7 @@
                         </a:rPr>
                         <a:t>15.01.2024</a:t>
                       </a:r>
-                      <a:endParaRPr b="0" lang="en-US" sz="1500" spc="-1" strike="noStrike">
+                      <a:endParaRPr b="0" lang="de-DE" sz="1500" spc="-1" strike="noStrike">
                         <a:solidFill>
                           <a:srgbClr val="000000"/>
                         </a:solidFill>
@@ -7615,7 +7966,7 @@
                         </a:rPr>
                         <a:t>EXX – Bonus Task (Not-Mandatory)</a:t>
                       </a:r>
-                      <a:endParaRPr b="0" lang="en-US" sz="1500" spc="-1" strike="noStrike">
+                      <a:endParaRPr b="0" lang="de-DE" sz="1500" spc="-1" strike="noStrike">
                         <a:solidFill>
                           <a:srgbClr val="000000"/>
                         </a:solidFill>
@@ -7697,7 +8048,7 @@
         <p:spPr>
           <a:xfrm>
             <a:off x="539640" y="764640"/>
-            <a:ext cx="10739520" cy="490320"/>
+            <a:ext cx="10739160" cy="489960"/>
           </a:xfrm>
           <a:prstGeom prst="rect">
             <a:avLst/>
@@ -7733,7 +8084,7 @@
               </a:rPr>
               <a:t>Course Organization</a:t>
             </a:r>
-            <a:endParaRPr b="0" lang="en-US" sz="2400" spc="-1" strike="noStrike">
+            <a:endParaRPr b="0" lang="de-DE" sz="2400" spc="-1" strike="noStrike">
               <a:solidFill>
                 <a:srgbClr val="000000"/>
               </a:solidFill>
@@ -7751,7 +8102,7 @@
         <p:spPr>
           <a:xfrm>
             <a:off x="539640" y="1268280"/>
-            <a:ext cx="10739520" cy="5027040"/>
+            <a:ext cx="10739160" cy="5026680"/>
           </a:xfrm>
           <a:prstGeom prst="rect">
             <a:avLst/>
@@ -7780,7 +8131,7 @@
                 <a:spcPts val="360"/>
               </a:spcBef>
             </a:pPr>
-            <a:endParaRPr b="0" lang="en-US" sz="1800" spc="-1" strike="noStrike">
+            <a:endParaRPr b="0" lang="de-DE" sz="1800" spc="-1" strike="noStrike">
               <a:solidFill>
                 <a:srgbClr val="000000"/>
               </a:solidFill>
@@ -7812,7 +8163,7 @@
               </a:rPr>
               <a:t>Organization of the lecture:</a:t>
             </a:r>
-            <a:endParaRPr b="0" lang="en-US" sz="1800" spc="-1" strike="noStrike">
+            <a:endParaRPr b="0" lang="de-DE" sz="1800" spc="-1" strike="noStrike">
               <a:solidFill>
                 <a:srgbClr val="000000"/>
               </a:solidFill>
@@ -7856,7 +8207,7 @@
               </a:rPr>
               <a:t>re.etce-lab.de</a:t>
             </a:r>
-            <a:endParaRPr b="0" lang="en-US" sz="1800" spc="-1" strike="noStrike">
+            <a:endParaRPr b="0" lang="de-DE" sz="1800" spc="-1" strike="noStrike">
               <a:solidFill>
                 <a:srgbClr val="000000"/>
               </a:solidFill>
@@ -7888,7 +8239,7 @@
               </a:rPr>
               <a:t>Course content is mainly delivered as pre-produced learning material.</a:t>
             </a:r>
-            <a:endParaRPr b="0" lang="en-US" sz="1800" spc="-1" strike="noStrike">
+            <a:endParaRPr b="0" lang="de-DE" sz="1800" spc="-1" strike="noStrike">
               <a:solidFill>
                 <a:srgbClr val="000000"/>
               </a:solidFill>
@@ -7942,7 +8293,7 @@
               </a:rPr>
               <a:t>) </a:t>
             </a:r>
-            <a:endParaRPr b="0" lang="en-US" sz="1800" spc="-1" strike="noStrike">
+            <a:endParaRPr b="0" lang="de-DE" sz="1800" spc="-1" strike="noStrike">
               <a:solidFill>
                 <a:srgbClr val="000000"/>
               </a:solidFill>
@@ -7974,7 +8325,7 @@
               </a:rPr>
               <a:t>Exercise / Q&amp;A Session live streams (BBB – next slide) and Goslar</a:t>
             </a:r>
-            <a:endParaRPr b="0" lang="en-US" sz="1800" spc="-1" strike="noStrike">
+            <a:endParaRPr b="0" lang="de-DE" sz="1800" spc="-1" strike="noStrike">
               <a:solidFill>
                 <a:srgbClr val="000000"/>
               </a:solidFill>
@@ -8026,7 +8377,7 @@
               </a:rPr>
               <a:t>Time for questions and eventual tutorials related to the exercises</a:t>
             </a:r>
-            <a:endParaRPr b="0" lang="en-US" sz="1800" spc="-1" strike="noStrike">
+            <a:endParaRPr b="0" lang="de-DE" sz="1800" spc="-1" strike="noStrike">
               <a:solidFill>
                 <a:srgbClr val="000000"/>
               </a:solidFill>
@@ -8048,17 +8399,7 @@
               <a:buFont typeface="DejaVu Sans"/>
               <a:buChar char="◾"/>
             </a:pPr>
-            <a:r>
-              <a:rPr b="0" lang="en-US" sz="1800" spc="-1" strike="noStrike">
-                <a:solidFill>
-                  <a:srgbClr val="000000"/>
-                </a:solidFill>
-                <a:latin typeface="Arial"/>
-                <a:ea typeface="DejaVu Sans"/>
-              </a:rPr>
-              <a:t> </a:t>
-            </a:r>
-            <a:endParaRPr b="0" lang="en-US" sz="1800" spc="-1" strike="noStrike">
+            <a:endParaRPr b="0" lang="de-DE" sz="1800" spc="-1" strike="noStrike">
               <a:solidFill>
                 <a:srgbClr val="000000"/>
               </a:solidFill>
@@ -8142,7 +8483,7 @@
               </a:rPr>
               <a:t> respond to</a:t>
             </a:r>
-            <a:endParaRPr b="0" lang="en-US" sz="1800" spc="-1" strike="noStrike">
+            <a:endParaRPr b="0" lang="de-DE" sz="1800" spc="-1" strike="noStrike">
               <a:solidFill>
                 <a:srgbClr val="000000"/>
               </a:solidFill>
@@ -8174,7 +8515,7 @@
               </a:rPr>
               <a:t>emails written to this specific email address!</a:t>
             </a:r>
-            <a:endParaRPr b="0" lang="en-US" sz="1800" spc="-1" strike="noStrike">
+            <a:endParaRPr b="0" lang="de-DE" sz="1800" spc="-1" strike="noStrike">
               <a:solidFill>
                 <a:srgbClr val="000000"/>
               </a:solidFill>
@@ -8222,7 +8563,7 @@
         <p:spPr>
           <a:xfrm>
             <a:off x="539640" y="764640"/>
-            <a:ext cx="10738080" cy="488880"/>
+            <a:ext cx="10737720" cy="488520"/>
           </a:xfrm>
           <a:prstGeom prst="rect">
             <a:avLst/>
@@ -8258,7 +8599,7 @@
               </a:rPr>
               <a:t>Dates/Times/Locations</a:t>
             </a:r>
-            <a:endParaRPr b="0" lang="en-US" sz="2400" spc="-1" strike="noStrike">
+            <a:endParaRPr b="0" lang="de-DE" sz="2400" spc="-1" strike="noStrike">
               <a:solidFill>
                 <a:srgbClr val="000000"/>
               </a:solidFill>
@@ -8271,7 +8612,7 @@
                 <a:spcPct val="100000"/>
               </a:lnSpc>
             </a:pPr>
-            <a:endParaRPr b="0" lang="en-US" sz="2400" spc="-1" strike="noStrike">
+            <a:endParaRPr b="0" lang="de-DE" sz="2400" spc="-1" strike="noStrike">
               <a:solidFill>
                 <a:srgbClr val="000000"/>
               </a:solidFill>
@@ -8284,7 +8625,7 @@
                 <a:spcPct val="100000"/>
               </a:lnSpc>
             </a:pPr>
-            <a:endParaRPr b="0" lang="en-US" sz="2400" spc="-1" strike="noStrike">
+            <a:endParaRPr b="0" lang="de-DE" sz="2400" spc="-1" strike="noStrike">
               <a:solidFill>
                 <a:srgbClr val="000000"/>
               </a:solidFill>
@@ -8302,7 +8643,7 @@
         <p:spPr>
           <a:xfrm>
             <a:off x="539640" y="1268640"/>
-            <a:ext cx="10738080" cy="5025600"/>
+            <a:ext cx="10737720" cy="5025240"/>
           </a:xfrm>
           <a:prstGeom prst="rect">
             <a:avLst/>
@@ -8331,7 +8672,7 @@
                 <a:spcPts val="360"/>
               </a:spcBef>
             </a:pPr>
-            <a:endParaRPr b="0" lang="en-US" sz="1800" spc="-1" strike="noStrike">
+            <a:endParaRPr b="0" lang="de-DE" sz="1800" spc="-1" strike="noStrike">
               <a:solidFill>
                 <a:srgbClr val="000000"/>
               </a:solidFill>
@@ -8364,7 +8705,7 @@
               </a:rPr>
               <a:t>Lecture:</a:t>
             </a:r>
-            <a:endParaRPr b="0" lang="en-US" sz="1800" spc="-1" strike="noStrike">
+            <a:endParaRPr b="0" lang="de-DE" sz="1800" spc="-1" strike="noStrike">
               <a:solidFill>
                 <a:srgbClr val="000000"/>
               </a:solidFill>
@@ -8486,7 +8827,7 @@
               </a:rPr>
               <a:t>2024</a:t>
             </a:r>
-            <a:endParaRPr b="0" lang="en-US" sz="1800" spc="-1" strike="noStrike">
+            <a:endParaRPr b="0" lang="de-DE" sz="1800" spc="-1" strike="noStrike">
               <a:solidFill>
                 <a:srgbClr val="000000"/>
               </a:solidFill>
@@ -8540,7 +8881,7 @@
               </a:rPr>
               <a:t>)</a:t>
             </a:r>
-            <a:endParaRPr b="0" lang="en-US" sz="1800" spc="-1" strike="noStrike">
+            <a:endParaRPr b="0" lang="de-DE" sz="1800" spc="-1" strike="noStrike">
               <a:solidFill>
                 <a:srgbClr val="000000"/>
               </a:solidFill>
@@ -8556,7 +8897,7 @@
                 <a:spcPts val="360"/>
               </a:spcBef>
             </a:pPr>
-            <a:endParaRPr b="0" lang="en-US" sz="1800" spc="-1" strike="noStrike">
+            <a:endParaRPr b="0" lang="de-DE" sz="1800" spc="-1" strike="noStrike">
               <a:solidFill>
                 <a:srgbClr val="000000"/>
               </a:solidFill>
@@ -8589,7 +8930,7 @@
               </a:rPr>
               <a:t>Exercise / Q&amp;A:</a:t>
             </a:r>
-            <a:endParaRPr b="0" lang="en-US" sz="1800" spc="-1" strike="noStrike">
+            <a:endParaRPr b="0" lang="de-DE" sz="1800" spc="-1" strike="noStrike">
               <a:solidFill>
                 <a:srgbClr val="000000"/>
               </a:solidFill>
@@ -8649,7 +8990,7 @@
                 <a:latin typeface="DejaVu Sans"/>
                 <a:ea typeface="DejaVu Sans"/>
               </a:rPr>
-              <a:t>30.10</a:t>
+              <a:t>06.11</a:t>
             </a:r>
             <a:r>
               <a:rPr b="0" lang="en-GB" sz="1800" spc="-1" strike="noStrike">
@@ -8711,7 +9052,7 @@
               </a:rPr>
               <a:t>2024</a:t>
             </a:r>
-            <a:endParaRPr b="0" lang="en-US" sz="1800" spc="-1" strike="noStrike">
+            <a:endParaRPr b="0" lang="de-DE" sz="1800" spc="-1" strike="noStrike">
               <a:solidFill>
                 <a:srgbClr val="000000"/>
               </a:solidFill>
@@ -8765,7 +9106,7 @@
               </a:rPr>
               <a:t>)</a:t>
             </a:r>
-            <a:endParaRPr b="0" lang="en-US" sz="1800" spc="-1" strike="noStrike">
+            <a:endParaRPr b="0" lang="de-DE" sz="1800" spc="-1" strike="noStrike">
               <a:solidFill>
                 <a:srgbClr val="000000"/>
               </a:solidFill>
@@ -8813,7 +9154,7 @@
         <p:spPr>
           <a:xfrm>
             <a:off x="539640" y="764640"/>
-            <a:ext cx="10746360" cy="497160"/>
+            <a:ext cx="10746000" cy="496800"/>
           </a:xfrm>
           <a:prstGeom prst="rect">
             <a:avLst/>
@@ -8849,7 +9190,7 @@
               </a:rPr>
               <a:t>Exercises </a:t>
             </a:r>
-            <a:endParaRPr b="0" lang="en-US" sz="2400" spc="-1" strike="noStrike">
+            <a:endParaRPr b="0" lang="de-DE" sz="2400" spc="-1" strike="noStrike">
               <a:solidFill>
                 <a:srgbClr val="000000"/>
               </a:solidFill>
@@ -8867,7 +9208,7 @@
         <p:spPr>
           <a:xfrm>
             <a:off x="539640" y="1268280"/>
-            <a:ext cx="10746360" cy="5033880"/>
+            <a:ext cx="10746000" cy="5033520"/>
           </a:xfrm>
           <a:prstGeom prst="rect">
             <a:avLst/>
@@ -8893,7 +9234,7 @@
                 <a:spcPct val="100000"/>
               </a:lnSpc>
             </a:pPr>
-            <a:endParaRPr b="0" lang="en-US" sz="1800" spc="-1" strike="noStrike">
+            <a:endParaRPr b="0" lang="de-DE" sz="1800" spc="-1" strike="noStrike">
               <a:solidFill>
                 <a:srgbClr val="000000"/>
               </a:solidFill>
@@ -8925,7 +9266,7 @@
               </a:rPr>
               <a:t>Organization of the exercise:</a:t>
             </a:r>
-            <a:endParaRPr b="0" lang="en-US" sz="1800" spc="-1" strike="noStrike">
+            <a:endParaRPr b="0" lang="de-DE" sz="1800" spc="-1" strike="noStrike">
               <a:solidFill>
                 <a:srgbClr val="000000"/>
               </a:solidFill>
@@ -8977,7 +9318,7 @@
               </a:rPr>
               <a:t> group submissions</a:t>
             </a:r>
-            <a:endParaRPr b="0" lang="en-US" sz="1800" spc="-1" strike="noStrike">
+            <a:endParaRPr b="0" lang="de-DE" sz="1800" spc="-1" strike="noStrike">
               <a:solidFill>
                 <a:srgbClr val="000000"/>
               </a:solidFill>
@@ -9009,7 +9350,7 @@
               </a:rPr>
               <a:t>Multiple-Choice or practical tasks</a:t>
             </a:r>
-            <a:endParaRPr b="0" lang="en-US" sz="1800" spc="-1" strike="noStrike">
+            <a:endParaRPr b="0" lang="de-DE" sz="1800" spc="-1" strike="noStrike">
               <a:solidFill>
                 <a:srgbClr val="000000"/>
               </a:solidFill>
@@ -9041,7 +9382,7 @@
               </a:rPr>
               <a:t>7-14 days to submit (depending on the task)</a:t>
             </a:r>
-            <a:endParaRPr b="0" lang="en-US" sz="1800" spc="-1" strike="noStrike">
+            <a:endParaRPr b="0" lang="de-DE" sz="1800" spc="-1" strike="noStrike">
               <a:solidFill>
                 <a:srgbClr val="000000"/>
               </a:solidFill>
@@ -9073,7 +9414,7 @@
               </a:rPr>
               <a:t>Submission deadline is always Monday at 1:59pm (right before the next lecture period)</a:t>
             </a:r>
-            <a:endParaRPr b="0" lang="en-US" sz="1800" spc="-1" strike="noStrike">
+            <a:endParaRPr b="0" lang="de-DE" sz="1800" spc="-1" strike="noStrike">
               <a:solidFill>
                 <a:srgbClr val="000000"/>
               </a:solidFill>
@@ -9115,7 +9456,7 @@
               </a:rPr>
               <a:t>ow on the next slides (Examination)</a:t>
             </a:r>
-            <a:endParaRPr b="0" lang="en-US" sz="1800" spc="-1" strike="noStrike">
+            <a:endParaRPr b="0" lang="de-DE" sz="1800" spc="-1" strike="noStrike">
               <a:solidFill>
                 <a:srgbClr val="000000"/>
               </a:solidFill>
@@ -9163,7 +9504,7 @@
         <p:spPr>
           <a:xfrm>
             <a:off x="539640" y="764640"/>
-            <a:ext cx="10739520" cy="490320"/>
+            <a:ext cx="10739160" cy="489960"/>
           </a:xfrm>
           <a:prstGeom prst="rect">
             <a:avLst/>
@@ -9199,7 +9540,7 @@
               </a:rPr>
               <a:t>Exercises </a:t>
             </a:r>
-            <a:endParaRPr b="0" lang="en-US" sz="2400" spc="-1" strike="noStrike">
+            <a:endParaRPr b="0" lang="de-DE" sz="2400" spc="-1" strike="noStrike">
               <a:solidFill>
                 <a:srgbClr val="000000"/>
               </a:solidFill>
@@ -9217,7 +9558,7 @@
         <p:spPr>
           <a:xfrm>
             <a:off x="539640" y="1268280"/>
-            <a:ext cx="10739520" cy="5027040"/>
+            <a:ext cx="10739160" cy="5026680"/>
           </a:xfrm>
           <a:prstGeom prst="rect">
             <a:avLst/>
@@ -9259,7 +9600,7 @@
               </a:rPr>
               <a:t>Multiple-choice exercises: Self-evaluated, available directly on the MOOC website.</a:t>
             </a:r>
-            <a:endParaRPr b="0" lang="en-US" sz="1800" spc="-1" strike="noStrike">
+            <a:endParaRPr b="0" lang="de-DE" sz="1800" spc="-1" strike="noStrike">
               <a:solidFill>
                 <a:srgbClr val="000000"/>
               </a:solidFill>
@@ -9288,7 +9629,7 @@
               </a:rPr>
               <a:t>Practical Tasks: Submitted via Moodle.</a:t>
             </a:r>
-            <a:endParaRPr b="0" lang="en-US" sz="1800" spc="-1" strike="noStrike">
+            <a:endParaRPr b="0" lang="de-DE" sz="1800" spc="-1" strike="noStrike">
               <a:solidFill>
                 <a:srgbClr val="000000"/>
               </a:solidFill>
@@ -9317,7 +9658,7 @@
               </a:rPr>
               <a:t>Bonus task:</a:t>
             </a:r>
-            <a:endParaRPr b="0" lang="en-US" sz="1800" spc="-1" strike="noStrike">
+            <a:endParaRPr b="0" lang="de-DE" sz="1800" spc="-1" strike="noStrike">
               <a:solidFill>
                 <a:srgbClr val="000000"/>
               </a:solidFill>
@@ -9349,7 +9690,7 @@
               </a:rPr>
               <a:t>You may miss/fail one of the regular practical exercises</a:t>
             </a:r>
-            <a:endParaRPr b="0" lang="en-US" sz="1800" spc="-1" strike="noStrike">
+            <a:endParaRPr b="0" lang="de-DE" sz="1800" spc="-1" strike="noStrike">
               <a:solidFill>
                 <a:srgbClr val="000000"/>
               </a:solidFill>
@@ -9401,7 +9742,7 @@
               </a:rPr>
               <a:t> passing the bonus task substitutes the missed/failed exercise</a:t>
             </a:r>
-            <a:endParaRPr b="0" lang="en-US" sz="1800" spc="-1" strike="noStrike">
+            <a:endParaRPr b="0" lang="de-DE" sz="1800" spc="-1" strike="noStrike">
               <a:solidFill>
                 <a:srgbClr val="000000"/>
               </a:solidFill>
@@ -9443,7 +9784,7 @@
               </a:rPr>
               <a:t> → don’t “plan” with the bonus task. Rather submit and pass the regular exercises.</a:t>
             </a:r>
-            <a:endParaRPr b="0" lang="en-US" sz="1800" spc="-1" strike="noStrike">
+            <a:endParaRPr b="0" lang="de-DE" sz="1800" spc="-1" strike="noStrike">
               <a:solidFill>
                 <a:srgbClr val="000000"/>
               </a:solidFill>
@@ -9491,7 +9832,7 @@
         <p:spPr>
           <a:xfrm>
             <a:off x="539640" y="764640"/>
-            <a:ext cx="10746360" cy="497160"/>
+            <a:ext cx="10746000" cy="496800"/>
           </a:xfrm>
           <a:prstGeom prst="rect">
             <a:avLst/>
@@ -9527,7 +9868,7 @@
               </a:rPr>
               <a:t>Examination</a:t>
             </a:r>
-            <a:endParaRPr b="0" lang="en-US" sz="2400" spc="-1" strike="noStrike">
+            <a:endParaRPr b="0" lang="de-DE" sz="2400" spc="-1" strike="noStrike">
               <a:solidFill>
                 <a:srgbClr val="000000"/>
               </a:solidFill>
@@ -9545,7 +9886,7 @@
         <p:spPr>
           <a:xfrm>
             <a:off x="539640" y="1268640"/>
-            <a:ext cx="10746360" cy="5033880"/>
+            <a:ext cx="10746000" cy="5033520"/>
           </a:xfrm>
           <a:prstGeom prst="rect">
             <a:avLst/>
@@ -9620,7 +9961,7 @@
               </a:rPr>
               <a:t> criteria have to be fulfilled):</a:t>
             </a:r>
-            <a:endParaRPr b="0" lang="en-US" sz="1800" spc="-1" strike="noStrike">
+            <a:endParaRPr b="0" lang="de-DE" sz="1800" spc="-1" strike="noStrike">
               <a:solidFill>
                 <a:srgbClr val="000000"/>
               </a:solidFill>
@@ -9652,7 +9993,7 @@
               </a:rPr>
               <a:t>Successful completion of the compulsory seven exercises</a:t>
             </a:r>
-            <a:endParaRPr b="0" lang="en-US" sz="1800" spc="-1" strike="noStrike">
+            <a:endParaRPr b="0" lang="de-DE" sz="1800" spc="-1" strike="noStrike">
               <a:solidFill>
                 <a:srgbClr val="000000"/>
               </a:solidFill>
@@ -9684,7 +10025,7 @@
               </a:rPr>
               <a:t>You pass an exercise if you score 50% (or more)</a:t>
             </a:r>
-            <a:endParaRPr b="0" lang="en-US" sz="1800" spc="-1" strike="noStrike">
+            <a:endParaRPr b="0" lang="de-DE" sz="1800" spc="-1" strike="noStrike">
               <a:solidFill>
                 <a:srgbClr val="000000"/>
               </a:solidFill>
@@ -9737,7 +10078,7 @@
               </a:rPr>
               <a:t> exercise</a:t>
             </a:r>
-            <a:endParaRPr b="0" lang="en-US" sz="1800" spc="-1" strike="noStrike">
+            <a:endParaRPr b="0" lang="de-DE" sz="1800" spc="-1" strike="noStrike">
               <a:solidFill>
                 <a:srgbClr val="000000"/>
               </a:solidFill>
@@ -9753,7 +10094,7 @@
                 <a:spcPts val="360"/>
               </a:spcBef>
             </a:pPr>
-            <a:endParaRPr b="0" lang="en-US" sz="1800" spc="-1" strike="noStrike">
+            <a:endParaRPr b="0" lang="de-DE" sz="1800" spc="-1" strike="noStrike">
               <a:solidFill>
                 <a:srgbClr val="000000"/>
               </a:solidFill>
@@ -9785,7 +10126,7 @@
               </a:rPr>
               <a:t>Final exam:</a:t>
             </a:r>
-            <a:endParaRPr b="0" lang="en-US" sz="1800" spc="-1" strike="noStrike">
+            <a:endParaRPr b="0" lang="de-DE" sz="1800" spc="-1" strike="noStrike">
               <a:solidFill>
                 <a:srgbClr val="000000"/>
               </a:solidFill>
@@ -9817,7 +10158,7 @@
               </a:rPr>
               <a:t>04.03.2024 → 14:00 – 16:00 </a:t>
             </a:r>
-            <a:endParaRPr b="0" lang="en-US" sz="1800" spc="-1" strike="noStrike">
+            <a:endParaRPr b="0" lang="de-DE" sz="1800" spc="-1" strike="noStrike">
               <a:solidFill>
                 <a:srgbClr val="000000"/>
               </a:solidFill>
@@ -9849,7 +10190,7 @@
               </a:rPr>
               <a:t>Written exam (120min) </a:t>
             </a:r>
-            <a:endParaRPr b="0" lang="en-US" sz="1800" spc="-1" strike="noStrike">
+            <a:endParaRPr b="0" lang="de-DE" sz="1800" spc="-1" strike="noStrike">
               <a:solidFill>
                 <a:srgbClr val="000000"/>
               </a:solidFill>
@@ -9897,7 +10238,7 @@
         <p:spPr>
           <a:xfrm>
             <a:off x="539640" y="764640"/>
-            <a:ext cx="10746360" cy="497160"/>
+            <a:ext cx="10746000" cy="496800"/>
           </a:xfrm>
           <a:prstGeom prst="rect">
             <a:avLst/>
@@ -9933,7 +10274,7 @@
               </a:rPr>
               <a:t>Self-Study Star</a:t>
             </a:r>
-            <a:endParaRPr b="0" lang="en-US" sz="2400" spc="-1" strike="noStrike">
+            <a:endParaRPr b="0" lang="de-DE" sz="2400" spc="-1" strike="noStrike">
               <a:solidFill>
                 <a:srgbClr val="000000"/>
               </a:solidFill>
@@ -9951,7 +10292,7 @@
         <p:spPr>
           <a:xfrm>
             <a:off x="539640" y="1268280"/>
-            <a:ext cx="10746360" cy="5033880"/>
+            <a:ext cx="10746000" cy="5033520"/>
           </a:xfrm>
           <a:prstGeom prst="rect">
             <a:avLst/>
@@ -9980,7 +10321,7 @@
                 <a:spcPts val="360"/>
               </a:spcBef>
             </a:pPr>
-            <a:endParaRPr b="0" lang="en-US" sz="1800" spc="-1" strike="noStrike">
+            <a:endParaRPr b="0" lang="de-DE" sz="1800" spc="-1" strike="noStrike">
               <a:solidFill>
                 <a:srgbClr val="000000"/>
               </a:solidFill>
@@ -10032,7 +10373,7 @@
               </a:rPr>
               <a:t> mandatory but could be helpful for your future career</a:t>
             </a:r>
-            <a:endParaRPr b="0" lang="en-US" sz="1800" spc="-1" strike="noStrike">
+            <a:endParaRPr b="0" lang="de-DE" sz="1800" spc="-1" strike="noStrike">
               <a:solidFill>
                 <a:srgbClr val="000000"/>
               </a:solidFill>
@@ -10048,7 +10389,7 @@
                 <a:spcPts val="360"/>
               </a:spcBef>
             </a:pPr>
-            <a:endParaRPr b="0" lang="en-US" sz="1800" spc="-1" strike="noStrike">
+            <a:endParaRPr b="0" lang="de-DE" sz="1800" spc="-1" strike="noStrike">
               <a:solidFill>
                 <a:srgbClr val="000000"/>
               </a:solidFill>
@@ -10080,7 +10421,7 @@
               </a:rPr>
               <a:t>Of course it won’t hurt to have extra knowledge to impress us during the examination ;)</a:t>
             </a:r>
-            <a:endParaRPr b="0" lang="en-US" sz="1800" spc="-1" strike="noStrike">
+            <a:endParaRPr b="0" lang="de-DE" sz="1800" spc="-1" strike="noStrike">
               <a:solidFill>
                 <a:srgbClr val="000000"/>
               </a:solidFill>
@@ -10098,7 +10439,7 @@
         <p:spPr>
           <a:xfrm>
             <a:off x="6489720" y="2132640"/>
-            <a:ext cx="515880" cy="495720"/>
+            <a:ext cx="515520" cy="495360"/>
           </a:xfrm>
           <a:prstGeom prst="star5">
             <a:avLst>
@@ -10159,7 +10500,7 @@
         <p:spPr>
           <a:xfrm>
             <a:off x="4294080" y="2247480"/>
-            <a:ext cx="2284200" cy="363960"/>
+            <a:ext cx="2283840" cy="363960"/>
           </a:xfrm>
           <a:prstGeom prst="rect">
             <a:avLst/>
@@ -10195,7 +10536,7 @@
               </a:rPr>
               <a:t>Self-Study Star → </a:t>
             </a:r>
-            <a:endParaRPr b="0" lang="en-US" sz="1800" spc="-1" strike="noStrike">
+            <a:endParaRPr b="0" lang="de-DE" sz="1800" spc="-1" strike="noStrike">
               <a:solidFill>
                 <a:srgbClr val="000000"/>
               </a:solidFill>
@@ -10243,7 +10584,7 @@
         <p:spPr>
           <a:xfrm>
             <a:off x="539640" y="764640"/>
-            <a:ext cx="10746360" cy="497160"/>
+            <a:ext cx="10746000" cy="496800"/>
           </a:xfrm>
           <a:prstGeom prst="rect">
             <a:avLst/>
@@ -10279,7 +10620,7 @@
               </a:rPr>
               <a:t>Literature</a:t>
             </a:r>
-            <a:endParaRPr b="0" lang="en-US" sz="2400" spc="-1" strike="noStrike">
+            <a:endParaRPr b="0" lang="de-DE" sz="2400" spc="-1" strike="noStrike">
               <a:solidFill>
                 <a:srgbClr val="000000"/>
               </a:solidFill>
@@ -10297,7 +10638,7 @@
         <p:spPr>
           <a:xfrm>
             <a:off x="539640" y="1268640"/>
-            <a:ext cx="10746360" cy="5033880"/>
+            <a:ext cx="10746000" cy="5033520"/>
           </a:xfrm>
           <a:prstGeom prst="rect">
             <a:avLst/>
@@ -10362,7 +10703,7 @@
               </a:rPr>
               <a:t> need to buy a book to pass the exam.</a:t>
             </a:r>
-            <a:endParaRPr b="0" lang="en-US" sz="1800" spc="-1" strike="noStrike">
+            <a:endParaRPr b="0" lang="de-DE" sz="1800" spc="-1" strike="noStrike">
               <a:solidFill>
                 <a:srgbClr val="000000"/>
               </a:solidFill>
@@ -10378,7 +10719,7 @@
                 <a:spcPts val="360"/>
               </a:spcBef>
             </a:pPr>
-            <a:endParaRPr b="0" lang="en-US" sz="1800" spc="-1" strike="noStrike">
+            <a:endParaRPr b="0" lang="de-DE" sz="1800" spc="-1" strike="noStrike">
               <a:solidFill>
                 <a:srgbClr val="000000"/>
               </a:solidFill>
@@ -10430,7 +10771,7 @@
               </a:rPr>
               <a:t> (2010).</a:t>
             </a:r>
-            <a:endParaRPr b="0" lang="en-US" sz="1800" spc="-1" strike="noStrike">
+            <a:endParaRPr b="0" lang="de-DE" sz="1800" spc="-1" strike="noStrike">
               <a:solidFill>
                 <a:srgbClr val="000000"/>
               </a:solidFill>
@@ -10482,7 +10823,7 @@
               </a:rPr>
               <a:t>(2011).</a:t>
             </a:r>
-            <a:endParaRPr b="0" lang="en-US" sz="1800" spc="-1" strike="noStrike">
+            <a:endParaRPr b="0" lang="de-DE" sz="1800" spc="-1" strike="noStrike">
               <a:solidFill>
                 <a:srgbClr val="000000"/>
               </a:solidFill>
@@ -10554,7 +10895,7 @@
               </a:rPr>
               <a:t>(2017).</a:t>
             </a:r>
-            <a:endParaRPr b="0" lang="en-US" sz="1800" spc="-1" strike="noStrike">
+            <a:endParaRPr b="0" lang="de-DE" sz="1800" spc="-1" strike="noStrike">
               <a:solidFill>
                 <a:srgbClr val="000000"/>
               </a:solidFill>
@@ -10606,7 +10947,7 @@
               </a:rPr>
               <a:t>(2021).</a:t>
             </a:r>
-            <a:endParaRPr b="0" lang="en-US" sz="1800" spc="-1" strike="noStrike">
+            <a:endParaRPr b="0" lang="de-DE" sz="1800" spc="-1" strike="noStrike">
               <a:solidFill>
                 <a:srgbClr val="000000"/>
               </a:solidFill>
@@ -10654,7 +10995,7 @@
         <p:spPr>
           <a:xfrm>
             <a:off x="335520" y="1268640"/>
-            <a:ext cx="10746360" cy="5033880"/>
+            <a:ext cx="10746000" cy="5033520"/>
           </a:xfrm>
           <a:prstGeom prst="rect">
             <a:avLst/>
@@ -10696,7 +11037,7 @@
               </a:rPr>
               <a:t>Questions?</a:t>
             </a:r>
-            <a:endParaRPr b="0" lang="en-US" sz="4000" spc="-1" strike="noStrike">
+            <a:endParaRPr b="0" lang="de-DE" sz="4000" spc="-1" strike="noStrike">
               <a:solidFill>
                 <a:srgbClr val="000000"/>
               </a:solidFill>
@@ -10714,7 +11055,7 @@
         <p:spPr>
           <a:xfrm>
             <a:off x="335520" y="764640"/>
-            <a:ext cx="10746360" cy="497160"/>
+            <a:ext cx="10746000" cy="496800"/>
           </a:xfrm>
           <a:prstGeom prst="rect">
             <a:avLst/>
@@ -10789,7 +11130,7 @@
         <p:spPr>
           <a:xfrm>
             <a:off x="539640" y="764640"/>
-            <a:ext cx="10746360" cy="497160"/>
+            <a:ext cx="10746000" cy="496800"/>
           </a:xfrm>
           <a:prstGeom prst="rect">
             <a:avLst/>
@@ -10825,7 +11166,7 @@
               </a:rPr>
               <a:t>Team</a:t>
             </a:r>
-            <a:endParaRPr b="0" lang="en-US" sz="2400" spc="-1" strike="noStrike">
+            <a:endParaRPr b="0" lang="de-DE" sz="2400" spc="-1" strike="noStrike">
               <a:solidFill>
                 <a:srgbClr val="000000"/>
               </a:solidFill>
@@ -10847,7 +11188,7 @@
         <p:spPr>
           <a:xfrm>
             <a:off x="2684520" y="1323360"/>
-            <a:ext cx="1469160" cy="2170440"/>
+            <a:ext cx="1468800" cy="2170080"/>
           </a:xfrm>
           <a:prstGeom prst="rect">
             <a:avLst/>
@@ -10870,7 +11211,7 @@
         <p:spPr>
           <a:xfrm>
             <a:off x="7269840" y="1716120"/>
-            <a:ext cx="1783080" cy="1775160"/>
+            <a:ext cx="1782720" cy="1774800"/>
           </a:xfrm>
           <a:prstGeom prst="rect">
             <a:avLst/>
@@ -10889,7 +11230,7 @@
         <p:spPr>
           <a:xfrm>
             <a:off x="1620000" y="3439440"/>
-            <a:ext cx="3633840" cy="675360"/>
+            <a:ext cx="3633480" cy="675000"/>
           </a:xfrm>
           <a:prstGeom prst="rect">
             <a:avLst/>
@@ -10928,7 +11269,7 @@
               </a:rPr>
               <a:t>Prof. Dr. Benjamin Leiding</a:t>
             </a:r>
-            <a:endParaRPr b="0" lang="en-US" sz="1600" spc="-1" strike="noStrike">
+            <a:endParaRPr b="0" lang="de-DE" sz="1600" spc="-1" strike="noStrike">
               <a:solidFill>
                 <a:srgbClr val="000000"/>
               </a:solidFill>
@@ -10946,7 +11287,7 @@
         <p:spPr>
           <a:xfrm>
             <a:off x="6322680" y="3460320"/>
-            <a:ext cx="3633840" cy="675360"/>
+            <a:ext cx="3633480" cy="675000"/>
           </a:xfrm>
           <a:prstGeom prst="rect">
             <a:avLst/>
@@ -10985,7 +11326,7 @@
               </a:rPr>
               <a:t>M.Sc. Anant Sujatanagarjuna</a:t>
             </a:r>
-            <a:endParaRPr b="0" lang="en-US" sz="1600" spc="-1" strike="noStrike">
+            <a:endParaRPr b="0" lang="de-DE" sz="1600" spc="-1" strike="noStrike">
               <a:solidFill>
                 <a:srgbClr val="000000"/>
               </a:solidFill>
@@ -11003,7 +11344,7 @@
         <p:spPr>
           <a:xfrm>
             <a:off x="1311840" y="5920200"/>
-            <a:ext cx="3627000" cy="668520"/>
+            <a:ext cx="3626640" cy="668160"/>
           </a:xfrm>
           <a:prstGeom prst="rect">
             <a:avLst/>
@@ -11048,7 +11389,7 @@
         <p:spPr>
           <a:xfrm>
             <a:off x="3950280" y="5903280"/>
-            <a:ext cx="3627000" cy="668520"/>
+            <a:ext cx="3626640" cy="668160"/>
           </a:xfrm>
           <a:prstGeom prst="rect">
             <a:avLst/>
@@ -11087,7 +11428,7 @@
               </a:rPr>
               <a:t>B.Sc. Nisha Muthuraju</a:t>
             </a:r>
-            <a:endParaRPr b="0" lang="en-US" sz="1600" spc="-1" strike="noStrike">
+            <a:endParaRPr b="0" lang="de-DE" sz="1600" spc="-1" strike="noStrike">
               <a:solidFill>
                 <a:srgbClr val="000000"/>
               </a:solidFill>
@@ -11104,13 +11445,13 @@
         </p:nvPicPr>
         <p:blipFill>
           <a:blip r:embed="rId3"/>
-          <a:srcRect l="0" t="0" r="9021" b="11387"/>
+          <a:srcRect l="0" t="0" r="9021" b="11388"/>
           <a:stretch/>
         </p:blipFill>
         <p:spPr>
           <a:xfrm>
             <a:off x="4644360" y="4042080"/>
-            <a:ext cx="2056680" cy="2003040"/>
+            <a:ext cx="2056320" cy="2002680"/>
           </a:xfrm>
           <a:prstGeom prst="rect">
             <a:avLst/>
@@ -11159,7 +11500,7 @@
         <p:spPr>
           <a:xfrm>
             <a:off x="542880" y="721800"/>
-            <a:ext cx="10352160" cy="492840"/>
+            <a:ext cx="10351800" cy="492480"/>
           </a:xfrm>
           <a:prstGeom prst="rect">
             <a:avLst/>
@@ -11195,7 +11536,7 @@
               </a:rPr>
               <a:t>Research Group</a:t>
             </a:r>
-            <a:endParaRPr b="0" lang="en-US" sz="2200" spc="-1" strike="noStrike">
+            <a:endParaRPr b="0" lang="de-DE" sz="2200" spc="-1" strike="noStrike">
               <a:solidFill>
                 <a:srgbClr val="000000"/>
               </a:solidFill>
@@ -11213,7 +11554,7 @@
         <p:spPr>
           <a:xfrm>
             <a:off x="451800" y="1709280"/>
-            <a:ext cx="8219520" cy="4347720"/>
+            <a:ext cx="8219160" cy="4347360"/>
           </a:xfrm>
           <a:prstGeom prst="rect">
             <a:avLst/>
@@ -11258,7 +11599,7 @@
         <p:spPr>
           <a:xfrm>
             <a:off x="609480" y="1769400"/>
-            <a:ext cx="10582560" cy="4850640"/>
+            <a:ext cx="10582200" cy="4850280"/>
           </a:xfrm>
           <a:prstGeom prst="rect">
             <a:avLst/>
@@ -11383,7 +11724,7 @@
               </a:rPr>
               <a:t>ETCE</a:t>
             </a:r>
-            <a:endParaRPr b="0" lang="en-US" sz="2000" spc="-1" strike="noStrike">
+            <a:endParaRPr b="0" lang="de-DE" sz="2000" spc="-1" strike="noStrike">
               <a:solidFill>
                 <a:srgbClr val="000000"/>
               </a:solidFill>
@@ -11415,7 +11756,7 @@
               </a:rPr>
               <a:t>Research focus:</a:t>
             </a:r>
-            <a:endParaRPr b="0" lang="en-US" sz="2000" spc="-1" strike="noStrike">
+            <a:endParaRPr b="0" lang="de-DE" sz="2000" spc="-1" strike="noStrike">
               <a:solidFill>
                 <a:srgbClr val="000000"/>
               </a:solidFill>
@@ -11447,7 +11788,7 @@
               </a:rPr>
               <a:t>Intersection of IT and sustainability</a:t>
             </a:r>
-            <a:endParaRPr b="0" lang="en-US" sz="1800" spc="-1" strike="noStrike">
+            <a:endParaRPr b="0" lang="de-DE" sz="1800" spc="-1" strike="noStrike">
               <a:solidFill>
                 <a:srgbClr val="000000"/>
               </a:solidFill>
@@ -11479,7 +11820,7 @@
               </a:rPr>
               <a:t>Circular Economy and Circular Societies</a:t>
             </a:r>
-            <a:endParaRPr b="0" lang="en-US" sz="1800" spc="-1" strike="noStrike">
+            <a:endParaRPr b="0" lang="de-DE" sz="1800" spc="-1" strike="noStrike">
               <a:solidFill>
                 <a:srgbClr val="000000"/>
               </a:solidFill>
@@ -11511,7 +11852,7 @@
               </a:rPr>
               <a:t>Self-organized, decentralized and distributed systems</a:t>
             </a:r>
-            <a:endParaRPr b="0" lang="en-US" sz="1800" spc="-1" strike="noStrike">
+            <a:endParaRPr b="0" lang="de-DE" sz="1800" spc="-1" strike="noStrike">
               <a:solidFill>
                 <a:srgbClr val="000000"/>
               </a:solidFill>
@@ -11543,7 +11884,7 @@
               </a:rPr>
               <a:t>Localized and resilient food production</a:t>
             </a:r>
-            <a:endParaRPr b="0" lang="en-US" sz="1800" spc="-1" strike="noStrike">
+            <a:endParaRPr b="0" lang="de-DE" sz="1800" spc="-1" strike="noStrike">
               <a:solidFill>
                 <a:srgbClr val="000000"/>
               </a:solidFill>
@@ -11575,7 +11916,7 @@
               </a:rPr>
               <a:t>Other courses:</a:t>
             </a:r>
-            <a:endParaRPr b="0" lang="en-US" sz="2000" spc="-1" strike="noStrike">
+            <a:endParaRPr b="0" lang="de-DE" sz="2000" spc="-1" strike="noStrike">
               <a:solidFill>
                 <a:srgbClr val="000000"/>
               </a:solidFill>
@@ -11607,7 +11948,7 @@
               </a:rPr>
               <a:t>Emerging Technologies for the Circular Economy (SS – M.Sc.)</a:t>
             </a:r>
-            <a:endParaRPr b="0" lang="en-US" sz="1800" spc="-1" strike="noStrike">
+            <a:endParaRPr b="0" lang="de-DE" sz="1800" spc="-1" strike="noStrike">
               <a:solidFill>
                 <a:srgbClr val="000000"/>
               </a:solidFill>
@@ -11639,7 +11980,7 @@
               </a:rPr>
               <a:t>The Limits to Growth – Sustainability and the Circular Economy (WS – open for everyone)</a:t>
             </a:r>
-            <a:endParaRPr b="0" lang="en-US" sz="1800" spc="-1" strike="noStrike">
+            <a:endParaRPr b="0" lang="de-DE" sz="1800" spc="-1" strike="noStrike">
               <a:solidFill>
                 <a:srgbClr val="000000"/>
               </a:solidFill>
@@ -11687,7 +12028,7 @@
         <p:spPr>
           <a:xfrm>
             <a:off x="542880" y="721800"/>
-            <a:ext cx="10352160" cy="492840"/>
+            <a:ext cx="10351800" cy="492480"/>
           </a:xfrm>
           <a:prstGeom prst="rect">
             <a:avLst/>
@@ -11723,7 +12064,7 @@
               </a:rPr>
               <a:t>Research Group</a:t>
             </a:r>
-            <a:endParaRPr b="0" lang="en-US" sz="2200" spc="-1" strike="noStrike">
+            <a:endParaRPr b="0" lang="de-DE" sz="2200" spc="-1" strike="noStrike">
               <a:solidFill>
                 <a:srgbClr val="000000"/>
               </a:solidFill>
@@ -11741,7 +12082,7 @@
         <p:spPr>
           <a:xfrm>
             <a:off x="451800" y="1709280"/>
-            <a:ext cx="8219520" cy="4347720"/>
+            <a:ext cx="8219160" cy="4347360"/>
           </a:xfrm>
           <a:prstGeom prst="rect">
             <a:avLst/>
@@ -11786,7 +12127,7 @@
         <p:spPr>
           <a:xfrm>
             <a:off x="609480" y="1769400"/>
-            <a:ext cx="10582560" cy="4850640"/>
+            <a:ext cx="10582200" cy="4850280"/>
           </a:xfrm>
           <a:prstGeom prst="rect">
             <a:avLst/>
@@ -11843,7 +12184,7 @@
               </a:rPr>
               <a:t>Link</a:t>
             </a:r>
-            <a:endParaRPr b="0" lang="en-US" sz="2000" spc="-1" strike="noStrike">
+            <a:endParaRPr b="0" lang="de-DE" sz="2000" spc="-1" strike="noStrike">
               <a:solidFill>
                 <a:srgbClr val="000000"/>
               </a:solidFill>
@@ -11875,7 +12216,7 @@
               </a:rPr>
               <a:t>Course material </a:t>
             </a:r>
-            <a:endParaRPr b="0" lang="en-US" sz="1800" spc="-1" strike="noStrike">
+            <a:endParaRPr b="0" lang="de-DE" sz="1800" spc="-1" strike="noStrike">
               <a:solidFill>
                 <a:srgbClr val="000000"/>
               </a:solidFill>
@@ -11907,7 +12248,7 @@
               </a:rPr>
               <a:t>Thesis/project topics</a:t>
             </a:r>
-            <a:endParaRPr b="0" lang="en-US" sz="1800" spc="-1" strike="noStrike">
+            <a:endParaRPr b="0" lang="de-DE" sz="1800" spc="-1" strike="noStrike">
               <a:solidFill>
                 <a:srgbClr val="000000"/>
               </a:solidFill>
@@ -11939,7 +12280,7 @@
               </a:rPr>
               <a:t>Publications</a:t>
             </a:r>
-            <a:endParaRPr b="0" lang="en-US" sz="1800" spc="-1" strike="noStrike">
+            <a:endParaRPr b="0" lang="de-DE" sz="1800" spc="-1" strike="noStrike">
               <a:solidFill>
                 <a:srgbClr val="000000"/>
               </a:solidFill>
@@ -11971,7 +12312,7 @@
               </a:rPr>
               <a:t>Etc.</a:t>
             </a:r>
-            <a:endParaRPr b="0" lang="en-US" sz="1800" spc="-1" strike="noStrike">
+            <a:endParaRPr b="0" lang="de-DE" sz="1800" spc="-1" strike="noStrike">
               <a:solidFill>
                 <a:srgbClr val="000000"/>
               </a:solidFill>
@@ -11990,7 +12331,7 @@
                 <a:tab algn="l" pos="0"/>
               </a:tabLst>
             </a:pPr>
-            <a:endParaRPr b="0" lang="en-US" sz="1800" spc="-1" strike="noStrike">
+            <a:endParaRPr b="0" lang="de-DE" sz="1800" spc="-1" strike="noStrike">
               <a:solidFill>
                 <a:srgbClr val="000000"/>
               </a:solidFill>
@@ -12025,7 +12366,7 @@
               </a:rPr>
               <a:t>Our research in action:</a:t>
             </a:r>
-            <a:endParaRPr b="0" lang="en-US" sz="2000" spc="-1" strike="noStrike">
+            <a:endParaRPr b="0" lang="de-DE" sz="2000" spc="-1" strike="noStrike">
               <a:solidFill>
                 <a:srgbClr val="000000"/>
               </a:solidFill>
@@ -12082,7 +12423,7 @@
               </a:rPr>
               <a:t> </a:t>
             </a:r>
-            <a:endParaRPr b="0" lang="en-US" sz="2000" spc="-1" strike="noStrike">
+            <a:endParaRPr b="0" lang="de-DE" sz="2000" spc="-1" strike="noStrike">
               <a:solidFill>
                 <a:srgbClr val="000000"/>
               </a:solidFill>
@@ -12139,7 +12480,7 @@
               </a:rPr>
               <a:t> </a:t>
             </a:r>
-            <a:endParaRPr b="0" lang="en-US" sz="2000" spc="-1" strike="noStrike">
+            <a:endParaRPr b="0" lang="de-DE" sz="2000" spc="-1" strike="noStrike">
               <a:solidFill>
                 <a:srgbClr val="000000"/>
               </a:solidFill>
@@ -12158,7 +12499,7 @@
                 <a:tab algn="l" pos="0"/>
               </a:tabLst>
             </a:pPr>
-            <a:endParaRPr b="0" lang="en-US" sz="2000" spc="-1" strike="noStrike">
+            <a:endParaRPr b="0" lang="de-DE" sz="2000" spc="-1" strike="noStrike">
               <a:solidFill>
                 <a:srgbClr val="000000"/>
               </a:solidFill>
@@ -12193,7 +12534,7 @@
               </a:rPr>
               <a:t>You want join us? Write us an email! </a:t>
             </a:r>
-            <a:endParaRPr b="0" lang="en-US" sz="2000" spc="-1" strike="noStrike">
+            <a:endParaRPr b="0" lang="de-DE" sz="2000" spc="-1" strike="noStrike">
               <a:solidFill>
                 <a:srgbClr val="000000"/>
               </a:solidFill>
@@ -12238,7 +12579,7 @@
               </a:rPr>
               <a:t>benjamin.leiding@tu-clausthal.de</a:t>
             </a:r>
-            <a:endParaRPr b="0" lang="en-US" sz="1600" spc="-1" strike="noStrike">
+            <a:endParaRPr b="0" lang="de-DE" sz="1600" spc="-1" strike="noStrike">
               <a:solidFill>
                 <a:srgbClr val="000000"/>
               </a:solidFill>
@@ -12286,7 +12627,7 @@
         <p:spPr>
           <a:xfrm>
             <a:off x="542880" y="721800"/>
-            <a:ext cx="10352160" cy="492840"/>
+            <a:ext cx="10351800" cy="492480"/>
           </a:xfrm>
           <a:prstGeom prst="rect">
             <a:avLst/>
@@ -12322,7 +12663,7 @@
               </a:rPr>
               <a:t>Course Content</a:t>
             </a:r>
-            <a:endParaRPr b="0" lang="en-US" sz="2200" spc="-1" strike="noStrike">
+            <a:endParaRPr b="0" lang="de-DE" sz="2200" spc="-1" strike="noStrike">
               <a:solidFill>
                 <a:srgbClr val="000000"/>
               </a:solidFill>
@@ -12340,7 +12681,7 @@
         <p:spPr>
           <a:xfrm>
             <a:off x="451800" y="1709280"/>
-            <a:ext cx="8219520" cy="4347720"/>
+            <a:ext cx="8219160" cy="4347360"/>
           </a:xfrm>
           <a:prstGeom prst="rect">
             <a:avLst/>
@@ -12385,7 +12726,7 @@
         <p:spPr>
           <a:xfrm>
             <a:off x="609480" y="1769400"/>
-            <a:ext cx="10582560" cy="4850640"/>
+            <a:ext cx="10582200" cy="4850280"/>
           </a:xfrm>
           <a:prstGeom prst="rect">
             <a:avLst/>
@@ -12430,7 +12771,7 @@
               </a:rPr>
               <a:t>Core terminology and core tasks of requirements engineering </a:t>
             </a:r>
-            <a:endParaRPr b="0" lang="en-US" sz="2000" spc="-1" strike="noStrike">
+            <a:endParaRPr b="0" lang="de-DE" sz="2000" spc="-1" strike="noStrike">
               <a:solidFill>
                 <a:srgbClr val="000000"/>
               </a:solidFill>
@@ -12462,7 +12803,7 @@
               </a:rPr>
               <a:t>Requirements engineering process</a:t>
             </a:r>
-            <a:endParaRPr b="0" lang="en-US" sz="2000" spc="-1" strike="noStrike">
+            <a:endParaRPr b="0" lang="de-DE" sz="2000" spc="-1" strike="noStrike">
               <a:solidFill>
                 <a:srgbClr val="000000"/>
               </a:solidFill>
@@ -12494,7 +12835,7 @@
               </a:rPr>
               <a:t>Elicitation techniques</a:t>
             </a:r>
-            <a:endParaRPr b="0" lang="en-US" sz="2000" spc="-1" strike="noStrike">
+            <a:endParaRPr b="0" lang="de-DE" sz="2000" spc="-1" strike="noStrike">
               <a:solidFill>
                 <a:srgbClr val="000000"/>
               </a:solidFill>
@@ -12526,7 +12867,7 @@
               </a:rPr>
               <a:t>Documentation methods </a:t>
             </a:r>
-            <a:endParaRPr b="0" lang="en-US" sz="2000" spc="-1" strike="noStrike">
+            <a:endParaRPr b="0" lang="de-DE" sz="2000" spc="-1" strike="noStrike">
               <a:solidFill>
                 <a:srgbClr val="000000"/>
               </a:solidFill>
@@ -12558,7 +12899,7 @@
               </a:rPr>
               <a:t>Textual, model-based and formal requirements specification</a:t>
             </a:r>
-            <a:endParaRPr b="0" lang="en-US" sz="2000" spc="-1" strike="noStrike">
+            <a:endParaRPr b="0" lang="de-DE" sz="2000" spc="-1" strike="noStrike">
               <a:solidFill>
                 <a:srgbClr val="000000"/>
               </a:solidFill>
@@ -12590,7 +12931,7 @@
               </a:rPr>
               <a:t>Requirements negotiation</a:t>
             </a:r>
-            <a:endParaRPr b="0" lang="en-US" sz="2000" spc="-1" strike="noStrike">
+            <a:endParaRPr b="0" lang="de-DE" sz="2000" spc="-1" strike="noStrike">
               <a:solidFill>
                 <a:srgbClr val="000000"/>
               </a:solidFill>
@@ -12622,7 +12963,7 @@
               </a:rPr>
               <a:t>Requirements Management</a:t>
             </a:r>
-            <a:endParaRPr b="0" lang="en-US" sz="2000" spc="-1" strike="noStrike">
+            <a:endParaRPr b="0" lang="de-DE" sz="2000" spc="-1" strike="noStrike">
               <a:solidFill>
                 <a:srgbClr val="000000"/>
               </a:solidFill>
@@ -12654,7 +12995,7 @@
               </a:rPr>
               <a:t>Traceability</a:t>
             </a:r>
-            <a:endParaRPr b="0" lang="en-US" sz="2000" spc="-1" strike="noStrike">
+            <a:endParaRPr b="0" lang="de-DE" sz="2000" spc="-1" strike="noStrike">
               <a:solidFill>
                 <a:srgbClr val="000000"/>
               </a:solidFill>
@@ -12686,7 +13027,7 @@
               </a:rPr>
               <a:t>Requirements validation and quality assurance</a:t>
             </a:r>
-            <a:endParaRPr b="0" lang="en-US" sz="2000" spc="-1" strike="noStrike">
+            <a:endParaRPr b="0" lang="de-DE" sz="2000" spc="-1" strike="noStrike">
               <a:solidFill>
                 <a:srgbClr val="000000"/>
               </a:solidFill>
@@ -12734,7 +13075,7 @@
         <p:spPr>
           <a:xfrm>
             <a:off x="542880" y="721800"/>
-            <a:ext cx="10352160" cy="492840"/>
+            <a:ext cx="10351800" cy="492480"/>
           </a:xfrm>
           <a:prstGeom prst="rect">
             <a:avLst/>
@@ -12770,7 +13111,7 @@
               </a:rPr>
               <a:t>Learning Outcome</a:t>
             </a:r>
-            <a:endParaRPr b="0" lang="en-US" sz="2200" spc="-1" strike="noStrike">
+            <a:endParaRPr b="0" lang="de-DE" sz="2200" spc="-1" strike="noStrike">
               <a:solidFill>
                 <a:srgbClr val="000000"/>
               </a:solidFill>
@@ -12788,7 +13129,7 @@
         <p:spPr>
           <a:xfrm>
             <a:off x="451800" y="1709280"/>
-            <a:ext cx="8219520" cy="4347720"/>
+            <a:ext cx="8219160" cy="4347360"/>
           </a:xfrm>
           <a:prstGeom prst="rect">
             <a:avLst/>
@@ -12833,7 +13174,7 @@
         <p:spPr>
           <a:xfrm>
             <a:off x="609480" y="1769400"/>
-            <a:ext cx="10582560" cy="4850640"/>
+            <a:ext cx="10582200" cy="4850280"/>
           </a:xfrm>
           <a:prstGeom prst="rect">
             <a:avLst/>
@@ -12878,7 +13219,7 @@
               </a:rPr>
               <a:t>Core terminology and core tasks of requirements engineering </a:t>
             </a:r>
-            <a:endParaRPr b="0" lang="en-US" sz="2000" spc="-1" strike="noStrike">
+            <a:endParaRPr b="0" lang="de-DE" sz="2000" spc="-1" strike="noStrike">
               <a:solidFill>
                 <a:srgbClr val="000000"/>
               </a:solidFill>
@@ -12910,7 +13251,7 @@
               </a:rPr>
               <a:t>Understanding of the requirements engineering process</a:t>
             </a:r>
-            <a:endParaRPr b="0" lang="en-US" sz="2000" spc="-1" strike="noStrike">
+            <a:endParaRPr b="0" lang="de-DE" sz="2000" spc="-1" strike="noStrike">
               <a:solidFill>
                 <a:srgbClr val="000000"/>
               </a:solidFill>
@@ -12942,7 +13283,7 @@
               </a:rPr>
               <a:t>Ability to choose, justify and apply appropriate methods and techniques for each step of the requirements engineering process given project constraints and properties</a:t>
             </a:r>
-            <a:endParaRPr b="0" lang="en-US" sz="2000" spc="-1" strike="noStrike">
+            <a:endParaRPr b="0" lang="de-DE" sz="2000" spc="-1" strike="noStrike">
               <a:solidFill>
                 <a:srgbClr val="000000"/>
               </a:solidFill>
@@ -12961,7 +13302,7 @@
                 <a:tab algn="l" pos="0"/>
               </a:tabLst>
             </a:pPr>
-            <a:endParaRPr b="0" lang="en-US" sz="2000" spc="-1" strike="noStrike">
+            <a:endParaRPr b="0" lang="de-DE" sz="2000" spc="-1" strike="noStrike">
               <a:solidFill>
                 <a:srgbClr val="000000"/>
               </a:solidFill>
@@ -12990,7 +13331,7 @@
               </a:rPr>
               <a:t>What is this course about, what is it not about? </a:t>
             </a:r>
-            <a:endParaRPr b="0" lang="en-US" sz="1600" spc="-1" strike="noStrike">
+            <a:endParaRPr b="0" lang="de-DE" sz="1600" spc="-1" strike="noStrike">
               <a:solidFill>
                 <a:srgbClr val="000000"/>
               </a:solidFill>
@@ -13038,7 +13379,7 @@
         <p:spPr>
           <a:xfrm>
             <a:off x="539640" y="764640"/>
-            <a:ext cx="10746360" cy="497160"/>
+            <a:ext cx="10746000" cy="496800"/>
           </a:xfrm>
           <a:prstGeom prst="rect">
             <a:avLst/>
@@ -13074,7 +13415,7 @@
               </a:rPr>
               <a:t>Disclaimer</a:t>
             </a:r>
-            <a:endParaRPr b="0" lang="en-US" sz="2200" spc="-1" strike="noStrike">
+            <a:endParaRPr b="0" lang="de-DE" sz="2200" spc="-1" strike="noStrike">
               <a:solidFill>
                 <a:srgbClr val="000000"/>
               </a:solidFill>
@@ -13092,7 +13433,7 @@
         <p:spPr>
           <a:xfrm>
             <a:off x="539640" y="1268280"/>
-            <a:ext cx="10746360" cy="5033880"/>
+            <a:ext cx="10746000" cy="5033520"/>
           </a:xfrm>
           <a:prstGeom prst="rect">
             <a:avLst/>
@@ -13135,7 +13476,7 @@
                 <a:latin typeface="DejaVu Sans"/>
                 <a:ea typeface="DejaVu Sans"/>
               </a:rPr>
-              <a:t>The course modelled and built based on the book „</a:t>
+              <a:t>The course is modelled and built based on the book „</a:t>
             </a:r>
             <a:r>
               <a:rPr b="0" i="1" lang="en-GB" sz="1800" spc="-1" strike="noStrike">
@@ -13157,7 +13498,7 @@
               </a:rPr>
               <a:t> (2010)” from Klaus Pohl</a:t>
             </a:r>
-            <a:endParaRPr b="0" lang="en-US" sz="1800" spc="-1" strike="noStrike">
+            <a:endParaRPr b="0" lang="de-DE" sz="1800" spc="-1" strike="noStrike">
               <a:solidFill>
                 <a:srgbClr val="000000"/>
               </a:solidFill>
@@ -13173,7 +13514,7 @@
                 <a:spcPts val="360"/>
               </a:spcBef>
             </a:pPr>
-            <a:endParaRPr b="0" lang="en-US" sz="1800" spc="-1" strike="noStrike">
+            <a:endParaRPr b="0" lang="de-DE" sz="1800" spc="-1" strike="noStrike">
               <a:solidFill>
                 <a:srgbClr val="000000"/>
               </a:solidFill>
@@ -13205,7 +13546,7 @@
               </a:rPr>
               <a:t>Special thanks to Prof. Dr. Steffen Herbold and Dr. Christian Bartelt, who provided valuable input in the form of the teaching materials of their requirements engineering courses. </a:t>
             </a:r>
-            <a:endParaRPr b="0" lang="en-US" sz="1800" spc="-1" strike="noStrike">
+            <a:endParaRPr b="0" lang="de-DE" sz="1800" spc="-1" strike="noStrike">
               <a:solidFill>
                 <a:srgbClr val="000000"/>
               </a:solidFill>
@@ -13253,7 +13594,7 @@
         <p:spPr>
           <a:xfrm>
             <a:off x="542880" y="721800"/>
-            <a:ext cx="10355040" cy="495720"/>
+            <a:ext cx="10354680" cy="495360"/>
           </a:xfrm>
           <a:prstGeom prst="rect">
             <a:avLst/>
@@ -13289,7 +13630,7 @@
               </a:rPr>
               <a:t>Course Content</a:t>
             </a:r>
-            <a:endParaRPr b="0" lang="en-US" sz="2200" spc="-1" strike="noStrike">
+            <a:endParaRPr b="0" lang="de-DE" sz="2200" spc="-1" strike="noStrike">
               <a:solidFill>
                 <a:srgbClr val="000000"/>
               </a:solidFill>
@@ -13311,7 +13652,7 @@
         <p:spPr>
           <a:xfrm>
             <a:off x="542880" y="2387520"/>
-            <a:ext cx="10100160" cy="2077560"/>
+            <a:ext cx="10099800" cy="2077200"/>
           </a:xfrm>
           <a:prstGeom prst="rect">
             <a:avLst/>
@@ -13360,7 +13701,7 @@
         <p:spPr>
           <a:xfrm>
             <a:off x="539640" y="764640"/>
-            <a:ext cx="10739520" cy="490320"/>
+            <a:ext cx="10739160" cy="489960"/>
           </a:xfrm>
           <a:prstGeom prst="rect">
             <a:avLst/>
@@ -13396,7 +13737,7 @@
               </a:rPr>
               <a:t>Lectures</a:t>
             </a:r>
-            <a:endParaRPr b="0" lang="en-US" sz="2400" spc="-1" strike="noStrike">
+            <a:endParaRPr b="0" lang="de-DE" sz="2400" spc="-1" strike="noStrike">
               <a:solidFill>
                 <a:srgbClr val="000000"/>
               </a:solidFill>
@@ -13413,7 +13754,7 @@
         </p:nvGraphicFramePr>
         <p:xfrm>
           <a:off x="851040" y="1482480"/>
-          <a:ext cx="10134720" cy="4870080"/>
+          <a:ext cx="10134720" cy="4727520"/>
         </p:xfrm>
         <a:graphic>
           <a:graphicData uri="http://schemas.openxmlformats.org/drawingml/2006/table">
@@ -13446,7 +13787,7 @@
                         </a:rPr>
                         <a:t>Week</a:t>
                       </a:r>
-                      <a:endParaRPr b="0" lang="en-US" sz="1200" spc="-1" strike="noStrike">
+                      <a:endParaRPr b="0" lang="de-DE" sz="1200" spc="-1" strike="noStrike">
                         <a:solidFill>
                           <a:srgbClr val="000000"/>
                         </a:solidFill>
@@ -13504,7 +13845,7 @@
                         </a:rPr>
                         <a:t>Date</a:t>
                       </a:r>
-                      <a:endParaRPr b="0" lang="en-US" sz="1200" spc="-1" strike="noStrike">
+                      <a:endParaRPr b="0" lang="de-DE" sz="1200" spc="-1" strike="noStrike">
                         <a:solidFill>
                           <a:srgbClr val="000000"/>
                         </a:solidFill>
@@ -13563,7 +13904,7 @@
                         </a:rPr>
                         <a:t>Lecture</a:t>
                       </a:r>
-                      <a:endParaRPr b="0" lang="en-US" sz="1200" spc="-1" strike="noStrike">
+                      <a:endParaRPr b="0" lang="de-DE" sz="1200" spc="-1" strike="noStrike">
                         <a:solidFill>
                           <a:srgbClr val="000000"/>
                         </a:solidFill>
@@ -13621,7 +13962,7 @@
                         </a:rPr>
                         <a:t>Location</a:t>
                       </a:r>
-                      <a:endParaRPr b="0" lang="en-US" sz="1200" spc="-1" strike="noStrike">
+                      <a:endParaRPr b="0" lang="de-DE" sz="1200" spc="-1" strike="noStrike">
                         <a:solidFill>
                           <a:srgbClr val="000000"/>
                         </a:solidFill>
@@ -13681,7 +14022,7 @@
                         </a:rPr>
                         <a:t>1</a:t>
                       </a:r>
-                      <a:endParaRPr b="0" lang="en-US" sz="1200" spc="-1" strike="noStrike">
+                      <a:endParaRPr b="0" lang="de-DE" sz="1200" spc="-1" strike="noStrike">
                         <a:solidFill>
                           <a:srgbClr val="000000"/>
                         </a:solidFill>
@@ -13739,7 +14080,7 @@
                         </a:rPr>
                         <a:t>30.10.2023</a:t>
                       </a:r>
-                      <a:endParaRPr b="0" lang="en-US" sz="1200" spc="-1" strike="noStrike">
+                      <a:endParaRPr b="0" lang="de-DE" sz="1200" spc="-1" strike="noStrike">
                         <a:solidFill>
                           <a:srgbClr val="000000"/>
                         </a:solidFill>
@@ -13797,7 +14138,7 @@
                         </a:rPr>
                         <a:t>Organization (L00)</a:t>
                       </a:r>
-                      <a:endParaRPr b="0" lang="en-US" sz="1200" spc="-1" strike="noStrike">
+                      <a:endParaRPr b="0" lang="de-DE" sz="1200" spc="-1" strike="noStrike">
                         <a:solidFill>
                           <a:srgbClr val="000000"/>
                         </a:solidFill>
@@ -13855,7 +14196,7 @@
                         </a:rPr>
                         <a:t>BBB (Online+LIVE in Gotec)</a:t>
                       </a:r>
-                      <a:endParaRPr b="0" lang="en-US" sz="1200" spc="-1" strike="noStrike">
+                      <a:endParaRPr b="0" lang="de-DE" sz="1200" spc="-1" strike="noStrike">
                         <a:solidFill>
                           <a:srgbClr val="000000"/>
                         </a:solidFill>
@@ -13915,7 +14256,7 @@
                         </a:rPr>
                         <a:t>2</a:t>
                       </a:r>
-                      <a:endParaRPr b="0" lang="en-US" sz="1200" spc="-1" strike="noStrike">
+                      <a:endParaRPr b="0" lang="de-DE" sz="1200" spc="-1" strike="noStrike">
                         <a:solidFill>
                           <a:srgbClr val="000000"/>
                         </a:solidFill>
@@ -13973,7 +14314,7 @@
                         </a:rPr>
                         <a:t>06.11.2023</a:t>
                       </a:r>
-                      <a:endParaRPr b="0" lang="en-US" sz="1200" spc="-1" strike="noStrike">
+                      <a:endParaRPr b="0" lang="de-DE" sz="1200" spc="-1" strike="noStrike">
                         <a:solidFill>
                           <a:srgbClr val="000000"/>
                         </a:solidFill>
@@ -14031,7 +14372,7 @@
                         </a:rPr>
                         <a:t>Introduction (L01)</a:t>
                       </a:r>
-                      <a:endParaRPr b="0" lang="en-US" sz="1200" spc="-1" strike="noStrike">
+                      <a:endParaRPr b="0" lang="de-DE" sz="1200" spc="-1" strike="noStrike">
                         <a:solidFill>
                           <a:srgbClr val="000000"/>
                         </a:solidFill>
@@ -14089,7 +14430,7 @@
                         </a:rPr>
                         <a:t>MOOC</a:t>
                       </a:r>
-                      <a:endParaRPr b="0" lang="en-US" sz="1200" spc="-1" strike="noStrike">
+                      <a:endParaRPr b="0" lang="de-DE" sz="1200" spc="-1" strike="noStrike">
                         <a:solidFill>
                           <a:srgbClr val="000000"/>
                         </a:solidFill>
@@ -14149,7 +14490,7 @@
                         </a:rPr>
                         <a:t>3</a:t>
                       </a:r>
-                      <a:endParaRPr b="0" lang="en-US" sz="1200" spc="-1" strike="noStrike">
+                      <a:endParaRPr b="0" lang="de-DE" sz="1200" spc="-1" strike="noStrike">
                         <a:solidFill>
                           <a:srgbClr val="000000"/>
                         </a:solidFill>
@@ -14207,7 +14548,7 @@
                         </a:rPr>
                         <a:t>13.11.2023</a:t>
                       </a:r>
-                      <a:endParaRPr b="0" lang="en-US" sz="1200" spc="-1" strike="noStrike">
+                      <a:endParaRPr b="0" lang="de-DE" sz="1200" spc="-1" strike="noStrike">
                         <a:solidFill>
                           <a:srgbClr val="000000"/>
                         </a:solidFill>
@@ -14265,7 +14606,7 @@
                         </a:rPr>
                         <a:t>System Context/Boundaries and Types of Requirements (L02)</a:t>
                       </a:r>
-                      <a:endParaRPr b="0" lang="en-US" sz="1200" spc="-1" strike="noStrike">
+                      <a:endParaRPr b="0" lang="de-DE" sz="1200" spc="-1" strike="noStrike">
                         <a:solidFill>
                           <a:srgbClr val="000000"/>
                         </a:solidFill>
@@ -14323,7 +14664,7 @@
                         </a:rPr>
                         <a:t>MOOC</a:t>
                       </a:r>
-                      <a:endParaRPr b="0" lang="en-US" sz="1200" spc="-1" strike="noStrike">
+                      <a:endParaRPr b="0" lang="de-DE" sz="1200" spc="-1" strike="noStrike">
                         <a:solidFill>
                           <a:srgbClr val="000000"/>
                         </a:solidFill>
@@ -14383,7 +14724,7 @@
                         </a:rPr>
                         <a:t>4</a:t>
                       </a:r>
-                      <a:endParaRPr b="0" lang="en-US" sz="1200" spc="-1" strike="noStrike">
+                      <a:endParaRPr b="0" lang="de-DE" sz="1200" spc="-1" strike="noStrike">
                         <a:solidFill>
                           <a:srgbClr val="000000"/>
                         </a:solidFill>
@@ -14441,7 +14782,7 @@
                         </a:rPr>
                         <a:t>20.11.2023</a:t>
                       </a:r>
-                      <a:endParaRPr b="0" lang="en-US" sz="1200" spc="-1" strike="noStrike">
+                      <a:endParaRPr b="0" lang="de-DE" sz="1200" spc="-1" strike="noStrike">
                         <a:solidFill>
                           <a:srgbClr val="000000"/>
                         </a:solidFill>
@@ -14499,7 +14840,7 @@
                         </a:rPr>
                         <a:t>Elicitation (L03 + L04),</a:t>
                       </a:r>
-                      <a:endParaRPr b="0" lang="en-US" sz="1200" spc="-1" strike="noStrike">
+                      <a:endParaRPr b="0" lang="de-DE" sz="1200" spc="-1" strike="noStrike">
                         <a:solidFill>
                           <a:srgbClr val="000000"/>
                         </a:solidFill>
@@ -14521,7 +14862,7 @@
                         </a:rPr>
                         <a:t>Negotiation (L05)</a:t>
                       </a:r>
-                      <a:endParaRPr b="0" lang="en-US" sz="1200" spc="-1" strike="noStrike">
+                      <a:endParaRPr b="0" lang="de-DE" sz="1200" spc="-1" strike="noStrike">
                         <a:solidFill>
                           <a:srgbClr val="000000"/>
                         </a:solidFill>
@@ -14579,7 +14920,7 @@
                         </a:rPr>
                         <a:t>MOOC</a:t>
                       </a:r>
-                      <a:endParaRPr b="0" lang="en-US" sz="1200" spc="-1" strike="noStrike">
+                      <a:endParaRPr b="0" lang="de-DE" sz="1200" spc="-1" strike="noStrike">
                         <a:solidFill>
                           <a:srgbClr val="000000"/>
                         </a:solidFill>
@@ -14639,7 +14980,7 @@
                         </a:rPr>
                         <a:t>5</a:t>
                       </a:r>
-                      <a:endParaRPr b="0" lang="en-US" sz="1200" spc="-1" strike="noStrike">
+                      <a:endParaRPr b="0" lang="de-DE" sz="1200" spc="-1" strike="noStrike">
                         <a:solidFill>
                           <a:srgbClr val="000000"/>
                         </a:solidFill>
@@ -14697,7 +15038,7 @@
                         </a:rPr>
                         <a:t>27.11.2023</a:t>
                       </a:r>
-                      <a:endParaRPr b="0" lang="en-US" sz="1200" spc="-1" strike="noStrike">
+                      <a:endParaRPr b="0" lang="de-DE" sz="1200" spc="-1" strike="noStrike">
                         <a:solidFill>
                           <a:srgbClr val="000000"/>
                         </a:solidFill>
@@ -14741,7 +15082,7 @@
                       <a:noAutofit/>
                     </a:bodyPr>
                     <a:p>
-                      <a:endParaRPr b="0" lang="en-US" sz="1200" spc="-1" strike="noStrike">
+                      <a:endParaRPr b="0" lang="de-DE" sz="1800" spc="-1" strike="noStrike">
                         <a:solidFill>
                           <a:srgbClr val="000000"/>
                         </a:solidFill>
@@ -14773,7 +15114,7 @@
                       <a:noAutofit/>
                     </a:bodyPr>
                     <a:p>
-                      <a:endParaRPr b="0" lang="en-US" sz="1200" spc="-1" strike="noStrike">
+                      <a:endParaRPr b="0" lang="de-DE" sz="1800" spc="-1" strike="noStrike">
                         <a:solidFill>
                           <a:srgbClr val="000000"/>
                         </a:solidFill>
@@ -14821,7 +15162,7 @@
                         </a:rPr>
                         <a:t>6</a:t>
                       </a:r>
-                      <a:endParaRPr b="0" lang="en-US" sz="1200" spc="-1" strike="noStrike">
+                      <a:endParaRPr b="0" lang="de-DE" sz="1200" spc="-1" strike="noStrike">
                         <a:solidFill>
                           <a:srgbClr val="000000"/>
                         </a:solidFill>
@@ -14879,7 +15220,7 @@
                         </a:rPr>
                         <a:t>04.12.2023</a:t>
                       </a:r>
-                      <a:endParaRPr b="0" lang="en-US" sz="1200" spc="-1" strike="noStrike">
+                      <a:endParaRPr b="0" lang="de-DE" sz="1200" spc="-1" strike="noStrike">
                         <a:solidFill>
                           <a:srgbClr val="000000"/>
                         </a:solidFill>
@@ -14935,7 +15276,7 @@
                         </a:rPr>
                         <a:t>Documentation – Introduction (L06),</a:t>
                       </a:r>
-                      <a:endParaRPr b="0" lang="en-US" sz="1200" spc="-1" strike="noStrike">
+                      <a:endParaRPr b="0" lang="de-DE" sz="1200" spc="-1" strike="noStrike">
                         <a:solidFill>
                           <a:srgbClr val="000000"/>
                         </a:solidFill>
@@ -14957,7 +15298,7 @@
                         </a:rPr>
                         <a:t>Documentation – Textual Requirements Specification (L07)</a:t>
                       </a:r>
-                      <a:endParaRPr b="0" lang="en-US" sz="1200" spc="-1" strike="noStrike">
+                      <a:endParaRPr b="0" lang="de-DE" sz="1200" spc="-1" strike="noStrike">
                         <a:solidFill>
                           <a:srgbClr val="000000"/>
                         </a:solidFill>
@@ -15015,7 +15356,7 @@
                         </a:rPr>
                         <a:t>MOOC</a:t>
                       </a:r>
-                      <a:endParaRPr b="0" lang="en-US" sz="1200" spc="-1" strike="noStrike">
+                      <a:endParaRPr b="0" lang="de-DE" sz="1200" spc="-1" strike="noStrike">
                         <a:solidFill>
                           <a:srgbClr val="000000"/>
                         </a:solidFill>
@@ -15073,7 +15414,7 @@
                         </a:rPr>
                         <a:t>7</a:t>
                       </a:r>
-                      <a:endParaRPr b="0" lang="en-US" sz="1200" spc="-1" strike="noStrike">
+                      <a:endParaRPr b="0" lang="de-DE" sz="1200" spc="-1" strike="noStrike">
                         <a:solidFill>
                           <a:srgbClr val="000000"/>
                         </a:solidFill>
@@ -15131,7 +15472,7 @@
                         </a:rPr>
                         <a:t>11.12.2023</a:t>
                       </a:r>
-                      <a:endParaRPr b="0" lang="en-US" sz="1200" spc="-1" strike="noStrike">
+                      <a:endParaRPr b="0" lang="de-DE" sz="1200" spc="-1" strike="noStrike">
                         <a:solidFill>
                           <a:srgbClr val="000000"/>
                         </a:solidFill>
@@ -15173,7 +15514,7 @@
                       <a:noAutofit/>
                     </a:bodyPr>
                     <a:p>
-                      <a:endParaRPr b="0" lang="en-US" sz="1200" spc="-1" strike="noStrike">
+                      <a:endParaRPr b="0" lang="de-DE" sz="1800" spc="-1" strike="noStrike">
                         <a:solidFill>
                           <a:srgbClr val="000000"/>
                         </a:solidFill>
@@ -15205,7 +15546,7 @@
                       <a:noAutofit/>
                     </a:bodyPr>
                     <a:p>
-                      <a:endParaRPr b="0" lang="en-US" sz="1200" spc="-1" strike="noStrike">
+                      <a:endParaRPr b="0" lang="de-DE" sz="1800" spc="-1" strike="noStrike">
                         <a:solidFill>
                           <a:srgbClr val="000000"/>
                         </a:solidFill>
@@ -15253,7 +15594,7 @@
                         </a:rPr>
                         <a:t>8</a:t>
                       </a:r>
-                      <a:endParaRPr b="0" lang="en-US" sz="1200" spc="-1" strike="noStrike">
+                      <a:endParaRPr b="0" lang="de-DE" sz="1200" spc="-1" strike="noStrike">
                         <a:solidFill>
                           <a:srgbClr val="000000"/>
                         </a:solidFill>
@@ -15311,7 +15652,7 @@
                         </a:rPr>
                         <a:t>18.12.2023</a:t>
                       </a:r>
-                      <a:endParaRPr b="0" lang="en-US" sz="1200" spc="-1" strike="noStrike">
+                      <a:endParaRPr b="0" lang="de-DE" sz="1200" spc="-1" strike="noStrike">
                         <a:solidFill>
                           <a:srgbClr val="000000"/>
                         </a:solidFill>
@@ -15369,7 +15710,7 @@
                         </a:rPr>
                         <a:t>Documentation – Model-based Requirements Documentation (L08),</a:t>
                       </a:r>
-                      <a:endParaRPr b="0" lang="en-US" sz="1200" spc="-1" strike="noStrike">
+                      <a:endParaRPr b="0" lang="de-DE" sz="1200" spc="-1" strike="noStrike">
                         <a:solidFill>
                           <a:srgbClr val="000000"/>
                         </a:solidFill>
@@ -15391,7 +15732,7 @@
                         </a:rPr>
                         <a:t>Documentation – Formal Requirements Specification (L09)</a:t>
                       </a:r>
-                      <a:endParaRPr b="0" lang="en-US" sz="1200" spc="-1" strike="noStrike">
+                      <a:endParaRPr b="0" lang="de-DE" sz="1200" spc="-1" strike="noStrike">
                         <a:solidFill>
                           <a:srgbClr val="000000"/>
                         </a:solidFill>
@@ -15447,7 +15788,7 @@
                         </a:rPr>
                         <a:t>MOOC</a:t>
                       </a:r>
-                      <a:endParaRPr b="0" lang="en-US" sz="1200" spc="-1" strike="noStrike">
+                      <a:endParaRPr b="0" lang="de-DE" sz="1200" spc="-1" strike="noStrike">
                         <a:solidFill>
                           <a:srgbClr val="000000"/>
                         </a:solidFill>
@@ -15505,7 +15846,7 @@
                         </a:rPr>
                         <a:t>9</a:t>
                       </a:r>
-                      <a:endParaRPr b="0" lang="en-US" sz="1200" spc="-1" strike="noStrike">
+                      <a:endParaRPr b="0" lang="de-DE" sz="1200" spc="-1" strike="noStrike">
                         <a:solidFill>
                           <a:srgbClr val="000000"/>
                         </a:solidFill>
@@ -15563,7 +15904,7 @@
                         </a:rPr>
                         <a:t>08.01.2024</a:t>
                       </a:r>
-                      <a:endParaRPr b="0" lang="en-US" sz="1200" spc="-1" strike="noStrike">
+                      <a:endParaRPr b="0" lang="de-DE" sz="1200" spc="-1" strike="noStrike">
                         <a:solidFill>
                           <a:srgbClr val="000000"/>
                         </a:solidFill>
@@ -15607,7 +15948,7 @@
                       <a:noAutofit/>
                     </a:bodyPr>
                     <a:p>
-                      <a:endParaRPr b="0" lang="en-US" sz="1200" spc="-1" strike="noStrike">
+                      <a:endParaRPr b="0" lang="de-DE" sz="1800" spc="-1" strike="noStrike">
                         <a:solidFill>
                           <a:srgbClr val="000000"/>
                         </a:solidFill>
@@ -15639,7 +15980,7 @@
                       <a:noAutofit/>
                     </a:bodyPr>
                     <a:p>
-                      <a:endParaRPr b="0" lang="en-US" sz="1200" spc="-1" strike="noStrike">
+                      <a:endParaRPr b="0" lang="de-DE" sz="1800" spc="-1" strike="noStrike">
                         <a:solidFill>
                           <a:srgbClr val="000000"/>
                         </a:solidFill>
@@ -15687,7 +16028,7 @@
                         </a:rPr>
                         <a:t>10</a:t>
                       </a:r>
-                      <a:endParaRPr b="0" lang="en-US" sz="1200" spc="-1" strike="noStrike">
+                      <a:endParaRPr b="0" lang="de-DE" sz="1200" spc="-1" strike="noStrike">
                         <a:solidFill>
                           <a:srgbClr val="000000"/>
                         </a:solidFill>
@@ -15745,7 +16086,7 @@
                         </a:rPr>
                         <a:t>15.01.2024</a:t>
                       </a:r>
-                      <a:endParaRPr b="0" lang="en-US" sz="1200" spc="-1" strike="noStrike">
+                      <a:endParaRPr b="0" lang="de-DE" sz="1200" spc="-1" strike="noStrike">
                         <a:solidFill>
                           <a:srgbClr val="000000"/>
                         </a:solidFill>
@@ -15803,7 +16144,7 @@
                         </a:rPr>
                         <a:t>Requirements Validation (L10)</a:t>
                       </a:r>
-                      <a:endParaRPr b="0" lang="en-US" sz="1200" spc="-1" strike="noStrike">
+                      <a:endParaRPr b="0" lang="de-DE" sz="1200" spc="-1" strike="noStrike">
                         <a:solidFill>
                           <a:srgbClr val="000000"/>
                         </a:solidFill>
@@ -15861,7 +16202,7 @@
                         </a:rPr>
                         <a:t>MOOC</a:t>
                       </a:r>
-                      <a:endParaRPr b="0" lang="en-US" sz="1200" spc="-1" strike="noStrike">
+                      <a:endParaRPr b="0" lang="de-DE" sz="1200" spc="-1" strike="noStrike">
                         <a:solidFill>
                           <a:srgbClr val="000000"/>
                         </a:solidFill>
@@ -15921,7 +16262,7 @@
                         </a:rPr>
                         <a:t>11</a:t>
                       </a:r>
-                      <a:endParaRPr b="0" lang="en-US" sz="1200" spc="-1" strike="noStrike">
+                      <a:endParaRPr b="0" lang="de-DE" sz="1200" spc="-1" strike="noStrike">
                         <a:solidFill>
                           <a:srgbClr val="000000"/>
                         </a:solidFill>
@@ -15979,7 +16320,7 @@
                         </a:rPr>
                         <a:t>22.01.2024</a:t>
                       </a:r>
-                      <a:endParaRPr b="0" lang="en-US" sz="1200" spc="-1" strike="noStrike">
+                      <a:endParaRPr b="0" lang="de-DE" sz="1200" spc="-1" strike="noStrike">
                         <a:solidFill>
                           <a:srgbClr val="000000"/>
                         </a:solidFill>
@@ -16037,7 +16378,7 @@
                         </a:rPr>
                         <a:t>Requirements Management (L11)</a:t>
                       </a:r>
-                      <a:endParaRPr b="0" lang="en-US" sz="1200" spc="-1" strike="noStrike">
+                      <a:endParaRPr b="0" lang="de-DE" sz="1200" spc="-1" strike="noStrike">
                         <a:solidFill>
                           <a:srgbClr val="000000"/>
                         </a:solidFill>
@@ -16095,7 +16436,7 @@
                         </a:rPr>
                         <a:t>MOOC</a:t>
                       </a:r>
-                      <a:endParaRPr b="0" lang="en-US" sz="1200" spc="-1" strike="noStrike">
+                      <a:endParaRPr b="0" lang="de-DE" sz="1200" spc="-1" strike="noStrike">
                         <a:solidFill>
                           <a:srgbClr val="000000"/>
                         </a:solidFill>
@@ -16155,7 +16496,7 @@
                         </a:rPr>
                         <a:t>12</a:t>
                       </a:r>
-                      <a:endParaRPr b="0" lang="en-US" sz="1200" spc="-1" strike="noStrike">
+                      <a:endParaRPr b="0" lang="de-DE" sz="1200" spc="-1" strike="noStrike">
                         <a:solidFill>
                           <a:srgbClr val="000000"/>
                         </a:solidFill>
@@ -16213,7 +16554,7 @@
                         </a:rPr>
                         <a:t>29.01.2024</a:t>
                       </a:r>
-                      <a:endParaRPr b="0" lang="en-US" sz="1200" spc="-1" strike="noStrike">
+                      <a:endParaRPr b="0" lang="de-DE" sz="1200" spc="-1" strike="noStrike">
                         <a:solidFill>
                           <a:srgbClr val="000000"/>
                         </a:solidFill>
@@ -16271,7 +16612,7 @@
                         </a:rPr>
                         <a:t>Requirements Traceability (L12)</a:t>
                       </a:r>
-                      <a:endParaRPr b="0" lang="en-US" sz="1200" spc="-1" strike="noStrike">
+                      <a:endParaRPr b="0" lang="de-DE" sz="1200" spc="-1" strike="noStrike">
                         <a:solidFill>
                           <a:srgbClr val="000000"/>
                         </a:solidFill>
@@ -16329,7 +16670,7 @@
                         </a:rPr>
                         <a:t>MOOC</a:t>
                       </a:r>
-                      <a:endParaRPr b="0" lang="en-US" sz="1200" spc="-1" strike="noStrike">
+                      <a:endParaRPr b="0" lang="de-DE" sz="1200" spc="-1" strike="noStrike">
                         <a:solidFill>
                           <a:srgbClr val="000000"/>
                         </a:solidFill>
@@ -16389,7 +16730,7 @@
                         </a:rPr>
                         <a:t>13</a:t>
                       </a:r>
-                      <a:endParaRPr b="0" lang="en-US" sz="1200" spc="-1" strike="noStrike">
+                      <a:endParaRPr b="0" lang="de-DE" sz="1200" spc="-1" strike="noStrike">
                         <a:solidFill>
                           <a:srgbClr val="000000"/>
                         </a:solidFill>
@@ -16447,7 +16788,7 @@
                         </a:rPr>
                         <a:t>05.02.2024</a:t>
                       </a:r>
-                      <a:endParaRPr b="0" lang="en-US" sz="1200" spc="-1" strike="noStrike">
+                      <a:endParaRPr b="0" lang="de-DE" sz="1200" spc="-1" strike="noStrike">
                         <a:solidFill>
                           <a:srgbClr val="000000"/>
                         </a:solidFill>
@@ -16505,7 +16846,7 @@
                         </a:rPr>
                         <a:t>Tool Support (L13)</a:t>
                       </a:r>
-                      <a:endParaRPr b="0" lang="en-US" sz="1200" spc="-1" strike="noStrike">
+                      <a:endParaRPr b="0" lang="de-DE" sz="1200" spc="-1" strike="noStrike">
                         <a:solidFill>
                           <a:srgbClr val="000000"/>
                         </a:solidFill>
@@ -16563,7 +16904,7 @@
                         </a:rPr>
                         <a:t>MOOC</a:t>
                       </a:r>
-                      <a:endParaRPr b="0" lang="en-US" sz="1200" spc="-1" strike="noStrike">
+                      <a:endParaRPr b="0" lang="de-DE" sz="1200" spc="-1" strike="noStrike">
                         <a:solidFill>
                           <a:srgbClr val="000000"/>
                         </a:solidFill>
@@ -16623,7 +16964,7 @@
                         </a:rPr>
                         <a:t>14</a:t>
                       </a:r>
-                      <a:endParaRPr b="0" lang="en-US" sz="1200" spc="-1" strike="noStrike">
+                      <a:endParaRPr b="0" lang="de-DE" sz="1200" spc="-1" strike="noStrike">
                         <a:solidFill>
                           <a:srgbClr val="000000"/>
                         </a:solidFill>
@@ -16681,7 +17022,7 @@
                         </a:rPr>
                         <a:t>12.02.2024</a:t>
                       </a:r>
-                      <a:endParaRPr b="0" lang="en-US" sz="1200" spc="-1" strike="noStrike">
+                      <a:endParaRPr b="0" lang="de-DE" sz="1200" spc="-1" strike="noStrike">
                         <a:solidFill>
                           <a:srgbClr val="000000"/>
                         </a:solidFill>
@@ -16739,7 +17080,7 @@
                         </a:rPr>
                         <a:t>-- No Lecture --</a:t>
                       </a:r>
-                      <a:endParaRPr b="0" lang="en-US" sz="1200" spc="-1" strike="noStrike">
+                      <a:endParaRPr b="0" lang="de-DE" sz="1200" spc="-1" strike="noStrike">
                         <a:solidFill>
                           <a:srgbClr val="000000"/>
                         </a:solidFill>
@@ -16843,7 +17184,7 @@
                         </a:rPr>
                         <a:t>15</a:t>
                       </a:r>
-                      <a:endParaRPr b="0" lang="en-US" sz="1200" spc="-1" strike="noStrike">
+                      <a:endParaRPr b="0" lang="de-DE" sz="1200" spc="-1" strike="noStrike">
                         <a:solidFill>
                           <a:srgbClr val="000000"/>
                         </a:solidFill>
@@ -16901,7 +17242,7 @@
                         </a:rPr>
                         <a:t>26.02.2024</a:t>
                       </a:r>
-                      <a:endParaRPr b="0" lang="en-US" sz="1200" spc="-1" strike="noStrike">
+                      <a:endParaRPr b="0" lang="de-DE" sz="1200" spc="-1" strike="noStrike">
                         <a:solidFill>
                           <a:srgbClr val="000000"/>
                         </a:solidFill>
@@ -16959,7 +17300,7 @@
                         </a:rPr>
                         <a:t>Exam Q&amp;A</a:t>
                       </a:r>
-                      <a:endParaRPr b="0" lang="en-US" sz="1200" spc="-1" strike="noStrike">
+                      <a:endParaRPr b="0" lang="de-DE" sz="1200" spc="-1" strike="noStrike">
                         <a:solidFill>
                           <a:srgbClr val="000000"/>
                         </a:solidFill>
@@ -17017,7 +17358,7 @@
                         </a:rPr>
                         <a:t>BBB (Online+LIVE in Gotec)</a:t>
                       </a:r>
-                      <a:endParaRPr b="0" lang="en-US" sz="1200" spc="-1" strike="noStrike">
+                      <a:endParaRPr b="0" lang="de-DE" sz="1200" spc="-1" strike="noStrike">
                         <a:solidFill>
                           <a:srgbClr val="000000"/>
                         </a:solidFill>

--- a/Requirements-Engineering/RE-L00-Organization.pptx
+++ b/Requirements-Engineering/RE-L00-Organization.pptx
@@ -62,8 +62,8 @@
         </p:nvSpPr>
         <p:spPr>
           <a:xfrm>
-            <a:off x="533520" y="764280"/>
-            <a:ext cx="6704640" cy="3771360"/>
+            <a:off x="216000" y="812520"/>
+            <a:ext cx="7127280" cy="4008960"/>
           </a:xfrm>
           <a:prstGeom prst="rect">
             <a:avLst/>
@@ -80,15 +80,51 @@
           <a:p>
             <a:pPr algn="ctr"/>
             <a:r>
-              <a:rPr b="0" lang="en-US" sz="4400" spc="-1" strike="noStrike">
+              <a:rPr b="0" lang="de-DE" sz="4400" spc="-1" strike="noStrike">
                 <a:solidFill>
                   <a:srgbClr val="000000"/>
                 </a:solidFill>
                 <a:latin typeface="Arial"/>
               </a:rPr>
-              <a:t>Click to move the slide</a:t>
-            </a:r>
-            <a:endParaRPr b="0" lang="en-US" sz="4400" spc="-1" strike="noStrike">
+              <a:t>Click </a:t>
+            </a:r>
+            <a:r>
+              <a:rPr b="0" lang="de-DE" sz="4400" spc="-1" strike="noStrike">
+                <a:solidFill>
+                  <a:srgbClr val="000000"/>
+                </a:solidFill>
+                <a:latin typeface="Arial"/>
+              </a:rPr>
+              <a:t>to </a:t>
+            </a:r>
+            <a:r>
+              <a:rPr b="0" lang="de-DE" sz="4400" spc="-1" strike="noStrike">
+                <a:solidFill>
+                  <a:srgbClr val="000000"/>
+                </a:solidFill>
+                <a:latin typeface="Arial"/>
+              </a:rPr>
+              <a:t>move </a:t>
+            </a:r>
+            <a:r>
+              <a:rPr b="0" lang="de-DE" sz="4400" spc="-1" strike="noStrike">
+                <a:solidFill>
+                  <a:srgbClr val="000000"/>
+                </a:solidFill>
+                <a:latin typeface="Arial"/>
+              </a:rPr>
+              <a:t>the </a:t>
+            </a:r>
+            <a:r>
+              <a:rPr b="0" lang="de-DE" sz="4400" spc="-1" strike="noStrike">
+                <a:solidFill>
+                  <a:srgbClr val="000000"/>
+                </a:solidFill>
+                <a:latin typeface="Arial"/>
+              </a:rPr>
+              <a:t>slide</a:t>
+            </a:r>
+            <a:endParaRPr b="0" lang="de-DE" sz="4400" spc="-1" strike="noStrike">
               <a:solidFill>
                 <a:srgbClr val="000000"/>
               </a:solidFill>
@@ -109,8 +145,8 @@
         </p:nvSpPr>
         <p:spPr>
           <a:xfrm>
-            <a:off x="777240" y="4777560"/>
-            <a:ext cx="6217560" cy="4525920"/>
+            <a:off x="756000" y="5078520"/>
+            <a:ext cx="6047640" cy="4811040"/>
           </a:xfrm>
           <a:prstGeom prst="rect">
             <a:avLst/>
@@ -129,87 +165,33 @@
               <a:buNone/>
             </a:pPr>
             <a:r>
-              <a:rPr b="0" lang="en-US" sz="2000" spc="-1" strike="noStrike">
+              <a:rPr b="0" lang="de-DE" sz="2000" spc="-1" strike="noStrike">
                 <a:solidFill>
                   <a:srgbClr val="000000"/>
                 </a:solidFill>
                 <a:latin typeface="Arial"/>
               </a:rPr>
-              <a:t>Click </a:t>
-            </a:r>
-            <a:r>
-              <a:rPr b="0" lang="en-US" sz="2000" spc="-1" strike="noStrike">
+              <a:t>Click to edit </a:t>
+            </a:r>
+            <a:r>
+              <a:rPr b="0" lang="de-DE" sz="2000" spc="-1" strike="noStrike">
                 <a:solidFill>
                   <a:srgbClr val="000000"/>
                 </a:solidFill>
                 <a:latin typeface="Arial"/>
               </a:rPr>
-              <a:t>to </a:t>
-            </a:r>
-            <a:r>
-              <a:rPr b="0" lang="en-US" sz="2000" spc="-1" strike="noStrike">
+              <a:t>the notes' </a:t>
+            </a:r>
+            <a:r>
+              <a:rPr b="0" lang="de-DE" sz="2000" spc="-1" strike="noStrike">
                 <a:solidFill>
                   <a:srgbClr val="000000"/>
                 </a:solidFill>
                 <a:latin typeface="Arial"/>
               </a:rPr>
-              <a:t>edit </a:t>
-            </a:r>
-            <a:r>
-              <a:rPr b="0" lang="en-US" sz="2000" spc="-1" strike="noStrike">
-                <a:solidFill>
-                  <a:srgbClr val="000000"/>
-                </a:solidFill>
-                <a:latin typeface="Arial"/>
-              </a:rPr>
-              <a:t>the </a:t>
-            </a:r>
-            <a:r>
-              <a:rPr b="0" lang="en-US" sz="2000" spc="-1" strike="noStrike">
-                <a:solidFill>
-                  <a:srgbClr val="000000"/>
-                </a:solidFill>
-                <a:latin typeface="Arial"/>
-              </a:rPr>
-              <a:t>not</a:t>
-            </a:r>
-            <a:r>
-              <a:rPr b="0" lang="en-US" sz="2000" spc="-1" strike="noStrike">
-                <a:solidFill>
-                  <a:srgbClr val="000000"/>
-                </a:solidFill>
-                <a:latin typeface="Arial"/>
-              </a:rPr>
-              <a:t>es </a:t>
-            </a:r>
-            <a:r>
-              <a:rPr b="0" lang="en-US" sz="2000" spc="-1" strike="noStrike">
-                <a:solidFill>
-                  <a:srgbClr val="000000"/>
-                </a:solidFill>
-                <a:latin typeface="Arial"/>
-              </a:rPr>
-              <a:t>for</a:t>
-            </a:r>
-            <a:r>
-              <a:rPr b="0" lang="en-US" sz="2000" spc="-1" strike="noStrike">
-                <a:solidFill>
-                  <a:srgbClr val="000000"/>
-                </a:solidFill>
-                <a:latin typeface="Arial"/>
-              </a:rPr>
-              <a:t>ma</a:t>
-            </a:r>
-            <a:r>
-              <a:rPr b="0" lang="en-US" sz="2000" spc="-1" strike="noStrike">
-                <a:solidFill>
-                  <a:srgbClr val="000000"/>
-                </a:solidFill>
-                <a:latin typeface="Arial"/>
-              </a:rPr>
-              <a:t>t</a:t>
-            </a:r>
-            <a:endParaRPr b="0" lang="en-US" sz="2000" spc="-1" strike="noStrike">
+              <a:t>format</a:t>
+            </a:r>
+            <a:endParaRPr b="0" lang="de-DE" sz="2000" spc="-1" strike="noStrike">
               <a:solidFill>
                 <a:srgbClr val="000000"/>
               </a:solidFill>
@@ -231,7 +213,7 @@
         <p:spPr>
           <a:xfrm>
             <a:off x="0" y="0"/>
-            <a:ext cx="3372840" cy="502560"/>
+            <a:ext cx="3280680" cy="534240"/>
           </a:xfrm>
           <a:prstGeom prst="rect">
             <a:avLst/>
@@ -250,7 +232,7 @@
               <a:buNone/>
             </a:pPr>
             <a:r>
-              <a:rPr b="0" lang="en-US" sz="1400" spc="-1" strike="noStrike">
+              <a:rPr b="0" lang="de-DE" sz="1400" spc="-1" strike="noStrike">
                 <a:solidFill>
                   <a:srgbClr val="000000"/>
                 </a:solidFill>
@@ -258,7 +240,7 @@
               </a:rPr>
               <a:t>&lt;header&gt;</a:t>
             </a:r>
-            <a:endParaRPr b="0" lang="en-US" sz="1400" spc="-1" strike="noStrike">
+            <a:endParaRPr b="0" lang="de-DE" sz="1400" spc="-1" strike="noStrike">
               <a:solidFill>
                 <a:srgbClr val="000000"/>
               </a:solidFill>
@@ -279,8 +261,8 @@
         </p:nvSpPr>
         <p:spPr>
           <a:xfrm>
-            <a:off x="4399200" y="0"/>
-            <a:ext cx="3372840" cy="502560"/>
+            <a:off x="4278960" y="0"/>
+            <a:ext cx="3280680" cy="534240"/>
           </a:xfrm>
           <a:prstGeom prst="rect">
             <a:avLst/>
@@ -297,7 +279,7 @@
           <a:lstStyle>
             <a:lvl1pPr indent="0" algn="r">
               <a:buNone/>
-              <a:defRPr b="0" lang="en-US" sz="1400" spc="-1" strike="noStrike">
+              <a:defRPr b="0" lang="de-DE" sz="1400" spc="-1" strike="noStrike">
                 <a:solidFill>
                   <a:srgbClr val="000000"/>
                 </a:solidFill>
@@ -310,7 +292,7 @@
               <a:buNone/>
             </a:pPr>
             <a:r>
-              <a:rPr b="0" lang="en-US" sz="1400" spc="-1" strike="noStrike">
+              <a:rPr b="0" lang="de-DE" sz="1400" spc="-1" strike="noStrike">
                 <a:solidFill>
                   <a:srgbClr val="000000"/>
                 </a:solidFill>
@@ -318,7 +300,7 @@
               </a:rPr>
               <a:t>&lt;date/time&gt;</a:t>
             </a:r>
-            <a:endParaRPr b="0" lang="en-US" sz="1400" spc="-1" strike="noStrike">
+            <a:endParaRPr b="0" lang="de-DE" sz="1400" spc="-1" strike="noStrike">
               <a:solidFill>
                 <a:srgbClr val="000000"/>
               </a:solidFill>
@@ -339,8 +321,8 @@
         </p:nvSpPr>
         <p:spPr>
           <a:xfrm>
-            <a:off x="0" y="9555480"/>
-            <a:ext cx="3372840" cy="502560"/>
+            <a:off x="0" y="10157400"/>
+            <a:ext cx="3280680" cy="534240"/>
           </a:xfrm>
           <a:prstGeom prst="rect">
             <a:avLst/>
@@ -357,7 +339,7 @@
           <a:lstStyle>
             <a:lvl1pPr indent="0">
               <a:buNone/>
-              <a:defRPr b="0" lang="en-US" sz="1400" spc="-1" strike="noStrike">
+              <a:defRPr b="0" lang="de-DE" sz="1400" spc="-1" strike="noStrike">
                 <a:solidFill>
                   <a:srgbClr val="000000"/>
                 </a:solidFill>
@@ -370,7 +352,7 @@
               <a:buNone/>
             </a:pPr>
             <a:r>
-              <a:rPr b="0" lang="en-US" sz="1400" spc="-1" strike="noStrike">
+              <a:rPr b="0" lang="de-DE" sz="1400" spc="-1" strike="noStrike">
                 <a:solidFill>
                   <a:srgbClr val="000000"/>
                 </a:solidFill>
@@ -378,7 +360,7 @@
               </a:rPr>
               <a:t>&lt;footer&gt;</a:t>
             </a:r>
-            <a:endParaRPr b="0" lang="en-US" sz="1400" spc="-1" strike="noStrike">
+            <a:endParaRPr b="0" lang="de-DE" sz="1400" spc="-1" strike="noStrike">
               <a:solidFill>
                 <a:srgbClr val="000000"/>
               </a:solidFill>
@@ -399,8 +381,8 @@
         </p:nvSpPr>
         <p:spPr>
           <a:xfrm>
-            <a:off x="4399200" y="9555480"/>
-            <a:ext cx="3372840" cy="502560"/>
+            <a:off x="4278960" y="10157400"/>
+            <a:ext cx="3280680" cy="534240"/>
           </a:xfrm>
           <a:prstGeom prst="rect">
             <a:avLst/>
@@ -417,7 +399,7 @@
           <a:lstStyle>
             <a:lvl1pPr indent="0" algn="r">
               <a:buNone/>
-              <a:defRPr b="0" lang="en-US" sz="1400" spc="-1" strike="noStrike">
+              <a:defRPr b="0" lang="de-DE" sz="1400" spc="-1" strike="noStrike">
                 <a:solidFill>
                   <a:srgbClr val="000000"/>
                 </a:solidFill>
@@ -429,8 +411,8 @@
             <a:pPr indent="0" algn="r">
               <a:buNone/>
             </a:pPr>
-            <a:fld id="{C4D49352-98D4-4007-9496-8CCC92C9D342}" type="slidenum">
-              <a:rPr b="0" lang="en-US" sz="1400" spc="-1" strike="noStrike">
+            <a:fld id="{43D4EB28-AF16-49D3-959F-B9995F61F3EF}" type="slidenum">
+              <a:rPr b="0" lang="de-DE" sz="1400" spc="-1" strike="noStrike">
                 <a:solidFill>
                   <a:srgbClr val="000000"/>
                 </a:solidFill>
@@ -438,7 +420,7 @@
               </a:rPr>
               <a:t>&lt;number&gt;</a:t>
             </a:fld>
-            <a:endParaRPr b="0" lang="en-US" sz="1400" spc="-1" strike="noStrike">
+            <a:endParaRPr b="0" lang="de-DE" sz="1400" spc="-1" strike="noStrike">
               <a:solidFill>
                 <a:srgbClr val="000000"/>
               </a:solidFill>
@@ -483,7 +465,7 @@
         <p:spPr>
           <a:xfrm>
             <a:off x="533520" y="763560"/>
-            <a:ext cx="6694920" cy="3763080"/>
+            <a:ext cx="6694560" cy="3762720"/>
           </a:xfrm>
           <a:prstGeom prst="rect">
             <a:avLst/>
@@ -506,7 +488,7 @@
         <p:spPr>
           <a:xfrm>
             <a:off x="777240" y="4777560"/>
-            <a:ext cx="6208560" cy="4516920"/>
+            <a:ext cx="6208200" cy="4516560"/>
           </a:xfrm>
           <a:prstGeom prst="rect">
             <a:avLst/>
@@ -524,7 +506,7 @@
             <a:pPr marL="216000" indent="0">
               <a:buNone/>
             </a:pPr>
-            <a:endParaRPr b="0" lang="en-US" sz="1800" spc="-1" strike="noStrike">
+            <a:endParaRPr b="0" lang="de-DE" sz="1800" spc="-1" strike="noStrike">
               <a:solidFill>
                 <a:srgbClr val="000000"/>
               </a:solidFill>
@@ -542,7 +524,7 @@
         <p:spPr>
           <a:xfrm>
             <a:off x="4399200" y="9555480"/>
-            <a:ext cx="3363840" cy="493560"/>
+            <a:ext cx="3363480" cy="493200"/>
           </a:xfrm>
           <a:prstGeom prst="rect">
             <a:avLst/>
@@ -568,7 +550,7 @@
                 <a:spcPct val="100000"/>
               </a:lnSpc>
             </a:pPr>
-            <a:fld id="{C5F8911A-5C08-46A1-A365-A1A4EAC054F4}" type="slidenum">
+            <a:fld id="{D00E51A7-3039-484D-A9A6-86BEF04238B8}" type="slidenum">
               <a:rPr b="0" lang="en-GB" sz="1800" spc="-1" strike="noStrike">
                 <a:solidFill>
                   <a:srgbClr val="000000"/>
@@ -576,9 +558,9 @@
                 <a:latin typeface="+mn-lt"/>
                 <a:ea typeface="+mn-ea"/>
               </a:rPr>
-              <a:t>&lt;number&gt;</a:t>
+              <a:t>6</a:t>
             </a:fld>
-            <a:endParaRPr b="0" lang="en-US" sz="1800" spc="-1" strike="noStrike">
+            <a:endParaRPr b="0" lang="de-DE" sz="1800" spc="-1" strike="noStrike">
               <a:solidFill>
                 <a:srgbClr val="000000"/>
               </a:solidFill>
@@ -622,7 +604,7 @@
         <p:spPr>
           <a:xfrm>
             <a:off x="533520" y="763560"/>
-            <a:ext cx="6694920" cy="3763080"/>
+            <a:ext cx="6694560" cy="3762720"/>
           </a:xfrm>
           <a:prstGeom prst="rect">
             <a:avLst/>
@@ -645,7 +627,7 @@
         <p:spPr>
           <a:xfrm>
             <a:off x="777240" y="4777560"/>
-            <a:ext cx="6208560" cy="4516920"/>
+            <a:ext cx="6208200" cy="4516560"/>
           </a:xfrm>
           <a:prstGeom prst="rect">
             <a:avLst/>
@@ -663,7 +645,7 @@
             <a:pPr marL="216000" indent="0">
               <a:buNone/>
             </a:pPr>
-            <a:endParaRPr b="0" lang="en-US" sz="1800" spc="-1" strike="noStrike">
+            <a:endParaRPr b="0" lang="de-DE" sz="1800" spc="-1" strike="noStrike">
               <a:solidFill>
                 <a:srgbClr val="000000"/>
               </a:solidFill>
@@ -681,7 +663,7 @@
         <p:spPr>
           <a:xfrm>
             <a:off x="4399200" y="9555480"/>
-            <a:ext cx="3363840" cy="493560"/>
+            <a:ext cx="3363480" cy="493200"/>
           </a:xfrm>
           <a:prstGeom prst="rect">
             <a:avLst/>
@@ -707,7 +689,7 @@
                 <a:spcPct val="100000"/>
               </a:lnSpc>
             </a:pPr>
-            <a:fld id="{FDBBC06B-4D98-45A5-A738-4B11776CBC5C}" type="slidenum">
+            <a:fld id="{E5AF1E5B-BA8C-4CA9-B612-BAC7D67BBDC8}" type="slidenum">
               <a:rPr b="0" lang="en-GB" sz="1800" spc="-1" strike="noStrike">
                 <a:solidFill>
                   <a:srgbClr val="000000"/>
@@ -715,9 +697,9 @@
                 <a:latin typeface="+mn-lt"/>
                 <a:ea typeface="+mn-ea"/>
               </a:rPr>
-              <a:t>&lt;number&gt;</a:t>
+              <a:t>6</a:t>
             </a:fld>
-            <a:endParaRPr b="0" lang="en-US" sz="1800" spc="-1" strike="noStrike">
+            <a:endParaRPr b="0" lang="de-DE" sz="1800" spc="-1" strike="noStrike">
               <a:solidFill>
                 <a:srgbClr val="000000"/>
               </a:solidFill>
@@ -761,7 +743,7 @@
         <p:spPr>
           <a:xfrm>
             <a:off x="533520" y="763560"/>
-            <a:ext cx="6694920" cy="3763080"/>
+            <a:ext cx="6694560" cy="3762720"/>
           </a:xfrm>
           <a:prstGeom prst="rect">
             <a:avLst/>
@@ -784,7 +766,7 @@
         <p:spPr>
           <a:xfrm>
             <a:off x="777240" y="4777560"/>
-            <a:ext cx="6208560" cy="4516920"/>
+            <a:ext cx="6208200" cy="4516560"/>
           </a:xfrm>
           <a:prstGeom prst="rect">
             <a:avLst/>
@@ -802,7 +784,7 @@
             <a:pPr marL="216000" indent="0">
               <a:buNone/>
             </a:pPr>
-            <a:endParaRPr b="0" lang="en-US" sz="1800" spc="-1" strike="noStrike">
+            <a:endParaRPr b="0" lang="de-DE" sz="1800" spc="-1" strike="noStrike">
               <a:solidFill>
                 <a:srgbClr val="000000"/>
               </a:solidFill>
@@ -820,7 +802,7 @@
         <p:spPr>
           <a:xfrm>
             <a:off x="4399200" y="9555480"/>
-            <a:ext cx="3363840" cy="493560"/>
+            <a:ext cx="3363480" cy="493200"/>
           </a:xfrm>
           <a:prstGeom prst="rect">
             <a:avLst/>
@@ -846,7 +828,7 @@
                 <a:spcPct val="100000"/>
               </a:lnSpc>
             </a:pPr>
-            <a:fld id="{49582A8A-A0CC-4086-8142-EB415D9E90DF}" type="slidenum">
+            <a:fld id="{A1E3D2A5-654F-4258-8D2A-59691B7F97F5}" type="slidenum">
               <a:rPr b="0" lang="en-GB" sz="1800" spc="-1" strike="noStrike">
                 <a:solidFill>
                   <a:srgbClr val="000000"/>
@@ -854,9 +836,9 @@
                 <a:latin typeface="+mn-lt"/>
                 <a:ea typeface="+mn-ea"/>
               </a:rPr>
-              <a:t>&lt;number&gt;</a:t>
+              <a:t>6</a:t>
             </a:fld>
-            <a:endParaRPr b="0" lang="en-US" sz="1800" spc="-1" strike="noStrike">
+            <a:endParaRPr b="0" lang="de-DE" sz="1800" spc="-1" strike="noStrike">
               <a:solidFill>
                 <a:srgbClr val="000000"/>
               </a:solidFill>
@@ -900,7 +882,7 @@
         <p:spPr>
           <a:xfrm>
             <a:off x="533520" y="763560"/>
-            <a:ext cx="6694920" cy="3763080"/>
+            <a:ext cx="6694560" cy="3762720"/>
           </a:xfrm>
           <a:prstGeom prst="rect">
             <a:avLst/>
@@ -923,7 +905,7 @@
         <p:spPr>
           <a:xfrm>
             <a:off x="777240" y="4777560"/>
-            <a:ext cx="6208560" cy="4516920"/>
+            <a:ext cx="6208200" cy="4516560"/>
           </a:xfrm>
           <a:prstGeom prst="rect">
             <a:avLst/>
@@ -941,7 +923,7 @@
             <a:pPr marL="216000" indent="0">
               <a:buNone/>
             </a:pPr>
-            <a:endParaRPr b="0" lang="en-US" sz="1800" spc="-1" strike="noStrike">
+            <a:endParaRPr b="0" lang="de-DE" sz="1800" spc="-1" strike="noStrike">
               <a:solidFill>
                 <a:srgbClr val="000000"/>
               </a:solidFill>
@@ -959,7 +941,7 @@
         <p:spPr>
           <a:xfrm>
             <a:off x="4399200" y="9555480"/>
-            <a:ext cx="3363840" cy="493560"/>
+            <a:ext cx="3363480" cy="493200"/>
           </a:xfrm>
           <a:prstGeom prst="rect">
             <a:avLst/>
@@ -985,7 +967,7 @@
                 <a:spcPct val="100000"/>
               </a:lnSpc>
             </a:pPr>
-            <a:fld id="{AF98E903-AE26-4B04-AD93-ADAD388CACF9}" type="slidenum">
+            <a:fld id="{DBEC9D9D-865F-4CEF-AD98-EA12B8068A9F}" type="slidenum">
               <a:rPr b="0" lang="en-GB" sz="1800" spc="-1" strike="noStrike">
                 <a:solidFill>
                   <a:srgbClr val="000000"/>
@@ -993,9 +975,9 @@
                 <a:latin typeface="+mn-lt"/>
                 <a:ea typeface="+mn-ea"/>
               </a:rPr>
-              <a:t>&lt;number&gt;</a:t>
+              <a:t>6</a:t>
             </a:fld>
-            <a:endParaRPr b="0" lang="en-US" sz="1800" spc="-1" strike="noStrike">
+            <a:endParaRPr b="0" lang="de-DE" sz="1800" spc="-1" strike="noStrike">
               <a:solidFill>
                 <a:srgbClr val="000000"/>
               </a:solidFill>
@@ -1079,7 +1061,7 @@
             <a:pPr indent="0" algn="ctr">
               <a:buNone/>
             </a:pPr>
-            <a:endParaRPr b="0" lang="en-US" sz="4400" spc="-1" strike="noStrike">
+            <a:endParaRPr b="0" lang="de-DE" sz="4400" spc="-1" strike="noStrike">
               <a:solidFill>
                 <a:srgbClr val="000000"/>
               </a:solidFill>
@@ -1122,7 +1104,7 @@
               </a:spcBef>
               <a:buNone/>
             </a:pPr>
-            <a:endParaRPr b="0" lang="en-US" sz="3200" spc="-1" strike="noStrike">
+            <a:endParaRPr b="0" lang="de-DE" sz="3200" spc="-1" strike="noStrike">
               <a:solidFill>
                 <a:srgbClr val="000000"/>
               </a:solidFill>
@@ -1165,7 +1147,7 @@
               </a:spcBef>
               <a:buNone/>
             </a:pPr>
-            <a:endParaRPr b="0" lang="en-US" sz="3200" spc="-1" strike="noStrike">
+            <a:endParaRPr b="0" lang="de-DE" sz="3200" spc="-1" strike="noStrike">
               <a:solidFill>
                 <a:srgbClr val="000000"/>
               </a:solidFill>
@@ -1227,7 +1209,7 @@
             <a:pPr indent="0" algn="ctr">
               <a:buNone/>
             </a:pPr>
-            <a:endParaRPr b="0" lang="en-US" sz="4400" spc="-1" strike="noStrike">
+            <a:endParaRPr b="0" lang="de-DE" sz="4400" spc="-1" strike="noStrike">
               <a:solidFill>
                 <a:srgbClr val="000000"/>
               </a:solidFill>
@@ -1270,7 +1252,7 @@
               </a:spcBef>
               <a:buNone/>
             </a:pPr>
-            <a:endParaRPr b="0" lang="en-US" sz="3200" spc="-1" strike="noStrike">
+            <a:endParaRPr b="0" lang="de-DE" sz="3200" spc="-1" strike="noStrike">
               <a:solidFill>
                 <a:srgbClr val="000000"/>
               </a:solidFill>
@@ -1313,7 +1295,7 @@
               </a:spcBef>
               <a:buNone/>
             </a:pPr>
-            <a:endParaRPr b="0" lang="en-US" sz="3200" spc="-1" strike="noStrike">
+            <a:endParaRPr b="0" lang="de-DE" sz="3200" spc="-1" strike="noStrike">
               <a:solidFill>
                 <a:srgbClr val="000000"/>
               </a:solidFill>
@@ -1356,7 +1338,7 @@
               </a:spcBef>
               <a:buNone/>
             </a:pPr>
-            <a:endParaRPr b="0" lang="en-US" sz="3200" spc="-1" strike="noStrike">
+            <a:endParaRPr b="0" lang="de-DE" sz="3200" spc="-1" strike="noStrike">
               <a:solidFill>
                 <a:srgbClr val="000000"/>
               </a:solidFill>
@@ -1399,7 +1381,7 @@
               </a:spcBef>
               <a:buNone/>
             </a:pPr>
-            <a:endParaRPr b="0" lang="en-US" sz="3200" spc="-1" strike="noStrike">
+            <a:endParaRPr b="0" lang="de-DE" sz="3200" spc="-1" strike="noStrike">
               <a:solidFill>
                 <a:srgbClr val="000000"/>
               </a:solidFill>
@@ -1461,7 +1443,7 @@
             <a:pPr indent="0" algn="ctr">
               <a:buNone/>
             </a:pPr>
-            <a:endParaRPr b="0" lang="en-US" sz="4400" spc="-1" strike="noStrike">
+            <a:endParaRPr b="0" lang="de-DE" sz="4400" spc="-1" strike="noStrike">
               <a:solidFill>
                 <a:srgbClr val="000000"/>
               </a:solidFill>
@@ -1504,7 +1486,7 @@
               </a:spcBef>
               <a:buNone/>
             </a:pPr>
-            <a:endParaRPr b="0" lang="en-US" sz="3200" spc="-1" strike="noStrike">
+            <a:endParaRPr b="0" lang="de-DE" sz="3200" spc="-1" strike="noStrike">
               <a:solidFill>
                 <a:srgbClr val="000000"/>
               </a:solidFill>
@@ -1547,7 +1529,7 @@
               </a:spcBef>
               <a:buNone/>
             </a:pPr>
-            <a:endParaRPr b="0" lang="en-US" sz="3200" spc="-1" strike="noStrike">
+            <a:endParaRPr b="0" lang="de-DE" sz="3200" spc="-1" strike="noStrike">
               <a:solidFill>
                 <a:srgbClr val="000000"/>
               </a:solidFill>
@@ -1590,7 +1572,7 @@
               </a:spcBef>
               <a:buNone/>
             </a:pPr>
-            <a:endParaRPr b="0" lang="en-US" sz="3200" spc="-1" strike="noStrike">
+            <a:endParaRPr b="0" lang="de-DE" sz="3200" spc="-1" strike="noStrike">
               <a:solidFill>
                 <a:srgbClr val="000000"/>
               </a:solidFill>
@@ -1633,7 +1615,7 @@
               </a:spcBef>
               <a:buNone/>
             </a:pPr>
-            <a:endParaRPr b="0" lang="en-US" sz="3200" spc="-1" strike="noStrike">
+            <a:endParaRPr b="0" lang="de-DE" sz="3200" spc="-1" strike="noStrike">
               <a:solidFill>
                 <a:srgbClr val="000000"/>
               </a:solidFill>
@@ -1676,7 +1658,7 @@
               </a:spcBef>
               <a:buNone/>
             </a:pPr>
-            <a:endParaRPr b="0" lang="en-US" sz="3200" spc="-1" strike="noStrike">
+            <a:endParaRPr b="0" lang="de-DE" sz="3200" spc="-1" strike="noStrike">
               <a:solidFill>
                 <a:srgbClr val="000000"/>
               </a:solidFill>
@@ -1719,7 +1701,7 @@
               </a:spcBef>
               <a:buNone/>
             </a:pPr>
-            <a:endParaRPr b="0" lang="en-US" sz="3200" spc="-1" strike="noStrike">
+            <a:endParaRPr b="0" lang="de-DE" sz="3200" spc="-1" strike="noStrike">
               <a:solidFill>
                 <a:srgbClr val="000000"/>
               </a:solidFill>
@@ -1803,7 +1785,7 @@
             <a:pPr indent="0" algn="ctr">
               <a:buNone/>
             </a:pPr>
-            <a:endParaRPr b="0" lang="en-US" sz="4400" spc="-1" strike="noStrike">
+            <a:endParaRPr b="0" lang="de-DE" sz="4400" spc="-1" strike="noStrike">
               <a:solidFill>
                 <a:srgbClr val="000000"/>
               </a:solidFill>
@@ -1843,7 +1825,7 @@
             <a:pPr indent="0" algn="ctr">
               <a:buNone/>
             </a:pPr>
-            <a:endParaRPr b="0" lang="en-US" sz="3200" spc="-1" strike="noStrike">
+            <a:endParaRPr b="0" lang="de-DE" sz="3200" spc="-1" strike="noStrike">
               <a:solidFill>
                 <a:srgbClr val="000000"/>
               </a:solidFill>
@@ -1905,7 +1887,7 @@
             <a:pPr indent="0" algn="ctr">
               <a:buNone/>
             </a:pPr>
-            <a:endParaRPr b="0" lang="en-US" sz="4400" spc="-1" strike="noStrike">
+            <a:endParaRPr b="0" lang="de-DE" sz="4400" spc="-1" strike="noStrike">
               <a:solidFill>
                 <a:srgbClr val="000000"/>
               </a:solidFill>
@@ -1948,7 +1930,7 @@
               </a:spcBef>
               <a:buNone/>
             </a:pPr>
-            <a:endParaRPr b="0" lang="en-US" sz="3200" spc="-1" strike="noStrike">
+            <a:endParaRPr b="0" lang="de-DE" sz="3200" spc="-1" strike="noStrike">
               <a:solidFill>
                 <a:srgbClr val="000000"/>
               </a:solidFill>
@@ -2010,7 +1992,7 @@
             <a:pPr indent="0" algn="ctr">
               <a:buNone/>
             </a:pPr>
-            <a:endParaRPr b="0" lang="en-US" sz="4400" spc="-1" strike="noStrike">
+            <a:endParaRPr b="0" lang="de-DE" sz="4400" spc="-1" strike="noStrike">
               <a:solidFill>
                 <a:srgbClr val="000000"/>
               </a:solidFill>
@@ -2053,7 +2035,7 @@
               </a:spcBef>
               <a:buNone/>
             </a:pPr>
-            <a:endParaRPr b="0" lang="en-US" sz="3200" spc="-1" strike="noStrike">
+            <a:endParaRPr b="0" lang="de-DE" sz="3200" spc="-1" strike="noStrike">
               <a:solidFill>
                 <a:srgbClr val="000000"/>
               </a:solidFill>
@@ -2096,7 +2078,7 @@
               </a:spcBef>
               <a:buNone/>
             </a:pPr>
-            <a:endParaRPr b="0" lang="en-US" sz="3200" spc="-1" strike="noStrike">
+            <a:endParaRPr b="0" lang="de-DE" sz="3200" spc="-1" strike="noStrike">
               <a:solidFill>
                 <a:srgbClr val="000000"/>
               </a:solidFill>
@@ -2158,7 +2140,7 @@
             <a:pPr indent="0" algn="ctr">
               <a:buNone/>
             </a:pPr>
-            <a:endParaRPr b="0" lang="en-US" sz="4400" spc="-1" strike="noStrike">
+            <a:endParaRPr b="0" lang="de-DE" sz="4400" spc="-1" strike="noStrike">
               <a:solidFill>
                 <a:srgbClr val="000000"/>
               </a:solidFill>
@@ -2218,7 +2200,7 @@
           </a:bodyPr>
           <a:p>
             <a:pPr algn="ctr"/>
-            <a:endParaRPr b="0" lang="en-US" sz="3200" spc="-1" strike="noStrike">
+            <a:endParaRPr b="0" lang="de-DE" sz="3200" spc="-1" strike="noStrike">
               <a:solidFill>
                 <a:srgbClr val="000000"/>
               </a:solidFill>
@@ -2280,7 +2262,7 @@
             <a:pPr indent="0" algn="ctr">
               <a:buNone/>
             </a:pPr>
-            <a:endParaRPr b="0" lang="en-US" sz="4400" spc="-1" strike="noStrike">
+            <a:endParaRPr b="0" lang="de-DE" sz="4400" spc="-1" strike="noStrike">
               <a:solidFill>
                 <a:srgbClr val="000000"/>
               </a:solidFill>
@@ -2323,7 +2305,7 @@
               </a:spcBef>
               <a:buNone/>
             </a:pPr>
-            <a:endParaRPr b="0" lang="en-US" sz="3200" spc="-1" strike="noStrike">
+            <a:endParaRPr b="0" lang="de-DE" sz="3200" spc="-1" strike="noStrike">
               <a:solidFill>
                 <a:srgbClr val="000000"/>
               </a:solidFill>
@@ -2366,7 +2348,7 @@
               </a:spcBef>
               <a:buNone/>
             </a:pPr>
-            <a:endParaRPr b="0" lang="en-US" sz="3200" spc="-1" strike="noStrike">
+            <a:endParaRPr b="0" lang="de-DE" sz="3200" spc="-1" strike="noStrike">
               <a:solidFill>
                 <a:srgbClr val="000000"/>
               </a:solidFill>
@@ -2409,7 +2391,7 @@
               </a:spcBef>
               <a:buNone/>
             </a:pPr>
-            <a:endParaRPr b="0" lang="en-US" sz="3200" spc="-1" strike="noStrike">
+            <a:endParaRPr b="0" lang="de-DE" sz="3200" spc="-1" strike="noStrike">
               <a:solidFill>
                 <a:srgbClr val="000000"/>
               </a:solidFill>
@@ -2471,7 +2453,7 @@
             <a:pPr indent="0" algn="ctr">
               <a:buNone/>
             </a:pPr>
-            <a:endParaRPr b="0" lang="en-US" sz="4400" spc="-1" strike="noStrike">
+            <a:endParaRPr b="0" lang="de-DE" sz="4400" spc="-1" strike="noStrike">
               <a:solidFill>
                 <a:srgbClr val="000000"/>
               </a:solidFill>
@@ -2511,7 +2493,7 @@
             <a:pPr indent="0" algn="ctr">
               <a:buNone/>
             </a:pPr>
-            <a:endParaRPr b="0" lang="en-US" sz="3200" spc="-1" strike="noStrike">
+            <a:endParaRPr b="0" lang="de-DE" sz="3200" spc="-1" strike="noStrike">
               <a:solidFill>
                 <a:srgbClr val="000000"/>
               </a:solidFill>
@@ -2573,7 +2555,7 @@
             <a:pPr indent="0" algn="ctr">
               <a:buNone/>
             </a:pPr>
-            <a:endParaRPr b="0" lang="en-US" sz="4400" spc="-1" strike="noStrike">
+            <a:endParaRPr b="0" lang="de-DE" sz="4400" spc="-1" strike="noStrike">
               <a:solidFill>
                 <a:srgbClr val="000000"/>
               </a:solidFill>
@@ -2616,7 +2598,7 @@
               </a:spcBef>
               <a:buNone/>
             </a:pPr>
-            <a:endParaRPr b="0" lang="en-US" sz="3200" spc="-1" strike="noStrike">
+            <a:endParaRPr b="0" lang="de-DE" sz="3200" spc="-1" strike="noStrike">
               <a:solidFill>
                 <a:srgbClr val="000000"/>
               </a:solidFill>
@@ -2659,7 +2641,7 @@
               </a:spcBef>
               <a:buNone/>
             </a:pPr>
-            <a:endParaRPr b="0" lang="en-US" sz="3200" spc="-1" strike="noStrike">
+            <a:endParaRPr b="0" lang="de-DE" sz="3200" spc="-1" strike="noStrike">
               <a:solidFill>
                 <a:srgbClr val="000000"/>
               </a:solidFill>
@@ -2702,7 +2684,7 @@
               </a:spcBef>
               <a:buNone/>
             </a:pPr>
-            <a:endParaRPr b="0" lang="en-US" sz="3200" spc="-1" strike="noStrike">
+            <a:endParaRPr b="0" lang="de-DE" sz="3200" spc="-1" strike="noStrike">
               <a:solidFill>
                 <a:srgbClr val="000000"/>
               </a:solidFill>
@@ -2764,7 +2746,7 @@
             <a:pPr indent="0" algn="ctr">
               <a:buNone/>
             </a:pPr>
-            <a:endParaRPr b="0" lang="en-US" sz="4400" spc="-1" strike="noStrike">
+            <a:endParaRPr b="0" lang="de-DE" sz="4400" spc="-1" strike="noStrike">
               <a:solidFill>
                 <a:srgbClr val="000000"/>
               </a:solidFill>
@@ -2807,7 +2789,7 @@
               </a:spcBef>
               <a:buNone/>
             </a:pPr>
-            <a:endParaRPr b="0" lang="en-US" sz="3200" spc="-1" strike="noStrike">
+            <a:endParaRPr b="0" lang="de-DE" sz="3200" spc="-1" strike="noStrike">
               <a:solidFill>
                 <a:srgbClr val="000000"/>
               </a:solidFill>
@@ -2850,7 +2832,7 @@
               </a:spcBef>
               <a:buNone/>
             </a:pPr>
-            <a:endParaRPr b="0" lang="en-US" sz="3200" spc="-1" strike="noStrike">
+            <a:endParaRPr b="0" lang="de-DE" sz="3200" spc="-1" strike="noStrike">
               <a:solidFill>
                 <a:srgbClr val="000000"/>
               </a:solidFill>
@@ -2893,7 +2875,7 @@
               </a:spcBef>
               <a:buNone/>
             </a:pPr>
-            <a:endParaRPr b="0" lang="en-US" sz="3200" spc="-1" strike="noStrike">
+            <a:endParaRPr b="0" lang="de-DE" sz="3200" spc="-1" strike="noStrike">
               <a:solidFill>
                 <a:srgbClr val="000000"/>
               </a:solidFill>
@@ -2955,7 +2937,7 @@
             <a:pPr indent="0" algn="ctr">
               <a:buNone/>
             </a:pPr>
-            <a:endParaRPr b="0" lang="en-US" sz="4400" spc="-1" strike="noStrike">
+            <a:endParaRPr b="0" lang="de-DE" sz="4400" spc="-1" strike="noStrike">
               <a:solidFill>
                 <a:srgbClr val="000000"/>
               </a:solidFill>
@@ -2998,7 +2980,7 @@
               </a:spcBef>
               <a:buNone/>
             </a:pPr>
-            <a:endParaRPr b="0" lang="en-US" sz="3200" spc="-1" strike="noStrike">
+            <a:endParaRPr b="0" lang="de-DE" sz="3200" spc="-1" strike="noStrike">
               <a:solidFill>
                 <a:srgbClr val="000000"/>
               </a:solidFill>
@@ -3041,7 +3023,7 @@
               </a:spcBef>
               <a:buNone/>
             </a:pPr>
-            <a:endParaRPr b="0" lang="en-US" sz="3200" spc="-1" strike="noStrike">
+            <a:endParaRPr b="0" lang="de-DE" sz="3200" spc="-1" strike="noStrike">
               <a:solidFill>
                 <a:srgbClr val="000000"/>
               </a:solidFill>
@@ -3103,7 +3085,7 @@
             <a:pPr indent="0" algn="ctr">
               <a:buNone/>
             </a:pPr>
-            <a:endParaRPr b="0" lang="en-US" sz="4400" spc="-1" strike="noStrike">
+            <a:endParaRPr b="0" lang="de-DE" sz="4400" spc="-1" strike="noStrike">
               <a:solidFill>
                 <a:srgbClr val="000000"/>
               </a:solidFill>
@@ -3146,7 +3128,7 @@
               </a:spcBef>
               <a:buNone/>
             </a:pPr>
-            <a:endParaRPr b="0" lang="en-US" sz="3200" spc="-1" strike="noStrike">
+            <a:endParaRPr b="0" lang="de-DE" sz="3200" spc="-1" strike="noStrike">
               <a:solidFill>
                 <a:srgbClr val="000000"/>
               </a:solidFill>
@@ -3189,7 +3171,7 @@
               </a:spcBef>
               <a:buNone/>
             </a:pPr>
-            <a:endParaRPr b="0" lang="en-US" sz="3200" spc="-1" strike="noStrike">
+            <a:endParaRPr b="0" lang="de-DE" sz="3200" spc="-1" strike="noStrike">
               <a:solidFill>
                 <a:srgbClr val="000000"/>
               </a:solidFill>
@@ -3232,7 +3214,7 @@
               </a:spcBef>
               <a:buNone/>
             </a:pPr>
-            <a:endParaRPr b="0" lang="en-US" sz="3200" spc="-1" strike="noStrike">
+            <a:endParaRPr b="0" lang="de-DE" sz="3200" spc="-1" strike="noStrike">
               <a:solidFill>
                 <a:srgbClr val="000000"/>
               </a:solidFill>
@@ -3275,7 +3257,7 @@
               </a:spcBef>
               <a:buNone/>
             </a:pPr>
-            <a:endParaRPr b="0" lang="en-US" sz="3200" spc="-1" strike="noStrike">
+            <a:endParaRPr b="0" lang="de-DE" sz="3200" spc="-1" strike="noStrike">
               <a:solidFill>
                 <a:srgbClr val="000000"/>
               </a:solidFill>
@@ -3337,7 +3319,7 @@
             <a:pPr indent="0" algn="ctr">
               <a:buNone/>
             </a:pPr>
-            <a:endParaRPr b="0" lang="en-US" sz="4400" spc="-1" strike="noStrike">
+            <a:endParaRPr b="0" lang="de-DE" sz="4400" spc="-1" strike="noStrike">
               <a:solidFill>
                 <a:srgbClr val="000000"/>
               </a:solidFill>
@@ -3380,7 +3362,7 @@
               </a:spcBef>
               <a:buNone/>
             </a:pPr>
-            <a:endParaRPr b="0" lang="en-US" sz="3200" spc="-1" strike="noStrike">
+            <a:endParaRPr b="0" lang="de-DE" sz="3200" spc="-1" strike="noStrike">
               <a:solidFill>
                 <a:srgbClr val="000000"/>
               </a:solidFill>
@@ -3423,7 +3405,7 @@
               </a:spcBef>
               <a:buNone/>
             </a:pPr>
-            <a:endParaRPr b="0" lang="en-US" sz="3200" spc="-1" strike="noStrike">
+            <a:endParaRPr b="0" lang="de-DE" sz="3200" spc="-1" strike="noStrike">
               <a:solidFill>
                 <a:srgbClr val="000000"/>
               </a:solidFill>
@@ -3466,7 +3448,7 @@
               </a:spcBef>
               <a:buNone/>
             </a:pPr>
-            <a:endParaRPr b="0" lang="en-US" sz="3200" spc="-1" strike="noStrike">
+            <a:endParaRPr b="0" lang="de-DE" sz="3200" spc="-1" strike="noStrike">
               <a:solidFill>
                 <a:srgbClr val="000000"/>
               </a:solidFill>
@@ -3509,7 +3491,7 @@
               </a:spcBef>
               <a:buNone/>
             </a:pPr>
-            <a:endParaRPr b="0" lang="en-US" sz="3200" spc="-1" strike="noStrike">
+            <a:endParaRPr b="0" lang="de-DE" sz="3200" spc="-1" strike="noStrike">
               <a:solidFill>
                 <a:srgbClr val="000000"/>
               </a:solidFill>
@@ -3552,7 +3534,7 @@
               </a:spcBef>
               <a:buNone/>
             </a:pPr>
-            <a:endParaRPr b="0" lang="en-US" sz="3200" spc="-1" strike="noStrike">
+            <a:endParaRPr b="0" lang="de-DE" sz="3200" spc="-1" strike="noStrike">
               <a:solidFill>
                 <a:srgbClr val="000000"/>
               </a:solidFill>
@@ -3595,7 +3577,7 @@
               </a:spcBef>
               <a:buNone/>
             </a:pPr>
-            <a:endParaRPr b="0" lang="en-US" sz="3200" spc="-1" strike="noStrike">
+            <a:endParaRPr b="0" lang="de-DE" sz="3200" spc="-1" strike="noStrike">
               <a:solidFill>
                 <a:srgbClr val="000000"/>
               </a:solidFill>
@@ -3657,7 +3639,7 @@
             <a:pPr indent="0" algn="ctr">
               <a:buNone/>
             </a:pPr>
-            <a:endParaRPr b="0" lang="en-US" sz="4400" spc="-1" strike="noStrike">
+            <a:endParaRPr b="0" lang="de-DE" sz="4400" spc="-1" strike="noStrike">
               <a:solidFill>
                 <a:srgbClr val="000000"/>
               </a:solidFill>
@@ -3700,7 +3682,7 @@
               </a:spcBef>
               <a:buNone/>
             </a:pPr>
-            <a:endParaRPr b="0" lang="en-US" sz="3200" spc="-1" strike="noStrike">
+            <a:endParaRPr b="0" lang="de-DE" sz="3200" spc="-1" strike="noStrike">
               <a:solidFill>
                 <a:srgbClr val="000000"/>
               </a:solidFill>
@@ -3762,7 +3744,7 @@
             <a:pPr indent="0" algn="ctr">
               <a:buNone/>
             </a:pPr>
-            <a:endParaRPr b="0" lang="en-US" sz="4400" spc="-1" strike="noStrike">
+            <a:endParaRPr b="0" lang="de-DE" sz="4400" spc="-1" strike="noStrike">
               <a:solidFill>
                 <a:srgbClr val="000000"/>
               </a:solidFill>
@@ -3805,7 +3787,7 @@
               </a:spcBef>
               <a:buNone/>
             </a:pPr>
-            <a:endParaRPr b="0" lang="en-US" sz="3200" spc="-1" strike="noStrike">
+            <a:endParaRPr b="0" lang="de-DE" sz="3200" spc="-1" strike="noStrike">
               <a:solidFill>
                 <a:srgbClr val="000000"/>
               </a:solidFill>
@@ -3848,7 +3830,7 @@
               </a:spcBef>
               <a:buNone/>
             </a:pPr>
-            <a:endParaRPr b="0" lang="en-US" sz="3200" spc="-1" strike="noStrike">
+            <a:endParaRPr b="0" lang="de-DE" sz="3200" spc="-1" strike="noStrike">
               <a:solidFill>
                 <a:srgbClr val="000000"/>
               </a:solidFill>
@@ -3910,7 +3892,7 @@
             <a:pPr indent="0" algn="ctr">
               <a:buNone/>
             </a:pPr>
-            <a:endParaRPr b="0" lang="en-US" sz="4400" spc="-1" strike="noStrike">
+            <a:endParaRPr b="0" lang="de-DE" sz="4400" spc="-1" strike="noStrike">
               <a:solidFill>
                 <a:srgbClr val="000000"/>
               </a:solidFill>
@@ -3970,7 +3952,7 @@
           </a:bodyPr>
           <a:p>
             <a:pPr algn="ctr"/>
-            <a:endParaRPr b="0" lang="en-US" sz="3200" spc="-1" strike="noStrike">
+            <a:endParaRPr b="0" lang="de-DE" sz="3200" spc="-1" strike="noStrike">
               <a:solidFill>
                 <a:srgbClr val="000000"/>
               </a:solidFill>
@@ -4032,7 +4014,7 @@
             <a:pPr indent="0" algn="ctr">
               <a:buNone/>
             </a:pPr>
-            <a:endParaRPr b="0" lang="en-US" sz="4400" spc="-1" strike="noStrike">
+            <a:endParaRPr b="0" lang="de-DE" sz="4400" spc="-1" strike="noStrike">
               <a:solidFill>
                 <a:srgbClr val="000000"/>
               </a:solidFill>
@@ -4075,7 +4057,7 @@
               </a:spcBef>
               <a:buNone/>
             </a:pPr>
-            <a:endParaRPr b="0" lang="en-US" sz="3200" spc="-1" strike="noStrike">
+            <a:endParaRPr b="0" lang="de-DE" sz="3200" spc="-1" strike="noStrike">
               <a:solidFill>
                 <a:srgbClr val="000000"/>
               </a:solidFill>
@@ -4118,7 +4100,7 @@
               </a:spcBef>
               <a:buNone/>
             </a:pPr>
-            <a:endParaRPr b="0" lang="en-US" sz="3200" spc="-1" strike="noStrike">
+            <a:endParaRPr b="0" lang="de-DE" sz="3200" spc="-1" strike="noStrike">
               <a:solidFill>
                 <a:srgbClr val="000000"/>
               </a:solidFill>
@@ -4161,7 +4143,7 @@
               </a:spcBef>
               <a:buNone/>
             </a:pPr>
-            <a:endParaRPr b="0" lang="en-US" sz="3200" spc="-1" strike="noStrike">
+            <a:endParaRPr b="0" lang="de-DE" sz="3200" spc="-1" strike="noStrike">
               <a:solidFill>
                 <a:srgbClr val="000000"/>
               </a:solidFill>
@@ -4223,7 +4205,7 @@
             <a:pPr indent="0" algn="ctr">
               <a:buNone/>
             </a:pPr>
-            <a:endParaRPr b="0" lang="en-US" sz="4400" spc="-1" strike="noStrike">
+            <a:endParaRPr b="0" lang="de-DE" sz="4400" spc="-1" strike="noStrike">
               <a:solidFill>
                 <a:srgbClr val="000000"/>
               </a:solidFill>
@@ -4266,7 +4248,7 @@
               </a:spcBef>
               <a:buNone/>
             </a:pPr>
-            <a:endParaRPr b="0" lang="en-US" sz="3200" spc="-1" strike="noStrike">
+            <a:endParaRPr b="0" lang="de-DE" sz="3200" spc="-1" strike="noStrike">
               <a:solidFill>
                 <a:srgbClr val="000000"/>
               </a:solidFill>
@@ -4309,7 +4291,7 @@
               </a:spcBef>
               <a:buNone/>
             </a:pPr>
-            <a:endParaRPr b="0" lang="en-US" sz="3200" spc="-1" strike="noStrike">
+            <a:endParaRPr b="0" lang="de-DE" sz="3200" spc="-1" strike="noStrike">
               <a:solidFill>
                 <a:srgbClr val="000000"/>
               </a:solidFill>
@@ -4352,7 +4334,7 @@
               </a:spcBef>
               <a:buNone/>
             </a:pPr>
-            <a:endParaRPr b="0" lang="en-US" sz="3200" spc="-1" strike="noStrike">
+            <a:endParaRPr b="0" lang="de-DE" sz="3200" spc="-1" strike="noStrike">
               <a:solidFill>
                 <a:srgbClr val="000000"/>
               </a:solidFill>
@@ -4414,7 +4396,7 @@
             <a:pPr indent="0" algn="ctr">
               <a:buNone/>
             </a:pPr>
-            <a:endParaRPr b="0" lang="en-US" sz="4400" spc="-1" strike="noStrike">
+            <a:endParaRPr b="0" lang="de-DE" sz="4400" spc="-1" strike="noStrike">
               <a:solidFill>
                 <a:srgbClr val="000000"/>
               </a:solidFill>
@@ -4457,7 +4439,7 @@
               </a:spcBef>
               <a:buNone/>
             </a:pPr>
-            <a:endParaRPr b="0" lang="en-US" sz="3200" spc="-1" strike="noStrike">
+            <a:endParaRPr b="0" lang="de-DE" sz="3200" spc="-1" strike="noStrike">
               <a:solidFill>
                 <a:srgbClr val="000000"/>
               </a:solidFill>
@@ -4500,7 +4482,7 @@
               </a:spcBef>
               <a:buNone/>
             </a:pPr>
-            <a:endParaRPr b="0" lang="en-US" sz="3200" spc="-1" strike="noStrike">
+            <a:endParaRPr b="0" lang="de-DE" sz="3200" spc="-1" strike="noStrike">
               <a:solidFill>
                 <a:srgbClr val="000000"/>
               </a:solidFill>
@@ -4543,7 +4525,7 @@
               </a:spcBef>
               <a:buNone/>
             </a:pPr>
-            <a:endParaRPr b="0" lang="en-US" sz="3200" spc="-1" strike="noStrike">
+            <a:endParaRPr b="0" lang="de-DE" sz="3200" spc="-1" strike="noStrike">
               <a:solidFill>
                 <a:srgbClr val="000000"/>
               </a:solidFill>
@@ -4590,7 +4572,7 @@
         <p:spPr>
           <a:xfrm>
             <a:off x="11444760" y="0"/>
-            <a:ext cx="741960" cy="6850800"/>
+            <a:ext cx="741600" cy="6850440"/>
           </a:xfrm>
           <a:prstGeom prst="rect">
             <a:avLst/>
@@ -4639,7 +4621,7 @@
         <p:spPr>
           <a:xfrm>
             <a:off x="11438640" y="6453360"/>
-            <a:ext cx="758880" cy="363960"/>
+            <a:ext cx="758520" cy="363960"/>
           </a:xfrm>
           <a:prstGeom prst="rect">
             <a:avLst/>
@@ -4665,7 +4647,7 @@
                 <a:spcPct val="100000"/>
               </a:lnSpc>
             </a:pPr>
-            <a:fld id="{827BEE76-0EF0-4C25-8642-8BB7D1F908A8}" type="slidenum">
+            <a:fld id="{D691880E-B8B0-4B56-BC5B-AF60B95BCDDB}" type="slidenum">
               <a:rPr b="0" lang="en-US" sz="1800" spc="-1" strike="noStrike">
                 <a:solidFill>
                   <a:srgbClr val="808080"/>
@@ -4675,7 +4657,7 @@
               </a:rPr>
               <a:t>&lt;number&gt;</a:t>
             </a:fld>
-            <a:endParaRPr b="0" lang="en-US" sz="1800" spc="-1" strike="noStrike">
+            <a:endParaRPr b="0" lang="de-DE" sz="1800" spc="-1" strike="noStrike">
               <a:solidFill>
                 <a:srgbClr val="000000"/>
               </a:solidFill>
@@ -4693,7 +4675,7 @@
         <p:spPr>
           <a:xfrm>
             <a:off x="912240" y="1268280"/>
-            <a:ext cx="9208800" cy="362160"/>
+            <a:ext cx="9208440" cy="361800"/>
           </a:xfrm>
           <a:prstGeom prst="rect">
             <a:avLst/>
@@ -4742,7 +4724,7 @@
         <p:spPr>
           <a:xfrm>
             <a:off x="0" y="0"/>
-            <a:ext cx="3052800" cy="562680"/>
+            <a:ext cx="3052440" cy="562320"/>
           </a:xfrm>
           <a:prstGeom prst="rect">
             <a:avLst/>
@@ -4765,7 +4747,7 @@
         <p:spPr>
           <a:xfrm>
             <a:off x="7430400" y="134640"/>
-            <a:ext cx="3698640" cy="514800"/>
+            <a:ext cx="3698280" cy="514440"/>
           </a:xfrm>
           <a:prstGeom prst="rect">
             <a:avLst/>
@@ -4784,7 +4766,7 @@
         <p:spPr>
           <a:xfrm>
             <a:off x="912240" y="1268280"/>
-            <a:ext cx="9208800" cy="362160"/>
+            <a:ext cx="9208440" cy="361800"/>
           </a:xfrm>
           <a:prstGeom prst="rect">
             <a:avLst/>
@@ -4829,7 +4811,7 @@
         <p:spPr>
           <a:xfrm>
             <a:off x="11444760" y="0"/>
-            <a:ext cx="741960" cy="6850800"/>
+            <a:ext cx="741600" cy="6850440"/>
           </a:xfrm>
           <a:prstGeom prst="rect">
             <a:avLst/>
@@ -4878,7 +4860,7 @@
         <p:spPr>
           <a:xfrm>
             <a:off x="0" y="6642720"/>
-            <a:ext cx="12184920" cy="211320"/>
+            <a:ext cx="12184560" cy="211320"/>
           </a:xfrm>
           <a:prstGeom prst="rect">
             <a:avLst/>
@@ -4914,7 +4896,7 @@
               </a:rPr>
               <a:t>Requirements Engineering – TU Clausthal</a:t>
             </a:r>
-            <a:endParaRPr b="0" lang="en-US" sz="800" spc="-1" strike="noStrike">
+            <a:endParaRPr b="0" lang="de-DE" sz="800" spc="-1" strike="noStrike">
               <a:solidFill>
                 <a:srgbClr val="000000"/>
               </a:solidFill>
@@ -4955,150 +4937,69 @@
               <a:buNone/>
             </a:pPr>
             <a:r>
-              <a:rPr b="0" lang="en-US" sz="4400" spc="-1" strike="noStrike">
+              <a:rPr b="0" lang="de-DE" sz="4400" spc="-1" strike="noStrike">
                 <a:solidFill>
                   <a:srgbClr val="000000"/>
                 </a:solidFill>
                 <a:latin typeface="Arial"/>
               </a:rPr>
-              <a:t>Cl</a:t>
-            </a:r>
-            <a:r>
-              <a:rPr b="0" lang="en-US" sz="4400" spc="-1" strike="noStrike">
+              <a:t>Click </a:t>
+            </a:r>
+            <a:r>
+              <a:rPr b="0" lang="de-DE" sz="4400" spc="-1" strike="noStrike">
                 <a:solidFill>
                   <a:srgbClr val="000000"/>
                 </a:solidFill>
                 <a:latin typeface="Arial"/>
               </a:rPr>
-              <a:t>ic</a:t>
-            </a:r>
-            <a:r>
-              <a:rPr b="0" lang="en-US" sz="4400" spc="-1" strike="noStrike">
+              <a:t>to edit </a:t>
+            </a:r>
+            <a:r>
+              <a:rPr b="0" lang="de-DE" sz="4400" spc="-1" strike="noStrike">
                 <a:solidFill>
                   <a:srgbClr val="000000"/>
                 </a:solidFill>
                 <a:latin typeface="Arial"/>
               </a:rPr>
-              <a:t>k </a:t>
-            </a:r>
-            <a:r>
-              <a:rPr b="0" lang="en-US" sz="4400" spc="-1" strike="noStrike">
+              <a:t>the </a:t>
+            </a:r>
+            <a:r>
+              <a:rPr b="0" lang="de-DE" sz="4400" spc="-1" strike="noStrike">
                 <a:solidFill>
                   <a:srgbClr val="000000"/>
                 </a:solidFill>
                 <a:latin typeface="Arial"/>
               </a:rPr>
-              <a:t>to </a:t>
-            </a:r>
-            <a:r>
-              <a:rPr b="0" lang="en-US" sz="4400" spc="-1" strike="noStrike">
+              <a:t>title </a:t>
+            </a:r>
+            <a:r>
+              <a:rPr b="0" lang="de-DE" sz="4400" spc="-1" strike="noStrike">
                 <a:solidFill>
                   <a:srgbClr val="000000"/>
                 </a:solidFill>
                 <a:latin typeface="Arial"/>
               </a:rPr>
-              <a:t>ed</a:t>
-            </a:r>
-            <a:r>
-              <a:rPr b="0" lang="en-US" sz="4400" spc="-1" strike="noStrike">
+              <a:t>text </a:t>
+            </a:r>
+            <a:r>
+              <a:rPr b="0" lang="de-DE" sz="4400" spc="-1" strike="noStrike">
                 <a:solidFill>
                   <a:srgbClr val="000000"/>
                 </a:solidFill>
                 <a:latin typeface="Arial"/>
               </a:rPr>
-              <a:t>it </a:t>
-            </a:r>
-            <a:r>
-              <a:rPr b="0" lang="en-US" sz="4400" spc="-1" strike="noStrike">
+              <a:t>forma</a:t>
+            </a:r>
+            <a:r>
+              <a:rPr b="0" lang="de-DE" sz="4400" spc="-1" strike="noStrike">
                 <a:solidFill>
                   <a:srgbClr val="000000"/>
                 </a:solidFill>
                 <a:latin typeface="Arial"/>
               </a:rPr>
-              <a:t>th</a:t>
-            </a:r>
-            <a:r>
-              <a:rPr b="0" lang="en-US" sz="4400" spc="-1" strike="noStrike">
-                <a:solidFill>
-                  <a:srgbClr val="000000"/>
-                </a:solidFill>
-                <a:latin typeface="Arial"/>
-              </a:rPr>
-              <a:t>e </a:t>
-            </a:r>
-            <a:r>
-              <a:rPr b="0" lang="en-US" sz="4400" spc="-1" strike="noStrike">
-                <a:solidFill>
-                  <a:srgbClr val="000000"/>
-                </a:solidFill>
-                <a:latin typeface="Arial"/>
-              </a:rPr>
-              <a:t>titl</a:t>
-            </a:r>
-            <a:r>
-              <a:rPr b="0" lang="en-US" sz="4400" spc="-1" strike="noStrike">
-                <a:solidFill>
-                  <a:srgbClr val="000000"/>
-                </a:solidFill>
-                <a:latin typeface="Arial"/>
-              </a:rPr>
-              <a:t>e </a:t>
-            </a:r>
-            <a:r>
-              <a:rPr b="0" lang="en-US" sz="4400" spc="-1" strike="noStrike">
-                <a:solidFill>
-                  <a:srgbClr val="000000"/>
-                </a:solidFill>
-                <a:latin typeface="Arial"/>
-              </a:rPr>
-              <a:t>te</a:t>
-            </a:r>
-            <a:r>
-              <a:rPr b="0" lang="en-US" sz="4400" spc="-1" strike="noStrike">
-                <a:solidFill>
-                  <a:srgbClr val="000000"/>
-                </a:solidFill>
-                <a:latin typeface="Arial"/>
-              </a:rPr>
-              <a:t>xt </a:t>
-            </a:r>
-            <a:r>
-              <a:rPr b="0" lang="en-US" sz="4400" spc="-1" strike="noStrike">
-                <a:solidFill>
-                  <a:srgbClr val="000000"/>
-                </a:solidFill>
-                <a:latin typeface="Arial"/>
-              </a:rPr>
-              <a:t>fo</a:t>
-            </a:r>
-            <a:r>
-              <a:rPr b="0" lang="en-US" sz="4400" spc="-1" strike="noStrike">
-                <a:solidFill>
-                  <a:srgbClr val="000000"/>
-                </a:solidFill>
-                <a:latin typeface="Arial"/>
-              </a:rPr>
-              <a:t>r</a:t>
-            </a:r>
-            <a:r>
-              <a:rPr b="0" lang="en-US" sz="4400" spc="-1" strike="noStrike">
-                <a:solidFill>
-                  <a:srgbClr val="000000"/>
-                </a:solidFill>
-                <a:latin typeface="Arial"/>
-              </a:rPr>
-              <a:t>m</a:t>
-            </a:r>
-            <a:r>
-              <a:rPr b="0" lang="en-US" sz="4400" spc="-1" strike="noStrike">
-                <a:solidFill>
-                  <a:srgbClr val="000000"/>
-                </a:solidFill>
-                <a:latin typeface="Arial"/>
-              </a:rPr>
-              <a:t>at</a:t>
-            </a:r>
-            <a:endParaRPr b="0" lang="en-US" sz="4400" spc="-1" strike="noStrike">
+              <a:t>t</a:t>
+            </a:r>
+            <a:endParaRPr b="0" lang="de-DE" sz="4400" spc="-1" strike="noStrike">
               <a:solidFill>
                 <a:srgbClr val="000000"/>
               </a:solidFill>
@@ -5147,7 +5048,7 @@
               <a:buChar char=""/>
             </a:pPr>
             <a:r>
-              <a:rPr b="0" lang="en-US" sz="3200" spc="-1" strike="noStrike">
+              <a:rPr b="0" lang="de-DE" sz="3200" spc="-1" strike="noStrike">
                 <a:solidFill>
                   <a:srgbClr val="000000"/>
                 </a:solidFill>
@@ -5155,7 +5056,7 @@
               </a:rPr>
               <a:t>Click to edit the outline text format</a:t>
             </a:r>
-            <a:endParaRPr b="0" lang="en-US" sz="3200" spc="-1" strike="noStrike">
+            <a:endParaRPr b="0" lang="de-DE" sz="3200" spc="-1" strike="noStrike">
               <a:solidFill>
                 <a:srgbClr val="000000"/>
               </a:solidFill>
@@ -5175,7 +5076,7 @@
               <a:buChar char=""/>
             </a:pPr>
             <a:r>
-              <a:rPr b="0" lang="en-US" sz="2800" spc="-1" strike="noStrike">
+              <a:rPr b="0" lang="de-DE" sz="2800" spc="-1" strike="noStrike">
                 <a:solidFill>
                   <a:srgbClr val="000000"/>
                 </a:solidFill>
@@ -5183,7 +5084,7 @@
               </a:rPr>
               <a:t>Second Outline Level</a:t>
             </a:r>
-            <a:endParaRPr b="0" lang="en-US" sz="2800" spc="-1" strike="noStrike">
+            <a:endParaRPr b="0" lang="de-DE" sz="2800" spc="-1" strike="noStrike">
               <a:solidFill>
                 <a:srgbClr val="000000"/>
               </a:solidFill>
@@ -5203,7 +5104,7 @@
               <a:buChar char=""/>
             </a:pPr>
             <a:r>
-              <a:rPr b="0" lang="en-US" sz="2400" spc="-1" strike="noStrike">
+              <a:rPr b="0" lang="de-DE" sz="2400" spc="-1" strike="noStrike">
                 <a:solidFill>
                   <a:srgbClr val="000000"/>
                 </a:solidFill>
@@ -5211,7 +5112,7 @@
               </a:rPr>
               <a:t>Third Outline Level</a:t>
             </a:r>
-            <a:endParaRPr b="0" lang="en-US" sz="2400" spc="-1" strike="noStrike">
+            <a:endParaRPr b="0" lang="de-DE" sz="2400" spc="-1" strike="noStrike">
               <a:solidFill>
                 <a:srgbClr val="000000"/>
               </a:solidFill>
@@ -5231,7 +5132,7 @@
               <a:buChar char=""/>
             </a:pPr>
             <a:r>
-              <a:rPr b="0" lang="en-US" sz="2000" spc="-1" strike="noStrike">
+              <a:rPr b="0" lang="de-DE" sz="2000" spc="-1" strike="noStrike">
                 <a:solidFill>
                   <a:srgbClr val="000000"/>
                 </a:solidFill>
@@ -5239,7 +5140,7 @@
               </a:rPr>
               <a:t>Fourth Outline Level</a:t>
             </a:r>
-            <a:endParaRPr b="0" lang="en-US" sz="2000" spc="-1" strike="noStrike">
+            <a:endParaRPr b="0" lang="de-DE" sz="2000" spc="-1" strike="noStrike">
               <a:solidFill>
                 <a:srgbClr val="000000"/>
               </a:solidFill>
@@ -5259,7 +5160,7 @@
               <a:buChar char=""/>
             </a:pPr>
             <a:r>
-              <a:rPr b="0" lang="en-US" sz="2000" spc="-1" strike="noStrike">
+              <a:rPr b="0" lang="de-DE" sz="2000" spc="-1" strike="noStrike">
                 <a:solidFill>
                   <a:srgbClr val="000000"/>
                 </a:solidFill>
@@ -5267,7 +5168,7 @@
               </a:rPr>
               <a:t>Fifth Outline Level</a:t>
             </a:r>
-            <a:endParaRPr b="0" lang="en-US" sz="2000" spc="-1" strike="noStrike">
+            <a:endParaRPr b="0" lang="de-DE" sz="2000" spc="-1" strike="noStrike">
               <a:solidFill>
                 <a:srgbClr val="000000"/>
               </a:solidFill>
@@ -5287,7 +5188,7 @@
               <a:buChar char=""/>
             </a:pPr>
             <a:r>
-              <a:rPr b="0" lang="en-US" sz="2000" spc="-1" strike="noStrike">
+              <a:rPr b="0" lang="de-DE" sz="2000" spc="-1" strike="noStrike">
                 <a:solidFill>
                   <a:srgbClr val="000000"/>
                 </a:solidFill>
@@ -5295,7 +5196,7 @@
               </a:rPr>
               <a:t>Sixth Outline Level</a:t>
             </a:r>
-            <a:endParaRPr b="0" lang="en-US" sz="2000" spc="-1" strike="noStrike">
+            <a:endParaRPr b="0" lang="de-DE" sz="2000" spc="-1" strike="noStrike">
               <a:solidFill>
                 <a:srgbClr val="000000"/>
               </a:solidFill>
@@ -5315,7 +5216,7 @@
               <a:buChar char=""/>
             </a:pPr>
             <a:r>
-              <a:rPr b="0" lang="en-US" sz="2000" spc="-1" strike="noStrike">
+              <a:rPr b="0" lang="de-DE" sz="2000" spc="-1" strike="noStrike">
                 <a:solidFill>
                   <a:srgbClr val="000000"/>
                 </a:solidFill>
@@ -5323,7 +5224,7 @@
               </a:rPr>
               <a:t>Seventh Outline Level</a:t>
             </a:r>
-            <a:endParaRPr b="0" lang="en-US" sz="2000" spc="-1" strike="noStrike">
+            <a:endParaRPr b="0" lang="de-DE" sz="2000" spc="-1" strike="noStrike">
               <a:solidFill>
                 <a:srgbClr val="000000"/>
               </a:solidFill>
@@ -5385,7 +5286,7 @@
         <p:spPr>
           <a:xfrm>
             <a:off x="11444760" y="0"/>
-            <a:ext cx="741960" cy="6850800"/>
+            <a:ext cx="741600" cy="6850440"/>
           </a:xfrm>
           <a:prstGeom prst="rect">
             <a:avLst/>
@@ -5434,7 +5335,7 @@
         <p:spPr>
           <a:xfrm>
             <a:off x="11438640" y="6453360"/>
-            <a:ext cx="758880" cy="363960"/>
+            <a:ext cx="758520" cy="363960"/>
           </a:xfrm>
           <a:prstGeom prst="rect">
             <a:avLst/>
@@ -5460,7 +5361,7 @@
                 <a:spcPct val="100000"/>
               </a:lnSpc>
             </a:pPr>
-            <a:fld id="{17A7646B-1AD2-4E8B-9B7F-8343B04FAA55}" type="slidenum">
+            <a:fld id="{712EAAFC-0D71-4A1F-976E-8ECCBBC4BA24}" type="slidenum">
               <a:rPr b="0" lang="en-US" sz="1800" spc="-1" strike="noStrike">
                 <a:solidFill>
                   <a:srgbClr val="808080"/>
@@ -5470,7 +5371,7 @@
               </a:rPr>
               <a:t>&lt;number&gt;</a:t>
             </a:fld>
-            <a:endParaRPr b="0" lang="en-US" sz="1800" spc="-1" strike="noStrike">
+            <a:endParaRPr b="0" lang="de-DE" sz="1800" spc="-1" strike="noStrike">
               <a:solidFill>
                 <a:srgbClr val="000000"/>
               </a:solidFill>
@@ -5488,7 +5389,7 @@
         <p:spPr>
           <a:xfrm>
             <a:off x="912240" y="1268280"/>
-            <a:ext cx="9208800" cy="362160"/>
+            <a:ext cx="9208440" cy="361800"/>
           </a:xfrm>
           <a:prstGeom prst="rect">
             <a:avLst/>
@@ -5537,7 +5438,7 @@
         <p:spPr>
           <a:xfrm>
             <a:off x="0" y="0"/>
-            <a:ext cx="3052800" cy="562680"/>
+            <a:ext cx="3052440" cy="562320"/>
           </a:xfrm>
           <a:prstGeom prst="rect">
             <a:avLst/>
@@ -5560,7 +5461,7 @@
         <p:spPr>
           <a:xfrm>
             <a:off x="7430400" y="134640"/>
-            <a:ext cx="3698640" cy="514800"/>
+            <a:ext cx="3698280" cy="514440"/>
           </a:xfrm>
           <a:prstGeom prst="rect">
             <a:avLst/>
@@ -5579,7 +5480,7 @@
         <p:spPr>
           <a:xfrm>
             <a:off x="11444760" y="0"/>
-            <a:ext cx="741960" cy="6850800"/>
+            <a:ext cx="741600" cy="6850440"/>
           </a:xfrm>
           <a:prstGeom prst="rect">
             <a:avLst/>
@@ -5628,7 +5529,7 @@
         <p:spPr>
           <a:xfrm>
             <a:off x="11438640" y="6453360"/>
-            <a:ext cx="758880" cy="363960"/>
+            <a:ext cx="758520" cy="363960"/>
           </a:xfrm>
           <a:prstGeom prst="rect">
             <a:avLst/>
@@ -5654,7 +5555,7 @@
                 <a:spcPct val="100000"/>
               </a:lnSpc>
             </a:pPr>
-            <a:fld id="{0E53E27F-509A-43FD-9930-027BBEBA8FB3}" type="slidenum">
+            <a:fld id="{36EDBD58-F24F-45BB-8934-A822D99AB252}" type="slidenum">
               <a:rPr b="0" lang="en-US" sz="1800" spc="-1" strike="noStrike">
                 <a:solidFill>
                   <a:srgbClr val="808080"/>
@@ -5664,7 +5565,7 @@
               </a:rPr>
               <a:t>&lt;number&gt;</a:t>
             </a:fld>
-            <a:endParaRPr b="0" lang="en-US" sz="1800" spc="-1" strike="noStrike">
+            <a:endParaRPr b="0" lang="de-DE" sz="1800" spc="-1" strike="noStrike">
               <a:solidFill>
                 <a:srgbClr val="000000"/>
               </a:solidFill>
@@ -5682,7 +5583,7 @@
         <p:spPr>
           <a:xfrm>
             <a:off x="0" y="6642720"/>
-            <a:ext cx="12184920" cy="211320"/>
+            <a:ext cx="12184560" cy="211320"/>
           </a:xfrm>
           <a:prstGeom prst="rect">
             <a:avLst/>
@@ -5718,7 +5619,7 @@
               </a:rPr>
               <a:t>Requirements Engineering – TU Clausthal</a:t>
             </a:r>
-            <a:endParaRPr b="0" lang="en-US" sz="800" spc="-1" strike="noStrike">
+            <a:endParaRPr b="0" lang="de-DE" sz="800" spc="-1" strike="noStrike">
               <a:solidFill>
                 <a:srgbClr val="000000"/>
               </a:solidFill>
@@ -5759,150 +5660,69 @@
               <a:buNone/>
             </a:pPr>
             <a:r>
-              <a:rPr b="0" lang="en-US" sz="4400" spc="-1" strike="noStrike">
+              <a:rPr b="0" lang="de-DE" sz="4400" spc="-1" strike="noStrike">
                 <a:solidFill>
                   <a:srgbClr val="000000"/>
                 </a:solidFill>
                 <a:latin typeface="Arial"/>
               </a:rPr>
-              <a:t>Cl</a:t>
-            </a:r>
-            <a:r>
-              <a:rPr b="0" lang="en-US" sz="4400" spc="-1" strike="noStrike">
+              <a:t>Click </a:t>
+            </a:r>
+            <a:r>
+              <a:rPr b="0" lang="de-DE" sz="4400" spc="-1" strike="noStrike">
                 <a:solidFill>
                   <a:srgbClr val="000000"/>
                 </a:solidFill>
                 <a:latin typeface="Arial"/>
               </a:rPr>
-              <a:t>ic</a:t>
-            </a:r>
-            <a:r>
-              <a:rPr b="0" lang="en-US" sz="4400" spc="-1" strike="noStrike">
+              <a:t>to edit </a:t>
+            </a:r>
+            <a:r>
+              <a:rPr b="0" lang="de-DE" sz="4400" spc="-1" strike="noStrike">
                 <a:solidFill>
                   <a:srgbClr val="000000"/>
                 </a:solidFill>
                 <a:latin typeface="Arial"/>
               </a:rPr>
-              <a:t>k </a:t>
-            </a:r>
-            <a:r>
-              <a:rPr b="0" lang="en-US" sz="4400" spc="-1" strike="noStrike">
+              <a:t>the </a:t>
+            </a:r>
+            <a:r>
+              <a:rPr b="0" lang="de-DE" sz="4400" spc="-1" strike="noStrike">
                 <a:solidFill>
                   <a:srgbClr val="000000"/>
                 </a:solidFill>
                 <a:latin typeface="Arial"/>
               </a:rPr>
-              <a:t>to </a:t>
-            </a:r>
-            <a:r>
-              <a:rPr b="0" lang="en-US" sz="4400" spc="-1" strike="noStrike">
+              <a:t>title </a:t>
+            </a:r>
+            <a:r>
+              <a:rPr b="0" lang="de-DE" sz="4400" spc="-1" strike="noStrike">
                 <a:solidFill>
                   <a:srgbClr val="000000"/>
                 </a:solidFill>
                 <a:latin typeface="Arial"/>
               </a:rPr>
-              <a:t>ed</a:t>
-            </a:r>
-            <a:r>
-              <a:rPr b="0" lang="en-US" sz="4400" spc="-1" strike="noStrike">
+              <a:t>text </a:t>
+            </a:r>
+            <a:r>
+              <a:rPr b="0" lang="de-DE" sz="4400" spc="-1" strike="noStrike">
                 <a:solidFill>
                   <a:srgbClr val="000000"/>
                 </a:solidFill>
                 <a:latin typeface="Arial"/>
               </a:rPr>
-              <a:t>it </a:t>
-            </a:r>
-            <a:r>
-              <a:rPr b="0" lang="en-US" sz="4400" spc="-1" strike="noStrike">
+              <a:t>forma</a:t>
+            </a:r>
+            <a:r>
+              <a:rPr b="0" lang="de-DE" sz="4400" spc="-1" strike="noStrike">
                 <a:solidFill>
                   <a:srgbClr val="000000"/>
                 </a:solidFill>
                 <a:latin typeface="Arial"/>
               </a:rPr>
-              <a:t>th</a:t>
-            </a:r>
-            <a:r>
-              <a:rPr b="0" lang="en-US" sz="4400" spc="-1" strike="noStrike">
-                <a:solidFill>
-                  <a:srgbClr val="000000"/>
-                </a:solidFill>
-                <a:latin typeface="Arial"/>
-              </a:rPr>
-              <a:t>e </a:t>
-            </a:r>
-            <a:r>
-              <a:rPr b="0" lang="en-US" sz="4400" spc="-1" strike="noStrike">
-                <a:solidFill>
-                  <a:srgbClr val="000000"/>
-                </a:solidFill>
-                <a:latin typeface="Arial"/>
-              </a:rPr>
-              <a:t>titl</a:t>
-            </a:r>
-            <a:r>
-              <a:rPr b="0" lang="en-US" sz="4400" spc="-1" strike="noStrike">
-                <a:solidFill>
-                  <a:srgbClr val="000000"/>
-                </a:solidFill>
-                <a:latin typeface="Arial"/>
-              </a:rPr>
-              <a:t>e </a:t>
-            </a:r>
-            <a:r>
-              <a:rPr b="0" lang="en-US" sz="4400" spc="-1" strike="noStrike">
-                <a:solidFill>
-                  <a:srgbClr val="000000"/>
-                </a:solidFill>
-                <a:latin typeface="Arial"/>
-              </a:rPr>
-              <a:t>te</a:t>
-            </a:r>
-            <a:r>
-              <a:rPr b="0" lang="en-US" sz="4400" spc="-1" strike="noStrike">
-                <a:solidFill>
-                  <a:srgbClr val="000000"/>
-                </a:solidFill>
-                <a:latin typeface="Arial"/>
-              </a:rPr>
-              <a:t>xt </a:t>
-            </a:r>
-            <a:r>
-              <a:rPr b="0" lang="en-US" sz="4400" spc="-1" strike="noStrike">
-                <a:solidFill>
-                  <a:srgbClr val="000000"/>
-                </a:solidFill>
-                <a:latin typeface="Arial"/>
-              </a:rPr>
-              <a:t>fo</a:t>
-            </a:r>
-            <a:r>
-              <a:rPr b="0" lang="en-US" sz="4400" spc="-1" strike="noStrike">
-                <a:solidFill>
-                  <a:srgbClr val="000000"/>
-                </a:solidFill>
-                <a:latin typeface="Arial"/>
-              </a:rPr>
-              <a:t>r</a:t>
-            </a:r>
-            <a:r>
-              <a:rPr b="0" lang="en-US" sz="4400" spc="-1" strike="noStrike">
-                <a:solidFill>
-                  <a:srgbClr val="000000"/>
-                </a:solidFill>
-                <a:latin typeface="Arial"/>
-              </a:rPr>
-              <a:t>m</a:t>
-            </a:r>
-            <a:r>
-              <a:rPr b="0" lang="en-US" sz="4400" spc="-1" strike="noStrike">
-                <a:solidFill>
-                  <a:srgbClr val="000000"/>
-                </a:solidFill>
-                <a:latin typeface="Arial"/>
-              </a:rPr>
-              <a:t>at</a:t>
-            </a:r>
-            <a:endParaRPr b="0" lang="en-US" sz="4400" spc="-1" strike="noStrike">
+              <a:t>t</a:t>
+            </a:r>
+            <a:endParaRPr b="0" lang="de-DE" sz="4400" spc="-1" strike="noStrike">
               <a:solidFill>
                 <a:srgbClr val="000000"/>
               </a:solidFill>
@@ -5951,7 +5771,7 @@
               <a:buChar char=""/>
             </a:pPr>
             <a:r>
-              <a:rPr b="0" lang="en-US" sz="3200" spc="-1" strike="noStrike">
+              <a:rPr b="0" lang="de-DE" sz="3200" spc="-1" strike="noStrike">
                 <a:solidFill>
                   <a:srgbClr val="000000"/>
                 </a:solidFill>
@@ -5959,7 +5779,7 @@
               </a:rPr>
               <a:t>Click to edit the outline text format</a:t>
             </a:r>
-            <a:endParaRPr b="0" lang="en-US" sz="3200" spc="-1" strike="noStrike">
+            <a:endParaRPr b="0" lang="de-DE" sz="3200" spc="-1" strike="noStrike">
               <a:solidFill>
                 <a:srgbClr val="000000"/>
               </a:solidFill>
@@ -5979,7 +5799,7 @@
               <a:buChar char=""/>
             </a:pPr>
             <a:r>
-              <a:rPr b="0" lang="en-US" sz="2800" spc="-1" strike="noStrike">
+              <a:rPr b="0" lang="de-DE" sz="2800" spc="-1" strike="noStrike">
                 <a:solidFill>
                   <a:srgbClr val="000000"/>
                 </a:solidFill>
@@ -5987,7 +5807,7 @@
               </a:rPr>
               <a:t>Second Outline Level</a:t>
             </a:r>
-            <a:endParaRPr b="0" lang="en-US" sz="2800" spc="-1" strike="noStrike">
+            <a:endParaRPr b="0" lang="de-DE" sz="2800" spc="-1" strike="noStrike">
               <a:solidFill>
                 <a:srgbClr val="000000"/>
               </a:solidFill>
@@ -6007,7 +5827,7 @@
               <a:buChar char=""/>
             </a:pPr>
             <a:r>
-              <a:rPr b="0" lang="en-US" sz="2400" spc="-1" strike="noStrike">
+              <a:rPr b="0" lang="de-DE" sz="2400" spc="-1" strike="noStrike">
                 <a:solidFill>
                   <a:srgbClr val="000000"/>
                 </a:solidFill>
@@ -6015,7 +5835,7 @@
               </a:rPr>
               <a:t>Third Outline Level</a:t>
             </a:r>
-            <a:endParaRPr b="0" lang="en-US" sz="2400" spc="-1" strike="noStrike">
+            <a:endParaRPr b="0" lang="de-DE" sz="2400" spc="-1" strike="noStrike">
               <a:solidFill>
                 <a:srgbClr val="000000"/>
               </a:solidFill>
@@ -6035,7 +5855,7 @@
               <a:buChar char=""/>
             </a:pPr>
             <a:r>
-              <a:rPr b="0" lang="en-US" sz="2000" spc="-1" strike="noStrike">
+              <a:rPr b="0" lang="de-DE" sz="2000" spc="-1" strike="noStrike">
                 <a:solidFill>
                   <a:srgbClr val="000000"/>
                 </a:solidFill>
@@ -6043,7 +5863,7 @@
               </a:rPr>
               <a:t>Fourth Outline Level</a:t>
             </a:r>
-            <a:endParaRPr b="0" lang="en-US" sz="2000" spc="-1" strike="noStrike">
+            <a:endParaRPr b="0" lang="de-DE" sz="2000" spc="-1" strike="noStrike">
               <a:solidFill>
                 <a:srgbClr val="000000"/>
               </a:solidFill>
@@ -6063,7 +5883,7 @@
               <a:buChar char=""/>
             </a:pPr>
             <a:r>
-              <a:rPr b="0" lang="en-US" sz="2000" spc="-1" strike="noStrike">
+              <a:rPr b="0" lang="de-DE" sz="2000" spc="-1" strike="noStrike">
                 <a:solidFill>
                   <a:srgbClr val="000000"/>
                 </a:solidFill>
@@ -6071,7 +5891,7 @@
               </a:rPr>
               <a:t>Fifth Outline Level</a:t>
             </a:r>
-            <a:endParaRPr b="0" lang="en-US" sz="2000" spc="-1" strike="noStrike">
+            <a:endParaRPr b="0" lang="de-DE" sz="2000" spc="-1" strike="noStrike">
               <a:solidFill>
                 <a:srgbClr val="000000"/>
               </a:solidFill>
@@ -6091,7 +5911,7 @@
               <a:buChar char=""/>
             </a:pPr>
             <a:r>
-              <a:rPr b="0" lang="en-US" sz="2000" spc="-1" strike="noStrike">
+              <a:rPr b="0" lang="de-DE" sz="2000" spc="-1" strike="noStrike">
                 <a:solidFill>
                   <a:srgbClr val="000000"/>
                 </a:solidFill>
@@ -6099,7 +5919,7 @@
               </a:rPr>
               <a:t>Sixth Outline Level</a:t>
             </a:r>
-            <a:endParaRPr b="0" lang="en-US" sz="2000" spc="-1" strike="noStrike">
+            <a:endParaRPr b="0" lang="de-DE" sz="2000" spc="-1" strike="noStrike">
               <a:solidFill>
                 <a:srgbClr val="000000"/>
               </a:solidFill>
@@ -6119,7 +5939,7 @@
               <a:buChar char=""/>
             </a:pPr>
             <a:r>
-              <a:rPr b="0" lang="en-US" sz="2000" spc="-1" strike="noStrike">
+              <a:rPr b="0" lang="de-DE" sz="2000" spc="-1" strike="noStrike">
                 <a:solidFill>
                   <a:srgbClr val="000000"/>
                 </a:solidFill>
@@ -6127,7 +5947,7 @@
               </a:rPr>
               <a:t>Seventh Outline Level</a:t>
             </a:r>
-            <a:endParaRPr b="0" lang="en-US" sz="2000" spc="-1" strike="noStrike">
+            <a:endParaRPr b="0" lang="de-DE" sz="2000" spc="-1" strike="noStrike">
               <a:solidFill>
                 <a:srgbClr val="000000"/>
               </a:solidFill>
@@ -6182,7 +6002,7 @@
         <p:spPr>
           <a:xfrm>
             <a:off x="527400" y="1412640"/>
-            <a:ext cx="10361880" cy="1148400"/>
+            <a:ext cx="10361520" cy="1148040"/>
           </a:xfrm>
           <a:prstGeom prst="rect">
             <a:avLst/>
@@ -6218,7 +6038,7 @@
               </a:rPr>
               <a:t>Requirement Engineering</a:t>
             </a:r>
-            <a:endParaRPr b="0" lang="en-US" sz="3200" spc="-1" strike="noStrike">
+            <a:endParaRPr b="0" lang="de-DE" sz="3200" spc="-1" strike="noStrike">
               <a:solidFill>
                 <a:srgbClr val="000000"/>
               </a:solidFill>
@@ -6236,7 +6056,7 @@
         <p:spPr>
           <a:xfrm>
             <a:off x="527400" y="2852640"/>
-            <a:ext cx="10361880" cy="2369160"/>
+            <a:ext cx="10361520" cy="2368800"/>
           </a:xfrm>
           <a:prstGeom prst="rect">
             <a:avLst/>
@@ -6278,7 +6098,7 @@
               </a:rPr>
               <a:t>Lecture 0: Organization</a:t>
             </a:r>
-            <a:endParaRPr b="0" lang="en-US" sz="2400" spc="-1" strike="noStrike">
+            <a:endParaRPr b="0" lang="de-DE" sz="2400" spc="-1" strike="noStrike">
               <a:solidFill>
                 <a:srgbClr val="000000"/>
               </a:solidFill>
@@ -6297,7 +6117,7 @@
                 <a:tab algn="l" pos="0"/>
               </a:tabLst>
             </a:pPr>
-            <a:endParaRPr b="0" lang="en-US" sz="2400" spc="-1" strike="noStrike">
+            <a:endParaRPr b="0" lang="de-DE" sz="2400" spc="-1" strike="noStrike">
               <a:solidFill>
                 <a:srgbClr val="000000"/>
               </a:solidFill>
@@ -6316,7 +6136,7 @@
                 <a:tab algn="l" pos="0"/>
               </a:tabLst>
             </a:pPr>
-            <a:endParaRPr b="0" lang="en-US" sz="2400" spc="-1" strike="noStrike">
+            <a:endParaRPr b="0" lang="de-DE" sz="2400" spc="-1" strike="noStrike">
               <a:solidFill>
                 <a:srgbClr val="000000"/>
               </a:solidFill>
@@ -6335,7 +6155,7 @@
                 <a:tab algn="l" pos="0"/>
               </a:tabLst>
             </a:pPr>
-            <a:endParaRPr b="0" lang="en-US" sz="2400" spc="-1" strike="noStrike">
+            <a:endParaRPr b="0" lang="de-DE" sz="2400" spc="-1" strike="noStrike">
               <a:solidFill>
                 <a:srgbClr val="000000"/>
               </a:solidFill>
@@ -6364,7 +6184,7 @@
               </a:rPr>
               <a:t>Prof. Dr. Benjamin Leiding</a:t>
             </a:r>
-            <a:endParaRPr b="0" lang="en-US" sz="1600" spc="-1" strike="noStrike">
+            <a:endParaRPr b="0" lang="de-DE" sz="1600" spc="-1" strike="noStrike">
               <a:solidFill>
                 <a:srgbClr val="000000"/>
               </a:solidFill>
@@ -6393,7 +6213,7 @@
               </a:rPr>
               <a:t>M.Sc. Anant Sujatanagarjuna</a:t>
             </a:r>
-            <a:endParaRPr b="0" lang="en-US" sz="1600" spc="-1" strike="noStrike">
+            <a:endParaRPr b="0" lang="de-DE" sz="1600" spc="-1" strike="noStrike">
               <a:solidFill>
                 <a:srgbClr val="000000"/>
               </a:solidFill>
@@ -6441,7 +6261,7 @@
         <p:spPr>
           <a:xfrm>
             <a:off x="539640" y="764640"/>
-            <a:ext cx="10746000" cy="496800"/>
+            <a:ext cx="10745640" cy="496440"/>
           </a:xfrm>
           <a:prstGeom prst="rect">
             <a:avLst/>
@@ -6477,7 +6297,7 @@
               </a:rPr>
               <a:t>Exercises</a:t>
             </a:r>
-            <a:endParaRPr b="0" lang="en-US" sz="2400" spc="-1" strike="noStrike">
+            <a:endParaRPr b="0" lang="de-DE" sz="2400" spc="-1" strike="noStrike">
               <a:solidFill>
                 <a:srgbClr val="000000"/>
               </a:solidFill>
@@ -6526,7 +6346,7 @@
                         </a:rPr>
                         <a:t>Publication Date</a:t>
                       </a:r>
-                      <a:endParaRPr b="0" lang="en-US" sz="1500" spc="-1" strike="noStrike">
+                      <a:endParaRPr b="0" lang="de-DE" sz="1500" spc="-1" strike="noStrike">
                         <a:solidFill>
                           <a:srgbClr val="000000"/>
                         </a:solidFill>
@@ -6584,7 +6404,7 @@
                         </a:rPr>
                         <a:t>Submission Deadline</a:t>
                       </a:r>
-                      <a:endParaRPr b="0" lang="en-US" sz="1500" spc="-1" strike="noStrike">
+                      <a:endParaRPr b="0" lang="de-DE" sz="1500" spc="-1" strike="noStrike">
                         <a:solidFill>
                           <a:srgbClr val="000000"/>
                         </a:solidFill>
@@ -6643,7 +6463,7 @@
                         </a:rPr>
                         <a:t>Exercise</a:t>
                       </a:r>
-                      <a:endParaRPr b="0" lang="en-US" sz="1500" spc="-1" strike="noStrike">
+                      <a:endParaRPr b="0" lang="de-DE" sz="1500" spc="-1" strike="noStrike">
                         <a:solidFill>
                           <a:srgbClr val="000000"/>
                         </a:solidFill>
@@ -6703,7 +6523,7 @@
                         </a:rPr>
                         <a:t>13.11.2023</a:t>
                       </a:r>
-                      <a:endParaRPr b="0" lang="en-US" sz="1500" spc="-1" strike="noStrike">
+                      <a:endParaRPr b="0" lang="de-DE" sz="1500" spc="-1" strike="noStrike">
                         <a:solidFill>
                           <a:srgbClr val="000000"/>
                         </a:solidFill>
@@ -6761,7 +6581,7 @@
                         </a:rPr>
                         <a:t>20.11.2023</a:t>
                       </a:r>
-                      <a:endParaRPr b="0" lang="en-US" sz="1500" spc="-1" strike="noStrike">
+                      <a:endParaRPr b="0" lang="de-DE" sz="1500" spc="-1" strike="noStrike">
                         <a:solidFill>
                           <a:srgbClr val="000000"/>
                         </a:solidFill>
@@ -6820,7 +6640,7 @@
                         </a:rPr>
                         <a:t>E01 – Knowledge Test (MC)</a:t>
                       </a:r>
-                      <a:endParaRPr b="0" lang="en-US" sz="1500" spc="-1" strike="noStrike">
+                      <a:endParaRPr b="0" lang="de-DE" sz="1500" spc="-1" strike="noStrike">
                         <a:solidFill>
                           <a:srgbClr val="000000"/>
                         </a:solidFill>
@@ -6880,7 +6700,7 @@
                         </a:rPr>
                         <a:t>27.11.2023</a:t>
                       </a:r>
-                      <a:endParaRPr b="0" lang="en-US" sz="1500" spc="-1" strike="noStrike">
+                      <a:endParaRPr b="0" lang="de-DE" sz="1500" spc="-1" strike="noStrike">
                         <a:solidFill>
                           <a:srgbClr val="000000"/>
                         </a:solidFill>
@@ -6938,7 +6758,7 @@
                         </a:rPr>
                         <a:t>04.12.2023</a:t>
                       </a:r>
-                      <a:endParaRPr b="0" lang="en-US" sz="1500" spc="-1" strike="noStrike">
+                      <a:endParaRPr b="0" lang="de-DE" sz="1500" spc="-1" strike="noStrike">
                         <a:solidFill>
                           <a:srgbClr val="000000"/>
                         </a:solidFill>
@@ -6997,7 +6817,7 @@
                         </a:rPr>
                         <a:t>E02 – Elicitation I, E03 – Elicitation II</a:t>
                       </a:r>
-                      <a:endParaRPr b="0" lang="en-US" sz="1500" spc="-1" strike="noStrike">
+                      <a:endParaRPr b="0" lang="de-DE" sz="1500" spc="-1" strike="noStrike">
                         <a:solidFill>
                           <a:srgbClr val="000000"/>
                         </a:solidFill>
@@ -7057,7 +6877,7 @@
                         </a:rPr>
                         <a:t>18.12.2023</a:t>
                       </a:r>
-                      <a:endParaRPr b="0" lang="en-US" sz="1500" spc="-1" strike="noStrike">
+                      <a:endParaRPr b="0" lang="de-DE" sz="1500" spc="-1" strike="noStrike">
                         <a:solidFill>
                           <a:srgbClr val="000000"/>
                         </a:solidFill>
@@ -7115,7 +6935,7 @@
                         </a:rPr>
                         <a:t>08.01.2024</a:t>
                       </a:r>
-                      <a:endParaRPr b="0" lang="en-US" sz="1500" spc="-1" strike="noStrike">
+                      <a:endParaRPr b="0" lang="de-DE" sz="1500" spc="-1" strike="noStrike">
                         <a:solidFill>
                           <a:srgbClr val="000000"/>
                         </a:solidFill>
@@ -7174,7 +6994,7 @@
                         </a:rPr>
                         <a:t>E04 – Agent-Oriented Modeling</a:t>
                       </a:r>
-                      <a:endParaRPr b="0" lang="en-US" sz="1500" spc="-1" strike="noStrike">
+                      <a:endParaRPr b="0" lang="de-DE" sz="1500" spc="-1" strike="noStrike">
                         <a:solidFill>
                           <a:srgbClr val="000000"/>
                         </a:solidFill>
@@ -7234,7 +7054,7 @@
                         </a:rPr>
                         <a:t>08.01.2024</a:t>
                       </a:r>
-                      <a:endParaRPr b="0" lang="en-US" sz="1500" spc="-1" strike="noStrike">
+                      <a:endParaRPr b="0" lang="de-DE" sz="1500" spc="-1" strike="noStrike">
                         <a:solidFill>
                           <a:srgbClr val="000000"/>
                         </a:solidFill>
@@ -7292,7 +7112,7 @@
                         </a:rPr>
                         <a:t>22.01.2024</a:t>
                       </a:r>
-                      <a:endParaRPr b="0" lang="en-US" sz="1500" spc="-1" strike="noStrike">
+                      <a:endParaRPr b="0" lang="de-DE" sz="1500" spc="-1" strike="noStrike">
                         <a:solidFill>
                           <a:srgbClr val="000000"/>
                         </a:solidFill>
@@ -7351,7 +7171,7 @@
                         </a:rPr>
                         <a:t>E05 – CPN I, E06 – CPN II</a:t>
                       </a:r>
-                      <a:endParaRPr b="0" lang="en-US" sz="1500" spc="-1" strike="noStrike">
+                      <a:endParaRPr b="0" lang="de-DE" sz="1500" spc="-1" strike="noStrike">
                         <a:solidFill>
                           <a:srgbClr val="000000"/>
                         </a:solidFill>
@@ -7411,7 +7231,7 @@
                         </a:rPr>
                         <a:t>22.01.2024</a:t>
                       </a:r>
-                      <a:endParaRPr b="0" lang="en-US" sz="1500" spc="-1" strike="noStrike">
+                      <a:endParaRPr b="0" lang="de-DE" sz="1500" spc="-1" strike="noStrike">
                         <a:solidFill>
                           <a:srgbClr val="000000"/>
                         </a:solidFill>
@@ -7469,7 +7289,7 @@
                         </a:rPr>
                         <a:t>29.01.2024</a:t>
                       </a:r>
-                      <a:endParaRPr b="0" lang="en-US" sz="1500" spc="-1" strike="noStrike">
+                      <a:endParaRPr b="0" lang="de-DE" sz="1500" spc="-1" strike="noStrike">
                         <a:solidFill>
                           <a:srgbClr val="000000"/>
                         </a:solidFill>
@@ -7528,7 +7348,7 @@
                         </a:rPr>
                         <a:t>E07 – Management</a:t>
                       </a:r>
-                      <a:endParaRPr b="0" lang="en-US" sz="1500" spc="-1" strike="noStrike">
+                      <a:endParaRPr b="0" lang="de-DE" sz="1500" spc="-1" strike="noStrike">
                         <a:solidFill>
                           <a:srgbClr val="000000"/>
                         </a:solidFill>
@@ -7588,7 +7408,7 @@
                         </a:rPr>
                         <a:t>29.01.2024</a:t>
                       </a:r>
-                      <a:endParaRPr b="0" lang="en-US" sz="1500" spc="-1" strike="noStrike">
+                      <a:endParaRPr b="0" lang="de-DE" sz="1500" spc="-1" strike="noStrike">
                         <a:solidFill>
                           <a:srgbClr val="000000"/>
                         </a:solidFill>
@@ -7644,7 +7464,7 @@
                         </a:rPr>
                         <a:t>05.02.2024</a:t>
                       </a:r>
-                      <a:endParaRPr b="0" lang="en-US" sz="1500" spc="-1" strike="noStrike">
+                      <a:endParaRPr b="0" lang="de-DE" sz="1500" spc="-1" strike="noStrike">
                         <a:solidFill>
                           <a:srgbClr val="000000"/>
                         </a:solidFill>
@@ -7701,7 +7521,7 @@
                         </a:rPr>
                         <a:t>E08 – Traceability</a:t>
                       </a:r>
-                      <a:endParaRPr b="0" lang="en-US" sz="1500" spc="-1" strike="noStrike">
+                      <a:endParaRPr b="0" lang="de-DE" sz="1500" spc="-1" strike="noStrike">
                         <a:solidFill>
                           <a:srgbClr val="000000"/>
                         </a:solidFill>
@@ -7759,7 +7579,7 @@
                         </a:rPr>
                         <a:t>04.12.2023</a:t>
                       </a:r>
-                      <a:endParaRPr b="0" lang="en-US" sz="1500" spc="-1" strike="noStrike">
+                      <a:endParaRPr b="0" lang="de-DE" sz="1500" spc="-1" strike="noStrike">
                         <a:solidFill>
                           <a:srgbClr val="000000"/>
                         </a:solidFill>
@@ -7817,7 +7637,7 @@
                         </a:rPr>
                         <a:t>15.01.2024</a:t>
                       </a:r>
-                      <a:endParaRPr b="0" lang="en-US" sz="1500" spc="-1" strike="noStrike">
+                      <a:endParaRPr b="0" lang="de-DE" sz="1500" spc="-1" strike="noStrike">
                         <a:solidFill>
                           <a:srgbClr val="000000"/>
                         </a:solidFill>
@@ -7876,7 +7696,7 @@
                         </a:rPr>
                         <a:t>EXX – Bonus Task (Not-Mandatory)</a:t>
                       </a:r>
-                      <a:endParaRPr b="0" lang="en-US" sz="1500" spc="-1" strike="noStrike">
+                      <a:endParaRPr b="0" lang="de-DE" sz="1500" spc="-1" strike="noStrike">
                         <a:solidFill>
                           <a:srgbClr val="000000"/>
                         </a:solidFill>
@@ -7958,7 +7778,7 @@
         <p:spPr>
           <a:xfrm>
             <a:off x="539640" y="764640"/>
-            <a:ext cx="10739160" cy="489960"/>
+            <a:ext cx="10738800" cy="489600"/>
           </a:xfrm>
           <a:prstGeom prst="rect">
             <a:avLst/>
@@ -7994,7 +7814,7 @@
               </a:rPr>
               <a:t>Course Organization</a:t>
             </a:r>
-            <a:endParaRPr b="0" lang="en-US" sz="2400" spc="-1" strike="noStrike">
+            <a:endParaRPr b="0" lang="de-DE" sz="2400" spc="-1" strike="noStrike">
               <a:solidFill>
                 <a:srgbClr val="000000"/>
               </a:solidFill>
@@ -8012,7 +7832,7 @@
         <p:spPr>
           <a:xfrm>
             <a:off x="539640" y="1268280"/>
-            <a:ext cx="10739160" cy="5026680"/>
+            <a:ext cx="10738800" cy="5026320"/>
           </a:xfrm>
           <a:prstGeom prst="rect">
             <a:avLst/>
@@ -8041,7 +7861,7 @@
                 <a:spcPts val="360"/>
               </a:spcBef>
             </a:pPr>
-            <a:endParaRPr b="0" lang="en-US" sz="1800" spc="-1" strike="noStrike">
+            <a:endParaRPr b="0" lang="de-DE" sz="1800" spc="-1" strike="noStrike">
               <a:solidFill>
                 <a:srgbClr val="000000"/>
               </a:solidFill>
@@ -8073,7 +7893,7 @@
               </a:rPr>
               <a:t>Organization of the lecture:</a:t>
             </a:r>
-            <a:endParaRPr b="0" lang="en-US" sz="1800" spc="-1" strike="noStrike">
+            <a:endParaRPr b="0" lang="de-DE" sz="1800" spc="-1" strike="noStrike">
               <a:solidFill>
                 <a:srgbClr val="000000"/>
               </a:solidFill>
@@ -8117,7 +7937,7 @@
               </a:rPr>
               <a:t>re.etce-lab.de</a:t>
             </a:r>
-            <a:endParaRPr b="0" lang="en-US" sz="1800" spc="-1" strike="noStrike">
+            <a:endParaRPr b="0" lang="de-DE" sz="1800" spc="-1" strike="noStrike">
               <a:solidFill>
                 <a:srgbClr val="000000"/>
               </a:solidFill>
@@ -8149,7 +7969,7 @@
               </a:rPr>
               <a:t>Course content is mainly delivered as pre-produced learning material.</a:t>
             </a:r>
-            <a:endParaRPr b="0" lang="en-US" sz="1800" spc="-1" strike="noStrike">
+            <a:endParaRPr b="0" lang="de-DE" sz="1800" spc="-1" strike="noStrike">
               <a:solidFill>
                 <a:srgbClr val="000000"/>
               </a:solidFill>
@@ -8203,7 +8023,7 @@
               </a:rPr>
               <a:t>) </a:t>
             </a:r>
-            <a:endParaRPr b="0" lang="en-US" sz="1800" spc="-1" strike="noStrike">
+            <a:endParaRPr b="0" lang="de-DE" sz="1800" spc="-1" strike="noStrike">
               <a:solidFill>
                 <a:srgbClr val="000000"/>
               </a:solidFill>
@@ -8235,7 +8055,7 @@
               </a:rPr>
               <a:t>Exercise / Q&amp;A Session live streams (BBB – next slide) and Goslar</a:t>
             </a:r>
-            <a:endParaRPr b="0" lang="en-US" sz="1800" spc="-1" strike="noStrike">
+            <a:endParaRPr b="0" lang="de-DE" sz="1800" spc="-1" strike="noStrike">
               <a:solidFill>
                 <a:srgbClr val="000000"/>
               </a:solidFill>
@@ -8287,7 +8107,33 @@
               </a:rPr>
               <a:t>Time for questions and eventual tutorials related to the exercises</a:t>
             </a:r>
-            <a:endParaRPr b="0" lang="en-US" sz="1800" spc="-1" strike="noStrike">
+            <a:endParaRPr b="0" lang="de-DE" sz="1800" spc="-1" strike="noStrike">
+              <a:solidFill>
+                <a:srgbClr val="000000"/>
+              </a:solidFill>
+              <a:latin typeface="Arial"/>
+            </a:endParaRPr>
+          </a:p>
+          <a:p>
+            <a:pPr algn="ctr">
+              <a:lnSpc>
+                <a:spcPct val="100000"/>
+              </a:lnSpc>
+              <a:spcBef>
+                <a:spcPts val="360"/>
+              </a:spcBef>
+            </a:pPr>
+            <a:r>
+              <a:rPr b="0" lang="en-US" sz="1800" spc="-1" strike="noStrike">
+                <a:solidFill>
+                  <a:srgbClr val="000000"/>
+                </a:solidFill>
+                <a:latin typeface="Arial"/>
+                <a:ea typeface="DejaVu Sans"/>
+              </a:rPr>
+              <a:t> </a:t>
+            </a:r>
+            <a:endParaRPr b="0" lang="de-DE" sz="1800" spc="-1" strike="noStrike">
               <a:solidFill>
                 <a:srgbClr val="000000"/>
               </a:solidFill>
@@ -8310,132 +8156,94 @@
               <a:buChar char="◾"/>
             </a:pPr>
             <a:r>
-              <a:rPr b="0" lang="en-US" sz="1800" spc="-1" strike="noStrike">
-                <a:solidFill>
-                  <a:srgbClr val="000000"/>
-                </a:solidFill>
-                <a:latin typeface="Arial"/>
-                <a:ea typeface="DejaVu Sans"/>
-              </a:rPr>
-              <a:t> </a:t>
-            </a:r>
-            <a:endParaRPr b="0" lang="en-US" sz="1800" spc="-1" strike="noStrike">
-              <a:solidFill>
-                <a:srgbClr val="000000"/>
-              </a:solidFill>
-              <a:latin typeface="Arial"/>
-            </a:endParaRPr>
-          </a:p>
-          <a:p>
-            <a:pPr marL="216000" indent="-216000" algn="ctr">
+              <a:rPr b="0" lang="en-GB" sz="1800" spc="-1" strike="noStrike">
+                <a:solidFill>
+                  <a:srgbClr val="000000"/>
+                </a:solidFill>
+                <a:latin typeface="DejaVu Sans"/>
+                <a:ea typeface="DejaVu Sans"/>
+              </a:rPr>
+              <a:t>Questions? Write us an email: </a:t>
+            </a:r>
+            <a:r>
+              <a:rPr b="0" lang="en-GB" sz="1800" spc="-1" strike="noStrike" u="sng">
+                <a:solidFill>
+                  <a:srgbClr val="000000"/>
+                </a:solidFill>
+                <a:uFillTx/>
+                <a:latin typeface="DejaVu Sans"/>
+                <a:ea typeface="DejaVu Sans"/>
+              </a:rPr>
+              <a:t>etce-re@tu-clausthal.de</a:t>
+            </a:r>
+            <a:r>
+              <a:rPr b="0" lang="en-GB" sz="1800" spc="-1" strike="noStrike">
+                <a:solidFill>
+                  <a:srgbClr val="000000"/>
+                </a:solidFill>
+                <a:latin typeface="DejaVu Sans"/>
+                <a:ea typeface="DejaVu Sans"/>
+              </a:rPr>
+              <a:t> ← </a:t>
+            </a:r>
+            <a:r>
+              <a:rPr b="1" lang="en-GB" sz="1800" spc="-1" strike="noStrike">
+                <a:solidFill>
+                  <a:srgbClr val="000000"/>
+                </a:solidFill>
+                <a:latin typeface="DejaVu Sans"/>
+                <a:ea typeface="DejaVu Sans"/>
+              </a:rPr>
+              <a:t>We will </a:t>
+            </a:r>
+            <a:r>
+              <a:rPr b="1" lang="en-GB" sz="1800" spc="-1" strike="noStrike" u="sng">
+                <a:solidFill>
+                  <a:srgbClr val="c9211e"/>
+                </a:solidFill>
+                <a:uFillTx/>
+                <a:latin typeface="DejaVu Sans"/>
+                <a:ea typeface="DejaVu Sans"/>
+              </a:rPr>
+              <a:t>only</a:t>
+            </a:r>
+            <a:r>
+              <a:rPr b="1" lang="en-GB" sz="1800" spc="-1" strike="noStrike">
+                <a:solidFill>
+                  <a:srgbClr val="000000"/>
+                </a:solidFill>
+                <a:latin typeface="DejaVu Sans"/>
+                <a:ea typeface="DejaVu Sans"/>
+              </a:rPr>
+              <a:t> respond to</a:t>
+            </a:r>
+            <a:endParaRPr b="0" lang="de-DE" sz="1800" spc="-1" strike="noStrike">
+              <a:solidFill>
+                <a:srgbClr val="000000"/>
+              </a:solidFill>
+              <a:latin typeface="Arial"/>
+            </a:endParaRPr>
+          </a:p>
+          <a:p>
+            <a:pPr algn="ctr">
               <a:lnSpc>
                 <a:spcPct val="100000"/>
               </a:lnSpc>
               <a:spcBef>
                 <a:spcPts val="360"/>
               </a:spcBef>
-              <a:buClr>
-                <a:srgbClr val="008c4f"/>
-              </a:buClr>
-              <a:buSzPct val="45000"/>
-              <a:buFont typeface="DejaVu Sans"/>
-              <a:buChar char="◾"/>
-            </a:pPr>
-            <a:r>
-              <a:rPr b="0" lang="en-GB" sz="1800" spc="-1" strike="noStrike">
+            </a:pPr>
+            <a:r>
+              <a:rPr b="1" lang="en-GB" sz="1800" spc="-1" strike="noStrike">
                 <a:solidFill>
                   <a:srgbClr val="000000"/>
                 </a:solidFill>
                 <a:latin typeface="DejaVu Sans"/>
                 <a:ea typeface="DejaVu Sans"/>
               </a:rPr>
-              <a:t>Questions? Write us an email: </a:t>
-            </a:r>
-            <a:r>
-              <a:rPr b="0" lang="en-GB" sz="1800" spc="-1" strike="noStrike" u="sng">
-                <a:solidFill>
-                  <a:srgbClr val="000000"/>
-                </a:solidFill>
-                <a:uFillTx/>
-                <a:latin typeface="DejaVu Sans"/>
-                <a:ea typeface="DejaVu Sans"/>
-              </a:rPr>
-              <a:t>etce-re@tu-clausthal.de</a:t>
-            </a:r>
-            <a:r>
-              <a:rPr b="0" lang="en-GB" sz="1800" spc="-1" strike="noStrike">
-                <a:solidFill>
-                  <a:srgbClr val="000000"/>
-                </a:solidFill>
-                <a:latin typeface="DejaVu Sans"/>
-                <a:ea typeface="DejaVu Sans"/>
-              </a:rPr>
-              <a:t> ← </a:t>
-            </a:r>
-            <a:r>
-              <a:rPr b="1" lang="en-GB" sz="1800" spc="-1" strike="noStrike">
-                <a:solidFill>
-                  <a:srgbClr val="000000"/>
-                </a:solidFill>
-                <a:latin typeface="DejaVu Sans"/>
-                <a:ea typeface="DejaVu Sans"/>
-              </a:rPr>
-              <a:t>We will </a:t>
-            </a:r>
-            <a:r>
-              <a:rPr b="1" lang="en-GB" sz="1800" spc="-1" strike="noStrike" u="sng">
-                <a:solidFill>
-                  <a:srgbClr val="c9211e"/>
-                </a:solidFill>
-                <a:uFillTx/>
-                <a:latin typeface="DejaVu Sans"/>
-                <a:ea typeface="DejaVu Sans"/>
-              </a:rPr>
-              <a:t>only</a:t>
-            </a:r>
-            <a:r>
-              <a:rPr b="1" lang="en-GB" sz="1800" spc="-1" strike="noStrike">
-                <a:solidFill>
-                  <a:srgbClr val="000000"/>
-                </a:solidFill>
-                <a:latin typeface="DejaVu Sans"/>
-                <a:ea typeface="DejaVu Sans"/>
-              </a:rPr>
-              <a:t> respond to</a:t>
-            </a:r>
-            <a:endParaRPr b="0" lang="en-US" sz="1800" spc="-1" strike="noStrike">
-              <a:solidFill>
-                <a:srgbClr val="000000"/>
-              </a:solidFill>
-              <a:latin typeface="Arial"/>
-            </a:endParaRPr>
-          </a:p>
-          <a:p>
-            <a:pPr marL="216000" indent="-216000" algn="ctr">
-              <a:lnSpc>
-                <a:spcPct val="100000"/>
-              </a:lnSpc>
-              <a:spcBef>
-                <a:spcPts val="360"/>
-              </a:spcBef>
-              <a:buClr>
-                <a:srgbClr val="008c4f"/>
-              </a:buClr>
-              <a:buSzPct val="45000"/>
-              <a:buFont typeface="DejaVu Sans"/>
-              <a:buChar char="◾"/>
-            </a:pPr>
-            <a:r>
-              <a:rPr b="1" lang="en-GB" sz="1800" spc="-1" strike="noStrike">
-                <a:solidFill>
-                  <a:srgbClr val="000000"/>
-                </a:solidFill>
-                <a:latin typeface="DejaVu Sans"/>
-                <a:ea typeface="DejaVu Sans"/>
-              </a:rPr>
               <a:t>emails written to this specific email address!</a:t>
             </a:r>
-            <a:endParaRPr b="0" lang="en-US" sz="1800" spc="-1" strike="noStrike">
+            <a:endParaRPr b="0" lang="de-DE" sz="1800" spc="-1" strike="noStrike">
               <a:solidFill>
                 <a:srgbClr val="000000"/>
               </a:solidFill>
@@ -8483,7 +8291,7 @@
         <p:spPr>
           <a:xfrm>
             <a:off x="539640" y="764640"/>
-            <a:ext cx="10737720" cy="488520"/>
+            <a:ext cx="10737360" cy="488160"/>
           </a:xfrm>
           <a:prstGeom prst="rect">
             <a:avLst/>
@@ -8519,7 +8327,7 @@
               </a:rPr>
               <a:t>Dates/Times/Locations</a:t>
             </a:r>
-            <a:endParaRPr b="0" lang="en-US" sz="2400" spc="-1" strike="noStrike">
+            <a:endParaRPr b="0" lang="de-DE" sz="2400" spc="-1" strike="noStrike">
               <a:solidFill>
                 <a:srgbClr val="000000"/>
               </a:solidFill>
@@ -8532,7 +8340,7 @@
                 <a:spcPct val="100000"/>
               </a:lnSpc>
             </a:pPr>
-            <a:endParaRPr b="0" lang="en-US" sz="2400" spc="-1" strike="noStrike">
+            <a:endParaRPr b="0" lang="de-DE" sz="2400" spc="-1" strike="noStrike">
               <a:solidFill>
                 <a:srgbClr val="000000"/>
               </a:solidFill>
@@ -8545,7 +8353,7 @@
                 <a:spcPct val="100000"/>
               </a:lnSpc>
             </a:pPr>
-            <a:endParaRPr b="0" lang="en-US" sz="2400" spc="-1" strike="noStrike">
+            <a:endParaRPr b="0" lang="de-DE" sz="2400" spc="-1" strike="noStrike">
               <a:solidFill>
                 <a:srgbClr val="000000"/>
               </a:solidFill>
@@ -8563,7 +8371,7 @@
         <p:spPr>
           <a:xfrm>
             <a:off x="539640" y="1268640"/>
-            <a:ext cx="10737720" cy="5025240"/>
+            <a:ext cx="10737360" cy="5024880"/>
           </a:xfrm>
           <a:prstGeom prst="rect">
             <a:avLst/>
@@ -8592,7 +8400,7 @@
                 <a:spcPts val="360"/>
               </a:spcBef>
             </a:pPr>
-            <a:endParaRPr b="0" lang="en-US" sz="1800" spc="-1" strike="noStrike">
+            <a:endParaRPr b="0" lang="de-DE" sz="1800" spc="-1" strike="noStrike">
               <a:solidFill>
                 <a:srgbClr val="000000"/>
               </a:solidFill>
@@ -8625,7 +8433,7 @@
               </a:rPr>
               <a:t>Lecture:</a:t>
             </a:r>
-            <a:endParaRPr b="0" lang="en-US" sz="1800" spc="-1" strike="noStrike">
+            <a:endParaRPr b="0" lang="de-DE" sz="1800" spc="-1" strike="noStrike">
               <a:solidFill>
                 <a:srgbClr val="000000"/>
               </a:solidFill>
@@ -8747,7 +8555,7 @@
               </a:rPr>
               <a:t>2024</a:t>
             </a:r>
-            <a:endParaRPr b="0" lang="en-US" sz="1800" spc="-1" strike="noStrike">
+            <a:endParaRPr b="0" lang="de-DE" sz="1800" spc="-1" strike="noStrike">
               <a:solidFill>
                 <a:srgbClr val="000000"/>
               </a:solidFill>
@@ -8801,7 +8609,7 @@
               </a:rPr>
               <a:t>)</a:t>
             </a:r>
-            <a:endParaRPr b="0" lang="en-US" sz="1800" spc="-1" strike="noStrike">
+            <a:endParaRPr b="0" lang="de-DE" sz="1800" spc="-1" strike="noStrike">
               <a:solidFill>
                 <a:srgbClr val="000000"/>
               </a:solidFill>
@@ -8817,7 +8625,7 @@
                 <a:spcPts val="360"/>
               </a:spcBef>
             </a:pPr>
-            <a:endParaRPr b="0" lang="en-US" sz="1800" spc="-1" strike="noStrike">
+            <a:endParaRPr b="0" lang="de-DE" sz="1800" spc="-1" strike="noStrike">
               <a:solidFill>
                 <a:srgbClr val="000000"/>
               </a:solidFill>
@@ -8850,7 +8658,7 @@
               </a:rPr>
               <a:t>Exercise / Q&amp;A:</a:t>
             </a:r>
-            <a:endParaRPr b="0" lang="en-US" sz="1800" spc="-1" strike="noStrike">
+            <a:endParaRPr b="0" lang="de-DE" sz="1800" spc="-1" strike="noStrike">
               <a:solidFill>
                 <a:srgbClr val="000000"/>
               </a:solidFill>
@@ -8910,7 +8718,7 @@
                 <a:latin typeface="DejaVu Sans"/>
                 <a:ea typeface="DejaVu Sans"/>
               </a:rPr>
-              <a:t>30.10</a:t>
+              <a:t>06.11</a:t>
             </a:r>
             <a:r>
               <a:rPr b="0" lang="en-GB" sz="1800" spc="-1" strike="noStrike">
@@ -8972,7 +8780,7 @@
               </a:rPr>
               <a:t>2024</a:t>
             </a:r>
-            <a:endParaRPr b="0" lang="en-US" sz="1800" spc="-1" strike="noStrike">
+            <a:endParaRPr b="0" lang="de-DE" sz="1800" spc="-1" strike="noStrike">
               <a:solidFill>
                 <a:srgbClr val="000000"/>
               </a:solidFill>
@@ -9026,7 +8834,7 @@
               </a:rPr>
               <a:t>)</a:t>
             </a:r>
-            <a:endParaRPr b="0" lang="en-US" sz="1800" spc="-1" strike="noStrike">
+            <a:endParaRPr b="0" lang="de-DE" sz="1800" spc="-1" strike="noStrike">
               <a:solidFill>
                 <a:srgbClr val="000000"/>
               </a:solidFill>
@@ -9074,7 +8882,7 @@
         <p:spPr>
           <a:xfrm>
             <a:off x="539640" y="764640"/>
-            <a:ext cx="10746000" cy="496800"/>
+            <a:ext cx="10745640" cy="496440"/>
           </a:xfrm>
           <a:prstGeom prst="rect">
             <a:avLst/>
@@ -9110,7 +8918,7 @@
               </a:rPr>
               <a:t>Exercises </a:t>
             </a:r>
-            <a:endParaRPr b="0" lang="en-US" sz="2400" spc="-1" strike="noStrike">
+            <a:endParaRPr b="0" lang="de-DE" sz="2400" spc="-1" strike="noStrike">
               <a:solidFill>
                 <a:srgbClr val="000000"/>
               </a:solidFill>
@@ -9128,7 +8936,7 @@
         <p:spPr>
           <a:xfrm>
             <a:off x="539640" y="1268280"/>
-            <a:ext cx="10746000" cy="5033520"/>
+            <a:ext cx="10745640" cy="5033160"/>
           </a:xfrm>
           <a:prstGeom prst="rect">
             <a:avLst/>
@@ -9154,7 +8962,7 @@
                 <a:spcPct val="100000"/>
               </a:lnSpc>
             </a:pPr>
-            <a:endParaRPr b="0" lang="en-US" sz="1800" spc="-1" strike="noStrike">
+            <a:endParaRPr b="0" lang="de-DE" sz="1800" spc="-1" strike="noStrike">
               <a:solidFill>
                 <a:srgbClr val="000000"/>
               </a:solidFill>
@@ -9186,7 +8994,7 @@
               </a:rPr>
               <a:t>Organization of the exercise:</a:t>
             </a:r>
-            <a:endParaRPr b="0" lang="en-US" sz="1800" spc="-1" strike="noStrike">
+            <a:endParaRPr b="0" lang="de-DE" sz="1800" spc="-1" strike="noStrike">
               <a:solidFill>
                 <a:srgbClr val="000000"/>
               </a:solidFill>
@@ -9238,7 +9046,7 @@
               </a:rPr>
               <a:t> group submissions</a:t>
             </a:r>
-            <a:endParaRPr b="0" lang="en-US" sz="1800" spc="-1" strike="noStrike">
+            <a:endParaRPr b="0" lang="de-DE" sz="1800" spc="-1" strike="noStrike">
               <a:solidFill>
                 <a:srgbClr val="000000"/>
               </a:solidFill>
@@ -9270,7 +9078,7 @@
               </a:rPr>
               <a:t>Multiple-Choice or practical tasks</a:t>
             </a:r>
-            <a:endParaRPr b="0" lang="en-US" sz="1800" spc="-1" strike="noStrike">
+            <a:endParaRPr b="0" lang="de-DE" sz="1800" spc="-1" strike="noStrike">
               <a:solidFill>
                 <a:srgbClr val="000000"/>
               </a:solidFill>
@@ -9302,7 +9110,7 @@
               </a:rPr>
               <a:t>7-14 days to submit (depending on the task)</a:t>
             </a:r>
-            <a:endParaRPr b="0" lang="en-US" sz="1800" spc="-1" strike="noStrike">
+            <a:endParaRPr b="0" lang="de-DE" sz="1800" spc="-1" strike="noStrike">
               <a:solidFill>
                 <a:srgbClr val="000000"/>
               </a:solidFill>
@@ -9334,7 +9142,7 @@
               </a:rPr>
               <a:t>Submission deadline is always Monday at 1:59pm (right before the next lecture period)</a:t>
             </a:r>
-            <a:endParaRPr b="0" lang="en-US" sz="1800" spc="-1" strike="noStrike">
+            <a:endParaRPr b="0" lang="de-DE" sz="1800" spc="-1" strike="noStrike">
               <a:solidFill>
                 <a:srgbClr val="000000"/>
               </a:solidFill>
@@ -9376,7 +9184,7 @@
               </a:rPr>
               <a:t>ow on the next slides (Examination)</a:t>
             </a:r>
-            <a:endParaRPr b="0" lang="en-US" sz="1800" spc="-1" strike="noStrike">
+            <a:endParaRPr b="0" lang="de-DE" sz="1800" spc="-1" strike="noStrike">
               <a:solidFill>
                 <a:srgbClr val="000000"/>
               </a:solidFill>
@@ -9424,7 +9232,7 @@
         <p:spPr>
           <a:xfrm>
             <a:off x="539640" y="764640"/>
-            <a:ext cx="10739160" cy="489960"/>
+            <a:ext cx="10738800" cy="489600"/>
           </a:xfrm>
           <a:prstGeom prst="rect">
             <a:avLst/>
@@ -9460,7 +9268,7 @@
               </a:rPr>
               <a:t>Exercises </a:t>
             </a:r>
-            <a:endParaRPr b="0" lang="en-US" sz="2400" spc="-1" strike="noStrike">
+            <a:endParaRPr b="0" lang="de-DE" sz="2400" spc="-1" strike="noStrike">
               <a:solidFill>
                 <a:srgbClr val="000000"/>
               </a:solidFill>
@@ -9478,7 +9286,7 @@
         <p:spPr>
           <a:xfrm>
             <a:off x="539640" y="1268280"/>
-            <a:ext cx="10739160" cy="5026680"/>
+            <a:ext cx="10738800" cy="5026320"/>
           </a:xfrm>
           <a:prstGeom prst="rect">
             <a:avLst/>
@@ -9520,7 +9328,7 @@
               </a:rPr>
               <a:t>Multiple-choice exercises: Self-evaluated, available directly on the MOOC website.</a:t>
             </a:r>
-            <a:endParaRPr b="0" lang="en-US" sz="1800" spc="-1" strike="noStrike">
+            <a:endParaRPr b="0" lang="de-DE" sz="1800" spc="-1" strike="noStrike">
               <a:solidFill>
                 <a:srgbClr val="000000"/>
               </a:solidFill>
@@ -9549,7 +9357,7 @@
               </a:rPr>
               <a:t>Practical Tasks: Submitted via Moodle.</a:t>
             </a:r>
-            <a:endParaRPr b="0" lang="en-US" sz="1800" spc="-1" strike="noStrike">
+            <a:endParaRPr b="0" lang="de-DE" sz="1800" spc="-1" strike="noStrike">
               <a:solidFill>
                 <a:srgbClr val="000000"/>
               </a:solidFill>
@@ -9578,7 +9386,7 @@
               </a:rPr>
               <a:t>Bonus task:</a:t>
             </a:r>
-            <a:endParaRPr b="0" lang="en-US" sz="1800" spc="-1" strike="noStrike">
+            <a:endParaRPr b="0" lang="de-DE" sz="1800" spc="-1" strike="noStrike">
               <a:solidFill>
                 <a:srgbClr val="000000"/>
               </a:solidFill>
@@ -9610,7 +9418,7 @@
               </a:rPr>
               <a:t>You may miss/fail one of the regular practical exercises</a:t>
             </a:r>
-            <a:endParaRPr b="0" lang="en-US" sz="1800" spc="-1" strike="noStrike">
+            <a:endParaRPr b="0" lang="de-DE" sz="1800" spc="-1" strike="noStrike">
               <a:solidFill>
                 <a:srgbClr val="000000"/>
               </a:solidFill>
@@ -9662,7 +9470,7 @@
               </a:rPr>
               <a:t> passing the bonus task substitutes the missed/failed exercise</a:t>
             </a:r>
-            <a:endParaRPr b="0" lang="en-US" sz="1800" spc="-1" strike="noStrike">
+            <a:endParaRPr b="0" lang="de-DE" sz="1800" spc="-1" strike="noStrike">
               <a:solidFill>
                 <a:srgbClr val="000000"/>
               </a:solidFill>
@@ -9704,7 +9512,7 @@
               </a:rPr>
               <a:t> → don’t “plan” with the bonus task. Rather submit and pass the regular exercises.</a:t>
             </a:r>
-            <a:endParaRPr b="0" lang="en-US" sz="1800" spc="-1" strike="noStrike">
+            <a:endParaRPr b="0" lang="de-DE" sz="1800" spc="-1" strike="noStrike">
               <a:solidFill>
                 <a:srgbClr val="000000"/>
               </a:solidFill>
@@ -9752,7 +9560,7 @@
         <p:spPr>
           <a:xfrm>
             <a:off x="539640" y="764640"/>
-            <a:ext cx="10746000" cy="496800"/>
+            <a:ext cx="10745640" cy="496440"/>
           </a:xfrm>
           <a:prstGeom prst="rect">
             <a:avLst/>
@@ -9788,7 +9596,7 @@
               </a:rPr>
               <a:t>Examination</a:t>
             </a:r>
-            <a:endParaRPr b="0" lang="en-US" sz="2400" spc="-1" strike="noStrike">
+            <a:endParaRPr b="0" lang="de-DE" sz="2400" spc="-1" strike="noStrike">
               <a:solidFill>
                 <a:srgbClr val="000000"/>
               </a:solidFill>
@@ -9806,7 +9614,7 @@
         <p:spPr>
           <a:xfrm>
             <a:off x="539640" y="1268640"/>
-            <a:ext cx="10746000" cy="5033520"/>
+            <a:ext cx="10745640" cy="5033160"/>
           </a:xfrm>
           <a:prstGeom prst="rect">
             <a:avLst/>
@@ -9881,7 +9689,7 @@
               </a:rPr>
               <a:t> criteria have to be fulfilled):</a:t>
             </a:r>
-            <a:endParaRPr b="0" lang="en-US" sz="1800" spc="-1" strike="noStrike">
+            <a:endParaRPr b="0" lang="de-DE" sz="1800" spc="-1" strike="noStrike">
               <a:solidFill>
                 <a:srgbClr val="000000"/>
               </a:solidFill>
@@ -9913,7 +9721,7 @@
               </a:rPr>
               <a:t>Successful completion of the compulsory seven exercises</a:t>
             </a:r>
-            <a:endParaRPr b="0" lang="en-US" sz="1800" spc="-1" strike="noStrike">
+            <a:endParaRPr b="0" lang="de-DE" sz="1800" spc="-1" strike="noStrike">
               <a:solidFill>
                 <a:srgbClr val="000000"/>
               </a:solidFill>
@@ -9945,7 +9753,7 @@
               </a:rPr>
               <a:t>You pass an exercise if you score 50% (or more)</a:t>
             </a:r>
-            <a:endParaRPr b="0" lang="en-US" sz="1800" spc="-1" strike="noStrike">
+            <a:endParaRPr b="0" lang="de-DE" sz="1800" spc="-1" strike="noStrike">
               <a:solidFill>
                 <a:srgbClr val="000000"/>
               </a:solidFill>
@@ -9998,7 +9806,7 @@
               </a:rPr>
               <a:t> exercise</a:t>
             </a:r>
-            <a:endParaRPr b="0" lang="en-US" sz="1800" spc="-1" strike="noStrike">
+            <a:endParaRPr b="0" lang="de-DE" sz="1800" spc="-1" strike="noStrike">
               <a:solidFill>
                 <a:srgbClr val="000000"/>
               </a:solidFill>
@@ -10014,7 +9822,7 @@
                 <a:spcPts val="360"/>
               </a:spcBef>
             </a:pPr>
-            <a:endParaRPr b="0" lang="en-US" sz="1800" spc="-1" strike="noStrike">
+            <a:endParaRPr b="0" lang="de-DE" sz="1800" spc="-1" strike="noStrike">
               <a:solidFill>
                 <a:srgbClr val="000000"/>
               </a:solidFill>
@@ -10046,7 +9854,7 @@
               </a:rPr>
               <a:t>Final exam:</a:t>
             </a:r>
-            <a:endParaRPr b="0" lang="en-US" sz="1800" spc="-1" strike="noStrike">
+            <a:endParaRPr b="0" lang="de-DE" sz="1800" spc="-1" strike="noStrike">
               <a:solidFill>
                 <a:srgbClr val="000000"/>
               </a:solidFill>
@@ -10078,7 +9886,7 @@
               </a:rPr>
               <a:t>04.03.2024 → 14:00 – 16:00 </a:t>
             </a:r>
-            <a:endParaRPr b="0" lang="en-US" sz="1800" spc="-1" strike="noStrike">
+            <a:endParaRPr b="0" lang="de-DE" sz="1800" spc="-1" strike="noStrike">
               <a:solidFill>
                 <a:srgbClr val="000000"/>
               </a:solidFill>
@@ -10110,7 +9918,7 @@
               </a:rPr>
               <a:t>Written exam (120min) </a:t>
             </a:r>
-            <a:endParaRPr b="0" lang="en-US" sz="1800" spc="-1" strike="noStrike">
+            <a:endParaRPr b="0" lang="de-DE" sz="1800" spc="-1" strike="noStrike">
               <a:solidFill>
                 <a:srgbClr val="000000"/>
               </a:solidFill>
@@ -10158,7 +9966,7 @@
         <p:spPr>
           <a:xfrm>
             <a:off x="539640" y="764640"/>
-            <a:ext cx="10746000" cy="496800"/>
+            <a:ext cx="10745640" cy="496440"/>
           </a:xfrm>
           <a:prstGeom prst="rect">
             <a:avLst/>
@@ -10194,7 +10002,7 @@
               </a:rPr>
               <a:t>Self-Study Star</a:t>
             </a:r>
-            <a:endParaRPr b="0" lang="en-US" sz="2400" spc="-1" strike="noStrike">
+            <a:endParaRPr b="0" lang="de-DE" sz="2400" spc="-1" strike="noStrike">
               <a:solidFill>
                 <a:srgbClr val="000000"/>
               </a:solidFill>
@@ -10212,7 +10020,7 @@
         <p:spPr>
           <a:xfrm>
             <a:off x="539640" y="1268280"/>
-            <a:ext cx="10746000" cy="5033520"/>
+            <a:ext cx="10745640" cy="5033160"/>
           </a:xfrm>
           <a:prstGeom prst="rect">
             <a:avLst/>
@@ -10241,7 +10049,7 @@
                 <a:spcPts val="360"/>
               </a:spcBef>
             </a:pPr>
-            <a:endParaRPr b="0" lang="en-US" sz="1800" spc="-1" strike="noStrike">
+            <a:endParaRPr b="0" lang="de-DE" sz="1800" spc="-1" strike="noStrike">
               <a:solidFill>
                 <a:srgbClr val="000000"/>
               </a:solidFill>
@@ -10293,7 +10101,7 @@
               </a:rPr>
               <a:t> mandatory but could be helpful for your future career</a:t>
             </a:r>
-            <a:endParaRPr b="0" lang="en-US" sz="1800" spc="-1" strike="noStrike">
+            <a:endParaRPr b="0" lang="de-DE" sz="1800" spc="-1" strike="noStrike">
               <a:solidFill>
                 <a:srgbClr val="000000"/>
               </a:solidFill>
@@ -10309,7 +10117,7 @@
                 <a:spcPts val="360"/>
               </a:spcBef>
             </a:pPr>
-            <a:endParaRPr b="0" lang="en-US" sz="1800" spc="-1" strike="noStrike">
+            <a:endParaRPr b="0" lang="de-DE" sz="1800" spc="-1" strike="noStrike">
               <a:solidFill>
                 <a:srgbClr val="000000"/>
               </a:solidFill>
@@ -10341,7 +10149,7 @@
               </a:rPr>
               <a:t>Of course it won’t hurt to have extra knowledge to impress us during the examination ;)</a:t>
             </a:r>
-            <a:endParaRPr b="0" lang="en-US" sz="1800" spc="-1" strike="noStrike">
+            <a:endParaRPr b="0" lang="de-DE" sz="1800" spc="-1" strike="noStrike">
               <a:solidFill>
                 <a:srgbClr val="000000"/>
               </a:solidFill>
@@ -10359,7 +10167,7 @@
         <p:spPr>
           <a:xfrm>
             <a:off x="6489720" y="2132640"/>
-            <a:ext cx="515520" cy="495360"/>
+            <a:ext cx="515160" cy="495000"/>
           </a:xfrm>
           <a:prstGeom prst="star5">
             <a:avLst>
@@ -10420,7 +10228,7 @@
         <p:spPr>
           <a:xfrm>
             <a:off x="4294080" y="2247480"/>
-            <a:ext cx="2283840" cy="363960"/>
+            <a:ext cx="2283480" cy="363960"/>
           </a:xfrm>
           <a:prstGeom prst="rect">
             <a:avLst/>
@@ -10456,7 +10264,7 @@
               </a:rPr>
               <a:t>Self-Study Star → </a:t>
             </a:r>
-            <a:endParaRPr b="0" lang="en-US" sz="1800" spc="-1" strike="noStrike">
+            <a:endParaRPr b="0" lang="de-DE" sz="1800" spc="-1" strike="noStrike">
               <a:solidFill>
                 <a:srgbClr val="000000"/>
               </a:solidFill>
@@ -10504,7 +10312,7 @@
         <p:spPr>
           <a:xfrm>
             <a:off x="539640" y="764640"/>
-            <a:ext cx="10746000" cy="496800"/>
+            <a:ext cx="10745640" cy="496440"/>
           </a:xfrm>
           <a:prstGeom prst="rect">
             <a:avLst/>
@@ -10540,7 +10348,7 @@
               </a:rPr>
               <a:t>Literature</a:t>
             </a:r>
-            <a:endParaRPr b="0" lang="en-US" sz="2400" spc="-1" strike="noStrike">
+            <a:endParaRPr b="0" lang="de-DE" sz="2400" spc="-1" strike="noStrike">
               <a:solidFill>
                 <a:srgbClr val="000000"/>
               </a:solidFill>
@@ -10558,7 +10366,7 @@
         <p:spPr>
           <a:xfrm>
             <a:off x="539640" y="1268640"/>
-            <a:ext cx="10746000" cy="5033520"/>
+            <a:ext cx="10745640" cy="5033160"/>
           </a:xfrm>
           <a:prstGeom prst="rect">
             <a:avLst/>
@@ -10623,7 +10431,7 @@
               </a:rPr>
               <a:t> need to buy a book to pass the exam.</a:t>
             </a:r>
-            <a:endParaRPr b="0" lang="en-US" sz="1800" spc="-1" strike="noStrike">
+            <a:endParaRPr b="0" lang="de-DE" sz="1800" spc="-1" strike="noStrike">
               <a:solidFill>
                 <a:srgbClr val="000000"/>
               </a:solidFill>
@@ -10639,7 +10447,7 @@
                 <a:spcPts val="360"/>
               </a:spcBef>
             </a:pPr>
-            <a:endParaRPr b="0" lang="en-US" sz="1800" spc="-1" strike="noStrike">
+            <a:endParaRPr b="0" lang="de-DE" sz="1800" spc="-1" strike="noStrike">
               <a:solidFill>
                 <a:srgbClr val="000000"/>
               </a:solidFill>
@@ -10691,7 +10499,7 @@
               </a:rPr>
               <a:t> (2010).</a:t>
             </a:r>
-            <a:endParaRPr b="0" lang="en-US" sz="1800" spc="-1" strike="noStrike">
+            <a:endParaRPr b="0" lang="de-DE" sz="1800" spc="-1" strike="noStrike">
               <a:solidFill>
                 <a:srgbClr val="000000"/>
               </a:solidFill>
@@ -10743,7 +10551,7 @@
               </a:rPr>
               <a:t>(2011).</a:t>
             </a:r>
-            <a:endParaRPr b="0" lang="en-US" sz="1800" spc="-1" strike="noStrike">
+            <a:endParaRPr b="0" lang="de-DE" sz="1800" spc="-1" strike="noStrike">
               <a:solidFill>
                 <a:srgbClr val="000000"/>
               </a:solidFill>
@@ -10815,7 +10623,7 @@
               </a:rPr>
               <a:t>(2017).</a:t>
             </a:r>
-            <a:endParaRPr b="0" lang="en-US" sz="1800" spc="-1" strike="noStrike">
+            <a:endParaRPr b="0" lang="de-DE" sz="1800" spc="-1" strike="noStrike">
               <a:solidFill>
                 <a:srgbClr val="000000"/>
               </a:solidFill>
@@ -10867,7 +10675,7 @@
               </a:rPr>
               <a:t>(2021).</a:t>
             </a:r>
-            <a:endParaRPr b="0" lang="en-US" sz="1800" spc="-1" strike="noStrike">
+            <a:endParaRPr b="0" lang="de-DE" sz="1800" spc="-1" strike="noStrike">
               <a:solidFill>
                 <a:srgbClr val="000000"/>
               </a:solidFill>
@@ -10915,7 +10723,7 @@
         <p:spPr>
           <a:xfrm>
             <a:off x="335520" y="1268640"/>
-            <a:ext cx="10746000" cy="5033520"/>
+            <a:ext cx="10745640" cy="5033160"/>
           </a:xfrm>
           <a:prstGeom prst="rect">
             <a:avLst/>
@@ -10957,7 +10765,7 @@
               </a:rPr>
               <a:t>Questions?</a:t>
             </a:r>
-            <a:endParaRPr b="0" lang="en-US" sz="4000" spc="-1" strike="noStrike">
+            <a:endParaRPr b="0" lang="de-DE" sz="4000" spc="-1" strike="noStrike">
               <a:solidFill>
                 <a:srgbClr val="000000"/>
               </a:solidFill>
@@ -10975,7 +10783,7 @@
         <p:spPr>
           <a:xfrm>
             <a:off x="335520" y="764640"/>
-            <a:ext cx="10746000" cy="496800"/>
+            <a:ext cx="10745640" cy="496440"/>
           </a:xfrm>
           <a:prstGeom prst="rect">
             <a:avLst/>
@@ -11050,7 +10858,7 @@
         <p:spPr>
           <a:xfrm>
             <a:off x="539640" y="764640"/>
-            <a:ext cx="10746000" cy="496800"/>
+            <a:ext cx="10745640" cy="496440"/>
           </a:xfrm>
           <a:prstGeom prst="rect">
             <a:avLst/>
@@ -11086,7 +10894,7 @@
               </a:rPr>
               <a:t>Team</a:t>
             </a:r>
-            <a:endParaRPr b="0" lang="en-US" sz="2400" spc="-1" strike="noStrike">
+            <a:endParaRPr b="0" lang="de-DE" sz="2400" spc="-1" strike="noStrike">
               <a:solidFill>
                 <a:srgbClr val="000000"/>
               </a:solidFill>
@@ -11108,7 +10916,7 @@
         <p:spPr>
           <a:xfrm>
             <a:off x="2684520" y="1323360"/>
-            <a:ext cx="1468800" cy="2170080"/>
+            <a:ext cx="1468440" cy="2169720"/>
           </a:xfrm>
           <a:prstGeom prst="rect">
             <a:avLst/>
@@ -11131,7 +10939,7 @@
         <p:spPr>
           <a:xfrm>
             <a:off x="7269840" y="1716120"/>
-            <a:ext cx="1782720" cy="1774800"/>
+            <a:ext cx="1782360" cy="1774440"/>
           </a:xfrm>
           <a:prstGeom prst="rect">
             <a:avLst/>
@@ -11150,7 +10958,7 @@
         <p:spPr>
           <a:xfrm>
             <a:off x="1620000" y="3439440"/>
-            <a:ext cx="3633480" cy="675000"/>
+            <a:ext cx="3633120" cy="674640"/>
           </a:xfrm>
           <a:prstGeom prst="rect">
             <a:avLst/>
@@ -11189,7 +10997,7 @@
               </a:rPr>
               <a:t>Prof. Dr. Benjamin Leiding</a:t>
             </a:r>
-            <a:endParaRPr b="0" lang="en-US" sz="1600" spc="-1" strike="noStrike">
+            <a:endParaRPr b="0" lang="de-DE" sz="1600" spc="-1" strike="noStrike">
               <a:solidFill>
                 <a:srgbClr val="000000"/>
               </a:solidFill>
@@ -11207,7 +11015,7 @@
         <p:spPr>
           <a:xfrm>
             <a:off x="6322680" y="3460320"/>
-            <a:ext cx="3633480" cy="675000"/>
+            <a:ext cx="3633120" cy="674640"/>
           </a:xfrm>
           <a:prstGeom prst="rect">
             <a:avLst/>
@@ -11246,7 +11054,7 @@
               </a:rPr>
               <a:t>M.Sc. Anant Sujatanagarjuna</a:t>
             </a:r>
-            <a:endParaRPr b="0" lang="en-US" sz="1600" spc="-1" strike="noStrike">
+            <a:endParaRPr b="0" lang="de-DE" sz="1600" spc="-1" strike="noStrike">
               <a:solidFill>
                 <a:srgbClr val="000000"/>
               </a:solidFill>
@@ -11264,7 +11072,7 @@
         <p:spPr>
           <a:xfrm>
             <a:off x="1311840" y="5920200"/>
-            <a:ext cx="3626640" cy="668160"/>
+            <a:ext cx="3626280" cy="667800"/>
           </a:xfrm>
           <a:prstGeom prst="rect">
             <a:avLst/>
@@ -11309,7 +11117,7 @@
         <p:spPr>
           <a:xfrm>
             <a:off x="3950280" y="5903280"/>
-            <a:ext cx="3626640" cy="668160"/>
+            <a:ext cx="3626280" cy="667800"/>
           </a:xfrm>
           <a:prstGeom prst="rect">
             <a:avLst/>
@@ -11348,7 +11156,7 @@
               </a:rPr>
               <a:t>B.Sc. Nisha Muthuraju</a:t>
             </a:r>
-            <a:endParaRPr b="0" lang="en-US" sz="1600" spc="-1" strike="noStrike">
+            <a:endParaRPr b="0" lang="de-DE" sz="1600" spc="-1" strike="noStrike">
               <a:solidFill>
                 <a:srgbClr val="000000"/>
               </a:solidFill>
@@ -11365,13 +11173,13 @@
         </p:nvPicPr>
         <p:blipFill>
           <a:blip r:embed="rId3"/>
-          <a:srcRect l="0" t="0" r="9021" b="11387"/>
+          <a:srcRect l="0" t="0" r="9021" b="11388"/>
           <a:stretch/>
         </p:blipFill>
         <p:spPr>
           <a:xfrm>
             <a:off x="4644360" y="4042080"/>
-            <a:ext cx="2056320" cy="2002680"/>
+            <a:ext cx="2055960" cy="2002320"/>
           </a:xfrm>
           <a:prstGeom prst="rect">
             <a:avLst/>
@@ -11420,7 +11228,7 @@
         <p:spPr>
           <a:xfrm>
             <a:off x="542880" y="721800"/>
-            <a:ext cx="10351800" cy="492480"/>
+            <a:ext cx="10351440" cy="492120"/>
           </a:xfrm>
           <a:prstGeom prst="rect">
             <a:avLst/>
@@ -11456,7 +11264,7 @@
               </a:rPr>
               <a:t>Research Group</a:t>
             </a:r>
-            <a:endParaRPr b="0" lang="en-US" sz="2200" spc="-1" strike="noStrike">
+            <a:endParaRPr b="0" lang="de-DE" sz="2200" spc="-1" strike="noStrike">
               <a:solidFill>
                 <a:srgbClr val="000000"/>
               </a:solidFill>
@@ -11474,7 +11282,7 @@
         <p:spPr>
           <a:xfrm>
             <a:off x="451800" y="1709280"/>
-            <a:ext cx="8219160" cy="4347360"/>
+            <a:ext cx="8218800" cy="4347000"/>
           </a:xfrm>
           <a:prstGeom prst="rect">
             <a:avLst/>
@@ -11519,7 +11327,7 @@
         <p:spPr>
           <a:xfrm>
             <a:off x="609480" y="1769400"/>
-            <a:ext cx="10582200" cy="4850280"/>
+            <a:ext cx="10581840" cy="4849920"/>
           </a:xfrm>
           <a:prstGeom prst="rect">
             <a:avLst/>
@@ -11644,7 +11452,7 @@
               </a:rPr>
               <a:t>ETCE</a:t>
             </a:r>
-            <a:endParaRPr b="0" lang="en-US" sz="2000" spc="-1" strike="noStrike">
+            <a:endParaRPr b="0" lang="de-DE" sz="2000" spc="-1" strike="noStrike">
               <a:solidFill>
                 <a:srgbClr val="000000"/>
               </a:solidFill>
@@ -11676,7 +11484,7 @@
               </a:rPr>
               <a:t>Research focus:</a:t>
             </a:r>
-            <a:endParaRPr b="0" lang="en-US" sz="2000" spc="-1" strike="noStrike">
+            <a:endParaRPr b="0" lang="de-DE" sz="2000" spc="-1" strike="noStrike">
               <a:solidFill>
                 <a:srgbClr val="000000"/>
               </a:solidFill>
@@ -11708,7 +11516,7 @@
               </a:rPr>
               <a:t>Intersection of IT and sustainability</a:t>
             </a:r>
-            <a:endParaRPr b="0" lang="en-US" sz="1800" spc="-1" strike="noStrike">
+            <a:endParaRPr b="0" lang="de-DE" sz="1800" spc="-1" strike="noStrike">
               <a:solidFill>
                 <a:srgbClr val="000000"/>
               </a:solidFill>
@@ -11740,7 +11548,7 @@
               </a:rPr>
               <a:t>Circular Economy and Circular Societies</a:t>
             </a:r>
-            <a:endParaRPr b="0" lang="en-US" sz="1800" spc="-1" strike="noStrike">
+            <a:endParaRPr b="0" lang="de-DE" sz="1800" spc="-1" strike="noStrike">
               <a:solidFill>
                 <a:srgbClr val="000000"/>
               </a:solidFill>
@@ -11772,7 +11580,7 @@
               </a:rPr>
               <a:t>Self-organized, decentralized and distributed systems</a:t>
             </a:r>
-            <a:endParaRPr b="0" lang="en-US" sz="1800" spc="-1" strike="noStrike">
+            <a:endParaRPr b="0" lang="de-DE" sz="1800" spc="-1" strike="noStrike">
               <a:solidFill>
                 <a:srgbClr val="000000"/>
               </a:solidFill>
@@ -11804,7 +11612,7 @@
               </a:rPr>
               <a:t>Localized and resilient food production</a:t>
             </a:r>
-            <a:endParaRPr b="0" lang="en-US" sz="1800" spc="-1" strike="noStrike">
+            <a:endParaRPr b="0" lang="de-DE" sz="1800" spc="-1" strike="noStrike">
               <a:solidFill>
                 <a:srgbClr val="000000"/>
               </a:solidFill>
@@ -11836,7 +11644,7 @@
               </a:rPr>
               <a:t>Other courses:</a:t>
             </a:r>
-            <a:endParaRPr b="0" lang="en-US" sz="2000" spc="-1" strike="noStrike">
+            <a:endParaRPr b="0" lang="de-DE" sz="2000" spc="-1" strike="noStrike">
               <a:solidFill>
                 <a:srgbClr val="000000"/>
               </a:solidFill>
@@ -11868,7 +11676,7 @@
               </a:rPr>
               <a:t>Emerging Technologies for the Circular Economy (SS – M.Sc.)</a:t>
             </a:r>
-            <a:endParaRPr b="0" lang="en-US" sz="1800" spc="-1" strike="noStrike">
+            <a:endParaRPr b="0" lang="de-DE" sz="1800" spc="-1" strike="noStrike">
               <a:solidFill>
                 <a:srgbClr val="000000"/>
               </a:solidFill>
@@ -11900,7 +11708,7 @@
               </a:rPr>
               <a:t>The Limits to Growth – Sustainability and the Circular Economy (WS – open for everyone)</a:t>
             </a:r>
-            <a:endParaRPr b="0" lang="en-US" sz="1800" spc="-1" strike="noStrike">
+            <a:endParaRPr b="0" lang="de-DE" sz="1800" spc="-1" strike="noStrike">
               <a:solidFill>
                 <a:srgbClr val="000000"/>
               </a:solidFill>
@@ -11948,7 +11756,7 @@
         <p:spPr>
           <a:xfrm>
             <a:off x="542880" y="721800"/>
-            <a:ext cx="10351800" cy="492480"/>
+            <a:ext cx="10351440" cy="492120"/>
           </a:xfrm>
           <a:prstGeom prst="rect">
             <a:avLst/>
@@ -11984,7 +11792,7 @@
               </a:rPr>
               <a:t>Research Group</a:t>
             </a:r>
-            <a:endParaRPr b="0" lang="en-US" sz="2200" spc="-1" strike="noStrike">
+            <a:endParaRPr b="0" lang="de-DE" sz="2200" spc="-1" strike="noStrike">
               <a:solidFill>
                 <a:srgbClr val="000000"/>
               </a:solidFill>
@@ -12002,7 +11810,7 @@
         <p:spPr>
           <a:xfrm>
             <a:off x="451800" y="1709280"/>
-            <a:ext cx="8219160" cy="4347360"/>
+            <a:ext cx="8218800" cy="4347000"/>
           </a:xfrm>
           <a:prstGeom prst="rect">
             <a:avLst/>
@@ -12047,7 +11855,7 @@
         <p:spPr>
           <a:xfrm>
             <a:off x="609480" y="1769400"/>
-            <a:ext cx="10582200" cy="4850280"/>
+            <a:ext cx="10581840" cy="4849920"/>
           </a:xfrm>
           <a:prstGeom prst="rect">
             <a:avLst/>
@@ -12104,7 +11912,7 @@
               </a:rPr>
               <a:t>Link</a:t>
             </a:r>
-            <a:endParaRPr b="0" lang="en-US" sz="2000" spc="-1" strike="noStrike">
+            <a:endParaRPr b="0" lang="de-DE" sz="2000" spc="-1" strike="noStrike">
               <a:solidFill>
                 <a:srgbClr val="000000"/>
               </a:solidFill>
@@ -12136,7 +11944,7 @@
               </a:rPr>
               <a:t>Course material </a:t>
             </a:r>
-            <a:endParaRPr b="0" lang="en-US" sz="1800" spc="-1" strike="noStrike">
+            <a:endParaRPr b="0" lang="de-DE" sz="1800" spc="-1" strike="noStrike">
               <a:solidFill>
                 <a:srgbClr val="000000"/>
               </a:solidFill>
@@ -12168,7 +11976,7 @@
               </a:rPr>
               <a:t>Thesis/project topics</a:t>
             </a:r>
-            <a:endParaRPr b="0" lang="en-US" sz="1800" spc="-1" strike="noStrike">
+            <a:endParaRPr b="0" lang="de-DE" sz="1800" spc="-1" strike="noStrike">
               <a:solidFill>
                 <a:srgbClr val="000000"/>
               </a:solidFill>
@@ -12200,7 +12008,7 @@
               </a:rPr>
               <a:t>Publications</a:t>
             </a:r>
-            <a:endParaRPr b="0" lang="en-US" sz="1800" spc="-1" strike="noStrike">
+            <a:endParaRPr b="0" lang="de-DE" sz="1800" spc="-1" strike="noStrike">
               <a:solidFill>
                 <a:srgbClr val="000000"/>
               </a:solidFill>
@@ -12232,7 +12040,7 @@
               </a:rPr>
               <a:t>Etc.</a:t>
             </a:r>
-            <a:endParaRPr b="0" lang="en-US" sz="1800" spc="-1" strike="noStrike">
+            <a:endParaRPr b="0" lang="de-DE" sz="1800" spc="-1" strike="noStrike">
               <a:solidFill>
                 <a:srgbClr val="000000"/>
               </a:solidFill>
@@ -12251,7 +12059,7 @@
                 <a:tab algn="l" pos="0"/>
               </a:tabLst>
             </a:pPr>
-            <a:endParaRPr b="0" lang="en-US" sz="1800" spc="-1" strike="noStrike">
+            <a:endParaRPr b="0" lang="de-DE" sz="1800" spc="-1" strike="noStrike">
               <a:solidFill>
                 <a:srgbClr val="000000"/>
               </a:solidFill>
@@ -12286,7 +12094,7 @@
               </a:rPr>
               <a:t>Our research in action:</a:t>
             </a:r>
-            <a:endParaRPr b="0" lang="en-US" sz="2000" spc="-1" strike="noStrike">
+            <a:endParaRPr b="0" lang="de-DE" sz="2000" spc="-1" strike="noStrike">
               <a:solidFill>
                 <a:srgbClr val="000000"/>
               </a:solidFill>
@@ -12343,7 +12151,7 @@
               </a:rPr>
               <a:t> </a:t>
             </a:r>
-            <a:endParaRPr b="0" lang="en-US" sz="2000" spc="-1" strike="noStrike">
+            <a:endParaRPr b="0" lang="de-DE" sz="2000" spc="-1" strike="noStrike">
               <a:solidFill>
                 <a:srgbClr val="000000"/>
               </a:solidFill>
@@ -12400,7 +12208,7 @@
               </a:rPr>
               <a:t> </a:t>
             </a:r>
-            <a:endParaRPr b="0" lang="en-US" sz="2000" spc="-1" strike="noStrike">
+            <a:endParaRPr b="0" lang="de-DE" sz="2000" spc="-1" strike="noStrike">
               <a:solidFill>
                 <a:srgbClr val="000000"/>
               </a:solidFill>
@@ -12419,7 +12227,7 @@
                 <a:tab algn="l" pos="0"/>
               </a:tabLst>
             </a:pPr>
-            <a:endParaRPr b="0" lang="en-US" sz="2000" spc="-1" strike="noStrike">
+            <a:endParaRPr b="0" lang="de-DE" sz="2000" spc="-1" strike="noStrike">
               <a:solidFill>
                 <a:srgbClr val="000000"/>
               </a:solidFill>
@@ -12454,7 +12262,7 @@
               </a:rPr>
               <a:t>You want join us? Write us an email! </a:t>
             </a:r>
-            <a:endParaRPr b="0" lang="en-US" sz="2000" spc="-1" strike="noStrike">
+            <a:endParaRPr b="0" lang="de-DE" sz="2000" spc="-1" strike="noStrike">
               <a:solidFill>
                 <a:srgbClr val="000000"/>
               </a:solidFill>
@@ -12499,7 +12307,7 @@
               </a:rPr>
               <a:t>benjamin.leiding@tu-clausthal.de</a:t>
             </a:r>
-            <a:endParaRPr b="0" lang="en-US" sz="1600" spc="-1" strike="noStrike">
+            <a:endParaRPr b="0" lang="de-DE" sz="1600" spc="-1" strike="noStrike">
               <a:solidFill>
                 <a:srgbClr val="000000"/>
               </a:solidFill>
@@ -12547,7 +12355,7 @@
         <p:spPr>
           <a:xfrm>
             <a:off x="542880" y="721800"/>
-            <a:ext cx="10351800" cy="492480"/>
+            <a:ext cx="10351440" cy="492120"/>
           </a:xfrm>
           <a:prstGeom prst="rect">
             <a:avLst/>
@@ -12583,7 +12391,7 @@
               </a:rPr>
               <a:t>Course Content</a:t>
             </a:r>
-            <a:endParaRPr b="0" lang="en-US" sz="2200" spc="-1" strike="noStrike">
+            <a:endParaRPr b="0" lang="de-DE" sz="2200" spc="-1" strike="noStrike">
               <a:solidFill>
                 <a:srgbClr val="000000"/>
               </a:solidFill>
@@ -12601,7 +12409,7 @@
         <p:spPr>
           <a:xfrm>
             <a:off x="451800" y="1709280"/>
-            <a:ext cx="8219160" cy="4347360"/>
+            <a:ext cx="8218800" cy="4347000"/>
           </a:xfrm>
           <a:prstGeom prst="rect">
             <a:avLst/>
@@ -12646,7 +12454,7 @@
         <p:spPr>
           <a:xfrm>
             <a:off x="609480" y="1769400"/>
-            <a:ext cx="10582200" cy="4850280"/>
+            <a:ext cx="10581840" cy="4849920"/>
           </a:xfrm>
           <a:prstGeom prst="rect">
             <a:avLst/>
@@ -12691,7 +12499,7 @@
               </a:rPr>
               <a:t>Core terminology and core tasks of requirements engineering </a:t>
             </a:r>
-            <a:endParaRPr b="0" lang="en-US" sz="2000" spc="-1" strike="noStrike">
+            <a:endParaRPr b="0" lang="de-DE" sz="2000" spc="-1" strike="noStrike">
               <a:solidFill>
                 <a:srgbClr val="000000"/>
               </a:solidFill>
@@ -12723,7 +12531,7 @@
               </a:rPr>
               <a:t>Requirements engineering process</a:t>
             </a:r>
-            <a:endParaRPr b="0" lang="en-US" sz="2000" spc="-1" strike="noStrike">
+            <a:endParaRPr b="0" lang="de-DE" sz="2000" spc="-1" strike="noStrike">
               <a:solidFill>
                 <a:srgbClr val="000000"/>
               </a:solidFill>
@@ -12755,7 +12563,7 @@
               </a:rPr>
               <a:t>Elicitation techniques</a:t>
             </a:r>
-            <a:endParaRPr b="0" lang="en-US" sz="2000" spc="-1" strike="noStrike">
+            <a:endParaRPr b="0" lang="de-DE" sz="2000" spc="-1" strike="noStrike">
               <a:solidFill>
                 <a:srgbClr val="000000"/>
               </a:solidFill>
@@ -12787,7 +12595,7 @@
               </a:rPr>
               <a:t>Documentation methods </a:t>
             </a:r>
-            <a:endParaRPr b="0" lang="en-US" sz="2000" spc="-1" strike="noStrike">
+            <a:endParaRPr b="0" lang="de-DE" sz="2000" spc="-1" strike="noStrike">
               <a:solidFill>
                 <a:srgbClr val="000000"/>
               </a:solidFill>
@@ -12819,7 +12627,7 @@
               </a:rPr>
               <a:t>Textual, model-based and formal requirements specification</a:t>
             </a:r>
-            <a:endParaRPr b="0" lang="en-US" sz="2000" spc="-1" strike="noStrike">
+            <a:endParaRPr b="0" lang="de-DE" sz="2000" spc="-1" strike="noStrike">
               <a:solidFill>
                 <a:srgbClr val="000000"/>
               </a:solidFill>
@@ -12851,7 +12659,7 @@
               </a:rPr>
               <a:t>Requirements negotiation</a:t>
             </a:r>
-            <a:endParaRPr b="0" lang="en-US" sz="2000" spc="-1" strike="noStrike">
+            <a:endParaRPr b="0" lang="de-DE" sz="2000" spc="-1" strike="noStrike">
               <a:solidFill>
                 <a:srgbClr val="000000"/>
               </a:solidFill>
@@ -12883,7 +12691,7 @@
               </a:rPr>
               <a:t>Requirements Management</a:t>
             </a:r>
-            <a:endParaRPr b="0" lang="en-US" sz="2000" spc="-1" strike="noStrike">
+            <a:endParaRPr b="0" lang="de-DE" sz="2000" spc="-1" strike="noStrike">
               <a:solidFill>
                 <a:srgbClr val="000000"/>
               </a:solidFill>
@@ -12915,7 +12723,7 @@
               </a:rPr>
               <a:t>Traceability</a:t>
             </a:r>
-            <a:endParaRPr b="0" lang="en-US" sz="2000" spc="-1" strike="noStrike">
+            <a:endParaRPr b="0" lang="de-DE" sz="2000" spc="-1" strike="noStrike">
               <a:solidFill>
                 <a:srgbClr val="000000"/>
               </a:solidFill>
@@ -12947,7 +12755,7 @@
               </a:rPr>
               <a:t>Requirements validation and quality assurance</a:t>
             </a:r>
-            <a:endParaRPr b="0" lang="en-US" sz="2000" spc="-1" strike="noStrike">
+            <a:endParaRPr b="0" lang="de-DE" sz="2000" spc="-1" strike="noStrike">
               <a:solidFill>
                 <a:srgbClr val="000000"/>
               </a:solidFill>
@@ -12995,7 +12803,7 @@
         <p:spPr>
           <a:xfrm>
             <a:off x="542880" y="721800"/>
-            <a:ext cx="10351800" cy="492480"/>
+            <a:ext cx="10351440" cy="492120"/>
           </a:xfrm>
           <a:prstGeom prst="rect">
             <a:avLst/>
@@ -13031,7 +12839,7 @@
               </a:rPr>
               <a:t>Learning Outcome</a:t>
             </a:r>
-            <a:endParaRPr b="0" lang="en-US" sz="2200" spc="-1" strike="noStrike">
+            <a:endParaRPr b="0" lang="de-DE" sz="2200" spc="-1" strike="noStrike">
               <a:solidFill>
                 <a:srgbClr val="000000"/>
               </a:solidFill>
@@ -13049,7 +12857,7 @@
         <p:spPr>
           <a:xfrm>
             <a:off x="451800" y="1709280"/>
-            <a:ext cx="8219160" cy="4347360"/>
+            <a:ext cx="8218800" cy="4347000"/>
           </a:xfrm>
           <a:prstGeom prst="rect">
             <a:avLst/>
@@ -13094,7 +12902,7 @@
         <p:spPr>
           <a:xfrm>
             <a:off x="609480" y="1769400"/>
-            <a:ext cx="10582200" cy="4850280"/>
+            <a:ext cx="10581840" cy="4849920"/>
           </a:xfrm>
           <a:prstGeom prst="rect">
             <a:avLst/>
@@ -13139,7 +12947,7 @@
               </a:rPr>
               <a:t>Core terminology and core tasks of requirements engineering </a:t>
             </a:r>
-            <a:endParaRPr b="0" lang="en-US" sz="2000" spc="-1" strike="noStrike">
+            <a:endParaRPr b="0" lang="de-DE" sz="2000" spc="-1" strike="noStrike">
               <a:solidFill>
                 <a:srgbClr val="000000"/>
               </a:solidFill>
@@ -13171,7 +12979,7 @@
               </a:rPr>
               <a:t>Understanding of the requirements engineering process</a:t>
             </a:r>
-            <a:endParaRPr b="0" lang="en-US" sz="2000" spc="-1" strike="noStrike">
+            <a:endParaRPr b="0" lang="de-DE" sz="2000" spc="-1" strike="noStrike">
               <a:solidFill>
                 <a:srgbClr val="000000"/>
               </a:solidFill>
@@ -13203,7 +13011,7 @@
               </a:rPr>
               <a:t>Ability to choose, justify and apply appropriate methods and techniques for each step of the requirements engineering process given project constraints and properties</a:t>
             </a:r>
-            <a:endParaRPr b="0" lang="en-US" sz="2000" spc="-1" strike="noStrike">
+            <a:endParaRPr b="0" lang="de-DE" sz="2000" spc="-1" strike="noStrike">
               <a:solidFill>
                 <a:srgbClr val="000000"/>
               </a:solidFill>
@@ -13222,7 +13030,7 @@
                 <a:tab algn="l" pos="0"/>
               </a:tabLst>
             </a:pPr>
-            <a:endParaRPr b="0" lang="en-US" sz="2000" spc="-1" strike="noStrike">
+            <a:endParaRPr b="0" lang="de-DE" sz="2000" spc="-1" strike="noStrike">
               <a:solidFill>
                 <a:srgbClr val="000000"/>
               </a:solidFill>
@@ -13251,7 +13059,7 @@
               </a:rPr>
               <a:t>What is this course about, what is it not about? </a:t>
             </a:r>
-            <a:endParaRPr b="0" lang="en-US" sz="1600" spc="-1" strike="noStrike">
+            <a:endParaRPr b="0" lang="de-DE" sz="1600" spc="-1" strike="noStrike">
               <a:solidFill>
                 <a:srgbClr val="000000"/>
               </a:solidFill>
@@ -13299,7 +13107,7 @@
         <p:spPr>
           <a:xfrm>
             <a:off x="539640" y="764640"/>
-            <a:ext cx="10746000" cy="496800"/>
+            <a:ext cx="10745640" cy="496440"/>
           </a:xfrm>
           <a:prstGeom prst="rect">
             <a:avLst/>
@@ -13335,7 +13143,7 @@
               </a:rPr>
               <a:t>Disclaimer</a:t>
             </a:r>
-            <a:endParaRPr b="0" lang="en-US" sz="2200" spc="-1" strike="noStrike">
+            <a:endParaRPr b="0" lang="de-DE" sz="2200" spc="-1" strike="noStrike">
               <a:solidFill>
                 <a:srgbClr val="000000"/>
               </a:solidFill>
@@ -13353,7 +13161,7 @@
         <p:spPr>
           <a:xfrm>
             <a:off x="539640" y="1268280"/>
-            <a:ext cx="10746000" cy="5033520"/>
+            <a:ext cx="10745640" cy="5033160"/>
           </a:xfrm>
           <a:prstGeom prst="rect">
             <a:avLst/>
@@ -13418,7 +13226,7 @@
               </a:rPr>
               <a:t> (2010)” from Klaus Pohl</a:t>
             </a:r>
-            <a:endParaRPr b="0" lang="en-US" sz="1800" spc="-1" strike="noStrike">
+            <a:endParaRPr b="0" lang="de-DE" sz="1800" spc="-1" strike="noStrike">
               <a:solidFill>
                 <a:srgbClr val="000000"/>
               </a:solidFill>
@@ -13434,7 +13242,7 @@
                 <a:spcPts val="360"/>
               </a:spcBef>
             </a:pPr>
-            <a:endParaRPr b="0" lang="en-US" sz="1800" spc="-1" strike="noStrike">
+            <a:endParaRPr b="0" lang="de-DE" sz="1800" spc="-1" strike="noStrike">
               <a:solidFill>
                 <a:srgbClr val="000000"/>
               </a:solidFill>
@@ -13466,7 +13274,7 @@
               </a:rPr>
               <a:t>Special thanks to Prof. Dr. Steffen Herbold and Dr. Christian Bartelt, who provided valuable input in the form of the teaching materials of their requirements engineering courses. </a:t>
             </a:r>
-            <a:endParaRPr b="0" lang="en-US" sz="1800" spc="-1" strike="noStrike">
+            <a:endParaRPr b="0" lang="de-DE" sz="1800" spc="-1" strike="noStrike">
               <a:solidFill>
                 <a:srgbClr val="000000"/>
               </a:solidFill>
@@ -13514,7 +13322,7 @@
         <p:spPr>
           <a:xfrm>
             <a:off x="542880" y="721800"/>
-            <a:ext cx="10354680" cy="495360"/>
+            <a:ext cx="10354320" cy="495000"/>
           </a:xfrm>
           <a:prstGeom prst="rect">
             <a:avLst/>
@@ -13550,7 +13358,7 @@
               </a:rPr>
               <a:t>Course Content</a:t>
             </a:r>
-            <a:endParaRPr b="0" lang="en-US" sz="2200" spc="-1" strike="noStrike">
+            <a:endParaRPr b="0" lang="de-DE" sz="2200" spc="-1" strike="noStrike">
               <a:solidFill>
                 <a:srgbClr val="000000"/>
               </a:solidFill>
@@ -13572,7 +13380,7 @@
         <p:spPr>
           <a:xfrm>
             <a:off x="542880" y="2387520"/>
-            <a:ext cx="10099800" cy="2077200"/>
+            <a:ext cx="10099440" cy="2076840"/>
           </a:xfrm>
           <a:prstGeom prst="rect">
             <a:avLst/>
@@ -13621,7 +13429,7 @@
         <p:spPr>
           <a:xfrm>
             <a:off x="539640" y="764640"/>
-            <a:ext cx="10739160" cy="489960"/>
+            <a:ext cx="10738800" cy="489600"/>
           </a:xfrm>
           <a:prstGeom prst="rect">
             <a:avLst/>
@@ -13657,7 +13465,7 @@
               </a:rPr>
               <a:t>Lectures</a:t>
             </a:r>
-            <a:endParaRPr b="0" lang="en-US" sz="2400" spc="-1" strike="noStrike">
+            <a:endParaRPr b="0" lang="de-DE" sz="2400" spc="-1" strike="noStrike">
               <a:solidFill>
                 <a:srgbClr val="000000"/>
               </a:solidFill>
@@ -13707,7 +13515,7 @@
                         </a:rPr>
                         <a:t>Week</a:t>
                       </a:r>
-                      <a:endParaRPr b="0" lang="en-US" sz="1200" spc="-1" strike="noStrike">
+                      <a:endParaRPr b="0" lang="de-DE" sz="1200" spc="-1" strike="noStrike">
                         <a:solidFill>
                           <a:srgbClr val="000000"/>
                         </a:solidFill>
@@ -13765,7 +13573,7 @@
                         </a:rPr>
                         <a:t>Date</a:t>
                       </a:r>
-                      <a:endParaRPr b="0" lang="en-US" sz="1200" spc="-1" strike="noStrike">
+                      <a:endParaRPr b="0" lang="de-DE" sz="1200" spc="-1" strike="noStrike">
                         <a:solidFill>
                           <a:srgbClr val="000000"/>
                         </a:solidFill>
@@ -13824,7 +13632,7 @@
                         </a:rPr>
                         <a:t>Lecture</a:t>
                       </a:r>
-                      <a:endParaRPr b="0" lang="en-US" sz="1200" spc="-1" strike="noStrike">
+                      <a:endParaRPr b="0" lang="de-DE" sz="1200" spc="-1" strike="noStrike">
                         <a:solidFill>
                           <a:srgbClr val="000000"/>
                         </a:solidFill>
@@ -13882,7 +13690,7 @@
                         </a:rPr>
                         <a:t>Location</a:t>
                       </a:r>
-                      <a:endParaRPr b="0" lang="en-US" sz="1200" spc="-1" strike="noStrike">
+                      <a:endParaRPr b="0" lang="de-DE" sz="1200" spc="-1" strike="noStrike">
                         <a:solidFill>
                           <a:srgbClr val="000000"/>
                         </a:solidFill>
@@ -13942,7 +13750,7 @@
                         </a:rPr>
                         <a:t>1</a:t>
                       </a:r>
-                      <a:endParaRPr b="0" lang="en-US" sz="1200" spc="-1" strike="noStrike">
+                      <a:endParaRPr b="0" lang="de-DE" sz="1200" spc="-1" strike="noStrike">
                         <a:solidFill>
                           <a:srgbClr val="000000"/>
                         </a:solidFill>
@@ -14000,7 +13808,7 @@
                         </a:rPr>
                         <a:t>30.10.2023</a:t>
                       </a:r>
-                      <a:endParaRPr b="0" lang="en-US" sz="1200" spc="-1" strike="noStrike">
+                      <a:endParaRPr b="0" lang="de-DE" sz="1200" spc="-1" strike="noStrike">
                         <a:solidFill>
                           <a:srgbClr val="000000"/>
                         </a:solidFill>
@@ -14058,7 +13866,7 @@
                         </a:rPr>
                         <a:t>Organization (L00)</a:t>
                       </a:r>
-                      <a:endParaRPr b="0" lang="en-US" sz="1200" spc="-1" strike="noStrike">
+                      <a:endParaRPr b="0" lang="de-DE" sz="1200" spc="-1" strike="noStrike">
                         <a:solidFill>
                           <a:srgbClr val="000000"/>
                         </a:solidFill>
@@ -14116,7 +13924,7 @@
                         </a:rPr>
                         <a:t>BBB (Online+LIVE in Gotec)</a:t>
                       </a:r>
-                      <a:endParaRPr b="0" lang="en-US" sz="1200" spc="-1" strike="noStrike">
+                      <a:endParaRPr b="0" lang="de-DE" sz="1200" spc="-1" strike="noStrike">
                         <a:solidFill>
                           <a:srgbClr val="000000"/>
                         </a:solidFill>
@@ -14176,7 +13984,7 @@
                         </a:rPr>
                         <a:t>2</a:t>
                       </a:r>
-                      <a:endParaRPr b="0" lang="en-US" sz="1200" spc="-1" strike="noStrike">
+                      <a:endParaRPr b="0" lang="de-DE" sz="1200" spc="-1" strike="noStrike">
                         <a:solidFill>
                           <a:srgbClr val="000000"/>
                         </a:solidFill>
@@ -14234,7 +14042,7 @@
                         </a:rPr>
                         <a:t>06.11.2023</a:t>
                       </a:r>
-                      <a:endParaRPr b="0" lang="en-US" sz="1200" spc="-1" strike="noStrike">
+                      <a:endParaRPr b="0" lang="de-DE" sz="1200" spc="-1" strike="noStrike">
                         <a:solidFill>
                           <a:srgbClr val="000000"/>
                         </a:solidFill>
@@ -14292,7 +14100,7 @@
                         </a:rPr>
                         <a:t>Introduction (L01)</a:t>
                       </a:r>
-                      <a:endParaRPr b="0" lang="en-US" sz="1200" spc="-1" strike="noStrike">
+                      <a:endParaRPr b="0" lang="de-DE" sz="1200" spc="-1" strike="noStrike">
                         <a:solidFill>
                           <a:srgbClr val="000000"/>
                         </a:solidFill>
@@ -14350,7 +14158,7 @@
                         </a:rPr>
                         <a:t>MOOC</a:t>
                       </a:r>
-                      <a:endParaRPr b="0" lang="en-US" sz="1200" spc="-1" strike="noStrike">
+                      <a:endParaRPr b="0" lang="de-DE" sz="1200" spc="-1" strike="noStrike">
                         <a:solidFill>
                           <a:srgbClr val="000000"/>
                         </a:solidFill>
@@ -14410,7 +14218,7 @@
                         </a:rPr>
                         <a:t>3</a:t>
                       </a:r>
-                      <a:endParaRPr b="0" lang="en-US" sz="1200" spc="-1" strike="noStrike">
+                      <a:endParaRPr b="0" lang="de-DE" sz="1200" spc="-1" strike="noStrike">
                         <a:solidFill>
                           <a:srgbClr val="000000"/>
                         </a:solidFill>
@@ -14468,7 +14276,7 @@
                         </a:rPr>
                         <a:t>13.11.2023</a:t>
                       </a:r>
-                      <a:endParaRPr b="0" lang="en-US" sz="1200" spc="-1" strike="noStrike">
+                      <a:endParaRPr b="0" lang="de-DE" sz="1200" spc="-1" strike="noStrike">
                         <a:solidFill>
                           <a:srgbClr val="000000"/>
                         </a:solidFill>
@@ -14526,7 +14334,7 @@
                         </a:rPr>
                         <a:t>System Context/Boundaries and Types of Requirements (L02)</a:t>
                       </a:r>
-                      <a:endParaRPr b="0" lang="en-US" sz="1200" spc="-1" strike="noStrike">
+                      <a:endParaRPr b="0" lang="de-DE" sz="1200" spc="-1" strike="noStrike">
                         <a:solidFill>
                           <a:srgbClr val="000000"/>
                         </a:solidFill>
@@ -14584,7 +14392,7 @@
                         </a:rPr>
                         <a:t>MOOC</a:t>
                       </a:r>
-                      <a:endParaRPr b="0" lang="en-US" sz="1200" spc="-1" strike="noStrike">
+                      <a:endParaRPr b="0" lang="de-DE" sz="1200" spc="-1" strike="noStrike">
                         <a:solidFill>
                           <a:srgbClr val="000000"/>
                         </a:solidFill>
@@ -14644,7 +14452,7 @@
                         </a:rPr>
                         <a:t>4</a:t>
                       </a:r>
-                      <a:endParaRPr b="0" lang="en-US" sz="1200" spc="-1" strike="noStrike">
+                      <a:endParaRPr b="0" lang="de-DE" sz="1200" spc="-1" strike="noStrike">
                         <a:solidFill>
                           <a:srgbClr val="000000"/>
                         </a:solidFill>
@@ -14702,7 +14510,7 @@
                         </a:rPr>
                         <a:t>20.11.2023</a:t>
                       </a:r>
-                      <a:endParaRPr b="0" lang="en-US" sz="1200" spc="-1" strike="noStrike">
+                      <a:endParaRPr b="0" lang="de-DE" sz="1200" spc="-1" strike="noStrike">
                         <a:solidFill>
                           <a:srgbClr val="000000"/>
                         </a:solidFill>
@@ -14760,7 +14568,7 @@
                         </a:rPr>
                         <a:t>Elicitation (L03 + L04),</a:t>
                       </a:r>
-                      <a:endParaRPr b="0" lang="en-US" sz="1200" spc="-1" strike="noStrike">
+                      <a:endParaRPr b="0" lang="de-DE" sz="1200" spc="-1" strike="noStrike">
                         <a:solidFill>
                           <a:srgbClr val="000000"/>
                         </a:solidFill>
@@ -14782,7 +14590,7 @@
                         </a:rPr>
                         <a:t>Negotiation (L05)</a:t>
                       </a:r>
-                      <a:endParaRPr b="0" lang="en-US" sz="1200" spc="-1" strike="noStrike">
+                      <a:endParaRPr b="0" lang="de-DE" sz="1200" spc="-1" strike="noStrike">
                         <a:solidFill>
                           <a:srgbClr val="000000"/>
                         </a:solidFill>
@@ -14840,7 +14648,7 @@
                         </a:rPr>
                         <a:t>MOOC</a:t>
                       </a:r>
-                      <a:endParaRPr b="0" lang="en-US" sz="1200" spc="-1" strike="noStrike">
+                      <a:endParaRPr b="0" lang="de-DE" sz="1200" spc="-1" strike="noStrike">
                         <a:solidFill>
                           <a:srgbClr val="000000"/>
                         </a:solidFill>
@@ -14900,7 +14708,7 @@
                         </a:rPr>
                         <a:t>5</a:t>
                       </a:r>
-                      <a:endParaRPr b="0" lang="en-US" sz="1200" spc="-1" strike="noStrike">
+                      <a:endParaRPr b="0" lang="de-DE" sz="1200" spc="-1" strike="noStrike">
                         <a:solidFill>
                           <a:srgbClr val="000000"/>
                         </a:solidFill>
@@ -14958,7 +14766,7 @@
                         </a:rPr>
                         <a:t>27.11.2023</a:t>
                       </a:r>
-                      <a:endParaRPr b="0" lang="en-US" sz="1200" spc="-1" strike="noStrike">
+                      <a:endParaRPr b="0" lang="de-DE" sz="1200" spc="-1" strike="noStrike">
                         <a:solidFill>
                           <a:srgbClr val="000000"/>
                         </a:solidFill>
@@ -15002,7 +14810,7 @@
                       <a:noAutofit/>
                     </a:bodyPr>
                     <a:p>
-                      <a:endParaRPr b="0" lang="en-US" sz="1800" spc="-1" strike="noStrike">
+                      <a:endParaRPr b="0" lang="de-DE" sz="1800" spc="-1" strike="noStrike">
                         <a:solidFill>
                           <a:srgbClr val="000000"/>
                         </a:solidFill>
@@ -15034,7 +14842,7 @@
                       <a:noAutofit/>
                     </a:bodyPr>
                     <a:p>
-                      <a:endParaRPr b="0" lang="en-US" sz="1800" spc="-1" strike="noStrike">
+                      <a:endParaRPr b="0" lang="de-DE" sz="1800" spc="-1" strike="noStrike">
                         <a:solidFill>
                           <a:srgbClr val="000000"/>
                         </a:solidFill>
@@ -15082,7 +14890,7 @@
                         </a:rPr>
                         <a:t>6</a:t>
                       </a:r>
-                      <a:endParaRPr b="0" lang="en-US" sz="1200" spc="-1" strike="noStrike">
+                      <a:endParaRPr b="0" lang="de-DE" sz="1200" spc="-1" strike="noStrike">
                         <a:solidFill>
                           <a:srgbClr val="000000"/>
                         </a:solidFill>
@@ -15140,7 +14948,7 @@
                         </a:rPr>
                         <a:t>04.12.2023</a:t>
                       </a:r>
-                      <a:endParaRPr b="0" lang="en-US" sz="1200" spc="-1" strike="noStrike">
+                      <a:endParaRPr b="0" lang="de-DE" sz="1200" spc="-1" strike="noStrike">
                         <a:solidFill>
                           <a:srgbClr val="000000"/>
                         </a:solidFill>
@@ -15196,7 +15004,7 @@
                         </a:rPr>
                         <a:t>Documentation – Introduction (L06),</a:t>
                       </a:r>
-                      <a:endParaRPr b="0" lang="en-US" sz="1200" spc="-1" strike="noStrike">
+                      <a:endParaRPr b="0" lang="de-DE" sz="1200" spc="-1" strike="noStrike">
                         <a:solidFill>
                           <a:srgbClr val="000000"/>
                         </a:solidFill>
@@ -15218,7 +15026,7 @@
                         </a:rPr>
                         <a:t>Documentation – Textual Requirements Specification (L07)</a:t>
                       </a:r>
-                      <a:endParaRPr b="0" lang="en-US" sz="1200" spc="-1" strike="noStrike">
+                      <a:endParaRPr b="0" lang="de-DE" sz="1200" spc="-1" strike="noStrike">
                         <a:solidFill>
                           <a:srgbClr val="000000"/>
                         </a:solidFill>
@@ -15276,7 +15084,7 @@
                         </a:rPr>
                         <a:t>MOOC</a:t>
                       </a:r>
-                      <a:endParaRPr b="0" lang="en-US" sz="1200" spc="-1" strike="noStrike">
+                      <a:endParaRPr b="0" lang="de-DE" sz="1200" spc="-1" strike="noStrike">
                         <a:solidFill>
                           <a:srgbClr val="000000"/>
                         </a:solidFill>
@@ -15334,7 +15142,7 @@
                         </a:rPr>
                         <a:t>7</a:t>
                       </a:r>
-                      <a:endParaRPr b="0" lang="en-US" sz="1200" spc="-1" strike="noStrike">
+                      <a:endParaRPr b="0" lang="de-DE" sz="1200" spc="-1" strike="noStrike">
                         <a:solidFill>
                           <a:srgbClr val="000000"/>
                         </a:solidFill>
@@ -15392,7 +15200,7 @@
                         </a:rPr>
                         <a:t>11.12.2023</a:t>
                       </a:r>
-                      <a:endParaRPr b="0" lang="en-US" sz="1200" spc="-1" strike="noStrike">
+                      <a:endParaRPr b="0" lang="de-DE" sz="1200" spc="-1" strike="noStrike">
                         <a:solidFill>
                           <a:srgbClr val="000000"/>
                         </a:solidFill>
@@ -15434,7 +15242,7 @@
                       <a:noAutofit/>
                     </a:bodyPr>
                     <a:p>
-                      <a:endParaRPr b="0" lang="en-US" sz="1800" spc="-1" strike="noStrike">
+                      <a:endParaRPr b="0" lang="de-DE" sz="1800" spc="-1" strike="noStrike">
                         <a:solidFill>
                           <a:srgbClr val="000000"/>
                         </a:solidFill>
@@ -15466,7 +15274,7 @@
                       <a:noAutofit/>
                     </a:bodyPr>
                     <a:p>
-                      <a:endParaRPr b="0" lang="en-US" sz="1800" spc="-1" strike="noStrike">
+                      <a:endParaRPr b="0" lang="de-DE" sz="1800" spc="-1" strike="noStrike">
                         <a:solidFill>
                           <a:srgbClr val="000000"/>
                         </a:solidFill>
@@ -15514,7 +15322,7 @@
                         </a:rPr>
                         <a:t>8</a:t>
                       </a:r>
-                      <a:endParaRPr b="0" lang="en-US" sz="1200" spc="-1" strike="noStrike">
+                      <a:endParaRPr b="0" lang="de-DE" sz="1200" spc="-1" strike="noStrike">
                         <a:solidFill>
                           <a:srgbClr val="000000"/>
                         </a:solidFill>
@@ -15572,7 +15380,7 @@
                         </a:rPr>
                         <a:t>18.12.2023</a:t>
                       </a:r>
-                      <a:endParaRPr b="0" lang="en-US" sz="1200" spc="-1" strike="noStrike">
+                      <a:endParaRPr b="0" lang="de-DE" sz="1200" spc="-1" strike="noStrike">
                         <a:solidFill>
                           <a:srgbClr val="000000"/>
                         </a:solidFill>
@@ -15630,7 +15438,7 @@
                         </a:rPr>
                         <a:t>Documentation – Model-based Requirements Documentation (L08),</a:t>
                       </a:r>
-                      <a:endParaRPr b="0" lang="en-US" sz="1200" spc="-1" strike="noStrike">
+                      <a:endParaRPr b="0" lang="de-DE" sz="1200" spc="-1" strike="noStrike">
                         <a:solidFill>
                           <a:srgbClr val="000000"/>
                         </a:solidFill>
@@ -15652,7 +15460,7 @@
                         </a:rPr>
                         <a:t>Documentation – Formal Requirements Specification (L09)</a:t>
                       </a:r>
-                      <a:endParaRPr b="0" lang="en-US" sz="1200" spc="-1" strike="noStrike">
+                      <a:endParaRPr b="0" lang="de-DE" sz="1200" spc="-1" strike="noStrike">
                         <a:solidFill>
                           <a:srgbClr val="000000"/>
                         </a:solidFill>
@@ -15708,7 +15516,7 @@
                         </a:rPr>
                         <a:t>MOOC</a:t>
                       </a:r>
-                      <a:endParaRPr b="0" lang="en-US" sz="1200" spc="-1" strike="noStrike">
+                      <a:endParaRPr b="0" lang="de-DE" sz="1200" spc="-1" strike="noStrike">
                         <a:solidFill>
                           <a:srgbClr val="000000"/>
                         </a:solidFill>
@@ -15766,7 +15574,7 @@
                         </a:rPr>
                         <a:t>9</a:t>
                       </a:r>
-                      <a:endParaRPr b="0" lang="en-US" sz="1200" spc="-1" strike="noStrike">
+                      <a:endParaRPr b="0" lang="de-DE" sz="1200" spc="-1" strike="noStrike">
                         <a:solidFill>
                           <a:srgbClr val="000000"/>
                         </a:solidFill>
@@ -15824,7 +15632,7 @@
                         </a:rPr>
                         <a:t>08.01.2024</a:t>
                       </a:r>
-                      <a:endParaRPr b="0" lang="en-US" sz="1200" spc="-1" strike="noStrike">
+                      <a:endParaRPr b="0" lang="de-DE" sz="1200" spc="-1" strike="noStrike">
                         <a:solidFill>
                           <a:srgbClr val="000000"/>
                         </a:solidFill>
@@ -15868,7 +15676,7 @@
                       <a:noAutofit/>
                     </a:bodyPr>
                     <a:p>
-                      <a:endParaRPr b="0" lang="en-US" sz="1800" spc="-1" strike="noStrike">
+                      <a:endParaRPr b="0" lang="de-DE" sz="1800" spc="-1" strike="noStrike">
                         <a:solidFill>
                           <a:srgbClr val="000000"/>
                         </a:solidFill>
@@ -15900,7 +15708,7 @@
                       <a:noAutofit/>
                     </a:bodyPr>
                     <a:p>
-                      <a:endParaRPr b="0" lang="en-US" sz="1800" spc="-1" strike="noStrike">
+                      <a:endParaRPr b="0" lang="de-DE" sz="1800" spc="-1" strike="noStrike">
                         <a:solidFill>
                           <a:srgbClr val="000000"/>
                         </a:solidFill>
@@ -15948,7 +15756,7 @@
                         </a:rPr>
                         <a:t>10</a:t>
                       </a:r>
-                      <a:endParaRPr b="0" lang="en-US" sz="1200" spc="-1" strike="noStrike">
+                      <a:endParaRPr b="0" lang="de-DE" sz="1200" spc="-1" strike="noStrike">
                         <a:solidFill>
                           <a:srgbClr val="000000"/>
                         </a:solidFill>
@@ -16006,7 +15814,7 @@
                         </a:rPr>
                         <a:t>15.01.2024</a:t>
                       </a:r>
-                      <a:endParaRPr b="0" lang="en-US" sz="1200" spc="-1" strike="noStrike">
+                      <a:endParaRPr b="0" lang="de-DE" sz="1200" spc="-1" strike="noStrike">
                         <a:solidFill>
                           <a:srgbClr val="000000"/>
                         </a:solidFill>
@@ -16064,7 +15872,7 @@
                         </a:rPr>
                         <a:t>Requirements Validation (L10)</a:t>
                       </a:r>
-                      <a:endParaRPr b="0" lang="en-US" sz="1200" spc="-1" strike="noStrike">
+                      <a:endParaRPr b="0" lang="de-DE" sz="1200" spc="-1" strike="noStrike">
                         <a:solidFill>
                           <a:srgbClr val="000000"/>
                         </a:solidFill>
@@ -16122,7 +15930,7 @@
                         </a:rPr>
                         <a:t>MOOC</a:t>
                       </a:r>
-                      <a:endParaRPr b="0" lang="en-US" sz="1200" spc="-1" strike="noStrike">
+                      <a:endParaRPr b="0" lang="de-DE" sz="1200" spc="-1" strike="noStrike">
                         <a:solidFill>
                           <a:srgbClr val="000000"/>
                         </a:solidFill>
@@ -16182,7 +15990,7 @@
                         </a:rPr>
                         <a:t>11</a:t>
                       </a:r>
-                      <a:endParaRPr b="0" lang="en-US" sz="1200" spc="-1" strike="noStrike">
+                      <a:endParaRPr b="0" lang="de-DE" sz="1200" spc="-1" strike="noStrike">
                         <a:solidFill>
                           <a:srgbClr val="000000"/>
                         </a:solidFill>
@@ -16240,7 +16048,7 @@
                         </a:rPr>
                         <a:t>22.01.2024</a:t>
                       </a:r>
-                      <a:endParaRPr b="0" lang="en-US" sz="1200" spc="-1" strike="noStrike">
+                      <a:endParaRPr b="0" lang="de-DE" sz="1200" spc="-1" strike="noStrike">
                         <a:solidFill>
                           <a:srgbClr val="000000"/>
                         </a:solidFill>
@@ -16298,7 +16106,7 @@
                         </a:rPr>
                         <a:t>Requirements Management (L11)</a:t>
                       </a:r>
-                      <a:endParaRPr b="0" lang="en-US" sz="1200" spc="-1" strike="noStrike">
+                      <a:endParaRPr b="0" lang="de-DE" sz="1200" spc="-1" strike="noStrike">
                         <a:solidFill>
                           <a:srgbClr val="000000"/>
                         </a:solidFill>
@@ -16356,7 +16164,7 @@
                         </a:rPr>
                         <a:t>MOOC</a:t>
                       </a:r>
-                      <a:endParaRPr b="0" lang="en-US" sz="1200" spc="-1" strike="noStrike">
+                      <a:endParaRPr b="0" lang="de-DE" sz="1200" spc="-1" strike="noStrike">
                         <a:solidFill>
                           <a:srgbClr val="000000"/>
                         </a:solidFill>
@@ -16416,7 +16224,7 @@
                         </a:rPr>
                         <a:t>12</a:t>
                       </a:r>
-                      <a:endParaRPr b="0" lang="en-US" sz="1200" spc="-1" strike="noStrike">
+                      <a:endParaRPr b="0" lang="de-DE" sz="1200" spc="-1" strike="noStrike">
                         <a:solidFill>
                           <a:srgbClr val="000000"/>
                         </a:solidFill>
@@ -16474,7 +16282,7 @@
                         </a:rPr>
                         <a:t>29.01.2024</a:t>
                       </a:r>
-                      <a:endParaRPr b="0" lang="en-US" sz="1200" spc="-1" strike="noStrike">
+                      <a:endParaRPr b="0" lang="de-DE" sz="1200" spc="-1" strike="noStrike">
                         <a:solidFill>
                           <a:srgbClr val="000000"/>
                         </a:solidFill>
@@ -16532,7 +16340,7 @@
                         </a:rPr>
                         <a:t>Requirements Traceability (L12)</a:t>
                       </a:r>
-                      <a:endParaRPr b="0" lang="en-US" sz="1200" spc="-1" strike="noStrike">
+                      <a:endParaRPr b="0" lang="de-DE" sz="1200" spc="-1" strike="noStrike">
                         <a:solidFill>
                           <a:srgbClr val="000000"/>
                         </a:solidFill>
@@ -16590,7 +16398,7 @@
                         </a:rPr>
                         <a:t>MOOC</a:t>
                       </a:r>
-                      <a:endParaRPr b="0" lang="en-US" sz="1200" spc="-1" strike="noStrike">
+                      <a:endParaRPr b="0" lang="de-DE" sz="1200" spc="-1" strike="noStrike">
                         <a:solidFill>
                           <a:srgbClr val="000000"/>
                         </a:solidFill>
@@ -16650,7 +16458,7 @@
                         </a:rPr>
                         <a:t>13</a:t>
                       </a:r>
-                      <a:endParaRPr b="0" lang="en-US" sz="1200" spc="-1" strike="noStrike">
+                      <a:endParaRPr b="0" lang="de-DE" sz="1200" spc="-1" strike="noStrike">
                         <a:solidFill>
                           <a:srgbClr val="000000"/>
                         </a:solidFill>
@@ -16708,7 +16516,7 @@
                         </a:rPr>
                         <a:t>05.02.2024</a:t>
                       </a:r>
-                      <a:endParaRPr b="0" lang="en-US" sz="1200" spc="-1" strike="noStrike">
+                      <a:endParaRPr b="0" lang="de-DE" sz="1200" spc="-1" strike="noStrike">
                         <a:solidFill>
                           <a:srgbClr val="000000"/>
                         </a:solidFill>
@@ -16766,7 +16574,7 @@
                         </a:rPr>
                         <a:t>Tool Support (L13)</a:t>
                       </a:r>
-                      <a:endParaRPr b="0" lang="en-US" sz="1200" spc="-1" strike="noStrike">
+                      <a:endParaRPr b="0" lang="de-DE" sz="1200" spc="-1" strike="noStrike">
                         <a:solidFill>
                           <a:srgbClr val="000000"/>
                         </a:solidFill>
@@ -16824,7 +16632,7 @@
                         </a:rPr>
                         <a:t>MOOC</a:t>
                       </a:r>
-                      <a:endParaRPr b="0" lang="en-US" sz="1200" spc="-1" strike="noStrike">
+                      <a:endParaRPr b="0" lang="de-DE" sz="1200" spc="-1" strike="noStrike">
                         <a:solidFill>
                           <a:srgbClr val="000000"/>
                         </a:solidFill>
@@ -16884,7 +16692,7 @@
                         </a:rPr>
                         <a:t>14</a:t>
                       </a:r>
-                      <a:endParaRPr b="0" lang="en-US" sz="1200" spc="-1" strike="noStrike">
+                      <a:endParaRPr b="0" lang="de-DE" sz="1200" spc="-1" strike="noStrike">
                         <a:solidFill>
                           <a:srgbClr val="000000"/>
                         </a:solidFill>
@@ -16942,7 +16750,7 @@
                         </a:rPr>
                         <a:t>12.02.2024</a:t>
                       </a:r>
-                      <a:endParaRPr b="0" lang="en-US" sz="1200" spc="-1" strike="noStrike">
+                      <a:endParaRPr b="0" lang="de-DE" sz="1200" spc="-1" strike="noStrike">
                         <a:solidFill>
                           <a:srgbClr val="000000"/>
                         </a:solidFill>
@@ -17000,7 +16808,7 @@
                         </a:rPr>
                         <a:t>-- No Lecture --</a:t>
                       </a:r>
-                      <a:endParaRPr b="0" lang="en-US" sz="1200" spc="-1" strike="noStrike">
+                      <a:endParaRPr b="0" lang="de-DE" sz="1200" spc="-1" strike="noStrike">
                         <a:solidFill>
                           <a:srgbClr val="000000"/>
                         </a:solidFill>
@@ -17104,7 +16912,7 @@
                         </a:rPr>
                         <a:t>15</a:t>
                       </a:r>
-                      <a:endParaRPr b="0" lang="en-US" sz="1200" spc="-1" strike="noStrike">
+                      <a:endParaRPr b="0" lang="de-DE" sz="1200" spc="-1" strike="noStrike">
                         <a:solidFill>
                           <a:srgbClr val="000000"/>
                         </a:solidFill>
@@ -17162,7 +16970,7 @@
                         </a:rPr>
                         <a:t>26.02.2024</a:t>
                       </a:r>
-                      <a:endParaRPr b="0" lang="en-US" sz="1200" spc="-1" strike="noStrike">
+                      <a:endParaRPr b="0" lang="de-DE" sz="1200" spc="-1" strike="noStrike">
                         <a:solidFill>
                           <a:srgbClr val="000000"/>
                         </a:solidFill>
@@ -17220,7 +17028,7 @@
                         </a:rPr>
                         <a:t>Exam Q&amp;A</a:t>
                       </a:r>
-                      <a:endParaRPr b="0" lang="en-US" sz="1200" spc="-1" strike="noStrike">
+                      <a:endParaRPr b="0" lang="de-DE" sz="1200" spc="-1" strike="noStrike">
                         <a:solidFill>
                           <a:srgbClr val="000000"/>
                         </a:solidFill>
@@ -17278,7 +17086,7 @@
                         </a:rPr>
                         <a:t>BBB (Online+LIVE in Gotec)</a:t>
                       </a:r>
-                      <a:endParaRPr b="0" lang="en-US" sz="1200" spc="-1" strike="noStrike">
+                      <a:endParaRPr b="0" lang="de-DE" sz="1200" spc="-1" strike="noStrike">
                         <a:solidFill>
                           <a:srgbClr val="000000"/>
                         </a:solidFill>

--- a/Requirements-Engineering/RE-L00-Organization.pptx
+++ b/Requirements-Engineering/RE-L00-Organization.pptx
@@ -62,8 +62,8 @@
         </p:nvSpPr>
         <p:spPr>
           <a:xfrm>
-            <a:off x="216000" y="812520"/>
-            <a:ext cx="7127280" cy="4008960"/>
+            <a:off x="533520" y="764280"/>
+            <a:ext cx="6704640" cy="3771360"/>
           </a:xfrm>
           <a:prstGeom prst="rect">
             <a:avLst/>
@@ -80,51 +80,105 @@
           <a:p>
             <a:pPr algn="ctr"/>
             <a:r>
-              <a:rPr b="0" lang="de-DE" sz="4400" spc="-1" strike="noStrike">
+              <a:rPr b="0" lang="en-US" sz="4400" spc="-1" strike="noStrike">
                 <a:solidFill>
                   <a:srgbClr val="000000"/>
                 </a:solidFill>
                 <a:latin typeface="Arial"/>
               </a:rPr>
-              <a:t>Click </a:t>
-            </a:r>
-            <a:r>
-              <a:rPr b="0" lang="de-DE" sz="4400" spc="-1" strike="noStrike">
+              <a:t>Cl</a:t>
+            </a:r>
+            <a:r>
+              <a:rPr b="0" lang="en-US" sz="4400" spc="-1" strike="noStrike">
                 <a:solidFill>
                   <a:srgbClr val="000000"/>
                 </a:solidFill>
                 <a:latin typeface="Arial"/>
               </a:rPr>
+              <a:t>ic</a:t>
+            </a:r>
+            <a:r>
+              <a:rPr b="0" lang="en-US" sz="4400" spc="-1" strike="noStrike">
+                <a:solidFill>
+                  <a:srgbClr val="000000"/>
+                </a:solidFill>
+                <a:latin typeface="Arial"/>
+              </a:rPr>
+              <a:t>k </a:t>
+            </a:r>
+            <a:r>
+              <a:rPr b="0" lang="en-US" sz="4400" spc="-1" strike="noStrike">
+                <a:solidFill>
+                  <a:srgbClr val="000000"/>
+                </a:solidFill>
+                <a:latin typeface="Arial"/>
+              </a:rPr>
               <a:t>to </a:t>
             </a:r>
             <a:r>
-              <a:rPr b="0" lang="de-DE" sz="4400" spc="-1" strike="noStrike">
+              <a:rPr b="0" lang="en-US" sz="4400" spc="-1" strike="noStrike">
                 <a:solidFill>
                   <a:srgbClr val="000000"/>
                 </a:solidFill>
                 <a:latin typeface="Arial"/>
               </a:rPr>
-              <a:t>move </a:t>
-            </a:r>
-            <a:r>
-              <a:rPr b="0" lang="de-DE" sz="4400" spc="-1" strike="noStrike">
+              <a:t>m</a:t>
+            </a:r>
+            <a:r>
+              <a:rPr b="0" lang="en-US" sz="4400" spc="-1" strike="noStrike">
                 <a:solidFill>
                   <a:srgbClr val="000000"/>
                 </a:solidFill>
                 <a:latin typeface="Arial"/>
               </a:rPr>
-              <a:t>the </a:t>
-            </a:r>
-            <a:r>
-              <a:rPr b="0" lang="de-DE" sz="4400" spc="-1" strike="noStrike">
+              <a:t>ov</a:t>
+            </a:r>
+            <a:r>
+              <a:rPr b="0" lang="en-US" sz="4400" spc="-1" strike="noStrike">
                 <a:solidFill>
                   <a:srgbClr val="000000"/>
                 </a:solidFill>
                 <a:latin typeface="Arial"/>
               </a:rPr>
-              <a:t>slide</a:t>
-            </a:r>
-            <a:endParaRPr b="0" lang="de-DE" sz="4400" spc="-1" strike="noStrike">
+              <a:t>e </a:t>
+            </a:r>
+            <a:r>
+              <a:rPr b="0" lang="en-US" sz="4400" spc="-1" strike="noStrike">
+                <a:solidFill>
+                  <a:srgbClr val="000000"/>
+                </a:solidFill>
+                <a:latin typeface="Arial"/>
+              </a:rPr>
+              <a:t>th</a:t>
+            </a:r>
+            <a:r>
+              <a:rPr b="0" lang="en-US" sz="4400" spc="-1" strike="noStrike">
+                <a:solidFill>
+                  <a:srgbClr val="000000"/>
+                </a:solidFill>
+                <a:latin typeface="Arial"/>
+              </a:rPr>
+              <a:t>e </a:t>
+            </a:r>
+            <a:r>
+              <a:rPr b="0" lang="en-US" sz="4400" spc="-1" strike="noStrike">
+                <a:solidFill>
+                  <a:srgbClr val="000000"/>
+                </a:solidFill>
+                <a:latin typeface="Arial"/>
+              </a:rPr>
+              <a:t>sli</a:t>
+            </a:r>
+            <a:r>
+              <a:rPr b="0" lang="en-US" sz="4400" spc="-1" strike="noStrike">
+                <a:solidFill>
+                  <a:srgbClr val="000000"/>
+                </a:solidFill>
+                <a:latin typeface="Arial"/>
+              </a:rPr>
+              <a:t>de</a:t>
+            </a:r>
+            <a:endParaRPr b="0" lang="en-US" sz="4400" spc="-1" strike="noStrike">
               <a:solidFill>
                 <a:srgbClr val="000000"/>
               </a:solidFill>
@@ -145,8 +199,8 @@
         </p:nvSpPr>
         <p:spPr>
           <a:xfrm>
-            <a:off x="756000" y="5078520"/>
-            <a:ext cx="6047640" cy="4811040"/>
+            <a:off x="777240" y="4777560"/>
+            <a:ext cx="6217560" cy="4525920"/>
           </a:xfrm>
           <a:prstGeom prst="rect">
             <a:avLst/>
@@ -165,33 +219,15 @@
               <a:buNone/>
             </a:pPr>
             <a:r>
-              <a:rPr b="0" lang="de-DE" sz="2000" spc="-1" strike="noStrike">
+              <a:rPr b="0" lang="en-US" sz="2000" spc="-1" strike="noStrike">
                 <a:solidFill>
                   <a:srgbClr val="000000"/>
                 </a:solidFill>
                 <a:latin typeface="Arial"/>
               </a:rPr>
-              <a:t>Click to edit </a:t>
-            </a:r>
-            <a:r>
-              <a:rPr b="0" lang="de-DE" sz="2000" spc="-1" strike="noStrike">
-                <a:solidFill>
-                  <a:srgbClr val="000000"/>
-                </a:solidFill>
-                <a:latin typeface="Arial"/>
-              </a:rPr>
-              <a:t>the notes' </a:t>
-            </a:r>
-            <a:r>
-              <a:rPr b="0" lang="de-DE" sz="2000" spc="-1" strike="noStrike">
-                <a:solidFill>
-                  <a:srgbClr val="000000"/>
-                </a:solidFill>
-                <a:latin typeface="Arial"/>
-              </a:rPr>
-              <a:t>format</a:t>
-            </a:r>
-            <a:endParaRPr b="0" lang="de-DE" sz="2000" spc="-1" strike="noStrike">
+              <a:t>Click to edit the notes format</a:t>
+            </a:r>
+            <a:endParaRPr b="0" lang="en-US" sz="2000" spc="-1" strike="noStrike">
               <a:solidFill>
                 <a:srgbClr val="000000"/>
               </a:solidFill>
@@ -213,7 +249,7 @@
         <p:spPr>
           <a:xfrm>
             <a:off x="0" y="0"/>
-            <a:ext cx="3280680" cy="534240"/>
+            <a:ext cx="3372840" cy="502560"/>
           </a:xfrm>
           <a:prstGeom prst="rect">
             <a:avLst/>
@@ -232,7 +268,7 @@
               <a:buNone/>
             </a:pPr>
             <a:r>
-              <a:rPr b="0" lang="de-DE" sz="1400" spc="-1" strike="noStrike">
+              <a:rPr b="0" lang="en-US" sz="1400" spc="-1" strike="noStrike">
                 <a:solidFill>
                   <a:srgbClr val="000000"/>
                 </a:solidFill>
@@ -240,7 +276,7 @@
               </a:rPr>
               <a:t>&lt;header&gt;</a:t>
             </a:r>
-            <a:endParaRPr b="0" lang="de-DE" sz="1400" spc="-1" strike="noStrike">
+            <a:endParaRPr b="0" lang="en-US" sz="1400" spc="-1" strike="noStrike">
               <a:solidFill>
                 <a:srgbClr val="000000"/>
               </a:solidFill>
@@ -261,8 +297,8 @@
         </p:nvSpPr>
         <p:spPr>
           <a:xfrm>
-            <a:off x="4278960" y="0"/>
-            <a:ext cx="3280680" cy="534240"/>
+            <a:off x="4399200" y="0"/>
+            <a:ext cx="3372840" cy="502560"/>
           </a:xfrm>
           <a:prstGeom prst="rect">
             <a:avLst/>
@@ -279,7 +315,7 @@
           <a:lstStyle>
             <a:lvl1pPr indent="0" algn="r">
               <a:buNone/>
-              <a:defRPr b="0" lang="de-DE" sz="1400" spc="-1" strike="noStrike">
+              <a:defRPr b="0" lang="en-US" sz="1400" spc="-1" strike="noStrike">
                 <a:solidFill>
                   <a:srgbClr val="000000"/>
                 </a:solidFill>
@@ -292,7 +328,7 @@
               <a:buNone/>
             </a:pPr>
             <a:r>
-              <a:rPr b="0" lang="de-DE" sz="1400" spc="-1" strike="noStrike">
+              <a:rPr b="0" lang="en-US" sz="1400" spc="-1" strike="noStrike">
                 <a:solidFill>
                   <a:srgbClr val="000000"/>
                 </a:solidFill>
@@ -300,7 +336,7 @@
               </a:rPr>
               <a:t>&lt;date/time&gt;</a:t>
             </a:r>
-            <a:endParaRPr b="0" lang="de-DE" sz="1400" spc="-1" strike="noStrike">
+            <a:endParaRPr b="0" lang="en-US" sz="1400" spc="-1" strike="noStrike">
               <a:solidFill>
                 <a:srgbClr val="000000"/>
               </a:solidFill>
@@ -321,8 +357,8 @@
         </p:nvSpPr>
         <p:spPr>
           <a:xfrm>
-            <a:off x="0" y="10157400"/>
-            <a:ext cx="3280680" cy="534240"/>
+            <a:off x="0" y="9555480"/>
+            <a:ext cx="3372840" cy="502560"/>
           </a:xfrm>
           <a:prstGeom prst="rect">
             <a:avLst/>
@@ -339,7 +375,7 @@
           <a:lstStyle>
             <a:lvl1pPr indent="0">
               <a:buNone/>
-              <a:defRPr b="0" lang="de-DE" sz="1400" spc="-1" strike="noStrike">
+              <a:defRPr b="0" lang="en-US" sz="1400" spc="-1" strike="noStrike">
                 <a:solidFill>
                   <a:srgbClr val="000000"/>
                 </a:solidFill>
@@ -352,7 +388,7 @@
               <a:buNone/>
             </a:pPr>
             <a:r>
-              <a:rPr b="0" lang="de-DE" sz="1400" spc="-1" strike="noStrike">
+              <a:rPr b="0" lang="en-US" sz="1400" spc="-1" strike="noStrike">
                 <a:solidFill>
                   <a:srgbClr val="000000"/>
                 </a:solidFill>
@@ -360,7 +396,7 @@
               </a:rPr>
               <a:t>&lt;footer&gt;</a:t>
             </a:r>
-            <a:endParaRPr b="0" lang="de-DE" sz="1400" spc="-1" strike="noStrike">
+            <a:endParaRPr b="0" lang="en-US" sz="1400" spc="-1" strike="noStrike">
               <a:solidFill>
                 <a:srgbClr val="000000"/>
               </a:solidFill>
@@ -381,8 +417,8 @@
         </p:nvSpPr>
         <p:spPr>
           <a:xfrm>
-            <a:off x="4278960" y="10157400"/>
-            <a:ext cx="3280680" cy="534240"/>
+            <a:off x="4399200" y="9555480"/>
+            <a:ext cx="3372840" cy="502560"/>
           </a:xfrm>
           <a:prstGeom prst="rect">
             <a:avLst/>
@@ -399,7 +435,7 @@
           <a:lstStyle>
             <a:lvl1pPr indent="0" algn="r">
               <a:buNone/>
-              <a:defRPr b="0" lang="de-DE" sz="1400" spc="-1" strike="noStrike">
+              <a:defRPr b="0" lang="en-US" sz="1400" spc="-1" strike="noStrike">
                 <a:solidFill>
                   <a:srgbClr val="000000"/>
                 </a:solidFill>
@@ -411,8 +447,8 @@
             <a:pPr indent="0" algn="r">
               <a:buNone/>
             </a:pPr>
-            <a:fld id="{43D4EB28-AF16-49D3-959F-B9995F61F3EF}" type="slidenum">
-              <a:rPr b="0" lang="de-DE" sz="1400" spc="-1" strike="noStrike">
+            <a:fld id="{4BB96084-C7A3-4322-981C-A60BE3FF3FF7}" type="slidenum">
+              <a:rPr b="0" lang="en-US" sz="1400" spc="-1" strike="noStrike">
                 <a:solidFill>
                   <a:srgbClr val="000000"/>
                 </a:solidFill>
@@ -420,7 +456,7 @@
               </a:rPr>
               <a:t>&lt;number&gt;</a:t>
             </a:fld>
-            <a:endParaRPr b="0" lang="de-DE" sz="1400" spc="-1" strike="noStrike">
+            <a:endParaRPr b="0" lang="en-US" sz="1400" spc="-1" strike="noStrike">
               <a:solidFill>
                 <a:srgbClr val="000000"/>
               </a:solidFill>
@@ -465,7 +501,7 @@
         <p:spPr>
           <a:xfrm>
             <a:off x="533520" y="763560"/>
-            <a:ext cx="6694560" cy="3762720"/>
+            <a:ext cx="6694200" cy="3762360"/>
           </a:xfrm>
           <a:prstGeom prst="rect">
             <a:avLst/>
@@ -488,7 +524,7 @@
         <p:spPr>
           <a:xfrm>
             <a:off x="777240" y="4777560"/>
-            <a:ext cx="6208200" cy="4516560"/>
+            <a:ext cx="6207840" cy="4516200"/>
           </a:xfrm>
           <a:prstGeom prst="rect">
             <a:avLst/>
@@ -506,7 +542,7 @@
             <a:pPr marL="216000" indent="0">
               <a:buNone/>
             </a:pPr>
-            <a:endParaRPr b="0" lang="de-DE" sz="1800" spc="-1" strike="noStrike">
+            <a:endParaRPr b="0" lang="en-US" sz="1800" spc="-1" strike="noStrike">
               <a:solidFill>
                 <a:srgbClr val="000000"/>
               </a:solidFill>
@@ -524,7 +560,7 @@
         <p:spPr>
           <a:xfrm>
             <a:off x="4399200" y="9555480"/>
-            <a:ext cx="3363480" cy="493200"/>
+            <a:ext cx="3363120" cy="492840"/>
           </a:xfrm>
           <a:prstGeom prst="rect">
             <a:avLst/>
@@ -550,7 +586,7 @@
                 <a:spcPct val="100000"/>
               </a:lnSpc>
             </a:pPr>
-            <a:fld id="{D00E51A7-3039-484D-A9A6-86BEF04238B8}" type="slidenum">
+            <a:fld id="{3353BF2D-029B-473E-8B01-41B5E0EE07BC}" type="slidenum">
               <a:rPr b="0" lang="en-GB" sz="1800" spc="-1" strike="noStrike">
                 <a:solidFill>
                   <a:srgbClr val="000000"/>
@@ -558,9 +594,9 @@
                 <a:latin typeface="+mn-lt"/>
                 <a:ea typeface="+mn-ea"/>
               </a:rPr>
-              <a:t>6</a:t>
+              <a:t>&lt;number&gt;</a:t>
             </a:fld>
-            <a:endParaRPr b="0" lang="de-DE" sz="1800" spc="-1" strike="noStrike">
+            <a:endParaRPr b="0" lang="en-US" sz="1800" spc="-1" strike="noStrike">
               <a:solidFill>
                 <a:srgbClr val="000000"/>
               </a:solidFill>
@@ -604,7 +640,7 @@
         <p:spPr>
           <a:xfrm>
             <a:off x="533520" y="763560"/>
-            <a:ext cx="6694560" cy="3762720"/>
+            <a:ext cx="6694200" cy="3762360"/>
           </a:xfrm>
           <a:prstGeom prst="rect">
             <a:avLst/>
@@ -627,7 +663,7 @@
         <p:spPr>
           <a:xfrm>
             <a:off x="777240" y="4777560"/>
-            <a:ext cx="6208200" cy="4516560"/>
+            <a:ext cx="6207840" cy="4516200"/>
           </a:xfrm>
           <a:prstGeom prst="rect">
             <a:avLst/>
@@ -645,7 +681,7 @@
             <a:pPr marL="216000" indent="0">
               <a:buNone/>
             </a:pPr>
-            <a:endParaRPr b="0" lang="de-DE" sz="1800" spc="-1" strike="noStrike">
+            <a:endParaRPr b="0" lang="en-US" sz="1800" spc="-1" strike="noStrike">
               <a:solidFill>
                 <a:srgbClr val="000000"/>
               </a:solidFill>
@@ -663,7 +699,7 @@
         <p:spPr>
           <a:xfrm>
             <a:off x="4399200" y="9555480"/>
-            <a:ext cx="3363480" cy="493200"/>
+            <a:ext cx="3363120" cy="492840"/>
           </a:xfrm>
           <a:prstGeom prst="rect">
             <a:avLst/>
@@ -689,7 +725,7 @@
                 <a:spcPct val="100000"/>
               </a:lnSpc>
             </a:pPr>
-            <a:fld id="{E5AF1E5B-BA8C-4CA9-B612-BAC7D67BBDC8}" type="slidenum">
+            <a:fld id="{6B8377B1-130E-4156-A347-F84D57194C6A}" type="slidenum">
               <a:rPr b="0" lang="en-GB" sz="1800" spc="-1" strike="noStrike">
                 <a:solidFill>
                   <a:srgbClr val="000000"/>
@@ -697,9 +733,9 @@
                 <a:latin typeface="+mn-lt"/>
                 <a:ea typeface="+mn-ea"/>
               </a:rPr>
-              <a:t>6</a:t>
+              <a:t>&lt;number&gt;</a:t>
             </a:fld>
-            <a:endParaRPr b="0" lang="de-DE" sz="1800" spc="-1" strike="noStrike">
+            <a:endParaRPr b="0" lang="en-US" sz="1800" spc="-1" strike="noStrike">
               <a:solidFill>
                 <a:srgbClr val="000000"/>
               </a:solidFill>
@@ -743,7 +779,7 @@
         <p:spPr>
           <a:xfrm>
             <a:off x="533520" y="763560"/>
-            <a:ext cx="6694560" cy="3762720"/>
+            <a:ext cx="6694200" cy="3762360"/>
           </a:xfrm>
           <a:prstGeom prst="rect">
             <a:avLst/>
@@ -766,7 +802,7 @@
         <p:spPr>
           <a:xfrm>
             <a:off x="777240" y="4777560"/>
-            <a:ext cx="6208200" cy="4516560"/>
+            <a:ext cx="6207840" cy="4516200"/>
           </a:xfrm>
           <a:prstGeom prst="rect">
             <a:avLst/>
@@ -784,7 +820,7 @@
             <a:pPr marL="216000" indent="0">
               <a:buNone/>
             </a:pPr>
-            <a:endParaRPr b="0" lang="de-DE" sz="1800" spc="-1" strike="noStrike">
+            <a:endParaRPr b="0" lang="en-US" sz="1800" spc="-1" strike="noStrike">
               <a:solidFill>
                 <a:srgbClr val="000000"/>
               </a:solidFill>
@@ -802,7 +838,7 @@
         <p:spPr>
           <a:xfrm>
             <a:off x="4399200" y="9555480"/>
-            <a:ext cx="3363480" cy="493200"/>
+            <a:ext cx="3363120" cy="492840"/>
           </a:xfrm>
           <a:prstGeom prst="rect">
             <a:avLst/>
@@ -828,7 +864,7 @@
                 <a:spcPct val="100000"/>
               </a:lnSpc>
             </a:pPr>
-            <a:fld id="{A1E3D2A5-654F-4258-8D2A-59691B7F97F5}" type="slidenum">
+            <a:fld id="{6B37C931-463E-4618-AB2C-9CE4A57705C6}" type="slidenum">
               <a:rPr b="0" lang="en-GB" sz="1800" spc="-1" strike="noStrike">
                 <a:solidFill>
                   <a:srgbClr val="000000"/>
@@ -836,9 +872,9 @@
                 <a:latin typeface="+mn-lt"/>
                 <a:ea typeface="+mn-ea"/>
               </a:rPr>
-              <a:t>6</a:t>
+              <a:t>&lt;number&gt;</a:t>
             </a:fld>
-            <a:endParaRPr b="0" lang="de-DE" sz="1800" spc="-1" strike="noStrike">
+            <a:endParaRPr b="0" lang="en-US" sz="1800" spc="-1" strike="noStrike">
               <a:solidFill>
                 <a:srgbClr val="000000"/>
               </a:solidFill>
@@ -882,7 +918,7 @@
         <p:spPr>
           <a:xfrm>
             <a:off x="533520" y="763560"/>
-            <a:ext cx="6694560" cy="3762720"/>
+            <a:ext cx="6694200" cy="3762360"/>
           </a:xfrm>
           <a:prstGeom prst="rect">
             <a:avLst/>
@@ -905,7 +941,7 @@
         <p:spPr>
           <a:xfrm>
             <a:off x="777240" y="4777560"/>
-            <a:ext cx="6208200" cy="4516560"/>
+            <a:ext cx="6207840" cy="4516200"/>
           </a:xfrm>
           <a:prstGeom prst="rect">
             <a:avLst/>
@@ -923,7 +959,7 @@
             <a:pPr marL="216000" indent="0">
               <a:buNone/>
             </a:pPr>
-            <a:endParaRPr b="0" lang="de-DE" sz="1800" spc="-1" strike="noStrike">
+            <a:endParaRPr b="0" lang="en-US" sz="1800" spc="-1" strike="noStrike">
               <a:solidFill>
                 <a:srgbClr val="000000"/>
               </a:solidFill>
@@ -941,7 +977,7 @@
         <p:spPr>
           <a:xfrm>
             <a:off x="4399200" y="9555480"/>
-            <a:ext cx="3363480" cy="493200"/>
+            <a:ext cx="3363120" cy="492840"/>
           </a:xfrm>
           <a:prstGeom prst="rect">
             <a:avLst/>
@@ -967,7 +1003,7 @@
                 <a:spcPct val="100000"/>
               </a:lnSpc>
             </a:pPr>
-            <a:fld id="{DBEC9D9D-865F-4CEF-AD98-EA12B8068A9F}" type="slidenum">
+            <a:fld id="{6497512F-B639-4742-B37D-4F2133325B05}" type="slidenum">
               <a:rPr b="0" lang="en-GB" sz="1800" spc="-1" strike="noStrike">
                 <a:solidFill>
                   <a:srgbClr val="000000"/>
@@ -975,9 +1011,9 @@
                 <a:latin typeface="+mn-lt"/>
                 <a:ea typeface="+mn-ea"/>
               </a:rPr>
-              <a:t>6</a:t>
+              <a:t>&lt;number&gt;</a:t>
             </a:fld>
-            <a:endParaRPr b="0" lang="de-DE" sz="1800" spc="-1" strike="noStrike">
+            <a:endParaRPr b="0" lang="en-US" sz="1800" spc="-1" strike="noStrike">
               <a:solidFill>
                 <a:srgbClr val="000000"/>
               </a:solidFill>
@@ -1061,7 +1097,7 @@
             <a:pPr indent="0" algn="ctr">
               <a:buNone/>
             </a:pPr>
-            <a:endParaRPr b="0" lang="de-DE" sz="4400" spc="-1" strike="noStrike">
+            <a:endParaRPr b="0" lang="en-US" sz="4400" spc="-1" strike="noStrike">
               <a:solidFill>
                 <a:srgbClr val="000000"/>
               </a:solidFill>
@@ -1104,7 +1140,7 @@
               </a:spcBef>
               <a:buNone/>
             </a:pPr>
-            <a:endParaRPr b="0" lang="de-DE" sz="3200" spc="-1" strike="noStrike">
+            <a:endParaRPr b="0" lang="en-US" sz="3200" spc="-1" strike="noStrike">
               <a:solidFill>
                 <a:srgbClr val="000000"/>
               </a:solidFill>
@@ -1147,7 +1183,7 @@
               </a:spcBef>
               <a:buNone/>
             </a:pPr>
-            <a:endParaRPr b="0" lang="de-DE" sz="3200" spc="-1" strike="noStrike">
+            <a:endParaRPr b="0" lang="en-US" sz="3200" spc="-1" strike="noStrike">
               <a:solidFill>
                 <a:srgbClr val="000000"/>
               </a:solidFill>
@@ -1209,7 +1245,7 @@
             <a:pPr indent="0" algn="ctr">
               <a:buNone/>
             </a:pPr>
-            <a:endParaRPr b="0" lang="de-DE" sz="4400" spc="-1" strike="noStrike">
+            <a:endParaRPr b="0" lang="en-US" sz="4400" spc="-1" strike="noStrike">
               <a:solidFill>
                 <a:srgbClr val="000000"/>
               </a:solidFill>
@@ -1252,7 +1288,7 @@
               </a:spcBef>
               <a:buNone/>
             </a:pPr>
-            <a:endParaRPr b="0" lang="de-DE" sz="3200" spc="-1" strike="noStrike">
+            <a:endParaRPr b="0" lang="en-US" sz="3200" spc="-1" strike="noStrike">
               <a:solidFill>
                 <a:srgbClr val="000000"/>
               </a:solidFill>
@@ -1295,7 +1331,7 @@
               </a:spcBef>
               <a:buNone/>
             </a:pPr>
-            <a:endParaRPr b="0" lang="de-DE" sz="3200" spc="-1" strike="noStrike">
+            <a:endParaRPr b="0" lang="en-US" sz="3200" spc="-1" strike="noStrike">
               <a:solidFill>
                 <a:srgbClr val="000000"/>
               </a:solidFill>
@@ -1338,7 +1374,7 @@
               </a:spcBef>
               <a:buNone/>
             </a:pPr>
-            <a:endParaRPr b="0" lang="de-DE" sz="3200" spc="-1" strike="noStrike">
+            <a:endParaRPr b="0" lang="en-US" sz="3200" spc="-1" strike="noStrike">
               <a:solidFill>
                 <a:srgbClr val="000000"/>
               </a:solidFill>
@@ -1381,7 +1417,7 @@
               </a:spcBef>
               <a:buNone/>
             </a:pPr>
-            <a:endParaRPr b="0" lang="de-DE" sz="3200" spc="-1" strike="noStrike">
+            <a:endParaRPr b="0" lang="en-US" sz="3200" spc="-1" strike="noStrike">
               <a:solidFill>
                 <a:srgbClr val="000000"/>
               </a:solidFill>
@@ -1443,7 +1479,7 @@
             <a:pPr indent="0" algn="ctr">
               <a:buNone/>
             </a:pPr>
-            <a:endParaRPr b="0" lang="de-DE" sz="4400" spc="-1" strike="noStrike">
+            <a:endParaRPr b="0" lang="en-US" sz="4400" spc="-1" strike="noStrike">
               <a:solidFill>
                 <a:srgbClr val="000000"/>
               </a:solidFill>
@@ -1486,7 +1522,7 @@
               </a:spcBef>
               <a:buNone/>
             </a:pPr>
-            <a:endParaRPr b="0" lang="de-DE" sz="3200" spc="-1" strike="noStrike">
+            <a:endParaRPr b="0" lang="en-US" sz="3200" spc="-1" strike="noStrike">
               <a:solidFill>
                 <a:srgbClr val="000000"/>
               </a:solidFill>
@@ -1529,7 +1565,7 @@
               </a:spcBef>
               <a:buNone/>
             </a:pPr>
-            <a:endParaRPr b="0" lang="de-DE" sz="3200" spc="-1" strike="noStrike">
+            <a:endParaRPr b="0" lang="en-US" sz="3200" spc="-1" strike="noStrike">
               <a:solidFill>
                 <a:srgbClr val="000000"/>
               </a:solidFill>
@@ -1572,7 +1608,7 @@
               </a:spcBef>
               <a:buNone/>
             </a:pPr>
-            <a:endParaRPr b="0" lang="de-DE" sz="3200" spc="-1" strike="noStrike">
+            <a:endParaRPr b="0" lang="en-US" sz="3200" spc="-1" strike="noStrike">
               <a:solidFill>
                 <a:srgbClr val="000000"/>
               </a:solidFill>
@@ -1615,7 +1651,7 @@
               </a:spcBef>
               <a:buNone/>
             </a:pPr>
-            <a:endParaRPr b="0" lang="de-DE" sz="3200" spc="-1" strike="noStrike">
+            <a:endParaRPr b="0" lang="en-US" sz="3200" spc="-1" strike="noStrike">
               <a:solidFill>
                 <a:srgbClr val="000000"/>
               </a:solidFill>
@@ -1658,7 +1694,7 @@
               </a:spcBef>
               <a:buNone/>
             </a:pPr>
-            <a:endParaRPr b="0" lang="de-DE" sz="3200" spc="-1" strike="noStrike">
+            <a:endParaRPr b="0" lang="en-US" sz="3200" spc="-1" strike="noStrike">
               <a:solidFill>
                 <a:srgbClr val="000000"/>
               </a:solidFill>
@@ -1701,7 +1737,7 @@
               </a:spcBef>
               <a:buNone/>
             </a:pPr>
-            <a:endParaRPr b="0" lang="de-DE" sz="3200" spc="-1" strike="noStrike">
+            <a:endParaRPr b="0" lang="en-US" sz="3200" spc="-1" strike="noStrike">
               <a:solidFill>
                 <a:srgbClr val="000000"/>
               </a:solidFill>
@@ -1785,7 +1821,7 @@
             <a:pPr indent="0" algn="ctr">
               <a:buNone/>
             </a:pPr>
-            <a:endParaRPr b="0" lang="de-DE" sz="4400" spc="-1" strike="noStrike">
+            <a:endParaRPr b="0" lang="en-US" sz="4400" spc="-1" strike="noStrike">
               <a:solidFill>
                 <a:srgbClr val="000000"/>
               </a:solidFill>
@@ -1825,7 +1861,7 @@
             <a:pPr indent="0" algn="ctr">
               <a:buNone/>
             </a:pPr>
-            <a:endParaRPr b="0" lang="de-DE" sz="3200" spc="-1" strike="noStrike">
+            <a:endParaRPr b="0" lang="en-US" sz="3200" spc="-1" strike="noStrike">
               <a:solidFill>
                 <a:srgbClr val="000000"/>
               </a:solidFill>
@@ -1887,7 +1923,7 @@
             <a:pPr indent="0" algn="ctr">
               <a:buNone/>
             </a:pPr>
-            <a:endParaRPr b="0" lang="de-DE" sz="4400" spc="-1" strike="noStrike">
+            <a:endParaRPr b="0" lang="en-US" sz="4400" spc="-1" strike="noStrike">
               <a:solidFill>
                 <a:srgbClr val="000000"/>
               </a:solidFill>
@@ -1930,7 +1966,7 @@
               </a:spcBef>
               <a:buNone/>
             </a:pPr>
-            <a:endParaRPr b="0" lang="de-DE" sz="3200" spc="-1" strike="noStrike">
+            <a:endParaRPr b="0" lang="en-US" sz="3200" spc="-1" strike="noStrike">
               <a:solidFill>
                 <a:srgbClr val="000000"/>
               </a:solidFill>
@@ -1992,7 +2028,7 @@
             <a:pPr indent="0" algn="ctr">
               <a:buNone/>
             </a:pPr>
-            <a:endParaRPr b="0" lang="de-DE" sz="4400" spc="-1" strike="noStrike">
+            <a:endParaRPr b="0" lang="en-US" sz="4400" spc="-1" strike="noStrike">
               <a:solidFill>
                 <a:srgbClr val="000000"/>
               </a:solidFill>
@@ -2035,7 +2071,7 @@
               </a:spcBef>
               <a:buNone/>
             </a:pPr>
-            <a:endParaRPr b="0" lang="de-DE" sz="3200" spc="-1" strike="noStrike">
+            <a:endParaRPr b="0" lang="en-US" sz="3200" spc="-1" strike="noStrike">
               <a:solidFill>
                 <a:srgbClr val="000000"/>
               </a:solidFill>
@@ -2078,7 +2114,7 @@
               </a:spcBef>
               <a:buNone/>
             </a:pPr>
-            <a:endParaRPr b="0" lang="de-DE" sz="3200" spc="-1" strike="noStrike">
+            <a:endParaRPr b="0" lang="en-US" sz="3200" spc="-1" strike="noStrike">
               <a:solidFill>
                 <a:srgbClr val="000000"/>
               </a:solidFill>
@@ -2140,7 +2176,7 @@
             <a:pPr indent="0" algn="ctr">
               <a:buNone/>
             </a:pPr>
-            <a:endParaRPr b="0" lang="de-DE" sz="4400" spc="-1" strike="noStrike">
+            <a:endParaRPr b="0" lang="en-US" sz="4400" spc="-1" strike="noStrike">
               <a:solidFill>
                 <a:srgbClr val="000000"/>
               </a:solidFill>
@@ -2200,7 +2236,7 @@
           </a:bodyPr>
           <a:p>
             <a:pPr algn="ctr"/>
-            <a:endParaRPr b="0" lang="de-DE" sz="3200" spc="-1" strike="noStrike">
+            <a:endParaRPr b="0" lang="en-US" sz="3200" spc="-1" strike="noStrike">
               <a:solidFill>
                 <a:srgbClr val="000000"/>
               </a:solidFill>
@@ -2262,7 +2298,7 @@
             <a:pPr indent="0" algn="ctr">
               <a:buNone/>
             </a:pPr>
-            <a:endParaRPr b="0" lang="de-DE" sz="4400" spc="-1" strike="noStrike">
+            <a:endParaRPr b="0" lang="en-US" sz="4400" spc="-1" strike="noStrike">
               <a:solidFill>
                 <a:srgbClr val="000000"/>
               </a:solidFill>
@@ -2305,7 +2341,7 @@
               </a:spcBef>
               <a:buNone/>
             </a:pPr>
-            <a:endParaRPr b="0" lang="de-DE" sz="3200" spc="-1" strike="noStrike">
+            <a:endParaRPr b="0" lang="en-US" sz="3200" spc="-1" strike="noStrike">
               <a:solidFill>
                 <a:srgbClr val="000000"/>
               </a:solidFill>
@@ -2348,7 +2384,7 @@
               </a:spcBef>
               <a:buNone/>
             </a:pPr>
-            <a:endParaRPr b="0" lang="de-DE" sz="3200" spc="-1" strike="noStrike">
+            <a:endParaRPr b="0" lang="en-US" sz="3200" spc="-1" strike="noStrike">
               <a:solidFill>
                 <a:srgbClr val="000000"/>
               </a:solidFill>
@@ -2391,7 +2427,7 @@
               </a:spcBef>
               <a:buNone/>
             </a:pPr>
-            <a:endParaRPr b="0" lang="de-DE" sz="3200" spc="-1" strike="noStrike">
+            <a:endParaRPr b="0" lang="en-US" sz="3200" spc="-1" strike="noStrike">
               <a:solidFill>
                 <a:srgbClr val="000000"/>
               </a:solidFill>
@@ -2453,7 +2489,7 @@
             <a:pPr indent="0" algn="ctr">
               <a:buNone/>
             </a:pPr>
-            <a:endParaRPr b="0" lang="de-DE" sz="4400" spc="-1" strike="noStrike">
+            <a:endParaRPr b="0" lang="en-US" sz="4400" spc="-1" strike="noStrike">
               <a:solidFill>
                 <a:srgbClr val="000000"/>
               </a:solidFill>
@@ -2493,7 +2529,7 @@
             <a:pPr indent="0" algn="ctr">
               <a:buNone/>
             </a:pPr>
-            <a:endParaRPr b="0" lang="de-DE" sz="3200" spc="-1" strike="noStrike">
+            <a:endParaRPr b="0" lang="en-US" sz="3200" spc="-1" strike="noStrike">
               <a:solidFill>
                 <a:srgbClr val="000000"/>
               </a:solidFill>
@@ -2555,7 +2591,7 @@
             <a:pPr indent="0" algn="ctr">
               <a:buNone/>
             </a:pPr>
-            <a:endParaRPr b="0" lang="de-DE" sz="4400" spc="-1" strike="noStrike">
+            <a:endParaRPr b="0" lang="en-US" sz="4400" spc="-1" strike="noStrike">
               <a:solidFill>
                 <a:srgbClr val="000000"/>
               </a:solidFill>
@@ -2598,7 +2634,7 @@
               </a:spcBef>
               <a:buNone/>
             </a:pPr>
-            <a:endParaRPr b="0" lang="de-DE" sz="3200" spc="-1" strike="noStrike">
+            <a:endParaRPr b="0" lang="en-US" sz="3200" spc="-1" strike="noStrike">
               <a:solidFill>
                 <a:srgbClr val="000000"/>
               </a:solidFill>
@@ -2641,7 +2677,7 @@
               </a:spcBef>
               <a:buNone/>
             </a:pPr>
-            <a:endParaRPr b="0" lang="de-DE" sz="3200" spc="-1" strike="noStrike">
+            <a:endParaRPr b="0" lang="en-US" sz="3200" spc="-1" strike="noStrike">
               <a:solidFill>
                 <a:srgbClr val="000000"/>
               </a:solidFill>
@@ -2684,7 +2720,7 @@
               </a:spcBef>
               <a:buNone/>
             </a:pPr>
-            <a:endParaRPr b="0" lang="de-DE" sz="3200" spc="-1" strike="noStrike">
+            <a:endParaRPr b="0" lang="en-US" sz="3200" spc="-1" strike="noStrike">
               <a:solidFill>
                 <a:srgbClr val="000000"/>
               </a:solidFill>
@@ -2746,7 +2782,7 @@
             <a:pPr indent="0" algn="ctr">
               <a:buNone/>
             </a:pPr>
-            <a:endParaRPr b="0" lang="de-DE" sz="4400" spc="-1" strike="noStrike">
+            <a:endParaRPr b="0" lang="en-US" sz="4400" spc="-1" strike="noStrike">
               <a:solidFill>
                 <a:srgbClr val="000000"/>
               </a:solidFill>
@@ -2789,7 +2825,7 @@
               </a:spcBef>
               <a:buNone/>
             </a:pPr>
-            <a:endParaRPr b="0" lang="de-DE" sz="3200" spc="-1" strike="noStrike">
+            <a:endParaRPr b="0" lang="en-US" sz="3200" spc="-1" strike="noStrike">
               <a:solidFill>
                 <a:srgbClr val="000000"/>
               </a:solidFill>
@@ -2832,7 +2868,7 @@
               </a:spcBef>
               <a:buNone/>
             </a:pPr>
-            <a:endParaRPr b="0" lang="de-DE" sz="3200" spc="-1" strike="noStrike">
+            <a:endParaRPr b="0" lang="en-US" sz="3200" spc="-1" strike="noStrike">
               <a:solidFill>
                 <a:srgbClr val="000000"/>
               </a:solidFill>
@@ -2875,7 +2911,7 @@
               </a:spcBef>
               <a:buNone/>
             </a:pPr>
-            <a:endParaRPr b="0" lang="de-DE" sz="3200" spc="-1" strike="noStrike">
+            <a:endParaRPr b="0" lang="en-US" sz="3200" spc="-1" strike="noStrike">
               <a:solidFill>
                 <a:srgbClr val="000000"/>
               </a:solidFill>
@@ -2937,7 +2973,7 @@
             <a:pPr indent="0" algn="ctr">
               <a:buNone/>
             </a:pPr>
-            <a:endParaRPr b="0" lang="de-DE" sz="4400" spc="-1" strike="noStrike">
+            <a:endParaRPr b="0" lang="en-US" sz="4400" spc="-1" strike="noStrike">
               <a:solidFill>
                 <a:srgbClr val="000000"/>
               </a:solidFill>
@@ -2980,7 +3016,7 @@
               </a:spcBef>
               <a:buNone/>
             </a:pPr>
-            <a:endParaRPr b="0" lang="de-DE" sz="3200" spc="-1" strike="noStrike">
+            <a:endParaRPr b="0" lang="en-US" sz="3200" spc="-1" strike="noStrike">
               <a:solidFill>
                 <a:srgbClr val="000000"/>
               </a:solidFill>
@@ -3023,7 +3059,7 @@
               </a:spcBef>
               <a:buNone/>
             </a:pPr>
-            <a:endParaRPr b="0" lang="de-DE" sz="3200" spc="-1" strike="noStrike">
+            <a:endParaRPr b="0" lang="en-US" sz="3200" spc="-1" strike="noStrike">
               <a:solidFill>
                 <a:srgbClr val="000000"/>
               </a:solidFill>
@@ -3085,7 +3121,7 @@
             <a:pPr indent="0" algn="ctr">
               <a:buNone/>
             </a:pPr>
-            <a:endParaRPr b="0" lang="de-DE" sz="4400" spc="-1" strike="noStrike">
+            <a:endParaRPr b="0" lang="en-US" sz="4400" spc="-1" strike="noStrike">
               <a:solidFill>
                 <a:srgbClr val="000000"/>
               </a:solidFill>
@@ -3128,7 +3164,7 @@
               </a:spcBef>
               <a:buNone/>
             </a:pPr>
-            <a:endParaRPr b="0" lang="de-DE" sz="3200" spc="-1" strike="noStrike">
+            <a:endParaRPr b="0" lang="en-US" sz="3200" spc="-1" strike="noStrike">
               <a:solidFill>
                 <a:srgbClr val="000000"/>
               </a:solidFill>
@@ -3171,7 +3207,7 @@
               </a:spcBef>
               <a:buNone/>
             </a:pPr>
-            <a:endParaRPr b="0" lang="de-DE" sz="3200" spc="-1" strike="noStrike">
+            <a:endParaRPr b="0" lang="en-US" sz="3200" spc="-1" strike="noStrike">
               <a:solidFill>
                 <a:srgbClr val="000000"/>
               </a:solidFill>
@@ -3214,7 +3250,7 @@
               </a:spcBef>
               <a:buNone/>
             </a:pPr>
-            <a:endParaRPr b="0" lang="de-DE" sz="3200" spc="-1" strike="noStrike">
+            <a:endParaRPr b="0" lang="en-US" sz="3200" spc="-1" strike="noStrike">
               <a:solidFill>
                 <a:srgbClr val="000000"/>
               </a:solidFill>
@@ -3257,7 +3293,7 @@
               </a:spcBef>
               <a:buNone/>
             </a:pPr>
-            <a:endParaRPr b="0" lang="de-DE" sz="3200" spc="-1" strike="noStrike">
+            <a:endParaRPr b="0" lang="en-US" sz="3200" spc="-1" strike="noStrike">
               <a:solidFill>
                 <a:srgbClr val="000000"/>
               </a:solidFill>
@@ -3319,7 +3355,7 @@
             <a:pPr indent="0" algn="ctr">
               <a:buNone/>
             </a:pPr>
-            <a:endParaRPr b="0" lang="de-DE" sz="4400" spc="-1" strike="noStrike">
+            <a:endParaRPr b="0" lang="en-US" sz="4400" spc="-1" strike="noStrike">
               <a:solidFill>
                 <a:srgbClr val="000000"/>
               </a:solidFill>
@@ -3362,7 +3398,7 @@
               </a:spcBef>
               <a:buNone/>
             </a:pPr>
-            <a:endParaRPr b="0" lang="de-DE" sz="3200" spc="-1" strike="noStrike">
+            <a:endParaRPr b="0" lang="en-US" sz="3200" spc="-1" strike="noStrike">
               <a:solidFill>
                 <a:srgbClr val="000000"/>
               </a:solidFill>
@@ -3405,7 +3441,7 @@
               </a:spcBef>
               <a:buNone/>
             </a:pPr>
-            <a:endParaRPr b="0" lang="de-DE" sz="3200" spc="-1" strike="noStrike">
+            <a:endParaRPr b="0" lang="en-US" sz="3200" spc="-1" strike="noStrike">
               <a:solidFill>
                 <a:srgbClr val="000000"/>
               </a:solidFill>
@@ -3448,7 +3484,7 @@
               </a:spcBef>
               <a:buNone/>
             </a:pPr>
-            <a:endParaRPr b="0" lang="de-DE" sz="3200" spc="-1" strike="noStrike">
+            <a:endParaRPr b="0" lang="en-US" sz="3200" spc="-1" strike="noStrike">
               <a:solidFill>
                 <a:srgbClr val="000000"/>
               </a:solidFill>
@@ -3491,7 +3527,7 @@
               </a:spcBef>
               <a:buNone/>
             </a:pPr>
-            <a:endParaRPr b="0" lang="de-DE" sz="3200" spc="-1" strike="noStrike">
+            <a:endParaRPr b="0" lang="en-US" sz="3200" spc="-1" strike="noStrike">
               <a:solidFill>
                 <a:srgbClr val="000000"/>
               </a:solidFill>
@@ -3534,7 +3570,7 @@
               </a:spcBef>
               <a:buNone/>
             </a:pPr>
-            <a:endParaRPr b="0" lang="de-DE" sz="3200" spc="-1" strike="noStrike">
+            <a:endParaRPr b="0" lang="en-US" sz="3200" spc="-1" strike="noStrike">
               <a:solidFill>
                 <a:srgbClr val="000000"/>
               </a:solidFill>
@@ -3577,7 +3613,7 @@
               </a:spcBef>
               <a:buNone/>
             </a:pPr>
-            <a:endParaRPr b="0" lang="de-DE" sz="3200" spc="-1" strike="noStrike">
+            <a:endParaRPr b="0" lang="en-US" sz="3200" spc="-1" strike="noStrike">
               <a:solidFill>
                 <a:srgbClr val="000000"/>
               </a:solidFill>
@@ -3639,7 +3675,7 @@
             <a:pPr indent="0" algn="ctr">
               <a:buNone/>
             </a:pPr>
-            <a:endParaRPr b="0" lang="de-DE" sz="4400" spc="-1" strike="noStrike">
+            <a:endParaRPr b="0" lang="en-US" sz="4400" spc="-1" strike="noStrike">
               <a:solidFill>
                 <a:srgbClr val="000000"/>
               </a:solidFill>
@@ -3682,7 +3718,7 @@
               </a:spcBef>
               <a:buNone/>
             </a:pPr>
-            <a:endParaRPr b="0" lang="de-DE" sz="3200" spc="-1" strike="noStrike">
+            <a:endParaRPr b="0" lang="en-US" sz="3200" spc="-1" strike="noStrike">
               <a:solidFill>
                 <a:srgbClr val="000000"/>
               </a:solidFill>
@@ -3744,7 +3780,7 @@
             <a:pPr indent="0" algn="ctr">
               <a:buNone/>
             </a:pPr>
-            <a:endParaRPr b="0" lang="de-DE" sz="4400" spc="-1" strike="noStrike">
+            <a:endParaRPr b="0" lang="en-US" sz="4400" spc="-1" strike="noStrike">
               <a:solidFill>
                 <a:srgbClr val="000000"/>
               </a:solidFill>
@@ -3787,7 +3823,7 @@
               </a:spcBef>
               <a:buNone/>
             </a:pPr>
-            <a:endParaRPr b="0" lang="de-DE" sz="3200" spc="-1" strike="noStrike">
+            <a:endParaRPr b="0" lang="en-US" sz="3200" spc="-1" strike="noStrike">
               <a:solidFill>
                 <a:srgbClr val="000000"/>
               </a:solidFill>
@@ -3830,7 +3866,7 @@
               </a:spcBef>
               <a:buNone/>
             </a:pPr>
-            <a:endParaRPr b="0" lang="de-DE" sz="3200" spc="-1" strike="noStrike">
+            <a:endParaRPr b="0" lang="en-US" sz="3200" spc="-1" strike="noStrike">
               <a:solidFill>
                 <a:srgbClr val="000000"/>
               </a:solidFill>
@@ -3892,7 +3928,7 @@
             <a:pPr indent="0" algn="ctr">
               <a:buNone/>
             </a:pPr>
-            <a:endParaRPr b="0" lang="de-DE" sz="4400" spc="-1" strike="noStrike">
+            <a:endParaRPr b="0" lang="en-US" sz="4400" spc="-1" strike="noStrike">
               <a:solidFill>
                 <a:srgbClr val="000000"/>
               </a:solidFill>
@@ -3952,7 +3988,7 @@
           </a:bodyPr>
           <a:p>
             <a:pPr algn="ctr"/>
-            <a:endParaRPr b="0" lang="de-DE" sz="3200" spc="-1" strike="noStrike">
+            <a:endParaRPr b="0" lang="en-US" sz="3200" spc="-1" strike="noStrike">
               <a:solidFill>
                 <a:srgbClr val="000000"/>
               </a:solidFill>
@@ -4014,7 +4050,7 @@
             <a:pPr indent="0" algn="ctr">
               <a:buNone/>
             </a:pPr>
-            <a:endParaRPr b="0" lang="de-DE" sz="4400" spc="-1" strike="noStrike">
+            <a:endParaRPr b="0" lang="en-US" sz="4400" spc="-1" strike="noStrike">
               <a:solidFill>
                 <a:srgbClr val="000000"/>
               </a:solidFill>
@@ -4057,7 +4093,7 @@
               </a:spcBef>
               <a:buNone/>
             </a:pPr>
-            <a:endParaRPr b="0" lang="de-DE" sz="3200" spc="-1" strike="noStrike">
+            <a:endParaRPr b="0" lang="en-US" sz="3200" spc="-1" strike="noStrike">
               <a:solidFill>
                 <a:srgbClr val="000000"/>
               </a:solidFill>
@@ -4100,7 +4136,7 @@
               </a:spcBef>
               <a:buNone/>
             </a:pPr>
-            <a:endParaRPr b="0" lang="de-DE" sz="3200" spc="-1" strike="noStrike">
+            <a:endParaRPr b="0" lang="en-US" sz="3200" spc="-1" strike="noStrike">
               <a:solidFill>
                 <a:srgbClr val="000000"/>
               </a:solidFill>
@@ -4143,7 +4179,7 @@
               </a:spcBef>
               <a:buNone/>
             </a:pPr>
-            <a:endParaRPr b="0" lang="de-DE" sz="3200" spc="-1" strike="noStrike">
+            <a:endParaRPr b="0" lang="en-US" sz="3200" spc="-1" strike="noStrike">
               <a:solidFill>
                 <a:srgbClr val="000000"/>
               </a:solidFill>
@@ -4205,7 +4241,7 @@
             <a:pPr indent="0" algn="ctr">
               <a:buNone/>
             </a:pPr>
-            <a:endParaRPr b="0" lang="de-DE" sz="4400" spc="-1" strike="noStrike">
+            <a:endParaRPr b="0" lang="en-US" sz="4400" spc="-1" strike="noStrike">
               <a:solidFill>
                 <a:srgbClr val="000000"/>
               </a:solidFill>
@@ -4248,7 +4284,7 @@
               </a:spcBef>
               <a:buNone/>
             </a:pPr>
-            <a:endParaRPr b="0" lang="de-DE" sz="3200" spc="-1" strike="noStrike">
+            <a:endParaRPr b="0" lang="en-US" sz="3200" spc="-1" strike="noStrike">
               <a:solidFill>
                 <a:srgbClr val="000000"/>
               </a:solidFill>
@@ -4291,7 +4327,7 @@
               </a:spcBef>
               <a:buNone/>
             </a:pPr>
-            <a:endParaRPr b="0" lang="de-DE" sz="3200" spc="-1" strike="noStrike">
+            <a:endParaRPr b="0" lang="en-US" sz="3200" spc="-1" strike="noStrike">
               <a:solidFill>
                 <a:srgbClr val="000000"/>
               </a:solidFill>
@@ -4334,7 +4370,7 @@
               </a:spcBef>
               <a:buNone/>
             </a:pPr>
-            <a:endParaRPr b="0" lang="de-DE" sz="3200" spc="-1" strike="noStrike">
+            <a:endParaRPr b="0" lang="en-US" sz="3200" spc="-1" strike="noStrike">
               <a:solidFill>
                 <a:srgbClr val="000000"/>
               </a:solidFill>
@@ -4396,7 +4432,7 @@
             <a:pPr indent="0" algn="ctr">
               <a:buNone/>
             </a:pPr>
-            <a:endParaRPr b="0" lang="de-DE" sz="4400" spc="-1" strike="noStrike">
+            <a:endParaRPr b="0" lang="en-US" sz="4400" spc="-1" strike="noStrike">
               <a:solidFill>
                 <a:srgbClr val="000000"/>
               </a:solidFill>
@@ -4439,7 +4475,7 @@
               </a:spcBef>
               <a:buNone/>
             </a:pPr>
-            <a:endParaRPr b="0" lang="de-DE" sz="3200" spc="-1" strike="noStrike">
+            <a:endParaRPr b="0" lang="en-US" sz="3200" spc="-1" strike="noStrike">
               <a:solidFill>
                 <a:srgbClr val="000000"/>
               </a:solidFill>
@@ -4482,7 +4518,7 @@
               </a:spcBef>
               <a:buNone/>
             </a:pPr>
-            <a:endParaRPr b="0" lang="de-DE" sz="3200" spc="-1" strike="noStrike">
+            <a:endParaRPr b="0" lang="en-US" sz="3200" spc="-1" strike="noStrike">
               <a:solidFill>
                 <a:srgbClr val="000000"/>
               </a:solidFill>
@@ -4525,7 +4561,7 @@
               </a:spcBef>
               <a:buNone/>
             </a:pPr>
-            <a:endParaRPr b="0" lang="de-DE" sz="3200" spc="-1" strike="noStrike">
+            <a:endParaRPr b="0" lang="en-US" sz="3200" spc="-1" strike="noStrike">
               <a:solidFill>
                 <a:srgbClr val="000000"/>
               </a:solidFill>
@@ -4572,7 +4608,7 @@
         <p:spPr>
           <a:xfrm>
             <a:off x="11444760" y="0"/>
-            <a:ext cx="741600" cy="6850440"/>
+            <a:ext cx="741240" cy="6850080"/>
           </a:xfrm>
           <a:prstGeom prst="rect">
             <a:avLst/>
@@ -4621,7 +4657,7 @@
         <p:spPr>
           <a:xfrm>
             <a:off x="11438640" y="6453360"/>
-            <a:ext cx="758520" cy="363960"/>
+            <a:ext cx="758160" cy="363960"/>
           </a:xfrm>
           <a:prstGeom prst="rect">
             <a:avLst/>
@@ -4647,7 +4683,7 @@
                 <a:spcPct val="100000"/>
               </a:lnSpc>
             </a:pPr>
-            <a:fld id="{D691880E-B8B0-4B56-BC5B-AF60B95BCDDB}" type="slidenum">
+            <a:fld id="{EF07A606-BD1E-4B6A-A5E9-228B3E5909F6}" type="slidenum">
               <a:rPr b="0" lang="en-US" sz="1800" spc="-1" strike="noStrike">
                 <a:solidFill>
                   <a:srgbClr val="808080"/>
@@ -4657,7 +4693,7 @@
               </a:rPr>
               <a:t>&lt;number&gt;</a:t>
             </a:fld>
-            <a:endParaRPr b="0" lang="de-DE" sz="1800" spc="-1" strike="noStrike">
+            <a:endParaRPr b="0" lang="en-US" sz="1800" spc="-1" strike="noStrike">
               <a:solidFill>
                 <a:srgbClr val="000000"/>
               </a:solidFill>
@@ -4675,7 +4711,7 @@
         <p:spPr>
           <a:xfrm>
             <a:off x="912240" y="1268280"/>
-            <a:ext cx="9208440" cy="361800"/>
+            <a:ext cx="9208080" cy="361440"/>
           </a:xfrm>
           <a:prstGeom prst="rect">
             <a:avLst/>
@@ -4724,7 +4760,7 @@
         <p:spPr>
           <a:xfrm>
             <a:off x="0" y="0"/>
-            <a:ext cx="3052440" cy="562320"/>
+            <a:ext cx="3052080" cy="561960"/>
           </a:xfrm>
           <a:prstGeom prst="rect">
             <a:avLst/>
@@ -4747,7 +4783,7 @@
         <p:spPr>
           <a:xfrm>
             <a:off x="7430400" y="134640"/>
-            <a:ext cx="3698280" cy="514440"/>
+            <a:ext cx="3697920" cy="514080"/>
           </a:xfrm>
           <a:prstGeom prst="rect">
             <a:avLst/>
@@ -4766,7 +4802,7 @@
         <p:spPr>
           <a:xfrm>
             <a:off x="912240" y="1268280"/>
-            <a:ext cx="9208440" cy="361800"/>
+            <a:ext cx="9208080" cy="361440"/>
           </a:xfrm>
           <a:prstGeom prst="rect">
             <a:avLst/>
@@ -4811,7 +4847,7 @@
         <p:spPr>
           <a:xfrm>
             <a:off x="11444760" y="0"/>
-            <a:ext cx="741600" cy="6850440"/>
+            <a:ext cx="741240" cy="6850080"/>
           </a:xfrm>
           <a:prstGeom prst="rect">
             <a:avLst/>
@@ -4860,7 +4896,7 @@
         <p:spPr>
           <a:xfrm>
             <a:off x="0" y="6642720"/>
-            <a:ext cx="12184560" cy="211320"/>
+            <a:ext cx="12184200" cy="211320"/>
           </a:xfrm>
           <a:prstGeom prst="rect">
             <a:avLst/>
@@ -4896,7 +4932,7 @@
               </a:rPr>
               <a:t>Requirements Engineering – TU Clausthal</a:t>
             </a:r>
-            <a:endParaRPr b="0" lang="de-DE" sz="800" spc="-1" strike="noStrike">
+            <a:endParaRPr b="0" lang="en-US" sz="800" spc="-1" strike="noStrike">
               <a:solidFill>
                 <a:srgbClr val="000000"/>
               </a:solidFill>
@@ -4937,69 +4973,150 @@
               <a:buNone/>
             </a:pPr>
             <a:r>
-              <a:rPr b="0" lang="de-DE" sz="4400" spc="-1" strike="noStrike">
+              <a:rPr b="0" lang="en-US" sz="4400" spc="-1" strike="noStrike">
                 <a:solidFill>
                   <a:srgbClr val="000000"/>
                 </a:solidFill>
                 <a:latin typeface="Arial"/>
               </a:rPr>
-              <a:t>Click </a:t>
-            </a:r>
-            <a:r>
-              <a:rPr b="0" lang="de-DE" sz="4400" spc="-1" strike="noStrike">
+              <a:t>Cl</a:t>
+            </a:r>
+            <a:r>
+              <a:rPr b="0" lang="en-US" sz="4400" spc="-1" strike="noStrike">
                 <a:solidFill>
                   <a:srgbClr val="000000"/>
                 </a:solidFill>
                 <a:latin typeface="Arial"/>
               </a:rPr>
-              <a:t>to edit </a:t>
-            </a:r>
-            <a:r>
-              <a:rPr b="0" lang="de-DE" sz="4400" spc="-1" strike="noStrike">
+              <a:t>ic</a:t>
+            </a:r>
+            <a:r>
+              <a:rPr b="0" lang="en-US" sz="4400" spc="-1" strike="noStrike">
                 <a:solidFill>
                   <a:srgbClr val="000000"/>
                 </a:solidFill>
                 <a:latin typeface="Arial"/>
               </a:rPr>
-              <a:t>the </a:t>
-            </a:r>
-            <a:r>
-              <a:rPr b="0" lang="de-DE" sz="4400" spc="-1" strike="noStrike">
+              <a:t>k </a:t>
+            </a:r>
+            <a:r>
+              <a:rPr b="0" lang="en-US" sz="4400" spc="-1" strike="noStrike">
                 <a:solidFill>
                   <a:srgbClr val="000000"/>
                 </a:solidFill>
                 <a:latin typeface="Arial"/>
               </a:rPr>
-              <a:t>title </a:t>
-            </a:r>
-            <a:r>
-              <a:rPr b="0" lang="de-DE" sz="4400" spc="-1" strike="noStrike">
+              <a:t>to </a:t>
+            </a:r>
+            <a:r>
+              <a:rPr b="0" lang="en-US" sz="4400" spc="-1" strike="noStrike">
                 <a:solidFill>
                   <a:srgbClr val="000000"/>
                 </a:solidFill>
                 <a:latin typeface="Arial"/>
               </a:rPr>
-              <a:t>text </a:t>
-            </a:r>
-            <a:r>
-              <a:rPr b="0" lang="de-DE" sz="4400" spc="-1" strike="noStrike">
+              <a:t>ed</a:t>
+            </a:r>
+            <a:r>
+              <a:rPr b="0" lang="en-US" sz="4400" spc="-1" strike="noStrike">
                 <a:solidFill>
                   <a:srgbClr val="000000"/>
                 </a:solidFill>
                 <a:latin typeface="Arial"/>
               </a:rPr>
-              <a:t>forma</a:t>
-            </a:r>
-            <a:r>
-              <a:rPr b="0" lang="de-DE" sz="4400" spc="-1" strike="noStrike">
+              <a:t>it </a:t>
+            </a:r>
+            <a:r>
+              <a:rPr b="0" lang="en-US" sz="4400" spc="-1" strike="noStrike">
                 <a:solidFill>
                   <a:srgbClr val="000000"/>
                 </a:solidFill>
                 <a:latin typeface="Arial"/>
               </a:rPr>
-              <a:t>t</a:t>
-            </a:r>
-            <a:endParaRPr b="0" lang="de-DE" sz="4400" spc="-1" strike="noStrike">
+              <a:t>th</a:t>
+            </a:r>
+            <a:r>
+              <a:rPr b="0" lang="en-US" sz="4400" spc="-1" strike="noStrike">
+                <a:solidFill>
+                  <a:srgbClr val="000000"/>
+                </a:solidFill>
+                <a:latin typeface="Arial"/>
+              </a:rPr>
+              <a:t>e </a:t>
+            </a:r>
+            <a:r>
+              <a:rPr b="0" lang="en-US" sz="4400" spc="-1" strike="noStrike">
+                <a:solidFill>
+                  <a:srgbClr val="000000"/>
+                </a:solidFill>
+                <a:latin typeface="Arial"/>
+              </a:rPr>
+              <a:t>titl</a:t>
+            </a:r>
+            <a:r>
+              <a:rPr b="0" lang="en-US" sz="4400" spc="-1" strike="noStrike">
+                <a:solidFill>
+                  <a:srgbClr val="000000"/>
+                </a:solidFill>
+                <a:latin typeface="Arial"/>
+              </a:rPr>
+              <a:t>e </a:t>
+            </a:r>
+            <a:r>
+              <a:rPr b="0" lang="en-US" sz="4400" spc="-1" strike="noStrike">
+                <a:solidFill>
+                  <a:srgbClr val="000000"/>
+                </a:solidFill>
+                <a:latin typeface="Arial"/>
+              </a:rPr>
+              <a:t>te</a:t>
+            </a:r>
+            <a:r>
+              <a:rPr b="0" lang="en-US" sz="4400" spc="-1" strike="noStrike">
+                <a:solidFill>
+                  <a:srgbClr val="000000"/>
+                </a:solidFill>
+                <a:latin typeface="Arial"/>
+              </a:rPr>
+              <a:t>xt </a:t>
+            </a:r>
+            <a:r>
+              <a:rPr b="0" lang="en-US" sz="4400" spc="-1" strike="noStrike">
+                <a:solidFill>
+                  <a:srgbClr val="000000"/>
+                </a:solidFill>
+                <a:latin typeface="Arial"/>
+              </a:rPr>
+              <a:t>fo</a:t>
+            </a:r>
+            <a:r>
+              <a:rPr b="0" lang="en-US" sz="4400" spc="-1" strike="noStrike">
+                <a:solidFill>
+                  <a:srgbClr val="000000"/>
+                </a:solidFill>
+                <a:latin typeface="Arial"/>
+              </a:rPr>
+              <a:t>r</a:t>
+            </a:r>
+            <a:r>
+              <a:rPr b="0" lang="en-US" sz="4400" spc="-1" strike="noStrike">
+                <a:solidFill>
+                  <a:srgbClr val="000000"/>
+                </a:solidFill>
+                <a:latin typeface="Arial"/>
+              </a:rPr>
+              <a:t>m</a:t>
+            </a:r>
+            <a:r>
+              <a:rPr b="0" lang="en-US" sz="4400" spc="-1" strike="noStrike">
+                <a:solidFill>
+                  <a:srgbClr val="000000"/>
+                </a:solidFill>
+                <a:latin typeface="Arial"/>
+              </a:rPr>
+              <a:t>at</a:t>
+            </a:r>
+            <a:endParaRPr b="0" lang="en-US" sz="4400" spc="-1" strike="noStrike">
               <a:solidFill>
                 <a:srgbClr val="000000"/>
               </a:solidFill>
@@ -5048,7 +5165,7 @@
               <a:buChar char=""/>
             </a:pPr>
             <a:r>
-              <a:rPr b="0" lang="de-DE" sz="3200" spc="-1" strike="noStrike">
+              <a:rPr b="0" lang="en-US" sz="3200" spc="-1" strike="noStrike">
                 <a:solidFill>
                   <a:srgbClr val="000000"/>
                 </a:solidFill>
@@ -5056,7 +5173,7 @@
               </a:rPr>
               <a:t>Click to edit the outline text format</a:t>
             </a:r>
-            <a:endParaRPr b="0" lang="de-DE" sz="3200" spc="-1" strike="noStrike">
+            <a:endParaRPr b="0" lang="en-US" sz="3200" spc="-1" strike="noStrike">
               <a:solidFill>
                 <a:srgbClr val="000000"/>
               </a:solidFill>
@@ -5076,7 +5193,7 @@
               <a:buChar char=""/>
             </a:pPr>
             <a:r>
-              <a:rPr b="0" lang="de-DE" sz="2800" spc="-1" strike="noStrike">
+              <a:rPr b="0" lang="en-US" sz="2800" spc="-1" strike="noStrike">
                 <a:solidFill>
                   <a:srgbClr val="000000"/>
                 </a:solidFill>
@@ -5084,7 +5201,7 @@
               </a:rPr>
               <a:t>Second Outline Level</a:t>
             </a:r>
-            <a:endParaRPr b="0" lang="de-DE" sz="2800" spc="-1" strike="noStrike">
+            <a:endParaRPr b="0" lang="en-US" sz="2800" spc="-1" strike="noStrike">
               <a:solidFill>
                 <a:srgbClr val="000000"/>
               </a:solidFill>
@@ -5104,7 +5221,7 @@
               <a:buChar char=""/>
             </a:pPr>
             <a:r>
-              <a:rPr b="0" lang="de-DE" sz="2400" spc="-1" strike="noStrike">
+              <a:rPr b="0" lang="en-US" sz="2400" spc="-1" strike="noStrike">
                 <a:solidFill>
                   <a:srgbClr val="000000"/>
                 </a:solidFill>
@@ -5112,7 +5229,7 @@
               </a:rPr>
               <a:t>Third Outline Level</a:t>
             </a:r>
-            <a:endParaRPr b="0" lang="de-DE" sz="2400" spc="-1" strike="noStrike">
+            <a:endParaRPr b="0" lang="en-US" sz="2400" spc="-1" strike="noStrike">
               <a:solidFill>
                 <a:srgbClr val="000000"/>
               </a:solidFill>
@@ -5132,7 +5249,7 @@
               <a:buChar char=""/>
             </a:pPr>
             <a:r>
-              <a:rPr b="0" lang="de-DE" sz="2000" spc="-1" strike="noStrike">
+              <a:rPr b="0" lang="en-US" sz="2000" spc="-1" strike="noStrike">
                 <a:solidFill>
                   <a:srgbClr val="000000"/>
                 </a:solidFill>
@@ -5140,7 +5257,7 @@
               </a:rPr>
               <a:t>Fourth Outline Level</a:t>
             </a:r>
-            <a:endParaRPr b="0" lang="de-DE" sz="2000" spc="-1" strike="noStrike">
+            <a:endParaRPr b="0" lang="en-US" sz="2000" spc="-1" strike="noStrike">
               <a:solidFill>
                 <a:srgbClr val="000000"/>
               </a:solidFill>
@@ -5160,7 +5277,7 @@
               <a:buChar char=""/>
             </a:pPr>
             <a:r>
-              <a:rPr b="0" lang="de-DE" sz="2000" spc="-1" strike="noStrike">
+              <a:rPr b="0" lang="en-US" sz="2000" spc="-1" strike="noStrike">
                 <a:solidFill>
                   <a:srgbClr val="000000"/>
                 </a:solidFill>
@@ -5168,7 +5285,7 @@
               </a:rPr>
               <a:t>Fifth Outline Level</a:t>
             </a:r>
-            <a:endParaRPr b="0" lang="de-DE" sz="2000" spc="-1" strike="noStrike">
+            <a:endParaRPr b="0" lang="en-US" sz="2000" spc="-1" strike="noStrike">
               <a:solidFill>
                 <a:srgbClr val="000000"/>
               </a:solidFill>
@@ -5188,7 +5305,7 @@
               <a:buChar char=""/>
             </a:pPr>
             <a:r>
-              <a:rPr b="0" lang="de-DE" sz="2000" spc="-1" strike="noStrike">
+              <a:rPr b="0" lang="en-US" sz="2000" spc="-1" strike="noStrike">
                 <a:solidFill>
                   <a:srgbClr val="000000"/>
                 </a:solidFill>
@@ -5196,7 +5313,7 @@
               </a:rPr>
               <a:t>Sixth Outline Level</a:t>
             </a:r>
-            <a:endParaRPr b="0" lang="de-DE" sz="2000" spc="-1" strike="noStrike">
+            <a:endParaRPr b="0" lang="en-US" sz="2000" spc="-1" strike="noStrike">
               <a:solidFill>
                 <a:srgbClr val="000000"/>
               </a:solidFill>
@@ -5216,7 +5333,7 @@
               <a:buChar char=""/>
             </a:pPr>
             <a:r>
-              <a:rPr b="0" lang="de-DE" sz="2000" spc="-1" strike="noStrike">
+              <a:rPr b="0" lang="en-US" sz="2000" spc="-1" strike="noStrike">
                 <a:solidFill>
                   <a:srgbClr val="000000"/>
                 </a:solidFill>
@@ -5224,7 +5341,7 @@
               </a:rPr>
               <a:t>Seventh Outline Level</a:t>
             </a:r>
-            <a:endParaRPr b="0" lang="de-DE" sz="2000" spc="-1" strike="noStrike">
+            <a:endParaRPr b="0" lang="en-US" sz="2000" spc="-1" strike="noStrike">
               <a:solidFill>
                 <a:srgbClr val="000000"/>
               </a:solidFill>
@@ -5286,7 +5403,7 @@
         <p:spPr>
           <a:xfrm>
             <a:off x="11444760" y="0"/>
-            <a:ext cx="741600" cy="6850440"/>
+            <a:ext cx="741240" cy="6850080"/>
           </a:xfrm>
           <a:prstGeom prst="rect">
             <a:avLst/>
@@ -5335,7 +5452,7 @@
         <p:spPr>
           <a:xfrm>
             <a:off x="11438640" y="6453360"/>
-            <a:ext cx="758520" cy="363960"/>
+            <a:ext cx="758160" cy="363960"/>
           </a:xfrm>
           <a:prstGeom prst="rect">
             <a:avLst/>
@@ -5361,7 +5478,7 @@
                 <a:spcPct val="100000"/>
               </a:lnSpc>
             </a:pPr>
-            <a:fld id="{712EAAFC-0D71-4A1F-976E-8ECCBBC4BA24}" type="slidenum">
+            <a:fld id="{97A210A7-0DA0-4A53-9EF0-12CC07D22B9F}" type="slidenum">
               <a:rPr b="0" lang="en-US" sz="1800" spc="-1" strike="noStrike">
                 <a:solidFill>
                   <a:srgbClr val="808080"/>
@@ -5371,7 +5488,7 @@
               </a:rPr>
               <a:t>&lt;number&gt;</a:t>
             </a:fld>
-            <a:endParaRPr b="0" lang="de-DE" sz="1800" spc="-1" strike="noStrike">
+            <a:endParaRPr b="0" lang="en-US" sz="1800" spc="-1" strike="noStrike">
               <a:solidFill>
                 <a:srgbClr val="000000"/>
               </a:solidFill>
@@ -5389,7 +5506,7 @@
         <p:spPr>
           <a:xfrm>
             <a:off x="912240" y="1268280"/>
-            <a:ext cx="9208440" cy="361800"/>
+            <a:ext cx="9208080" cy="361440"/>
           </a:xfrm>
           <a:prstGeom prst="rect">
             <a:avLst/>
@@ -5438,7 +5555,7 @@
         <p:spPr>
           <a:xfrm>
             <a:off x="0" y="0"/>
-            <a:ext cx="3052440" cy="562320"/>
+            <a:ext cx="3052080" cy="561960"/>
           </a:xfrm>
           <a:prstGeom prst="rect">
             <a:avLst/>
@@ -5461,7 +5578,7 @@
         <p:spPr>
           <a:xfrm>
             <a:off x="7430400" y="134640"/>
-            <a:ext cx="3698280" cy="514440"/>
+            <a:ext cx="3697920" cy="514080"/>
           </a:xfrm>
           <a:prstGeom prst="rect">
             <a:avLst/>
@@ -5480,7 +5597,7 @@
         <p:spPr>
           <a:xfrm>
             <a:off x="11444760" y="0"/>
-            <a:ext cx="741600" cy="6850440"/>
+            <a:ext cx="741240" cy="6850080"/>
           </a:xfrm>
           <a:prstGeom prst="rect">
             <a:avLst/>
@@ -5529,7 +5646,7 @@
         <p:spPr>
           <a:xfrm>
             <a:off x="11438640" y="6453360"/>
-            <a:ext cx="758520" cy="363960"/>
+            <a:ext cx="758160" cy="363960"/>
           </a:xfrm>
           <a:prstGeom prst="rect">
             <a:avLst/>
@@ -5555,7 +5672,7 @@
                 <a:spcPct val="100000"/>
               </a:lnSpc>
             </a:pPr>
-            <a:fld id="{36EDBD58-F24F-45BB-8934-A822D99AB252}" type="slidenum">
+            <a:fld id="{31E18852-6A7F-4FC5-9B17-C45235DA0361}" type="slidenum">
               <a:rPr b="0" lang="en-US" sz="1800" spc="-1" strike="noStrike">
                 <a:solidFill>
                   <a:srgbClr val="808080"/>
@@ -5565,7 +5682,7 @@
               </a:rPr>
               <a:t>&lt;number&gt;</a:t>
             </a:fld>
-            <a:endParaRPr b="0" lang="de-DE" sz="1800" spc="-1" strike="noStrike">
+            <a:endParaRPr b="0" lang="en-US" sz="1800" spc="-1" strike="noStrike">
               <a:solidFill>
                 <a:srgbClr val="000000"/>
               </a:solidFill>
@@ -5583,7 +5700,7 @@
         <p:spPr>
           <a:xfrm>
             <a:off x="0" y="6642720"/>
-            <a:ext cx="12184560" cy="211320"/>
+            <a:ext cx="12184200" cy="211320"/>
           </a:xfrm>
           <a:prstGeom prst="rect">
             <a:avLst/>
@@ -5619,7 +5736,7 @@
               </a:rPr>
               <a:t>Requirements Engineering – TU Clausthal</a:t>
             </a:r>
-            <a:endParaRPr b="0" lang="de-DE" sz="800" spc="-1" strike="noStrike">
+            <a:endParaRPr b="0" lang="en-US" sz="800" spc="-1" strike="noStrike">
               <a:solidFill>
                 <a:srgbClr val="000000"/>
               </a:solidFill>
@@ -5660,69 +5777,150 @@
               <a:buNone/>
             </a:pPr>
             <a:r>
-              <a:rPr b="0" lang="de-DE" sz="4400" spc="-1" strike="noStrike">
+              <a:rPr b="0" lang="en-US" sz="4400" spc="-1" strike="noStrike">
                 <a:solidFill>
                   <a:srgbClr val="000000"/>
                 </a:solidFill>
                 <a:latin typeface="Arial"/>
               </a:rPr>
-              <a:t>Click </a:t>
-            </a:r>
-            <a:r>
-              <a:rPr b="0" lang="de-DE" sz="4400" spc="-1" strike="noStrike">
+              <a:t>Cl</a:t>
+            </a:r>
+            <a:r>
+              <a:rPr b="0" lang="en-US" sz="4400" spc="-1" strike="noStrike">
                 <a:solidFill>
                   <a:srgbClr val="000000"/>
                 </a:solidFill>
                 <a:latin typeface="Arial"/>
               </a:rPr>
-              <a:t>to edit </a:t>
-            </a:r>
-            <a:r>
-              <a:rPr b="0" lang="de-DE" sz="4400" spc="-1" strike="noStrike">
+              <a:t>ic</a:t>
+            </a:r>
+            <a:r>
+              <a:rPr b="0" lang="en-US" sz="4400" spc="-1" strike="noStrike">
                 <a:solidFill>
                   <a:srgbClr val="000000"/>
                 </a:solidFill>
                 <a:latin typeface="Arial"/>
               </a:rPr>
-              <a:t>the </a:t>
-            </a:r>
-            <a:r>
-              <a:rPr b="0" lang="de-DE" sz="4400" spc="-1" strike="noStrike">
+              <a:t>k </a:t>
+            </a:r>
+            <a:r>
+              <a:rPr b="0" lang="en-US" sz="4400" spc="-1" strike="noStrike">
                 <a:solidFill>
                   <a:srgbClr val="000000"/>
                 </a:solidFill>
                 <a:latin typeface="Arial"/>
               </a:rPr>
-              <a:t>title </a:t>
-            </a:r>
-            <a:r>
-              <a:rPr b="0" lang="de-DE" sz="4400" spc="-1" strike="noStrike">
+              <a:t>to </a:t>
+            </a:r>
+            <a:r>
+              <a:rPr b="0" lang="en-US" sz="4400" spc="-1" strike="noStrike">
                 <a:solidFill>
                   <a:srgbClr val="000000"/>
                 </a:solidFill>
                 <a:latin typeface="Arial"/>
               </a:rPr>
-              <a:t>text </a:t>
-            </a:r>
-            <a:r>
-              <a:rPr b="0" lang="de-DE" sz="4400" spc="-1" strike="noStrike">
+              <a:t>ed</a:t>
+            </a:r>
+            <a:r>
+              <a:rPr b="0" lang="en-US" sz="4400" spc="-1" strike="noStrike">
                 <a:solidFill>
                   <a:srgbClr val="000000"/>
                 </a:solidFill>
                 <a:latin typeface="Arial"/>
               </a:rPr>
-              <a:t>forma</a:t>
-            </a:r>
-            <a:r>
-              <a:rPr b="0" lang="de-DE" sz="4400" spc="-1" strike="noStrike">
+              <a:t>it </a:t>
+            </a:r>
+            <a:r>
+              <a:rPr b="0" lang="en-US" sz="4400" spc="-1" strike="noStrike">
                 <a:solidFill>
                   <a:srgbClr val="000000"/>
                 </a:solidFill>
                 <a:latin typeface="Arial"/>
               </a:rPr>
-              <a:t>t</a:t>
-            </a:r>
-            <a:endParaRPr b="0" lang="de-DE" sz="4400" spc="-1" strike="noStrike">
+              <a:t>th</a:t>
+            </a:r>
+            <a:r>
+              <a:rPr b="0" lang="en-US" sz="4400" spc="-1" strike="noStrike">
+                <a:solidFill>
+                  <a:srgbClr val="000000"/>
+                </a:solidFill>
+                <a:latin typeface="Arial"/>
+              </a:rPr>
+              <a:t>e </a:t>
+            </a:r>
+            <a:r>
+              <a:rPr b="0" lang="en-US" sz="4400" spc="-1" strike="noStrike">
+                <a:solidFill>
+                  <a:srgbClr val="000000"/>
+                </a:solidFill>
+                <a:latin typeface="Arial"/>
+              </a:rPr>
+              <a:t>titl</a:t>
+            </a:r>
+            <a:r>
+              <a:rPr b="0" lang="en-US" sz="4400" spc="-1" strike="noStrike">
+                <a:solidFill>
+                  <a:srgbClr val="000000"/>
+                </a:solidFill>
+                <a:latin typeface="Arial"/>
+              </a:rPr>
+              <a:t>e </a:t>
+            </a:r>
+            <a:r>
+              <a:rPr b="0" lang="en-US" sz="4400" spc="-1" strike="noStrike">
+                <a:solidFill>
+                  <a:srgbClr val="000000"/>
+                </a:solidFill>
+                <a:latin typeface="Arial"/>
+              </a:rPr>
+              <a:t>te</a:t>
+            </a:r>
+            <a:r>
+              <a:rPr b="0" lang="en-US" sz="4400" spc="-1" strike="noStrike">
+                <a:solidFill>
+                  <a:srgbClr val="000000"/>
+                </a:solidFill>
+                <a:latin typeface="Arial"/>
+              </a:rPr>
+              <a:t>xt </a:t>
+            </a:r>
+            <a:r>
+              <a:rPr b="0" lang="en-US" sz="4400" spc="-1" strike="noStrike">
+                <a:solidFill>
+                  <a:srgbClr val="000000"/>
+                </a:solidFill>
+                <a:latin typeface="Arial"/>
+              </a:rPr>
+              <a:t>fo</a:t>
+            </a:r>
+            <a:r>
+              <a:rPr b="0" lang="en-US" sz="4400" spc="-1" strike="noStrike">
+                <a:solidFill>
+                  <a:srgbClr val="000000"/>
+                </a:solidFill>
+                <a:latin typeface="Arial"/>
+              </a:rPr>
+              <a:t>r</a:t>
+            </a:r>
+            <a:r>
+              <a:rPr b="0" lang="en-US" sz="4400" spc="-1" strike="noStrike">
+                <a:solidFill>
+                  <a:srgbClr val="000000"/>
+                </a:solidFill>
+                <a:latin typeface="Arial"/>
+              </a:rPr>
+              <a:t>m</a:t>
+            </a:r>
+            <a:r>
+              <a:rPr b="0" lang="en-US" sz="4400" spc="-1" strike="noStrike">
+                <a:solidFill>
+                  <a:srgbClr val="000000"/>
+                </a:solidFill>
+                <a:latin typeface="Arial"/>
+              </a:rPr>
+              <a:t>at</a:t>
+            </a:r>
+            <a:endParaRPr b="0" lang="en-US" sz="4400" spc="-1" strike="noStrike">
               <a:solidFill>
                 <a:srgbClr val="000000"/>
               </a:solidFill>
@@ -5771,7 +5969,7 @@
               <a:buChar char=""/>
             </a:pPr>
             <a:r>
-              <a:rPr b="0" lang="de-DE" sz="3200" spc="-1" strike="noStrike">
+              <a:rPr b="0" lang="en-US" sz="3200" spc="-1" strike="noStrike">
                 <a:solidFill>
                   <a:srgbClr val="000000"/>
                 </a:solidFill>
@@ -5779,7 +5977,7 @@
               </a:rPr>
               <a:t>Click to edit the outline text format</a:t>
             </a:r>
-            <a:endParaRPr b="0" lang="de-DE" sz="3200" spc="-1" strike="noStrike">
+            <a:endParaRPr b="0" lang="en-US" sz="3200" spc="-1" strike="noStrike">
               <a:solidFill>
                 <a:srgbClr val="000000"/>
               </a:solidFill>
@@ -5799,7 +5997,7 @@
               <a:buChar char=""/>
             </a:pPr>
             <a:r>
-              <a:rPr b="0" lang="de-DE" sz="2800" spc="-1" strike="noStrike">
+              <a:rPr b="0" lang="en-US" sz="2800" spc="-1" strike="noStrike">
                 <a:solidFill>
                   <a:srgbClr val="000000"/>
                 </a:solidFill>
@@ -5807,7 +6005,7 @@
               </a:rPr>
               <a:t>Second Outline Level</a:t>
             </a:r>
-            <a:endParaRPr b="0" lang="de-DE" sz="2800" spc="-1" strike="noStrike">
+            <a:endParaRPr b="0" lang="en-US" sz="2800" spc="-1" strike="noStrike">
               <a:solidFill>
                 <a:srgbClr val="000000"/>
               </a:solidFill>
@@ -5827,7 +6025,7 @@
               <a:buChar char=""/>
             </a:pPr>
             <a:r>
-              <a:rPr b="0" lang="de-DE" sz="2400" spc="-1" strike="noStrike">
+              <a:rPr b="0" lang="en-US" sz="2400" spc="-1" strike="noStrike">
                 <a:solidFill>
                   <a:srgbClr val="000000"/>
                 </a:solidFill>
@@ -5835,7 +6033,7 @@
               </a:rPr>
               <a:t>Third Outline Level</a:t>
             </a:r>
-            <a:endParaRPr b="0" lang="de-DE" sz="2400" spc="-1" strike="noStrike">
+            <a:endParaRPr b="0" lang="en-US" sz="2400" spc="-1" strike="noStrike">
               <a:solidFill>
                 <a:srgbClr val="000000"/>
               </a:solidFill>
@@ -5855,7 +6053,7 @@
               <a:buChar char=""/>
             </a:pPr>
             <a:r>
-              <a:rPr b="0" lang="de-DE" sz="2000" spc="-1" strike="noStrike">
+              <a:rPr b="0" lang="en-US" sz="2000" spc="-1" strike="noStrike">
                 <a:solidFill>
                   <a:srgbClr val="000000"/>
                 </a:solidFill>
@@ -5863,7 +6061,7 @@
               </a:rPr>
               <a:t>Fourth Outline Level</a:t>
             </a:r>
-            <a:endParaRPr b="0" lang="de-DE" sz="2000" spc="-1" strike="noStrike">
+            <a:endParaRPr b="0" lang="en-US" sz="2000" spc="-1" strike="noStrike">
               <a:solidFill>
                 <a:srgbClr val="000000"/>
               </a:solidFill>
@@ -5883,7 +6081,7 @@
               <a:buChar char=""/>
             </a:pPr>
             <a:r>
-              <a:rPr b="0" lang="de-DE" sz="2000" spc="-1" strike="noStrike">
+              <a:rPr b="0" lang="en-US" sz="2000" spc="-1" strike="noStrike">
                 <a:solidFill>
                   <a:srgbClr val="000000"/>
                 </a:solidFill>
@@ -5891,7 +6089,7 @@
               </a:rPr>
               <a:t>Fifth Outline Level</a:t>
             </a:r>
-            <a:endParaRPr b="0" lang="de-DE" sz="2000" spc="-1" strike="noStrike">
+            <a:endParaRPr b="0" lang="en-US" sz="2000" spc="-1" strike="noStrike">
               <a:solidFill>
                 <a:srgbClr val="000000"/>
               </a:solidFill>
@@ -5911,7 +6109,7 @@
               <a:buChar char=""/>
             </a:pPr>
             <a:r>
-              <a:rPr b="0" lang="de-DE" sz="2000" spc="-1" strike="noStrike">
+              <a:rPr b="0" lang="en-US" sz="2000" spc="-1" strike="noStrike">
                 <a:solidFill>
                   <a:srgbClr val="000000"/>
                 </a:solidFill>
@@ -5919,7 +6117,7 @@
               </a:rPr>
               <a:t>Sixth Outline Level</a:t>
             </a:r>
-            <a:endParaRPr b="0" lang="de-DE" sz="2000" spc="-1" strike="noStrike">
+            <a:endParaRPr b="0" lang="en-US" sz="2000" spc="-1" strike="noStrike">
               <a:solidFill>
                 <a:srgbClr val="000000"/>
               </a:solidFill>
@@ -5939,7 +6137,7 @@
               <a:buChar char=""/>
             </a:pPr>
             <a:r>
-              <a:rPr b="0" lang="de-DE" sz="2000" spc="-1" strike="noStrike">
+              <a:rPr b="0" lang="en-US" sz="2000" spc="-1" strike="noStrike">
                 <a:solidFill>
                   <a:srgbClr val="000000"/>
                 </a:solidFill>
@@ -5947,7 +6145,7 @@
               </a:rPr>
               <a:t>Seventh Outline Level</a:t>
             </a:r>
-            <a:endParaRPr b="0" lang="de-DE" sz="2000" spc="-1" strike="noStrike">
+            <a:endParaRPr b="0" lang="en-US" sz="2000" spc="-1" strike="noStrike">
               <a:solidFill>
                 <a:srgbClr val="000000"/>
               </a:solidFill>
@@ -6002,7 +6200,7 @@
         <p:spPr>
           <a:xfrm>
             <a:off x="527400" y="1412640"/>
-            <a:ext cx="10361520" cy="1148040"/>
+            <a:ext cx="10361160" cy="1147680"/>
           </a:xfrm>
           <a:prstGeom prst="rect">
             <a:avLst/>
@@ -6038,7 +6236,7 @@
               </a:rPr>
               <a:t>Requirement Engineering</a:t>
             </a:r>
-            <a:endParaRPr b="0" lang="de-DE" sz="3200" spc="-1" strike="noStrike">
+            <a:endParaRPr b="0" lang="en-US" sz="3200" spc="-1" strike="noStrike">
               <a:solidFill>
                 <a:srgbClr val="000000"/>
               </a:solidFill>
@@ -6056,7 +6254,7 @@
         <p:spPr>
           <a:xfrm>
             <a:off x="527400" y="2852640"/>
-            <a:ext cx="10361520" cy="2368800"/>
+            <a:ext cx="10361160" cy="2368440"/>
           </a:xfrm>
           <a:prstGeom prst="rect">
             <a:avLst/>
@@ -6098,7 +6296,7 @@
               </a:rPr>
               <a:t>Lecture 0: Organization</a:t>
             </a:r>
-            <a:endParaRPr b="0" lang="de-DE" sz="2400" spc="-1" strike="noStrike">
+            <a:endParaRPr b="0" lang="en-US" sz="2400" spc="-1" strike="noStrike">
               <a:solidFill>
                 <a:srgbClr val="000000"/>
               </a:solidFill>
@@ -6117,7 +6315,7 @@
                 <a:tab algn="l" pos="0"/>
               </a:tabLst>
             </a:pPr>
-            <a:endParaRPr b="0" lang="de-DE" sz="2400" spc="-1" strike="noStrike">
+            <a:endParaRPr b="0" lang="en-US" sz="2400" spc="-1" strike="noStrike">
               <a:solidFill>
                 <a:srgbClr val="000000"/>
               </a:solidFill>
@@ -6136,7 +6334,7 @@
                 <a:tab algn="l" pos="0"/>
               </a:tabLst>
             </a:pPr>
-            <a:endParaRPr b="0" lang="de-DE" sz="2400" spc="-1" strike="noStrike">
+            <a:endParaRPr b="0" lang="en-US" sz="2400" spc="-1" strike="noStrike">
               <a:solidFill>
                 <a:srgbClr val="000000"/>
               </a:solidFill>
@@ -6155,7 +6353,7 @@
                 <a:tab algn="l" pos="0"/>
               </a:tabLst>
             </a:pPr>
-            <a:endParaRPr b="0" lang="de-DE" sz="2400" spc="-1" strike="noStrike">
+            <a:endParaRPr b="0" lang="en-US" sz="2400" spc="-1" strike="noStrike">
               <a:solidFill>
                 <a:srgbClr val="000000"/>
               </a:solidFill>
@@ -6184,7 +6382,7 @@
               </a:rPr>
               <a:t>Prof. Dr. Benjamin Leiding</a:t>
             </a:r>
-            <a:endParaRPr b="0" lang="de-DE" sz="1600" spc="-1" strike="noStrike">
+            <a:endParaRPr b="0" lang="en-US" sz="1600" spc="-1" strike="noStrike">
               <a:solidFill>
                 <a:srgbClr val="000000"/>
               </a:solidFill>
@@ -6213,7 +6411,7 @@
               </a:rPr>
               <a:t>M.Sc. Anant Sujatanagarjuna</a:t>
             </a:r>
-            <a:endParaRPr b="0" lang="de-DE" sz="1600" spc="-1" strike="noStrike">
+            <a:endParaRPr b="0" lang="en-US" sz="1600" spc="-1" strike="noStrike">
               <a:solidFill>
                 <a:srgbClr val="000000"/>
               </a:solidFill>
@@ -6261,7 +6459,7 @@
         <p:spPr>
           <a:xfrm>
             <a:off x="539640" y="764640"/>
-            <a:ext cx="10745640" cy="496440"/>
+            <a:ext cx="10745280" cy="496080"/>
           </a:xfrm>
           <a:prstGeom prst="rect">
             <a:avLst/>
@@ -6297,7 +6495,7 @@
               </a:rPr>
               <a:t>Exercises</a:t>
             </a:r>
-            <a:endParaRPr b="0" lang="de-DE" sz="2400" spc="-1" strike="noStrike">
+            <a:endParaRPr b="0" lang="en-US" sz="2400" spc="-1" strike="noStrike">
               <a:solidFill>
                 <a:srgbClr val="000000"/>
               </a:solidFill>
@@ -6346,7 +6544,7 @@
                         </a:rPr>
                         <a:t>Publication Date</a:t>
                       </a:r>
-                      <a:endParaRPr b="0" lang="de-DE" sz="1500" spc="-1" strike="noStrike">
+                      <a:endParaRPr b="0" lang="en-US" sz="1500" spc="-1" strike="noStrike">
                         <a:solidFill>
                           <a:srgbClr val="000000"/>
                         </a:solidFill>
@@ -6404,7 +6602,7 @@
                         </a:rPr>
                         <a:t>Submission Deadline</a:t>
                       </a:r>
-                      <a:endParaRPr b="0" lang="de-DE" sz="1500" spc="-1" strike="noStrike">
+                      <a:endParaRPr b="0" lang="en-US" sz="1500" spc="-1" strike="noStrike">
                         <a:solidFill>
                           <a:srgbClr val="000000"/>
                         </a:solidFill>
@@ -6463,7 +6661,7 @@
                         </a:rPr>
                         <a:t>Exercise</a:t>
                       </a:r>
-                      <a:endParaRPr b="0" lang="de-DE" sz="1500" spc="-1" strike="noStrike">
+                      <a:endParaRPr b="0" lang="en-US" sz="1500" spc="-1" strike="noStrike">
                         <a:solidFill>
                           <a:srgbClr val="000000"/>
                         </a:solidFill>
@@ -6523,7 +6721,7 @@
                         </a:rPr>
                         <a:t>13.11.2023</a:t>
                       </a:r>
-                      <a:endParaRPr b="0" lang="de-DE" sz="1500" spc="-1" strike="noStrike">
+                      <a:endParaRPr b="0" lang="en-US" sz="1500" spc="-1" strike="noStrike">
                         <a:solidFill>
                           <a:srgbClr val="000000"/>
                         </a:solidFill>
@@ -6581,7 +6779,7 @@
                         </a:rPr>
                         <a:t>20.11.2023</a:t>
                       </a:r>
-                      <a:endParaRPr b="0" lang="de-DE" sz="1500" spc="-1" strike="noStrike">
+                      <a:endParaRPr b="0" lang="en-US" sz="1500" spc="-1" strike="noStrike">
                         <a:solidFill>
                           <a:srgbClr val="000000"/>
                         </a:solidFill>
@@ -6640,7 +6838,7 @@
                         </a:rPr>
                         <a:t>E01 – Knowledge Test (MC)</a:t>
                       </a:r>
-                      <a:endParaRPr b="0" lang="de-DE" sz="1500" spc="-1" strike="noStrike">
+                      <a:endParaRPr b="0" lang="en-US" sz="1500" spc="-1" strike="noStrike">
                         <a:solidFill>
                           <a:srgbClr val="000000"/>
                         </a:solidFill>
@@ -6700,7 +6898,7 @@
                         </a:rPr>
                         <a:t>27.11.2023</a:t>
                       </a:r>
-                      <a:endParaRPr b="0" lang="de-DE" sz="1500" spc="-1" strike="noStrike">
+                      <a:endParaRPr b="0" lang="en-US" sz="1500" spc="-1" strike="noStrike">
                         <a:solidFill>
                           <a:srgbClr val="000000"/>
                         </a:solidFill>
@@ -6758,7 +6956,7 @@
                         </a:rPr>
                         <a:t>04.12.2023</a:t>
                       </a:r>
-                      <a:endParaRPr b="0" lang="de-DE" sz="1500" spc="-1" strike="noStrike">
+                      <a:endParaRPr b="0" lang="en-US" sz="1500" spc="-1" strike="noStrike">
                         <a:solidFill>
                           <a:srgbClr val="000000"/>
                         </a:solidFill>
@@ -6817,7 +7015,7 @@
                         </a:rPr>
                         <a:t>E02 – Elicitation I, E03 – Elicitation II</a:t>
                       </a:r>
-                      <a:endParaRPr b="0" lang="de-DE" sz="1500" spc="-1" strike="noStrike">
+                      <a:endParaRPr b="0" lang="en-US" sz="1500" spc="-1" strike="noStrike">
                         <a:solidFill>
                           <a:srgbClr val="000000"/>
                         </a:solidFill>
@@ -6877,7 +7075,7 @@
                         </a:rPr>
                         <a:t>18.12.2023</a:t>
                       </a:r>
-                      <a:endParaRPr b="0" lang="de-DE" sz="1500" spc="-1" strike="noStrike">
+                      <a:endParaRPr b="0" lang="en-US" sz="1500" spc="-1" strike="noStrike">
                         <a:solidFill>
                           <a:srgbClr val="000000"/>
                         </a:solidFill>
@@ -6935,7 +7133,7 @@
                         </a:rPr>
                         <a:t>08.01.2024</a:t>
                       </a:r>
-                      <a:endParaRPr b="0" lang="de-DE" sz="1500" spc="-1" strike="noStrike">
+                      <a:endParaRPr b="0" lang="en-US" sz="1500" spc="-1" strike="noStrike">
                         <a:solidFill>
                           <a:srgbClr val="000000"/>
                         </a:solidFill>
@@ -6994,7 +7192,7 @@
                         </a:rPr>
                         <a:t>E04 – Agent-Oriented Modeling</a:t>
                       </a:r>
-                      <a:endParaRPr b="0" lang="de-DE" sz="1500" spc="-1" strike="noStrike">
+                      <a:endParaRPr b="0" lang="en-US" sz="1500" spc="-1" strike="noStrike">
                         <a:solidFill>
                           <a:srgbClr val="000000"/>
                         </a:solidFill>
@@ -7054,7 +7252,7 @@
                         </a:rPr>
                         <a:t>08.01.2024</a:t>
                       </a:r>
-                      <a:endParaRPr b="0" lang="de-DE" sz="1500" spc="-1" strike="noStrike">
+                      <a:endParaRPr b="0" lang="en-US" sz="1500" spc="-1" strike="noStrike">
                         <a:solidFill>
                           <a:srgbClr val="000000"/>
                         </a:solidFill>
@@ -7112,7 +7310,7 @@
                         </a:rPr>
                         <a:t>22.01.2024</a:t>
                       </a:r>
-                      <a:endParaRPr b="0" lang="de-DE" sz="1500" spc="-1" strike="noStrike">
+                      <a:endParaRPr b="0" lang="en-US" sz="1500" spc="-1" strike="noStrike">
                         <a:solidFill>
                           <a:srgbClr val="000000"/>
                         </a:solidFill>
@@ -7171,7 +7369,7 @@
                         </a:rPr>
                         <a:t>E05 – CPN I, E06 – CPN II</a:t>
                       </a:r>
-                      <a:endParaRPr b="0" lang="de-DE" sz="1500" spc="-1" strike="noStrike">
+                      <a:endParaRPr b="0" lang="en-US" sz="1500" spc="-1" strike="noStrike">
                         <a:solidFill>
                           <a:srgbClr val="000000"/>
                         </a:solidFill>
@@ -7231,7 +7429,7 @@
                         </a:rPr>
                         <a:t>22.01.2024</a:t>
                       </a:r>
-                      <a:endParaRPr b="0" lang="de-DE" sz="1500" spc="-1" strike="noStrike">
+                      <a:endParaRPr b="0" lang="en-US" sz="1500" spc="-1" strike="noStrike">
                         <a:solidFill>
                           <a:srgbClr val="000000"/>
                         </a:solidFill>
@@ -7289,7 +7487,7 @@
                         </a:rPr>
                         <a:t>29.01.2024</a:t>
                       </a:r>
-                      <a:endParaRPr b="0" lang="de-DE" sz="1500" spc="-1" strike="noStrike">
+                      <a:endParaRPr b="0" lang="en-US" sz="1500" spc="-1" strike="noStrike">
                         <a:solidFill>
                           <a:srgbClr val="000000"/>
                         </a:solidFill>
@@ -7348,7 +7546,7 @@
                         </a:rPr>
                         <a:t>E07 – Management</a:t>
                       </a:r>
-                      <a:endParaRPr b="0" lang="de-DE" sz="1500" spc="-1" strike="noStrike">
+                      <a:endParaRPr b="0" lang="en-US" sz="1500" spc="-1" strike="noStrike">
                         <a:solidFill>
                           <a:srgbClr val="000000"/>
                         </a:solidFill>
@@ -7408,7 +7606,7 @@
                         </a:rPr>
                         <a:t>29.01.2024</a:t>
                       </a:r>
-                      <a:endParaRPr b="0" lang="de-DE" sz="1500" spc="-1" strike="noStrike">
+                      <a:endParaRPr b="0" lang="en-US" sz="1500" spc="-1" strike="noStrike">
                         <a:solidFill>
                           <a:srgbClr val="000000"/>
                         </a:solidFill>
@@ -7464,7 +7662,7 @@
                         </a:rPr>
                         <a:t>05.02.2024</a:t>
                       </a:r>
-                      <a:endParaRPr b="0" lang="de-DE" sz="1500" spc="-1" strike="noStrike">
+                      <a:endParaRPr b="0" lang="en-US" sz="1500" spc="-1" strike="noStrike">
                         <a:solidFill>
                           <a:srgbClr val="000000"/>
                         </a:solidFill>
@@ -7521,7 +7719,7 @@
                         </a:rPr>
                         <a:t>E08 – Traceability</a:t>
                       </a:r>
-                      <a:endParaRPr b="0" lang="de-DE" sz="1500" spc="-1" strike="noStrike">
+                      <a:endParaRPr b="0" lang="en-US" sz="1500" spc="-1" strike="noStrike">
                         <a:solidFill>
                           <a:srgbClr val="000000"/>
                         </a:solidFill>
@@ -7579,7 +7777,7 @@
                         </a:rPr>
                         <a:t>04.12.2023</a:t>
                       </a:r>
-                      <a:endParaRPr b="0" lang="de-DE" sz="1500" spc="-1" strike="noStrike">
+                      <a:endParaRPr b="0" lang="en-US" sz="1500" spc="-1" strike="noStrike">
                         <a:solidFill>
                           <a:srgbClr val="000000"/>
                         </a:solidFill>
@@ -7635,9 +7833,9 @@
                           </a:solidFill>
                           <a:latin typeface="DejaVu Sans"/>
                         </a:rPr>
-                        <a:t>15.01.2024</a:t>
+                        <a:t>05.02.2024</a:t>
                       </a:r>
-                      <a:endParaRPr b="0" lang="de-DE" sz="1500" spc="-1" strike="noStrike">
+                      <a:endParaRPr b="0" lang="en-US" sz="1500" spc="-1" strike="noStrike">
                         <a:solidFill>
                           <a:srgbClr val="000000"/>
                         </a:solidFill>
@@ -7696,7 +7894,7 @@
                         </a:rPr>
                         <a:t>EXX – Bonus Task (Not-Mandatory)</a:t>
                       </a:r>
-                      <a:endParaRPr b="0" lang="de-DE" sz="1500" spc="-1" strike="noStrike">
+                      <a:endParaRPr b="0" lang="en-US" sz="1500" spc="-1" strike="noStrike">
                         <a:solidFill>
                           <a:srgbClr val="000000"/>
                         </a:solidFill>
@@ -7778,7 +7976,7 @@
         <p:spPr>
           <a:xfrm>
             <a:off x="539640" y="764640"/>
-            <a:ext cx="10738800" cy="489600"/>
+            <a:ext cx="10738440" cy="489240"/>
           </a:xfrm>
           <a:prstGeom prst="rect">
             <a:avLst/>
@@ -7814,7 +8012,7 @@
               </a:rPr>
               <a:t>Course Organization</a:t>
             </a:r>
-            <a:endParaRPr b="0" lang="de-DE" sz="2400" spc="-1" strike="noStrike">
+            <a:endParaRPr b="0" lang="en-US" sz="2400" spc="-1" strike="noStrike">
               <a:solidFill>
                 <a:srgbClr val="000000"/>
               </a:solidFill>
@@ -7832,7 +8030,7 @@
         <p:spPr>
           <a:xfrm>
             <a:off x="539640" y="1268280"/>
-            <a:ext cx="10738800" cy="5026320"/>
+            <a:ext cx="10738440" cy="5025960"/>
           </a:xfrm>
           <a:prstGeom prst="rect">
             <a:avLst/>
@@ -7861,7 +8059,7 @@
                 <a:spcPts val="360"/>
               </a:spcBef>
             </a:pPr>
-            <a:endParaRPr b="0" lang="de-DE" sz="1800" spc="-1" strike="noStrike">
+            <a:endParaRPr b="0" lang="en-US" sz="1800" spc="-1" strike="noStrike">
               <a:solidFill>
                 <a:srgbClr val="000000"/>
               </a:solidFill>
@@ -7893,7 +8091,7 @@
               </a:rPr>
               <a:t>Organization of the lecture:</a:t>
             </a:r>
-            <a:endParaRPr b="0" lang="de-DE" sz="1800" spc="-1" strike="noStrike">
+            <a:endParaRPr b="0" lang="en-US" sz="1800" spc="-1" strike="noStrike">
               <a:solidFill>
                 <a:srgbClr val="000000"/>
               </a:solidFill>
@@ -7937,7 +8135,7 @@
               </a:rPr>
               <a:t>re.etce-lab.de</a:t>
             </a:r>
-            <a:endParaRPr b="0" lang="de-DE" sz="1800" spc="-1" strike="noStrike">
+            <a:endParaRPr b="0" lang="en-US" sz="1800" spc="-1" strike="noStrike">
               <a:solidFill>
                 <a:srgbClr val="000000"/>
               </a:solidFill>
@@ -7969,7 +8167,7 @@
               </a:rPr>
               <a:t>Course content is mainly delivered as pre-produced learning material.</a:t>
             </a:r>
-            <a:endParaRPr b="0" lang="de-DE" sz="1800" spc="-1" strike="noStrike">
+            <a:endParaRPr b="0" lang="en-US" sz="1800" spc="-1" strike="noStrike">
               <a:solidFill>
                 <a:srgbClr val="000000"/>
               </a:solidFill>
@@ -8023,7 +8221,7 @@
               </a:rPr>
               <a:t>) </a:t>
             </a:r>
-            <a:endParaRPr b="0" lang="de-DE" sz="1800" spc="-1" strike="noStrike">
+            <a:endParaRPr b="0" lang="en-US" sz="1800" spc="-1" strike="noStrike">
               <a:solidFill>
                 <a:srgbClr val="000000"/>
               </a:solidFill>
@@ -8055,7 +8253,7 @@
               </a:rPr>
               <a:t>Exercise / Q&amp;A Session live streams (BBB – next slide) and Goslar</a:t>
             </a:r>
-            <a:endParaRPr b="0" lang="de-DE" sz="1800" spc="-1" strike="noStrike">
+            <a:endParaRPr b="0" lang="en-US" sz="1800" spc="-1" strike="noStrike">
               <a:solidFill>
                 <a:srgbClr val="000000"/>
               </a:solidFill>
@@ -8107,7 +8305,7 @@
               </a:rPr>
               <a:t>Time for questions and eventual tutorials related to the exercises</a:t>
             </a:r>
-            <a:endParaRPr b="0" lang="de-DE" sz="1800" spc="-1" strike="noStrike">
+            <a:endParaRPr b="0" lang="en-US" sz="1800" spc="-1" strike="noStrike">
               <a:solidFill>
                 <a:srgbClr val="000000"/>
               </a:solidFill>
@@ -8133,7 +8331,7 @@
               </a:rPr>
               <a:t> </a:t>
             </a:r>
-            <a:endParaRPr b="0" lang="de-DE" sz="1800" spc="-1" strike="noStrike">
+            <a:endParaRPr b="0" lang="en-US" sz="1800" spc="-1" strike="noStrike">
               <a:solidFill>
                 <a:srgbClr val="000000"/>
               </a:solidFill>
@@ -8217,7 +8415,7 @@
               </a:rPr>
               <a:t> respond to</a:t>
             </a:r>
-            <a:endParaRPr b="0" lang="de-DE" sz="1800" spc="-1" strike="noStrike">
+            <a:endParaRPr b="0" lang="en-US" sz="1800" spc="-1" strike="noStrike">
               <a:solidFill>
                 <a:srgbClr val="000000"/>
               </a:solidFill>
@@ -8243,7 +8441,7 @@
               </a:rPr>
               <a:t>emails written to this specific email address!</a:t>
             </a:r>
-            <a:endParaRPr b="0" lang="de-DE" sz="1800" spc="-1" strike="noStrike">
+            <a:endParaRPr b="0" lang="en-US" sz="1800" spc="-1" strike="noStrike">
               <a:solidFill>
                 <a:srgbClr val="000000"/>
               </a:solidFill>
@@ -8291,7 +8489,7 @@
         <p:spPr>
           <a:xfrm>
             <a:off x="539640" y="764640"/>
-            <a:ext cx="10737360" cy="488160"/>
+            <a:ext cx="10737000" cy="487800"/>
           </a:xfrm>
           <a:prstGeom prst="rect">
             <a:avLst/>
@@ -8327,7 +8525,7 @@
               </a:rPr>
               <a:t>Dates/Times/Locations</a:t>
             </a:r>
-            <a:endParaRPr b="0" lang="de-DE" sz="2400" spc="-1" strike="noStrike">
+            <a:endParaRPr b="0" lang="en-US" sz="2400" spc="-1" strike="noStrike">
               <a:solidFill>
                 <a:srgbClr val="000000"/>
               </a:solidFill>
@@ -8340,7 +8538,7 @@
                 <a:spcPct val="100000"/>
               </a:lnSpc>
             </a:pPr>
-            <a:endParaRPr b="0" lang="de-DE" sz="2400" spc="-1" strike="noStrike">
+            <a:endParaRPr b="0" lang="en-US" sz="2400" spc="-1" strike="noStrike">
               <a:solidFill>
                 <a:srgbClr val="000000"/>
               </a:solidFill>
@@ -8353,7 +8551,7 @@
                 <a:spcPct val="100000"/>
               </a:lnSpc>
             </a:pPr>
-            <a:endParaRPr b="0" lang="de-DE" sz="2400" spc="-1" strike="noStrike">
+            <a:endParaRPr b="0" lang="en-US" sz="2400" spc="-1" strike="noStrike">
               <a:solidFill>
                 <a:srgbClr val="000000"/>
               </a:solidFill>
@@ -8371,7 +8569,7 @@
         <p:spPr>
           <a:xfrm>
             <a:off x="539640" y="1268640"/>
-            <a:ext cx="10737360" cy="5024880"/>
+            <a:ext cx="10737000" cy="5024520"/>
           </a:xfrm>
           <a:prstGeom prst="rect">
             <a:avLst/>
@@ -8400,7 +8598,7 @@
                 <a:spcPts val="360"/>
               </a:spcBef>
             </a:pPr>
-            <a:endParaRPr b="0" lang="de-DE" sz="1800" spc="-1" strike="noStrike">
+            <a:endParaRPr b="0" lang="en-US" sz="1800" spc="-1" strike="noStrike">
               <a:solidFill>
                 <a:srgbClr val="000000"/>
               </a:solidFill>
@@ -8433,7 +8631,7 @@
               </a:rPr>
               <a:t>Lecture:</a:t>
             </a:r>
-            <a:endParaRPr b="0" lang="de-DE" sz="1800" spc="-1" strike="noStrike">
+            <a:endParaRPr b="0" lang="en-US" sz="1800" spc="-1" strike="noStrike">
               <a:solidFill>
                 <a:srgbClr val="000000"/>
               </a:solidFill>
@@ -8555,7 +8753,7 @@
               </a:rPr>
               <a:t>2024</a:t>
             </a:r>
-            <a:endParaRPr b="0" lang="de-DE" sz="1800" spc="-1" strike="noStrike">
+            <a:endParaRPr b="0" lang="en-US" sz="1800" spc="-1" strike="noStrike">
               <a:solidFill>
                 <a:srgbClr val="000000"/>
               </a:solidFill>
@@ -8609,7 +8807,7 @@
               </a:rPr>
               <a:t>)</a:t>
             </a:r>
-            <a:endParaRPr b="0" lang="de-DE" sz="1800" spc="-1" strike="noStrike">
+            <a:endParaRPr b="0" lang="en-US" sz="1800" spc="-1" strike="noStrike">
               <a:solidFill>
                 <a:srgbClr val="000000"/>
               </a:solidFill>
@@ -8625,7 +8823,7 @@
                 <a:spcPts val="360"/>
               </a:spcBef>
             </a:pPr>
-            <a:endParaRPr b="0" lang="de-DE" sz="1800" spc="-1" strike="noStrike">
+            <a:endParaRPr b="0" lang="en-US" sz="1800" spc="-1" strike="noStrike">
               <a:solidFill>
                 <a:srgbClr val="000000"/>
               </a:solidFill>
@@ -8658,7 +8856,7 @@
               </a:rPr>
               <a:t>Exercise / Q&amp;A:</a:t>
             </a:r>
-            <a:endParaRPr b="0" lang="de-DE" sz="1800" spc="-1" strike="noStrike">
+            <a:endParaRPr b="0" lang="en-US" sz="1800" spc="-1" strike="noStrike">
               <a:solidFill>
                 <a:srgbClr val="000000"/>
               </a:solidFill>
@@ -8780,7 +8978,7 @@
               </a:rPr>
               <a:t>2024</a:t>
             </a:r>
-            <a:endParaRPr b="0" lang="de-DE" sz="1800" spc="-1" strike="noStrike">
+            <a:endParaRPr b="0" lang="en-US" sz="1800" spc="-1" strike="noStrike">
               <a:solidFill>
                 <a:srgbClr val="000000"/>
               </a:solidFill>
@@ -8834,7 +9032,7 @@
               </a:rPr>
               <a:t>)</a:t>
             </a:r>
-            <a:endParaRPr b="0" lang="de-DE" sz="1800" spc="-1" strike="noStrike">
+            <a:endParaRPr b="0" lang="en-US" sz="1800" spc="-1" strike="noStrike">
               <a:solidFill>
                 <a:srgbClr val="000000"/>
               </a:solidFill>
@@ -8882,7 +9080,7 @@
         <p:spPr>
           <a:xfrm>
             <a:off x="539640" y="764640"/>
-            <a:ext cx="10745640" cy="496440"/>
+            <a:ext cx="10745280" cy="496080"/>
           </a:xfrm>
           <a:prstGeom prst="rect">
             <a:avLst/>
@@ -8918,7 +9116,7 @@
               </a:rPr>
               <a:t>Exercises </a:t>
             </a:r>
-            <a:endParaRPr b="0" lang="de-DE" sz="2400" spc="-1" strike="noStrike">
+            <a:endParaRPr b="0" lang="en-US" sz="2400" spc="-1" strike="noStrike">
               <a:solidFill>
                 <a:srgbClr val="000000"/>
               </a:solidFill>
@@ -8936,7 +9134,7 @@
         <p:spPr>
           <a:xfrm>
             <a:off x="539640" y="1268280"/>
-            <a:ext cx="10745640" cy="5033160"/>
+            <a:ext cx="10745280" cy="5032800"/>
           </a:xfrm>
           <a:prstGeom prst="rect">
             <a:avLst/>
@@ -8962,7 +9160,7 @@
                 <a:spcPct val="100000"/>
               </a:lnSpc>
             </a:pPr>
-            <a:endParaRPr b="0" lang="de-DE" sz="1800" spc="-1" strike="noStrike">
+            <a:endParaRPr b="0" lang="en-US" sz="1800" spc="-1" strike="noStrike">
               <a:solidFill>
                 <a:srgbClr val="000000"/>
               </a:solidFill>
@@ -8994,7 +9192,7 @@
               </a:rPr>
               <a:t>Organization of the exercise:</a:t>
             </a:r>
-            <a:endParaRPr b="0" lang="de-DE" sz="1800" spc="-1" strike="noStrike">
+            <a:endParaRPr b="0" lang="en-US" sz="1800" spc="-1" strike="noStrike">
               <a:solidFill>
                 <a:srgbClr val="000000"/>
               </a:solidFill>
@@ -9046,7 +9244,7 @@
               </a:rPr>
               <a:t> group submissions</a:t>
             </a:r>
-            <a:endParaRPr b="0" lang="de-DE" sz="1800" spc="-1" strike="noStrike">
+            <a:endParaRPr b="0" lang="en-US" sz="1800" spc="-1" strike="noStrike">
               <a:solidFill>
                 <a:srgbClr val="000000"/>
               </a:solidFill>
@@ -9078,7 +9276,7 @@
               </a:rPr>
               <a:t>Multiple-Choice or practical tasks</a:t>
             </a:r>
-            <a:endParaRPr b="0" lang="de-DE" sz="1800" spc="-1" strike="noStrike">
+            <a:endParaRPr b="0" lang="en-US" sz="1800" spc="-1" strike="noStrike">
               <a:solidFill>
                 <a:srgbClr val="000000"/>
               </a:solidFill>
@@ -9110,7 +9308,7 @@
               </a:rPr>
               <a:t>7-14 days to submit (depending on the task)</a:t>
             </a:r>
-            <a:endParaRPr b="0" lang="de-DE" sz="1800" spc="-1" strike="noStrike">
+            <a:endParaRPr b="0" lang="en-US" sz="1800" spc="-1" strike="noStrike">
               <a:solidFill>
                 <a:srgbClr val="000000"/>
               </a:solidFill>
@@ -9142,7 +9340,7 @@
               </a:rPr>
               <a:t>Submission deadline is always Monday at 1:59pm (right before the next lecture period)</a:t>
             </a:r>
-            <a:endParaRPr b="0" lang="de-DE" sz="1800" spc="-1" strike="noStrike">
+            <a:endParaRPr b="0" lang="en-US" sz="1800" spc="-1" strike="noStrike">
               <a:solidFill>
                 <a:srgbClr val="000000"/>
               </a:solidFill>
@@ -9184,7 +9382,7 @@
               </a:rPr>
               <a:t>ow on the next slides (Examination)</a:t>
             </a:r>
-            <a:endParaRPr b="0" lang="de-DE" sz="1800" spc="-1" strike="noStrike">
+            <a:endParaRPr b="0" lang="en-US" sz="1800" spc="-1" strike="noStrike">
               <a:solidFill>
                 <a:srgbClr val="000000"/>
               </a:solidFill>
@@ -9232,7 +9430,7 @@
         <p:spPr>
           <a:xfrm>
             <a:off x="539640" y="764640"/>
-            <a:ext cx="10738800" cy="489600"/>
+            <a:ext cx="10738440" cy="489240"/>
           </a:xfrm>
           <a:prstGeom prst="rect">
             <a:avLst/>
@@ -9268,7 +9466,7 @@
               </a:rPr>
               <a:t>Exercises </a:t>
             </a:r>
-            <a:endParaRPr b="0" lang="de-DE" sz="2400" spc="-1" strike="noStrike">
+            <a:endParaRPr b="0" lang="en-US" sz="2400" spc="-1" strike="noStrike">
               <a:solidFill>
                 <a:srgbClr val="000000"/>
               </a:solidFill>
@@ -9286,7 +9484,7 @@
         <p:spPr>
           <a:xfrm>
             <a:off x="539640" y="1268280"/>
-            <a:ext cx="10738800" cy="5026320"/>
+            <a:ext cx="10738440" cy="5025960"/>
           </a:xfrm>
           <a:prstGeom prst="rect">
             <a:avLst/>
@@ -9328,7 +9526,7 @@
               </a:rPr>
               <a:t>Multiple-choice exercises: Self-evaluated, available directly on the MOOC website.</a:t>
             </a:r>
-            <a:endParaRPr b="0" lang="de-DE" sz="1800" spc="-1" strike="noStrike">
+            <a:endParaRPr b="0" lang="en-US" sz="1800" spc="-1" strike="noStrike">
               <a:solidFill>
                 <a:srgbClr val="000000"/>
               </a:solidFill>
@@ -9357,7 +9555,7 @@
               </a:rPr>
               <a:t>Practical Tasks: Submitted via Moodle.</a:t>
             </a:r>
-            <a:endParaRPr b="0" lang="de-DE" sz="1800" spc="-1" strike="noStrike">
+            <a:endParaRPr b="0" lang="en-US" sz="1800" spc="-1" strike="noStrike">
               <a:solidFill>
                 <a:srgbClr val="000000"/>
               </a:solidFill>
@@ -9386,7 +9584,7 @@
               </a:rPr>
               <a:t>Bonus task:</a:t>
             </a:r>
-            <a:endParaRPr b="0" lang="de-DE" sz="1800" spc="-1" strike="noStrike">
+            <a:endParaRPr b="0" lang="en-US" sz="1800" spc="-1" strike="noStrike">
               <a:solidFill>
                 <a:srgbClr val="000000"/>
               </a:solidFill>
@@ -9418,7 +9616,7 @@
               </a:rPr>
               <a:t>You may miss/fail one of the regular practical exercises</a:t>
             </a:r>
-            <a:endParaRPr b="0" lang="de-DE" sz="1800" spc="-1" strike="noStrike">
+            <a:endParaRPr b="0" lang="en-US" sz="1800" spc="-1" strike="noStrike">
               <a:solidFill>
                 <a:srgbClr val="000000"/>
               </a:solidFill>
@@ -9470,7 +9668,7 @@
               </a:rPr>
               <a:t> passing the bonus task substitutes the missed/failed exercise</a:t>
             </a:r>
-            <a:endParaRPr b="0" lang="de-DE" sz="1800" spc="-1" strike="noStrike">
+            <a:endParaRPr b="0" lang="en-US" sz="1800" spc="-1" strike="noStrike">
               <a:solidFill>
                 <a:srgbClr val="000000"/>
               </a:solidFill>
@@ -9512,7 +9710,7 @@
               </a:rPr>
               <a:t> → don’t “plan” with the bonus task. Rather submit and pass the regular exercises.</a:t>
             </a:r>
-            <a:endParaRPr b="0" lang="de-DE" sz="1800" spc="-1" strike="noStrike">
+            <a:endParaRPr b="0" lang="en-US" sz="1800" spc="-1" strike="noStrike">
               <a:solidFill>
                 <a:srgbClr val="000000"/>
               </a:solidFill>
@@ -9560,7 +9758,7 @@
         <p:spPr>
           <a:xfrm>
             <a:off x="539640" y="764640"/>
-            <a:ext cx="10745640" cy="496440"/>
+            <a:ext cx="10745280" cy="496080"/>
           </a:xfrm>
           <a:prstGeom prst="rect">
             <a:avLst/>
@@ -9596,7 +9794,7 @@
               </a:rPr>
               <a:t>Examination</a:t>
             </a:r>
-            <a:endParaRPr b="0" lang="de-DE" sz="2400" spc="-1" strike="noStrike">
+            <a:endParaRPr b="0" lang="en-US" sz="2400" spc="-1" strike="noStrike">
               <a:solidFill>
                 <a:srgbClr val="000000"/>
               </a:solidFill>
@@ -9614,7 +9812,7 @@
         <p:spPr>
           <a:xfrm>
             <a:off x="539640" y="1268640"/>
-            <a:ext cx="10745640" cy="5033160"/>
+            <a:ext cx="10745280" cy="5032800"/>
           </a:xfrm>
           <a:prstGeom prst="rect">
             <a:avLst/>
@@ -9689,7 +9887,7 @@
               </a:rPr>
               <a:t> criteria have to be fulfilled):</a:t>
             </a:r>
-            <a:endParaRPr b="0" lang="de-DE" sz="1800" spc="-1" strike="noStrike">
+            <a:endParaRPr b="0" lang="en-US" sz="1800" spc="-1" strike="noStrike">
               <a:solidFill>
                 <a:srgbClr val="000000"/>
               </a:solidFill>
@@ -9721,7 +9919,7 @@
               </a:rPr>
               <a:t>Successful completion of the compulsory seven exercises</a:t>
             </a:r>
-            <a:endParaRPr b="0" lang="de-DE" sz="1800" spc="-1" strike="noStrike">
+            <a:endParaRPr b="0" lang="en-US" sz="1800" spc="-1" strike="noStrike">
               <a:solidFill>
                 <a:srgbClr val="000000"/>
               </a:solidFill>
@@ -9753,7 +9951,7 @@
               </a:rPr>
               <a:t>You pass an exercise if you score 50% (or more)</a:t>
             </a:r>
-            <a:endParaRPr b="0" lang="de-DE" sz="1800" spc="-1" strike="noStrike">
+            <a:endParaRPr b="0" lang="en-US" sz="1800" spc="-1" strike="noStrike">
               <a:solidFill>
                 <a:srgbClr val="000000"/>
               </a:solidFill>
@@ -9806,7 +10004,7 @@
               </a:rPr>
               <a:t> exercise</a:t>
             </a:r>
-            <a:endParaRPr b="0" lang="de-DE" sz="1800" spc="-1" strike="noStrike">
+            <a:endParaRPr b="0" lang="en-US" sz="1800" spc="-1" strike="noStrike">
               <a:solidFill>
                 <a:srgbClr val="000000"/>
               </a:solidFill>
@@ -9822,7 +10020,7 @@
                 <a:spcPts val="360"/>
               </a:spcBef>
             </a:pPr>
-            <a:endParaRPr b="0" lang="de-DE" sz="1800" spc="-1" strike="noStrike">
+            <a:endParaRPr b="0" lang="en-US" sz="1800" spc="-1" strike="noStrike">
               <a:solidFill>
                 <a:srgbClr val="000000"/>
               </a:solidFill>
@@ -9854,7 +10052,7 @@
               </a:rPr>
               <a:t>Final exam:</a:t>
             </a:r>
-            <a:endParaRPr b="0" lang="de-DE" sz="1800" spc="-1" strike="noStrike">
+            <a:endParaRPr b="0" lang="en-US" sz="1800" spc="-1" strike="noStrike">
               <a:solidFill>
                 <a:srgbClr val="000000"/>
               </a:solidFill>
@@ -9886,7 +10084,7 @@
               </a:rPr>
               <a:t>04.03.2024 → 14:00 – 16:00 </a:t>
             </a:r>
-            <a:endParaRPr b="0" lang="de-DE" sz="1800" spc="-1" strike="noStrike">
+            <a:endParaRPr b="0" lang="en-US" sz="1800" spc="-1" strike="noStrike">
               <a:solidFill>
                 <a:srgbClr val="000000"/>
               </a:solidFill>
@@ -9918,7 +10116,7 @@
               </a:rPr>
               <a:t>Written exam (120min) </a:t>
             </a:r>
-            <a:endParaRPr b="0" lang="de-DE" sz="1800" spc="-1" strike="noStrike">
+            <a:endParaRPr b="0" lang="en-US" sz="1800" spc="-1" strike="noStrike">
               <a:solidFill>
                 <a:srgbClr val="000000"/>
               </a:solidFill>
@@ -9966,7 +10164,7 @@
         <p:spPr>
           <a:xfrm>
             <a:off x="539640" y="764640"/>
-            <a:ext cx="10745640" cy="496440"/>
+            <a:ext cx="10745280" cy="496080"/>
           </a:xfrm>
           <a:prstGeom prst="rect">
             <a:avLst/>
@@ -10002,7 +10200,7 @@
               </a:rPr>
               <a:t>Self-Study Star</a:t>
             </a:r>
-            <a:endParaRPr b="0" lang="de-DE" sz="2400" spc="-1" strike="noStrike">
+            <a:endParaRPr b="0" lang="en-US" sz="2400" spc="-1" strike="noStrike">
               <a:solidFill>
                 <a:srgbClr val="000000"/>
               </a:solidFill>
@@ -10020,7 +10218,7 @@
         <p:spPr>
           <a:xfrm>
             <a:off x="539640" y="1268280"/>
-            <a:ext cx="10745640" cy="5033160"/>
+            <a:ext cx="10745280" cy="5032800"/>
           </a:xfrm>
           <a:prstGeom prst="rect">
             <a:avLst/>
@@ -10049,7 +10247,7 @@
                 <a:spcPts val="360"/>
               </a:spcBef>
             </a:pPr>
-            <a:endParaRPr b="0" lang="de-DE" sz="1800" spc="-1" strike="noStrike">
+            <a:endParaRPr b="0" lang="en-US" sz="1800" spc="-1" strike="noStrike">
               <a:solidFill>
                 <a:srgbClr val="000000"/>
               </a:solidFill>
@@ -10101,7 +10299,7 @@
               </a:rPr>
               <a:t> mandatory but could be helpful for your future career</a:t>
             </a:r>
-            <a:endParaRPr b="0" lang="de-DE" sz="1800" spc="-1" strike="noStrike">
+            <a:endParaRPr b="0" lang="en-US" sz="1800" spc="-1" strike="noStrike">
               <a:solidFill>
                 <a:srgbClr val="000000"/>
               </a:solidFill>
@@ -10117,7 +10315,7 @@
                 <a:spcPts val="360"/>
               </a:spcBef>
             </a:pPr>
-            <a:endParaRPr b="0" lang="de-DE" sz="1800" spc="-1" strike="noStrike">
+            <a:endParaRPr b="0" lang="en-US" sz="1800" spc="-1" strike="noStrike">
               <a:solidFill>
                 <a:srgbClr val="000000"/>
               </a:solidFill>
@@ -10149,7 +10347,7 @@
               </a:rPr>
               <a:t>Of course it won’t hurt to have extra knowledge to impress us during the examination ;)</a:t>
             </a:r>
-            <a:endParaRPr b="0" lang="de-DE" sz="1800" spc="-1" strike="noStrike">
+            <a:endParaRPr b="0" lang="en-US" sz="1800" spc="-1" strike="noStrike">
               <a:solidFill>
                 <a:srgbClr val="000000"/>
               </a:solidFill>
@@ -10167,7 +10365,7 @@
         <p:spPr>
           <a:xfrm>
             <a:off x="6489720" y="2132640"/>
-            <a:ext cx="515160" cy="495000"/>
+            <a:ext cx="514800" cy="494640"/>
           </a:xfrm>
           <a:prstGeom prst="star5">
             <a:avLst>
@@ -10228,7 +10426,7 @@
         <p:spPr>
           <a:xfrm>
             <a:off x="4294080" y="2247480"/>
-            <a:ext cx="2283480" cy="363960"/>
+            <a:ext cx="2283120" cy="363960"/>
           </a:xfrm>
           <a:prstGeom prst="rect">
             <a:avLst/>
@@ -10264,7 +10462,7 @@
               </a:rPr>
               <a:t>Self-Study Star → </a:t>
             </a:r>
-            <a:endParaRPr b="0" lang="de-DE" sz="1800" spc="-1" strike="noStrike">
+            <a:endParaRPr b="0" lang="en-US" sz="1800" spc="-1" strike="noStrike">
               <a:solidFill>
                 <a:srgbClr val="000000"/>
               </a:solidFill>
@@ -10312,7 +10510,7 @@
         <p:spPr>
           <a:xfrm>
             <a:off x="539640" y="764640"/>
-            <a:ext cx="10745640" cy="496440"/>
+            <a:ext cx="10745280" cy="496080"/>
           </a:xfrm>
           <a:prstGeom prst="rect">
             <a:avLst/>
@@ -10348,7 +10546,7 @@
               </a:rPr>
               <a:t>Literature</a:t>
             </a:r>
-            <a:endParaRPr b="0" lang="de-DE" sz="2400" spc="-1" strike="noStrike">
+            <a:endParaRPr b="0" lang="en-US" sz="2400" spc="-1" strike="noStrike">
               <a:solidFill>
                 <a:srgbClr val="000000"/>
               </a:solidFill>
@@ -10366,7 +10564,7 @@
         <p:spPr>
           <a:xfrm>
             <a:off x="539640" y="1268640"/>
-            <a:ext cx="10745640" cy="5033160"/>
+            <a:ext cx="10745280" cy="5032800"/>
           </a:xfrm>
           <a:prstGeom prst="rect">
             <a:avLst/>
@@ -10431,7 +10629,7 @@
               </a:rPr>
               <a:t> need to buy a book to pass the exam.</a:t>
             </a:r>
-            <a:endParaRPr b="0" lang="de-DE" sz="1800" spc="-1" strike="noStrike">
+            <a:endParaRPr b="0" lang="en-US" sz="1800" spc="-1" strike="noStrike">
               <a:solidFill>
                 <a:srgbClr val="000000"/>
               </a:solidFill>
@@ -10447,7 +10645,7 @@
                 <a:spcPts val="360"/>
               </a:spcBef>
             </a:pPr>
-            <a:endParaRPr b="0" lang="de-DE" sz="1800" spc="-1" strike="noStrike">
+            <a:endParaRPr b="0" lang="en-US" sz="1800" spc="-1" strike="noStrike">
               <a:solidFill>
                 <a:srgbClr val="000000"/>
               </a:solidFill>
@@ -10499,7 +10697,7 @@
               </a:rPr>
               <a:t> (2010).</a:t>
             </a:r>
-            <a:endParaRPr b="0" lang="de-DE" sz="1800" spc="-1" strike="noStrike">
+            <a:endParaRPr b="0" lang="en-US" sz="1800" spc="-1" strike="noStrike">
               <a:solidFill>
                 <a:srgbClr val="000000"/>
               </a:solidFill>
@@ -10551,7 +10749,7 @@
               </a:rPr>
               <a:t>(2011).</a:t>
             </a:r>
-            <a:endParaRPr b="0" lang="de-DE" sz="1800" spc="-1" strike="noStrike">
+            <a:endParaRPr b="0" lang="en-US" sz="1800" spc="-1" strike="noStrike">
               <a:solidFill>
                 <a:srgbClr val="000000"/>
               </a:solidFill>
@@ -10623,7 +10821,7 @@
               </a:rPr>
               <a:t>(2017).</a:t>
             </a:r>
-            <a:endParaRPr b="0" lang="de-DE" sz="1800" spc="-1" strike="noStrike">
+            <a:endParaRPr b="0" lang="en-US" sz="1800" spc="-1" strike="noStrike">
               <a:solidFill>
                 <a:srgbClr val="000000"/>
               </a:solidFill>
@@ -10675,7 +10873,7 @@
               </a:rPr>
               <a:t>(2021).</a:t>
             </a:r>
-            <a:endParaRPr b="0" lang="de-DE" sz="1800" spc="-1" strike="noStrike">
+            <a:endParaRPr b="0" lang="en-US" sz="1800" spc="-1" strike="noStrike">
               <a:solidFill>
                 <a:srgbClr val="000000"/>
               </a:solidFill>
@@ -10723,7 +10921,7 @@
         <p:spPr>
           <a:xfrm>
             <a:off x="335520" y="1268640"/>
-            <a:ext cx="10745640" cy="5033160"/>
+            <a:ext cx="10745280" cy="5032800"/>
           </a:xfrm>
           <a:prstGeom prst="rect">
             <a:avLst/>
@@ -10765,7 +10963,7 @@
               </a:rPr>
               <a:t>Questions?</a:t>
             </a:r>
-            <a:endParaRPr b="0" lang="de-DE" sz="4000" spc="-1" strike="noStrike">
+            <a:endParaRPr b="0" lang="en-US" sz="4000" spc="-1" strike="noStrike">
               <a:solidFill>
                 <a:srgbClr val="000000"/>
               </a:solidFill>
@@ -10783,7 +10981,7 @@
         <p:spPr>
           <a:xfrm>
             <a:off x="335520" y="764640"/>
-            <a:ext cx="10745640" cy="496440"/>
+            <a:ext cx="10745280" cy="496080"/>
           </a:xfrm>
           <a:prstGeom prst="rect">
             <a:avLst/>
@@ -10858,7 +11056,7 @@
         <p:spPr>
           <a:xfrm>
             <a:off x="539640" y="764640"/>
-            <a:ext cx="10745640" cy="496440"/>
+            <a:ext cx="10745280" cy="496080"/>
           </a:xfrm>
           <a:prstGeom prst="rect">
             <a:avLst/>
@@ -10894,7 +11092,7 @@
               </a:rPr>
               <a:t>Team</a:t>
             </a:r>
-            <a:endParaRPr b="0" lang="de-DE" sz="2400" spc="-1" strike="noStrike">
+            <a:endParaRPr b="0" lang="en-US" sz="2400" spc="-1" strike="noStrike">
               <a:solidFill>
                 <a:srgbClr val="000000"/>
               </a:solidFill>
@@ -10916,7 +11114,7 @@
         <p:spPr>
           <a:xfrm>
             <a:off x="2684520" y="1323360"/>
-            <a:ext cx="1468440" cy="2169720"/>
+            <a:ext cx="1468080" cy="2169360"/>
           </a:xfrm>
           <a:prstGeom prst="rect">
             <a:avLst/>
@@ -10939,7 +11137,7 @@
         <p:spPr>
           <a:xfrm>
             <a:off x="7269840" y="1716120"/>
-            <a:ext cx="1782360" cy="1774440"/>
+            <a:ext cx="1782000" cy="1774080"/>
           </a:xfrm>
           <a:prstGeom prst="rect">
             <a:avLst/>
@@ -10958,7 +11156,7 @@
         <p:spPr>
           <a:xfrm>
             <a:off x="1620000" y="3439440"/>
-            <a:ext cx="3633120" cy="674640"/>
+            <a:ext cx="3632760" cy="674280"/>
           </a:xfrm>
           <a:prstGeom prst="rect">
             <a:avLst/>
@@ -10997,7 +11195,7 @@
               </a:rPr>
               <a:t>Prof. Dr. Benjamin Leiding</a:t>
             </a:r>
-            <a:endParaRPr b="0" lang="de-DE" sz="1600" spc="-1" strike="noStrike">
+            <a:endParaRPr b="0" lang="en-US" sz="1600" spc="-1" strike="noStrike">
               <a:solidFill>
                 <a:srgbClr val="000000"/>
               </a:solidFill>
@@ -11015,7 +11213,7 @@
         <p:spPr>
           <a:xfrm>
             <a:off x="6322680" y="3460320"/>
-            <a:ext cx="3633120" cy="674640"/>
+            <a:ext cx="3632760" cy="674280"/>
           </a:xfrm>
           <a:prstGeom prst="rect">
             <a:avLst/>
@@ -11054,7 +11252,7 @@
               </a:rPr>
               <a:t>M.Sc. Anant Sujatanagarjuna</a:t>
             </a:r>
-            <a:endParaRPr b="0" lang="de-DE" sz="1600" spc="-1" strike="noStrike">
+            <a:endParaRPr b="0" lang="en-US" sz="1600" spc="-1" strike="noStrike">
               <a:solidFill>
                 <a:srgbClr val="000000"/>
               </a:solidFill>
@@ -11072,7 +11270,7 @@
         <p:spPr>
           <a:xfrm>
             <a:off x="1311840" y="5920200"/>
-            <a:ext cx="3626280" cy="667800"/>
+            <a:ext cx="3625920" cy="667440"/>
           </a:xfrm>
           <a:prstGeom prst="rect">
             <a:avLst/>
@@ -11117,7 +11315,7 @@
         <p:spPr>
           <a:xfrm>
             <a:off x="3950280" y="5903280"/>
-            <a:ext cx="3626280" cy="667800"/>
+            <a:ext cx="3625920" cy="667440"/>
           </a:xfrm>
           <a:prstGeom prst="rect">
             <a:avLst/>
@@ -11156,7 +11354,7 @@
               </a:rPr>
               <a:t>B.Sc. Nisha Muthuraju</a:t>
             </a:r>
-            <a:endParaRPr b="0" lang="de-DE" sz="1600" spc="-1" strike="noStrike">
+            <a:endParaRPr b="0" lang="en-US" sz="1600" spc="-1" strike="noStrike">
               <a:solidFill>
                 <a:srgbClr val="000000"/>
               </a:solidFill>
@@ -11173,13 +11371,13 @@
         </p:nvPicPr>
         <p:blipFill>
           <a:blip r:embed="rId3"/>
-          <a:srcRect l="0" t="0" r="9021" b="11388"/>
+          <a:srcRect l="0" t="0" r="9021" b="11387"/>
           <a:stretch/>
         </p:blipFill>
         <p:spPr>
           <a:xfrm>
             <a:off x="4644360" y="4042080"/>
-            <a:ext cx="2055960" cy="2002320"/>
+            <a:ext cx="2055600" cy="2001960"/>
           </a:xfrm>
           <a:prstGeom prst="rect">
             <a:avLst/>
@@ -11228,7 +11426,7 @@
         <p:spPr>
           <a:xfrm>
             <a:off x="542880" y="721800"/>
-            <a:ext cx="10351440" cy="492120"/>
+            <a:ext cx="10351080" cy="491760"/>
           </a:xfrm>
           <a:prstGeom prst="rect">
             <a:avLst/>
@@ -11264,7 +11462,7 @@
               </a:rPr>
               <a:t>Research Group</a:t>
             </a:r>
-            <a:endParaRPr b="0" lang="de-DE" sz="2200" spc="-1" strike="noStrike">
+            <a:endParaRPr b="0" lang="en-US" sz="2200" spc="-1" strike="noStrike">
               <a:solidFill>
                 <a:srgbClr val="000000"/>
               </a:solidFill>
@@ -11282,7 +11480,7 @@
         <p:spPr>
           <a:xfrm>
             <a:off x="451800" y="1709280"/>
-            <a:ext cx="8218800" cy="4347000"/>
+            <a:ext cx="8218440" cy="4346640"/>
           </a:xfrm>
           <a:prstGeom prst="rect">
             <a:avLst/>
@@ -11327,7 +11525,7 @@
         <p:spPr>
           <a:xfrm>
             <a:off x="609480" y="1769400"/>
-            <a:ext cx="10581840" cy="4849920"/>
+            <a:ext cx="10581480" cy="4849560"/>
           </a:xfrm>
           <a:prstGeom prst="rect">
             <a:avLst/>
@@ -11452,7 +11650,7 @@
               </a:rPr>
               <a:t>ETCE</a:t>
             </a:r>
-            <a:endParaRPr b="0" lang="de-DE" sz="2000" spc="-1" strike="noStrike">
+            <a:endParaRPr b="0" lang="en-US" sz="2000" spc="-1" strike="noStrike">
               <a:solidFill>
                 <a:srgbClr val="000000"/>
               </a:solidFill>
@@ -11484,7 +11682,7 @@
               </a:rPr>
               <a:t>Research focus:</a:t>
             </a:r>
-            <a:endParaRPr b="0" lang="de-DE" sz="2000" spc="-1" strike="noStrike">
+            <a:endParaRPr b="0" lang="en-US" sz="2000" spc="-1" strike="noStrike">
               <a:solidFill>
                 <a:srgbClr val="000000"/>
               </a:solidFill>
@@ -11516,7 +11714,7 @@
               </a:rPr>
               <a:t>Intersection of IT and sustainability</a:t>
             </a:r>
-            <a:endParaRPr b="0" lang="de-DE" sz="1800" spc="-1" strike="noStrike">
+            <a:endParaRPr b="0" lang="en-US" sz="1800" spc="-1" strike="noStrike">
               <a:solidFill>
                 <a:srgbClr val="000000"/>
               </a:solidFill>
@@ -11548,7 +11746,7 @@
               </a:rPr>
               <a:t>Circular Economy and Circular Societies</a:t>
             </a:r>
-            <a:endParaRPr b="0" lang="de-DE" sz="1800" spc="-1" strike="noStrike">
+            <a:endParaRPr b="0" lang="en-US" sz="1800" spc="-1" strike="noStrike">
               <a:solidFill>
                 <a:srgbClr val="000000"/>
               </a:solidFill>
@@ -11580,7 +11778,7 @@
               </a:rPr>
               <a:t>Self-organized, decentralized and distributed systems</a:t>
             </a:r>
-            <a:endParaRPr b="0" lang="de-DE" sz="1800" spc="-1" strike="noStrike">
+            <a:endParaRPr b="0" lang="en-US" sz="1800" spc="-1" strike="noStrike">
               <a:solidFill>
                 <a:srgbClr val="000000"/>
               </a:solidFill>
@@ -11612,7 +11810,7 @@
               </a:rPr>
               <a:t>Localized and resilient food production</a:t>
             </a:r>
-            <a:endParaRPr b="0" lang="de-DE" sz="1800" spc="-1" strike="noStrike">
+            <a:endParaRPr b="0" lang="en-US" sz="1800" spc="-1" strike="noStrike">
               <a:solidFill>
                 <a:srgbClr val="000000"/>
               </a:solidFill>
@@ -11644,7 +11842,7 @@
               </a:rPr>
               <a:t>Other courses:</a:t>
             </a:r>
-            <a:endParaRPr b="0" lang="de-DE" sz="2000" spc="-1" strike="noStrike">
+            <a:endParaRPr b="0" lang="en-US" sz="2000" spc="-1" strike="noStrike">
               <a:solidFill>
                 <a:srgbClr val="000000"/>
               </a:solidFill>
@@ -11676,7 +11874,7 @@
               </a:rPr>
               <a:t>Emerging Technologies for the Circular Economy (SS – M.Sc.)</a:t>
             </a:r>
-            <a:endParaRPr b="0" lang="de-DE" sz="1800" spc="-1" strike="noStrike">
+            <a:endParaRPr b="0" lang="en-US" sz="1800" spc="-1" strike="noStrike">
               <a:solidFill>
                 <a:srgbClr val="000000"/>
               </a:solidFill>
@@ -11708,7 +11906,7 @@
               </a:rPr>
               <a:t>The Limits to Growth – Sustainability and the Circular Economy (WS – open for everyone)</a:t>
             </a:r>
-            <a:endParaRPr b="0" lang="de-DE" sz="1800" spc="-1" strike="noStrike">
+            <a:endParaRPr b="0" lang="en-US" sz="1800" spc="-1" strike="noStrike">
               <a:solidFill>
                 <a:srgbClr val="000000"/>
               </a:solidFill>
@@ -11756,7 +11954,7 @@
         <p:spPr>
           <a:xfrm>
             <a:off x="542880" y="721800"/>
-            <a:ext cx="10351440" cy="492120"/>
+            <a:ext cx="10351080" cy="491760"/>
           </a:xfrm>
           <a:prstGeom prst="rect">
             <a:avLst/>
@@ -11792,7 +11990,7 @@
               </a:rPr>
               <a:t>Research Group</a:t>
             </a:r>
-            <a:endParaRPr b="0" lang="de-DE" sz="2200" spc="-1" strike="noStrike">
+            <a:endParaRPr b="0" lang="en-US" sz="2200" spc="-1" strike="noStrike">
               <a:solidFill>
                 <a:srgbClr val="000000"/>
               </a:solidFill>
@@ -11810,7 +12008,7 @@
         <p:spPr>
           <a:xfrm>
             <a:off x="451800" y="1709280"/>
-            <a:ext cx="8218800" cy="4347000"/>
+            <a:ext cx="8218440" cy="4346640"/>
           </a:xfrm>
           <a:prstGeom prst="rect">
             <a:avLst/>
@@ -11855,7 +12053,7 @@
         <p:spPr>
           <a:xfrm>
             <a:off x="609480" y="1769400"/>
-            <a:ext cx="10581840" cy="4849920"/>
+            <a:ext cx="10581480" cy="4849560"/>
           </a:xfrm>
           <a:prstGeom prst="rect">
             <a:avLst/>
@@ -11912,7 +12110,7 @@
               </a:rPr>
               <a:t>Link</a:t>
             </a:r>
-            <a:endParaRPr b="0" lang="de-DE" sz="2000" spc="-1" strike="noStrike">
+            <a:endParaRPr b="0" lang="en-US" sz="2000" spc="-1" strike="noStrike">
               <a:solidFill>
                 <a:srgbClr val="000000"/>
               </a:solidFill>
@@ -11944,7 +12142,7 @@
               </a:rPr>
               <a:t>Course material </a:t>
             </a:r>
-            <a:endParaRPr b="0" lang="de-DE" sz="1800" spc="-1" strike="noStrike">
+            <a:endParaRPr b="0" lang="en-US" sz="1800" spc="-1" strike="noStrike">
               <a:solidFill>
                 <a:srgbClr val="000000"/>
               </a:solidFill>
@@ -11976,7 +12174,7 @@
               </a:rPr>
               <a:t>Thesis/project topics</a:t>
             </a:r>
-            <a:endParaRPr b="0" lang="de-DE" sz="1800" spc="-1" strike="noStrike">
+            <a:endParaRPr b="0" lang="en-US" sz="1800" spc="-1" strike="noStrike">
               <a:solidFill>
                 <a:srgbClr val="000000"/>
               </a:solidFill>
@@ -12008,7 +12206,7 @@
               </a:rPr>
               <a:t>Publications</a:t>
             </a:r>
-            <a:endParaRPr b="0" lang="de-DE" sz="1800" spc="-1" strike="noStrike">
+            <a:endParaRPr b="0" lang="en-US" sz="1800" spc="-1" strike="noStrike">
               <a:solidFill>
                 <a:srgbClr val="000000"/>
               </a:solidFill>
@@ -12040,7 +12238,7 @@
               </a:rPr>
               <a:t>Etc.</a:t>
             </a:r>
-            <a:endParaRPr b="0" lang="de-DE" sz="1800" spc="-1" strike="noStrike">
+            <a:endParaRPr b="0" lang="en-US" sz="1800" spc="-1" strike="noStrike">
               <a:solidFill>
                 <a:srgbClr val="000000"/>
               </a:solidFill>
@@ -12059,7 +12257,7 @@
                 <a:tab algn="l" pos="0"/>
               </a:tabLst>
             </a:pPr>
-            <a:endParaRPr b="0" lang="de-DE" sz="1800" spc="-1" strike="noStrike">
+            <a:endParaRPr b="0" lang="en-US" sz="1800" spc="-1" strike="noStrike">
               <a:solidFill>
                 <a:srgbClr val="000000"/>
               </a:solidFill>
@@ -12094,7 +12292,7 @@
               </a:rPr>
               <a:t>Our research in action:</a:t>
             </a:r>
-            <a:endParaRPr b="0" lang="de-DE" sz="2000" spc="-1" strike="noStrike">
+            <a:endParaRPr b="0" lang="en-US" sz="2000" spc="-1" strike="noStrike">
               <a:solidFill>
                 <a:srgbClr val="000000"/>
               </a:solidFill>
@@ -12151,7 +12349,7 @@
               </a:rPr>
               <a:t> </a:t>
             </a:r>
-            <a:endParaRPr b="0" lang="de-DE" sz="2000" spc="-1" strike="noStrike">
+            <a:endParaRPr b="0" lang="en-US" sz="2000" spc="-1" strike="noStrike">
               <a:solidFill>
                 <a:srgbClr val="000000"/>
               </a:solidFill>
@@ -12208,7 +12406,7 @@
               </a:rPr>
               <a:t> </a:t>
             </a:r>
-            <a:endParaRPr b="0" lang="de-DE" sz="2000" spc="-1" strike="noStrike">
+            <a:endParaRPr b="0" lang="en-US" sz="2000" spc="-1" strike="noStrike">
               <a:solidFill>
                 <a:srgbClr val="000000"/>
               </a:solidFill>
@@ -12227,7 +12425,7 @@
                 <a:tab algn="l" pos="0"/>
               </a:tabLst>
             </a:pPr>
-            <a:endParaRPr b="0" lang="de-DE" sz="2000" spc="-1" strike="noStrike">
+            <a:endParaRPr b="0" lang="en-US" sz="2000" spc="-1" strike="noStrike">
               <a:solidFill>
                 <a:srgbClr val="000000"/>
               </a:solidFill>
@@ -12262,7 +12460,7 @@
               </a:rPr>
               <a:t>You want join us? Write us an email! </a:t>
             </a:r>
-            <a:endParaRPr b="0" lang="de-DE" sz="2000" spc="-1" strike="noStrike">
+            <a:endParaRPr b="0" lang="en-US" sz="2000" spc="-1" strike="noStrike">
               <a:solidFill>
                 <a:srgbClr val="000000"/>
               </a:solidFill>
@@ -12307,7 +12505,7 @@
               </a:rPr>
               <a:t>benjamin.leiding@tu-clausthal.de</a:t>
             </a:r>
-            <a:endParaRPr b="0" lang="de-DE" sz="1600" spc="-1" strike="noStrike">
+            <a:endParaRPr b="0" lang="en-US" sz="1600" spc="-1" strike="noStrike">
               <a:solidFill>
                 <a:srgbClr val="000000"/>
               </a:solidFill>
@@ -12355,7 +12553,7 @@
         <p:spPr>
           <a:xfrm>
             <a:off x="542880" y="721800"/>
-            <a:ext cx="10351440" cy="492120"/>
+            <a:ext cx="10351080" cy="491760"/>
           </a:xfrm>
           <a:prstGeom prst="rect">
             <a:avLst/>
@@ -12391,7 +12589,7 @@
               </a:rPr>
               <a:t>Course Content</a:t>
             </a:r>
-            <a:endParaRPr b="0" lang="de-DE" sz="2200" spc="-1" strike="noStrike">
+            <a:endParaRPr b="0" lang="en-US" sz="2200" spc="-1" strike="noStrike">
               <a:solidFill>
                 <a:srgbClr val="000000"/>
               </a:solidFill>
@@ -12409,7 +12607,7 @@
         <p:spPr>
           <a:xfrm>
             <a:off x="451800" y="1709280"/>
-            <a:ext cx="8218800" cy="4347000"/>
+            <a:ext cx="8218440" cy="4346640"/>
           </a:xfrm>
           <a:prstGeom prst="rect">
             <a:avLst/>
@@ -12454,7 +12652,7 @@
         <p:spPr>
           <a:xfrm>
             <a:off x="609480" y="1769400"/>
-            <a:ext cx="10581840" cy="4849920"/>
+            <a:ext cx="10581480" cy="4849560"/>
           </a:xfrm>
           <a:prstGeom prst="rect">
             <a:avLst/>
@@ -12499,7 +12697,7 @@
               </a:rPr>
               <a:t>Core terminology and core tasks of requirements engineering </a:t>
             </a:r>
-            <a:endParaRPr b="0" lang="de-DE" sz="2000" spc="-1" strike="noStrike">
+            <a:endParaRPr b="0" lang="en-US" sz="2000" spc="-1" strike="noStrike">
               <a:solidFill>
                 <a:srgbClr val="000000"/>
               </a:solidFill>
@@ -12531,7 +12729,7 @@
               </a:rPr>
               <a:t>Requirements engineering process</a:t>
             </a:r>
-            <a:endParaRPr b="0" lang="de-DE" sz="2000" spc="-1" strike="noStrike">
+            <a:endParaRPr b="0" lang="en-US" sz="2000" spc="-1" strike="noStrike">
               <a:solidFill>
                 <a:srgbClr val="000000"/>
               </a:solidFill>
@@ -12563,7 +12761,7 @@
               </a:rPr>
               <a:t>Elicitation techniques</a:t>
             </a:r>
-            <a:endParaRPr b="0" lang="de-DE" sz="2000" spc="-1" strike="noStrike">
+            <a:endParaRPr b="0" lang="en-US" sz="2000" spc="-1" strike="noStrike">
               <a:solidFill>
                 <a:srgbClr val="000000"/>
               </a:solidFill>
@@ -12595,7 +12793,7 @@
               </a:rPr>
               <a:t>Documentation methods </a:t>
             </a:r>
-            <a:endParaRPr b="0" lang="de-DE" sz="2000" spc="-1" strike="noStrike">
+            <a:endParaRPr b="0" lang="en-US" sz="2000" spc="-1" strike="noStrike">
               <a:solidFill>
                 <a:srgbClr val="000000"/>
               </a:solidFill>
@@ -12627,7 +12825,7 @@
               </a:rPr>
               <a:t>Textual, model-based and formal requirements specification</a:t>
             </a:r>
-            <a:endParaRPr b="0" lang="de-DE" sz="2000" spc="-1" strike="noStrike">
+            <a:endParaRPr b="0" lang="en-US" sz="2000" spc="-1" strike="noStrike">
               <a:solidFill>
                 <a:srgbClr val="000000"/>
               </a:solidFill>
@@ -12659,7 +12857,7 @@
               </a:rPr>
               <a:t>Requirements negotiation</a:t>
             </a:r>
-            <a:endParaRPr b="0" lang="de-DE" sz="2000" spc="-1" strike="noStrike">
+            <a:endParaRPr b="0" lang="en-US" sz="2000" spc="-1" strike="noStrike">
               <a:solidFill>
                 <a:srgbClr val="000000"/>
               </a:solidFill>
@@ -12691,7 +12889,7 @@
               </a:rPr>
               <a:t>Requirements Management</a:t>
             </a:r>
-            <a:endParaRPr b="0" lang="de-DE" sz="2000" spc="-1" strike="noStrike">
+            <a:endParaRPr b="0" lang="en-US" sz="2000" spc="-1" strike="noStrike">
               <a:solidFill>
                 <a:srgbClr val="000000"/>
               </a:solidFill>
@@ -12723,7 +12921,7 @@
               </a:rPr>
               <a:t>Traceability</a:t>
             </a:r>
-            <a:endParaRPr b="0" lang="de-DE" sz="2000" spc="-1" strike="noStrike">
+            <a:endParaRPr b="0" lang="en-US" sz="2000" spc="-1" strike="noStrike">
               <a:solidFill>
                 <a:srgbClr val="000000"/>
               </a:solidFill>
@@ -12755,7 +12953,7 @@
               </a:rPr>
               <a:t>Requirements validation and quality assurance</a:t>
             </a:r>
-            <a:endParaRPr b="0" lang="de-DE" sz="2000" spc="-1" strike="noStrike">
+            <a:endParaRPr b="0" lang="en-US" sz="2000" spc="-1" strike="noStrike">
               <a:solidFill>
                 <a:srgbClr val="000000"/>
               </a:solidFill>
@@ -12803,7 +13001,7 @@
         <p:spPr>
           <a:xfrm>
             <a:off x="542880" y="721800"/>
-            <a:ext cx="10351440" cy="492120"/>
+            <a:ext cx="10351080" cy="491760"/>
           </a:xfrm>
           <a:prstGeom prst="rect">
             <a:avLst/>
@@ -12839,7 +13037,7 @@
               </a:rPr>
               <a:t>Learning Outcome</a:t>
             </a:r>
-            <a:endParaRPr b="0" lang="de-DE" sz="2200" spc="-1" strike="noStrike">
+            <a:endParaRPr b="0" lang="en-US" sz="2200" spc="-1" strike="noStrike">
               <a:solidFill>
                 <a:srgbClr val="000000"/>
               </a:solidFill>
@@ -12857,7 +13055,7 @@
         <p:spPr>
           <a:xfrm>
             <a:off x="451800" y="1709280"/>
-            <a:ext cx="8218800" cy="4347000"/>
+            <a:ext cx="8218440" cy="4346640"/>
           </a:xfrm>
           <a:prstGeom prst="rect">
             <a:avLst/>
@@ -12902,7 +13100,7 @@
         <p:spPr>
           <a:xfrm>
             <a:off x="609480" y="1769400"/>
-            <a:ext cx="10581840" cy="4849920"/>
+            <a:ext cx="10581480" cy="4849560"/>
           </a:xfrm>
           <a:prstGeom prst="rect">
             <a:avLst/>
@@ -12947,7 +13145,7 @@
               </a:rPr>
               <a:t>Core terminology and core tasks of requirements engineering </a:t>
             </a:r>
-            <a:endParaRPr b="0" lang="de-DE" sz="2000" spc="-1" strike="noStrike">
+            <a:endParaRPr b="0" lang="en-US" sz="2000" spc="-1" strike="noStrike">
               <a:solidFill>
                 <a:srgbClr val="000000"/>
               </a:solidFill>
@@ -12979,7 +13177,7 @@
               </a:rPr>
               <a:t>Understanding of the requirements engineering process</a:t>
             </a:r>
-            <a:endParaRPr b="0" lang="de-DE" sz="2000" spc="-1" strike="noStrike">
+            <a:endParaRPr b="0" lang="en-US" sz="2000" spc="-1" strike="noStrike">
               <a:solidFill>
                 <a:srgbClr val="000000"/>
               </a:solidFill>
@@ -13011,7 +13209,7 @@
               </a:rPr>
               <a:t>Ability to choose, justify and apply appropriate methods and techniques for each step of the requirements engineering process given project constraints and properties</a:t>
             </a:r>
-            <a:endParaRPr b="0" lang="de-DE" sz="2000" spc="-1" strike="noStrike">
+            <a:endParaRPr b="0" lang="en-US" sz="2000" spc="-1" strike="noStrike">
               <a:solidFill>
                 <a:srgbClr val="000000"/>
               </a:solidFill>
@@ -13030,7 +13228,7 @@
                 <a:tab algn="l" pos="0"/>
               </a:tabLst>
             </a:pPr>
-            <a:endParaRPr b="0" lang="de-DE" sz="2000" spc="-1" strike="noStrike">
+            <a:endParaRPr b="0" lang="en-US" sz="2000" spc="-1" strike="noStrike">
               <a:solidFill>
                 <a:srgbClr val="000000"/>
               </a:solidFill>
@@ -13059,7 +13257,7 @@
               </a:rPr>
               <a:t>What is this course about, what is it not about? </a:t>
             </a:r>
-            <a:endParaRPr b="0" lang="de-DE" sz="1600" spc="-1" strike="noStrike">
+            <a:endParaRPr b="0" lang="en-US" sz="1600" spc="-1" strike="noStrike">
               <a:solidFill>
                 <a:srgbClr val="000000"/>
               </a:solidFill>
@@ -13107,7 +13305,7 @@
         <p:spPr>
           <a:xfrm>
             <a:off x="539640" y="764640"/>
-            <a:ext cx="10745640" cy="496440"/>
+            <a:ext cx="10745280" cy="496080"/>
           </a:xfrm>
           <a:prstGeom prst="rect">
             <a:avLst/>
@@ -13143,7 +13341,7 @@
               </a:rPr>
               <a:t>Disclaimer</a:t>
             </a:r>
-            <a:endParaRPr b="0" lang="de-DE" sz="2200" spc="-1" strike="noStrike">
+            <a:endParaRPr b="0" lang="en-US" sz="2200" spc="-1" strike="noStrike">
               <a:solidFill>
                 <a:srgbClr val="000000"/>
               </a:solidFill>
@@ -13161,7 +13359,7 @@
         <p:spPr>
           <a:xfrm>
             <a:off x="539640" y="1268280"/>
-            <a:ext cx="10745640" cy="5033160"/>
+            <a:ext cx="10745280" cy="5032800"/>
           </a:xfrm>
           <a:prstGeom prst="rect">
             <a:avLst/>
@@ -13226,7 +13424,7 @@
               </a:rPr>
               <a:t> (2010)” from Klaus Pohl</a:t>
             </a:r>
-            <a:endParaRPr b="0" lang="de-DE" sz="1800" spc="-1" strike="noStrike">
+            <a:endParaRPr b="0" lang="en-US" sz="1800" spc="-1" strike="noStrike">
               <a:solidFill>
                 <a:srgbClr val="000000"/>
               </a:solidFill>
@@ -13242,7 +13440,7 @@
                 <a:spcPts val="360"/>
               </a:spcBef>
             </a:pPr>
-            <a:endParaRPr b="0" lang="de-DE" sz="1800" spc="-1" strike="noStrike">
+            <a:endParaRPr b="0" lang="en-US" sz="1800" spc="-1" strike="noStrike">
               <a:solidFill>
                 <a:srgbClr val="000000"/>
               </a:solidFill>
@@ -13274,7 +13472,7 @@
               </a:rPr>
               <a:t>Special thanks to Prof. Dr. Steffen Herbold and Dr. Christian Bartelt, who provided valuable input in the form of the teaching materials of their requirements engineering courses. </a:t>
             </a:r>
-            <a:endParaRPr b="0" lang="de-DE" sz="1800" spc="-1" strike="noStrike">
+            <a:endParaRPr b="0" lang="en-US" sz="1800" spc="-1" strike="noStrike">
               <a:solidFill>
                 <a:srgbClr val="000000"/>
               </a:solidFill>
@@ -13322,7 +13520,7 @@
         <p:spPr>
           <a:xfrm>
             <a:off x="542880" y="721800"/>
-            <a:ext cx="10354320" cy="495000"/>
+            <a:ext cx="10353960" cy="494640"/>
           </a:xfrm>
           <a:prstGeom prst="rect">
             <a:avLst/>
@@ -13358,7 +13556,7 @@
               </a:rPr>
               <a:t>Course Content</a:t>
             </a:r>
-            <a:endParaRPr b="0" lang="de-DE" sz="2200" spc="-1" strike="noStrike">
+            <a:endParaRPr b="0" lang="en-US" sz="2200" spc="-1" strike="noStrike">
               <a:solidFill>
                 <a:srgbClr val="000000"/>
               </a:solidFill>
@@ -13380,7 +13578,7 @@
         <p:spPr>
           <a:xfrm>
             <a:off x="542880" y="2387520"/>
-            <a:ext cx="10099440" cy="2076840"/>
+            <a:ext cx="10099080" cy="2076480"/>
           </a:xfrm>
           <a:prstGeom prst="rect">
             <a:avLst/>
@@ -13429,7 +13627,7 @@
         <p:spPr>
           <a:xfrm>
             <a:off x="539640" y="764640"/>
-            <a:ext cx="10738800" cy="489600"/>
+            <a:ext cx="10738440" cy="489240"/>
           </a:xfrm>
           <a:prstGeom prst="rect">
             <a:avLst/>
@@ -13465,7 +13663,7 @@
               </a:rPr>
               <a:t>Lectures</a:t>
             </a:r>
-            <a:endParaRPr b="0" lang="de-DE" sz="2400" spc="-1" strike="noStrike">
+            <a:endParaRPr b="0" lang="en-US" sz="2400" spc="-1" strike="noStrike">
               <a:solidFill>
                 <a:srgbClr val="000000"/>
               </a:solidFill>
@@ -13515,7 +13713,7 @@
                         </a:rPr>
                         <a:t>Week</a:t>
                       </a:r>
-                      <a:endParaRPr b="0" lang="de-DE" sz="1200" spc="-1" strike="noStrike">
+                      <a:endParaRPr b="0" lang="en-US" sz="1200" spc="-1" strike="noStrike">
                         <a:solidFill>
                           <a:srgbClr val="000000"/>
                         </a:solidFill>
@@ -13573,7 +13771,7 @@
                         </a:rPr>
                         <a:t>Date</a:t>
                       </a:r>
-                      <a:endParaRPr b="0" lang="de-DE" sz="1200" spc="-1" strike="noStrike">
+                      <a:endParaRPr b="0" lang="en-US" sz="1200" spc="-1" strike="noStrike">
                         <a:solidFill>
                           <a:srgbClr val="000000"/>
                         </a:solidFill>
@@ -13632,7 +13830,7 @@
                         </a:rPr>
                         <a:t>Lecture</a:t>
                       </a:r>
-                      <a:endParaRPr b="0" lang="de-DE" sz="1200" spc="-1" strike="noStrike">
+                      <a:endParaRPr b="0" lang="en-US" sz="1200" spc="-1" strike="noStrike">
                         <a:solidFill>
                           <a:srgbClr val="000000"/>
                         </a:solidFill>
@@ -13690,7 +13888,7 @@
                         </a:rPr>
                         <a:t>Location</a:t>
                       </a:r>
-                      <a:endParaRPr b="0" lang="de-DE" sz="1200" spc="-1" strike="noStrike">
+                      <a:endParaRPr b="0" lang="en-US" sz="1200" spc="-1" strike="noStrike">
                         <a:solidFill>
                           <a:srgbClr val="000000"/>
                         </a:solidFill>
@@ -13750,7 +13948,7 @@
                         </a:rPr>
                         <a:t>1</a:t>
                       </a:r>
-                      <a:endParaRPr b="0" lang="de-DE" sz="1200" spc="-1" strike="noStrike">
+                      <a:endParaRPr b="0" lang="en-US" sz="1200" spc="-1" strike="noStrike">
                         <a:solidFill>
                           <a:srgbClr val="000000"/>
                         </a:solidFill>
@@ -13808,7 +14006,7 @@
                         </a:rPr>
                         <a:t>30.10.2023</a:t>
                       </a:r>
-                      <a:endParaRPr b="0" lang="de-DE" sz="1200" spc="-1" strike="noStrike">
+                      <a:endParaRPr b="0" lang="en-US" sz="1200" spc="-1" strike="noStrike">
                         <a:solidFill>
                           <a:srgbClr val="000000"/>
                         </a:solidFill>
@@ -13866,7 +14064,7 @@
                         </a:rPr>
                         <a:t>Organization (L00)</a:t>
                       </a:r>
-                      <a:endParaRPr b="0" lang="de-DE" sz="1200" spc="-1" strike="noStrike">
+                      <a:endParaRPr b="0" lang="en-US" sz="1200" spc="-1" strike="noStrike">
                         <a:solidFill>
                           <a:srgbClr val="000000"/>
                         </a:solidFill>
@@ -13924,7 +14122,7 @@
                         </a:rPr>
                         <a:t>BBB (Online+LIVE in Gotec)</a:t>
                       </a:r>
-                      <a:endParaRPr b="0" lang="de-DE" sz="1200" spc="-1" strike="noStrike">
+                      <a:endParaRPr b="0" lang="en-US" sz="1200" spc="-1" strike="noStrike">
                         <a:solidFill>
                           <a:srgbClr val="000000"/>
                         </a:solidFill>
@@ -13984,7 +14182,7 @@
                         </a:rPr>
                         <a:t>2</a:t>
                       </a:r>
-                      <a:endParaRPr b="0" lang="de-DE" sz="1200" spc="-1" strike="noStrike">
+                      <a:endParaRPr b="0" lang="en-US" sz="1200" spc="-1" strike="noStrike">
                         <a:solidFill>
                           <a:srgbClr val="000000"/>
                         </a:solidFill>
@@ -14042,7 +14240,7 @@
                         </a:rPr>
                         <a:t>06.11.2023</a:t>
                       </a:r>
-                      <a:endParaRPr b="0" lang="de-DE" sz="1200" spc="-1" strike="noStrike">
+                      <a:endParaRPr b="0" lang="en-US" sz="1200" spc="-1" strike="noStrike">
                         <a:solidFill>
                           <a:srgbClr val="000000"/>
                         </a:solidFill>
@@ -14100,7 +14298,7 @@
                         </a:rPr>
                         <a:t>Introduction (L01)</a:t>
                       </a:r>
-                      <a:endParaRPr b="0" lang="de-DE" sz="1200" spc="-1" strike="noStrike">
+                      <a:endParaRPr b="0" lang="en-US" sz="1200" spc="-1" strike="noStrike">
                         <a:solidFill>
                           <a:srgbClr val="000000"/>
                         </a:solidFill>
@@ -14158,7 +14356,7 @@
                         </a:rPr>
                         <a:t>MOOC</a:t>
                       </a:r>
-                      <a:endParaRPr b="0" lang="de-DE" sz="1200" spc="-1" strike="noStrike">
+                      <a:endParaRPr b="0" lang="en-US" sz="1200" spc="-1" strike="noStrike">
                         <a:solidFill>
                           <a:srgbClr val="000000"/>
                         </a:solidFill>
@@ -14218,7 +14416,7 @@
                         </a:rPr>
                         <a:t>3</a:t>
                       </a:r>
-                      <a:endParaRPr b="0" lang="de-DE" sz="1200" spc="-1" strike="noStrike">
+                      <a:endParaRPr b="0" lang="en-US" sz="1200" spc="-1" strike="noStrike">
                         <a:solidFill>
                           <a:srgbClr val="000000"/>
                         </a:solidFill>
@@ -14276,7 +14474,7 @@
                         </a:rPr>
                         <a:t>13.11.2023</a:t>
                       </a:r>
-                      <a:endParaRPr b="0" lang="de-DE" sz="1200" spc="-1" strike="noStrike">
+                      <a:endParaRPr b="0" lang="en-US" sz="1200" spc="-1" strike="noStrike">
                         <a:solidFill>
                           <a:srgbClr val="000000"/>
                         </a:solidFill>
@@ -14334,7 +14532,7 @@
                         </a:rPr>
                         <a:t>System Context/Boundaries and Types of Requirements (L02)</a:t>
                       </a:r>
-                      <a:endParaRPr b="0" lang="de-DE" sz="1200" spc="-1" strike="noStrike">
+                      <a:endParaRPr b="0" lang="en-US" sz="1200" spc="-1" strike="noStrike">
                         <a:solidFill>
                           <a:srgbClr val="000000"/>
                         </a:solidFill>
@@ -14392,7 +14590,7 @@
                         </a:rPr>
                         <a:t>MOOC</a:t>
                       </a:r>
-                      <a:endParaRPr b="0" lang="de-DE" sz="1200" spc="-1" strike="noStrike">
+                      <a:endParaRPr b="0" lang="en-US" sz="1200" spc="-1" strike="noStrike">
                         <a:solidFill>
                           <a:srgbClr val="000000"/>
                         </a:solidFill>
@@ -14452,7 +14650,7 @@
                         </a:rPr>
                         <a:t>4</a:t>
                       </a:r>
-                      <a:endParaRPr b="0" lang="de-DE" sz="1200" spc="-1" strike="noStrike">
+                      <a:endParaRPr b="0" lang="en-US" sz="1200" spc="-1" strike="noStrike">
                         <a:solidFill>
                           <a:srgbClr val="000000"/>
                         </a:solidFill>
@@ -14510,7 +14708,7 @@
                         </a:rPr>
                         <a:t>20.11.2023</a:t>
                       </a:r>
-                      <a:endParaRPr b="0" lang="de-DE" sz="1200" spc="-1" strike="noStrike">
+                      <a:endParaRPr b="0" lang="en-US" sz="1200" spc="-1" strike="noStrike">
                         <a:solidFill>
                           <a:srgbClr val="000000"/>
                         </a:solidFill>
@@ -14568,7 +14766,7 @@
                         </a:rPr>
                         <a:t>Elicitation (L03 + L04),</a:t>
                       </a:r>
-                      <a:endParaRPr b="0" lang="de-DE" sz="1200" spc="-1" strike="noStrike">
+                      <a:endParaRPr b="0" lang="en-US" sz="1200" spc="-1" strike="noStrike">
                         <a:solidFill>
                           <a:srgbClr val="000000"/>
                         </a:solidFill>
@@ -14590,7 +14788,7 @@
                         </a:rPr>
                         <a:t>Negotiation (L05)</a:t>
                       </a:r>
-                      <a:endParaRPr b="0" lang="de-DE" sz="1200" spc="-1" strike="noStrike">
+                      <a:endParaRPr b="0" lang="en-US" sz="1200" spc="-1" strike="noStrike">
                         <a:solidFill>
                           <a:srgbClr val="000000"/>
                         </a:solidFill>
@@ -14648,7 +14846,7 @@
                         </a:rPr>
                         <a:t>MOOC</a:t>
                       </a:r>
-                      <a:endParaRPr b="0" lang="de-DE" sz="1200" spc="-1" strike="noStrike">
+                      <a:endParaRPr b="0" lang="en-US" sz="1200" spc="-1" strike="noStrike">
                         <a:solidFill>
                           <a:srgbClr val="000000"/>
                         </a:solidFill>
@@ -14708,7 +14906,7 @@
                         </a:rPr>
                         <a:t>5</a:t>
                       </a:r>
-                      <a:endParaRPr b="0" lang="de-DE" sz="1200" spc="-1" strike="noStrike">
+                      <a:endParaRPr b="0" lang="en-US" sz="1200" spc="-1" strike="noStrike">
                         <a:solidFill>
                           <a:srgbClr val="000000"/>
                         </a:solidFill>
@@ -14766,7 +14964,7 @@
                         </a:rPr>
                         <a:t>27.11.2023</a:t>
                       </a:r>
-                      <a:endParaRPr b="0" lang="de-DE" sz="1200" spc="-1" strike="noStrike">
+                      <a:endParaRPr b="0" lang="en-US" sz="1200" spc="-1" strike="noStrike">
                         <a:solidFill>
                           <a:srgbClr val="000000"/>
                         </a:solidFill>
@@ -14810,7 +15008,7 @@
                       <a:noAutofit/>
                     </a:bodyPr>
                     <a:p>
-                      <a:endParaRPr b="0" lang="de-DE" sz="1800" spc="-1" strike="noStrike">
+                      <a:endParaRPr b="0" lang="en-US" sz="1800" spc="-1" strike="noStrike">
                         <a:solidFill>
                           <a:srgbClr val="000000"/>
                         </a:solidFill>
@@ -14842,7 +15040,7 @@
                       <a:noAutofit/>
                     </a:bodyPr>
                     <a:p>
-                      <a:endParaRPr b="0" lang="de-DE" sz="1800" spc="-1" strike="noStrike">
+                      <a:endParaRPr b="0" lang="en-US" sz="1800" spc="-1" strike="noStrike">
                         <a:solidFill>
                           <a:srgbClr val="000000"/>
                         </a:solidFill>
@@ -14890,7 +15088,7 @@
                         </a:rPr>
                         <a:t>6</a:t>
                       </a:r>
-                      <a:endParaRPr b="0" lang="de-DE" sz="1200" spc="-1" strike="noStrike">
+                      <a:endParaRPr b="0" lang="en-US" sz="1200" spc="-1" strike="noStrike">
                         <a:solidFill>
                           <a:srgbClr val="000000"/>
                         </a:solidFill>
@@ -14948,7 +15146,7 @@
                         </a:rPr>
                         <a:t>04.12.2023</a:t>
                       </a:r>
-                      <a:endParaRPr b="0" lang="de-DE" sz="1200" spc="-1" strike="noStrike">
+                      <a:endParaRPr b="0" lang="en-US" sz="1200" spc="-1" strike="noStrike">
                         <a:solidFill>
                           <a:srgbClr val="000000"/>
                         </a:solidFill>
@@ -15004,7 +15202,7 @@
                         </a:rPr>
                         <a:t>Documentation – Introduction (L06),</a:t>
                       </a:r>
-                      <a:endParaRPr b="0" lang="de-DE" sz="1200" spc="-1" strike="noStrike">
+                      <a:endParaRPr b="0" lang="en-US" sz="1200" spc="-1" strike="noStrike">
                         <a:solidFill>
                           <a:srgbClr val="000000"/>
                         </a:solidFill>
@@ -15026,7 +15224,7 @@
                         </a:rPr>
                         <a:t>Documentation – Textual Requirements Specification (L07)</a:t>
                       </a:r>
-                      <a:endParaRPr b="0" lang="de-DE" sz="1200" spc="-1" strike="noStrike">
+                      <a:endParaRPr b="0" lang="en-US" sz="1200" spc="-1" strike="noStrike">
                         <a:solidFill>
                           <a:srgbClr val="000000"/>
                         </a:solidFill>
@@ -15084,7 +15282,7 @@
                         </a:rPr>
                         <a:t>MOOC</a:t>
                       </a:r>
-                      <a:endParaRPr b="0" lang="de-DE" sz="1200" spc="-1" strike="noStrike">
+                      <a:endParaRPr b="0" lang="en-US" sz="1200" spc="-1" strike="noStrike">
                         <a:solidFill>
                           <a:srgbClr val="000000"/>
                         </a:solidFill>
@@ -15142,7 +15340,7 @@
                         </a:rPr>
                         <a:t>7</a:t>
                       </a:r>
-                      <a:endParaRPr b="0" lang="de-DE" sz="1200" spc="-1" strike="noStrike">
+                      <a:endParaRPr b="0" lang="en-US" sz="1200" spc="-1" strike="noStrike">
                         <a:solidFill>
                           <a:srgbClr val="000000"/>
                         </a:solidFill>
@@ -15200,7 +15398,7 @@
                         </a:rPr>
                         <a:t>11.12.2023</a:t>
                       </a:r>
-                      <a:endParaRPr b="0" lang="de-DE" sz="1200" spc="-1" strike="noStrike">
+                      <a:endParaRPr b="0" lang="en-US" sz="1200" spc="-1" strike="noStrike">
                         <a:solidFill>
                           <a:srgbClr val="000000"/>
                         </a:solidFill>
@@ -15242,7 +15440,7 @@
                       <a:noAutofit/>
                     </a:bodyPr>
                     <a:p>
-                      <a:endParaRPr b="0" lang="de-DE" sz="1800" spc="-1" strike="noStrike">
+                      <a:endParaRPr b="0" lang="en-US" sz="1800" spc="-1" strike="noStrike">
                         <a:solidFill>
                           <a:srgbClr val="000000"/>
                         </a:solidFill>
@@ -15274,7 +15472,7 @@
                       <a:noAutofit/>
                     </a:bodyPr>
                     <a:p>
-                      <a:endParaRPr b="0" lang="de-DE" sz="1800" spc="-1" strike="noStrike">
+                      <a:endParaRPr b="0" lang="en-US" sz="1800" spc="-1" strike="noStrike">
                         <a:solidFill>
                           <a:srgbClr val="000000"/>
                         </a:solidFill>
@@ -15322,7 +15520,7 @@
                         </a:rPr>
                         <a:t>8</a:t>
                       </a:r>
-                      <a:endParaRPr b="0" lang="de-DE" sz="1200" spc="-1" strike="noStrike">
+                      <a:endParaRPr b="0" lang="en-US" sz="1200" spc="-1" strike="noStrike">
                         <a:solidFill>
                           <a:srgbClr val="000000"/>
                         </a:solidFill>
@@ -15380,7 +15578,7 @@
                         </a:rPr>
                         <a:t>18.12.2023</a:t>
                       </a:r>
-                      <a:endParaRPr b="0" lang="de-DE" sz="1200" spc="-1" strike="noStrike">
+                      <a:endParaRPr b="0" lang="en-US" sz="1200" spc="-1" strike="noStrike">
                         <a:solidFill>
                           <a:srgbClr val="000000"/>
                         </a:solidFill>
@@ -15438,7 +15636,7 @@
                         </a:rPr>
                         <a:t>Documentation – Model-based Requirements Documentation (L08),</a:t>
                       </a:r>
-                      <a:endParaRPr b="0" lang="de-DE" sz="1200" spc="-1" strike="noStrike">
+                      <a:endParaRPr b="0" lang="en-US" sz="1200" spc="-1" strike="noStrike">
                         <a:solidFill>
                           <a:srgbClr val="000000"/>
                         </a:solidFill>
@@ -15460,7 +15658,7 @@
                         </a:rPr>
                         <a:t>Documentation – Formal Requirements Specification (L09)</a:t>
                       </a:r>
-                      <a:endParaRPr b="0" lang="de-DE" sz="1200" spc="-1" strike="noStrike">
+                      <a:endParaRPr b="0" lang="en-US" sz="1200" spc="-1" strike="noStrike">
                         <a:solidFill>
                           <a:srgbClr val="000000"/>
                         </a:solidFill>
@@ -15516,7 +15714,7 @@
                         </a:rPr>
                         <a:t>MOOC</a:t>
                       </a:r>
-                      <a:endParaRPr b="0" lang="de-DE" sz="1200" spc="-1" strike="noStrike">
+                      <a:endParaRPr b="0" lang="en-US" sz="1200" spc="-1" strike="noStrike">
                         <a:solidFill>
                           <a:srgbClr val="000000"/>
                         </a:solidFill>
@@ -15574,7 +15772,7 @@
                         </a:rPr>
                         <a:t>9</a:t>
                       </a:r>
-                      <a:endParaRPr b="0" lang="de-DE" sz="1200" spc="-1" strike="noStrike">
+                      <a:endParaRPr b="0" lang="en-US" sz="1200" spc="-1" strike="noStrike">
                         <a:solidFill>
                           <a:srgbClr val="000000"/>
                         </a:solidFill>
@@ -15632,7 +15830,7 @@
                         </a:rPr>
                         <a:t>08.01.2024</a:t>
                       </a:r>
-                      <a:endParaRPr b="0" lang="de-DE" sz="1200" spc="-1" strike="noStrike">
+                      <a:endParaRPr b="0" lang="en-US" sz="1200" spc="-1" strike="noStrike">
                         <a:solidFill>
                           <a:srgbClr val="000000"/>
                         </a:solidFill>
@@ -15676,7 +15874,7 @@
                       <a:noAutofit/>
                     </a:bodyPr>
                     <a:p>
-                      <a:endParaRPr b="0" lang="de-DE" sz="1800" spc="-1" strike="noStrike">
+                      <a:endParaRPr b="0" lang="en-US" sz="1800" spc="-1" strike="noStrike">
                         <a:solidFill>
                           <a:srgbClr val="000000"/>
                         </a:solidFill>
@@ -15708,7 +15906,7 @@
                       <a:noAutofit/>
                     </a:bodyPr>
                     <a:p>
-                      <a:endParaRPr b="0" lang="de-DE" sz="1800" spc="-1" strike="noStrike">
+                      <a:endParaRPr b="0" lang="en-US" sz="1800" spc="-1" strike="noStrike">
                         <a:solidFill>
                           <a:srgbClr val="000000"/>
                         </a:solidFill>
@@ -15756,7 +15954,7 @@
                         </a:rPr>
                         <a:t>10</a:t>
                       </a:r>
-                      <a:endParaRPr b="0" lang="de-DE" sz="1200" spc="-1" strike="noStrike">
+                      <a:endParaRPr b="0" lang="en-US" sz="1200" spc="-1" strike="noStrike">
                         <a:solidFill>
                           <a:srgbClr val="000000"/>
                         </a:solidFill>
@@ -15814,7 +16012,7 @@
                         </a:rPr>
                         <a:t>15.01.2024</a:t>
                       </a:r>
-                      <a:endParaRPr b="0" lang="de-DE" sz="1200" spc="-1" strike="noStrike">
+                      <a:endParaRPr b="0" lang="en-US" sz="1200" spc="-1" strike="noStrike">
                         <a:solidFill>
                           <a:srgbClr val="000000"/>
                         </a:solidFill>
@@ -15872,7 +16070,7 @@
                         </a:rPr>
                         <a:t>Requirements Validation (L10)</a:t>
                       </a:r>
-                      <a:endParaRPr b="0" lang="de-DE" sz="1200" spc="-1" strike="noStrike">
+                      <a:endParaRPr b="0" lang="en-US" sz="1200" spc="-1" strike="noStrike">
                         <a:solidFill>
                           <a:srgbClr val="000000"/>
                         </a:solidFill>
@@ -15930,7 +16128,7 @@
                         </a:rPr>
                         <a:t>MOOC</a:t>
                       </a:r>
-                      <a:endParaRPr b="0" lang="de-DE" sz="1200" spc="-1" strike="noStrike">
+                      <a:endParaRPr b="0" lang="en-US" sz="1200" spc="-1" strike="noStrike">
                         <a:solidFill>
                           <a:srgbClr val="000000"/>
                         </a:solidFill>
@@ -15990,7 +16188,7 @@
                         </a:rPr>
                         <a:t>11</a:t>
                       </a:r>
-                      <a:endParaRPr b="0" lang="de-DE" sz="1200" spc="-1" strike="noStrike">
+                      <a:endParaRPr b="0" lang="en-US" sz="1200" spc="-1" strike="noStrike">
                         <a:solidFill>
                           <a:srgbClr val="000000"/>
                         </a:solidFill>
@@ -16048,7 +16246,7 @@
                         </a:rPr>
                         <a:t>22.01.2024</a:t>
                       </a:r>
-                      <a:endParaRPr b="0" lang="de-DE" sz="1200" spc="-1" strike="noStrike">
+                      <a:endParaRPr b="0" lang="en-US" sz="1200" spc="-1" strike="noStrike">
                         <a:solidFill>
                           <a:srgbClr val="000000"/>
                         </a:solidFill>
@@ -16106,7 +16304,7 @@
                         </a:rPr>
                         <a:t>Requirements Management (L11)</a:t>
                       </a:r>
-                      <a:endParaRPr b="0" lang="de-DE" sz="1200" spc="-1" strike="noStrike">
+                      <a:endParaRPr b="0" lang="en-US" sz="1200" spc="-1" strike="noStrike">
                         <a:solidFill>
                           <a:srgbClr val="000000"/>
                         </a:solidFill>
@@ -16164,7 +16362,7 @@
                         </a:rPr>
                         <a:t>MOOC</a:t>
                       </a:r>
-                      <a:endParaRPr b="0" lang="de-DE" sz="1200" spc="-1" strike="noStrike">
+                      <a:endParaRPr b="0" lang="en-US" sz="1200" spc="-1" strike="noStrike">
                         <a:solidFill>
                           <a:srgbClr val="000000"/>
                         </a:solidFill>
@@ -16224,7 +16422,7 @@
                         </a:rPr>
                         <a:t>12</a:t>
                       </a:r>
-                      <a:endParaRPr b="0" lang="de-DE" sz="1200" spc="-1" strike="noStrike">
+                      <a:endParaRPr b="0" lang="en-US" sz="1200" spc="-1" strike="noStrike">
                         <a:solidFill>
                           <a:srgbClr val="000000"/>
                         </a:solidFill>
@@ -16282,7 +16480,7 @@
                         </a:rPr>
                         <a:t>29.01.2024</a:t>
                       </a:r>
-                      <a:endParaRPr b="0" lang="de-DE" sz="1200" spc="-1" strike="noStrike">
+                      <a:endParaRPr b="0" lang="en-US" sz="1200" spc="-1" strike="noStrike">
                         <a:solidFill>
                           <a:srgbClr val="000000"/>
                         </a:solidFill>
@@ -16340,7 +16538,7 @@
                         </a:rPr>
                         <a:t>Requirements Traceability (L12)</a:t>
                       </a:r>
-                      <a:endParaRPr b="0" lang="de-DE" sz="1200" spc="-1" strike="noStrike">
+                      <a:endParaRPr b="0" lang="en-US" sz="1200" spc="-1" strike="noStrike">
                         <a:solidFill>
                           <a:srgbClr val="000000"/>
                         </a:solidFill>
@@ -16398,7 +16596,7 @@
                         </a:rPr>
                         <a:t>MOOC</a:t>
                       </a:r>
-                      <a:endParaRPr b="0" lang="de-DE" sz="1200" spc="-1" strike="noStrike">
+                      <a:endParaRPr b="0" lang="en-US" sz="1200" spc="-1" strike="noStrike">
                         <a:solidFill>
                           <a:srgbClr val="000000"/>
                         </a:solidFill>
@@ -16458,7 +16656,7 @@
                         </a:rPr>
                         <a:t>13</a:t>
                       </a:r>
-                      <a:endParaRPr b="0" lang="de-DE" sz="1200" spc="-1" strike="noStrike">
+                      <a:endParaRPr b="0" lang="en-US" sz="1200" spc="-1" strike="noStrike">
                         <a:solidFill>
                           <a:srgbClr val="000000"/>
                         </a:solidFill>
@@ -16516,7 +16714,7 @@
                         </a:rPr>
                         <a:t>05.02.2024</a:t>
                       </a:r>
-                      <a:endParaRPr b="0" lang="de-DE" sz="1200" spc="-1" strike="noStrike">
+                      <a:endParaRPr b="0" lang="en-US" sz="1200" spc="-1" strike="noStrike">
                         <a:solidFill>
                           <a:srgbClr val="000000"/>
                         </a:solidFill>
@@ -16574,7 +16772,7 @@
                         </a:rPr>
                         <a:t>Tool Support (L13)</a:t>
                       </a:r>
-                      <a:endParaRPr b="0" lang="de-DE" sz="1200" spc="-1" strike="noStrike">
+                      <a:endParaRPr b="0" lang="en-US" sz="1200" spc="-1" strike="noStrike">
                         <a:solidFill>
                           <a:srgbClr val="000000"/>
                         </a:solidFill>
@@ -16632,7 +16830,7 @@
                         </a:rPr>
                         <a:t>MOOC</a:t>
                       </a:r>
-                      <a:endParaRPr b="0" lang="de-DE" sz="1200" spc="-1" strike="noStrike">
+                      <a:endParaRPr b="0" lang="en-US" sz="1200" spc="-1" strike="noStrike">
                         <a:solidFill>
                           <a:srgbClr val="000000"/>
                         </a:solidFill>
@@ -16692,7 +16890,7 @@
                         </a:rPr>
                         <a:t>14</a:t>
                       </a:r>
-                      <a:endParaRPr b="0" lang="de-DE" sz="1200" spc="-1" strike="noStrike">
+                      <a:endParaRPr b="0" lang="en-US" sz="1200" spc="-1" strike="noStrike">
                         <a:solidFill>
                           <a:srgbClr val="000000"/>
                         </a:solidFill>
@@ -16750,7 +16948,7 @@
                         </a:rPr>
                         <a:t>12.02.2024</a:t>
                       </a:r>
-                      <a:endParaRPr b="0" lang="de-DE" sz="1200" spc="-1" strike="noStrike">
+                      <a:endParaRPr b="0" lang="en-US" sz="1200" spc="-1" strike="noStrike">
                         <a:solidFill>
                           <a:srgbClr val="000000"/>
                         </a:solidFill>
@@ -16808,7 +17006,7 @@
                         </a:rPr>
                         <a:t>-- No Lecture --</a:t>
                       </a:r>
-                      <a:endParaRPr b="0" lang="de-DE" sz="1200" spc="-1" strike="noStrike">
+                      <a:endParaRPr b="0" lang="en-US" sz="1200" spc="-1" strike="noStrike">
                         <a:solidFill>
                           <a:srgbClr val="000000"/>
                         </a:solidFill>
@@ -16912,7 +17110,7 @@
                         </a:rPr>
                         <a:t>15</a:t>
                       </a:r>
-                      <a:endParaRPr b="0" lang="de-DE" sz="1200" spc="-1" strike="noStrike">
+                      <a:endParaRPr b="0" lang="en-US" sz="1200" spc="-1" strike="noStrike">
                         <a:solidFill>
                           <a:srgbClr val="000000"/>
                         </a:solidFill>
@@ -16970,7 +17168,7 @@
                         </a:rPr>
                         <a:t>26.02.2024</a:t>
                       </a:r>
-                      <a:endParaRPr b="0" lang="de-DE" sz="1200" spc="-1" strike="noStrike">
+                      <a:endParaRPr b="0" lang="en-US" sz="1200" spc="-1" strike="noStrike">
                         <a:solidFill>
                           <a:srgbClr val="000000"/>
                         </a:solidFill>
@@ -17028,7 +17226,7 @@
                         </a:rPr>
                         <a:t>Exam Q&amp;A</a:t>
                       </a:r>
-                      <a:endParaRPr b="0" lang="de-DE" sz="1200" spc="-1" strike="noStrike">
+                      <a:endParaRPr b="0" lang="en-US" sz="1200" spc="-1" strike="noStrike">
                         <a:solidFill>
                           <a:srgbClr val="000000"/>
                         </a:solidFill>
@@ -17086,7 +17284,7 @@
                         </a:rPr>
                         <a:t>BBB (Online+LIVE in Gotec)</a:t>
                       </a:r>
-                      <a:endParaRPr b="0" lang="de-DE" sz="1200" spc="-1" strike="noStrike">
+                      <a:endParaRPr b="0" lang="en-US" sz="1200" spc="-1" strike="noStrike">
                         <a:solidFill>
                           <a:srgbClr val="000000"/>
                         </a:solidFill>

--- a/Requirements-Engineering/RE-L00-Organization.pptx
+++ b/Requirements-Engineering/RE-L00-Organization.pptx
@@ -74,7 +74,7 @@
       </p:grpSpPr>
       <p:sp>
         <p:nvSpPr>
-          <p:cNvPr id="320" name="PlaceHolder 1"/>
+          <p:cNvPr id="308" name="PlaceHolder 1"/>
           <p:cNvSpPr>
             <a:spLocks noGrp="1"/>
           </p:cNvSpPr>
@@ -121,7 +121,7 @@
       </p:sp>
       <p:sp>
         <p:nvSpPr>
-          <p:cNvPr id="321" name="PlaceHolder 2"/>
+          <p:cNvPr id="309" name="PlaceHolder 2"/>
           <p:cNvSpPr>
             <a:spLocks noGrp="1"/>
           </p:cNvSpPr>
@@ -170,7 +170,7 @@
       </p:sp>
       <p:sp>
         <p:nvSpPr>
-          <p:cNvPr id="322" name="PlaceHolder 3"/>
+          <p:cNvPr id="310" name="PlaceHolder 3"/>
           <p:cNvSpPr>
             <a:spLocks noGrp="1"/>
           </p:cNvSpPr>
@@ -219,7 +219,7 @@
       </p:sp>
       <p:sp>
         <p:nvSpPr>
-          <p:cNvPr id="323" name="PlaceHolder 4"/>
+          <p:cNvPr id="311" name="PlaceHolder 4"/>
           <p:cNvSpPr>
             <a:spLocks noGrp="1"/>
           </p:cNvSpPr>
@@ -279,7 +279,7 @@
       </p:sp>
       <p:sp>
         <p:nvSpPr>
-          <p:cNvPr id="324" name="PlaceHolder 5"/>
+          <p:cNvPr id="312" name="PlaceHolder 5"/>
           <p:cNvSpPr>
             <a:spLocks noGrp="1"/>
           </p:cNvSpPr>
@@ -339,7 +339,7 @@
       </p:sp>
       <p:sp>
         <p:nvSpPr>
-          <p:cNvPr id="325" name="PlaceHolder 6"/>
+          <p:cNvPr id="313" name="PlaceHolder 6"/>
           <p:cNvSpPr>
             <a:spLocks noGrp="1"/>
           </p:cNvSpPr>
@@ -379,7 +379,7 @@
             <a:pPr indent="0" algn="r">
               <a:buNone/>
             </a:pPr>
-            <a:fld id="{A7A96809-FC29-4BA9-AFBE-825A717D5A2C}" type="slidenum">
+            <a:fld id="{AA58D7B0-66D9-4A47-8CF4-9F32E046887F}" type="slidenum">
               <a:rPr b="0" lang="en-GB" sz="1400" spc="-1" strike="noStrike">
                 <a:solidFill>
                   <a:srgbClr val="000000"/>
@@ -422,7 +422,7 @@
       </p:grpSpPr>
       <p:sp>
         <p:nvSpPr>
-          <p:cNvPr id="374" name="PlaceHolder 1"/>
+          <p:cNvPr id="362" name="PlaceHolder 1"/>
           <p:cNvSpPr>
             <a:spLocks noGrp="1"/>
           </p:cNvSpPr>
@@ -433,7 +433,7 @@
         <p:spPr>
           <a:xfrm>
             <a:off x="533520" y="763560"/>
-            <a:ext cx="6693840" cy="3762000"/>
+            <a:ext cx="6693480" cy="3761640"/>
           </a:xfrm>
           <a:prstGeom prst="rect">
             <a:avLst/>
@@ -445,7 +445,7 @@
       </p:sp>
       <p:sp>
         <p:nvSpPr>
-          <p:cNvPr id="375" name="PlaceHolder 2"/>
+          <p:cNvPr id="363" name="PlaceHolder 2"/>
           <p:cNvSpPr>
             <a:spLocks noGrp="1"/>
           </p:cNvSpPr>
@@ -456,7 +456,7 @@
         <p:spPr>
           <a:xfrm>
             <a:off x="777240" y="4777560"/>
-            <a:ext cx="6207480" cy="4515840"/>
+            <a:ext cx="6207120" cy="4515480"/>
           </a:xfrm>
           <a:prstGeom prst="rect">
             <a:avLst/>
@@ -485,14 +485,14 @@
       </p:sp>
       <p:sp>
         <p:nvSpPr>
-          <p:cNvPr id="376" name="TextShape 3"/>
+          <p:cNvPr id="364" name="TextShape 3"/>
           <p:cNvSpPr/>
           <p:nvPr/>
         </p:nvSpPr>
         <p:spPr>
           <a:xfrm>
             <a:off x="4399200" y="9555480"/>
-            <a:ext cx="3362760" cy="492480"/>
+            <a:ext cx="3362400" cy="492120"/>
           </a:xfrm>
           <a:prstGeom prst="rect">
             <a:avLst/>
@@ -518,7 +518,7 @@
                 <a:spcPct val="100000"/>
               </a:lnSpc>
             </a:pPr>
-            <a:fld id="{91D3B6AD-3024-44E2-BB26-C3CB7B62998E}" type="slidenum">
+            <a:fld id="{94834666-A718-4F00-BCC6-7C3A389F0412}" type="slidenum">
               <a:rPr b="0" lang="en-GB" sz="1800" spc="-1" strike="noStrike">
                 <a:solidFill>
                   <a:srgbClr val="000000"/>
@@ -561,7 +561,7 @@
       </p:grpSpPr>
       <p:sp>
         <p:nvSpPr>
-          <p:cNvPr id="377" name="PlaceHolder 1"/>
+          <p:cNvPr id="365" name="PlaceHolder 1"/>
           <p:cNvSpPr>
             <a:spLocks noGrp="1"/>
           </p:cNvSpPr>
@@ -572,7 +572,7 @@
         <p:spPr>
           <a:xfrm>
             <a:off x="533520" y="763560"/>
-            <a:ext cx="6693840" cy="3762000"/>
+            <a:ext cx="6693480" cy="3761640"/>
           </a:xfrm>
           <a:prstGeom prst="rect">
             <a:avLst/>
@@ -584,7 +584,7 @@
       </p:sp>
       <p:sp>
         <p:nvSpPr>
-          <p:cNvPr id="378" name="PlaceHolder 2"/>
+          <p:cNvPr id="366" name="PlaceHolder 2"/>
           <p:cNvSpPr>
             <a:spLocks noGrp="1"/>
           </p:cNvSpPr>
@@ -595,7 +595,7 @@
         <p:spPr>
           <a:xfrm>
             <a:off x="777240" y="4777560"/>
-            <a:ext cx="6207480" cy="4515840"/>
+            <a:ext cx="6207120" cy="4515480"/>
           </a:xfrm>
           <a:prstGeom prst="rect">
             <a:avLst/>
@@ -624,14 +624,14 @@
       </p:sp>
       <p:sp>
         <p:nvSpPr>
-          <p:cNvPr id="379" name="TextShape 3"/>
+          <p:cNvPr id="367" name="TextShape 3"/>
           <p:cNvSpPr/>
           <p:nvPr/>
         </p:nvSpPr>
         <p:spPr>
           <a:xfrm>
             <a:off x="4399200" y="9555480"/>
-            <a:ext cx="3362760" cy="492480"/>
+            <a:ext cx="3362400" cy="492120"/>
           </a:xfrm>
           <a:prstGeom prst="rect">
             <a:avLst/>
@@ -657,7 +657,7 @@
                 <a:spcPct val="100000"/>
               </a:lnSpc>
             </a:pPr>
-            <a:fld id="{AA32C2CF-DE2C-4A0E-8696-6E4AABCB914C}" type="slidenum">
+            <a:fld id="{03387847-61FB-474E-809C-88C83350CD93}" type="slidenum">
               <a:rPr b="0" lang="en-GB" sz="1800" spc="-1" strike="noStrike">
                 <a:solidFill>
                   <a:srgbClr val="000000"/>
@@ -700,7 +700,7 @@
       </p:grpSpPr>
       <p:sp>
         <p:nvSpPr>
-          <p:cNvPr id="380" name="PlaceHolder 1"/>
+          <p:cNvPr id="368" name="PlaceHolder 1"/>
           <p:cNvSpPr>
             <a:spLocks noGrp="1"/>
           </p:cNvSpPr>
@@ -711,7 +711,7 @@
         <p:spPr>
           <a:xfrm>
             <a:off x="533520" y="763560"/>
-            <a:ext cx="6693840" cy="3762000"/>
+            <a:ext cx="6693480" cy="3761640"/>
           </a:xfrm>
           <a:prstGeom prst="rect">
             <a:avLst/>
@@ -723,7 +723,7 @@
       </p:sp>
       <p:sp>
         <p:nvSpPr>
-          <p:cNvPr id="381" name="PlaceHolder 2"/>
+          <p:cNvPr id="369" name="PlaceHolder 2"/>
           <p:cNvSpPr>
             <a:spLocks noGrp="1"/>
           </p:cNvSpPr>
@@ -734,7 +734,7 @@
         <p:spPr>
           <a:xfrm>
             <a:off x="777240" y="4777560"/>
-            <a:ext cx="6207480" cy="4515840"/>
+            <a:ext cx="6207120" cy="4515480"/>
           </a:xfrm>
           <a:prstGeom prst="rect">
             <a:avLst/>
@@ -763,14 +763,14 @@
       </p:sp>
       <p:sp>
         <p:nvSpPr>
-          <p:cNvPr id="382" name="TextShape 3"/>
+          <p:cNvPr id="370" name="TextShape 3"/>
           <p:cNvSpPr/>
           <p:nvPr/>
         </p:nvSpPr>
         <p:spPr>
           <a:xfrm>
             <a:off x="4399200" y="9555480"/>
-            <a:ext cx="3362760" cy="492480"/>
+            <a:ext cx="3362400" cy="492120"/>
           </a:xfrm>
           <a:prstGeom prst="rect">
             <a:avLst/>
@@ -796,7 +796,7 @@
                 <a:spcPct val="100000"/>
               </a:lnSpc>
             </a:pPr>
-            <a:fld id="{2172B66C-3C36-4184-BC5D-25D4178C486C}" type="slidenum">
+            <a:fld id="{A7B11DAB-EC87-49DE-BCB1-BFF5452AD769}" type="slidenum">
               <a:rPr b="0" lang="en-GB" sz="1800" spc="-1" strike="noStrike">
                 <a:solidFill>
                   <a:srgbClr val="000000"/>
@@ -839,7 +839,7 @@
       </p:grpSpPr>
       <p:sp>
         <p:nvSpPr>
-          <p:cNvPr id="383" name="PlaceHolder 1"/>
+          <p:cNvPr id="371" name="PlaceHolder 1"/>
           <p:cNvSpPr>
             <a:spLocks noGrp="1"/>
           </p:cNvSpPr>
@@ -850,7 +850,7 @@
         <p:spPr>
           <a:xfrm>
             <a:off x="533520" y="763560"/>
-            <a:ext cx="6693840" cy="3762000"/>
+            <a:ext cx="6693480" cy="3761640"/>
           </a:xfrm>
           <a:prstGeom prst="rect">
             <a:avLst/>
@@ -862,7 +862,7 @@
       </p:sp>
       <p:sp>
         <p:nvSpPr>
-          <p:cNvPr id="384" name="PlaceHolder 2"/>
+          <p:cNvPr id="372" name="PlaceHolder 2"/>
           <p:cNvSpPr>
             <a:spLocks noGrp="1"/>
           </p:cNvSpPr>
@@ -873,7 +873,7 @@
         <p:spPr>
           <a:xfrm>
             <a:off x="777240" y="4777560"/>
-            <a:ext cx="6207480" cy="4515840"/>
+            <a:ext cx="6207120" cy="4515480"/>
           </a:xfrm>
           <a:prstGeom prst="rect">
             <a:avLst/>
@@ -902,14 +902,14 @@
       </p:sp>
       <p:sp>
         <p:nvSpPr>
-          <p:cNvPr id="385" name="TextShape 3"/>
+          <p:cNvPr id="373" name="TextShape 3"/>
           <p:cNvSpPr/>
           <p:nvPr/>
         </p:nvSpPr>
         <p:spPr>
           <a:xfrm>
             <a:off x="4399200" y="9555480"/>
-            <a:ext cx="3362760" cy="492480"/>
+            <a:ext cx="3362400" cy="492120"/>
           </a:xfrm>
           <a:prstGeom prst="rect">
             <a:avLst/>
@@ -935,7 +935,7 @@
                 <a:spcPct val="100000"/>
               </a:lnSpc>
             </a:pPr>
-            <a:fld id="{BD0825F7-4846-4F5E-A2CB-6CFC7F332EA9}" type="slidenum">
+            <a:fld id="{12879795-A8FA-47DB-8F2E-9F145E1A5FEF}" type="slidenum">
               <a:rPr b="0" lang="en-GB" sz="1800" spc="-1" strike="noStrike">
                 <a:solidFill>
                   <a:srgbClr val="000000"/>
@@ -1169,7 +1169,7 @@
       </p:grpSpPr>
       <p:sp>
         <p:nvSpPr>
-          <p:cNvPr id="139" name="PlaceHolder 1"/>
+          <p:cNvPr id="133" name="PlaceHolder 1"/>
           <p:cNvSpPr>
             <a:spLocks noGrp="1"/>
           </p:cNvSpPr>
@@ -1209,7 +1209,7 @@
       </p:sp>
       <p:sp>
         <p:nvSpPr>
-          <p:cNvPr id="140" name="PlaceHolder 2"/>
+          <p:cNvPr id="134" name="PlaceHolder 2"/>
           <p:cNvSpPr>
             <a:spLocks noGrp="1"/>
           </p:cNvSpPr>
@@ -1252,7 +1252,7 @@
       </p:sp>
       <p:sp>
         <p:nvSpPr>
-          <p:cNvPr id="141" name="PlaceHolder 3"/>
+          <p:cNvPr id="135" name="PlaceHolder 3"/>
           <p:cNvSpPr>
             <a:spLocks noGrp="1"/>
           </p:cNvSpPr>
@@ -1317,7 +1317,7 @@
       </p:grpSpPr>
       <p:sp>
         <p:nvSpPr>
-          <p:cNvPr id="151" name="PlaceHolder 1"/>
+          <p:cNvPr id="145" name="PlaceHolder 1"/>
           <p:cNvSpPr>
             <a:spLocks noGrp="1"/>
           </p:cNvSpPr>
@@ -1361,7 +1361,7 @@
 </file>
 
 <file path=ppt/slideLayouts/slideLayout12.xml><?xml version="1.0" encoding="utf-8"?>
-<p:sldLayout xmlns:a="http://schemas.openxmlformats.org/drawingml/2006/main" xmlns:p="http://schemas.openxmlformats.org/presentationml/2006/main" xmlns:r="http://schemas.openxmlformats.org/officeDocument/2006/relationships" xmlns:p14="http://schemas.microsoft.com/office/powerpoint/2010/main" xmlns:p15="http://schemas.microsoft.com/office/powerpoint/2012/main" xmlns:mc="http://schemas.openxmlformats.org/markup-compatibility/2006" type="mediaAndTx" preserve="1">
+<p:sldLayout xmlns:a="http://schemas.openxmlformats.org/drawingml/2006/main" xmlns:p="http://schemas.openxmlformats.org/presentationml/2006/main" xmlns:r="http://schemas.openxmlformats.org/officeDocument/2006/relationships" xmlns:p14="http://schemas.microsoft.com/office/powerpoint/2010/main" xmlns:p15="http://schemas.microsoft.com/office/powerpoint/2012/main" xmlns:mc="http://schemas.openxmlformats.org/markup-compatibility/2006" type="blank" preserve="1">
   <p:cSld name="Centered Text">
     <p:spTree>
       <p:nvGrpSpPr>
@@ -1401,7 +1401,7 @@
       </p:grpSpPr>
       <p:sp>
         <p:nvSpPr>
-          <p:cNvPr id="172" name="PlaceHolder 1"/>
+          <p:cNvPr id="166" name="PlaceHolder 1"/>
           <p:cNvSpPr>
             <a:spLocks noGrp="1"/>
           </p:cNvSpPr>
@@ -1441,7 +1441,7 @@
       </p:sp>
       <p:sp>
         <p:nvSpPr>
-          <p:cNvPr id="173" name="PlaceHolder 2"/>
+          <p:cNvPr id="167" name="PlaceHolder 2"/>
           <p:cNvSpPr>
             <a:spLocks noGrp="1"/>
           </p:cNvSpPr>
@@ -1484,7 +1484,7 @@
       </p:sp>
       <p:sp>
         <p:nvSpPr>
-          <p:cNvPr id="174" name="PlaceHolder 3"/>
+          <p:cNvPr id="168" name="PlaceHolder 3"/>
           <p:cNvSpPr>
             <a:spLocks noGrp="1"/>
           </p:cNvSpPr>
@@ -1527,7 +1527,7 @@
       </p:sp>
       <p:sp>
         <p:nvSpPr>
-          <p:cNvPr id="175" name="PlaceHolder 4"/>
+          <p:cNvPr id="169" name="PlaceHolder 4"/>
           <p:cNvSpPr>
             <a:spLocks noGrp="1"/>
           </p:cNvSpPr>
@@ -1592,7 +1592,7 @@
       </p:grpSpPr>
       <p:sp>
         <p:nvSpPr>
-          <p:cNvPr id="188" name="PlaceHolder 1"/>
+          <p:cNvPr id="182" name="PlaceHolder 1"/>
           <p:cNvSpPr>
             <a:spLocks noGrp="1"/>
           </p:cNvSpPr>
@@ -1632,7 +1632,7 @@
       </p:sp>
       <p:sp>
         <p:nvSpPr>
-          <p:cNvPr id="189" name="PlaceHolder 2"/>
+          <p:cNvPr id="183" name="PlaceHolder 2"/>
           <p:cNvSpPr>
             <a:spLocks noGrp="1"/>
           </p:cNvSpPr>
@@ -1675,7 +1675,7 @@
       </p:sp>
       <p:sp>
         <p:nvSpPr>
-          <p:cNvPr id="190" name="PlaceHolder 3"/>
+          <p:cNvPr id="184" name="PlaceHolder 3"/>
           <p:cNvSpPr>
             <a:spLocks noGrp="1"/>
           </p:cNvSpPr>
@@ -1718,7 +1718,7 @@
       </p:sp>
       <p:sp>
         <p:nvSpPr>
-          <p:cNvPr id="191" name="PlaceHolder 4"/>
+          <p:cNvPr id="185" name="PlaceHolder 4"/>
           <p:cNvSpPr>
             <a:spLocks noGrp="1"/>
           </p:cNvSpPr>
@@ -1783,7 +1783,7 @@
       </p:grpSpPr>
       <p:sp>
         <p:nvSpPr>
-          <p:cNvPr id="204" name="PlaceHolder 1"/>
+          <p:cNvPr id="198" name="PlaceHolder 1"/>
           <p:cNvSpPr>
             <a:spLocks noGrp="1"/>
           </p:cNvSpPr>
@@ -1823,7 +1823,7 @@
       </p:sp>
       <p:sp>
         <p:nvSpPr>
-          <p:cNvPr id="205" name="PlaceHolder 2"/>
+          <p:cNvPr id="199" name="PlaceHolder 2"/>
           <p:cNvSpPr>
             <a:spLocks noGrp="1"/>
           </p:cNvSpPr>
@@ -1866,7 +1866,7 @@
       </p:sp>
       <p:sp>
         <p:nvSpPr>
-          <p:cNvPr id="206" name="PlaceHolder 3"/>
+          <p:cNvPr id="200" name="PlaceHolder 3"/>
           <p:cNvSpPr>
             <a:spLocks noGrp="1"/>
           </p:cNvSpPr>
@@ -1909,7 +1909,7 @@
       </p:sp>
       <p:sp>
         <p:nvSpPr>
-          <p:cNvPr id="207" name="PlaceHolder 4"/>
+          <p:cNvPr id="201" name="PlaceHolder 4"/>
           <p:cNvSpPr>
             <a:spLocks noGrp="1"/>
           </p:cNvSpPr>
@@ -1974,7 +1974,7 @@
       </p:grpSpPr>
       <p:sp>
         <p:nvSpPr>
-          <p:cNvPr id="219" name="PlaceHolder 1"/>
+          <p:cNvPr id="213" name="PlaceHolder 1"/>
           <p:cNvSpPr>
             <a:spLocks noGrp="1"/>
           </p:cNvSpPr>
@@ -2014,7 +2014,7 @@
       </p:sp>
       <p:sp>
         <p:nvSpPr>
-          <p:cNvPr id="220" name="PlaceHolder 2"/>
+          <p:cNvPr id="214" name="PlaceHolder 2"/>
           <p:cNvSpPr>
             <a:spLocks noGrp="1"/>
           </p:cNvSpPr>
@@ -2057,7 +2057,7 @@
       </p:sp>
       <p:sp>
         <p:nvSpPr>
-          <p:cNvPr id="221" name="PlaceHolder 3"/>
+          <p:cNvPr id="215" name="PlaceHolder 3"/>
           <p:cNvSpPr>
             <a:spLocks noGrp="1"/>
           </p:cNvSpPr>
@@ -2122,7 +2122,7 @@
       </p:grpSpPr>
       <p:sp>
         <p:nvSpPr>
-          <p:cNvPr id="235" name="PlaceHolder 1"/>
+          <p:cNvPr id="229" name="PlaceHolder 1"/>
           <p:cNvSpPr>
             <a:spLocks noGrp="1"/>
           </p:cNvSpPr>
@@ -2162,7 +2162,7 @@
       </p:sp>
       <p:sp>
         <p:nvSpPr>
-          <p:cNvPr id="236" name="PlaceHolder 2"/>
+          <p:cNvPr id="230" name="PlaceHolder 2"/>
           <p:cNvSpPr>
             <a:spLocks noGrp="1"/>
           </p:cNvSpPr>
@@ -2205,7 +2205,7 @@
       </p:sp>
       <p:sp>
         <p:nvSpPr>
-          <p:cNvPr id="237" name="PlaceHolder 3"/>
+          <p:cNvPr id="231" name="PlaceHolder 3"/>
           <p:cNvSpPr>
             <a:spLocks noGrp="1"/>
           </p:cNvSpPr>
@@ -2248,7 +2248,7 @@
       </p:sp>
       <p:sp>
         <p:nvSpPr>
-          <p:cNvPr id="238" name="PlaceHolder 4"/>
+          <p:cNvPr id="232" name="PlaceHolder 4"/>
           <p:cNvSpPr>
             <a:spLocks noGrp="1"/>
           </p:cNvSpPr>
@@ -2291,7 +2291,7 @@
       </p:sp>
       <p:sp>
         <p:nvSpPr>
-          <p:cNvPr id="239" name="PlaceHolder 5"/>
+          <p:cNvPr id="233" name="PlaceHolder 5"/>
           <p:cNvSpPr>
             <a:spLocks noGrp="1"/>
           </p:cNvSpPr>
@@ -2591,6 +2591,111 @@
       </p:grpSpPr>
       <p:sp>
         <p:nvSpPr>
+          <p:cNvPr id="262" name="PlaceHolder 1"/>
+          <p:cNvSpPr>
+            <a:spLocks noGrp="1"/>
+          </p:cNvSpPr>
+          <p:nvPr>
+            <p:ph type="title"/>
+          </p:nvPr>
+        </p:nvSpPr>
+        <p:spPr>
+          <a:xfrm>
+            <a:off x="609480" y="273600"/>
+            <a:ext cx="10972440" cy="1144800"/>
+          </a:xfrm>
+          <a:prstGeom prst="rect">
+            <a:avLst/>
+          </a:prstGeom>
+          <a:noFill/>
+          <a:ln w="0">
+            <a:noFill/>
+          </a:ln>
+        </p:spPr>
+        <p:txBody>
+          <a:bodyPr lIns="0" rIns="0" tIns="0" bIns="0" anchor="ctr">
+            <a:noAutofit/>
+          </a:bodyPr>
+          <a:p>
+            <a:pPr indent="0" algn="ctr">
+              <a:buNone/>
+            </a:pPr>
+            <a:endParaRPr b="0" lang="en-GB" sz="4400" spc="-1" strike="noStrike">
+              <a:solidFill>
+                <a:srgbClr val="000000"/>
+              </a:solidFill>
+              <a:latin typeface="Arial"/>
+            </a:endParaRPr>
+          </a:p>
+        </p:txBody>
+      </p:sp>
+      <p:sp>
+        <p:nvSpPr>
+          <p:cNvPr id="263" name="PlaceHolder 2"/>
+          <p:cNvSpPr>
+            <a:spLocks noGrp="1"/>
+          </p:cNvSpPr>
+          <p:nvPr>
+            <p:ph/>
+          </p:nvPr>
+        </p:nvSpPr>
+        <p:spPr>
+          <a:xfrm>
+            <a:off x="609480" y="1604520"/>
+            <a:ext cx="10972440" cy="3977280"/>
+          </a:xfrm>
+          <a:prstGeom prst="rect">
+            <a:avLst/>
+          </a:prstGeom>
+          <a:noFill/>
+          <a:ln w="0">
+            <a:noFill/>
+          </a:ln>
+        </p:spPr>
+        <p:txBody>
+          <a:bodyPr lIns="0" rIns="0" tIns="0" bIns="0" anchor="t">
+            <a:normAutofit/>
+          </a:bodyPr>
+          <a:p>
+            <a:pPr indent="0">
+              <a:spcBef>
+                <a:spcPts val="1417"/>
+              </a:spcBef>
+              <a:buNone/>
+            </a:pPr>
+            <a:endParaRPr b="0" lang="en-GB" sz="3200" spc="-1" strike="noStrike">
+              <a:solidFill>
+                <a:srgbClr val="000000"/>
+              </a:solidFill>
+              <a:latin typeface="Arial"/>
+            </a:endParaRPr>
+          </a:p>
+        </p:txBody>
+      </p:sp>
+    </p:spTree>
+  </p:cSld>
+</p:sldLayout>
+</file>
+
+<file path=ppt/slideLayouts/slideLayout21.xml><?xml version="1.0" encoding="utf-8"?>
+<p:sldLayout xmlns:a="http://schemas.openxmlformats.org/drawingml/2006/main" xmlns:p="http://schemas.openxmlformats.org/presentationml/2006/main" xmlns:r="http://schemas.openxmlformats.org/officeDocument/2006/relationships" xmlns:p14="http://schemas.microsoft.com/office/powerpoint/2010/main" xmlns:p15="http://schemas.microsoft.com/office/powerpoint/2012/main" xmlns:mc="http://schemas.openxmlformats.org/markup-compatibility/2006" type="obj" preserve="1">
+  <p:cSld name="Default 8">
+    <p:spTree>
+      <p:nvGrpSpPr>
+        <p:cNvPr id="1" name=""/>
+        <p:cNvGrpSpPr/>
+        <p:nvPr/>
+      </p:nvGrpSpPr>
+      <p:grpSpPr>
+        <a:xfrm>
+          <a:off x="0" y="0"/>
+          <a:ext cx="0" cy="0"/>
+          <a:chOff x="0" y="0"/>
+          <a:chExt cx="0" cy="0"/>
+        </a:xfrm>
+      </p:grpSpPr>
+      <p:sp>
+        <p:nvSpPr>
           <p:cNvPr id="274" name="PlaceHolder 1"/>
           <p:cNvSpPr>
             <a:spLocks noGrp="1"/>
@@ -2677,9 +2782,9 @@
 </p:sldLayout>
 </file>
 
-<file path=ppt/slideLayouts/slideLayout21.xml><?xml version="1.0" encoding="utf-8"?>
-<p:sldLayout xmlns:a="http://schemas.openxmlformats.org/drawingml/2006/main" xmlns:p="http://schemas.openxmlformats.org/presentationml/2006/main" xmlns:r="http://schemas.openxmlformats.org/officeDocument/2006/relationships" xmlns:p14="http://schemas.microsoft.com/office/powerpoint/2010/main" xmlns:p15="http://schemas.microsoft.com/office/powerpoint/2012/main" xmlns:mc="http://schemas.openxmlformats.org/markup-compatibility/2006" type="obj" preserve="1">
-  <p:cSld name="Default 8">
+<file path=ppt/slideLayouts/slideLayout22.xml><?xml version="1.0" encoding="utf-8"?>
+<p:sldLayout xmlns:a="http://schemas.openxmlformats.org/drawingml/2006/main" xmlns:p="http://schemas.openxmlformats.org/presentationml/2006/main" xmlns:r="http://schemas.openxmlformats.org/officeDocument/2006/relationships" xmlns:p14="http://schemas.microsoft.com/office/powerpoint/2010/main" xmlns:p15="http://schemas.microsoft.com/office/powerpoint/2012/main" xmlns:mc="http://schemas.openxmlformats.org/markup-compatibility/2006" type="twoObj" preserve="1">
+  <p:cSld name="Default 9">
     <p:spTree>
       <p:nvGrpSpPr>
         <p:cNvPr id="1" name=""/>
@@ -2696,7 +2801,7 @@
       </p:grpSpPr>
       <p:sp>
         <p:nvSpPr>
-          <p:cNvPr id="286" name="PlaceHolder 1"/>
+          <p:cNvPr id="287" name="PlaceHolder 1"/>
           <p:cNvSpPr>
             <a:spLocks noGrp="1"/>
           </p:cNvSpPr>
@@ -2736,7 +2841,7 @@
       </p:sp>
       <p:sp>
         <p:nvSpPr>
-          <p:cNvPr id="287" name="PlaceHolder 2"/>
+          <p:cNvPr id="288" name="PlaceHolder 2"/>
           <p:cNvSpPr>
             <a:spLocks noGrp="1"/>
           </p:cNvSpPr>
@@ -2747,7 +2852,7 @@
         <p:spPr>
           <a:xfrm>
             <a:off x="609480" y="1604520"/>
-            <a:ext cx="10972440" cy="3977280"/>
+            <a:ext cx="5354280" cy="3977280"/>
           </a:xfrm>
           <a:prstGeom prst="rect">
             <a:avLst/>
@@ -2777,14 +2882,57 @@
           </a:p>
         </p:txBody>
       </p:sp>
+      <p:sp>
+        <p:nvSpPr>
+          <p:cNvPr id="289" name="PlaceHolder 3"/>
+          <p:cNvSpPr>
+            <a:spLocks noGrp="1"/>
+          </p:cNvSpPr>
+          <p:nvPr>
+            <p:ph/>
+          </p:nvPr>
+        </p:nvSpPr>
+        <p:spPr>
+          <a:xfrm>
+            <a:off x="6231960" y="1604520"/>
+            <a:ext cx="5354280" cy="3977280"/>
+          </a:xfrm>
+          <a:prstGeom prst="rect">
+            <a:avLst/>
+          </a:prstGeom>
+          <a:noFill/>
+          <a:ln w="0">
+            <a:noFill/>
+          </a:ln>
+        </p:spPr>
+        <p:txBody>
+          <a:bodyPr lIns="0" rIns="0" tIns="0" bIns="0" anchor="t">
+            <a:normAutofit/>
+          </a:bodyPr>
+          <a:p>
+            <a:pPr indent="0">
+              <a:spcBef>
+                <a:spcPts val="1417"/>
+              </a:spcBef>
+              <a:buNone/>
+            </a:pPr>
+            <a:endParaRPr b="0" lang="en-GB" sz="3200" spc="-1" strike="noStrike">
+              <a:solidFill>
+                <a:srgbClr val="000000"/>
+              </a:solidFill>
+              <a:latin typeface="Arial"/>
+            </a:endParaRPr>
+          </a:p>
+        </p:txBody>
+      </p:sp>
     </p:spTree>
   </p:cSld>
 </p:sldLayout>
 </file>
 
-<file path=ppt/slideLayouts/slideLayout22.xml><?xml version="1.0" encoding="utf-8"?>
-<p:sldLayout xmlns:a="http://schemas.openxmlformats.org/drawingml/2006/main" xmlns:p="http://schemas.openxmlformats.org/presentationml/2006/main" xmlns:r="http://schemas.openxmlformats.org/officeDocument/2006/relationships" xmlns:p14="http://schemas.microsoft.com/office/powerpoint/2010/main" xmlns:p15="http://schemas.microsoft.com/office/powerpoint/2012/main" xmlns:mc="http://schemas.openxmlformats.org/markup-compatibility/2006" type="twoObj" preserve="1">
-  <p:cSld name="Default 9">
+<file path=ppt/slideLayouts/slideLayout23.xml><?xml version="1.0" encoding="utf-8"?>
+<p:sldLayout xmlns:a="http://schemas.openxmlformats.org/drawingml/2006/main" xmlns:p="http://schemas.openxmlformats.org/presentationml/2006/main" xmlns:r="http://schemas.openxmlformats.org/officeDocument/2006/relationships" xmlns:p14="http://schemas.microsoft.com/office/powerpoint/2010/main" xmlns:p15="http://schemas.microsoft.com/office/powerpoint/2012/main" xmlns:mc="http://schemas.openxmlformats.org/markup-compatibility/2006" type="titleOnly" preserve="1">
+  <p:cSld name="Default 10">
     <p:spTree>
       <p:nvGrpSpPr>
         <p:cNvPr id="1" name=""/>
@@ -2839,161 +2987,13 @@
           </a:p>
         </p:txBody>
       </p:sp>
-      <p:sp>
-        <p:nvSpPr>
-          <p:cNvPr id="300" name="PlaceHolder 2"/>
-          <p:cNvSpPr>
-            <a:spLocks noGrp="1"/>
-          </p:cNvSpPr>
-          <p:nvPr>
-            <p:ph/>
-          </p:nvPr>
-        </p:nvSpPr>
-        <p:spPr>
-          <a:xfrm>
-            <a:off x="609480" y="1604520"/>
-            <a:ext cx="5354280" cy="3977280"/>
-          </a:xfrm>
-          <a:prstGeom prst="rect">
-            <a:avLst/>
-          </a:prstGeom>
-          <a:noFill/>
-          <a:ln w="0">
-            <a:noFill/>
-          </a:ln>
-        </p:spPr>
-        <p:txBody>
-          <a:bodyPr lIns="0" rIns="0" tIns="0" bIns="0" anchor="t">
-            <a:normAutofit/>
-          </a:bodyPr>
-          <a:p>
-            <a:pPr indent="0">
-              <a:spcBef>
-                <a:spcPts val="1417"/>
-              </a:spcBef>
-              <a:buNone/>
-            </a:pPr>
-            <a:endParaRPr b="0" lang="en-GB" sz="3200" spc="-1" strike="noStrike">
-              <a:solidFill>
-                <a:srgbClr val="000000"/>
-              </a:solidFill>
-              <a:latin typeface="Arial"/>
-            </a:endParaRPr>
-          </a:p>
-        </p:txBody>
-      </p:sp>
-      <p:sp>
-        <p:nvSpPr>
-          <p:cNvPr id="301" name="PlaceHolder 3"/>
-          <p:cNvSpPr>
-            <a:spLocks noGrp="1"/>
-          </p:cNvSpPr>
-          <p:nvPr>
-            <p:ph/>
-          </p:nvPr>
-        </p:nvSpPr>
-        <p:spPr>
-          <a:xfrm>
-            <a:off x="6231960" y="1604520"/>
-            <a:ext cx="5354280" cy="3977280"/>
-          </a:xfrm>
-          <a:prstGeom prst="rect">
-            <a:avLst/>
-          </a:prstGeom>
-          <a:noFill/>
-          <a:ln w="0">
-            <a:noFill/>
-          </a:ln>
-        </p:spPr>
-        <p:txBody>
-          <a:bodyPr lIns="0" rIns="0" tIns="0" bIns="0" anchor="t">
-            <a:normAutofit/>
-          </a:bodyPr>
-          <a:p>
-            <a:pPr indent="0">
-              <a:spcBef>
-                <a:spcPts val="1417"/>
-              </a:spcBef>
-              <a:buNone/>
-            </a:pPr>
-            <a:endParaRPr b="0" lang="en-GB" sz="3200" spc="-1" strike="noStrike">
-              <a:solidFill>
-                <a:srgbClr val="000000"/>
-              </a:solidFill>
-              <a:latin typeface="Arial"/>
-            </a:endParaRPr>
-          </a:p>
-        </p:txBody>
-      </p:sp>
-    </p:spTree>
-  </p:cSld>
-</p:sldLayout>
-</file>
-
-<file path=ppt/slideLayouts/slideLayout23.xml><?xml version="1.0" encoding="utf-8"?>
-<p:sldLayout xmlns:a="http://schemas.openxmlformats.org/drawingml/2006/main" xmlns:p="http://schemas.openxmlformats.org/presentationml/2006/main" xmlns:r="http://schemas.openxmlformats.org/officeDocument/2006/relationships" xmlns:p14="http://schemas.microsoft.com/office/powerpoint/2010/main" xmlns:p15="http://schemas.microsoft.com/office/powerpoint/2012/main" xmlns:mc="http://schemas.openxmlformats.org/markup-compatibility/2006" type="titleOnly" preserve="1">
-  <p:cSld name="Default 10">
-    <p:spTree>
-      <p:nvGrpSpPr>
-        <p:cNvPr id="1" name=""/>
-        <p:cNvGrpSpPr/>
-        <p:nvPr/>
-      </p:nvGrpSpPr>
-      <p:grpSpPr>
-        <a:xfrm>
-          <a:off x="0" y="0"/>
-          <a:ext cx="0" cy="0"/>
-          <a:chOff x="0" y="0"/>
-          <a:chExt cx="0" cy="0"/>
-        </a:xfrm>
-      </p:grpSpPr>
-      <p:sp>
-        <p:nvSpPr>
-          <p:cNvPr id="311" name="PlaceHolder 1"/>
-          <p:cNvSpPr>
-            <a:spLocks noGrp="1"/>
-          </p:cNvSpPr>
-          <p:nvPr>
-            <p:ph type="title"/>
-          </p:nvPr>
-        </p:nvSpPr>
-        <p:spPr>
-          <a:xfrm>
-            <a:off x="609480" y="273600"/>
-            <a:ext cx="10972440" cy="1144800"/>
-          </a:xfrm>
-          <a:prstGeom prst="rect">
-            <a:avLst/>
-          </a:prstGeom>
-          <a:noFill/>
-          <a:ln w="0">
-            <a:noFill/>
-          </a:ln>
-        </p:spPr>
-        <p:txBody>
-          <a:bodyPr lIns="0" rIns="0" tIns="0" bIns="0" anchor="ctr">
-            <a:noAutofit/>
-          </a:bodyPr>
-          <a:p>
-            <a:pPr indent="0" algn="ctr">
-              <a:buNone/>
-            </a:pPr>
-            <a:endParaRPr b="0" lang="en-GB" sz="4400" spc="-1" strike="noStrike">
-              <a:solidFill>
-                <a:srgbClr val="000000"/>
-              </a:solidFill>
-              <a:latin typeface="Arial"/>
-            </a:endParaRPr>
-          </a:p>
-        </p:txBody>
-      </p:sp>
     </p:spTree>
   </p:cSld>
 </p:sldLayout>
 </file>
 
 <file path=ppt/slideLayouts/slideLayout24.xml><?xml version="1.0" encoding="utf-8"?>
-<p:sldLayout xmlns:a="http://schemas.openxmlformats.org/drawingml/2006/main" xmlns:p="http://schemas.openxmlformats.org/presentationml/2006/main" xmlns:r="http://schemas.openxmlformats.org/officeDocument/2006/relationships" xmlns:p14="http://schemas.microsoft.com/office/powerpoint/2010/main" xmlns:p15="http://schemas.microsoft.com/office/powerpoint/2012/main" xmlns:mc="http://schemas.openxmlformats.org/markup-compatibility/2006" type="mediaAndTx" preserve="1">
+<p:sldLayout xmlns:a="http://schemas.openxmlformats.org/drawingml/2006/main" xmlns:p="http://schemas.openxmlformats.org/presentationml/2006/main" xmlns:r="http://schemas.openxmlformats.org/officeDocument/2006/relationships" xmlns:p14="http://schemas.microsoft.com/office/powerpoint/2010/main" xmlns:p15="http://schemas.microsoft.com/office/powerpoint/2012/main" xmlns:mc="http://schemas.openxmlformats.org/markup-compatibility/2006" type="blank" preserve="1">
   <p:cSld name="Default 11">
     <p:spTree>
       <p:nvGrpSpPr>
@@ -3650,7 +3650,7 @@
       </p:grpSpPr>
       <p:sp>
         <p:nvSpPr>
-          <p:cNvPr id="114" name="PlaceHolder 1"/>
+          <p:cNvPr id="108" name="PlaceHolder 1"/>
           <p:cNvSpPr>
             <a:spLocks noGrp="1"/>
           </p:cNvSpPr>
@@ -3690,7 +3690,7 @@
       </p:sp>
       <p:sp>
         <p:nvSpPr>
-          <p:cNvPr id="115" name="PlaceHolder 2"/>
+          <p:cNvPr id="109" name="PlaceHolder 2"/>
           <p:cNvSpPr>
             <a:spLocks noGrp="1"/>
           </p:cNvSpPr>
@@ -3755,7 +3755,7 @@
       </p:grpSpPr>
       <p:sp>
         <p:nvSpPr>
-          <p:cNvPr id="126" name="PlaceHolder 1"/>
+          <p:cNvPr id="120" name="PlaceHolder 1"/>
           <p:cNvSpPr>
             <a:spLocks noGrp="1"/>
           </p:cNvSpPr>
@@ -3795,7 +3795,7 @@
       </p:sp>
       <p:sp>
         <p:nvSpPr>
-          <p:cNvPr id="127" name="PlaceHolder 2"/>
+          <p:cNvPr id="121" name="PlaceHolder 2"/>
           <p:cNvSpPr>
             <a:spLocks noGrp="1"/>
           </p:cNvSpPr>
@@ -3874,7 +3874,7 @@
         <p:spPr>
           <a:xfrm>
             <a:off x="11444760" y="0"/>
-            <a:ext cx="740880" cy="6849720"/>
+            <a:ext cx="740520" cy="6849360"/>
           </a:xfrm>
           <a:prstGeom prst="rect">
             <a:avLst/>
@@ -3923,7 +3923,7 @@
         <p:spPr>
           <a:xfrm>
             <a:off x="11438640" y="6453360"/>
-            <a:ext cx="757800" cy="363960"/>
+            <a:ext cx="757440" cy="363960"/>
           </a:xfrm>
           <a:prstGeom prst="rect">
             <a:avLst/>
@@ -3949,7 +3949,7 @@
                 <a:spcPct val="100000"/>
               </a:lnSpc>
             </a:pPr>
-            <a:fld id="{8D1F5CB1-D5F5-4297-BD44-627717F18972}" type="slidenum">
+            <a:fld id="{312ED567-7753-4797-8239-3BAFE503307D}" type="slidenum">
               <a:rPr b="0" lang="en-US" sz="1800" spc="-1" strike="noStrike">
                 <a:solidFill>
                   <a:srgbClr val="808080"/>
@@ -3977,7 +3977,7 @@
         <p:spPr>
           <a:xfrm>
             <a:off x="912240" y="1268280"/>
-            <a:ext cx="9207720" cy="361080"/>
+            <a:ext cx="9207360" cy="360720"/>
           </a:xfrm>
           <a:prstGeom prst="rect">
             <a:avLst/>
@@ -4026,7 +4026,7 @@
         <p:spPr>
           <a:xfrm>
             <a:off x="0" y="0"/>
-            <a:ext cx="3051720" cy="561600"/>
+            <a:ext cx="3051360" cy="561240"/>
           </a:xfrm>
           <a:prstGeom prst="rect">
             <a:avLst/>
@@ -4049,7 +4049,7 @@
         <p:spPr>
           <a:xfrm>
             <a:off x="7430400" y="134640"/>
-            <a:ext cx="3697560" cy="513720"/>
+            <a:ext cx="3697200" cy="513360"/>
           </a:xfrm>
           <a:prstGeom prst="rect">
             <a:avLst/>
@@ -4068,7 +4068,7 @@
         <p:spPr>
           <a:xfrm>
             <a:off x="912240" y="1268280"/>
-            <a:ext cx="9207720" cy="361080"/>
+            <a:ext cx="9207360" cy="360720"/>
           </a:xfrm>
           <a:prstGeom prst="rect">
             <a:avLst/>
@@ -4113,7 +4113,7 @@
         <p:spPr>
           <a:xfrm>
             <a:off x="11444760" y="0"/>
-            <a:ext cx="740880" cy="6849720"/>
+            <a:ext cx="740520" cy="6849360"/>
           </a:xfrm>
           <a:prstGeom prst="rect">
             <a:avLst/>
@@ -4162,7 +4162,7 @@
         <p:spPr>
           <a:xfrm>
             <a:off x="0" y="6642720"/>
-            <a:ext cx="12183840" cy="211320"/>
+            <a:ext cx="12183480" cy="211320"/>
           </a:xfrm>
           <a:prstGeom prst="rect">
             <a:avLst/>
@@ -4966,14 +4966,14 @@
       </p:grpSpPr>
       <p:sp>
         <p:nvSpPr>
-          <p:cNvPr id="128" name="CustomShape 1"/>
+          <p:cNvPr id="122" name="CustomShape 1"/>
           <p:cNvSpPr/>
           <p:nvPr/>
         </p:nvSpPr>
         <p:spPr>
           <a:xfrm>
             <a:off x="11444760" y="0"/>
-            <a:ext cx="740880" cy="6849720"/>
+            <a:ext cx="740520" cy="6849360"/>
           </a:xfrm>
           <a:prstGeom prst="rect">
             <a:avLst/>
@@ -5015,14 +5015,14 @@
       </p:sp>
       <p:sp>
         <p:nvSpPr>
-          <p:cNvPr id="129" name="CustomShape 2"/>
+          <p:cNvPr id="123" name="CustomShape 2"/>
           <p:cNvSpPr/>
           <p:nvPr/>
         </p:nvSpPr>
         <p:spPr>
           <a:xfrm>
             <a:off x="11438640" y="6453360"/>
-            <a:ext cx="757800" cy="363960"/>
+            <a:ext cx="757440" cy="363960"/>
           </a:xfrm>
           <a:prstGeom prst="rect">
             <a:avLst/>
@@ -5048,7 +5048,7 @@
                 <a:spcPct val="100000"/>
               </a:lnSpc>
             </a:pPr>
-            <a:fld id="{D747FF52-BA99-41D7-B6F2-9C4EFD4401C4}" type="slidenum">
+            <a:fld id="{0D927425-45E8-49E5-9ED7-83E100BC4648}" type="slidenum">
               <a:rPr b="0" lang="en-US" sz="1800" spc="-1" strike="noStrike">
                 <a:solidFill>
                   <a:srgbClr val="808080"/>
@@ -5069,14 +5069,14 @@
       </p:sp>
       <p:sp>
         <p:nvSpPr>
-          <p:cNvPr id="130" name="CustomShape 3"/>
+          <p:cNvPr id="124" name="CustomShape 3"/>
           <p:cNvSpPr/>
           <p:nvPr/>
         </p:nvSpPr>
         <p:spPr>
           <a:xfrm>
             <a:off x="912240" y="1268280"/>
-            <a:ext cx="9207720" cy="361080"/>
+            <a:ext cx="9207360" cy="360720"/>
           </a:xfrm>
           <a:prstGeom prst="rect">
             <a:avLst/>
@@ -5114,7 +5114,7 @@
       </p:sp>
       <p:pic>
         <p:nvPicPr>
-          <p:cNvPr id="131" name="Picture 19" descr="Logo_TUC_de_RGB"/>
+          <p:cNvPr id="125" name="Picture 19" descr="Logo_TUC_de_RGB"/>
           <p:cNvPicPr/>
           <p:nvPr/>
         </p:nvPicPr>
@@ -5125,7 +5125,7 @@
         <p:spPr>
           <a:xfrm>
             <a:off x="0" y="0"/>
-            <a:ext cx="3051720" cy="561600"/>
+            <a:ext cx="3051360" cy="561240"/>
           </a:xfrm>
           <a:prstGeom prst="rect">
             <a:avLst/>
@@ -5137,7 +5137,7 @@
       </p:pic>
       <p:pic>
         <p:nvPicPr>
-          <p:cNvPr id="132" name="Grafik 2" descr=""/>
+          <p:cNvPr id="126" name="Grafik 2" descr=""/>
           <p:cNvPicPr/>
           <p:nvPr/>
         </p:nvPicPr>
@@ -5148,7 +5148,7 @@
         <p:spPr>
           <a:xfrm>
             <a:off x="7430400" y="134640"/>
-            <a:ext cx="3697560" cy="513720"/>
+            <a:ext cx="3697200" cy="513360"/>
           </a:xfrm>
           <a:prstGeom prst="rect">
             <a:avLst/>
@@ -5160,14 +5160,14 @@
       </p:pic>
       <p:sp>
         <p:nvSpPr>
-          <p:cNvPr id="133" name="CustomShape 4"/>
+          <p:cNvPr id="127" name="CustomShape 4"/>
           <p:cNvSpPr/>
           <p:nvPr/>
         </p:nvSpPr>
         <p:spPr>
           <a:xfrm>
             <a:off x="912240" y="1268280"/>
-            <a:ext cx="9207720" cy="361080"/>
+            <a:ext cx="9207360" cy="360720"/>
           </a:xfrm>
           <a:prstGeom prst="rect">
             <a:avLst/>
@@ -5205,14 +5205,14 @@
       </p:sp>
       <p:sp>
         <p:nvSpPr>
-          <p:cNvPr id="134" name="CustomShape 5"/>
+          <p:cNvPr id="128" name="CustomShape 5"/>
           <p:cNvSpPr/>
           <p:nvPr/>
         </p:nvSpPr>
         <p:spPr>
           <a:xfrm>
             <a:off x="11444760" y="0"/>
-            <a:ext cx="740880" cy="6849720"/>
+            <a:ext cx="740520" cy="6849360"/>
           </a:xfrm>
           <a:prstGeom prst="rect">
             <a:avLst/>
@@ -5254,14 +5254,14 @@
       </p:sp>
       <p:sp>
         <p:nvSpPr>
-          <p:cNvPr id="135" name="CustomShape 6"/>
+          <p:cNvPr id="129" name="CustomShape 6"/>
           <p:cNvSpPr/>
           <p:nvPr/>
         </p:nvSpPr>
         <p:spPr>
           <a:xfrm>
             <a:off x="0" y="6642720"/>
-            <a:ext cx="12183840" cy="211320"/>
+            <a:ext cx="12183480" cy="211320"/>
           </a:xfrm>
           <a:prstGeom prst="rect">
             <a:avLst/>
@@ -5308,7 +5308,7 @@
       </p:sp>
       <p:sp>
         <p:nvSpPr>
-          <p:cNvPr id="136" name="PlaceHolder 1"/>
+          <p:cNvPr id="130" name="PlaceHolder 1"/>
           <p:cNvSpPr>
             <a:spLocks noGrp="1"/>
           </p:cNvSpPr>
@@ -5357,7 +5357,7 @@
       </p:sp>
       <p:sp>
         <p:nvSpPr>
-          <p:cNvPr id="137" name="PlaceHolder 2"/>
+          <p:cNvPr id="131" name="PlaceHolder 2"/>
           <p:cNvSpPr>
             <a:spLocks noGrp="1"/>
           </p:cNvSpPr>
@@ -5582,7 +5582,7 @@
       </p:sp>
       <p:sp>
         <p:nvSpPr>
-          <p:cNvPr id="138" name="PlaceHolder 3"/>
+          <p:cNvPr id="132" name="PlaceHolder 3"/>
           <p:cNvSpPr>
             <a:spLocks noGrp="1"/>
           </p:cNvSpPr>
@@ -5840,14 +5840,14 @@
       </p:grpSpPr>
       <p:sp>
         <p:nvSpPr>
-          <p:cNvPr id="142" name="CustomShape 1"/>
+          <p:cNvPr id="136" name="CustomShape 1"/>
           <p:cNvSpPr/>
           <p:nvPr/>
         </p:nvSpPr>
         <p:spPr>
           <a:xfrm>
             <a:off x="11444760" y="0"/>
-            <a:ext cx="740880" cy="6849720"/>
+            <a:ext cx="740520" cy="6849360"/>
           </a:xfrm>
           <a:prstGeom prst="rect">
             <a:avLst/>
@@ -5889,14 +5889,14 @@
       </p:sp>
       <p:sp>
         <p:nvSpPr>
-          <p:cNvPr id="143" name="CustomShape 2"/>
+          <p:cNvPr id="137" name="CustomShape 2"/>
           <p:cNvSpPr/>
           <p:nvPr/>
         </p:nvSpPr>
         <p:spPr>
           <a:xfrm>
             <a:off x="11438640" y="6453360"/>
-            <a:ext cx="757800" cy="363960"/>
+            <a:ext cx="757440" cy="363960"/>
           </a:xfrm>
           <a:prstGeom prst="rect">
             <a:avLst/>
@@ -5922,7 +5922,7 @@
                 <a:spcPct val="100000"/>
               </a:lnSpc>
             </a:pPr>
-            <a:fld id="{F3C16A2E-72C1-4DC7-B885-56C7201CCD65}" type="slidenum">
+            <a:fld id="{D2F3900C-5F3D-4FFD-B383-70FAC90F9F68}" type="slidenum">
               <a:rPr b="0" lang="en-US" sz="1800" spc="-1" strike="noStrike">
                 <a:solidFill>
                   <a:srgbClr val="808080"/>
@@ -5943,14 +5943,14 @@
       </p:sp>
       <p:sp>
         <p:nvSpPr>
-          <p:cNvPr id="144" name="CustomShape 3"/>
+          <p:cNvPr id="138" name="CustomShape 3"/>
           <p:cNvSpPr/>
           <p:nvPr/>
         </p:nvSpPr>
         <p:spPr>
           <a:xfrm>
             <a:off x="912240" y="1268280"/>
-            <a:ext cx="9207720" cy="361080"/>
+            <a:ext cx="9207360" cy="360720"/>
           </a:xfrm>
           <a:prstGeom prst="rect">
             <a:avLst/>
@@ -5988,7 +5988,7 @@
       </p:sp>
       <p:pic>
         <p:nvPicPr>
-          <p:cNvPr id="145" name="Picture 19" descr="Logo_TUC_de_RGB"/>
+          <p:cNvPr id="139" name="Picture 19" descr="Logo_TUC_de_RGB"/>
           <p:cNvPicPr/>
           <p:nvPr/>
         </p:nvPicPr>
@@ -5999,7 +5999,7 @@
         <p:spPr>
           <a:xfrm>
             <a:off x="0" y="0"/>
-            <a:ext cx="3051720" cy="561600"/>
+            <a:ext cx="3051360" cy="561240"/>
           </a:xfrm>
           <a:prstGeom prst="rect">
             <a:avLst/>
@@ -6011,7 +6011,7 @@
       </p:pic>
       <p:pic>
         <p:nvPicPr>
-          <p:cNvPr id="146" name="Grafik 2" descr=""/>
+          <p:cNvPr id="140" name="Grafik 2" descr=""/>
           <p:cNvPicPr/>
           <p:nvPr/>
         </p:nvPicPr>
@@ -6022,7 +6022,7 @@
         <p:spPr>
           <a:xfrm>
             <a:off x="7430400" y="134640"/>
-            <a:ext cx="3697560" cy="513720"/>
+            <a:ext cx="3697200" cy="513360"/>
           </a:xfrm>
           <a:prstGeom prst="rect">
             <a:avLst/>
@@ -6034,14 +6034,14 @@
       </p:pic>
       <p:sp>
         <p:nvSpPr>
-          <p:cNvPr id="147" name="CustomShape 4"/>
+          <p:cNvPr id="141" name="CustomShape 4"/>
           <p:cNvSpPr/>
           <p:nvPr/>
         </p:nvSpPr>
         <p:spPr>
           <a:xfrm>
             <a:off x="912240" y="1268280"/>
-            <a:ext cx="9207720" cy="361080"/>
+            <a:ext cx="9207360" cy="360720"/>
           </a:xfrm>
           <a:prstGeom prst="rect">
             <a:avLst/>
@@ -6079,14 +6079,14 @@
       </p:sp>
       <p:sp>
         <p:nvSpPr>
-          <p:cNvPr id="148" name="CustomShape 5"/>
+          <p:cNvPr id="142" name="CustomShape 5"/>
           <p:cNvSpPr/>
           <p:nvPr/>
         </p:nvSpPr>
         <p:spPr>
           <a:xfrm>
             <a:off x="11444760" y="0"/>
-            <a:ext cx="740880" cy="6849720"/>
+            <a:ext cx="740520" cy="6849360"/>
           </a:xfrm>
           <a:prstGeom prst="rect">
             <a:avLst/>
@@ -6128,14 +6128,14 @@
       </p:sp>
       <p:sp>
         <p:nvSpPr>
-          <p:cNvPr id="149" name="CustomShape 6"/>
+          <p:cNvPr id="143" name="CustomShape 6"/>
           <p:cNvSpPr/>
           <p:nvPr/>
         </p:nvSpPr>
         <p:spPr>
           <a:xfrm>
             <a:off x="0" y="6642720"/>
-            <a:ext cx="12183840" cy="211320"/>
+            <a:ext cx="12183480" cy="211320"/>
           </a:xfrm>
           <a:prstGeom prst="rect">
             <a:avLst/>
@@ -6182,7 +6182,7 @@
       </p:sp>
       <p:sp>
         <p:nvSpPr>
-          <p:cNvPr id="150" name="PlaceHolder 1"/>
+          <p:cNvPr id="144" name="PlaceHolder 1"/>
           <p:cNvSpPr>
             <a:spLocks noGrp="1"/>
           </p:cNvSpPr>
@@ -6264,14 +6264,14 @@
       </p:grpSpPr>
       <p:sp>
         <p:nvSpPr>
-          <p:cNvPr id="152" name="CustomShape 1"/>
+          <p:cNvPr id="146" name="CustomShape 1"/>
           <p:cNvSpPr/>
           <p:nvPr/>
         </p:nvSpPr>
         <p:spPr>
           <a:xfrm>
             <a:off x="11444760" y="0"/>
-            <a:ext cx="740880" cy="6849720"/>
+            <a:ext cx="740520" cy="6849360"/>
           </a:xfrm>
           <a:prstGeom prst="rect">
             <a:avLst/>
@@ -6313,14 +6313,14 @@
       </p:sp>
       <p:sp>
         <p:nvSpPr>
-          <p:cNvPr id="153" name="CustomShape 2"/>
+          <p:cNvPr id="147" name="CustomShape 2"/>
           <p:cNvSpPr/>
           <p:nvPr/>
         </p:nvSpPr>
         <p:spPr>
           <a:xfrm>
             <a:off x="11438640" y="6453360"/>
-            <a:ext cx="757800" cy="363960"/>
+            <a:ext cx="757440" cy="363960"/>
           </a:xfrm>
           <a:prstGeom prst="rect">
             <a:avLst/>
@@ -6346,7 +6346,7 @@
                 <a:spcPct val="100000"/>
               </a:lnSpc>
             </a:pPr>
-            <a:fld id="{16267C32-AD00-4762-91FA-DF875307AE41}" type="slidenum">
+            <a:fld id="{D054E0C9-46AE-474D-A858-6EFEC589D050}" type="slidenum">
               <a:rPr b="0" lang="en-US" sz="1800" spc="-1" strike="noStrike">
                 <a:solidFill>
                   <a:srgbClr val="808080"/>
@@ -6367,14 +6367,14 @@
       </p:sp>
       <p:sp>
         <p:nvSpPr>
-          <p:cNvPr id="154" name="CustomShape 3"/>
+          <p:cNvPr id="148" name="CustomShape 3"/>
           <p:cNvSpPr/>
           <p:nvPr/>
         </p:nvSpPr>
         <p:spPr>
           <a:xfrm>
             <a:off x="912240" y="1268280"/>
-            <a:ext cx="9207720" cy="361080"/>
+            <a:ext cx="9207360" cy="360720"/>
           </a:xfrm>
           <a:prstGeom prst="rect">
             <a:avLst/>
@@ -6412,7 +6412,7 @@
       </p:sp>
       <p:pic>
         <p:nvPicPr>
-          <p:cNvPr id="155" name="Picture 19" descr="Logo_TUC_de_RGB"/>
+          <p:cNvPr id="149" name="Picture 19" descr="Logo_TUC_de_RGB"/>
           <p:cNvPicPr/>
           <p:nvPr/>
         </p:nvPicPr>
@@ -6423,7 +6423,7 @@
         <p:spPr>
           <a:xfrm>
             <a:off x="0" y="0"/>
-            <a:ext cx="3051720" cy="561600"/>
+            <a:ext cx="3051360" cy="561240"/>
           </a:xfrm>
           <a:prstGeom prst="rect">
             <a:avLst/>
@@ -6435,7 +6435,7 @@
       </p:pic>
       <p:pic>
         <p:nvPicPr>
-          <p:cNvPr id="156" name="Grafik 2" descr=""/>
+          <p:cNvPr id="150" name="Grafik 2" descr=""/>
           <p:cNvPicPr/>
           <p:nvPr/>
         </p:nvPicPr>
@@ -6446,7 +6446,7 @@
         <p:spPr>
           <a:xfrm>
             <a:off x="7430400" y="134640"/>
-            <a:ext cx="3697560" cy="513720"/>
+            <a:ext cx="3697200" cy="513360"/>
           </a:xfrm>
           <a:prstGeom prst="rect">
             <a:avLst/>
@@ -6458,14 +6458,14 @@
       </p:pic>
       <p:sp>
         <p:nvSpPr>
-          <p:cNvPr id="157" name="CustomShape 4"/>
+          <p:cNvPr id="151" name="CustomShape 4"/>
           <p:cNvSpPr/>
           <p:nvPr/>
         </p:nvSpPr>
         <p:spPr>
           <a:xfrm>
             <a:off x="912240" y="1268280"/>
-            <a:ext cx="9207720" cy="361080"/>
+            <a:ext cx="9207360" cy="360720"/>
           </a:xfrm>
           <a:prstGeom prst="rect">
             <a:avLst/>
@@ -6503,14 +6503,14 @@
       </p:sp>
       <p:sp>
         <p:nvSpPr>
-          <p:cNvPr id="158" name="CustomShape 5"/>
+          <p:cNvPr id="152" name="CustomShape 5"/>
           <p:cNvSpPr/>
           <p:nvPr/>
         </p:nvSpPr>
         <p:spPr>
           <a:xfrm>
             <a:off x="11444760" y="0"/>
-            <a:ext cx="740880" cy="6849720"/>
+            <a:ext cx="740520" cy="6849360"/>
           </a:xfrm>
           <a:prstGeom prst="rect">
             <a:avLst/>
@@ -6552,14 +6552,14 @@
       </p:sp>
       <p:sp>
         <p:nvSpPr>
-          <p:cNvPr id="159" name="CustomShape 6"/>
+          <p:cNvPr id="153" name="CustomShape 6"/>
           <p:cNvSpPr/>
           <p:nvPr/>
         </p:nvSpPr>
         <p:spPr>
           <a:xfrm>
             <a:off x="0" y="6642720"/>
-            <a:ext cx="12183840" cy="211320"/>
+            <a:ext cx="12183480" cy="211320"/>
           </a:xfrm>
           <a:prstGeom prst="rect">
             <a:avLst/>
@@ -6639,14 +6639,14 @@
       </p:grpSpPr>
       <p:sp>
         <p:nvSpPr>
-          <p:cNvPr id="160" name="CustomShape 1"/>
+          <p:cNvPr id="154" name="CustomShape 1"/>
           <p:cNvSpPr/>
           <p:nvPr/>
         </p:nvSpPr>
         <p:spPr>
           <a:xfrm>
             <a:off x="11444760" y="0"/>
-            <a:ext cx="740880" cy="6849720"/>
+            <a:ext cx="740520" cy="6849360"/>
           </a:xfrm>
           <a:prstGeom prst="rect">
             <a:avLst/>
@@ -6688,14 +6688,14 @@
       </p:sp>
       <p:sp>
         <p:nvSpPr>
-          <p:cNvPr id="161" name="CustomShape 2"/>
+          <p:cNvPr id="155" name="CustomShape 2"/>
           <p:cNvSpPr/>
           <p:nvPr/>
         </p:nvSpPr>
         <p:spPr>
           <a:xfrm>
             <a:off x="11438640" y="6453360"/>
-            <a:ext cx="757800" cy="363960"/>
+            <a:ext cx="757440" cy="363960"/>
           </a:xfrm>
           <a:prstGeom prst="rect">
             <a:avLst/>
@@ -6721,7 +6721,7 @@
                 <a:spcPct val="100000"/>
               </a:lnSpc>
             </a:pPr>
-            <a:fld id="{7D52EBCA-1899-423F-A69F-DAFFD4FBEA45}" type="slidenum">
+            <a:fld id="{DE184D8D-157B-4A06-A914-ADB30A2857A0}" type="slidenum">
               <a:rPr b="0" lang="en-US" sz="1800" spc="-1" strike="noStrike">
                 <a:solidFill>
                   <a:srgbClr val="808080"/>
@@ -6742,14 +6742,14 @@
       </p:sp>
       <p:sp>
         <p:nvSpPr>
-          <p:cNvPr id="162" name="CustomShape 3"/>
+          <p:cNvPr id="156" name="CustomShape 3"/>
           <p:cNvSpPr/>
           <p:nvPr/>
         </p:nvSpPr>
         <p:spPr>
           <a:xfrm>
             <a:off x="912240" y="1268280"/>
-            <a:ext cx="9207720" cy="361080"/>
+            <a:ext cx="9207360" cy="360720"/>
           </a:xfrm>
           <a:prstGeom prst="rect">
             <a:avLst/>
@@ -6787,7 +6787,7 @@
       </p:sp>
       <p:pic>
         <p:nvPicPr>
-          <p:cNvPr id="163" name="Picture 19" descr="Logo_TUC_de_RGB"/>
+          <p:cNvPr id="157" name="Picture 19" descr="Logo_TUC_de_RGB"/>
           <p:cNvPicPr/>
           <p:nvPr/>
         </p:nvPicPr>
@@ -6798,7 +6798,7 @@
         <p:spPr>
           <a:xfrm>
             <a:off x="0" y="0"/>
-            <a:ext cx="3051720" cy="561600"/>
+            <a:ext cx="3051360" cy="561240"/>
           </a:xfrm>
           <a:prstGeom prst="rect">
             <a:avLst/>
@@ -6810,7 +6810,7 @@
       </p:pic>
       <p:pic>
         <p:nvPicPr>
-          <p:cNvPr id="164" name="Grafik 2" descr=""/>
+          <p:cNvPr id="158" name="Grafik 2" descr=""/>
           <p:cNvPicPr/>
           <p:nvPr/>
         </p:nvPicPr>
@@ -6821,7 +6821,7 @@
         <p:spPr>
           <a:xfrm>
             <a:off x="7430400" y="134640"/>
-            <a:ext cx="3697560" cy="513720"/>
+            <a:ext cx="3697200" cy="513360"/>
           </a:xfrm>
           <a:prstGeom prst="rect">
             <a:avLst/>
@@ -6833,14 +6833,14 @@
       </p:pic>
       <p:sp>
         <p:nvSpPr>
-          <p:cNvPr id="165" name="CustomShape 4"/>
+          <p:cNvPr id="159" name="CustomShape 4"/>
           <p:cNvSpPr/>
           <p:nvPr/>
         </p:nvSpPr>
         <p:spPr>
           <a:xfrm>
             <a:off x="11444760" y="0"/>
-            <a:ext cx="740880" cy="6849720"/>
+            <a:ext cx="740520" cy="6849360"/>
           </a:xfrm>
           <a:prstGeom prst="rect">
             <a:avLst/>
@@ -6882,14 +6882,14 @@
       </p:sp>
       <p:sp>
         <p:nvSpPr>
-          <p:cNvPr id="166" name="CustomShape 5"/>
+          <p:cNvPr id="160" name="CustomShape 5"/>
           <p:cNvSpPr/>
           <p:nvPr/>
         </p:nvSpPr>
         <p:spPr>
           <a:xfrm>
             <a:off x="11438640" y="6453360"/>
-            <a:ext cx="757800" cy="363960"/>
+            <a:ext cx="757440" cy="363960"/>
           </a:xfrm>
           <a:prstGeom prst="rect">
             <a:avLst/>
@@ -6915,7 +6915,7 @@
                 <a:spcPct val="100000"/>
               </a:lnSpc>
             </a:pPr>
-            <a:fld id="{9BCC9920-682D-492A-A453-37EA925FB28C}" type="slidenum">
+            <a:fld id="{A1751C19-3E7F-4534-AD16-479A64484137}" type="slidenum">
               <a:rPr b="0" lang="en-US" sz="1800" spc="-1" strike="noStrike">
                 <a:solidFill>
                   <a:srgbClr val="808080"/>
@@ -6936,14 +6936,14 @@
       </p:sp>
       <p:sp>
         <p:nvSpPr>
-          <p:cNvPr id="167" name="CustomShape 6"/>
+          <p:cNvPr id="161" name="CustomShape 6"/>
           <p:cNvSpPr/>
           <p:nvPr/>
         </p:nvSpPr>
         <p:spPr>
           <a:xfrm>
             <a:off x="0" y="6642720"/>
-            <a:ext cx="12183840" cy="211320"/>
+            <a:ext cx="12183480" cy="211320"/>
           </a:xfrm>
           <a:prstGeom prst="rect">
             <a:avLst/>
@@ -6990,7 +6990,7 @@
       </p:sp>
       <p:sp>
         <p:nvSpPr>
-          <p:cNvPr id="168" name="PlaceHolder 1"/>
+          <p:cNvPr id="162" name="PlaceHolder 1"/>
           <p:cNvSpPr>
             <a:spLocks noGrp="1"/>
           </p:cNvSpPr>
@@ -7039,7 +7039,7 @@
       </p:sp>
       <p:sp>
         <p:nvSpPr>
-          <p:cNvPr id="169" name="PlaceHolder 2"/>
+          <p:cNvPr id="163" name="PlaceHolder 2"/>
           <p:cNvSpPr>
             <a:spLocks noGrp="1"/>
           </p:cNvSpPr>
@@ -7264,7 +7264,7 @@
       </p:sp>
       <p:sp>
         <p:nvSpPr>
-          <p:cNvPr id="170" name="PlaceHolder 3"/>
+          <p:cNvPr id="164" name="PlaceHolder 3"/>
           <p:cNvSpPr>
             <a:spLocks noGrp="1"/>
           </p:cNvSpPr>
@@ -7489,7 +7489,7 @@
       </p:sp>
       <p:sp>
         <p:nvSpPr>
-          <p:cNvPr id="171" name="PlaceHolder 4"/>
+          <p:cNvPr id="165" name="PlaceHolder 4"/>
           <p:cNvSpPr>
             <a:spLocks noGrp="1"/>
           </p:cNvSpPr>
@@ -7747,14 +7747,14 @@
       </p:grpSpPr>
       <p:sp>
         <p:nvSpPr>
-          <p:cNvPr id="176" name="CustomShape 1"/>
+          <p:cNvPr id="170" name="CustomShape 1"/>
           <p:cNvSpPr/>
           <p:nvPr/>
         </p:nvSpPr>
         <p:spPr>
           <a:xfrm>
             <a:off x="11444760" y="0"/>
-            <a:ext cx="740880" cy="6849720"/>
+            <a:ext cx="740520" cy="6849360"/>
           </a:xfrm>
           <a:prstGeom prst="rect">
             <a:avLst/>
@@ -7796,14 +7796,14 @@
       </p:sp>
       <p:sp>
         <p:nvSpPr>
-          <p:cNvPr id="177" name="CustomShape 2"/>
+          <p:cNvPr id="171" name="CustomShape 2"/>
           <p:cNvSpPr/>
           <p:nvPr/>
         </p:nvSpPr>
         <p:spPr>
           <a:xfrm>
             <a:off x="11438640" y="6453360"/>
-            <a:ext cx="757800" cy="363960"/>
+            <a:ext cx="757440" cy="363960"/>
           </a:xfrm>
           <a:prstGeom prst="rect">
             <a:avLst/>
@@ -7829,7 +7829,7 @@
                 <a:spcPct val="100000"/>
               </a:lnSpc>
             </a:pPr>
-            <a:fld id="{2D30310C-BAA1-4EA5-939F-F392FAC9E9FC}" type="slidenum">
+            <a:fld id="{C1F83EB9-2CDE-4778-B355-DF69449C83D4}" type="slidenum">
               <a:rPr b="0" lang="en-US" sz="1800" spc="-1" strike="noStrike">
                 <a:solidFill>
                   <a:srgbClr val="808080"/>
@@ -7850,14 +7850,14 @@
       </p:sp>
       <p:sp>
         <p:nvSpPr>
-          <p:cNvPr id="178" name="CustomShape 3"/>
+          <p:cNvPr id="172" name="CustomShape 3"/>
           <p:cNvSpPr/>
           <p:nvPr/>
         </p:nvSpPr>
         <p:spPr>
           <a:xfrm>
             <a:off x="912240" y="1268280"/>
-            <a:ext cx="9207720" cy="361080"/>
+            <a:ext cx="9207360" cy="360720"/>
           </a:xfrm>
           <a:prstGeom prst="rect">
             <a:avLst/>
@@ -7895,7 +7895,7 @@
       </p:sp>
       <p:pic>
         <p:nvPicPr>
-          <p:cNvPr id="179" name="Picture 19" descr="Logo_TUC_de_RGB"/>
+          <p:cNvPr id="173" name="Picture 19" descr="Logo_TUC_de_RGB"/>
           <p:cNvPicPr/>
           <p:nvPr/>
         </p:nvPicPr>
@@ -7906,7 +7906,7 @@
         <p:spPr>
           <a:xfrm>
             <a:off x="0" y="0"/>
-            <a:ext cx="3051720" cy="561600"/>
+            <a:ext cx="3051360" cy="561240"/>
           </a:xfrm>
           <a:prstGeom prst="rect">
             <a:avLst/>
@@ -7918,7 +7918,7 @@
       </p:pic>
       <p:pic>
         <p:nvPicPr>
-          <p:cNvPr id="180" name="Grafik 2" descr=""/>
+          <p:cNvPr id="174" name="Grafik 2" descr=""/>
           <p:cNvPicPr/>
           <p:nvPr/>
         </p:nvPicPr>
@@ -7929,7 +7929,7 @@
         <p:spPr>
           <a:xfrm>
             <a:off x="7430400" y="134640"/>
-            <a:ext cx="3697560" cy="513720"/>
+            <a:ext cx="3697200" cy="513360"/>
           </a:xfrm>
           <a:prstGeom prst="rect">
             <a:avLst/>
@@ -7941,14 +7941,14 @@
       </p:pic>
       <p:sp>
         <p:nvSpPr>
-          <p:cNvPr id="181" name="CustomShape 4"/>
+          <p:cNvPr id="175" name="CustomShape 4"/>
           <p:cNvSpPr/>
           <p:nvPr/>
         </p:nvSpPr>
         <p:spPr>
           <a:xfrm>
             <a:off x="11444760" y="0"/>
-            <a:ext cx="740880" cy="6849720"/>
+            <a:ext cx="740520" cy="6849360"/>
           </a:xfrm>
           <a:prstGeom prst="rect">
             <a:avLst/>
@@ -7990,14 +7990,14 @@
       </p:sp>
       <p:sp>
         <p:nvSpPr>
-          <p:cNvPr id="182" name="CustomShape 5"/>
+          <p:cNvPr id="176" name="CustomShape 5"/>
           <p:cNvSpPr/>
           <p:nvPr/>
         </p:nvSpPr>
         <p:spPr>
           <a:xfrm>
             <a:off x="11438640" y="6453360"/>
-            <a:ext cx="757800" cy="363960"/>
+            <a:ext cx="757440" cy="363960"/>
           </a:xfrm>
           <a:prstGeom prst="rect">
             <a:avLst/>
@@ -8023,7 +8023,7 @@
                 <a:spcPct val="100000"/>
               </a:lnSpc>
             </a:pPr>
-            <a:fld id="{1DE3F55A-86CF-4AFD-95A1-6EF9A4654CBE}" type="slidenum">
+            <a:fld id="{C5A5A88B-9FBA-4AD9-AFEC-A42BDB807EB6}" type="slidenum">
               <a:rPr b="0" lang="en-US" sz="1800" spc="-1" strike="noStrike">
                 <a:solidFill>
                   <a:srgbClr val="808080"/>
@@ -8044,14 +8044,14 @@
       </p:sp>
       <p:sp>
         <p:nvSpPr>
-          <p:cNvPr id="183" name="CustomShape 6"/>
+          <p:cNvPr id="177" name="CustomShape 6"/>
           <p:cNvSpPr/>
           <p:nvPr/>
         </p:nvSpPr>
         <p:spPr>
           <a:xfrm>
             <a:off x="0" y="6642720"/>
-            <a:ext cx="12183840" cy="211320"/>
+            <a:ext cx="12183480" cy="211320"/>
           </a:xfrm>
           <a:prstGeom prst="rect">
             <a:avLst/>
@@ -8098,7 +8098,7 @@
       </p:sp>
       <p:sp>
         <p:nvSpPr>
-          <p:cNvPr id="184" name="PlaceHolder 1"/>
+          <p:cNvPr id="178" name="PlaceHolder 1"/>
           <p:cNvSpPr>
             <a:spLocks noGrp="1"/>
           </p:cNvSpPr>
@@ -8147,7 +8147,7 @@
       </p:sp>
       <p:sp>
         <p:nvSpPr>
-          <p:cNvPr id="185" name="PlaceHolder 2"/>
+          <p:cNvPr id="179" name="PlaceHolder 2"/>
           <p:cNvSpPr>
             <a:spLocks noGrp="1"/>
           </p:cNvSpPr>
@@ -8372,7 +8372,7 @@
       </p:sp>
       <p:sp>
         <p:nvSpPr>
-          <p:cNvPr id="186" name="PlaceHolder 3"/>
+          <p:cNvPr id="180" name="PlaceHolder 3"/>
           <p:cNvSpPr>
             <a:spLocks noGrp="1"/>
           </p:cNvSpPr>
@@ -8597,7 +8597,7 @@
       </p:sp>
       <p:sp>
         <p:nvSpPr>
-          <p:cNvPr id="187" name="PlaceHolder 4"/>
+          <p:cNvPr id="181" name="PlaceHolder 4"/>
           <p:cNvSpPr>
             <a:spLocks noGrp="1"/>
           </p:cNvSpPr>
@@ -8855,14 +8855,14 @@
       </p:grpSpPr>
       <p:sp>
         <p:nvSpPr>
-          <p:cNvPr id="192" name="CustomShape 1"/>
+          <p:cNvPr id="186" name="CustomShape 1"/>
           <p:cNvSpPr/>
           <p:nvPr/>
         </p:nvSpPr>
         <p:spPr>
           <a:xfrm>
             <a:off x="11444760" y="0"/>
-            <a:ext cx="740880" cy="6849720"/>
+            <a:ext cx="740520" cy="6849360"/>
           </a:xfrm>
           <a:prstGeom prst="rect">
             <a:avLst/>
@@ -8904,14 +8904,14 @@
       </p:sp>
       <p:sp>
         <p:nvSpPr>
-          <p:cNvPr id="193" name="CustomShape 2"/>
+          <p:cNvPr id="187" name="CustomShape 2"/>
           <p:cNvSpPr/>
           <p:nvPr/>
         </p:nvSpPr>
         <p:spPr>
           <a:xfrm>
             <a:off x="11438640" y="6453360"/>
-            <a:ext cx="757800" cy="363960"/>
+            <a:ext cx="757440" cy="363960"/>
           </a:xfrm>
           <a:prstGeom prst="rect">
             <a:avLst/>
@@ -8937,7 +8937,7 @@
                 <a:spcPct val="100000"/>
               </a:lnSpc>
             </a:pPr>
-            <a:fld id="{34C1F95D-2663-45F4-AA51-3632028BADF3}" type="slidenum">
+            <a:fld id="{D475C089-E071-49D2-A46C-CF111E33511E}" type="slidenum">
               <a:rPr b="0" lang="en-US" sz="1800" spc="-1" strike="noStrike">
                 <a:solidFill>
                   <a:srgbClr val="808080"/>
@@ -8958,14 +8958,14 @@
       </p:sp>
       <p:sp>
         <p:nvSpPr>
-          <p:cNvPr id="194" name="CustomShape 3"/>
+          <p:cNvPr id="188" name="CustomShape 3"/>
           <p:cNvSpPr/>
           <p:nvPr/>
         </p:nvSpPr>
         <p:spPr>
           <a:xfrm>
             <a:off x="912240" y="1268280"/>
-            <a:ext cx="9207720" cy="361080"/>
+            <a:ext cx="9207360" cy="360720"/>
           </a:xfrm>
           <a:prstGeom prst="rect">
             <a:avLst/>
@@ -9003,7 +9003,7 @@
       </p:sp>
       <p:pic>
         <p:nvPicPr>
-          <p:cNvPr id="195" name="Picture 19" descr="Logo_TUC_de_RGB"/>
+          <p:cNvPr id="189" name="Picture 19" descr="Logo_TUC_de_RGB"/>
           <p:cNvPicPr/>
           <p:nvPr/>
         </p:nvPicPr>
@@ -9014,7 +9014,7 @@
         <p:spPr>
           <a:xfrm>
             <a:off x="0" y="0"/>
-            <a:ext cx="3051720" cy="561600"/>
+            <a:ext cx="3051360" cy="561240"/>
           </a:xfrm>
           <a:prstGeom prst="rect">
             <a:avLst/>
@@ -9026,7 +9026,7 @@
       </p:pic>
       <p:pic>
         <p:nvPicPr>
-          <p:cNvPr id="196" name="Grafik 2" descr=""/>
+          <p:cNvPr id="190" name="Grafik 2" descr=""/>
           <p:cNvPicPr/>
           <p:nvPr/>
         </p:nvPicPr>
@@ -9037,7 +9037,7 @@
         <p:spPr>
           <a:xfrm>
             <a:off x="7430400" y="134640"/>
-            <a:ext cx="3697560" cy="513720"/>
+            <a:ext cx="3697200" cy="513360"/>
           </a:xfrm>
           <a:prstGeom prst="rect">
             <a:avLst/>
@@ -9049,14 +9049,14 @@
       </p:pic>
       <p:sp>
         <p:nvSpPr>
-          <p:cNvPr id="197" name="CustomShape 4"/>
+          <p:cNvPr id="191" name="CustomShape 4"/>
           <p:cNvSpPr/>
           <p:nvPr/>
         </p:nvSpPr>
         <p:spPr>
           <a:xfrm>
             <a:off x="11444760" y="0"/>
-            <a:ext cx="740880" cy="6849720"/>
+            <a:ext cx="740520" cy="6849360"/>
           </a:xfrm>
           <a:prstGeom prst="rect">
             <a:avLst/>
@@ -9098,14 +9098,14 @@
       </p:sp>
       <p:sp>
         <p:nvSpPr>
-          <p:cNvPr id="198" name="CustomShape 5"/>
+          <p:cNvPr id="192" name="CustomShape 5"/>
           <p:cNvSpPr/>
           <p:nvPr/>
         </p:nvSpPr>
         <p:spPr>
           <a:xfrm>
             <a:off x="11438640" y="6453360"/>
-            <a:ext cx="757800" cy="363960"/>
+            <a:ext cx="757440" cy="363960"/>
           </a:xfrm>
           <a:prstGeom prst="rect">
             <a:avLst/>
@@ -9131,7 +9131,7 @@
                 <a:spcPct val="100000"/>
               </a:lnSpc>
             </a:pPr>
-            <a:fld id="{ACF2F7A9-A269-4D09-8519-BD7643B71886}" type="slidenum">
+            <a:fld id="{76136D2C-0E84-4C49-A08D-00778E04AD2E}" type="slidenum">
               <a:rPr b="0" lang="en-US" sz="1800" spc="-1" strike="noStrike">
                 <a:solidFill>
                   <a:srgbClr val="808080"/>
@@ -9152,14 +9152,14 @@
       </p:sp>
       <p:sp>
         <p:nvSpPr>
-          <p:cNvPr id="199" name="CustomShape 6"/>
+          <p:cNvPr id="193" name="CustomShape 6"/>
           <p:cNvSpPr/>
           <p:nvPr/>
         </p:nvSpPr>
         <p:spPr>
           <a:xfrm>
             <a:off x="0" y="6642720"/>
-            <a:ext cx="12183840" cy="211320"/>
+            <a:ext cx="12183480" cy="211320"/>
           </a:xfrm>
           <a:prstGeom prst="rect">
             <a:avLst/>
@@ -9206,7 +9206,7 @@
       </p:sp>
       <p:sp>
         <p:nvSpPr>
-          <p:cNvPr id="200" name="PlaceHolder 1"/>
+          <p:cNvPr id="194" name="PlaceHolder 1"/>
           <p:cNvSpPr>
             <a:spLocks noGrp="1"/>
           </p:cNvSpPr>
@@ -9255,7 +9255,7 @@
       </p:sp>
       <p:sp>
         <p:nvSpPr>
-          <p:cNvPr id="201" name="PlaceHolder 2"/>
+          <p:cNvPr id="195" name="PlaceHolder 2"/>
           <p:cNvSpPr>
             <a:spLocks noGrp="1"/>
           </p:cNvSpPr>
@@ -9480,7 +9480,7 @@
       </p:sp>
       <p:sp>
         <p:nvSpPr>
-          <p:cNvPr id="202" name="PlaceHolder 3"/>
+          <p:cNvPr id="196" name="PlaceHolder 3"/>
           <p:cNvSpPr>
             <a:spLocks noGrp="1"/>
           </p:cNvSpPr>
@@ -9705,7 +9705,7 @@
       </p:sp>
       <p:sp>
         <p:nvSpPr>
-          <p:cNvPr id="203" name="PlaceHolder 4"/>
+          <p:cNvPr id="197" name="PlaceHolder 4"/>
           <p:cNvSpPr>
             <a:spLocks noGrp="1"/>
           </p:cNvSpPr>
@@ -9963,14 +9963,14 @@
       </p:grpSpPr>
       <p:sp>
         <p:nvSpPr>
-          <p:cNvPr id="208" name="CustomShape 1"/>
+          <p:cNvPr id="202" name="CustomShape 1"/>
           <p:cNvSpPr/>
           <p:nvPr/>
         </p:nvSpPr>
         <p:spPr>
           <a:xfrm>
             <a:off x="11444760" y="0"/>
-            <a:ext cx="740880" cy="6849720"/>
+            <a:ext cx="740520" cy="6849360"/>
           </a:xfrm>
           <a:prstGeom prst="rect">
             <a:avLst/>
@@ -10012,14 +10012,14 @@
       </p:sp>
       <p:sp>
         <p:nvSpPr>
-          <p:cNvPr id="209" name="CustomShape 2"/>
+          <p:cNvPr id="203" name="CustomShape 2"/>
           <p:cNvSpPr/>
           <p:nvPr/>
         </p:nvSpPr>
         <p:spPr>
           <a:xfrm>
             <a:off x="11438640" y="6453360"/>
-            <a:ext cx="757800" cy="363960"/>
+            <a:ext cx="757440" cy="363960"/>
           </a:xfrm>
           <a:prstGeom prst="rect">
             <a:avLst/>
@@ -10045,7 +10045,7 @@
                 <a:spcPct val="100000"/>
               </a:lnSpc>
             </a:pPr>
-            <a:fld id="{5FC8A2F2-B9CB-4F65-B92E-3E7F8901E4E7}" type="slidenum">
+            <a:fld id="{87586F8D-4EA8-40FD-9E2D-C54F4B4D270C}" type="slidenum">
               <a:rPr b="0" lang="en-US" sz="1800" spc="-1" strike="noStrike">
                 <a:solidFill>
                   <a:srgbClr val="808080"/>
@@ -10066,14 +10066,14 @@
       </p:sp>
       <p:sp>
         <p:nvSpPr>
-          <p:cNvPr id="210" name="CustomShape 3"/>
+          <p:cNvPr id="204" name="CustomShape 3"/>
           <p:cNvSpPr/>
           <p:nvPr/>
         </p:nvSpPr>
         <p:spPr>
           <a:xfrm>
             <a:off x="912240" y="1268280"/>
-            <a:ext cx="9207720" cy="361080"/>
+            <a:ext cx="9207360" cy="360720"/>
           </a:xfrm>
           <a:prstGeom prst="rect">
             <a:avLst/>
@@ -10111,7 +10111,7 @@
       </p:sp>
       <p:pic>
         <p:nvPicPr>
-          <p:cNvPr id="211" name="Picture 19" descr="Logo_TUC_de_RGB"/>
+          <p:cNvPr id="205" name="Picture 19" descr="Logo_TUC_de_RGB"/>
           <p:cNvPicPr/>
           <p:nvPr/>
         </p:nvPicPr>
@@ -10122,7 +10122,7 @@
         <p:spPr>
           <a:xfrm>
             <a:off x="0" y="0"/>
-            <a:ext cx="3051720" cy="561600"/>
+            <a:ext cx="3051360" cy="561240"/>
           </a:xfrm>
           <a:prstGeom prst="rect">
             <a:avLst/>
@@ -10134,7 +10134,7 @@
       </p:pic>
       <p:pic>
         <p:nvPicPr>
-          <p:cNvPr id="212" name="Grafik 2" descr=""/>
+          <p:cNvPr id="206" name="Grafik 2" descr=""/>
           <p:cNvPicPr/>
           <p:nvPr/>
         </p:nvPicPr>
@@ -10145,7 +10145,7 @@
         <p:spPr>
           <a:xfrm>
             <a:off x="7430400" y="134640"/>
-            <a:ext cx="3697560" cy="513720"/>
+            <a:ext cx="3697200" cy="513360"/>
           </a:xfrm>
           <a:prstGeom prst="rect">
             <a:avLst/>
@@ -10157,14 +10157,14 @@
       </p:pic>
       <p:sp>
         <p:nvSpPr>
-          <p:cNvPr id="213" name="CustomShape 4"/>
+          <p:cNvPr id="207" name="CustomShape 4"/>
           <p:cNvSpPr/>
           <p:nvPr/>
         </p:nvSpPr>
         <p:spPr>
           <a:xfrm>
             <a:off x="11444760" y="0"/>
-            <a:ext cx="740880" cy="6849720"/>
+            <a:ext cx="740520" cy="6849360"/>
           </a:xfrm>
           <a:prstGeom prst="rect">
             <a:avLst/>
@@ -10206,14 +10206,14 @@
       </p:sp>
       <p:sp>
         <p:nvSpPr>
-          <p:cNvPr id="214" name="CustomShape 5"/>
+          <p:cNvPr id="208" name="CustomShape 5"/>
           <p:cNvSpPr/>
           <p:nvPr/>
         </p:nvSpPr>
         <p:spPr>
           <a:xfrm>
             <a:off x="11438640" y="6453360"/>
-            <a:ext cx="757800" cy="363960"/>
+            <a:ext cx="757440" cy="363960"/>
           </a:xfrm>
           <a:prstGeom prst="rect">
             <a:avLst/>
@@ -10239,7 +10239,7 @@
                 <a:spcPct val="100000"/>
               </a:lnSpc>
             </a:pPr>
-            <a:fld id="{2EE69285-6AF4-4123-B117-40759370D3BF}" type="slidenum">
+            <a:fld id="{59C28CF8-D922-4584-B567-7A3B2CA48AB6}" type="slidenum">
               <a:rPr b="0" lang="en-US" sz="1800" spc="-1" strike="noStrike">
                 <a:solidFill>
                   <a:srgbClr val="808080"/>
@@ -10260,14 +10260,14 @@
       </p:sp>
       <p:sp>
         <p:nvSpPr>
-          <p:cNvPr id="215" name="CustomShape 6"/>
+          <p:cNvPr id="209" name="CustomShape 6"/>
           <p:cNvSpPr/>
           <p:nvPr/>
         </p:nvSpPr>
         <p:spPr>
           <a:xfrm>
             <a:off x="0" y="6642720"/>
-            <a:ext cx="12183840" cy="211320"/>
+            <a:ext cx="12183480" cy="211320"/>
           </a:xfrm>
           <a:prstGeom prst="rect">
             <a:avLst/>
@@ -10314,7 +10314,7 @@
       </p:sp>
       <p:sp>
         <p:nvSpPr>
-          <p:cNvPr id="216" name="PlaceHolder 1"/>
+          <p:cNvPr id="210" name="PlaceHolder 1"/>
           <p:cNvSpPr>
             <a:spLocks noGrp="1"/>
           </p:cNvSpPr>
@@ -10363,7 +10363,7 @@
       </p:sp>
       <p:sp>
         <p:nvSpPr>
-          <p:cNvPr id="217" name="PlaceHolder 2"/>
+          <p:cNvPr id="211" name="PlaceHolder 2"/>
           <p:cNvSpPr>
             <a:spLocks noGrp="1"/>
           </p:cNvSpPr>
@@ -10588,7 +10588,7 @@
       </p:sp>
       <p:sp>
         <p:nvSpPr>
-          <p:cNvPr id="218" name="PlaceHolder 3"/>
+          <p:cNvPr id="212" name="PlaceHolder 3"/>
           <p:cNvSpPr>
             <a:spLocks noGrp="1"/>
           </p:cNvSpPr>
@@ -10846,14 +10846,14 @@
       </p:grpSpPr>
       <p:sp>
         <p:nvSpPr>
-          <p:cNvPr id="222" name="CustomShape 1"/>
+          <p:cNvPr id="216" name="CustomShape 1"/>
           <p:cNvSpPr/>
           <p:nvPr/>
         </p:nvSpPr>
         <p:spPr>
           <a:xfrm>
             <a:off x="11444760" y="0"/>
-            <a:ext cx="740880" cy="6849720"/>
+            <a:ext cx="740520" cy="6849360"/>
           </a:xfrm>
           <a:prstGeom prst="rect">
             <a:avLst/>
@@ -10895,14 +10895,14 @@
       </p:sp>
       <p:sp>
         <p:nvSpPr>
-          <p:cNvPr id="223" name="CustomShape 2"/>
+          <p:cNvPr id="217" name="CustomShape 2"/>
           <p:cNvSpPr/>
           <p:nvPr/>
         </p:nvSpPr>
         <p:spPr>
           <a:xfrm>
             <a:off x="11438640" y="6453360"/>
-            <a:ext cx="757800" cy="363960"/>
+            <a:ext cx="757440" cy="363960"/>
           </a:xfrm>
           <a:prstGeom prst="rect">
             <a:avLst/>
@@ -10928,7 +10928,7 @@
                 <a:spcPct val="100000"/>
               </a:lnSpc>
             </a:pPr>
-            <a:fld id="{606DEF54-592A-461E-8EB1-9DA95E48FD45}" type="slidenum">
+            <a:fld id="{CF61CD8D-6CF7-415A-B005-43CA9CDA0640}" type="slidenum">
               <a:rPr b="0" lang="en-US" sz="1800" spc="-1" strike="noStrike">
                 <a:solidFill>
                   <a:srgbClr val="808080"/>
@@ -10949,14 +10949,14 @@
       </p:sp>
       <p:sp>
         <p:nvSpPr>
-          <p:cNvPr id="224" name="CustomShape 3"/>
+          <p:cNvPr id="218" name="CustomShape 3"/>
           <p:cNvSpPr/>
           <p:nvPr/>
         </p:nvSpPr>
         <p:spPr>
           <a:xfrm>
             <a:off x="912240" y="1268280"/>
-            <a:ext cx="9207720" cy="361080"/>
+            <a:ext cx="9207360" cy="360720"/>
           </a:xfrm>
           <a:prstGeom prst="rect">
             <a:avLst/>
@@ -10994,7 +10994,7 @@
       </p:sp>
       <p:pic>
         <p:nvPicPr>
-          <p:cNvPr id="225" name="Picture 19" descr="Logo_TUC_de_RGB"/>
+          <p:cNvPr id="219" name="Picture 19" descr="Logo_TUC_de_RGB"/>
           <p:cNvPicPr/>
           <p:nvPr/>
         </p:nvPicPr>
@@ -11005,7 +11005,7 @@
         <p:spPr>
           <a:xfrm>
             <a:off x="0" y="0"/>
-            <a:ext cx="3051720" cy="561600"/>
+            <a:ext cx="3051360" cy="561240"/>
           </a:xfrm>
           <a:prstGeom prst="rect">
             <a:avLst/>
@@ -11017,7 +11017,7 @@
       </p:pic>
       <p:pic>
         <p:nvPicPr>
-          <p:cNvPr id="226" name="Grafik 2" descr=""/>
+          <p:cNvPr id="220" name="Grafik 2" descr=""/>
           <p:cNvPicPr/>
           <p:nvPr/>
         </p:nvPicPr>
@@ -11028,7 +11028,7 @@
         <p:spPr>
           <a:xfrm>
             <a:off x="7430400" y="134640"/>
-            <a:ext cx="3697560" cy="513720"/>
+            <a:ext cx="3697200" cy="513360"/>
           </a:xfrm>
           <a:prstGeom prst="rect">
             <a:avLst/>
@@ -11040,14 +11040,14 @@
       </p:pic>
       <p:sp>
         <p:nvSpPr>
-          <p:cNvPr id="227" name="CustomShape 4"/>
+          <p:cNvPr id="221" name="CustomShape 4"/>
           <p:cNvSpPr/>
           <p:nvPr/>
         </p:nvSpPr>
         <p:spPr>
           <a:xfrm>
             <a:off x="11444760" y="0"/>
-            <a:ext cx="740880" cy="6849720"/>
+            <a:ext cx="740520" cy="6849360"/>
           </a:xfrm>
           <a:prstGeom prst="rect">
             <a:avLst/>
@@ -11089,14 +11089,14 @@
       </p:sp>
       <p:sp>
         <p:nvSpPr>
-          <p:cNvPr id="228" name="CustomShape 5"/>
+          <p:cNvPr id="222" name="CustomShape 5"/>
           <p:cNvSpPr/>
           <p:nvPr/>
         </p:nvSpPr>
         <p:spPr>
           <a:xfrm>
             <a:off x="11438640" y="6453360"/>
-            <a:ext cx="757800" cy="363960"/>
+            <a:ext cx="757440" cy="363960"/>
           </a:xfrm>
           <a:prstGeom prst="rect">
             <a:avLst/>
@@ -11122,7 +11122,7 @@
                 <a:spcPct val="100000"/>
               </a:lnSpc>
             </a:pPr>
-            <a:fld id="{8564AAE6-96A7-4935-AE5A-6C5236F6C7E9}" type="slidenum">
+            <a:fld id="{05884315-0469-4FE6-A35C-890F9F9A5B6C}" type="slidenum">
               <a:rPr b="0" lang="en-US" sz="1800" spc="-1" strike="noStrike">
                 <a:solidFill>
                   <a:srgbClr val="808080"/>
@@ -11143,14 +11143,14 @@
       </p:sp>
       <p:sp>
         <p:nvSpPr>
-          <p:cNvPr id="229" name="CustomShape 6"/>
+          <p:cNvPr id="223" name="CustomShape 6"/>
           <p:cNvSpPr/>
           <p:nvPr/>
         </p:nvSpPr>
         <p:spPr>
           <a:xfrm>
             <a:off x="0" y="6642720"/>
-            <a:ext cx="12183840" cy="211320"/>
+            <a:ext cx="12183480" cy="211320"/>
           </a:xfrm>
           <a:prstGeom prst="rect">
             <a:avLst/>
@@ -11197,7 +11197,7 @@
       </p:sp>
       <p:sp>
         <p:nvSpPr>
-          <p:cNvPr id="230" name="PlaceHolder 1"/>
+          <p:cNvPr id="224" name="PlaceHolder 1"/>
           <p:cNvSpPr>
             <a:spLocks noGrp="1"/>
           </p:cNvSpPr>
@@ -11246,7 +11246,7 @@
       </p:sp>
       <p:sp>
         <p:nvSpPr>
-          <p:cNvPr id="231" name="PlaceHolder 2"/>
+          <p:cNvPr id="225" name="PlaceHolder 2"/>
           <p:cNvSpPr>
             <a:spLocks noGrp="1"/>
           </p:cNvSpPr>
@@ -11471,7 +11471,7 @@
       </p:sp>
       <p:sp>
         <p:nvSpPr>
-          <p:cNvPr id="232" name="PlaceHolder 3"/>
+          <p:cNvPr id="226" name="PlaceHolder 3"/>
           <p:cNvSpPr>
             <a:spLocks noGrp="1"/>
           </p:cNvSpPr>
@@ -11696,7 +11696,7 @@
       </p:sp>
       <p:sp>
         <p:nvSpPr>
-          <p:cNvPr id="233" name="PlaceHolder 4"/>
+          <p:cNvPr id="227" name="PlaceHolder 4"/>
           <p:cNvSpPr>
             <a:spLocks noGrp="1"/>
           </p:cNvSpPr>
@@ -11921,7 +11921,7 @@
       </p:sp>
       <p:sp>
         <p:nvSpPr>
-          <p:cNvPr id="234" name="PlaceHolder 5"/>
+          <p:cNvPr id="228" name="PlaceHolder 5"/>
           <p:cNvSpPr>
             <a:spLocks noGrp="1"/>
           </p:cNvSpPr>
@@ -12179,14 +12179,14 @@
       </p:grpSpPr>
       <p:sp>
         <p:nvSpPr>
-          <p:cNvPr id="240" name="CustomShape 1"/>
+          <p:cNvPr id="234" name="CustomShape 1"/>
           <p:cNvSpPr/>
           <p:nvPr/>
         </p:nvSpPr>
         <p:spPr>
           <a:xfrm>
             <a:off x="11444760" y="0"/>
-            <a:ext cx="740880" cy="6849720"/>
+            <a:ext cx="740520" cy="6849360"/>
           </a:xfrm>
           <a:prstGeom prst="rect">
             <a:avLst/>
@@ -12228,14 +12228,14 @@
       </p:sp>
       <p:sp>
         <p:nvSpPr>
-          <p:cNvPr id="241" name="CustomShape 2"/>
+          <p:cNvPr id="235" name="CustomShape 2"/>
           <p:cNvSpPr/>
           <p:nvPr/>
         </p:nvSpPr>
         <p:spPr>
           <a:xfrm>
             <a:off x="11438640" y="6453360"/>
-            <a:ext cx="757800" cy="363960"/>
+            <a:ext cx="757440" cy="363960"/>
           </a:xfrm>
           <a:prstGeom prst="rect">
             <a:avLst/>
@@ -12261,7 +12261,7 @@
                 <a:spcPct val="100000"/>
               </a:lnSpc>
             </a:pPr>
-            <a:fld id="{1790F3E2-7934-45F3-9C83-397F97C6DFDD}" type="slidenum">
+            <a:fld id="{AC9BD33B-3B3A-40BC-90CF-5E4B984F3D0E}" type="slidenum">
               <a:rPr b="0" lang="en-US" sz="1800" spc="-1" strike="noStrike">
                 <a:solidFill>
                   <a:srgbClr val="808080"/>
@@ -12282,14 +12282,14 @@
       </p:sp>
       <p:sp>
         <p:nvSpPr>
-          <p:cNvPr id="242" name="CustomShape 3"/>
+          <p:cNvPr id="236" name="CustomShape 3"/>
           <p:cNvSpPr/>
           <p:nvPr/>
         </p:nvSpPr>
         <p:spPr>
           <a:xfrm>
             <a:off x="912240" y="1268280"/>
-            <a:ext cx="9207720" cy="361080"/>
+            <a:ext cx="9207360" cy="360720"/>
           </a:xfrm>
           <a:prstGeom prst="rect">
             <a:avLst/>
@@ -12327,7 +12327,7 @@
       </p:sp>
       <p:pic>
         <p:nvPicPr>
-          <p:cNvPr id="243" name="Picture 19" descr="Logo_TUC_de_RGB"/>
+          <p:cNvPr id="237" name="Picture 19" descr="Logo_TUC_de_RGB"/>
           <p:cNvPicPr/>
           <p:nvPr/>
         </p:nvPicPr>
@@ -12338,7 +12338,7 @@
         <p:spPr>
           <a:xfrm>
             <a:off x="0" y="0"/>
-            <a:ext cx="3051720" cy="561600"/>
+            <a:ext cx="3051360" cy="561240"/>
           </a:xfrm>
           <a:prstGeom prst="rect">
             <a:avLst/>
@@ -12350,7 +12350,7 @@
       </p:pic>
       <p:pic>
         <p:nvPicPr>
-          <p:cNvPr id="244" name="Grafik 2" descr=""/>
+          <p:cNvPr id="238" name="Grafik 2" descr=""/>
           <p:cNvPicPr/>
           <p:nvPr/>
         </p:nvPicPr>
@@ -12361,7 +12361,7 @@
         <p:spPr>
           <a:xfrm>
             <a:off x="7430400" y="134640"/>
-            <a:ext cx="3697560" cy="513720"/>
+            <a:ext cx="3697200" cy="513360"/>
           </a:xfrm>
           <a:prstGeom prst="rect">
             <a:avLst/>
@@ -12373,14 +12373,14 @@
       </p:pic>
       <p:sp>
         <p:nvSpPr>
-          <p:cNvPr id="245" name="CustomShape 4"/>
+          <p:cNvPr id="239" name="CustomShape 4"/>
           <p:cNvSpPr/>
           <p:nvPr/>
         </p:nvSpPr>
         <p:spPr>
           <a:xfrm>
             <a:off x="11444760" y="0"/>
-            <a:ext cx="740880" cy="6849720"/>
+            <a:ext cx="740520" cy="6849360"/>
           </a:xfrm>
           <a:prstGeom prst="rect">
             <a:avLst/>
@@ -12422,14 +12422,14 @@
       </p:sp>
       <p:sp>
         <p:nvSpPr>
-          <p:cNvPr id="246" name="CustomShape 5"/>
+          <p:cNvPr id="240" name="CustomShape 5"/>
           <p:cNvSpPr/>
           <p:nvPr/>
         </p:nvSpPr>
         <p:spPr>
           <a:xfrm>
             <a:off x="11438640" y="6453360"/>
-            <a:ext cx="757800" cy="363960"/>
+            <a:ext cx="757440" cy="363960"/>
           </a:xfrm>
           <a:prstGeom prst="rect">
             <a:avLst/>
@@ -12455,7 +12455,7 @@
                 <a:spcPct val="100000"/>
               </a:lnSpc>
             </a:pPr>
-            <a:fld id="{D81AAF70-AE2B-4AF0-9541-C032372B88FB}" type="slidenum">
+            <a:fld id="{0CC62347-8F3C-4FDB-8C3E-078CCEB90434}" type="slidenum">
               <a:rPr b="0" lang="en-US" sz="1800" spc="-1" strike="noStrike">
                 <a:solidFill>
                   <a:srgbClr val="808080"/>
@@ -12476,14 +12476,14 @@
       </p:sp>
       <p:sp>
         <p:nvSpPr>
-          <p:cNvPr id="247" name="CustomShape 6"/>
+          <p:cNvPr id="241" name="CustomShape 6"/>
           <p:cNvSpPr/>
           <p:nvPr/>
         </p:nvSpPr>
         <p:spPr>
           <a:xfrm>
             <a:off x="0" y="6642720"/>
-            <a:ext cx="12183840" cy="211320"/>
+            <a:ext cx="12183480" cy="211320"/>
           </a:xfrm>
           <a:prstGeom prst="rect">
             <a:avLst/>
@@ -12520,1405 +12520,6 @@
               <a:t>Requirements Engineering – TU Clausthal</a:t>
             </a:r>
             <a:endParaRPr b="0" lang="en-GB" sz="800" spc="-1" strike="noStrike">
-              <a:solidFill>
-                <a:srgbClr val="000000"/>
-              </a:solidFill>
-              <a:latin typeface="Arial"/>
-            </a:endParaRPr>
-          </a:p>
-        </p:txBody>
-      </p:sp>
-      <p:sp>
-        <p:nvSpPr>
-          <p:cNvPr id="248" name="PlaceHolder 1"/>
-          <p:cNvSpPr>
-            <a:spLocks noGrp="1"/>
-          </p:cNvSpPr>
-          <p:nvPr>
-            <p:ph type="title"/>
-          </p:nvPr>
-        </p:nvSpPr>
-        <p:spPr>
-          <a:xfrm>
-            <a:off x="609480" y="273600"/>
-            <a:ext cx="10972080" cy="1144440"/>
-          </a:xfrm>
-          <a:prstGeom prst="rect">
-            <a:avLst/>
-          </a:prstGeom>
-          <a:noFill/>
-          <a:ln w="0">
-            <a:noFill/>
-          </a:ln>
-        </p:spPr>
-        <p:txBody>
-          <a:bodyPr lIns="0" rIns="0" tIns="0" bIns="0" anchor="ctr">
-            <a:noAutofit/>
-          </a:bodyPr>
-          <a:p>
-            <a:pPr indent="0">
-              <a:buNone/>
-            </a:pPr>
-            <a:r>
-              <a:rPr b="0" lang="en-GB" sz="1800" spc="-1" strike="noStrike">
-                <a:solidFill>
-                  <a:srgbClr val="000000"/>
-                </a:solidFill>
-                <a:latin typeface="Arial"/>
-              </a:rPr>
-              <a:t>Click to edit the title text format</a:t>
-            </a:r>
-            <a:endParaRPr b="0" lang="en-GB" sz="1800" spc="-1" strike="noStrike">
-              <a:solidFill>
-                <a:srgbClr val="000000"/>
-              </a:solidFill>
-              <a:latin typeface="Arial"/>
-            </a:endParaRPr>
-          </a:p>
-        </p:txBody>
-      </p:sp>
-      <p:sp>
-        <p:nvSpPr>
-          <p:cNvPr id="249" name="PlaceHolder 2"/>
-          <p:cNvSpPr>
-            <a:spLocks noGrp="1"/>
-          </p:cNvSpPr>
-          <p:nvPr>
-            <p:ph type="body"/>
-          </p:nvPr>
-        </p:nvSpPr>
-        <p:spPr>
-          <a:xfrm>
-            <a:off x="609480" y="1604520"/>
-            <a:ext cx="3532680" cy="1896480"/>
-          </a:xfrm>
-          <a:prstGeom prst="rect">
-            <a:avLst/>
-          </a:prstGeom>
-          <a:noFill/>
-          <a:ln w="0">
-            <a:noFill/>
-          </a:ln>
-        </p:spPr>
-        <p:txBody>
-          <a:bodyPr lIns="0" rIns="0" tIns="0" bIns="0" anchor="t">
-            <a:normAutofit fontScale="62222" lnSpcReduction="20000"/>
-          </a:bodyPr>
-          <a:p>
-            <a:pPr marL="432000" indent="-324000">
-              <a:spcBef>
-                <a:spcPts val="1417"/>
-              </a:spcBef>
-              <a:buClr>
-                <a:srgbClr val="000000"/>
-              </a:buClr>
-              <a:buSzPct val="45000"/>
-              <a:buFont typeface="Wingdings" charset="2"/>
-              <a:buChar char=""/>
-            </a:pPr>
-            <a:r>
-              <a:rPr b="0" lang="en-GB" sz="1800" spc="-1" strike="noStrike">
-                <a:solidFill>
-                  <a:srgbClr val="000000"/>
-                </a:solidFill>
-                <a:latin typeface="Arial"/>
-              </a:rPr>
-              <a:t>Click to edit the outline text format</a:t>
-            </a:r>
-            <a:endParaRPr b="0" lang="en-GB" sz="1800" spc="-1" strike="noStrike">
-              <a:solidFill>
-                <a:srgbClr val="000000"/>
-              </a:solidFill>
-              <a:latin typeface="Arial"/>
-            </a:endParaRPr>
-          </a:p>
-          <a:p>
-            <a:pPr lvl="1" marL="864000" indent="-324000">
-              <a:spcBef>
-                <a:spcPts val="1134"/>
-              </a:spcBef>
-              <a:buClr>
-                <a:srgbClr val="000000"/>
-              </a:buClr>
-              <a:buSzPct val="75000"/>
-              <a:buFont typeface="Symbol" charset="2"/>
-              <a:buChar char=""/>
-            </a:pPr>
-            <a:r>
-              <a:rPr b="0" lang="en-GB" sz="1800" spc="-1" strike="noStrike">
-                <a:solidFill>
-                  <a:srgbClr val="000000"/>
-                </a:solidFill>
-                <a:latin typeface="Arial"/>
-              </a:rPr>
-              <a:t>Second Outline Level</a:t>
-            </a:r>
-            <a:endParaRPr b="0" lang="en-GB" sz="1800" spc="-1" strike="noStrike">
-              <a:solidFill>
-                <a:srgbClr val="000000"/>
-              </a:solidFill>
-              <a:latin typeface="Arial"/>
-            </a:endParaRPr>
-          </a:p>
-          <a:p>
-            <a:pPr lvl="2" marL="1296000" indent="-288000">
-              <a:spcBef>
-                <a:spcPts val="850"/>
-              </a:spcBef>
-              <a:buClr>
-                <a:srgbClr val="000000"/>
-              </a:buClr>
-              <a:buSzPct val="45000"/>
-              <a:buFont typeface="Wingdings" charset="2"/>
-              <a:buChar char=""/>
-            </a:pPr>
-            <a:r>
-              <a:rPr b="0" lang="en-GB" sz="1800" spc="-1" strike="noStrike">
-                <a:solidFill>
-                  <a:srgbClr val="000000"/>
-                </a:solidFill>
-                <a:latin typeface="Arial"/>
-              </a:rPr>
-              <a:t>Third Outline Level</a:t>
-            </a:r>
-            <a:endParaRPr b="0" lang="en-GB" sz="1800" spc="-1" strike="noStrike">
-              <a:solidFill>
-                <a:srgbClr val="000000"/>
-              </a:solidFill>
-              <a:latin typeface="Arial"/>
-            </a:endParaRPr>
-          </a:p>
-          <a:p>
-            <a:pPr lvl="3" marL="1728000" indent="-216000">
-              <a:spcBef>
-                <a:spcPts val="567"/>
-              </a:spcBef>
-              <a:buClr>
-                <a:srgbClr val="000000"/>
-              </a:buClr>
-              <a:buSzPct val="75000"/>
-              <a:buFont typeface="Symbol" charset="2"/>
-              <a:buChar char=""/>
-            </a:pPr>
-            <a:r>
-              <a:rPr b="0" lang="en-GB" sz="1800" spc="-1" strike="noStrike">
-                <a:solidFill>
-                  <a:srgbClr val="000000"/>
-                </a:solidFill>
-                <a:latin typeface="Arial"/>
-              </a:rPr>
-              <a:t>Fourth Outline Level</a:t>
-            </a:r>
-            <a:endParaRPr b="0" lang="en-GB" sz="1800" spc="-1" strike="noStrike">
-              <a:solidFill>
-                <a:srgbClr val="000000"/>
-              </a:solidFill>
-              <a:latin typeface="Arial"/>
-            </a:endParaRPr>
-          </a:p>
-          <a:p>
-            <a:pPr lvl="4" marL="2160000" indent="-216000">
-              <a:spcBef>
-                <a:spcPts val="283"/>
-              </a:spcBef>
-              <a:buClr>
-                <a:srgbClr val="000000"/>
-              </a:buClr>
-              <a:buSzPct val="45000"/>
-              <a:buFont typeface="Wingdings" charset="2"/>
-              <a:buChar char=""/>
-            </a:pPr>
-            <a:r>
-              <a:rPr b="0" lang="en-GB" sz="1800" spc="-1" strike="noStrike">
-                <a:solidFill>
-                  <a:srgbClr val="000000"/>
-                </a:solidFill>
-                <a:latin typeface="Arial"/>
-              </a:rPr>
-              <a:t>Fifth Outline Level</a:t>
-            </a:r>
-            <a:endParaRPr b="0" lang="en-GB" sz="1800" spc="-1" strike="noStrike">
-              <a:solidFill>
-                <a:srgbClr val="000000"/>
-              </a:solidFill>
-              <a:latin typeface="Arial"/>
-            </a:endParaRPr>
-          </a:p>
-          <a:p>
-            <a:pPr lvl="5" marL="2592000" indent="-216000">
-              <a:spcBef>
-                <a:spcPts val="283"/>
-              </a:spcBef>
-              <a:buClr>
-                <a:srgbClr val="000000"/>
-              </a:buClr>
-              <a:buSzPct val="45000"/>
-              <a:buFont typeface="Wingdings" charset="2"/>
-              <a:buChar char=""/>
-            </a:pPr>
-            <a:r>
-              <a:rPr b="0" lang="en-GB" sz="1800" spc="-1" strike="noStrike">
-                <a:solidFill>
-                  <a:srgbClr val="000000"/>
-                </a:solidFill>
-                <a:latin typeface="Arial"/>
-              </a:rPr>
-              <a:t>Sixth Outline Level</a:t>
-            </a:r>
-            <a:endParaRPr b="0" lang="en-GB" sz="1800" spc="-1" strike="noStrike">
-              <a:solidFill>
-                <a:srgbClr val="000000"/>
-              </a:solidFill>
-              <a:latin typeface="Arial"/>
-            </a:endParaRPr>
-          </a:p>
-          <a:p>
-            <a:pPr lvl="6" marL="3024000" indent="-216000">
-              <a:spcBef>
-                <a:spcPts val="283"/>
-              </a:spcBef>
-              <a:buClr>
-                <a:srgbClr val="000000"/>
-              </a:buClr>
-              <a:buSzPct val="45000"/>
-              <a:buFont typeface="Wingdings" charset="2"/>
-              <a:buChar char=""/>
-            </a:pPr>
-            <a:r>
-              <a:rPr b="0" lang="en-GB" sz="1800" spc="-1" strike="noStrike">
-                <a:solidFill>
-                  <a:srgbClr val="000000"/>
-                </a:solidFill>
-                <a:latin typeface="Arial"/>
-              </a:rPr>
-              <a:t>Seventh Outline Level</a:t>
-            </a:r>
-            <a:endParaRPr b="0" lang="en-GB" sz="1800" spc="-1" strike="noStrike">
-              <a:solidFill>
-                <a:srgbClr val="000000"/>
-              </a:solidFill>
-              <a:latin typeface="Arial"/>
-            </a:endParaRPr>
-          </a:p>
-        </p:txBody>
-      </p:sp>
-      <p:sp>
-        <p:nvSpPr>
-          <p:cNvPr id="250" name="PlaceHolder 3"/>
-          <p:cNvSpPr>
-            <a:spLocks noGrp="1"/>
-          </p:cNvSpPr>
-          <p:nvPr>
-            <p:ph type="body"/>
-          </p:nvPr>
-        </p:nvSpPr>
-        <p:spPr>
-          <a:xfrm>
-            <a:off x="4319640" y="1604520"/>
-            <a:ext cx="3532680" cy="1896480"/>
-          </a:xfrm>
-          <a:prstGeom prst="rect">
-            <a:avLst/>
-          </a:prstGeom>
-          <a:noFill/>
-          <a:ln w="0">
-            <a:noFill/>
-          </a:ln>
-        </p:spPr>
-        <p:txBody>
-          <a:bodyPr lIns="0" rIns="0" tIns="0" bIns="0" anchor="t">
-            <a:normAutofit fontScale="62222" lnSpcReduction="20000"/>
-          </a:bodyPr>
-          <a:p>
-            <a:pPr marL="432000" indent="-324000">
-              <a:spcBef>
-                <a:spcPts val="1417"/>
-              </a:spcBef>
-              <a:buClr>
-                <a:srgbClr val="000000"/>
-              </a:buClr>
-              <a:buSzPct val="45000"/>
-              <a:buFont typeface="Wingdings" charset="2"/>
-              <a:buChar char=""/>
-            </a:pPr>
-            <a:r>
-              <a:rPr b="0" lang="en-GB" sz="1800" spc="-1" strike="noStrike">
-                <a:solidFill>
-                  <a:srgbClr val="000000"/>
-                </a:solidFill>
-                <a:latin typeface="Arial"/>
-              </a:rPr>
-              <a:t>Click to edit the outline text format</a:t>
-            </a:r>
-            <a:endParaRPr b="0" lang="en-GB" sz="1800" spc="-1" strike="noStrike">
-              <a:solidFill>
-                <a:srgbClr val="000000"/>
-              </a:solidFill>
-              <a:latin typeface="Arial"/>
-            </a:endParaRPr>
-          </a:p>
-          <a:p>
-            <a:pPr lvl="1" marL="864000" indent="-324000">
-              <a:spcBef>
-                <a:spcPts val="1134"/>
-              </a:spcBef>
-              <a:buClr>
-                <a:srgbClr val="000000"/>
-              </a:buClr>
-              <a:buSzPct val="75000"/>
-              <a:buFont typeface="Symbol" charset="2"/>
-              <a:buChar char=""/>
-            </a:pPr>
-            <a:r>
-              <a:rPr b="0" lang="en-GB" sz="1800" spc="-1" strike="noStrike">
-                <a:solidFill>
-                  <a:srgbClr val="000000"/>
-                </a:solidFill>
-                <a:latin typeface="Arial"/>
-              </a:rPr>
-              <a:t>Second Outline Level</a:t>
-            </a:r>
-            <a:endParaRPr b="0" lang="en-GB" sz="1800" spc="-1" strike="noStrike">
-              <a:solidFill>
-                <a:srgbClr val="000000"/>
-              </a:solidFill>
-              <a:latin typeface="Arial"/>
-            </a:endParaRPr>
-          </a:p>
-          <a:p>
-            <a:pPr lvl="2" marL="1296000" indent="-288000">
-              <a:spcBef>
-                <a:spcPts val="850"/>
-              </a:spcBef>
-              <a:buClr>
-                <a:srgbClr val="000000"/>
-              </a:buClr>
-              <a:buSzPct val="45000"/>
-              <a:buFont typeface="Wingdings" charset="2"/>
-              <a:buChar char=""/>
-            </a:pPr>
-            <a:r>
-              <a:rPr b="0" lang="en-GB" sz="1800" spc="-1" strike="noStrike">
-                <a:solidFill>
-                  <a:srgbClr val="000000"/>
-                </a:solidFill>
-                <a:latin typeface="Arial"/>
-              </a:rPr>
-              <a:t>Third Outline Level</a:t>
-            </a:r>
-            <a:endParaRPr b="0" lang="en-GB" sz="1800" spc="-1" strike="noStrike">
-              <a:solidFill>
-                <a:srgbClr val="000000"/>
-              </a:solidFill>
-              <a:latin typeface="Arial"/>
-            </a:endParaRPr>
-          </a:p>
-          <a:p>
-            <a:pPr lvl="3" marL="1728000" indent="-216000">
-              <a:spcBef>
-                <a:spcPts val="567"/>
-              </a:spcBef>
-              <a:buClr>
-                <a:srgbClr val="000000"/>
-              </a:buClr>
-              <a:buSzPct val="75000"/>
-              <a:buFont typeface="Symbol" charset="2"/>
-              <a:buChar char=""/>
-            </a:pPr>
-            <a:r>
-              <a:rPr b="0" lang="en-GB" sz="1800" spc="-1" strike="noStrike">
-                <a:solidFill>
-                  <a:srgbClr val="000000"/>
-                </a:solidFill>
-                <a:latin typeface="Arial"/>
-              </a:rPr>
-              <a:t>Fourth Outline Level</a:t>
-            </a:r>
-            <a:endParaRPr b="0" lang="en-GB" sz="1800" spc="-1" strike="noStrike">
-              <a:solidFill>
-                <a:srgbClr val="000000"/>
-              </a:solidFill>
-              <a:latin typeface="Arial"/>
-            </a:endParaRPr>
-          </a:p>
-          <a:p>
-            <a:pPr lvl="4" marL="2160000" indent="-216000">
-              <a:spcBef>
-                <a:spcPts val="283"/>
-              </a:spcBef>
-              <a:buClr>
-                <a:srgbClr val="000000"/>
-              </a:buClr>
-              <a:buSzPct val="45000"/>
-              <a:buFont typeface="Wingdings" charset="2"/>
-              <a:buChar char=""/>
-            </a:pPr>
-            <a:r>
-              <a:rPr b="0" lang="en-GB" sz="1800" spc="-1" strike="noStrike">
-                <a:solidFill>
-                  <a:srgbClr val="000000"/>
-                </a:solidFill>
-                <a:latin typeface="Arial"/>
-              </a:rPr>
-              <a:t>Fifth Outline Level</a:t>
-            </a:r>
-            <a:endParaRPr b="0" lang="en-GB" sz="1800" spc="-1" strike="noStrike">
-              <a:solidFill>
-                <a:srgbClr val="000000"/>
-              </a:solidFill>
-              <a:latin typeface="Arial"/>
-            </a:endParaRPr>
-          </a:p>
-          <a:p>
-            <a:pPr lvl="5" marL="2592000" indent="-216000">
-              <a:spcBef>
-                <a:spcPts val="283"/>
-              </a:spcBef>
-              <a:buClr>
-                <a:srgbClr val="000000"/>
-              </a:buClr>
-              <a:buSzPct val="45000"/>
-              <a:buFont typeface="Wingdings" charset="2"/>
-              <a:buChar char=""/>
-            </a:pPr>
-            <a:r>
-              <a:rPr b="0" lang="en-GB" sz="1800" spc="-1" strike="noStrike">
-                <a:solidFill>
-                  <a:srgbClr val="000000"/>
-                </a:solidFill>
-                <a:latin typeface="Arial"/>
-              </a:rPr>
-              <a:t>Sixth Outline Level</a:t>
-            </a:r>
-            <a:endParaRPr b="0" lang="en-GB" sz="1800" spc="-1" strike="noStrike">
-              <a:solidFill>
-                <a:srgbClr val="000000"/>
-              </a:solidFill>
-              <a:latin typeface="Arial"/>
-            </a:endParaRPr>
-          </a:p>
-          <a:p>
-            <a:pPr lvl="6" marL="3024000" indent="-216000">
-              <a:spcBef>
-                <a:spcPts val="283"/>
-              </a:spcBef>
-              <a:buClr>
-                <a:srgbClr val="000000"/>
-              </a:buClr>
-              <a:buSzPct val="45000"/>
-              <a:buFont typeface="Wingdings" charset="2"/>
-              <a:buChar char=""/>
-            </a:pPr>
-            <a:r>
-              <a:rPr b="0" lang="en-GB" sz="1800" spc="-1" strike="noStrike">
-                <a:solidFill>
-                  <a:srgbClr val="000000"/>
-                </a:solidFill>
-                <a:latin typeface="Arial"/>
-              </a:rPr>
-              <a:t>Seventh Outline Level</a:t>
-            </a:r>
-            <a:endParaRPr b="0" lang="en-GB" sz="1800" spc="-1" strike="noStrike">
-              <a:solidFill>
-                <a:srgbClr val="000000"/>
-              </a:solidFill>
-              <a:latin typeface="Arial"/>
-            </a:endParaRPr>
-          </a:p>
-        </p:txBody>
-      </p:sp>
-      <p:sp>
-        <p:nvSpPr>
-          <p:cNvPr id="251" name="PlaceHolder 4"/>
-          <p:cNvSpPr>
-            <a:spLocks noGrp="1"/>
-          </p:cNvSpPr>
-          <p:nvPr>
-            <p:ph type="body"/>
-          </p:nvPr>
-        </p:nvSpPr>
-        <p:spPr>
-          <a:xfrm>
-            <a:off x="8029800" y="1604520"/>
-            <a:ext cx="3532680" cy="1896480"/>
-          </a:xfrm>
-          <a:prstGeom prst="rect">
-            <a:avLst/>
-          </a:prstGeom>
-          <a:noFill/>
-          <a:ln w="0">
-            <a:noFill/>
-          </a:ln>
-        </p:spPr>
-        <p:txBody>
-          <a:bodyPr lIns="0" rIns="0" tIns="0" bIns="0" anchor="t">
-            <a:normAutofit fontScale="62222" lnSpcReduction="20000"/>
-          </a:bodyPr>
-          <a:p>
-            <a:pPr marL="432000" indent="-324000">
-              <a:spcBef>
-                <a:spcPts val="1417"/>
-              </a:spcBef>
-              <a:buClr>
-                <a:srgbClr val="000000"/>
-              </a:buClr>
-              <a:buSzPct val="45000"/>
-              <a:buFont typeface="Wingdings" charset="2"/>
-              <a:buChar char=""/>
-            </a:pPr>
-            <a:r>
-              <a:rPr b="0" lang="en-GB" sz="1800" spc="-1" strike="noStrike">
-                <a:solidFill>
-                  <a:srgbClr val="000000"/>
-                </a:solidFill>
-                <a:latin typeface="Arial"/>
-              </a:rPr>
-              <a:t>Click to edit the outline text format</a:t>
-            </a:r>
-            <a:endParaRPr b="0" lang="en-GB" sz="1800" spc="-1" strike="noStrike">
-              <a:solidFill>
-                <a:srgbClr val="000000"/>
-              </a:solidFill>
-              <a:latin typeface="Arial"/>
-            </a:endParaRPr>
-          </a:p>
-          <a:p>
-            <a:pPr lvl="1" marL="864000" indent="-324000">
-              <a:spcBef>
-                <a:spcPts val="1134"/>
-              </a:spcBef>
-              <a:buClr>
-                <a:srgbClr val="000000"/>
-              </a:buClr>
-              <a:buSzPct val="75000"/>
-              <a:buFont typeface="Symbol" charset="2"/>
-              <a:buChar char=""/>
-            </a:pPr>
-            <a:r>
-              <a:rPr b="0" lang="en-GB" sz="1800" spc="-1" strike="noStrike">
-                <a:solidFill>
-                  <a:srgbClr val="000000"/>
-                </a:solidFill>
-                <a:latin typeface="Arial"/>
-              </a:rPr>
-              <a:t>Second Outline Level</a:t>
-            </a:r>
-            <a:endParaRPr b="0" lang="en-GB" sz="1800" spc="-1" strike="noStrike">
-              <a:solidFill>
-                <a:srgbClr val="000000"/>
-              </a:solidFill>
-              <a:latin typeface="Arial"/>
-            </a:endParaRPr>
-          </a:p>
-          <a:p>
-            <a:pPr lvl="2" marL="1296000" indent="-288000">
-              <a:spcBef>
-                <a:spcPts val="850"/>
-              </a:spcBef>
-              <a:buClr>
-                <a:srgbClr val="000000"/>
-              </a:buClr>
-              <a:buSzPct val="45000"/>
-              <a:buFont typeface="Wingdings" charset="2"/>
-              <a:buChar char=""/>
-            </a:pPr>
-            <a:r>
-              <a:rPr b="0" lang="en-GB" sz="1800" spc="-1" strike="noStrike">
-                <a:solidFill>
-                  <a:srgbClr val="000000"/>
-                </a:solidFill>
-                <a:latin typeface="Arial"/>
-              </a:rPr>
-              <a:t>Third Outline Level</a:t>
-            </a:r>
-            <a:endParaRPr b="0" lang="en-GB" sz="1800" spc="-1" strike="noStrike">
-              <a:solidFill>
-                <a:srgbClr val="000000"/>
-              </a:solidFill>
-              <a:latin typeface="Arial"/>
-            </a:endParaRPr>
-          </a:p>
-          <a:p>
-            <a:pPr lvl="3" marL="1728000" indent="-216000">
-              <a:spcBef>
-                <a:spcPts val="567"/>
-              </a:spcBef>
-              <a:buClr>
-                <a:srgbClr val="000000"/>
-              </a:buClr>
-              <a:buSzPct val="75000"/>
-              <a:buFont typeface="Symbol" charset="2"/>
-              <a:buChar char=""/>
-            </a:pPr>
-            <a:r>
-              <a:rPr b="0" lang="en-GB" sz="1800" spc="-1" strike="noStrike">
-                <a:solidFill>
-                  <a:srgbClr val="000000"/>
-                </a:solidFill>
-                <a:latin typeface="Arial"/>
-              </a:rPr>
-              <a:t>Fourth Outline Level</a:t>
-            </a:r>
-            <a:endParaRPr b="0" lang="en-GB" sz="1800" spc="-1" strike="noStrike">
-              <a:solidFill>
-                <a:srgbClr val="000000"/>
-              </a:solidFill>
-              <a:latin typeface="Arial"/>
-            </a:endParaRPr>
-          </a:p>
-          <a:p>
-            <a:pPr lvl="4" marL="2160000" indent="-216000">
-              <a:spcBef>
-                <a:spcPts val="283"/>
-              </a:spcBef>
-              <a:buClr>
-                <a:srgbClr val="000000"/>
-              </a:buClr>
-              <a:buSzPct val="45000"/>
-              <a:buFont typeface="Wingdings" charset="2"/>
-              <a:buChar char=""/>
-            </a:pPr>
-            <a:r>
-              <a:rPr b="0" lang="en-GB" sz="1800" spc="-1" strike="noStrike">
-                <a:solidFill>
-                  <a:srgbClr val="000000"/>
-                </a:solidFill>
-                <a:latin typeface="Arial"/>
-              </a:rPr>
-              <a:t>Fifth Outline Level</a:t>
-            </a:r>
-            <a:endParaRPr b="0" lang="en-GB" sz="1800" spc="-1" strike="noStrike">
-              <a:solidFill>
-                <a:srgbClr val="000000"/>
-              </a:solidFill>
-              <a:latin typeface="Arial"/>
-            </a:endParaRPr>
-          </a:p>
-          <a:p>
-            <a:pPr lvl="5" marL="2592000" indent="-216000">
-              <a:spcBef>
-                <a:spcPts val="283"/>
-              </a:spcBef>
-              <a:buClr>
-                <a:srgbClr val="000000"/>
-              </a:buClr>
-              <a:buSzPct val="45000"/>
-              <a:buFont typeface="Wingdings" charset="2"/>
-              <a:buChar char=""/>
-            </a:pPr>
-            <a:r>
-              <a:rPr b="0" lang="en-GB" sz="1800" spc="-1" strike="noStrike">
-                <a:solidFill>
-                  <a:srgbClr val="000000"/>
-                </a:solidFill>
-                <a:latin typeface="Arial"/>
-              </a:rPr>
-              <a:t>Sixth Outline Level</a:t>
-            </a:r>
-            <a:endParaRPr b="0" lang="en-GB" sz="1800" spc="-1" strike="noStrike">
-              <a:solidFill>
-                <a:srgbClr val="000000"/>
-              </a:solidFill>
-              <a:latin typeface="Arial"/>
-            </a:endParaRPr>
-          </a:p>
-          <a:p>
-            <a:pPr lvl="6" marL="3024000" indent="-216000">
-              <a:spcBef>
-                <a:spcPts val="283"/>
-              </a:spcBef>
-              <a:buClr>
-                <a:srgbClr val="000000"/>
-              </a:buClr>
-              <a:buSzPct val="45000"/>
-              <a:buFont typeface="Wingdings" charset="2"/>
-              <a:buChar char=""/>
-            </a:pPr>
-            <a:r>
-              <a:rPr b="0" lang="en-GB" sz="1800" spc="-1" strike="noStrike">
-                <a:solidFill>
-                  <a:srgbClr val="000000"/>
-                </a:solidFill>
-                <a:latin typeface="Arial"/>
-              </a:rPr>
-              <a:t>Seventh Outline Level</a:t>
-            </a:r>
-            <a:endParaRPr b="0" lang="en-GB" sz="1800" spc="-1" strike="noStrike">
-              <a:solidFill>
-                <a:srgbClr val="000000"/>
-              </a:solidFill>
-              <a:latin typeface="Arial"/>
-            </a:endParaRPr>
-          </a:p>
-        </p:txBody>
-      </p:sp>
-      <p:sp>
-        <p:nvSpPr>
-          <p:cNvPr id="252" name="PlaceHolder 5"/>
-          <p:cNvSpPr>
-            <a:spLocks noGrp="1"/>
-          </p:cNvSpPr>
-          <p:nvPr>
-            <p:ph type="body"/>
-          </p:nvPr>
-        </p:nvSpPr>
-        <p:spPr>
-          <a:xfrm>
-            <a:off x="609480" y="3682080"/>
-            <a:ext cx="3532680" cy="1896480"/>
-          </a:xfrm>
-          <a:prstGeom prst="rect">
-            <a:avLst/>
-          </a:prstGeom>
-          <a:noFill/>
-          <a:ln w="0">
-            <a:noFill/>
-          </a:ln>
-        </p:spPr>
-        <p:txBody>
-          <a:bodyPr lIns="0" rIns="0" tIns="0" bIns="0" anchor="t">
-            <a:normAutofit fontScale="62222" lnSpcReduction="20000"/>
-          </a:bodyPr>
-          <a:p>
-            <a:pPr marL="432000" indent="-324000">
-              <a:spcBef>
-                <a:spcPts val="1417"/>
-              </a:spcBef>
-              <a:buClr>
-                <a:srgbClr val="000000"/>
-              </a:buClr>
-              <a:buSzPct val="45000"/>
-              <a:buFont typeface="Wingdings" charset="2"/>
-              <a:buChar char=""/>
-            </a:pPr>
-            <a:r>
-              <a:rPr b="0" lang="en-GB" sz="1800" spc="-1" strike="noStrike">
-                <a:solidFill>
-                  <a:srgbClr val="000000"/>
-                </a:solidFill>
-                <a:latin typeface="Arial"/>
-              </a:rPr>
-              <a:t>Click to edit the outline text format</a:t>
-            </a:r>
-            <a:endParaRPr b="0" lang="en-GB" sz="1800" spc="-1" strike="noStrike">
-              <a:solidFill>
-                <a:srgbClr val="000000"/>
-              </a:solidFill>
-              <a:latin typeface="Arial"/>
-            </a:endParaRPr>
-          </a:p>
-          <a:p>
-            <a:pPr lvl="1" marL="864000" indent="-324000">
-              <a:spcBef>
-                <a:spcPts val="1134"/>
-              </a:spcBef>
-              <a:buClr>
-                <a:srgbClr val="000000"/>
-              </a:buClr>
-              <a:buSzPct val="75000"/>
-              <a:buFont typeface="Symbol" charset="2"/>
-              <a:buChar char=""/>
-            </a:pPr>
-            <a:r>
-              <a:rPr b="0" lang="en-GB" sz="1800" spc="-1" strike="noStrike">
-                <a:solidFill>
-                  <a:srgbClr val="000000"/>
-                </a:solidFill>
-                <a:latin typeface="Arial"/>
-              </a:rPr>
-              <a:t>Second Outline Level</a:t>
-            </a:r>
-            <a:endParaRPr b="0" lang="en-GB" sz="1800" spc="-1" strike="noStrike">
-              <a:solidFill>
-                <a:srgbClr val="000000"/>
-              </a:solidFill>
-              <a:latin typeface="Arial"/>
-            </a:endParaRPr>
-          </a:p>
-          <a:p>
-            <a:pPr lvl="2" marL="1296000" indent="-288000">
-              <a:spcBef>
-                <a:spcPts val="850"/>
-              </a:spcBef>
-              <a:buClr>
-                <a:srgbClr val="000000"/>
-              </a:buClr>
-              <a:buSzPct val="45000"/>
-              <a:buFont typeface="Wingdings" charset="2"/>
-              <a:buChar char=""/>
-            </a:pPr>
-            <a:r>
-              <a:rPr b="0" lang="en-GB" sz="1800" spc="-1" strike="noStrike">
-                <a:solidFill>
-                  <a:srgbClr val="000000"/>
-                </a:solidFill>
-                <a:latin typeface="Arial"/>
-              </a:rPr>
-              <a:t>Third Outline Level</a:t>
-            </a:r>
-            <a:endParaRPr b="0" lang="en-GB" sz="1800" spc="-1" strike="noStrike">
-              <a:solidFill>
-                <a:srgbClr val="000000"/>
-              </a:solidFill>
-              <a:latin typeface="Arial"/>
-            </a:endParaRPr>
-          </a:p>
-          <a:p>
-            <a:pPr lvl="3" marL="1728000" indent="-216000">
-              <a:spcBef>
-                <a:spcPts val="567"/>
-              </a:spcBef>
-              <a:buClr>
-                <a:srgbClr val="000000"/>
-              </a:buClr>
-              <a:buSzPct val="75000"/>
-              <a:buFont typeface="Symbol" charset="2"/>
-              <a:buChar char=""/>
-            </a:pPr>
-            <a:r>
-              <a:rPr b="0" lang="en-GB" sz="1800" spc="-1" strike="noStrike">
-                <a:solidFill>
-                  <a:srgbClr val="000000"/>
-                </a:solidFill>
-                <a:latin typeface="Arial"/>
-              </a:rPr>
-              <a:t>Fourth Outline Level</a:t>
-            </a:r>
-            <a:endParaRPr b="0" lang="en-GB" sz="1800" spc="-1" strike="noStrike">
-              <a:solidFill>
-                <a:srgbClr val="000000"/>
-              </a:solidFill>
-              <a:latin typeface="Arial"/>
-            </a:endParaRPr>
-          </a:p>
-          <a:p>
-            <a:pPr lvl="4" marL="2160000" indent="-216000">
-              <a:spcBef>
-                <a:spcPts val="283"/>
-              </a:spcBef>
-              <a:buClr>
-                <a:srgbClr val="000000"/>
-              </a:buClr>
-              <a:buSzPct val="45000"/>
-              <a:buFont typeface="Wingdings" charset="2"/>
-              <a:buChar char=""/>
-            </a:pPr>
-            <a:r>
-              <a:rPr b="0" lang="en-GB" sz="1800" spc="-1" strike="noStrike">
-                <a:solidFill>
-                  <a:srgbClr val="000000"/>
-                </a:solidFill>
-                <a:latin typeface="Arial"/>
-              </a:rPr>
-              <a:t>Fifth Outline Level</a:t>
-            </a:r>
-            <a:endParaRPr b="0" lang="en-GB" sz="1800" spc="-1" strike="noStrike">
-              <a:solidFill>
-                <a:srgbClr val="000000"/>
-              </a:solidFill>
-              <a:latin typeface="Arial"/>
-            </a:endParaRPr>
-          </a:p>
-          <a:p>
-            <a:pPr lvl="5" marL="2592000" indent="-216000">
-              <a:spcBef>
-                <a:spcPts val="283"/>
-              </a:spcBef>
-              <a:buClr>
-                <a:srgbClr val="000000"/>
-              </a:buClr>
-              <a:buSzPct val="45000"/>
-              <a:buFont typeface="Wingdings" charset="2"/>
-              <a:buChar char=""/>
-            </a:pPr>
-            <a:r>
-              <a:rPr b="0" lang="en-GB" sz="1800" spc="-1" strike="noStrike">
-                <a:solidFill>
-                  <a:srgbClr val="000000"/>
-                </a:solidFill>
-                <a:latin typeface="Arial"/>
-              </a:rPr>
-              <a:t>Sixth Outline Level</a:t>
-            </a:r>
-            <a:endParaRPr b="0" lang="en-GB" sz="1800" spc="-1" strike="noStrike">
-              <a:solidFill>
-                <a:srgbClr val="000000"/>
-              </a:solidFill>
-              <a:latin typeface="Arial"/>
-            </a:endParaRPr>
-          </a:p>
-          <a:p>
-            <a:pPr lvl="6" marL="3024000" indent="-216000">
-              <a:spcBef>
-                <a:spcPts val="283"/>
-              </a:spcBef>
-              <a:buClr>
-                <a:srgbClr val="000000"/>
-              </a:buClr>
-              <a:buSzPct val="45000"/>
-              <a:buFont typeface="Wingdings" charset="2"/>
-              <a:buChar char=""/>
-            </a:pPr>
-            <a:r>
-              <a:rPr b="0" lang="en-GB" sz="1800" spc="-1" strike="noStrike">
-                <a:solidFill>
-                  <a:srgbClr val="000000"/>
-                </a:solidFill>
-                <a:latin typeface="Arial"/>
-              </a:rPr>
-              <a:t>Seventh Outline Level</a:t>
-            </a:r>
-            <a:endParaRPr b="0" lang="en-GB" sz="1800" spc="-1" strike="noStrike">
-              <a:solidFill>
-                <a:srgbClr val="000000"/>
-              </a:solidFill>
-              <a:latin typeface="Arial"/>
-            </a:endParaRPr>
-          </a:p>
-        </p:txBody>
-      </p:sp>
-      <p:sp>
-        <p:nvSpPr>
-          <p:cNvPr id="253" name="PlaceHolder 6"/>
-          <p:cNvSpPr>
-            <a:spLocks noGrp="1"/>
-          </p:cNvSpPr>
-          <p:nvPr>
-            <p:ph type="body"/>
-          </p:nvPr>
-        </p:nvSpPr>
-        <p:spPr>
-          <a:xfrm>
-            <a:off x="4319640" y="3682080"/>
-            <a:ext cx="3532680" cy="1896480"/>
-          </a:xfrm>
-          <a:prstGeom prst="rect">
-            <a:avLst/>
-          </a:prstGeom>
-          <a:noFill/>
-          <a:ln w="0">
-            <a:noFill/>
-          </a:ln>
-        </p:spPr>
-        <p:txBody>
-          <a:bodyPr lIns="0" rIns="0" tIns="0" bIns="0" anchor="t">
-            <a:normAutofit fontScale="62222" lnSpcReduction="20000"/>
-          </a:bodyPr>
-          <a:p>
-            <a:pPr marL="432000" indent="-324000">
-              <a:spcBef>
-                <a:spcPts val="1417"/>
-              </a:spcBef>
-              <a:buClr>
-                <a:srgbClr val="000000"/>
-              </a:buClr>
-              <a:buSzPct val="45000"/>
-              <a:buFont typeface="Wingdings" charset="2"/>
-              <a:buChar char=""/>
-            </a:pPr>
-            <a:r>
-              <a:rPr b="0" lang="en-GB" sz="1800" spc="-1" strike="noStrike">
-                <a:solidFill>
-                  <a:srgbClr val="000000"/>
-                </a:solidFill>
-                <a:latin typeface="Arial"/>
-              </a:rPr>
-              <a:t>Click to edit the outline text format</a:t>
-            </a:r>
-            <a:endParaRPr b="0" lang="en-GB" sz="1800" spc="-1" strike="noStrike">
-              <a:solidFill>
-                <a:srgbClr val="000000"/>
-              </a:solidFill>
-              <a:latin typeface="Arial"/>
-            </a:endParaRPr>
-          </a:p>
-          <a:p>
-            <a:pPr lvl="1" marL="864000" indent="-324000">
-              <a:spcBef>
-                <a:spcPts val="1134"/>
-              </a:spcBef>
-              <a:buClr>
-                <a:srgbClr val="000000"/>
-              </a:buClr>
-              <a:buSzPct val="75000"/>
-              <a:buFont typeface="Symbol" charset="2"/>
-              <a:buChar char=""/>
-            </a:pPr>
-            <a:r>
-              <a:rPr b="0" lang="en-GB" sz="1800" spc="-1" strike="noStrike">
-                <a:solidFill>
-                  <a:srgbClr val="000000"/>
-                </a:solidFill>
-                <a:latin typeface="Arial"/>
-              </a:rPr>
-              <a:t>Second Outline Level</a:t>
-            </a:r>
-            <a:endParaRPr b="0" lang="en-GB" sz="1800" spc="-1" strike="noStrike">
-              <a:solidFill>
-                <a:srgbClr val="000000"/>
-              </a:solidFill>
-              <a:latin typeface="Arial"/>
-            </a:endParaRPr>
-          </a:p>
-          <a:p>
-            <a:pPr lvl="2" marL="1296000" indent="-288000">
-              <a:spcBef>
-                <a:spcPts val="850"/>
-              </a:spcBef>
-              <a:buClr>
-                <a:srgbClr val="000000"/>
-              </a:buClr>
-              <a:buSzPct val="45000"/>
-              <a:buFont typeface="Wingdings" charset="2"/>
-              <a:buChar char=""/>
-            </a:pPr>
-            <a:r>
-              <a:rPr b="0" lang="en-GB" sz="1800" spc="-1" strike="noStrike">
-                <a:solidFill>
-                  <a:srgbClr val="000000"/>
-                </a:solidFill>
-                <a:latin typeface="Arial"/>
-              </a:rPr>
-              <a:t>Third Outline Level</a:t>
-            </a:r>
-            <a:endParaRPr b="0" lang="en-GB" sz="1800" spc="-1" strike="noStrike">
-              <a:solidFill>
-                <a:srgbClr val="000000"/>
-              </a:solidFill>
-              <a:latin typeface="Arial"/>
-            </a:endParaRPr>
-          </a:p>
-          <a:p>
-            <a:pPr lvl="3" marL="1728000" indent="-216000">
-              <a:spcBef>
-                <a:spcPts val="567"/>
-              </a:spcBef>
-              <a:buClr>
-                <a:srgbClr val="000000"/>
-              </a:buClr>
-              <a:buSzPct val="75000"/>
-              <a:buFont typeface="Symbol" charset="2"/>
-              <a:buChar char=""/>
-            </a:pPr>
-            <a:r>
-              <a:rPr b="0" lang="en-GB" sz="1800" spc="-1" strike="noStrike">
-                <a:solidFill>
-                  <a:srgbClr val="000000"/>
-                </a:solidFill>
-                <a:latin typeface="Arial"/>
-              </a:rPr>
-              <a:t>Fourth Outline Level</a:t>
-            </a:r>
-            <a:endParaRPr b="0" lang="en-GB" sz="1800" spc="-1" strike="noStrike">
-              <a:solidFill>
-                <a:srgbClr val="000000"/>
-              </a:solidFill>
-              <a:latin typeface="Arial"/>
-            </a:endParaRPr>
-          </a:p>
-          <a:p>
-            <a:pPr lvl="4" marL="2160000" indent="-216000">
-              <a:spcBef>
-                <a:spcPts val="283"/>
-              </a:spcBef>
-              <a:buClr>
-                <a:srgbClr val="000000"/>
-              </a:buClr>
-              <a:buSzPct val="45000"/>
-              <a:buFont typeface="Wingdings" charset="2"/>
-              <a:buChar char=""/>
-            </a:pPr>
-            <a:r>
-              <a:rPr b="0" lang="en-GB" sz="1800" spc="-1" strike="noStrike">
-                <a:solidFill>
-                  <a:srgbClr val="000000"/>
-                </a:solidFill>
-                <a:latin typeface="Arial"/>
-              </a:rPr>
-              <a:t>Fifth Outline Level</a:t>
-            </a:r>
-            <a:endParaRPr b="0" lang="en-GB" sz="1800" spc="-1" strike="noStrike">
-              <a:solidFill>
-                <a:srgbClr val="000000"/>
-              </a:solidFill>
-              <a:latin typeface="Arial"/>
-            </a:endParaRPr>
-          </a:p>
-          <a:p>
-            <a:pPr lvl="5" marL="2592000" indent="-216000">
-              <a:spcBef>
-                <a:spcPts val="283"/>
-              </a:spcBef>
-              <a:buClr>
-                <a:srgbClr val="000000"/>
-              </a:buClr>
-              <a:buSzPct val="45000"/>
-              <a:buFont typeface="Wingdings" charset="2"/>
-              <a:buChar char=""/>
-            </a:pPr>
-            <a:r>
-              <a:rPr b="0" lang="en-GB" sz="1800" spc="-1" strike="noStrike">
-                <a:solidFill>
-                  <a:srgbClr val="000000"/>
-                </a:solidFill>
-                <a:latin typeface="Arial"/>
-              </a:rPr>
-              <a:t>Sixth Outline Level</a:t>
-            </a:r>
-            <a:endParaRPr b="0" lang="en-GB" sz="1800" spc="-1" strike="noStrike">
-              <a:solidFill>
-                <a:srgbClr val="000000"/>
-              </a:solidFill>
-              <a:latin typeface="Arial"/>
-            </a:endParaRPr>
-          </a:p>
-          <a:p>
-            <a:pPr lvl="6" marL="3024000" indent="-216000">
-              <a:spcBef>
-                <a:spcPts val="283"/>
-              </a:spcBef>
-              <a:buClr>
-                <a:srgbClr val="000000"/>
-              </a:buClr>
-              <a:buSzPct val="45000"/>
-              <a:buFont typeface="Wingdings" charset="2"/>
-              <a:buChar char=""/>
-            </a:pPr>
-            <a:r>
-              <a:rPr b="0" lang="en-GB" sz="1800" spc="-1" strike="noStrike">
-                <a:solidFill>
-                  <a:srgbClr val="000000"/>
-                </a:solidFill>
-                <a:latin typeface="Arial"/>
-              </a:rPr>
-              <a:t>Seventh Outline Level</a:t>
-            </a:r>
-            <a:endParaRPr b="0" lang="en-GB" sz="1800" spc="-1" strike="noStrike">
-              <a:solidFill>
-                <a:srgbClr val="000000"/>
-              </a:solidFill>
-              <a:latin typeface="Arial"/>
-            </a:endParaRPr>
-          </a:p>
-        </p:txBody>
-      </p:sp>
-      <p:sp>
-        <p:nvSpPr>
-          <p:cNvPr id="254" name="PlaceHolder 7"/>
-          <p:cNvSpPr>
-            <a:spLocks noGrp="1"/>
-          </p:cNvSpPr>
-          <p:nvPr>
-            <p:ph type="body"/>
-          </p:nvPr>
-        </p:nvSpPr>
-        <p:spPr>
-          <a:xfrm>
-            <a:off x="8029800" y="3682080"/>
-            <a:ext cx="3532680" cy="1896480"/>
-          </a:xfrm>
-          <a:prstGeom prst="rect">
-            <a:avLst/>
-          </a:prstGeom>
-          <a:noFill/>
-          <a:ln w="0">
-            <a:noFill/>
-          </a:ln>
-        </p:spPr>
-        <p:txBody>
-          <a:bodyPr lIns="0" rIns="0" tIns="0" bIns="0" anchor="t">
-            <a:normAutofit fontScale="62222" lnSpcReduction="20000"/>
-          </a:bodyPr>
-          <a:p>
-            <a:pPr marL="432000" indent="-324000">
-              <a:spcBef>
-                <a:spcPts val="1417"/>
-              </a:spcBef>
-              <a:buClr>
-                <a:srgbClr val="000000"/>
-              </a:buClr>
-              <a:buSzPct val="45000"/>
-              <a:buFont typeface="Wingdings" charset="2"/>
-              <a:buChar char=""/>
-            </a:pPr>
-            <a:r>
-              <a:rPr b="0" lang="en-GB" sz="1800" spc="-1" strike="noStrike">
-                <a:solidFill>
-                  <a:srgbClr val="000000"/>
-                </a:solidFill>
-                <a:latin typeface="Arial"/>
-              </a:rPr>
-              <a:t>Click to edit the outline text format</a:t>
-            </a:r>
-            <a:endParaRPr b="0" lang="en-GB" sz="1800" spc="-1" strike="noStrike">
-              <a:solidFill>
-                <a:srgbClr val="000000"/>
-              </a:solidFill>
-              <a:latin typeface="Arial"/>
-            </a:endParaRPr>
-          </a:p>
-          <a:p>
-            <a:pPr lvl="1" marL="864000" indent="-324000">
-              <a:spcBef>
-                <a:spcPts val="1134"/>
-              </a:spcBef>
-              <a:buClr>
-                <a:srgbClr val="000000"/>
-              </a:buClr>
-              <a:buSzPct val="75000"/>
-              <a:buFont typeface="Symbol" charset="2"/>
-              <a:buChar char=""/>
-            </a:pPr>
-            <a:r>
-              <a:rPr b="0" lang="en-GB" sz="1800" spc="-1" strike="noStrike">
-                <a:solidFill>
-                  <a:srgbClr val="000000"/>
-                </a:solidFill>
-                <a:latin typeface="Arial"/>
-              </a:rPr>
-              <a:t>Second Outline Level</a:t>
-            </a:r>
-            <a:endParaRPr b="0" lang="en-GB" sz="1800" spc="-1" strike="noStrike">
-              <a:solidFill>
-                <a:srgbClr val="000000"/>
-              </a:solidFill>
-              <a:latin typeface="Arial"/>
-            </a:endParaRPr>
-          </a:p>
-          <a:p>
-            <a:pPr lvl="2" marL="1296000" indent="-288000">
-              <a:spcBef>
-                <a:spcPts val="850"/>
-              </a:spcBef>
-              <a:buClr>
-                <a:srgbClr val="000000"/>
-              </a:buClr>
-              <a:buSzPct val="45000"/>
-              <a:buFont typeface="Wingdings" charset="2"/>
-              <a:buChar char=""/>
-            </a:pPr>
-            <a:r>
-              <a:rPr b="0" lang="en-GB" sz="1800" spc="-1" strike="noStrike">
-                <a:solidFill>
-                  <a:srgbClr val="000000"/>
-                </a:solidFill>
-                <a:latin typeface="Arial"/>
-              </a:rPr>
-              <a:t>Third Outline Level</a:t>
-            </a:r>
-            <a:endParaRPr b="0" lang="en-GB" sz="1800" spc="-1" strike="noStrike">
-              <a:solidFill>
-                <a:srgbClr val="000000"/>
-              </a:solidFill>
-              <a:latin typeface="Arial"/>
-            </a:endParaRPr>
-          </a:p>
-          <a:p>
-            <a:pPr lvl="3" marL="1728000" indent="-216000">
-              <a:spcBef>
-                <a:spcPts val="567"/>
-              </a:spcBef>
-              <a:buClr>
-                <a:srgbClr val="000000"/>
-              </a:buClr>
-              <a:buSzPct val="75000"/>
-              <a:buFont typeface="Symbol" charset="2"/>
-              <a:buChar char=""/>
-            </a:pPr>
-            <a:r>
-              <a:rPr b="0" lang="en-GB" sz="1800" spc="-1" strike="noStrike">
-                <a:solidFill>
-                  <a:srgbClr val="000000"/>
-                </a:solidFill>
-                <a:latin typeface="Arial"/>
-              </a:rPr>
-              <a:t>Fourth Outline Level</a:t>
-            </a:r>
-            <a:endParaRPr b="0" lang="en-GB" sz="1800" spc="-1" strike="noStrike">
-              <a:solidFill>
-                <a:srgbClr val="000000"/>
-              </a:solidFill>
-              <a:latin typeface="Arial"/>
-            </a:endParaRPr>
-          </a:p>
-          <a:p>
-            <a:pPr lvl="4" marL="2160000" indent="-216000">
-              <a:spcBef>
-                <a:spcPts val="283"/>
-              </a:spcBef>
-              <a:buClr>
-                <a:srgbClr val="000000"/>
-              </a:buClr>
-              <a:buSzPct val="45000"/>
-              <a:buFont typeface="Wingdings" charset="2"/>
-              <a:buChar char=""/>
-            </a:pPr>
-            <a:r>
-              <a:rPr b="0" lang="en-GB" sz="1800" spc="-1" strike="noStrike">
-                <a:solidFill>
-                  <a:srgbClr val="000000"/>
-                </a:solidFill>
-                <a:latin typeface="Arial"/>
-              </a:rPr>
-              <a:t>Fifth Outline Level</a:t>
-            </a:r>
-            <a:endParaRPr b="0" lang="en-GB" sz="1800" spc="-1" strike="noStrike">
-              <a:solidFill>
-                <a:srgbClr val="000000"/>
-              </a:solidFill>
-              <a:latin typeface="Arial"/>
-            </a:endParaRPr>
-          </a:p>
-          <a:p>
-            <a:pPr lvl="5" marL="2592000" indent="-216000">
-              <a:spcBef>
-                <a:spcPts val="283"/>
-              </a:spcBef>
-              <a:buClr>
-                <a:srgbClr val="000000"/>
-              </a:buClr>
-              <a:buSzPct val="45000"/>
-              <a:buFont typeface="Wingdings" charset="2"/>
-              <a:buChar char=""/>
-            </a:pPr>
-            <a:r>
-              <a:rPr b="0" lang="en-GB" sz="1800" spc="-1" strike="noStrike">
-                <a:solidFill>
-                  <a:srgbClr val="000000"/>
-                </a:solidFill>
-                <a:latin typeface="Arial"/>
-              </a:rPr>
-              <a:t>Sixth Outline Level</a:t>
-            </a:r>
-            <a:endParaRPr b="0" lang="en-GB" sz="1800" spc="-1" strike="noStrike">
-              <a:solidFill>
-                <a:srgbClr val="000000"/>
-              </a:solidFill>
-              <a:latin typeface="Arial"/>
-            </a:endParaRPr>
-          </a:p>
-          <a:p>
-            <a:pPr lvl="6" marL="3024000" indent="-216000">
-              <a:spcBef>
-                <a:spcPts val="283"/>
-              </a:spcBef>
-              <a:buClr>
-                <a:srgbClr val="000000"/>
-              </a:buClr>
-              <a:buSzPct val="45000"/>
-              <a:buFont typeface="Wingdings" charset="2"/>
-              <a:buChar char=""/>
-            </a:pPr>
-            <a:r>
-              <a:rPr b="0" lang="en-GB" sz="1800" spc="-1" strike="noStrike">
-                <a:solidFill>
-                  <a:srgbClr val="000000"/>
-                </a:solidFill>
-                <a:latin typeface="Arial"/>
-              </a:rPr>
-              <a:t>Seventh Outline Level</a:t>
-            </a:r>
-            <a:endParaRPr b="0" lang="en-GB" sz="1800" spc="-1" strike="noStrike">
               <a:solidFill>
                 <a:srgbClr val="000000"/>
               </a:solidFill>
@@ -13962,14 +12563,14 @@
       </p:grpSpPr>
       <p:sp>
         <p:nvSpPr>
-          <p:cNvPr id="255" name="CustomShape 1"/>
+          <p:cNvPr id="242" name="CustomShape 1"/>
           <p:cNvSpPr/>
           <p:nvPr/>
         </p:nvSpPr>
         <p:spPr>
           <a:xfrm>
             <a:off x="11444760" y="0"/>
-            <a:ext cx="740880" cy="6849720"/>
+            <a:ext cx="740520" cy="6849360"/>
           </a:xfrm>
           <a:prstGeom prst="rect">
             <a:avLst/>
@@ -14011,14 +12612,14 @@
       </p:sp>
       <p:sp>
         <p:nvSpPr>
-          <p:cNvPr id="256" name="CustomShape 2"/>
+          <p:cNvPr id="243" name="CustomShape 2"/>
           <p:cNvSpPr/>
           <p:nvPr/>
         </p:nvSpPr>
         <p:spPr>
           <a:xfrm>
             <a:off x="11438640" y="6453360"/>
-            <a:ext cx="757800" cy="363960"/>
+            <a:ext cx="757440" cy="363960"/>
           </a:xfrm>
           <a:prstGeom prst="rect">
             <a:avLst/>
@@ -14044,7 +12645,7 @@
                 <a:spcPct val="100000"/>
               </a:lnSpc>
             </a:pPr>
-            <a:fld id="{142C1137-D7D9-4423-87CB-924DF8C1C883}" type="slidenum">
+            <a:fld id="{BE85E53E-C603-4141-BBE2-6DD08E9993F4}" type="slidenum">
               <a:rPr b="0" lang="en-US" sz="1800" spc="-1" strike="noStrike">
                 <a:solidFill>
                   <a:srgbClr val="808080"/>
@@ -14065,14 +12666,14 @@
       </p:sp>
       <p:sp>
         <p:nvSpPr>
-          <p:cNvPr id="257" name="CustomShape 3"/>
+          <p:cNvPr id="244" name="CustomShape 3"/>
           <p:cNvSpPr/>
           <p:nvPr/>
         </p:nvSpPr>
         <p:spPr>
           <a:xfrm>
             <a:off x="912240" y="1268280"/>
-            <a:ext cx="9207720" cy="361080"/>
+            <a:ext cx="9207360" cy="360720"/>
           </a:xfrm>
           <a:prstGeom prst="rect">
             <a:avLst/>
@@ -14110,7 +12711,7 @@
       </p:sp>
       <p:pic>
         <p:nvPicPr>
-          <p:cNvPr id="258" name="Picture 19" descr="Logo_TUC_de_RGB"/>
+          <p:cNvPr id="245" name="Picture 19" descr="Logo_TUC_de_RGB"/>
           <p:cNvPicPr/>
           <p:nvPr/>
         </p:nvPicPr>
@@ -14121,7 +12722,7 @@
         <p:spPr>
           <a:xfrm>
             <a:off x="0" y="0"/>
-            <a:ext cx="3051720" cy="561600"/>
+            <a:ext cx="3051360" cy="561240"/>
           </a:xfrm>
           <a:prstGeom prst="rect">
             <a:avLst/>
@@ -14133,7 +12734,7 @@
       </p:pic>
       <p:pic>
         <p:nvPicPr>
-          <p:cNvPr id="259" name="Grafik 2" descr=""/>
+          <p:cNvPr id="246" name="Grafik 2" descr=""/>
           <p:cNvPicPr/>
           <p:nvPr/>
         </p:nvPicPr>
@@ -14144,7 +12745,7 @@
         <p:spPr>
           <a:xfrm>
             <a:off x="7430400" y="134640"/>
-            <a:ext cx="3697560" cy="513720"/>
+            <a:ext cx="3697200" cy="513360"/>
           </a:xfrm>
           <a:prstGeom prst="rect">
             <a:avLst/>
@@ -14156,14 +12757,14 @@
       </p:pic>
       <p:sp>
         <p:nvSpPr>
-          <p:cNvPr id="260" name="CustomShape 4"/>
+          <p:cNvPr id="247" name="CustomShape 4"/>
           <p:cNvSpPr/>
           <p:nvPr/>
         </p:nvSpPr>
         <p:spPr>
           <a:xfrm>
             <a:off x="11444760" y="0"/>
-            <a:ext cx="740880" cy="6849720"/>
+            <a:ext cx="740520" cy="6849360"/>
           </a:xfrm>
           <a:prstGeom prst="rect">
             <a:avLst/>
@@ -14205,14 +12806,14 @@
       </p:sp>
       <p:sp>
         <p:nvSpPr>
-          <p:cNvPr id="261" name="CustomShape 5"/>
+          <p:cNvPr id="248" name="CustomShape 5"/>
           <p:cNvSpPr/>
           <p:nvPr/>
         </p:nvSpPr>
         <p:spPr>
           <a:xfrm>
             <a:off x="11438640" y="6453360"/>
-            <a:ext cx="757800" cy="363960"/>
+            <a:ext cx="757440" cy="363960"/>
           </a:xfrm>
           <a:prstGeom prst="rect">
             <a:avLst/>
@@ -14238,7 +12839,7 @@
                 <a:spcPct val="100000"/>
               </a:lnSpc>
             </a:pPr>
-            <a:fld id="{DE5B2851-C346-4FE1-BDB2-B55263D02AB9}" type="slidenum">
+            <a:fld id="{CC432DD7-0499-4E12-AE6D-431FEFF2CD61}" type="slidenum">
               <a:rPr b="0" lang="en-US" sz="1800" spc="-1" strike="noStrike">
                 <a:solidFill>
                   <a:srgbClr val="808080"/>
@@ -14259,14 +12860,14 @@
       </p:sp>
       <p:sp>
         <p:nvSpPr>
-          <p:cNvPr id="262" name="CustomShape 6"/>
+          <p:cNvPr id="249" name="CustomShape 6"/>
           <p:cNvSpPr/>
           <p:nvPr/>
         </p:nvSpPr>
         <p:spPr>
           <a:xfrm>
             <a:off x="0" y="6642720"/>
-            <a:ext cx="12183840" cy="211320"/>
+            <a:ext cx="12183480" cy="211320"/>
           </a:xfrm>
           <a:prstGeom prst="rect">
             <a:avLst/>
@@ -14313,7 +12914,7 @@
       </p:sp>
       <p:sp>
         <p:nvSpPr>
-          <p:cNvPr id="263" name="PlaceHolder 1"/>
+          <p:cNvPr id="250" name="PlaceHolder 1"/>
           <p:cNvSpPr>
             <a:spLocks noGrp="1"/>
           </p:cNvSpPr>
@@ -14362,7 +12963,7 @@
       </p:sp>
       <p:sp>
         <p:nvSpPr>
-          <p:cNvPr id="264" name="PlaceHolder 2"/>
+          <p:cNvPr id="251" name="PlaceHolder 2"/>
           <p:cNvSpPr>
             <a:spLocks noGrp="1"/>
           </p:cNvSpPr>
@@ -14627,7 +13228,7 @@
         <p:spPr>
           <a:xfrm>
             <a:off x="11444760" y="0"/>
-            <a:ext cx="740880" cy="6849720"/>
+            <a:ext cx="740520" cy="6849360"/>
           </a:xfrm>
           <a:prstGeom prst="rect">
             <a:avLst/>
@@ -14676,7 +13277,7 @@
         <p:spPr>
           <a:xfrm>
             <a:off x="11438640" y="6453360"/>
-            <a:ext cx="757800" cy="363960"/>
+            <a:ext cx="757440" cy="363960"/>
           </a:xfrm>
           <a:prstGeom prst="rect">
             <a:avLst/>
@@ -14702,7 +13303,7 @@
                 <a:spcPct val="100000"/>
               </a:lnSpc>
             </a:pPr>
-            <a:fld id="{462810E5-6FC6-45BB-984C-728791DA94CC}" type="slidenum">
+            <a:fld id="{C045B807-00D9-4B7D-967B-B878B6530B04}" type="slidenum">
               <a:rPr b="0" lang="en-US" sz="1800" spc="-1" strike="noStrike">
                 <a:solidFill>
                   <a:srgbClr val="808080"/>
@@ -14730,7 +13331,7 @@
         <p:spPr>
           <a:xfrm>
             <a:off x="912240" y="1268280"/>
-            <a:ext cx="9207720" cy="361080"/>
+            <a:ext cx="9207360" cy="360720"/>
           </a:xfrm>
           <a:prstGeom prst="rect">
             <a:avLst/>
@@ -14779,7 +13380,7 @@
         <p:spPr>
           <a:xfrm>
             <a:off x="0" y="0"/>
-            <a:ext cx="3051720" cy="561600"/>
+            <a:ext cx="3051360" cy="561240"/>
           </a:xfrm>
           <a:prstGeom prst="rect">
             <a:avLst/>
@@ -14802,7 +13403,7 @@
         <p:spPr>
           <a:xfrm>
             <a:off x="7430400" y="134640"/>
-            <a:ext cx="3697560" cy="513720"/>
+            <a:ext cx="3697200" cy="513360"/>
           </a:xfrm>
           <a:prstGeom prst="rect">
             <a:avLst/>
@@ -14821,7 +13422,7 @@
         <p:spPr>
           <a:xfrm>
             <a:off x="912240" y="1268280"/>
-            <a:ext cx="9207720" cy="361080"/>
+            <a:ext cx="9207360" cy="360720"/>
           </a:xfrm>
           <a:prstGeom prst="rect">
             <a:avLst/>
@@ -14866,7 +13467,7 @@
         <p:spPr>
           <a:xfrm>
             <a:off x="11444760" y="0"/>
-            <a:ext cx="740880" cy="6849720"/>
+            <a:ext cx="740520" cy="6849360"/>
           </a:xfrm>
           <a:prstGeom prst="rect">
             <a:avLst/>
@@ -14915,7 +13516,7 @@
         <p:spPr>
           <a:xfrm>
             <a:off x="0" y="6642720"/>
-            <a:ext cx="12183840" cy="211320"/>
+            <a:ext cx="12183480" cy="211320"/>
           </a:xfrm>
           <a:prstGeom prst="rect">
             <a:avLst/>
@@ -15719,14 +14320,14 @@
       </p:grpSpPr>
       <p:sp>
         <p:nvSpPr>
-          <p:cNvPr id="265" name="CustomShape 1"/>
+          <p:cNvPr id="252" name="CustomShape 1"/>
           <p:cNvSpPr/>
           <p:nvPr/>
         </p:nvSpPr>
         <p:spPr>
           <a:xfrm>
             <a:off x="11444760" y="0"/>
-            <a:ext cx="740880" cy="6849720"/>
+            <a:ext cx="740520" cy="6849360"/>
           </a:xfrm>
           <a:prstGeom prst="rect">
             <a:avLst/>
@@ -15768,14 +14369,14 @@
       </p:sp>
       <p:sp>
         <p:nvSpPr>
-          <p:cNvPr id="266" name="CustomShape 2"/>
+          <p:cNvPr id="253" name="CustomShape 2"/>
           <p:cNvSpPr/>
           <p:nvPr/>
         </p:nvSpPr>
         <p:spPr>
           <a:xfrm>
             <a:off x="11438640" y="6453360"/>
-            <a:ext cx="757800" cy="363960"/>
+            <a:ext cx="757440" cy="363960"/>
           </a:xfrm>
           <a:prstGeom prst="rect">
             <a:avLst/>
@@ -15801,7 +14402,7 @@
                 <a:spcPct val="100000"/>
               </a:lnSpc>
             </a:pPr>
-            <a:fld id="{31034DE7-79B2-4525-AB3A-F0ADC1A9516D}" type="slidenum">
+            <a:fld id="{29758CAB-5953-4A99-8E31-A70A6B0F0ACE}" type="slidenum">
               <a:rPr b="0" lang="en-US" sz="1800" spc="-1" strike="noStrike">
                 <a:solidFill>
                   <a:srgbClr val="808080"/>
@@ -15822,14 +14423,14 @@
       </p:sp>
       <p:sp>
         <p:nvSpPr>
-          <p:cNvPr id="267" name="CustomShape 3"/>
+          <p:cNvPr id="254" name="CustomShape 3"/>
           <p:cNvSpPr/>
           <p:nvPr/>
         </p:nvSpPr>
         <p:spPr>
           <a:xfrm>
             <a:off x="912240" y="1268280"/>
-            <a:ext cx="9207720" cy="361080"/>
+            <a:ext cx="9207360" cy="360720"/>
           </a:xfrm>
           <a:prstGeom prst="rect">
             <a:avLst/>
@@ -15867,7 +14468,7 @@
       </p:sp>
       <p:pic>
         <p:nvPicPr>
-          <p:cNvPr id="268" name="Picture 19" descr="Logo_TUC_de_RGB"/>
+          <p:cNvPr id="255" name="Picture 19" descr="Logo_TUC_de_RGB"/>
           <p:cNvPicPr/>
           <p:nvPr/>
         </p:nvPicPr>
@@ -15878,7 +14479,7 @@
         <p:spPr>
           <a:xfrm>
             <a:off x="0" y="0"/>
-            <a:ext cx="3051720" cy="561600"/>
+            <a:ext cx="3051360" cy="561240"/>
           </a:xfrm>
           <a:prstGeom prst="rect">
             <a:avLst/>
@@ -15890,7 +14491,7 @@
       </p:pic>
       <p:pic>
         <p:nvPicPr>
-          <p:cNvPr id="269" name="Grafik 2" descr=""/>
+          <p:cNvPr id="256" name="Grafik 2" descr=""/>
           <p:cNvPicPr/>
           <p:nvPr/>
         </p:nvPicPr>
@@ -15901,7 +14502,7 @@
         <p:spPr>
           <a:xfrm>
             <a:off x="7430400" y="134640"/>
-            <a:ext cx="3697560" cy="513720"/>
+            <a:ext cx="3697200" cy="513360"/>
           </a:xfrm>
           <a:prstGeom prst="rect">
             <a:avLst/>
@@ -15913,14 +14514,14 @@
       </p:pic>
       <p:sp>
         <p:nvSpPr>
-          <p:cNvPr id="270" name="CustomShape 4"/>
+          <p:cNvPr id="257" name="CustomShape 4"/>
           <p:cNvSpPr/>
           <p:nvPr/>
         </p:nvSpPr>
         <p:spPr>
           <a:xfrm>
             <a:off x="11444760" y="0"/>
-            <a:ext cx="740880" cy="6849720"/>
+            <a:ext cx="740520" cy="6849360"/>
           </a:xfrm>
           <a:prstGeom prst="rect">
             <a:avLst/>
@@ -15962,14 +14563,14 @@
       </p:sp>
       <p:sp>
         <p:nvSpPr>
-          <p:cNvPr id="271" name="CustomShape 5"/>
+          <p:cNvPr id="258" name="CustomShape 5"/>
           <p:cNvSpPr/>
           <p:nvPr/>
         </p:nvSpPr>
         <p:spPr>
           <a:xfrm>
             <a:off x="11438640" y="6453360"/>
-            <a:ext cx="757800" cy="363960"/>
+            <a:ext cx="757440" cy="363960"/>
           </a:xfrm>
           <a:prstGeom prst="rect">
             <a:avLst/>
@@ -15995,7 +14596,7 @@
                 <a:spcPct val="100000"/>
               </a:lnSpc>
             </a:pPr>
-            <a:fld id="{9F9AA2DA-8BFA-420A-AA8D-C36B4B448960}" type="slidenum">
+            <a:fld id="{27AA9005-2906-4A1F-877A-B4FD607BF1B7}" type="slidenum">
               <a:rPr b="0" lang="en-US" sz="1800" spc="-1" strike="noStrike">
                 <a:solidFill>
                   <a:srgbClr val="808080"/>
@@ -16016,14 +14617,14 @@
       </p:sp>
       <p:sp>
         <p:nvSpPr>
-          <p:cNvPr id="272" name="CustomShape 6"/>
+          <p:cNvPr id="259" name="CustomShape 6"/>
           <p:cNvSpPr/>
           <p:nvPr/>
         </p:nvSpPr>
         <p:spPr>
           <a:xfrm>
             <a:off x="0" y="6642720"/>
-            <a:ext cx="12183840" cy="211320"/>
+            <a:ext cx="12183480" cy="211320"/>
           </a:xfrm>
           <a:prstGeom prst="rect">
             <a:avLst/>
@@ -16070,7 +14671,7 @@
       </p:sp>
       <p:sp>
         <p:nvSpPr>
-          <p:cNvPr id="273" name="PlaceHolder 1"/>
+          <p:cNvPr id="260" name="PlaceHolder 1"/>
           <p:cNvSpPr>
             <a:spLocks noGrp="1"/>
           </p:cNvSpPr>
@@ -16107,6 +14708,231 @@
                 <a:latin typeface="Arial"/>
               </a:rPr>
               <a:t>Click to edit the title text format</a:t>
+            </a:r>
+            <a:endParaRPr b="0" lang="en-GB" sz="1800" spc="-1" strike="noStrike">
+              <a:solidFill>
+                <a:srgbClr val="000000"/>
+              </a:solidFill>
+              <a:latin typeface="Arial"/>
+            </a:endParaRPr>
+          </a:p>
+        </p:txBody>
+      </p:sp>
+      <p:sp>
+        <p:nvSpPr>
+          <p:cNvPr id="261" name="PlaceHolder 2"/>
+          <p:cNvSpPr>
+            <a:spLocks noGrp="1"/>
+          </p:cNvSpPr>
+          <p:nvPr>
+            <p:ph type="body"/>
+          </p:nvPr>
+        </p:nvSpPr>
+        <p:spPr>
+          <a:xfrm>
+            <a:off x="609480" y="1604520"/>
+            <a:ext cx="10972080" cy="3976920"/>
+          </a:xfrm>
+          <a:prstGeom prst="rect">
+            <a:avLst/>
+          </a:prstGeom>
+          <a:noFill/>
+          <a:ln w="0">
+            <a:noFill/>
+          </a:ln>
+        </p:spPr>
+        <p:txBody>
+          <a:bodyPr lIns="0" rIns="0" tIns="0" bIns="0" anchor="t">
+            <a:normAutofit/>
+          </a:bodyPr>
+          <a:p>
+            <a:pPr marL="432000" indent="-324000">
+              <a:spcBef>
+                <a:spcPts val="1417"/>
+              </a:spcBef>
+              <a:buClr>
+                <a:srgbClr val="000000"/>
+              </a:buClr>
+              <a:buSzPct val="45000"/>
+              <a:buFont typeface="Wingdings" charset="2"/>
+              <a:buChar char=""/>
+            </a:pPr>
+            <a:r>
+              <a:rPr b="0" lang="en-GB" sz="1800" spc="-1" strike="noStrike">
+                <a:solidFill>
+                  <a:srgbClr val="000000"/>
+                </a:solidFill>
+                <a:latin typeface="Arial"/>
+              </a:rPr>
+              <a:t>Click to edit the outline text format</a:t>
+            </a:r>
+            <a:endParaRPr b="0" lang="en-GB" sz="1800" spc="-1" strike="noStrike">
+              <a:solidFill>
+                <a:srgbClr val="000000"/>
+              </a:solidFill>
+              <a:latin typeface="Arial"/>
+            </a:endParaRPr>
+          </a:p>
+          <a:p>
+            <a:pPr lvl="1" marL="864000" indent="-324000">
+              <a:spcBef>
+                <a:spcPts val="1134"/>
+              </a:spcBef>
+              <a:buClr>
+                <a:srgbClr val="000000"/>
+              </a:buClr>
+              <a:buSzPct val="75000"/>
+              <a:buFont typeface="Symbol" charset="2"/>
+              <a:buChar char=""/>
+            </a:pPr>
+            <a:r>
+              <a:rPr b="0" lang="en-GB" sz="1800" spc="-1" strike="noStrike">
+                <a:solidFill>
+                  <a:srgbClr val="000000"/>
+                </a:solidFill>
+                <a:latin typeface="Arial"/>
+              </a:rPr>
+              <a:t>Second Outline Level</a:t>
+            </a:r>
+            <a:endParaRPr b="0" lang="en-GB" sz="1800" spc="-1" strike="noStrike">
+              <a:solidFill>
+                <a:srgbClr val="000000"/>
+              </a:solidFill>
+              <a:latin typeface="Arial"/>
+            </a:endParaRPr>
+          </a:p>
+          <a:p>
+            <a:pPr lvl="2" marL="1296000" indent="-288000">
+              <a:spcBef>
+                <a:spcPts val="850"/>
+              </a:spcBef>
+              <a:buClr>
+                <a:srgbClr val="000000"/>
+              </a:buClr>
+              <a:buSzPct val="45000"/>
+              <a:buFont typeface="Wingdings" charset="2"/>
+              <a:buChar char=""/>
+            </a:pPr>
+            <a:r>
+              <a:rPr b="0" lang="en-GB" sz="1800" spc="-1" strike="noStrike">
+                <a:solidFill>
+                  <a:srgbClr val="000000"/>
+                </a:solidFill>
+                <a:latin typeface="Arial"/>
+              </a:rPr>
+              <a:t>Third Outline Level</a:t>
+            </a:r>
+            <a:endParaRPr b="0" lang="en-GB" sz="1800" spc="-1" strike="noStrike">
+              <a:solidFill>
+                <a:srgbClr val="000000"/>
+              </a:solidFill>
+              <a:latin typeface="Arial"/>
+            </a:endParaRPr>
+          </a:p>
+          <a:p>
+            <a:pPr lvl="3" marL="1728000" indent="-216000">
+              <a:spcBef>
+                <a:spcPts val="567"/>
+              </a:spcBef>
+              <a:buClr>
+                <a:srgbClr val="000000"/>
+              </a:buClr>
+              <a:buSzPct val="75000"/>
+              <a:buFont typeface="Symbol" charset="2"/>
+              <a:buChar char=""/>
+            </a:pPr>
+            <a:r>
+              <a:rPr b="0" lang="en-GB" sz="1800" spc="-1" strike="noStrike">
+                <a:solidFill>
+                  <a:srgbClr val="000000"/>
+                </a:solidFill>
+                <a:latin typeface="Arial"/>
+              </a:rPr>
+              <a:t>Fourth Outline Level</a:t>
+            </a:r>
+            <a:endParaRPr b="0" lang="en-GB" sz="1800" spc="-1" strike="noStrike">
+              <a:solidFill>
+                <a:srgbClr val="000000"/>
+              </a:solidFill>
+              <a:latin typeface="Arial"/>
+            </a:endParaRPr>
+          </a:p>
+          <a:p>
+            <a:pPr lvl="4" marL="2160000" indent="-216000">
+              <a:spcBef>
+                <a:spcPts val="283"/>
+              </a:spcBef>
+              <a:buClr>
+                <a:srgbClr val="000000"/>
+              </a:buClr>
+              <a:buSzPct val="45000"/>
+              <a:buFont typeface="Wingdings" charset="2"/>
+              <a:buChar char=""/>
+            </a:pPr>
+            <a:r>
+              <a:rPr b="0" lang="en-GB" sz="1800" spc="-1" strike="noStrike">
+                <a:solidFill>
+                  <a:srgbClr val="000000"/>
+                </a:solidFill>
+                <a:latin typeface="Arial"/>
+              </a:rPr>
+              <a:t>Fifth Outline Level</a:t>
+            </a:r>
+            <a:endParaRPr b="0" lang="en-GB" sz="1800" spc="-1" strike="noStrike">
+              <a:solidFill>
+                <a:srgbClr val="000000"/>
+              </a:solidFill>
+              <a:latin typeface="Arial"/>
+            </a:endParaRPr>
+          </a:p>
+          <a:p>
+            <a:pPr lvl="5" marL="2592000" indent="-216000">
+              <a:spcBef>
+                <a:spcPts val="283"/>
+              </a:spcBef>
+              <a:buClr>
+                <a:srgbClr val="000000"/>
+              </a:buClr>
+              <a:buSzPct val="45000"/>
+              <a:buFont typeface="Wingdings" charset="2"/>
+              <a:buChar char=""/>
+            </a:pPr>
+            <a:r>
+              <a:rPr b="0" lang="en-GB" sz="1800" spc="-1" strike="noStrike">
+                <a:solidFill>
+                  <a:srgbClr val="000000"/>
+                </a:solidFill>
+                <a:latin typeface="Arial"/>
+              </a:rPr>
+              <a:t>Sixth Outline Level</a:t>
+            </a:r>
+            <a:endParaRPr b="0" lang="en-GB" sz="1800" spc="-1" strike="noStrike">
+              <a:solidFill>
+                <a:srgbClr val="000000"/>
+              </a:solidFill>
+              <a:latin typeface="Arial"/>
+            </a:endParaRPr>
+          </a:p>
+          <a:p>
+            <a:pPr lvl="6" marL="3024000" indent="-216000">
+              <a:spcBef>
+                <a:spcPts val="283"/>
+              </a:spcBef>
+              <a:buClr>
+                <a:srgbClr val="000000"/>
+              </a:buClr>
+              <a:buSzPct val="45000"/>
+              <a:buFont typeface="Wingdings" charset="2"/>
+              <a:buChar char=""/>
+            </a:pPr>
+            <a:r>
+              <a:rPr b="0" lang="en-GB" sz="1800" spc="-1" strike="noStrike">
+                <a:solidFill>
+                  <a:srgbClr val="000000"/>
+                </a:solidFill>
+                <a:latin typeface="Arial"/>
+              </a:rPr>
+              <a:t>Seventh Outline Level</a:t>
             </a:r>
             <a:endParaRPr b="0" lang="en-GB" sz="1800" spc="-1" strike="noStrike">
               <a:solidFill>
@@ -16152,14 +14978,14 @@
       </p:grpSpPr>
       <p:sp>
         <p:nvSpPr>
-          <p:cNvPr id="276" name="CustomShape 1"/>
+          <p:cNvPr id="264" name="CustomShape 1"/>
           <p:cNvSpPr/>
           <p:nvPr/>
         </p:nvSpPr>
         <p:spPr>
           <a:xfrm>
             <a:off x="11444760" y="0"/>
-            <a:ext cx="740880" cy="6849720"/>
+            <a:ext cx="740520" cy="6849360"/>
           </a:xfrm>
           <a:prstGeom prst="rect">
             <a:avLst/>
@@ -16201,14 +15027,14 @@
       </p:sp>
       <p:sp>
         <p:nvSpPr>
-          <p:cNvPr id="277" name="CustomShape 2"/>
+          <p:cNvPr id="265" name="CustomShape 2"/>
           <p:cNvSpPr/>
           <p:nvPr/>
         </p:nvSpPr>
         <p:spPr>
           <a:xfrm>
             <a:off x="11438640" y="6453360"/>
-            <a:ext cx="757800" cy="363960"/>
+            <a:ext cx="757440" cy="363960"/>
           </a:xfrm>
           <a:prstGeom prst="rect">
             <a:avLst/>
@@ -16234,7 +15060,7 @@
                 <a:spcPct val="100000"/>
               </a:lnSpc>
             </a:pPr>
-            <a:fld id="{C33B4E93-7E13-48D1-B8A6-86024ADA2A34}" type="slidenum">
+            <a:fld id="{FFD80C1F-1D21-43FA-97A8-C718E4C8B0AA}" type="slidenum">
               <a:rPr b="0" lang="en-US" sz="1800" spc="-1" strike="noStrike">
                 <a:solidFill>
                   <a:srgbClr val="808080"/>
@@ -16255,14 +15081,14 @@
       </p:sp>
       <p:sp>
         <p:nvSpPr>
-          <p:cNvPr id="278" name="CustomShape 3"/>
+          <p:cNvPr id="266" name="CustomShape 3"/>
           <p:cNvSpPr/>
           <p:nvPr/>
         </p:nvSpPr>
         <p:spPr>
           <a:xfrm>
             <a:off x="912240" y="1268280"/>
-            <a:ext cx="9207720" cy="361080"/>
+            <a:ext cx="9207360" cy="360720"/>
           </a:xfrm>
           <a:prstGeom prst="rect">
             <a:avLst/>
@@ -16300,7 +15126,7 @@
       </p:sp>
       <p:pic>
         <p:nvPicPr>
-          <p:cNvPr id="279" name="Picture 19" descr="Logo_TUC_de_RGB"/>
+          <p:cNvPr id="267" name="Picture 19" descr="Logo_TUC_de_RGB"/>
           <p:cNvPicPr/>
           <p:nvPr/>
         </p:nvPicPr>
@@ -16311,7 +15137,7 @@
         <p:spPr>
           <a:xfrm>
             <a:off x="0" y="0"/>
-            <a:ext cx="3051720" cy="561600"/>
+            <a:ext cx="3051360" cy="561240"/>
           </a:xfrm>
           <a:prstGeom prst="rect">
             <a:avLst/>
@@ -16323,7 +15149,7 @@
       </p:pic>
       <p:pic>
         <p:nvPicPr>
-          <p:cNvPr id="280" name="Grafik 2" descr=""/>
+          <p:cNvPr id="268" name="Grafik 2" descr=""/>
           <p:cNvPicPr/>
           <p:nvPr/>
         </p:nvPicPr>
@@ -16334,7 +15160,7 @@
         <p:spPr>
           <a:xfrm>
             <a:off x="7430400" y="134640"/>
-            <a:ext cx="3697560" cy="513720"/>
+            <a:ext cx="3697200" cy="513360"/>
           </a:xfrm>
           <a:prstGeom prst="rect">
             <a:avLst/>
@@ -16346,14 +15172,14 @@
       </p:pic>
       <p:sp>
         <p:nvSpPr>
-          <p:cNvPr id="281" name="CustomShape 4"/>
+          <p:cNvPr id="269" name="CustomShape 4"/>
           <p:cNvSpPr/>
           <p:nvPr/>
         </p:nvSpPr>
         <p:spPr>
           <a:xfrm>
             <a:off x="11444760" y="0"/>
-            <a:ext cx="740880" cy="6849720"/>
+            <a:ext cx="740520" cy="6849360"/>
           </a:xfrm>
           <a:prstGeom prst="rect">
             <a:avLst/>
@@ -16395,14 +15221,14 @@
       </p:sp>
       <p:sp>
         <p:nvSpPr>
-          <p:cNvPr id="282" name="CustomShape 5"/>
+          <p:cNvPr id="270" name="CustomShape 5"/>
           <p:cNvSpPr/>
           <p:nvPr/>
         </p:nvSpPr>
         <p:spPr>
           <a:xfrm>
             <a:off x="11438640" y="6453360"/>
-            <a:ext cx="757800" cy="363960"/>
+            <a:ext cx="757440" cy="363960"/>
           </a:xfrm>
           <a:prstGeom prst="rect">
             <a:avLst/>
@@ -16428,7 +15254,7 @@
                 <a:spcPct val="100000"/>
               </a:lnSpc>
             </a:pPr>
-            <a:fld id="{4B33D5A3-B333-41E7-9FA2-943CFE08112D}" type="slidenum">
+            <a:fld id="{554FCF9A-7433-410E-A24D-7C67046B4209}" type="slidenum">
               <a:rPr b="0" lang="en-US" sz="1800" spc="-1" strike="noStrike">
                 <a:solidFill>
                   <a:srgbClr val="808080"/>
@@ -16449,14 +15275,14 @@
       </p:sp>
       <p:sp>
         <p:nvSpPr>
-          <p:cNvPr id="283" name="CustomShape 6"/>
+          <p:cNvPr id="271" name="CustomShape 6"/>
           <p:cNvSpPr/>
           <p:nvPr/>
         </p:nvSpPr>
         <p:spPr>
           <a:xfrm>
             <a:off x="0" y="6642720"/>
-            <a:ext cx="12183840" cy="211320"/>
+            <a:ext cx="12183480" cy="211320"/>
           </a:xfrm>
           <a:prstGeom prst="rect">
             <a:avLst/>
@@ -16503,7 +15329,7 @@
       </p:sp>
       <p:sp>
         <p:nvSpPr>
-          <p:cNvPr id="284" name="PlaceHolder 1"/>
+          <p:cNvPr id="272" name="PlaceHolder 1"/>
           <p:cNvSpPr>
             <a:spLocks noGrp="1"/>
           </p:cNvSpPr>
@@ -16552,7 +15378,7 @@
       </p:sp>
       <p:sp>
         <p:nvSpPr>
-          <p:cNvPr id="285" name="PlaceHolder 2"/>
+          <p:cNvPr id="273" name="PlaceHolder 2"/>
           <p:cNvSpPr>
             <a:spLocks noGrp="1"/>
           </p:cNvSpPr>
@@ -16810,14 +15636,14 @@
       </p:grpSpPr>
       <p:sp>
         <p:nvSpPr>
-          <p:cNvPr id="288" name="CustomShape 1"/>
+          <p:cNvPr id="276" name="CustomShape 1"/>
           <p:cNvSpPr/>
           <p:nvPr/>
         </p:nvSpPr>
         <p:spPr>
           <a:xfrm>
             <a:off x="11444760" y="0"/>
-            <a:ext cx="740880" cy="6849720"/>
+            <a:ext cx="740520" cy="6849360"/>
           </a:xfrm>
           <a:prstGeom prst="rect">
             <a:avLst/>
@@ -16859,14 +15685,14 @@
       </p:sp>
       <p:sp>
         <p:nvSpPr>
-          <p:cNvPr id="289" name="CustomShape 2"/>
+          <p:cNvPr id="277" name="CustomShape 2"/>
           <p:cNvSpPr/>
           <p:nvPr/>
         </p:nvSpPr>
         <p:spPr>
           <a:xfrm>
             <a:off x="11438640" y="6453360"/>
-            <a:ext cx="757800" cy="363960"/>
+            <a:ext cx="757440" cy="363960"/>
           </a:xfrm>
           <a:prstGeom prst="rect">
             <a:avLst/>
@@ -16892,7 +15718,7 @@
                 <a:spcPct val="100000"/>
               </a:lnSpc>
             </a:pPr>
-            <a:fld id="{6356CEB1-DEE5-48CC-A229-C7C8C42042B0}" type="slidenum">
+            <a:fld id="{7173871A-89CE-4B54-98F6-37E9D5F39EEB}" type="slidenum">
               <a:rPr b="0" lang="en-US" sz="1800" spc="-1" strike="noStrike">
                 <a:solidFill>
                   <a:srgbClr val="808080"/>
@@ -16913,14 +15739,14 @@
       </p:sp>
       <p:sp>
         <p:nvSpPr>
-          <p:cNvPr id="290" name="CustomShape 3"/>
+          <p:cNvPr id="278" name="CustomShape 3"/>
           <p:cNvSpPr/>
           <p:nvPr/>
         </p:nvSpPr>
         <p:spPr>
           <a:xfrm>
             <a:off x="912240" y="1268280"/>
-            <a:ext cx="9207720" cy="361080"/>
+            <a:ext cx="9207360" cy="360720"/>
           </a:xfrm>
           <a:prstGeom prst="rect">
             <a:avLst/>
@@ -16958,7 +15784,7 @@
       </p:sp>
       <p:pic>
         <p:nvPicPr>
-          <p:cNvPr id="291" name="Picture 19" descr="Logo_TUC_de_RGB"/>
+          <p:cNvPr id="279" name="Picture 19" descr="Logo_TUC_de_RGB"/>
           <p:cNvPicPr/>
           <p:nvPr/>
         </p:nvPicPr>
@@ -16969,7 +15795,7 @@
         <p:spPr>
           <a:xfrm>
             <a:off x="0" y="0"/>
-            <a:ext cx="3051720" cy="561600"/>
+            <a:ext cx="3051360" cy="561240"/>
           </a:xfrm>
           <a:prstGeom prst="rect">
             <a:avLst/>
@@ -16981,7 +15807,7 @@
       </p:pic>
       <p:pic>
         <p:nvPicPr>
-          <p:cNvPr id="292" name="Grafik 2" descr=""/>
+          <p:cNvPr id="280" name="Grafik 2" descr=""/>
           <p:cNvPicPr/>
           <p:nvPr/>
         </p:nvPicPr>
@@ -16992,7 +15818,7 @@
         <p:spPr>
           <a:xfrm>
             <a:off x="7430400" y="134640"/>
-            <a:ext cx="3697560" cy="513720"/>
+            <a:ext cx="3697200" cy="513360"/>
           </a:xfrm>
           <a:prstGeom prst="rect">
             <a:avLst/>
@@ -17004,14 +15830,14 @@
       </p:pic>
       <p:sp>
         <p:nvSpPr>
-          <p:cNvPr id="293" name="CustomShape 4"/>
+          <p:cNvPr id="281" name="CustomShape 4"/>
           <p:cNvSpPr/>
           <p:nvPr/>
         </p:nvSpPr>
         <p:spPr>
           <a:xfrm>
             <a:off x="11444760" y="0"/>
-            <a:ext cx="740880" cy="6849720"/>
+            <a:ext cx="740520" cy="6849360"/>
           </a:xfrm>
           <a:prstGeom prst="rect">
             <a:avLst/>
@@ -17053,14 +15879,14 @@
       </p:sp>
       <p:sp>
         <p:nvSpPr>
-          <p:cNvPr id="294" name="CustomShape 5"/>
+          <p:cNvPr id="282" name="CustomShape 5"/>
           <p:cNvSpPr/>
           <p:nvPr/>
         </p:nvSpPr>
         <p:spPr>
           <a:xfrm>
             <a:off x="11438640" y="6453360"/>
-            <a:ext cx="757800" cy="363960"/>
+            <a:ext cx="757440" cy="363960"/>
           </a:xfrm>
           <a:prstGeom prst="rect">
             <a:avLst/>
@@ -17086,7 +15912,7 @@
                 <a:spcPct val="100000"/>
               </a:lnSpc>
             </a:pPr>
-            <a:fld id="{6BF1120E-E98C-432B-A59A-0B8E5CFE910B}" type="slidenum">
+            <a:fld id="{F3EBA052-6A5C-4C44-8A36-333D051E4C4F}" type="slidenum">
               <a:rPr b="0" lang="en-US" sz="1800" spc="-1" strike="noStrike">
                 <a:solidFill>
                   <a:srgbClr val="808080"/>
@@ -17107,14 +15933,14 @@
       </p:sp>
       <p:sp>
         <p:nvSpPr>
-          <p:cNvPr id="295" name="CustomShape 6"/>
+          <p:cNvPr id="283" name="CustomShape 6"/>
           <p:cNvSpPr/>
           <p:nvPr/>
         </p:nvSpPr>
         <p:spPr>
           <a:xfrm>
             <a:off x="0" y="6642720"/>
-            <a:ext cx="12183840" cy="211320"/>
+            <a:ext cx="12183480" cy="211320"/>
           </a:xfrm>
           <a:prstGeom prst="rect">
             <a:avLst/>
@@ -17161,7 +15987,7 @@
       </p:sp>
       <p:sp>
         <p:nvSpPr>
-          <p:cNvPr id="296" name="PlaceHolder 1"/>
+          <p:cNvPr id="284" name="PlaceHolder 1"/>
           <p:cNvSpPr>
             <a:spLocks noGrp="1"/>
           </p:cNvSpPr>
@@ -17210,7 +16036,7 @@
       </p:sp>
       <p:sp>
         <p:nvSpPr>
-          <p:cNvPr id="297" name="PlaceHolder 2"/>
+          <p:cNvPr id="285" name="PlaceHolder 2"/>
           <p:cNvSpPr>
             <a:spLocks noGrp="1"/>
           </p:cNvSpPr>
@@ -17435,7 +16261,7 @@
       </p:sp>
       <p:sp>
         <p:nvSpPr>
-          <p:cNvPr id="298" name="PlaceHolder 3"/>
+          <p:cNvPr id="286" name="PlaceHolder 3"/>
           <p:cNvSpPr>
             <a:spLocks noGrp="1"/>
           </p:cNvSpPr>
@@ -17693,14 +16519,14 @@
       </p:grpSpPr>
       <p:sp>
         <p:nvSpPr>
-          <p:cNvPr id="302" name="CustomShape 1"/>
+          <p:cNvPr id="290" name="CustomShape 1"/>
           <p:cNvSpPr/>
           <p:nvPr/>
         </p:nvSpPr>
         <p:spPr>
           <a:xfrm>
             <a:off x="11444760" y="0"/>
-            <a:ext cx="740880" cy="6849720"/>
+            <a:ext cx="740520" cy="6849360"/>
           </a:xfrm>
           <a:prstGeom prst="rect">
             <a:avLst/>
@@ -17742,14 +16568,14 @@
       </p:sp>
       <p:sp>
         <p:nvSpPr>
-          <p:cNvPr id="303" name="CustomShape 2"/>
+          <p:cNvPr id="291" name="CustomShape 2"/>
           <p:cNvSpPr/>
           <p:nvPr/>
         </p:nvSpPr>
         <p:spPr>
           <a:xfrm>
             <a:off x="11438640" y="6453360"/>
-            <a:ext cx="757800" cy="363960"/>
+            <a:ext cx="757440" cy="363960"/>
           </a:xfrm>
           <a:prstGeom prst="rect">
             <a:avLst/>
@@ -17775,7 +16601,7 @@
                 <a:spcPct val="100000"/>
               </a:lnSpc>
             </a:pPr>
-            <a:fld id="{8664DA20-E0EA-43A3-850A-00D1DC082284}" type="slidenum">
+            <a:fld id="{902540D0-CF4A-4DD6-97DF-8F5FA2DF16C9}" type="slidenum">
               <a:rPr b="0" lang="en-US" sz="1800" spc="-1" strike="noStrike">
                 <a:solidFill>
                   <a:srgbClr val="808080"/>
@@ -17796,14 +16622,14 @@
       </p:sp>
       <p:sp>
         <p:nvSpPr>
-          <p:cNvPr id="304" name="CustomShape 3"/>
+          <p:cNvPr id="292" name="CustomShape 3"/>
           <p:cNvSpPr/>
           <p:nvPr/>
         </p:nvSpPr>
         <p:spPr>
           <a:xfrm>
             <a:off x="912240" y="1268280"/>
-            <a:ext cx="9207720" cy="361080"/>
+            <a:ext cx="9207360" cy="360720"/>
           </a:xfrm>
           <a:prstGeom prst="rect">
             <a:avLst/>
@@ -17841,7 +16667,7 @@
       </p:sp>
       <p:pic>
         <p:nvPicPr>
-          <p:cNvPr id="305" name="Picture 19" descr="Logo_TUC_de_RGB"/>
+          <p:cNvPr id="293" name="Picture 19" descr="Logo_TUC_de_RGB"/>
           <p:cNvPicPr/>
           <p:nvPr/>
         </p:nvPicPr>
@@ -17852,7 +16678,7 @@
         <p:spPr>
           <a:xfrm>
             <a:off x="0" y="0"/>
-            <a:ext cx="3051720" cy="561600"/>
+            <a:ext cx="3051360" cy="561240"/>
           </a:xfrm>
           <a:prstGeom prst="rect">
             <a:avLst/>
@@ -17864,7 +16690,7 @@
       </p:pic>
       <p:pic>
         <p:nvPicPr>
-          <p:cNvPr id="306" name="Grafik 2" descr=""/>
+          <p:cNvPr id="294" name="Grafik 2" descr=""/>
           <p:cNvPicPr/>
           <p:nvPr/>
         </p:nvPicPr>
@@ -17875,7 +16701,7 @@
         <p:spPr>
           <a:xfrm>
             <a:off x="7430400" y="134640"/>
-            <a:ext cx="3697560" cy="513720"/>
+            <a:ext cx="3697200" cy="513360"/>
           </a:xfrm>
           <a:prstGeom prst="rect">
             <a:avLst/>
@@ -17887,14 +16713,14 @@
       </p:pic>
       <p:sp>
         <p:nvSpPr>
-          <p:cNvPr id="307" name="CustomShape 4"/>
+          <p:cNvPr id="295" name="CustomShape 4"/>
           <p:cNvSpPr/>
           <p:nvPr/>
         </p:nvSpPr>
         <p:spPr>
           <a:xfrm>
             <a:off x="11444760" y="0"/>
-            <a:ext cx="740880" cy="6849720"/>
+            <a:ext cx="740520" cy="6849360"/>
           </a:xfrm>
           <a:prstGeom prst="rect">
             <a:avLst/>
@@ -17936,14 +16762,14 @@
       </p:sp>
       <p:sp>
         <p:nvSpPr>
-          <p:cNvPr id="308" name="CustomShape 5"/>
+          <p:cNvPr id="296" name="CustomShape 5"/>
           <p:cNvSpPr/>
           <p:nvPr/>
         </p:nvSpPr>
         <p:spPr>
           <a:xfrm>
             <a:off x="11438640" y="6453360"/>
-            <a:ext cx="757800" cy="363960"/>
+            <a:ext cx="757440" cy="363960"/>
           </a:xfrm>
           <a:prstGeom prst="rect">
             <a:avLst/>
@@ -17969,7 +16795,7 @@
                 <a:spcPct val="100000"/>
               </a:lnSpc>
             </a:pPr>
-            <a:fld id="{96A5D1A5-C833-445E-ACFF-10E9E0BC3D93}" type="slidenum">
+            <a:fld id="{C1656862-1C28-4667-BFE4-0BE151D34B9E}" type="slidenum">
               <a:rPr b="0" lang="en-US" sz="1800" spc="-1" strike="noStrike">
                 <a:solidFill>
                   <a:srgbClr val="808080"/>
@@ -17990,14 +16816,14 @@
       </p:sp>
       <p:sp>
         <p:nvSpPr>
-          <p:cNvPr id="309" name="CustomShape 6"/>
+          <p:cNvPr id="297" name="CustomShape 6"/>
           <p:cNvSpPr/>
           <p:nvPr/>
         </p:nvSpPr>
         <p:spPr>
           <a:xfrm>
             <a:off x="0" y="6642720"/>
-            <a:ext cx="12183840" cy="211320"/>
+            <a:ext cx="12183480" cy="211320"/>
           </a:xfrm>
           <a:prstGeom prst="rect">
             <a:avLst/>
@@ -18044,7 +16870,7 @@
       </p:sp>
       <p:sp>
         <p:nvSpPr>
-          <p:cNvPr id="310" name="PlaceHolder 1"/>
+          <p:cNvPr id="298" name="PlaceHolder 1"/>
           <p:cNvSpPr>
             <a:spLocks noGrp="1"/>
           </p:cNvSpPr>
@@ -18126,14 +16952,14 @@
       </p:grpSpPr>
       <p:sp>
         <p:nvSpPr>
-          <p:cNvPr id="312" name="CustomShape 1"/>
+          <p:cNvPr id="300" name="CustomShape 1"/>
           <p:cNvSpPr/>
           <p:nvPr/>
         </p:nvSpPr>
         <p:spPr>
           <a:xfrm>
             <a:off x="11444760" y="0"/>
-            <a:ext cx="740880" cy="6849720"/>
+            <a:ext cx="740520" cy="6849360"/>
           </a:xfrm>
           <a:prstGeom prst="rect">
             <a:avLst/>
@@ -18175,14 +17001,14 @@
       </p:sp>
       <p:sp>
         <p:nvSpPr>
-          <p:cNvPr id="313" name="CustomShape 2"/>
+          <p:cNvPr id="301" name="CustomShape 2"/>
           <p:cNvSpPr/>
           <p:nvPr/>
         </p:nvSpPr>
         <p:spPr>
           <a:xfrm>
             <a:off x="11438640" y="6453360"/>
-            <a:ext cx="757800" cy="363960"/>
+            <a:ext cx="757440" cy="363960"/>
           </a:xfrm>
           <a:prstGeom prst="rect">
             <a:avLst/>
@@ -18208,7 +17034,7 @@
                 <a:spcPct val="100000"/>
               </a:lnSpc>
             </a:pPr>
-            <a:fld id="{97C829FC-C2F2-4C48-A0BD-08CE06C2A1D6}" type="slidenum">
+            <a:fld id="{39541E03-8236-41D2-B949-29CD6E610A23}" type="slidenum">
               <a:rPr b="0" lang="en-US" sz="1800" spc="-1" strike="noStrike">
                 <a:solidFill>
                   <a:srgbClr val="808080"/>
@@ -18229,14 +17055,14 @@
       </p:sp>
       <p:sp>
         <p:nvSpPr>
-          <p:cNvPr id="314" name="CustomShape 3"/>
+          <p:cNvPr id="302" name="CustomShape 3"/>
           <p:cNvSpPr/>
           <p:nvPr/>
         </p:nvSpPr>
         <p:spPr>
           <a:xfrm>
             <a:off x="912240" y="1268280"/>
-            <a:ext cx="9207720" cy="361080"/>
+            <a:ext cx="9207360" cy="360720"/>
           </a:xfrm>
           <a:prstGeom prst="rect">
             <a:avLst/>
@@ -18274,7 +17100,7 @@
       </p:sp>
       <p:pic>
         <p:nvPicPr>
-          <p:cNvPr id="315" name="Picture 19" descr="Logo_TUC_de_RGB"/>
+          <p:cNvPr id="303" name="Picture 19" descr="Logo_TUC_de_RGB"/>
           <p:cNvPicPr/>
           <p:nvPr/>
         </p:nvPicPr>
@@ -18285,7 +17111,7 @@
         <p:spPr>
           <a:xfrm>
             <a:off x="0" y="0"/>
-            <a:ext cx="3051720" cy="561600"/>
+            <a:ext cx="3051360" cy="561240"/>
           </a:xfrm>
           <a:prstGeom prst="rect">
             <a:avLst/>
@@ -18297,7 +17123,7 @@
       </p:pic>
       <p:pic>
         <p:nvPicPr>
-          <p:cNvPr id="316" name="Grafik 2" descr=""/>
+          <p:cNvPr id="304" name="Grafik 2" descr=""/>
           <p:cNvPicPr/>
           <p:nvPr/>
         </p:nvPicPr>
@@ -18308,7 +17134,7 @@
         <p:spPr>
           <a:xfrm>
             <a:off x="7430400" y="134640"/>
-            <a:ext cx="3697560" cy="513720"/>
+            <a:ext cx="3697200" cy="513360"/>
           </a:xfrm>
           <a:prstGeom prst="rect">
             <a:avLst/>
@@ -18320,14 +17146,14 @@
       </p:pic>
       <p:sp>
         <p:nvSpPr>
-          <p:cNvPr id="317" name="CustomShape 4"/>
+          <p:cNvPr id="305" name="CustomShape 4"/>
           <p:cNvSpPr/>
           <p:nvPr/>
         </p:nvSpPr>
         <p:spPr>
           <a:xfrm>
             <a:off x="11444760" y="0"/>
-            <a:ext cx="740880" cy="6849720"/>
+            <a:ext cx="740520" cy="6849360"/>
           </a:xfrm>
           <a:prstGeom prst="rect">
             <a:avLst/>
@@ -18369,14 +17195,14 @@
       </p:sp>
       <p:sp>
         <p:nvSpPr>
-          <p:cNvPr id="318" name="CustomShape 5"/>
+          <p:cNvPr id="306" name="CustomShape 5"/>
           <p:cNvSpPr/>
           <p:nvPr/>
         </p:nvSpPr>
         <p:spPr>
           <a:xfrm>
             <a:off x="11438640" y="6453360"/>
-            <a:ext cx="757800" cy="363960"/>
+            <a:ext cx="757440" cy="363960"/>
           </a:xfrm>
           <a:prstGeom prst="rect">
             <a:avLst/>
@@ -18402,7 +17228,7 @@
                 <a:spcPct val="100000"/>
               </a:lnSpc>
             </a:pPr>
-            <a:fld id="{6E62F0BF-20EC-4B5B-881A-14BB4541891E}" type="slidenum">
+            <a:fld id="{742FE99D-9FFA-4718-B19D-E7F4D616A164}" type="slidenum">
               <a:rPr b="0" lang="en-US" sz="1800" spc="-1" strike="noStrike">
                 <a:solidFill>
                   <a:srgbClr val="808080"/>
@@ -18423,14 +17249,14 @@
       </p:sp>
       <p:sp>
         <p:nvSpPr>
-          <p:cNvPr id="319" name="CustomShape 6"/>
+          <p:cNvPr id="307" name="CustomShape 6"/>
           <p:cNvSpPr/>
           <p:nvPr/>
         </p:nvSpPr>
         <p:spPr>
           <a:xfrm>
             <a:off x="0" y="6642720"/>
-            <a:ext cx="12183840" cy="211320"/>
+            <a:ext cx="12183480" cy="211320"/>
           </a:xfrm>
           <a:prstGeom prst="rect">
             <a:avLst/>
@@ -18517,7 +17343,7 @@
         <p:spPr>
           <a:xfrm>
             <a:off x="11444760" y="0"/>
-            <a:ext cx="740880" cy="6849720"/>
+            <a:ext cx="740520" cy="6849360"/>
           </a:xfrm>
           <a:prstGeom prst="rect">
             <a:avLst/>
@@ -18566,7 +17392,7 @@
         <p:spPr>
           <a:xfrm>
             <a:off x="11438640" y="6453360"/>
-            <a:ext cx="757800" cy="363960"/>
+            <a:ext cx="757440" cy="363960"/>
           </a:xfrm>
           <a:prstGeom prst="rect">
             <a:avLst/>
@@ -18592,7 +17418,7 @@
                 <a:spcPct val="100000"/>
               </a:lnSpc>
             </a:pPr>
-            <a:fld id="{D957820A-3F27-4170-A8C3-4E772AA81B91}" type="slidenum">
+            <a:fld id="{69F5E208-B99A-41C3-8C9B-33D0A5DDAD99}" type="slidenum">
               <a:rPr b="0" lang="en-US" sz="1800" spc="-1" strike="noStrike">
                 <a:solidFill>
                   <a:srgbClr val="808080"/>
@@ -18620,7 +17446,7 @@
         <p:spPr>
           <a:xfrm>
             <a:off x="912240" y="1268280"/>
-            <a:ext cx="9207720" cy="361080"/>
+            <a:ext cx="9207360" cy="360720"/>
           </a:xfrm>
           <a:prstGeom prst="rect">
             <a:avLst/>
@@ -18669,7 +17495,7 @@
         <p:spPr>
           <a:xfrm>
             <a:off x="0" y="0"/>
-            <a:ext cx="3051720" cy="561600"/>
+            <a:ext cx="3051360" cy="561240"/>
           </a:xfrm>
           <a:prstGeom prst="rect">
             <a:avLst/>
@@ -18692,7 +17518,7 @@
         <p:spPr>
           <a:xfrm>
             <a:off x="7430400" y="134640"/>
-            <a:ext cx="3697560" cy="513720"/>
+            <a:ext cx="3697200" cy="513360"/>
           </a:xfrm>
           <a:prstGeom prst="rect">
             <a:avLst/>
@@ -18711,7 +17537,7 @@
         <p:spPr>
           <a:xfrm>
             <a:off x="912240" y="1268280"/>
-            <a:ext cx="9207720" cy="361080"/>
+            <a:ext cx="9207360" cy="360720"/>
           </a:xfrm>
           <a:prstGeom prst="rect">
             <a:avLst/>
@@ -18756,7 +17582,7 @@
         <p:spPr>
           <a:xfrm>
             <a:off x="11444760" y="0"/>
-            <a:ext cx="740880" cy="6849720"/>
+            <a:ext cx="740520" cy="6849360"/>
           </a:xfrm>
           <a:prstGeom prst="rect">
             <a:avLst/>
@@ -18805,7 +17631,7 @@
         <p:spPr>
           <a:xfrm>
             <a:off x="0" y="6642720"/>
-            <a:ext cx="12183840" cy="211320"/>
+            <a:ext cx="12183480" cy="211320"/>
           </a:xfrm>
           <a:prstGeom prst="rect">
             <a:avLst/>
@@ -19616,7 +18442,7 @@
         <p:spPr>
           <a:xfrm>
             <a:off x="11444760" y="0"/>
-            <a:ext cx="740880" cy="6849720"/>
+            <a:ext cx="740520" cy="6849360"/>
           </a:xfrm>
           <a:prstGeom prst="rect">
             <a:avLst/>
@@ -19665,7 +18491,7 @@
         <p:spPr>
           <a:xfrm>
             <a:off x="11438640" y="6453360"/>
-            <a:ext cx="757800" cy="363960"/>
+            <a:ext cx="757440" cy="363960"/>
           </a:xfrm>
           <a:prstGeom prst="rect">
             <a:avLst/>
@@ -19691,7 +18517,7 @@
                 <a:spcPct val="100000"/>
               </a:lnSpc>
             </a:pPr>
-            <a:fld id="{0F1790F2-4082-4AAC-9B57-1C5439560574}" type="slidenum">
+            <a:fld id="{2A7472F8-A756-4D03-A04C-D1784F7AA615}" type="slidenum">
               <a:rPr b="0" lang="en-US" sz="1800" spc="-1" strike="noStrike">
                 <a:solidFill>
                   <a:srgbClr val="808080"/>
@@ -19719,7 +18545,7 @@
         <p:spPr>
           <a:xfrm>
             <a:off x="912240" y="1268280"/>
-            <a:ext cx="9207720" cy="361080"/>
+            <a:ext cx="9207360" cy="360720"/>
           </a:xfrm>
           <a:prstGeom prst="rect">
             <a:avLst/>
@@ -19768,7 +18594,7 @@
         <p:spPr>
           <a:xfrm>
             <a:off x="0" y="0"/>
-            <a:ext cx="3051720" cy="561600"/>
+            <a:ext cx="3051360" cy="561240"/>
           </a:xfrm>
           <a:prstGeom prst="rect">
             <a:avLst/>
@@ -19791,7 +18617,7 @@
         <p:spPr>
           <a:xfrm>
             <a:off x="7430400" y="134640"/>
-            <a:ext cx="3697560" cy="513720"/>
+            <a:ext cx="3697200" cy="513360"/>
           </a:xfrm>
           <a:prstGeom prst="rect">
             <a:avLst/>
@@ -19810,7 +18636,7 @@
         <p:spPr>
           <a:xfrm>
             <a:off x="912240" y="1268280"/>
-            <a:ext cx="9207720" cy="361080"/>
+            <a:ext cx="9207360" cy="360720"/>
           </a:xfrm>
           <a:prstGeom prst="rect">
             <a:avLst/>
@@ -19855,7 +18681,7 @@
         <p:spPr>
           <a:xfrm>
             <a:off x="11444760" y="0"/>
-            <a:ext cx="740880" cy="6849720"/>
+            <a:ext cx="740520" cy="6849360"/>
           </a:xfrm>
           <a:prstGeom prst="rect">
             <a:avLst/>
@@ -19904,7 +18730,7 @@
         <p:spPr>
           <a:xfrm>
             <a:off x="0" y="6642720"/>
-            <a:ext cx="12183840" cy="211320"/>
+            <a:ext cx="12183480" cy="211320"/>
           </a:xfrm>
           <a:prstGeom prst="rect">
             <a:avLst/>
@@ -20490,7 +19316,7 @@
         <p:spPr>
           <a:xfrm>
             <a:off x="11444760" y="0"/>
-            <a:ext cx="740880" cy="6849720"/>
+            <a:ext cx="740520" cy="6849360"/>
           </a:xfrm>
           <a:prstGeom prst="rect">
             <a:avLst/>
@@ -20539,7 +19365,7 @@
         <p:spPr>
           <a:xfrm>
             <a:off x="11438640" y="6453360"/>
-            <a:ext cx="757800" cy="363960"/>
+            <a:ext cx="757440" cy="363960"/>
           </a:xfrm>
           <a:prstGeom prst="rect">
             <a:avLst/>
@@ -20565,7 +19391,7 @@
                 <a:spcPct val="100000"/>
               </a:lnSpc>
             </a:pPr>
-            <a:fld id="{1B9C5DC5-9D8A-47BA-92C2-F9B8903A71C2}" type="slidenum">
+            <a:fld id="{8AD7B90B-1753-42DC-BF72-AD0258E6A941}" type="slidenum">
               <a:rPr b="0" lang="en-US" sz="1800" spc="-1" strike="noStrike">
                 <a:solidFill>
                   <a:srgbClr val="808080"/>
@@ -20593,7 +19419,7 @@
         <p:spPr>
           <a:xfrm>
             <a:off x="912240" y="1268280"/>
-            <a:ext cx="9207720" cy="361080"/>
+            <a:ext cx="9207360" cy="360720"/>
           </a:xfrm>
           <a:prstGeom prst="rect">
             <a:avLst/>
@@ -20642,7 +19468,7 @@
         <p:spPr>
           <a:xfrm>
             <a:off x="0" y="0"/>
-            <a:ext cx="3051720" cy="561600"/>
+            <a:ext cx="3051360" cy="561240"/>
           </a:xfrm>
           <a:prstGeom prst="rect">
             <a:avLst/>
@@ -20665,7 +19491,7 @@
         <p:spPr>
           <a:xfrm>
             <a:off x="7430400" y="134640"/>
-            <a:ext cx="3697560" cy="513720"/>
+            <a:ext cx="3697200" cy="513360"/>
           </a:xfrm>
           <a:prstGeom prst="rect">
             <a:avLst/>
@@ -20684,7 +19510,7 @@
         <p:spPr>
           <a:xfrm>
             <a:off x="912240" y="1268280"/>
-            <a:ext cx="9207720" cy="361080"/>
+            <a:ext cx="9207360" cy="360720"/>
           </a:xfrm>
           <a:prstGeom prst="rect">
             <a:avLst/>
@@ -20729,7 +19555,7 @@
         <p:spPr>
           <a:xfrm>
             <a:off x="11444760" y="0"/>
-            <a:ext cx="740880" cy="6849720"/>
+            <a:ext cx="740520" cy="6849360"/>
           </a:xfrm>
           <a:prstGeom prst="rect">
             <a:avLst/>
@@ -20778,7 +19604,7 @@
         <p:spPr>
           <a:xfrm>
             <a:off x="0" y="6642720"/>
-            <a:ext cx="12183840" cy="211320"/>
+            <a:ext cx="12183480" cy="211320"/>
           </a:xfrm>
           <a:prstGeom prst="rect">
             <a:avLst/>
@@ -21814,7 +20640,7 @@
         <p:spPr>
           <a:xfrm>
             <a:off x="11444760" y="0"/>
-            <a:ext cx="740880" cy="6849720"/>
+            <a:ext cx="740520" cy="6849360"/>
           </a:xfrm>
           <a:prstGeom prst="rect">
             <a:avLst/>
@@ -21863,7 +20689,7 @@
         <p:spPr>
           <a:xfrm>
             <a:off x="11438640" y="6453360"/>
-            <a:ext cx="757800" cy="363960"/>
+            <a:ext cx="757440" cy="363960"/>
           </a:xfrm>
           <a:prstGeom prst="rect">
             <a:avLst/>
@@ -21889,7 +20715,7 @@
                 <a:spcPct val="100000"/>
               </a:lnSpc>
             </a:pPr>
-            <a:fld id="{A25AC03E-A2DE-496B-9107-C9CBA5BE79F6}" type="slidenum">
+            <a:fld id="{7BB89B14-8FD2-45D7-A09F-EAD191E31001}" type="slidenum">
               <a:rPr b="0" lang="en-US" sz="1800" spc="-1" strike="noStrike">
                 <a:solidFill>
                   <a:srgbClr val="808080"/>
@@ -21917,7 +20743,7 @@
         <p:spPr>
           <a:xfrm>
             <a:off x="912240" y="1268280"/>
-            <a:ext cx="9207720" cy="361080"/>
+            <a:ext cx="9207360" cy="360720"/>
           </a:xfrm>
           <a:prstGeom prst="rect">
             <a:avLst/>
@@ -21966,7 +20792,7 @@
         <p:spPr>
           <a:xfrm>
             <a:off x="0" y="0"/>
-            <a:ext cx="3051720" cy="561600"/>
+            <a:ext cx="3051360" cy="561240"/>
           </a:xfrm>
           <a:prstGeom prst="rect">
             <a:avLst/>
@@ -21989,7 +20815,7 @@
         <p:spPr>
           <a:xfrm>
             <a:off x="7430400" y="134640"/>
-            <a:ext cx="3697560" cy="513720"/>
+            <a:ext cx="3697200" cy="513360"/>
           </a:xfrm>
           <a:prstGeom prst="rect">
             <a:avLst/>
@@ -22008,7 +20834,7 @@
         <p:spPr>
           <a:xfrm>
             <a:off x="912240" y="1268280"/>
-            <a:ext cx="9207720" cy="361080"/>
+            <a:ext cx="9207360" cy="360720"/>
           </a:xfrm>
           <a:prstGeom prst="rect">
             <a:avLst/>
@@ -22053,7 +20879,7 @@
         <p:spPr>
           <a:xfrm>
             <a:off x="11444760" y="0"/>
-            <a:ext cx="740880" cy="6849720"/>
+            <a:ext cx="740520" cy="6849360"/>
           </a:xfrm>
           <a:prstGeom prst="rect">
             <a:avLst/>
@@ -22102,7 +20928,7 @@
         <p:spPr>
           <a:xfrm>
             <a:off x="0" y="6642720"/>
-            <a:ext cx="12183840" cy="211320"/>
+            <a:ext cx="12183480" cy="211320"/>
           </a:xfrm>
           <a:prstGeom prst="rect">
             <a:avLst/>
@@ -22139,1405 +20965,6 @@
               <a:t>Requirements Engineering – TU Clausthal</a:t>
             </a:r>
             <a:endParaRPr b="0" lang="en-GB" sz="800" spc="-1" strike="noStrike">
-              <a:solidFill>
-                <a:srgbClr val="000000"/>
-              </a:solidFill>
-              <a:latin typeface="Arial"/>
-            </a:endParaRPr>
-          </a:p>
-        </p:txBody>
-      </p:sp>
-      <p:sp>
-        <p:nvSpPr>
-          <p:cNvPr id="88" name="PlaceHolder 1"/>
-          <p:cNvSpPr>
-            <a:spLocks noGrp="1"/>
-          </p:cNvSpPr>
-          <p:nvPr>
-            <p:ph type="title"/>
-          </p:nvPr>
-        </p:nvSpPr>
-        <p:spPr>
-          <a:xfrm>
-            <a:off x="609480" y="273600"/>
-            <a:ext cx="10972080" cy="1144440"/>
-          </a:xfrm>
-          <a:prstGeom prst="rect">
-            <a:avLst/>
-          </a:prstGeom>
-          <a:noFill/>
-          <a:ln w="0">
-            <a:noFill/>
-          </a:ln>
-        </p:spPr>
-        <p:txBody>
-          <a:bodyPr lIns="0" rIns="0" tIns="0" bIns="0" anchor="ctr">
-            <a:noAutofit/>
-          </a:bodyPr>
-          <a:p>
-            <a:pPr indent="0">
-              <a:buNone/>
-            </a:pPr>
-            <a:r>
-              <a:rPr b="0" lang="en-GB" sz="1800" spc="-1" strike="noStrike">
-                <a:solidFill>
-                  <a:srgbClr val="000000"/>
-                </a:solidFill>
-                <a:latin typeface="Arial"/>
-              </a:rPr>
-              <a:t>Click to edit the title text format</a:t>
-            </a:r>
-            <a:endParaRPr b="0" lang="en-GB" sz="1800" spc="-1" strike="noStrike">
-              <a:solidFill>
-                <a:srgbClr val="000000"/>
-              </a:solidFill>
-              <a:latin typeface="Arial"/>
-            </a:endParaRPr>
-          </a:p>
-        </p:txBody>
-      </p:sp>
-      <p:sp>
-        <p:nvSpPr>
-          <p:cNvPr id="89" name="PlaceHolder 2"/>
-          <p:cNvSpPr>
-            <a:spLocks noGrp="1"/>
-          </p:cNvSpPr>
-          <p:nvPr>
-            <p:ph type="body"/>
-          </p:nvPr>
-        </p:nvSpPr>
-        <p:spPr>
-          <a:xfrm>
-            <a:off x="609480" y="1604520"/>
-            <a:ext cx="3532680" cy="1896480"/>
-          </a:xfrm>
-          <a:prstGeom prst="rect">
-            <a:avLst/>
-          </a:prstGeom>
-          <a:noFill/>
-          <a:ln w="0">
-            <a:noFill/>
-          </a:ln>
-        </p:spPr>
-        <p:txBody>
-          <a:bodyPr lIns="0" rIns="0" tIns="0" bIns="0" anchor="t">
-            <a:normAutofit fontScale="62222" lnSpcReduction="20000"/>
-          </a:bodyPr>
-          <a:p>
-            <a:pPr marL="432000" indent="-324000">
-              <a:spcBef>
-                <a:spcPts val="1417"/>
-              </a:spcBef>
-              <a:buClr>
-                <a:srgbClr val="000000"/>
-              </a:buClr>
-              <a:buSzPct val="45000"/>
-              <a:buFont typeface="Wingdings" charset="2"/>
-              <a:buChar char=""/>
-            </a:pPr>
-            <a:r>
-              <a:rPr b="0" lang="en-GB" sz="1800" spc="-1" strike="noStrike">
-                <a:solidFill>
-                  <a:srgbClr val="000000"/>
-                </a:solidFill>
-                <a:latin typeface="Arial"/>
-              </a:rPr>
-              <a:t>Click to edit the outline text format</a:t>
-            </a:r>
-            <a:endParaRPr b="0" lang="en-GB" sz="1800" spc="-1" strike="noStrike">
-              <a:solidFill>
-                <a:srgbClr val="000000"/>
-              </a:solidFill>
-              <a:latin typeface="Arial"/>
-            </a:endParaRPr>
-          </a:p>
-          <a:p>
-            <a:pPr lvl="1" marL="864000" indent="-324000">
-              <a:spcBef>
-                <a:spcPts val="1134"/>
-              </a:spcBef>
-              <a:buClr>
-                <a:srgbClr val="000000"/>
-              </a:buClr>
-              <a:buSzPct val="75000"/>
-              <a:buFont typeface="Symbol" charset="2"/>
-              <a:buChar char=""/>
-            </a:pPr>
-            <a:r>
-              <a:rPr b="0" lang="en-GB" sz="1800" spc="-1" strike="noStrike">
-                <a:solidFill>
-                  <a:srgbClr val="000000"/>
-                </a:solidFill>
-                <a:latin typeface="Arial"/>
-              </a:rPr>
-              <a:t>Second Outline Level</a:t>
-            </a:r>
-            <a:endParaRPr b="0" lang="en-GB" sz="1800" spc="-1" strike="noStrike">
-              <a:solidFill>
-                <a:srgbClr val="000000"/>
-              </a:solidFill>
-              <a:latin typeface="Arial"/>
-            </a:endParaRPr>
-          </a:p>
-          <a:p>
-            <a:pPr lvl="2" marL="1296000" indent="-288000">
-              <a:spcBef>
-                <a:spcPts val="850"/>
-              </a:spcBef>
-              <a:buClr>
-                <a:srgbClr val="000000"/>
-              </a:buClr>
-              <a:buSzPct val="45000"/>
-              <a:buFont typeface="Wingdings" charset="2"/>
-              <a:buChar char=""/>
-            </a:pPr>
-            <a:r>
-              <a:rPr b="0" lang="en-GB" sz="1800" spc="-1" strike="noStrike">
-                <a:solidFill>
-                  <a:srgbClr val="000000"/>
-                </a:solidFill>
-                <a:latin typeface="Arial"/>
-              </a:rPr>
-              <a:t>Third Outline Level</a:t>
-            </a:r>
-            <a:endParaRPr b="0" lang="en-GB" sz="1800" spc="-1" strike="noStrike">
-              <a:solidFill>
-                <a:srgbClr val="000000"/>
-              </a:solidFill>
-              <a:latin typeface="Arial"/>
-            </a:endParaRPr>
-          </a:p>
-          <a:p>
-            <a:pPr lvl="3" marL="1728000" indent="-216000">
-              <a:spcBef>
-                <a:spcPts val="567"/>
-              </a:spcBef>
-              <a:buClr>
-                <a:srgbClr val="000000"/>
-              </a:buClr>
-              <a:buSzPct val="75000"/>
-              <a:buFont typeface="Symbol" charset="2"/>
-              <a:buChar char=""/>
-            </a:pPr>
-            <a:r>
-              <a:rPr b="0" lang="en-GB" sz="1800" spc="-1" strike="noStrike">
-                <a:solidFill>
-                  <a:srgbClr val="000000"/>
-                </a:solidFill>
-                <a:latin typeface="Arial"/>
-              </a:rPr>
-              <a:t>Fourth Outline Level</a:t>
-            </a:r>
-            <a:endParaRPr b="0" lang="en-GB" sz="1800" spc="-1" strike="noStrike">
-              <a:solidFill>
-                <a:srgbClr val="000000"/>
-              </a:solidFill>
-              <a:latin typeface="Arial"/>
-            </a:endParaRPr>
-          </a:p>
-          <a:p>
-            <a:pPr lvl="4" marL="2160000" indent="-216000">
-              <a:spcBef>
-                <a:spcPts val="283"/>
-              </a:spcBef>
-              <a:buClr>
-                <a:srgbClr val="000000"/>
-              </a:buClr>
-              <a:buSzPct val="45000"/>
-              <a:buFont typeface="Wingdings" charset="2"/>
-              <a:buChar char=""/>
-            </a:pPr>
-            <a:r>
-              <a:rPr b="0" lang="en-GB" sz="1800" spc="-1" strike="noStrike">
-                <a:solidFill>
-                  <a:srgbClr val="000000"/>
-                </a:solidFill>
-                <a:latin typeface="Arial"/>
-              </a:rPr>
-              <a:t>Fifth Outline Level</a:t>
-            </a:r>
-            <a:endParaRPr b="0" lang="en-GB" sz="1800" spc="-1" strike="noStrike">
-              <a:solidFill>
-                <a:srgbClr val="000000"/>
-              </a:solidFill>
-              <a:latin typeface="Arial"/>
-            </a:endParaRPr>
-          </a:p>
-          <a:p>
-            <a:pPr lvl="5" marL="2592000" indent="-216000">
-              <a:spcBef>
-                <a:spcPts val="283"/>
-              </a:spcBef>
-              <a:buClr>
-                <a:srgbClr val="000000"/>
-              </a:buClr>
-              <a:buSzPct val="45000"/>
-              <a:buFont typeface="Wingdings" charset="2"/>
-              <a:buChar char=""/>
-            </a:pPr>
-            <a:r>
-              <a:rPr b="0" lang="en-GB" sz="1800" spc="-1" strike="noStrike">
-                <a:solidFill>
-                  <a:srgbClr val="000000"/>
-                </a:solidFill>
-                <a:latin typeface="Arial"/>
-              </a:rPr>
-              <a:t>Sixth Outline Level</a:t>
-            </a:r>
-            <a:endParaRPr b="0" lang="en-GB" sz="1800" spc="-1" strike="noStrike">
-              <a:solidFill>
-                <a:srgbClr val="000000"/>
-              </a:solidFill>
-              <a:latin typeface="Arial"/>
-            </a:endParaRPr>
-          </a:p>
-          <a:p>
-            <a:pPr lvl="6" marL="3024000" indent="-216000">
-              <a:spcBef>
-                <a:spcPts val="283"/>
-              </a:spcBef>
-              <a:buClr>
-                <a:srgbClr val="000000"/>
-              </a:buClr>
-              <a:buSzPct val="45000"/>
-              <a:buFont typeface="Wingdings" charset="2"/>
-              <a:buChar char=""/>
-            </a:pPr>
-            <a:r>
-              <a:rPr b="0" lang="en-GB" sz="1800" spc="-1" strike="noStrike">
-                <a:solidFill>
-                  <a:srgbClr val="000000"/>
-                </a:solidFill>
-                <a:latin typeface="Arial"/>
-              </a:rPr>
-              <a:t>Seventh Outline Level</a:t>
-            </a:r>
-            <a:endParaRPr b="0" lang="en-GB" sz="1800" spc="-1" strike="noStrike">
-              <a:solidFill>
-                <a:srgbClr val="000000"/>
-              </a:solidFill>
-              <a:latin typeface="Arial"/>
-            </a:endParaRPr>
-          </a:p>
-        </p:txBody>
-      </p:sp>
-      <p:sp>
-        <p:nvSpPr>
-          <p:cNvPr id="90" name="PlaceHolder 3"/>
-          <p:cNvSpPr>
-            <a:spLocks noGrp="1"/>
-          </p:cNvSpPr>
-          <p:nvPr>
-            <p:ph type="body"/>
-          </p:nvPr>
-        </p:nvSpPr>
-        <p:spPr>
-          <a:xfrm>
-            <a:off x="4319640" y="1604520"/>
-            <a:ext cx="3532680" cy="1896480"/>
-          </a:xfrm>
-          <a:prstGeom prst="rect">
-            <a:avLst/>
-          </a:prstGeom>
-          <a:noFill/>
-          <a:ln w="0">
-            <a:noFill/>
-          </a:ln>
-        </p:spPr>
-        <p:txBody>
-          <a:bodyPr lIns="0" rIns="0" tIns="0" bIns="0" anchor="t">
-            <a:normAutofit fontScale="62222" lnSpcReduction="20000"/>
-          </a:bodyPr>
-          <a:p>
-            <a:pPr marL="432000" indent="-324000">
-              <a:spcBef>
-                <a:spcPts val="1417"/>
-              </a:spcBef>
-              <a:buClr>
-                <a:srgbClr val="000000"/>
-              </a:buClr>
-              <a:buSzPct val="45000"/>
-              <a:buFont typeface="Wingdings" charset="2"/>
-              <a:buChar char=""/>
-            </a:pPr>
-            <a:r>
-              <a:rPr b="0" lang="en-GB" sz="1800" spc="-1" strike="noStrike">
-                <a:solidFill>
-                  <a:srgbClr val="000000"/>
-                </a:solidFill>
-                <a:latin typeface="Arial"/>
-              </a:rPr>
-              <a:t>Click to edit the outline text format</a:t>
-            </a:r>
-            <a:endParaRPr b="0" lang="en-GB" sz="1800" spc="-1" strike="noStrike">
-              <a:solidFill>
-                <a:srgbClr val="000000"/>
-              </a:solidFill>
-              <a:latin typeface="Arial"/>
-            </a:endParaRPr>
-          </a:p>
-          <a:p>
-            <a:pPr lvl="1" marL="864000" indent="-324000">
-              <a:spcBef>
-                <a:spcPts val="1134"/>
-              </a:spcBef>
-              <a:buClr>
-                <a:srgbClr val="000000"/>
-              </a:buClr>
-              <a:buSzPct val="75000"/>
-              <a:buFont typeface="Symbol" charset="2"/>
-              <a:buChar char=""/>
-            </a:pPr>
-            <a:r>
-              <a:rPr b="0" lang="en-GB" sz="1800" spc="-1" strike="noStrike">
-                <a:solidFill>
-                  <a:srgbClr val="000000"/>
-                </a:solidFill>
-                <a:latin typeface="Arial"/>
-              </a:rPr>
-              <a:t>Second Outline Level</a:t>
-            </a:r>
-            <a:endParaRPr b="0" lang="en-GB" sz="1800" spc="-1" strike="noStrike">
-              <a:solidFill>
-                <a:srgbClr val="000000"/>
-              </a:solidFill>
-              <a:latin typeface="Arial"/>
-            </a:endParaRPr>
-          </a:p>
-          <a:p>
-            <a:pPr lvl="2" marL="1296000" indent="-288000">
-              <a:spcBef>
-                <a:spcPts val="850"/>
-              </a:spcBef>
-              <a:buClr>
-                <a:srgbClr val="000000"/>
-              </a:buClr>
-              <a:buSzPct val="45000"/>
-              <a:buFont typeface="Wingdings" charset="2"/>
-              <a:buChar char=""/>
-            </a:pPr>
-            <a:r>
-              <a:rPr b="0" lang="en-GB" sz="1800" spc="-1" strike="noStrike">
-                <a:solidFill>
-                  <a:srgbClr val="000000"/>
-                </a:solidFill>
-                <a:latin typeface="Arial"/>
-              </a:rPr>
-              <a:t>Third Outline Level</a:t>
-            </a:r>
-            <a:endParaRPr b="0" lang="en-GB" sz="1800" spc="-1" strike="noStrike">
-              <a:solidFill>
-                <a:srgbClr val="000000"/>
-              </a:solidFill>
-              <a:latin typeface="Arial"/>
-            </a:endParaRPr>
-          </a:p>
-          <a:p>
-            <a:pPr lvl="3" marL="1728000" indent="-216000">
-              <a:spcBef>
-                <a:spcPts val="567"/>
-              </a:spcBef>
-              <a:buClr>
-                <a:srgbClr val="000000"/>
-              </a:buClr>
-              <a:buSzPct val="75000"/>
-              <a:buFont typeface="Symbol" charset="2"/>
-              <a:buChar char=""/>
-            </a:pPr>
-            <a:r>
-              <a:rPr b="0" lang="en-GB" sz="1800" spc="-1" strike="noStrike">
-                <a:solidFill>
-                  <a:srgbClr val="000000"/>
-                </a:solidFill>
-                <a:latin typeface="Arial"/>
-              </a:rPr>
-              <a:t>Fourth Outline Level</a:t>
-            </a:r>
-            <a:endParaRPr b="0" lang="en-GB" sz="1800" spc="-1" strike="noStrike">
-              <a:solidFill>
-                <a:srgbClr val="000000"/>
-              </a:solidFill>
-              <a:latin typeface="Arial"/>
-            </a:endParaRPr>
-          </a:p>
-          <a:p>
-            <a:pPr lvl="4" marL="2160000" indent="-216000">
-              <a:spcBef>
-                <a:spcPts val="283"/>
-              </a:spcBef>
-              <a:buClr>
-                <a:srgbClr val="000000"/>
-              </a:buClr>
-              <a:buSzPct val="45000"/>
-              <a:buFont typeface="Wingdings" charset="2"/>
-              <a:buChar char=""/>
-            </a:pPr>
-            <a:r>
-              <a:rPr b="0" lang="en-GB" sz="1800" spc="-1" strike="noStrike">
-                <a:solidFill>
-                  <a:srgbClr val="000000"/>
-                </a:solidFill>
-                <a:latin typeface="Arial"/>
-              </a:rPr>
-              <a:t>Fifth Outline Level</a:t>
-            </a:r>
-            <a:endParaRPr b="0" lang="en-GB" sz="1800" spc="-1" strike="noStrike">
-              <a:solidFill>
-                <a:srgbClr val="000000"/>
-              </a:solidFill>
-              <a:latin typeface="Arial"/>
-            </a:endParaRPr>
-          </a:p>
-          <a:p>
-            <a:pPr lvl="5" marL="2592000" indent="-216000">
-              <a:spcBef>
-                <a:spcPts val="283"/>
-              </a:spcBef>
-              <a:buClr>
-                <a:srgbClr val="000000"/>
-              </a:buClr>
-              <a:buSzPct val="45000"/>
-              <a:buFont typeface="Wingdings" charset="2"/>
-              <a:buChar char=""/>
-            </a:pPr>
-            <a:r>
-              <a:rPr b="0" lang="en-GB" sz="1800" spc="-1" strike="noStrike">
-                <a:solidFill>
-                  <a:srgbClr val="000000"/>
-                </a:solidFill>
-                <a:latin typeface="Arial"/>
-              </a:rPr>
-              <a:t>Sixth Outline Level</a:t>
-            </a:r>
-            <a:endParaRPr b="0" lang="en-GB" sz="1800" spc="-1" strike="noStrike">
-              <a:solidFill>
-                <a:srgbClr val="000000"/>
-              </a:solidFill>
-              <a:latin typeface="Arial"/>
-            </a:endParaRPr>
-          </a:p>
-          <a:p>
-            <a:pPr lvl="6" marL="3024000" indent="-216000">
-              <a:spcBef>
-                <a:spcPts val="283"/>
-              </a:spcBef>
-              <a:buClr>
-                <a:srgbClr val="000000"/>
-              </a:buClr>
-              <a:buSzPct val="45000"/>
-              <a:buFont typeface="Wingdings" charset="2"/>
-              <a:buChar char=""/>
-            </a:pPr>
-            <a:r>
-              <a:rPr b="0" lang="en-GB" sz="1800" spc="-1" strike="noStrike">
-                <a:solidFill>
-                  <a:srgbClr val="000000"/>
-                </a:solidFill>
-                <a:latin typeface="Arial"/>
-              </a:rPr>
-              <a:t>Seventh Outline Level</a:t>
-            </a:r>
-            <a:endParaRPr b="0" lang="en-GB" sz="1800" spc="-1" strike="noStrike">
-              <a:solidFill>
-                <a:srgbClr val="000000"/>
-              </a:solidFill>
-              <a:latin typeface="Arial"/>
-            </a:endParaRPr>
-          </a:p>
-        </p:txBody>
-      </p:sp>
-      <p:sp>
-        <p:nvSpPr>
-          <p:cNvPr id="91" name="PlaceHolder 4"/>
-          <p:cNvSpPr>
-            <a:spLocks noGrp="1"/>
-          </p:cNvSpPr>
-          <p:nvPr>
-            <p:ph type="body"/>
-          </p:nvPr>
-        </p:nvSpPr>
-        <p:spPr>
-          <a:xfrm>
-            <a:off x="8029800" y="1604520"/>
-            <a:ext cx="3532680" cy="1896480"/>
-          </a:xfrm>
-          <a:prstGeom prst="rect">
-            <a:avLst/>
-          </a:prstGeom>
-          <a:noFill/>
-          <a:ln w="0">
-            <a:noFill/>
-          </a:ln>
-        </p:spPr>
-        <p:txBody>
-          <a:bodyPr lIns="0" rIns="0" tIns="0" bIns="0" anchor="t">
-            <a:normAutofit fontScale="62222" lnSpcReduction="20000"/>
-          </a:bodyPr>
-          <a:p>
-            <a:pPr marL="432000" indent="-324000">
-              <a:spcBef>
-                <a:spcPts val="1417"/>
-              </a:spcBef>
-              <a:buClr>
-                <a:srgbClr val="000000"/>
-              </a:buClr>
-              <a:buSzPct val="45000"/>
-              <a:buFont typeface="Wingdings" charset="2"/>
-              <a:buChar char=""/>
-            </a:pPr>
-            <a:r>
-              <a:rPr b="0" lang="en-GB" sz="1800" spc="-1" strike="noStrike">
-                <a:solidFill>
-                  <a:srgbClr val="000000"/>
-                </a:solidFill>
-                <a:latin typeface="Arial"/>
-              </a:rPr>
-              <a:t>Click to edit the outline text format</a:t>
-            </a:r>
-            <a:endParaRPr b="0" lang="en-GB" sz="1800" spc="-1" strike="noStrike">
-              <a:solidFill>
-                <a:srgbClr val="000000"/>
-              </a:solidFill>
-              <a:latin typeface="Arial"/>
-            </a:endParaRPr>
-          </a:p>
-          <a:p>
-            <a:pPr lvl="1" marL="864000" indent="-324000">
-              <a:spcBef>
-                <a:spcPts val="1134"/>
-              </a:spcBef>
-              <a:buClr>
-                <a:srgbClr val="000000"/>
-              </a:buClr>
-              <a:buSzPct val="75000"/>
-              <a:buFont typeface="Symbol" charset="2"/>
-              <a:buChar char=""/>
-            </a:pPr>
-            <a:r>
-              <a:rPr b="0" lang="en-GB" sz="1800" spc="-1" strike="noStrike">
-                <a:solidFill>
-                  <a:srgbClr val="000000"/>
-                </a:solidFill>
-                <a:latin typeface="Arial"/>
-              </a:rPr>
-              <a:t>Second Outline Level</a:t>
-            </a:r>
-            <a:endParaRPr b="0" lang="en-GB" sz="1800" spc="-1" strike="noStrike">
-              <a:solidFill>
-                <a:srgbClr val="000000"/>
-              </a:solidFill>
-              <a:latin typeface="Arial"/>
-            </a:endParaRPr>
-          </a:p>
-          <a:p>
-            <a:pPr lvl="2" marL="1296000" indent="-288000">
-              <a:spcBef>
-                <a:spcPts val="850"/>
-              </a:spcBef>
-              <a:buClr>
-                <a:srgbClr val="000000"/>
-              </a:buClr>
-              <a:buSzPct val="45000"/>
-              <a:buFont typeface="Wingdings" charset="2"/>
-              <a:buChar char=""/>
-            </a:pPr>
-            <a:r>
-              <a:rPr b="0" lang="en-GB" sz="1800" spc="-1" strike="noStrike">
-                <a:solidFill>
-                  <a:srgbClr val="000000"/>
-                </a:solidFill>
-                <a:latin typeface="Arial"/>
-              </a:rPr>
-              <a:t>Third Outline Level</a:t>
-            </a:r>
-            <a:endParaRPr b="0" lang="en-GB" sz="1800" spc="-1" strike="noStrike">
-              <a:solidFill>
-                <a:srgbClr val="000000"/>
-              </a:solidFill>
-              <a:latin typeface="Arial"/>
-            </a:endParaRPr>
-          </a:p>
-          <a:p>
-            <a:pPr lvl="3" marL="1728000" indent="-216000">
-              <a:spcBef>
-                <a:spcPts val="567"/>
-              </a:spcBef>
-              <a:buClr>
-                <a:srgbClr val="000000"/>
-              </a:buClr>
-              <a:buSzPct val="75000"/>
-              <a:buFont typeface="Symbol" charset="2"/>
-              <a:buChar char=""/>
-            </a:pPr>
-            <a:r>
-              <a:rPr b="0" lang="en-GB" sz="1800" spc="-1" strike="noStrike">
-                <a:solidFill>
-                  <a:srgbClr val="000000"/>
-                </a:solidFill>
-                <a:latin typeface="Arial"/>
-              </a:rPr>
-              <a:t>Fourth Outline Level</a:t>
-            </a:r>
-            <a:endParaRPr b="0" lang="en-GB" sz="1800" spc="-1" strike="noStrike">
-              <a:solidFill>
-                <a:srgbClr val="000000"/>
-              </a:solidFill>
-              <a:latin typeface="Arial"/>
-            </a:endParaRPr>
-          </a:p>
-          <a:p>
-            <a:pPr lvl="4" marL="2160000" indent="-216000">
-              <a:spcBef>
-                <a:spcPts val="283"/>
-              </a:spcBef>
-              <a:buClr>
-                <a:srgbClr val="000000"/>
-              </a:buClr>
-              <a:buSzPct val="45000"/>
-              <a:buFont typeface="Wingdings" charset="2"/>
-              <a:buChar char=""/>
-            </a:pPr>
-            <a:r>
-              <a:rPr b="0" lang="en-GB" sz="1800" spc="-1" strike="noStrike">
-                <a:solidFill>
-                  <a:srgbClr val="000000"/>
-                </a:solidFill>
-                <a:latin typeface="Arial"/>
-              </a:rPr>
-              <a:t>Fifth Outline Level</a:t>
-            </a:r>
-            <a:endParaRPr b="0" lang="en-GB" sz="1800" spc="-1" strike="noStrike">
-              <a:solidFill>
-                <a:srgbClr val="000000"/>
-              </a:solidFill>
-              <a:latin typeface="Arial"/>
-            </a:endParaRPr>
-          </a:p>
-          <a:p>
-            <a:pPr lvl="5" marL="2592000" indent="-216000">
-              <a:spcBef>
-                <a:spcPts val="283"/>
-              </a:spcBef>
-              <a:buClr>
-                <a:srgbClr val="000000"/>
-              </a:buClr>
-              <a:buSzPct val="45000"/>
-              <a:buFont typeface="Wingdings" charset="2"/>
-              <a:buChar char=""/>
-            </a:pPr>
-            <a:r>
-              <a:rPr b="0" lang="en-GB" sz="1800" spc="-1" strike="noStrike">
-                <a:solidFill>
-                  <a:srgbClr val="000000"/>
-                </a:solidFill>
-                <a:latin typeface="Arial"/>
-              </a:rPr>
-              <a:t>Sixth Outline Level</a:t>
-            </a:r>
-            <a:endParaRPr b="0" lang="en-GB" sz="1800" spc="-1" strike="noStrike">
-              <a:solidFill>
-                <a:srgbClr val="000000"/>
-              </a:solidFill>
-              <a:latin typeface="Arial"/>
-            </a:endParaRPr>
-          </a:p>
-          <a:p>
-            <a:pPr lvl="6" marL="3024000" indent="-216000">
-              <a:spcBef>
-                <a:spcPts val="283"/>
-              </a:spcBef>
-              <a:buClr>
-                <a:srgbClr val="000000"/>
-              </a:buClr>
-              <a:buSzPct val="45000"/>
-              <a:buFont typeface="Wingdings" charset="2"/>
-              <a:buChar char=""/>
-            </a:pPr>
-            <a:r>
-              <a:rPr b="0" lang="en-GB" sz="1800" spc="-1" strike="noStrike">
-                <a:solidFill>
-                  <a:srgbClr val="000000"/>
-                </a:solidFill>
-                <a:latin typeface="Arial"/>
-              </a:rPr>
-              <a:t>Seventh Outline Level</a:t>
-            </a:r>
-            <a:endParaRPr b="0" lang="en-GB" sz="1800" spc="-1" strike="noStrike">
-              <a:solidFill>
-                <a:srgbClr val="000000"/>
-              </a:solidFill>
-              <a:latin typeface="Arial"/>
-            </a:endParaRPr>
-          </a:p>
-        </p:txBody>
-      </p:sp>
-      <p:sp>
-        <p:nvSpPr>
-          <p:cNvPr id="92" name="PlaceHolder 5"/>
-          <p:cNvSpPr>
-            <a:spLocks noGrp="1"/>
-          </p:cNvSpPr>
-          <p:nvPr>
-            <p:ph type="body"/>
-          </p:nvPr>
-        </p:nvSpPr>
-        <p:spPr>
-          <a:xfrm>
-            <a:off x="609480" y="3682080"/>
-            <a:ext cx="3532680" cy="1896480"/>
-          </a:xfrm>
-          <a:prstGeom prst="rect">
-            <a:avLst/>
-          </a:prstGeom>
-          <a:noFill/>
-          <a:ln w="0">
-            <a:noFill/>
-          </a:ln>
-        </p:spPr>
-        <p:txBody>
-          <a:bodyPr lIns="0" rIns="0" tIns="0" bIns="0" anchor="t">
-            <a:normAutofit fontScale="62222" lnSpcReduction="20000"/>
-          </a:bodyPr>
-          <a:p>
-            <a:pPr marL="432000" indent="-324000">
-              <a:spcBef>
-                <a:spcPts val="1417"/>
-              </a:spcBef>
-              <a:buClr>
-                <a:srgbClr val="000000"/>
-              </a:buClr>
-              <a:buSzPct val="45000"/>
-              <a:buFont typeface="Wingdings" charset="2"/>
-              <a:buChar char=""/>
-            </a:pPr>
-            <a:r>
-              <a:rPr b="0" lang="en-GB" sz="1800" spc="-1" strike="noStrike">
-                <a:solidFill>
-                  <a:srgbClr val="000000"/>
-                </a:solidFill>
-                <a:latin typeface="Arial"/>
-              </a:rPr>
-              <a:t>Click to edit the outline text format</a:t>
-            </a:r>
-            <a:endParaRPr b="0" lang="en-GB" sz="1800" spc="-1" strike="noStrike">
-              <a:solidFill>
-                <a:srgbClr val="000000"/>
-              </a:solidFill>
-              <a:latin typeface="Arial"/>
-            </a:endParaRPr>
-          </a:p>
-          <a:p>
-            <a:pPr lvl="1" marL="864000" indent="-324000">
-              <a:spcBef>
-                <a:spcPts val="1134"/>
-              </a:spcBef>
-              <a:buClr>
-                <a:srgbClr val="000000"/>
-              </a:buClr>
-              <a:buSzPct val="75000"/>
-              <a:buFont typeface="Symbol" charset="2"/>
-              <a:buChar char=""/>
-            </a:pPr>
-            <a:r>
-              <a:rPr b="0" lang="en-GB" sz="1800" spc="-1" strike="noStrike">
-                <a:solidFill>
-                  <a:srgbClr val="000000"/>
-                </a:solidFill>
-                <a:latin typeface="Arial"/>
-              </a:rPr>
-              <a:t>Second Outline Level</a:t>
-            </a:r>
-            <a:endParaRPr b="0" lang="en-GB" sz="1800" spc="-1" strike="noStrike">
-              <a:solidFill>
-                <a:srgbClr val="000000"/>
-              </a:solidFill>
-              <a:latin typeface="Arial"/>
-            </a:endParaRPr>
-          </a:p>
-          <a:p>
-            <a:pPr lvl="2" marL="1296000" indent="-288000">
-              <a:spcBef>
-                <a:spcPts val="850"/>
-              </a:spcBef>
-              <a:buClr>
-                <a:srgbClr val="000000"/>
-              </a:buClr>
-              <a:buSzPct val="45000"/>
-              <a:buFont typeface="Wingdings" charset="2"/>
-              <a:buChar char=""/>
-            </a:pPr>
-            <a:r>
-              <a:rPr b="0" lang="en-GB" sz="1800" spc="-1" strike="noStrike">
-                <a:solidFill>
-                  <a:srgbClr val="000000"/>
-                </a:solidFill>
-                <a:latin typeface="Arial"/>
-              </a:rPr>
-              <a:t>Third Outline Level</a:t>
-            </a:r>
-            <a:endParaRPr b="0" lang="en-GB" sz="1800" spc="-1" strike="noStrike">
-              <a:solidFill>
-                <a:srgbClr val="000000"/>
-              </a:solidFill>
-              <a:latin typeface="Arial"/>
-            </a:endParaRPr>
-          </a:p>
-          <a:p>
-            <a:pPr lvl="3" marL="1728000" indent="-216000">
-              <a:spcBef>
-                <a:spcPts val="567"/>
-              </a:spcBef>
-              <a:buClr>
-                <a:srgbClr val="000000"/>
-              </a:buClr>
-              <a:buSzPct val="75000"/>
-              <a:buFont typeface="Symbol" charset="2"/>
-              <a:buChar char=""/>
-            </a:pPr>
-            <a:r>
-              <a:rPr b="0" lang="en-GB" sz="1800" spc="-1" strike="noStrike">
-                <a:solidFill>
-                  <a:srgbClr val="000000"/>
-                </a:solidFill>
-                <a:latin typeface="Arial"/>
-              </a:rPr>
-              <a:t>Fourth Outline Level</a:t>
-            </a:r>
-            <a:endParaRPr b="0" lang="en-GB" sz="1800" spc="-1" strike="noStrike">
-              <a:solidFill>
-                <a:srgbClr val="000000"/>
-              </a:solidFill>
-              <a:latin typeface="Arial"/>
-            </a:endParaRPr>
-          </a:p>
-          <a:p>
-            <a:pPr lvl="4" marL="2160000" indent="-216000">
-              <a:spcBef>
-                <a:spcPts val="283"/>
-              </a:spcBef>
-              <a:buClr>
-                <a:srgbClr val="000000"/>
-              </a:buClr>
-              <a:buSzPct val="45000"/>
-              <a:buFont typeface="Wingdings" charset="2"/>
-              <a:buChar char=""/>
-            </a:pPr>
-            <a:r>
-              <a:rPr b="0" lang="en-GB" sz="1800" spc="-1" strike="noStrike">
-                <a:solidFill>
-                  <a:srgbClr val="000000"/>
-                </a:solidFill>
-                <a:latin typeface="Arial"/>
-              </a:rPr>
-              <a:t>Fifth Outline Level</a:t>
-            </a:r>
-            <a:endParaRPr b="0" lang="en-GB" sz="1800" spc="-1" strike="noStrike">
-              <a:solidFill>
-                <a:srgbClr val="000000"/>
-              </a:solidFill>
-              <a:latin typeface="Arial"/>
-            </a:endParaRPr>
-          </a:p>
-          <a:p>
-            <a:pPr lvl="5" marL="2592000" indent="-216000">
-              <a:spcBef>
-                <a:spcPts val="283"/>
-              </a:spcBef>
-              <a:buClr>
-                <a:srgbClr val="000000"/>
-              </a:buClr>
-              <a:buSzPct val="45000"/>
-              <a:buFont typeface="Wingdings" charset="2"/>
-              <a:buChar char=""/>
-            </a:pPr>
-            <a:r>
-              <a:rPr b="0" lang="en-GB" sz="1800" spc="-1" strike="noStrike">
-                <a:solidFill>
-                  <a:srgbClr val="000000"/>
-                </a:solidFill>
-                <a:latin typeface="Arial"/>
-              </a:rPr>
-              <a:t>Sixth Outline Level</a:t>
-            </a:r>
-            <a:endParaRPr b="0" lang="en-GB" sz="1800" spc="-1" strike="noStrike">
-              <a:solidFill>
-                <a:srgbClr val="000000"/>
-              </a:solidFill>
-              <a:latin typeface="Arial"/>
-            </a:endParaRPr>
-          </a:p>
-          <a:p>
-            <a:pPr lvl="6" marL="3024000" indent="-216000">
-              <a:spcBef>
-                <a:spcPts val="283"/>
-              </a:spcBef>
-              <a:buClr>
-                <a:srgbClr val="000000"/>
-              </a:buClr>
-              <a:buSzPct val="45000"/>
-              <a:buFont typeface="Wingdings" charset="2"/>
-              <a:buChar char=""/>
-            </a:pPr>
-            <a:r>
-              <a:rPr b="0" lang="en-GB" sz="1800" spc="-1" strike="noStrike">
-                <a:solidFill>
-                  <a:srgbClr val="000000"/>
-                </a:solidFill>
-                <a:latin typeface="Arial"/>
-              </a:rPr>
-              <a:t>Seventh Outline Level</a:t>
-            </a:r>
-            <a:endParaRPr b="0" lang="en-GB" sz="1800" spc="-1" strike="noStrike">
-              <a:solidFill>
-                <a:srgbClr val="000000"/>
-              </a:solidFill>
-              <a:latin typeface="Arial"/>
-            </a:endParaRPr>
-          </a:p>
-        </p:txBody>
-      </p:sp>
-      <p:sp>
-        <p:nvSpPr>
-          <p:cNvPr id="93" name="PlaceHolder 6"/>
-          <p:cNvSpPr>
-            <a:spLocks noGrp="1"/>
-          </p:cNvSpPr>
-          <p:nvPr>
-            <p:ph type="body"/>
-          </p:nvPr>
-        </p:nvSpPr>
-        <p:spPr>
-          <a:xfrm>
-            <a:off x="4319640" y="3682080"/>
-            <a:ext cx="3532680" cy="1896480"/>
-          </a:xfrm>
-          <a:prstGeom prst="rect">
-            <a:avLst/>
-          </a:prstGeom>
-          <a:noFill/>
-          <a:ln w="0">
-            <a:noFill/>
-          </a:ln>
-        </p:spPr>
-        <p:txBody>
-          <a:bodyPr lIns="0" rIns="0" tIns="0" bIns="0" anchor="t">
-            <a:normAutofit fontScale="62222" lnSpcReduction="20000"/>
-          </a:bodyPr>
-          <a:p>
-            <a:pPr marL="432000" indent="-324000">
-              <a:spcBef>
-                <a:spcPts val="1417"/>
-              </a:spcBef>
-              <a:buClr>
-                <a:srgbClr val="000000"/>
-              </a:buClr>
-              <a:buSzPct val="45000"/>
-              <a:buFont typeface="Wingdings" charset="2"/>
-              <a:buChar char=""/>
-            </a:pPr>
-            <a:r>
-              <a:rPr b="0" lang="en-GB" sz="1800" spc="-1" strike="noStrike">
-                <a:solidFill>
-                  <a:srgbClr val="000000"/>
-                </a:solidFill>
-                <a:latin typeface="Arial"/>
-              </a:rPr>
-              <a:t>Click to edit the outline text format</a:t>
-            </a:r>
-            <a:endParaRPr b="0" lang="en-GB" sz="1800" spc="-1" strike="noStrike">
-              <a:solidFill>
-                <a:srgbClr val="000000"/>
-              </a:solidFill>
-              <a:latin typeface="Arial"/>
-            </a:endParaRPr>
-          </a:p>
-          <a:p>
-            <a:pPr lvl="1" marL="864000" indent="-324000">
-              <a:spcBef>
-                <a:spcPts val="1134"/>
-              </a:spcBef>
-              <a:buClr>
-                <a:srgbClr val="000000"/>
-              </a:buClr>
-              <a:buSzPct val="75000"/>
-              <a:buFont typeface="Symbol" charset="2"/>
-              <a:buChar char=""/>
-            </a:pPr>
-            <a:r>
-              <a:rPr b="0" lang="en-GB" sz="1800" spc="-1" strike="noStrike">
-                <a:solidFill>
-                  <a:srgbClr val="000000"/>
-                </a:solidFill>
-                <a:latin typeface="Arial"/>
-              </a:rPr>
-              <a:t>Second Outline Level</a:t>
-            </a:r>
-            <a:endParaRPr b="0" lang="en-GB" sz="1800" spc="-1" strike="noStrike">
-              <a:solidFill>
-                <a:srgbClr val="000000"/>
-              </a:solidFill>
-              <a:latin typeface="Arial"/>
-            </a:endParaRPr>
-          </a:p>
-          <a:p>
-            <a:pPr lvl="2" marL="1296000" indent="-288000">
-              <a:spcBef>
-                <a:spcPts val="850"/>
-              </a:spcBef>
-              <a:buClr>
-                <a:srgbClr val="000000"/>
-              </a:buClr>
-              <a:buSzPct val="45000"/>
-              <a:buFont typeface="Wingdings" charset="2"/>
-              <a:buChar char=""/>
-            </a:pPr>
-            <a:r>
-              <a:rPr b="0" lang="en-GB" sz="1800" spc="-1" strike="noStrike">
-                <a:solidFill>
-                  <a:srgbClr val="000000"/>
-                </a:solidFill>
-                <a:latin typeface="Arial"/>
-              </a:rPr>
-              <a:t>Third Outline Level</a:t>
-            </a:r>
-            <a:endParaRPr b="0" lang="en-GB" sz="1800" spc="-1" strike="noStrike">
-              <a:solidFill>
-                <a:srgbClr val="000000"/>
-              </a:solidFill>
-              <a:latin typeface="Arial"/>
-            </a:endParaRPr>
-          </a:p>
-          <a:p>
-            <a:pPr lvl="3" marL="1728000" indent="-216000">
-              <a:spcBef>
-                <a:spcPts val="567"/>
-              </a:spcBef>
-              <a:buClr>
-                <a:srgbClr val="000000"/>
-              </a:buClr>
-              <a:buSzPct val="75000"/>
-              <a:buFont typeface="Symbol" charset="2"/>
-              <a:buChar char=""/>
-            </a:pPr>
-            <a:r>
-              <a:rPr b="0" lang="en-GB" sz="1800" spc="-1" strike="noStrike">
-                <a:solidFill>
-                  <a:srgbClr val="000000"/>
-                </a:solidFill>
-                <a:latin typeface="Arial"/>
-              </a:rPr>
-              <a:t>Fourth Outline Level</a:t>
-            </a:r>
-            <a:endParaRPr b="0" lang="en-GB" sz="1800" spc="-1" strike="noStrike">
-              <a:solidFill>
-                <a:srgbClr val="000000"/>
-              </a:solidFill>
-              <a:latin typeface="Arial"/>
-            </a:endParaRPr>
-          </a:p>
-          <a:p>
-            <a:pPr lvl="4" marL="2160000" indent="-216000">
-              <a:spcBef>
-                <a:spcPts val="283"/>
-              </a:spcBef>
-              <a:buClr>
-                <a:srgbClr val="000000"/>
-              </a:buClr>
-              <a:buSzPct val="45000"/>
-              <a:buFont typeface="Wingdings" charset="2"/>
-              <a:buChar char=""/>
-            </a:pPr>
-            <a:r>
-              <a:rPr b="0" lang="en-GB" sz="1800" spc="-1" strike="noStrike">
-                <a:solidFill>
-                  <a:srgbClr val="000000"/>
-                </a:solidFill>
-                <a:latin typeface="Arial"/>
-              </a:rPr>
-              <a:t>Fifth Outline Level</a:t>
-            </a:r>
-            <a:endParaRPr b="0" lang="en-GB" sz="1800" spc="-1" strike="noStrike">
-              <a:solidFill>
-                <a:srgbClr val="000000"/>
-              </a:solidFill>
-              <a:latin typeface="Arial"/>
-            </a:endParaRPr>
-          </a:p>
-          <a:p>
-            <a:pPr lvl="5" marL="2592000" indent="-216000">
-              <a:spcBef>
-                <a:spcPts val="283"/>
-              </a:spcBef>
-              <a:buClr>
-                <a:srgbClr val="000000"/>
-              </a:buClr>
-              <a:buSzPct val="45000"/>
-              <a:buFont typeface="Wingdings" charset="2"/>
-              <a:buChar char=""/>
-            </a:pPr>
-            <a:r>
-              <a:rPr b="0" lang="en-GB" sz="1800" spc="-1" strike="noStrike">
-                <a:solidFill>
-                  <a:srgbClr val="000000"/>
-                </a:solidFill>
-                <a:latin typeface="Arial"/>
-              </a:rPr>
-              <a:t>Sixth Outline Level</a:t>
-            </a:r>
-            <a:endParaRPr b="0" lang="en-GB" sz="1800" spc="-1" strike="noStrike">
-              <a:solidFill>
-                <a:srgbClr val="000000"/>
-              </a:solidFill>
-              <a:latin typeface="Arial"/>
-            </a:endParaRPr>
-          </a:p>
-          <a:p>
-            <a:pPr lvl="6" marL="3024000" indent="-216000">
-              <a:spcBef>
-                <a:spcPts val="283"/>
-              </a:spcBef>
-              <a:buClr>
-                <a:srgbClr val="000000"/>
-              </a:buClr>
-              <a:buSzPct val="45000"/>
-              <a:buFont typeface="Wingdings" charset="2"/>
-              <a:buChar char=""/>
-            </a:pPr>
-            <a:r>
-              <a:rPr b="0" lang="en-GB" sz="1800" spc="-1" strike="noStrike">
-                <a:solidFill>
-                  <a:srgbClr val="000000"/>
-                </a:solidFill>
-                <a:latin typeface="Arial"/>
-              </a:rPr>
-              <a:t>Seventh Outline Level</a:t>
-            </a:r>
-            <a:endParaRPr b="0" lang="en-GB" sz="1800" spc="-1" strike="noStrike">
-              <a:solidFill>
-                <a:srgbClr val="000000"/>
-              </a:solidFill>
-              <a:latin typeface="Arial"/>
-            </a:endParaRPr>
-          </a:p>
-        </p:txBody>
-      </p:sp>
-      <p:sp>
-        <p:nvSpPr>
-          <p:cNvPr id="94" name="PlaceHolder 7"/>
-          <p:cNvSpPr>
-            <a:spLocks noGrp="1"/>
-          </p:cNvSpPr>
-          <p:nvPr>
-            <p:ph type="body"/>
-          </p:nvPr>
-        </p:nvSpPr>
-        <p:spPr>
-          <a:xfrm>
-            <a:off x="8029800" y="3682080"/>
-            <a:ext cx="3532680" cy="1896480"/>
-          </a:xfrm>
-          <a:prstGeom prst="rect">
-            <a:avLst/>
-          </a:prstGeom>
-          <a:noFill/>
-          <a:ln w="0">
-            <a:noFill/>
-          </a:ln>
-        </p:spPr>
-        <p:txBody>
-          <a:bodyPr lIns="0" rIns="0" tIns="0" bIns="0" anchor="t">
-            <a:normAutofit fontScale="62222" lnSpcReduction="20000"/>
-          </a:bodyPr>
-          <a:p>
-            <a:pPr marL="432000" indent="-324000">
-              <a:spcBef>
-                <a:spcPts val="1417"/>
-              </a:spcBef>
-              <a:buClr>
-                <a:srgbClr val="000000"/>
-              </a:buClr>
-              <a:buSzPct val="45000"/>
-              <a:buFont typeface="Wingdings" charset="2"/>
-              <a:buChar char=""/>
-            </a:pPr>
-            <a:r>
-              <a:rPr b="0" lang="en-GB" sz="1800" spc="-1" strike="noStrike">
-                <a:solidFill>
-                  <a:srgbClr val="000000"/>
-                </a:solidFill>
-                <a:latin typeface="Arial"/>
-              </a:rPr>
-              <a:t>Click to edit the outline text format</a:t>
-            </a:r>
-            <a:endParaRPr b="0" lang="en-GB" sz="1800" spc="-1" strike="noStrike">
-              <a:solidFill>
-                <a:srgbClr val="000000"/>
-              </a:solidFill>
-              <a:latin typeface="Arial"/>
-            </a:endParaRPr>
-          </a:p>
-          <a:p>
-            <a:pPr lvl="1" marL="864000" indent="-324000">
-              <a:spcBef>
-                <a:spcPts val="1134"/>
-              </a:spcBef>
-              <a:buClr>
-                <a:srgbClr val="000000"/>
-              </a:buClr>
-              <a:buSzPct val="75000"/>
-              <a:buFont typeface="Symbol" charset="2"/>
-              <a:buChar char=""/>
-            </a:pPr>
-            <a:r>
-              <a:rPr b="0" lang="en-GB" sz="1800" spc="-1" strike="noStrike">
-                <a:solidFill>
-                  <a:srgbClr val="000000"/>
-                </a:solidFill>
-                <a:latin typeface="Arial"/>
-              </a:rPr>
-              <a:t>Second Outline Level</a:t>
-            </a:r>
-            <a:endParaRPr b="0" lang="en-GB" sz="1800" spc="-1" strike="noStrike">
-              <a:solidFill>
-                <a:srgbClr val="000000"/>
-              </a:solidFill>
-              <a:latin typeface="Arial"/>
-            </a:endParaRPr>
-          </a:p>
-          <a:p>
-            <a:pPr lvl="2" marL="1296000" indent="-288000">
-              <a:spcBef>
-                <a:spcPts val="850"/>
-              </a:spcBef>
-              <a:buClr>
-                <a:srgbClr val="000000"/>
-              </a:buClr>
-              <a:buSzPct val="45000"/>
-              <a:buFont typeface="Wingdings" charset="2"/>
-              <a:buChar char=""/>
-            </a:pPr>
-            <a:r>
-              <a:rPr b="0" lang="en-GB" sz="1800" spc="-1" strike="noStrike">
-                <a:solidFill>
-                  <a:srgbClr val="000000"/>
-                </a:solidFill>
-                <a:latin typeface="Arial"/>
-              </a:rPr>
-              <a:t>Third Outline Level</a:t>
-            </a:r>
-            <a:endParaRPr b="0" lang="en-GB" sz="1800" spc="-1" strike="noStrike">
-              <a:solidFill>
-                <a:srgbClr val="000000"/>
-              </a:solidFill>
-              <a:latin typeface="Arial"/>
-            </a:endParaRPr>
-          </a:p>
-          <a:p>
-            <a:pPr lvl="3" marL="1728000" indent="-216000">
-              <a:spcBef>
-                <a:spcPts val="567"/>
-              </a:spcBef>
-              <a:buClr>
-                <a:srgbClr val="000000"/>
-              </a:buClr>
-              <a:buSzPct val="75000"/>
-              <a:buFont typeface="Symbol" charset="2"/>
-              <a:buChar char=""/>
-            </a:pPr>
-            <a:r>
-              <a:rPr b="0" lang="en-GB" sz="1800" spc="-1" strike="noStrike">
-                <a:solidFill>
-                  <a:srgbClr val="000000"/>
-                </a:solidFill>
-                <a:latin typeface="Arial"/>
-              </a:rPr>
-              <a:t>Fourth Outline Level</a:t>
-            </a:r>
-            <a:endParaRPr b="0" lang="en-GB" sz="1800" spc="-1" strike="noStrike">
-              <a:solidFill>
-                <a:srgbClr val="000000"/>
-              </a:solidFill>
-              <a:latin typeface="Arial"/>
-            </a:endParaRPr>
-          </a:p>
-          <a:p>
-            <a:pPr lvl="4" marL="2160000" indent="-216000">
-              <a:spcBef>
-                <a:spcPts val="283"/>
-              </a:spcBef>
-              <a:buClr>
-                <a:srgbClr val="000000"/>
-              </a:buClr>
-              <a:buSzPct val="45000"/>
-              <a:buFont typeface="Wingdings" charset="2"/>
-              <a:buChar char=""/>
-            </a:pPr>
-            <a:r>
-              <a:rPr b="0" lang="en-GB" sz="1800" spc="-1" strike="noStrike">
-                <a:solidFill>
-                  <a:srgbClr val="000000"/>
-                </a:solidFill>
-                <a:latin typeface="Arial"/>
-              </a:rPr>
-              <a:t>Fifth Outline Level</a:t>
-            </a:r>
-            <a:endParaRPr b="0" lang="en-GB" sz="1800" spc="-1" strike="noStrike">
-              <a:solidFill>
-                <a:srgbClr val="000000"/>
-              </a:solidFill>
-              <a:latin typeface="Arial"/>
-            </a:endParaRPr>
-          </a:p>
-          <a:p>
-            <a:pPr lvl="5" marL="2592000" indent="-216000">
-              <a:spcBef>
-                <a:spcPts val="283"/>
-              </a:spcBef>
-              <a:buClr>
-                <a:srgbClr val="000000"/>
-              </a:buClr>
-              <a:buSzPct val="45000"/>
-              <a:buFont typeface="Wingdings" charset="2"/>
-              <a:buChar char=""/>
-            </a:pPr>
-            <a:r>
-              <a:rPr b="0" lang="en-GB" sz="1800" spc="-1" strike="noStrike">
-                <a:solidFill>
-                  <a:srgbClr val="000000"/>
-                </a:solidFill>
-                <a:latin typeface="Arial"/>
-              </a:rPr>
-              <a:t>Sixth Outline Level</a:t>
-            </a:r>
-            <a:endParaRPr b="0" lang="en-GB" sz="1800" spc="-1" strike="noStrike">
-              <a:solidFill>
-                <a:srgbClr val="000000"/>
-              </a:solidFill>
-              <a:latin typeface="Arial"/>
-            </a:endParaRPr>
-          </a:p>
-          <a:p>
-            <a:pPr lvl="6" marL="3024000" indent="-216000">
-              <a:spcBef>
-                <a:spcPts val="283"/>
-              </a:spcBef>
-              <a:buClr>
-                <a:srgbClr val="000000"/>
-              </a:buClr>
-              <a:buSzPct val="45000"/>
-              <a:buFont typeface="Wingdings" charset="2"/>
-              <a:buChar char=""/>
-            </a:pPr>
-            <a:r>
-              <a:rPr b="0" lang="en-GB" sz="1800" spc="-1" strike="noStrike">
-                <a:solidFill>
-                  <a:srgbClr val="000000"/>
-                </a:solidFill>
-                <a:latin typeface="Arial"/>
-              </a:rPr>
-              <a:t>Seventh Outline Level</a:t>
-            </a:r>
-            <a:endParaRPr b="0" lang="en-GB" sz="1800" spc="-1" strike="noStrike">
               <a:solidFill>
                 <a:srgbClr val="000000"/>
               </a:solidFill>
@@ -23581,14 +21008,14 @@
       </p:grpSpPr>
       <p:sp>
         <p:nvSpPr>
-          <p:cNvPr id="95" name="CustomShape 1"/>
+          <p:cNvPr id="88" name="CustomShape 1"/>
           <p:cNvSpPr/>
           <p:nvPr/>
         </p:nvSpPr>
         <p:spPr>
           <a:xfrm>
             <a:off x="11444760" y="0"/>
-            <a:ext cx="740880" cy="6849720"/>
+            <a:ext cx="740520" cy="6849360"/>
           </a:xfrm>
           <a:prstGeom prst="rect">
             <a:avLst/>
@@ -23630,14 +21057,14 @@
       </p:sp>
       <p:sp>
         <p:nvSpPr>
-          <p:cNvPr id="96" name="CustomShape 2"/>
+          <p:cNvPr id="89" name="CustomShape 2"/>
           <p:cNvSpPr/>
           <p:nvPr/>
         </p:nvSpPr>
         <p:spPr>
           <a:xfrm>
             <a:off x="11438640" y="6453360"/>
-            <a:ext cx="757800" cy="363960"/>
+            <a:ext cx="757440" cy="363960"/>
           </a:xfrm>
           <a:prstGeom prst="rect">
             <a:avLst/>
@@ -23663,7 +21090,7 @@
                 <a:spcPct val="100000"/>
               </a:lnSpc>
             </a:pPr>
-            <a:fld id="{75B7A08E-6BFF-41EE-9A8A-8C07BD485C04}" type="slidenum">
+            <a:fld id="{D751DBAA-5C3D-4992-8310-EC11CA0DC0D9}" type="slidenum">
               <a:rPr b="0" lang="en-US" sz="1800" spc="-1" strike="noStrike">
                 <a:solidFill>
                   <a:srgbClr val="808080"/>
@@ -23684,14 +21111,14 @@
       </p:sp>
       <p:sp>
         <p:nvSpPr>
-          <p:cNvPr id="97" name="CustomShape 3"/>
+          <p:cNvPr id="90" name="CustomShape 3"/>
           <p:cNvSpPr/>
           <p:nvPr/>
         </p:nvSpPr>
         <p:spPr>
           <a:xfrm>
             <a:off x="912240" y="1268280"/>
-            <a:ext cx="9207720" cy="361080"/>
+            <a:ext cx="9207360" cy="360720"/>
           </a:xfrm>
           <a:prstGeom prst="rect">
             <a:avLst/>
@@ -23729,7 +21156,7 @@
       </p:sp>
       <p:pic>
         <p:nvPicPr>
-          <p:cNvPr id="98" name="Picture 19" descr="Logo_TUC_de_RGB"/>
+          <p:cNvPr id="91" name="Picture 19" descr="Logo_TUC_de_RGB"/>
           <p:cNvPicPr/>
           <p:nvPr/>
         </p:nvPicPr>
@@ -23740,7 +21167,7 @@
         <p:spPr>
           <a:xfrm>
             <a:off x="0" y="0"/>
-            <a:ext cx="3051720" cy="561600"/>
+            <a:ext cx="3051360" cy="561240"/>
           </a:xfrm>
           <a:prstGeom prst="rect">
             <a:avLst/>
@@ -23752,7 +21179,7 @@
       </p:pic>
       <p:pic>
         <p:nvPicPr>
-          <p:cNvPr id="99" name="Grafik 2" descr=""/>
+          <p:cNvPr id="92" name="Grafik 2" descr=""/>
           <p:cNvPicPr/>
           <p:nvPr/>
         </p:nvPicPr>
@@ -23763,7 +21190,7 @@
         <p:spPr>
           <a:xfrm>
             <a:off x="7430400" y="134640"/>
-            <a:ext cx="3697560" cy="513720"/>
+            <a:ext cx="3697200" cy="513360"/>
           </a:xfrm>
           <a:prstGeom prst="rect">
             <a:avLst/>
@@ -23775,14 +21202,14 @@
       </p:pic>
       <p:sp>
         <p:nvSpPr>
-          <p:cNvPr id="100" name="CustomShape 4"/>
+          <p:cNvPr id="93" name="CustomShape 4"/>
           <p:cNvSpPr/>
           <p:nvPr/>
         </p:nvSpPr>
         <p:spPr>
           <a:xfrm>
             <a:off x="912240" y="1268280"/>
-            <a:ext cx="9207720" cy="361080"/>
+            <a:ext cx="9207360" cy="360720"/>
           </a:xfrm>
           <a:prstGeom prst="rect">
             <a:avLst/>
@@ -23820,14 +21247,14 @@
       </p:sp>
       <p:sp>
         <p:nvSpPr>
-          <p:cNvPr id="101" name="CustomShape 5"/>
+          <p:cNvPr id="94" name="CustomShape 5"/>
           <p:cNvSpPr/>
           <p:nvPr/>
         </p:nvSpPr>
         <p:spPr>
           <a:xfrm>
             <a:off x="11444760" y="0"/>
-            <a:ext cx="740880" cy="6849720"/>
+            <a:ext cx="740520" cy="6849360"/>
           </a:xfrm>
           <a:prstGeom prst="rect">
             <a:avLst/>
@@ -23869,14 +21296,14 @@
       </p:sp>
       <p:sp>
         <p:nvSpPr>
-          <p:cNvPr id="102" name="CustomShape 6"/>
+          <p:cNvPr id="95" name="CustomShape 6"/>
           <p:cNvSpPr/>
           <p:nvPr/>
         </p:nvSpPr>
         <p:spPr>
           <a:xfrm>
             <a:off x="0" y="6642720"/>
-            <a:ext cx="12183840" cy="211320"/>
+            <a:ext cx="12183480" cy="211320"/>
           </a:xfrm>
           <a:prstGeom prst="rect">
             <a:avLst/>
@@ -23923,7 +21350,7 @@
       </p:sp>
       <p:sp>
         <p:nvSpPr>
-          <p:cNvPr id="103" name="PlaceHolder 1"/>
+          <p:cNvPr id="96" name="PlaceHolder 1"/>
           <p:cNvSpPr>
             <a:spLocks noGrp="1"/>
           </p:cNvSpPr>
@@ -23972,7 +21399,7 @@
       </p:sp>
       <p:sp>
         <p:nvSpPr>
-          <p:cNvPr id="104" name="PlaceHolder 2"/>
+          <p:cNvPr id="97" name="PlaceHolder 2"/>
           <p:cNvSpPr>
             <a:spLocks noGrp="1"/>
           </p:cNvSpPr>
@@ -24230,14 +21657,14 @@
       </p:grpSpPr>
       <p:sp>
         <p:nvSpPr>
-          <p:cNvPr id="105" name="CustomShape 1"/>
+          <p:cNvPr id="98" name="CustomShape 1"/>
           <p:cNvSpPr/>
           <p:nvPr/>
         </p:nvSpPr>
         <p:spPr>
           <a:xfrm>
             <a:off x="11444760" y="0"/>
-            <a:ext cx="740880" cy="6849720"/>
+            <a:ext cx="740520" cy="6849360"/>
           </a:xfrm>
           <a:prstGeom prst="rect">
             <a:avLst/>
@@ -24279,14 +21706,14 @@
       </p:sp>
       <p:sp>
         <p:nvSpPr>
-          <p:cNvPr id="106" name="CustomShape 2"/>
+          <p:cNvPr id="99" name="CustomShape 2"/>
           <p:cNvSpPr/>
           <p:nvPr/>
         </p:nvSpPr>
         <p:spPr>
           <a:xfrm>
             <a:off x="11438640" y="6453360"/>
-            <a:ext cx="757800" cy="363960"/>
+            <a:ext cx="757440" cy="363960"/>
           </a:xfrm>
           <a:prstGeom prst="rect">
             <a:avLst/>
@@ -24312,7 +21739,7 @@
                 <a:spcPct val="100000"/>
               </a:lnSpc>
             </a:pPr>
-            <a:fld id="{16EA6DF3-DEBC-41E0-9ACF-C6FFB704DC70}" type="slidenum">
+            <a:fld id="{B4DA4055-2422-4909-B448-A48C658D2B7E}" type="slidenum">
               <a:rPr b="0" lang="en-US" sz="1800" spc="-1" strike="noStrike">
                 <a:solidFill>
                   <a:srgbClr val="808080"/>
@@ -24333,14 +21760,14 @@
       </p:sp>
       <p:sp>
         <p:nvSpPr>
-          <p:cNvPr id="107" name="CustomShape 3"/>
+          <p:cNvPr id="100" name="CustomShape 3"/>
           <p:cNvSpPr/>
           <p:nvPr/>
         </p:nvSpPr>
         <p:spPr>
           <a:xfrm>
             <a:off x="912240" y="1268280"/>
-            <a:ext cx="9207720" cy="361080"/>
+            <a:ext cx="9207360" cy="360720"/>
           </a:xfrm>
           <a:prstGeom prst="rect">
             <a:avLst/>
@@ -24378,7 +21805,7 @@
       </p:sp>
       <p:pic>
         <p:nvPicPr>
-          <p:cNvPr id="108" name="Picture 19" descr="Logo_TUC_de_RGB"/>
+          <p:cNvPr id="101" name="Picture 19" descr="Logo_TUC_de_RGB"/>
           <p:cNvPicPr/>
           <p:nvPr/>
         </p:nvPicPr>
@@ -24389,7 +21816,7 @@
         <p:spPr>
           <a:xfrm>
             <a:off x="0" y="0"/>
-            <a:ext cx="3051720" cy="561600"/>
+            <a:ext cx="3051360" cy="561240"/>
           </a:xfrm>
           <a:prstGeom prst="rect">
             <a:avLst/>
@@ -24401,7 +21828,7 @@
       </p:pic>
       <p:pic>
         <p:nvPicPr>
-          <p:cNvPr id="109" name="Grafik 2" descr=""/>
+          <p:cNvPr id="102" name="Grafik 2" descr=""/>
           <p:cNvPicPr/>
           <p:nvPr/>
         </p:nvPicPr>
@@ -24412,7 +21839,7 @@
         <p:spPr>
           <a:xfrm>
             <a:off x="7430400" y="134640"/>
-            <a:ext cx="3697560" cy="513720"/>
+            <a:ext cx="3697200" cy="513360"/>
           </a:xfrm>
           <a:prstGeom prst="rect">
             <a:avLst/>
@@ -24424,14 +21851,14 @@
       </p:pic>
       <p:sp>
         <p:nvSpPr>
-          <p:cNvPr id="110" name="CustomShape 4"/>
+          <p:cNvPr id="103" name="CustomShape 4"/>
           <p:cNvSpPr/>
           <p:nvPr/>
         </p:nvSpPr>
         <p:spPr>
           <a:xfrm>
             <a:off x="912240" y="1268280"/>
-            <a:ext cx="9207720" cy="361080"/>
+            <a:ext cx="9207360" cy="360720"/>
           </a:xfrm>
           <a:prstGeom prst="rect">
             <a:avLst/>
@@ -24469,14 +21896,14 @@
       </p:sp>
       <p:sp>
         <p:nvSpPr>
-          <p:cNvPr id="111" name="CustomShape 5"/>
+          <p:cNvPr id="104" name="CustomShape 5"/>
           <p:cNvSpPr/>
           <p:nvPr/>
         </p:nvSpPr>
         <p:spPr>
           <a:xfrm>
             <a:off x="11444760" y="0"/>
-            <a:ext cx="740880" cy="6849720"/>
+            <a:ext cx="740520" cy="6849360"/>
           </a:xfrm>
           <a:prstGeom prst="rect">
             <a:avLst/>
@@ -24518,14 +21945,14 @@
       </p:sp>
       <p:sp>
         <p:nvSpPr>
-          <p:cNvPr id="112" name="CustomShape 6"/>
+          <p:cNvPr id="105" name="CustomShape 6"/>
           <p:cNvSpPr/>
           <p:nvPr/>
         </p:nvSpPr>
         <p:spPr>
           <a:xfrm>
             <a:off x="0" y="6642720"/>
-            <a:ext cx="12183840" cy="211320"/>
+            <a:ext cx="12183480" cy="211320"/>
           </a:xfrm>
           <a:prstGeom prst="rect">
             <a:avLst/>
@@ -24572,7 +21999,7 @@
       </p:sp>
       <p:sp>
         <p:nvSpPr>
-          <p:cNvPr id="113" name="PlaceHolder 1"/>
+          <p:cNvPr id="106" name="PlaceHolder 1"/>
           <p:cNvSpPr>
             <a:spLocks noGrp="1"/>
           </p:cNvSpPr>
@@ -24609,6 +22036,231 @@
                 <a:latin typeface="Arial"/>
               </a:rPr>
               <a:t>Click to edit the title text format</a:t>
+            </a:r>
+            <a:endParaRPr b="0" lang="en-GB" sz="1800" spc="-1" strike="noStrike">
+              <a:solidFill>
+                <a:srgbClr val="000000"/>
+              </a:solidFill>
+              <a:latin typeface="Arial"/>
+            </a:endParaRPr>
+          </a:p>
+        </p:txBody>
+      </p:sp>
+      <p:sp>
+        <p:nvSpPr>
+          <p:cNvPr id="107" name="PlaceHolder 2"/>
+          <p:cNvSpPr>
+            <a:spLocks noGrp="1"/>
+          </p:cNvSpPr>
+          <p:nvPr>
+            <p:ph type="body"/>
+          </p:nvPr>
+        </p:nvSpPr>
+        <p:spPr>
+          <a:xfrm>
+            <a:off x="609480" y="1604520"/>
+            <a:ext cx="10972080" cy="3976920"/>
+          </a:xfrm>
+          <a:prstGeom prst="rect">
+            <a:avLst/>
+          </a:prstGeom>
+          <a:noFill/>
+          <a:ln w="0">
+            <a:noFill/>
+          </a:ln>
+        </p:spPr>
+        <p:txBody>
+          <a:bodyPr lIns="0" rIns="0" tIns="0" bIns="0" anchor="t">
+            <a:normAutofit/>
+          </a:bodyPr>
+          <a:p>
+            <a:pPr marL="432000" indent="-324000">
+              <a:spcBef>
+                <a:spcPts val="1417"/>
+              </a:spcBef>
+              <a:buClr>
+                <a:srgbClr val="000000"/>
+              </a:buClr>
+              <a:buSzPct val="45000"/>
+              <a:buFont typeface="Wingdings" charset="2"/>
+              <a:buChar char=""/>
+            </a:pPr>
+            <a:r>
+              <a:rPr b="0" lang="en-GB" sz="1800" spc="-1" strike="noStrike">
+                <a:solidFill>
+                  <a:srgbClr val="000000"/>
+                </a:solidFill>
+                <a:latin typeface="Arial"/>
+              </a:rPr>
+              <a:t>Click to edit the outline text format</a:t>
+            </a:r>
+            <a:endParaRPr b="0" lang="en-GB" sz="1800" spc="-1" strike="noStrike">
+              <a:solidFill>
+                <a:srgbClr val="000000"/>
+              </a:solidFill>
+              <a:latin typeface="Arial"/>
+            </a:endParaRPr>
+          </a:p>
+          <a:p>
+            <a:pPr lvl="1" marL="864000" indent="-324000">
+              <a:spcBef>
+                <a:spcPts val="1134"/>
+              </a:spcBef>
+              <a:buClr>
+                <a:srgbClr val="000000"/>
+              </a:buClr>
+              <a:buSzPct val="75000"/>
+              <a:buFont typeface="Symbol" charset="2"/>
+              <a:buChar char=""/>
+            </a:pPr>
+            <a:r>
+              <a:rPr b="0" lang="en-GB" sz="1800" spc="-1" strike="noStrike">
+                <a:solidFill>
+                  <a:srgbClr val="000000"/>
+                </a:solidFill>
+                <a:latin typeface="Arial"/>
+              </a:rPr>
+              <a:t>Second Outline Level</a:t>
+            </a:r>
+            <a:endParaRPr b="0" lang="en-GB" sz="1800" spc="-1" strike="noStrike">
+              <a:solidFill>
+                <a:srgbClr val="000000"/>
+              </a:solidFill>
+              <a:latin typeface="Arial"/>
+            </a:endParaRPr>
+          </a:p>
+          <a:p>
+            <a:pPr lvl="2" marL="1296000" indent="-288000">
+              <a:spcBef>
+                <a:spcPts val="850"/>
+              </a:spcBef>
+              <a:buClr>
+                <a:srgbClr val="000000"/>
+              </a:buClr>
+              <a:buSzPct val="45000"/>
+              <a:buFont typeface="Wingdings" charset="2"/>
+              <a:buChar char=""/>
+            </a:pPr>
+            <a:r>
+              <a:rPr b="0" lang="en-GB" sz="1800" spc="-1" strike="noStrike">
+                <a:solidFill>
+                  <a:srgbClr val="000000"/>
+                </a:solidFill>
+                <a:latin typeface="Arial"/>
+              </a:rPr>
+              <a:t>Third Outline Level</a:t>
+            </a:r>
+            <a:endParaRPr b="0" lang="en-GB" sz="1800" spc="-1" strike="noStrike">
+              <a:solidFill>
+                <a:srgbClr val="000000"/>
+              </a:solidFill>
+              <a:latin typeface="Arial"/>
+            </a:endParaRPr>
+          </a:p>
+          <a:p>
+            <a:pPr lvl="3" marL="1728000" indent="-216000">
+              <a:spcBef>
+                <a:spcPts val="567"/>
+              </a:spcBef>
+              <a:buClr>
+                <a:srgbClr val="000000"/>
+              </a:buClr>
+              <a:buSzPct val="75000"/>
+              <a:buFont typeface="Symbol" charset="2"/>
+              <a:buChar char=""/>
+            </a:pPr>
+            <a:r>
+              <a:rPr b="0" lang="en-GB" sz="1800" spc="-1" strike="noStrike">
+                <a:solidFill>
+                  <a:srgbClr val="000000"/>
+                </a:solidFill>
+                <a:latin typeface="Arial"/>
+              </a:rPr>
+              <a:t>Fourth Outline Level</a:t>
+            </a:r>
+            <a:endParaRPr b="0" lang="en-GB" sz="1800" spc="-1" strike="noStrike">
+              <a:solidFill>
+                <a:srgbClr val="000000"/>
+              </a:solidFill>
+              <a:latin typeface="Arial"/>
+            </a:endParaRPr>
+          </a:p>
+          <a:p>
+            <a:pPr lvl="4" marL="2160000" indent="-216000">
+              <a:spcBef>
+                <a:spcPts val="283"/>
+              </a:spcBef>
+              <a:buClr>
+                <a:srgbClr val="000000"/>
+              </a:buClr>
+              <a:buSzPct val="45000"/>
+              <a:buFont typeface="Wingdings" charset="2"/>
+              <a:buChar char=""/>
+            </a:pPr>
+            <a:r>
+              <a:rPr b="0" lang="en-GB" sz="1800" spc="-1" strike="noStrike">
+                <a:solidFill>
+                  <a:srgbClr val="000000"/>
+                </a:solidFill>
+                <a:latin typeface="Arial"/>
+              </a:rPr>
+              <a:t>Fifth Outline Level</a:t>
+            </a:r>
+            <a:endParaRPr b="0" lang="en-GB" sz="1800" spc="-1" strike="noStrike">
+              <a:solidFill>
+                <a:srgbClr val="000000"/>
+              </a:solidFill>
+              <a:latin typeface="Arial"/>
+            </a:endParaRPr>
+          </a:p>
+          <a:p>
+            <a:pPr lvl="5" marL="2592000" indent="-216000">
+              <a:spcBef>
+                <a:spcPts val="283"/>
+              </a:spcBef>
+              <a:buClr>
+                <a:srgbClr val="000000"/>
+              </a:buClr>
+              <a:buSzPct val="45000"/>
+              <a:buFont typeface="Wingdings" charset="2"/>
+              <a:buChar char=""/>
+            </a:pPr>
+            <a:r>
+              <a:rPr b="0" lang="en-GB" sz="1800" spc="-1" strike="noStrike">
+                <a:solidFill>
+                  <a:srgbClr val="000000"/>
+                </a:solidFill>
+                <a:latin typeface="Arial"/>
+              </a:rPr>
+              <a:t>Sixth Outline Level</a:t>
+            </a:r>
+            <a:endParaRPr b="0" lang="en-GB" sz="1800" spc="-1" strike="noStrike">
+              <a:solidFill>
+                <a:srgbClr val="000000"/>
+              </a:solidFill>
+              <a:latin typeface="Arial"/>
+            </a:endParaRPr>
+          </a:p>
+          <a:p>
+            <a:pPr lvl="6" marL="3024000" indent="-216000">
+              <a:spcBef>
+                <a:spcPts val="283"/>
+              </a:spcBef>
+              <a:buClr>
+                <a:srgbClr val="000000"/>
+              </a:buClr>
+              <a:buSzPct val="45000"/>
+              <a:buFont typeface="Wingdings" charset="2"/>
+              <a:buChar char=""/>
+            </a:pPr>
+            <a:r>
+              <a:rPr b="0" lang="en-GB" sz="1800" spc="-1" strike="noStrike">
+                <a:solidFill>
+                  <a:srgbClr val="000000"/>
+                </a:solidFill>
+                <a:latin typeface="Arial"/>
+              </a:rPr>
+              <a:t>Seventh Outline Level</a:t>
             </a:r>
             <a:endParaRPr b="0" lang="en-GB" sz="1800" spc="-1" strike="noStrike">
               <a:solidFill>
@@ -24654,14 +22306,14 @@
       </p:grpSpPr>
       <p:sp>
         <p:nvSpPr>
-          <p:cNvPr id="116" name="CustomShape 1"/>
+          <p:cNvPr id="110" name="CustomShape 1"/>
           <p:cNvSpPr/>
           <p:nvPr/>
         </p:nvSpPr>
         <p:spPr>
           <a:xfrm>
             <a:off x="11444760" y="0"/>
-            <a:ext cx="740880" cy="6849720"/>
+            <a:ext cx="740520" cy="6849360"/>
           </a:xfrm>
           <a:prstGeom prst="rect">
             <a:avLst/>
@@ -24703,14 +22355,14 @@
       </p:sp>
       <p:sp>
         <p:nvSpPr>
-          <p:cNvPr id="117" name="CustomShape 2"/>
+          <p:cNvPr id="111" name="CustomShape 2"/>
           <p:cNvSpPr/>
           <p:nvPr/>
         </p:nvSpPr>
         <p:spPr>
           <a:xfrm>
             <a:off x="11438640" y="6453360"/>
-            <a:ext cx="757800" cy="363960"/>
+            <a:ext cx="757440" cy="363960"/>
           </a:xfrm>
           <a:prstGeom prst="rect">
             <a:avLst/>
@@ -24736,7 +22388,7 @@
                 <a:spcPct val="100000"/>
               </a:lnSpc>
             </a:pPr>
-            <a:fld id="{E84BCF60-95AE-4B95-88BC-D1BF3F8CB38B}" type="slidenum">
+            <a:fld id="{F4263431-50C8-4CCF-80F9-DD8B66385785}" type="slidenum">
               <a:rPr b="0" lang="en-US" sz="1800" spc="-1" strike="noStrike">
                 <a:solidFill>
                   <a:srgbClr val="808080"/>
@@ -24757,14 +22409,14 @@
       </p:sp>
       <p:sp>
         <p:nvSpPr>
-          <p:cNvPr id="118" name="CustomShape 3"/>
+          <p:cNvPr id="112" name="CustomShape 3"/>
           <p:cNvSpPr/>
           <p:nvPr/>
         </p:nvSpPr>
         <p:spPr>
           <a:xfrm>
             <a:off x="912240" y="1268280"/>
-            <a:ext cx="9207720" cy="361080"/>
+            <a:ext cx="9207360" cy="360720"/>
           </a:xfrm>
           <a:prstGeom prst="rect">
             <a:avLst/>
@@ -24802,7 +22454,7 @@
       </p:sp>
       <p:pic>
         <p:nvPicPr>
-          <p:cNvPr id="119" name="Picture 19" descr="Logo_TUC_de_RGB"/>
+          <p:cNvPr id="113" name="Picture 19" descr="Logo_TUC_de_RGB"/>
           <p:cNvPicPr/>
           <p:nvPr/>
         </p:nvPicPr>
@@ -24813,7 +22465,7 @@
         <p:spPr>
           <a:xfrm>
             <a:off x="0" y="0"/>
-            <a:ext cx="3051720" cy="561600"/>
+            <a:ext cx="3051360" cy="561240"/>
           </a:xfrm>
           <a:prstGeom prst="rect">
             <a:avLst/>
@@ -24825,7 +22477,7 @@
       </p:pic>
       <p:pic>
         <p:nvPicPr>
-          <p:cNvPr id="120" name="Grafik 2" descr=""/>
+          <p:cNvPr id="114" name="Grafik 2" descr=""/>
           <p:cNvPicPr/>
           <p:nvPr/>
         </p:nvPicPr>
@@ -24836,7 +22488,7 @@
         <p:spPr>
           <a:xfrm>
             <a:off x="7430400" y="134640"/>
-            <a:ext cx="3697560" cy="513720"/>
+            <a:ext cx="3697200" cy="513360"/>
           </a:xfrm>
           <a:prstGeom prst="rect">
             <a:avLst/>
@@ -24848,14 +22500,14 @@
       </p:pic>
       <p:sp>
         <p:nvSpPr>
-          <p:cNvPr id="121" name="CustomShape 4"/>
+          <p:cNvPr id="115" name="CustomShape 4"/>
           <p:cNvSpPr/>
           <p:nvPr/>
         </p:nvSpPr>
         <p:spPr>
           <a:xfrm>
             <a:off x="912240" y="1268280"/>
-            <a:ext cx="9207720" cy="361080"/>
+            <a:ext cx="9207360" cy="360720"/>
           </a:xfrm>
           <a:prstGeom prst="rect">
             <a:avLst/>
@@ -24893,14 +22545,14 @@
       </p:sp>
       <p:sp>
         <p:nvSpPr>
-          <p:cNvPr id="122" name="CustomShape 5"/>
+          <p:cNvPr id="116" name="CustomShape 5"/>
           <p:cNvSpPr/>
           <p:nvPr/>
         </p:nvSpPr>
         <p:spPr>
           <a:xfrm>
             <a:off x="11444760" y="0"/>
-            <a:ext cx="740880" cy="6849720"/>
+            <a:ext cx="740520" cy="6849360"/>
           </a:xfrm>
           <a:prstGeom prst="rect">
             <a:avLst/>
@@ -24942,14 +22594,14 @@
       </p:sp>
       <p:sp>
         <p:nvSpPr>
-          <p:cNvPr id="123" name="CustomShape 6"/>
+          <p:cNvPr id="117" name="CustomShape 6"/>
           <p:cNvSpPr/>
           <p:nvPr/>
         </p:nvSpPr>
         <p:spPr>
           <a:xfrm>
             <a:off x="0" y="6642720"/>
-            <a:ext cx="12183840" cy="211320"/>
+            <a:ext cx="12183480" cy="211320"/>
           </a:xfrm>
           <a:prstGeom prst="rect">
             <a:avLst/>
@@ -24996,7 +22648,7 @@
       </p:sp>
       <p:sp>
         <p:nvSpPr>
-          <p:cNvPr id="124" name="PlaceHolder 1"/>
+          <p:cNvPr id="118" name="PlaceHolder 1"/>
           <p:cNvSpPr>
             <a:spLocks noGrp="1"/>
           </p:cNvSpPr>
@@ -25045,7 +22697,7 @@
       </p:sp>
       <p:sp>
         <p:nvSpPr>
-          <p:cNvPr id="125" name="PlaceHolder 2"/>
+          <p:cNvPr id="119" name="PlaceHolder 2"/>
           <p:cNvSpPr>
             <a:spLocks noGrp="1"/>
           </p:cNvSpPr>
@@ -25296,14 +22948,14 @@
       </p:grpSpPr>
       <p:sp>
         <p:nvSpPr>
-          <p:cNvPr id="326" name="CustomShape 1"/>
+          <p:cNvPr id="314" name="CustomShape 1"/>
           <p:cNvSpPr/>
           <p:nvPr/>
         </p:nvSpPr>
         <p:spPr>
           <a:xfrm>
             <a:off x="527400" y="1412640"/>
-            <a:ext cx="10360800" cy="1147320"/>
+            <a:ext cx="10360440" cy="1146960"/>
           </a:xfrm>
           <a:prstGeom prst="rect">
             <a:avLst/>
@@ -25350,14 +23002,14 @@
       </p:sp>
       <p:sp>
         <p:nvSpPr>
-          <p:cNvPr id="327" name="CustomShape 2"/>
+          <p:cNvPr id="315" name="CustomShape 2"/>
           <p:cNvSpPr/>
           <p:nvPr/>
         </p:nvSpPr>
         <p:spPr>
           <a:xfrm>
             <a:off x="527400" y="2852640"/>
-            <a:ext cx="10360800" cy="2368080"/>
+            <a:ext cx="10360440" cy="2367720"/>
           </a:xfrm>
           <a:prstGeom prst="rect">
             <a:avLst/>
@@ -25513,6 +23165,35 @@
                 <a:ea typeface="DejaVu Sans"/>
               </a:rPr>
               <a:t>M.Sc. Anant Sujatanagarjuna</a:t>
+            </a:r>
+            <a:endParaRPr b="0" lang="en-GB" sz="1600" spc="-1" strike="noStrike">
+              <a:solidFill>
+                <a:srgbClr val="000000"/>
+              </a:solidFill>
+              <a:latin typeface="Arial"/>
+            </a:endParaRPr>
+          </a:p>
+          <a:p>
+            <a:pPr algn="ctr">
+              <a:lnSpc>
+                <a:spcPct val="100000"/>
+              </a:lnSpc>
+              <a:spcBef>
+                <a:spcPts val="320"/>
+              </a:spcBef>
+              <a:tabLst>
+                <a:tab algn="l" pos="0"/>
+              </a:tabLst>
+            </a:pPr>
+            <a:r>
+              <a:rPr b="0" lang="en-GB" sz="1600" spc="-1" strike="noStrike">
+                <a:solidFill>
+                  <a:srgbClr val="000000"/>
+                </a:solidFill>
+                <a:latin typeface="DejaVu Sans"/>
+                <a:ea typeface="DejaVu Sans"/>
+              </a:rPr>
+              <a:t>M.Sc. Elsyprema Rajan</a:t>
             </a:r>
             <a:endParaRPr b="0" lang="en-GB" sz="1600" spc="-1" strike="noStrike">
               <a:solidFill>
@@ -25555,14 +23236,14 @@
       </p:grpSpPr>
       <p:sp>
         <p:nvSpPr>
-          <p:cNvPr id="354" name="CustomShape 1"/>
+          <p:cNvPr id="342" name="CustomShape 1"/>
           <p:cNvSpPr/>
           <p:nvPr/>
         </p:nvSpPr>
         <p:spPr>
           <a:xfrm>
             <a:off x="539640" y="764640"/>
-            <a:ext cx="10744920" cy="495720"/>
+            <a:ext cx="10744560" cy="495360"/>
           </a:xfrm>
           <a:prstGeom prst="rect">
             <a:avLst/>
@@ -25609,7 +23290,7 @@
       </p:sp>
       <p:graphicFrame>
         <p:nvGraphicFramePr>
-          <p:cNvPr id="355" name="Table 1"/>
+          <p:cNvPr id="343" name="Table 1"/>
           <p:cNvGraphicFramePr/>
           <p:nvPr/>
         </p:nvGraphicFramePr>
@@ -27072,14 +24753,14 @@
       </p:grpSpPr>
       <p:sp>
         <p:nvSpPr>
-          <p:cNvPr id="356" name="CustomShape 32"/>
+          <p:cNvPr id="344" name="CustomShape 32"/>
           <p:cNvSpPr/>
           <p:nvPr/>
         </p:nvSpPr>
         <p:spPr>
           <a:xfrm>
             <a:off x="539640" y="764640"/>
-            <a:ext cx="10738080" cy="488880"/>
+            <a:ext cx="10737720" cy="488520"/>
           </a:xfrm>
           <a:prstGeom prst="rect">
             <a:avLst/>
@@ -27126,14 +24807,14 @@
       </p:sp>
       <p:sp>
         <p:nvSpPr>
-          <p:cNvPr id="357" name="CustomShape 33"/>
+          <p:cNvPr id="345" name="CustomShape 33"/>
           <p:cNvSpPr/>
           <p:nvPr/>
         </p:nvSpPr>
         <p:spPr>
           <a:xfrm>
             <a:off x="539640" y="1268280"/>
-            <a:ext cx="10738080" cy="5025600"/>
+            <a:ext cx="10737720" cy="5025240"/>
           </a:xfrm>
           <a:prstGeom prst="rect">
             <a:avLst/>
@@ -27585,14 +25266,14 @@
       </p:grpSpPr>
       <p:sp>
         <p:nvSpPr>
-          <p:cNvPr id="358" name="CustomShape 9"/>
+          <p:cNvPr id="346" name="CustomShape 9"/>
           <p:cNvSpPr/>
           <p:nvPr/>
         </p:nvSpPr>
         <p:spPr>
           <a:xfrm>
             <a:off x="539640" y="764640"/>
-            <a:ext cx="10736640" cy="487440"/>
+            <a:ext cx="10736280" cy="487080"/>
           </a:xfrm>
           <a:prstGeom prst="rect">
             <a:avLst/>
@@ -27665,14 +25346,14 @@
       </p:sp>
       <p:sp>
         <p:nvSpPr>
-          <p:cNvPr id="359" name="CustomShape 10"/>
+          <p:cNvPr id="347" name="CustomShape 10"/>
           <p:cNvSpPr/>
           <p:nvPr/>
         </p:nvSpPr>
         <p:spPr>
           <a:xfrm>
             <a:off x="539640" y="1268640"/>
-            <a:ext cx="10736640" cy="5024160"/>
+            <a:ext cx="10736280" cy="5023800"/>
           </a:xfrm>
           <a:prstGeom prst="rect">
             <a:avLst/>
@@ -28176,14 +25857,14 @@
       </p:grpSpPr>
       <p:sp>
         <p:nvSpPr>
-          <p:cNvPr id="360" name="CustomShape 1"/>
+          <p:cNvPr id="348" name="CustomShape 1"/>
           <p:cNvSpPr/>
           <p:nvPr/>
         </p:nvSpPr>
         <p:spPr>
           <a:xfrm>
             <a:off x="539640" y="764640"/>
-            <a:ext cx="10744920" cy="495720"/>
+            <a:ext cx="10744560" cy="495360"/>
           </a:xfrm>
           <a:prstGeom prst="rect">
             <a:avLst/>
@@ -28230,14 +25911,14 @@
       </p:sp>
       <p:sp>
         <p:nvSpPr>
-          <p:cNvPr id="361" name="CustomShape 2"/>
+          <p:cNvPr id="349" name="CustomShape 2"/>
           <p:cNvSpPr/>
           <p:nvPr/>
         </p:nvSpPr>
         <p:spPr>
           <a:xfrm>
             <a:off x="539640" y="1268280"/>
-            <a:ext cx="10744920" cy="5032440"/>
+            <a:ext cx="10744560" cy="5032080"/>
           </a:xfrm>
           <a:prstGeom prst="rect">
             <a:avLst/>
@@ -28526,14 +26207,14 @@
       </p:grpSpPr>
       <p:sp>
         <p:nvSpPr>
-          <p:cNvPr id="362" name="CustomShape 19"/>
+          <p:cNvPr id="350" name="CustomShape 19"/>
           <p:cNvSpPr/>
           <p:nvPr/>
         </p:nvSpPr>
         <p:spPr>
           <a:xfrm>
             <a:off x="539640" y="764640"/>
-            <a:ext cx="10738080" cy="488880"/>
+            <a:ext cx="10737720" cy="488520"/>
           </a:xfrm>
           <a:prstGeom prst="rect">
             <a:avLst/>
@@ -28580,14 +26261,14 @@
       </p:sp>
       <p:sp>
         <p:nvSpPr>
-          <p:cNvPr id="363" name="CustomShape 20"/>
+          <p:cNvPr id="351" name="CustomShape 20"/>
           <p:cNvSpPr/>
           <p:nvPr/>
         </p:nvSpPr>
         <p:spPr>
           <a:xfrm>
             <a:off x="539640" y="1268280"/>
-            <a:ext cx="10738080" cy="5025600"/>
+            <a:ext cx="10737720" cy="5025240"/>
           </a:xfrm>
           <a:prstGeom prst="rect">
             <a:avLst/>
@@ -28854,14 +26535,14 @@
       </p:grpSpPr>
       <p:sp>
         <p:nvSpPr>
-          <p:cNvPr id="364" name="CustomShape 1"/>
+          <p:cNvPr id="352" name="CustomShape 1"/>
           <p:cNvSpPr/>
           <p:nvPr/>
         </p:nvSpPr>
         <p:spPr>
           <a:xfrm>
             <a:off x="539640" y="764640"/>
-            <a:ext cx="10744920" cy="495720"/>
+            <a:ext cx="10744560" cy="495360"/>
           </a:xfrm>
           <a:prstGeom prst="rect">
             <a:avLst/>
@@ -28908,14 +26589,14 @@
       </p:sp>
       <p:sp>
         <p:nvSpPr>
-          <p:cNvPr id="365" name="CustomShape 2"/>
+          <p:cNvPr id="353" name="CustomShape 2"/>
           <p:cNvSpPr/>
           <p:nvPr/>
         </p:nvSpPr>
         <p:spPr>
           <a:xfrm>
             <a:off x="539640" y="1268640"/>
-            <a:ext cx="10744920" cy="5032440"/>
+            <a:ext cx="10744560" cy="5032080"/>
           </a:xfrm>
           <a:prstGeom prst="rect">
             <a:avLst/>
@@ -29260,14 +26941,14 @@
       </p:grpSpPr>
       <p:sp>
         <p:nvSpPr>
-          <p:cNvPr id="366" name="CustomShape 1"/>
+          <p:cNvPr id="354" name="CustomShape 1"/>
           <p:cNvSpPr/>
           <p:nvPr/>
         </p:nvSpPr>
         <p:spPr>
           <a:xfrm>
             <a:off x="539640" y="764640"/>
-            <a:ext cx="10744920" cy="495720"/>
+            <a:ext cx="10744560" cy="495360"/>
           </a:xfrm>
           <a:prstGeom prst="rect">
             <a:avLst/>
@@ -29314,14 +26995,14 @@
       </p:sp>
       <p:sp>
         <p:nvSpPr>
-          <p:cNvPr id="367" name="CustomShape 2"/>
+          <p:cNvPr id="355" name="CustomShape 2"/>
           <p:cNvSpPr/>
           <p:nvPr/>
         </p:nvSpPr>
         <p:spPr>
           <a:xfrm>
             <a:off x="539640" y="1268280"/>
-            <a:ext cx="10744920" cy="5032440"/>
+            <a:ext cx="10744560" cy="5032080"/>
           </a:xfrm>
           <a:prstGeom prst="rect">
             <a:avLst/>
@@ -29461,14 +27142,14 @@
       </p:sp>
       <p:sp>
         <p:nvSpPr>
-          <p:cNvPr id="368" name="CustomShape 3"/>
+          <p:cNvPr id="356" name="CustomShape 3"/>
           <p:cNvSpPr/>
           <p:nvPr/>
         </p:nvSpPr>
         <p:spPr>
           <a:xfrm>
             <a:off x="6489720" y="2132640"/>
-            <a:ext cx="514440" cy="494280"/>
+            <a:ext cx="514080" cy="493920"/>
           </a:xfrm>
           <a:prstGeom prst="star5">
             <a:avLst>
@@ -29522,14 +27203,14 @@
       </p:sp>
       <p:sp>
         <p:nvSpPr>
-          <p:cNvPr id="369" name="CustomShape 4"/>
+          <p:cNvPr id="357" name="CustomShape 4"/>
           <p:cNvSpPr/>
           <p:nvPr/>
         </p:nvSpPr>
         <p:spPr>
           <a:xfrm>
             <a:off x="4294080" y="2247480"/>
-            <a:ext cx="2282760" cy="363960"/>
+            <a:ext cx="2282400" cy="363960"/>
           </a:xfrm>
           <a:prstGeom prst="rect">
             <a:avLst/>
@@ -29606,14 +27287,14 @@
       </p:grpSpPr>
       <p:sp>
         <p:nvSpPr>
-          <p:cNvPr id="370" name="CustomShape 1"/>
+          <p:cNvPr id="358" name="CustomShape 1"/>
           <p:cNvSpPr/>
           <p:nvPr/>
         </p:nvSpPr>
         <p:spPr>
           <a:xfrm>
             <a:off x="539640" y="764640"/>
-            <a:ext cx="10744920" cy="495720"/>
+            <a:ext cx="10744560" cy="495360"/>
           </a:xfrm>
           <a:prstGeom prst="rect">
             <a:avLst/>
@@ -29660,14 +27341,14 @@
       </p:sp>
       <p:sp>
         <p:nvSpPr>
-          <p:cNvPr id="371" name="CustomShape 2"/>
+          <p:cNvPr id="359" name="CustomShape 2"/>
           <p:cNvSpPr/>
           <p:nvPr/>
         </p:nvSpPr>
         <p:spPr>
           <a:xfrm>
             <a:off x="539640" y="1268640"/>
-            <a:ext cx="10744920" cy="5032440"/>
+            <a:ext cx="10744560" cy="5032080"/>
           </a:xfrm>
           <a:prstGeom prst="rect">
             <a:avLst/>
@@ -30017,14 +27698,14 @@
       </p:grpSpPr>
       <p:sp>
         <p:nvSpPr>
-          <p:cNvPr id="372" name="CustomShape 1"/>
+          <p:cNvPr id="360" name="CustomShape 1"/>
           <p:cNvSpPr/>
           <p:nvPr/>
         </p:nvSpPr>
         <p:spPr>
           <a:xfrm>
             <a:off x="335520" y="1268640"/>
-            <a:ext cx="10744920" cy="5032440"/>
+            <a:ext cx="10744560" cy="5032080"/>
           </a:xfrm>
           <a:prstGeom prst="rect">
             <a:avLst/>
@@ -30077,14 +27758,14 @@
       </p:sp>
       <p:sp>
         <p:nvSpPr>
-          <p:cNvPr id="373" name="CustomShape 2"/>
+          <p:cNvPr id="361" name="CustomShape 2"/>
           <p:cNvSpPr/>
           <p:nvPr/>
         </p:nvSpPr>
         <p:spPr>
           <a:xfrm>
             <a:off x="335520" y="764640"/>
-            <a:ext cx="10744920" cy="495720"/>
+            <a:ext cx="10744560" cy="495360"/>
           </a:xfrm>
           <a:prstGeom prst="rect">
             <a:avLst/>
@@ -30152,14 +27833,14 @@
       </p:grpSpPr>
       <p:sp>
         <p:nvSpPr>
-          <p:cNvPr id="328" name="CustomShape 1"/>
+          <p:cNvPr id="316" name="CustomShape 1"/>
           <p:cNvSpPr/>
           <p:nvPr/>
         </p:nvSpPr>
         <p:spPr>
           <a:xfrm>
             <a:off x="539640" y="764640"/>
-            <a:ext cx="10744920" cy="495720"/>
+            <a:ext cx="10744560" cy="495360"/>
           </a:xfrm>
           <a:prstGeom prst="rect">
             <a:avLst/>
@@ -30206,7 +27887,7 @@
       </p:sp>
       <p:pic>
         <p:nvPicPr>
-          <p:cNvPr id="329" name="Grafik 2" descr=""/>
+          <p:cNvPr id="317" name="Grafik 2" descr=""/>
           <p:cNvPicPr/>
           <p:nvPr/>
         </p:nvPicPr>
@@ -30217,7 +27898,7 @@
         <p:spPr>
           <a:xfrm>
             <a:off x="2684520" y="1323360"/>
-            <a:ext cx="1467720" cy="2169000"/>
+            <a:ext cx="1467360" cy="2168640"/>
           </a:xfrm>
           <a:prstGeom prst="rect">
             <a:avLst/>
@@ -30229,7 +27910,7 @@
       </p:pic>
       <p:pic>
         <p:nvPicPr>
-          <p:cNvPr id="330" name="Grafik 11" descr=""/>
+          <p:cNvPr id="318" name="Grafik 11" descr=""/>
           <p:cNvPicPr/>
           <p:nvPr/>
         </p:nvPicPr>
@@ -30240,7 +27921,7 @@
         <p:spPr>
           <a:xfrm>
             <a:off x="7269840" y="1716120"/>
-            <a:ext cx="1781640" cy="1773720"/>
+            <a:ext cx="1781280" cy="1773360"/>
           </a:xfrm>
           <a:prstGeom prst="rect">
             <a:avLst/>
@@ -30252,14 +27933,14 @@
       </p:pic>
       <p:sp>
         <p:nvSpPr>
-          <p:cNvPr id="331" name="CustomShape 2"/>
+          <p:cNvPr id="319" name="CustomShape 2"/>
           <p:cNvSpPr/>
           <p:nvPr/>
         </p:nvSpPr>
         <p:spPr>
           <a:xfrm>
             <a:off x="1620000" y="3439440"/>
-            <a:ext cx="3632400" cy="673920"/>
+            <a:ext cx="3632040" cy="673560"/>
           </a:xfrm>
           <a:prstGeom prst="rect">
             <a:avLst/>
@@ -30309,14 +27990,14 @@
       </p:sp>
       <p:sp>
         <p:nvSpPr>
-          <p:cNvPr id="332" name="CustomShape 3"/>
+          <p:cNvPr id="320" name="CustomShape 3"/>
           <p:cNvSpPr/>
           <p:nvPr/>
         </p:nvSpPr>
         <p:spPr>
           <a:xfrm>
             <a:off x="6322680" y="3460320"/>
-            <a:ext cx="3632400" cy="673920"/>
+            <a:ext cx="3632040" cy="673560"/>
           </a:xfrm>
           <a:prstGeom prst="rect">
             <a:avLst/>
@@ -30366,14 +28047,14 @@
       </p:sp>
       <p:sp>
         <p:nvSpPr>
-          <p:cNvPr id="333" name="CustomShape 7"/>
+          <p:cNvPr id="321" name="CustomShape 7"/>
           <p:cNvSpPr/>
           <p:nvPr/>
         </p:nvSpPr>
         <p:spPr>
           <a:xfrm>
             <a:off x="1311840" y="5920200"/>
-            <a:ext cx="3625560" cy="667080"/>
+            <a:ext cx="3625200" cy="666720"/>
           </a:xfrm>
           <a:prstGeom prst="rect">
             <a:avLst/>
@@ -30411,14 +28092,14 @@
       </p:sp>
       <p:sp>
         <p:nvSpPr>
-          <p:cNvPr id="334" name="CustomShape 8"/>
+          <p:cNvPr id="322" name="CustomShape 8"/>
           <p:cNvSpPr/>
           <p:nvPr/>
         </p:nvSpPr>
         <p:spPr>
           <a:xfrm>
             <a:off x="3950280" y="5903280"/>
-            <a:ext cx="3625560" cy="667080"/>
+            <a:ext cx="3625200" cy="666720"/>
           </a:xfrm>
           <a:prstGeom prst="rect">
             <a:avLst/>
@@ -30468,19 +28149,19 @@
       </p:sp>
       <p:pic>
         <p:nvPicPr>
-          <p:cNvPr id="335" name="" descr=""/>
+          <p:cNvPr id="323" name="" descr=""/>
           <p:cNvPicPr/>
           <p:nvPr/>
         </p:nvPicPr>
         <p:blipFill>
           <a:blip r:embed="rId3"/>
-          <a:srcRect l="23619" t="21357" r="23513" b="11529"/>
+          <a:srcRect l="23619" t="21357" r="23505" b="11529"/>
           <a:stretch/>
         </p:blipFill>
         <p:spPr>
           <a:xfrm>
             <a:off x="4860360" y="4140360"/>
-            <a:ext cx="1799640" cy="1799640"/>
+            <a:ext cx="1799280" cy="1799280"/>
           </a:xfrm>
           <a:prstGeom prst="rect">
             <a:avLst/>
@@ -30522,14 +28203,14 @@
       </p:grpSpPr>
       <p:sp>
         <p:nvSpPr>
-          <p:cNvPr id="336" name="CustomShape 1"/>
+          <p:cNvPr id="324" name="CustomShape 1"/>
           <p:cNvSpPr/>
           <p:nvPr/>
         </p:nvSpPr>
         <p:spPr>
           <a:xfrm>
             <a:off x="542880" y="721800"/>
-            <a:ext cx="10350720" cy="491400"/>
+            <a:ext cx="10350360" cy="491040"/>
           </a:xfrm>
           <a:prstGeom prst="rect">
             <a:avLst/>
@@ -30576,14 +28257,14 @@
       </p:sp>
       <p:sp>
         <p:nvSpPr>
-          <p:cNvPr id="337" name="CustomShape 2"/>
+          <p:cNvPr id="325" name="CustomShape 2"/>
           <p:cNvSpPr/>
           <p:nvPr/>
         </p:nvSpPr>
         <p:spPr>
           <a:xfrm>
             <a:off x="451800" y="1709280"/>
-            <a:ext cx="8218080" cy="4346280"/>
+            <a:ext cx="8217720" cy="4345920"/>
           </a:xfrm>
           <a:prstGeom prst="rect">
             <a:avLst/>
@@ -30621,14 +28302,14 @@
       </p:sp>
       <p:sp>
         <p:nvSpPr>
-          <p:cNvPr id="338" name="TextShape 3"/>
+          <p:cNvPr id="326" name="TextShape 3"/>
           <p:cNvSpPr/>
           <p:nvPr/>
         </p:nvSpPr>
         <p:spPr>
           <a:xfrm>
             <a:off x="609480" y="1769400"/>
-            <a:ext cx="10581120" cy="4849200"/>
+            <a:ext cx="10580760" cy="4848840"/>
           </a:xfrm>
           <a:prstGeom prst="rect">
             <a:avLst/>
@@ -31050,14 +28731,14 @@
       </p:grpSpPr>
       <p:sp>
         <p:nvSpPr>
-          <p:cNvPr id="339" name="CustomShape 1"/>
+          <p:cNvPr id="327" name="CustomShape 1"/>
           <p:cNvSpPr/>
           <p:nvPr/>
         </p:nvSpPr>
         <p:spPr>
           <a:xfrm>
             <a:off x="542880" y="721800"/>
-            <a:ext cx="10350720" cy="491400"/>
+            <a:ext cx="10350360" cy="491040"/>
           </a:xfrm>
           <a:prstGeom prst="rect">
             <a:avLst/>
@@ -31104,14 +28785,14 @@
       </p:sp>
       <p:sp>
         <p:nvSpPr>
-          <p:cNvPr id="340" name="CustomShape 2"/>
+          <p:cNvPr id="328" name="CustomShape 2"/>
           <p:cNvSpPr/>
           <p:nvPr/>
         </p:nvSpPr>
         <p:spPr>
           <a:xfrm>
             <a:off x="451800" y="1709280"/>
-            <a:ext cx="8218080" cy="4346280"/>
+            <a:ext cx="8217720" cy="4345920"/>
           </a:xfrm>
           <a:prstGeom prst="rect">
             <a:avLst/>
@@ -31149,14 +28830,14 @@
       </p:sp>
       <p:sp>
         <p:nvSpPr>
-          <p:cNvPr id="341" name="TextShape 3"/>
+          <p:cNvPr id="329" name="TextShape 3"/>
           <p:cNvSpPr/>
           <p:nvPr/>
         </p:nvSpPr>
         <p:spPr>
           <a:xfrm>
             <a:off x="609480" y="1769400"/>
-            <a:ext cx="10581120" cy="4849200"/>
+            <a:ext cx="10580760" cy="4848840"/>
           </a:xfrm>
           <a:prstGeom prst="rect">
             <a:avLst/>
@@ -31649,14 +29330,14 @@
       </p:grpSpPr>
       <p:sp>
         <p:nvSpPr>
-          <p:cNvPr id="342" name="CustomShape 1"/>
+          <p:cNvPr id="330" name="CustomShape 1"/>
           <p:cNvSpPr/>
           <p:nvPr/>
         </p:nvSpPr>
         <p:spPr>
           <a:xfrm>
             <a:off x="542880" y="721800"/>
-            <a:ext cx="10350720" cy="491400"/>
+            <a:ext cx="10350360" cy="491040"/>
           </a:xfrm>
           <a:prstGeom prst="rect">
             <a:avLst/>
@@ -31703,14 +29384,14 @@
       </p:sp>
       <p:sp>
         <p:nvSpPr>
-          <p:cNvPr id="343" name="CustomShape 2"/>
+          <p:cNvPr id="331" name="CustomShape 2"/>
           <p:cNvSpPr/>
           <p:nvPr/>
         </p:nvSpPr>
         <p:spPr>
           <a:xfrm>
             <a:off x="451800" y="1709280"/>
-            <a:ext cx="8218080" cy="4346280"/>
+            <a:ext cx="8217720" cy="4345920"/>
           </a:xfrm>
           <a:prstGeom prst="rect">
             <a:avLst/>
@@ -31748,14 +29429,14 @@
       </p:sp>
       <p:sp>
         <p:nvSpPr>
-          <p:cNvPr id="344" name="TextShape 3"/>
+          <p:cNvPr id="332" name="TextShape 3"/>
           <p:cNvSpPr/>
           <p:nvPr/>
         </p:nvSpPr>
         <p:spPr>
           <a:xfrm>
             <a:off x="609480" y="1769400"/>
-            <a:ext cx="10581120" cy="4849200"/>
+            <a:ext cx="10580760" cy="4848840"/>
           </a:xfrm>
           <a:prstGeom prst="rect">
             <a:avLst/>
@@ -32097,14 +29778,14 @@
       </p:grpSpPr>
       <p:sp>
         <p:nvSpPr>
-          <p:cNvPr id="345" name="CustomShape 1"/>
+          <p:cNvPr id="333" name="CustomShape 1"/>
           <p:cNvSpPr/>
           <p:nvPr/>
         </p:nvSpPr>
         <p:spPr>
           <a:xfrm>
             <a:off x="542880" y="721800"/>
-            <a:ext cx="10350720" cy="491400"/>
+            <a:ext cx="10350360" cy="491040"/>
           </a:xfrm>
           <a:prstGeom prst="rect">
             <a:avLst/>
@@ -32151,14 +29832,14 @@
       </p:sp>
       <p:sp>
         <p:nvSpPr>
-          <p:cNvPr id="346" name="CustomShape 2"/>
+          <p:cNvPr id="334" name="CustomShape 2"/>
           <p:cNvSpPr/>
           <p:nvPr/>
         </p:nvSpPr>
         <p:spPr>
           <a:xfrm>
             <a:off x="451800" y="1709280"/>
-            <a:ext cx="8218080" cy="4346280"/>
+            <a:ext cx="8217720" cy="4345920"/>
           </a:xfrm>
           <a:prstGeom prst="rect">
             <a:avLst/>
@@ -32196,14 +29877,14 @@
       </p:sp>
       <p:sp>
         <p:nvSpPr>
-          <p:cNvPr id="347" name="TextShape 3"/>
+          <p:cNvPr id="335" name="TextShape 3"/>
           <p:cNvSpPr/>
           <p:nvPr/>
         </p:nvSpPr>
         <p:spPr>
           <a:xfrm>
             <a:off x="609480" y="1769400"/>
-            <a:ext cx="10581120" cy="4849200"/>
+            <a:ext cx="10580760" cy="4848840"/>
           </a:xfrm>
           <a:prstGeom prst="rect">
             <a:avLst/>
@@ -32401,14 +30082,14 @@
       </p:grpSpPr>
       <p:sp>
         <p:nvSpPr>
-          <p:cNvPr id="348" name="CustomShape 1"/>
+          <p:cNvPr id="336" name="CustomShape 1"/>
           <p:cNvSpPr/>
           <p:nvPr/>
         </p:nvSpPr>
         <p:spPr>
           <a:xfrm>
             <a:off x="539640" y="764640"/>
-            <a:ext cx="10744920" cy="495720"/>
+            <a:ext cx="10744560" cy="495360"/>
           </a:xfrm>
           <a:prstGeom prst="rect">
             <a:avLst/>
@@ -32455,14 +30136,14 @@
       </p:sp>
       <p:sp>
         <p:nvSpPr>
-          <p:cNvPr id="349" name="CustomShape 2"/>
+          <p:cNvPr id="337" name="CustomShape 2"/>
           <p:cNvSpPr/>
           <p:nvPr/>
         </p:nvSpPr>
         <p:spPr>
           <a:xfrm>
             <a:off x="539640" y="1268280"/>
-            <a:ext cx="10744920" cy="5032440"/>
+            <a:ext cx="10744560" cy="5032080"/>
           </a:xfrm>
           <a:prstGeom prst="rect">
             <a:avLst/>
@@ -32616,14 +30297,14 @@
       </p:grpSpPr>
       <p:sp>
         <p:nvSpPr>
-          <p:cNvPr id="350" name="CustomShape 1"/>
+          <p:cNvPr id="338" name="CustomShape 1"/>
           <p:cNvSpPr/>
           <p:nvPr/>
         </p:nvSpPr>
         <p:spPr>
           <a:xfrm>
             <a:off x="542880" y="721800"/>
-            <a:ext cx="10353600" cy="494280"/>
+            <a:ext cx="10353240" cy="493920"/>
           </a:xfrm>
           <a:prstGeom prst="rect">
             <a:avLst/>
@@ -32670,7 +30351,7 @@
       </p:sp>
       <p:pic>
         <p:nvPicPr>
-          <p:cNvPr id="351" name="Grafik 5" descr=""/>
+          <p:cNvPr id="339" name="Grafik 5" descr=""/>
           <p:cNvPicPr/>
           <p:nvPr/>
         </p:nvPicPr>
@@ -32681,7 +30362,7 @@
         <p:spPr>
           <a:xfrm>
             <a:off x="542880" y="2387520"/>
-            <a:ext cx="10098720" cy="2076120"/>
+            <a:ext cx="10098360" cy="2075760"/>
           </a:xfrm>
           <a:prstGeom prst="rect">
             <a:avLst/>
@@ -32723,14 +30404,14 @@
       </p:grpSpPr>
       <p:sp>
         <p:nvSpPr>
-          <p:cNvPr id="352" name="CustomShape 5"/>
+          <p:cNvPr id="340" name="CustomShape 5"/>
           <p:cNvSpPr/>
           <p:nvPr/>
         </p:nvSpPr>
         <p:spPr>
           <a:xfrm>
             <a:off x="539640" y="764640"/>
-            <a:ext cx="10738080" cy="488880"/>
+            <a:ext cx="10737720" cy="488520"/>
           </a:xfrm>
           <a:prstGeom prst="rect">
             <a:avLst/>
@@ -32777,13 +30458,13 @@
       </p:sp>
       <p:graphicFrame>
         <p:nvGraphicFramePr>
-          <p:cNvPr id="353" name="Table 3"/>
+          <p:cNvPr id="341" name="Table 3"/>
           <p:cNvGraphicFramePr/>
           <p:nvPr/>
         </p:nvGraphicFramePr>
         <p:xfrm>
           <a:off x="851040" y="1482480"/>
-          <a:ext cx="10134720" cy="4727520"/>
+          <a:ext cx="10134720" cy="4457160"/>
         </p:xfrm>
         <a:graphic>
           <a:graphicData uri="http://schemas.openxmlformats.org/drawingml/2006/table">

--- a/Requirements-Engineering/RE-L00-Organization.pptx
+++ b/Requirements-Engineering/RE-L00-Organization.pptx
@@ -379,7 +379,7 @@
             <a:pPr indent="0" algn="r">
               <a:buNone/>
             </a:pPr>
-            <a:fld id="{AA58D7B0-66D9-4A47-8CF4-9F32E046887F}" type="slidenum">
+            <a:fld id="{4DCE4F18-8F3E-4880-99CD-0438454A67F5}" type="slidenum">
               <a:rPr b="0" lang="en-GB" sz="1400" spc="-1" strike="noStrike">
                 <a:solidFill>
                   <a:srgbClr val="000000"/>
@@ -433,7 +433,7 @@
         <p:spPr>
           <a:xfrm>
             <a:off x="533520" y="763560"/>
-            <a:ext cx="6693480" cy="3761640"/>
+            <a:ext cx="6693120" cy="3761280"/>
           </a:xfrm>
           <a:prstGeom prst="rect">
             <a:avLst/>
@@ -456,7 +456,7 @@
         <p:spPr>
           <a:xfrm>
             <a:off x="777240" y="4777560"/>
-            <a:ext cx="6207120" cy="4515480"/>
+            <a:ext cx="6206760" cy="4515120"/>
           </a:xfrm>
           <a:prstGeom prst="rect">
             <a:avLst/>
@@ -492,7 +492,7 @@
         <p:spPr>
           <a:xfrm>
             <a:off x="4399200" y="9555480"/>
-            <a:ext cx="3362400" cy="492120"/>
+            <a:ext cx="3362040" cy="491760"/>
           </a:xfrm>
           <a:prstGeom prst="rect">
             <a:avLst/>
@@ -518,7 +518,7 @@
                 <a:spcPct val="100000"/>
               </a:lnSpc>
             </a:pPr>
-            <a:fld id="{94834666-A718-4F00-BCC6-7C3A389F0412}" type="slidenum">
+            <a:fld id="{74BBBE41-9BFE-4FC8-BB0F-493AFF0581EE}" type="slidenum">
               <a:rPr b="0" lang="en-GB" sz="1800" spc="-1" strike="noStrike">
                 <a:solidFill>
                   <a:srgbClr val="000000"/>
@@ -572,7 +572,7 @@
         <p:spPr>
           <a:xfrm>
             <a:off x="533520" y="763560"/>
-            <a:ext cx="6693480" cy="3761640"/>
+            <a:ext cx="6693120" cy="3761280"/>
           </a:xfrm>
           <a:prstGeom prst="rect">
             <a:avLst/>
@@ -595,7 +595,7 @@
         <p:spPr>
           <a:xfrm>
             <a:off x="777240" y="4777560"/>
-            <a:ext cx="6207120" cy="4515480"/>
+            <a:ext cx="6206760" cy="4515120"/>
           </a:xfrm>
           <a:prstGeom prst="rect">
             <a:avLst/>
@@ -631,7 +631,7 @@
         <p:spPr>
           <a:xfrm>
             <a:off x="4399200" y="9555480"/>
-            <a:ext cx="3362400" cy="492120"/>
+            <a:ext cx="3362040" cy="491760"/>
           </a:xfrm>
           <a:prstGeom prst="rect">
             <a:avLst/>
@@ -657,7 +657,7 @@
                 <a:spcPct val="100000"/>
               </a:lnSpc>
             </a:pPr>
-            <a:fld id="{03387847-61FB-474E-809C-88C83350CD93}" type="slidenum">
+            <a:fld id="{418E6DAF-CBF3-43FB-9839-971AB70E979E}" type="slidenum">
               <a:rPr b="0" lang="en-GB" sz="1800" spc="-1" strike="noStrike">
                 <a:solidFill>
                   <a:srgbClr val="000000"/>
@@ -711,7 +711,7 @@
         <p:spPr>
           <a:xfrm>
             <a:off x="533520" y="763560"/>
-            <a:ext cx="6693480" cy="3761640"/>
+            <a:ext cx="6693120" cy="3761280"/>
           </a:xfrm>
           <a:prstGeom prst="rect">
             <a:avLst/>
@@ -734,7 +734,7 @@
         <p:spPr>
           <a:xfrm>
             <a:off x="777240" y="4777560"/>
-            <a:ext cx="6207120" cy="4515480"/>
+            <a:ext cx="6206760" cy="4515120"/>
           </a:xfrm>
           <a:prstGeom prst="rect">
             <a:avLst/>
@@ -770,7 +770,7 @@
         <p:spPr>
           <a:xfrm>
             <a:off x="4399200" y="9555480"/>
-            <a:ext cx="3362400" cy="492120"/>
+            <a:ext cx="3362040" cy="491760"/>
           </a:xfrm>
           <a:prstGeom prst="rect">
             <a:avLst/>
@@ -796,7 +796,7 @@
                 <a:spcPct val="100000"/>
               </a:lnSpc>
             </a:pPr>
-            <a:fld id="{A7B11DAB-EC87-49DE-BCB1-BFF5452AD769}" type="slidenum">
+            <a:fld id="{4684F891-B13C-4CC5-A196-C2F1C2AA5625}" type="slidenum">
               <a:rPr b="0" lang="en-GB" sz="1800" spc="-1" strike="noStrike">
                 <a:solidFill>
                   <a:srgbClr val="000000"/>
@@ -850,7 +850,7 @@
         <p:spPr>
           <a:xfrm>
             <a:off x="533520" y="763560"/>
-            <a:ext cx="6693480" cy="3761640"/>
+            <a:ext cx="6693120" cy="3761280"/>
           </a:xfrm>
           <a:prstGeom prst="rect">
             <a:avLst/>
@@ -873,7 +873,7 @@
         <p:spPr>
           <a:xfrm>
             <a:off x="777240" y="4777560"/>
-            <a:ext cx="6207120" cy="4515480"/>
+            <a:ext cx="6206760" cy="4515120"/>
           </a:xfrm>
           <a:prstGeom prst="rect">
             <a:avLst/>
@@ -909,7 +909,7 @@
         <p:spPr>
           <a:xfrm>
             <a:off x="4399200" y="9555480"/>
-            <a:ext cx="3362400" cy="492120"/>
+            <a:ext cx="3362040" cy="491760"/>
           </a:xfrm>
           <a:prstGeom prst="rect">
             <a:avLst/>
@@ -935,7 +935,7 @@
                 <a:spcPct val="100000"/>
               </a:lnSpc>
             </a:pPr>
-            <a:fld id="{12879795-A8FA-47DB-8F2E-9F145E1A5FEF}" type="slidenum">
+            <a:fld id="{9395E4D1-22F1-4388-8E68-19070A738E3D}" type="slidenum">
               <a:rPr b="0" lang="en-GB" sz="1800" spc="-1" strike="noStrike">
                 <a:solidFill>
                   <a:srgbClr val="000000"/>
@@ -3874,7 +3874,7 @@
         <p:spPr>
           <a:xfrm>
             <a:off x="11444760" y="0"/>
-            <a:ext cx="740520" cy="6849360"/>
+            <a:ext cx="740160" cy="6849000"/>
           </a:xfrm>
           <a:prstGeom prst="rect">
             <a:avLst/>
@@ -3923,7 +3923,7 @@
         <p:spPr>
           <a:xfrm>
             <a:off x="11438640" y="6453360"/>
-            <a:ext cx="757440" cy="363960"/>
+            <a:ext cx="757080" cy="363960"/>
           </a:xfrm>
           <a:prstGeom prst="rect">
             <a:avLst/>
@@ -3949,7 +3949,7 @@
                 <a:spcPct val="100000"/>
               </a:lnSpc>
             </a:pPr>
-            <a:fld id="{312ED567-7753-4797-8239-3BAFE503307D}" type="slidenum">
+            <a:fld id="{DB899096-2E2F-40DD-8F0B-88BEBF71C919}" type="slidenum">
               <a:rPr b="0" lang="en-US" sz="1800" spc="-1" strike="noStrike">
                 <a:solidFill>
                   <a:srgbClr val="808080"/>
@@ -3977,7 +3977,7 @@
         <p:spPr>
           <a:xfrm>
             <a:off x="912240" y="1268280"/>
-            <a:ext cx="9207360" cy="360720"/>
+            <a:ext cx="9207000" cy="360360"/>
           </a:xfrm>
           <a:prstGeom prst="rect">
             <a:avLst/>
@@ -4026,7 +4026,7 @@
         <p:spPr>
           <a:xfrm>
             <a:off x="0" y="0"/>
-            <a:ext cx="3051360" cy="561240"/>
+            <a:ext cx="3051000" cy="560880"/>
           </a:xfrm>
           <a:prstGeom prst="rect">
             <a:avLst/>
@@ -4049,7 +4049,7 @@
         <p:spPr>
           <a:xfrm>
             <a:off x="7430400" y="134640"/>
-            <a:ext cx="3697200" cy="513360"/>
+            <a:ext cx="3696840" cy="513000"/>
           </a:xfrm>
           <a:prstGeom prst="rect">
             <a:avLst/>
@@ -4068,7 +4068,7 @@
         <p:spPr>
           <a:xfrm>
             <a:off x="912240" y="1268280"/>
-            <a:ext cx="9207360" cy="360720"/>
+            <a:ext cx="9207000" cy="360360"/>
           </a:xfrm>
           <a:prstGeom prst="rect">
             <a:avLst/>
@@ -4113,7 +4113,7 @@
         <p:spPr>
           <a:xfrm>
             <a:off x="11444760" y="0"/>
-            <a:ext cx="740520" cy="6849360"/>
+            <a:ext cx="740160" cy="6849000"/>
           </a:xfrm>
           <a:prstGeom prst="rect">
             <a:avLst/>
@@ -4162,7 +4162,7 @@
         <p:spPr>
           <a:xfrm>
             <a:off x="0" y="6642720"/>
-            <a:ext cx="12183480" cy="211320"/>
+            <a:ext cx="12183120" cy="211320"/>
           </a:xfrm>
           <a:prstGeom prst="rect">
             <a:avLst/>
@@ -4973,7 +4973,7 @@
         <p:spPr>
           <a:xfrm>
             <a:off x="11444760" y="0"/>
-            <a:ext cx="740520" cy="6849360"/>
+            <a:ext cx="740160" cy="6849000"/>
           </a:xfrm>
           <a:prstGeom prst="rect">
             <a:avLst/>
@@ -5022,7 +5022,7 @@
         <p:spPr>
           <a:xfrm>
             <a:off x="11438640" y="6453360"/>
-            <a:ext cx="757440" cy="363960"/>
+            <a:ext cx="757080" cy="363960"/>
           </a:xfrm>
           <a:prstGeom prst="rect">
             <a:avLst/>
@@ -5048,7 +5048,7 @@
                 <a:spcPct val="100000"/>
               </a:lnSpc>
             </a:pPr>
-            <a:fld id="{0D927425-45E8-49E5-9ED7-83E100BC4648}" type="slidenum">
+            <a:fld id="{BB7A49E9-9F60-4370-9388-3690F5082411}" type="slidenum">
               <a:rPr b="0" lang="en-US" sz="1800" spc="-1" strike="noStrike">
                 <a:solidFill>
                   <a:srgbClr val="808080"/>
@@ -5076,7 +5076,7 @@
         <p:spPr>
           <a:xfrm>
             <a:off x="912240" y="1268280"/>
-            <a:ext cx="9207360" cy="360720"/>
+            <a:ext cx="9207000" cy="360360"/>
           </a:xfrm>
           <a:prstGeom prst="rect">
             <a:avLst/>
@@ -5125,7 +5125,7 @@
         <p:spPr>
           <a:xfrm>
             <a:off x="0" y="0"/>
-            <a:ext cx="3051360" cy="561240"/>
+            <a:ext cx="3051000" cy="560880"/>
           </a:xfrm>
           <a:prstGeom prst="rect">
             <a:avLst/>
@@ -5148,7 +5148,7 @@
         <p:spPr>
           <a:xfrm>
             <a:off x="7430400" y="134640"/>
-            <a:ext cx="3697200" cy="513360"/>
+            <a:ext cx="3696840" cy="513000"/>
           </a:xfrm>
           <a:prstGeom prst="rect">
             <a:avLst/>
@@ -5167,7 +5167,7 @@
         <p:spPr>
           <a:xfrm>
             <a:off x="912240" y="1268280"/>
-            <a:ext cx="9207360" cy="360720"/>
+            <a:ext cx="9207000" cy="360360"/>
           </a:xfrm>
           <a:prstGeom prst="rect">
             <a:avLst/>
@@ -5212,7 +5212,7 @@
         <p:spPr>
           <a:xfrm>
             <a:off x="11444760" y="0"/>
-            <a:ext cx="740520" cy="6849360"/>
+            <a:ext cx="740160" cy="6849000"/>
           </a:xfrm>
           <a:prstGeom prst="rect">
             <a:avLst/>
@@ -5261,7 +5261,7 @@
         <p:spPr>
           <a:xfrm>
             <a:off x="0" y="6642720"/>
-            <a:ext cx="12183480" cy="211320"/>
+            <a:ext cx="12183120" cy="211320"/>
           </a:xfrm>
           <a:prstGeom prst="rect">
             <a:avLst/>
@@ -5847,7 +5847,7 @@
         <p:spPr>
           <a:xfrm>
             <a:off x="11444760" y="0"/>
-            <a:ext cx="740520" cy="6849360"/>
+            <a:ext cx="740160" cy="6849000"/>
           </a:xfrm>
           <a:prstGeom prst="rect">
             <a:avLst/>
@@ -5896,7 +5896,7 @@
         <p:spPr>
           <a:xfrm>
             <a:off x="11438640" y="6453360"/>
-            <a:ext cx="757440" cy="363960"/>
+            <a:ext cx="757080" cy="363960"/>
           </a:xfrm>
           <a:prstGeom prst="rect">
             <a:avLst/>
@@ -5922,7 +5922,7 @@
                 <a:spcPct val="100000"/>
               </a:lnSpc>
             </a:pPr>
-            <a:fld id="{D2F3900C-5F3D-4FFD-B383-70FAC90F9F68}" type="slidenum">
+            <a:fld id="{F0624E19-45AD-4ABF-BDF0-0AAF80FF4EAD}" type="slidenum">
               <a:rPr b="0" lang="en-US" sz="1800" spc="-1" strike="noStrike">
                 <a:solidFill>
                   <a:srgbClr val="808080"/>
@@ -5950,7 +5950,7 @@
         <p:spPr>
           <a:xfrm>
             <a:off x="912240" y="1268280"/>
-            <a:ext cx="9207360" cy="360720"/>
+            <a:ext cx="9207000" cy="360360"/>
           </a:xfrm>
           <a:prstGeom prst="rect">
             <a:avLst/>
@@ -5999,7 +5999,7 @@
         <p:spPr>
           <a:xfrm>
             <a:off x="0" y="0"/>
-            <a:ext cx="3051360" cy="561240"/>
+            <a:ext cx="3051000" cy="560880"/>
           </a:xfrm>
           <a:prstGeom prst="rect">
             <a:avLst/>
@@ -6022,7 +6022,7 @@
         <p:spPr>
           <a:xfrm>
             <a:off x="7430400" y="134640"/>
-            <a:ext cx="3697200" cy="513360"/>
+            <a:ext cx="3696840" cy="513000"/>
           </a:xfrm>
           <a:prstGeom prst="rect">
             <a:avLst/>
@@ -6041,7 +6041,7 @@
         <p:spPr>
           <a:xfrm>
             <a:off x="912240" y="1268280"/>
-            <a:ext cx="9207360" cy="360720"/>
+            <a:ext cx="9207000" cy="360360"/>
           </a:xfrm>
           <a:prstGeom prst="rect">
             <a:avLst/>
@@ -6086,7 +6086,7 @@
         <p:spPr>
           <a:xfrm>
             <a:off x="11444760" y="0"/>
-            <a:ext cx="740520" cy="6849360"/>
+            <a:ext cx="740160" cy="6849000"/>
           </a:xfrm>
           <a:prstGeom prst="rect">
             <a:avLst/>
@@ -6135,7 +6135,7 @@
         <p:spPr>
           <a:xfrm>
             <a:off x="0" y="6642720"/>
-            <a:ext cx="12183480" cy="211320"/>
+            <a:ext cx="12183120" cy="211320"/>
           </a:xfrm>
           <a:prstGeom prst="rect">
             <a:avLst/>
@@ -6271,7 +6271,7 @@
         <p:spPr>
           <a:xfrm>
             <a:off x="11444760" y="0"/>
-            <a:ext cx="740520" cy="6849360"/>
+            <a:ext cx="740160" cy="6849000"/>
           </a:xfrm>
           <a:prstGeom prst="rect">
             <a:avLst/>
@@ -6320,7 +6320,7 @@
         <p:spPr>
           <a:xfrm>
             <a:off x="11438640" y="6453360"/>
-            <a:ext cx="757440" cy="363960"/>
+            <a:ext cx="757080" cy="363960"/>
           </a:xfrm>
           <a:prstGeom prst="rect">
             <a:avLst/>
@@ -6346,7 +6346,7 @@
                 <a:spcPct val="100000"/>
               </a:lnSpc>
             </a:pPr>
-            <a:fld id="{D054E0C9-46AE-474D-A858-6EFEC589D050}" type="slidenum">
+            <a:fld id="{76A47A93-6CB9-4F6F-AA93-0645DB080FDD}" type="slidenum">
               <a:rPr b="0" lang="en-US" sz="1800" spc="-1" strike="noStrike">
                 <a:solidFill>
                   <a:srgbClr val="808080"/>
@@ -6374,7 +6374,7 @@
         <p:spPr>
           <a:xfrm>
             <a:off x="912240" y="1268280"/>
-            <a:ext cx="9207360" cy="360720"/>
+            <a:ext cx="9207000" cy="360360"/>
           </a:xfrm>
           <a:prstGeom prst="rect">
             <a:avLst/>
@@ -6423,7 +6423,7 @@
         <p:spPr>
           <a:xfrm>
             <a:off x="0" y="0"/>
-            <a:ext cx="3051360" cy="561240"/>
+            <a:ext cx="3051000" cy="560880"/>
           </a:xfrm>
           <a:prstGeom prst="rect">
             <a:avLst/>
@@ -6446,7 +6446,7 @@
         <p:spPr>
           <a:xfrm>
             <a:off x="7430400" y="134640"/>
-            <a:ext cx="3697200" cy="513360"/>
+            <a:ext cx="3696840" cy="513000"/>
           </a:xfrm>
           <a:prstGeom prst="rect">
             <a:avLst/>
@@ -6465,7 +6465,7 @@
         <p:spPr>
           <a:xfrm>
             <a:off x="912240" y="1268280"/>
-            <a:ext cx="9207360" cy="360720"/>
+            <a:ext cx="9207000" cy="360360"/>
           </a:xfrm>
           <a:prstGeom prst="rect">
             <a:avLst/>
@@ -6510,7 +6510,7 @@
         <p:spPr>
           <a:xfrm>
             <a:off x="11444760" y="0"/>
-            <a:ext cx="740520" cy="6849360"/>
+            <a:ext cx="740160" cy="6849000"/>
           </a:xfrm>
           <a:prstGeom prst="rect">
             <a:avLst/>
@@ -6559,7 +6559,7 @@
         <p:spPr>
           <a:xfrm>
             <a:off x="0" y="6642720"/>
-            <a:ext cx="12183480" cy="211320"/>
+            <a:ext cx="12183120" cy="211320"/>
           </a:xfrm>
           <a:prstGeom prst="rect">
             <a:avLst/>
@@ -6646,7 +6646,7 @@
         <p:spPr>
           <a:xfrm>
             <a:off x="11444760" y="0"/>
-            <a:ext cx="740520" cy="6849360"/>
+            <a:ext cx="740160" cy="6849000"/>
           </a:xfrm>
           <a:prstGeom prst="rect">
             <a:avLst/>
@@ -6695,7 +6695,7 @@
         <p:spPr>
           <a:xfrm>
             <a:off x="11438640" y="6453360"/>
-            <a:ext cx="757440" cy="363960"/>
+            <a:ext cx="757080" cy="363960"/>
           </a:xfrm>
           <a:prstGeom prst="rect">
             <a:avLst/>
@@ -6721,7 +6721,7 @@
                 <a:spcPct val="100000"/>
               </a:lnSpc>
             </a:pPr>
-            <a:fld id="{DE184D8D-157B-4A06-A914-ADB30A2857A0}" type="slidenum">
+            <a:fld id="{475377CE-CDBC-4852-9DFF-D5E143B69BA7}" type="slidenum">
               <a:rPr b="0" lang="en-US" sz="1800" spc="-1" strike="noStrike">
                 <a:solidFill>
                   <a:srgbClr val="808080"/>
@@ -6749,7 +6749,7 @@
         <p:spPr>
           <a:xfrm>
             <a:off x="912240" y="1268280"/>
-            <a:ext cx="9207360" cy="360720"/>
+            <a:ext cx="9207000" cy="360360"/>
           </a:xfrm>
           <a:prstGeom prst="rect">
             <a:avLst/>
@@ -6798,7 +6798,7 @@
         <p:spPr>
           <a:xfrm>
             <a:off x="0" y="0"/>
-            <a:ext cx="3051360" cy="561240"/>
+            <a:ext cx="3051000" cy="560880"/>
           </a:xfrm>
           <a:prstGeom prst="rect">
             <a:avLst/>
@@ -6821,7 +6821,7 @@
         <p:spPr>
           <a:xfrm>
             <a:off x="7430400" y="134640"/>
-            <a:ext cx="3697200" cy="513360"/>
+            <a:ext cx="3696840" cy="513000"/>
           </a:xfrm>
           <a:prstGeom prst="rect">
             <a:avLst/>
@@ -6840,7 +6840,7 @@
         <p:spPr>
           <a:xfrm>
             <a:off x="11444760" y="0"/>
-            <a:ext cx="740520" cy="6849360"/>
+            <a:ext cx="740160" cy="6849000"/>
           </a:xfrm>
           <a:prstGeom prst="rect">
             <a:avLst/>
@@ -6889,7 +6889,7 @@
         <p:spPr>
           <a:xfrm>
             <a:off x="11438640" y="6453360"/>
-            <a:ext cx="757440" cy="363960"/>
+            <a:ext cx="757080" cy="363960"/>
           </a:xfrm>
           <a:prstGeom prst="rect">
             <a:avLst/>
@@ -6915,7 +6915,7 @@
                 <a:spcPct val="100000"/>
               </a:lnSpc>
             </a:pPr>
-            <a:fld id="{A1751C19-3E7F-4534-AD16-479A64484137}" type="slidenum">
+            <a:fld id="{29B1CFF3-14CD-479C-8524-5E78A99C8A56}" type="slidenum">
               <a:rPr b="0" lang="en-US" sz="1800" spc="-1" strike="noStrike">
                 <a:solidFill>
                   <a:srgbClr val="808080"/>
@@ -6943,7 +6943,7 @@
         <p:spPr>
           <a:xfrm>
             <a:off x="0" y="6642720"/>
-            <a:ext cx="12183480" cy="211320"/>
+            <a:ext cx="12183120" cy="211320"/>
           </a:xfrm>
           <a:prstGeom prst="rect">
             <a:avLst/>
@@ -7754,7 +7754,7 @@
         <p:spPr>
           <a:xfrm>
             <a:off x="11444760" y="0"/>
-            <a:ext cx="740520" cy="6849360"/>
+            <a:ext cx="740160" cy="6849000"/>
           </a:xfrm>
           <a:prstGeom prst="rect">
             <a:avLst/>
@@ -7803,7 +7803,7 @@
         <p:spPr>
           <a:xfrm>
             <a:off x="11438640" y="6453360"/>
-            <a:ext cx="757440" cy="363960"/>
+            <a:ext cx="757080" cy="363960"/>
           </a:xfrm>
           <a:prstGeom prst="rect">
             <a:avLst/>
@@ -7829,7 +7829,7 @@
                 <a:spcPct val="100000"/>
               </a:lnSpc>
             </a:pPr>
-            <a:fld id="{C1F83EB9-2CDE-4778-B355-DF69449C83D4}" type="slidenum">
+            <a:fld id="{EEE2FA0A-E105-4A53-B995-677D2BB46247}" type="slidenum">
               <a:rPr b="0" lang="en-US" sz="1800" spc="-1" strike="noStrike">
                 <a:solidFill>
                   <a:srgbClr val="808080"/>
@@ -7857,7 +7857,7 @@
         <p:spPr>
           <a:xfrm>
             <a:off x="912240" y="1268280"/>
-            <a:ext cx="9207360" cy="360720"/>
+            <a:ext cx="9207000" cy="360360"/>
           </a:xfrm>
           <a:prstGeom prst="rect">
             <a:avLst/>
@@ -7906,7 +7906,7 @@
         <p:spPr>
           <a:xfrm>
             <a:off x="0" y="0"/>
-            <a:ext cx="3051360" cy="561240"/>
+            <a:ext cx="3051000" cy="560880"/>
           </a:xfrm>
           <a:prstGeom prst="rect">
             <a:avLst/>
@@ -7929,7 +7929,7 @@
         <p:spPr>
           <a:xfrm>
             <a:off x="7430400" y="134640"/>
-            <a:ext cx="3697200" cy="513360"/>
+            <a:ext cx="3696840" cy="513000"/>
           </a:xfrm>
           <a:prstGeom prst="rect">
             <a:avLst/>
@@ -7948,7 +7948,7 @@
         <p:spPr>
           <a:xfrm>
             <a:off x="11444760" y="0"/>
-            <a:ext cx="740520" cy="6849360"/>
+            <a:ext cx="740160" cy="6849000"/>
           </a:xfrm>
           <a:prstGeom prst="rect">
             <a:avLst/>
@@ -7997,7 +7997,7 @@
         <p:spPr>
           <a:xfrm>
             <a:off x="11438640" y="6453360"/>
-            <a:ext cx="757440" cy="363960"/>
+            <a:ext cx="757080" cy="363960"/>
           </a:xfrm>
           <a:prstGeom prst="rect">
             <a:avLst/>
@@ -8023,7 +8023,7 @@
                 <a:spcPct val="100000"/>
               </a:lnSpc>
             </a:pPr>
-            <a:fld id="{C5A5A88B-9FBA-4AD9-AFEC-A42BDB807EB6}" type="slidenum">
+            <a:fld id="{BF7ED0CB-1FF5-46B3-B56A-12AC75151BEC}" type="slidenum">
               <a:rPr b="0" lang="en-US" sz="1800" spc="-1" strike="noStrike">
                 <a:solidFill>
                   <a:srgbClr val="808080"/>
@@ -8051,7 +8051,7 @@
         <p:spPr>
           <a:xfrm>
             <a:off x="0" y="6642720"/>
-            <a:ext cx="12183480" cy="211320"/>
+            <a:ext cx="12183120" cy="211320"/>
           </a:xfrm>
           <a:prstGeom prst="rect">
             <a:avLst/>
@@ -8862,7 +8862,7 @@
         <p:spPr>
           <a:xfrm>
             <a:off x="11444760" y="0"/>
-            <a:ext cx="740520" cy="6849360"/>
+            <a:ext cx="740160" cy="6849000"/>
           </a:xfrm>
           <a:prstGeom prst="rect">
             <a:avLst/>
@@ -8911,7 +8911,7 @@
         <p:spPr>
           <a:xfrm>
             <a:off x="11438640" y="6453360"/>
-            <a:ext cx="757440" cy="363960"/>
+            <a:ext cx="757080" cy="363960"/>
           </a:xfrm>
           <a:prstGeom prst="rect">
             <a:avLst/>
@@ -8937,7 +8937,7 @@
                 <a:spcPct val="100000"/>
               </a:lnSpc>
             </a:pPr>
-            <a:fld id="{D475C089-E071-49D2-A46C-CF111E33511E}" type="slidenum">
+            <a:fld id="{CE1EB0CB-D141-4AB8-A126-6CD3C164AA5B}" type="slidenum">
               <a:rPr b="0" lang="en-US" sz="1800" spc="-1" strike="noStrike">
                 <a:solidFill>
                   <a:srgbClr val="808080"/>
@@ -8965,7 +8965,7 @@
         <p:spPr>
           <a:xfrm>
             <a:off x="912240" y="1268280"/>
-            <a:ext cx="9207360" cy="360720"/>
+            <a:ext cx="9207000" cy="360360"/>
           </a:xfrm>
           <a:prstGeom prst="rect">
             <a:avLst/>
@@ -9014,7 +9014,7 @@
         <p:spPr>
           <a:xfrm>
             <a:off x="0" y="0"/>
-            <a:ext cx="3051360" cy="561240"/>
+            <a:ext cx="3051000" cy="560880"/>
           </a:xfrm>
           <a:prstGeom prst="rect">
             <a:avLst/>
@@ -9037,7 +9037,7 @@
         <p:spPr>
           <a:xfrm>
             <a:off x="7430400" y="134640"/>
-            <a:ext cx="3697200" cy="513360"/>
+            <a:ext cx="3696840" cy="513000"/>
           </a:xfrm>
           <a:prstGeom prst="rect">
             <a:avLst/>
@@ -9056,7 +9056,7 @@
         <p:spPr>
           <a:xfrm>
             <a:off x="11444760" y="0"/>
-            <a:ext cx="740520" cy="6849360"/>
+            <a:ext cx="740160" cy="6849000"/>
           </a:xfrm>
           <a:prstGeom prst="rect">
             <a:avLst/>
@@ -9105,7 +9105,7 @@
         <p:spPr>
           <a:xfrm>
             <a:off x="11438640" y="6453360"/>
-            <a:ext cx="757440" cy="363960"/>
+            <a:ext cx="757080" cy="363960"/>
           </a:xfrm>
           <a:prstGeom prst="rect">
             <a:avLst/>
@@ -9131,7 +9131,7 @@
                 <a:spcPct val="100000"/>
               </a:lnSpc>
             </a:pPr>
-            <a:fld id="{76136D2C-0E84-4C49-A08D-00778E04AD2E}" type="slidenum">
+            <a:fld id="{67DD49ED-4068-4727-A439-75B4749378DE}" type="slidenum">
               <a:rPr b="0" lang="en-US" sz="1800" spc="-1" strike="noStrike">
                 <a:solidFill>
                   <a:srgbClr val="808080"/>
@@ -9159,7 +9159,7 @@
         <p:spPr>
           <a:xfrm>
             <a:off x="0" y="6642720"/>
-            <a:ext cx="12183480" cy="211320"/>
+            <a:ext cx="12183120" cy="211320"/>
           </a:xfrm>
           <a:prstGeom prst="rect">
             <a:avLst/>
@@ -9970,7 +9970,7 @@
         <p:spPr>
           <a:xfrm>
             <a:off x="11444760" y="0"/>
-            <a:ext cx="740520" cy="6849360"/>
+            <a:ext cx="740160" cy="6849000"/>
           </a:xfrm>
           <a:prstGeom prst="rect">
             <a:avLst/>
@@ -10019,7 +10019,7 @@
         <p:spPr>
           <a:xfrm>
             <a:off x="11438640" y="6453360"/>
-            <a:ext cx="757440" cy="363960"/>
+            <a:ext cx="757080" cy="363960"/>
           </a:xfrm>
           <a:prstGeom prst="rect">
             <a:avLst/>
@@ -10045,7 +10045,7 @@
                 <a:spcPct val="100000"/>
               </a:lnSpc>
             </a:pPr>
-            <a:fld id="{87586F8D-4EA8-40FD-9E2D-C54F4B4D270C}" type="slidenum">
+            <a:fld id="{800C2AEC-1158-467E-91E3-BAD08D6E6B4E}" type="slidenum">
               <a:rPr b="0" lang="en-US" sz="1800" spc="-1" strike="noStrike">
                 <a:solidFill>
                   <a:srgbClr val="808080"/>
@@ -10073,7 +10073,7 @@
         <p:spPr>
           <a:xfrm>
             <a:off x="912240" y="1268280"/>
-            <a:ext cx="9207360" cy="360720"/>
+            <a:ext cx="9207000" cy="360360"/>
           </a:xfrm>
           <a:prstGeom prst="rect">
             <a:avLst/>
@@ -10122,7 +10122,7 @@
         <p:spPr>
           <a:xfrm>
             <a:off x="0" y="0"/>
-            <a:ext cx="3051360" cy="561240"/>
+            <a:ext cx="3051000" cy="560880"/>
           </a:xfrm>
           <a:prstGeom prst="rect">
             <a:avLst/>
@@ -10145,7 +10145,7 @@
         <p:spPr>
           <a:xfrm>
             <a:off x="7430400" y="134640"/>
-            <a:ext cx="3697200" cy="513360"/>
+            <a:ext cx="3696840" cy="513000"/>
           </a:xfrm>
           <a:prstGeom prst="rect">
             <a:avLst/>
@@ -10164,7 +10164,7 @@
         <p:spPr>
           <a:xfrm>
             <a:off x="11444760" y="0"/>
-            <a:ext cx="740520" cy="6849360"/>
+            <a:ext cx="740160" cy="6849000"/>
           </a:xfrm>
           <a:prstGeom prst="rect">
             <a:avLst/>
@@ -10213,7 +10213,7 @@
         <p:spPr>
           <a:xfrm>
             <a:off x="11438640" y="6453360"/>
-            <a:ext cx="757440" cy="363960"/>
+            <a:ext cx="757080" cy="363960"/>
           </a:xfrm>
           <a:prstGeom prst="rect">
             <a:avLst/>
@@ -10239,7 +10239,7 @@
                 <a:spcPct val="100000"/>
               </a:lnSpc>
             </a:pPr>
-            <a:fld id="{59C28CF8-D922-4584-B567-7A3B2CA48AB6}" type="slidenum">
+            <a:fld id="{4FFEB479-ECF5-4379-B58D-39F003B55B26}" type="slidenum">
               <a:rPr b="0" lang="en-US" sz="1800" spc="-1" strike="noStrike">
                 <a:solidFill>
                   <a:srgbClr val="808080"/>
@@ -10267,7 +10267,7 @@
         <p:spPr>
           <a:xfrm>
             <a:off x="0" y="6642720"/>
-            <a:ext cx="12183480" cy="211320"/>
+            <a:ext cx="12183120" cy="211320"/>
           </a:xfrm>
           <a:prstGeom prst="rect">
             <a:avLst/>
@@ -10853,7 +10853,7 @@
         <p:spPr>
           <a:xfrm>
             <a:off x="11444760" y="0"/>
-            <a:ext cx="740520" cy="6849360"/>
+            <a:ext cx="740160" cy="6849000"/>
           </a:xfrm>
           <a:prstGeom prst="rect">
             <a:avLst/>
@@ -10902,7 +10902,7 @@
         <p:spPr>
           <a:xfrm>
             <a:off x="11438640" y="6453360"/>
-            <a:ext cx="757440" cy="363960"/>
+            <a:ext cx="757080" cy="363960"/>
           </a:xfrm>
           <a:prstGeom prst="rect">
             <a:avLst/>
@@ -10928,7 +10928,7 @@
                 <a:spcPct val="100000"/>
               </a:lnSpc>
             </a:pPr>
-            <a:fld id="{CF61CD8D-6CF7-415A-B005-43CA9CDA0640}" type="slidenum">
+            <a:fld id="{50BAAE3A-4072-445D-A13C-49F289F6EC4C}" type="slidenum">
               <a:rPr b="0" lang="en-US" sz="1800" spc="-1" strike="noStrike">
                 <a:solidFill>
                   <a:srgbClr val="808080"/>
@@ -10956,7 +10956,7 @@
         <p:spPr>
           <a:xfrm>
             <a:off x="912240" y="1268280"/>
-            <a:ext cx="9207360" cy="360720"/>
+            <a:ext cx="9207000" cy="360360"/>
           </a:xfrm>
           <a:prstGeom prst="rect">
             <a:avLst/>
@@ -11005,7 +11005,7 @@
         <p:spPr>
           <a:xfrm>
             <a:off x="0" y="0"/>
-            <a:ext cx="3051360" cy="561240"/>
+            <a:ext cx="3051000" cy="560880"/>
           </a:xfrm>
           <a:prstGeom prst="rect">
             <a:avLst/>
@@ -11028,7 +11028,7 @@
         <p:spPr>
           <a:xfrm>
             <a:off x="7430400" y="134640"/>
-            <a:ext cx="3697200" cy="513360"/>
+            <a:ext cx="3696840" cy="513000"/>
           </a:xfrm>
           <a:prstGeom prst="rect">
             <a:avLst/>
@@ -11047,7 +11047,7 @@
         <p:spPr>
           <a:xfrm>
             <a:off x="11444760" y="0"/>
-            <a:ext cx="740520" cy="6849360"/>
+            <a:ext cx="740160" cy="6849000"/>
           </a:xfrm>
           <a:prstGeom prst="rect">
             <a:avLst/>
@@ -11096,7 +11096,7 @@
         <p:spPr>
           <a:xfrm>
             <a:off x="11438640" y="6453360"/>
-            <a:ext cx="757440" cy="363960"/>
+            <a:ext cx="757080" cy="363960"/>
           </a:xfrm>
           <a:prstGeom prst="rect">
             <a:avLst/>
@@ -11122,7 +11122,7 @@
                 <a:spcPct val="100000"/>
               </a:lnSpc>
             </a:pPr>
-            <a:fld id="{05884315-0469-4FE6-A35C-890F9F9A5B6C}" type="slidenum">
+            <a:fld id="{47B7FD5D-BD29-4345-8A94-68A83D7BC18C}" type="slidenum">
               <a:rPr b="0" lang="en-US" sz="1800" spc="-1" strike="noStrike">
                 <a:solidFill>
                   <a:srgbClr val="808080"/>
@@ -11150,7 +11150,7 @@
         <p:spPr>
           <a:xfrm>
             <a:off x="0" y="6642720"/>
-            <a:ext cx="12183480" cy="211320"/>
+            <a:ext cx="12183120" cy="211320"/>
           </a:xfrm>
           <a:prstGeom prst="rect">
             <a:avLst/>
@@ -12186,7 +12186,7 @@
         <p:spPr>
           <a:xfrm>
             <a:off x="11444760" y="0"/>
-            <a:ext cx="740520" cy="6849360"/>
+            <a:ext cx="740160" cy="6849000"/>
           </a:xfrm>
           <a:prstGeom prst="rect">
             <a:avLst/>
@@ -12235,7 +12235,7 @@
         <p:spPr>
           <a:xfrm>
             <a:off x="11438640" y="6453360"/>
-            <a:ext cx="757440" cy="363960"/>
+            <a:ext cx="757080" cy="363960"/>
           </a:xfrm>
           <a:prstGeom prst="rect">
             <a:avLst/>
@@ -12261,7 +12261,7 @@
                 <a:spcPct val="100000"/>
               </a:lnSpc>
             </a:pPr>
-            <a:fld id="{AC9BD33B-3B3A-40BC-90CF-5E4B984F3D0E}" type="slidenum">
+            <a:fld id="{25503E71-3897-43AF-BABA-AC83A23EC174}" type="slidenum">
               <a:rPr b="0" lang="en-US" sz="1800" spc="-1" strike="noStrike">
                 <a:solidFill>
                   <a:srgbClr val="808080"/>
@@ -12289,7 +12289,7 @@
         <p:spPr>
           <a:xfrm>
             <a:off x="912240" y="1268280"/>
-            <a:ext cx="9207360" cy="360720"/>
+            <a:ext cx="9207000" cy="360360"/>
           </a:xfrm>
           <a:prstGeom prst="rect">
             <a:avLst/>
@@ -12338,7 +12338,7 @@
         <p:spPr>
           <a:xfrm>
             <a:off x="0" y="0"/>
-            <a:ext cx="3051360" cy="561240"/>
+            <a:ext cx="3051000" cy="560880"/>
           </a:xfrm>
           <a:prstGeom prst="rect">
             <a:avLst/>
@@ -12361,7 +12361,7 @@
         <p:spPr>
           <a:xfrm>
             <a:off x="7430400" y="134640"/>
-            <a:ext cx="3697200" cy="513360"/>
+            <a:ext cx="3696840" cy="513000"/>
           </a:xfrm>
           <a:prstGeom prst="rect">
             <a:avLst/>
@@ -12380,7 +12380,7 @@
         <p:spPr>
           <a:xfrm>
             <a:off x="11444760" y="0"/>
-            <a:ext cx="740520" cy="6849360"/>
+            <a:ext cx="740160" cy="6849000"/>
           </a:xfrm>
           <a:prstGeom prst="rect">
             <a:avLst/>
@@ -12429,7 +12429,7 @@
         <p:spPr>
           <a:xfrm>
             <a:off x="11438640" y="6453360"/>
-            <a:ext cx="757440" cy="363960"/>
+            <a:ext cx="757080" cy="363960"/>
           </a:xfrm>
           <a:prstGeom prst="rect">
             <a:avLst/>
@@ -12455,7 +12455,7 @@
                 <a:spcPct val="100000"/>
               </a:lnSpc>
             </a:pPr>
-            <a:fld id="{0CC62347-8F3C-4FDB-8C3E-078CCEB90434}" type="slidenum">
+            <a:fld id="{AF537DA4-F329-4281-8DF4-3D403F4C772B}" type="slidenum">
               <a:rPr b="0" lang="en-US" sz="1800" spc="-1" strike="noStrike">
                 <a:solidFill>
                   <a:srgbClr val="808080"/>
@@ -12483,7 +12483,7 @@
         <p:spPr>
           <a:xfrm>
             <a:off x="0" y="6642720"/>
-            <a:ext cx="12183480" cy="211320"/>
+            <a:ext cx="12183120" cy="211320"/>
           </a:xfrm>
           <a:prstGeom prst="rect">
             <a:avLst/>
@@ -12570,7 +12570,7 @@
         <p:spPr>
           <a:xfrm>
             <a:off x="11444760" y="0"/>
-            <a:ext cx="740520" cy="6849360"/>
+            <a:ext cx="740160" cy="6849000"/>
           </a:xfrm>
           <a:prstGeom prst="rect">
             <a:avLst/>
@@ -12619,7 +12619,7 @@
         <p:spPr>
           <a:xfrm>
             <a:off x="11438640" y="6453360"/>
-            <a:ext cx="757440" cy="363960"/>
+            <a:ext cx="757080" cy="363960"/>
           </a:xfrm>
           <a:prstGeom prst="rect">
             <a:avLst/>
@@ -12645,7 +12645,7 @@
                 <a:spcPct val="100000"/>
               </a:lnSpc>
             </a:pPr>
-            <a:fld id="{BE85E53E-C603-4141-BBE2-6DD08E9993F4}" type="slidenum">
+            <a:fld id="{83DA0AA3-FC5E-451E-9DCE-EF8E4DB41472}" type="slidenum">
               <a:rPr b="0" lang="en-US" sz="1800" spc="-1" strike="noStrike">
                 <a:solidFill>
                   <a:srgbClr val="808080"/>
@@ -12673,7 +12673,7 @@
         <p:spPr>
           <a:xfrm>
             <a:off x="912240" y="1268280"/>
-            <a:ext cx="9207360" cy="360720"/>
+            <a:ext cx="9207000" cy="360360"/>
           </a:xfrm>
           <a:prstGeom prst="rect">
             <a:avLst/>
@@ -12722,7 +12722,7 @@
         <p:spPr>
           <a:xfrm>
             <a:off x="0" y="0"/>
-            <a:ext cx="3051360" cy="561240"/>
+            <a:ext cx="3051000" cy="560880"/>
           </a:xfrm>
           <a:prstGeom prst="rect">
             <a:avLst/>
@@ -12745,7 +12745,7 @@
         <p:spPr>
           <a:xfrm>
             <a:off x="7430400" y="134640"/>
-            <a:ext cx="3697200" cy="513360"/>
+            <a:ext cx="3696840" cy="513000"/>
           </a:xfrm>
           <a:prstGeom prst="rect">
             <a:avLst/>
@@ -12764,7 +12764,7 @@
         <p:spPr>
           <a:xfrm>
             <a:off x="11444760" y="0"/>
-            <a:ext cx="740520" cy="6849360"/>
+            <a:ext cx="740160" cy="6849000"/>
           </a:xfrm>
           <a:prstGeom prst="rect">
             <a:avLst/>
@@ -12813,7 +12813,7 @@
         <p:spPr>
           <a:xfrm>
             <a:off x="11438640" y="6453360"/>
-            <a:ext cx="757440" cy="363960"/>
+            <a:ext cx="757080" cy="363960"/>
           </a:xfrm>
           <a:prstGeom prst="rect">
             <a:avLst/>
@@ -12839,7 +12839,7 @@
                 <a:spcPct val="100000"/>
               </a:lnSpc>
             </a:pPr>
-            <a:fld id="{CC432DD7-0499-4E12-AE6D-431FEFF2CD61}" type="slidenum">
+            <a:fld id="{D256F652-9CC3-46E0-8247-A923A9462F98}" type="slidenum">
               <a:rPr b="0" lang="en-US" sz="1800" spc="-1" strike="noStrike">
                 <a:solidFill>
                   <a:srgbClr val="808080"/>
@@ -12867,7 +12867,7 @@
         <p:spPr>
           <a:xfrm>
             <a:off x="0" y="6642720"/>
-            <a:ext cx="12183480" cy="211320"/>
+            <a:ext cx="12183120" cy="211320"/>
           </a:xfrm>
           <a:prstGeom prst="rect">
             <a:avLst/>
@@ -13228,7 +13228,7 @@
         <p:spPr>
           <a:xfrm>
             <a:off x="11444760" y="0"/>
-            <a:ext cx="740520" cy="6849360"/>
+            <a:ext cx="740160" cy="6849000"/>
           </a:xfrm>
           <a:prstGeom prst="rect">
             <a:avLst/>
@@ -13277,7 +13277,7 @@
         <p:spPr>
           <a:xfrm>
             <a:off x="11438640" y="6453360"/>
-            <a:ext cx="757440" cy="363960"/>
+            <a:ext cx="757080" cy="363960"/>
           </a:xfrm>
           <a:prstGeom prst="rect">
             <a:avLst/>
@@ -13303,7 +13303,7 @@
                 <a:spcPct val="100000"/>
               </a:lnSpc>
             </a:pPr>
-            <a:fld id="{C045B807-00D9-4B7D-967B-B878B6530B04}" type="slidenum">
+            <a:fld id="{A05507AA-1AF5-4AF6-B350-80EB3F2C4E2E}" type="slidenum">
               <a:rPr b="0" lang="en-US" sz="1800" spc="-1" strike="noStrike">
                 <a:solidFill>
                   <a:srgbClr val="808080"/>
@@ -13331,7 +13331,7 @@
         <p:spPr>
           <a:xfrm>
             <a:off x="912240" y="1268280"/>
-            <a:ext cx="9207360" cy="360720"/>
+            <a:ext cx="9207000" cy="360360"/>
           </a:xfrm>
           <a:prstGeom prst="rect">
             <a:avLst/>
@@ -13380,7 +13380,7 @@
         <p:spPr>
           <a:xfrm>
             <a:off x="0" y="0"/>
-            <a:ext cx="3051360" cy="561240"/>
+            <a:ext cx="3051000" cy="560880"/>
           </a:xfrm>
           <a:prstGeom prst="rect">
             <a:avLst/>
@@ -13403,7 +13403,7 @@
         <p:spPr>
           <a:xfrm>
             <a:off x="7430400" y="134640"/>
-            <a:ext cx="3697200" cy="513360"/>
+            <a:ext cx="3696840" cy="513000"/>
           </a:xfrm>
           <a:prstGeom prst="rect">
             <a:avLst/>
@@ -13422,7 +13422,7 @@
         <p:spPr>
           <a:xfrm>
             <a:off x="912240" y="1268280"/>
-            <a:ext cx="9207360" cy="360720"/>
+            <a:ext cx="9207000" cy="360360"/>
           </a:xfrm>
           <a:prstGeom prst="rect">
             <a:avLst/>
@@ -13467,7 +13467,7 @@
         <p:spPr>
           <a:xfrm>
             <a:off x="11444760" y="0"/>
-            <a:ext cx="740520" cy="6849360"/>
+            <a:ext cx="740160" cy="6849000"/>
           </a:xfrm>
           <a:prstGeom prst="rect">
             <a:avLst/>
@@ -13516,7 +13516,7 @@
         <p:spPr>
           <a:xfrm>
             <a:off x="0" y="6642720"/>
-            <a:ext cx="12183480" cy="211320"/>
+            <a:ext cx="12183120" cy="211320"/>
           </a:xfrm>
           <a:prstGeom prst="rect">
             <a:avLst/>
@@ -14327,7 +14327,7 @@
         <p:spPr>
           <a:xfrm>
             <a:off x="11444760" y="0"/>
-            <a:ext cx="740